--- a/Images.pptx
+++ b/Images.pptx
@@ -7,6 +7,12 @@
   <p:sldIdLst>
     <p:sldId id="256" r:id="rId2"/>
     <p:sldId id="257" r:id="rId3"/>
+    <p:sldId id="259" r:id="rId4"/>
+    <p:sldId id="258" r:id="rId5"/>
+    <p:sldId id="260" r:id="rId6"/>
+    <p:sldId id="261" r:id="rId7"/>
+    <p:sldId id="262" r:id="rId8"/>
+    <p:sldId id="263" r:id="rId9"/>
   </p:sldIdLst>
   <p:sldSz cx="12192000" cy="6858000"/>
   <p:notesSz cx="6858000" cy="9144000"/>
@@ -105,6 +111,11 @@
       </a:defRPr>
     </a:lvl9pPr>
   </p:defaultTextStyle>
+  <p:extLst>
+    <p:ext uri="{EFAFB233-063F-42B5-8137-9DF3F51BA10A}">
+      <p15:sldGuideLst xmlns:p15="http://schemas.microsoft.com/office/powerpoint/2012/main"/>
+    </p:ext>
+  </p:extLst>
 </p:presentation>
 </file>
 
@@ -255,7 +266,7 @@
           <a:p>
             <a:fld id="{AA664FF4-21B7-42BA-B2A9-563C2A71FA7D}" type="datetimeFigureOut">
               <a:rPr lang="en-US" smtClean="0"/>
-              <a:t>9/25/2023</a:t>
+              <a:t>9/26/2023</a:t>
             </a:fld>
             <a:endParaRPr lang="en-US"/>
           </a:p>
@@ -453,7 +464,7 @@
           <a:p>
             <a:fld id="{AA664FF4-21B7-42BA-B2A9-563C2A71FA7D}" type="datetimeFigureOut">
               <a:rPr lang="en-US" smtClean="0"/>
-              <a:t>9/25/2023</a:t>
+              <a:t>9/26/2023</a:t>
             </a:fld>
             <a:endParaRPr lang="en-US"/>
           </a:p>
@@ -661,7 +672,7 @@
           <a:p>
             <a:fld id="{AA664FF4-21B7-42BA-B2A9-563C2A71FA7D}" type="datetimeFigureOut">
               <a:rPr lang="en-US" smtClean="0"/>
-              <a:t>9/25/2023</a:t>
+              <a:t>9/26/2023</a:t>
             </a:fld>
             <a:endParaRPr lang="en-US"/>
           </a:p>
@@ -859,7 +870,7 @@
           <a:p>
             <a:fld id="{AA664FF4-21B7-42BA-B2A9-563C2A71FA7D}" type="datetimeFigureOut">
               <a:rPr lang="en-US" smtClean="0"/>
-              <a:t>9/25/2023</a:t>
+              <a:t>9/26/2023</a:t>
             </a:fld>
             <a:endParaRPr lang="en-US"/>
           </a:p>
@@ -1134,7 +1145,7 @@
           <a:p>
             <a:fld id="{AA664FF4-21B7-42BA-B2A9-563C2A71FA7D}" type="datetimeFigureOut">
               <a:rPr lang="en-US" smtClean="0"/>
-              <a:t>9/25/2023</a:t>
+              <a:t>9/26/2023</a:t>
             </a:fld>
             <a:endParaRPr lang="en-US"/>
           </a:p>
@@ -1399,7 +1410,7 @@
           <a:p>
             <a:fld id="{AA664FF4-21B7-42BA-B2A9-563C2A71FA7D}" type="datetimeFigureOut">
               <a:rPr lang="en-US" smtClean="0"/>
-              <a:t>9/25/2023</a:t>
+              <a:t>9/26/2023</a:t>
             </a:fld>
             <a:endParaRPr lang="en-US"/>
           </a:p>
@@ -1811,7 +1822,7 @@
           <a:p>
             <a:fld id="{AA664FF4-21B7-42BA-B2A9-563C2A71FA7D}" type="datetimeFigureOut">
               <a:rPr lang="en-US" smtClean="0"/>
-              <a:t>9/25/2023</a:t>
+              <a:t>9/26/2023</a:t>
             </a:fld>
             <a:endParaRPr lang="en-US"/>
           </a:p>
@@ -1952,7 +1963,7 @@
           <a:p>
             <a:fld id="{AA664FF4-21B7-42BA-B2A9-563C2A71FA7D}" type="datetimeFigureOut">
               <a:rPr lang="en-US" smtClean="0"/>
-              <a:t>9/25/2023</a:t>
+              <a:t>9/26/2023</a:t>
             </a:fld>
             <a:endParaRPr lang="en-US"/>
           </a:p>
@@ -2065,7 +2076,7 @@
           <a:p>
             <a:fld id="{AA664FF4-21B7-42BA-B2A9-563C2A71FA7D}" type="datetimeFigureOut">
               <a:rPr lang="en-US" smtClean="0"/>
-              <a:t>9/25/2023</a:t>
+              <a:t>9/26/2023</a:t>
             </a:fld>
             <a:endParaRPr lang="en-US"/>
           </a:p>
@@ -2376,7 +2387,7 @@
           <a:p>
             <a:fld id="{AA664FF4-21B7-42BA-B2A9-563C2A71FA7D}" type="datetimeFigureOut">
               <a:rPr lang="en-US" smtClean="0"/>
-              <a:t>9/25/2023</a:t>
+              <a:t>9/26/2023</a:t>
             </a:fld>
             <a:endParaRPr lang="en-US"/>
           </a:p>
@@ -2664,7 +2675,7 @@
           <a:p>
             <a:fld id="{AA664FF4-21B7-42BA-B2A9-563C2A71FA7D}" type="datetimeFigureOut">
               <a:rPr lang="en-US" smtClean="0"/>
-              <a:t>9/25/2023</a:t>
+              <a:t>9/26/2023</a:t>
             </a:fld>
             <a:endParaRPr lang="en-US"/>
           </a:p>
@@ -2905,7 +2916,7 @@
           <a:p>
             <a:fld id="{AA664FF4-21B7-42BA-B2A9-563C2A71FA7D}" type="datetimeFigureOut">
               <a:rPr lang="en-US" smtClean="0"/>
-              <a:t>9/25/2023</a:t>
+              <a:t>9/26/2023</a:t>
             </a:fld>
             <a:endParaRPr lang="en-US"/>
           </a:p>
@@ -4550,6 +4561,5351 @@
 </p:sld>
 </file>
 
+<file path=ppt/slides/slide3.xml><?xml version="1.0" encoding="utf-8"?>
+<p:sld xmlns:a="http://schemas.openxmlformats.org/drawingml/2006/main" xmlns:r="http://schemas.openxmlformats.org/officeDocument/2006/relationships" xmlns:p="http://schemas.openxmlformats.org/presentationml/2006/main">
+  <p:cSld>
+    <p:spTree>
+      <p:nvGrpSpPr>
+        <p:cNvPr id="1" name=""/>
+        <p:cNvGrpSpPr/>
+        <p:nvPr/>
+      </p:nvGrpSpPr>
+      <p:grpSpPr>
+        <a:xfrm>
+          <a:off x="0" y="0"/>
+          <a:ext cx="0" cy="0"/>
+          <a:chOff x="0" y="0"/>
+          <a:chExt cx="0" cy="0"/>
+        </a:xfrm>
+      </p:grpSpPr>
+      <p:sp>
+        <p:nvSpPr>
+          <p:cNvPr id="2" name="Oval 1">
+            <a:extLst>
+              <a:ext uri="{FF2B5EF4-FFF2-40B4-BE49-F238E27FC236}">
+                <a16:creationId xmlns:a16="http://schemas.microsoft.com/office/drawing/2014/main" id="{05724B3D-44F9-45E3-E81C-CD18E993391C}"/>
+              </a:ext>
+            </a:extLst>
+          </p:cNvPr>
+          <p:cNvSpPr/>
+          <p:nvPr/>
+        </p:nvSpPr>
+        <p:spPr>
+          <a:xfrm>
+            <a:off x="5075853" y="2509935"/>
+            <a:ext cx="1847461" cy="1334277"/>
+          </a:xfrm>
+          <a:prstGeom prst="ellipse">
+            <a:avLst/>
+          </a:prstGeom>
+        </p:spPr>
+        <p:style>
+          <a:lnRef idx="2">
+            <a:schemeClr val="accent1">
+              <a:shade val="15000"/>
+            </a:schemeClr>
+          </a:lnRef>
+          <a:fillRef idx="1">
+            <a:schemeClr val="accent1"/>
+          </a:fillRef>
+          <a:effectRef idx="0">
+            <a:schemeClr val="accent1"/>
+          </a:effectRef>
+          <a:fontRef idx="minor">
+            <a:schemeClr val="lt1"/>
+          </a:fontRef>
+        </p:style>
+        <p:txBody>
+          <a:bodyPr rtlCol="0" anchor="ctr"/>
+          <a:lstStyle/>
+          <a:p>
+            <a:pPr algn="ctr"/>
+            <a:r>
+              <a:rPr lang="en-US" dirty="0"/>
+              <a:t>E-Comm</a:t>
+            </a:r>
+          </a:p>
+        </p:txBody>
+      </p:sp>
+      <p:sp>
+        <p:nvSpPr>
+          <p:cNvPr id="3" name="Oval 2">
+            <a:extLst>
+              <a:ext uri="{FF2B5EF4-FFF2-40B4-BE49-F238E27FC236}">
+                <a16:creationId xmlns:a16="http://schemas.microsoft.com/office/drawing/2014/main" id="{EC2E7DE4-81B4-BBB0-C923-1C41FF9AEDFC}"/>
+              </a:ext>
+            </a:extLst>
+          </p:cNvPr>
+          <p:cNvSpPr/>
+          <p:nvPr/>
+        </p:nvSpPr>
+        <p:spPr>
+          <a:xfrm>
+            <a:off x="712237" y="755781"/>
+            <a:ext cx="1847461" cy="1038806"/>
+          </a:xfrm>
+          <a:prstGeom prst="ellipse">
+            <a:avLst/>
+          </a:prstGeom>
+        </p:spPr>
+        <p:style>
+          <a:lnRef idx="2">
+            <a:schemeClr val="accent1">
+              <a:shade val="15000"/>
+            </a:schemeClr>
+          </a:lnRef>
+          <a:fillRef idx="1">
+            <a:schemeClr val="accent1"/>
+          </a:fillRef>
+          <a:effectRef idx="0">
+            <a:schemeClr val="accent1"/>
+          </a:effectRef>
+          <a:fontRef idx="minor">
+            <a:schemeClr val="lt1"/>
+          </a:fontRef>
+        </p:style>
+        <p:txBody>
+          <a:bodyPr rtlCol="0" anchor="ctr"/>
+          <a:lstStyle/>
+          <a:p>
+            <a:pPr algn="ctr"/>
+            <a:r>
+              <a:rPr lang="en-US" dirty="0"/>
+              <a:t>Product</a:t>
+            </a:r>
+          </a:p>
+        </p:txBody>
+      </p:sp>
+      <p:sp>
+        <p:nvSpPr>
+          <p:cNvPr id="4" name="Oval 3">
+            <a:extLst>
+              <a:ext uri="{FF2B5EF4-FFF2-40B4-BE49-F238E27FC236}">
+                <a16:creationId xmlns:a16="http://schemas.microsoft.com/office/drawing/2014/main" id="{3919D11A-038C-B4BE-B180-7C73725E566D}"/>
+              </a:ext>
+            </a:extLst>
+          </p:cNvPr>
+          <p:cNvSpPr/>
+          <p:nvPr/>
+        </p:nvSpPr>
+        <p:spPr>
+          <a:xfrm>
+            <a:off x="5075853" y="332791"/>
+            <a:ext cx="2136710" cy="1334277"/>
+          </a:xfrm>
+          <a:prstGeom prst="ellipse">
+            <a:avLst/>
+          </a:prstGeom>
+        </p:spPr>
+        <p:style>
+          <a:lnRef idx="2">
+            <a:schemeClr val="accent1">
+              <a:shade val="15000"/>
+            </a:schemeClr>
+          </a:lnRef>
+          <a:fillRef idx="1">
+            <a:schemeClr val="accent1"/>
+          </a:fillRef>
+          <a:effectRef idx="0">
+            <a:schemeClr val="accent1"/>
+          </a:effectRef>
+          <a:fontRef idx="minor">
+            <a:schemeClr val="lt1"/>
+          </a:fontRef>
+        </p:style>
+        <p:txBody>
+          <a:bodyPr rtlCol="0" anchor="ctr"/>
+          <a:lstStyle/>
+          <a:p>
+            <a:pPr algn="ctr"/>
+            <a:r>
+              <a:rPr lang="en-US" dirty="0"/>
+              <a:t>Manufacturer</a:t>
+            </a:r>
+          </a:p>
+        </p:txBody>
+      </p:sp>
+      <p:sp>
+        <p:nvSpPr>
+          <p:cNvPr id="5" name="Oval 4">
+            <a:extLst>
+              <a:ext uri="{FF2B5EF4-FFF2-40B4-BE49-F238E27FC236}">
+                <a16:creationId xmlns:a16="http://schemas.microsoft.com/office/drawing/2014/main" id="{46D0188D-5140-57D1-23C5-B97A5929239F}"/>
+              </a:ext>
+            </a:extLst>
+          </p:cNvPr>
+          <p:cNvSpPr/>
+          <p:nvPr/>
+        </p:nvSpPr>
+        <p:spPr>
+          <a:xfrm>
+            <a:off x="567612" y="4767942"/>
+            <a:ext cx="2136710" cy="1334277"/>
+          </a:xfrm>
+          <a:prstGeom prst="ellipse">
+            <a:avLst/>
+          </a:prstGeom>
+        </p:spPr>
+        <p:style>
+          <a:lnRef idx="2">
+            <a:schemeClr val="accent1">
+              <a:shade val="15000"/>
+            </a:schemeClr>
+          </a:lnRef>
+          <a:fillRef idx="1">
+            <a:schemeClr val="accent1"/>
+          </a:fillRef>
+          <a:effectRef idx="0">
+            <a:schemeClr val="accent1"/>
+          </a:effectRef>
+          <a:fontRef idx="minor">
+            <a:schemeClr val="lt1"/>
+          </a:fontRef>
+        </p:style>
+        <p:txBody>
+          <a:bodyPr rtlCol="0" anchor="ctr"/>
+          <a:lstStyle/>
+          <a:p>
+            <a:pPr algn="ctr"/>
+            <a:r>
+              <a:rPr lang="en-US" dirty="0"/>
+              <a:t>Customer</a:t>
+            </a:r>
+          </a:p>
+        </p:txBody>
+      </p:sp>
+      <p:cxnSp>
+        <p:nvCxnSpPr>
+          <p:cNvPr id="7" name="Connector: Elbow 6">
+            <a:extLst>
+              <a:ext uri="{FF2B5EF4-FFF2-40B4-BE49-F238E27FC236}">
+                <a16:creationId xmlns:a16="http://schemas.microsoft.com/office/drawing/2014/main" id="{0B24B59A-96F0-5800-667F-20915B00F6CD}"/>
+              </a:ext>
+            </a:extLst>
+          </p:cNvPr>
+          <p:cNvCxnSpPr>
+            <a:cxnSpLocks/>
+            <a:stCxn id="4" idx="2"/>
+            <a:endCxn id="3" idx="6"/>
+          </p:cNvCxnSpPr>
+          <p:nvPr/>
+        </p:nvCxnSpPr>
+        <p:spPr>
+          <a:xfrm rot="10800000" flipV="1">
+            <a:off x="2559699" y="999930"/>
+            <a:ext cx="2516155" cy="275254"/>
+          </a:xfrm>
+          <a:prstGeom prst="bentConnector3">
+            <a:avLst/>
+          </a:prstGeom>
+          <a:ln>
+            <a:tailEnd type="triangle"/>
+          </a:ln>
+        </p:spPr>
+        <p:style>
+          <a:lnRef idx="1">
+            <a:schemeClr val="accent1"/>
+          </a:lnRef>
+          <a:fillRef idx="0">
+            <a:schemeClr val="accent1"/>
+          </a:fillRef>
+          <a:effectRef idx="0">
+            <a:schemeClr val="accent1"/>
+          </a:effectRef>
+          <a:fontRef idx="minor">
+            <a:schemeClr val="tx1"/>
+          </a:fontRef>
+        </p:style>
+      </p:cxnSp>
+      <p:sp>
+        <p:nvSpPr>
+          <p:cNvPr id="8" name="TextBox 7">
+            <a:extLst>
+              <a:ext uri="{FF2B5EF4-FFF2-40B4-BE49-F238E27FC236}">
+                <a16:creationId xmlns:a16="http://schemas.microsoft.com/office/drawing/2014/main" id="{3FE6DDFD-8524-3E6F-68AC-012C2020EC57}"/>
+              </a:ext>
+            </a:extLst>
+          </p:cNvPr>
+          <p:cNvSpPr txBox="1"/>
+          <p:nvPr/>
+        </p:nvSpPr>
+        <p:spPr>
+          <a:xfrm>
+            <a:off x="3172408" y="730120"/>
+            <a:ext cx="1492898" cy="923330"/>
+          </a:xfrm>
+          <a:prstGeom prst="rect">
+            <a:avLst/>
+          </a:prstGeom>
+          <a:noFill/>
+        </p:spPr>
+        <p:txBody>
+          <a:bodyPr wrap="square" rtlCol="0">
+            <a:spAutoFit/>
+          </a:bodyPr>
+          <a:lstStyle/>
+          <a:p>
+            <a:pPr algn="ctr"/>
+            <a:r>
+              <a:rPr lang="en-US" dirty="0"/>
+              <a:t>Register Product</a:t>
+            </a:r>
+          </a:p>
+          <a:p>
+            <a:pPr algn="ctr"/>
+            <a:r>
+              <a:rPr lang="en-US" dirty="0"/>
+              <a:t>One Or Many</a:t>
+            </a:r>
+          </a:p>
+        </p:txBody>
+      </p:sp>
+      <p:sp>
+        <p:nvSpPr>
+          <p:cNvPr id="9" name="Oval 8">
+            <a:extLst>
+              <a:ext uri="{FF2B5EF4-FFF2-40B4-BE49-F238E27FC236}">
+                <a16:creationId xmlns:a16="http://schemas.microsoft.com/office/drawing/2014/main" id="{69839770-01C0-E110-CC9C-703114AC4F4E}"/>
+              </a:ext>
+            </a:extLst>
+          </p:cNvPr>
+          <p:cNvSpPr/>
+          <p:nvPr/>
+        </p:nvSpPr>
+        <p:spPr>
+          <a:xfrm>
+            <a:off x="567612" y="2579719"/>
+            <a:ext cx="2136710" cy="1334277"/>
+          </a:xfrm>
+          <a:prstGeom prst="ellipse">
+            <a:avLst/>
+          </a:prstGeom>
+        </p:spPr>
+        <p:style>
+          <a:lnRef idx="2">
+            <a:schemeClr val="accent1">
+              <a:shade val="15000"/>
+            </a:schemeClr>
+          </a:lnRef>
+          <a:fillRef idx="1">
+            <a:schemeClr val="accent1"/>
+          </a:fillRef>
+          <a:effectRef idx="0">
+            <a:schemeClr val="accent1"/>
+          </a:effectRef>
+          <a:fontRef idx="minor">
+            <a:schemeClr val="lt1"/>
+          </a:fontRef>
+        </p:style>
+        <p:txBody>
+          <a:bodyPr rtlCol="0" anchor="ctr"/>
+          <a:lstStyle/>
+          <a:p>
+            <a:pPr algn="ctr"/>
+            <a:r>
+              <a:rPr lang="en-US" dirty="0"/>
+              <a:t>Order</a:t>
+            </a:r>
+          </a:p>
+        </p:txBody>
+      </p:sp>
+      <p:cxnSp>
+        <p:nvCxnSpPr>
+          <p:cNvPr id="11" name="Connector: Elbow 10">
+            <a:extLst>
+              <a:ext uri="{FF2B5EF4-FFF2-40B4-BE49-F238E27FC236}">
+                <a16:creationId xmlns:a16="http://schemas.microsoft.com/office/drawing/2014/main" id="{2435CF65-3879-D49F-18F7-4B5740299591}"/>
+              </a:ext>
+            </a:extLst>
+          </p:cNvPr>
+          <p:cNvCxnSpPr>
+            <a:stCxn id="5" idx="0"/>
+            <a:endCxn id="9" idx="4"/>
+          </p:cNvCxnSpPr>
+          <p:nvPr/>
+        </p:nvCxnSpPr>
+        <p:spPr>
+          <a:xfrm rot="5400000" flipH="1" flipV="1">
+            <a:off x="1208994" y="4340969"/>
+            <a:ext cx="853946" cy="12700"/>
+          </a:xfrm>
+          <a:prstGeom prst="bentConnector3">
+            <a:avLst/>
+          </a:prstGeom>
+          <a:ln>
+            <a:tailEnd type="triangle"/>
+          </a:ln>
+        </p:spPr>
+        <p:style>
+          <a:lnRef idx="1">
+            <a:schemeClr val="accent1"/>
+          </a:lnRef>
+          <a:fillRef idx="0">
+            <a:schemeClr val="accent1"/>
+          </a:fillRef>
+          <a:effectRef idx="0">
+            <a:schemeClr val="accent1"/>
+          </a:effectRef>
+          <a:fontRef idx="minor">
+            <a:schemeClr val="tx1"/>
+          </a:fontRef>
+        </p:style>
+      </p:cxnSp>
+      <p:sp>
+        <p:nvSpPr>
+          <p:cNvPr id="12" name="TextBox 11">
+            <a:extLst>
+              <a:ext uri="{FF2B5EF4-FFF2-40B4-BE49-F238E27FC236}">
+                <a16:creationId xmlns:a16="http://schemas.microsoft.com/office/drawing/2014/main" id="{07550642-5448-C582-3682-5C105F370326}"/>
+              </a:ext>
+            </a:extLst>
+          </p:cNvPr>
+          <p:cNvSpPr txBox="1"/>
+          <p:nvPr/>
+        </p:nvSpPr>
+        <p:spPr>
+          <a:xfrm>
+            <a:off x="712237" y="4170784"/>
+            <a:ext cx="2870718" cy="369332"/>
+          </a:xfrm>
+          <a:prstGeom prst="rect">
+            <a:avLst/>
+          </a:prstGeom>
+          <a:noFill/>
+        </p:spPr>
+        <p:txBody>
+          <a:bodyPr wrap="square" rtlCol="0">
+            <a:spAutoFit/>
+          </a:bodyPr>
+          <a:lstStyle/>
+          <a:p>
+            <a:pPr algn="ctr"/>
+            <a:r>
+              <a:rPr lang="en-US" dirty="0"/>
+              <a:t>Places</a:t>
+            </a:r>
+          </a:p>
+        </p:txBody>
+      </p:sp>
+      <p:cxnSp>
+        <p:nvCxnSpPr>
+          <p:cNvPr id="14" name="Connector: Elbow 13">
+            <a:extLst>
+              <a:ext uri="{FF2B5EF4-FFF2-40B4-BE49-F238E27FC236}">
+                <a16:creationId xmlns:a16="http://schemas.microsoft.com/office/drawing/2014/main" id="{B929032B-BAC5-0B7D-E15B-FF1DDE9CDEAB}"/>
+              </a:ext>
+            </a:extLst>
+          </p:cNvPr>
+          <p:cNvCxnSpPr>
+            <a:cxnSpLocks/>
+            <a:stCxn id="9" idx="0"/>
+            <a:endCxn id="3" idx="4"/>
+          </p:cNvCxnSpPr>
+          <p:nvPr/>
+        </p:nvCxnSpPr>
+        <p:spPr>
+          <a:xfrm rot="5400000" flipH="1" flipV="1">
+            <a:off x="1243401" y="2187153"/>
+            <a:ext cx="785132" cy="1"/>
+          </a:xfrm>
+          <a:prstGeom prst="bentConnector3">
+            <a:avLst/>
+          </a:prstGeom>
+          <a:ln>
+            <a:tailEnd type="triangle"/>
+          </a:ln>
+        </p:spPr>
+        <p:style>
+          <a:lnRef idx="1">
+            <a:schemeClr val="accent1"/>
+          </a:lnRef>
+          <a:fillRef idx="0">
+            <a:schemeClr val="accent1"/>
+          </a:fillRef>
+          <a:effectRef idx="0">
+            <a:schemeClr val="accent1"/>
+          </a:effectRef>
+          <a:fontRef idx="minor">
+            <a:schemeClr val="tx1"/>
+          </a:fontRef>
+        </p:style>
+      </p:cxnSp>
+      <p:sp>
+        <p:nvSpPr>
+          <p:cNvPr id="15" name="TextBox 14">
+            <a:extLst>
+              <a:ext uri="{FF2B5EF4-FFF2-40B4-BE49-F238E27FC236}">
+                <a16:creationId xmlns:a16="http://schemas.microsoft.com/office/drawing/2014/main" id="{1E8FBDC4-8C90-F729-07AE-212255DE9E90}"/>
+              </a:ext>
+            </a:extLst>
+          </p:cNvPr>
+          <p:cNvSpPr txBox="1"/>
+          <p:nvPr/>
+        </p:nvSpPr>
+        <p:spPr>
+          <a:xfrm>
+            <a:off x="712236" y="2016968"/>
+            <a:ext cx="2208246" cy="646331"/>
+          </a:xfrm>
+          <a:prstGeom prst="rect">
+            <a:avLst/>
+          </a:prstGeom>
+          <a:noFill/>
+        </p:spPr>
+        <p:txBody>
+          <a:bodyPr wrap="square" rtlCol="0">
+            <a:spAutoFit/>
+          </a:bodyPr>
+          <a:lstStyle/>
+          <a:p>
+            <a:pPr algn="ctr"/>
+            <a:r>
+              <a:rPr lang="en-US" dirty="0"/>
+              <a:t>Order for one or more Products</a:t>
+            </a:r>
+          </a:p>
+        </p:txBody>
+      </p:sp>
+      <p:sp>
+        <p:nvSpPr>
+          <p:cNvPr id="16" name="Oval 15">
+            <a:extLst>
+              <a:ext uri="{FF2B5EF4-FFF2-40B4-BE49-F238E27FC236}">
+                <a16:creationId xmlns:a16="http://schemas.microsoft.com/office/drawing/2014/main" id="{B04F1BB7-C01F-CE27-D23C-48DEA8455868}"/>
+              </a:ext>
+            </a:extLst>
+          </p:cNvPr>
+          <p:cNvSpPr/>
+          <p:nvPr/>
+        </p:nvSpPr>
+        <p:spPr>
+          <a:xfrm>
+            <a:off x="4907902" y="4845761"/>
+            <a:ext cx="2015412" cy="1178638"/>
+          </a:xfrm>
+          <a:prstGeom prst="ellipse">
+            <a:avLst/>
+          </a:prstGeom>
+        </p:spPr>
+        <p:style>
+          <a:lnRef idx="2">
+            <a:schemeClr val="accent1">
+              <a:shade val="15000"/>
+            </a:schemeClr>
+          </a:lnRef>
+          <a:fillRef idx="1">
+            <a:schemeClr val="accent1"/>
+          </a:fillRef>
+          <a:effectRef idx="0">
+            <a:schemeClr val="accent1"/>
+          </a:effectRef>
+          <a:fontRef idx="minor">
+            <a:schemeClr val="lt1"/>
+          </a:fontRef>
+        </p:style>
+        <p:txBody>
+          <a:bodyPr rtlCol="0" anchor="ctr"/>
+          <a:lstStyle/>
+          <a:p>
+            <a:pPr algn="ctr"/>
+            <a:r>
+              <a:rPr lang="en-US" dirty="0"/>
+              <a:t>Order Processing</a:t>
+            </a:r>
+          </a:p>
+        </p:txBody>
+      </p:sp>
+      <p:cxnSp>
+        <p:nvCxnSpPr>
+          <p:cNvPr id="18" name="Connector: Elbow 17">
+            <a:extLst>
+              <a:ext uri="{FF2B5EF4-FFF2-40B4-BE49-F238E27FC236}">
+                <a16:creationId xmlns:a16="http://schemas.microsoft.com/office/drawing/2014/main" id="{BDBFAD71-CA00-650F-9B8E-57FB899159EB}"/>
+              </a:ext>
+            </a:extLst>
+          </p:cNvPr>
+          <p:cNvCxnSpPr>
+            <a:stCxn id="9" idx="6"/>
+            <a:endCxn id="16" idx="2"/>
+          </p:cNvCxnSpPr>
+          <p:nvPr/>
+        </p:nvCxnSpPr>
+        <p:spPr>
+          <a:xfrm>
+            <a:off x="2704322" y="3246858"/>
+            <a:ext cx="2203580" cy="2188222"/>
+          </a:xfrm>
+          <a:prstGeom prst="bentConnector3">
+            <a:avLst/>
+          </a:prstGeom>
+          <a:ln>
+            <a:tailEnd type="triangle"/>
+          </a:ln>
+        </p:spPr>
+        <p:style>
+          <a:lnRef idx="1">
+            <a:schemeClr val="accent1"/>
+          </a:lnRef>
+          <a:fillRef idx="0">
+            <a:schemeClr val="accent1"/>
+          </a:fillRef>
+          <a:effectRef idx="0">
+            <a:schemeClr val="accent1"/>
+          </a:effectRef>
+          <a:fontRef idx="minor">
+            <a:schemeClr val="tx1"/>
+          </a:fontRef>
+        </p:style>
+      </p:cxnSp>
+      <p:cxnSp>
+        <p:nvCxnSpPr>
+          <p:cNvPr id="20" name="Connector: Elbow 19">
+            <a:extLst>
+              <a:ext uri="{FF2B5EF4-FFF2-40B4-BE49-F238E27FC236}">
+                <a16:creationId xmlns:a16="http://schemas.microsoft.com/office/drawing/2014/main" id="{856349D7-9119-7D76-5F2E-F4ACDCA3DD52}"/>
+              </a:ext>
+            </a:extLst>
+          </p:cNvPr>
+          <p:cNvCxnSpPr>
+            <a:stCxn id="5" idx="6"/>
+            <a:endCxn id="16" idx="2"/>
+          </p:cNvCxnSpPr>
+          <p:nvPr/>
+        </p:nvCxnSpPr>
+        <p:spPr>
+          <a:xfrm flipV="1">
+            <a:off x="2704322" y="5435080"/>
+            <a:ext cx="2203580" cy="1"/>
+          </a:xfrm>
+          <a:prstGeom prst="bentConnector3">
+            <a:avLst/>
+          </a:prstGeom>
+          <a:ln>
+            <a:tailEnd type="triangle"/>
+          </a:ln>
+        </p:spPr>
+        <p:style>
+          <a:lnRef idx="1">
+            <a:schemeClr val="accent1"/>
+          </a:lnRef>
+          <a:fillRef idx="0">
+            <a:schemeClr val="accent1"/>
+          </a:fillRef>
+          <a:effectRef idx="0">
+            <a:schemeClr val="accent1"/>
+          </a:effectRef>
+          <a:fontRef idx="minor">
+            <a:schemeClr val="tx1"/>
+          </a:fontRef>
+        </p:style>
+      </p:cxnSp>
+      <p:sp>
+        <p:nvSpPr>
+          <p:cNvPr id="21" name="Oval 20">
+            <a:extLst>
+              <a:ext uri="{FF2B5EF4-FFF2-40B4-BE49-F238E27FC236}">
+                <a16:creationId xmlns:a16="http://schemas.microsoft.com/office/drawing/2014/main" id="{77DAAB41-E195-84D5-FEF3-1D725B812782}"/>
+              </a:ext>
+            </a:extLst>
+          </p:cNvPr>
+          <p:cNvSpPr/>
+          <p:nvPr/>
+        </p:nvSpPr>
+        <p:spPr>
+          <a:xfrm>
+            <a:off x="7971453" y="3820884"/>
+            <a:ext cx="2015412" cy="1178638"/>
+          </a:xfrm>
+          <a:prstGeom prst="ellipse">
+            <a:avLst/>
+          </a:prstGeom>
+        </p:spPr>
+        <p:style>
+          <a:lnRef idx="2">
+            <a:schemeClr val="accent1">
+              <a:shade val="15000"/>
+            </a:schemeClr>
+          </a:lnRef>
+          <a:fillRef idx="1">
+            <a:schemeClr val="accent1"/>
+          </a:fillRef>
+          <a:effectRef idx="0">
+            <a:schemeClr val="accent1"/>
+          </a:effectRef>
+          <a:fontRef idx="minor">
+            <a:schemeClr val="lt1"/>
+          </a:fontRef>
+        </p:style>
+        <p:txBody>
+          <a:bodyPr rtlCol="0" anchor="ctr"/>
+          <a:lstStyle/>
+          <a:p>
+            <a:pPr algn="ctr"/>
+            <a:r>
+              <a:rPr lang="en-US" dirty="0"/>
+              <a:t>Dispatch Order</a:t>
+            </a:r>
+          </a:p>
+        </p:txBody>
+      </p:sp>
+      <p:sp>
+        <p:nvSpPr>
+          <p:cNvPr id="22" name="TextBox 21">
+            <a:extLst>
+              <a:ext uri="{FF2B5EF4-FFF2-40B4-BE49-F238E27FC236}">
+                <a16:creationId xmlns:a16="http://schemas.microsoft.com/office/drawing/2014/main" id="{E0E11188-8F79-1CB6-E911-523EA61E4275}"/>
+              </a:ext>
+            </a:extLst>
+          </p:cNvPr>
+          <p:cNvSpPr txBox="1"/>
+          <p:nvPr/>
+        </p:nvSpPr>
+        <p:spPr>
+          <a:xfrm>
+            <a:off x="3069771" y="4917233"/>
+            <a:ext cx="1595535" cy="1200329"/>
+          </a:xfrm>
+          <a:prstGeom prst="rect">
+            <a:avLst/>
+          </a:prstGeom>
+          <a:noFill/>
+        </p:spPr>
+        <p:txBody>
+          <a:bodyPr wrap="square" rtlCol="0">
+            <a:spAutoFit/>
+          </a:bodyPr>
+          <a:lstStyle/>
+          <a:p>
+            <a:r>
+              <a:rPr lang="en-US" dirty="0"/>
+              <a:t>Order for Customer Is Approved and Processed</a:t>
+            </a:r>
+          </a:p>
+        </p:txBody>
+      </p:sp>
+      <p:cxnSp>
+        <p:nvCxnSpPr>
+          <p:cNvPr id="24" name="Connector: Elbow 23">
+            <a:extLst>
+              <a:ext uri="{FF2B5EF4-FFF2-40B4-BE49-F238E27FC236}">
+                <a16:creationId xmlns:a16="http://schemas.microsoft.com/office/drawing/2014/main" id="{CCD1F792-5AC0-BD2D-4075-9640DB79E758}"/>
+              </a:ext>
+            </a:extLst>
+          </p:cNvPr>
+          <p:cNvCxnSpPr>
+            <a:stCxn id="16" idx="6"/>
+            <a:endCxn id="21" idx="4"/>
+          </p:cNvCxnSpPr>
+          <p:nvPr/>
+        </p:nvCxnSpPr>
+        <p:spPr>
+          <a:xfrm flipV="1">
+            <a:off x="6923314" y="4999522"/>
+            <a:ext cx="2055845" cy="435558"/>
+          </a:xfrm>
+          <a:prstGeom prst="bentConnector2">
+            <a:avLst/>
+          </a:prstGeom>
+          <a:ln>
+            <a:tailEnd type="triangle"/>
+          </a:ln>
+        </p:spPr>
+        <p:style>
+          <a:lnRef idx="1">
+            <a:schemeClr val="accent1"/>
+          </a:lnRef>
+          <a:fillRef idx="0">
+            <a:schemeClr val="accent1"/>
+          </a:fillRef>
+          <a:effectRef idx="0">
+            <a:schemeClr val="accent1"/>
+          </a:effectRef>
+          <a:fontRef idx="minor">
+            <a:schemeClr val="tx1"/>
+          </a:fontRef>
+        </p:style>
+      </p:cxnSp>
+      <p:sp>
+        <p:nvSpPr>
+          <p:cNvPr id="25" name="TextBox 24">
+            <a:extLst>
+              <a:ext uri="{FF2B5EF4-FFF2-40B4-BE49-F238E27FC236}">
+                <a16:creationId xmlns:a16="http://schemas.microsoft.com/office/drawing/2014/main" id="{BA0B66B7-395C-745D-D5AA-DCDD3C0C3148}"/>
+              </a:ext>
+            </a:extLst>
+          </p:cNvPr>
+          <p:cNvSpPr txBox="1"/>
+          <p:nvPr/>
+        </p:nvSpPr>
+        <p:spPr>
+          <a:xfrm>
+            <a:off x="8192278" y="5588841"/>
+            <a:ext cx="2397967" cy="369332"/>
+          </a:xfrm>
+          <a:prstGeom prst="rect">
+            <a:avLst/>
+          </a:prstGeom>
+          <a:noFill/>
+        </p:spPr>
+        <p:txBody>
+          <a:bodyPr wrap="square" rtlCol="0">
+            <a:spAutoFit/>
+          </a:bodyPr>
+          <a:lstStyle/>
+          <a:p>
+            <a:r>
+              <a:rPr lang="en-US" dirty="0"/>
+              <a:t>Order Dispatched</a:t>
+            </a:r>
+          </a:p>
+        </p:txBody>
+      </p:sp>
+      <p:cxnSp>
+        <p:nvCxnSpPr>
+          <p:cNvPr id="27" name="Connector: Elbow 26">
+            <a:extLst>
+              <a:ext uri="{FF2B5EF4-FFF2-40B4-BE49-F238E27FC236}">
+                <a16:creationId xmlns:a16="http://schemas.microsoft.com/office/drawing/2014/main" id="{5A536A48-CCD9-1C74-02F7-9889611ADA6E}"/>
+              </a:ext>
+            </a:extLst>
+          </p:cNvPr>
+          <p:cNvCxnSpPr>
+            <a:stCxn id="4" idx="7"/>
+          </p:cNvCxnSpPr>
+          <p:nvPr/>
+        </p:nvCxnSpPr>
+        <p:spPr>
+          <a:xfrm rot="16200000" flipH="1">
+            <a:off x="8071315" y="-643476"/>
+            <a:ext cx="87629" cy="2430963"/>
+          </a:xfrm>
+          <a:prstGeom prst="bentConnector4">
+            <a:avLst>
+              <a:gd name="adj1" fmla="val -260873"/>
+              <a:gd name="adj2" fmla="val 56436"/>
+            </a:avLst>
+          </a:prstGeom>
+          <a:ln>
+            <a:tailEnd type="triangle"/>
+          </a:ln>
+        </p:spPr>
+        <p:style>
+          <a:lnRef idx="1">
+            <a:schemeClr val="accent1"/>
+          </a:lnRef>
+          <a:fillRef idx="0">
+            <a:schemeClr val="accent1"/>
+          </a:fillRef>
+          <a:effectRef idx="0">
+            <a:schemeClr val="accent1"/>
+          </a:effectRef>
+          <a:fontRef idx="minor">
+            <a:schemeClr val="tx1"/>
+          </a:fontRef>
+        </p:style>
+      </p:cxnSp>
+      <p:sp>
+        <p:nvSpPr>
+          <p:cNvPr id="28" name="TextBox 27">
+            <a:extLst>
+              <a:ext uri="{FF2B5EF4-FFF2-40B4-BE49-F238E27FC236}">
+                <a16:creationId xmlns:a16="http://schemas.microsoft.com/office/drawing/2014/main" id="{725E4A3C-9F31-6163-53E4-FACE9A18DB19}"/>
+              </a:ext>
+            </a:extLst>
+          </p:cNvPr>
+          <p:cNvSpPr txBox="1"/>
+          <p:nvPr/>
+        </p:nvSpPr>
+        <p:spPr>
+          <a:xfrm>
+            <a:off x="9442580" y="332791"/>
+            <a:ext cx="2575249" cy="1200329"/>
+          </a:xfrm>
+          <a:prstGeom prst="rect">
+            <a:avLst/>
+          </a:prstGeom>
+          <a:noFill/>
+        </p:spPr>
+        <p:txBody>
+          <a:bodyPr wrap="square" rtlCol="0">
+            <a:spAutoFit/>
+          </a:bodyPr>
+          <a:lstStyle/>
+          <a:p>
+            <a:r>
+              <a:rPr lang="en-US" dirty="0"/>
+              <a:t>(Attributes)</a:t>
+            </a:r>
+          </a:p>
+          <a:p>
+            <a:r>
+              <a:rPr lang="en-US" dirty="0" err="1"/>
+              <a:t>ManufacturereId</a:t>
+            </a:r>
+            <a:r>
+              <a:rPr lang="en-US" dirty="0"/>
+              <a:t>, Name, Address, City, State, Contact No, Mobile No</a:t>
+            </a:r>
+          </a:p>
+        </p:txBody>
+      </p:sp>
+      <p:sp>
+        <p:nvSpPr>
+          <p:cNvPr id="29" name="TextBox 28">
+            <a:extLst>
+              <a:ext uri="{FF2B5EF4-FFF2-40B4-BE49-F238E27FC236}">
+                <a16:creationId xmlns:a16="http://schemas.microsoft.com/office/drawing/2014/main" id="{25DD8F35-9F22-4AD8-E205-30109AF8FA24}"/>
+              </a:ext>
+            </a:extLst>
+          </p:cNvPr>
+          <p:cNvSpPr txBox="1"/>
+          <p:nvPr/>
+        </p:nvSpPr>
+        <p:spPr>
+          <a:xfrm>
+            <a:off x="43543" y="83193"/>
+            <a:ext cx="4089918" cy="646331"/>
+          </a:xfrm>
+          <a:prstGeom prst="rect">
+            <a:avLst/>
+          </a:prstGeom>
+          <a:noFill/>
+        </p:spPr>
+        <p:txBody>
+          <a:bodyPr wrap="square" rtlCol="0">
+            <a:spAutoFit/>
+          </a:bodyPr>
+          <a:lstStyle/>
+          <a:p>
+            <a:pPr algn="ctr"/>
+            <a:r>
+              <a:rPr lang="en-US" dirty="0"/>
+              <a:t>Id, Name, Specifications, Version, </a:t>
+            </a:r>
+            <a:r>
+              <a:rPr lang="en-US" dirty="0" err="1"/>
+              <a:t>ManufacturerId</a:t>
+            </a:r>
+            <a:endParaRPr lang="en-US" dirty="0"/>
+          </a:p>
+        </p:txBody>
+      </p:sp>
+      <p:sp>
+        <p:nvSpPr>
+          <p:cNvPr id="35" name="Oval 34">
+            <a:extLst>
+              <a:ext uri="{FF2B5EF4-FFF2-40B4-BE49-F238E27FC236}">
+                <a16:creationId xmlns:a16="http://schemas.microsoft.com/office/drawing/2014/main" id="{C91F3A3E-182F-2D5E-DE19-1359E0EBDFEC}"/>
+              </a:ext>
+            </a:extLst>
+          </p:cNvPr>
+          <p:cNvSpPr/>
+          <p:nvPr/>
+        </p:nvSpPr>
+        <p:spPr>
+          <a:xfrm>
+            <a:off x="7826828" y="1732595"/>
+            <a:ext cx="2006079" cy="1452271"/>
+          </a:xfrm>
+          <a:prstGeom prst="ellipse">
+            <a:avLst/>
+          </a:prstGeom>
+        </p:spPr>
+        <p:style>
+          <a:lnRef idx="2">
+            <a:schemeClr val="accent1">
+              <a:shade val="15000"/>
+            </a:schemeClr>
+          </a:lnRef>
+          <a:fillRef idx="1">
+            <a:schemeClr val="accent1"/>
+          </a:fillRef>
+          <a:effectRef idx="0">
+            <a:schemeClr val="accent1"/>
+          </a:effectRef>
+          <a:fontRef idx="minor">
+            <a:schemeClr val="lt1"/>
+          </a:fontRef>
+        </p:style>
+        <p:txBody>
+          <a:bodyPr rtlCol="0" anchor="ctr"/>
+          <a:lstStyle/>
+          <a:p>
+            <a:pPr algn="ctr"/>
+            <a:r>
+              <a:rPr lang="en-US" dirty="0"/>
+              <a:t>Operation Staff e.g.</a:t>
+            </a:r>
+          </a:p>
+          <a:p>
+            <a:pPr algn="ctr"/>
+            <a:r>
+              <a:rPr lang="en-US" dirty="0"/>
+              <a:t>Employee</a:t>
+            </a:r>
+          </a:p>
+        </p:txBody>
+      </p:sp>
+      <p:sp>
+        <p:nvSpPr>
+          <p:cNvPr id="36" name="TextBox 35">
+            <a:extLst>
+              <a:ext uri="{FF2B5EF4-FFF2-40B4-BE49-F238E27FC236}">
+                <a16:creationId xmlns:a16="http://schemas.microsoft.com/office/drawing/2014/main" id="{EBBCFD50-D34A-9E38-16F7-890F4C82A7F4}"/>
+              </a:ext>
+            </a:extLst>
+          </p:cNvPr>
+          <p:cNvSpPr txBox="1"/>
+          <p:nvPr/>
+        </p:nvSpPr>
+        <p:spPr>
+          <a:xfrm>
+            <a:off x="9986865" y="1728520"/>
+            <a:ext cx="2015412" cy="2062103"/>
+          </a:xfrm>
+          <a:prstGeom prst="rect">
+            <a:avLst/>
+          </a:prstGeom>
+          <a:noFill/>
+        </p:spPr>
+        <p:txBody>
+          <a:bodyPr wrap="square" rtlCol="0">
+            <a:spAutoFit/>
+          </a:bodyPr>
+          <a:lstStyle/>
+          <a:p>
+            <a:pPr marL="285750" indent="-285750">
+              <a:buFont typeface="Arial" panose="020B0604020202020204" pitchFamily="34" charset="0"/>
+              <a:buChar char="•"/>
+            </a:pPr>
+            <a:r>
+              <a:rPr lang="en-US" sz="1600" dirty="0" err="1"/>
+              <a:t>VarifyOrder</a:t>
+            </a:r>
+            <a:endParaRPr lang="en-US" sz="1600" dirty="0"/>
+          </a:p>
+          <a:p>
+            <a:pPr marL="285750" indent="-285750">
+              <a:buFont typeface="Arial" panose="020B0604020202020204" pitchFamily="34" charset="0"/>
+              <a:buChar char="•"/>
+            </a:pPr>
+            <a:r>
+              <a:rPr lang="en-US" sz="1600" dirty="0" err="1"/>
+              <a:t>ApproveOrder</a:t>
+            </a:r>
+            <a:r>
+              <a:rPr lang="en-US" sz="1600" dirty="0"/>
+              <a:t>()</a:t>
+            </a:r>
+          </a:p>
+          <a:p>
+            <a:pPr marL="285750" indent="-285750">
+              <a:buFont typeface="Arial" panose="020B0604020202020204" pitchFamily="34" charset="0"/>
+              <a:buChar char="•"/>
+            </a:pPr>
+            <a:r>
+              <a:rPr lang="en-US" sz="1600" dirty="0" err="1"/>
+              <a:t>RejectOrder</a:t>
+            </a:r>
+            <a:r>
+              <a:rPr lang="en-US" sz="1600" dirty="0"/>
+              <a:t>()</a:t>
+            </a:r>
+          </a:p>
+          <a:p>
+            <a:pPr marL="285750" indent="-285750">
+              <a:buFont typeface="Arial" panose="020B0604020202020204" pitchFamily="34" charset="0"/>
+              <a:buChar char="•"/>
+            </a:pPr>
+            <a:r>
+              <a:rPr lang="en-US" sz="1600" dirty="0" err="1"/>
+              <a:t>MakeReadyForDispatch</a:t>
+            </a:r>
+            <a:r>
+              <a:rPr lang="en-US" sz="1600" dirty="0"/>
+              <a:t>()</a:t>
+            </a:r>
+          </a:p>
+          <a:p>
+            <a:pPr marL="285750" indent="-285750">
+              <a:buFont typeface="Arial" panose="020B0604020202020204" pitchFamily="34" charset="0"/>
+              <a:buChar char="•"/>
+            </a:pPr>
+            <a:r>
+              <a:rPr lang="en-US" sz="1600" dirty="0" err="1"/>
+              <a:t>HandleManufacturer</a:t>
+            </a:r>
+            <a:r>
+              <a:rPr lang="en-US" sz="1600" dirty="0"/>
+              <a:t>()</a:t>
+            </a:r>
+          </a:p>
+          <a:p>
+            <a:pPr marL="285750" indent="-285750">
+              <a:buFont typeface="Arial" panose="020B0604020202020204" pitchFamily="34" charset="0"/>
+              <a:buChar char="•"/>
+            </a:pPr>
+            <a:r>
+              <a:rPr lang="en-US" sz="1600" dirty="0" err="1"/>
+              <a:t>VarifyProduct</a:t>
+            </a:r>
+            <a:r>
+              <a:rPr lang="en-US" sz="1600" dirty="0"/>
+              <a:t>()</a:t>
+            </a:r>
+          </a:p>
+        </p:txBody>
+      </p:sp>
+    </p:spTree>
+    <p:extLst>
+      <p:ext uri="{BB962C8B-B14F-4D97-AF65-F5344CB8AC3E}">
+        <p14:creationId xmlns:p14="http://schemas.microsoft.com/office/powerpoint/2010/main" val="190531097"/>
+      </p:ext>
+    </p:extLst>
+  </p:cSld>
+  <p:clrMapOvr>
+    <a:masterClrMapping/>
+  </p:clrMapOvr>
+</p:sld>
+</file>
+
+<file path=ppt/slides/slide4.xml><?xml version="1.0" encoding="utf-8"?>
+<p:sld xmlns:a="http://schemas.openxmlformats.org/drawingml/2006/main" xmlns:r="http://schemas.openxmlformats.org/officeDocument/2006/relationships" xmlns:p="http://schemas.openxmlformats.org/presentationml/2006/main">
+  <p:cSld>
+    <p:spTree>
+      <p:nvGrpSpPr>
+        <p:cNvPr id="1" name=""/>
+        <p:cNvGrpSpPr/>
+        <p:nvPr/>
+      </p:nvGrpSpPr>
+      <p:grpSpPr>
+        <a:xfrm>
+          <a:off x="0" y="0"/>
+          <a:ext cx="0" cy="0"/>
+          <a:chOff x="0" y="0"/>
+          <a:chExt cx="0" cy="0"/>
+        </a:xfrm>
+      </p:grpSpPr>
+      <p:sp>
+        <p:nvSpPr>
+          <p:cNvPr id="2" name="Rectangle 1">
+            <a:extLst>
+              <a:ext uri="{FF2B5EF4-FFF2-40B4-BE49-F238E27FC236}">
+                <a16:creationId xmlns:a16="http://schemas.microsoft.com/office/drawing/2014/main" id="{56EB3083-1EA8-ABF2-5456-AD554C81915C}"/>
+              </a:ext>
+            </a:extLst>
+          </p:cNvPr>
+          <p:cNvSpPr/>
+          <p:nvPr/>
+        </p:nvSpPr>
+        <p:spPr>
+          <a:xfrm>
+            <a:off x="681135" y="485193"/>
+            <a:ext cx="3834881" cy="3483206"/>
+          </a:xfrm>
+          <a:prstGeom prst="rect">
+            <a:avLst/>
+          </a:prstGeom>
+        </p:spPr>
+        <p:style>
+          <a:lnRef idx="2">
+            <a:schemeClr val="accent6"/>
+          </a:lnRef>
+          <a:fillRef idx="1">
+            <a:schemeClr val="lt1"/>
+          </a:fillRef>
+          <a:effectRef idx="0">
+            <a:schemeClr val="accent6"/>
+          </a:effectRef>
+          <a:fontRef idx="minor">
+            <a:schemeClr val="dk1"/>
+          </a:fontRef>
+        </p:style>
+        <p:txBody>
+          <a:bodyPr rtlCol="0" anchor="ctr"/>
+          <a:lstStyle/>
+          <a:p>
+            <a:pPr algn="ctr"/>
+            <a:endParaRPr lang="en-US"/>
+          </a:p>
+        </p:txBody>
+      </p:sp>
+      <p:sp>
+        <p:nvSpPr>
+          <p:cNvPr id="3" name="TextBox 2">
+            <a:extLst>
+              <a:ext uri="{FF2B5EF4-FFF2-40B4-BE49-F238E27FC236}">
+                <a16:creationId xmlns:a16="http://schemas.microsoft.com/office/drawing/2014/main" id="{592EC21E-2777-8C31-62C2-84D38CEADBA2}"/>
+              </a:ext>
+            </a:extLst>
+          </p:cNvPr>
+          <p:cNvSpPr txBox="1"/>
+          <p:nvPr/>
+        </p:nvSpPr>
+        <p:spPr>
+          <a:xfrm>
+            <a:off x="5150498" y="485192"/>
+            <a:ext cx="3918857" cy="1477328"/>
+          </a:xfrm>
+          <a:prstGeom prst="rect">
+            <a:avLst/>
+          </a:prstGeom>
+          <a:noFill/>
+        </p:spPr>
+        <p:txBody>
+          <a:bodyPr wrap="square" rtlCol="0">
+            <a:spAutoFit/>
+          </a:bodyPr>
+          <a:lstStyle/>
+          <a:p>
+            <a:r>
+              <a:rPr lang="en-US" dirty="0"/>
+              <a:t>Class: A Conceptual Model with Following information</a:t>
+            </a:r>
+          </a:p>
+          <a:p>
+            <a:pPr marL="342900" indent="-342900">
+              <a:buFont typeface="+mj-lt"/>
+              <a:buAutoNum type="arabicPeriod"/>
+            </a:pPr>
+            <a:r>
+              <a:rPr lang="en-US" dirty="0"/>
+              <a:t>Attributes</a:t>
+            </a:r>
+          </a:p>
+          <a:p>
+            <a:pPr marL="342900" indent="-342900">
+              <a:buFont typeface="+mj-lt"/>
+              <a:buAutoNum type="arabicPeriod"/>
+            </a:pPr>
+            <a:r>
+              <a:rPr lang="en-US" dirty="0"/>
+              <a:t>Behavior</a:t>
+            </a:r>
+          </a:p>
+          <a:p>
+            <a:pPr marL="342900" indent="-342900">
+              <a:buFont typeface="+mj-lt"/>
+              <a:buAutoNum type="arabicPeriod"/>
+            </a:pPr>
+            <a:r>
+              <a:rPr lang="en-US" dirty="0"/>
+              <a:t>Triggers / Actions</a:t>
+            </a:r>
+          </a:p>
+        </p:txBody>
+      </p:sp>
+      <p:sp>
+        <p:nvSpPr>
+          <p:cNvPr id="4" name="Rectangle 3">
+            <a:extLst>
+              <a:ext uri="{FF2B5EF4-FFF2-40B4-BE49-F238E27FC236}">
+                <a16:creationId xmlns:a16="http://schemas.microsoft.com/office/drawing/2014/main" id="{008C0CF6-0F52-7C8D-2293-6DD9442AE687}"/>
+              </a:ext>
+            </a:extLst>
+          </p:cNvPr>
+          <p:cNvSpPr/>
+          <p:nvPr/>
+        </p:nvSpPr>
+        <p:spPr>
+          <a:xfrm>
+            <a:off x="681135" y="1073020"/>
+            <a:ext cx="3834881" cy="45719"/>
+          </a:xfrm>
+          <a:prstGeom prst="rect">
+            <a:avLst/>
+          </a:prstGeom>
+        </p:spPr>
+        <p:style>
+          <a:lnRef idx="2">
+            <a:schemeClr val="accent1">
+              <a:shade val="15000"/>
+            </a:schemeClr>
+          </a:lnRef>
+          <a:fillRef idx="1">
+            <a:schemeClr val="accent1"/>
+          </a:fillRef>
+          <a:effectRef idx="0">
+            <a:schemeClr val="accent1"/>
+          </a:effectRef>
+          <a:fontRef idx="minor">
+            <a:schemeClr val="lt1"/>
+          </a:fontRef>
+        </p:style>
+        <p:txBody>
+          <a:bodyPr rtlCol="0" anchor="ctr"/>
+          <a:lstStyle/>
+          <a:p>
+            <a:pPr algn="ctr"/>
+            <a:endParaRPr lang="en-US"/>
+          </a:p>
+        </p:txBody>
+      </p:sp>
+      <p:sp>
+        <p:nvSpPr>
+          <p:cNvPr id="5" name="TextBox 4">
+            <a:extLst>
+              <a:ext uri="{FF2B5EF4-FFF2-40B4-BE49-F238E27FC236}">
+                <a16:creationId xmlns:a16="http://schemas.microsoft.com/office/drawing/2014/main" id="{2B642387-F955-1DA7-60C8-B45AD0436D11}"/>
+              </a:ext>
+            </a:extLst>
+          </p:cNvPr>
+          <p:cNvSpPr txBox="1"/>
+          <p:nvPr/>
+        </p:nvSpPr>
+        <p:spPr>
+          <a:xfrm>
+            <a:off x="951722" y="625151"/>
+            <a:ext cx="3387013" cy="369332"/>
+          </a:xfrm>
+          <a:prstGeom prst="rect">
+            <a:avLst/>
+          </a:prstGeom>
+          <a:noFill/>
+        </p:spPr>
+        <p:txBody>
+          <a:bodyPr wrap="square" rtlCol="0">
+            <a:spAutoFit/>
+          </a:bodyPr>
+          <a:lstStyle/>
+          <a:p>
+            <a:r>
+              <a:rPr lang="en-US" dirty="0"/>
+              <a:t>Class Name: Customer</a:t>
+            </a:r>
+          </a:p>
+        </p:txBody>
+      </p:sp>
+      <p:sp>
+        <p:nvSpPr>
+          <p:cNvPr id="6" name="Rectangle 5">
+            <a:extLst>
+              <a:ext uri="{FF2B5EF4-FFF2-40B4-BE49-F238E27FC236}">
+                <a16:creationId xmlns:a16="http://schemas.microsoft.com/office/drawing/2014/main" id="{94B9C57C-5F70-B6DD-8594-2BF7FE5866B8}"/>
+              </a:ext>
+            </a:extLst>
+          </p:cNvPr>
+          <p:cNvSpPr/>
+          <p:nvPr/>
+        </p:nvSpPr>
+        <p:spPr>
+          <a:xfrm>
+            <a:off x="681134" y="2909126"/>
+            <a:ext cx="3834881" cy="45719"/>
+          </a:xfrm>
+          <a:prstGeom prst="rect">
+            <a:avLst/>
+          </a:prstGeom>
+        </p:spPr>
+        <p:style>
+          <a:lnRef idx="2">
+            <a:schemeClr val="accent1">
+              <a:shade val="15000"/>
+            </a:schemeClr>
+          </a:lnRef>
+          <a:fillRef idx="1">
+            <a:schemeClr val="accent1"/>
+          </a:fillRef>
+          <a:effectRef idx="0">
+            <a:schemeClr val="accent1"/>
+          </a:effectRef>
+          <a:fontRef idx="minor">
+            <a:schemeClr val="lt1"/>
+          </a:fontRef>
+        </p:style>
+        <p:txBody>
+          <a:bodyPr rtlCol="0" anchor="ctr"/>
+          <a:lstStyle/>
+          <a:p>
+            <a:pPr algn="ctr"/>
+            <a:endParaRPr lang="en-US"/>
+          </a:p>
+        </p:txBody>
+      </p:sp>
+      <p:sp>
+        <p:nvSpPr>
+          <p:cNvPr id="7" name="TextBox 6">
+            <a:extLst>
+              <a:ext uri="{FF2B5EF4-FFF2-40B4-BE49-F238E27FC236}">
+                <a16:creationId xmlns:a16="http://schemas.microsoft.com/office/drawing/2014/main" id="{987B7ECC-E6C1-A082-D562-4BD8FF3CA299}"/>
+              </a:ext>
+            </a:extLst>
+          </p:cNvPr>
+          <p:cNvSpPr txBox="1"/>
+          <p:nvPr/>
+        </p:nvSpPr>
+        <p:spPr>
+          <a:xfrm>
+            <a:off x="774441" y="1152011"/>
+            <a:ext cx="3741574" cy="1600438"/>
+          </a:xfrm>
+          <a:prstGeom prst="rect">
+            <a:avLst/>
+          </a:prstGeom>
+          <a:noFill/>
+        </p:spPr>
+        <p:txBody>
+          <a:bodyPr wrap="square" rtlCol="0">
+            <a:spAutoFit/>
+          </a:bodyPr>
+          <a:lstStyle/>
+          <a:p>
+            <a:r>
+              <a:rPr lang="en-US" sz="1400" dirty="0"/>
+              <a:t>Attributes:</a:t>
+            </a:r>
+          </a:p>
+          <a:p>
+            <a:pPr marL="285750" indent="-285750">
+              <a:buFont typeface="Arial" panose="020B0604020202020204" pitchFamily="34" charset="0"/>
+              <a:buChar char="•"/>
+            </a:pPr>
+            <a:r>
+              <a:rPr lang="en-US" sz="1400" dirty="0" err="1"/>
+              <a:t>CustomerId</a:t>
+            </a:r>
+            <a:r>
+              <a:rPr lang="en-US" sz="1400" dirty="0"/>
+              <a:t>, </a:t>
+            </a:r>
+          </a:p>
+          <a:p>
+            <a:pPr marL="285750" indent="-285750">
+              <a:buFont typeface="Arial" panose="020B0604020202020204" pitchFamily="34" charset="0"/>
+              <a:buChar char="•"/>
+            </a:pPr>
+            <a:r>
+              <a:rPr lang="en-US" sz="1400" dirty="0"/>
+              <a:t>CustomerName</a:t>
+            </a:r>
+          </a:p>
+          <a:p>
+            <a:pPr marL="285750" indent="-285750">
+              <a:buFont typeface="Arial" panose="020B0604020202020204" pitchFamily="34" charset="0"/>
+              <a:buChar char="•"/>
+            </a:pPr>
+            <a:r>
+              <a:rPr lang="en-US" sz="1400" dirty="0"/>
+              <a:t>Address</a:t>
+            </a:r>
+          </a:p>
+          <a:p>
+            <a:pPr marL="285750" indent="-285750">
+              <a:buFont typeface="Arial" panose="020B0604020202020204" pitchFamily="34" charset="0"/>
+              <a:buChar char="•"/>
+            </a:pPr>
+            <a:r>
+              <a:rPr lang="en-US" sz="1400" dirty="0"/>
+              <a:t>City</a:t>
+            </a:r>
+          </a:p>
+          <a:p>
+            <a:pPr marL="285750" indent="-285750">
+              <a:buFont typeface="Arial" panose="020B0604020202020204" pitchFamily="34" charset="0"/>
+              <a:buChar char="•"/>
+            </a:pPr>
+            <a:r>
+              <a:rPr lang="en-US" sz="1400" dirty="0"/>
+              <a:t>Email</a:t>
+            </a:r>
+          </a:p>
+          <a:p>
+            <a:pPr marL="285750" indent="-285750">
+              <a:buFont typeface="Arial" panose="020B0604020202020204" pitchFamily="34" charset="0"/>
+              <a:buChar char="•"/>
+            </a:pPr>
+            <a:r>
+              <a:rPr lang="en-US" sz="1400" dirty="0"/>
+              <a:t>ContactNo</a:t>
+            </a:r>
+          </a:p>
+        </p:txBody>
+      </p:sp>
+      <p:sp>
+        <p:nvSpPr>
+          <p:cNvPr id="8" name="TextBox 7">
+            <a:extLst>
+              <a:ext uri="{FF2B5EF4-FFF2-40B4-BE49-F238E27FC236}">
+                <a16:creationId xmlns:a16="http://schemas.microsoft.com/office/drawing/2014/main" id="{2FF48557-3590-0D72-F49D-926A700D11EF}"/>
+              </a:ext>
+            </a:extLst>
+          </p:cNvPr>
+          <p:cNvSpPr txBox="1"/>
+          <p:nvPr/>
+        </p:nvSpPr>
+        <p:spPr>
+          <a:xfrm>
+            <a:off x="774441" y="3032449"/>
+            <a:ext cx="3638939" cy="830997"/>
+          </a:xfrm>
+          <a:prstGeom prst="rect">
+            <a:avLst/>
+          </a:prstGeom>
+          <a:noFill/>
+        </p:spPr>
+        <p:txBody>
+          <a:bodyPr wrap="square" rtlCol="0">
+            <a:spAutoFit/>
+          </a:bodyPr>
+          <a:lstStyle/>
+          <a:p>
+            <a:r>
+              <a:rPr lang="en-US" sz="1600" dirty="0"/>
+              <a:t>Behavior</a:t>
+            </a:r>
+          </a:p>
+          <a:p>
+            <a:r>
+              <a:rPr lang="en-US" sz="1600" dirty="0"/>
+              <a:t>+ </a:t>
+            </a:r>
+            <a:r>
+              <a:rPr lang="en-US" sz="1600" dirty="0" err="1"/>
+              <a:t>AddCustomer</a:t>
+            </a:r>
+            <a:r>
+              <a:rPr lang="en-US" sz="1600" dirty="0"/>
+              <a:t>()</a:t>
+            </a:r>
+          </a:p>
+          <a:p>
+            <a:r>
+              <a:rPr lang="en-US" sz="1600" dirty="0"/>
+              <a:t>+ </a:t>
+            </a:r>
+            <a:r>
+              <a:rPr lang="en-US" sz="1600" dirty="0" err="1"/>
+              <a:t>UpdateCustomer</a:t>
+            </a:r>
+            <a:r>
+              <a:rPr lang="en-US" sz="1600" dirty="0"/>
+              <a:t>()</a:t>
+            </a:r>
+          </a:p>
+        </p:txBody>
+      </p:sp>
+      <p:sp>
+        <p:nvSpPr>
+          <p:cNvPr id="9" name="Right Brace 8">
+            <a:extLst>
+              <a:ext uri="{FF2B5EF4-FFF2-40B4-BE49-F238E27FC236}">
+                <a16:creationId xmlns:a16="http://schemas.microsoft.com/office/drawing/2014/main" id="{573C993F-CD5A-0DDA-62D1-E3AD90F66E90}"/>
+              </a:ext>
+            </a:extLst>
+          </p:cNvPr>
+          <p:cNvSpPr/>
+          <p:nvPr/>
+        </p:nvSpPr>
+        <p:spPr>
+          <a:xfrm>
+            <a:off x="3508310" y="1151160"/>
+            <a:ext cx="615821" cy="1678893"/>
+          </a:xfrm>
+          <a:prstGeom prst="rightBrace">
+            <a:avLst/>
+          </a:prstGeom>
+        </p:spPr>
+        <p:style>
+          <a:lnRef idx="1">
+            <a:schemeClr val="accent1"/>
+          </a:lnRef>
+          <a:fillRef idx="0">
+            <a:schemeClr val="accent1"/>
+          </a:fillRef>
+          <a:effectRef idx="0">
+            <a:schemeClr val="accent1"/>
+          </a:effectRef>
+          <a:fontRef idx="minor">
+            <a:schemeClr val="tx1"/>
+          </a:fontRef>
+        </p:style>
+        <p:txBody>
+          <a:bodyPr rtlCol="0" anchor="ctr"/>
+          <a:lstStyle/>
+          <a:p>
+            <a:pPr algn="ctr"/>
+            <a:endParaRPr lang="en-US"/>
+          </a:p>
+        </p:txBody>
+      </p:sp>
+      <p:sp>
+        <p:nvSpPr>
+          <p:cNvPr id="10" name="Rectangle 9">
+            <a:extLst>
+              <a:ext uri="{FF2B5EF4-FFF2-40B4-BE49-F238E27FC236}">
+                <a16:creationId xmlns:a16="http://schemas.microsoft.com/office/drawing/2014/main" id="{5DD84F26-1EF3-533F-CB13-57670CE4C342}"/>
+              </a:ext>
+            </a:extLst>
+          </p:cNvPr>
+          <p:cNvSpPr/>
+          <p:nvPr/>
+        </p:nvSpPr>
+        <p:spPr>
+          <a:xfrm>
+            <a:off x="5677676" y="2752449"/>
+            <a:ext cx="3223728" cy="2985878"/>
+          </a:xfrm>
+          <a:prstGeom prst="rect">
+            <a:avLst/>
+          </a:prstGeom>
+        </p:spPr>
+        <p:style>
+          <a:lnRef idx="2">
+            <a:schemeClr val="accent6"/>
+          </a:lnRef>
+          <a:fillRef idx="1">
+            <a:schemeClr val="lt1"/>
+          </a:fillRef>
+          <a:effectRef idx="0">
+            <a:schemeClr val="accent6"/>
+          </a:effectRef>
+          <a:fontRef idx="minor">
+            <a:schemeClr val="dk1"/>
+          </a:fontRef>
+        </p:style>
+        <p:txBody>
+          <a:bodyPr rtlCol="0" anchor="ctr"/>
+          <a:lstStyle/>
+          <a:p>
+            <a:pPr algn="ctr"/>
+            <a:endParaRPr lang="en-US"/>
+          </a:p>
+        </p:txBody>
+      </p:sp>
+      <p:sp>
+        <p:nvSpPr>
+          <p:cNvPr id="11" name="Rectangle 10">
+            <a:extLst>
+              <a:ext uri="{FF2B5EF4-FFF2-40B4-BE49-F238E27FC236}">
+                <a16:creationId xmlns:a16="http://schemas.microsoft.com/office/drawing/2014/main" id="{9E895C66-6F91-73E0-735C-DE6323F76D09}"/>
+              </a:ext>
+            </a:extLst>
+          </p:cNvPr>
+          <p:cNvSpPr/>
+          <p:nvPr/>
+        </p:nvSpPr>
+        <p:spPr>
+          <a:xfrm>
+            <a:off x="5663681" y="3349690"/>
+            <a:ext cx="3223727" cy="192688"/>
+          </a:xfrm>
+          <a:prstGeom prst="rect">
+            <a:avLst/>
+          </a:prstGeom>
+        </p:spPr>
+        <p:style>
+          <a:lnRef idx="2">
+            <a:schemeClr val="accent1">
+              <a:shade val="15000"/>
+            </a:schemeClr>
+          </a:lnRef>
+          <a:fillRef idx="1">
+            <a:schemeClr val="accent1"/>
+          </a:fillRef>
+          <a:effectRef idx="0">
+            <a:schemeClr val="accent1"/>
+          </a:effectRef>
+          <a:fontRef idx="minor">
+            <a:schemeClr val="lt1"/>
+          </a:fontRef>
+        </p:style>
+        <p:txBody>
+          <a:bodyPr rtlCol="0" anchor="ctr"/>
+          <a:lstStyle/>
+          <a:p>
+            <a:pPr algn="ctr"/>
+            <a:endParaRPr lang="en-US"/>
+          </a:p>
+        </p:txBody>
+      </p:sp>
+      <p:sp>
+        <p:nvSpPr>
+          <p:cNvPr id="12" name="TextBox 11">
+            <a:extLst>
+              <a:ext uri="{FF2B5EF4-FFF2-40B4-BE49-F238E27FC236}">
+                <a16:creationId xmlns:a16="http://schemas.microsoft.com/office/drawing/2014/main" id="{F98C4F50-BDF3-D2B6-18A5-0B5E9AFBBD2C}"/>
+              </a:ext>
+            </a:extLst>
+          </p:cNvPr>
+          <p:cNvSpPr txBox="1"/>
+          <p:nvPr/>
+        </p:nvSpPr>
+        <p:spPr>
+          <a:xfrm>
+            <a:off x="5803641" y="2830053"/>
+            <a:ext cx="2883159" cy="369332"/>
+          </a:xfrm>
+          <a:prstGeom prst="rect">
+            <a:avLst/>
+          </a:prstGeom>
+          <a:noFill/>
+        </p:spPr>
+        <p:txBody>
+          <a:bodyPr wrap="square" rtlCol="0">
+            <a:spAutoFit/>
+          </a:bodyPr>
+          <a:lstStyle/>
+          <a:p>
+            <a:pPr algn="ctr"/>
+            <a:r>
+              <a:rPr lang="en-US" b="1" dirty="0" err="1"/>
+              <a:t>CustomerDTO</a:t>
+            </a:r>
+            <a:endParaRPr lang="en-US" b="1" dirty="0"/>
+          </a:p>
+        </p:txBody>
+      </p:sp>
+      <p:sp>
+        <p:nvSpPr>
+          <p:cNvPr id="13" name="TextBox 12">
+            <a:extLst>
+              <a:ext uri="{FF2B5EF4-FFF2-40B4-BE49-F238E27FC236}">
+                <a16:creationId xmlns:a16="http://schemas.microsoft.com/office/drawing/2014/main" id="{4FBE27AD-F6BA-CBB1-C419-F5247521B38D}"/>
+              </a:ext>
+            </a:extLst>
+          </p:cNvPr>
+          <p:cNvSpPr txBox="1"/>
+          <p:nvPr/>
+        </p:nvSpPr>
+        <p:spPr>
+          <a:xfrm>
+            <a:off x="5803641" y="3685592"/>
+            <a:ext cx="2883159" cy="2031325"/>
+          </a:xfrm>
+          <a:prstGeom prst="rect">
+            <a:avLst/>
+          </a:prstGeom>
+          <a:noFill/>
+        </p:spPr>
+        <p:txBody>
+          <a:bodyPr wrap="square" rtlCol="0">
+            <a:spAutoFit/>
+          </a:bodyPr>
+          <a:lstStyle/>
+          <a:p>
+            <a:r>
+              <a:rPr lang="en-US" sz="1400" dirty="0"/>
+              <a:t>Attributes:</a:t>
+            </a:r>
+          </a:p>
+          <a:p>
+            <a:r>
+              <a:rPr lang="en-US" sz="1400" dirty="0"/>
+              <a:t>+</a:t>
+            </a:r>
+            <a:r>
+              <a:rPr lang="en-US" sz="1400" dirty="0" err="1"/>
+              <a:t>CustomerId</a:t>
+            </a:r>
+            <a:r>
+              <a:rPr lang="en-US" sz="1400" dirty="0"/>
+              <a:t>, </a:t>
+            </a:r>
+          </a:p>
+          <a:p>
+            <a:r>
+              <a:rPr lang="en-US" sz="1400" dirty="0"/>
+              <a:t>+CustomerName</a:t>
+            </a:r>
+          </a:p>
+          <a:p>
+            <a:r>
+              <a:rPr lang="en-US" sz="1400" dirty="0"/>
+              <a:t>+Address</a:t>
+            </a:r>
+          </a:p>
+          <a:p>
+            <a:r>
+              <a:rPr lang="en-US" sz="1400" dirty="0"/>
+              <a:t>+City</a:t>
+            </a:r>
+          </a:p>
+          <a:p>
+            <a:r>
+              <a:rPr lang="en-US" sz="1400" dirty="0"/>
+              <a:t>+Email</a:t>
+            </a:r>
+          </a:p>
+          <a:p>
+            <a:r>
+              <a:rPr lang="en-US" sz="1400" dirty="0"/>
+              <a:t>+ContactNo</a:t>
+            </a:r>
+          </a:p>
+          <a:p>
+            <a:r>
+              <a:rPr lang="en-US" sz="1400" dirty="0"/>
+              <a:t>+Category</a:t>
+            </a:r>
+          </a:p>
+          <a:p>
+            <a:endParaRPr lang="en-US" sz="1400" dirty="0"/>
+          </a:p>
+        </p:txBody>
+      </p:sp>
+      <p:cxnSp>
+        <p:nvCxnSpPr>
+          <p:cNvPr id="15" name="Connector: Elbow 14">
+            <a:extLst>
+              <a:ext uri="{FF2B5EF4-FFF2-40B4-BE49-F238E27FC236}">
+                <a16:creationId xmlns:a16="http://schemas.microsoft.com/office/drawing/2014/main" id="{E6C173CB-459B-CF05-A313-8AC48F2E0240}"/>
+              </a:ext>
+            </a:extLst>
+          </p:cNvPr>
+          <p:cNvCxnSpPr>
+            <a:cxnSpLocks/>
+            <a:endCxn id="10" idx="0"/>
+          </p:cNvCxnSpPr>
+          <p:nvPr/>
+        </p:nvCxnSpPr>
+        <p:spPr>
+          <a:xfrm>
+            <a:off x="4012163" y="1962520"/>
+            <a:ext cx="3277377" cy="789929"/>
+          </a:xfrm>
+          <a:prstGeom prst="bentConnector2">
+            <a:avLst/>
+          </a:prstGeom>
+          <a:ln>
+            <a:tailEnd type="triangle"/>
+          </a:ln>
+        </p:spPr>
+        <p:style>
+          <a:lnRef idx="1">
+            <a:schemeClr val="accent1"/>
+          </a:lnRef>
+          <a:fillRef idx="0">
+            <a:schemeClr val="accent1"/>
+          </a:fillRef>
+          <a:effectRef idx="0">
+            <a:schemeClr val="accent1"/>
+          </a:effectRef>
+          <a:fontRef idx="minor">
+            <a:schemeClr val="tx1"/>
+          </a:fontRef>
+        </p:style>
+      </p:cxnSp>
+      <p:sp>
+        <p:nvSpPr>
+          <p:cNvPr id="16" name="Rectangle 15">
+            <a:extLst>
+              <a:ext uri="{FF2B5EF4-FFF2-40B4-BE49-F238E27FC236}">
+                <a16:creationId xmlns:a16="http://schemas.microsoft.com/office/drawing/2014/main" id="{FFC9C4AF-F6D8-C369-7D4A-EB66D7F60193}"/>
+              </a:ext>
+            </a:extLst>
+          </p:cNvPr>
+          <p:cNvSpPr/>
+          <p:nvPr/>
+        </p:nvSpPr>
+        <p:spPr>
+          <a:xfrm>
+            <a:off x="429208" y="4307381"/>
+            <a:ext cx="4086807" cy="2338818"/>
+          </a:xfrm>
+          <a:prstGeom prst="rect">
+            <a:avLst/>
+          </a:prstGeom>
+        </p:spPr>
+        <p:style>
+          <a:lnRef idx="2">
+            <a:schemeClr val="accent6"/>
+          </a:lnRef>
+          <a:fillRef idx="1">
+            <a:schemeClr val="lt1"/>
+          </a:fillRef>
+          <a:effectRef idx="0">
+            <a:schemeClr val="accent6"/>
+          </a:effectRef>
+          <a:fontRef idx="minor">
+            <a:schemeClr val="dk1"/>
+          </a:fontRef>
+        </p:style>
+        <p:txBody>
+          <a:bodyPr rtlCol="0" anchor="ctr"/>
+          <a:lstStyle/>
+          <a:p>
+            <a:pPr algn="ctr"/>
+            <a:endParaRPr lang="en-US"/>
+          </a:p>
+        </p:txBody>
+      </p:sp>
+      <p:sp>
+        <p:nvSpPr>
+          <p:cNvPr id="17" name="Rectangle 16">
+            <a:extLst>
+              <a:ext uri="{FF2B5EF4-FFF2-40B4-BE49-F238E27FC236}">
+                <a16:creationId xmlns:a16="http://schemas.microsoft.com/office/drawing/2014/main" id="{540CDAFC-DE25-ADEB-07E5-8C180BFF0138}"/>
+              </a:ext>
+            </a:extLst>
+          </p:cNvPr>
+          <p:cNvSpPr/>
+          <p:nvPr/>
+        </p:nvSpPr>
+        <p:spPr>
+          <a:xfrm>
+            <a:off x="419878" y="4812180"/>
+            <a:ext cx="4096137" cy="161036"/>
+          </a:xfrm>
+          <a:prstGeom prst="rect">
+            <a:avLst/>
+          </a:prstGeom>
+        </p:spPr>
+        <p:style>
+          <a:lnRef idx="2">
+            <a:schemeClr val="accent1">
+              <a:shade val="15000"/>
+            </a:schemeClr>
+          </a:lnRef>
+          <a:fillRef idx="1">
+            <a:schemeClr val="accent1"/>
+          </a:fillRef>
+          <a:effectRef idx="0">
+            <a:schemeClr val="accent1"/>
+          </a:effectRef>
+          <a:fontRef idx="minor">
+            <a:schemeClr val="lt1"/>
+          </a:fontRef>
+        </p:style>
+        <p:txBody>
+          <a:bodyPr rtlCol="0" anchor="ctr"/>
+          <a:lstStyle/>
+          <a:p>
+            <a:pPr algn="ctr"/>
+            <a:endParaRPr lang="en-US"/>
+          </a:p>
+        </p:txBody>
+      </p:sp>
+      <p:sp>
+        <p:nvSpPr>
+          <p:cNvPr id="18" name="TextBox 17">
+            <a:extLst>
+              <a:ext uri="{FF2B5EF4-FFF2-40B4-BE49-F238E27FC236}">
+                <a16:creationId xmlns:a16="http://schemas.microsoft.com/office/drawing/2014/main" id="{4125F8D3-968A-E0A9-959E-F975F86E0B48}"/>
+              </a:ext>
+            </a:extLst>
+          </p:cNvPr>
+          <p:cNvSpPr txBox="1"/>
+          <p:nvPr/>
+        </p:nvSpPr>
+        <p:spPr>
+          <a:xfrm>
+            <a:off x="550506" y="4473198"/>
+            <a:ext cx="3788229" cy="369332"/>
+          </a:xfrm>
+          <a:prstGeom prst="rect">
+            <a:avLst/>
+          </a:prstGeom>
+          <a:noFill/>
+        </p:spPr>
+        <p:txBody>
+          <a:bodyPr wrap="square" rtlCol="0">
+            <a:spAutoFit/>
+          </a:bodyPr>
+          <a:lstStyle/>
+          <a:p>
+            <a:pPr algn="ctr"/>
+            <a:r>
+              <a:rPr lang="en-US" b="1" dirty="0" err="1"/>
+              <a:t>CustomerLogic</a:t>
+            </a:r>
+            <a:endParaRPr lang="en-US" b="1" dirty="0"/>
+          </a:p>
+        </p:txBody>
+      </p:sp>
+      <p:sp>
+        <p:nvSpPr>
+          <p:cNvPr id="19" name="TextBox 18">
+            <a:extLst>
+              <a:ext uri="{FF2B5EF4-FFF2-40B4-BE49-F238E27FC236}">
+                <a16:creationId xmlns:a16="http://schemas.microsoft.com/office/drawing/2014/main" id="{48571209-A5FD-57BB-A52C-35F96E350E40}"/>
+              </a:ext>
+            </a:extLst>
+          </p:cNvPr>
+          <p:cNvSpPr txBox="1"/>
+          <p:nvPr/>
+        </p:nvSpPr>
+        <p:spPr>
+          <a:xfrm>
+            <a:off x="485192" y="5247766"/>
+            <a:ext cx="3638939" cy="830997"/>
+          </a:xfrm>
+          <a:prstGeom prst="rect">
+            <a:avLst/>
+          </a:prstGeom>
+          <a:noFill/>
+        </p:spPr>
+        <p:txBody>
+          <a:bodyPr wrap="square" rtlCol="0">
+            <a:spAutoFit/>
+          </a:bodyPr>
+          <a:lstStyle/>
+          <a:p>
+            <a:r>
+              <a:rPr lang="en-US" sz="1600" dirty="0"/>
+              <a:t>Behavior</a:t>
+            </a:r>
+          </a:p>
+          <a:p>
+            <a:r>
+              <a:rPr lang="en-US" sz="1600" dirty="0"/>
+              <a:t>+ </a:t>
+            </a:r>
+            <a:r>
+              <a:rPr lang="en-US" sz="1600" dirty="0" err="1"/>
+              <a:t>AddCustomer</a:t>
+            </a:r>
+            <a:r>
+              <a:rPr lang="en-US" sz="1600" dirty="0"/>
+              <a:t>(</a:t>
+            </a:r>
+            <a:r>
+              <a:rPr lang="en-US" sz="1600" dirty="0" err="1"/>
+              <a:t>CustomerDTO</a:t>
+            </a:r>
+            <a:r>
+              <a:rPr lang="en-US" sz="1600" dirty="0"/>
+              <a:t> C)</a:t>
+            </a:r>
+          </a:p>
+          <a:p>
+            <a:r>
+              <a:rPr lang="en-US" sz="1600" dirty="0"/>
+              <a:t>+ </a:t>
+            </a:r>
+            <a:r>
+              <a:rPr lang="en-US" sz="1600" dirty="0" err="1"/>
+              <a:t>UpdateCustomer</a:t>
+            </a:r>
+            <a:r>
+              <a:rPr lang="en-US" sz="1600" dirty="0"/>
+              <a:t>(</a:t>
+            </a:r>
+            <a:r>
+              <a:rPr lang="en-US" sz="1600" dirty="0" err="1"/>
+              <a:t>CustomerDTO</a:t>
+            </a:r>
+            <a:r>
+              <a:rPr lang="en-US" sz="1600" dirty="0"/>
+              <a:t> C)</a:t>
+            </a:r>
+          </a:p>
+        </p:txBody>
+      </p:sp>
+      <p:cxnSp>
+        <p:nvCxnSpPr>
+          <p:cNvPr id="21" name="Connector: Elbow 20">
+            <a:extLst>
+              <a:ext uri="{FF2B5EF4-FFF2-40B4-BE49-F238E27FC236}">
+                <a16:creationId xmlns:a16="http://schemas.microsoft.com/office/drawing/2014/main" id="{AF16F6FC-7ADE-A58F-E9FC-0CF35036D8D4}"/>
+              </a:ext>
+            </a:extLst>
+          </p:cNvPr>
+          <p:cNvCxnSpPr>
+            <a:stCxn id="8" idx="2"/>
+            <a:endCxn id="16" idx="0"/>
+          </p:cNvCxnSpPr>
+          <p:nvPr/>
+        </p:nvCxnSpPr>
+        <p:spPr>
+          <a:xfrm rot="5400000">
+            <a:off x="2311295" y="4024764"/>
+            <a:ext cx="443935" cy="121299"/>
+          </a:xfrm>
+          <a:prstGeom prst="bentConnector3">
+            <a:avLst/>
+          </a:prstGeom>
+          <a:ln>
+            <a:tailEnd type="triangle"/>
+          </a:ln>
+        </p:spPr>
+        <p:style>
+          <a:lnRef idx="1">
+            <a:schemeClr val="accent1"/>
+          </a:lnRef>
+          <a:fillRef idx="0">
+            <a:schemeClr val="accent1"/>
+          </a:fillRef>
+          <a:effectRef idx="0">
+            <a:schemeClr val="accent1"/>
+          </a:effectRef>
+          <a:fontRef idx="minor">
+            <a:schemeClr val="tx1"/>
+          </a:fontRef>
+        </p:style>
+      </p:cxnSp>
+      <p:sp>
+        <p:nvSpPr>
+          <p:cNvPr id="23" name="TextBox 22">
+            <a:extLst>
+              <a:ext uri="{FF2B5EF4-FFF2-40B4-BE49-F238E27FC236}">
+                <a16:creationId xmlns:a16="http://schemas.microsoft.com/office/drawing/2014/main" id="{B22706E6-FD2C-0BF9-33DB-B343E4ADB3F1}"/>
+              </a:ext>
+            </a:extLst>
+          </p:cNvPr>
+          <p:cNvSpPr txBox="1"/>
+          <p:nvPr/>
+        </p:nvSpPr>
+        <p:spPr>
+          <a:xfrm>
+            <a:off x="4907902" y="5999584"/>
+            <a:ext cx="5122506" cy="369332"/>
+          </a:xfrm>
+          <a:prstGeom prst="rect">
+            <a:avLst/>
+          </a:prstGeom>
+          <a:noFill/>
+        </p:spPr>
+        <p:txBody>
+          <a:bodyPr wrap="square" rtlCol="0">
+            <a:spAutoFit/>
+          </a:bodyPr>
+          <a:lstStyle/>
+          <a:p>
+            <a:r>
+              <a:rPr lang="en-US" dirty="0"/>
+              <a:t>Single Responsibility Principal (SRP)</a:t>
+            </a:r>
+          </a:p>
+        </p:txBody>
+      </p:sp>
+    </p:spTree>
+    <p:extLst>
+      <p:ext uri="{BB962C8B-B14F-4D97-AF65-F5344CB8AC3E}">
+        <p14:creationId xmlns:p14="http://schemas.microsoft.com/office/powerpoint/2010/main" val="1674702600"/>
+      </p:ext>
+    </p:extLst>
+  </p:cSld>
+  <p:clrMapOvr>
+    <a:masterClrMapping/>
+  </p:clrMapOvr>
+</p:sld>
+</file>
+
+<file path=ppt/slides/slide5.xml><?xml version="1.0" encoding="utf-8"?>
+<p:sld xmlns:a="http://schemas.openxmlformats.org/drawingml/2006/main" xmlns:r="http://schemas.openxmlformats.org/officeDocument/2006/relationships" xmlns:p="http://schemas.openxmlformats.org/presentationml/2006/main">
+  <p:cSld>
+    <p:spTree>
+      <p:nvGrpSpPr>
+        <p:cNvPr id="1" name=""/>
+        <p:cNvGrpSpPr/>
+        <p:nvPr/>
+      </p:nvGrpSpPr>
+      <p:grpSpPr>
+        <a:xfrm>
+          <a:off x="0" y="0"/>
+          <a:ext cx="0" cy="0"/>
+          <a:chOff x="0" y="0"/>
+          <a:chExt cx="0" cy="0"/>
+        </a:xfrm>
+      </p:grpSpPr>
+      <p:sp>
+        <p:nvSpPr>
+          <p:cNvPr id="2" name="Oval 1">
+            <a:extLst>
+              <a:ext uri="{FF2B5EF4-FFF2-40B4-BE49-F238E27FC236}">
+                <a16:creationId xmlns:a16="http://schemas.microsoft.com/office/drawing/2014/main" id="{0036832F-A852-7AE5-20ED-2CE0C5FE48F1}"/>
+              </a:ext>
+            </a:extLst>
+          </p:cNvPr>
+          <p:cNvSpPr/>
+          <p:nvPr/>
+        </p:nvSpPr>
+        <p:spPr>
+          <a:xfrm>
+            <a:off x="4786603" y="298580"/>
+            <a:ext cx="2220686" cy="1073020"/>
+          </a:xfrm>
+          <a:prstGeom prst="ellipse">
+            <a:avLst/>
+          </a:prstGeom>
+        </p:spPr>
+        <p:style>
+          <a:lnRef idx="2">
+            <a:schemeClr val="accent1">
+              <a:shade val="15000"/>
+            </a:schemeClr>
+          </a:lnRef>
+          <a:fillRef idx="1">
+            <a:schemeClr val="accent1"/>
+          </a:fillRef>
+          <a:effectRef idx="0">
+            <a:schemeClr val="accent1"/>
+          </a:effectRef>
+          <a:fontRef idx="minor">
+            <a:schemeClr val="lt1"/>
+          </a:fontRef>
+        </p:style>
+        <p:txBody>
+          <a:bodyPr rtlCol="0" anchor="ctr"/>
+          <a:lstStyle/>
+          <a:p>
+            <a:pPr algn="ctr"/>
+            <a:r>
+              <a:rPr lang="en-US" dirty="0"/>
+              <a:t>Employee</a:t>
+            </a:r>
+          </a:p>
+        </p:txBody>
+      </p:sp>
+      <p:sp>
+        <p:nvSpPr>
+          <p:cNvPr id="3" name="Oval 2">
+            <a:extLst>
+              <a:ext uri="{FF2B5EF4-FFF2-40B4-BE49-F238E27FC236}">
+                <a16:creationId xmlns:a16="http://schemas.microsoft.com/office/drawing/2014/main" id="{1AA1EA1E-1744-614E-1E93-A5FED1B6B8F4}"/>
+              </a:ext>
+            </a:extLst>
+          </p:cNvPr>
+          <p:cNvSpPr/>
+          <p:nvPr/>
+        </p:nvSpPr>
+        <p:spPr>
+          <a:xfrm>
+            <a:off x="217713" y="2018522"/>
+            <a:ext cx="2220686" cy="1073020"/>
+          </a:xfrm>
+          <a:prstGeom prst="ellipse">
+            <a:avLst/>
+          </a:prstGeom>
+        </p:spPr>
+        <p:style>
+          <a:lnRef idx="2">
+            <a:schemeClr val="accent1">
+              <a:shade val="15000"/>
+            </a:schemeClr>
+          </a:lnRef>
+          <a:fillRef idx="1">
+            <a:schemeClr val="accent1"/>
+          </a:fillRef>
+          <a:effectRef idx="0">
+            <a:schemeClr val="accent1"/>
+          </a:effectRef>
+          <a:fontRef idx="minor">
+            <a:schemeClr val="lt1"/>
+          </a:fontRef>
+        </p:style>
+        <p:txBody>
+          <a:bodyPr rtlCol="0" anchor="ctr"/>
+          <a:lstStyle/>
+          <a:p>
+            <a:pPr algn="ctr"/>
+            <a:r>
+              <a:rPr lang="en-US" dirty="0"/>
+              <a:t>Director</a:t>
+            </a:r>
+          </a:p>
+        </p:txBody>
+      </p:sp>
+      <p:sp>
+        <p:nvSpPr>
+          <p:cNvPr id="4" name="Oval 3">
+            <a:extLst>
+              <a:ext uri="{FF2B5EF4-FFF2-40B4-BE49-F238E27FC236}">
+                <a16:creationId xmlns:a16="http://schemas.microsoft.com/office/drawing/2014/main" id="{146B42E7-FD21-747C-7ACD-F59E6F7A7303}"/>
+              </a:ext>
+            </a:extLst>
+          </p:cNvPr>
+          <p:cNvSpPr/>
+          <p:nvPr/>
+        </p:nvSpPr>
+        <p:spPr>
+          <a:xfrm>
+            <a:off x="4985657" y="2018522"/>
+            <a:ext cx="2220686" cy="1073020"/>
+          </a:xfrm>
+          <a:prstGeom prst="ellipse">
+            <a:avLst/>
+          </a:prstGeom>
+        </p:spPr>
+        <p:style>
+          <a:lnRef idx="2">
+            <a:schemeClr val="accent1">
+              <a:shade val="15000"/>
+            </a:schemeClr>
+          </a:lnRef>
+          <a:fillRef idx="1">
+            <a:schemeClr val="accent1"/>
+          </a:fillRef>
+          <a:effectRef idx="0">
+            <a:schemeClr val="accent1"/>
+          </a:effectRef>
+          <a:fontRef idx="minor">
+            <a:schemeClr val="lt1"/>
+          </a:fontRef>
+        </p:style>
+        <p:txBody>
+          <a:bodyPr rtlCol="0" anchor="ctr"/>
+          <a:lstStyle/>
+          <a:p>
+            <a:pPr algn="ctr"/>
+            <a:r>
+              <a:rPr lang="en-US" dirty="0"/>
+              <a:t>Manager</a:t>
+            </a:r>
+          </a:p>
+        </p:txBody>
+      </p:sp>
+      <p:sp>
+        <p:nvSpPr>
+          <p:cNvPr id="5" name="Oval 4">
+            <a:extLst>
+              <a:ext uri="{FF2B5EF4-FFF2-40B4-BE49-F238E27FC236}">
+                <a16:creationId xmlns:a16="http://schemas.microsoft.com/office/drawing/2014/main" id="{63A7A007-2314-DACA-7515-295AC28E67EF}"/>
+              </a:ext>
+            </a:extLst>
+          </p:cNvPr>
+          <p:cNvSpPr/>
+          <p:nvPr/>
+        </p:nvSpPr>
+        <p:spPr>
+          <a:xfrm>
+            <a:off x="8845419" y="2018522"/>
+            <a:ext cx="2220686" cy="1073020"/>
+          </a:xfrm>
+          <a:prstGeom prst="ellipse">
+            <a:avLst/>
+          </a:prstGeom>
+        </p:spPr>
+        <p:style>
+          <a:lnRef idx="2">
+            <a:schemeClr val="accent1">
+              <a:shade val="15000"/>
+            </a:schemeClr>
+          </a:lnRef>
+          <a:fillRef idx="1">
+            <a:schemeClr val="accent1"/>
+          </a:fillRef>
+          <a:effectRef idx="0">
+            <a:schemeClr val="accent1"/>
+          </a:effectRef>
+          <a:fontRef idx="minor">
+            <a:schemeClr val="lt1"/>
+          </a:fontRef>
+        </p:style>
+        <p:txBody>
+          <a:bodyPr rtlCol="0" anchor="ctr"/>
+          <a:lstStyle/>
+          <a:p>
+            <a:pPr algn="ctr"/>
+            <a:r>
+              <a:rPr lang="en-US" dirty="0"/>
+              <a:t>Clerk</a:t>
+            </a:r>
+          </a:p>
+        </p:txBody>
+      </p:sp>
+      <p:cxnSp>
+        <p:nvCxnSpPr>
+          <p:cNvPr id="7" name="Connector: Elbow 6">
+            <a:extLst>
+              <a:ext uri="{FF2B5EF4-FFF2-40B4-BE49-F238E27FC236}">
+                <a16:creationId xmlns:a16="http://schemas.microsoft.com/office/drawing/2014/main" id="{580D4336-B510-E7A1-F70E-ED0E3512913A}"/>
+              </a:ext>
+            </a:extLst>
+          </p:cNvPr>
+          <p:cNvCxnSpPr>
+            <a:stCxn id="3" idx="6"/>
+            <a:endCxn id="2" idx="2"/>
+          </p:cNvCxnSpPr>
+          <p:nvPr/>
+        </p:nvCxnSpPr>
+        <p:spPr>
+          <a:xfrm flipV="1">
+            <a:off x="2438399" y="835090"/>
+            <a:ext cx="2348204" cy="1719942"/>
+          </a:xfrm>
+          <a:prstGeom prst="bentConnector3">
+            <a:avLst/>
+          </a:prstGeom>
+          <a:ln>
+            <a:tailEnd type="triangle"/>
+          </a:ln>
+        </p:spPr>
+        <p:style>
+          <a:lnRef idx="1">
+            <a:schemeClr val="accent1"/>
+          </a:lnRef>
+          <a:fillRef idx="0">
+            <a:schemeClr val="accent1"/>
+          </a:fillRef>
+          <a:effectRef idx="0">
+            <a:schemeClr val="accent1"/>
+          </a:effectRef>
+          <a:fontRef idx="minor">
+            <a:schemeClr val="tx1"/>
+          </a:fontRef>
+        </p:style>
+      </p:cxnSp>
+      <p:cxnSp>
+        <p:nvCxnSpPr>
+          <p:cNvPr id="9" name="Connector: Elbow 8">
+            <a:extLst>
+              <a:ext uri="{FF2B5EF4-FFF2-40B4-BE49-F238E27FC236}">
+                <a16:creationId xmlns:a16="http://schemas.microsoft.com/office/drawing/2014/main" id="{EE965AC1-2CAC-1B52-CBB2-F03BA4ADE2A7}"/>
+              </a:ext>
+            </a:extLst>
+          </p:cNvPr>
+          <p:cNvCxnSpPr>
+            <a:stCxn id="4" idx="0"/>
+            <a:endCxn id="2" idx="4"/>
+          </p:cNvCxnSpPr>
+          <p:nvPr/>
+        </p:nvCxnSpPr>
+        <p:spPr>
+          <a:xfrm rot="16200000" flipV="1">
+            <a:off x="5673012" y="1595534"/>
+            <a:ext cx="646922" cy="199054"/>
+          </a:xfrm>
+          <a:prstGeom prst="bentConnector3">
+            <a:avLst/>
+          </a:prstGeom>
+          <a:ln>
+            <a:tailEnd type="triangle"/>
+          </a:ln>
+        </p:spPr>
+        <p:style>
+          <a:lnRef idx="1">
+            <a:schemeClr val="accent1"/>
+          </a:lnRef>
+          <a:fillRef idx="0">
+            <a:schemeClr val="accent1"/>
+          </a:fillRef>
+          <a:effectRef idx="0">
+            <a:schemeClr val="accent1"/>
+          </a:effectRef>
+          <a:fontRef idx="minor">
+            <a:schemeClr val="tx1"/>
+          </a:fontRef>
+        </p:style>
+      </p:cxnSp>
+      <p:cxnSp>
+        <p:nvCxnSpPr>
+          <p:cNvPr id="12" name="Connector: Elbow 11">
+            <a:extLst>
+              <a:ext uri="{FF2B5EF4-FFF2-40B4-BE49-F238E27FC236}">
+                <a16:creationId xmlns:a16="http://schemas.microsoft.com/office/drawing/2014/main" id="{9B1D8621-B6EA-A5E3-2FCD-01ABB0AD0270}"/>
+              </a:ext>
+            </a:extLst>
+          </p:cNvPr>
+          <p:cNvCxnSpPr>
+            <a:stCxn id="5" idx="2"/>
+            <a:endCxn id="2" idx="6"/>
+          </p:cNvCxnSpPr>
+          <p:nvPr/>
+        </p:nvCxnSpPr>
+        <p:spPr>
+          <a:xfrm rot="10800000">
+            <a:off x="7007289" y="835090"/>
+            <a:ext cx="1838130" cy="1719942"/>
+          </a:xfrm>
+          <a:prstGeom prst="bentConnector3">
+            <a:avLst/>
+          </a:prstGeom>
+          <a:ln>
+            <a:tailEnd type="triangle"/>
+          </a:ln>
+        </p:spPr>
+        <p:style>
+          <a:lnRef idx="1">
+            <a:schemeClr val="accent1"/>
+          </a:lnRef>
+          <a:fillRef idx="0">
+            <a:schemeClr val="accent1"/>
+          </a:fillRef>
+          <a:effectRef idx="0">
+            <a:schemeClr val="accent1"/>
+          </a:effectRef>
+          <a:fontRef idx="minor">
+            <a:schemeClr val="tx1"/>
+          </a:fontRef>
+        </p:style>
+      </p:cxnSp>
+      <p:sp>
+        <p:nvSpPr>
+          <p:cNvPr id="13" name="TextBox 12">
+            <a:extLst>
+              <a:ext uri="{FF2B5EF4-FFF2-40B4-BE49-F238E27FC236}">
+                <a16:creationId xmlns:a16="http://schemas.microsoft.com/office/drawing/2014/main" id="{D343B2EB-763D-5456-20F6-702C0E06EC16}"/>
+              </a:ext>
+            </a:extLst>
+          </p:cNvPr>
+          <p:cNvSpPr txBox="1"/>
+          <p:nvPr/>
+        </p:nvSpPr>
+        <p:spPr>
+          <a:xfrm>
+            <a:off x="5371321" y="1538778"/>
+            <a:ext cx="1483567" cy="369332"/>
+          </a:xfrm>
+          <a:prstGeom prst="rect">
+            <a:avLst/>
+          </a:prstGeom>
+          <a:noFill/>
+        </p:spPr>
+        <p:txBody>
+          <a:bodyPr wrap="square" rtlCol="0">
+            <a:spAutoFit/>
+          </a:bodyPr>
+          <a:lstStyle/>
+          <a:p>
+            <a:pPr algn="ctr"/>
+            <a:r>
+              <a:rPr lang="en-US" dirty="0"/>
+              <a:t>Is-a</a:t>
+            </a:r>
+          </a:p>
+        </p:txBody>
+      </p:sp>
+      <p:sp>
+        <p:nvSpPr>
+          <p:cNvPr id="14" name="TextBox 13">
+            <a:extLst>
+              <a:ext uri="{FF2B5EF4-FFF2-40B4-BE49-F238E27FC236}">
+                <a16:creationId xmlns:a16="http://schemas.microsoft.com/office/drawing/2014/main" id="{0656A68F-C534-C0A9-BCCF-EE5212B318D9}"/>
+              </a:ext>
+            </a:extLst>
+          </p:cNvPr>
+          <p:cNvSpPr txBox="1"/>
+          <p:nvPr/>
+        </p:nvSpPr>
+        <p:spPr>
+          <a:xfrm>
+            <a:off x="2870717" y="1649190"/>
+            <a:ext cx="1483567" cy="369332"/>
+          </a:xfrm>
+          <a:prstGeom prst="rect">
+            <a:avLst/>
+          </a:prstGeom>
+          <a:noFill/>
+        </p:spPr>
+        <p:txBody>
+          <a:bodyPr wrap="square" rtlCol="0">
+            <a:spAutoFit/>
+          </a:bodyPr>
+          <a:lstStyle/>
+          <a:p>
+            <a:pPr algn="ctr"/>
+            <a:r>
+              <a:rPr lang="en-US" dirty="0"/>
+              <a:t>Is-a</a:t>
+            </a:r>
+          </a:p>
+        </p:txBody>
+      </p:sp>
+      <p:sp>
+        <p:nvSpPr>
+          <p:cNvPr id="15" name="TextBox 14">
+            <a:extLst>
+              <a:ext uri="{FF2B5EF4-FFF2-40B4-BE49-F238E27FC236}">
+                <a16:creationId xmlns:a16="http://schemas.microsoft.com/office/drawing/2014/main" id="{06B26CF0-B68A-C39F-BCDC-2FE43061340C}"/>
+              </a:ext>
+            </a:extLst>
+          </p:cNvPr>
+          <p:cNvSpPr txBox="1"/>
+          <p:nvPr/>
+        </p:nvSpPr>
+        <p:spPr>
+          <a:xfrm>
+            <a:off x="7184570" y="1538778"/>
+            <a:ext cx="1483567" cy="369332"/>
+          </a:xfrm>
+          <a:prstGeom prst="rect">
+            <a:avLst/>
+          </a:prstGeom>
+          <a:noFill/>
+        </p:spPr>
+        <p:txBody>
+          <a:bodyPr wrap="square" rtlCol="0">
+            <a:spAutoFit/>
+          </a:bodyPr>
+          <a:lstStyle/>
+          <a:p>
+            <a:pPr algn="ctr"/>
+            <a:r>
+              <a:rPr lang="en-US" dirty="0"/>
+              <a:t>Is-a</a:t>
+            </a:r>
+          </a:p>
+        </p:txBody>
+      </p:sp>
+      <p:sp>
+        <p:nvSpPr>
+          <p:cNvPr id="16" name="TextBox 15">
+            <a:extLst>
+              <a:ext uri="{FF2B5EF4-FFF2-40B4-BE49-F238E27FC236}">
+                <a16:creationId xmlns:a16="http://schemas.microsoft.com/office/drawing/2014/main" id="{1FED2116-F1B8-71E8-A71A-1CF709077E86}"/>
+              </a:ext>
+            </a:extLst>
+          </p:cNvPr>
+          <p:cNvSpPr txBox="1"/>
+          <p:nvPr/>
+        </p:nvSpPr>
+        <p:spPr>
+          <a:xfrm>
+            <a:off x="0" y="167951"/>
+            <a:ext cx="3433665" cy="1754326"/>
+          </a:xfrm>
+          <a:prstGeom prst="rect">
+            <a:avLst/>
+          </a:prstGeom>
+          <a:noFill/>
+        </p:spPr>
+        <p:txBody>
+          <a:bodyPr wrap="square" rtlCol="0">
+            <a:spAutoFit/>
+          </a:bodyPr>
+          <a:lstStyle/>
+          <a:p>
+            <a:r>
+              <a:rPr lang="en-US" dirty="0"/>
+              <a:t>Restricting the Employee from getting Modified for each new Behavior, instead, extending it for new Behavior or Attribute requirements</a:t>
+            </a:r>
+          </a:p>
+          <a:p>
+            <a:r>
+              <a:rPr lang="en-US" dirty="0"/>
+              <a:t> Open-Close-Principal (OCP)</a:t>
+            </a:r>
+          </a:p>
+        </p:txBody>
+      </p:sp>
+      <p:sp>
+        <p:nvSpPr>
+          <p:cNvPr id="17" name="TextBox 16">
+            <a:extLst>
+              <a:ext uri="{FF2B5EF4-FFF2-40B4-BE49-F238E27FC236}">
+                <a16:creationId xmlns:a16="http://schemas.microsoft.com/office/drawing/2014/main" id="{47A47908-EBCE-FF2B-F97D-13B066F5D886}"/>
+              </a:ext>
+            </a:extLst>
+          </p:cNvPr>
+          <p:cNvSpPr txBox="1"/>
+          <p:nvPr/>
+        </p:nvSpPr>
+        <p:spPr>
+          <a:xfrm>
+            <a:off x="6385248" y="131402"/>
+            <a:ext cx="5806752" cy="707886"/>
+          </a:xfrm>
+          <a:prstGeom prst="rect">
+            <a:avLst/>
+          </a:prstGeom>
+          <a:noFill/>
+        </p:spPr>
+        <p:txBody>
+          <a:bodyPr wrap="square" rtlCol="0">
+            <a:spAutoFit/>
+          </a:bodyPr>
+          <a:lstStyle/>
+          <a:p>
+            <a:pPr algn="ctr"/>
+            <a:r>
+              <a:rPr lang="en-US" sz="4000" b="1" dirty="0"/>
+              <a:t>INHERITANCE</a:t>
+            </a:r>
+          </a:p>
+        </p:txBody>
+      </p:sp>
+      <p:sp>
+        <p:nvSpPr>
+          <p:cNvPr id="18" name="TextBox 17">
+            <a:extLst>
+              <a:ext uri="{FF2B5EF4-FFF2-40B4-BE49-F238E27FC236}">
+                <a16:creationId xmlns:a16="http://schemas.microsoft.com/office/drawing/2014/main" id="{5D239743-FADB-4CFA-1994-F8A4BF20C305}"/>
+              </a:ext>
+            </a:extLst>
+          </p:cNvPr>
+          <p:cNvSpPr txBox="1"/>
+          <p:nvPr/>
+        </p:nvSpPr>
+        <p:spPr>
+          <a:xfrm>
+            <a:off x="401216" y="4301412"/>
+            <a:ext cx="10412964" cy="1754326"/>
+          </a:xfrm>
+          <a:prstGeom prst="rect">
+            <a:avLst/>
+          </a:prstGeom>
+          <a:noFill/>
+        </p:spPr>
+        <p:txBody>
+          <a:bodyPr wrap="square" rtlCol="0">
+            <a:spAutoFit/>
+          </a:bodyPr>
+          <a:lstStyle/>
+          <a:p>
+            <a:r>
+              <a:rPr lang="en-US" dirty="0"/>
+              <a:t>The Class MUST be Closed for Modification but open for Extension. This will help to define properties and Behaviors specific (scoped) to that derived class only.</a:t>
+            </a:r>
+          </a:p>
+          <a:p>
+            <a:endParaRPr lang="en-US" dirty="0"/>
+          </a:p>
+          <a:p>
+            <a:r>
+              <a:rPr lang="en-US" dirty="0"/>
+              <a:t>The Inheritance implements OCP Principal</a:t>
+            </a:r>
+          </a:p>
+          <a:p>
+            <a:endParaRPr lang="en-US" dirty="0"/>
+          </a:p>
+          <a:p>
+            <a:r>
+              <a:rPr lang="en-US" dirty="0"/>
+              <a:t>The Inheritance also provide Is-a Relationship</a:t>
+            </a:r>
+          </a:p>
+        </p:txBody>
+      </p:sp>
+    </p:spTree>
+    <p:extLst>
+      <p:ext uri="{BB962C8B-B14F-4D97-AF65-F5344CB8AC3E}">
+        <p14:creationId xmlns:p14="http://schemas.microsoft.com/office/powerpoint/2010/main" val="3100357560"/>
+      </p:ext>
+    </p:extLst>
+  </p:cSld>
+  <p:clrMapOvr>
+    <a:masterClrMapping/>
+  </p:clrMapOvr>
+</p:sld>
+</file>
+
+<file path=ppt/slides/slide6.xml><?xml version="1.0" encoding="utf-8"?>
+<p:sld xmlns:a="http://schemas.openxmlformats.org/drawingml/2006/main" xmlns:r="http://schemas.openxmlformats.org/officeDocument/2006/relationships" xmlns:p="http://schemas.openxmlformats.org/presentationml/2006/main">
+  <p:cSld>
+    <p:spTree>
+      <p:nvGrpSpPr>
+        <p:cNvPr id="1" name=""/>
+        <p:cNvGrpSpPr/>
+        <p:nvPr/>
+      </p:nvGrpSpPr>
+      <p:grpSpPr>
+        <a:xfrm>
+          <a:off x="0" y="0"/>
+          <a:ext cx="0" cy="0"/>
+          <a:chOff x="0" y="0"/>
+          <a:chExt cx="0" cy="0"/>
+        </a:xfrm>
+      </p:grpSpPr>
+      <p:sp>
+        <p:nvSpPr>
+          <p:cNvPr id="2" name="Oval 1">
+            <a:extLst>
+              <a:ext uri="{FF2B5EF4-FFF2-40B4-BE49-F238E27FC236}">
+                <a16:creationId xmlns:a16="http://schemas.microsoft.com/office/drawing/2014/main" id="{A3ECDEB2-6355-C91A-0A12-1799E3E58FEE}"/>
+              </a:ext>
+            </a:extLst>
+          </p:cNvPr>
+          <p:cNvSpPr/>
+          <p:nvPr/>
+        </p:nvSpPr>
+        <p:spPr>
+          <a:xfrm>
+            <a:off x="335902" y="942392"/>
+            <a:ext cx="1315616" cy="886408"/>
+          </a:xfrm>
+          <a:prstGeom prst="ellipse">
+            <a:avLst/>
+          </a:prstGeom>
+        </p:spPr>
+        <p:style>
+          <a:lnRef idx="2">
+            <a:schemeClr val="accent1">
+              <a:shade val="15000"/>
+            </a:schemeClr>
+          </a:lnRef>
+          <a:fillRef idx="1">
+            <a:schemeClr val="accent1"/>
+          </a:fillRef>
+          <a:effectRef idx="0">
+            <a:schemeClr val="accent1"/>
+          </a:effectRef>
+          <a:fontRef idx="minor">
+            <a:schemeClr val="lt1"/>
+          </a:fontRef>
+        </p:style>
+        <p:txBody>
+          <a:bodyPr rtlCol="0" anchor="ctr"/>
+          <a:lstStyle/>
+          <a:p>
+            <a:pPr algn="ctr"/>
+            <a:r>
+              <a:rPr lang="en-US" dirty="0"/>
+              <a:t>Base</a:t>
+            </a:r>
+          </a:p>
+        </p:txBody>
+      </p:sp>
+      <p:sp>
+        <p:nvSpPr>
+          <p:cNvPr id="3" name="Oval 2">
+            <a:extLst>
+              <a:ext uri="{FF2B5EF4-FFF2-40B4-BE49-F238E27FC236}">
+                <a16:creationId xmlns:a16="http://schemas.microsoft.com/office/drawing/2014/main" id="{24578FDD-DC54-C064-A78C-D12F651738BE}"/>
+              </a:ext>
+            </a:extLst>
+          </p:cNvPr>
+          <p:cNvSpPr/>
+          <p:nvPr/>
+        </p:nvSpPr>
+        <p:spPr>
+          <a:xfrm>
+            <a:off x="335902" y="2708988"/>
+            <a:ext cx="1315616" cy="886408"/>
+          </a:xfrm>
+          <a:prstGeom prst="ellipse">
+            <a:avLst/>
+          </a:prstGeom>
+        </p:spPr>
+        <p:style>
+          <a:lnRef idx="2">
+            <a:schemeClr val="accent1">
+              <a:shade val="15000"/>
+            </a:schemeClr>
+          </a:lnRef>
+          <a:fillRef idx="1">
+            <a:schemeClr val="accent1"/>
+          </a:fillRef>
+          <a:effectRef idx="0">
+            <a:schemeClr val="accent1"/>
+          </a:effectRef>
+          <a:fontRef idx="minor">
+            <a:schemeClr val="lt1"/>
+          </a:fontRef>
+        </p:style>
+        <p:txBody>
+          <a:bodyPr rtlCol="0" anchor="ctr"/>
+          <a:lstStyle/>
+          <a:p>
+            <a:pPr algn="ctr"/>
+            <a:r>
+              <a:rPr lang="en-US" dirty="0"/>
+              <a:t>Derive</a:t>
+            </a:r>
+          </a:p>
+        </p:txBody>
+      </p:sp>
+      <p:cxnSp>
+        <p:nvCxnSpPr>
+          <p:cNvPr id="5" name="Connector: Elbow 4">
+            <a:extLst>
+              <a:ext uri="{FF2B5EF4-FFF2-40B4-BE49-F238E27FC236}">
+                <a16:creationId xmlns:a16="http://schemas.microsoft.com/office/drawing/2014/main" id="{0FF8188F-F7F3-C570-8A33-AB2D11363EF4}"/>
+              </a:ext>
+            </a:extLst>
+          </p:cNvPr>
+          <p:cNvCxnSpPr>
+            <a:stCxn id="3" idx="0"/>
+            <a:endCxn id="2" idx="4"/>
+          </p:cNvCxnSpPr>
+          <p:nvPr/>
+        </p:nvCxnSpPr>
+        <p:spPr>
+          <a:xfrm rot="5400000" flipH="1" flipV="1">
+            <a:off x="553616" y="2268894"/>
+            <a:ext cx="880188" cy="12700"/>
+          </a:xfrm>
+          <a:prstGeom prst="bentConnector3">
+            <a:avLst/>
+          </a:prstGeom>
+          <a:ln>
+            <a:tailEnd type="triangle"/>
+          </a:ln>
+        </p:spPr>
+        <p:style>
+          <a:lnRef idx="1">
+            <a:schemeClr val="accent1"/>
+          </a:lnRef>
+          <a:fillRef idx="0">
+            <a:schemeClr val="accent1"/>
+          </a:fillRef>
+          <a:effectRef idx="0">
+            <a:schemeClr val="accent1"/>
+          </a:effectRef>
+          <a:fontRef idx="minor">
+            <a:schemeClr val="tx1"/>
+          </a:fontRef>
+        </p:style>
+      </p:cxnSp>
+      <p:sp>
+        <p:nvSpPr>
+          <p:cNvPr id="6" name="TextBox 5">
+            <a:extLst>
+              <a:ext uri="{FF2B5EF4-FFF2-40B4-BE49-F238E27FC236}">
+                <a16:creationId xmlns:a16="http://schemas.microsoft.com/office/drawing/2014/main" id="{FE255979-E7AE-F0A9-52DE-E30930395CDF}"/>
+              </a:ext>
+            </a:extLst>
+          </p:cNvPr>
+          <p:cNvSpPr txBox="1"/>
+          <p:nvPr/>
+        </p:nvSpPr>
+        <p:spPr>
+          <a:xfrm>
+            <a:off x="83976" y="401216"/>
+            <a:ext cx="2295330" cy="369332"/>
+          </a:xfrm>
+          <a:prstGeom prst="rect">
+            <a:avLst/>
+          </a:prstGeom>
+          <a:noFill/>
+        </p:spPr>
+        <p:txBody>
+          <a:bodyPr wrap="square" rtlCol="0">
+            <a:spAutoFit/>
+          </a:bodyPr>
+          <a:lstStyle/>
+          <a:p>
+            <a:pPr algn="ctr"/>
+            <a:r>
+              <a:rPr lang="en-US" b="1" dirty="0"/>
+              <a:t>Single Inheritance</a:t>
+            </a:r>
+          </a:p>
+        </p:txBody>
+      </p:sp>
+      <p:sp>
+        <p:nvSpPr>
+          <p:cNvPr id="7" name="Oval 6">
+            <a:extLst>
+              <a:ext uri="{FF2B5EF4-FFF2-40B4-BE49-F238E27FC236}">
+                <a16:creationId xmlns:a16="http://schemas.microsoft.com/office/drawing/2014/main" id="{B483F439-1174-245A-0035-9CA49A45FF50}"/>
+              </a:ext>
+            </a:extLst>
+          </p:cNvPr>
+          <p:cNvSpPr/>
+          <p:nvPr/>
+        </p:nvSpPr>
+        <p:spPr>
+          <a:xfrm>
+            <a:off x="4640424" y="921141"/>
+            <a:ext cx="1315616" cy="886408"/>
+          </a:xfrm>
+          <a:prstGeom prst="ellipse">
+            <a:avLst/>
+          </a:prstGeom>
+        </p:spPr>
+        <p:style>
+          <a:lnRef idx="2">
+            <a:schemeClr val="accent1">
+              <a:shade val="15000"/>
+            </a:schemeClr>
+          </a:lnRef>
+          <a:fillRef idx="1">
+            <a:schemeClr val="accent1"/>
+          </a:fillRef>
+          <a:effectRef idx="0">
+            <a:schemeClr val="accent1"/>
+          </a:effectRef>
+          <a:fontRef idx="minor">
+            <a:schemeClr val="lt1"/>
+          </a:fontRef>
+        </p:style>
+        <p:txBody>
+          <a:bodyPr rtlCol="0" anchor="ctr"/>
+          <a:lstStyle/>
+          <a:p>
+            <a:pPr algn="ctr"/>
+            <a:r>
+              <a:rPr lang="en-US" dirty="0"/>
+              <a:t>Base</a:t>
+            </a:r>
+          </a:p>
+        </p:txBody>
+      </p:sp>
+      <p:sp>
+        <p:nvSpPr>
+          <p:cNvPr id="8" name="Oval 7">
+            <a:extLst>
+              <a:ext uri="{FF2B5EF4-FFF2-40B4-BE49-F238E27FC236}">
+                <a16:creationId xmlns:a16="http://schemas.microsoft.com/office/drawing/2014/main" id="{24ED08FF-BE82-E7EF-81D4-2E21C8889132}"/>
+              </a:ext>
+            </a:extLst>
+          </p:cNvPr>
+          <p:cNvSpPr/>
+          <p:nvPr/>
+        </p:nvSpPr>
+        <p:spPr>
+          <a:xfrm>
+            <a:off x="3128866" y="2542592"/>
+            <a:ext cx="1315616" cy="886408"/>
+          </a:xfrm>
+          <a:prstGeom prst="ellipse">
+            <a:avLst/>
+          </a:prstGeom>
+        </p:spPr>
+        <p:style>
+          <a:lnRef idx="2">
+            <a:schemeClr val="accent1">
+              <a:shade val="15000"/>
+            </a:schemeClr>
+          </a:lnRef>
+          <a:fillRef idx="1">
+            <a:schemeClr val="accent1"/>
+          </a:fillRef>
+          <a:effectRef idx="0">
+            <a:schemeClr val="accent1"/>
+          </a:effectRef>
+          <a:fontRef idx="minor">
+            <a:schemeClr val="lt1"/>
+          </a:fontRef>
+        </p:style>
+        <p:txBody>
+          <a:bodyPr rtlCol="0" anchor="ctr"/>
+          <a:lstStyle/>
+          <a:p>
+            <a:pPr algn="ctr"/>
+            <a:r>
+              <a:rPr lang="en-US" dirty="0"/>
+              <a:t>Derive1</a:t>
+            </a:r>
+          </a:p>
+        </p:txBody>
+      </p:sp>
+      <p:sp>
+        <p:nvSpPr>
+          <p:cNvPr id="9" name="Oval 8">
+            <a:extLst>
+              <a:ext uri="{FF2B5EF4-FFF2-40B4-BE49-F238E27FC236}">
+                <a16:creationId xmlns:a16="http://schemas.microsoft.com/office/drawing/2014/main" id="{C4F6B385-FD46-4A32-02DE-2E8D55E80295}"/>
+              </a:ext>
+            </a:extLst>
+          </p:cNvPr>
+          <p:cNvSpPr/>
+          <p:nvPr/>
+        </p:nvSpPr>
+        <p:spPr>
+          <a:xfrm>
+            <a:off x="4780384" y="2542592"/>
+            <a:ext cx="1315616" cy="886408"/>
+          </a:xfrm>
+          <a:prstGeom prst="ellipse">
+            <a:avLst/>
+          </a:prstGeom>
+        </p:spPr>
+        <p:style>
+          <a:lnRef idx="2">
+            <a:schemeClr val="accent1">
+              <a:shade val="15000"/>
+            </a:schemeClr>
+          </a:lnRef>
+          <a:fillRef idx="1">
+            <a:schemeClr val="accent1"/>
+          </a:fillRef>
+          <a:effectRef idx="0">
+            <a:schemeClr val="accent1"/>
+          </a:effectRef>
+          <a:fontRef idx="minor">
+            <a:schemeClr val="lt1"/>
+          </a:fontRef>
+        </p:style>
+        <p:txBody>
+          <a:bodyPr rtlCol="0" anchor="ctr"/>
+          <a:lstStyle/>
+          <a:p>
+            <a:pPr algn="ctr"/>
+            <a:r>
+              <a:rPr lang="en-US" dirty="0"/>
+              <a:t>Derive2</a:t>
+            </a:r>
+          </a:p>
+        </p:txBody>
+      </p:sp>
+      <p:sp>
+        <p:nvSpPr>
+          <p:cNvPr id="10" name="Oval 9">
+            <a:extLst>
+              <a:ext uri="{FF2B5EF4-FFF2-40B4-BE49-F238E27FC236}">
+                <a16:creationId xmlns:a16="http://schemas.microsoft.com/office/drawing/2014/main" id="{8F0E3C03-5DE6-635B-886E-A0C103D06799}"/>
+              </a:ext>
+            </a:extLst>
+          </p:cNvPr>
+          <p:cNvSpPr/>
+          <p:nvPr/>
+        </p:nvSpPr>
+        <p:spPr>
+          <a:xfrm>
+            <a:off x="6431902" y="2542592"/>
+            <a:ext cx="1315616" cy="886408"/>
+          </a:xfrm>
+          <a:prstGeom prst="ellipse">
+            <a:avLst/>
+          </a:prstGeom>
+        </p:spPr>
+        <p:style>
+          <a:lnRef idx="2">
+            <a:schemeClr val="accent1">
+              <a:shade val="15000"/>
+            </a:schemeClr>
+          </a:lnRef>
+          <a:fillRef idx="1">
+            <a:schemeClr val="accent1"/>
+          </a:fillRef>
+          <a:effectRef idx="0">
+            <a:schemeClr val="accent1"/>
+          </a:effectRef>
+          <a:fontRef idx="minor">
+            <a:schemeClr val="lt1"/>
+          </a:fontRef>
+        </p:style>
+        <p:txBody>
+          <a:bodyPr rtlCol="0" anchor="ctr"/>
+          <a:lstStyle/>
+          <a:p>
+            <a:pPr algn="ctr"/>
+            <a:r>
+              <a:rPr lang="en-US" dirty="0"/>
+              <a:t>Derive3</a:t>
+            </a:r>
+          </a:p>
+        </p:txBody>
+      </p:sp>
+      <p:cxnSp>
+        <p:nvCxnSpPr>
+          <p:cNvPr id="12" name="Connector: Elbow 11">
+            <a:extLst>
+              <a:ext uri="{FF2B5EF4-FFF2-40B4-BE49-F238E27FC236}">
+                <a16:creationId xmlns:a16="http://schemas.microsoft.com/office/drawing/2014/main" id="{FF72C983-CBD7-1656-4623-B6A0AEBD78B9}"/>
+              </a:ext>
+            </a:extLst>
+          </p:cNvPr>
+          <p:cNvCxnSpPr>
+            <a:stCxn id="8" idx="0"/>
+            <a:endCxn id="7" idx="2"/>
+          </p:cNvCxnSpPr>
+          <p:nvPr/>
+        </p:nvCxnSpPr>
+        <p:spPr>
+          <a:xfrm rot="5400000" flipH="1" flipV="1">
+            <a:off x="3624426" y="1526594"/>
+            <a:ext cx="1178247" cy="853750"/>
+          </a:xfrm>
+          <a:prstGeom prst="bentConnector2">
+            <a:avLst/>
+          </a:prstGeom>
+          <a:ln>
+            <a:tailEnd type="triangle"/>
+          </a:ln>
+        </p:spPr>
+        <p:style>
+          <a:lnRef idx="1">
+            <a:schemeClr val="accent1"/>
+          </a:lnRef>
+          <a:fillRef idx="0">
+            <a:schemeClr val="accent1"/>
+          </a:fillRef>
+          <a:effectRef idx="0">
+            <a:schemeClr val="accent1"/>
+          </a:effectRef>
+          <a:fontRef idx="minor">
+            <a:schemeClr val="tx1"/>
+          </a:fontRef>
+        </p:style>
+      </p:cxnSp>
+      <p:cxnSp>
+        <p:nvCxnSpPr>
+          <p:cNvPr id="14" name="Connector: Elbow 13">
+            <a:extLst>
+              <a:ext uri="{FF2B5EF4-FFF2-40B4-BE49-F238E27FC236}">
+                <a16:creationId xmlns:a16="http://schemas.microsoft.com/office/drawing/2014/main" id="{82CEE339-A099-4D4A-845B-FAD2761EDFCF}"/>
+              </a:ext>
+            </a:extLst>
+          </p:cNvPr>
+          <p:cNvCxnSpPr>
+            <a:stCxn id="9" idx="0"/>
+            <a:endCxn id="7" idx="4"/>
+          </p:cNvCxnSpPr>
+          <p:nvPr/>
+        </p:nvCxnSpPr>
+        <p:spPr>
+          <a:xfrm rot="16200000" flipV="1">
+            <a:off x="5000691" y="2105091"/>
+            <a:ext cx="735043" cy="139960"/>
+          </a:xfrm>
+          <a:prstGeom prst="bentConnector3">
+            <a:avLst/>
+          </a:prstGeom>
+          <a:ln>
+            <a:tailEnd type="triangle"/>
+          </a:ln>
+        </p:spPr>
+        <p:style>
+          <a:lnRef idx="1">
+            <a:schemeClr val="accent1"/>
+          </a:lnRef>
+          <a:fillRef idx="0">
+            <a:schemeClr val="accent1"/>
+          </a:fillRef>
+          <a:effectRef idx="0">
+            <a:schemeClr val="accent1"/>
+          </a:effectRef>
+          <a:fontRef idx="minor">
+            <a:schemeClr val="tx1"/>
+          </a:fontRef>
+        </p:style>
+      </p:cxnSp>
+      <p:cxnSp>
+        <p:nvCxnSpPr>
+          <p:cNvPr id="16" name="Connector: Elbow 15">
+            <a:extLst>
+              <a:ext uri="{FF2B5EF4-FFF2-40B4-BE49-F238E27FC236}">
+                <a16:creationId xmlns:a16="http://schemas.microsoft.com/office/drawing/2014/main" id="{F3E5695A-3B54-E1FB-58F1-62618D284CD5}"/>
+              </a:ext>
+            </a:extLst>
+          </p:cNvPr>
+          <p:cNvCxnSpPr>
+            <a:stCxn id="10" idx="0"/>
+            <a:endCxn id="7" idx="6"/>
+          </p:cNvCxnSpPr>
+          <p:nvPr/>
+        </p:nvCxnSpPr>
+        <p:spPr>
+          <a:xfrm rot="16200000" flipV="1">
+            <a:off x="5933752" y="1386634"/>
+            <a:ext cx="1178247" cy="1133670"/>
+          </a:xfrm>
+          <a:prstGeom prst="bentConnector2">
+            <a:avLst/>
+          </a:prstGeom>
+          <a:ln>
+            <a:tailEnd type="triangle"/>
+          </a:ln>
+        </p:spPr>
+        <p:style>
+          <a:lnRef idx="1">
+            <a:schemeClr val="accent1"/>
+          </a:lnRef>
+          <a:fillRef idx="0">
+            <a:schemeClr val="accent1"/>
+          </a:fillRef>
+          <a:effectRef idx="0">
+            <a:schemeClr val="accent1"/>
+          </a:effectRef>
+          <a:fontRef idx="minor">
+            <a:schemeClr val="tx1"/>
+          </a:fontRef>
+        </p:style>
+      </p:cxnSp>
+      <p:sp>
+        <p:nvSpPr>
+          <p:cNvPr id="17" name="TextBox 16">
+            <a:extLst>
+              <a:ext uri="{FF2B5EF4-FFF2-40B4-BE49-F238E27FC236}">
+                <a16:creationId xmlns:a16="http://schemas.microsoft.com/office/drawing/2014/main" id="{28345201-D2C0-5CC4-7AD7-249B1BB7C9CD}"/>
+              </a:ext>
+            </a:extLst>
+          </p:cNvPr>
+          <p:cNvSpPr txBox="1"/>
+          <p:nvPr/>
+        </p:nvSpPr>
+        <p:spPr>
+          <a:xfrm>
+            <a:off x="3646715" y="335902"/>
+            <a:ext cx="3883089" cy="369332"/>
+          </a:xfrm>
+          <a:prstGeom prst="rect">
+            <a:avLst/>
+          </a:prstGeom>
+          <a:noFill/>
+        </p:spPr>
+        <p:txBody>
+          <a:bodyPr wrap="square" rtlCol="0">
+            <a:spAutoFit/>
+          </a:bodyPr>
+          <a:lstStyle/>
+          <a:p>
+            <a:pPr algn="ctr"/>
+            <a:r>
+              <a:rPr lang="en-US" b="1" dirty="0"/>
+              <a:t>Hierarchical Inheritance</a:t>
+            </a:r>
+          </a:p>
+        </p:txBody>
+      </p:sp>
+      <p:sp>
+        <p:nvSpPr>
+          <p:cNvPr id="18" name="Oval 17">
+            <a:extLst>
+              <a:ext uri="{FF2B5EF4-FFF2-40B4-BE49-F238E27FC236}">
+                <a16:creationId xmlns:a16="http://schemas.microsoft.com/office/drawing/2014/main" id="{8E4B8429-9E96-0D10-36EE-EE09ABA24C91}"/>
+              </a:ext>
+            </a:extLst>
+          </p:cNvPr>
+          <p:cNvSpPr/>
+          <p:nvPr/>
+        </p:nvSpPr>
+        <p:spPr>
+          <a:xfrm>
+            <a:off x="10008637" y="921141"/>
+            <a:ext cx="1315616" cy="886408"/>
+          </a:xfrm>
+          <a:prstGeom prst="ellipse">
+            <a:avLst/>
+          </a:prstGeom>
+        </p:spPr>
+        <p:style>
+          <a:lnRef idx="2">
+            <a:schemeClr val="accent1">
+              <a:shade val="15000"/>
+            </a:schemeClr>
+          </a:lnRef>
+          <a:fillRef idx="1">
+            <a:schemeClr val="accent1"/>
+          </a:fillRef>
+          <a:effectRef idx="0">
+            <a:schemeClr val="accent1"/>
+          </a:effectRef>
+          <a:fontRef idx="minor">
+            <a:schemeClr val="lt1"/>
+          </a:fontRef>
+        </p:style>
+        <p:txBody>
+          <a:bodyPr rtlCol="0" anchor="ctr"/>
+          <a:lstStyle/>
+          <a:p>
+            <a:pPr algn="ctr"/>
+            <a:r>
+              <a:rPr lang="en-US" dirty="0"/>
+              <a:t>Base</a:t>
+            </a:r>
+          </a:p>
+        </p:txBody>
+      </p:sp>
+      <p:sp>
+        <p:nvSpPr>
+          <p:cNvPr id="19" name="Oval 18">
+            <a:extLst>
+              <a:ext uri="{FF2B5EF4-FFF2-40B4-BE49-F238E27FC236}">
+                <a16:creationId xmlns:a16="http://schemas.microsoft.com/office/drawing/2014/main" id="{FF9B82E9-3363-954F-2C3D-5AB9CBBC3F56}"/>
+              </a:ext>
+            </a:extLst>
+          </p:cNvPr>
+          <p:cNvSpPr/>
+          <p:nvPr/>
+        </p:nvSpPr>
+        <p:spPr>
+          <a:xfrm>
+            <a:off x="10008637" y="2351835"/>
+            <a:ext cx="1315616" cy="886408"/>
+          </a:xfrm>
+          <a:prstGeom prst="ellipse">
+            <a:avLst/>
+          </a:prstGeom>
+        </p:spPr>
+        <p:style>
+          <a:lnRef idx="2">
+            <a:schemeClr val="accent1">
+              <a:shade val="15000"/>
+            </a:schemeClr>
+          </a:lnRef>
+          <a:fillRef idx="1">
+            <a:schemeClr val="accent1"/>
+          </a:fillRef>
+          <a:effectRef idx="0">
+            <a:schemeClr val="accent1"/>
+          </a:effectRef>
+          <a:fontRef idx="minor">
+            <a:schemeClr val="lt1"/>
+          </a:fontRef>
+        </p:style>
+        <p:txBody>
+          <a:bodyPr rtlCol="0" anchor="ctr"/>
+          <a:lstStyle/>
+          <a:p>
+            <a:pPr algn="ctr"/>
+            <a:r>
+              <a:rPr lang="en-US" dirty="0"/>
+              <a:t>Derive</a:t>
+            </a:r>
+          </a:p>
+        </p:txBody>
+      </p:sp>
+      <p:sp>
+        <p:nvSpPr>
+          <p:cNvPr id="20" name="Oval 19">
+            <a:extLst>
+              <a:ext uri="{FF2B5EF4-FFF2-40B4-BE49-F238E27FC236}">
+                <a16:creationId xmlns:a16="http://schemas.microsoft.com/office/drawing/2014/main" id="{12EA2914-FF1D-B2E1-AFAD-B4658EE10036}"/>
+              </a:ext>
+            </a:extLst>
+          </p:cNvPr>
+          <p:cNvSpPr/>
+          <p:nvPr/>
+        </p:nvSpPr>
+        <p:spPr>
+          <a:xfrm>
+            <a:off x="9527458" y="3994023"/>
+            <a:ext cx="1796795" cy="886408"/>
+          </a:xfrm>
+          <a:prstGeom prst="ellipse">
+            <a:avLst/>
+          </a:prstGeom>
+        </p:spPr>
+        <p:style>
+          <a:lnRef idx="2">
+            <a:schemeClr val="accent1">
+              <a:shade val="15000"/>
+            </a:schemeClr>
+          </a:lnRef>
+          <a:fillRef idx="1">
+            <a:schemeClr val="accent1"/>
+          </a:fillRef>
+          <a:effectRef idx="0">
+            <a:schemeClr val="accent1"/>
+          </a:effectRef>
+          <a:fontRef idx="minor">
+            <a:schemeClr val="lt1"/>
+          </a:fontRef>
+        </p:style>
+        <p:txBody>
+          <a:bodyPr rtlCol="0" anchor="ctr"/>
+          <a:lstStyle/>
+          <a:p>
+            <a:pPr algn="ctr"/>
+            <a:r>
+              <a:rPr lang="en-US" dirty="0" err="1"/>
+              <a:t>DeriveNext</a:t>
+            </a:r>
+            <a:endParaRPr lang="en-US" dirty="0"/>
+          </a:p>
+        </p:txBody>
+      </p:sp>
+      <p:cxnSp>
+        <p:nvCxnSpPr>
+          <p:cNvPr id="22" name="Connector: Elbow 21">
+            <a:extLst>
+              <a:ext uri="{FF2B5EF4-FFF2-40B4-BE49-F238E27FC236}">
+                <a16:creationId xmlns:a16="http://schemas.microsoft.com/office/drawing/2014/main" id="{BC80E968-D01A-357B-D572-3BFCD1D019BB}"/>
+              </a:ext>
+            </a:extLst>
+          </p:cNvPr>
+          <p:cNvCxnSpPr>
+            <a:cxnSpLocks/>
+            <a:stCxn id="20" idx="0"/>
+            <a:endCxn id="19" idx="4"/>
+          </p:cNvCxnSpPr>
+          <p:nvPr/>
+        </p:nvCxnSpPr>
+        <p:spPr>
+          <a:xfrm rot="5400000" flipH="1" flipV="1">
+            <a:off x="10168260" y="3495839"/>
+            <a:ext cx="755780" cy="240589"/>
+          </a:xfrm>
+          <a:prstGeom prst="bentConnector3">
+            <a:avLst/>
+          </a:prstGeom>
+          <a:ln>
+            <a:tailEnd type="triangle"/>
+          </a:ln>
+        </p:spPr>
+        <p:style>
+          <a:lnRef idx="1">
+            <a:schemeClr val="accent1"/>
+          </a:lnRef>
+          <a:fillRef idx="0">
+            <a:schemeClr val="accent1"/>
+          </a:fillRef>
+          <a:effectRef idx="0">
+            <a:schemeClr val="accent1"/>
+          </a:effectRef>
+          <a:fontRef idx="minor">
+            <a:schemeClr val="tx1"/>
+          </a:fontRef>
+        </p:style>
+      </p:cxnSp>
+      <p:cxnSp>
+        <p:nvCxnSpPr>
+          <p:cNvPr id="24" name="Connector: Elbow 23">
+            <a:extLst>
+              <a:ext uri="{FF2B5EF4-FFF2-40B4-BE49-F238E27FC236}">
+                <a16:creationId xmlns:a16="http://schemas.microsoft.com/office/drawing/2014/main" id="{ECECCE16-B821-49E5-05D0-01A0E0BF8188}"/>
+              </a:ext>
+            </a:extLst>
+          </p:cNvPr>
+          <p:cNvCxnSpPr>
+            <a:stCxn id="19" idx="0"/>
+            <a:endCxn id="18" idx="4"/>
+          </p:cNvCxnSpPr>
+          <p:nvPr/>
+        </p:nvCxnSpPr>
+        <p:spPr>
+          <a:xfrm rot="5400000" flipH="1" flipV="1">
+            <a:off x="10394302" y="2079692"/>
+            <a:ext cx="544286" cy="12700"/>
+          </a:xfrm>
+          <a:prstGeom prst="bentConnector3">
+            <a:avLst/>
+          </a:prstGeom>
+          <a:ln>
+            <a:tailEnd type="triangle"/>
+          </a:ln>
+        </p:spPr>
+        <p:style>
+          <a:lnRef idx="1">
+            <a:schemeClr val="accent1"/>
+          </a:lnRef>
+          <a:fillRef idx="0">
+            <a:schemeClr val="accent1"/>
+          </a:fillRef>
+          <a:effectRef idx="0">
+            <a:schemeClr val="accent1"/>
+          </a:effectRef>
+          <a:fontRef idx="minor">
+            <a:schemeClr val="tx1"/>
+          </a:fontRef>
+        </p:style>
+      </p:cxnSp>
+      <p:sp>
+        <p:nvSpPr>
+          <p:cNvPr id="25" name="TextBox 24">
+            <a:extLst>
+              <a:ext uri="{FF2B5EF4-FFF2-40B4-BE49-F238E27FC236}">
+                <a16:creationId xmlns:a16="http://schemas.microsoft.com/office/drawing/2014/main" id="{38BE45AF-D04F-1A9F-4DDA-FD937955177A}"/>
+              </a:ext>
+            </a:extLst>
+          </p:cNvPr>
+          <p:cNvSpPr txBox="1"/>
+          <p:nvPr/>
+        </p:nvSpPr>
+        <p:spPr>
+          <a:xfrm>
+            <a:off x="9125339" y="401216"/>
+            <a:ext cx="2845836" cy="369332"/>
+          </a:xfrm>
+          <a:prstGeom prst="rect">
+            <a:avLst/>
+          </a:prstGeom>
+          <a:noFill/>
+        </p:spPr>
+        <p:txBody>
+          <a:bodyPr wrap="square" rtlCol="0">
+            <a:spAutoFit/>
+          </a:bodyPr>
+          <a:lstStyle/>
+          <a:p>
+            <a:pPr algn="ctr"/>
+            <a:r>
+              <a:rPr lang="en-US" b="1" dirty="0"/>
+              <a:t>Multi-Level Inheritance</a:t>
+            </a:r>
+          </a:p>
+        </p:txBody>
+      </p:sp>
+    </p:spTree>
+    <p:extLst>
+      <p:ext uri="{BB962C8B-B14F-4D97-AF65-F5344CB8AC3E}">
+        <p14:creationId xmlns:p14="http://schemas.microsoft.com/office/powerpoint/2010/main" val="2448487553"/>
+      </p:ext>
+    </p:extLst>
+  </p:cSld>
+  <p:clrMapOvr>
+    <a:masterClrMapping/>
+  </p:clrMapOvr>
+</p:sld>
+</file>
+
+<file path=ppt/slides/slide7.xml><?xml version="1.0" encoding="utf-8"?>
+<p:sld xmlns:a="http://schemas.openxmlformats.org/drawingml/2006/main" xmlns:r="http://schemas.openxmlformats.org/officeDocument/2006/relationships" xmlns:p="http://schemas.openxmlformats.org/presentationml/2006/main">
+  <p:cSld>
+    <p:spTree>
+      <p:nvGrpSpPr>
+        <p:cNvPr id="1" name=""/>
+        <p:cNvGrpSpPr/>
+        <p:nvPr/>
+      </p:nvGrpSpPr>
+      <p:grpSpPr>
+        <a:xfrm>
+          <a:off x="0" y="0"/>
+          <a:ext cx="0" cy="0"/>
+          <a:chOff x="0" y="0"/>
+          <a:chExt cx="0" cy="0"/>
+        </a:xfrm>
+      </p:grpSpPr>
+      <p:sp>
+        <p:nvSpPr>
+          <p:cNvPr id="2" name="Oval 1">
+            <a:extLst>
+              <a:ext uri="{FF2B5EF4-FFF2-40B4-BE49-F238E27FC236}">
+                <a16:creationId xmlns:a16="http://schemas.microsoft.com/office/drawing/2014/main" id="{CA47DCD7-24DC-2184-2834-F096044A7C38}"/>
+              </a:ext>
+            </a:extLst>
+          </p:cNvPr>
+          <p:cNvSpPr/>
+          <p:nvPr/>
+        </p:nvSpPr>
+        <p:spPr>
+          <a:xfrm>
+            <a:off x="5348748" y="452284"/>
+            <a:ext cx="1356852" cy="983226"/>
+          </a:xfrm>
+          <a:prstGeom prst="ellipse">
+            <a:avLst/>
+          </a:prstGeom>
+        </p:spPr>
+        <p:style>
+          <a:lnRef idx="2">
+            <a:schemeClr val="accent1">
+              <a:shade val="15000"/>
+            </a:schemeClr>
+          </a:lnRef>
+          <a:fillRef idx="1">
+            <a:schemeClr val="accent1"/>
+          </a:fillRef>
+          <a:effectRef idx="0">
+            <a:schemeClr val="accent1"/>
+          </a:effectRef>
+          <a:fontRef idx="minor">
+            <a:schemeClr val="lt1"/>
+          </a:fontRef>
+        </p:style>
+        <p:txBody>
+          <a:bodyPr rtlCol="0" anchor="ctr"/>
+          <a:lstStyle/>
+          <a:p>
+            <a:pPr algn="ctr"/>
+            <a:r>
+              <a:rPr lang="en-US" dirty="0"/>
+              <a:t>Vehicle</a:t>
+            </a:r>
+          </a:p>
+        </p:txBody>
+      </p:sp>
+      <p:sp>
+        <p:nvSpPr>
+          <p:cNvPr id="3" name="TextBox 2">
+            <a:extLst>
+              <a:ext uri="{FF2B5EF4-FFF2-40B4-BE49-F238E27FC236}">
+                <a16:creationId xmlns:a16="http://schemas.microsoft.com/office/drawing/2014/main" id="{96FD0296-18CE-D598-7D45-2EE9EA51387C}"/>
+              </a:ext>
+            </a:extLst>
+          </p:cNvPr>
+          <p:cNvSpPr txBox="1"/>
+          <p:nvPr/>
+        </p:nvSpPr>
+        <p:spPr>
+          <a:xfrm>
+            <a:off x="7000568" y="452284"/>
+            <a:ext cx="4975122" cy="2308324"/>
+          </a:xfrm>
+          <a:prstGeom prst="rect">
+            <a:avLst/>
+          </a:prstGeom>
+          <a:noFill/>
+        </p:spPr>
+        <p:txBody>
+          <a:bodyPr wrap="square" rtlCol="0">
+            <a:spAutoFit/>
+          </a:bodyPr>
+          <a:lstStyle/>
+          <a:p>
+            <a:r>
+              <a:rPr lang="en-US" dirty="0" err="1"/>
+              <a:t>NoOfWheels</a:t>
+            </a:r>
+            <a:endParaRPr lang="en-US" dirty="0"/>
+          </a:p>
+          <a:p>
+            <a:r>
+              <a:rPr lang="en-US" dirty="0"/>
+              <a:t>Engine</a:t>
+            </a:r>
+          </a:p>
+          <a:p>
+            <a:r>
+              <a:rPr lang="en-US" dirty="0" err="1"/>
+              <a:t>FuelCapacity</a:t>
+            </a:r>
+            <a:endParaRPr lang="en-US" dirty="0"/>
+          </a:p>
+          <a:p>
+            <a:r>
+              <a:rPr lang="en-US" dirty="0"/>
+              <a:t>public virtual </a:t>
+            </a:r>
+            <a:r>
+              <a:rPr lang="en-US" dirty="0" err="1"/>
+              <a:t>GetAverage</a:t>
+            </a:r>
+            <a:r>
+              <a:rPr lang="en-US" dirty="0"/>
+              <a:t>()</a:t>
+            </a:r>
+          </a:p>
+          <a:p>
+            <a:r>
+              <a:rPr lang="en-US" dirty="0"/>
+              <a:t>{</a:t>
+            </a:r>
+          </a:p>
+          <a:p>
+            <a:r>
+              <a:rPr lang="en-US" dirty="0"/>
+              <a:t>     distance/</a:t>
+            </a:r>
+            <a:r>
+              <a:rPr lang="en-US" dirty="0" err="1"/>
+              <a:t>fuelconsumed</a:t>
+            </a:r>
+            <a:endParaRPr lang="en-US" dirty="0"/>
+          </a:p>
+          <a:p>
+            <a:r>
+              <a:rPr lang="en-US" dirty="0"/>
+              <a:t>}</a:t>
+            </a:r>
+          </a:p>
+          <a:p>
+            <a:r>
+              <a:rPr lang="en-US" dirty="0"/>
+              <a:t>public abstract </a:t>
+            </a:r>
+            <a:r>
+              <a:rPr lang="en-US" dirty="0" err="1"/>
+              <a:t>AllowedPasssengerCapacity</a:t>
+            </a:r>
+            <a:r>
+              <a:rPr lang="en-US" dirty="0"/>
+              <a:t>(); </a:t>
+            </a:r>
+          </a:p>
+        </p:txBody>
+      </p:sp>
+      <p:sp>
+        <p:nvSpPr>
+          <p:cNvPr id="4" name="Oval 3">
+            <a:extLst>
+              <a:ext uri="{FF2B5EF4-FFF2-40B4-BE49-F238E27FC236}">
+                <a16:creationId xmlns:a16="http://schemas.microsoft.com/office/drawing/2014/main" id="{A177550C-6DBD-3A1E-66C0-58D38CCC7A1F}"/>
+              </a:ext>
+            </a:extLst>
+          </p:cNvPr>
+          <p:cNvSpPr/>
+          <p:nvPr/>
+        </p:nvSpPr>
+        <p:spPr>
+          <a:xfrm>
+            <a:off x="653845" y="1435510"/>
+            <a:ext cx="1356852" cy="983226"/>
+          </a:xfrm>
+          <a:prstGeom prst="ellipse">
+            <a:avLst/>
+          </a:prstGeom>
+        </p:spPr>
+        <p:style>
+          <a:lnRef idx="2">
+            <a:schemeClr val="accent1">
+              <a:shade val="15000"/>
+            </a:schemeClr>
+          </a:lnRef>
+          <a:fillRef idx="1">
+            <a:schemeClr val="accent1"/>
+          </a:fillRef>
+          <a:effectRef idx="0">
+            <a:schemeClr val="accent1"/>
+          </a:effectRef>
+          <a:fontRef idx="minor">
+            <a:schemeClr val="lt1"/>
+          </a:fontRef>
+        </p:style>
+        <p:txBody>
+          <a:bodyPr rtlCol="0" anchor="ctr"/>
+          <a:lstStyle/>
+          <a:p>
+            <a:pPr algn="ctr"/>
+            <a:r>
+              <a:rPr lang="en-US" dirty="0"/>
+              <a:t>Bike</a:t>
+            </a:r>
+          </a:p>
+        </p:txBody>
+      </p:sp>
+      <p:cxnSp>
+        <p:nvCxnSpPr>
+          <p:cNvPr id="6" name="Connector: Elbow 5">
+            <a:extLst>
+              <a:ext uri="{FF2B5EF4-FFF2-40B4-BE49-F238E27FC236}">
+                <a16:creationId xmlns:a16="http://schemas.microsoft.com/office/drawing/2014/main" id="{57A65862-0DCD-1D94-FAF2-904499CE9A0A}"/>
+              </a:ext>
+            </a:extLst>
+          </p:cNvPr>
+          <p:cNvCxnSpPr>
+            <a:stCxn id="4" idx="0"/>
+            <a:endCxn id="2" idx="2"/>
+          </p:cNvCxnSpPr>
+          <p:nvPr/>
+        </p:nvCxnSpPr>
+        <p:spPr>
+          <a:xfrm rot="5400000" flipH="1" flipV="1">
+            <a:off x="3094703" y="-818534"/>
+            <a:ext cx="491613" cy="4016477"/>
+          </a:xfrm>
+          <a:prstGeom prst="bentConnector2">
+            <a:avLst/>
+          </a:prstGeom>
+          <a:ln>
+            <a:tailEnd type="triangle"/>
+          </a:ln>
+        </p:spPr>
+        <p:style>
+          <a:lnRef idx="1">
+            <a:schemeClr val="accent1"/>
+          </a:lnRef>
+          <a:fillRef idx="0">
+            <a:schemeClr val="accent1"/>
+          </a:fillRef>
+          <a:effectRef idx="0">
+            <a:schemeClr val="accent1"/>
+          </a:effectRef>
+          <a:fontRef idx="minor">
+            <a:schemeClr val="tx1"/>
+          </a:fontRef>
+        </p:style>
+      </p:cxnSp>
+      <p:sp>
+        <p:nvSpPr>
+          <p:cNvPr id="7" name="Oval 6">
+            <a:extLst>
+              <a:ext uri="{FF2B5EF4-FFF2-40B4-BE49-F238E27FC236}">
+                <a16:creationId xmlns:a16="http://schemas.microsoft.com/office/drawing/2014/main" id="{F731BE9C-8010-256F-3887-EF9F3B7A8334}"/>
+              </a:ext>
+            </a:extLst>
+          </p:cNvPr>
+          <p:cNvSpPr/>
+          <p:nvPr/>
+        </p:nvSpPr>
+        <p:spPr>
+          <a:xfrm>
+            <a:off x="2900516" y="1435510"/>
+            <a:ext cx="1356852" cy="983226"/>
+          </a:xfrm>
+          <a:prstGeom prst="ellipse">
+            <a:avLst/>
+          </a:prstGeom>
+        </p:spPr>
+        <p:style>
+          <a:lnRef idx="2">
+            <a:schemeClr val="accent1">
+              <a:shade val="15000"/>
+            </a:schemeClr>
+          </a:lnRef>
+          <a:fillRef idx="1">
+            <a:schemeClr val="accent1"/>
+          </a:fillRef>
+          <a:effectRef idx="0">
+            <a:schemeClr val="accent1"/>
+          </a:effectRef>
+          <a:fontRef idx="minor">
+            <a:schemeClr val="lt1"/>
+          </a:fontRef>
+        </p:style>
+        <p:txBody>
+          <a:bodyPr rtlCol="0" anchor="ctr"/>
+          <a:lstStyle/>
+          <a:p>
+            <a:pPr algn="ctr"/>
+            <a:r>
+              <a:rPr lang="en-US" dirty="0"/>
+              <a:t>LMV</a:t>
+            </a:r>
+          </a:p>
+        </p:txBody>
+      </p:sp>
+      <p:cxnSp>
+        <p:nvCxnSpPr>
+          <p:cNvPr id="11" name="Connector: Elbow 10">
+            <a:extLst>
+              <a:ext uri="{FF2B5EF4-FFF2-40B4-BE49-F238E27FC236}">
+                <a16:creationId xmlns:a16="http://schemas.microsoft.com/office/drawing/2014/main" id="{C84133F6-A358-E120-A21F-15E2B24C89E7}"/>
+              </a:ext>
+            </a:extLst>
+          </p:cNvPr>
+          <p:cNvCxnSpPr>
+            <a:stCxn id="7" idx="0"/>
+            <a:endCxn id="2" idx="2"/>
+          </p:cNvCxnSpPr>
+          <p:nvPr/>
+        </p:nvCxnSpPr>
+        <p:spPr>
+          <a:xfrm rot="5400000" flipH="1" flipV="1">
+            <a:off x="4218039" y="304801"/>
+            <a:ext cx="491613" cy="1769806"/>
+          </a:xfrm>
+          <a:prstGeom prst="bentConnector2">
+            <a:avLst/>
+          </a:prstGeom>
+          <a:ln>
+            <a:tailEnd type="triangle"/>
+          </a:ln>
+        </p:spPr>
+        <p:style>
+          <a:lnRef idx="1">
+            <a:schemeClr val="accent1"/>
+          </a:lnRef>
+          <a:fillRef idx="0">
+            <a:schemeClr val="accent1"/>
+          </a:fillRef>
+          <a:effectRef idx="0">
+            <a:schemeClr val="accent1"/>
+          </a:effectRef>
+          <a:fontRef idx="minor">
+            <a:schemeClr val="tx1"/>
+          </a:fontRef>
+        </p:style>
+      </p:cxnSp>
+      <p:sp>
+        <p:nvSpPr>
+          <p:cNvPr id="12" name="Oval 11">
+            <a:extLst>
+              <a:ext uri="{FF2B5EF4-FFF2-40B4-BE49-F238E27FC236}">
+                <a16:creationId xmlns:a16="http://schemas.microsoft.com/office/drawing/2014/main" id="{B0B697C9-BB84-105E-1B7E-E60A40750D8F}"/>
+              </a:ext>
+            </a:extLst>
+          </p:cNvPr>
+          <p:cNvSpPr/>
+          <p:nvPr/>
+        </p:nvSpPr>
+        <p:spPr>
+          <a:xfrm>
+            <a:off x="1627239" y="2937387"/>
+            <a:ext cx="2148348" cy="983226"/>
+          </a:xfrm>
+          <a:prstGeom prst="ellipse">
+            <a:avLst/>
+          </a:prstGeom>
+        </p:spPr>
+        <p:style>
+          <a:lnRef idx="2">
+            <a:schemeClr val="accent1">
+              <a:shade val="15000"/>
+            </a:schemeClr>
+          </a:lnRef>
+          <a:fillRef idx="1">
+            <a:schemeClr val="accent1"/>
+          </a:fillRef>
+          <a:effectRef idx="0">
+            <a:schemeClr val="accent1"/>
+          </a:effectRef>
+          <a:fontRef idx="minor">
+            <a:schemeClr val="lt1"/>
+          </a:fontRef>
+        </p:style>
+        <p:txBody>
+          <a:bodyPr rtlCol="0" anchor="ctr"/>
+          <a:lstStyle/>
+          <a:p>
+            <a:pPr algn="ctr"/>
+            <a:r>
+              <a:rPr lang="en-US" dirty="0"/>
+              <a:t>Passenger Car</a:t>
+            </a:r>
+          </a:p>
+        </p:txBody>
+      </p:sp>
+      <p:sp>
+        <p:nvSpPr>
+          <p:cNvPr id="13" name="Oval 12">
+            <a:extLst>
+              <a:ext uri="{FF2B5EF4-FFF2-40B4-BE49-F238E27FC236}">
+                <a16:creationId xmlns:a16="http://schemas.microsoft.com/office/drawing/2014/main" id="{595CE2E3-043E-261E-C051-BA3DEDDA2323}"/>
+              </a:ext>
+            </a:extLst>
+          </p:cNvPr>
+          <p:cNvSpPr/>
+          <p:nvPr/>
+        </p:nvSpPr>
+        <p:spPr>
+          <a:xfrm>
+            <a:off x="4257368" y="2937387"/>
+            <a:ext cx="2148348" cy="983226"/>
+          </a:xfrm>
+          <a:prstGeom prst="ellipse">
+            <a:avLst/>
+          </a:prstGeom>
+        </p:spPr>
+        <p:style>
+          <a:lnRef idx="2">
+            <a:schemeClr val="accent1">
+              <a:shade val="15000"/>
+            </a:schemeClr>
+          </a:lnRef>
+          <a:fillRef idx="1">
+            <a:schemeClr val="accent1"/>
+          </a:fillRef>
+          <a:effectRef idx="0">
+            <a:schemeClr val="accent1"/>
+          </a:effectRef>
+          <a:fontRef idx="minor">
+            <a:schemeClr val="lt1"/>
+          </a:fontRef>
+        </p:style>
+        <p:txBody>
+          <a:bodyPr rtlCol="0" anchor="ctr"/>
+          <a:lstStyle/>
+          <a:p>
+            <a:pPr algn="ctr"/>
+            <a:r>
+              <a:rPr lang="en-US" dirty="0"/>
+              <a:t>Commercial Pickup</a:t>
+            </a:r>
+          </a:p>
+        </p:txBody>
+      </p:sp>
+      <p:cxnSp>
+        <p:nvCxnSpPr>
+          <p:cNvPr id="15" name="Connector: Elbow 14">
+            <a:extLst>
+              <a:ext uri="{FF2B5EF4-FFF2-40B4-BE49-F238E27FC236}">
+                <a16:creationId xmlns:a16="http://schemas.microsoft.com/office/drawing/2014/main" id="{1B75092C-AC3C-5358-F8D0-78CAD461DA88}"/>
+              </a:ext>
+            </a:extLst>
+          </p:cNvPr>
+          <p:cNvCxnSpPr>
+            <a:stCxn id="12" idx="0"/>
+            <a:endCxn id="7" idx="4"/>
+          </p:cNvCxnSpPr>
+          <p:nvPr/>
+        </p:nvCxnSpPr>
+        <p:spPr>
+          <a:xfrm rot="5400000" flipH="1" flipV="1">
+            <a:off x="2880852" y="2239298"/>
+            <a:ext cx="518651" cy="877529"/>
+          </a:xfrm>
+          <a:prstGeom prst="bentConnector3">
+            <a:avLst/>
+          </a:prstGeom>
+          <a:ln>
+            <a:tailEnd type="triangle"/>
+          </a:ln>
+        </p:spPr>
+        <p:style>
+          <a:lnRef idx="1">
+            <a:schemeClr val="accent1"/>
+          </a:lnRef>
+          <a:fillRef idx="0">
+            <a:schemeClr val="accent1"/>
+          </a:fillRef>
+          <a:effectRef idx="0">
+            <a:schemeClr val="accent1"/>
+          </a:effectRef>
+          <a:fontRef idx="minor">
+            <a:schemeClr val="tx1"/>
+          </a:fontRef>
+        </p:style>
+      </p:cxnSp>
+      <p:cxnSp>
+        <p:nvCxnSpPr>
+          <p:cNvPr id="17" name="Connector: Elbow 16">
+            <a:extLst>
+              <a:ext uri="{FF2B5EF4-FFF2-40B4-BE49-F238E27FC236}">
+                <a16:creationId xmlns:a16="http://schemas.microsoft.com/office/drawing/2014/main" id="{A73C7B0D-883D-E367-5DD2-45C01E279142}"/>
+              </a:ext>
+            </a:extLst>
+          </p:cNvPr>
+          <p:cNvCxnSpPr>
+            <a:stCxn id="13" idx="0"/>
+            <a:endCxn id="7" idx="4"/>
+          </p:cNvCxnSpPr>
+          <p:nvPr/>
+        </p:nvCxnSpPr>
+        <p:spPr>
+          <a:xfrm rot="16200000" flipV="1">
+            <a:off x="4195917" y="1801762"/>
+            <a:ext cx="518651" cy="1752600"/>
+          </a:xfrm>
+          <a:prstGeom prst="bentConnector3">
+            <a:avLst/>
+          </a:prstGeom>
+          <a:ln>
+            <a:tailEnd type="triangle"/>
+          </a:ln>
+        </p:spPr>
+        <p:style>
+          <a:lnRef idx="1">
+            <a:schemeClr val="accent1"/>
+          </a:lnRef>
+          <a:fillRef idx="0">
+            <a:schemeClr val="accent1"/>
+          </a:fillRef>
+          <a:effectRef idx="0">
+            <a:schemeClr val="accent1"/>
+          </a:effectRef>
+          <a:fontRef idx="minor">
+            <a:schemeClr val="tx1"/>
+          </a:fontRef>
+        </p:style>
+      </p:cxnSp>
+      <p:sp>
+        <p:nvSpPr>
+          <p:cNvPr id="18" name="Oval 17">
+            <a:extLst>
+              <a:ext uri="{FF2B5EF4-FFF2-40B4-BE49-F238E27FC236}">
+                <a16:creationId xmlns:a16="http://schemas.microsoft.com/office/drawing/2014/main" id="{9BD911E8-3F8A-D7EC-837E-4EBEBBD59D2C}"/>
+              </a:ext>
+            </a:extLst>
+          </p:cNvPr>
+          <p:cNvSpPr/>
+          <p:nvPr/>
+        </p:nvSpPr>
+        <p:spPr>
+          <a:xfrm>
+            <a:off x="258097" y="4439263"/>
+            <a:ext cx="1074174" cy="983226"/>
+          </a:xfrm>
+          <a:prstGeom prst="ellipse">
+            <a:avLst/>
+          </a:prstGeom>
+        </p:spPr>
+        <p:style>
+          <a:lnRef idx="2">
+            <a:schemeClr val="accent1">
+              <a:shade val="15000"/>
+            </a:schemeClr>
+          </a:lnRef>
+          <a:fillRef idx="1">
+            <a:schemeClr val="accent1"/>
+          </a:fillRef>
+          <a:effectRef idx="0">
+            <a:schemeClr val="accent1"/>
+          </a:effectRef>
+          <a:fontRef idx="minor">
+            <a:schemeClr val="lt1"/>
+          </a:fontRef>
+        </p:style>
+        <p:txBody>
+          <a:bodyPr rtlCol="0" anchor="ctr"/>
+          <a:lstStyle/>
+          <a:p>
+            <a:pPr algn="ctr"/>
+            <a:r>
+              <a:rPr lang="en-US" dirty="0"/>
+              <a:t>Sedan</a:t>
+            </a:r>
+          </a:p>
+        </p:txBody>
+      </p:sp>
+      <p:sp>
+        <p:nvSpPr>
+          <p:cNvPr id="19" name="Oval 18">
+            <a:extLst>
+              <a:ext uri="{FF2B5EF4-FFF2-40B4-BE49-F238E27FC236}">
+                <a16:creationId xmlns:a16="http://schemas.microsoft.com/office/drawing/2014/main" id="{B2C81890-375D-2AF7-7C99-1149D9731F50}"/>
+              </a:ext>
+            </a:extLst>
+          </p:cNvPr>
+          <p:cNvSpPr/>
+          <p:nvPr/>
+        </p:nvSpPr>
+        <p:spPr>
+          <a:xfrm>
+            <a:off x="1698523" y="4439263"/>
+            <a:ext cx="1074174" cy="983226"/>
+          </a:xfrm>
+          <a:prstGeom prst="ellipse">
+            <a:avLst/>
+          </a:prstGeom>
+        </p:spPr>
+        <p:style>
+          <a:lnRef idx="2">
+            <a:schemeClr val="accent1">
+              <a:shade val="15000"/>
+            </a:schemeClr>
+          </a:lnRef>
+          <a:fillRef idx="1">
+            <a:schemeClr val="accent1"/>
+          </a:fillRef>
+          <a:effectRef idx="0">
+            <a:schemeClr val="accent1"/>
+          </a:effectRef>
+          <a:fontRef idx="minor">
+            <a:schemeClr val="lt1"/>
+          </a:fontRef>
+        </p:style>
+        <p:txBody>
+          <a:bodyPr rtlCol="0" anchor="ctr"/>
+          <a:lstStyle/>
+          <a:p>
+            <a:pPr algn="ctr"/>
+            <a:r>
+              <a:rPr lang="en-US" dirty="0" err="1"/>
+              <a:t>HatchBack</a:t>
+            </a:r>
+            <a:endParaRPr lang="en-US" dirty="0"/>
+          </a:p>
+        </p:txBody>
+      </p:sp>
+      <p:sp>
+        <p:nvSpPr>
+          <p:cNvPr id="20" name="Oval 19">
+            <a:extLst>
+              <a:ext uri="{FF2B5EF4-FFF2-40B4-BE49-F238E27FC236}">
+                <a16:creationId xmlns:a16="http://schemas.microsoft.com/office/drawing/2014/main" id="{B3497EFE-EA24-0C51-8FB8-C118B6234967}"/>
+              </a:ext>
+            </a:extLst>
+          </p:cNvPr>
+          <p:cNvSpPr/>
+          <p:nvPr/>
+        </p:nvSpPr>
+        <p:spPr>
+          <a:xfrm>
+            <a:off x="3340509" y="4439263"/>
+            <a:ext cx="1074174" cy="983226"/>
+          </a:xfrm>
+          <a:prstGeom prst="ellipse">
+            <a:avLst/>
+          </a:prstGeom>
+        </p:spPr>
+        <p:style>
+          <a:lnRef idx="2">
+            <a:schemeClr val="accent1">
+              <a:shade val="15000"/>
+            </a:schemeClr>
+          </a:lnRef>
+          <a:fillRef idx="1">
+            <a:schemeClr val="accent1"/>
+          </a:fillRef>
+          <a:effectRef idx="0">
+            <a:schemeClr val="accent1"/>
+          </a:effectRef>
+          <a:fontRef idx="minor">
+            <a:schemeClr val="lt1"/>
+          </a:fontRef>
+        </p:style>
+        <p:txBody>
+          <a:bodyPr rtlCol="0" anchor="ctr"/>
+          <a:lstStyle/>
+          <a:p>
+            <a:pPr algn="ctr"/>
+            <a:r>
+              <a:rPr lang="en-US" dirty="0"/>
+              <a:t>SUV</a:t>
+            </a:r>
+          </a:p>
+        </p:txBody>
+      </p:sp>
+      <p:cxnSp>
+        <p:nvCxnSpPr>
+          <p:cNvPr id="22" name="Connector: Elbow 21">
+            <a:extLst>
+              <a:ext uri="{FF2B5EF4-FFF2-40B4-BE49-F238E27FC236}">
+                <a16:creationId xmlns:a16="http://schemas.microsoft.com/office/drawing/2014/main" id="{CC317FCB-26B2-2FDC-AD91-6AD2039A497D}"/>
+              </a:ext>
+            </a:extLst>
+          </p:cNvPr>
+          <p:cNvCxnSpPr>
+            <a:stCxn id="18" idx="0"/>
+            <a:endCxn id="12" idx="4"/>
+          </p:cNvCxnSpPr>
+          <p:nvPr/>
+        </p:nvCxnSpPr>
+        <p:spPr>
+          <a:xfrm rot="5400000" flipH="1" flipV="1">
+            <a:off x="1488973" y="3226824"/>
+            <a:ext cx="518650" cy="1906229"/>
+          </a:xfrm>
+          <a:prstGeom prst="bentConnector3">
+            <a:avLst/>
+          </a:prstGeom>
+          <a:ln>
+            <a:tailEnd type="triangle"/>
+          </a:ln>
+        </p:spPr>
+        <p:style>
+          <a:lnRef idx="1">
+            <a:schemeClr val="accent1"/>
+          </a:lnRef>
+          <a:fillRef idx="0">
+            <a:schemeClr val="accent1"/>
+          </a:fillRef>
+          <a:effectRef idx="0">
+            <a:schemeClr val="accent1"/>
+          </a:effectRef>
+          <a:fontRef idx="minor">
+            <a:schemeClr val="tx1"/>
+          </a:fontRef>
+        </p:style>
+      </p:cxnSp>
+      <p:cxnSp>
+        <p:nvCxnSpPr>
+          <p:cNvPr id="24" name="Connector: Elbow 23">
+            <a:extLst>
+              <a:ext uri="{FF2B5EF4-FFF2-40B4-BE49-F238E27FC236}">
+                <a16:creationId xmlns:a16="http://schemas.microsoft.com/office/drawing/2014/main" id="{87116C64-D471-148C-3878-D52272C93673}"/>
+              </a:ext>
+            </a:extLst>
+          </p:cNvPr>
+          <p:cNvCxnSpPr>
+            <a:stCxn id="19" idx="0"/>
+            <a:endCxn id="12" idx="4"/>
+          </p:cNvCxnSpPr>
+          <p:nvPr/>
+        </p:nvCxnSpPr>
+        <p:spPr>
+          <a:xfrm rot="5400000" flipH="1" flipV="1">
+            <a:off x="2209186" y="3947037"/>
+            <a:ext cx="518650" cy="465803"/>
+          </a:xfrm>
+          <a:prstGeom prst="bentConnector3">
+            <a:avLst/>
+          </a:prstGeom>
+          <a:ln>
+            <a:tailEnd type="triangle"/>
+          </a:ln>
+        </p:spPr>
+        <p:style>
+          <a:lnRef idx="1">
+            <a:schemeClr val="accent1"/>
+          </a:lnRef>
+          <a:fillRef idx="0">
+            <a:schemeClr val="accent1"/>
+          </a:fillRef>
+          <a:effectRef idx="0">
+            <a:schemeClr val="accent1"/>
+          </a:effectRef>
+          <a:fontRef idx="minor">
+            <a:schemeClr val="tx1"/>
+          </a:fontRef>
+        </p:style>
+      </p:cxnSp>
+      <p:cxnSp>
+        <p:nvCxnSpPr>
+          <p:cNvPr id="26" name="Connector: Elbow 25">
+            <a:extLst>
+              <a:ext uri="{FF2B5EF4-FFF2-40B4-BE49-F238E27FC236}">
+                <a16:creationId xmlns:a16="http://schemas.microsoft.com/office/drawing/2014/main" id="{17ACB598-FF29-2CE6-26BA-E1FBCE2672A7}"/>
+              </a:ext>
+            </a:extLst>
+          </p:cNvPr>
+          <p:cNvCxnSpPr>
+            <a:stCxn id="20" idx="0"/>
+            <a:endCxn id="12" idx="4"/>
+          </p:cNvCxnSpPr>
+          <p:nvPr/>
+        </p:nvCxnSpPr>
+        <p:spPr>
+          <a:xfrm rot="16200000" flipV="1">
+            <a:off x="3030180" y="3591846"/>
+            <a:ext cx="518650" cy="1176183"/>
+          </a:xfrm>
+          <a:prstGeom prst="bentConnector3">
+            <a:avLst/>
+          </a:prstGeom>
+          <a:ln>
+            <a:tailEnd type="triangle"/>
+          </a:ln>
+        </p:spPr>
+        <p:style>
+          <a:lnRef idx="1">
+            <a:schemeClr val="accent1"/>
+          </a:lnRef>
+          <a:fillRef idx="0">
+            <a:schemeClr val="accent1"/>
+          </a:fillRef>
+          <a:effectRef idx="0">
+            <a:schemeClr val="accent1"/>
+          </a:effectRef>
+          <a:fontRef idx="minor">
+            <a:schemeClr val="tx1"/>
+          </a:fontRef>
+        </p:style>
+      </p:cxnSp>
+      <p:sp>
+        <p:nvSpPr>
+          <p:cNvPr id="27" name="TextBox 26">
+            <a:extLst>
+              <a:ext uri="{FF2B5EF4-FFF2-40B4-BE49-F238E27FC236}">
+                <a16:creationId xmlns:a16="http://schemas.microsoft.com/office/drawing/2014/main" id="{3ED825E6-8224-680B-08B5-E21BFF4B4694}"/>
+              </a:ext>
+            </a:extLst>
+          </p:cNvPr>
+          <p:cNvSpPr txBox="1"/>
+          <p:nvPr/>
+        </p:nvSpPr>
+        <p:spPr>
+          <a:xfrm>
+            <a:off x="78657" y="5653548"/>
+            <a:ext cx="5368413" cy="1169551"/>
+          </a:xfrm>
+          <a:prstGeom prst="rect">
+            <a:avLst/>
+          </a:prstGeom>
+          <a:noFill/>
+        </p:spPr>
+        <p:txBody>
+          <a:bodyPr wrap="square" rtlCol="0">
+            <a:spAutoFit/>
+          </a:bodyPr>
+          <a:lstStyle/>
+          <a:p>
+            <a:r>
+              <a:rPr lang="en-US" sz="1400" dirty="0"/>
+              <a:t>override </a:t>
+            </a:r>
+            <a:r>
+              <a:rPr lang="en-US" sz="1400" dirty="0" err="1"/>
+              <a:t>GetAverage</a:t>
+            </a:r>
+            <a:r>
+              <a:rPr lang="en-US" sz="1400" dirty="0"/>
+              <a:t>()</a:t>
+            </a:r>
+          </a:p>
+          <a:p>
+            <a:r>
+              <a:rPr lang="en-US" sz="1400" dirty="0"/>
+              <a:t>{</a:t>
+            </a:r>
+          </a:p>
+          <a:p>
+            <a:r>
+              <a:rPr lang="en-US" sz="1400" dirty="0"/>
+              <a:t>     distance</a:t>
+            </a:r>
+            <a:r>
+              <a:rPr lang="en-US" sz="1200" dirty="0"/>
+              <a:t>/(</a:t>
+            </a:r>
+            <a:r>
+              <a:rPr lang="en-US" sz="1400" dirty="0" err="1"/>
+              <a:t>fuelconsumed</a:t>
+            </a:r>
+            <a:r>
+              <a:rPr lang="en-US" sz="1400" dirty="0"/>
+              <a:t> * </a:t>
+            </a:r>
+            <a:r>
+              <a:rPr lang="en-US" sz="1400" dirty="0" err="1"/>
+              <a:t>EnginePower</a:t>
+            </a:r>
+            <a:r>
+              <a:rPr lang="en-US" sz="1400" dirty="0"/>
+              <a:t>) + </a:t>
+            </a:r>
+            <a:r>
+              <a:rPr lang="en-US" sz="1400" dirty="0" err="1"/>
+              <a:t>Accelararion</a:t>
+            </a:r>
+            <a:r>
+              <a:rPr lang="en-US" sz="1400" dirty="0"/>
+              <a:t> + No. of Passengers</a:t>
+            </a:r>
+          </a:p>
+          <a:p>
+            <a:r>
+              <a:rPr lang="en-US" sz="1400" dirty="0"/>
+              <a:t>}</a:t>
+            </a:r>
+          </a:p>
+        </p:txBody>
+      </p:sp>
+    </p:spTree>
+    <p:extLst>
+      <p:ext uri="{BB962C8B-B14F-4D97-AF65-F5344CB8AC3E}">
+        <p14:creationId xmlns:p14="http://schemas.microsoft.com/office/powerpoint/2010/main" val="2812393925"/>
+      </p:ext>
+    </p:extLst>
+  </p:cSld>
+  <p:clrMapOvr>
+    <a:masterClrMapping/>
+  </p:clrMapOvr>
+</p:sld>
+</file>
+
+<file path=ppt/slides/slide8.xml><?xml version="1.0" encoding="utf-8"?>
+<p:sld xmlns:a="http://schemas.openxmlformats.org/drawingml/2006/main" xmlns:r="http://schemas.openxmlformats.org/officeDocument/2006/relationships" xmlns:p="http://schemas.openxmlformats.org/presentationml/2006/main">
+  <p:cSld>
+    <p:spTree>
+      <p:nvGrpSpPr>
+        <p:cNvPr id="1" name=""/>
+        <p:cNvGrpSpPr/>
+        <p:nvPr/>
+      </p:nvGrpSpPr>
+      <p:grpSpPr>
+        <a:xfrm>
+          <a:off x="0" y="0"/>
+          <a:ext cx="0" cy="0"/>
+          <a:chOff x="0" y="0"/>
+          <a:chExt cx="0" cy="0"/>
+        </a:xfrm>
+      </p:grpSpPr>
+      <p:sp>
+        <p:nvSpPr>
+          <p:cNvPr id="2" name="TextBox 1">
+            <a:extLst>
+              <a:ext uri="{FF2B5EF4-FFF2-40B4-BE49-F238E27FC236}">
+                <a16:creationId xmlns:a16="http://schemas.microsoft.com/office/drawing/2014/main" id="{CDE82000-C4B7-8493-4826-D9A7C1746B35}"/>
+              </a:ext>
+            </a:extLst>
+          </p:cNvPr>
+          <p:cNvSpPr txBox="1"/>
+          <p:nvPr/>
+        </p:nvSpPr>
+        <p:spPr>
+          <a:xfrm>
+            <a:off x="1042219" y="275303"/>
+            <a:ext cx="9625781" cy="523220"/>
+          </a:xfrm>
+          <a:prstGeom prst="rect">
+            <a:avLst/>
+          </a:prstGeom>
+          <a:noFill/>
+        </p:spPr>
+        <p:txBody>
+          <a:bodyPr wrap="square" rtlCol="0">
+            <a:spAutoFit/>
+          </a:bodyPr>
+          <a:lstStyle/>
+          <a:p>
+            <a:pPr algn="ctr"/>
+            <a:r>
+              <a:rPr lang="en-US" sz="2800" dirty="0"/>
+              <a:t>Abstract a Real-World Need</a:t>
+            </a:r>
+          </a:p>
+        </p:txBody>
+      </p:sp>
+      <p:sp>
+        <p:nvSpPr>
+          <p:cNvPr id="3" name="Rectangle 2">
+            <a:extLst>
+              <a:ext uri="{FF2B5EF4-FFF2-40B4-BE49-F238E27FC236}">
+                <a16:creationId xmlns:a16="http://schemas.microsoft.com/office/drawing/2014/main" id="{D7F9F66D-B7AA-6059-7995-02AC4ECF309F}"/>
+              </a:ext>
+            </a:extLst>
+          </p:cNvPr>
+          <p:cNvSpPr/>
+          <p:nvPr/>
+        </p:nvSpPr>
+        <p:spPr>
+          <a:xfrm>
+            <a:off x="8141110" y="1612490"/>
+            <a:ext cx="3156154" cy="4149213"/>
+          </a:xfrm>
+          <a:prstGeom prst="rect">
+            <a:avLst/>
+          </a:prstGeom>
+        </p:spPr>
+        <p:style>
+          <a:lnRef idx="2">
+            <a:schemeClr val="accent6"/>
+          </a:lnRef>
+          <a:fillRef idx="1">
+            <a:schemeClr val="lt1"/>
+          </a:fillRef>
+          <a:effectRef idx="0">
+            <a:schemeClr val="accent6"/>
+          </a:effectRef>
+          <a:fontRef idx="minor">
+            <a:schemeClr val="dk1"/>
+          </a:fontRef>
+        </p:style>
+        <p:txBody>
+          <a:bodyPr rtlCol="0" anchor="ctr"/>
+          <a:lstStyle/>
+          <a:p>
+            <a:pPr algn="ctr"/>
+            <a:endParaRPr lang="en-US"/>
+          </a:p>
+        </p:txBody>
+      </p:sp>
+      <p:sp>
+        <p:nvSpPr>
+          <p:cNvPr id="4" name="TextBox 3">
+            <a:extLst>
+              <a:ext uri="{FF2B5EF4-FFF2-40B4-BE49-F238E27FC236}">
+                <a16:creationId xmlns:a16="http://schemas.microsoft.com/office/drawing/2014/main" id="{CE6AC9E6-79D9-57D7-77AD-33D9963E2811}"/>
+              </a:ext>
+            </a:extLst>
+          </p:cNvPr>
+          <p:cNvSpPr txBox="1"/>
+          <p:nvPr/>
+        </p:nvSpPr>
+        <p:spPr>
+          <a:xfrm>
+            <a:off x="8229600" y="1779639"/>
+            <a:ext cx="2959510" cy="383458"/>
+          </a:xfrm>
+          <a:prstGeom prst="rect">
+            <a:avLst/>
+          </a:prstGeom>
+          <a:noFill/>
+        </p:spPr>
+        <p:txBody>
+          <a:bodyPr wrap="square" rtlCol="0">
+            <a:spAutoFit/>
+          </a:bodyPr>
+          <a:lstStyle/>
+          <a:p>
+            <a:pPr algn="ctr"/>
+            <a:r>
+              <a:rPr lang="en-US" b="1" dirty="0"/>
+              <a:t>Employee Information App</a:t>
+            </a:r>
+          </a:p>
+        </p:txBody>
+      </p:sp>
+      <p:sp>
+        <p:nvSpPr>
+          <p:cNvPr id="5" name="Oval 4">
+            <a:extLst>
+              <a:ext uri="{FF2B5EF4-FFF2-40B4-BE49-F238E27FC236}">
+                <a16:creationId xmlns:a16="http://schemas.microsoft.com/office/drawing/2014/main" id="{45BCA96E-BDFB-9DE7-2C70-55D5BAEFE6FB}"/>
+              </a:ext>
+            </a:extLst>
+          </p:cNvPr>
+          <p:cNvSpPr/>
+          <p:nvPr/>
+        </p:nvSpPr>
+        <p:spPr>
+          <a:xfrm>
+            <a:off x="8554064" y="2406445"/>
+            <a:ext cx="2310581" cy="1022555"/>
+          </a:xfrm>
+          <a:prstGeom prst="ellipse">
+            <a:avLst/>
+          </a:prstGeom>
+        </p:spPr>
+        <p:style>
+          <a:lnRef idx="2">
+            <a:schemeClr val="accent1">
+              <a:shade val="15000"/>
+            </a:schemeClr>
+          </a:lnRef>
+          <a:fillRef idx="1">
+            <a:schemeClr val="accent1"/>
+          </a:fillRef>
+          <a:effectRef idx="0">
+            <a:schemeClr val="accent1"/>
+          </a:effectRef>
+          <a:fontRef idx="minor">
+            <a:schemeClr val="lt1"/>
+          </a:fontRef>
+        </p:style>
+        <p:txBody>
+          <a:bodyPr rtlCol="0" anchor="ctr"/>
+          <a:lstStyle/>
+          <a:p>
+            <a:pPr algn="ctr"/>
+            <a:r>
+              <a:rPr lang="en-US" dirty="0" err="1"/>
+              <a:t>EmployeeLogic</a:t>
+            </a:r>
+            <a:endParaRPr lang="en-US" dirty="0"/>
+          </a:p>
+        </p:txBody>
+      </p:sp>
+      <p:sp>
+        <p:nvSpPr>
+          <p:cNvPr id="6" name="Rectangle 5">
+            <a:extLst>
+              <a:ext uri="{FF2B5EF4-FFF2-40B4-BE49-F238E27FC236}">
+                <a16:creationId xmlns:a16="http://schemas.microsoft.com/office/drawing/2014/main" id="{765CADB0-D558-A346-DDAA-D3C7A6619F62}"/>
+              </a:ext>
+            </a:extLst>
+          </p:cNvPr>
+          <p:cNvSpPr/>
+          <p:nvPr/>
+        </p:nvSpPr>
+        <p:spPr>
+          <a:xfrm>
+            <a:off x="8141110" y="4021394"/>
+            <a:ext cx="1317522" cy="757083"/>
+          </a:xfrm>
+          <a:prstGeom prst="rect">
+            <a:avLst/>
+          </a:prstGeom>
+        </p:spPr>
+        <p:style>
+          <a:lnRef idx="2">
+            <a:schemeClr val="accent1">
+              <a:shade val="15000"/>
+            </a:schemeClr>
+          </a:lnRef>
+          <a:fillRef idx="1">
+            <a:schemeClr val="accent1"/>
+          </a:fillRef>
+          <a:effectRef idx="0">
+            <a:schemeClr val="accent1"/>
+          </a:effectRef>
+          <a:fontRef idx="minor">
+            <a:schemeClr val="lt1"/>
+          </a:fontRef>
+        </p:style>
+        <p:txBody>
+          <a:bodyPr rtlCol="0" anchor="ctr"/>
+          <a:lstStyle/>
+          <a:p>
+            <a:pPr algn="ctr"/>
+            <a:r>
+              <a:rPr lang="en-US" dirty="0"/>
+              <a:t>Director</a:t>
+            </a:r>
+          </a:p>
+          <a:p>
+            <a:pPr algn="ctr"/>
+            <a:r>
+              <a:rPr lang="en-US" dirty="0"/>
+              <a:t>Logic</a:t>
+            </a:r>
+          </a:p>
+        </p:txBody>
+      </p:sp>
+      <p:sp>
+        <p:nvSpPr>
+          <p:cNvPr id="7" name="Rectangle 6">
+            <a:extLst>
+              <a:ext uri="{FF2B5EF4-FFF2-40B4-BE49-F238E27FC236}">
+                <a16:creationId xmlns:a16="http://schemas.microsoft.com/office/drawing/2014/main" id="{B5AF1A52-B6B2-2CF7-99DC-055D1116AB34}"/>
+              </a:ext>
+            </a:extLst>
+          </p:cNvPr>
+          <p:cNvSpPr/>
+          <p:nvPr/>
+        </p:nvSpPr>
+        <p:spPr>
+          <a:xfrm>
+            <a:off x="9979742" y="4006645"/>
+            <a:ext cx="1317522" cy="757083"/>
+          </a:xfrm>
+          <a:prstGeom prst="rect">
+            <a:avLst/>
+          </a:prstGeom>
+        </p:spPr>
+        <p:style>
+          <a:lnRef idx="2">
+            <a:schemeClr val="accent1">
+              <a:shade val="15000"/>
+            </a:schemeClr>
+          </a:lnRef>
+          <a:fillRef idx="1">
+            <a:schemeClr val="accent1"/>
+          </a:fillRef>
+          <a:effectRef idx="0">
+            <a:schemeClr val="accent1"/>
+          </a:effectRef>
+          <a:fontRef idx="minor">
+            <a:schemeClr val="lt1"/>
+          </a:fontRef>
+        </p:style>
+        <p:txBody>
+          <a:bodyPr rtlCol="0" anchor="ctr"/>
+          <a:lstStyle/>
+          <a:p>
+            <a:pPr algn="ctr"/>
+            <a:r>
+              <a:rPr lang="en-US" dirty="0"/>
+              <a:t>Manager</a:t>
+            </a:r>
+          </a:p>
+          <a:p>
+            <a:pPr algn="ctr"/>
+            <a:r>
+              <a:rPr lang="en-US" dirty="0"/>
+              <a:t>Logic</a:t>
+            </a:r>
+          </a:p>
+        </p:txBody>
+      </p:sp>
+      <p:cxnSp>
+        <p:nvCxnSpPr>
+          <p:cNvPr id="9" name="Connector: Elbow 8">
+            <a:extLst>
+              <a:ext uri="{FF2B5EF4-FFF2-40B4-BE49-F238E27FC236}">
+                <a16:creationId xmlns:a16="http://schemas.microsoft.com/office/drawing/2014/main" id="{C6708741-B732-CD7B-AF82-FCFDB11D5D71}"/>
+              </a:ext>
+            </a:extLst>
+          </p:cNvPr>
+          <p:cNvCxnSpPr>
+            <a:stCxn id="6" idx="0"/>
+            <a:endCxn id="5" idx="4"/>
+          </p:cNvCxnSpPr>
+          <p:nvPr/>
+        </p:nvCxnSpPr>
+        <p:spPr>
+          <a:xfrm rot="5400000" flipH="1" flipV="1">
+            <a:off x="8958416" y="3270455"/>
+            <a:ext cx="592394" cy="909484"/>
+          </a:xfrm>
+          <a:prstGeom prst="bentConnector3">
+            <a:avLst/>
+          </a:prstGeom>
+          <a:ln>
+            <a:tailEnd type="triangle"/>
+          </a:ln>
+        </p:spPr>
+        <p:style>
+          <a:lnRef idx="1">
+            <a:schemeClr val="accent1"/>
+          </a:lnRef>
+          <a:fillRef idx="0">
+            <a:schemeClr val="accent1"/>
+          </a:fillRef>
+          <a:effectRef idx="0">
+            <a:schemeClr val="accent1"/>
+          </a:effectRef>
+          <a:fontRef idx="minor">
+            <a:schemeClr val="tx1"/>
+          </a:fontRef>
+        </p:style>
+      </p:cxnSp>
+      <p:cxnSp>
+        <p:nvCxnSpPr>
+          <p:cNvPr id="11" name="Connector: Elbow 10">
+            <a:extLst>
+              <a:ext uri="{FF2B5EF4-FFF2-40B4-BE49-F238E27FC236}">
+                <a16:creationId xmlns:a16="http://schemas.microsoft.com/office/drawing/2014/main" id="{4986528D-3FEA-B071-9F61-F1CEB4CF0CFB}"/>
+              </a:ext>
+            </a:extLst>
+          </p:cNvPr>
+          <p:cNvCxnSpPr>
+            <a:stCxn id="7" idx="0"/>
+            <a:endCxn id="5" idx="4"/>
+          </p:cNvCxnSpPr>
+          <p:nvPr/>
+        </p:nvCxnSpPr>
+        <p:spPr>
+          <a:xfrm rot="16200000" flipV="1">
+            <a:off x="9885107" y="3253249"/>
+            <a:ext cx="577645" cy="929148"/>
+          </a:xfrm>
+          <a:prstGeom prst="bentConnector3">
+            <a:avLst/>
+          </a:prstGeom>
+          <a:ln>
+            <a:tailEnd type="triangle"/>
+          </a:ln>
+        </p:spPr>
+        <p:style>
+          <a:lnRef idx="1">
+            <a:schemeClr val="accent1"/>
+          </a:lnRef>
+          <a:fillRef idx="0">
+            <a:schemeClr val="accent1"/>
+          </a:fillRef>
+          <a:effectRef idx="0">
+            <a:schemeClr val="accent1"/>
+          </a:effectRef>
+          <a:fontRef idx="minor">
+            <a:schemeClr val="tx1"/>
+          </a:fontRef>
+        </p:style>
+      </p:cxnSp>
+      <p:sp>
+        <p:nvSpPr>
+          <p:cNvPr id="13" name="Rectangle 12">
+            <a:extLst>
+              <a:ext uri="{FF2B5EF4-FFF2-40B4-BE49-F238E27FC236}">
+                <a16:creationId xmlns:a16="http://schemas.microsoft.com/office/drawing/2014/main" id="{5912C054-B527-B578-C0CC-1710A6159AB0}"/>
+              </a:ext>
+            </a:extLst>
+          </p:cNvPr>
+          <p:cNvSpPr/>
+          <p:nvPr/>
+        </p:nvSpPr>
+        <p:spPr>
+          <a:xfrm>
+            <a:off x="3829663" y="2241755"/>
+            <a:ext cx="3067665" cy="2605548"/>
+          </a:xfrm>
+          <a:prstGeom prst="rect">
+            <a:avLst/>
+          </a:prstGeom>
+        </p:spPr>
+        <p:style>
+          <a:lnRef idx="1">
+            <a:schemeClr val="accent2"/>
+          </a:lnRef>
+          <a:fillRef idx="2">
+            <a:schemeClr val="accent2"/>
+          </a:fillRef>
+          <a:effectRef idx="1">
+            <a:schemeClr val="accent2"/>
+          </a:effectRef>
+          <a:fontRef idx="minor">
+            <a:schemeClr val="dk1"/>
+          </a:fontRef>
+        </p:style>
+        <p:txBody>
+          <a:bodyPr rtlCol="0" anchor="ctr"/>
+          <a:lstStyle/>
+          <a:p>
+            <a:pPr algn="ctr"/>
+            <a:endParaRPr lang="en-US"/>
+          </a:p>
+        </p:txBody>
+      </p:sp>
+      <p:sp>
+        <p:nvSpPr>
+          <p:cNvPr id="14" name="TextBox 13">
+            <a:extLst>
+              <a:ext uri="{FF2B5EF4-FFF2-40B4-BE49-F238E27FC236}">
+                <a16:creationId xmlns:a16="http://schemas.microsoft.com/office/drawing/2014/main" id="{D8AF0BB9-1347-94C9-E70C-88F95CFBBF11}"/>
+              </a:ext>
+            </a:extLst>
+          </p:cNvPr>
+          <p:cNvSpPr txBox="1"/>
+          <p:nvPr/>
+        </p:nvSpPr>
+        <p:spPr>
+          <a:xfrm>
+            <a:off x="3903406" y="2281084"/>
+            <a:ext cx="2841523" cy="369332"/>
+          </a:xfrm>
+          <a:prstGeom prst="rect">
+            <a:avLst/>
+          </a:prstGeom>
+          <a:noFill/>
+        </p:spPr>
+        <p:txBody>
+          <a:bodyPr wrap="square" rtlCol="0">
+            <a:spAutoFit/>
+          </a:bodyPr>
+          <a:lstStyle/>
+          <a:p>
+            <a:pPr algn="ctr"/>
+            <a:r>
+              <a:rPr lang="en-US" b="1" dirty="0"/>
+              <a:t>Accounting App</a:t>
+            </a:r>
+          </a:p>
+        </p:txBody>
+      </p:sp>
+      <p:sp>
+        <p:nvSpPr>
+          <p:cNvPr id="15" name="TextBox 14">
+            <a:extLst>
+              <a:ext uri="{FF2B5EF4-FFF2-40B4-BE49-F238E27FC236}">
+                <a16:creationId xmlns:a16="http://schemas.microsoft.com/office/drawing/2014/main" id="{E05BB79F-2236-FA52-A3D9-31C6E7EC566F}"/>
+              </a:ext>
+            </a:extLst>
+          </p:cNvPr>
+          <p:cNvSpPr txBox="1"/>
+          <p:nvPr/>
+        </p:nvSpPr>
+        <p:spPr>
+          <a:xfrm>
+            <a:off x="3903406" y="2939845"/>
+            <a:ext cx="2841523" cy="1477328"/>
+          </a:xfrm>
+          <a:prstGeom prst="rect">
+            <a:avLst/>
+          </a:prstGeom>
+          <a:noFill/>
+        </p:spPr>
+        <p:txBody>
+          <a:bodyPr wrap="square" rtlCol="0">
+            <a:spAutoFit/>
+          </a:bodyPr>
+          <a:lstStyle/>
+          <a:p>
+            <a:r>
+              <a:rPr lang="en-US" dirty="0"/>
+              <a:t>+GetTax(Employee emp)</a:t>
+            </a:r>
+          </a:p>
+          <a:p>
+            <a:r>
+              <a:rPr lang="en-US" dirty="0"/>
+              <a:t>{</a:t>
+            </a:r>
+          </a:p>
+          <a:p>
+            <a:r>
+              <a:rPr lang="en-US" dirty="0"/>
+              <a:t>    Tax Calculation Based on Salary</a:t>
+            </a:r>
+          </a:p>
+          <a:p>
+            <a:r>
+              <a:rPr lang="en-US" dirty="0"/>
+              <a:t>}</a:t>
+            </a:r>
+          </a:p>
+        </p:txBody>
+      </p:sp>
+      <p:sp>
+        <p:nvSpPr>
+          <p:cNvPr id="16" name="Rectangle: Rounded Corners 15">
+            <a:extLst>
+              <a:ext uri="{FF2B5EF4-FFF2-40B4-BE49-F238E27FC236}">
+                <a16:creationId xmlns:a16="http://schemas.microsoft.com/office/drawing/2014/main" id="{EE33E22D-B050-02F2-60C9-80860E4137D2}"/>
+              </a:ext>
+            </a:extLst>
+          </p:cNvPr>
+          <p:cNvSpPr/>
+          <p:nvPr/>
+        </p:nvSpPr>
+        <p:spPr>
+          <a:xfrm>
+            <a:off x="422787" y="2939845"/>
+            <a:ext cx="2059858" cy="914400"/>
+          </a:xfrm>
+          <a:prstGeom prst="roundRect">
+            <a:avLst/>
+          </a:prstGeom>
+        </p:spPr>
+        <p:style>
+          <a:lnRef idx="2">
+            <a:schemeClr val="accent1">
+              <a:shade val="15000"/>
+            </a:schemeClr>
+          </a:lnRef>
+          <a:fillRef idx="1">
+            <a:schemeClr val="accent1"/>
+          </a:fillRef>
+          <a:effectRef idx="0">
+            <a:schemeClr val="accent1"/>
+          </a:effectRef>
+          <a:fontRef idx="minor">
+            <a:schemeClr val="lt1"/>
+          </a:fontRef>
+        </p:style>
+        <p:txBody>
+          <a:bodyPr rtlCol="0" anchor="ctr"/>
+          <a:lstStyle/>
+          <a:p>
+            <a:pPr algn="ctr"/>
+            <a:r>
+              <a:rPr lang="en-US" dirty="0"/>
+              <a:t>Client</a:t>
+            </a:r>
+          </a:p>
+        </p:txBody>
+      </p:sp>
+      <p:cxnSp>
+        <p:nvCxnSpPr>
+          <p:cNvPr id="18" name="Connector: Elbow 17">
+            <a:extLst>
+              <a:ext uri="{FF2B5EF4-FFF2-40B4-BE49-F238E27FC236}">
+                <a16:creationId xmlns:a16="http://schemas.microsoft.com/office/drawing/2014/main" id="{57D8359C-E44F-F565-49CB-19229555FD18}"/>
+              </a:ext>
+            </a:extLst>
+          </p:cNvPr>
+          <p:cNvCxnSpPr>
+            <a:cxnSpLocks/>
+            <a:stCxn id="16" idx="0"/>
+            <a:endCxn id="14" idx="0"/>
+          </p:cNvCxnSpPr>
+          <p:nvPr/>
+        </p:nvCxnSpPr>
+        <p:spPr>
+          <a:xfrm rot="5400000" flipH="1" flipV="1">
+            <a:off x="3059062" y="674739"/>
+            <a:ext cx="658761" cy="3871452"/>
+          </a:xfrm>
+          <a:prstGeom prst="bentConnector3">
+            <a:avLst>
+              <a:gd name="adj1" fmla="val 134702"/>
+            </a:avLst>
+          </a:prstGeom>
+          <a:ln>
+            <a:tailEnd type="triangle"/>
+          </a:ln>
+        </p:spPr>
+        <p:style>
+          <a:lnRef idx="1">
+            <a:schemeClr val="accent1"/>
+          </a:lnRef>
+          <a:fillRef idx="0">
+            <a:schemeClr val="accent1"/>
+          </a:fillRef>
+          <a:effectRef idx="0">
+            <a:schemeClr val="accent1"/>
+          </a:effectRef>
+          <a:fontRef idx="minor">
+            <a:schemeClr val="tx1"/>
+          </a:fontRef>
+        </p:style>
+      </p:cxnSp>
+      <p:cxnSp>
+        <p:nvCxnSpPr>
+          <p:cNvPr id="20" name="Connector: Elbow 19">
+            <a:extLst>
+              <a:ext uri="{FF2B5EF4-FFF2-40B4-BE49-F238E27FC236}">
+                <a16:creationId xmlns:a16="http://schemas.microsoft.com/office/drawing/2014/main" id="{A493D264-A1FF-5D69-4BA8-337B98E12F08}"/>
+              </a:ext>
+            </a:extLst>
+          </p:cNvPr>
+          <p:cNvCxnSpPr>
+            <a:stCxn id="13" idx="3"/>
+            <a:endCxn id="3" idx="0"/>
+          </p:cNvCxnSpPr>
+          <p:nvPr/>
+        </p:nvCxnSpPr>
+        <p:spPr>
+          <a:xfrm flipV="1">
+            <a:off x="6897328" y="1612490"/>
+            <a:ext cx="2821859" cy="1932039"/>
+          </a:xfrm>
+          <a:prstGeom prst="bentConnector4">
+            <a:avLst>
+              <a:gd name="adj1" fmla="val 22038"/>
+              <a:gd name="adj2" fmla="val 111832"/>
+            </a:avLst>
+          </a:prstGeom>
+          <a:ln>
+            <a:tailEnd type="triangle"/>
+          </a:ln>
+        </p:spPr>
+        <p:style>
+          <a:lnRef idx="1">
+            <a:schemeClr val="accent1"/>
+          </a:lnRef>
+          <a:fillRef idx="0">
+            <a:schemeClr val="accent1"/>
+          </a:fillRef>
+          <a:effectRef idx="0">
+            <a:schemeClr val="accent1"/>
+          </a:effectRef>
+          <a:fontRef idx="minor">
+            <a:schemeClr val="tx1"/>
+          </a:fontRef>
+        </p:style>
+      </p:cxnSp>
+      <p:cxnSp>
+        <p:nvCxnSpPr>
+          <p:cNvPr id="22" name="Connector: Elbow 21">
+            <a:extLst>
+              <a:ext uri="{FF2B5EF4-FFF2-40B4-BE49-F238E27FC236}">
+                <a16:creationId xmlns:a16="http://schemas.microsoft.com/office/drawing/2014/main" id="{C9368EE9-4B50-50CD-5784-1A866776CA7A}"/>
+              </a:ext>
+            </a:extLst>
+          </p:cNvPr>
+          <p:cNvCxnSpPr>
+            <a:stCxn id="3" idx="2"/>
+            <a:endCxn id="13" idx="2"/>
+          </p:cNvCxnSpPr>
+          <p:nvPr/>
+        </p:nvCxnSpPr>
+        <p:spPr>
+          <a:xfrm rot="5400000" flipH="1">
+            <a:off x="7084142" y="3126658"/>
+            <a:ext cx="914400" cy="4355691"/>
+          </a:xfrm>
+          <a:prstGeom prst="bentConnector3">
+            <a:avLst>
+              <a:gd name="adj1" fmla="val -25000"/>
+            </a:avLst>
+          </a:prstGeom>
+          <a:ln>
+            <a:tailEnd type="triangle"/>
+          </a:ln>
+        </p:spPr>
+        <p:style>
+          <a:lnRef idx="1">
+            <a:schemeClr val="accent1"/>
+          </a:lnRef>
+          <a:fillRef idx="0">
+            <a:schemeClr val="accent1"/>
+          </a:fillRef>
+          <a:effectRef idx="0">
+            <a:schemeClr val="accent1"/>
+          </a:effectRef>
+          <a:fontRef idx="minor">
+            <a:schemeClr val="tx1"/>
+          </a:fontRef>
+        </p:style>
+      </p:cxnSp>
+      <p:sp>
+        <p:nvSpPr>
+          <p:cNvPr id="23" name="TextBox 22">
+            <a:extLst>
+              <a:ext uri="{FF2B5EF4-FFF2-40B4-BE49-F238E27FC236}">
+                <a16:creationId xmlns:a16="http://schemas.microsoft.com/office/drawing/2014/main" id="{88FE7BF3-7556-EB8A-3C3A-44E8B1D565A7}"/>
+              </a:ext>
+            </a:extLst>
+          </p:cNvPr>
+          <p:cNvSpPr txBox="1"/>
+          <p:nvPr/>
+        </p:nvSpPr>
+        <p:spPr>
+          <a:xfrm>
+            <a:off x="6096000" y="5761703"/>
+            <a:ext cx="1740310" cy="646331"/>
+          </a:xfrm>
+          <a:prstGeom prst="rect">
+            <a:avLst/>
+          </a:prstGeom>
+          <a:noFill/>
+        </p:spPr>
+        <p:txBody>
+          <a:bodyPr wrap="square" rtlCol="0">
+            <a:spAutoFit/>
+          </a:bodyPr>
+          <a:lstStyle/>
+          <a:p>
+            <a:r>
+              <a:rPr lang="en-US" dirty="0"/>
+              <a:t>Get the Salary of Employee</a:t>
+            </a:r>
+          </a:p>
+        </p:txBody>
+      </p:sp>
+      <p:cxnSp>
+        <p:nvCxnSpPr>
+          <p:cNvPr id="25" name="Connector: Elbow 24">
+            <a:extLst>
+              <a:ext uri="{FF2B5EF4-FFF2-40B4-BE49-F238E27FC236}">
+                <a16:creationId xmlns:a16="http://schemas.microsoft.com/office/drawing/2014/main" id="{D66B5012-8B4D-4F34-23EE-36CFCDA7BACD}"/>
+              </a:ext>
+            </a:extLst>
+          </p:cNvPr>
+          <p:cNvCxnSpPr>
+            <a:stCxn id="13" idx="2"/>
+            <a:endCxn id="16" idx="2"/>
+          </p:cNvCxnSpPr>
+          <p:nvPr/>
+        </p:nvCxnSpPr>
+        <p:spPr>
+          <a:xfrm rot="5400000" flipH="1">
+            <a:off x="2911577" y="2395384"/>
+            <a:ext cx="993058" cy="3910780"/>
+          </a:xfrm>
+          <a:prstGeom prst="bentConnector3">
+            <a:avLst>
+              <a:gd name="adj1" fmla="val -23020"/>
+            </a:avLst>
+          </a:prstGeom>
+          <a:ln>
+            <a:tailEnd type="triangle"/>
+          </a:ln>
+        </p:spPr>
+        <p:style>
+          <a:lnRef idx="1">
+            <a:schemeClr val="accent1"/>
+          </a:lnRef>
+          <a:fillRef idx="0">
+            <a:schemeClr val="accent1"/>
+          </a:fillRef>
+          <a:effectRef idx="0">
+            <a:schemeClr val="accent1"/>
+          </a:effectRef>
+          <a:fontRef idx="minor">
+            <a:schemeClr val="tx1"/>
+          </a:fontRef>
+        </p:style>
+      </p:cxnSp>
+      <p:sp>
+        <p:nvSpPr>
+          <p:cNvPr id="27" name="TextBox 26">
+            <a:extLst>
+              <a:ext uri="{FF2B5EF4-FFF2-40B4-BE49-F238E27FC236}">
+                <a16:creationId xmlns:a16="http://schemas.microsoft.com/office/drawing/2014/main" id="{D09B0D3C-7070-9798-9C33-A4A6ABCBDA1D}"/>
+              </a:ext>
+            </a:extLst>
+          </p:cNvPr>
+          <p:cNvSpPr txBox="1"/>
+          <p:nvPr/>
+        </p:nvSpPr>
+        <p:spPr>
+          <a:xfrm>
+            <a:off x="1730477" y="1710813"/>
+            <a:ext cx="2821858" cy="369332"/>
+          </a:xfrm>
+          <a:prstGeom prst="rect">
+            <a:avLst/>
+          </a:prstGeom>
+          <a:noFill/>
+        </p:spPr>
+        <p:txBody>
+          <a:bodyPr wrap="square" rtlCol="0">
+            <a:spAutoFit/>
+          </a:bodyPr>
+          <a:lstStyle/>
+          <a:p>
+            <a:r>
+              <a:rPr lang="en-US" dirty="0"/>
+              <a:t>Ask for Tax of Employee </a:t>
+            </a:r>
+          </a:p>
+        </p:txBody>
+      </p:sp>
+      <p:sp>
+        <p:nvSpPr>
+          <p:cNvPr id="28" name="TextBox 27">
+            <a:extLst>
+              <a:ext uri="{FF2B5EF4-FFF2-40B4-BE49-F238E27FC236}">
+                <a16:creationId xmlns:a16="http://schemas.microsoft.com/office/drawing/2014/main" id="{E8376FF9-ED8A-A805-7D8D-C7631EE146B6}"/>
+              </a:ext>
+            </a:extLst>
+          </p:cNvPr>
+          <p:cNvSpPr txBox="1"/>
+          <p:nvPr/>
+        </p:nvSpPr>
+        <p:spPr>
+          <a:xfrm>
+            <a:off x="5638800" y="1324928"/>
+            <a:ext cx="2821858" cy="646331"/>
+          </a:xfrm>
+          <a:prstGeom prst="rect">
+            <a:avLst/>
+          </a:prstGeom>
+          <a:noFill/>
+        </p:spPr>
+        <p:txBody>
+          <a:bodyPr wrap="square" rtlCol="0">
+            <a:spAutoFit/>
+          </a:bodyPr>
+          <a:lstStyle/>
+          <a:p>
+            <a:r>
+              <a:rPr lang="en-US" dirty="0"/>
+              <a:t>Request for Employee Salary</a:t>
+            </a:r>
+          </a:p>
+        </p:txBody>
+      </p:sp>
+      <p:sp>
+        <p:nvSpPr>
+          <p:cNvPr id="29" name="TextBox 28">
+            <a:extLst>
+              <a:ext uri="{FF2B5EF4-FFF2-40B4-BE49-F238E27FC236}">
+                <a16:creationId xmlns:a16="http://schemas.microsoft.com/office/drawing/2014/main" id="{CDB725C5-77B5-A634-B07E-07ADDD402304}"/>
+              </a:ext>
+            </a:extLst>
+          </p:cNvPr>
+          <p:cNvSpPr txBox="1"/>
+          <p:nvPr/>
+        </p:nvSpPr>
+        <p:spPr>
+          <a:xfrm>
+            <a:off x="1656735" y="4896502"/>
+            <a:ext cx="2821858" cy="369332"/>
+          </a:xfrm>
+          <a:prstGeom prst="rect">
+            <a:avLst/>
+          </a:prstGeom>
+          <a:noFill/>
+        </p:spPr>
+        <p:txBody>
+          <a:bodyPr wrap="square" rtlCol="0">
+            <a:spAutoFit/>
+          </a:bodyPr>
+          <a:lstStyle/>
+          <a:p>
+            <a:r>
+              <a:rPr lang="en-US"/>
+              <a:t>Get </a:t>
+            </a:r>
+            <a:r>
+              <a:rPr lang="en-US" dirty="0"/>
+              <a:t>Tax of Employee </a:t>
+            </a:r>
+          </a:p>
+        </p:txBody>
+      </p:sp>
+    </p:spTree>
+    <p:extLst>
+      <p:ext uri="{BB962C8B-B14F-4D97-AF65-F5344CB8AC3E}">
+        <p14:creationId xmlns:p14="http://schemas.microsoft.com/office/powerpoint/2010/main" val="2722242450"/>
+      </p:ext>
+    </p:extLst>
+  </p:cSld>
+  <p:clrMapOvr>
+    <a:masterClrMapping/>
+  </p:clrMapOvr>
+</p:sld>
+</file>
+
 <file path=ppt/theme/theme1.xml><?xml version="1.0" encoding="utf-8"?>
 <a:theme xmlns:a="http://schemas.openxmlformats.org/drawingml/2006/main" name="Office Theme">
   <a:themeElements>

--- a/Images.pptx
+++ b/Images.pptx
@@ -13,6 +13,13 @@
     <p:sldId id="261" r:id="rId7"/>
     <p:sldId id="262" r:id="rId8"/>
     <p:sldId id="263" r:id="rId9"/>
+    <p:sldId id="264" r:id="rId10"/>
+    <p:sldId id="265" r:id="rId11"/>
+    <p:sldId id="266" r:id="rId12"/>
+    <p:sldId id="267" r:id="rId13"/>
+    <p:sldId id="268" r:id="rId14"/>
+    <p:sldId id="269" r:id="rId15"/>
+    <p:sldId id="270" r:id="rId16"/>
   </p:sldIdLst>
   <p:sldSz cx="12192000" cy="6858000"/>
   <p:notesSz cx="6858000" cy="9144000"/>
@@ -266,7 +273,7 @@
           <a:p>
             <a:fld id="{AA664FF4-21B7-42BA-B2A9-563C2A71FA7D}" type="datetimeFigureOut">
               <a:rPr lang="en-US" smtClean="0"/>
-              <a:t>9/26/2023</a:t>
+              <a:t>9/27/2023</a:t>
             </a:fld>
             <a:endParaRPr lang="en-US"/>
           </a:p>
@@ -464,7 +471,7 @@
           <a:p>
             <a:fld id="{AA664FF4-21B7-42BA-B2A9-563C2A71FA7D}" type="datetimeFigureOut">
               <a:rPr lang="en-US" smtClean="0"/>
-              <a:t>9/26/2023</a:t>
+              <a:t>9/27/2023</a:t>
             </a:fld>
             <a:endParaRPr lang="en-US"/>
           </a:p>
@@ -672,7 +679,7 @@
           <a:p>
             <a:fld id="{AA664FF4-21B7-42BA-B2A9-563C2A71FA7D}" type="datetimeFigureOut">
               <a:rPr lang="en-US" smtClean="0"/>
-              <a:t>9/26/2023</a:t>
+              <a:t>9/27/2023</a:t>
             </a:fld>
             <a:endParaRPr lang="en-US"/>
           </a:p>
@@ -870,7 +877,7 @@
           <a:p>
             <a:fld id="{AA664FF4-21B7-42BA-B2A9-563C2A71FA7D}" type="datetimeFigureOut">
               <a:rPr lang="en-US" smtClean="0"/>
-              <a:t>9/26/2023</a:t>
+              <a:t>9/27/2023</a:t>
             </a:fld>
             <a:endParaRPr lang="en-US"/>
           </a:p>
@@ -1145,7 +1152,7 @@
           <a:p>
             <a:fld id="{AA664FF4-21B7-42BA-B2A9-563C2A71FA7D}" type="datetimeFigureOut">
               <a:rPr lang="en-US" smtClean="0"/>
-              <a:t>9/26/2023</a:t>
+              <a:t>9/27/2023</a:t>
             </a:fld>
             <a:endParaRPr lang="en-US"/>
           </a:p>
@@ -1410,7 +1417,7 @@
           <a:p>
             <a:fld id="{AA664FF4-21B7-42BA-B2A9-563C2A71FA7D}" type="datetimeFigureOut">
               <a:rPr lang="en-US" smtClean="0"/>
-              <a:t>9/26/2023</a:t>
+              <a:t>9/27/2023</a:t>
             </a:fld>
             <a:endParaRPr lang="en-US"/>
           </a:p>
@@ -1822,7 +1829,7 @@
           <a:p>
             <a:fld id="{AA664FF4-21B7-42BA-B2A9-563C2A71FA7D}" type="datetimeFigureOut">
               <a:rPr lang="en-US" smtClean="0"/>
-              <a:t>9/26/2023</a:t>
+              <a:t>9/27/2023</a:t>
             </a:fld>
             <a:endParaRPr lang="en-US"/>
           </a:p>
@@ -1963,7 +1970,7 @@
           <a:p>
             <a:fld id="{AA664FF4-21B7-42BA-B2A9-563C2A71FA7D}" type="datetimeFigureOut">
               <a:rPr lang="en-US" smtClean="0"/>
-              <a:t>9/26/2023</a:t>
+              <a:t>9/27/2023</a:t>
             </a:fld>
             <a:endParaRPr lang="en-US"/>
           </a:p>
@@ -2076,7 +2083,7 @@
           <a:p>
             <a:fld id="{AA664FF4-21B7-42BA-B2A9-563C2A71FA7D}" type="datetimeFigureOut">
               <a:rPr lang="en-US" smtClean="0"/>
-              <a:t>9/26/2023</a:t>
+              <a:t>9/27/2023</a:t>
             </a:fld>
             <a:endParaRPr lang="en-US"/>
           </a:p>
@@ -2387,7 +2394,7 @@
           <a:p>
             <a:fld id="{AA664FF4-21B7-42BA-B2A9-563C2A71FA7D}" type="datetimeFigureOut">
               <a:rPr lang="en-US" smtClean="0"/>
-              <a:t>9/26/2023</a:t>
+              <a:t>9/27/2023</a:t>
             </a:fld>
             <a:endParaRPr lang="en-US"/>
           </a:p>
@@ -2675,7 +2682,7 @@
           <a:p>
             <a:fld id="{AA664FF4-21B7-42BA-B2A9-563C2A71FA7D}" type="datetimeFigureOut">
               <a:rPr lang="en-US" smtClean="0"/>
-              <a:t>9/26/2023</a:t>
+              <a:t>9/27/2023</a:t>
             </a:fld>
             <a:endParaRPr lang="en-US"/>
           </a:p>
@@ -2916,7 +2923,7 @@
           <a:p>
             <a:fld id="{AA664FF4-21B7-42BA-B2A9-563C2A71FA7D}" type="datetimeFigureOut">
               <a:rPr lang="en-US" smtClean="0"/>
-              <a:t>9/26/2023</a:t>
+              <a:t>9/27/2023</a:t>
             </a:fld>
             <a:endParaRPr lang="en-US"/>
           </a:p>
@@ -4154,10 +4161,3755 @@
           </a:p>
         </p:txBody>
       </p:sp>
+      <p:sp>
+        <p:nvSpPr>
+          <p:cNvPr id="2" name="Arrow: Down 1">
+            <a:extLst>
+              <a:ext uri="{FF2B5EF4-FFF2-40B4-BE49-F238E27FC236}">
+                <a16:creationId xmlns:a16="http://schemas.microsoft.com/office/drawing/2014/main" id="{0B6C6BC0-F4BD-4C46-0D6B-D23936804CC4}"/>
+              </a:ext>
+            </a:extLst>
+          </p:cNvPr>
+          <p:cNvSpPr/>
+          <p:nvPr/>
+        </p:nvSpPr>
+        <p:spPr>
+          <a:xfrm>
+            <a:off x="8369559" y="5523722"/>
+            <a:ext cx="408991" cy="1073021"/>
+          </a:xfrm>
+          <a:prstGeom prst="downArrow">
+            <a:avLst/>
+          </a:prstGeom>
+        </p:spPr>
+        <p:style>
+          <a:lnRef idx="2">
+            <a:schemeClr val="accent1">
+              <a:shade val="15000"/>
+            </a:schemeClr>
+          </a:lnRef>
+          <a:fillRef idx="1">
+            <a:schemeClr val="accent1"/>
+          </a:fillRef>
+          <a:effectRef idx="0">
+            <a:schemeClr val="accent1"/>
+          </a:effectRef>
+          <a:fontRef idx="minor">
+            <a:schemeClr val="lt1"/>
+          </a:fontRef>
+        </p:style>
+        <p:txBody>
+          <a:bodyPr rtlCol="0" anchor="ctr"/>
+          <a:lstStyle/>
+          <a:p>
+            <a:pPr algn="ctr"/>
+            <a:r>
+              <a:rPr lang="en-US" sz="1000" dirty="0"/>
+              <a:t>T</a:t>
+            </a:r>
+          </a:p>
+          <a:p>
+            <a:pPr algn="ctr"/>
+            <a:r>
+              <a:rPr lang="en-US" sz="1000" dirty="0"/>
+              <a:t>H</a:t>
+            </a:r>
+          </a:p>
+          <a:p>
+            <a:pPr algn="ctr"/>
+            <a:r>
+              <a:rPr lang="en-US" sz="1000" dirty="0"/>
+              <a:t>R</a:t>
+            </a:r>
+          </a:p>
+          <a:p>
+            <a:pPr algn="ctr"/>
+            <a:r>
+              <a:rPr lang="en-US" sz="1000" dirty="0"/>
+              <a:t>E</a:t>
+            </a:r>
+          </a:p>
+          <a:p>
+            <a:pPr algn="ctr"/>
+            <a:r>
+              <a:rPr lang="en-US" sz="1000" dirty="0"/>
+              <a:t>A</a:t>
+            </a:r>
+          </a:p>
+          <a:p>
+            <a:pPr algn="ctr"/>
+            <a:r>
+              <a:rPr lang="en-US" sz="1000" dirty="0"/>
+              <a:t>D</a:t>
+            </a:r>
+          </a:p>
+        </p:txBody>
+      </p:sp>
     </p:spTree>
     <p:extLst>
       <p:ext uri="{BB962C8B-B14F-4D97-AF65-F5344CB8AC3E}">
         <p14:creationId xmlns:p14="http://schemas.microsoft.com/office/powerpoint/2010/main" val="1191420724"/>
+      </p:ext>
+    </p:extLst>
+  </p:cSld>
+  <p:clrMapOvr>
+    <a:masterClrMapping/>
+  </p:clrMapOvr>
+</p:sld>
+</file>
+
+<file path=ppt/slides/slide10.xml><?xml version="1.0" encoding="utf-8"?>
+<p:sld xmlns:a="http://schemas.openxmlformats.org/drawingml/2006/main" xmlns:r="http://schemas.openxmlformats.org/officeDocument/2006/relationships" xmlns:p="http://schemas.openxmlformats.org/presentationml/2006/main">
+  <p:cSld>
+    <p:spTree>
+      <p:nvGrpSpPr>
+        <p:cNvPr id="1" name=""/>
+        <p:cNvGrpSpPr/>
+        <p:nvPr/>
+      </p:nvGrpSpPr>
+      <p:grpSpPr>
+        <a:xfrm>
+          <a:off x="0" y="0"/>
+          <a:ext cx="0" cy="0"/>
+          <a:chOff x="0" y="0"/>
+          <a:chExt cx="0" cy="0"/>
+        </a:xfrm>
+      </p:grpSpPr>
+      <p:sp>
+        <p:nvSpPr>
+          <p:cNvPr id="2" name="Rectangle 1">
+            <a:extLst>
+              <a:ext uri="{FF2B5EF4-FFF2-40B4-BE49-F238E27FC236}">
+                <a16:creationId xmlns:a16="http://schemas.microsoft.com/office/drawing/2014/main" id="{0B01C981-AFE9-071D-6C90-05A45B16D9F0}"/>
+              </a:ext>
+            </a:extLst>
+          </p:cNvPr>
+          <p:cNvSpPr/>
+          <p:nvPr/>
+        </p:nvSpPr>
+        <p:spPr>
+          <a:xfrm>
+            <a:off x="5159829" y="933062"/>
+            <a:ext cx="3508310" cy="2864498"/>
+          </a:xfrm>
+          <a:prstGeom prst="rect">
+            <a:avLst/>
+          </a:prstGeom>
+        </p:spPr>
+        <p:style>
+          <a:lnRef idx="1">
+            <a:schemeClr val="accent2"/>
+          </a:lnRef>
+          <a:fillRef idx="2">
+            <a:schemeClr val="accent2"/>
+          </a:fillRef>
+          <a:effectRef idx="1">
+            <a:schemeClr val="accent2"/>
+          </a:effectRef>
+          <a:fontRef idx="minor">
+            <a:schemeClr val="dk1"/>
+          </a:fontRef>
+        </p:style>
+        <p:txBody>
+          <a:bodyPr rtlCol="0" anchor="ctr"/>
+          <a:lstStyle/>
+          <a:p>
+            <a:pPr algn="ctr"/>
+            <a:r>
+              <a:rPr lang="en-US" b="1" dirty="0"/>
+              <a:t>Application System</a:t>
+            </a:r>
+          </a:p>
+        </p:txBody>
+      </p:sp>
+      <p:sp>
+        <p:nvSpPr>
+          <p:cNvPr id="3" name="Flowchart: Magnetic Disk 2">
+            <a:extLst>
+              <a:ext uri="{FF2B5EF4-FFF2-40B4-BE49-F238E27FC236}">
+                <a16:creationId xmlns:a16="http://schemas.microsoft.com/office/drawing/2014/main" id="{3CACF822-94A8-CA9F-71C9-0D31F5CC66D5}"/>
+              </a:ext>
+            </a:extLst>
+          </p:cNvPr>
+          <p:cNvSpPr/>
+          <p:nvPr/>
+        </p:nvSpPr>
+        <p:spPr>
+          <a:xfrm>
+            <a:off x="9414588" y="1721499"/>
+            <a:ext cx="2248677" cy="1287624"/>
+          </a:xfrm>
+          <a:prstGeom prst="flowChartMagneticDisk">
+            <a:avLst/>
+          </a:prstGeom>
+        </p:spPr>
+        <p:style>
+          <a:lnRef idx="2">
+            <a:schemeClr val="accent1">
+              <a:shade val="15000"/>
+            </a:schemeClr>
+          </a:lnRef>
+          <a:fillRef idx="1">
+            <a:schemeClr val="accent1"/>
+          </a:fillRef>
+          <a:effectRef idx="0">
+            <a:schemeClr val="accent1"/>
+          </a:effectRef>
+          <a:fontRef idx="minor">
+            <a:schemeClr val="lt1"/>
+          </a:fontRef>
+        </p:style>
+        <p:txBody>
+          <a:bodyPr rtlCol="0" anchor="ctr"/>
+          <a:lstStyle/>
+          <a:p>
+            <a:pPr algn="ctr"/>
+            <a:r>
+              <a:rPr lang="en-US" dirty="0"/>
+              <a:t>Data Store</a:t>
+            </a:r>
+          </a:p>
+        </p:txBody>
+      </p:sp>
+      <p:cxnSp>
+        <p:nvCxnSpPr>
+          <p:cNvPr id="5" name="Connector: Elbow 4">
+            <a:extLst>
+              <a:ext uri="{FF2B5EF4-FFF2-40B4-BE49-F238E27FC236}">
+                <a16:creationId xmlns:a16="http://schemas.microsoft.com/office/drawing/2014/main" id="{6C8691DB-1E21-30BB-F3D2-E3F997EF931A}"/>
+              </a:ext>
+            </a:extLst>
+          </p:cNvPr>
+          <p:cNvCxnSpPr>
+            <a:stCxn id="2" idx="3"/>
+            <a:endCxn id="3" idx="1"/>
+          </p:cNvCxnSpPr>
+          <p:nvPr/>
+        </p:nvCxnSpPr>
+        <p:spPr>
+          <a:xfrm flipV="1">
+            <a:off x="8668139" y="1721499"/>
+            <a:ext cx="1870788" cy="643812"/>
+          </a:xfrm>
+          <a:prstGeom prst="bentConnector4">
+            <a:avLst>
+              <a:gd name="adj1" fmla="val 19950"/>
+              <a:gd name="adj2" fmla="val 257971"/>
+            </a:avLst>
+          </a:prstGeom>
+          <a:ln>
+            <a:tailEnd type="triangle"/>
+          </a:ln>
+        </p:spPr>
+        <p:style>
+          <a:lnRef idx="1">
+            <a:schemeClr val="accent1"/>
+          </a:lnRef>
+          <a:fillRef idx="0">
+            <a:schemeClr val="accent1"/>
+          </a:fillRef>
+          <a:effectRef idx="0">
+            <a:schemeClr val="accent1"/>
+          </a:effectRef>
+          <a:fontRef idx="minor">
+            <a:schemeClr val="tx1"/>
+          </a:fontRef>
+        </p:style>
+      </p:cxnSp>
+      <p:sp>
+        <p:nvSpPr>
+          <p:cNvPr id="6" name="Flowchart: Magnetic Disk 5">
+            <a:extLst>
+              <a:ext uri="{FF2B5EF4-FFF2-40B4-BE49-F238E27FC236}">
+                <a16:creationId xmlns:a16="http://schemas.microsoft.com/office/drawing/2014/main" id="{4FB6E1DB-6908-7BDD-34B0-B77CC8B21181}"/>
+              </a:ext>
+            </a:extLst>
+          </p:cNvPr>
+          <p:cNvSpPr/>
+          <p:nvPr/>
+        </p:nvSpPr>
+        <p:spPr>
+          <a:xfrm>
+            <a:off x="5290457" y="2911151"/>
+            <a:ext cx="3247053" cy="681135"/>
+          </a:xfrm>
+          <a:prstGeom prst="flowChartMagneticDisk">
+            <a:avLst/>
+          </a:prstGeom>
+        </p:spPr>
+        <p:style>
+          <a:lnRef idx="2">
+            <a:schemeClr val="accent1">
+              <a:shade val="15000"/>
+            </a:schemeClr>
+          </a:lnRef>
+          <a:fillRef idx="1">
+            <a:schemeClr val="accent1"/>
+          </a:fillRef>
+          <a:effectRef idx="0">
+            <a:schemeClr val="accent1"/>
+          </a:effectRef>
+          <a:fontRef idx="minor">
+            <a:schemeClr val="lt1"/>
+          </a:fontRef>
+        </p:style>
+        <p:txBody>
+          <a:bodyPr rtlCol="0" anchor="ctr"/>
+          <a:lstStyle/>
+          <a:p>
+            <a:pPr algn="ctr"/>
+            <a:r>
+              <a:rPr lang="en-US" b="1" dirty="0"/>
+              <a:t>In-Memory Data Store</a:t>
+            </a:r>
+          </a:p>
+        </p:txBody>
+      </p:sp>
+      <p:cxnSp>
+        <p:nvCxnSpPr>
+          <p:cNvPr id="8" name="Connector: Elbow 7">
+            <a:extLst>
+              <a:ext uri="{FF2B5EF4-FFF2-40B4-BE49-F238E27FC236}">
+                <a16:creationId xmlns:a16="http://schemas.microsoft.com/office/drawing/2014/main" id="{43AC1403-FB83-7EFD-5249-1098C15F710E}"/>
+              </a:ext>
+            </a:extLst>
+          </p:cNvPr>
+          <p:cNvCxnSpPr>
+            <a:stCxn id="3" idx="3"/>
+            <a:endCxn id="6" idx="3"/>
+          </p:cNvCxnSpPr>
+          <p:nvPr/>
+        </p:nvCxnSpPr>
+        <p:spPr>
+          <a:xfrm rot="5400000">
+            <a:off x="8434875" y="1488233"/>
+            <a:ext cx="583163" cy="3624943"/>
+          </a:xfrm>
+          <a:prstGeom prst="bentConnector3">
+            <a:avLst>
+              <a:gd name="adj1" fmla="val 240000"/>
+            </a:avLst>
+          </a:prstGeom>
+          <a:ln>
+            <a:tailEnd type="triangle"/>
+          </a:ln>
+        </p:spPr>
+        <p:style>
+          <a:lnRef idx="1">
+            <a:schemeClr val="accent1"/>
+          </a:lnRef>
+          <a:fillRef idx="0">
+            <a:schemeClr val="accent1"/>
+          </a:fillRef>
+          <a:effectRef idx="0">
+            <a:schemeClr val="accent1"/>
+          </a:effectRef>
+          <a:fontRef idx="minor">
+            <a:schemeClr val="tx1"/>
+          </a:fontRef>
+        </p:style>
+      </p:cxnSp>
+      <p:sp>
+        <p:nvSpPr>
+          <p:cNvPr id="9" name="TextBox 8">
+            <a:extLst>
+              <a:ext uri="{FF2B5EF4-FFF2-40B4-BE49-F238E27FC236}">
+                <a16:creationId xmlns:a16="http://schemas.microsoft.com/office/drawing/2014/main" id="{D1B7A343-51ED-D0FC-18F4-B16535D7AF76}"/>
+              </a:ext>
+            </a:extLst>
+          </p:cNvPr>
+          <p:cNvSpPr txBox="1"/>
+          <p:nvPr/>
+        </p:nvSpPr>
+        <p:spPr>
+          <a:xfrm>
+            <a:off x="9134669" y="578498"/>
+            <a:ext cx="1870788" cy="646331"/>
+          </a:xfrm>
+          <a:prstGeom prst="rect">
+            <a:avLst/>
+          </a:prstGeom>
+          <a:noFill/>
+        </p:spPr>
+        <p:txBody>
+          <a:bodyPr wrap="square" rtlCol="0">
+            <a:spAutoFit/>
+          </a:bodyPr>
+          <a:lstStyle/>
+          <a:p>
+            <a:r>
+              <a:rPr lang="en-US" dirty="0"/>
+              <a:t>Request to Fetch data </a:t>
+            </a:r>
+          </a:p>
+        </p:txBody>
+      </p:sp>
+      <p:sp>
+        <p:nvSpPr>
+          <p:cNvPr id="11" name="TextBox 10">
+            <a:extLst>
+              <a:ext uri="{FF2B5EF4-FFF2-40B4-BE49-F238E27FC236}">
+                <a16:creationId xmlns:a16="http://schemas.microsoft.com/office/drawing/2014/main" id="{BCD9311C-5716-F05F-EE89-C27D2766110E}"/>
+              </a:ext>
+            </a:extLst>
+          </p:cNvPr>
+          <p:cNvSpPr txBox="1"/>
+          <p:nvPr/>
+        </p:nvSpPr>
+        <p:spPr>
+          <a:xfrm>
+            <a:off x="9134669" y="3797560"/>
+            <a:ext cx="1978090" cy="923330"/>
+          </a:xfrm>
+          <a:prstGeom prst="rect">
+            <a:avLst/>
+          </a:prstGeom>
+          <a:noFill/>
+        </p:spPr>
+        <p:txBody>
+          <a:bodyPr wrap="square" rtlCol="0">
+            <a:spAutoFit/>
+          </a:bodyPr>
+          <a:lstStyle/>
+          <a:p>
+            <a:r>
+              <a:rPr lang="en-US" dirty="0"/>
+              <a:t>Fetched Data is stored In-Memory of Client App</a:t>
+            </a:r>
+          </a:p>
+        </p:txBody>
+      </p:sp>
+      <p:sp>
+        <p:nvSpPr>
+          <p:cNvPr id="12" name="TextBox 11">
+            <a:extLst>
+              <a:ext uri="{FF2B5EF4-FFF2-40B4-BE49-F238E27FC236}">
+                <a16:creationId xmlns:a16="http://schemas.microsoft.com/office/drawing/2014/main" id="{713AA3BD-C837-F10C-ECF1-31C17B759ADC}"/>
+              </a:ext>
+            </a:extLst>
+          </p:cNvPr>
+          <p:cNvSpPr txBox="1"/>
+          <p:nvPr/>
+        </p:nvSpPr>
+        <p:spPr>
+          <a:xfrm>
+            <a:off x="177282" y="373224"/>
+            <a:ext cx="2799183" cy="1569660"/>
+          </a:xfrm>
+          <a:prstGeom prst="rect">
+            <a:avLst/>
+          </a:prstGeom>
+          <a:noFill/>
+        </p:spPr>
+        <p:txBody>
+          <a:bodyPr wrap="square" rtlCol="0">
+            <a:spAutoFit/>
+          </a:bodyPr>
+          <a:lstStyle/>
+          <a:p>
+            <a:pPr algn="ctr"/>
+            <a:r>
+              <a:rPr lang="en-US" sz="3200" b="1" dirty="0"/>
+              <a:t>In-Memory Data Storage for App</a:t>
+            </a:r>
+          </a:p>
+        </p:txBody>
+      </p:sp>
+      <p:sp>
+        <p:nvSpPr>
+          <p:cNvPr id="13" name="TextBox 12">
+            <a:extLst>
+              <a:ext uri="{FF2B5EF4-FFF2-40B4-BE49-F238E27FC236}">
+                <a16:creationId xmlns:a16="http://schemas.microsoft.com/office/drawing/2014/main" id="{6073A297-0616-164E-FAE0-B6739DB53F53}"/>
+              </a:ext>
+            </a:extLst>
+          </p:cNvPr>
+          <p:cNvSpPr txBox="1"/>
+          <p:nvPr/>
+        </p:nvSpPr>
+        <p:spPr>
+          <a:xfrm>
+            <a:off x="177282" y="2071397"/>
+            <a:ext cx="4627983" cy="3693319"/>
+          </a:xfrm>
+          <a:prstGeom prst="rect">
+            <a:avLst/>
+          </a:prstGeom>
+          <a:noFill/>
+        </p:spPr>
+        <p:txBody>
+          <a:bodyPr wrap="square" rtlCol="0">
+            <a:spAutoFit/>
+          </a:bodyPr>
+          <a:lstStyle/>
+          <a:p>
+            <a:r>
+              <a:rPr lang="en-US" dirty="0"/>
+              <a:t>Advantages</a:t>
+            </a:r>
+          </a:p>
+          <a:p>
+            <a:pPr marL="285750" indent="-285750">
+              <a:buFont typeface="Arial" panose="020B0604020202020204" pitchFamily="34" charset="0"/>
+              <a:buChar char="•"/>
+            </a:pPr>
+            <a:r>
+              <a:rPr lang="en-US" dirty="0"/>
+              <a:t>Reduces the Network Traffic </a:t>
+            </a:r>
+          </a:p>
+          <a:p>
+            <a:pPr marL="285750" indent="-285750">
+              <a:buFont typeface="Arial" panose="020B0604020202020204" pitchFamily="34" charset="0"/>
+              <a:buChar char="•"/>
+            </a:pPr>
+            <a:r>
+              <a:rPr lang="en-US" dirty="0"/>
+              <a:t>Reduces number of database calls</a:t>
+            </a:r>
+          </a:p>
+          <a:p>
+            <a:pPr marL="285750" indent="-285750">
+              <a:buFont typeface="Arial" panose="020B0604020202020204" pitchFamily="34" charset="0"/>
+              <a:buChar char="•"/>
+            </a:pPr>
+            <a:r>
+              <a:rPr lang="en-US" dirty="0"/>
+              <a:t>Various modules of application has an immediate access to the data since data can be immediately read from memory</a:t>
+            </a:r>
+          </a:p>
+          <a:p>
+            <a:endParaRPr lang="en-US" dirty="0"/>
+          </a:p>
+          <a:p>
+            <a:r>
+              <a:rPr lang="en-US" dirty="0"/>
+              <a:t>Limitations</a:t>
+            </a:r>
+          </a:p>
+          <a:p>
+            <a:pPr marL="285750" indent="-285750">
+              <a:buFont typeface="Arial" panose="020B0604020202020204" pitchFamily="34" charset="0"/>
+              <a:buChar char="•"/>
+            </a:pPr>
+            <a:r>
+              <a:rPr lang="en-US" dirty="0"/>
+              <a:t>More Memory Requirements</a:t>
+            </a:r>
+          </a:p>
+          <a:p>
+            <a:pPr marL="285750" indent="-285750">
+              <a:buFont typeface="Arial" panose="020B0604020202020204" pitchFamily="34" charset="0"/>
+              <a:buChar char="•"/>
+            </a:pPr>
+            <a:r>
+              <a:rPr lang="en-US" dirty="0"/>
+              <a:t>If live data is to be shared across various apps then this approach is not useful</a:t>
+            </a:r>
+          </a:p>
+          <a:p>
+            <a:pPr marL="285750" indent="-285750">
+              <a:buFont typeface="Arial" panose="020B0604020202020204" pitchFamily="34" charset="0"/>
+              <a:buChar char="•"/>
+            </a:pPr>
+            <a:r>
+              <a:rPr lang="en-US" dirty="0"/>
+              <a:t>Volatile in nature, unload the app the data will be removed</a:t>
+            </a:r>
+          </a:p>
+        </p:txBody>
+      </p:sp>
+      <p:sp>
+        <p:nvSpPr>
+          <p:cNvPr id="14" name="Flowchart: Multidocument 13">
+            <a:extLst>
+              <a:ext uri="{FF2B5EF4-FFF2-40B4-BE49-F238E27FC236}">
+                <a16:creationId xmlns:a16="http://schemas.microsoft.com/office/drawing/2014/main" id="{BB631541-4CA4-07C3-9EEF-78D8F65C9C76}"/>
+              </a:ext>
+            </a:extLst>
+          </p:cNvPr>
+          <p:cNvSpPr/>
+          <p:nvPr/>
+        </p:nvSpPr>
+        <p:spPr>
+          <a:xfrm>
+            <a:off x="5710335" y="1054359"/>
+            <a:ext cx="2435289" cy="1026368"/>
+          </a:xfrm>
+          <a:prstGeom prst="flowChartMultidocument">
+            <a:avLst/>
+          </a:prstGeom>
+          <a:solidFill>
+            <a:srgbClr val="002060"/>
+          </a:solidFill>
+        </p:spPr>
+        <p:style>
+          <a:lnRef idx="2">
+            <a:schemeClr val="accent1">
+              <a:shade val="15000"/>
+            </a:schemeClr>
+          </a:lnRef>
+          <a:fillRef idx="1">
+            <a:schemeClr val="accent1"/>
+          </a:fillRef>
+          <a:effectRef idx="0">
+            <a:schemeClr val="accent1"/>
+          </a:effectRef>
+          <a:fontRef idx="minor">
+            <a:schemeClr val="lt1"/>
+          </a:fontRef>
+        </p:style>
+        <p:txBody>
+          <a:bodyPr rtlCol="0" anchor="ctr"/>
+          <a:lstStyle/>
+          <a:p>
+            <a:pPr algn="ctr"/>
+            <a:r>
+              <a:rPr lang="en-US" dirty="0"/>
+              <a:t>Modules</a:t>
+            </a:r>
+          </a:p>
+        </p:txBody>
+      </p:sp>
+    </p:spTree>
+    <p:extLst>
+      <p:ext uri="{BB962C8B-B14F-4D97-AF65-F5344CB8AC3E}">
+        <p14:creationId xmlns:p14="http://schemas.microsoft.com/office/powerpoint/2010/main" val="2841995921"/>
+      </p:ext>
+    </p:extLst>
+  </p:cSld>
+  <p:clrMapOvr>
+    <a:masterClrMapping/>
+  </p:clrMapOvr>
+</p:sld>
+</file>
+
+<file path=ppt/slides/slide11.xml><?xml version="1.0" encoding="utf-8"?>
+<p:sld xmlns:a="http://schemas.openxmlformats.org/drawingml/2006/main" xmlns:r="http://schemas.openxmlformats.org/officeDocument/2006/relationships" xmlns:p="http://schemas.openxmlformats.org/presentationml/2006/main">
+  <p:cSld>
+    <p:spTree>
+      <p:nvGrpSpPr>
+        <p:cNvPr id="1" name=""/>
+        <p:cNvGrpSpPr/>
+        <p:nvPr/>
+      </p:nvGrpSpPr>
+      <p:grpSpPr>
+        <a:xfrm>
+          <a:off x="0" y="0"/>
+          <a:ext cx="0" cy="0"/>
+          <a:chOff x="0" y="0"/>
+          <a:chExt cx="0" cy="0"/>
+        </a:xfrm>
+      </p:grpSpPr>
+      <p:sp>
+        <p:nvSpPr>
+          <p:cNvPr id="2" name="Rectangle: Rounded Corners 1">
+            <a:extLst>
+              <a:ext uri="{FF2B5EF4-FFF2-40B4-BE49-F238E27FC236}">
+                <a16:creationId xmlns:a16="http://schemas.microsoft.com/office/drawing/2014/main" id="{1E1D67CE-EFEA-1FF3-60F0-2772F2089929}"/>
+              </a:ext>
+            </a:extLst>
+          </p:cNvPr>
+          <p:cNvSpPr/>
+          <p:nvPr/>
+        </p:nvSpPr>
+        <p:spPr>
+          <a:xfrm>
+            <a:off x="4674637" y="65314"/>
+            <a:ext cx="2052734" cy="643813"/>
+          </a:xfrm>
+          <a:prstGeom prst="roundRect">
+            <a:avLst/>
+          </a:prstGeom>
+        </p:spPr>
+        <p:style>
+          <a:lnRef idx="2">
+            <a:schemeClr val="accent1">
+              <a:shade val="15000"/>
+            </a:schemeClr>
+          </a:lnRef>
+          <a:fillRef idx="1">
+            <a:schemeClr val="accent1"/>
+          </a:fillRef>
+          <a:effectRef idx="0">
+            <a:schemeClr val="accent1"/>
+          </a:effectRef>
+          <a:fontRef idx="minor">
+            <a:schemeClr val="lt1"/>
+          </a:fontRef>
+        </p:style>
+        <p:txBody>
+          <a:bodyPr rtlCol="0" anchor="ctr"/>
+          <a:lstStyle/>
+          <a:p>
+            <a:pPr algn="ctr"/>
+            <a:r>
+              <a:rPr lang="en-US" b="1" dirty="0" err="1"/>
+              <a:t>System.Type</a:t>
+            </a:r>
+            <a:endParaRPr lang="en-US" b="1" dirty="0"/>
+          </a:p>
+        </p:txBody>
+      </p:sp>
+      <p:sp>
+        <p:nvSpPr>
+          <p:cNvPr id="3" name="TextBox 2">
+            <a:extLst>
+              <a:ext uri="{FF2B5EF4-FFF2-40B4-BE49-F238E27FC236}">
+                <a16:creationId xmlns:a16="http://schemas.microsoft.com/office/drawing/2014/main" id="{08D8E066-0E17-E7F7-7E7A-2C9EB704A9AA}"/>
+              </a:ext>
+            </a:extLst>
+          </p:cNvPr>
+          <p:cNvSpPr txBox="1"/>
+          <p:nvPr/>
+        </p:nvSpPr>
+        <p:spPr>
+          <a:xfrm>
+            <a:off x="8350898" y="214604"/>
+            <a:ext cx="2771192" cy="923330"/>
+          </a:xfrm>
+          <a:prstGeom prst="rect">
+            <a:avLst/>
+          </a:prstGeom>
+          <a:noFill/>
+        </p:spPr>
+        <p:txBody>
+          <a:bodyPr wrap="square" rtlCol="0">
+            <a:spAutoFit/>
+          </a:bodyPr>
+          <a:lstStyle/>
+          <a:p>
+            <a:r>
+              <a:rPr lang="en-US" dirty="0"/>
+              <a:t>Type: Represent the Datatype of data and value of the Data</a:t>
+            </a:r>
+          </a:p>
+        </p:txBody>
+      </p:sp>
+      <p:cxnSp>
+        <p:nvCxnSpPr>
+          <p:cNvPr id="5" name="Connector: Elbow 4">
+            <a:extLst>
+              <a:ext uri="{FF2B5EF4-FFF2-40B4-BE49-F238E27FC236}">
+                <a16:creationId xmlns:a16="http://schemas.microsoft.com/office/drawing/2014/main" id="{FB9FD47F-3F4F-AFC2-CDA6-3DBCD10CCB2D}"/>
+              </a:ext>
+            </a:extLst>
+          </p:cNvPr>
+          <p:cNvCxnSpPr>
+            <a:stCxn id="3" idx="1"/>
+            <a:endCxn id="2" idx="3"/>
+          </p:cNvCxnSpPr>
+          <p:nvPr/>
+        </p:nvCxnSpPr>
+        <p:spPr>
+          <a:xfrm rot="10800000">
+            <a:off x="6727372" y="387221"/>
+            <a:ext cx="1623527" cy="289048"/>
+          </a:xfrm>
+          <a:prstGeom prst="bentConnector3">
+            <a:avLst/>
+          </a:prstGeom>
+          <a:ln>
+            <a:tailEnd type="triangle"/>
+          </a:ln>
+        </p:spPr>
+        <p:style>
+          <a:lnRef idx="1">
+            <a:schemeClr val="accent1"/>
+          </a:lnRef>
+          <a:fillRef idx="0">
+            <a:schemeClr val="accent1"/>
+          </a:fillRef>
+          <a:effectRef idx="0">
+            <a:schemeClr val="accent1"/>
+          </a:effectRef>
+          <a:fontRef idx="minor">
+            <a:schemeClr val="tx1"/>
+          </a:fontRef>
+        </p:style>
+      </p:cxnSp>
+      <p:sp>
+        <p:nvSpPr>
+          <p:cNvPr id="6" name="Oval 5">
+            <a:extLst>
+              <a:ext uri="{FF2B5EF4-FFF2-40B4-BE49-F238E27FC236}">
+                <a16:creationId xmlns:a16="http://schemas.microsoft.com/office/drawing/2014/main" id="{A3E1B9F9-0489-726F-9BCE-C83CD8F0144E}"/>
+              </a:ext>
+            </a:extLst>
+          </p:cNvPr>
+          <p:cNvSpPr/>
+          <p:nvPr/>
+        </p:nvSpPr>
+        <p:spPr>
+          <a:xfrm>
+            <a:off x="5047861" y="989045"/>
+            <a:ext cx="1278295" cy="643813"/>
+          </a:xfrm>
+          <a:prstGeom prst="ellipse">
+            <a:avLst/>
+          </a:prstGeom>
+        </p:spPr>
+        <p:style>
+          <a:lnRef idx="2">
+            <a:schemeClr val="accent1">
+              <a:shade val="15000"/>
+            </a:schemeClr>
+          </a:lnRef>
+          <a:fillRef idx="1">
+            <a:schemeClr val="accent1"/>
+          </a:fillRef>
+          <a:effectRef idx="0">
+            <a:schemeClr val="accent1"/>
+          </a:effectRef>
+          <a:fontRef idx="minor">
+            <a:schemeClr val="lt1"/>
+          </a:fontRef>
+        </p:style>
+        <p:txBody>
+          <a:bodyPr rtlCol="0" anchor="ctr"/>
+          <a:lstStyle/>
+          <a:p>
+            <a:pPr algn="ctr"/>
+            <a:r>
+              <a:rPr lang="en-US" dirty="0"/>
+              <a:t>Object</a:t>
+            </a:r>
+          </a:p>
+        </p:txBody>
+      </p:sp>
+      <p:cxnSp>
+        <p:nvCxnSpPr>
+          <p:cNvPr id="8" name="Connector: Elbow 7">
+            <a:extLst>
+              <a:ext uri="{FF2B5EF4-FFF2-40B4-BE49-F238E27FC236}">
+                <a16:creationId xmlns:a16="http://schemas.microsoft.com/office/drawing/2014/main" id="{DFEFE4E1-63B6-3597-4760-3D74B1B75F77}"/>
+              </a:ext>
+            </a:extLst>
+          </p:cNvPr>
+          <p:cNvCxnSpPr>
+            <a:stCxn id="2" idx="2"/>
+            <a:endCxn id="6" idx="0"/>
+          </p:cNvCxnSpPr>
+          <p:nvPr/>
+        </p:nvCxnSpPr>
+        <p:spPr>
+          <a:xfrm rot="5400000">
+            <a:off x="5554048" y="842089"/>
+            <a:ext cx="279918" cy="13995"/>
+          </a:xfrm>
+          <a:prstGeom prst="bentConnector3">
+            <a:avLst/>
+          </a:prstGeom>
+          <a:ln>
+            <a:tailEnd type="triangle"/>
+          </a:ln>
+        </p:spPr>
+        <p:style>
+          <a:lnRef idx="1">
+            <a:schemeClr val="accent1"/>
+          </a:lnRef>
+          <a:fillRef idx="0">
+            <a:schemeClr val="accent1"/>
+          </a:fillRef>
+          <a:effectRef idx="0">
+            <a:schemeClr val="accent1"/>
+          </a:effectRef>
+          <a:fontRef idx="minor">
+            <a:schemeClr val="tx1"/>
+          </a:fontRef>
+        </p:style>
+      </p:cxnSp>
+      <p:sp>
+        <p:nvSpPr>
+          <p:cNvPr id="9" name="Oval 8">
+            <a:extLst>
+              <a:ext uri="{FF2B5EF4-FFF2-40B4-BE49-F238E27FC236}">
+                <a16:creationId xmlns:a16="http://schemas.microsoft.com/office/drawing/2014/main" id="{4F9ACC2B-C211-37D1-C819-A7AB452D2211}"/>
+              </a:ext>
+            </a:extLst>
+          </p:cNvPr>
+          <p:cNvSpPr/>
+          <p:nvPr/>
+        </p:nvSpPr>
+        <p:spPr>
+          <a:xfrm>
+            <a:off x="597159" y="2062065"/>
+            <a:ext cx="1828800" cy="1035698"/>
+          </a:xfrm>
+          <a:prstGeom prst="ellipse">
+            <a:avLst/>
+          </a:prstGeom>
+        </p:spPr>
+        <p:style>
+          <a:lnRef idx="2">
+            <a:schemeClr val="accent1">
+              <a:shade val="15000"/>
+            </a:schemeClr>
+          </a:lnRef>
+          <a:fillRef idx="1">
+            <a:schemeClr val="accent1"/>
+          </a:fillRef>
+          <a:effectRef idx="0">
+            <a:schemeClr val="accent1"/>
+          </a:effectRef>
+          <a:fontRef idx="minor">
+            <a:schemeClr val="lt1"/>
+          </a:fontRef>
+        </p:style>
+        <p:txBody>
+          <a:bodyPr rtlCol="0" anchor="ctr"/>
+          <a:lstStyle/>
+          <a:p>
+            <a:pPr algn="ctr"/>
+            <a:r>
+              <a:rPr lang="en-US" dirty="0"/>
+              <a:t>Value Types</a:t>
+            </a:r>
+          </a:p>
+        </p:txBody>
+      </p:sp>
+      <p:sp>
+        <p:nvSpPr>
+          <p:cNvPr id="10" name="Oval 9">
+            <a:extLst>
+              <a:ext uri="{FF2B5EF4-FFF2-40B4-BE49-F238E27FC236}">
+                <a16:creationId xmlns:a16="http://schemas.microsoft.com/office/drawing/2014/main" id="{4DE284E2-2BCD-F5A6-D0E1-41D35409A0E9}"/>
+              </a:ext>
+            </a:extLst>
+          </p:cNvPr>
+          <p:cNvSpPr/>
+          <p:nvPr/>
+        </p:nvSpPr>
+        <p:spPr>
+          <a:xfrm>
+            <a:off x="9699171" y="2062065"/>
+            <a:ext cx="1828800" cy="1035698"/>
+          </a:xfrm>
+          <a:prstGeom prst="ellipse">
+            <a:avLst/>
+          </a:prstGeom>
+        </p:spPr>
+        <p:style>
+          <a:lnRef idx="2">
+            <a:schemeClr val="accent1">
+              <a:shade val="15000"/>
+            </a:schemeClr>
+          </a:lnRef>
+          <a:fillRef idx="1">
+            <a:schemeClr val="accent1"/>
+          </a:fillRef>
+          <a:effectRef idx="0">
+            <a:schemeClr val="accent1"/>
+          </a:effectRef>
+          <a:fontRef idx="minor">
+            <a:schemeClr val="lt1"/>
+          </a:fontRef>
+        </p:style>
+        <p:txBody>
+          <a:bodyPr rtlCol="0" anchor="ctr"/>
+          <a:lstStyle/>
+          <a:p>
+            <a:pPr algn="ctr"/>
+            <a:r>
+              <a:rPr lang="en-US" dirty="0"/>
+              <a:t>Reference Types</a:t>
+            </a:r>
+          </a:p>
+        </p:txBody>
+      </p:sp>
+      <p:cxnSp>
+        <p:nvCxnSpPr>
+          <p:cNvPr id="12" name="Connector: Elbow 11">
+            <a:extLst>
+              <a:ext uri="{FF2B5EF4-FFF2-40B4-BE49-F238E27FC236}">
+                <a16:creationId xmlns:a16="http://schemas.microsoft.com/office/drawing/2014/main" id="{B32841DB-246D-27E3-33BF-79E6690C33F1}"/>
+              </a:ext>
+            </a:extLst>
+          </p:cNvPr>
+          <p:cNvCxnSpPr>
+            <a:stCxn id="6" idx="2"/>
+            <a:endCxn id="9" idx="0"/>
+          </p:cNvCxnSpPr>
+          <p:nvPr/>
+        </p:nvCxnSpPr>
+        <p:spPr>
+          <a:xfrm rot="10800000" flipV="1">
+            <a:off x="1511559" y="1310951"/>
+            <a:ext cx="3536302" cy="751113"/>
+          </a:xfrm>
+          <a:prstGeom prst="bentConnector2">
+            <a:avLst/>
+          </a:prstGeom>
+          <a:ln>
+            <a:tailEnd type="triangle"/>
+          </a:ln>
+        </p:spPr>
+        <p:style>
+          <a:lnRef idx="1">
+            <a:schemeClr val="accent1"/>
+          </a:lnRef>
+          <a:fillRef idx="0">
+            <a:schemeClr val="accent1"/>
+          </a:fillRef>
+          <a:effectRef idx="0">
+            <a:schemeClr val="accent1"/>
+          </a:effectRef>
+          <a:fontRef idx="minor">
+            <a:schemeClr val="tx1"/>
+          </a:fontRef>
+        </p:style>
+      </p:cxnSp>
+      <p:cxnSp>
+        <p:nvCxnSpPr>
+          <p:cNvPr id="14" name="Connector: Elbow 13">
+            <a:extLst>
+              <a:ext uri="{FF2B5EF4-FFF2-40B4-BE49-F238E27FC236}">
+                <a16:creationId xmlns:a16="http://schemas.microsoft.com/office/drawing/2014/main" id="{046E35F1-60EE-6FEE-E54E-9ABB6FAD2C07}"/>
+              </a:ext>
+            </a:extLst>
+          </p:cNvPr>
+          <p:cNvCxnSpPr>
+            <a:stCxn id="6" idx="6"/>
+            <a:endCxn id="10" idx="0"/>
+          </p:cNvCxnSpPr>
+          <p:nvPr/>
+        </p:nvCxnSpPr>
+        <p:spPr>
+          <a:xfrm>
+            <a:off x="6326156" y="1310952"/>
+            <a:ext cx="4287415" cy="751113"/>
+          </a:xfrm>
+          <a:prstGeom prst="bentConnector2">
+            <a:avLst/>
+          </a:prstGeom>
+          <a:ln>
+            <a:tailEnd type="triangle"/>
+          </a:ln>
+        </p:spPr>
+        <p:style>
+          <a:lnRef idx="1">
+            <a:schemeClr val="accent1"/>
+          </a:lnRef>
+          <a:fillRef idx="0">
+            <a:schemeClr val="accent1"/>
+          </a:fillRef>
+          <a:effectRef idx="0">
+            <a:schemeClr val="accent1"/>
+          </a:effectRef>
+          <a:fontRef idx="minor">
+            <a:schemeClr val="tx1"/>
+          </a:fontRef>
+        </p:style>
+      </p:cxnSp>
+      <p:sp>
+        <p:nvSpPr>
+          <p:cNvPr id="15" name="TextBox 14">
+            <a:extLst>
+              <a:ext uri="{FF2B5EF4-FFF2-40B4-BE49-F238E27FC236}">
+                <a16:creationId xmlns:a16="http://schemas.microsoft.com/office/drawing/2014/main" id="{0D81D568-29BD-AC03-4071-430DAD514874}"/>
+              </a:ext>
+            </a:extLst>
+          </p:cNvPr>
+          <p:cNvSpPr txBox="1"/>
+          <p:nvPr/>
+        </p:nvSpPr>
+        <p:spPr>
+          <a:xfrm>
+            <a:off x="233265" y="3340359"/>
+            <a:ext cx="2621902" cy="369332"/>
+          </a:xfrm>
+          <a:prstGeom prst="rect">
+            <a:avLst/>
+          </a:prstGeom>
+          <a:noFill/>
+        </p:spPr>
+        <p:txBody>
+          <a:bodyPr wrap="square" rtlCol="0">
+            <a:spAutoFit/>
+          </a:bodyPr>
+          <a:lstStyle/>
+          <a:p>
+            <a:r>
+              <a:rPr lang="en-US" dirty="0"/>
+              <a:t>Numeric, Char, Boolean</a:t>
+            </a:r>
+          </a:p>
+        </p:txBody>
+      </p:sp>
+      <p:sp>
+        <p:nvSpPr>
+          <p:cNvPr id="16" name="TextBox 15">
+            <a:extLst>
+              <a:ext uri="{FF2B5EF4-FFF2-40B4-BE49-F238E27FC236}">
+                <a16:creationId xmlns:a16="http://schemas.microsoft.com/office/drawing/2014/main" id="{D3AE6700-596F-AC8F-EB3E-5B876DFA02EC}"/>
+              </a:ext>
+            </a:extLst>
+          </p:cNvPr>
+          <p:cNvSpPr txBox="1"/>
+          <p:nvPr/>
+        </p:nvSpPr>
+        <p:spPr>
+          <a:xfrm>
+            <a:off x="8593494" y="3429000"/>
+            <a:ext cx="3365241" cy="646331"/>
+          </a:xfrm>
+          <a:prstGeom prst="rect">
+            <a:avLst/>
+          </a:prstGeom>
+          <a:noFill/>
+        </p:spPr>
+        <p:txBody>
+          <a:bodyPr wrap="square" rtlCol="0">
+            <a:spAutoFit/>
+          </a:bodyPr>
+          <a:lstStyle/>
+          <a:p>
+            <a:r>
+              <a:rPr lang="en-US" dirty="0"/>
+              <a:t>String, Date, Collections, User Defined Classes, Interfaces</a:t>
+            </a:r>
+          </a:p>
+        </p:txBody>
+      </p:sp>
+      <p:cxnSp>
+        <p:nvCxnSpPr>
+          <p:cNvPr id="18" name="Connector: Elbow 17">
+            <a:extLst>
+              <a:ext uri="{FF2B5EF4-FFF2-40B4-BE49-F238E27FC236}">
+                <a16:creationId xmlns:a16="http://schemas.microsoft.com/office/drawing/2014/main" id="{EAF01115-988C-6706-7A28-BDDF13AD3CF2}"/>
+              </a:ext>
+            </a:extLst>
+          </p:cNvPr>
+          <p:cNvCxnSpPr>
+            <a:stCxn id="9" idx="6"/>
+            <a:endCxn id="6" idx="4"/>
+          </p:cNvCxnSpPr>
+          <p:nvPr/>
+        </p:nvCxnSpPr>
+        <p:spPr>
+          <a:xfrm flipV="1">
+            <a:off x="2425959" y="1632858"/>
+            <a:ext cx="3261050" cy="947056"/>
+          </a:xfrm>
+          <a:prstGeom prst="bentConnector2">
+            <a:avLst/>
+          </a:prstGeom>
+          <a:ln>
+            <a:tailEnd type="triangle"/>
+          </a:ln>
+        </p:spPr>
+        <p:style>
+          <a:lnRef idx="1">
+            <a:schemeClr val="accent1"/>
+          </a:lnRef>
+          <a:fillRef idx="0">
+            <a:schemeClr val="accent1"/>
+          </a:fillRef>
+          <a:effectRef idx="0">
+            <a:schemeClr val="accent1"/>
+          </a:effectRef>
+          <a:fontRef idx="minor">
+            <a:schemeClr val="tx1"/>
+          </a:fontRef>
+        </p:style>
+      </p:cxnSp>
+      <p:cxnSp>
+        <p:nvCxnSpPr>
+          <p:cNvPr id="20" name="Connector: Elbow 19">
+            <a:extLst>
+              <a:ext uri="{FF2B5EF4-FFF2-40B4-BE49-F238E27FC236}">
+                <a16:creationId xmlns:a16="http://schemas.microsoft.com/office/drawing/2014/main" id="{65989EE9-91BC-C81A-CA10-F40036677DA7}"/>
+              </a:ext>
+            </a:extLst>
+          </p:cNvPr>
+          <p:cNvCxnSpPr>
+            <a:stCxn id="10" idx="2"/>
+            <a:endCxn id="6" idx="4"/>
+          </p:cNvCxnSpPr>
+          <p:nvPr/>
+        </p:nvCxnSpPr>
+        <p:spPr>
+          <a:xfrm rot="10800000">
+            <a:off x="5687009" y="1632858"/>
+            <a:ext cx="4012162" cy="947056"/>
+          </a:xfrm>
+          <a:prstGeom prst="bentConnector2">
+            <a:avLst/>
+          </a:prstGeom>
+          <a:ln>
+            <a:tailEnd type="triangle"/>
+          </a:ln>
+        </p:spPr>
+        <p:style>
+          <a:lnRef idx="1">
+            <a:schemeClr val="accent1"/>
+          </a:lnRef>
+          <a:fillRef idx="0">
+            <a:schemeClr val="accent1"/>
+          </a:fillRef>
+          <a:effectRef idx="0">
+            <a:schemeClr val="accent1"/>
+          </a:effectRef>
+          <a:fontRef idx="minor">
+            <a:schemeClr val="tx1"/>
+          </a:fontRef>
+        </p:style>
+      </p:cxnSp>
+      <p:sp>
+        <p:nvSpPr>
+          <p:cNvPr id="21" name="TextBox 20">
+            <a:extLst>
+              <a:ext uri="{FF2B5EF4-FFF2-40B4-BE49-F238E27FC236}">
+                <a16:creationId xmlns:a16="http://schemas.microsoft.com/office/drawing/2014/main" id="{D19CA047-0432-D7B5-F46C-0003BF52398F}"/>
+              </a:ext>
+            </a:extLst>
+          </p:cNvPr>
+          <p:cNvSpPr txBox="1"/>
+          <p:nvPr/>
+        </p:nvSpPr>
+        <p:spPr>
+          <a:xfrm>
+            <a:off x="3545633" y="3023118"/>
+            <a:ext cx="4618653" cy="646331"/>
+          </a:xfrm>
+          <a:prstGeom prst="rect">
+            <a:avLst/>
+          </a:prstGeom>
+          <a:noFill/>
+        </p:spPr>
+        <p:txBody>
+          <a:bodyPr wrap="square" rtlCol="0">
+            <a:spAutoFit/>
+          </a:bodyPr>
+          <a:lstStyle/>
+          <a:p>
+            <a:r>
+              <a:rPr lang="en-US" dirty="0"/>
+              <a:t>Value types and Reference types can be represented as object</a:t>
+            </a:r>
+          </a:p>
+        </p:txBody>
+      </p:sp>
+      <p:sp>
+        <p:nvSpPr>
+          <p:cNvPr id="22" name="TextBox 21">
+            <a:extLst>
+              <a:ext uri="{FF2B5EF4-FFF2-40B4-BE49-F238E27FC236}">
+                <a16:creationId xmlns:a16="http://schemas.microsoft.com/office/drawing/2014/main" id="{CB3C4EAC-EE60-D086-DD2F-3B39DACF1D5B}"/>
+              </a:ext>
+            </a:extLst>
+          </p:cNvPr>
+          <p:cNvSpPr txBox="1"/>
+          <p:nvPr/>
+        </p:nvSpPr>
+        <p:spPr>
+          <a:xfrm>
+            <a:off x="242594" y="4348065"/>
+            <a:ext cx="1492900" cy="923330"/>
+          </a:xfrm>
+          <a:prstGeom prst="rect">
+            <a:avLst/>
+          </a:prstGeom>
+          <a:noFill/>
+        </p:spPr>
+        <p:txBody>
+          <a:bodyPr wrap="square" rtlCol="0">
+            <a:spAutoFit/>
+          </a:bodyPr>
+          <a:lstStyle/>
+          <a:p>
+            <a:r>
+              <a:rPr lang="en-US" dirty="0"/>
+              <a:t>int x = 10; </a:t>
+            </a:r>
+          </a:p>
+          <a:p>
+            <a:endParaRPr lang="en-US" dirty="0"/>
+          </a:p>
+          <a:p>
+            <a:r>
+              <a:rPr lang="en-US" dirty="0"/>
+              <a:t>object o = x;</a:t>
+            </a:r>
+          </a:p>
+        </p:txBody>
+      </p:sp>
+      <p:sp>
+        <p:nvSpPr>
+          <p:cNvPr id="23" name="TextBox 22">
+            <a:extLst>
+              <a:ext uri="{FF2B5EF4-FFF2-40B4-BE49-F238E27FC236}">
+                <a16:creationId xmlns:a16="http://schemas.microsoft.com/office/drawing/2014/main" id="{7143E72B-EE27-B587-D043-DC0375421144}"/>
+              </a:ext>
+            </a:extLst>
+          </p:cNvPr>
+          <p:cNvSpPr txBox="1"/>
+          <p:nvPr/>
+        </p:nvSpPr>
+        <p:spPr>
+          <a:xfrm>
+            <a:off x="2855167" y="4264090"/>
+            <a:ext cx="1259633" cy="369332"/>
+          </a:xfrm>
+          <a:prstGeom prst="rect">
+            <a:avLst/>
+          </a:prstGeom>
+          <a:noFill/>
+        </p:spPr>
+        <p:txBody>
+          <a:bodyPr wrap="square" rtlCol="0">
+            <a:spAutoFit/>
+          </a:bodyPr>
+          <a:lstStyle/>
+          <a:p>
+            <a:pPr algn="ctr"/>
+            <a:r>
+              <a:rPr lang="en-US" b="1" dirty="0"/>
+              <a:t>Stack</a:t>
+            </a:r>
+          </a:p>
+        </p:txBody>
+      </p:sp>
+      <p:sp>
+        <p:nvSpPr>
+          <p:cNvPr id="24" name="Rectangle: Rounded Corners 23">
+            <a:extLst>
+              <a:ext uri="{FF2B5EF4-FFF2-40B4-BE49-F238E27FC236}">
+                <a16:creationId xmlns:a16="http://schemas.microsoft.com/office/drawing/2014/main" id="{E924EB8F-F06D-E07E-BB2A-09117EE26EB8}"/>
+              </a:ext>
+            </a:extLst>
+          </p:cNvPr>
+          <p:cNvSpPr/>
+          <p:nvPr/>
+        </p:nvSpPr>
+        <p:spPr>
+          <a:xfrm>
+            <a:off x="3088433" y="4633422"/>
+            <a:ext cx="1026367" cy="554399"/>
+          </a:xfrm>
+          <a:prstGeom prst="roundRect">
+            <a:avLst/>
+          </a:prstGeom>
+        </p:spPr>
+        <p:style>
+          <a:lnRef idx="2">
+            <a:schemeClr val="accent1">
+              <a:shade val="15000"/>
+            </a:schemeClr>
+          </a:lnRef>
+          <a:fillRef idx="1">
+            <a:schemeClr val="accent1"/>
+          </a:fillRef>
+          <a:effectRef idx="0">
+            <a:schemeClr val="accent1"/>
+          </a:effectRef>
+          <a:fontRef idx="minor">
+            <a:schemeClr val="lt1"/>
+          </a:fontRef>
+        </p:style>
+        <p:txBody>
+          <a:bodyPr rtlCol="0" anchor="ctr"/>
+          <a:lstStyle/>
+          <a:p>
+            <a:pPr algn="ctr"/>
+            <a:r>
+              <a:rPr lang="en-US" b="1" dirty="0"/>
+              <a:t>10</a:t>
+            </a:r>
+          </a:p>
+        </p:txBody>
+      </p:sp>
+      <p:sp>
+        <p:nvSpPr>
+          <p:cNvPr id="25" name="TextBox 24">
+            <a:extLst>
+              <a:ext uri="{FF2B5EF4-FFF2-40B4-BE49-F238E27FC236}">
+                <a16:creationId xmlns:a16="http://schemas.microsoft.com/office/drawing/2014/main" id="{06469B96-9D56-2B4B-4222-B1894E0F9FF8}"/>
+              </a:ext>
+            </a:extLst>
+          </p:cNvPr>
+          <p:cNvSpPr txBox="1"/>
+          <p:nvPr/>
+        </p:nvSpPr>
+        <p:spPr>
+          <a:xfrm>
+            <a:off x="3228392" y="5346441"/>
+            <a:ext cx="681135" cy="369332"/>
+          </a:xfrm>
+          <a:prstGeom prst="rect">
+            <a:avLst/>
+          </a:prstGeom>
+          <a:noFill/>
+        </p:spPr>
+        <p:txBody>
+          <a:bodyPr wrap="square" rtlCol="0">
+            <a:spAutoFit/>
+          </a:bodyPr>
+          <a:lstStyle/>
+          <a:p>
+            <a:pPr algn="ctr"/>
+            <a:r>
+              <a:rPr lang="en-US" b="1" dirty="0"/>
+              <a:t>x</a:t>
+            </a:r>
+          </a:p>
+        </p:txBody>
+      </p:sp>
+      <p:cxnSp>
+        <p:nvCxnSpPr>
+          <p:cNvPr id="27" name="Connector: Elbow 26">
+            <a:extLst>
+              <a:ext uri="{FF2B5EF4-FFF2-40B4-BE49-F238E27FC236}">
+                <a16:creationId xmlns:a16="http://schemas.microsoft.com/office/drawing/2014/main" id="{CC6ED3FE-6AC6-13F3-852A-D8E6F619B335}"/>
+              </a:ext>
+            </a:extLst>
+          </p:cNvPr>
+          <p:cNvCxnSpPr>
+            <a:endCxn id="24" idx="1"/>
+          </p:cNvCxnSpPr>
+          <p:nvPr/>
+        </p:nvCxnSpPr>
+        <p:spPr>
+          <a:xfrm>
+            <a:off x="1511559" y="4516016"/>
+            <a:ext cx="1576874" cy="394606"/>
+          </a:xfrm>
+          <a:prstGeom prst="bentConnector3">
+            <a:avLst/>
+          </a:prstGeom>
+          <a:ln>
+            <a:tailEnd type="triangle"/>
+          </a:ln>
+        </p:spPr>
+        <p:style>
+          <a:lnRef idx="1">
+            <a:schemeClr val="accent1"/>
+          </a:lnRef>
+          <a:fillRef idx="0">
+            <a:schemeClr val="accent1"/>
+          </a:fillRef>
+          <a:effectRef idx="0">
+            <a:schemeClr val="accent1"/>
+          </a:effectRef>
+          <a:fontRef idx="minor">
+            <a:schemeClr val="tx1"/>
+          </a:fontRef>
+        </p:style>
+      </p:cxnSp>
+      <p:sp>
+        <p:nvSpPr>
+          <p:cNvPr id="28" name="TextBox 27">
+            <a:extLst>
+              <a:ext uri="{FF2B5EF4-FFF2-40B4-BE49-F238E27FC236}">
+                <a16:creationId xmlns:a16="http://schemas.microsoft.com/office/drawing/2014/main" id="{62D25AB1-E50B-342B-4EBF-8749ADF72EDC}"/>
+              </a:ext>
+            </a:extLst>
+          </p:cNvPr>
+          <p:cNvSpPr txBox="1"/>
+          <p:nvPr/>
+        </p:nvSpPr>
+        <p:spPr>
+          <a:xfrm>
+            <a:off x="3088433" y="5715773"/>
+            <a:ext cx="1026367" cy="369332"/>
+          </a:xfrm>
+          <a:prstGeom prst="rect">
+            <a:avLst/>
+          </a:prstGeom>
+          <a:noFill/>
+        </p:spPr>
+        <p:txBody>
+          <a:bodyPr wrap="square" rtlCol="0">
+            <a:spAutoFit/>
+          </a:bodyPr>
+          <a:lstStyle/>
+          <a:p>
+            <a:pPr algn="ctr"/>
+            <a:r>
+              <a:rPr lang="en-US" b="1" dirty="0"/>
+              <a:t>Stack</a:t>
+            </a:r>
+          </a:p>
+        </p:txBody>
+      </p:sp>
+      <p:sp>
+        <p:nvSpPr>
+          <p:cNvPr id="29" name="Rectangle: Rounded Corners 28">
+            <a:extLst>
+              <a:ext uri="{FF2B5EF4-FFF2-40B4-BE49-F238E27FC236}">
+                <a16:creationId xmlns:a16="http://schemas.microsoft.com/office/drawing/2014/main" id="{9A55B991-3C4C-89DF-C8CB-7BD48CE09196}"/>
+              </a:ext>
+            </a:extLst>
+          </p:cNvPr>
+          <p:cNvSpPr/>
+          <p:nvPr/>
+        </p:nvSpPr>
+        <p:spPr>
+          <a:xfrm>
+            <a:off x="3088433" y="6094826"/>
+            <a:ext cx="1026367" cy="554399"/>
+          </a:xfrm>
+          <a:prstGeom prst="roundRect">
+            <a:avLst/>
+          </a:prstGeom>
+        </p:spPr>
+        <p:style>
+          <a:lnRef idx="2">
+            <a:schemeClr val="accent1">
+              <a:shade val="15000"/>
+            </a:schemeClr>
+          </a:lnRef>
+          <a:fillRef idx="1">
+            <a:schemeClr val="accent1"/>
+          </a:fillRef>
+          <a:effectRef idx="0">
+            <a:schemeClr val="accent1"/>
+          </a:effectRef>
+          <a:fontRef idx="minor">
+            <a:schemeClr val="lt1"/>
+          </a:fontRef>
+        </p:style>
+        <p:txBody>
+          <a:bodyPr rtlCol="0" anchor="ctr"/>
+          <a:lstStyle/>
+          <a:p>
+            <a:pPr algn="ctr"/>
+            <a:r>
+              <a:rPr lang="en-US" b="1" dirty="0"/>
+              <a:t>o</a:t>
+            </a:r>
+          </a:p>
+        </p:txBody>
+      </p:sp>
+      <p:sp>
+        <p:nvSpPr>
+          <p:cNvPr id="30" name="TextBox 29">
+            <a:extLst>
+              <a:ext uri="{FF2B5EF4-FFF2-40B4-BE49-F238E27FC236}">
+                <a16:creationId xmlns:a16="http://schemas.microsoft.com/office/drawing/2014/main" id="{D4BB2BEB-D6EF-956C-61B2-ECF123DB77B7}"/>
+              </a:ext>
+            </a:extLst>
+          </p:cNvPr>
+          <p:cNvSpPr txBox="1"/>
+          <p:nvPr/>
+        </p:nvSpPr>
+        <p:spPr>
+          <a:xfrm>
+            <a:off x="8164286" y="5372487"/>
+            <a:ext cx="2239347" cy="369332"/>
+          </a:xfrm>
+          <a:prstGeom prst="rect">
+            <a:avLst/>
+          </a:prstGeom>
+          <a:noFill/>
+        </p:spPr>
+        <p:txBody>
+          <a:bodyPr wrap="square" rtlCol="0">
+            <a:spAutoFit/>
+          </a:bodyPr>
+          <a:lstStyle/>
+          <a:p>
+            <a:pPr algn="ctr"/>
+            <a:r>
+              <a:rPr lang="en-US" b="1" dirty="0"/>
+              <a:t>Heap</a:t>
+            </a:r>
+          </a:p>
+        </p:txBody>
+      </p:sp>
+      <p:sp>
+        <p:nvSpPr>
+          <p:cNvPr id="31" name="Rectangle: Rounded Corners 30">
+            <a:extLst>
+              <a:ext uri="{FF2B5EF4-FFF2-40B4-BE49-F238E27FC236}">
+                <a16:creationId xmlns:a16="http://schemas.microsoft.com/office/drawing/2014/main" id="{9924D160-6A81-DE45-FDC8-6B2CDDE269AA}"/>
+              </a:ext>
+            </a:extLst>
+          </p:cNvPr>
+          <p:cNvSpPr/>
+          <p:nvPr/>
+        </p:nvSpPr>
+        <p:spPr>
+          <a:xfrm>
+            <a:off x="8164285" y="5817626"/>
+            <a:ext cx="2239348" cy="909745"/>
+          </a:xfrm>
+          <a:prstGeom prst="roundRect">
+            <a:avLst/>
+          </a:prstGeom>
+          <a:solidFill>
+            <a:srgbClr val="FFFF00"/>
+          </a:solidFill>
+        </p:spPr>
+        <p:style>
+          <a:lnRef idx="2">
+            <a:schemeClr val="accent1">
+              <a:shade val="15000"/>
+            </a:schemeClr>
+          </a:lnRef>
+          <a:fillRef idx="1">
+            <a:schemeClr val="accent1"/>
+          </a:fillRef>
+          <a:effectRef idx="0">
+            <a:schemeClr val="accent1"/>
+          </a:effectRef>
+          <a:fontRef idx="minor">
+            <a:schemeClr val="lt1"/>
+          </a:fontRef>
+        </p:style>
+        <p:txBody>
+          <a:bodyPr rtlCol="0" anchor="ctr"/>
+          <a:lstStyle/>
+          <a:p>
+            <a:pPr algn="ctr"/>
+            <a:endParaRPr lang="en-US" b="1" dirty="0"/>
+          </a:p>
+        </p:txBody>
+      </p:sp>
+      <p:sp>
+        <p:nvSpPr>
+          <p:cNvPr id="32" name="Rectangle 31">
+            <a:extLst>
+              <a:ext uri="{FF2B5EF4-FFF2-40B4-BE49-F238E27FC236}">
+                <a16:creationId xmlns:a16="http://schemas.microsoft.com/office/drawing/2014/main" id="{3EA37EE5-4EE7-2A28-7BEA-B1C1EA59564F}"/>
+              </a:ext>
+            </a:extLst>
+          </p:cNvPr>
+          <p:cNvSpPr/>
+          <p:nvPr/>
+        </p:nvSpPr>
+        <p:spPr>
+          <a:xfrm>
+            <a:off x="8164285" y="6190568"/>
+            <a:ext cx="2239348" cy="163859"/>
+          </a:xfrm>
+          <a:prstGeom prst="rect">
+            <a:avLst/>
+          </a:prstGeom>
+        </p:spPr>
+        <p:style>
+          <a:lnRef idx="2">
+            <a:schemeClr val="accent1">
+              <a:shade val="15000"/>
+            </a:schemeClr>
+          </a:lnRef>
+          <a:fillRef idx="1">
+            <a:schemeClr val="accent1"/>
+          </a:fillRef>
+          <a:effectRef idx="0">
+            <a:schemeClr val="accent1"/>
+          </a:effectRef>
+          <a:fontRef idx="minor">
+            <a:schemeClr val="lt1"/>
+          </a:fontRef>
+        </p:style>
+        <p:txBody>
+          <a:bodyPr rtlCol="0" anchor="ctr"/>
+          <a:lstStyle/>
+          <a:p>
+            <a:pPr algn="ctr"/>
+            <a:endParaRPr lang="en-US"/>
+          </a:p>
+        </p:txBody>
+      </p:sp>
+      <p:sp>
+        <p:nvSpPr>
+          <p:cNvPr id="33" name="TextBox 32">
+            <a:extLst>
+              <a:ext uri="{FF2B5EF4-FFF2-40B4-BE49-F238E27FC236}">
+                <a16:creationId xmlns:a16="http://schemas.microsoft.com/office/drawing/2014/main" id="{ADA3FD4B-546B-FA31-8C11-7E89E60303AF}"/>
+              </a:ext>
+            </a:extLst>
+          </p:cNvPr>
+          <p:cNvSpPr txBox="1"/>
+          <p:nvPr/>
+        </p:nvSpPr>
+        <p:spPr>
+          <a:xfrm>
+            <a:off x="8164285" y="5840961"/>
+            <a:ext cx="2239348" cy="338554"/>
+          </a:xfrm>
+          <a:prstGeom prst="rect">
+            <a:avLst/>
+          </a:prstGeom>
+          <a:noFill/>
+        </p:spPr>
+        <p:txBody>
+          <a:bodyPr wrap="square" rtlCol="0">
+            <a:spAutoFit/>
+          </a:bodyPr>
+          <a:lstStyle/>
+          <a:p>
+            <a:pPr algn="ctr"/>
+            <a:r>
+              <a:rPr lang="en-US" sz="1600" b="1" dirty="0"/>
+              <a:t>System.Int32</a:t>
+            </a:r>
+          </a:p>
+        </p:txBody>
+      </p:sp>
+      <p:sp>
+        <p:nvSpPr>
+          <p:cNvPr id="34" name="TextBox 33">
+            <a:extLst>
+              <a:ext uri="{FF2B5EF4-FFF2-40B4-BE49-F238E27FC236}">
+                <a16:creationId xmlns:a16="http://schemas.microsoft.com/office/drawing/2014/main" id="{1768B0EC-960F-56DA-4B79-F3DD6BD92B90}"/>
+              </a:ext>
+            </a:extLst>
+          </p:cNvPr>
+          <p:cNvSpPr txBox="1"/>
+          <p:nvPr/>
+        </p:nvSpPr>
+        <p:spPr>
+          <a:xfrm>
+            <a:off x="8350898" y="6372025"/>
+            <a:ext cx="1744824" cy="369332"/>
+          </a:xfrm>
+          <a:prstGeom prst="rect">
+            <a:avLst/>
+          </a:prstGeom>
+          <a:noFill/>
+        </p:spPr>
+        <p:txBody>
+          <a:bodyPr wrap="square" rtlCol="0">
+            <a:spAutoFit/>
+          </a:bodyPr>
+          <a:lstStyle/>
+          <a:p>
+            <a:pPr algn="ctr"/>
+            <a:r>
+              <a:rPr lang="en-US" b="1" dirty="0"/>
+              <a:t>10</a:t>
+            </a:r>
+          </a:p>
+        </p:txBody>
+      </p:sp>
+      <p:cxnSp>
+        <p:nvCxnSpPr>
+          <p:cNvPr id="36" name="Connector: Elbow 35">
+            <a:extLst>
+              <a:ext uri="{FF2B5EF4-FFF2-40B4-BE49-F238E27FC236}">
+                <a16:creationId xmlns:a16="http://schemas.microsoft.com/office/drawing/2014/main" id="{43FD411D-5D89-1032-131B-FB4436A9455B}"/>
+              </a:ext>
+            </a:extLst>
+          </p:cNvPr>
+          <p:cNvCxnSpPr>
+            <a:stCxn id="29" idx="3"/>
+            <a:endCxn id="32" idx="1"/>
+          </p:cNvCxnSpPr>
+          <p:nvPr/>
+        </p:nvCxnSpPr>
+        <p:spPr>
+          <a:xfrm flipV="1">
+            <a:off x="4114800" y="6272498"/>
+            <a:ext cx="4049485" cy="99528"/>
+          </a:xfrm>
+          <a:prstGeom prst="bentConnector3">
+            <a:avLst/>
+          </a:prstGeom>
+          <a:ln>
+            <a:tailEnd type="triangle"/>
+          </a:ln>
+        </p:spPr>
+        <p:style>
+          <a:lnRef idx="1">
+            <a:schemeClr val="accent1"/>
+          </a:lnRef>
+          <a:fillRef idx="0">
+            <a:schemeClr val="accent1"/>
+          </a:fillRef>
+          <a:effectRef idx="0">
+            <a:schemeClr val="accent1"/>
+          </a:effectRef>
+          <a:fontRef idx="minor">
+            <a:schemeClr val="tx1"/>
+          </a:fontRef>
+        </p:style>
+      </p:cxnSp>
+      <p:cxnSp>
+        <p:nvCxnSpPr>
+          <p:cNvPr id="38" name="Connector: Elbow 37">
+            <a:extLst>
+              <a:ext uri="{FF2B5EF4-FFF2-40B4-BE49-F238E27FC236}">
+                <a16:creationId xmlns:a16="http://schemas.microsoft.com/office/drawing/2014/main" id="{12777C2F-1131-95A9-8B50-03C8C4FDC6C2}"/>
+              </a:ext>
+            </a:extLst>
+          </p:cNvPr>
+          <p:cNvCxnSpPr>
+            <a:endCxn id="29" idx="1"/>
+          </p:cNvCxnSpPr>
+          <p:nvPr/>
+        </p:nvCxnSpPr>
+        <p:spPr>
+          <a:xfrm>
+            <a:off x="1511559" y="5103845"/>
+            <a:ext cx="1576874" cy="1268181"/>
+          </a:xfrm>
+          <a:prstGeom prst="bentConnector3">
+            <a:avLst/>
+          </a:prstGeom>
+          <a:ln>
+            <a:tailEnd type="triangle"/>
+          </a:ln>
+        </p:spPr>
+        <p:style>
+          <a:lnRef idx="1">
+            <a:schemeClr val="accent1"/>
+          </a:lnRef>
+          <a:fillRef idx="0">
+            <a:schemeClr val="accent1"/>
+          </a:fillRef>
+          <a:effectRef idx="0">
+            <a:schemeClr val="accent1"/>
+          </a:effectRef>
+          <a:fontRef idx="minor">
+            <a:schemeClr val="tx1"/>
+          </a:fontRef>
+        </p:style>
+      </p:cxnSp>
+      <p:sp>
+        <p:nvSpPr>
+          <p:cNvPr id="39" name="TextBox 38">
+            <a:extLst>
+              <a:ext uri="{FF2B5EF4-FFF2-40B4-BE49-F238E27FC236}">
+                <a16:creationId xmlns:a16="http://schemas.microsoft.com/office/drawing/2014/main" id="{53A3DE0A-ECAF-948B-0970-1A5D33852891}"/>
+              </a:ext>
+            </a:extLst>
+          </p:cNvPr>
+          <p:cNvSpPr txBox="1"/>
+          <p:nvPr/>
+        </p:nvSpPr>
+        <p:spPr>
+          <a:xfrm>
+            <a:off x="4357397" y="5856675"/>
+            <a:ext cx="3284373" cy="369332"/>
+          </a:xfrm>
+          <a:prstGeom prst="rect">
+            <a:avLst/>
+          </a:prstGeom>
+          <a:noFill/>
+        </p:spPr>
+        <p:txBody>
+          <a:bodyPr wrap="square" rtlCol="0">
+            <a:spAutoFit/>
+          </a:bodyPr>
+          <a:lstStyle/>
+          <a:p>
+            <a:pPr algn="ctr"/>
+            <a:r>
+              <a:rPr lang="en-US" b="1" dirty="0"/>
+              <a:t>BOXING</a:t>
+            </a:r>
+          </a:p>
+        </p:txBody>
+      </p:sp>
+    </p:spTree>
+    <p:extLst>
+      <p:ext uri="{BB962C8B-B14F-4D97-AF65-F5344CB8AC3E}">
+        <p14:creationId xmlns:p14="http://schemas.microsoft.com/office/powerpoint/2010/main" val="2128549895"/>
+      </p:ext>
+    </p:extLst>
+  </p:cSld>
+  <p:clrMapOvr>
+    <a:masterClrMapping/>
+  </p:clrMapOvr>
+</p:sld>
+</file>
+
+<file path=ppt/slides/slide12.xml><?xml version="1.0" encoding="utf-8"?>
+<p:sld xmlns:a="http://schemas.openxmlformats.org/drawingml/2006/main" xmlns:r="http://schemas.openxmlformats.org/officeDocument/2006/relationships" xmlns:p="http://schemas.openxmlformats.org/presentationml/2006/main">
+  <p:cSld>
+    <p:spTree>
+      <p:nvGrpSpPr>
+        <p:cNvPr id="1" name=""/>
+        <p:cNvGrpSpPr/>
+        <p:nvPr/>
+      </p:nvGrpSpPr>
+      <p:grpSpPr>
+        <a:xfrm>
+          <a:off x="0" y="0"/>
+          <a:ext cx="0" cy="0"/>
+          <a:chOff x="0" y="0"/>
+          <a:chExt cx="0" cy="0"/>
+        </a:xfrm>
+      </p:grpSpPr>
+      <p:sp>
+        <p:nvSpPr>
+          <p:cNvPr id="2" name="Rectangle 1">
+            <a:extLst>
+              <a:ext uri="{FF2B5EF4-FFF2-40B4-BE49-F238E27FC236}">
+                <a16:creationId xmlns:a16="http://schemas.microsoft.com/office/drawing/2014/main" id="{A368E31C-14AB-7202-9CAA-8133F7DFFF7E}"/>
+              </a:ext>
+            </a:extLst>
+          </p:cNvPr>
+          <p:cNvSpPr/>
+          <p:nvPr/>
+        </p:nvSpPr>
+        <p:spPr>
+          <a:xfrm>
+            <a:off x="867746" y="1017037"/>
+            <a:ext cx="2836507" cy="1362269"/>
+          </a:xfrm>
+          <a:prstGeom prst="rect">
+            <a:avLst/>
+          </a:prstGeom>
+        </p:spPr>
+        <p:style>
+          <a:lnRef idx="2">
+            <a:schemeClr val="accent1">
+              <a:shade val="15000"/>
+            </a:schemeClr>
+          </a:lnRef>
+          <a:fillRef idx="1">
+            <a:schemeClr val="accent1"/>
+          </a:fillRef>
+          <a:effectRef idx="0">
+            <a:schemeClr val="accent1"/>
+          </a:effectRef>
+          <a:fontRef idx="minor">
+            <a:schemeClr val="lt1"/>
+          </a:fontRef>
+        </p:style>
+        <p:txBody>
+          <a:bodyPr rtlCol="0" anchor="ctr"/>
+          <a:lstStyle/>
+          <a:p>
+            <a:pPr algn="ctr"/>
+            <a:r>
+              <a:rPr lang="en-US" dirty="0"/>
+              <a:t>App 1 in Process 1</a:t>
+            </a:r>
+          </a:p>
+        </p:txBody>
+      </p:sp>
+      <p:sp>
+        <p:nvSpPr>
+          <p:cNvPr id="3" name="Rectangle 2">
+            <a:extLst>
+              <a:ext uri="{FF2B5EF4-FFF2-40B4-BE49-F238E27FC236}">
+                <a16:creationId xmlns:a16="http://schemas.microsoft.com/office/drawing/2014/main" id="{7F861ED2-2339-C336-5717-62FB6D1E37CC}"/>
+              </a:ext>
+            </a:extLst>
+          </p:cNvPr>
+          <p:cNvSpPr/>
+          <p:nvPr/>
+        </p:nvSpPr>
+        <p:spPr>
+          <a:xfrm>
+            <a:off x="6767804" y="1129004"/>
+            <a:ext cx="2836507" cy="1362269"/>
+          </a:xfrm>
+          <a:prstGeom prst="rect">
+            <a:avLst/>
+          </a:prstGeom>
+        </p:spPr>
+        <p:style>
+          <a:lnRef idx="2">
+            <a:schemeClr val="accent1">
+              <a:shade val="15000"/>
+            </a:schemeClr>
+          </a:lnRef>
+          <a:fillRef idx="1">
+            <a:schemeClr val="accent1"/>
+          </a:fillRef>
+          <a:effectRef idx="0">
+            <a:schemeClr val="accent1"/>
+          </a:effectRef>
+          <a:fontRef idx="minor">
+            <a:schemeClr val="lt1"/>
+          </a:fontRef>
+        </p:style>
+        <p:txBody>
+          <a:bodyPr rtlCol="0" anchor="ctr"/>
+          <a:lstStyle/>
+          <a:p>
+            <a:pPr algn="ctr"/>
+            <a:r>
+              <a:rPr lang="en-US" dirty="0"/>
+              <a:t>App 2 in Process 2</a:t>
+            </a:r>
+          </a:p>
+        </p:txBody>
+      </p:sp>
+      <p:cxnSp>
+        <p:nvCxnSpPr>
+          <p:cNvPr id="5" name="Connector: Elbow 4">
+            <a:extLst>
+              <a:ext uri="{FF2B5EF4-FFF2-40B4-BE49-F238E27FC236}">
+                <a16:creationId xmlns:a16="http://schemas.microsoft.com/office/drawing/2014/main" id="{03570AEB-9750-5D89-45AC-D718E9A05C37}"/>
+              </a:ext>
+            </a:extLst>
+          </p:cNvPr>
+          <p:cNvCxnSpPr>
+            <a:stCxn id="2" idx="2"/>
+            <a:endCxn id="3" idx="2"/>
+          </p:cNvCxnSpPr>
+          <p:nvPr/>
+        </p:nvCxnSpPr>
+        <p:spPr>
+          <a:xfrm rot="16200000" flipH="1">
+            <a:off x="5180046" y="-514740"/>
+            <a:ext cx="111967" cy="5900058"/>
+          </a:xfrm>
+          <a:prstGeom prst="bentConnector3">
+            <a:avLst>
+              <a:gd name="adj1" fmla="val 304167"/>
+            </a:avLst>
+          </a:prstGeom>
+          <a:ln>
+            <a:headEnd type="triangle"/>
+            <a:tailEnd type="triangle"/>
+          </a:ln>
+        </p:spPr>
+        <p:style>
+          <a:lnRef idx="1">
+            <a:schemeClr val="accent1"/>
+          </a:lnRef>
+          <a:fillRef idx="0">
+            <a:schemeClr val="accent1"/>
+          </a:fillRef>
+          <a:effectRef idx="0">
+            <a:schemeClr val="accent1"/>
+          </a:effectRef>
+          <a:fontRef idx="minor">
+            <a:schemeClr val="tx1"/>
+          </a:fontRef>
+        </p:style>
+      </p:cxnSp>
+      <p:sp>
+        <p:nvSpPr>
+          <p:cNvPr id="11" name="TextBox 10">
+            <a:extLst>
+              <a:ext uri="{FF2B5EF4-FFF2-40B4-BE49-F238E27FC236}">
+                <a16:creationId xmlns:a16="http://schemas.microsoft.com/office/drawing/2014/main" id="{A8AD19A2-0B97-26FB-9061-A01F2420909D}"/>
+              </a:ext>
+            </a:extLst>
+          </p:cNvPr>
+          <p:cNvSpPr txBox="1"/>
+          <p:nvPr/>
+        </p:nvSpPr>
+        <p:spPr>
+          <a:xfrm>
+            <a:off x="2397967" y="3041780"/>
+            <a:ext cx="5691674" cy="923330"/>
+          </a:xfrm>
+          <a:prstGeom prst="rect">
+            <a:avLst/>
+          </a:prstGeom>
+          <a:noFill/>
+        </p:spPr>
+        <p:txBody>
+          <a:bodyPr wrap="square" rtlCol="0">
+            <a:spAutoFit/>
+          </a:bodyPr>
+          <a:lstStyle/>
+          <a:p>
+            <a:pPr algn="ctr"/>
+            <a:r>
+              <a:rPr lang="en-US" b="1" dirty="0"/>
+              <a:t>To Share Data across Processes on one machine or across apps running on separate machines, the data MUST be encapsulated in Standard Encapsulation form (OBJECT) </a:t>
+            </a:r>
+          </a:p>
+        </p:txBody>
+      </p:sp>
+    </p:spTree>
+    <p:extLst>
+      <p:ext uri="{BB962C8B-B14F-4D97-AF65-F5344CB8AC3E}">
+        <p14:creationId xmlns:p14="http://schemas.microsoft.com/office/powerpoint/2010/main" val="4000143020"/>
+      </p:ext>
+    </p:extLst>
+  </p:cSld>
+  <p:clrMapOvr>
+    <a:masterClrMapping/>
+  </p:clrMapOvr>
+</p:sld>
+</file>
+
+<file path=ppt/slides/slide13.xml><?xml version="1.0" encoding="utf-8"?>
+<p:sld xmlns:a="http://schemas.openxmlformats.org/drawingml/2006/main" xmlns:r="http://schemas.openxmlformats.org/officeDocument/2006/relationships" xmlns:p="http://schemas.openxmlformats.org/presentationml/2006/main">
+  <p:cSld>
+    <p:spTree>
+      <p:nvGrpSpPr>
+        <p:cNvPr id="1" name=""/>
+        <p:cNvGrpSpPr/>
+        <p:nvPr/>
+      </p:nvGrpSpPr>
+      <p:grpSpPr>
+        <a:xfrm>
+          <a:off x="0" y="0"/>
+          <a:ext cx="0" cy="0"/>
+          <a:chOff x="0" y="0"/>
+          <a:chExt cx="0" cy="0"/>
+        </a:xfrm>
+      </p:grpSpPr>
+      <p:graphicFrame>
+        <p:nvGraphicFramePr>
+          <p:cNvPr id="2" name="Table 2">
+            <a:extLst>
+              <a:ext uri="{FF2B5EF4-FFF2-40B4-BE49-F238E27FC236}">
+                <a16:creationId xmlns:a16="http://schemas.microsoft.com/office/drawing/2014/main" id="{AAD16078-FC56-094A-7D9A-3A1B8310C0DA}"/>
+              </a:ext>
+            </a:extLst>
+          </p:cNvPr>
+          <p:cNvGraphicFramePr>
+            <a:graphicFrameLocks noGrp="1"/>
+          </p:cNvGraphicFramePr>
+          <p:nvPr>
+            <p:extLst>
+              <p:ext uri="{D42A27DB-BD31-4B8C-83A1-F6EECF244321}">
+                <p14:modId xmlns:p14="http://schemas.microsoft.com/office/powerpoint/2010/main" val="2984761801"/>
+              </p:ext>
+            </p:extLst>
+          </p:nvPr>
+        </p:nvGraphicFramePr>
+        <p:xfrm>
+          <a:off x="819020" y="393094"/>
+          <a:ext cx="2073470" cy="741680"/>
+        </p:xfrm>
+        <a:graphic>
+          <a:graphicData uri="http://schemas.openxmlformats.org/drawingml/2006/table">
+            <a:tbl>
+              <a:tblPr firstRow="1" bandRow="1">
+                <a:tableStyleId>{5C22544A-7EE6-4342-B048-85BDC9FD1C3A}</a:tableStyleId>
+              </a:tblPr>
+              <a:tblGrid>
+                <a:gridCol w="1036735">
+                  <a:extLst>
+                    <a:ext uri="{9D8B030D-6E8A-4147-A177-3AD203B41FA5}">
+                      <a16:colId xmlns:a16="http://schemas.microsoft.com/office/drawing/2014/main" val="784738302"/>
+                    </a:ext>
+                  </a:extLst>
+                </a:gridCol>
+                <a:gridCol w="1036735">
+                  <a:extLst>
+                    <a:ext uri="{9D8B030D-6E8A-4147-A177-3AD203B41FA5}">
+                      <a16:colId xmlns:a16="http://schemas.microsoft.com/office/drawing/2014/main" val="2806118790"/>
+                    </a:ext>
+                  </a:extLst>
+                </a:gridCol>
+              </a:tblGrid>
+              <a:tr h="370840">
+                <a:tc>
+                  <a:txBody>
+                    <a:bodyPr/>
+                    <a:lstStyle/>
+                    <a:p>
+                      <a:r>
+                        <a:rPr lang="en-US" dirty="0"/>
+                        <a:t>Key</a:t>
+                      </a:r>
+                    </a:p>
+                  </a:txBody>
+                  <a:tcPr/>
+                </a:tc>
+                <a:tc>
+                  <a:txBody>
+                    <a:bodyPr/>
+                    <a:lstStyle/>
+                    <a:p>
+                      <a:r>
+                        <a:rPr lang="en-US" dirty="0"/>
+                        <a:t>Value</a:t>
+                      </a:r>
+                    </a:p>
+                  </a:txBody>
+                  <a:tcPr/>
+                </a:tc>
+                <a:extLst>
+                  <a:ext uri="{0D108BD9-81ED-4DB2-BD59-A6C34878D82A}">
+                    <a16:rowId xmlns:a16="http://schemas.microsoft.com/office/drawing/2014/main" val="508714587"/>
+                  </a:ext>
+                </a:extLst>
+              </a:tr>
+              <a:tr h="370840">
+                <a:tc>
+                  <a:txBody>
+                    <a:bodyPr/>
+                    <a:lstStyle/>
+                    <a:p>
+                      <a:endParaRPr lang="en-US"/>
+                    </a:p>
+                  </a:txBody>
+                  <a:tcPr/>
+                </a:tc>
+                <a:tc>
+                  <a:txBody>
+                    <a:bodyPr/>
+                    <a:lstStyle/>
+                    <a:p>
+                      <a:endParaRPr lang="en-US" dirty="0"/>
+                    </a:p>
+                  </a:txBody>
+                  <a:tcPr/>
+                </a:tc>
+                <a:extLst>
+                  <a:ext uri="{0D108BD9-81ED-4DB2-BD59-A6C34878D82A}">
+                    <a16:rowId xmlns:a16="http://schemas.microsoft.com/office/drawing/2014/main" val="2226955213"/>
+                  </a:ext>
+                </a:extLst>
+              </a:tr>
+            </a:tbl>
+          </a:graphicData>
+        </a:graphic>
+      </p:graphicFrame>
+      <p:graphicFrame>
+        <p:nvGraphicFramePr>
+          <p:cNvPr id="3" name="Table 2">
+            <a:extLst>
+              <a:ext uri="{FF2B5EF4-FFF2-40B4-BE49-F238E27FC236}">
+                <a16:creationId xmlns:a16="http://schemas.microsoft.com/office/drawing/2014/main" id="{271734B2-1A2B-02ED-08DC-AB2B4C4C7C1A}"/>
+              </a:ext>
+            </a:extLst>
+          </p:cNvPr>
+          <p:cNvGraphicFramePr>
+            <a:graphicFrameLocks noGrp="1"/>
+          </p:cNvGraphicFramePr>
+          <p:nvPr>
+            <p:extLst>
+              <p:ext uri="{D42A27DB-BD31-4B8C-83A1-F6EECF244321}">
+                <p14:modId xmlns:p14="http://schemas.microsoft.com/office/powerpoint/2010/main" val="2427332910"/>
+              </p:ext>
+            </p:extLst>
+          </p:nvPr>
+        </p:nvGraphicFramePr>
+        <p:xfrm>
+          <a:off x="4022530" y="1217298"/>
+          <a:ext cx="2073470" cy="741680"/>
+        </p:xfrm>
+        <a:graphic>
+          <a:graphicData uri="http://schemas.openxmlformats.org/drawingml/2006/table">
+            <a:tbl>
+              <a:tblPr firstRow="1" bandRow="1">
+                <a:tableStyleId>{5C22544A-7EE6-4342-B048-85BDC9FD1C3A}</a:tableStyleId>
+              </a:tblPr>
+              <a:tblGrid>
+                <a:gridCol w="1036735">
+                  <a:extLst>
+                    <a:ext uri="{9D8B030D-6E8A-4147-A177-3AD203B41FA5}">
+                      <a16:colId xmlns:a16="http://schemas.microsoft.com/office/drawing/2014/main" val="784738302"/>
+                    </a:ext>
+                  </a:extLst>
+                </a:gridCol>
+                <a:gridCol w="1036735">
+                  <a:extLst>
+                    <a:ext uri="{9D8B030D-6E8A-4147-A177-3AD203B41FA5}">
+                      <a16:colId xmlns:a16="http://schemas.microsoft.com/office/drawing/2014/main" val="2806118790"/>
+                    </a:ext>
+                  </a:extLst>
+                </a:gridCol>
+              </a:tblGrid>
+              <a:tr h="370840">
+                <a:tc>
+                  <a:txBody>
+                    <a:bodyPr/>
+                    <a:lstStyle/>
+                    <a:p>
+                      <a:r>
+                        <a:rPr lang="en-US" dirty="0"/>
+                        <a:t>Key</a:t>
+                      </a:r>
+                    </a:p>
+                  </a:txBody>
+                  <a:tcPr/>
+                </a:tc>
+                <a:tc>
+                  <a:txBody>
+                    <a:bodyPr/>
+                    <a:lstStyle/>
+                    <a:p>
+                      <a:r>
+                        <a:rPr lang="en-US" dirty="0"/>
+                        <a:t>Value</a:t>
+                      </a:r>
+                    </a:p>
+                  </a:txBody>
+                  <a:tcPr/>
+                </a:tc>
+                <a:extLst>
+                  <a:ext uri="{0D108BD9-81ED-4DB2-BD59-A6C34878D82A}">
+                    <a16:rowId xmlns:a16="http://schemas.microsoft.com/office/drawing/2014/main" val="508714587"/>
+                  </a:ext>
+                </a:extLst>
+              </a:tr>
+              <a:tr h="370840">
+                <a:tc>
+                  <a:txBody>
+                    <a:bodyPr/>
+                    <a:lstStyle/>
+                    <a:p>
+                      <a:endParaRPr lang="en-US"/>
+                    </a:p>
+                  </a:txBody>
+                  <a:tcPr/>
+                </a:tc>
+                <a:tc>
+                  <a:txBody>
+                    <a:bodyPr/>
+                    <a:lstStyle/>
+                    <a:p>
+                      <a:endParaRPr lang="en-US" dirty="0"/>
+                    </a:p>
+                  </a:txBody>
+                  <a:tcPr/>
+                </a:tc>
+                <a:extLst>
+                  <a:ext uri="{0D108BD9-81ED-4DB2-BD59-A6C34878D82A}">
+                    <a16:rowId xmlns:a16="http://schemas.microsoft.com/office/drawing/2014/main" val="2226955213"/>
+                  </a:ext>
+                </a:extLst>
+              </a:tr>
+            </a:tbl>
+          </a:graphicData>
+        </a:graphic>
+      </p:graphicFrame>
+      <p:cxnSp>
+        <p:nvCxnSpPr>
+          <p:cNvPr id="5" name="Connector: Elbow 4">
+            <a:extLst>
+              <a:ext uri="{FF2B5EF4-FFF2-40B4-BE49-F238E27FC236}">
+                <a16:creationId xmlns:a16="http://schemas.microsoft.com/office/drawing/2014/main" id="{8AE1E93D-5A4E-3E6F-6321-334E0BEFBA23}"/>
+              </a:ext>
+            </a:extLst>
+          </p:cNvPr>
+          <p:cNvCxnSpPr>
+            <a:endCxn id="3" idx="1"/>
+          </p:cNvCxnSpPr>
+          <p:nvPr/>
+        </p:nvCxnSpPr>
+        <p:spPr>
+          <a:xfrm>
+            <a:off x="2677886" y="951722"/>
+            <a:ext cx="1344644" cy="636416"/>
+          </a:xfrm>
+          <a:prstGeom prst="bentConnector3">
+            <a:avLst/>
+          </a:prstGeom>
+          <a:ln>
+            <a:tailEnd type="triangle"/>
+          </a:ln>
+        </p:spPr>
+        <p:style>
+          <a:lnRef idx="1">
+            <a:schemeClr val="accent1"/>
+          </a:lnRef>
+          <a:fillRef idx="0">
+            <a:schemeClr val="accent1"/>
+          </a:fillRef>
+          <a:effectRef idx="0">
+            <a:schemeClr val="accent1"/>
+          </a:effectRef>
+          <a:fontRef idx="minor">
+            <a:schemeClr val="tx1"/>
+          </a:fontRef>
+        </p:style>
+      </p:cxnSp>
+      <p:graphicFrame>
+        <p:nvGraphicFramePr>
+          <p:cNvPr id="6" name="Table 5">
+            <a:extLst>
+              <a:ext uri="{FF2B5EF4-FFF2-40B4-BE49-F238E27FC236}">
+                <a16:creationId xmlns:a16="http://schemas.microsoft.com/office/drawing/2014/main" id="{EEC86D86-ABC2-4275-B601-7A64BF16EFF0}"/>
+              </a:ext>
+            </a:extLst>
+          </p:cNvPr>
+          <p:cNvGraphicFramePr>
+            <a:graphicFrameLocks noGrp="1"/>
+          </p:cNvGraphicFramePr>
+          <p:nvPr>
+            <p:extLst>
+              <p:ext uri="{D42A27DB-BD31-4B8C-83A1-F6EECF244321}">
+                <p14:modId xmlns:p14="http://schemas.microsoft.com/office/powerpoint/2010/main" val="4179197333"/>
+              </p:ext>
+            </p:extLst>
+          </p:nvPr>
+        </p:nvGraphicFramePr>
+        <p:xfrm>
+          <a:off x="6740848" y="2224554"/>
+          <a:ext cx="2073470" cy="741680"/>
+        </p:xfrm>
+        <a:graphic>
+          <a:graphicData uri="http://schemas.openxmlformats.org/drawingml/2006/table">
+            <a:tbl>
+              <a:tblPr firstRow="1" bandRow="1">
+                <a:tableStyleId>{5C22544A-7EE6-4342-B048-85BDC9FD1C3A}</a:tableStyleId>
+              </a:tblPr>
+              <a:tblGrid>
+                <a:gridCol w="1036735">
+                  <a:extLst>
+                    <a:ext uri="{9D8B030D-6E8A-4147-A177-3AD203B41FA5}">
+                      <a16:colId xmlns:a16="http://schemas.microsoft.com/office/drawing/2014/main" val="784738302"/>
+                    </a:ext>
+                  </a:extLst>
+                </a:gridCol>
+                <a:gridCol w="1036735">
+                  <a:extLst>
+                    <a:ext uri="{9D8B030D-6E8A-4147-A177-3AD203B41FA5}">
+                      <a16:colId xmlns:a16="http://schemas.microsoft.com/office/drawing/2014/main" val="2806118790"/>
+                    </a:ext>
+                  </a:extLst>
+                </a:gridCol>
+              </a:tblGrid>
+              <a:tr h="370840">
+                <a:tc>
+                  <a:txBody>
+                    <a:bodyPr/>
+                    <a:lstStyle/>
+                    <a:p>
+                      <a:r>
+                        <a:rPr lang="en-US" dirty="0"/>
+                        <a:t>Key</a:t>
+                      </a:r>
+                    </a:p>
+                  </a:txBody>
+                  <a:tcPr/>
+                </a:tc>
+                <a:tc>
+                  <a:txBody>
+                    <a:bodyPr/>
+                    <a:lstStyle/>
+                    <a:p>
+                      <a:r>
+                        <a:rPr lang="en-US" dirty="0"/>
+                        <a:t>Value</a:t>
+                      </a:r>
+                    </a:p>
+                  </a:txBody>
+                  <a:tcPr/>
+                </a:tc>
+                <a:extLst>
+                  <a:ext uri="{0D108BD9-81ED-4DB2-BD59-A6C34878D82A}">
+                    <a16:rowId xmlns:a16="http://schemas.microsoft.com/office/drawing/2014/main" val="508714587"/>
+                  </a:ext>
+                </a:extLst>
+              </a:tr>
+              <a:tr h="370840">
+                <a:tc>
+                  <a:txBody>
+                    <a:bodyPr/>
+                    <a:lstStyle/>
+                    <a:p>
+                      <a:endParaRPr lang="en-US"/>
+                    </a:p>
+                  </a:txBody>
+                  <a:tcPr/>
+                </a:tc>
+                <a:tc>
+                  <a:txBody>
+                    <a:bodyPr/>
+                    <a:lstStyle/>
+                    <a:p>
+                      <a:endParaRPr lang="en-US" dirty="0"/>
+                    </a:p>
+                  </a:txBody>
+                  <a:tcPr/>
+                </a:tc>
+                <a:extLst>
+                  <a:ext uri="{0D108BD9-81ED-4DB2-BD59-A6C34878D82A}">
+                    <a16:rowId xmlns:a16="http://schemas.microsoft.com/office/drawing/2014/main" val="2226955213"/>
+                  </a:ext>
+                </a:extLst>
+              </a:tr>
+            </a:tbl>
+          </a:graphicData>
+        </a:graphic>
+      </p:graphicFrame>
+      <p:cxnSp>
+        <p:nvCxnSpPr>
+          <p:cNvPr id="11" name="Connector: Elbow 10">
+            <a:extLst>
+              <a:ext uri="{FF2B5EF4-FFF2-40B4-BE49-F238E27FC236}">
+                <a16:creationId xmlns:a16="http://schemas.microsoft.com/office/drawing/2014/main" id="{C171FD0B-E822-2882-D618-C4F7F97A0DBA}"/>
+              </a:ext>
+            </a:extLst>
+          </p:cNvPr>
+          <p:cNvCxnSpPr>
+            <a:endCxn id="6" idx="1"/>
+          </p:cNvCxnSpPr>
+          <p:nvPr/>
+        </p:nvCxnSpPr>
+        <p:spPr>
+          <a:xfrm>
+            <a:off x="5682343" y="1707502"/>
+            <a:ext cx="1058505" cy="887892"/>
+          </a:xfrm>
+          <a:prstGeom prst="bentConnector3">
+            <a:avLst/>
+          </a:prstGeom>
+          <a:ln>
+            <a:tailEnd type="triangle"/>
+          </a:ln>
+        </p:spPr>
+        <p:style>
+          <a:lnRef idx="1">
+            <a:schemeClr val="accent1"/>
+          </a:lnRef>
+          <a:fillRef idx="0">
+            <a:schemeClr val="accent1"/>
+          </a:fillRef>
+          <a:effectRef idx="0">
+            <a:schemeClr val="accent1"/>
+          </a:effectRef>
+          <a:fontRef idx="minor">
+            <a:schemeClr val="tx1"/>
+          </a:fontRef>
+        </p:style>
+      </p:cxnSp>
+    </p:spTree>
+    <p:extLst>
+      <p:ext uri="{BB962C8B-B14F-4D97-AF65-F5344CB8AC3E}">
+        <p14:creationId xmlns:p14="http://schemas.microsoft.com/office/powerpoint/2010/main" val="730483286"/>
+      </p:ext>
+    </p:extLst>
+  </p:cSld>
+  <p:clrMapOvr>
+    <a:masterClrMapping/>
+  </p:clrMapOvr>
+</p:sld>
+</file>
+
+<file path=ppt/slides/slide14.xml><?xml version="1.0" encoding="utf-8"?>
+<p:sld xmlns:a="http://schemas.openxmlformats.org/drawingml/2006/main" xmlns:r="http://schemas.openxmlformats.org/officeDocument/2006/relationships" xmlns:p="http://schemas.openxmlformats.org/presentationml/2006/main">
+  <p:cSld>
+    <p:spTree>
+      <p:nvGrpSpPr>
+        <p:cNvPr id="1" name=""/>
+        <p:cNvGrpSpPr/>
+        <p:nvPr/>
+      </p:nvGrpSpPr>
+      <p:grpSpPr>
+        <a:xfrm>
+          <a:off x="0" y="0"/>
+          <a:ext cx="0" cy="0"/>
+          <a:chOff x="0" y="0"/>
+          <a:chExt cx="0" cy="0"/>
+        </a:xfrm>
+      </p:grpSpPr>
+      <p:sp>
+        <p:nvSpPr>
+          <p:cNvPr id="2" name="Rectangle 1">
+            <a:extLst>
+              <a:ext uri="{FF2B5EF4-FFF2-40B4-BE49-F238E27FC236}">
+                <a16:creationId xmlns:a16="http://schemas.microsoft.com/office/drawing/2014/main" id="{02108C9F-B0E7-4E76-2B45-2243CF79478E}"/>
+              </a:ext>
+            </a:extLst>
+          </p:cNvPr>
+          <p:cNvSpPr/>
+          <p:nvPr/>
+        </p:nvSpPr>
+        <p:spPr>
+          <a:xfrm>
+            <a:off x="681135" y="1175658"/>
+            <a:ext cx="2435289" cy="1548882"/>
+          </a:xfrm>
+          <a:prstGeom prst="rect">
+            <a:avLst/>
+          </a:prstGeom>
+        </p:spPr>
+        <p:style>
+          <a:lnRef idx="2">
+            <a:schemeClr val="accent1">
+              <a:shade val="15000"/>
+            </a:schemeClr>
+          </a:lnRef>
+          <a:fillRef idx="1">
+            <a:schemeClr val="accent1"/>
+          </a:fillRef>
+          <a:effectRef idx="0">
+            <a:schemeClr val="accent1"/>
+          </a:effectRef>
+          <a:fontRef idx="minor">
+            <a:schemeClr val="lt1"/>
+          </a:fontRef>
+        </p:style>
+        <p:txBody>
+          <a:bodyPr rtlCol="0" anchor="ctr"/>
+          <a:lstStyle/>
+          <a:p>
+            <a:pPr algn="ctr"/>
+            <a:r>
+              <a:rPr lang="en-US" dirty="0" err="1"/>
+              <a:t>StringUtility</a:t>
+            </a:r>
+            <a:endParaRPr lang="en-US" dirty="0"/>
+          </a:p>
+        </p:txBody>
+      </p:sp>
+      <p:sp>
+        <p:nvSpPr>
+          <p:cNvPr id="3" name="Flowchart: Document 2">
+            <a:extLst>
+              <a:ext uri="{FF2B5EF4-FFF2-40B4-BE49-F238E27FC236}">
+                <a16:creationId xmlns:a16="http://schemas.microsoft.com/office/drawing/2014/main" id="{F768C130-DD3A-952A-40A2-BCC8D660EDCB}"/>
+              </a:ext>
+            </a:extLst>
+          </p:cNvPr>
+          <p:cNvSpPr/>
+          <p:nvPr/>
+        </p:nvSpPr>
+        <p:spPr>
+          <a:xfrm>
+            <a:off x="1744824" y="4805265"/>
+            <a:ext cx="2724539" cy="1464906"/>
+          </a:xfrm>
+          <a:prstGeom prst="flowChartDocument">
+            <a:avLst/>
+          </a:prstGeom>
+        </p:spPr>
+        <p:style>
+          <a:lnRef idx="2">
+            <a:schemeClr val="accent1">
+              <a:shade val="15000"/>
+            </a:schemeClr>
+          </a:lnRef>
+          <a:fillRef idx="1">
+            <a:schemeClr val="accent1"/>
+          </a:fillRef>
+          <a:effectRef idx="0">
+            <a:schemeClr val="accent1"/>
+          </a:effectRef>
+          <a:fontRef idx="minor">
+            <a:schemeClr val="lt1"/>
+          </a:fontRef>
+        </p:style>
+        <p:txBody>
+          <a:bodyPr rtlCol="0" anchor="ctr"/>
+          <a:lstStyle/>
+          <a:p>
+            <a:pPr algn="ctr"/>
+            <a:r>
+              <a:rPr lang="en-US" dirty="0"/>
+              <a:t>App</a:t>
+            </a:r>
+          </a:p>
+        </p:txBody>
+      </p:sp>
+      <p:cxnSp>
+        <p:nvCxnSpPr>
+          <p:cNvPr id="5" name="Connector: Elbow 4">
+            <a:extLst>
+              <a:ext uri="{FF2B5EF4-FFF2-40B4-BE49-F238E27FC236}">
+                <a16:creationId xmlns:a16="http://schemas.microsoft.com/office/drawing/2014/main" id="{E233604C-97EF-F79A-7BAB-D74C237C602B}"/>
+              </a:ext>
+            </a:extLst>
+          </p:cNvPr>
+          <p:cNvCxnSpPr>
+            <a:stCxn id="2" idx="3"/>
+            <a:endCxn id="3" idx="1"/>
+          </p:cNvCxnSpPr>
+          <p:nvPr/>
+        </p:nvCxnSpPr>
+        <p:spPr>
+          <a:xfrm flipH="1">
+            <a:off x="1744824" y="1950099"/>
+            <a:ext cx="1371600" cy="3587619"/>
+          </a:xfrm>
+          <a:prstGeom prst="bentConnector5">
+            <a:avLst>
+              <a:gd name="adj1" fmla="val -16667"/>
+              <a:gd name="adj2" fmla="val 50585"/>
+              <a:gd name="adj3" fmla="val 116667"/>
+            </a:avLst>
+          </a:prstGeom>
+          <a:ln>
+            <a:tailEnd type="triangle"/>
+          </a:ln>
+        </p:spPr>
+        <p:style>
+          <a:lnRef idx="1">
+            <a:schemeClr val="accent1"/>
+          </a:lnRef>
+          <a:fillRef idx="0">
+            <a:schemeClr val="accent1"/>
+          </a:fillRef>
+          <a:effectRef idx="0">
+            <a:schemeClr val="accent1"/>
+          </a:effectRef>
+          <a:fontRef idx="minor">
+            <a:schemeClr val="tx1"/>
+          </a:fontRef>
+        </p:style>
+      </p:cxnSp>
+      <p:sp>
+        <p:nvSpPr>
+          <p:cNvPr id="6" name="Rectangle 5">
+            <a:extLst>
+              <a:ext uri="{FF2B5EF4-FFF2-40B4-BE49-F238E27FC236}">
+                <a16:creationId xmlns:a16="http://schemas.microsoft.com/office/drawing/2014/main" id="{ADA2B639-BC51-900C-0673-50ED90156223}"/>
+              </a:ext>
+            </a:extLst>
+          </p:cNvPr>
+          <p:cNvSpPr/>
+          <p:nvPr/>
+        </p:nvSpPr>
+        <p:spPr>
+          <a:xfrm>
+            <a:off x="7221894" y="961054"/>
+            <a:ext cx="3071326" cy="1548882"/>
+          </a:xfrm>
+          <a:prstGeom prst="rect">
+            <a:avLst/>
+          </a:prstGeom>
+        </p:spPr>
+        <p:style>
+          <a:lnRef idx="2">
+            <a:schemeClr val="accent1">
+              <a:shade val="15000"/>
+            </a:schemeClr>
+          </a:lnRef>
+          <a:fillRef idx="1">
+            <a:schemeClr val="accent1"/>
+          </a:fillRef>
+          <a:effectRef idx="0">
+            <a:schemeClr val="accent1"/>
+          </a:effectRef>
+          <a:fontRef idx="minor">
+            <a:schemeClr val="lt1"/>
+          </a:fontRef>
+        </p:style>
+        <p:txBody>
+          <a:bodyPr rtlCol="0" anchor="ctr"/>
+          <a:lstStyle/>
+          <a:p>
+            <a:pPr algn="ctr"/>
+            <a:r>
+              <a:rPr lang="en-US" dirty="0" err="1"/>
+              <a:t>StringUtilityExt</a:t>
+            </a:r>
+            <a:endParaRPr lang="en-US" dirty="0"/>
+          </a:p>
+        </p:txBody>
+      </p:sp>
+      <p:cxnSp>
+        <p:nvCxnSpPr>
+          <p:cNvPr id="10" name="Connector: Elbow 9">
+            <a:extLst>
+              <a:ext uri="{FF2B5EF4-FFF2-40B4-BE49-F238E27FC236}">
+                <a16:creationId xmlns:a16="http://schemas.microsoft.com/office/drawing/2014/main" id="{C6D2FF69-C307-017D-A745-F0C934AF1A5F}"/>
+              </a:ext>
+            </a:extLst>
+          </p:cNvPr>
+          <p:cNvCxnSpPr>
+            <a:cxnSpLocks/>
+            <a:stCxn id="6" idx="1"/>
+            <a:endCxn id="2" idx="0"/>
+          </p:cNvCxnSpPr>
+          <p:nvPr/>
+        </p:nvCxnSpPr>
+        <p:spPr>
+          <a:xfrm rot="10800000">
+            <a:off x="1898780" y="1175659"/>
+            <a:ext cx="5323114" cy="559837"/>
+          </a:xfrm>
+          <a:prstGeom prst="bentConnector4">
+            <a:avLst>
+              <a:gd name="adj1" fmla="val 38563"/>
+              <a:gd name="adj2" fmla="val 140833"/>
+            </a:avLst>
+          </a:prstGeom>
+          <a:ln>
+            <a:tailEnd type="triangle"/>
+          </a:ln>
+        </p:spPr>
+        <p:style>
+          <a:lnRef idx="1">
+            <a:schemeClr val="accent1"/>
+          </a:lnRef>
+          <a:fillRef idx="0">
+            <a:schemeClr val="accent1"/>
+          </a:fillRef>
+          <a:effectRef idx="0">
+            <a:schemeClr val="accent1"/>
+          </a:effectRef>
+          <a:fontRef idx="minor">
+            <a:schemeClr val="tx1"/>
+          </a:fontRef>
+        </p:style>
+      </p:cxnSp>
+      <p:sp>
+        <p:nvSpPr>
+          <p:cNvPr id="11" name="TextBox 10">
+            <a:extLst>
+              <a:ext uri="{FF2B5EF4-FFF2-40B4-BE49-F238E27FC236}">
+                <a16:creationId xmlns:a16="http://schemas.microsoft.com/office/drawing/2014/main" id="{CF2E955F-1024-0087-51D5-7E2368FB8ACA}"/>
+              </a:ext>
+            </a:extLst>
+          </p:cNvPr>
+          <p:cNvSpPr txBox="1"/>
+          <p:nvPr/>
+        </p:nvSpPr>
+        <p:spPr>
+          <a:xfrm>
+            <a:off x="4469363" y="629818"/>
+            <a:ext cx="1399592" cy="369332"/>
+          </a:xfrm>
+          <a:prstGeom prst="rect">
+            <a:avLst/>
+          </a:prstGeom>
+          <a:noFill/>
+        </p:spPr>
+        <p:txBody>
+          <a:bodyPr wrap="square" rtlCol="0">
+            <a:spAutoFit/>
+          </a:bodyPr>
+          <a:lstStyle/>
+          <a:p>
+            <a:r>
+              <a:rPr lang="en-US" dirty="0"/>
+              <a:t>Derive</a:t>
+            </a:r>
+          </a:p>
+        </p:txBody>
+      </p:sp>
+      <p:sp>
+        <p:nvSpPr>
+          <p:cNvPr id="12" name="Scroll: Vertical 11">
+            <a:extLst>
+              <a:ext uri="{FF2B5EF4-FFF2-40B4-BE49-F238E27FC236}">
+                <a16:creationId xmlns:a16="http://schemas.microsoft.com/office/drawing/2014/main" id="{B17A4CEF-76D3-9AC5-E40E-30510C68E3D7}"/>
+              </a:ext>
+            </a:extLst>
+          </p:cNvPr>
+          <p:cNvSpPr/>
+          <p:nvPr/>
+        </p:nvSpPr>
+        <p:spPr>
+          <a:xfrm>
+            <a:off x="391884" y="1243306"/>
+            <a:ext cx="998377" cy="569165"/>
+          </a:xfrm>
+          <a:prstGeom prst="verticalScroll">
+            <a:avLst/>
+          </a:prstGeom>
+          <a:solidFill>
+            <a:srgbClr val="C00000"/>
+          </a:solidFill>
+        </p:spPr>
+        <p:style>
+          <a:lnRef idx="2">
+            <a:schemeClr val="accent1">
+              <a:shade val="15000"/>
+            </a:schemeClr>
+          </a:lnRef>
+          <a:fillRef idx="1">
+            <a:schemeClr val="accent1"/>
+          </a:fillRef>
+          <a:effectRef idx="0">
+            <a:schemeClr val="accent1"/>
+          </a:effectRef>
+          <a:fontRef idx="minor">
+            <a:schemeClr val="lt1"/>
+          </a:fontRef>
+        </p:style>
+        <p:txBody>
+          <a:bodyPr rtlCol="0" anchor="ctr"/>
+          <a:lstStyle/>
+          <a:p>
+            <a:pPr algn="ctr"/>
+            <a:r>
+              <a:rPr lang="en-US" dirty="0"/>
+              <a:t>Sign</a:t>
+            </a:r>
+          </a:p>
+        </p:txBody>
+      </p:sp>
+      <p:sp>
+        <p:nvSpPr>
+          <p:cNvPr id="13" name="Flowchart: Summing Junction 12">
+            <a:extLst>
+              <a:ext uri="{FF2B5EF4-FFF2-40B4-BE49-F238E27FC236}">
+                <a16:creationId xmlns:a16="http://schemas.microsoft.com/office/drawing/2014/main" id="{44D52508-E397-A008-6AA6-DE6650697890}"/>
+              </a:ext>
+            </a:extLst>
+          </p:cNvPr>
+          <p:cNvSpPr/>
+          <p:nvPr/>
+        </p:nvSpPr>
+        <p:spPr>
+          <a:xfrm>
+            <a:off x="4814596" y="1250302"/>
+            <a:ext cx="1203649" cy="844424"/>
+          </a:xfrm>
+          <a:prstGeom prst="flowChartSummingJunction">
+            <a:avLst/>
+          </a:prstGeom>
+          <a:solidFill>
+            <a:srgbClr val="C00000"/>
+          </a:solidFill>
+        </p:spPr>
+        <p:style>
+          <a:lnRef idx="2">
+            <a:schemeClr val="accent1">
+              <a:shade val="15000"/>
+            </a:schemeClr>
+          </a:lnRef>
+          <a:fillRef idx="1">
+            <a:schemeClr val="accent1"/>
+          </a:fillRef>
+          <a:effectRef idx="0">
+            <a:schemeClr val="accent1"/>
+          </a:effectRef>
+          <a:fontRef idx="minor">
+            <a:schemeClr val="lt1"/>
+          </a:fontRef>
+        </p:style>
+        <p:txBody>
+          <a:bodyPr rtlCol="0" anchor="ctr"/>
+          <a:lstStyle/>
+          <a:p>
+            <a:pPr algn="ctr"/>
+            <a:endParaRPr lang="en-US"/>
+          </a:p>
+        </p:txBody>
+      </p:sp>
+      <p:sp>
+        <p:nvSpPr>
+          <p:cNvPr id="15" name="Rectangle 14">
+            <a:extLst>
+              <a:ext uri="{FF2B5EF4-FFF2-40B4-BE49-F238E27FC236}">
+                <a16:creationId xmlns:a16="http://schemas.microsoft.com/office/drawing/2014/main" id="{536D30FF-F127-58BA-6570-C3793225D135}"/>
+              </a:ext>
+            </a:extLst>
+          </p:cNvPr>
+          <p:cNvSpPr/>
+          <p:nvPr/>
+        </p:nvSpPr>
+        <p:spPr>
+          <a:xfrm>
+            <a:off x="7150360" y="3865985"/>
+            <a:ext cx="3071326" cy="1548882"/>
+          </a:xfrm>
+          <a:prstGeom prst="rect">
+            <a:avLst/>
+          </a:prstGeom>
+        </p:spPr>
+        <p:style>
+          <a:lnRef idx="2">
+            <a:schemeClr val="accent1">
+              <a:shade val="15000"/>
+            </a:schemeClr>
+          </a:lnRef>
+          <a:fillRef idx="1">
+            <a:schemeClr val="accent1"/>
+          </a:fillRef>
+          <a:effectRef idx="0">
+            <a:schemeClr val="accent1"/>
+          </a:effectRef>
+          <a:fontRef idx="minor">
+            <a:schemeClr val="lt1"/>
+          </a:fontRef>
+        </p:style>
+        <p:txBody>
+          <a:bodyPr rtlCol="0" anchor="ctr"/>
+          <a:lstStyle/>
+          <a:p>
+            <a:pPr algn="ctr"/>
+            <a:r>
+              <a:rPr lang="en-US" dirty="0" err="1"/>
+              <a:t>AdvStringUtil</a:t>
+            </a:r>
+            <a:endParaRPr lang="en-US" dirty="0"/>
+          </a:p>
+        </p:txBody>
+      </p:sp>
+      <p:cxnSp>
+        <p:nvCxnSpPr>
+          <p:cNvPr id="17" name="Connector: Elbow 16">
+            <a:extLst>
+              <a:ext uri="{FF2B5EF4-FFF2-40B4-BE49-F238E27FC236}">
+                <a16:creationId xmlns:a16="http://schemas.microsoft.com/office/drawing/2014/main" id="{CCC26078-352E-58C4-B465-CFBC18983218}"/>
+              </a:ext>
+            </a:extLst>
+          </p:cNvPr>
+          <p:cNvCxnSpPr>
+            <a:stCxn id="15" idx="1"/>
+            <a:endCxn id="3" idx="3"/>
+          </p:cNvCxnSpPr>
+          <p:nvPr/>
+        </p:nvCxnSpPr>
+        <p:spPr>
+          <a:xfrm rot="10800000" flipV="1">
+            <a:off x="4469364" y="4640426"/>
+            <a:ext cx="2680997" cy="897292"/>
+          </a:xfrm>
+          <a:prstGeom prst="bentConnector3">
+            <a:avLst/>
+          </a:prstGeom>
+          <a:ln>
+            <a:tailEnd type="triangle"/>
+          </a:ln>
+        </p:spPr>
+        <p:style>
+          <a:lnRef idx="1">
+            <a:schemeClr val="accent1"/>
+          </a:lnRef>
+          <a:fillRef idx="0">
+            <a:schemeClr val="accent1"/>
+          </a:fillRef>
+          <a:effectRef idx="0">
+            <a:schemeClr val="accent1"/>
+          </a:effectRef>
+          <a:fontRef idx="minor">
+            <a:schemeClr val="tx1"/>
+          </a:fontRef>
+        </p:style>
+      </p:cxnSp>
+    </p:spTree>
+    <p:extLst>
+      <p:ext uri="{BB962C8B-B14F-4D97-AF65-F5344CB8AC3E}">
+        <p14:creationId xmlns:p14="http://schemas.microsoft.com/office/powerpoint/2010/main" val="3085954342"/>
+      </p:ext>
+    </p:extLst>
+  </p:cSld>
+  <p:clrMapOvr>
+    <a:masterClrMapping/>
+  </p:clrMapOvr>
+</p:sld>
+</file>
+
+<file path=ppt/slides/slide15.xml><?xml version="1.0" encoding="utf-8"?>
+<p:sld xmlns:a="http://schemas.openxmlformats.org/drawingml/2006/main" xmlns:r="http://schemas.openxmlformats.org/officeDocument/2006/relationships" xmlns:p="http://schemas.openxmlformats.org/presentationml/2006/main">
+  <p:cSld>
+    <p:spTree>
+      <p:nvGrpSpPr>
+        <p:cNvPr id="1" name=""/>
+        <p:cNvGrpSpPr/>
+        <p:nvPr/>
+      </p:nvGrpSpPr>
+      <p:grpSpPr>
+        <a:xfrm>
+          <a:off x="0" y="0"/>
+          <a:ext cx="0" cy="0"/>
+          <a:chOff x="0" y="0"/>
+          <a:chExt cx="0" cy="0"/>
+        </a:xfrm>
+      </p:grpSpPr>
+      <p:sp>
+        <p:nvSpPr>
+          <p:cNvPr id="2" name="Rectangle 1">
+            <a:extLst>
+              <a:ext uri="{FF2B5EF4-FFF2-40B4-BE49-F238E27FC236}">
+                <a16:creationId xmlns:a16="http://schemas.microsoft.com/office/drawing/2014/main" id="{D29DE0C1-AA64-51DD-1AF1-E9ABCFEBDFB5}"/>
+              </a:ext>
+            </a:extLst>
+          </p:cNvPr>
+          <p:cNvSpPr/>
+          <p:nvPr/>
+        </p:nvSpPr>
+        <p:spPr>
+          <a:xfrm>
+            <a:off x="429208" y="5150498"/>
+            <a:ext cx="11485984" cy="1026367"/>
+          </a:xfrm>
+          <a:prstGeom prst="rect">
+            <a:avLst/>
+          </a:prstGeom>
+        </p:spPr>
+        <p:style>
+          <a:lnRef idx="2">
+            <a:schemeClr val="accent1">
+              <a:shade val="15000"/>
+            </a:schemeClr>
+          </a:lnRef>
+          <a:fillRef idx="1">
+            <a:schemeClr val="accent1"/>
+          </a:fillRef>
+          <a:effectRef idx="0">
+            <a:schemeClr val="accent1"/>
+          </a:effectRef>
+          <a:fontRef idx="minor">
+            <a:schemeClr val="lt1"/>
+          </a:fontRef>
+        </p:style>
+        <p:txBody>
+          <a:bodyPr rtlCol="0" anchor="ctr"/>
+          <a:lstStyle/>
+          <a:p>
+            <a:pPr algn="ctr"/>
+            <a:r>
+              <a:rPr lang="en-US" b="1" dirty="0"/>
+              <a:t>.NET Frwk 1.x</a:t>
+            </a:r>
+          </a:p>
+        </p:txBody>
+      </p:sp>
+      <p:sp>
+        <p:nvSpPr>
+          <p:cNvPr id="3" name="Rectangle 2">
+            <a:extLst>
+              <a:ext uri="{FF2B5EF4-FFF2-40B4-BE49-F238E27FC236}">
+                <a16:creationId xmlns:a16="http://schemas.microsoft.com/office/drawing/2014/main" id="{61D2512D-CF2E-4664-9726-CCAA7042B1A4}"/>
+              </a:ext>
+            </a:extLst>
+          </p:cNvPr>
+          <p:cNvSpPr/>
+          <p:nvPr/>
+        </p:nvSpPr>
+        <p:spPr>
+          <a:xfrm>
+            <a:off x="429208" y="3962400"/>
+            <a:ext cx="11485984" cy="1026367"/>
+          </a:xfrm>
+          <a:prstGeom prst="rect">
+            <a:avLst/>
+          </a:prstGeom>
+        </p:spPr>
+        <p:style>
+          <a:lnRef idx="2">
+            <a:schemeClr val="accent1">
+              <a:shade val="15000"/>
+            </a:schemeClr>
+          </a:lnRef>
+          <a:fillRef idx="1">
+            <a:schemeClr val="accent1"/>
+          </a:fillRef>
+          <a:effectRef idx="0">
+            <a:schemeClr val="accent1"/>
+          </a:effectRef>
+          <a:fontRef idx="minor">
+            <a:schemeClr val="lt1"/>
+          </a:fontRef>
+        </p:style>
+        <p:txBody>
+          <a:bodyPr rtlCol="0" anchor="ctr"/>
+          <a:lstStyle/>
+          <a:p>
+            <a:pPr algn="ctr"/>
+            <a:r>
+              <a:rPr lang="en-US" b="1" dirty="0"/>
+              <a:t>.NET Frwk 2.x</a:t>
+            </a:r>
+          </a:p>
+        </p:txBody>
+      </p:sp>
+      <p:sp>
+        <p:nvSpPr>
+          <p:cNvPr id="4" name="Rectangle 3">
+            <a:extLst>
+              <a:ext uri="{FF2B5EF4-FFF2-40B4-BE49-F238E27FC236}">
+                <a16:creationId xmlns:a16="http://schemas.microsoft.com/office/drawing/2014/main" id="{7CA3ACD5-B63E-783D-C478-BC519008FF2F}"/>
+              </a:ext>
+            </a:extLst>
+          </p:cNvPr>
+          <p:cNvSpPr/>
+          <p:nvPr/>
+        </p:nvSpPr>
+        <p:spPr>
+          <a:xfrm>
+            <a:off x="429208" y="2774302"/>
+            <a:ext cx="11485984" cy="1026367"/>
+          </a:xfrm>
+          <a:prstGeom prst="rect">
+            <a:avLst/>
+          </a:prstGeom>
+        </p:spPr>
+        <p:style>
+          <a:lnRef idx="2">
+            <a:schemeClr val="accent1">
+              <a:shade val="15000"/>
+            </a:schemeClr>
+          </a:lnRef>
+          <a:fillRef idx="1">
+            <a:schemeClr val="accent1"/>
+          </a:fillRef>
+          <a:effectRef idx="0">
+            <a:schemeClr val="accent1"/>
+          </a:effectRef>
+          <a:fontRef idx="minor">
+            <a:schemeClr val="lt1"/>
+          </a:fontRef>
+        </p:style>
+        <p:txBody>
+          <a:bodyPr rtlCol="0" anchor="ctr"/>
+          <a:lstStyle/>
+          <a:p>
+            <a:pPr algn="ctr"/>
+            <a:r>
+              <a:rPr lang="en-US" b="1" dirty="0"/>
+              <a:t>.NET Frwk 3.0</a:t>
+            </a:r>
+          </a:p>
+        </p:txBody>
+      </p:sp>
+      <p:sp>
+        <p:nvSpPr>
+          <p:cNvPr id="5" name="Rectangle 4">
+            <a:extLst>
+              <a:ext uri="{FF2B5EF4-FFF2-40B4-BE49-F238E27FC236}">
+                <a16:creationId xmlns:a16="http://schemas.microsoft.com/office/drawing/2014/main" id="{B31F22C7-1896-AB51-00C6-02041B8C06A1}"/>
+              </a:ext>
+            </a:extLst>
+          </p:cNvPr>
+          <p:cNvSpPr/>
+          <p:nvPr/>
+        </p:nvSpPr>
+        <p:spPr>
+          <a:xfrm>
+            <a:off x="597159" y="3013788"/>
+            <a:ext cx="1847461" cy="531845"/>
+          </a:xfrm>
+          <a:prstGeom prst="rect">
+            <a:avLst/>
+          </a:prstGeom>
+          <a:solidFill>
+            <a:srgbClr val="C00000"/>
+          </a:solidFill>
+        </p:spPr>
+        <p:style>
+          <a:lnRef idx="2">
+            <a:schemeClr val="accent1">
+              <a:shade val="15000"/>
+            </a:schemeClr>
+          </a:lnRef>
+          <a:fillRef idx="1">
+            <a:schemeClr val="accent1"/>
+          </a:fillRef>
+          <a:effectRef idx="0">
+            <a:schemeClr val="accent1"/>
+          </a:effectRef>
+          <a:fontRef idx="minor">
+            <a:schemeClr val="lt1"/>
+          </a:fontRef>
+        </p:style>
+        <p:txBody>
+          <a:bodyPr rtlCol="0" anchor="ctr"/>
+          <a:lstStyle/>
+          <a:p>
+            <a:pPr algn="ctr"/>
+            <a:r>
+              <a:rPr lang="en-US" dirty="0"/>
+              <a:t>WPF</a:t>
+            </a:r>
+          </a:p>
+        </p:txBody>
+      </p:sp>
+      <p:sp>
+        <p:nvSpPr>
+          <p:cNvPr id="6" name="Rectangle 5">
+            <a:extLst>
+              <a:ext uri="{FF2B5EF4-FFF2-40B4-BE49-F238E27FC236}">
+                <a16:creationId xmlns:a16="http://schemas.microsoft.com/office/drawing/2014/main" id="{90F44E0C-E367-FE8E-2D11-DC75A3808E30}"/>
+              </a:ext>
+            </a:extLst>
+          </p:cNvPr>
+          <p:cNvSpPr/>
+          <p:nvPr/>
+        </p:nvSpPr>
+        <p:spPr>
+          <a:xfrm>
+            <a:off x="2749420" y="3013788"/>
+            <a:ext cx="1847461" cy="531845"/>
+          </a:xfrm>
+          <a:prstGeom prst="rect">
+            <a:avLst/>
+          </a:prstGeom>
+          <a:solidFill>
+            <a:srgbClr val="C00000"/>
+          </a:solidFill>
+        </p:spPr>
+        <p:style>
+          <a:lnRef idx="2">
+            <a:schemeClr val="accent1">
+              <a:shade val="15000"/>
+            </a:schemeClr>
+          </a:lnRef>
+          <a:fillRef idx="1">
+            <a:schemeClr val="accent1"/>
+          </a:fillRef>
+          <a:effectRef idx="0">
+            <a:schemeClr val="accent1"/>
+          </a:effectRef>
+          <a:fontRef idx="minor">
+            <a:schemeClr val="lt1"/>
+          </a:fontRef>
+        </p:style>
+        <p:txBody>
+          <a:bodyPr rtlCol="0" anchor="ctr"/>
+          <a:lstStyle/>
+          <a:p>
+            <a:pPr algn="ctr"/>
+            <a:r>
+              <a:rPr lang="en-US" dirty="0"/>
+              <a:t>WCF</a:t>
+            </a:r>
+          </a:p>
+        </p:txBody>
+      </p:sp>
+      <p:sp>
+        <p:nvSpPr>
+          <p:cNvPr id="7" name="Rectangle 6">
+            <a:extLst>
+              <a:ext uri="{FF2B5EF4-FFF2-40B4-BE49-F238E27FC236}">
+                <a16:creationId xmlns:a16="http://schemas.microsoft.com/office/drawing/2014/main" id="{358E3A0D-F9F3-23F2-BFA4-D4EBD2B3BDC9}"/>
+              </a:ext>
+            </a:extLst>
+          </p:cNvPr>
+          <p:cNvSpPr/>
+          <p:nvPr/>
+        </p:nvSpPr>
+        <p:spPr>
+          <a:xfrm>
+            <a:off x="7206343" y="3013787"/>
+            <a:ext cx="1847461" cy="531845"/>
+          </a:xfrm>
+          <a:prstGeom prst="rect">
+            <a:avLst/>
+          </a:prstGeom>
+          <a:solidFill>
+            <a:srgbClr val="C00000"/>
+          </a:solidFill>
+        </p:spPr>
+        <p:style>
+          <a:lnRef idx="2">
+            <a:schemeClr val="accent1">
+              <a:shade val="15000"/>
+            </a:schemeClr>
+          </a:lnRef>
+          <a:fillRef idx="1">
+            <a:schemeClr val="accent1"/>
+          </a:fillRef>
+          <a:effectRef idx="0">
+            <a:schemeClr val="accent1"/>
+          </a:effectRef>
+          <a:fontRef idx="minor">
+            <a:schemeClr val="lt1"/>
+          </a:fontRef>
+        </p:style>
+        <p:txBody>
+          <a:bodyPr rtlCol="0" anchor="ctr"/>
+          <a:lstStyle/>
+          <a:p>
+            <a:pPr algn="ctr"/>
+            <a:r>
+              <a:rPr lang="en-US" dirty="0" err="1"/>
+              <a:t>WorkFlow</a:t>
+            </a:r>
+            <a:endParaRPr lang="en-US" dirty="0"/>
+          </a:p>
+        </p:txBody>
+      </p:sp>
+      <p:sp>
+        <p:nvSpPr>
+          <p:cNvPr id="8" name="Rectangle 7">
+            <a:extLst>
+              <a:ext uri="{FF2B5EF4-FFF2-40B4-BE49-F238E27FC236}">
+                <a16:creationId xmlns:a16="http://schemas.microsoft.com/office/drawing/2014/main" id="{145A9E1E-1C12-725C-F994-E221BE2ED631}"/>
+              </a:ext>
+            </a:extLst>
+          </p:cNvPr>
+          <p:cNvSpPr/>
+          <p:nvPr/>
+        </p:nvSpPr>
+        <p:spPr>
+          <a:xfrm>
+            <a:off x="429208" y="1492898"/>
+            <a:ext cx="11485984" cy="1026367"/>
+          </a:xfrm>
+          <a:prstGeom prst="rect">
+            <a:avLst/>
+          </a:prstGeom>
+        </p:spPr>
+        <p:style>
+          <a:lnRef idx="2">
+            <a:schemeClr val="accent1">
+              <a:shade val="15000"/>
+            </a:schemeClr>
+          </a:lnRef>
+          <a:fillRef idx="1">
+            <a:schemeClr val="accent1"/>
+          </a:fillRef>
+          <a:effectRef idx="0">
+            <a:schemeClr val="accent1"/>
+          </a:effectRef>
+          <a:fontRef idx="minor">
+            <a:schemeClr val="lt1"/>
+          </a:fontRef>
+        </p:style>
+        <p:txBody>
+          <a:bodyPr rtlCol="0" anchor="ctr"/>
+          <a:lstStyle/>
+          <a:p>
+            <a:pPr algn="ctr"/>
+            <a:r>
+              <a:rPr lang="en-US" b="1" dirty="0"/>
+              <a:t>.NET Frwk 3.5</a:t>
+            </a:r>
+          </a:p>
+        </p:txBody>
+      </p:sp>
+      <p:sp>
+        <p:nvSpPr>
+          <p:cNvPr id="9" name="Rectangle 8">
+            <a:extLst>
+              <a:ext uri="{FF2B5EF4-FFF2-40B4-BE49-F238E27FC236}">
+                <a16:creationId xmlns:a16="http://schemas.microsoft.com/office/drawing/2014/main" id="{9C94F10A-FB56-05DD-5256-954A31D7FE70}"/>
+              </a:ext>
+            </a:extLst>
+          </p:cNvPr>
+          <p:cNvSpPr/>
+          <p:nvPr/>
+        </p:nvSpPr>
+        <p:spPr>
+          <a:xfrm>
+            <a:off x="7396065" y="1740158"/>
+            <a:ext cx="1847461" cy="531845"/>
+          </a:xfrm>
+          <a:prstGeom prst="rect">
+            <a:avLst/>
+          </a:prstGeom>
+          <a:solidFill>
+            <a:srgbClr val="C00000"/>
+          </a:solidFill>
+        </p:spPr>
+        <p:style>
+          <a:lnRef idx="2">
+            <a:schemeClr val="accent1">
+              <a:shade val="15000"/>
+            </a:schemeClr>
+          </a:lnRef>
+          <a:fillRef idx="1">
+            <a:schemeClr val="accent1"/>
+          </a:fillRef>
+          <a:effectRef idx="0">
+            <a:schemeClr val="accent1"/>
+          </a:effectRef>
+          <a:fontRef idx="minor">
+            <a:schemeClr val="lt1"/>
+          </a:fontRef>
+        </p:style>
+        <p:txBody>
+          <a:bodyPr rtlCol="0" anchor="ctr"/>
+          <a:lstStyle/>
+          <a:p>
+            <a:pPr algn="ctr"/>
+            <a:r>
+              <a:rPr lang="en-US" dirty="0"/>
+              <a:t>LINQ</a:t>
+            </a:r>
+          </a:p>
+        </p:txBody>
+      </p:sp>
+      <p:sp>
+        <p:nvSpPr>
+          <p:cNvPr id="10" name="Rectangle 9">
+            <a:extLst>
+              <a:ext uri="{FF2B5EF4-FFF2-40B4-BE49-F238E27FC236}">
+                <a16:creationId xmlns:a16="http://schemas.microsoft.com/office/drawing/2014/main" id="{33E57C3F-3F0A-F92F-1A01-C207C300C6D9}"/>
+              </a:ext>
+            </a:extLst>
+          </p:cNvPr>
+          <p:cNvSpPr/>
+          <p:nvPr/>
+        </p:nvSpPr>
+        <p:spPr>
+          <a:xfrm>
+            <a:off x="9655628" y="1769705"/>
+            <a:ext cx="1847461" cy="531845"/>
+          </a:xfrm>
+          <a:prstGeom prst="rect">
+            <a:avLst/>
+          </a:prstGeom>
+          <a:solidFill>
+            <a:srgbClr val="C00000"/>
+          </a:solidFill>
+        </p:spPr>
+        <p:style>
+          <a:lnRef idx="2">
+            <a:schemeClr val="accent1">
+              <a:shade val="15000"/>
+            </a:schemeClr>
+          </a:lnRef>
+          <a:fillRef idx="1">
+            <a:schemeClr val="accent1"/>
+          </a:fillRef>
+          <a:effectRef idx="0">
+            <a:schemeClr val="accent1"/>
+          </a:effectRef>
+          <a:fontRef idx="minor">
+            <a:schemeClr val="lt1"/>
+          </a:fontRef>
+        </p:style>
+        <p:txBody>
+          <a:bodyPr rtlCol="0" anchor="ctr"/>
+          <a:lstStyle/>
+          <a:p>
+            <a:pPr algn="ctr"/>
+            <a:r>
+              <a:rPr lang="en-US" dirty="0"/>
+              <a:t>EF</a:t>
+            </a:r>
+          </a:p>
+        </p:txBody>
+      </p:sp>
+      <p:sp>
+        <p:nvSpPr>
+          <p:cNvPr id="11" name="Arrow: Up 10">
+            <a:extLst>
+              <a:ext uri="{FF2B5EF4-FFF2-40B4-BE49-F238E27FC236}">
+                <a16:creationId xmlns:a16="http://schemas.microsoft.com/office/drawing/2014/main" id="{E3FE3F80-DDE7-081C-F7E7-D36D2E5BDA7A}"/>
+              </a:ext>
+            </a:extLst>
+          </p:cNvPr>
+          <p:cNvSpPr/>
+          <p:nvPr/>
+        </p:nvSpPr>
+        <p:spPr>
+          <a:xfrm>
+            <a:off x="1520889" y="2301550"/>
+            <a:ext cx="391887" cy="472752"/>
+          </a:xfrm>
+          <a:prstGeom prst="upArrow">
+            <a:avLst/>
+          </a:prstGeom>
+          <a:solidFill>
+            <a:srgbClr val="002060"/>
+          </a:solidFill>
+        </p:spPr>
+        <p:style>
+          <a:lnRef idx="2">
+            <a:schemeClr val="accent1">
+              <a:shade val="15000"/>
+            </a:schemeClr>
+          </a:lnRef>
+          <a:fillRef idx="1">
+            <a:schemeClr val="accent1"/>
+          </a:fillRef>
+          <a:effectRef idx="0">
+            <a:schemeClr val="accent1"/>
+          </a:effectRef>
+          <a:fontRef idx="minor">
+            <a:schemeClr val="lt1"/>
+          </a:fontRef>
+        </p:style>
+        <p:txBody>
+          <a:bodyPr rtlCol="0" anchor="ctr"/>
+          <a:lstStyle/>
+          <a:p>
+            <a:pPr algn="ctr"/>
+            <a:endParaRPr lang="en-US"/>
+          </a:p>
+        </p:txBody>
+      </p:sp>
+      <p:sp>
+        <p:nvSpPr>
+          <p:cNvPr id="12" name="Arrow: Up 11">
+            <a:extLst>
+              <a:ext uri="{FF2B5EF4-FFF2-40B4-BE49-F238E27FC236}">
+                <a16:creationId xmlns:a16="http://schemas.microsoft.com/office/drawing/2014/main" id="{2E3ED496-8B1F-2D62-0BB2-DB69A082717F}"/>
+              </a:ext>
+            </a:extLst>
+          </p:cNvPr>
+          <p:cNvSpPr/>
+          <p:nvPr/>
+        </p:nvSpPr>
+        <p:spPr>
+          <a:xfrm>
+            <a:off x="3262602" y="2379305"/>
+            <a:ext cx="391887" cy="472752"/>
+          </a:xfrm>
+          <a:prstGeom prst="upArrow">
+            <a:avLst/>
+          </a:prstGeom>
+          <a:solidFill>
+            <a:srgbClr val="002060"/>
+          </a:solidFill>
+        </p:spPr>
+        <p:style>
+          <a:lnRef idx="2">
+            <a:schemeClr val="accent1">
+              <a:shade val="15000"/>
+            </a:schemeClr>
+          </a:lnRef>
+          <a:fillRef idx="1">
+            <a:schemeClr val="accent1"/>
+          </a:fillRef>
+          <a:effectRef idx="0">
+            <a:schemeClr val="accent1"/>
+          </a:effectRef>
+          <a:fontRef idx="minor">
+            <a:schemeClr val="lt1"/>
+          </a:fontRef>
+        </p:style>
+        <p:txBody>
+          <a:bodyPr rtlCol="0" anchor="ctr"/>
+          <a:lstStyle/>
+          <a:p>
+            <a:pPr algn="ctr"/>
+            <a:endParaRPr lang="en-US"/>
+          </a:p>
+        </p:txBody>
+      </p:sp>
+      <p:sp>
+        <p:nvSpPr>
+          <p:cNvPr id="13" name="Arrow: Up 12">
+            <a:extLst>
+              <a:ext uri="{FF2B5EF4-FFF2-40B4-BE49-F238E27FC236}">
+                <a16:creationId xmlns:a16="http://schemas.microsoft.com/office/drawing/2014/main" id="{931486CA-9362-BE8E-C861-622C4DC405A7}"/>
+              </a:ext>
+            </a:extLst>
+          </p:cNvPr>
+          <p:cNvSpPr/>
+          <p:nvPr/>
+        </p:nvSpPr>
+        <p:spPr>
+          <a:xfrm>
+            <a:off x="4550226" y="2379305"/>
+            <a:ext cx="391887" cy="472752"/>
+          </a:xfrm>
+          <a:prstGeom prst="upArrow">
+            <a:avLst/>
+          </a:prstGeom>
+          <a:solidFill>
+            <a:srgbClr val="002060"/>
+          </a:solidFill>
+        </p:spPr>
+        <p:style>
+          <a:lnRef idx="2">
+            <a:schemeClr val="accent1">
+              <a:shade val="15000"/>
+            </a:schemeClr>
+          </a:lnRef>
+          <a:fillRef idx="1">
+            <a:schemeClr val="accent1"/>
+          </a:fillRef>
+          <a:effectRef idx="0">
+            <a:schemeClr val="accent1"/>
+          </a:effectRef>
+          <a:fontRef idx="minor">
+            <a:schemeClr val="lt1"/>
+          </a:fontRef>
+        </p:style>
+        <p:txBody>
+          <a:bodyPr rtlCol="0" anchor="ctr"/>
+          <a:lstStyle/>
+          <a:p>
+            <a:pPr algn="ctr"/>
+            <a:endParaRPr lang="en-US"/>
+          </a:p>
+        </p:txBody>
+      </p:sp>
+      <p:sp>
+        <p:nvSpPr>
+          <p:cNvPr id="14" name="TextBox 13">
+            <a:extLst>
+              <a:ext uri="{FF2B5EF4-FFF2-40B4-BE49-F238E27FC236}">
+                <a16:creationId xmlns:a16="http://schemas.microsoft.com/office/drawing/2014/main" id="{340DF6BA-2204-8FDC-3AA9-B9B560DCBDD5}"/>
+              </a:ext>
+            </a:extLst>
+          </p:cNvPr>
+          <p:cNvSpPr txBox="1"/>
+          <p:nvPr/>
+        </p:nvSpPr>
+        <p:spPr>
+          <a:xfrm>
+            <a:off x="914400" y="1632857"/>
+            <a:ext cx="4133461" cy="523220"/>
+          </a:xfrm>
+          <a:prstGeom prst="rect">
+            <a:avLst/>
+          </a:prstGeom>
+          <a:noFill/>
+        </p:spPr>
+        <p:txBody>
+          <a:bodyPr wrap="square" rtlCol="0">
+            <a:spAutoFit/>
+          </a:bodyPr>
+          <a:lstStyle/>
+          <a:p>
+            <a:r>
+              <a:rPr lang="en-US" sz="1400" b="1" dirty="0"/>
+              <a:t>Extension Methods for Existing Standard .NET Classes. Instead of Modifying original classes </a:t>
+            </a:r>
+          </a:p>
+        </p:txBody>
+      </p:sp>
+      <p:sp>
+        <p:nvSpPr>
+          <p:cNvPr id="15" name="Rectangle 14">
+            <a:extLst>
+              <a:ext uri="{FF2B5EF4-FFF2-40B4-BE49-F238E27FC236}">
+                <a16:creationId xmlns:a16="http://schemas.microsoft.com/office/drawing/2014/main" id="{98217780-17C3-DF05-B64D-2BA07D40FDA4}"/>
+              </a:ext>
+            </a:extLst>
+          </p:cNvPr>
+          <p:cNvSpPr/>
+          <p:nvPr/>
+        </p:nvSpPr>
+        <p:spPr>
+          <a:xfrm>
+            <a:off x="429208" y="346788"/>
+            <a:ext cx="11485984" cy="1026367"/>
+          </a:xfrm>
+          <a:prstGeom prst="rect">
+            <a:avLst/>
+          </a:prstGeom>
+        </p:spPr>
+        <p:style>
+          <a:lnRef idx="2">
+            <a:schemeClr val="accent1">
+              <a:shade val="15000"/>
+            </a:schemeClr>
+          </a:lnRef>
+          <a:fillRef idx="1">
+            <a:schemeClr val="accent1"/>
+          </a:fillRef>
+          <a:effectRef idx="0">
+            <a:schemeClr val="accent1"/>
+          </a:effectRef>
+          <a:fontRef idx="minor">
+            <a:schemeClr val="lt1"/>
+          </a:fontRef>
+        </p:style>
+        <p:txBody>
+          <a:bodyPr rtlCol="0" anchor="ctr"/>
+          <a:lstStyle/>
+          <a:p>
+            <a:pPr algn="ctr"/>
+            <a:r>
+              <a:rPr lang="en-US" b="1" dirty="0"/>
+              <a:t>.NET Frwk 4.x</a:t>
+            </a:r>
+          </a:p>
+        </p:txBody>
+      </p:sp>
+      <p:sp>
+        <p:nvSpPr>
+          <p:cNvPr id="16" name="TextBox 15">
+            <a:extLst>
+              <a:ext uri="{FF2B5EF4-FFF2-40B4-BE49-F238E27FC236}">
+                <a16:creationId xmlns:a16="http://schemas.microsoft.com/office/drawing/2014/main" id="{EC9885A7-EAE2-5CFF-CFF7-7548CC869CCB}"/>
+              </a:ext>
+            </a:extLst>
+          </p:cNvPr>
+          <p:cNvSpPr txBox="1"/>
+          <p:nvPr/>
+        </p:nvSpPr>
+        <p:spPr>
+          <a:xfrm>
+            <a:off x="597159" y="544286"/>
+            <a:ext cx="3461657" cy="646331"/>
+          </a:xfrm>
+          <a:prstGeom prst="rect">
+            <a:avLst/>
+          </a:prstGeom>
+          <a:noFill/>
+        </p:spPr>
+        <p:txBody>
+          <a:bodyPr wrap="square" rtlCol="0">
+            <a:spAutoFit/>
+          </a:bodyPr>
+          <a:lstStyle/>
+          <a:p>
+            <a:r>
+              <a:rPr lang="en-US" dirty="0"/>
+              <a:t>Task Parallel Lib, Managed Extensibility Frwk</a:t>
+            </a:r>
+          </a:p>
+        </p:txBody>
+      </p:sp>
+    </p:spTree>
+    <p:extLst>
+      <p:ext uri="{BB962C8B-B14F-4D97-AF65-F5344CB8AC3E}">
+        <p14:creationId xmlns:p14="http://schemas.microsoft.com/office/powerpoint/2010/main" val="211372773"/>
       </p:ext>
     </p:extLst>
   </p:cSld>
@@ -8997,6 +12749,62 @@
           </a:p>
         </p:txBody>
       </p:sp>
+      <p:sp>
+        <p:nvSpPr>
+          <p:cNvPr id="5" name="Rectangle 4">
+            <a:extLst>
+              <a:ext uri="{FF2B5EF4-FFF2-40B4-BE49-F238E27FC236}">
+                <a16:creationId xmlns:a16="http://schemas.microsoft.com/office/drawing/2014/main" id="{CA7A2D88-6309-12F5-2D92-0326C8D48C06}"/>
+              </a:ext>
+            </a:extLst>
+          </p:cNvPr>
+          <p:cNvSpPr/>
+          <p:nvPr/>
+        </p:nvSpPr>
+        <p:spPr>
+          <a:xfrm>
+            <a:off x="7931020" y="3564294"/>
+            <a:ext cx="2789853" cy="2174033"/>
+          </a:xfrm>
+          <a:prstGeom prst="rect">
+            <a:avLst/>
+          </a:prstGeom>
+        </p:spPr>
+        <p:style>
+          <a:lnRef idx="2">
+            <a:schemeClr val="accent1">
+              <a:shade val="15000"/>
+            </a:schemeClr>
+          </a:lnRef>
+          <a:fillRef idx="1">
+            <a:schemeClr val="accent1"/>
+          </a:fillRef>
+          <a:effectRef idx="0">
+            <a:schemeClr val="accent1"/>
+          </a:effectRef>
+          <a:fontRef idx="minor">
+            <a:schemeClr val="lt1"/>
+          </a:fontRef>
+        </p:style>
+        <p:txBody>
+          <a:bodyPr rtlCol="0" anchor="ctr"/>
+          <a:lstStyle/>
+          <a:p>
+            <a:pPr algn="ctr"/>
+            <a:r>
+              <a:rPr lang="en-US" dirty="0"/>
+              <a:t>Servicing App</a:t>
+            </a:r>
+          </a:p>
+          <a:p>
+            <a:pPr algn="ctr"/>
+            <a:r>
+              <a:rPr lang="en-US" dirty="0"/>
+              <a:t>Vehicle</a:t>
+            </a:r>
+          </a:p>
+        </p:txBody>
+      </p:sp>
     </p:spTree>
     <p:extLst>
       <p:ext uri="{BB962C8B-B14F-4D97-AF65-F5344CB8AC3E}">
@@ -9897,6 +13705,931 @@
     <p:extLst>
       <p:ext uri="{BB962C8B-B14F-4D97-AF65-F5344CB8AC3E}">
         <p14:creationId xmlns:p14="http://schemas.microsoft.com/office/powerpoint/2010/main" val="2722242450"/>
+      </p:ext>
+    </p:extLst>
+  </p:cSld>
+  <p:clrMapOvr>
+    <a:masterClrMapping/>
+  </p:clrMapOvr>
+</p:sld>
+</file>
+
+<file path=ppt/slides/slide9.xml><?xml version="1.0" encoding="utf-8"?>
+<p:sld xmlns:a="http://schemas.openxmlformats.org/drawingml/2006/main" xmlns:r="http://schemas.openxmlformats.org/officeDocument/2006/relationships" xmlns:p="http://schemas.openxmlformats.org/presentationml/2006/main">
+  <p:cSld>
+    <p:spTree>
+      <p:nvGrpSpPr>
+        <p:cNvPr id="1" name=""/>
+        <p:cNvGrpSpPr/>
+        <p:nvPr/>
+      </p:nvGrpSpPr>
+      <p:grpSpPr>
+        <a:xfrm>
+          <a:off x="0" y="0"/>
+          <a:ext cx="0" cy="0"/>
+          <a:chOff x="0" y="0"/>
+          <a:chExt cx="0" cy="0"/>
+        </a:xfrm>
+      </p:grpSpPr>
+      <p:sp>
+        <p:nvSpPr>
+          <p:cNvPr id="2" name="Rectangle 1">
+            <a:extLst>
+              <a:ext uri="{FF2B5EF4-FFF2-40B4-BE49-F238E27FC236}">
+                <a16:creationId xmlns:a16="http://schemas.microsoft.com/office/drawing/2014/main" id="{EB7B0383-27A1-C6F6-C798-F01B366BB150}"/>
+              </a:ext>
+            </a:extLst>
+          </p:cNvPr>
+          <p:cNvSpPr/>
+          <p:nvPr/>
+        </p:nvSpPr>
+        <p:spPr>
+          <a:xfrm>
+            <a:off x="4917233" y="667138"/>
+            <a:ext cx="3872204" cy="5523723"/>
+          </a:xfrm>
+          <a:prstGeom prst="rect">
+            <a:avLst/>
+          </a:prstGeom>
+        </p:spPr>
+        <p:style>
+          <a:lnRef idx="2">
+            <a:schemeClr val="accent6"/>
+          </a:lnRef>
+          <a:fillRef idx="1">
+            <a:schemeClr val="lt1"/>
+          </a:fillRef>
+          <a:effectRef idx="0">
+            <a:schemeClr val="accent6"/>
+          </a:effectRef>
+          <a:fontRef idx="minor">
+            <a:schemeClr val="dk1"/>
+          </a:fontRef>
+        </p:style>
+        <p:txBody>
+          <a:bodyPr rtlCol="0" anchor="ctr"/>
+          <a:lstStyle/>
+          <a:p>
+            <a:pPr algn="ctr"/>
+            <a:endParaRPr lang="en-US" dirty="0"/>
+          </a:p>
+        </p:txBody>
+      </p:sp>
+      <p:sp>
+        <p:nvSpPr>
+          <p:cNvPr id="3" name="TextBox 2">
+            <a:extLst>
+              <a:ext uri="{FF2B5EF4-FFF2-40B4-BE49-F238E27FC236}">
+                <a16:creationId xmlns:a16="http://schemas.microsoft.com/office/drawing/2014/main" id="{4878F010-3221-6F08-5EC7-0D121A0BF677}"/>
+              </a:ext>
+            </a:extLst>
+          </p:cNvPr>
+          <p:cNvSpPr txBox="1"/>
+          <p:nvPr/>
+        </p:nvSpPr>
+        <p:spPr>
+          <a:xfrm>
+            <a:off x="5113176" y="951722"/>
+            <a:ext cx="3377681" cy="369332"/>
+          </a:xfrm>
+          <a:prstGeom prst="rect">
+            <a:avLst/>
+          </a:prstGeom>
+          <a:noFill/>
+        </p:spPr>
+        <p:txBody>
+          <a:bodyPr wrap="square" rtlCol="0">
+            <a:spAutoFit/>
+          </a:bodyPr>
+          <a:lstStyle/>
+          <a:p>
+            <a:pPr algn="ctr"/>
+            <a:r>
+              <a:rPr lang="en-US" b="1" dirty="0" err="1"/>
+              <a:t>EComm</a:t>
+            </a:r>
+            <a:endParaRPr lang="en-US" b="1" dirty="0"/>
+          </a:p>
+        </p:txBody>
+      </p:sp>
+      <p:sp>
+        <p:nvSpPr>
+          <p:cNvPr id="4" name="Rectangle 3">
+            <a:extLst>
+              <a:ext uri="{FF2B5EF4-FFF2-40B4-BE49-F238E27FC236}">
+                <a16:creationId xmlns:a16="http://schemas.microsoft.com/office/drawing/2014/main" id="{382B88A5-4A20-13E0-E144-4466115F8EFC}"/>
+              </a:ext>
+            </a:extLst>
+          </p:cNvPr>
+          <p:cNvSpPr/>
+          <p:nvPr/>
+        </p:nvSpPr>
+        <p:spPr>
+          <a:xfrm>
+            <a:off x="5113180" y="1384035"/>
+            <a:ext cx="3377681" cy="783772"/>
+          </a:xfrm>
+          <a:prstGeom prst="rect">
+            <a:avLst/>
+          </a:prstGeom>
+        </p:spPr>
+        <p:style>
+          <a:lnRef idx="2">
+            <a:schemeClr val="accent1">
+              <a:shade val="15000"/>
+            </a:schemeClr>
+          </a:lnRef>
+          <a:fillRef idx="1">
+            <a:schemeClr val="accent1"/>
+          </a:fillRef>
+          <a:effectRef idx="0">
+            <a:schemeClr val="accent1"/>
+          </a:effectRef>
+          <a:fontRef idx="minor">
+            <a:schemeClr val="lt1"/>
+          </a:fontRef>
+        </p:style>
+        <p:txBody>
+          <a:bodyPr rtlCol="0" anchor="ctr"/>
+          <a:lstStyle/>
+          <a:p>
+            <a:pPr algn="ctr"/>
+            <a:r>
+              <a:rPr lang="en-US" b="1" dirty="0"/>
+              <a:t>Manufacturer</a:t>
+            </a:r>
+          </a:p>
+        </p:txBody>
+      </p:sp>
+      <p:sp>
+        <p:nvSpPr>
+          <p:cNvPr id="5" name="Rectangle 4">
+            <a:extLst>
+              <a:ext uri="{FF2B5EF4-FFF2-40B4-BE49-F238E27FC236}">
+                <a16:creationId xmlns:a16="http://schemas.microsoft.com/office/drawing/2014/main" id="{0C9CBB5E-1A81-641B-258E-6A2155DD7024}"/>
+              </a:ext>
+            </a:extLst>
+          </p:cNvPr>
+          <p:cNvSpPr/>
+          <p:nvPr/>
+        </p:nvSpPr>
+        <p:spPr>
+          <a:xfrm>
+            <a:off x="5113179" y="2364532"/>
+            <a:ext cx="3377681" cy="783772"/>
+          </a:xfrm>
+          <a:prstGeom prst="rect">
+            <a:avLst/>
+          </a:prstGeom>
+        </p:spPr>
+        <p:style>
+          <a:lnRef idx="2">
+            <a:schemeClr val="accent1">
+              <a:shade val="15000"/>
+            </a:schemeClr>
+          </a:lnRef>
+          <a:fillRef idx="1">
+            <a:schemeClr val="accent1"/>
+          </a:fillRef>
+          <a:effectRef idx="0">
+            <a:schemeClr val="accent1"/>
+          </a:effectRef>
+          <a:fontRef idx="minor">
+            <a:schemeClr val="lt1"/>
+          </a:fontRef>
+        </p:style>
+        <p:txBody>
+          <a:bodyPr rtlCol="0" anchor="ctr"/>
+          <a:lstStyle/>
+          <a:p>
+            <a:pPr algn="ctr"/>
+            <a:r>
+              <a:rPr lang="en-US" b="1" dirty="0"/>
+              <a:t>Product</a:t>
+            </a:r>
+          </a:p>
+        </p:txBody>
+      </p:sp>
+      <p:sp>
+        <p:nvSpPr>
+          <p:cNvPr id="6" name="Rectangle 5">
+            <a:extLst>
+              <a:ext uri="{FF2B5EF4-FFF2-40B4-BE49-F238E27FC236}">
+                <a16:creationId xmlns:a16="http://schemas.microsoft.com/office/drawing/2014/main" id="{19CE6460-E219-0E51-5951-E1600E961C61}"/>
+              </a:ext>
+            </a:extLst>
+          </p:cNvPr>
+          <p:cNvSpPr/>
+          <p:nvPr/>
+        </p:nvSpPr>
+        <p:spPr>
+          <a:xfrm>
+            <a:off x="5113178" y="3294484"/>
+            <a:ext cx="3377681" cy="783772"/>
+          </a:xfrm>
+          <a:prstGeom prst="rect">
+            <a:avLst/>
+          </a:prstGeom>
+        </p:spPr>
+        <p:style>
+          <a:lnRef idx="2">
+            <a:schemeClr val="accent1">
+              <a:shade val="15000"/>
+            </a:schemeClr>
+          </a:lnRef>
+          <a:fillRef idx="1">
+            <a:schemeClr val="accent1"/>
+          </a:fillRef>
+          <a:effectRef idx="0">
+            <a:schemeClr val="accent1"/>
+          </a:effectRef>
+          <a:fontRef idx="minor">
+            <a:schemeClr val="lt1"/>
+          </a:fontRef>
+        </p:style>
+        <p:txBody>
+          <a:bodyPr rtlCol="0" anchor="ctr"/>
+          <a:lstStyle/>
+          <a:p>
+            <a:pPr algn="ctr"/>
+            <a:r>
+              <a:rPr lang="en-US" b="1" dirty="0"/>
+              <a:t>Customer</a:t>
+            </a:r>
+          </a:p>
+        </p:txBody>
+      </p:sp>
+      <p:sp>
+        <p:nvSpPr>
+          <p:cNvPr id="7" name="Rectangle 6">
+            <a:extLst>
+              <a:ext uri="{FF2B5EF4-FFF2-40B4-BE49-F238E27FC236}">
+                <a16:creationId xmlns:a16="http://schemas.microsoft.com/office/drawing/2014/main" id="{1E088F66-07B9-76F8-B6D0-7C7FC9456EE9}"/>
+              </a:ext>
+            </a:extLst>
+          </p:cNvPr>
+          <p:cNvSpPr/>
+          <p:nvPr/>
+        </p:nvSpPr>
+        <p:spPr>
+          <a:xfrm>
+            <a:off x="5113177" y="4209664"/>
+            <a:ext cx="3377681" cy="783772"/>
+          </a:xfrm>
+          <a:prstGeom prst="rect">
+            <a:avLst/>
+          </a:prstGeom>
+        </p:spPr>
+        <p:style>
+          <a:lnRef idx="2">
+            <a:schemeClr val="accent1">
+              <a:shade val="15000"/>
+            </a:schemeClr>
+          </a:lnRef>
+          <a:fillRef idx="1">
+            <a:schemeClr val="accent1"/>
+          </a:fillRef>
+          <a:effectRef idx="0">
+            <a:schemeClr val="accent1"/>
+          </a:effectRef>
+          <a:fontRef idx="minor">
+            <a:schemeClr val="lt1"/>
+          </a:fontRef>
+        </p:style>
+        <p:txBody>
+          <a:bodyPr rtlCol="0" anchor="ctr"/>
+          <a:lstStyle/>
+          <a:p>
+            <a:pPr algn="ctr"/>
+            <a:r>
+              <a:rPr lang="en-US" b="1" dirty="0"/>
+              <a:t>Order</a:t>
+            </a:r>
+          </a:p>
+        </p:txBody>
+      </p:sp>
+      <p:sp>
+        <p:nvSpPr>
+          <p:cNvPr id="8" name="Rectangle 7">
+            <a:extLst>
+              <a:ext uri="{FF2B5EF4-FFF2-40B4-BE49-F238E27FC236}">
+                <a16:creationId xmlns:a16="http://schemas.microsoft.com/office/drawing/2014/main" id="{B070A173-F589-ED9B-F6A5-D9BEE326414D}"/>
+              </a:ext>
+            </a:extLst>
+          </p:cNvPr>
+          <p:cNvSpPr/>
+          <p:nvPr/>
+        </p:nvSpPr>
+        <p:spPr>
+          <a:xfrm>
+            <a:off x="5113176" y="5122506"/>
+            <a:ext cx="3377681" cy="783772"/>
+          </a:xfrm>
+          <a:prstGeom prst="rect">
+            <a:avLst/>
+          </a:prstGeom>
+        </p:spPr>
+        <p:style>
+          <a:lnRef idx="2">
+            <a:schemeClr val="accent1">
+              <a:shade val="15000"/>
+            </a:schemeClr>
+          </a:lnRef>
+          <a:fillRef idx="1">
+            <a:schemeClr val="accent1"/>
+          </a:fillRef>
+          <a:effectRef idx="0">
+            <a:schemeClr val="accent1"/>
+          </a:effectRef>
+          <a:fontRef idx="minor">
+            <a:schemeClr val="lt1"/>
+          </a:fontRef>
+        </p:style>
+        <p:txBody>
+          <a:bodyPr rtlCol="0" anchor="ctr"/>
+          <a:lstStyle/>
+          <a:p>
+            <a:pPr algn="ctr"/>
+            <a:r>
+              <a:rPr lang="en-US" b="1" dirty="0"/>
+              <a:t>Dispatch</a:t>
+            </a:r>
+          </a:p>
+        </p:txBody>
+      </p:sp>
+      <p:sp>
+        <p:nvSpPr>
+          <p:cNvPr id="9" name="Flowchart: Magnetic Disk 8">
+            <a:extLst>
+              <a:ext uri="{FF2B5EF4-FFF2-40B4-BE49-F238E27FC236}">
+                <a16:creationId xmlns:a16="http://schemas.microsoft.com/office/drawing/2014/main" id="{59360DFE-CBB0-60AB-CACE-DA839E6BF4FB}"/>
+              </a:ext>
+            </a:extLst>
+          </p:cNvPr>
+          <p:cNvSpPr/>
+          <p:nvPr/>
+        </p:nvSpPr>
+        <p:spPr>
+          <a:xfrm>
+            <a:off x="9582539" y="1571427"/>
+            <a:ext cx="2258008" cy="1405817"/>
+          </a:xfrm>
+          <a:prstGeom prst="flowChartMagneticDisk">
+            <a:avLst/>
+          </a:prstGeom>
+        </p:spPr>
+        <p:style>
+          <a:lnRef idx="2">
+            <a:schemeClr val="accent1">
+              <a:shade val="15000"/>
+            </a:schemeClr>
+          </a:lnRef>
+          <a:fillRef idx="1">
+            <a:schemeClr val="accent1"/>
+          </a:fillRef>
+          <a:effectRef idx="0">
+            <a:schemeClr val="accent1"/>
+          </a:effectRef>
+          <a:fontRef idx="minor">
+            <a:schemeClr val="lt1"/>
+          </a:fontRef>
+        </p:style>
+        <p:txBody>
+          <a:bodyPr rtlCol="0" anchor="ctr"/>
+          <a:lstStyle/>
+          <a:p>
+            <a:pPr algn="ctr"/>
+            <a:r>
+              <a:rPr lang="en-US" dirty="0"/>
+              <a:t>SQL </a:t>
+            </a:r>
+          </a:p>
+          <a:p>
+            <a:pPr algn="ctr"/>
+            <a:r>
+              <a:rPr lang="en-US" dirty="0"/>
+              <a:t>Database</a:t>
+            </a:r>
+          </a:p>
+        </p:txBody>
+      </p:sp>
+      <p:cxnSp>
+        <p:nvCxnSpPr>
+          <p:cNvPr id="11" name="Connector: Elbow 10">
+            <a:extLst>
+              <a:ext uri="{FF2B5EF4-FFF2-40B4-BE49-F238E27FC236}">
+                <a16:creationId xmlns:a16="http://schemas.microsoft.com/office/drawing/2014/main" id="{EC1F648E-9C6B-266C-889E-225716589A4A}"/>
+              </a:ext>
+            </a:extLst>
+          </p:cNvPr>
+          <p:cNvCxnSpPr>
+            <a:stCxn id="4" idx="3"/>
+            <a:endCxn id="9" idx="2"/>
+          </p:cNvCxnSpPr>
+          <p:nvPr/>
+        </p:nvCxnSpPr>
+        <p:spPr>
+          <a:xfrm>
+            <a:off x="8490861" y="1775921"/>
+            <a:ext cx="1091678" cy="498415"/>
+          </a:xfrm>
+          <a:prstGeom prst="bentConnector3">
+            <a:avLst/>
+          </a:prstGeom>
+          <a:ln>
+            <a:headEnd type="triangle"/>
+            <a:tailEnd type="triangle"/>
+          </a:ln>
+        </p:spPr>
+        <p:style>
+          <a:lnRef idx="1">
+            <a:schemeClr val="accent1"/>
+          </a:lnRef>
+          <a:fillRef idx="0">
+            <a:schemeClr val="accent1"/>
+          </a:fillRef>
+          <a:effectRef idx="0">
+            <a:schemeClr val="accent1"/>
+          </a:effectRef>
+          <a:fontRef idx="minor">
+            <a:schemeClr val="tx1"/>
+          </a:fontRef>
+        </p:style>
+      </p:cxnSp>
+      <p:cxnSp>
+        <p:nvCxnSpPr>
+          <p:cNvPr id="13" name="Connector: Elbow 12">
+            <a:extLst>
+              <a:ext uri="{FF2B5EF4-FFF2-40B4-BE49-F238E27FC236}">
+                <a16:creationId xmlns:a16="http://schemas.microsoft.com/office/drawing/2014/main" id="{0E79C533-4EB6-8E0E-34CA-F6492A5ECCC1}"/>
+              </a:ext>
+            </a:extLst>
+          </p:cNvPr>
+          <p:cNvCxnSpPr>
+            <a:stCxn id="5" idx="3"/>
+            <a:endCxn id="9" idx="2"/>
+          </p:cNvCxnSpPr>
+          <p:nvPr/>
+        </p:nvCxnSpPr>
+        <p:spPr>
+          <a:xfrm flipV="1">
+            <a:off x="8490860" y="2274336"/>
+            <a:ext cx="1091679" cy="482082"/>
+          </a:xfrm>
+          <a:prstGeom prst="bentConnector3">
+            <a:avLst/>
+          </a:prstGeom>
+          <a:ln>
+            <a:headEnd type="triangle"/>
+            <a:tailEnd type="triangle"/>
+          </a:ln>
+        </p:spPr>
+        <p:style>
+          <a:lnRef idx="1">
+            <a:schemeClr val="accent1"/>
+          </a:lnRef>
+          <a:fillRef idx="0">
+            <a:schemeClr val="accent1"/>
+          </a:fillRef>
+          <a:effectRef idx="0">
+            <a:schemeClr val="accent1"/>
+          </a:effectRef>
+          <a:fontRef idx="minor">
+            <a:schemeClr val="tx1"/>
+          </a:fontRef>
+        </p:style>
+      </p:cxnSp>
+      <p:cxnSp>
+        <p:nvCxnSpPr>
+          <p:cNvPr id="15" name="Connector: Elbow 14">
+            <a:extLst>
+              <a:ext uri="{FF2B5EF4-FFF2-40B4-BE49-F238E27FC236}">
+                <a16:creationId xmlns:a16="http://schemas.microsoft.com/office/drawing/2014/main" id="{3FA41D27-1DCF-CB54-A0BA-650C2CA782BF}"/>
+              </a:ext>
+            </a:extLst>
+          </p:cNvPr>
+          <p:cNvCxnSpPr>
+            <a:stCxn id="6" idx="3"/>
+            <a:endCxn id="9" idx="2"/>
+          </p:cNvCxnSpPr>
+          <p:nvPr/>
+        </p:nvCxnSpPr>
+        <p:spPr>
+          <a:xfrm flipV="1">
+            <a:off x="8490859" y="2274336"/>
+            <a:ext cx="1091680" cy="1412034"/>
+          </a:xfrm>
+          <a:prstGeom prst="bentConnector3">
+            <a:avLst/>
+          </a:prstGeom>
+          <a:ln>
+            <a:headEnd type="triangle"/>
+            <a:tailEnd type="triangle"/>
+          </a:ln>
+        </p:spPr>
+        <p:style>
+          <a:lnRef idx="1">
+            <a:schemeClr val="accent1"/>
+          </a:lnRef>
+          <a:fillRef idx="0">
+            <a:schemeClr val="accent1"/>
+          </a:fillRef>
+          <a:effectRef idx="0">
+            <a:schemeClr val="accent1"/>
+          </a:effectRef>
+          <a:fontRef idx="minor">
+            <a:schemeClr val="tx1"/>
+          </a:fontRef>
+        </p:style>
+      </p:cxnSp>
+      <p:cxnSp>
+        <p:nvCxnSpPr>
+          <p:cNvPr id="17" name="Connector: Elbow 16">
+            <a:extLst>
+              <a:ext uri="{FF2B5EF4-FFF2-40B4-BE49-F238E27FC236}">
+                <a16:creationId xmlns:a16="http://schemas.microsoft.com/office/drawing/2014/main" id="{38292542-6547-132E-5C75-6857343EE3D6}"/>
+              </a:ext>
+            </a:extLst>
+          </p:cNvPr>
+          <p:cNvCxnSpPr>
+            <a:cxnSpLocks/>
+            <a:stCxn id="7" idx="3"/>
+            <a:endCxn id="9" idx="2"/>
+          </p:cNvCxnSpPr>
+          <p:nvPr/>
+        </p:nvCxnSpPr>
+        <p:spPr>
+          <a:xfrm flipV="1">
+            <a:off x="8490858" y="2274336"/>
+            <a:ext cx="1091681" cy="2327214"/>
+          </a:xfrm>
+          <a:prstGeom prst="bentConnector3">
+            <a:avLst>
+              <a:gd name="adj1" fmla="val 50000"/>
+            </a:avLst>
+          </a:prstGeom>
+          <a:ln>
+            <a:headEnd type="triangle"/>
+            <a:tailEnd type="triangle"/>
+          </a:ln>
+        </p:spPr>
+        <p:style>
+          <a:lnRef idx="1">
+            <a:schemeClr val="accent1"/>
+          </a:lnRef>
+          <a:fillRef idx="0">
+            <a:schemeClr val="accent1"/>
+          </a:fillRef>
+          <a:effectRef idx="0">
+            <a:schemeClr val="accent1"/>
+          </a:effectRef>
+          <a:fontRef idx="minor">
+            <a:schemeClr val="tx1"/>
+          </a:fontRef>
+        </p:style>
+      </p:cxnSp>
+      <p:cxnSp>
+        <p:nvCxnSpPr>
+          <p:cNvPr id="20" name="Connector: Elbow 19">
+            <a:extLst>
+              <a:ext uri="{FF2B5EF4-FFF2-40B4-BE49-F238E27FC236}">
+                <a16:creationId xmlns:a16="http://schemas.microsoft.com/office/drawing/2014/main" id="{AD6ED82C-4078-7333-D49D-E5081D1EA2C5}"/>
+              </a:ext>
+            </a:extLst>
+          </p:cNvPr>
+          <p:cNvCxnSpPr>
+            <a:stCxn id="8" idx="3"/>
+            <a:endCxn id="9" idx="2"/>
+          </p:cNvCxnSpPr>
+          <p:nvPr/>
+        </p:nvCxnSpPr>
+        <p:spPr>
+          <a:xfrm flipV="1">
+            <a:off x="8490857" y="2274336"/>
+            <a:ext cx="1091682" cy="3240056"/>
+          </a:xfrm>
+          <a:prstGeom prst="bentConnector3">
+            <a:avLst/>
+          </a:prstGeom>
+          <a:ln>
+            <a:headEnd type="triangle"/>
+            <a:tailEnd type="triangle"/>
+          </a:ln>
+        </p:spPr>
+        <p:style>
+          <a:lnRef idx="1">
+            <a:schemeClr val="accent1"/>
+          </a:lnRef>
+          <a:fillRef idx="0">
+            <a:schemeClr val="accent1"/>
+          </a:fillRef>
+          <a:effectRef idx="0">
+            <a:schemeClr val="accent1"/>
+          </a:effectRef>
+          <a:fontRef idx="minor">
+            <a:schemeClr val="tx1"/>
+          </a:fontRef>
+        </p:style>
+      </p:cxnSp>
+      <p:sp>
+        <p:nvSpPr>
+          <p:cNvPr id="21" name="Rectangle: Rounded Corners 20">
+            <a:extLst>
+              <a:ext uri="{FF2B5EF4-FFF2-40B4-BE49-F238E27FC236}">
+                <a16:creationId xmlns:a16="http://schemas.microsoft.com/office/drawing/2014/main" id="{0BE689C0-FD8D-2019-C3A9-0201E51A9B3D}"/>
+              </a:ext>
+            </a:extLst>
+          </p:cNvPr>
+          <p:cNvSpPr/>
+          <p:nvPr/>
+        </p:nvSpPr>
+        <p:spPr>
+          <a:xfrm>
+            <a:off x="242596" y="2756418"/>
+            <a:ext cx="1968759" cy="1097125"/>
+          </a:xfrm>
+          <a:prstGeom prst="roundRect">
+            <a:avLst/>
+          </a:prstGeom>
+        </p:spPr>
+        <p:style>
+          <a:lnRef idx="2">
+            <a:schemeClr val="accent1">
+              <a:shade val="15000"/>
+            </a:schemeClr>
+          </a:lnRef>
+          <a:fillRef idx="1">
+            <a:schemeClr val="accent1"/>
+          </a:fillRef>
+          <a:effectRef idx="0">
+            <a:schemeClr val="accent1"/>
+          </a:effectRef>
+          <a:fontRef idx="minor">
+            <a:schemeClr val="lt1"/>
+          </a:fontRef>
+        </p:style>
+        <p:txBody>
+          <a:bodyPr rtlCol="0" anchor="ctr"/>
+          <a:lstStyle/>
+          <a:p>
+            <a:pPr algn="ctr"/>
+            <a:r>
+              <a:rPr lang="en-US" dirty="0"/>
+              <a:t>Client Apps</a:t>
+            </a:r>
+          </a:p>
+        </p:txBody>
+      </p:sp>
+      <p:cxnSp>
+        <p:nvCxnSpPr>
+          <p:cNvPr id="23" name="Connector: Elbow 22">
+            <a:extLst>
+              <a:ext uri="{FF2B5EF4-FFF2-40B4-BE49-F238E27FC236}">
+                <a16:creationId xmlns:a16="http://schemas.microsoft.com/office/drawing/2014/main" id="{BA4E036E-C069-E3D0-0C42-E13FD1679628}"/>
+              </a:ext>
+            </a:extLst>
+          </p:cNvPr>
+          <p:cNvCxnSpPr>
+            <a:stCxn id="21" idx="3"/>
+            <a:endCxn id="2" idx="1"/>
+          </p:cNvCxnSpPr>
+          <p:nvPr/>
+        </p:nvCxnSpPr>
+        <p:spPr>
+          <a:xfrm>
+            <a:off x="2211355" y="3304981"/>
+            <a:ext cx="2705878" cy="124019"/>
+          </a:xfrm>
+          <a:prstGeom prst="bentConnector3">
+            <a:avLst/>
+          </a:prstGeom>
+          <a:ln>
+            <a:headEnd type="triangle"/>
+            <a:tailEnd type="triangle"/>
+          </a:ln>
+        </p:spPr>
+        <p:style>
+          <a:lnRef idx="1">
+            <a:schemeClr val="accent1"/>
+          </a:lnRef>
+          <a:fillRef idx="0">
+            <a:schemeClr val="accent1"/>
+          </a:fillRef>
+          <a:effectRef idx="0">
+            <a:schemeClr val="accent1"/>
+          </a:effectRef>
+          <a:fontRef idx="minor">
+            <a:schemeClr val="tx1"/>
+          </a:fontRef>
+        </p:style>
+      </p:cxnSp>
+      <p:sp>
+        <p:nvSpPr>
+          <p:cNvPr id="24" name="Arrow: Left-Right 23">
+            <a:extLst>
+              <a:ext uri="{FF2B5EF4-FFF2-40B4-BE49-F238E27FC236}">
+                <a16:creationId xmlns:a16="http://schemas.microsoft.com/office/drawing/2014/main" id="{A3BE1BCC-38C4-DBB3-F4A2-099E6CAD39E8}"/>
+              </a:ext>
+            </a:extLst>
+          </p:cNvPr>
+          <p:cNvSpPr/>
+          <p:nvPr/>
+        </p:nvSpPr>
+        <p:spPr>
+          <a:xfrm>
+            <a:off x="4917233" y="6190861"/>
+            <a:ext cx="6923314" cy="450208"/>
+          </a:xfrm>
+          <a:prstGeom prst="leftRightArrow">
+            <a:avLst/>
+          </a:prstGeom>
+        </p:spPr>
+        <p:style>
+          <a:lnRef idx="2">
+            <a:schemeClr val="accent1">
+              <a:shade val="15000"/>
+            </a:schemeClr>
+          </a:lnRef>
+          <a:fillRef idx="1">
+            <a:schemeClr val="accent1"/>
+          </a:fillRef>
+          <a:effectRef idx="0">
+            <a:schemeClr val="accent1"/>
+          </a:effectRef>
+          <a:fontRef idx="minor">
+            <a:schemeClr val="lt1"/>
+          </a:fontRef>
+        </p:style>
+        <p:txBody>
+          <a:bodyPr rtlCol="0" anchor="ctr"/>
+          <a:lstStyle/>
+          <a:p>
+            <a:pPr algn="ctr"/>
+            <a:r>
+              <a:rPr lang="en-US" dirty="0"/>
+              <a:t>Frequent Calls to Database</a:t>
+            </a:r>
+          </a:p>
+        </p:txBody>
+      </p:sp>
+      <p:sp>
+        <p:nvSpPr>
+          <p:cNvPr id="30" name="Flowchart: Multidocument 29">
+            <a:extLst>
+              <a:ext uri="{FF2B5EF4-FFF2-40B4-BE49-F238E27FC236}">
+                <a16:creationId xmlns:a16="http://schemas.microsoft.com/office/drawing/2014/main" id="{A8E82CC9-C2C9-A754-6807-E6EEBD3E87DC}"/>
+              </a:ext>
+            </a:extLst>
+          </p:cNvPr>
+          <p:cNvSpPr/>
+          <p:nvPr/>
+        </p:nvSpPr>
+        <p:spPr>
+          <a:xfrm>
+            <a:off x="9671179" y="3240831"/>
+            <a:ext cx="2080727" cy="1307066"/>
+          </a:xfrm>
+          <a:prstGeom prst="flowChartMultidocument">
+            <a:avLst/>
+          </a:prstGeom>
+        </p:spPr>
+        <p:style>
+          <a:lnRef idx="2">
+            <a:schemeClr val="accent1">
+              <a:shade val="15000"/>
+            </a:schemeClr>
+          </a:lnRef>
+          <a:fillRef idx="1">
+            <a:schemeClr val="accent1"/>
+          </a:fillRef>
+          <a:effectRef idx="0">
+            <a:schemeClr val="accent1"/>
+          </a:effectRef>
+          <a:fontRef idx="minor">
+            <a:schemeClr val="lt1"/>
+          </a:fontRef>
+        </p:style>
+        <p:txBody>
+          <a:bodyPr rtlCol="0" anchor="ctr"/>
+          <a:lstStyle/>
+          <a:p>
+            <a:pPr algn="ctr"/>
+            <a:r>
+              <a:rPr lang="en-US" dirty="0"/>
+              <a:t>BLOB Documents</a:t>
+            </a:r>
+          </a:p>
+        </p:txBody>
+      </p:sp>
+      <p:sp>
+        <p:nvSpPr>
+          <p:cNvPr id="31" name="Flowchart: Magnetic Disk 30">
+            <a:extLst>
+              <a:ext uri="{FF2B5EF4-FFF2-40B4-BE49-F238E27FC236}">
+                <a16:creationId xmlns:a16="http://schemas.microsoft.com/office/drawing/2014/main" id="{CE56E785-5EF5-7A41-61FE-82629CCD6B91}"/>
+              </a:ext>
+            </a:extLst>
+          </p:cNvPr>
+          <p:cNvSpPr/>
+          <p:nvPr/>
+        </p:nvSpPr>
+        <p:spPr>
+          <a:xfrm>
+            <a:off x="9493898" y="4606990"/>
+            <a:ext cx="2258008" cy="1405817"/>
+          </a:xfrm>
+          <a:prstGeom prst="flowChartMagneticDisk">
+            <a:avLst/>
+          </a:prstGeom>
+        </p:spPr>
+        <p:style>
+          <a:lnRef idx="2">
+            <a:schemeClr val="accent1">
+              <a:shade val="15000"/>
+            </a:schemeClr>
+          </a:lnRef>
+          <a:fillRef idx="1">
+            <a:schemeClr val="accent1"/>
+          </a:fillRef>
+          <a:effectRef idx="0">
+            <a:schemeClr val="accent1"/>
+          </a:effectRef>
+          <a:fontRef idx="minor">
+            <a:schemeClr val="lt1"/>
+          </a:fontRef>
+        </p:style>
+        <p:txBody>
+          <a:bodyPr rtlCol="0" anchor="ctr"/>
+          <a:lstStyle/>
+          <a:p>
+            <a:pPr algn="ctr"/>
+            <a:r>
+              <a:rPr lang="en-US" dirty="0"/>
+              <a:t>NoSQL</a:t>
+            </a:r>
+          </a:p>
+        </p:txBody>
+      </p:sp>
+      <p:sp>
+        <p:nvSpPr>
+          <p:cNvPr id="32" name="TextBox 31">
+            <a:extLst>
+              <a:ext uri="{FF2B5EF4-FFF2-40B4-BE49-F238E27FC236}">
+                <a16:creationId xmlns:a16="http://schemas.microsoft.com/office/drawing/2014/main" id="{1BF0A4A1-A75F-2F42-43DA-EFB8482D082E}"/>
+              </a:ext>
+            </a:extLst>
+          </p:cNvPr>
+          <p:cNvSpPr txBox="1"/>
+          <p:nvPr/>
+        </p:nvSpPr>
+        <p:spPr>
+          <a:xfrm>
+            <a:off x="125963" y="4128758"/>
+            <a:ext cx="4432041" cy="2062103"/>
+          </a:xfrm>
+          <a:prstGeom prst="rect">
+            <a:avLst/>
+          </a:prstGeom>
+          <a:noFill/>
+        </p:spPr>
+        <p:txBody>
+          <a:bodyPr wrap="square" rtlCol="0">
+            <a:spAutoFit/>
+          </a:bodyPr>
+          <a:lstStyle/>
+          <a:p>
+            <a:pPr marL="342900" indent="-342900">
+              <a:buAutoNum type="arabicPeriod"/>
+            </a:pPr>
+            <a:r>
+              <a:rPr lang="en-US" sz="1600" dirty="0"/>
+              <a:t>Frequent calls to Data Store increases the Traffic in Network</a:t>
+            </a:r>
+          </a:p>
+          <a:p>
+            <a:pPr marL="342900" indent="-342900">
+              <a:buAutoNum type="arabicPeriod"/>
+            </a:pPr>
+            <a:r>
+              <a:rPr lang="en-US" sz="1600" dirty="0"/>
+              <a:t> Keeps Data Store Busy Everytime for request processing, this may result into the performance slowdown</a:t>
+            </a:r>
+          </a:p>
+          <a:p>
+            <a:pPr marL="342900" indent="-342900">
+              <a:buAutoNum type="arabicPeriod"/>
+            </a:pPr>
+            <a:r>
+              <a:rPr lang="en-US" sz="1600" dirty="0"/>
+              <a:t>Busy database may keep new request in wait condition and hence the client app will have to wait for longer period to receive response  </a:t>
+            </a:r>
+          </a:p>
+        </p:txBody>
+      </p:sp>
+    </p:spTree>
+    <p:extLst>
+      <p:ext uri="{BB962C8B-B14F-4D97-AF65-F5344CB8AC3E}">
+        <p14:creationId xmlns:p14="http://schemas.microsoft.com/office/powerpoint/2010/main" val="2840035229"/>
       </p:ext>
     </p:extLst>
   </p:cSld>

--- a/Images.pptx
+++ b/Images.pptx
@@ -13,13 +13,22 @@
     <p:sldId id="261" r:id="rId7"/>
     <p:sldId id="262" r:id="rId8"/>
     <p:sldId id="263" r:id="rId9"/>
-    <p:sldId id="264" r:id="rId10"/>
-    <p:sldId id="265" r:id="rId11"/>
-    <p:sldId id="266" r:id="rId12"/>
-    <p:sldId id="267" r:id="rId13"/>
-    <p:sldId id="268" r:id="rId14"/>
-    <p:sldId id="269" r:id="rId15"/>
-    <p:sldId id="270" r:id="rId16"/>
+    <p:sldId id="272" r:id="rId10"/>
+    <p:sldId id="264" r:id="rId11"/>
+    <p:sldId id="265" r:id="rId12"/>
+    <p:sldId id="266" r:id="rId13"/>
+    <p:sldId id="267" r:id="rId14"/>
+    <p:sldId id="268" r:id="rId15"/>
+    <p:sldId id="269" r:id="rId16"/>
+    <p:sldId id="273" r:id="rId17"/>
+    <p:sldId id="274" r:id="rId18"/>
+    <p:sldId id="275" r:id="rId19"/>
+    <p:sldId id="270" r:id="rId20"/>
+    <p:sldId id="276" r:id="rId21"/>
+    <p:sldId id="277" r:id="rId22"/>
+    <p:sldId id="278" r:id="rId23"/>
+    <p:sldId id="279" r:id="rId24"/>
+    <p:sldId id="271" r:id="rId25"/>
   </p:sldIdLst>
   <p:sldSz cx="12192000" cy="6858000"/>
   <p:notesSz cx="6858000" cy="9144000"/>
@@ -273,7 +282,7 @@
           <a:p>
             <a:fld id="{AA664FF4-21B7-42BA-B2A9-563C2A71FA7D}" type="datetimeFigureOut">
               <a:rPr lang="en-US" smtClean="0"/>
-              <a:t>9/27/2023</a:t>
+              <a:t>9/28/2023</a:t>
             </a:fld>
             <a:endParaRPr lang="en-US"/>
           </a:p>
@@ -471,7 +480,7 @@
           <a:p>
             <a:fld id="{AA664FF4-21B7-42BA-B2A9-563C2A71FA7D}" type="datetimeFigureOut">
               <a:rPr lang="en-US" smtClean="0"/>
-              <a:t>9/27/2023</a:t>
+              <a:t>9/28/2023</a:t>
             </a:fld>
             <a:endParaRPr lang="en-US"/>
           </a:p>
@@ -679,7 +688,7 @@
           <a:p>
             <a:fld id="{AA664FF4-21B7-42BA-B2A9-563C2A71FA7D}" type="datetimeFigureOut">
               <a:rPr lang="en-US" smtClean="0"/>
-              <a:t>9/27/2023</a:t>
+              <a:t>9/28/2023</a:t>
             </a:fld>
             <a:endParaRPr lang="en-US"/>
           </a:p>
@@ -877,7 +886,7 @@
           <a:p>
             <a:fld id="{AA664FF4-21B7-42BA-B2A9-563C2A71FA7D}" type="datetimeFigureOut">
               <a:rPr lang="en-US" smtClean="0"/>
-              <a:t>9/27/2023</a:t>
+              <a:t>9/28/2023</a:t>
             </a:fld>
             <a:endParaRPr lang="en-US"/>
           </a:p>
@@ -1152,7 +1161,7 @@
           <a:p>
             <a:fld id="{AA664FF4-21B7-42BA-B2A9-563C2A71FA7D}" type="datetimeFigureOut">
               <a:rPr lang="en-US" smtClean="0"/>
-              <a:t>9/27/2023</a:t>
+              <a:t>9/28/2023</a:t>
             </a:fld>
             <a:endParaRPr lang="en-US"/>
           </a:p>
@@ -1417,7 +1426,7 @@
           <a:p>
             <a:fld id="{AA664FF4-21B7-42BA-B2A9-563C2A71FA7D}" type="datetimeFigureOut">
               <a:rPr lang="en-US" smtClean="0"/>
-              <a:t>9/27/2023</a:t>
+              <a:t>9/28/2023</a:t>
             </a:fld>
             <a:endParaRPr lang="en-US"/>
           </a:p>
@@ -1829,7 +1838,7 @@
           <a:p>
             <a:fld id="{AA664FF4-21B7-42BA-B2A9-563C2A71FA7D}" type="datetimeFigureOut">
               <a:rPr lang="en-US" smtClean="0"/>
-              <a:t>9/27/2023</a:t>
+              <a:t>9/28/2023</a:t>
             </a:fld>
             <a:endParaRPr lang="en-US"/>
           </a:p>
@@ -1970,7 +1979,7 @@
           <a:p>
             <a:fld id="{AA664FF4-21B7-42BA-B2A9-563C2A71FA7D}" type="datetimeFigureOut">
               <a:rPr lang="en-US" smtClean="0"/>
-              <a:t>9/27/2023</a:t>
+              <a:t>9/28/2023</a:t>
             </a:fld>
             <a:endParaRPr lang="en-US"/>
           </a:p>
@@ -2083,7 +2092,7 @@
           <a:p>
             <a:fld id="{AA664FF4-21B7-42BA-B2A9-563C2A71FA7D}" type="datetimeFigureOut">
               <a:rPr lang="en-US" smtClean="0"/>
-              <a:t>9/27/2023</a:t>
+              <a:t>9/28/2023</a:t>
             </a:fld>
             <a:endParaRPr lang="en-US"/>
           </a:p>
@@ -2394,7 +2403,7 @@
           <a:p>
             <a:fld id="{AA664FF4-21B7-42BA-B2A9-563C2A71FA7D}" type="datetimeFigureOut">
               <a:rPr lang="en-US" smtClean="0"/>
-              <a:t>9/27/2023</a:t>
+              <a:t>9/28/2023</a:t>
             </a:fld>
             <a:endParaRPr lang="en-US"/>
           </a:p>
@@ -2682,7 +2691,7 @@
           <a:p>
             <a:fld id="{AA664FF4-21B7-42BA-B2A9-563C2A71FA7D}" type="datetimeFigureOut">
               <a:rPr lang="en-US" smtClean="0"/>
-              <a:t>9/27/2023</a:t>
+              <a:t>9/28/2023</a:t>
             </a:fld>
             <a:endParaRPr lang="en-US"/>
           </a:p>
@@ -2923,7 +2932,7 @@
           <a:p>
             <a:fld id="{AA664FF4-21B7-42BA-B2A9-563C2A71FA7D}" type="datetimeFigureOut">
               <a:rPr lang="en-US" smtClean="0"/>
-              <a:t>9/27/2023</a:t>
+              <a:t>9/28/2023</a:t>
             </a:fld>
             <a:endParaRPr lang="en-US"/>
           </a:p>
@@ -4280,7 +4289,7 @@
           <p:cNvPr id="2" name="Rectangle 1">
             <a:extLst>
               <a:ext uri="{FF2B5EF4-FFF2-40B4-BE49-F238E27FC236}">
-                <a16:creationId xmlns:a16="http://schemas.microsoft.com/office/drawing/2014/main" id="{0B01C981-AFE9-071D-6C90-05A45B16D9F0}"/>
+                <a16:creationId xmlns:a16="http://schemas.microsoft.com/office/drawing/2014/main" id="{EB7B0383-27A1-C6F6-C798-F01B366BB150}"/>
               </a:ext>
             </a:extLst>
           </p:cNvPr>
@@ -4289,22 +4298,22 @@
         </p:nvSpPr>
         <p:spPr>
           <a:xfrm>
-            <a:off x="5159829" y="933062"/>
-            <a:ext cx="3508310" cy="2864498"/>
+            <a:off x="4917233" y="667138"/>
+            <a:ext cx="3872204" cy="5523723"/>
           </a:xfrm>
           <a:prstGeom prst="rect">
             <a:avLst/>
           </a:prstGeom>
         </p:spPr>
         <p:style>
-          <a:lnRef idx="1">
-            <a:schemeClr val="accent2"/>
-          </a:lnRef>
-          <a:fillRef idx="2">
-            <a:schemeClr val="accent2"/>
-          </a:fillRef>
-          <a:effectRef idx="1">
-            <a:schemeClr val="accent2"/>
+          <a:lnRef idx="2">
+            <a:schemeClr val="accent6"/>
+          </a:lnRef>
+          <a:fillRef idx="1">
+            <a:schemeClr val="lt1"/>
+          </a:fillRef>
+          <a:effectRef idx="0">
+            <a:schemeClr val="accent6"/>
           </a:effectRef>
           <a:fontRef idx="minor">
             <a:schemeClr val="dk1"/>
@@ -4315,19 +4324,53 @@
           <a:lstStyle/>
           <a:p>
             <a:pPr algn="ctr"/>
-            <a:r>
-              <a:rPr lang="en-US" b="1" dirty="0"/>
-              <a:t>Application System</a:t>
-            </a:r>
-          </a:p>
-        </p:txBody>
-      </p:sp>
-      <p:sp>
-        <p:nvSpPr>
-          <p:cNvPr id="3" name="Flowchart: Magnetic Disk 2">
-            <a:extLst>
-              <a:ext uri="{FF2B5EF4-FFF2-40B4-BE49-F238E27FC236}">
-                <a16:creationId xmlns:a16="http://schemas.microsoft.com/office/drawing/2014/main" id="{3CACF822-94A8-CA9F-71C9-0D31F5CC66D5}"/>
+            <a:endParaRPr lang="en-US" dirty="0"/>
+          </a:p>
+        </p:txBody>
+      </p:sp>
+      <p:sp>
+        <p:nvSpPr>
+          <p:cNvPr id="3" name="TextBox 2">
+            <a:extLst>
+              <a:ext uri="{FF2B5EF4-FFF2-40B4-BE49-F238E27FC236}">
+                <a16:creationId xmlns:a16="http://schemas.microsoft.com/office/drawing/2014/main" id="{4878F010-3221-6F08-5EC7-0D121A0BF677}"/>
+              </a:ext>
+            </a:extLst>
+          </p:cNvPr>
+          <p:cNvSpPr txBox="1"/>
+          <p:nvPr/>
+        </p:nvSpPr>
+        <p:spPr>
+          <a:xfrm>
+            <a:off x="5113176" y="951722"/>
+            <a:ext cx="3377681" cy="369332"/>
+          </a:xfrm>
+          <a:prstGeom prst="rect">
+            <a:avLst/>
+          </a:prstGeom>
+          <a:noFill/>
+        </p:spPr>
+        <p:txBody>
+          <a:bodyPr wrap="square" rtlCol="0">
+            <a:spAutoFit/>
+          </a:bodyPr>
+          <a:lstStyle/>
+          <a:p>
+            <a:pPr algn="ctr"/>
+            <a:r>
+              <a:rPr lang="en-US" b="1" dirty="0" err="1"/>
+              <a:t>EComm</a:t>
+            </a:r>
+            <a:endParaRPr lang="en-US" b="1" dirty="0"/>
+          </a:p>
+        </p:txBody>
+      </p:sp>
+      <p:sp>
+        <p:nvSpPr>
+          <p:cNvPr id="4" name="Rectangle 3">
+            <a:extLst>
+              <a:ext uri="{FF2B5EF4-FFF2-40B4-BE49-F238E27FC236}">
+                <a16:creationId xmlns:a16="http://schemas.microsoft.com/office/drawing/2014/main" id="{382B88A5-4A20-13E0-E144-4466115F8EFC}"/>
               </a:ext>
             </a:extLst>
           </p:cNvPr>
@@ -4336,10 +4379,10 @@
         </p:nvSpPr>
         <p:spPr>
           <a:xfrm>
-            <a:off x="9414588" y="1721499"/>
-            <a:ext cx="2248677" cy="1287624"/>
-          </a:xfrm>
-          <a:prstGeom prst="flowChartMagneticDisk">
+            <a:off x="5113180" y="1384035"/>
+            <a:ext cx="3377681" cy="783772"/>
+          </a:xfrm>
+          <a:prstGeom prst="rect">
             <a:avLst/>
           </a:prstGeom>
         </p:spPr>
@@ -4365,63 +4408,18 @@
           <a:p>
             <a:pPr algn="ctr"/>
             <a:r>
-              <a:rPr lang="en-US" dirty="0"/>
-              <a:t>Data Store</a:t>
-            </a:r>
-          </a:p>
-        </p:txBody>
-      </p:sp>
-      <p:cxnSp>
-        <p:nvCxnSpPr>
-          <p:cNvPr id="5" name="Connector: Elbow 4">
-            <a:extLst>
-              <a:ext uri="{FF2B5EF4-FFF2-40B4-BE49-F238E27FC236}">
-                <a16:creationId xmlns:a16="http://schemas.microsoft.com/office/drawing/2014/main" id="{6C8691DB-1E21-30BB-F3D2-E3F997EF931A}"/>
-              </a:ext>
-            </a:extLst>
-          </p:cNvPr>
-          <p:cNvCxnSpPr>
-            <a:stCxn id="2" idx="3"/>
-            <a:endCxn id="3" idx="1"/>
-          </p:cNvCxnSpPr>
-          <p:nvPr/>
-        </p:nvCxnSpPr>
-        <p:spPr>
-          <a:xfrm flipV="1">
-            <a:off x="8668139" y="1721499"/>
-            <a:ext cx="1870788" cy="643812"/>
-          </a:xfrm>
-          <a:prstGeom prst="bentConnector4">
-            <a:avLst>
-              <a:gd name="adj1" fmla="val 19950"/>
-              <a:gd name="adj2" fmla="val 257971"/>
-            </a:avLst>
-          </a:prstGeom>
-          <a:ln>
-            <a:tailEnd type="triangle"/>
-          </a:ln>
-        </p:spPr>
-        <p:style>
-          <a:lnRef idx="1">
-            <a:schemeClr val="accent1"/>
-          </a:lnRef>
-          <a:fillRef idx="0">
-            <a:schemeClr val="accent1"/>
-          </a:fillRef>
-          <a:effectRef idx="0">
-            <a:schemeClr val="accent1"/>
-          </a:effectRef>
-          <a:fontRef idx="minor">
-            <a:schemeClr val="tx1"/>
-          </a:fontRef>
-        </p:style>
-      </p:cxnSp>
-      <p:sp>
-        <p:nvSpPr>
-          <p:cNvPr id="6" name="Flowchart: Magnetic Disk 5">
-            <a:extLst>
-              <a:ext uri="{FF2B5EF4-FFF2-40B4-BE49-F238E27FC236}">
-                <a16:creationId xmlns:a16="http://schemas.microsoft.com/office/drawing/2014/main" id="{4FB6E1DB-6908-7BDD-34B0-B77CC8B21181}"/>
+              <a:rPr lang="en-US" b="1" dirty="0"/>
+              <a:t>Manufacturer</a:t>
+            </a:r>
+          </a:p>
+        </p:txBody>
+      </p:sp>
+      <p:sp>
+        <p:nvSpPr>
+          <p:cNvPr id="5" name="Rectangle 4">
+            <a:extLst>
+              <a:ext uri="{FF2B5EF4-FFF2-40B4-BE49-F238E27FC236}">
+                <a16:creationId xmlns:a16="http://schemas.microsoft.com/office/drawing/2014/main" id="{0C9CBB5E-1A81-641B-258E-6A2155DD7024}"/>
               </a:ext>
             </a:extLst>
           </p:cNvPr>
@@ -4430,10 +4428,10 @@
         </p:nvSpPr>
         <p:spPr>
           <a:xfrm>
-            <a:off x="5290457" y="2911151"/>
-            <a:ext cx="3247053" cy="681135"/>
-          </a:xfrm>
-          <a:prstGeom prst="flowChartMagneticDisk">
+            <a:off x="5113179" y="2364532"/>
+            <a:ext cx="3377681" cy="783772"/>
+          </a:xfrm>
+          <a:prstGeom prst="rect">
             <a:avLst/>
           </a:prstGeom>
         </p:spPr>
@@ -4460,288 +4458,31 @@
             <a:pPr algn="ctr"/>
             <a:r>
               <a:rPr lang="en-US" b="1" dirty="0"/>
-              <a:t>In-Memory Data Store</a:t>
-            </a:r>
-          </a:p>
-        </p:txBody>
-      </p:sp>
-      <p:cxnSp>
-        <p:nvCxnSpPr>
-          <p:cNvPr id="8" name="Connector: Elbow 7">
-            <a:extLst>
-              <a:ext uri="{FF2B5EF4-FFF2-40B4-BE49-F238E27FC236}">
-                <a16:creationId xmlns:a16="http://schemas.microsoft.com/office/drawing/2014/main" id="{43AC1403-FB83-7EFD-5249-1098C15F710E}"/>
-              </a:ext>
-            </a:extLst>
-          </p:cNvPr>
-          <p:cNvCxnSpPr>
-            <a:stCxn id="3" idx="3"/>
-            <a:endCxn id="6" idx="3"/>
-          </p:cNvCxnSpPr>
-          <p:nvPr/>
-        </p:nvCxnSpPr>
-        <p:spPr>
-          <a:xfrm rot="5400000">
-            <a:off x="8434875" y="1488233"/>
-            <a:ext cx="583163" cy="3624943"/>
-          </a:xfrm>
-          <a:prstGeom prst="bentConnector3">
-            <a:avLst>
-              <a:gd name="adj1" fmla="val 240000"/>
-            </a:avLst>
-          </a:prstGeom>
-          <a:ln>
-            <a:tailEnd type="triangle"/>
-          </a:ln>
-        </p:spPr>
-        <p:style>
-          <a:lnRef idx="1">
-            <a:schemeClr val="accent1"/>
-          </a:lnRef>
-          <a:fillRef idx="0">
-            <a:schemeClr val="accent1"/>
-          </a:fillRef>
-          <a:effectRef idx="0">
-            <a:schemeClr val="accent1"/>
-          </a:effectRef>
-          <a:fontRef idx="minor">
-            <a:schemeClr val="tx1"/>
-          </a:fontRef>
-        </p:style>
-      </p:cxnSp>
-      <p:sp>
-        <p:nvSpPr>
-          <p:cNvPr id="9" name="TextBox 8">
-            <a:extLst>
-              <a:ext uri="{FF2B5EF4-FFF2-40B4-BE49-F238E27FC236}">
-                <a16:creationId xmlns:a16="http://schemas.microsoft.com/office/drawing/2014/main" id="{D1B7A343-51ED-D0FC-18F4-B16535D7AF76}"/>
-              </a:ext>
-            </a:extLst>
-          </p:cNvPr>
-          <p:cNvSpPr txBox="1"/>
-          <p:nvPr/>
-        </p:nvSpPr>
-        <p:spPr>
-          <a:xfrm>
-            <a:off x="9134669" y="578498"/>
-            <a:ext cx="1870788" cy="646331"/>
+              <a:t>Product</a:t>
+            </a:r>
+          </a:p>
+        </p:txBody>
+      </p:sp>
+      <p:sp>
+        <p:nvSpPr>
+          <p:cNvPr id="6" name="Rectangle 5">
+            <a:extLst>
+              <a:ext uri="{FF2B5EF4-FFF2-40B4-BE49-F238E27FC236}">
+                <a16:creationId xmlns:a16="http://schemas.microsoft.com/office/drawing/2014/main" id="{19CE6460-E219-0E51-5951-E1600E961C61}"/>
+              </a:ext>
+            </a:extLst>
+          </p:cNvPr>
+          <p:cNvSpPr/>
+          <p:nvPr/>
+        </p:nvSpPr>
+        <p:spPr>
+          <a:xfrm>
+            <a:off x="5113178" y="3294484"/>
+            <a:ext cx="3377681" cy="783772"/>
           </a:xfrm>
           <a:prstGeom prst="rect">
             <a:avLst/>
           </a:prstGeom>
-          <a:noFill/>
-        </p:spPr>
-        <p:txBody>
-          <a:bodyPr wrap="square" rtlCol="0">
-            <a:spAutoFit/>
-          </a:bodyPr>
-          <a:lstStyle/>
-          <a:p>
-            <a:r>
-              <a:rPr lang="en-US" dirty="0"/>
-              <a:t>Request to Fetch data </a:t>
-            </a:r>
-          </a:p>
-        </p:txBody>
-      </p:sp>
-      <p:sp>
-        <p:nvSpPr>
-          <p:cNvPr id="11" name="TextBox 10">
-            <a:extLst>
-              <a:ext uri="{FF2B5EF4-FFF2-40B4-BE49-F238E27FC236}">
-                <a16:creationId xmlns:a16="http://schemas.microsoft.com/office/drawing/2014/main" id="{BCD9311C-5716-F05F-EE89-C27D2766110E}"/>
-              </a:ext>
-            </a:extLst>
-          </p:cNvPr>
-          <p:cNvSpPr txBox="1"/>
-          <p:nvPr/>
-        </p:nvSpPr>
-        <p:spPr>
-          <a:xfrm>
-            <a:off x="9134669" y="3797560"/>
-            <a:ext cx="1978090" cy="923330"/>
-          </a:xfrm>
-          <a:prstGeom prst="rect">
-            <a:avLst/>
-          </a:prstGeom>
-          <a:noFill/>
-        </p:spPr>
-        <p:txBody>
-          <a:bodyPr wrap="square" rtlCol="0">
-            <a:spAutoFit/>
-          </a:bodyPr>
-          <a:lstStyle/>
-          <a:p>
-            <a:r>
-              <a:rPr lang="en-US" dirty="0"/>
-              <a:t>Fetched Data is stored In-Memory of Client App</a:t>
-            </a:r>
-          </a:p>
-        </p:txBody>
-      </p:sp>
-      <p:sp>
-        <p:nvSpPr>
-          <p:cNvPr id="12" name="TextBox 11">
-            <a:extLst>
-              <a:ext uri="{FF2B5EF4-FFF2-40B4-BE49-F238E27FC236}">
-                <a16:creationId xmlns:a16="http://schemas.microsoft.com/office/drawing/2014/main" id="{713AA3BD-C837-F10C-ECF1-31C17B759ADC}"/>
-              </a:ext>
-            </a:extLst>
-          </p:cNvPr>
-          <p:cNvSpPr txBox="1"/>
-          <p:nvPr/>
-        </p:nvSpPr>
-        <p:spPr>
-          <a:xfrm>
-            <a:off x="177282" y="373224"/>
-            <a:ext cx="2799183" cy="1569660"/>
-          </a:xfrm>
-          <a:prstGeom prst="rect">
-            <a:avLst/>
-          </a:prstGeom>
-          <a:noFill/>
-        </p:spPr>
-        <p:txBody>
-          <a:bodyPr wrap="square" rtlCol="0">
-            <a:spAutoFit/>
-          </a:bodyPr>
-          <a:lstStyle/>
-          <a:p>
-            <a:pPr algn="ctr"/>
-            <a:r>
-              <a:rPr lang="en-US" sz="3200" b="1" dirty="0"/>
-              <a:t>In-Memory Data Storage for App</a:t>
-            </a:r>
-          </a:p>
-        </p:txBody>
-      </p:sp>
-      <p:sp>
-        <p:nvSpPr>
-          <p:cNvPr id="13" name="TextBox 12">
-            <a:extLst>
-              <a:ext uri="{FF2B5EF4-FFF2-40B4-BE49-F238E27FC236}">
-                <a16:creationId xmlns:a16="http://schemas.microsoft.com/office/drawing/2014/main" id="{6073A297-0616-164E-FAE0-B6739DB53F53}"/>
-              </a:ext>
-            </a:extLst>
-          </p:cNvPr>
-          <p:cNvSpPr txBox="1"/>
-          <p:nvPr/>
-        </p:nvSpPr>
-        <p:spPr>
-          <a:xfrm>
-            <a:off x="177282" y="2071397"/>
-            <a:ext cx="4627983" cy="3693319"/>
-          </a:xfrm>
-          <a:prstGeom prst="rect">
-            <a:avLst/>
-          </a:prstGeom>
-          <a:noFill/>
-        </p:spPr>
-        <p:txBody>
-          <a:bodyPr wrap="square" rtlCol="0">
-            <a:spAutoFit/>
-          </a:bodyPr>
-          <a:lstStyle/>
-          <a:p>
-            <a:r>
-              <a:rPr lang="en-US" dirty="0"/>
-              <a:t>Advantages</a:t>
-            </a:r>
-          </a:p>
-          <a:p>
-            <a:pPr marL="285750" indent="-285750">
-              <a:buFont typeface="Arial" panose="020B0604020202020204" pitchFamily="34" charset="0"/>
-              <a:buChar char="•"/>
-            </a:pPr>
-            <a:r>
-              <a:rPr lang="en-US" dirty="0"/>
-              <a:t>Reduces the Network Traffic </a:t>
-            </a:r>
-          </a:p>
-          <a:p>
-            <a:pPr marL="285750" indent="-285750">
-              <a:buFont typeface="Arial" panose="020B0604020202020204" pitchFamily="34" charset="0"/>
-              <a:buChar char="•"/>
-            </a:pPr>
-            <a:r>
-              <a:rPr lang="en-US" dirty="0"/>
-              <a:t>Reduces number of database calls</a:t>
-            </a:r>
-          </a:p>
-          <a:p>
-            <a:pPr marL="285750" indent="-285750">
-              <a:buFont typeface="Arial" panose="020B0604020202020204" pitchFamily="34" charset="0"/>
-              <a:buChar char="•"/>
-            </a:pPr>
-            <a:r>
-              <a:rPr lang="en-US" dirty="0"/>
-              <a:t>Various modules of application has an immediate access to the data since data can be immediately read from memory</a:t>
-            </a:r>
-          </a:p>
-          <a:p>
-            <a:endParaRPr lang="en-US" dirty="0"/>
-          </a:p>
-          <a:p>
-            <a:r>
-              <a:rPr lang="en-US" dirty="0"/>
-              <a:t>Limitations</a:t>
-            </a:r>
-          </a:p>
-          <a:p>
-            <a:pPr marL="285750" indent="-285750">
-              <a:buFont typeface="Arial" panose="020B0604020202020204" pitchFamily="34" charset="0"/>
-              <a:buChar char="•"/>
-            </a:pPr>
-            <a:r>
-              <a:rPr lang="en-US" dirty="0"/>
-              <a:t>More Memory Requirements</a:t>
-            </a:r>
-          </a:p>
-          <a:p>
-            <a:pPr marL="285750" indent="-285750">
-              <a:buFont typeface="Arial" panose="020B0604020202020204" pitchFamily="34" charset="0"/>
-              <a:buChar char="•"/>
-            </a:pPr>
-            <a:r>
-              <a:rPr lang="en-US" dirty="0"/>
-              <a:t>If live data is to be shared across various apps then this approach is not useful</a:t>
-            </a:r>
-          </a:p>
-          <a:p>
-            <a:pPr marL="285750" indent="-285750">
-              <a:buFont typeface="Arial" panose="020B0604020202020204" pitchFamily="34" charset="0"/>
-              <a:buChar char="•"/>
-            </a:pPr>
-            <a:r>
-              <a:rPr lang="en-US" dirty="0"/>
-              <a:t>Volatile in nature, unload the app the data will be removed</a:t>
-            </a:r>
-          </a:p>
-        </p:txBody>
-      </p:sp>
-      <p:sp>
-        <p:nvSpPr>
-          <p:cNvPr id="14" name="Flowchart: Multidocument 13">
-            <a:extLst>
-              <a:ext uri="{FF2B5EF4-FFF2-40B4-BE49-F238E27FC236}">
-                <a16:creationId xmlns:a16="http://schemas.microsoft.com/office/drawing/2014/main" id="{BB631541-4CA4-07C3-9EEF-78D8F65C9C76}"/>
-              </a:ext>
-            </a:extLst>
-          </p:cNvPr>
-          <p:cNvSpPr/>
-          <p:nvPr/>
-        </p:nvSpPr>
-        <p:spPr>
-          <a:xfrm>
-            <a:off x="5710335" y="1054359"/>
-            <a:ext cx="2435289" cy="1026368"/>
-          </a:xfrm>
-          <a:prstGeom prst="flowChartMultidocument">
-            <a:avLst/>
-          </a:prstGeom>
-          <a:solidFill>
-            <a:srgbClr val="002060"/>
-          </a:solidFill>
         </p:spPr>
         <p:style>
           <a:lnRef idx="2">
@@ -4765,8 +4506,675 @@
           <a:p>
             <a:pPr algn="ctr"/>
             <a:r>
+              <a:rPr lang="en-US" b="1" dirty="0"/>
+              <a:t>Customer</a:t>
+            </a:r>
+          </a:p>
+        </p:txBody>
+      </p:sp>
+      <p:sp>
+        <p:nvSpPr>
+          <p:cNvPr id="7" name="Rectangle 6">
+            <a:extLst>
+              <a:ext uri="{FF2B5EF4-FFF2-40B4-BE49-F238E27FC236}">
+                <a16:creationId xmlns:a16="http://schemas.microsoft.com/office/drawing/2014/main" id="{1E088F66-07B9-76F8-B6D0-7C7FC9456EE9}"/>
+              </a:ext>
+            </a:extLst>
+          </p:cNvPr>
+          <p:cNvSpPr/>
+          <p:nvPr/>
+        </p:nvSpPr>
+        <p:spPr>
+          <a:xfrm>
+            <a:off x="5113177" y="4209664"/>
+            <a:ext cx="3377681" cy="783772"/>
+          </a:xfrm>
+          <a:prstGeom prst="rect">
+            <a:avLst/>
+          </a:prstGeom>
+        </p:spPr>
+        <p:style>
+          <a:lnRef idx="2">
+            <a:schemeClr val="accent1">
+              <a:shade val="15000"/>
+            </a:schemeClr>
+          </a:lnRef>
+          <a:fillRef idx="1">
+            <a:schemeClr val="accent1"/>
+          </a:fillRef>
+          <a:effectRef idx="0">
+            <a:schemeClr val="accent1"/>
+          </a:effectRef>
+          <a:fontRef idx="minor">
+            <a:schemeClr val="lt1"/>
+          </a:fontRef>
+        </p:style>
+        <p:txBody>
+          <a:bodyPr rtlCol="0" anchor="ctr"/>
+          <a:lstStyle/>
+          <a:p>
+            <a:pPr algn="ctr"/>
+            <a:r>
+              <a:rPr lang="en-US" b="1" dirty="0"/>
+              <a:t>Order</a:t>
+            </a:r>
+          </a:p>
+        </p:txBody>
+      </p:sp>
+      <p:sp>
+        <p:nvSpPr>
+          <p:cNvPr id="8" name="Rectangle 7">
+            <a:extLst>
+              <a:ext uri="{FF2B5EF4-FFF2-40B4-BE49-F238E27FC236}">
+                <a16:creationId xmlns:a16="http://schemas.microsoft.com/office/drawing/2014/main" id="{B070A173-F589-ED9B-F6A5-D9BEE326414D}"/>
+              </a:ext>
+            </a:extLst>
+          </p:cNvPr>
+          <p:cNvSpPr/>
+          <p:nvPr/>
+        </p:nvSpPr>
+        <p:spPr>
+          <a:xfrm>
+            <a:off x="5113176" y="5122506"/>
+            <a:ext cx="3377681" cy="783772"/>
+          </a:xfrm>
+          <a:prstGeom prst="rect">
+            <a:avLst/>
+          </a:prstGeom>
+        </p:spPr>
+        <p:style>
+          <a:lnRef idx="2">
+            <a:schemeClr val="accent1">
+              <a:shade val="15000"/>
+            </a:schemeClr>
+          </a:lnRef>
+          <a:fillRef idx="1">
+            <a:schemeClr val="accent1"/>
+          </a:fillRef>
+          <a:effectRef idx="0">
+            <a:schemeClr val="accent1"/>
+          </a:effectRef>
+          <a:fontRef idx="minor">
+            <a:schemeClr val="lt1"/>
+          </a:fontRef>
+        </p:style>
+        <p:txBody>
+          <a:bodyPr rtlCol="0" anchor="ctr"/>
+          <a:lstStyle/>
+          <a:p>
+            <a:pPr algn="ctr"/>
+            <a:r>
+              <a:rPr lang="en-US" b="1" dirty="0"/>
+              <a:t>Dispatch</a:t>
+            </a:r>
+          </a:p>
+        </p:txBody>
+      </p:sp>
+      <p:sp>
+        <p:nvSpPr>
+          <p:cNvPr id="9" name="Flowchart: Magnetic Disk 8">
+            <a:extLst>
+              <a:ext uri="{FF2B5EF4-FFF2-40B4-BE49-F238E27FC236}">
+                <a16:creationId xmlns:a16="http://schemas.microsoft.com/office/drawing/2014/main" id="{59360DFE-CBB0-60AB-CACE-DA839E6BF4FB}"/>
+              </a:ext>
+            </a:extLst>
+          </p:cNvPr>
+          <p:cNvSpPr/>
+          <p:nvPr/>
+        </p:nvSpPr>
+        <p:spPr>
+          <a:xfrm>
+            <a:off x="9582539" y="1571427"/>
+            <a:ext cx="2258008" cy="1405817"/>
+          </a:xfrm>
+          <a:prstGeom prst="flowChartMagneticDisk">
+            <a:avLst/>
+          </a:prstGeom>
+        </p:spPr>
+        <p:style>
+          <a:lnRef idx="2">
+            <a:schemeClr val="accent1">
+              <a:shade val="15000"/>
+            </a:schemeClr>
+          </a:lnRef>
+          <a:fillRef idx="1">
+            <a:schemeClr val="accent1"/>
+          </a:fillRef>
+          <a:effectRef idx="0">
+            <a:schemeClr val="accent1"/>
+          </a:effectRef>
+          <a:fontRef idx="minor">
+            <a:schemeClr val="lt1"/>
+          </a:fontRef>
+        </p:style>
+        <p:txBody>
+          <a:bodyPr rtlCol="0" anchor="ctr"/>
+          <a:lstStyle/>
+          <a:p>
+            <a:pPr algn="ctr"/>
+            <a:r>
               <a:rPr lang="en-US" dirty="0"/>
-              <a:t>Modules</a:t>
+              <a:t>SQL </a:t>
+            </a:r>
+          </a:p>
+          <a:p>
+            <a:pPr algn="ctr"/>
+            <a:r>
+              <a:rPr lang="en-US" dirty="0"/>
+              <a:t>Database</a:t>
+            </a:r>
+          </a:p>
+        </p:txBody>
+      </p:sp>
+      <p:cxnSp>
+        <p:nvCxnSpPr>
+          <p:cNvPr id="11" name="Connector: Elbow 10">
+            <a:extLst>
+              <a:ext uri="{FF2B5EF4-FFF2-40B4-BE49-F238E27FC236}">
+                <a16:creationId xmlns:a16="http://schemas.microsoft.com/office/drawing/2014/main" id="{EC1F648E-9C6B-266C-889E-225716589A4A}"/>
+              </a:ext>
+            </a:extLst>
+          </p:cNvPr>
+          <p:cNvCxnSpPr>
+            <a:stCxn id="4" idx="3"/>
+            <a:endCxn id="9" idx="2"/>
+          </p:cNvCxnSpPr>
+          <p:nvPr/>
+        </p:nvCxnSpPr>
+        <p:spPr>
+          <a:xfrm>
+            <a:off x="8490861" y="1775921"/>
+            <a:ext cx="1091678" cy="498415"/>
+          </a:xfrm>
+          <a:prstGeom prst="bentConnector3">
+            <a:avLst/>
+          </a:prstGeom>
+          <a:ln>
+            <a:headEnd type="triangle"/>
+            <a:tailEnd type="triangle"/>
+          </a:ln>
+        </p:spPr>
+        <p:style>
+          <a:lnRef idx="1">
+            <a:schemeClr val="accent1"/>
+          </a:lnRef>
+          <a:fillRef idx="0">
+            <a:schemeClr val="accent1"/>
+          </a:fillRef>
+          <a:effectRef idx="0">
+            <a:schemeClr val="accent1"/>
+          </a:effectRef>
+          <a:fontRef idx="minor">
+            <a:schemeClr val="tx1"/>
+          </a:fontRef>
+        </p:style>
+      </p:cxnSp>
+      <p:cxnSp>
+        <p:nvCxnSpPr>
+          <p:cNvPr id="13" name="Connector: Elbow 12">
+            <a:extLst>
+              <a:ext uri="{FF2B5EF4-FFF2-40B4-BE49-F238E27FC236}">
+                <a16:creationId xmlns:a16="http://schemas.microsoft.com/office/drawing/2014/main" id="{0E79C533-4EB6-8E0E-34CA-F6492A5ECCC1}"/>
+              </a:ext>
+            </a:extLst>
+          </p:cNvPr>
+          <p:cNvCxnSpPr>
+            <a:stCxn id="5" idx="3"/>
+            <a:endCxn id="9" idx="2"/>
+          </p:cNvCxnSpPr>
+          <p:nvPr/>
+        </p:nvCxnSpPr>
+        <p:spPr>
+          <a:xfrm flipV="1">
+            <a:off x="8490860" y="2274336"/>
+            <a:ext cx="1091679" cy="482082"/>
+          </a:xfrm>
+          <a:prstGeom prst="bentConnector3">
+            <a:avLst/>
+          </a:prstGeom>
+          <a:ln>
+            <a:headEnd type="triangle"/>
+            <a:tailEnd type="triangle"/>
+          </a:ln>
+        </p:spPr>
+        <p:style>
+          <a:lnRef idx="1">
+            <a:schemeClr val="accent1"/>
+          </a:lnRef>
+          <a:fillRef idx="0">
+            <a:schemeClr val="accent1"/>
+          </a:fillRef>
+          <a:effectRef idx="0">
+            <a:schemeClr val="accent1"/>
+          </a:effectRef>
+          <a:fontRef idx="minor">
+            <a:schemeClr val="tx1"/>
+          </a:fontRef>
+        </p:style>
+      </p:cxnSp>
+      <p:cxnSp>
+        <p:nvCxnSpPr>
+          <p:cNvPr id="15" name="Connector: Elbow 14">
+            <a:extLst>
+              <a:ext uri="{FF2B5EF4-FFF2-40B4-BE49-F238E27FC236}">
+                <a16:creationId xmlns:a16="http://schemas.microsoft.com/office/drawing/2014/main" id="{3FA41D27-1DCF-CB54-A0BA-650C2CA782BF}"/>
+              </a:ext>
+            </a:extLst>
+          </p:cNvPr>
+          <p:cNvCxnSpPr>
+            <a:stCxn id="6" idx="3"/>
+            <a:endCxn id="9" idx="2"/>
+          </p:cNvCxnSpPr>
+          <p:nvPr/>
+        </p:nvCxnSpPr>
+        <p:spPr>
+          <a:xfrm flipV="1">
+            <a:off x="8490859" y="2274336"/>
+            <a:ext cx="1091680" cy="1412034"/>
+          </a:xfrm>
+          <a:prstGeom prst="bentConnector3">
+            <a:avLst/>
+          </a:prstGeom>
+          <a:ln>
+            <a:headEnd type="triangle"/>
+            <a:tailEnd type="triangle"/>
+          </a:ln>
+        </p:spPr>
+        <p:style>
+          <a:lnRef idx="1">
+            <a:schemeClr val="accent1"/>
+          </a:lnRef>
+          <a:fillRef idx="0">
+            <a:schemeClr val="accent1"/>
+          </a:fillRef>
+          <a:effectRef idx="0">
+            <a:schemeClr val="accent1"/>
+          </a:effectRef>
+          <a:fontRef idx="minor">
+            <a:schemeClr val="tx1"/>
+          </a:fontRef>
+        </p:style>
+      </p:cxnSp>
+      <p:cxnSp>
+        <p:nvCxnSpPr>
+          <p:cNvPr id="17" name="Connector: Elbow 16">
+            <a:extLst>
+              <a:ext uri="{FF2B5EF4-FFF2-40B4-BE49-F238E27FC236}">
+                <a16:creationId xmlns:a16="http://schemas.microsoft.com/office/drawing/2014/main" id="{38292542-6547-132E-5C75-6857343EE3D6}"/>
+              </a:ext>
+            </a:extLst>
+          </p:cNvPr>
+          <p:cNvCxnSpPr>
+            <a:cxnSpLocks/>
+            <a:stCxn id="7" idx="3"/>
+            <a:endCxn id="9" idx="2"/>
+          </p:cNvCxnSpPr>
+          <p:nvPr/>
+        </p:nvCxnSpPr>
+        <p:spPr>
+          <a:xfrm flipV="1">
+            <a:off x="8490858" y="2274336"/>
+            <a:ext cx="1091681" cy="2327214"/>
+          </a:xfrm>
+          <a:prstGeom prst="bentConnector3">
+            <a:avLst>
+              <a:gd name="adj1" fmla="val 50000"/>
+            </a:avLst>
+          </a:prstGeom>
+          <a:ln>
+            <a:headEnd type="triangle"/>
+            <a:tailEnd type="triangle"/>
+          </a:ln>
+        </p:spPr>
+        <p:style>
+          <a:lnRef idx="1">
+            <a:schemeClr val="accent1"/>
+          </a:lnRef>
+          <a:fillRef idx="0">
+            <a:schemeClr val="accent1"/>
+          </a:fillRef>
+          <a:effectRef idx="0">
+            <a:schemeClr val="accent1"/>
+          </a:effectRef>
+          <a:fontRef idx="minor">
+            <a:schemeClr val="tx1"/>
+          </a:fontRef>
+        </p:style>
+      </p:cxnSp>
+      <p:cxnSp>
+        <p:nvCxnSpPr>
+          <p:cNvPr id="20" name="Connector: Elbow 19">
+            <a:extLst>
+              <a:ext uri="{FF2B5EF4-FFF2-40B4-BE49-F238E27FC236}">
+                <a16:creationId xmlns:a16="http://schemas.microsoft.com/office/drawing/2014/main" id="{AD6ED82C-4078-7333-D49D-E5081D1EA2C5}"/>
+              </a:ext>
+            </a:extLst>
+          </p:cNvPr>
+          <p:cNvCxnSpPr>
+            <a:stCxn id="8" idx="3"/>
+            <a:endCxn id="9" idx="2"/>
+          </p:cNvCxnSpPr>
+          <p:nvPr/>
+        </p:nvCxnSpPr>
+        <p:spPr>
+          <a:xfrm flipV="1">
+            <a:off x="8490857" y="2274336"/>
+            <a:ext cx="1091682" cy="3240056"/>
+          </a:xfrm>
+          <a:prstGeom prst="bentConnector3">
+            <a:avLst/>
+          </a:prstGeom>
+          <a:ln>
+            <a:headEnd type="triangle"/>
+            <a:tailEnd type="triangle"/>
+          </a:ln>
+        </p:spPr>
+        <p:style>
+          <a:lnRef idx="1">
+            <a:schemeClr val="accent1"/>
+          </a:lnRef>
+          <a:fillRef idx="0">
+            <a:schemeClr val="accent1"/>
+          </a:fillRef>
+          <a:effectRef idx="0">
+            <a:schemeClr val="accent1"/>
+          </a:effectRef>
+          <a:fontRef idx="minor">
+            <a:schemeClr val="tx1"/>
+          </a:fontRef>
+        </p:style>
+      </p:cxnSp>
+      <p:sp>
+        <p:nvSpPr>
+          <p:cNvPr id="21" name="Rectangle: Rounded Corners 20">
+            <a:extLst>
+              <a:ext uri="{FF2B5EF4-FFF2-40B4-BE49-F238E27FC236}">
+                <a16:creationId xmlns:a16="http://schemas.microsoft.com/office/drawing/2014/main" id="{0BE689C0-FD8D-2019-C3A9-0201E51A9B3D}"/>
+              </a:ext>
+            </a:extLst>
+          </p:cNvPr>
+          <p:cNvSpPr/>
+          <p:nvPr/>
+        </p:nvSpPr>
+        <p:spPr>
+          <a:xfrm>
+            <a:off x="242596" y="2756418"/>
+            <a:ext cx="1968759" cy="1097125"/>
+          </a:xfrm>
+          <a:prstGeom prst="roundRect">
+            <a:avLst/>
+          </a:prstGeom>
+        </p:spPr>
+        <p:style>
+          <a:lnRef idx="2">
+            <a:schemeClr val="accent1">
+              <a:shade val="15000"/>
+            </a:schemeClr>
+          </a:lnRef>
+          <a:fillRef idx="1">
+            <a:schemeClr val="accent1"/>
+          </a:fillRef>
+          <a:effectRef idx="0">
+            <a:schemeClr val="accent1"/>
+          </a:effectRef>
+          <a:fontRef idx="minor">
+            <a:schemeClr val="lt1"/>
+          </a:fontRef>
+        </p:style>
+        <p:txBody>
+          <a:bodyPr rtlCol="0" anchor="ctr"/>
+          <a:lstStyle/>
+          <a:p>
+            <a:pPr algn="ctr"/>
+            <a:r>
+              <a:rPr lang="en-US" dirty="0"/>
+              <a:t>Client Apps</a:t>
+            </a:r>
+          </a:p>
+        </p:txBody>
+      </p:sp>
+      <p:cxnSp>
+        <p:nvCxnSpPr>
+          <p:cNvPr id="23" name="Connector: Elbow 22">
+            <a:extLst>
+              <a:ext uri="{FF2B5EF4-FFF2-40B4-BE49-F238E27FC236}">
+                <a16:creationId xmlns:a16="http://schemas.microsoft.com/office/drawing/2014/main" id="{BA4E036E-C069-E3D0-0C42-E13FD1679628}"/>
+              </a:ext>
+            </a:extLst>
+          </p:cNvPr>
+          <p:cNvCxnSpPr>
+            <a:stCxn id="21" idx="3"/>
+            <a:endCxn id="2" idx="1"/>
+          </p:cNvCxnSpPr>
+          <p:nvPr/>
+        </p:nvCxnSpPr>
+        <p:spPr>
+          <a:xfrm>
+            <a:off x="2211355" y="3304981"/>
+            <a:ext cx="2705878" cy="124019"/>
+          </a:xfrm>
+          <a:prstGeom prst="bentConnector3">
+            <a:avLst/>
+          </a:prstGeom>
+          <a:ln>
+            <a:headEnd type="triangle"/>
+            <a:tailEnd type="triangle"/>
+          </a:ln>
+        </p:spPr>
+        <p:style>
+          <a:lnRef idx="1">
+            <a:schemeClr val="accent1"/>
+          </a:lnRef>
+          <a:fillRef idx="0">
+            <a:schemeClr val="accent1"/>
+          </a:fillRef>
+          <a:effectRef idx="0">
+            <a:schemeClr val="accent1"/>
+          </a:effectRef>
+          <a:fontRef idx="minor">
+            <a:schemeClr val="tx1"/>
+          </a:fontRef>
+        </p:style>
+      </p:cxnSp>
+      <p:sp>
+        <p:nvSpPr>
+          <p:cNvPr id="24" name="Arrow: Left-Right 23">
+            <a:extLst>
+              <a:ext uri="{FF2B5EF4-FFF2-40B4-BE49-F238E27FC236}">
+                <a16:creationId xmlns:a16="http://schemas.microsoft.com/office/drawing/2014/main" id="{A3BE1BCC-38C4-DBB3-F4A2-099E6CAD39E8}"/>
+              </a:ext>
+            </a:extLst>
+          </p:cNvPr>
+          <p:cNvSpPr/>
+          <p:nvPr/>
+        </p:nvSpPr>
+        <p:spPr>
+          <a:xfrm>
+            <a:off x="4917233" y="6190861"/>
+            <a:ext cx="6923314" cy="450208"/>
+          </a:xfrm>
+          <a:prstGeom prst="leftRightArrow">
+            <a:avLst/>
+          </a:prstGeom>
+        </p:spPr>
+        <p:style>
+          <a:lnRef idx="2">
+            <a:schemeClr val="accent1">
+              <a:shade val="15000"/>
+            </a:schemeClr>
+          </a:lnRef>
+          <a:fillRef idx="1">
+            <a:schemeClr val="accent1"/>
+          </a:fillRef>
+          <a:effectRef idx="0">
+            <a:schemeClr val="accent1"/>
+          </a:effectRef>
+          <a:fontRef idx="minor">
+            <a:schemeClr val="lt1"/>
+          </a:fontRef>
+        </p:style>
+        <p:txBody>
+          <a:bodyPr rtlCol="0" anchor="ctr"/>
+          <a:lstStyle/>
+          <a:p>
+            <a:pPr algn="ctr"/>
+            <a:r>
+              <a:rPr lang="en-US" dirty="0"/>
+              <a:t>Frequent Calls to Database</a:t>
+            </a:r>
+          </a:p>
+        </p:txBody>
+      </p:sp>
+      <p:sp>
+        <p:nvSpPr>
+          <p:cNvPr id="30" name="Flowchart: Multidocument 29">
+            <a:extLst>
+              <a:ext uri="{FF2B5EF4-FFF2-40B4-BE49-F238E27FC236}">
+                <a16:creationId xmlns:a16="http://schemas.microsoft.com/office/drawing/2014/main" id="{A8E82CC9-C2C9-A754-6807-E6EEBD3E87DC}"/>
+              </a:ext>
+            </a:extLst>
+          </p:cNvPr>
+          <p:cNvSpPr/>
+          <p:nvPr/>
+        </p:nvSpPr>
+        <p:spPr>
+          <a:xfrm>
+            <a:off x="9671179" y="3240831"/>
+            <a:ext cx="2080727" cy="1307066"/>
+          </a:xfrm>
+          <a:prstGeom prst="flowChartMultidocument">
+            <a:avLst/>
+          </a:prstGeom>
+        </p:spPr>
+        <p:style>
+          <a:lnRef idx="2">
+            <a:schemeClr val="accent1">
+              <a:shade val="15000"/>
+            </a:schemeClr>
+          </a:lnRef>
+          <a:fillRef idx="1">
+            <a:schemeClr val="accent1"/>
+          </a:fillRef>
+          <a:effectRef idx="0">
+            <a:schemeClr val="accent1"/>
+          </a:effectRef>
+          <a:fontRef idx="minor">
+            <a:schemeClr val="lt1"/>
+          </a:fontRef>
+        </p:style>
+        <p:txBody>
+          <a:bodyPr rtlCol="0" anchor="ctr"/>
+          <a:lstStyle/>
+          <a:p>
+            <a:pPr algn="ctr"/>
+            <a:r>
+              <a:rPr lang="en-US" dirty="0"/>
+              <a:t>BLOB Documents</a:t>
+            </a:r>
+          </a:p>
+        </p:txBody>
+      </p:sp>
+      <p:sp>
+        <p:nvSpPr>
+          <p:cNvPr id="31" name="Flowchart: Magnetic Disk 30">
+            <a:extLst>
+              <a:ext uri="{FF2B5EF4-FFF2-40B4-BE49-F238E27FC236}">
+                <a16:creationId xmlns:a16="http://schemas.microsoft.com/office/drawing/2014/main" id="{CE56E785-5EF5-7A41-61FE-82629CCD6B91}"/>
+              </a:ext>
+            </a:extLst>
+          </p:cNvPr>
+          <p:cNvSpPr/>
+          <p:nvPr/>
+        </p:nvSpPr>
+        <p:spPr>
+          <a:xfrm>
+            <a:off x="9493898" y="4606990"/>
+            <a:ext cx="2258008" cy="1405817"/>
+          </a:xfrm>
+          <a:prstGeom prst="flowChartMagneticDisk">
+            <a:avLst/>
+          </a:prstGeom>
+        </p:spPr>
+        <p:style>
+          <a:lnRef idx="2">
+            <a:schemeClr val="accent1">
+              <a:shade val="15000"/>
+            </a:schemeClr>
+          </a:lnRef>
+          <a:fillRef idx="1">
+            <a:schemeClr val="accent1"/>
+          </a:fillRef>
+          <a:effectRef idx="0">
+            <a:schemeClr val="accent1"/>
+          </a:effectRef>
+          <a:fontRef idx="minor">
+            <a:schemeClr val="lt1"/>
+          </a:fontRef>
+        </p:style>
+        <p:txBody>
+          <a:bodyPr rtlCol="0" anchor="ctr"/>
+          <a:lstStyle/>
+          <a:p>
+            <a:pPr algn="ctr"/>
+            <a:r>
+              <a:rPr lang="en-US" dirty="0"/>
+              <a:t>NoSQL</a:t>
+            </a:r>
+          </a:p>
+        </p:txBody>
+      </p:sp>
+      <p:sp>
+        <p:nvSpPr>
+          <p:cNvPr id="32" name="TextBox 31">
+            <a:extLst>
+              <a:ext uri="{FF2B5EF4-FFF2-40B4-BE49-F238E27FC236}">
+                <a16:creationId xmlns:a16="http://schemas.microsoft.com/office/drawing/2014/main" id="{1BF0A4A1-A75F-2F42-43DA-EFB8482D082E}"/>
+              </a:ext>
+            </a:extLst>
+          </p:cNvPr>
+          <p:cNvSpPr txBox="1"/>
+          <p:nvPr/>
+        </p:nvSpPr>
+        <p:spPr>
+          <a:xfrm>
+            <a:off x="125963" y="4128758"/>
+            <a:ext cx="4432041" cy="2062103"/>
+          </a:xfrm>
+          <a:prstGeom prst="rect">
+            <a:avLst/>
+          </a:prstGeom>
+          <a:noFill/>
+        </p:spPr>
+        <p:txBody>
+          <a:bodyPr wrap="square" rtlCol="0">
+            <a:spAutoFit/>
+          </a:bodyPr>
+          <a:lstStyle/>
+          <a:p>
+            <a:pPr marL="342900" indent="-342900">
+              <a:buAutoNum type="arabicPeriod"/>
+            </a:pPr>
+            <a:r>
+              <a:rPr lang="en-US" sz="1600" dirty="0"/>
+              <a:t>Frequent calls to Data Store increases the Traffic in Network</a:t>
+            </a:r>
+          </a:p>
+          <a:p>
+            <a:pPr marL="342900" indent="-342900">
+              <a:buAutoNum type="arabicPeriod"/>
+            </a:pPr>
+            <a:r>
+              <a:rPr lang="en-US" sz="1600" dirty="0"/>
+              <a:t> Keeps Data Store Busy Everytime for request processing, this may result into the performance slowdown</a:t>
+            </a:r>
+          </a:p>
+          <a:p>
+            <a:pPr marL="342900" indent="-342900">
+              <a:buAutoNum type="arabicPeriod"/>
+            </a:pPr>
+            <a:r>
+              <a:rPr lang="en-US" sz="1600" dirty="0"/>
+              <a:t>Busy database may keep new request in wait condition and hence the client app will have to wait for longer period to receive response  </a:t>
             </a:r>
           </a:p>
         </p:txBody>
@@ -4774,7 +5182,7 @@
     </p:spTree>
     <p:extLst>
       <p:ext uri="{BB962C8B-B14F-4D97-AF65-F5344CB8AC3E}">
-        <p14:creationId xmlns:p14="http://schemas.microsoft.com/office/powerpoint/2010/main" val="2841995921"/>
+        <p14:creationId xmlns:p14="http://schemas.microsoft.com/office/powerpoint/2010/main" val="2840035229"/>
       </p:ext>
     </p:extLst>
   </p:cSld>
@@ -4803,10 +5211,10 @@
       </p:grpSpPr>
       <p:sp>
         <p:nvSpPr>
-          <p:cNvPr id="2" name="Rectangle: Rounded Corners 1">
-            <a:extLst>
-              <a:ext uri="{FF2B5EF4-FFF2-40B4-BE49-F238E27FC236}">
-                <a16:creationId xmlns:a16="http://schemas.microsoft.com/office/drawing/2014/main" id="{1E1D67CE-EFEA-1FF3-60F0-2772F2089929}"/>
+          <p:cNvPr id="2" name="Rectangle 1">
+            <a:extLst>
+              <a:ext uri="{FF2B5EF4-FFF2-40B4-BE49-F238E27FC236}">
+                <a16:creationId xmlns:a16="http://schemas.microsoft.com/office/drawing/2014/main" id="{0B01C981-AFE9-071D-6C90-05A45B16D9F0}"/>
               </a:ext>
             </a:extLst>
           </p:cNvPr>
@@ -4815,10 +5223,57 @@
         </p:nvSpPr>
         <p:spPr>
           <a:xfrm>
-            <a:off x="4674637" y="65314"/>
-            <a:ext cx="2052734" cy="643813"/>
-          </a:xfrm>
-          <a:prstGeom prst="roundRect">
+            <a:off x="5159829" y="933062"/>
+            <a:ext cx="3508310" cy="2864498"/>
+          </a:xfrm>
+          <a:prstGeom prst="rect">
+            <a:avLst/>
+          </a:prstGeom>
+        </p:spPr>
+        <p:style>
+          <a:lnRef idx="1">
+            <a:schemeClr val="accent2"/>
+          </a:lnRef>
+          <a:fillRef idx="2">
+            <a:schemeClr val="accent2"/>
+          </a:fillRef>
+          <a:effectRef idx="1">
+            <a:schemeClr val="accent2"/>
+          </a:effectRef>
+          <a:fontRef idx="minor">
+            <a:schemeClr val="dk1"/>
+          </a:fontRef>
+        </p:style>
+        <p:txBody>
+          <a:bodyPr rtlCol="0" anchor="ctr"/>
+          <a:lstStyle/>
+          <a:p>
+            <a:pPr algn="ctr"/>
+            <a:r>
+              <a:rPr lang="en-US" b="1" dirty="0"/>
+              <a:t>Application System</a:t>
+            </a:r>
+          </a:p>
+        </p:txBody>
+      </p:sp>
+      <p:sp>
+        <p:nvSpPr>
+          <p:cNvPr id="3" name="Flowchart: Magnetic Disk 2">
+            <a:extLst>
+              <a:ext uri="{FF2B5EF4-FFF2-40B4-BE49-F238E27FC236}">
+                <a16:creationId xmlns:a16="http://schemas.microsoft.com/office/drawing/2014/main" id="{3CACF822-94A8-CA9F-71C9-0D31F5CC66D5}"/>
+              </a:ext>
+            </a:extLst>
+          </p:cNvPr>
+          <p:cNvSpPr/>
+          <p:nvPr/>
+        </p:nvSpPr>
+        <p:spPr>
+          <a:xfrm>
+            <a:off x="9414588" y="1721499"/>
+            <a:ext cx="2248677" cy="1287624"/>
+          </a:xfrm>
+          <a:prstGeom prst="flowChartMagneticDisk">
             <a:avLst/>
           </a:prstGeom>
         </p:spPr>
@@ -4844,44 +5299,8 @@
           <a:p>
             <a:pPr algn="ctr"/>
             <a:r>
-              <a:rPr lang="en-US" b="1" dirty="0" err="1"/>
-              <a:t>System.Type</a:t>
-            </a:r>
-            <a:endParaRPr lang="en-US" b="1" dirty="0"/>
-          </a:p>
-        </p:txBody>
-      </p:sp>
-      <p:sp>
-        <p:nvSpPr>
-          <p:cNvPr id="3" name="TextBox 2">
-            <a:extLst>
-              <a:ext uri="{FF2B5EF4-FFF2-40B4-BE49-F238E27FC236}">
-                <a16:creationId xmlns:a16="http://schemas.microsoft.com/office/drawing/2014/main" id="{08D8E066-0E17-E7F7-7E7A-2C9EB704A9AA}"/>
-              </a:ext>
-            </a:extLst>
-          </p:cNvPr>
-          <p:cNvSpPr txBox="1"/>
-          <p:nvPr/>
-        </p:nvSpPr>
-        <p:spPr>
-          <a:xfrm>
-            <a:off x="8350898" y="214604"/>
-            <a:ext cx="2771192" cy="923330"/>
-          </a:xfrm>
-          <a:prstGeom prst="rect">
-            <a:avLst/>
-          </a:prstGeom>
-          <a:noFill/>
-        </p:spPr>
-        <p:txBody>
-          <a:bodyPr wrap="square" rtlCol="0">
-            <a:spAutoFit/>
-          </a:bodyPr>
-          <a:lstStyle/>
-          <a:p>
-            <a:r>
               <a:rPr lang="en-US" dirty="0"/>
-              <a:t>Type: Represent the Datatype of data and value of the Data</a:t>
+              <a:t>Data Store</a:t>
             </a:r>
           </a:p>
         </p:txBody>
@@ -4891,23 +5310,26 @@
           <p:cNvPr id="5" name="Connector: Elbow 4">
             <a:extLst>
               <a:ext uri="{FF2B5EF4-FFF2-40B4-BE49-F238E27FC236}">
-                <a16:creationId xmlns:a16="http://schemas.microsoft.com/office/drawing/2014/main" id="{FB9FD47F-3F4F-AFC2-CDA6-3DBCD10CCB2D}"/>
+                <a16:creationId xmlns:a16="http://schemas.microsoft.com/office/drawing/2014/main" id="{6C8691DB-1E21-30BB-F3D2-E3F997EF931A}"/>
               </a:ext>
             </a:extLst>
           </p:cNvPr>
           <p:cNvCxnSpPr>
-            <a:stCxn id="3" idx="1"/>
-            <a:endCxn id="2" idx="3"/>
+            <a:stCxn id="2" idx="3"/>
+            <a:endCxn id="3" idx="1"/>
           </p:cNvCxnSpPr>
           <p:nvPr/>
         </p:nvCxnSpPr>
         <p:spPr>
-          <a:xfrm rot="10800000">
-            <a:off x="6727372" y="387221"/>
-            <a:ext cx="1623527" cy="289048"/>
-          </a:xfrm>
-          <a:prstGeom prst="bentConnector3">
-            <a:avLst/>
+          <a:xfrm flipV="1">
+            <a:off x="8668139" y="1721499"/>
+            <a:ext cx="1870788" cy="643812"/>
+          </a:xfrm>
+          <a:prstGeom prst="bentConnector4">
+            <a:avLst>
+              <a:gd name="adj1" fmla="val 19950"/>
+              <a:gd name="adj2" fmla="val 257971"/>
+            </a:avLst>
           </a:prstGeom>
           <a:ln>
             <a:tailEnd type="triangle"/>
@@ -4930,10 +5352,10 @@
       </p:cxnSp>
       <p:sp>
         <p:nvSpPr>
-          <p:cNvPr id="6" name="Oval 5">
-            <a:extLst>
-              <a:ext uri="{FF2B5EF4-FFF2-40B4-BE49-F238E27FC236}">
-                <a16:creationId xmlns:a16="http://schemas.microsoft.com/office/drawing/2014/main" id="{A3E1B9F9-0489-726F-9BCE-C83CD8F0144E}"/>
+          <p:cNvPr id="6" name="Flowchart: Magnetic Disk 5">
+            <a:extLst>
+              <a:ext uri="{FF2B5EF4-FFF2-40B4-BE49-F238E27FC236}">
+                <a16:creationId xmlns:a16="http://schemas.microsoft.com/office/drawing/2014/main" id="{4FB6E1DB-6908-7BDD-34B0-B77CC8B21181}"/>
               </a:ext>
             </a:extLst>
           </p:cNvPr>
@@ -4942,10 +5364,10 @@
         </p:nvSpPr>
         <p:spPr>
           <a:xfrm>
-            <a:off x="5047861" y="989045"/>
-            <a:ext cx="1278295" cy="643813"/>
-          </a:xfrm>
-          <a:prstGeom prst="ellipse">
+            <a:off x="5290457" y="2911151"/>
+            <a:ext cx="3247053" cy="681135"/>
+          </a:xfrm>
+          <a:prstGeom prst="flowChartMagneticDisk">
             <a:avLst/>
           </a:prstGeom>
         </p:spPr>
@@ -4971,8 +5393,8 @@
           <a:p>
             <a:pPr algn="ctr"/>
             <a:r>
-              <a:rPr lang="en-US" dirty="0"/>
-              <a:t>Object</a:t>
+              <a:rPr lang="en-US" b="1" dirty="0"/>
+              <a:t>In-Memory Data Store</a:t>
             </a:r>
           </a:p>
         </p:txBody>
@@ -4982,23 +5404,25 @@
           <p:cNvPr id="8" name="Connector: Elbow 7">
             <a:extLst>
               <a:ext uri="{FF2B5EF4-FFF2-40B4-BE49-F238E27FC236}">
-                <a16:creationId xmlns:a16="http://schemas.microsoft.com/office/drawing/2014/main" id="{DFEFE4E1-63B6-3597-4760-3D74B1B75F77}"/>
+                <a16:creationId xmlns:a16="http://schemas.microsoft.com/office/drawing/2014/main" id="{43AC1403-FB83-7EFD-5249-1098C15F710E}"/>
               </a:ext>
             </a:extLst>
           </p:cNvPr>
           <p:cNvCxnSpPr>
-            <a:stCxn id="2" idx="2"/>
-            <a:endCxn id="6" idx="0"/>
+            <a:stCxn id="3" idx="3"/>
+            <a:endCxn id="6" idx="3"/>
           </p:cNvCxnSpPr>
           <p:nvPr/>
         </p:nvCxnSpPr>
         <p:spPr>
           <a:xfrm rot="5400000">
-            <a:off x="5554048" y="842089"/>
-            <a:ext cx="279918" cy="13995"/>
+            <a:off x="8434875" y="1488233"/>
+            <a:ext cx="583163" cy="3624943"/>
           </a:xfrm>
           <a:prstGeom prst="bentConnector3">
-            <a:avLst/>
+            <a:avLst>
+              <a:gd name="adj1" fmla="val 240000"/>
+            </a:avLst>
           </a:prstGeom>
           <a:ln>
             <a:tailEnd type="triangle"/>
@@ -5021,10 +5445,220 @@
       </p:cxnSp>
       <p:sp>
         <p:nvSpPr>
-          <p:cNvPr id="9" name="Oval 8">
-            <a:extLst>
-              <a:ext uri="{FF2B5EF4-FFF2-40B4-BE49-F238E27FC236}">
-                <a16:creationId xmlns:a16="http://schemas.microsoft.com/office/drawing/2014/main" id="{4F9ACC2B-C211-37D1-C819-A7AB452D2211}"/>
+          <p:cNvPr id="9" name="TextBox 8">
+            <a:extLst>
+              <a:ext uri="{FF2B5EF4-FFF2-40B4-BE49-F238E27FC236}">
+                <a16:creationId xmlns:a16="http://schemas.microsoft.com/office/drawing/2014/main" id="{D1B7A343-51ED-D0FC-18F4-B16535D7AF76}"/>
+              </a:ext>
+            </a:extLst>
+          </p:cNvPr>
+          <p:cNvSpPr txBox="1"/>
+          <p:nvPr/>
+        </p:nvSpPr>
+        <p:spPr>
+          <a:xfrm>
+            <a:off x="9134669" y="578498"/>
+            <a:ext cx="1870788" cy="646331"/>
+          </a:xfrm>
+          <a:prstGeom prst="rect">
+            <a:avLst/>
+          </a:prstGeom>
+          <a:noFill/>
+        </p:spPr>
+        <p:txBody>
+          <a:bodyPr wrap="square" rtlCol="0">
+            <a:spAutoFit/>
+          </a:bodyPr>
+          <a:lstStyle/>
+          <a:p>
+            <a:r>
+              <a:rPr lang="en-US" dirty="0"/>
+              <a:t>Request to Fetch data </a:t>
+            </a:r>
+          </a:p>
+        </p:txBody>
+      </p:sp>
+      <p:sp>
+        <p:nvSpPr>
+          <p:cNvPr id="11" name="TextBox 10">
+            <a:extLst>
+              <a:ext uri="{FF2B5EF4-FFF2-40B4-BE49-F238E27FC236}">
+                <a16:creationId xmlns:a16="http://schemas.microsoft.com/office/drawing/2014/main" id="{BCD9311C-5716-F05F-EE89-C27D2766110E}"/>
+              </a:ext>
+            </a:extLst>
+          </p:cNvPr>
+          <p:cNvSpPr txBox="1"/>
+          <p:nvPr/>
+        </p:nvSpPr>
+        <p:spPr>
+          <a:xfrm>
+            <a:off x="9134669" y="3797560"/>
+            <a:ext cx="1978090" cy="923330"/>
+          </a:xfrm>
+          <a:prstGeom prst="rect">
+            <a:avLst/>
+          </a:prstGeom>
+          <a:noFill/>
+        </p:spPr>
+        <p:txBody>
+          <a:bodyPr wrap="square" rtlCol="0">
+            <a:spAutoFit/>
+          </a:bodyPr>
+          <a:lstStyle/>
+          <a:p>
+            <a:r>
+              <a:rPr lang="en-US" dirty="0"/>
+              <a:t>Fetched Data is stored In-Memory of Client App</a:t>
+            </a:r>
+          </a:p>
+        </p:txBody>
+      </p:sp>
+      <p:sp>
+        <p:nvSpPr>
+          <p:cNvPr id="12" name="TextBox 11">
+            <a:extLst>
+              <a:ext uri="{FF2B5EF4-FFF2-40B4-BE49-F238E27FC236}">
+                <a16:creationId xmlns:a16="http://schemas.microsoft.com/office/drawing/2014/main" id="{713AA3BD-C837-F10C-ECF1-31C17B759ADC}"/>
+              </a:ext>
+            </a:extLst>
+          </p:cNvPr>
+          <p:cNvSpPr txBox="1"/>
+          <p:nvPr/>
+        </p:nvSpPr>
+        <p:spPr>
+          <a:xfrm>
+            <a:off x="177282" y="373224"/>
+            <a:ext cx="2799183" cy="1569660"/>
+          </a:xfrm>
+          <a:prstGeom prst="rect">
+            <a:avLst/>
+          </a:prstGeom>
+          <a:noFill/>
+        </p:spPr>
+        <p:txBody>
+          <a:bodyPr wrap="square" rtlCol="0">
+            <a:spAutoFit/>
+          </a:bodyPr>
+          <a:lstStyle/>
+          <a:p>
+            <a:pPr algn="ctr"/>
+            <a:r>
+              <a:rPr lang="en-US" sz="3200" b="1" dirty="0"/>
+              <a:t>In-Memory Data Storage for App</a:t>
+            </a:r>
+          </a:p>
+        </p:txBody>
+      </p:sp>
+      <p:sp>
+        <p:nvSpPr>
+          <p:cNvPr id="13" name="TextBox 12">
+            <a:extLst>
+              <a:ext uri="{FF2B5EF4-FFF2-40B4-BE49-F238E27FC236}">
+                <a16:creationId xmlns:a16="http://schemas.microsoft.com/office/drawing/2014/main" id="{6073A297-0616-164E-FAE0-B6739DB53F53}"/>
+              </a:ext>
+            </a:extLst>
+          </p:cNvPr>
+          <p:cNvSpPr txBox="1"/>
+          <p:nvPr/>
+        </p:nvSpPr>
+        <p:spPr>
+          <a:xfrm>
+            <a:off x="177282" y="2071397"/>
+            <a:ext cx="4627983" cy="3693319"/>
+          </a:xfrm>
+          <a:prstGeom prst="rect">
+            <a:avLst/>
+          </a:prstGeom>
+          <a:noFill/>
+        </p:spPr>
+        <p:txBody>
+          <a:bodyPr wrap="square" rtlCol="0">
+            <a:spAutoFit/>
+          </a:bodyPr>
+          <a:lstStyle/>
+          <a:p>
+            <a:r>
+              <a:rPr lang="en-US" dirty="0"/>
+              <a:t>Advantages</a:t>
+            </a:r>
+          </a:p>
+          <a:p>
+            <a:pPr marL="285750" indent="-285750">
+              <a:buFont typeface="Arial" panose="020B0604020202020204" pitchFamily="34" charset="0"/>
+              <a:buChar char="•"/>
+            </a:pPr>
+            <a:r>
+              <a:rPr lang="en-US" dirty="0"/>
+              <a:t>Reduces the Network Traffic </a:t>
+            </a:r>
+          </a:p>
+          <a:p>
+            <a:pPr marL="285750" indent="-285750">
+              <a:buFont typeface="Arial" panose="020B0604020202020204" pitchFamily="34" charset="0"/>
+              <a:buChar char="•"/>
+            </a:pPr>
+            <a:r>
+              <a:rPr lang="en-US" dirty="0"/>
+              <a:t>Reduces number of database calls</a:t>
+            </a:r>
+          </a:p>
+          <a:p>
+            <a:pPr marL="285750" indent="-285750">
+              <a:buFont typeface="Arial" panose="020B0604020202020204" pitchFamily="34" charset="0"/>
+              <a:buChar char="•"/>
+            </a:pPr>
+            <a:r>
+              <a:rPr lang="en-US" dirty="0"/>
+              <a:t>Various modules of application has an immediate access to the data since data can be immediately read from memory</a:t>
+            </a:r>
+          </a:p>
+          <a:p>
+            <a:endParaRPr lang="en-US" dirty="0"/>
+          </a:p>
+          <a:p>
+            <a:r>
+              <a:rPr lang="en-US" dirty="0"/>
+              <a:t>Limitations</a:t>
+            </a:r>
+          </a:p>
+          <a:p>
+            <a:pPr marL="285750" indent="-285750">
+              <a:buFont typeface="Arial" panose="020B0604020202020204" pitchFamily="34" charset="0"/>
+              <a:buChar char="•"/>
+            </a:pPr>
+            <a:r>
+              <a:rPr lang="en-US" dirty="0"/>
+              <a:t>More Memory Requirements</a:t>
+            </a:r>
+          </a:p>
+          <a:p>
+            <a:pPr marL="285750" indent="-285750">
+              <a:buFont typeface="Arial" panose="020B0604020202020204" pitchFamily="34" charset="0"/>
+              <a:buChar char="•"/>
+            </a:pPr>
+            <a:r>
+              <a:rPr lang="en-US" dirty="0"/>
+              <a:t>If live data is to be shared across various apps then this approach is not useful</a:t>
+            </a:r>
+          </a:p>
+          <a:p>
+            <a:pPr marL="285750" indent="-285750">
+              <a:buFont typeface="Arial" panose="020B0604020202020204" pitchFamily="34" charset="0"/>
+              <a:buChar char="•"/>
+            </a:pPr>
+            <a:r>
+              <a:rPr lang="en-US" dirty="0"/>
+              <a:t>Volatile in nature, unload the app the data will be removed</a:t>
+            </a:r>
+          </a:p>
+        </p:txBody>
+      </p:sp>
+      <p:sp>
+        <p:nvSpPr>
+          <p:cNvPr id="14" name="Flowchart: Multidocument 13">
+            <a:extLst>
+              <a:ext uri="{FF2B5EF4-FFF2-40B4-BE49-F238E27FC236}">
+                <a16:creationId xmlns:a16="http://schemas.microsoft.com/office/drawing/2014/main" id="{BB631541-4CA4-07C3-9EEF-78D8F65C9C76}"/>
               </a:ext>
             </a:extLst>
           </p:cNvPr>
@@ -5033,12 +5667,15 @@
         </p:nvSpPr>
         <p:spPr>
           <a:xfrm>
-            <a:off x="597159" y="2062065"/>
-            <a:ext cx="1828800" cy="1035698"/>
-          </a:xfrm>
-          <a:prstGeom prst="ellipse">
-            <a:avLst/>
-          </a:prstGeom>
+            <a:off x="5710335" y="1054359"/>
+            <a:ext cx="2435289" cy="1026368"/>
+          </a:xfrm>
+          <a:prstGeom prst="flowChartMultidocument">
+            <a:avLst/>
+          </a:prstGeom>
+          <a:solidFill>
+            <a:srgbClr val="002060"/>
+          </a:solidFill>
         </p:spPr>
         <p:style>
           <a:lnRef idx="2">
@@ -5063,942 +5700,7 @@
             <a:pPr algn="ctr"/>
             <a:r>
               <a:rPr lang="en-US" dirty="0"/>
-              <a:t>Value Types</a:t>
-            </a:r>
-          </a:p>
-        </p:txBody>
-      </p:sp>
-      <p:sp>
-        <p:nvSpPr>
-          <p:cNvPr id="10" name="Oval 9">
-            <a:extLst>
-              <a:ext uri="{FF2B5EF4-FFF2-40B4-BE49-F238E27FC236}">
-                <a16:creationId xmlns:a16="http://schemas.microsoft.com/office/drawing/2014/main" id="{4DE284E2-2BCD-F5A6-D0E1-41D35409A0E9}"/>
-              </a:ext>
-            </a:extLst>
-          </p:cNvPr>
-          <p:cNvSpPr/>
-          <p:nvPr/>
-        </p:nvSpPr>
-        <p:spPr>
-          <a:xfrm>
-            <a:off x="9699171" y="2062065"/>
-            <a:ext cx="1828800" cy="1035698"/>
-          </a:xfrm>
-          <a:prstGeom prst="ellipse">
-            <a:avLst/>
-          </a:prstGeom>
-        </p:spPr>
-        <p:style>
-          <a:lnRef idx="2">
-            <a:schemeClr val="accent1">
-              <a:shade val="15000"/>
-            </a:schemeClr>
-          </a:lnRef>
-          <a:fillRef idx="1">
-            <a:schemeClr val="accent1"/>
-          </a:fillRef>
-          <a:effectRef idx="0">
-            <a:schemeClr val="accent1"/>
-          </a:effectRef>
-          <a:fontRef idx="minor">
-            <a:schemeClr val="lt1"/>
-          </a:fontRef>
-        </p:style>
-        <p:txBody>
-          <a:bodyPr rtlCol="0" anchor="ctr"/>
-          <a:lstStyle/>
-          <a:p>
-            <a:pPr algn="ctr"/>
-            <a:r>
-              <a:rPr lang="en-US" dirty="0"/>
-              <a:t>Reference Types</a:t>
-            </a:r>
-          </a:p>
-        </p:txBody>
-      </p:sp>
-      <p:cxnSp>
-        <p:nvCxnSpPr>
-          <p:cNvPr id="12" name="Connector: Elbow 11">
-            <a:extLst>
-              <a:ext uri="{FF2B5EF4-FFF2-40B4-BE49-F238E27FC236}">
-                <a16:creationId xmlns:a16="http://schemas.microsoft.com/office/drawing/2014/main" id="{B32841DB-246D-27E3-33BF-79E6690C33F1}"/>
-              </a:ext>
-            </a:extLst>
-          </p:cNvPr>
-          <p:cNvCxnSpPr>
-            <a:stCxn id="6" idx="2"/>
-            <a:endCxn id="9" idx="0"/>
-          </p:cNvCxnSpPr>
-          <p:nvPr/>
-        </p:nvCxnSpPr>
-        <p:spPr>
-          <a:xfrm rot="10800000" flipV="1">
-            <a:off x="1511559" y="1310951"/>
-            <a:ext cx="3536302" cy="751113"/>
-          </a:xfrm>
-          <a:prstGeom prst="bentConnector2">
-            <a:avLst/>
-          </a:prstGeom>
-          <a:ln>
-            <a:tailEnd type="triangle"/>
-          </a:ln>
-        </p:spPr>
-        <p:style>
-          <a:lnRef idx="1">
-            <a:schemeClr val="accent1"/>
-          </a:lnRef>
-          <a:fillRef idx="0">
-            <a:schemeClr val="accent1"/>
-          </a:fillRef>
-          <a:effectRef idx="0">
-            <a:schemeClr val="accent1"/>
-          </a:effectRef>
-          <a:fontRef idx="minor">
-            <a:schemeClr val="tx1"/>
-          </a:fontRef>
-        </p:style>
-      </p:cxnSp>
-      <p:cxnSp>
-        <p:nvCxnSpPr>
-          <p:cNvPr id="14" name="Connector: Elbow 13">
-            <a:extLst>
-              <a:ext uri="{FF2B5EF4-FFF2-40B4-BE49-F238E27FC236}">
-                <a16:creationId xmlns:a16="http://schemas.microsoft.com/office/drawing/2014/main" id="{046E35F1-60EE-6FEE-E54E-9ABB6FAD2C07}"/>
-              </a:ext>
-            </a:extLst>
-          </p:cNvPr>
-          <p:cNvCxnSpPr>
-            <a:stCxn id="6" idx="6"/>
-            <a:endCxn id="10" idx="0"/>
-          </p:cNvCxnSpPr>
-          <p:nvPr/>
-        </p:nvCxnSpPr>
-        <p:spPr>
-          <a:xfrm>
-            <a:off x="6326156" y="1310952"/>
-            <a:ext cx="4287415" cy="751113"/>
-          </a:xfrm>
-          <a:prstGeom prst="bentConnector2">
-            <a:avLst/>
-          </a:prstGeom>
-          <a:ln>
-            <a:tailEnd type="triangle"/>
-          </a:ln>
-        </p:spPr>
-        <p:style>
-          <a:lnRef idx="1">
-            <a:schemeClr val="accent1"/>
-          </a:lnRef>
-          <a:fillRef idx="0">
-            <a:schemeClr val="accent1"/>
-          </a:fillRef>
-          <a:effectRef idx="0">
-            <a:schemeClr val="accent1"/>
-          </a:effectRef>
-          <a:fontRef idx="minor">
-            <a:schemeClr val="tx1"/>
-          </a:fontRef>
-        </p:style>
-      </p:cxnSp>
-      <p:sp>
-        <p:nvSpPr>
-          <p:cNvPr id="15" name="TextBox 14">
-            <a:extLst>
-              <a:ext uri="{FF2B5EF4-FFF2-40B4-BE49-F238E27FC236}">
-                <a16:creationId xmlns:a16="http://schemas.microsoft.com/office/drawing/2014/main" id="{0D81D568-29BD-AC03-4071-430DAD514874}"/>
-              </a:ext>
-            </a:extLst>
-          </p:cNvPr>
-          <p:cNvSpPr txBox="1"/>
-          <p:nvPr/>
-        </p:nvSpPr>
-        <p:spPr>
-          <a:xfrm>
-            <a:off x="233265" y="3340359"/>
-            <a:ext cx="2621902" cy="369332"/>
-          </a:xfrm>
-          <a:prstGeom prst="rect">
-            <a:avLst/>
-          </a:prstGeom>
-          <a:noFill/>
-        </p:spPr>
-        <p:txBody>
-          <a:bodyPr wrap="square" rtlCol="0">
-            <a:spAutoFit/>
-          </a:bodyPr>
-          <a:lstStyle/>
-          <a:p>
-            <a:r>
-              <a:rPr lang="en-US" dirty="0"/>
-              <a:t>Numeric, Char, Boolean</a:t>
-            </a:r>
-          </a:p>
-        </p:txBody>
-      </p:sp>
-      <p:sp>
-        <p:nvSpPr>
-          <p:cNvPr id="16" name="TextBox 15">
-            <a:extLst>
-              <a:ext uri="{FF2B5EF4-FFF2-40B4-BE49-F238E27FC236}">
-                <a16:creationId xmlns:a16="http://schemas.microsoft.com/office/drawing/2014/main" id="{D3AE6700-596F-AC8F-EB3E-5B876DFA02EC}"/>
-              </a:ext>
-            </a:extLst>
-          </p:cNvPr>
-          <p:cNvSpPr txBox="1"/>
-          <p:nvPr/>
-        </p:nvSpPr>
-        <p:spPr>
-          <a:xfrm>
-            <a:off x="8593494" y="3429000"/>
-            <a:ext cx="3365241" cy="646331"/>
-          </a:xfrm>
-          <a:prstGeom prst="rect">
-            <a:avLst/>
-          </a:prstGeom>
-          <a:noFill/>
-        </p:spPr>
-        <p:txBody>
-          <a:bodyPr wrap="square" rtlCol="0">
-            <a:spAutoFit/>
-          </a:bodyPr>
-          <a:lstStyle/>
-          <a:p>
-            <a:r>
-              <a:rPr lang="en-US" dirty="0"/>
-              <a:t>String, Date, Collections, User Defined Classes, Interfaces</a:t>
-            </a:r>
-          </a:p>
-        </p:txBody>
-      </p:sp>
-      <p:cxnSp>
-        <p:nvCxnSpPr>
-          <p:cNvPr id="18" name="Connector: Elbow 17">
-            <a:extLst>
-              <a:ext uri="{FF2B5EF4-FFF2-40B4-BE49-F238E27FC236}">
-                <a16:creationId xmlns:a16="http://schemas.microsoft.com/office/drawing/2014/main" id="{EAF01115-988C-6706-7A28-BDDF13AD3CF2}"/>
-              </a:ext>
-            </a:extLst>
-          </p:cNvPr>
-          <p:cNvCxnSpPr>
-            <a:stCxn id="9" idx="6"/>
-            <a:endCxn id="6" idx="4"/>
-          </p:cNvCxnSpPr>
-          <p:nvPr/>
-        </p:nvCxnSpPr>
-        <p:spPr>
-          <a:xfrm flipV="1">
-            <a:off x="2425959" y="1632858"/>
-            <a:ext cx="3261050" cy="947056"/>
-          </a:xfrm>
-          <a:prstGeom prst="bentConnector2">
-            <a:avLst/>
-          </a:prstGeom>
-          <a:ln>
-            <a:tailEnd type="triangle"/>
-          </a:ln>
-        </p:spPr>
-        <p:style>
-          <a:lnRef idx="1">
-            <a:schemeClr val="accent1"/>
-          </a:lnRef>
-          <a:fillRef idx="0">
-            <a:schemeClr val="accent1"/>
-          </a:fillRef>
-          <a:effectRef idx="0">
-            <a:schemeClr val="accent1"/>
-          </a:effectRef>
-          <a:fontRef idx="minor">
-            <a:schemeClr val="tx1"/>
-          </a:fontRef>
-        </p:style>
-      </p:cxnSp>
-      <p:cxnSp>
-        <p:nvCxnSpPr>
-          <p:cNvPr id="20" name="Connector: Elbow 19">
-            <a:extLst>
-              <a:ext uri="{FF2B5EF4-FFF2-40B4-BE49-F238E27FC236}">
-                <a16:creationId xmlns:a16="http://schemas.microsoft.com/office/drawing/2014/main" id="{65989EE9-91BC-C81A-CA10-F40036677DA7}"/>
-              </a:ext>
-            </a:extLst>
-          </p:cNvPr>
-          <p:cNvCxnSpPr>
-            <a:stCxn id="10" idx="2"/>
-            <a:endCxn id="6" idx="4"/>
-          </p:cNvCxnSpPr>
-          <p:nvPr/>
-        </p:nvCxnSpPr>
-        <p:spPr>
-          <a:xfrm rot="10800000">
-            <a:off x="5687009" y="1632858"/>
-            <a:ext cx="4012162" cy="947056"/>
-          </a:xfrm>
-          <a:prstGeom prst="bentConnector2">
-            <a:avLst/>
-          </a:prstGeom>
-          <a:ln>
-            <a:tailEnd type="triangle"/>
-          </a:ln>
-        </p:spPr>
-        <p:style>
-          <a:lnRef idx="1">
-            <a:schemeClr val="accent1"/>
-          </a:lnRef>
-          <a:fillRef idx="0">
-            <a:schemeClr val="accent1"/>
-          </a:fillRef>
-          <a:effectRef idx="0">
-            <a:schemeClr val="accent1"/>
-          </a:effectRef>
-          <a:fontRef idx="minor">
-            <a:schemeClr val="tx1"/>
-          </a:fontRef>
-        </p:style>
-      </p:cxnSp>
-      <p:sp>
-        <p:nvSpPr>
-          <p:cNvPr id="21" name="TextBox 20">
-            <a:extLst>
-              <a:ext uri="{FF2B5EF4-FFF2-40B4-BE49-F238E27FC236}">
-                <a16:creationId xmlns:a16="http://schemas.microsoft.com/office/drawing/2014/main" id="{D19CA047-0432-D7B5-F46C-0003BF52398F}"/>
-              </a:ext>
-            </a:extLst>
-          </p:cNvPr>
-          <p:cNvSpPr txBox="1"/>
-          <p:nvPr/>
-        </p:nvSpPr>
-        <p:spPr>
-          <a:xfrm>
-            <a:off x="3545633" y="3023118"/>
-            <a:ext cx="4618653" cy="646331"/>
-          </a:xfrm>
-          <a:prstGeom prst="rect">
-            <a:avLst/>
-          </a:prstGeom>
-          <a:noFill/>
-        </p:spPr>
-        <p:txBody>
-          <a:bodyPr wrap="square" rtlCol="0">
-            <a:spAutoFit/>
-          </a:bodyPr>
-          <a:lstStyle/>
-          <a:p>
-            <a:r>
-              <a:rPr lang="en-US" dirty="0"/>
-              <a:t>Value types and Reference types can be represented as object</a:t>
-            </a:r>
-          </a:p>
-        </p:txBody>
-      </p:sp>
-      <p:sp>
-        <p:nvSpPr>
-          <p:cNvPr id="22" name="TextBox 21">
-            <a:extLst>
-              <a:ext uri="{FF2B5EF4-FFF2-40B4-BE49-F238E27FC236}">
-                <a16:creationId xmlns:a16="http://schemas.microsoft.com/office/drawing/2014/main" id="{CB3C4EAC-EE60-D086-DD2F-3B39DACF1D5B}"/>
-              </a:ext>
-            </a:extLst>
-          </p:cNvPr>
-          <p:cNvSpPr txBox="1"/>
-          <p:nvPr/>
-        </p:nvSpPr>
-        <p:spPr>
-          <a:xfrm>
-            <a:off x="242594" y="4348065"/>
-            <a:ext cx="1492900" cy="923330"/>
-          </a:xfrm>
-          <a:prstGeom prst="rect">
-            <a:avLst/>
-          </a:prstGeom>
-          <a:noFill/>
-        </p:spPr>
-        <p:txBody>
-          <a:bodyPr wrap="square" rtlCol="0">
-            <a:spAutoFit/>
-          </a:bodyPr>
-          <a:lstStyle/>
-          <a:p>
-            <a:r>
-              <a:rPr lang="en-US" dirty="0"/>
-              <a:t>int x = 10; </a:t>
-            </a:r>
-          </a:p>
-          <a:p>
-            <a:endParaRPr lang="en-US" dirty="0"/>
-          </a:p>
-          <a:p>
-            <a:r>
-              <a:rPr lang="en-US" dirty="0"/>
-              <a:t>object o = x;</a:t>
-            </a:r>
-          </a:p>
-        </p:txBody>
-      </p:sp>
-      <p:sp>
-        <p:nvSpPr>
-          <p:cNvPr id="23" name="TextBox 22">
-            <a:extLst>
-              <a:ext uri="{FF2B5EF4-FFF2-40B4-BE49-F238E27FC236}">
-                <a16:creationId xmlns:a16="http://schemas.microsoft.com/office/drawing/2014/main" id="{7143E72B-EE27-B587-D043-DC0375421144}"/>
-              </a:ext>
-            </a:extLst>
-          </p:cNvPr>
-          <p:cNvSpPr txBox="1"/>
-          <p:nvPr/>
-        </p:nvSpPr>
-        <p:spPr>
-          <a:xfrm>
-            <a:off x="2855167" y="4264090"/>
-            <a:ext cx="1259633" cy="369332"/>
-          </a:xfrm>
-          <a:prstGeom prst="rect">
-            <a:avLst/>
-          </a:prstGeom>
-          <a:noFill/>
-        </p:spPr>
-        <p:txBody>
-          <a:bodyPr wrap="square" rtlCol="0">
-            <a:spAutoFit/>
-          </a:bodyPr>
-          <a:lstStyle/>
-          <a:p>
-            <a:pPr algn="ctr"/>
-            <a:r>
-              <a:rPr lang="en-US" b="1" dirty="0"/>
-              <a:t>Stack</a:t>
-            </a:r>
-          </a:p>
-        </p:txBody>
-      </p:sp>
-      <p:sp>
-        <p:nvSpPr>
-          <p:cNvPr id="24" name="Rectangle: Rounded Corners 23">
-            <a:extLst>
-              <a:ext uri="{FF2B5EF4-FFF2-40B4-BE49-F238E27FC236}">
-                <a16:creationId xmlns:a16="http://schemas.microsoft.com/office/drawing/2014/main" id="{E924EB8F-F06D-E07E-BB2A-09117EE26EB8}"/>
-              </a:ext>
-            </a:extLst>
-          </p:cNvPr>
-          <p:cNvSpPr/>
-          <p:nvPr/>
-        </p:nvSpPr>
-        <p:spPr>
-          <a:xfrm>
-            <a:off x="3088433" y="4633422"/>
-            <a:ext cx="1026367" cy="554399"/>
-          </a:xfrm>
-          <a:prstGeom prst="roundRect">
-            <a:avLst/>
-          </a:prstGeom>
-        </p:spPr>
-        <p:style>
-          <a:lnRef idx="2">
-            <a:schemeClr val="accent1">
-              <a:shade val="15000"/>
-            </a:schemeClr>
-          </a:lnRef>
-          <a:fillRef idx="1">
-            <a:schemeClr val="accent1"/>
-          </a:fillRef>
-          <a:effectRef idx="0">
-            <a:schemeClr val="accent1"/>
-          </a:effectRef>
-          <a:fontRef idx="minor">
-            <a:schemeClr val="lt1"/>
-          </a:fontRef>
-        </p:style>
-        <p:txBody>
-          <a:bodyPr rtlCol="0" anchor="ctr"/>
-          <a:lstStyle/>
-          <a:p>
-            <a:pPr algn="ctr"/>
-            <a:r>
-              <a:rPr lang="en-US" b="1" dirty="0"/>
-              <a:t>10</a:t>
-            </a:r>
-          </a:p>
-        </p:txBody>
-      </p:sp>
-      <p:sp>
-        <p:nvSpPr>
-          <p:cNvPr id="25" name="TextBox 24">
-            <a:extLst>
-              <a:ext uri="{FF2B5EF4-FFF2-40B4-BE49-F238E27FC236}">
-                <a16:creationId xmlns:a16="http://schemas.microsoft.com/office/drawing/2014/main" id="{06469B96-9D56-2B4B-4222-B1894E0F9FF8}"/>
-              </a:ext>
-            </a:extLst>
-          </p:cNvPr>
-          <p:cNvSpPr txBox="1"/>
-          <p:nvPr/>
-        </p:nvSpPr>
-        <p:spPr>
-          <a:xfrm>
-            <a:off x="3228392" y="5346441"/>
-            <a:ext cx="681135" cy="369332"/>
-          </a:xfrm>
-          <a:prstGeom prst="rect">
-            <a:avLst/>
-          </a:prstGeom>
-          <a:noFill/>
-        </p:spPr>
-        <p:txBody>
-          <a:bodyPr wrap="square" rtlCol="0">
-            <a:spAutoFit/>
-          </a:bodyPr>
-          <a:lstStyle/>
-          <a:p>
-            <a:pPr algn="ctr"/>
-            <a:r>
-              <a:rPr lang="en-US" b="1" dirty="0"/>
-              <a:t>x</a:t>
-            </a:r>
-          </a:p>
-        </p:txBody>
-      </p:sp>
-      <p:cxnSp>
-        <p:nvCxnSpPr>
-          <p:cNvPr id="27" name="Connector: Elbow 26">
-            <a:extLst>
-              <a:ext uri="{FF2B5EF4-FFF2-40B4-BE49-F238E27FC236}">
-                <a16:creationId xmlns:a16="http://schemas.microsoft.com/office/drawing/2014/main" id="{CC6ED3FE-6AC6-13F3-852A-D8E6F619B335}"/>
-              </a:ext>
-            </a:extLst>
-          </p:cNvPr>
-          <p:cNvCxnSpPr>
-            <a:endCxn id="24" idx="1"/>
-          </p:cNvCxnSpPr>
-          <p:nvPr/>
-        </p:nvCxnSpPr>
-        <p:spPr>
-          <a:xfrm>
-            <a:off x="1511559" y="4516016"/>
-            <a:ext cx="1576874" cy="394606"/>
-          </a:xfrm>
-          <a:prstGeom prst="bentConnector3">
-            <a:avLst/>
-          </a:prstGeom>
-          <a:ln>
-            <a:tailEnd type="triangle"/>
-          </a:ln>
-        </p:spPr>
-        <p:style>
-          <a:lnRef idx="1">
-            <a:schemeClr val="accent1"/>
-          </a:lnRef>
-          <a:fillRef idx="0">
-            <a:schemeClr val="accent1"/>
-          </a:fillRef>
-          <a:effectRef idx="0">
-            <a:schemeClr val="accent1"/>
-          </a:effectRef>
-          <a:fontRef idx="minor">
-            <a:schemeClr val="tx1"/>
-          </a:fontRef>
-        </p:style>
-      </p:cxnSp>
-      <p:sp>
-        <p:nvSpPr>
-          <p:cNvPr id="28" name="TextBox 27">
-            <a:extLst>
-              <a:ext uri="{FF2B5EF4-FFF2-40B4-BE49-F238E27FC236}">
-                <a16:creationId xmlns:a16="http://schemas.microsoft.com/office/drawing/2014/main" id="{62D25AB1-E50B-342B-4EBF-8749ADF72EDC}"/>
-              </a:ext>
-            </a:extLst>
-          </p:cNvPr>
-          <p:cNvSpPr txBox="1"/>
-          <p:nvPr/>
-        </p:nvSpPr>
-        <p:spPr>
-          <a:xfrm>
-            <a:off x="3088433" y="5715773"/>
-            <a:ext cx="1026367" cy="369332"/>
-          </a:xfrm>
-          <a:prstGeom prst="rect">
-            <a:avLst/>
-          </a:prstGeom>
-          <a:noFill/>
-        </p:spPr>
-        <p:txBody>
-          <a:bodyPr wrap="square" rtlCol="0">
-            <a:spAutoFit/>
-          </a:bodyPr>
-          <a:lstStyle/>
-          <a:p>
-            <a:pPr algn="ctr"/>
-            <a:r>
-              <a:rPr lang="en-US" b="1" dirty="0"/>
-              <a:t>Stack</a:t>
-            </a:r>
-          </a:p>
-        </p:txBody>
-      </p:sp>
-      <p:sp>
-        <p:nvSpPr>
-          <p:cNvPr id="29" name="Rectangle: Rounded Corners 28">
-            <a:extLst>
-              <a:ext uri="{FF2B5EF4-FFF2-40B4-BE49-F238E27FC236}">
-                <a16:creationId xmlns:a16="http://schemas.microsoft.com/office/drawing/2014/main" id="{9A55B991-3C4C-89DF-C8CB-7BD48CE09196}"/>
-              </a:ext>
-            </a:extLst>
-          </p:cNvPr>
-          <p:cNvSpPr/>
-          <p:nvPr/>
-        </p:nvSpPr>
-        <p:spPr>
-          <a:xfrm>
-            <a:off x="3088433" y="6094826"/>
-            <a:ext cx="1026367" cy="554399"/>
-          </a:xfrm>
-          <a:prstGeom prst="roundRect">
-            <a:avLst/>
-          </a:prstGeom>
-        </p:spPr>
-        <p:style>
-          <a:lnRef idx="2">
-            <a:schemeClr val="accent1">
-              <a:shade val="15000"/>
-            </a:schemeClr>
-          </a:lnRef>
-          <a:fillRef idx="1">
-            <a:schemeClr val="accent1"/>
-          </a:fillRef>
-          <a:effectRef idx="0">
-            <a:schemeClr val="accent1"/>
-          </a:effectRef>
-          <a:fontRef idx="minor">
-            <a:schemeClr val="lt1"/>
-          </a:fontRef>
-        </p:style>
-        <p:txBody>
-          <a:bodyPr rtlCol="0" anchor="ctr"/>
-          <a:lstStyle/>
-          <a:p>
-            <a:pPr algn="ctr"/>
-            <a:r>
-              <a:rPr lang="en-US" b="1" dirty="0"/>
-              <a:t>o</a:t>
-            </a:r>
-          </a:p>
-        </p:txBody>
-      </p:sp>
-      <p:sp>
-        <p:nvSpPr>
-          <p:cNvPr id="30" name="TextBox 29">
-            <a:extLst>
-              <a:ext uri="{FF2B5EF4-FFF2-40B4-BE49-F238E27FC236}">
-                <a16:creationId xmlns:a16="http://schemas.microsoft.com/office/drawing/2014/main" id="{D4BB2BEB-D6EF-956C-61B2-ECF123DB77B7}"/>
-              </a:ext>
-            </a:extLst>
-          </p:cNvPr>
-          <p:cNvSpPr txBox="1"/>
-          <p:nvPr/>
-        </p:nvSpPr>
-        <p:spPr>
-          <a:xfrm>
-            <a:off x="8164286" y="5372487"/>
-            <a:ext cx="2239347" cy="369332"/>
-          </a:xfrm>
-          <a:prstGeom prst="rect">
-            <a:avLst/>
-          </a:prstGeom>
-          <a:noFill/>
-        </p:spPr>
-        <p:txBody>
-          <a:bodyPr wrap="square" rtlCol="0">
-            <a:spAutoFit/>
-          </a:bodyPr>
-          <a:lstStyle/>
-          <a:p>
-            <a:pPr algn="ctr"/>
-            <a:r>
-              <a:rPr lang="en-US" b="1" dirty="0"/>
-              <a:t>Heap</a:t>
-            </a:r>
-          </a:p>
-        </p:txBody>
-      </p:sp>
-      <p:sp>
-        <p:nvSpPr>
-          <p:cNvPr id="31" name="Rectangle: Rounded Corners 30">
-            <a:extLst>
-              <a:ext uri="{FF2B5EF4-FFF2-40B4-BE49-F238E27FC236}">
-                <a16:creationId xmlns:a16="http://schemas.microsoft.com/office/drawing/2014/main" id="{9924D160-6A81-DE45-FDC8-6B2CDDE269AA}"/>
-              </a:ext>
-            </a:extLst>
-          </p:cNvPr>
-          <p:cNvSpPr/>
-          <p:nvPr/>
-        </p:nvSpPr>
-        <p:spPr>
-          <a:xfrm>
-            <a:off x="8164285" y="5817626"/>
-            <a:ext cx="2239348" cy="909745"/>
-          </a:xfrm>
-          <a:prstGeom prst="roundRect">
-            <a:avLst/>
-          </a:prstGeom>
-          <a:solidFill>
-            <a:srgbClr val="FFFF00"/>
-          </a:solidFill>
-        </p:spPr>
-        <p:style>
-          <a:lnRef idx="2">
-            <a:schemeClr val="accent1">
-              <a:shade val="15000"/>
-            </a:schemeClr>
-          </a:lnRef>
-          <a:fillRef idx="1">
-            <a:schemeClr val="accent1"/>
-          </a:fillRef>
-          <a:effectRef idx="0">
-            <a:schemeClr val="accent1"/>
-          </a:effectRef>
-          <a:fontRef idx="minor">
-            <a:schemeClr val="lt1"/>
-          </a:fontRef>
-        </p:style>
-        <p:txBody>
-          <a:bodyPr rtlCol="0" anchor="ctr"/>
-          <a:lstStyle/>
-          <a:p>
-            <a:pPr algn="ctr"/>
-            <a:endParaRPr lang="en-US" b="1" dirty="0"/>
-          </a:p>
-        </p:txBody>
-      </p:sp>
-      <p:sp>
-        <p:nvSpPr>
-          <p:cNvPr id="32" name="Rectangle 31">
-            <a:extLst>
-              <a:ext uri="{FF2B5EF4-FFF2-40B4-BE49-F238E27FC236}">
-                <a16:creationId xmlns:a16="http://schemas.microsoft.com/office/drawing/2014/main" id="{3EA37EE5-4EE7-2A28-7BEA-B1C1EA59564F}"/>
-              </a:ext>
-            </a:extLst>
-          </p:cNvPr>
-          <p:cNvSpPr/>
-          <p:nvPr/>
-        </p:nvSpPr>
-        <p:spPr>
-          <a:xfrm>
-            <a:off x="8164285" y="6190568"/>
-            <a:ext cx="2239348" cy="163859"/>
-          </a:xfrm>
-          <a:prstGeom prst="rect">
-            <a:avLst/>
-          </a:prstGeom>
-        </p:spPr>
-        <p:style>
-          <a:lnRef idx="2">
-            <a:schemeClr val="accent1">
-              <a:shade val="15000"/>
-            </a:schemeClr>
-          </a:lnRef>
-          <a:fillRef idx="1">
-            <a:schemeClr val="accent1"/>
-          </a:fillRef>
-          <a:effectRef idx="0">
-            <a:schemeClr val="accent1"/>
-          </a:effectRef>
-          <a:fontRef idx="minor">
-            <a:schemeClr val="lt1"/>
-          </a:fontRef>
-        </p:style>
-        <p:txBody>
-          <a:bodyPr rtlCol="0" anchor="ctr"/>
-          <a:lstStyle/>
-          <a:p>
-            <a:pPr algn="ctr"/>
-            <a:endParaRPr lang="en-US"/>
-          </a:p>
-        </p:txBody>
-      </p:sp>
-      <p:sp>
-        <p:nvSpPr>
-          <p:cNvPr id="33" name="TextBox 32">
-            <a:extLst>
-              <a:ext uri="{FF2B5EF4-FFF2-40B4-BE49-F238E27FC236}">
-                <a16:creationId xmlns:a16="http://schemas.microsoft.com/office/drawing/2014/main" id="{ADA3FD4B-546B-FA31-8C11-7E89E60303AF}"/>
-              </a:ext>
-            </a:extLst>
-          </p:cNvPr>
-          <p:cNvSpPr txBox="1"/>
-          <p:nvPr/>
-        </p:nvSpPr>
-        <p:spPr>
-          <a:xfrm>
-            <a:off x="8164285" y="5840961"/>
-            <a:ext cx="2239348" cy="338554"/>
-          </a:xfrm>
-          <a:prstGeom prst="rect">
-            <a:avLst/>
-          </a:prstGeom>
-          <a:noFill/>
-        </p:spPr>
-        <p:txBody>
-          <a:bodyPr wrap="square" rtlCol="0">
-            <a:spAutoFit/>
-          </a:bodyPr>
-          <a:lstStyle/>
-          <a:p>
-            <a:pPr algn="ctr"/>
-            <a:r>
-              <a:rPr lang="en-US" sz="1600" b="1" dirty="0"/>
-              <a:t>System.Int32</a:t>
-            </a:r>
-          </a:p>
-        </p:txBody>
-      </p:sp>
-      <p:sp>
-        <p:nvSpPr>
-          <p:cNvPr id="34" name="TextBox 33">
-            <a:extLst>
-              <a:ext uri="{FF2B5EF4-FFF2-40B4-BE49-F238E27FC236}">
-                <a16:creationId xmlns:a16="http://schemas.microsoft.com/office/drawing/2014/main" id="{1768B0EC-960F-56DA-4B79-F3DD6BD92B90}"/>
-              </a:ext>
-            </a:extLst>
-          </p:cNvPr>
-          <p:cNvSpPr txBox="1"/>
-          <p:nvPr/>
-        </p:nvSpPr>
-        <p:spPr>
-          <a:xfrm>
-            <a:off x="8350898" y="6372025"/>
-            <a:ext cx="1744824" cy="369332"/>
-          </a:xfrm>
-          <a:prstGeom prst="rect">
-            <a:avLst/>
-          </a:prstGeom>
-          <a:noFill/>
-        </p:spPr>
-        <p:txBody>
-          <a:bodyPr wrap="square" rtlCol="0">
-            <a:spAutoFit/>
-          </a:bodyPr>
-          <a:lstStyle/>
-          <a:p>
-            <a:pPr algn="ctr"/>
-            <a:r>
-              <a:rPr lang="en-US" b="1" dirty="0"/>
-              <a:t>10</a:t>
-            </a:r>
-          </a:p>
-        </p:txBody>
-      </p:sp>
-      <p:cxnSp>
-        <p:nvCxnSpPr>
-          <p:cNvPr id="36" name="Connector: Elbow 35">
-            <a:extLst>
-              <a:ext uri="{FF2B5EF4-FFF2-40B4-BE49-F238E27FC236}">
-                <a16:creationId xmlns:a16="http://schemas.microsoft.com/office/drawing/2014/main" id="{43FD411D-5D89-1032-131B-FB4436A9455B}"/>
-              </a:ext>
-            </a:extLst>
-          </p:cNvPr>
-          <p:cNvCxnSpPr>
-            <a:stCxn id="29" idx="3"/>
-            <a:endCxn id="32" idx="1"/>
-          </p:cNvCxnSpPr>
-          <p:nvPr/>
-        </p:nvCxnSpPr>
-        <p:spPr>
-          <a:xfrm flipV="1">
-            <a:off x="4114800" y="6272498"/>
-            <a:ext cx="4049485" cy="99528"/>
-          </a:xfrm>
-          <a:prstGeom prst="bentConnector3">
-            <a:avLst/>
-          </a:prstGeom>
-          <a:ln>
-            <a:tailEnd type="triangle"/>
-          </a:ln>
-        </p:spPr>
-        <p:style>
-          <a:lnRef idx="1">
-            <a:schemeClr val="accent1"/>
-          </a:lnRef>
-          <a:fillRef idx="0">
-            <a:schemeClr val="accent1"/>
-          </a:fillRef>
-          <a:effectRef idx="0">
-            <a:schemeClr val="accent1"/>
-          </a:effectRef>
-          <a:fontRef idx="minor">
-            <a:schemeClr val="tx1"/>
-          </a:fontRef>
-        </p:style>
-      </p:cxnSp>
-      <p:cxnSp>
-        <p:nvCxnSpPr>
-          <p:cNvPr id="38" name="Connector: Elbow 37">
-            <a:extLst>
-              <a:ext uri="{FF2B5EF4-FFF2-40B4-BE49-F238E27FC236}">
-                <a16:creationId xmlns:a16="http://schemas.microsoft.com/office/drawing/2014/main" id="{12777C2F-1131-95A9-8B50-03C8C4FDC6C2}"/>
-              </a:ext>
-            </a:extLst>
-          </p:cNvPr>
-          <p:cNvCxnSpPr>
-            <a:endCxn id="29" idx="1"/>
-          </p:cNvCxnSpPr>
-          <p:nvPr/>
-        </p:nvCxnSpPr>
-        <p:spPr>
-          <a:xfrm>
-            <a:off x="1511559" y="5103845"/>
-            <a:ext cx="1576874" cy="1268181"/>
-          </a:xfrm>
-          <a:prstGeom prst="bentConnector3">
-            <a:avLst/>
-          </a:prstGeom>
-          <a:ln>
-            <a:tailEnd type="triangle"/>
-          </a:ln>
-        </p:spPr>
-        <p:style>
-          <a:lnRef idx="1">
-            <a:schemeClr val="accent1"/>
-          </a:lnRef>
-          <a:fillRef idx="0">
-            <a:schemeClr val="accent1"/>
-          </a:fillRef>
-          <a:effectRef idx="0">
-            <a:schemeClr val="accent1"/>
-          </a:effectRef>
-          <a:fontRef idx="minor">
-            <a:schemeClr val="tx1"/>
-          </a:fontRef>
-        </p:style>
-      </p:cxnSp>
-      <p:sp>
-        <p:nvSpPr>
-          <p:cNvPr id="39" name="TextBox 38">
-            <a:extLst>
-              <a:ext uri="{FF2B5EF4-FFF2-40B4-BE49-F238E27FC236}">
-                <a16:creationId xmlns:a16="http://schemas.microsoft.com/office/drawing/2014/main" id="{53A3DE0A-ECAF-948B-0970-1A5D33852891}"/>
-              </a:ext>
-            </a:extLst>
-          </p:cNvPr>
-          <p:cNvSpPr txBox="1"/>
-          <p:nvPr/>
-        </p:nvSpPr>
-        <p:spPr>
-          <a:xfrm>
-            <a:off x="4357397" y="5856675"/>
-            <a:ext cx="3284373" cy="369332"/>
-          </a:xfrm>
-          <a:prstGeom prst="rect">
-            <a:avLst/>
-          </a:prstGeom>
-          <a:noFill/>
-        </p:spPr>
-        <p:txBody>
-          <a:bodyPr wrap="square" rtlCol="0">
-            <a:spAutoFit/>
-          </a:bodyPr>
-          <a:lstStyle/>
-          <a:p>
-            <a:pPr algn="ctr"/>
-            <a:r>
-              <a:rPr lang="en-US" b="1" dirty="0"/>
-              <a:t>BOXING</a:t>
+              <a:t>Modules</a:t>
             </a:r>
           </a:p>
         </p:txBody>
@@ -6006,7 +5708,7 @@
     </p:spTree>
     <p:extLst>
       <p:ext uri="{BB962C8B-B14F-4D97-AF65-F5344CB8AC3E}">
-        <p14:creationId xmlns:p14="http://schemas.microsoft.com/office/powerpoint/2010/main" val="2128549895"/>
+        <p14:creationId xmlns:p14="http://schemas.microsoft.com/office/powerpoint/2010/main" val="2841995921"/>
       </p:ext>
     </p:extLst>
   </p:cSld>
@@ -6035,6 +5737,1238 @@
       </p:grpSpPr>
       <p:sp>
         <p:nvSpPr>
+          <p:cNvPr id="2" name="Rectangle: Rounded Corners 1">
+            <a:extLst>
+              <a:ext uri="{FF2B5EF4-FFF2-40B4-BE49-F238E27FC236}">
+                <a16:creationId xmlns:a16="http://schemas.microsoft.com/office/drawing/2014/main" id="{1E1D67CE-EFEA-1FF3-60F0-2772F2089929}"/>
+              </a:ext>
+            </a:extLst>
+          </p:cNvPr>
+          <p:cNvSpPr/>
+          <p:nvPr/>
+        </p:nvSpPr>
+        <p:spPr>
+          <a:xfrm>
+            <a:off x="4674637" y="65314"/>
+            <a:ext cx="2052734" cy="643813"/>
+          </a:xfrm>
+          <a:prstGeom prst="roundRect">
+            <a:avLst/>
+          </a:prstGeom>
+        </p:spPr>
+        <p:style>
+          <a:lnRef idx="2">
+            <a:schemeClr val="accent1">
+              <a:shade val="15000"/>
+            </a:schemeClr>
+          </a:lnRef>
+          <a:fillRef idx="1">
+            <a:schemeClr val="accent1"/>
+          </a:fillRef>
+          <a:effectRef idx="0">
+            <a:schemeClr val="accent1"/>
+          </a:effectRef>
+          <a:fontRef idx="minor">
+            <a:schemeClr val="lt1"/>
+          </a:fontRef>
+        </p:style>
+        <p:txBody>
+          <a:bodyPr rtlCol="0" anchor="ctr"/>
+          <a:lstStyle/>
+          <a:p>
+            <a:pPr algn="ctr"/>
+            <a:r>
+              <a:rPr lang="en-US" b="1" dirty="0" err="1"/>
+              <a:t>System.Type</a:t>
+            </a:r>
+            <a:endParaRPr lang="en-US" b="1" dirty="0"/>
+          </a:p>
+        </p:txBody>
+      </p:sp>
+      <p:sp>
+        <p:nvSpPr>
+          <p:cNvPr id="3" name="TextBox 2">
+            <a:extLst>
+              <a:ext uri="{FF2B5EF4-FFF2-40B4-BE49-F238E27FC236}">
+                <a16:creationId xmlns:a16="http://schemas.microsoft.com/office/drawing/2014/main" id="{08D8E066-0E17-E7F7-7E7A-2C9EB704A9AA}"/>
+              </a:ext>
+            </a:extLst>
+          </p:cNvPr>
+          <p:cNvSpPr txBox="1"/>
+          <p:nvPr/>
+        </p:nvSpPr>
+        <p:spPr>
+          <a:xfrm>
+            <a:off x="8350898" y="214604"/>
+            <a:ext cx="2771192" cy="923330"/>
+          </a:xfrm>
+          <a:prstGeom prst="rect">
+            <a:avLst/>
+          </a:prstGeom>
+          <a:noFill/>
+        </p:spPr>
+        <p:txBody>
+          <a:bodyPr wrap="square" rtlCol="0">
+            <a:spAutoFit/>
+          </a:bodyPr>
+          <a:lstStyle/>
+          <a:p>
+            <a:r>
+              <a:rPr lang="en-US" dirty="0"/>
+              <a:t>Type: Represent the Datatype of data and value of the Data</a:t>
+            </a:r>
+          </a:p>
+        </p:txBody>
+      </p:sp>
+      <p:cxnSp>
+        <p:nvCxnSpPr>
+          <p:cNvPr id="5" name="Connector: Elbow 4">
+            <a:extLst>
+              <a:ext uri="{FF2B5EF4-FFF2-40B4-BE49-F238E27FC236}">
+                <a16:creationId xmlns:a16="http://schemas.microsoft.com/office/drawing/2014/main" id="{FB9FD47F-3F4F-AFC2-CDA6-3DBCD10CCB2D}"/>
+              </a:ext>
+            </a:extLst>
+          </p:cNvPr>
+          <p:cNvCxnSpPr>
+            <a:stCxn id="3" idx="1"/>
+            <a:endCxn id="2" idx="3"/>
+          </p:cNvCxnSpPr>
+          <p:nvPr/>
+        </p:nvCxnSpPr>
+        <p:spPr>
+          <a:xfrm rot="10800000">
+            <a:off x="6727372" y="387221"/>
+            <a:ext cx="1623527" cy="289048"/>
+          </a:xfrm>
+          <a:prstGeom prst="bentConnector3">
+            <a:avLst/>
+          </a:prstGeom>
+          <a:ln>
+            <a:tailEnd type="triangle"/>
+          </a:ln>
+        </p:spPr>
+        <p:style>
+          <a:lnRef idx="1">
+            <a:schemeClr val="accent1"/>
+          </a:lnRef>
+          <a:fillRef idx="0">
+            <a:schemeClr val="accent1"/>
+          </a:fillRef>
+          <a:effectRef idx="0">
+            <a:schemeClr val="accent1"/>
+          </a:effectRef>
+          <a:fontRef idx="minor">
+            <a:schemeClr val="tx1"/>
+          </a:fontRef>
+        </p:style>
+      </p:cxnSp>
+      <p:sp>
+        <p:nvSpPr>
+          <p:cNvPr id="6" name="Oval 5">
+            <a:extLst>
+              <a:ext uri="{FF2B5EF4-FFF2-40B4-BE49-F238E27FC236}">
+                <a16:creationId xmlns:a16="http://schemas.microsoft.com/office/drawing/2014/main" id="{A3E1B9F9-0489-726F-9BCE-C83CD8F0144E}"/>
+              </a:ext>
+            </a:extLst>
+          </p:cNvPr>
+          <p:cNvSpPr/>
+          <p:nvPr/>
+        </p:nvSpPr>
+        <p:spPr>
+          <a:xfrm>
+            <a:off x="5047861" y="989045"/>
+            <a:ext cx="1278295" cy="643813"/>
+          </a:xfrm>
+          <a:prstGeom prst="ellipse">
+            <a:avLst/>
+          </a:prstGeom>
+        </p:spPr>
+        <p:style>
+          <a:lnRef idx="2">
+            <a:schemeClr val="accent1">
+              <a:shade val="15000"/>
+            </a:schemeClr>
+          </a:lnRef>
+          <a:fillRef idx="1">
+            <a:schemeClr val="accent1"/>
+          </a:fillRef>
+          <a:effectRef idx="0">
+            <a:schemeClr val="accent1"/>
+          </a:effectRef>
+          <a:fontRef idx="minor">
+            <a:schemeClr val="lt1"/>
+          </a:fontRef>
+        </p:style>
+        <p:txBody>
+          <a:bodyPr rtlCol="0" anchor="ctr"/>
+          <a:lstStyle/>
+          <a:p>
+            <a:pPr algn="ctr"/>
+            <a:r>
+              <a:rPr lang="en-US" dirty="0"/>
+              <a:t>Object</a:t>
+            </a:r>
+          </a:p>
+        </p:txBody>
+      </p:sp>
+      <p:cxnSp>
+        <p:nvCxnSpPr>
+          <p:cNvPr id="8" name="Connector: Elbow 7">
+            <a:extLst>
+              <a:ext uri="{FF2B5EF4-FFF2-40B4-BE49-F238E27FC236}">
+                <a16:creationId xmlns:a16="http://schemas.microsoft.com/office/drawing/2014/main" id="{DFEFE4E1-63B6-3597-4760-3D74B1B75F77}"/>
+              </a:ext>
+            </a:extLst>
+          </p:cNvPr>
+          <p:cNvCxnSpPr>
+            <a:stCxn id="2" idx="2"/>
+            <a:endCxn id="6" idx="0"/>
+          </p:cNvCxnSpPr>
+          <p:nvPr/>
+        </p:nvCxnSpPr>
+        <p:spPr>
+          <a:xfrm rot="5400000">
+            <a:off x="5554048" y="842089"/>
+            <a:ext cx="279918" cy="13995"/>
+          </a:xfrm>
+          <a:prstGeom prst="bentConnector3">
+            <a:avLst/>
+          </a:prstGeom>
+          <a:ln>
+            <a:tailEnd type="triangle"/>
+          </a:ln>
+        </p:spPr>
+        <p:style>
+          <a:lnRef idx="1">
+            <a:schemeClr val="accent1"/>
+          </a:lnRef>
+          <a:fillRef idx="0">
+            <a:schemeClr val="accent1"/>
+          </a:fillRef>
+          <a:effectRef idx="0">
+            <a:schemeClr val="accent1"/>
+          </a:effectRef>
+          <a:fontRef idx="minor">
+            <a:schemeClr val="tx1"/>
+          </a:fontRef>
+        </p:style>
+      </p:cxnSp>
+      <p:sp>
+        <p:nvSpPr>
+          <p:cNvPr id="9" name="Oval 8">
+            <a:extLst>
+              <a:ext uri="{FF2B5EF4-FFF2-40B4-BE49-F238E27FC236}">
+                <a16:creationId xmlns:a16="http://schemas.microsoft.com/office/drawing/2014/main" id="{4F9ACC2B-C211-37D1-C819-A7AB452D2211}"/>
+              </a:ext>
+            </a:extLst>
+          </p:cNvPr>
+          <p:cNvSpPr/>
+          <p:nvPr/>
+        </p:nvSpPr>
+        <p:spPr>
+          <a:xfrm>
+            <a:off x="597159" y="2062065"/>
+            <a:ext cx="1828800" cy="1035698"/>
+          </a:xfrm>
+          <a:prstGeom prst="ellipse">
+            <a:avLst/>
+          </a:prstGeom>
+        </p:spPr>
+        <p:style>
+          <a:lnRef idx="2">
+            <a:schemeClr val="accent1">
+              <a:shade val="15000"/>
+            </a:schemeClr>
+          </a:lnRef>
+          <a:fillRef idx="1">
+            <a:schemeClr val="accent1"/>
+          </a:fillRef>
+          <a:effectRef idx="0">
+            <a:schemeClr val="accent1"/>
+          </a:effectRef>
+          <a:fontRef idx="minor">
+            <a:schemeClr val="lt1"/>
+          </a:fontRef>
+        </p:style>
+        <p:txBody>
+          <a:bodyPr rtlCol="0" anchor="ctr"/>
+          <a:lstStyle/>
+          <a:p>
+            <a:pPr algn="ctr"/>
+            <a:r>
+              <a:rPr lang="en-US" dirty="0"/>
+              <a:t>Value Types</a:t>
+            </a:r>
+          </a:p>
+        </p:txBody>
+      </p:sp>
+      <p:sp>
+        <p:nvSpPr>
+          <p:cNvPr id="10" name="Oval 9">
+            <a:extLst>
+              <a:ext uri="{FF2B5EF4-FFF2-40B4-BE49-F238E27FC236}">
+                <a16:creationId xmlns:a16="http://schemas.microsoft.com/office/drawing/2014/main" id="{4DE284E2-2BCD-F5A6-D0E1-41D35409A0E9}"/>
+              </a:ext>
+            </a:extLst>
+          </p:cNvPr>
+          <p:cNvSpPr/>
+          <p:nvPr/>
+        </p:nvSpPr>
+        <p:spPr>
+          <a:xfrm>
+            <a:off x="9699171" y="2062065"/>
+            <a:ext cx="1828800" cy="1035698"/>
+          </a:xfrm>
+          <a:prstGeom prst="ellipse">
+            <a:avLst/>
+          </a:prstGeom>
+        </p:spPr>
+        <p:style>
+          <a:lnRef idx="2">
+            <a:schemeClr val="accent1">
+              <a:shade val="15000"/>
+            </a:schemeClr>
+          </a:lnRef>
+          <a:fillRef idx="1">
+            <a:schemeClr val="accent1"/>
+          </a:fillRef>
+          <a:effectRef idx="0">
+            <a:schemeClr val="accent1"/>
+          </a:effectRef>
+          <a:fontRef idx="minor">
+            <a:schemeClr val="lt1"/>
+          </a:fontRef>
+        </p:style>
+        <p:txBody>
+          <a:bodyPr rtlCol="0" anchor="ctr"/>
+          <a:lstStyle/>
+          <a:p>
+            <a:pPr algn="ctr"/>
+            <a:r>
+              <a:rPr lang="en-US" dirty="0"/>
+              <a:t>Reference Types</a:t>
+            </a:r>
+          </a:p>
+        </p:txBody>
+      </p:sp>
+      <p:cxnSp>
+        <p:nvCxnSpPr>
+          <p:cNvPr id="12" name="Connector: Elbow 11">
+            <a:extLst>
+              <a:ext uri="{FF2B5EF4-FFF2-40B4-BE49-F238E27FC236}">
+                <a16:creationId xmlns:a16="http://schemas.microsoft.com/office/drawing/2014/main" id="{B32841DB-246D-27E3-33BF-79E6690C33F1}"/>
+              </a:ext>
+            </a:extLst>
+          </p:cNvPr>
+          <p:cNvCxnSpPr>
+            <a:stCxn id="6" idx="2"/>
+            <a:endCxn id="9" idx="0"/>
+          </p:cNvCxnSpPr>
+          <p:nvPr/>
+        </p:nvCxnSpPr>
+        <p:spPr>
+          <a:xfrm rot="10800000" flipV="1">
+            <a:off x="1511559" y="1310951"/>
+            <a:ext cx="3536302" cy="751113"/>
+          </a:xfrm>
+          <a:prstGeom prst="bentConnector2">
+            <a:avLst/>
+          </a:prstGeom>
+          <a:ln>
+            <a:tailEnd type="triangle"/>
+          </a:ln>
+        </p:spPr>
+        <p:style>
+          <a:lnRef idx="1">
+            <a:schemeClr val="accent1"/>
+          </a:lnRef>
+          <a:fillRef idx="0">
+            <a:schemeClr val="accent1"/>
+          </a:fillRef>
+          <a:effectRef idx="0">
+            <a:schemeClr val="accent1"/>
+          </a:effectRef>
+          <a:fontRef idx="minor">
+            <a:schemeClr val="tx1"/>
+          </a:fontRef>
+        </p:style>
+      </p:cxnSp>
+      <p:cxnSp>
+        <p:nvCxnSpPr>
+          <p:cNvPr id="14" name="Connector: Elbow 13">
+            <a:extLst>
+              <a:ext uri="{FF2B5EF4-FFF2-40B4-BE49-F238E27FC236}">
+                <a16:creationId xmlns:a16="http://schemas.microsoft.com/office/drawing/2014/main" id="{046E35F1-60EE-6FEE-E54E-9ABB6FAD2C07}"/>
+              </a:ext>
+            </a:extLst>
+          </p:cNvPr>
+          <p:cNvCxnSpPr>
+            <a:stCxn id="6" idx="6"/>
+            <a:endCxn id="10" idx="0"/>
+          </p:cNvCxnSpPr>
+          <p:nvPr/>
+        </p:nvCxnSpPr>
+        <p:spPr>
+          <a:xfrm>
+            <a:off x="6326156" y="1310952"/>
+            <a:ext cx="4287415" cy="751113"/>
+          </a:xfrm>
+          <a:prstGeom prst="bentConnector2">
+            <a:avLst/>
+          </a:prstGeom>
+          <a:ln>
+            <a:tailEnd type="triangle"/>
+          </a:ln>
+        </p:spPr>
+        <p:style>
+          <a:lnRef idx="1">
+            <a:schemeClr val="accent1"/>
+          </a:lnRef>
+          <a:fillRef idx="0">
+            <a:schemeClr val="accent1"/>
+          </a:fillRef>
+          <a:effectRef idx="0">
+            <a:schemeClr val="accent1"/>
+          </a:effectRef>
+          <a:fontRef idx="minor">
+            <a:schemeClr val="tx1"/>
+          </a:fontRef>
+        </p:style>
+      </p:cxnSp>
+      <p:sp>
+        <p:nvSpPr>
+          <p:cNvPr id="15" name="TextBox 14">
+            <a:extLst>
+              <a:ext uri="{FF2B5EF4-FFF2-40B4-BE49-F238E27FC236}">
+                <a16:creationId xmlns:a16="http://schemas.microsoft.com/office/drawing/2014/main" id="{0D81D568-29BD-AC03-4071-430DAD514874}"/>
+              </a:ext>
+            </a:extLst>
+          </p:cNvPr>
+          <p:cNvSpPr txBox="1"/>
+          <p:nvPr/>
+        </p:nvSpPr>
+        <p:spPr>
+          <a:xfrm>
+            <a:off x="233265" y="3340359"/>
+            <a:ext cx="2621902" cy="369332"/>
+          </a:xfrm>
+          <a:prstGeom prst="rect">
+            <a:avLst/>
+          </a:prstGeom>
+          <a:noFill/>
+        </p:spPr>
+        <p:txBody>
+          <a:bodyPr wrap="square" rtlCol="0">
+            <a:spAutoFit/>
+          </a:bodyPr>
+          <a:lstStyle/>
+          <a:p>
+            <a:r>
+              <a:rPr lang="en-US" dirty="0"/>
+              <a:t>Numeric, Char, Boolean</a:t>
+            </a:r>
+          </a:p>
+        </p:txBody>
+      </p:sp>
+      <p:sp>
+        <p:nvSpPr>
+          <p:cNvPr id="16" name="TextBox 15">
+            <a:extLst>
+              <a:ext uri="{FF2B5EF4-FFF2-40B4-BE49-F238E27FC236}">
+                <a16:creationId xmlns:a16="http://schemas.microsoft.com/office/drawing/2014/main" id="{D3AE6700-596F-AC8F-EB3E-5B876DFA02EC}"/>
+              </a:ext>
+            </a:extLst>
+          </p:cNvPr>
+          <p:cNvSpPr txBox="1"/>
+          <p:nvPr/>
+        </p:nvSpPr>
+        <p:spPr>
+          <a:xfrm>
+            <a:off x="8593494" y="3429000"/>
+            <a:ext cx="3365241" cy="646331"/>
+          </a:xfrm>
+          <a:prstGeom prst="rect">
+            <a:avLst/>
+          </a:prstGeom>
+          <a:noFill/>
+        </p:spPr>
+        <p:txBody>
+          <a:bodyPr wrap="square" rtlCol="0">
+            <a:spAutoFit/>
+          </a:bodyPr>
+          <a:lstStyle/>
+          <a:p>
+            <a:r>
+              <a:rPr lang="en-US" dirty="0"/>
+              <a:t>String, Date, Collections, User Defined Classes, Interfaces</a:t>
+            </a:r>
+          </a:p>
+        </p:txBody>
+      </p:sp>
+      <p:cxnSp>
+        <p:nvCxnSpPr>
+          <p:cNvPr id="18" name="Connector: Elbow 17">
+            <a:extLst>
+              <a:ext uri="{FF2B5EF4-FFF2-40B4-BE49-F238E27FC236}">
+                <a16:creationId xmlns:a16="http://schemas.microsoft.com/office/drawing/2014/main" id="{EAF01115-988C-6706-7A28-BDDF13AD3CF2}"/>
+              </a:ext>
+            </a:extLst>
+          </p:cNvPr>
+          <p:cNvCxnSpPr>
+            <a:stCxn id="9" idx="6"/>
+            <a:endCxn id="6" idx="4"/>
+          </p:cNvCxnSpPr>
+          <p:nvPr/>
+        </p:nvCxnSpPr>
+        <p:spPr>
+          <a:xfrm flipV="1">
+            <a:off x="2425959" y="1632858"/>
+            <a:ext cx="3261050" cy="947056"/>
+          </a:xfrm>
+          <a:prstGeom prst="bentConnector2">
+            <a:avLst/>
+          </a:prstGeom>
+          <a:ln>
+            <a:tailEnd type="triangle"/>
+          </a:ln>
+        </p:spPr>
+        <p:style>
+          <a:lnRef idx="1">
+            <a:schemeClr val="accent1"/>
+          </a:lnRef>
+          <a:fillRef idx="0">
+            <a:schemeClr val="accent1"/>
+          </a:fillRef>
+          <a:effectRef idx="0">
+            <a:schemeClr val="accent1"/>
+          </a:effectRef>
+          <a:fontRef idx="minor">
+            <a:schemeClr val="tx1"/>
+          </a:fontRef>
+        </p:style>
+      </p:cxnSp>
+      <p:cxnSp>
+        <p:nvCxnSpPr>
+          <p:cNvPr id="20" name="Connector: Elbow 19">
+            <a:extLst>
+              <a:ext uri="{FF2B5EF4-FFF2-40B4-BE49-F238E27FC236}">
+                <a16:creationId xmlns:a16="http://schemas.microsoft.com/office/drawing/2014/main" id="{65989EE9-91BC-C81A-CA10-F40036677DA7}"/>
+              </a:ext>
+            </a:extLst>
+          </p:cNvPr>
+          <p:cNvCxnSpPr>
+            <a:stCxn id="10" idx="2"/>
+            <a:endCxn id="6" idx="4"/>
+          </p:cNvCxnSpPr>
+          <p:nvPr/>
+        </p:nvCxnSpPr>
+        <p:spPr>
+          <a:xfrm rot="10800000">
+            <a:off x="5687009" y="1632858"/>
+            <a:ext cx="4012162" cy="947056"/>
+          </a:xfrm>
+          <a:prstGeom prst="bentConnector2">
+            <a:avLst/>
+          </a:prstGeom>
+          <a:ln>
+            <a:tailEnd type="triangle"/>
+          </a:ln>
+        </p:spPr>
+        <p:style>
+          <a:lnRef idx="1">
+            <a:schemeClr val="accent1"/>
+          </a:lnRef>
+          <a:fillRef idx="0">
+            <a:schemeClr val="accent1"/>
+          </a:fillRef>
+          <a:effectRef idx="0">
+            <a:schemeClr val="accent1"/>
+          </a:effectRef>
+          <a:fontRef idx="minor">
+            <a:schemeClr val="tx1"/>
+          </a:fontRef>
+        </p:style>
+      </p:cxnSp>
+      <p:sp>
+        <p:nvSpPr>
+          <p:cNvPr id="21" name="TextBox 20">
+            <a:extLst>
+              <a:ext uri="{FF2B5EF4-FFF2-40B4-BE49-F238E27FC236}">
+                <a16:creationId xmlns:a16="http://schemas.microsoft.com/office/drawing/2014/main" id="{D19CA047-0432-D7B5-F46C-0003BF52398F}"/>
+              </a:ext>
+            </a:extLst>
+          </p:cNvPr>
+          <p:cNvSpPr txBox="1"/>
+          <p:nvPr/>
+        </p:nvSpPr>
+        <p:spPr>
+          <a:xfrm>
+            <a:off x="3545633" y="3023118"/>
+            <a:ext cx="4618653" cy="646331"/>
+          </a:xfrm>
+          <a:prstGeom prst="rect">
+            <a:avLst/>
+          </a:prstGeom>
+          <a:noFill/>
+        </p:spPr>
+        <p:txBody>
+          <a:bodyPr wrap="square" rtlCol="0">
+            <a:spAutoFit/>
+          </a:bodyPr>
+          <a:lstStyle/>
+          <a:p>
+            <a:r>
+              <a:rPr lang="en-US" dirty="0"/>
+              <a:t>Value types and Reference types can be represented as object</a:t>
+            </a:r>
+          </a:p>
+        </p:txBody>
+      </p:sp>
+      <p:sp>
+        <p:nvSpPr>
+          <p:cNvPr id="22" name="TextBox 21">
+            <a:extLst>
+              <a:ext uri="{FF2B5EF4-FFF2-40B4-BE49-F238E27FC236}">
+                <a16:creationId xmlns:a16="http://schemas.microsoft.com/office/drawing/2014/main" id="{CB3C4EAC-EE60-D086-DD2F-3B39DACF1D5B}"/>
+              </a:ext>
+            </a:extLst>
+          </p:cNvPr>
+          <p:cNvSpPr txBox="1"/>
+          <p:nvPr/>
+        </p:nvSpPr>
+        <p:spPr>
+          <a:xfrm>
+            <a:off x="242594" y="4348065"/>
+            <a:ext cx="1492900" cy="923330"/>
+          </a:xfrm>
+          <a:prstGeom prst="rect">
+            <a:avLst/>
+          </a:prstGeom>
+          <a:noFill/>
+        </p:spPr>
+        <p:txBody>
+          <a:bodyPr wrap="square" rtlCol="0">
+            <a:spAutoFit/>
+          </a:bodyPr>
+          <a:lstStyle/>
+          <a:p>
+            <a:r>
+              <a:rPr lang="en-US" dirty="0"/>
+              <a:t>int x = 10; </a:t>
+            </a:r>
+          </a:p>
+          <a:p>
+            <a:endParaRPr lang="en-US" dirty="0"/>
+          </a:p>
+          <a:p>
+            <a:r>
+              <a:rPr lang="en-US" dirty="0"/>
+              <a:t>object o = x;</a:t>
+            </a:r>
+          </a:p>
+        </p:txBody>
+      </p:sp>
+      <p:sp>
+        <p:nvSpPr>
+          <p:cNvPr id="23" name="TextBox 22">
+            <a:extLst>
+              <a:ext uri="{FF2B5EF4-FFF2-40B4-BE49-F238E27FC236}">
+                <a16:creationId xmlns:a16="http://schemas.microsoft.com/office/drawing/2014/main" id="{7143E72B-EE27-B587-D043-DC0375421144}"/>
+              </a:ext>
+            </a:extLst>
+          </p:cNvPr>
+          <p:cNvSpPr txBox="1"/>
+          <p:nvPr/>
+        </p:nvSpPr>
+        <p:spPr>
+          <a:xfrm>
+            <a:off x="2855167" y="4264090"/>
+            <a:ext cx="1259633" cy="369332"/>
+          </a:xfrm>
+          <a:prstGeom prst="rect">
+            <a:avLst/>
+          </a:prstGeom>
+          <a:noFill/>
+        </p:spPr>
+        <p:txBody>
+          <a:bodyPr wrap="square" rtlCol="0">
+            <a:spAutoFit/>
+          </a:bodyPr>
+          <a:lstStyle/>
+          <a:p>
+            <a:pPr algn="ctr"/>
+            <a:r>
+              <a:rPr lang="en-US" b="1" dirty="0"/>
+              <a:t>Stack</a:t>
+            </a:r>
+          </a:p>
+        </p:txBody>
+      </p:sp>
+      <p:sp>
+        <p:nvSpPr>
+          <p:cNvPr id="24" name="Rectangle: Rounded Corners 23">
+            <a:extLst>
+              <a:ext uri="{FF2B5EF4-FFF2-40B4-BE49-F238E27FC236}">
+                <a16:creationId xmlns:a16="http://schemas.microsoft.com/office/drawing/2014/main" id="{E924EB8F-F06D-E07E-BB2A-09117EE26EB8}"/>
+              </a:ext>
+            </a:extLst>
+          </p:cNvPr>
+          <p:cNvSpPr/>
+          <p:nvPr/>
+        </p:nvSpPr>
+        <p:spPr>
+          <a:xfrm>
+            <a:off x="3088433" y="4633422"/>
+            <a:ext cx="1026367" cy="554399"/>
+          </a:xfrm>
+          <a:prstGeom prst="roundRect">
+            <a:avLst/>
+          </a:prstGeom>
+        </p:spPr>
+        <p:style>
+          <a:lnRef idx="2">
+            <a:schemeClr val="accent1">
+              <a:shade val="15000"/>
+            </a:schemeClr>
+          </a:lnRef>
+          <a:fillRef idx="1">
+            <a:schemeClr val="accent1"/>
+          </a:fillRef>
+          <a:effectRef idx="0">
+            <a:schemeClr val="accent1"/>
+          </a:effectRef>
+          <a:fontRef idx="minor">
+            <a:schemeClr val="lt1"/>
+          </a:fontRef>
+        </p:style>
+        <p:txBody>
+          <a:bodyPr rtlCol="0" anchor="ctr"/>
+          <a:lstStyle/>
+          <a:p>
+            <a:pPr algn="ctr"/>
+            <a:r>
+              <a:rPr lang="en-US" b="1" dirty="0"/>
+              <a:t>10</a:t>
+            </a:r>
+          </a:p>
+        </p:txBody>
+      </p:sp>
+      <p:sp>
+        <p:nvSpPr>
+          <p:cNvPr id="25" name="TextBox 24">
+            <a:extLst>
+              <a:ext uri="{FF2B5EF4-FFF2-40B4-BE49-F238E27FC236}">
+                <a16:creationId xmlns:a16="http://schemas.microsoft.com/office/drawing/2014/main" id="{06469B96-9D56-2B4B-4222-B1894E0F9FF8}"/>
+              </a:ext>
+            </a:extLst>
+          </p:cNvPr>
+          <p:cNvSpPr txBox="1"/>
+          <p:nvPr/>
+        </p:nvSpPr>
+        <p:spPr>
+          <a:xfrm>
+            <a:off x="3228392" y="5346441"/>
+            <a:ext cx="681135" cy="369332"/>
+          </a:xfrm>
+          <a:prstGeom prst="rect">
+            <a:avLst/>
+          </a:prstGeom>
+          <a:noFill/>
+        </p:spPr>
+        <p:txBody>
+          <a:bodyPr wrap="square" rtlCol="0">
+            <a:spAutoFit/>
+          </a:bodyPr>
+          <a:lstStyle/>
+          <a:p>
+            <a:pPr algn="ctr"/>
+            <a:r>
+              <a:rPr lang="en-US" b="1" dirty="0"/>
+              <a:t>x</a:t>
+            </a:r>
+          </a:p>
+        </p:txBody>
+      </p:sp>
+      <p:cxnSp>
+        <p:nvCxnSpPr>
+          <p:cNvPr id="27" name="Connector: Elbow 26">
+            <a:extLst>
+              <a:ext uri="{FF2B5EF4-FFF2-40B4-BE49-F238E27FC236}">
+                <a16:creationId xmlns:a16="http://schemas.microsoft.com/office/drawing/2014/main" id="{CC6ED3FE-6AC6-13F3-852A-D8E6F619B335}"/>
+              </a:ext>
+            </a:extLst>
+          </p:cNvPr>
+          <p:cNvCxnSpPr>
+            <a:endCxn id="24" idx="1"/>
+          </p:cNvCxnSpPr>
+          <p:nvPr/>
+        </p:nvCxnSpPr>
+        <p:spPr>
+          <a:xfrm>
+            <a:off x="1511559" y="4516016"/>
+            <a:ext cx="1576874" cy="394606"/>
+          </a:xfrm>
+          <a:prstGeom prst="bentConnector3">
+            <a:avLst/>
+          </a:prstGeom>
+          <a:ln>
+            <a:tailEnd type="triangle"/>
+          </a:ln>
+        </p:spPr>
+        <p:style>
+          <a:lnRef idx="1">
+            <a:schemeClr val="accent1"/>
+          </a:lnRef>
+          <a:fillRef idx="0">
+            <a:schemeClr val="accent1"/>
+          </a:fillRef>
+          <a:effectRef idx="0">
+            <a:schemeClr val="accent1"/>
+          </a:effectRef>
+          <a:fontRef idx="minor">
+            <a:schemeClr val="tx1"/>
+          </a:fontRef>
+        </p:style>
+      </p:cxnSp>
+      <p:sp>
+        <p:nvSpPr>
+          <p:cNvPr id="28" name="TextBox 27">
+            <a:extLst>
+              <a:ext uri="{FF2B5EF4-FFF2-40B4-BE49-F238E27FC236}">
+                <a16:creationId xmlns:a16="http://schemas.microsoft.com/office/drawing/2014/main" id="{62D25AB1-E50B-342B-4EBF-8749ADF72EDC}"/>
+              </a:ext>
+            </a:extLst>
+          </p:cNvPr>
+          <p:cNvSpPr txBox="1"/>
+          <p:nvPr/>
+        </p:nvSpPr>
+        <p:spPr>
+          <a:xfrm>
+            <a:off x="3088433" y="5715773"/>
+            <a:ext cx="1026367" cy="369332"/>
+          </a:xfrm>
+          <a:prstGeom prst="rect">
+            <a:avLst/>
+          </a:prstGeom>
+          <a:noFill/>
+        </p:spPr>
+        <p:txBody>
+          <a:bodyPr wrap="square" rtlCol="0">
+            <a:spAutoFit/>
+          </a:bodyPr>
+          <a:lstStyle/>
+          <a:p>
+            <a:pPr algn="ctr"/>
+            <a:r>
+              <a:rPr lang="en-US" b="1" dirty="0"/>
+              <a:t>Stack</a:t>
+            </a:r>
+          </a:p>
+        </p:txBody>
+      </p:sp>
+      <p:sp>
+        <p:nvSpPr>
+          <p:cNvPr id="29" name="Rectangle: Rounded Corners 28">
+            <a:extLst>
+              <a:ext uri="{FF2B5EF4-FFF2-40B4-BE49-F238E27FC236}">
+                <a16:creationId xmlns:a16="http://schemas.microsoft.com/office/drawing/2014/main" id="{9A55B991-3C4C-89DF-C8CB-7BD48CE09196}"/>
+              </a:ext>
+            </a:extLst>
+          </p:cNvPr>
+          <p:cNvSpPr/>
+          <p:nvPr/>
+        </p:nvSpPr>
+        <p:spPr>
+          <a:xfrm>
+            <a:off x="3088433" y="6094826"/>
+            <a:ext cx="1026367" cy="554399"/>
+          </a:xfrm>
+          <a:prstGeom prst="roundRect">
+            <a:avLst/>
+          </a:prstGeom>
+        </p:spPr>
+        <p:style>
+          <a:lnRef idx="2">
+            <a:schemeClr val="accent1">
+              <a:shade val="15000"/>
+            </a:schemeClr>
+          </a:lnRef>
+          <a:fillRef idx="1">
+            <a:schemeClr val="accent1"/>
+          </a:fillRef>
+          <a:effectRef idx="0">
+            <a:schemeClr val="accent1"/>
+          </a:effectRef>
+          <a:fontRef idx="minor">
+            <a:schemeClr val="lt1"/>
+          </a:fontRef>
+        </p:style>
+        <p:txBody>
+          <a:bodyPr rtlCol="0" anchor="ctr"/>
+          <a:lstStyle/>
+          <a:p>
+            <a:pPr algn="ctr"/>
+            <a:r>
+              <a:rPr lang="en-US" b="1" dirty="0"/>
+              <a:t>o</a:t>
+            </a:r>
+          </a:p>
+        </p:txBody>
+      </p:sp>
+      <p:sp>
+        <p:nvSpPr>
+          <p:cNvPr id="30" name="TextBox 29">
+            <a:extLst>
+              <a:ext uri="{FF2B5EF4-FFF2-40B4-BE49-F238E27FC236}">
+                <a16:creationId xmlns:a16="http://schemas.microsoft.com/office/drawing/2014/main" id="{D4BB2BEB-D6EF-956C-61B2-ECF123DB77B7}"/>
+              </a:ext>
+            </a:extLst>
+          </p:cNvPr>
+          <p:cNvSpPr txBox="1"/>
+          <p:nvPr/>
+        </p:nvSpPr>
+        <p:spPr>
+          <a:xfrm>
+            <a:off x="8164286" y="5372487"/>
+            <a:ext cx="2239347" cy="369332"/>
+          </a:xfrm>
+          <a:prstGeom prst="rect">
+            <a:avLst/>
+          </a:prstGeom>
+          <a:noFill/>
+        </p:spPr>
+        <p:txBody>
+          <a:bodyPr wrap="square" rtlCol="0">
+            <a:spAutoFit/>
+          </a:bodyPr>
+          <a:lstStyle/>
+          <a:p>
+            <a:pPr algn="ctr"/>
+            <a:r>
+              <a:rPr lang="en-US" b="1" dirty="0"/>
+              <a:t>Heap</a:t>
+            </a:r>
+          </a:p>
+        </p:txBody>
+      </p:sp>
+      <p:sp>
+        <p:nvSpPr>
+          <p:cNvPr id="31" name="Rectangle: Rounded Corners 30">
+            <a:extLst>
+              <a:ext uri="{FF2B5EF4-FFF2-40B4-BE49-F238E27FC236}">
+                <a16:creationId xmlns:a16="http://schemas.microsoft.com/office/drawing/2014/main" id="{9924D160-6A81-DE45-FDC8-6B2CDDE269AA}"/>
+              </a:ext>
+            </a:extLst>
+          </p:cNvPr>
+          <p:cNvSpPr/>
+          <p:nvPr/>
+        </p:nvSpPr>
+        <p:spPr>
+          <a:xfrm>
+            <a:off x="8164285" y="5817626"/>
+            <a:ext cx="2239348" cy="909745"/>
+          </a:xfrm>
+          <a:prstGeom prst="roundRect">
+            <a:avLst/>
+          </a:prstGeom>
+          <a:solidFill>
+            <a:srgbClr val="FFFF00"/>
+          </a:solidFill>
+        </p:spPr>
+        <p:style>
+          <a:lnRef idx="2">
+            <a:schemeClr val="accent1">
+              <a:shade val="15000"/>
+            </a:schemeClr>
+          </a:lnRef>
+          <a:fillRef idx="1">
+            <a:schemeClr val="accent1"/>
+          </a:fillRef>
+          <a:effectRef idx="0">
+            <a:schemeClr val="accent1"/>
+          </a:effectRef>
+          <a:fontRef idx="minor">
+            <a:schemeClr val="lt1"/>
+          </a:fontRef>
+        </p:style>
+        <p:txBody>
+          <a:bodyPr rtlCol="0" anchor="ctr"/>
+          <a:lstStyle/>
+          <a:p>
+            <a:pPr algn="ctr"/>
+            <a:endParaRPr lang="en-US" b="1" dirty="0"/>
+          </a:p>
+        </p:txBody>
+      </p:sp>
+      <p:sp>
+        <p:nvSpPr>
+          <p:cNvPr id="32" name="Rectangle 31">
+            <a:extLst>
+              <a:ext uri="{FF2B5EF4-FFF2-40B4-BE49-F238E27FC236}">
+                <a16:creationId xmlns:a16="http://schemas.microsoft.com/office/drawing/2014/main" id="{3EA37EE5-4EE7-2A28-7BEA-B1C1EA59564F}"/>
+              </a:ext>
+            </a:extLst>
+          </p:cNvPr>
+          <p:cNvSpPr/>
+          <p:nvPr/>
+        </p:nvSpPr>
+        <p:spPr>
+          <a:xfrm>
+            <a:off x="8164285" y="6190568"/>
+            <a:ext cx="2239348" cy="163859"/>
+          </a:xfrm>
+          <a:prstGeom prst="rect">
+            <a:avLst/>
+          </a:prstGeom>
+        </p:spPr>
+        <p:style>
+          <a:lnRef idx="2">
+            <a:schemeClr val="accent1">
+              <a:shade val="15000"/>
+            </a:schemeClr>
+          </a:lnRef>
+          <a:fillRef idx="1">
+            <a:schemeClr val="accent1"/>
+          </a:fillRef>
+          <a:effectRef idx="0">
+            <a:schemeClr val="accent1"/>
+          </a:effectRef>
+          <a:fontRef idx="minor">
+            <a:schemeClr val="lt1"/>
+          </a:fontRef>
+        </p:style>
+        <p:txBody>
+          <a:bodyPr rtlCol="0" anchor="ctr"/>
+          <a:lstStyle/>
+          <a:p>
+            <a:pPr algn="ctr"/>
+            <a:endParaRPr lang="en-US"/>
+          </a:p>
+        </p:txBody>
+      </p:sp>
+      <p:sp>
+        <p:nvSpPr>
+          <p:cNvPr id="33" name="TextBox 32">
+            <a:extLst>
+              <a:ext uri="{FF2B5EF4-FFF2-40B4-BE49-F238E27FC236}">
+                <a16:creationId xmlns:a16="http://schemas.microsoft.com/office/drawing/2014/main" id="{ADA3FD4B-546B-FA31-8C11-7E89E60303AF}"/>
+              </a:ext>
+            </a:extLst>
+          </p:cNvPr>
+          <p:cNvSpPr txBox="1"/>
+          <p:nvPr/>
+        </p:nvSpPr>
+        <p:spPr>
+          <a:xfrm>
+            <a:off x="8164285" y="5840961"/>
+            <a:ext cx="2239348" cy="338554"/>
+          </a:xfrm>
+          <a:prstGeom prst="rect">
+            <a:avLst/>
+          </a:prstGeom>
+          <a:noFill/>
+        </p:spPr>
+        <p:txBody>
+          <a:bodyPr wrap="square" rtlCol="0">
+            <a:spAutoFit/>
+          </a:bodyPr>
+          <a:lstStyle/>
+          <a:p>
+            <a:pPr algn="ctr"/>
+            <a:r>
+              <a:rPr lang="en-US" sz="1600" b="1" dirty="0"/>
+              <a:t>System.Int32</a:t>
+            </a:r>
+          </a:p>
+        </p:txBody>
+      </p:sp>
+      <p:sp>
+        <p:nvSpPr>
+          <p:cNvPr id="34" name="TextBox 33">
+            <a:extLst>
+              <a:ext uri="{FF2B5EF4-FFF2-40B4-BE49-F238E27FC236}">
+                <a16:creationId xmlns:a16="http://schemas.microsoft.com/office/drawing/2014/main" id="{1768B0EC-960F-56DA-4B79-F3DD6BD92B90}"/>
+              </a:ext>
+            </a:extLst>
+          </p:cNvPr>
+          <p:cNvSpPr txBox="1"/>
+          <p:nvPr/>
+        </p:nvSpPr>
+        <p:spPr>
+          <a:xfrm>
+            <a:off x="8350898" y="6372025"/>
+            <a:ext cx="1744824" cy="369332"/>
+          </a:xfrm>
+          <a:prstGeom prst="rect">
+            <a:avLst/>
+          </a:prstGeom>
+          <a:noFill/>
+        </p:spPr>
+        <p:txBody>
+          <a:bodyPr wrap="square" rtlCol="0">
+            <a:spAutoFit/>
+          </a:bodyPr>
+          <a:lstStyle/>
+          <a:p>
+            <a:pPr algn="ctr"/>
+            <a:r>
+              <a:rPr lang="en-US" b="1" dirty="0"/>
+              <a:t>10</a:t>
+            </a:r>
+          </a:p>
+        </p:txBody>
+      </p:sp>
+      <p:cxnSp>
+        <p:nvCxnSpPr>
+          <p:cNvPr id="36" name="Connector: Elbow 35">
+            <a:extLst>
+              <a:ext uri="{FF2B5EF4-FFF2-40B4-BE49-F238E27FC236}">
+                <a16:creationId xmlns:a16="http://schemas.microsoft.com/office/drawing/2014/main" id="{43FD411D-5D89-1032-131B-FB4436A9455B}"/>
+              </a:ext>
+            </a:extLst>
+          </p:cNvPr>
+          <p:cNvCxnSpPr>
+            <a:stCxn id="29" idx="3"/>
+            <a:endCxn id="32" idx="1"/>
+          </p:cNvCxnSpPr>
+          <p:nvPr/>
+        </p:nvCxnSpPr>
+        <p:spPr>
+          <a:xfrm flipV="1">
+            <a:off x="4114800" y="6272498"/>
+            <a:ext cx="4049485" cy="99528"/>
+          </a:xfrm>
+          <a:prstGeom prst="bentConnector3">
+            <a:avLst/>
+          </a:prstGeom>
+          <a:ln>
+            <a:tailEnd type="triangle"/>
+          </a:ln>
+        </p:spPr>
+        <p:style>
+          <a:lnRef idx="1">
+            <a:schemeClr val="accent1"/>
+          </a:lnRef>
+          <a:fillRef idx="0">
+            <a:schemeClr val="accent1"/>
+          </a:fillRef>
+          <a:effectRef idx="0">
+            <a:schemeClr val="accent1"/>
+          </a:effectRef>
+          <a:fontRef idx="minor">
+            <a:schemeClr val="tx1"/>
+          </a:fontRef>
+        </p:style>
+      </p:cxnSp>
+      <p:cxnSp>
+        <p:nvCxnSpPr>
+          <p:cNvPr id="38" name="Connector: Elbow 37">
+            <a:extLst>
+              <a:ext uri="{FF2B5EF4-FFF2-40B4-BE49-F238E27FC236}">
+                <a16:creationId xmlns:a16="http://schemas.microsoft.com/office/drawing/2014/main" id="{12777C2F-1131-95A9-8B50-03C8C4FDC6C2}"/>
+              </a:ext>
+            </a:extLst>
+          </p:cNvPr>
+          <p:cNvCxnSpPr>
+            <a:endCxn id="29" idx="1"/>
+          </p:cNvCxnSpPr>
+          <p:nvPr/>
+        </p:nvCxnSpPr>
+        <p:spPr>
+          <a:xfrm>
+            <a:off x="1511559" y="5103845"/>
+            <a:ext cx="1576874" cy="1268181"/>
+          </a:xfrm>
+          <a:prstGeom prst="bentConnector3">
+            <a:avLst/>
+          </a:prstGeom>
+          <a:ln>
+            <a:tailEnd type="triangle"/>
+          </a:ln>
+        </p:spPr>
+        <p:style>
+          <a:lnRef idx="1">
+            <a:schemeClr val="accent1"/>
+          </a:lnRef>
+          <a:fillRef idx="0">
+            <a:schemeClr val="accent1"/>
+          </a:fillRef>
+          <a:effectRef idx="0">
+            <a:schemeClr val="accent1"/>
+          </a:effectRef>
+          <a:fontRef idx="minor">
+            <a:schemeClr val="tx1"/>
+          </a:fontRef>
+        </p:style>
+      </p:cxnSp>
+      <p:sp>
+        <p:nvSpPr>
+          <p:cNvPr id="39" name="TextBox 38">
+            <a:extLst>
+              <a:ext uri="{FF2B5EF4-FFF2-40B4-BE49-F238E27FC236}">
+                <a16:creationId xmlns:a16="http://schemas.microsoft.com/office/drawing/2014/main" id="{53A3DE0A-ECAF-948B-0970-1A5D33852891}"/>
+              </a:ext>
+            </a:extLst>
+          </p:cNvPr>
+          <p:cNvSpPr txBox="1"/>
+          <p:nvPr/>
+        </p:nvSpPr>
+        <p:spPr>
+          <a:xfrm>
+            <a:off x="4357397" y="5856675"/>
+            <a:ext cx="3284373" cy="369332"/>
+          </a:xfrm>
+          <a:prstGeom prst="rect">
+            <a:avLst/>
+          </a:prstGeom>
+          <a:noFill/>
+        </p:spPr>
+        <p:txBody>
+          <a:bodyPr wrap="square" rtlCol="0">
+            <a:spAutoFit/>
+          </a:bodyPr>
+          <a:lstStyle/>
+          <a:p>
+            <a:pPr algn="ctr"/>
+            <a:r>
+              <a:rPr lang="en-US" b="1" dirty="0"/>
+              <a:t>BOXING</a:t>
+            </a:r>
+          </a:p>
+        </p:txBody>
+      </p:sp>
+    </p:spTree>
+    <p:extLst>
+      <p:ext uri="{BB962C8B-B14F-4D97-AF65-F5344CB8AC3E}">
+        <p14:creationId xmlns:p14="http://schemas.microsoft.com/office/powerpoint/2010/main" val="2128549895"/>
+      </p:ext>
+    </p:extLst>
+  </p:cSld>
+  <p:clrMapOvr>
+    <a:masterClrMapping/>
+  </p:clrMapOvr>
+</p:sld>
+</file>
+
+<file path=ppt/slides/slide13.xml><?xml version="1.0" encoding="utf-8"?>
+<p:sld xmlns:a="http://schemas.openxmlformats.org/drawingml/2006/main" xmlns:r="http://schemas.openxmlformats.org/officeDocument/2006/relationships" xmlns:p="http://schemas.openxmlformats.org/presentationml/2006/main">
+  <p:cSld>
+    <p:spTree>
+      <p:nvGrpSpPr>
+        <p:cNvPr id="1" name=""/>
+        <p:cNvGrpSpPr/>
+        <p:nvPr/>
+      </p:nvGrpSpPr>
+      <p:grpSpPr>
+        <a:xfrm>
+          <a:off x="0" y="0"/>
+          <a:ext cx="0" cy="0"/>
+          <a:chOff x="0" y="0"/>
+          <a:chExt cx="0" cy="0"/>
+        </a:xfrm>
+      </p:grpSpPr>
+      <p:sp>
+        <p:nvSpPr>
           <p:cNvPr id="2" name="Rectangle 1">
             <a:extLst>
               <a:ext uri="{FF2B5EF4-FFF2-40B4-BE49-F238E27FC236}">
@@ -6225,7 +7159,7 @@
 </p:sld>
 </file>
 
-<file path=ppt/slides/slide13.xml><?xml version="1.0" encoding="utf-8"?>
+<file path=ppt/slides/slide14.xml><?xml version="1.0" encoding="utf-8"?>
 <p:sld xmlns:a="http://schemas.openxmlformats.org/drawingml/2006/main" xmlns:r="http://schemas.openxmlformats.org/officeDocument/2006/relationships" xmlns:p="http://schemas.openxmlformats.org/presentationml/2006/main">
   <p:cSld>
     <p:spTree>
@@ -6667,7 +7601,7 @@
 </p:sld>
 </file>
 
-<file path=ppt/slides/slide14.xml><?xml version="1.0" encoding="utf-8"?>
+<file path=ppt/slides/slide15.xml><?xml version="1.0" encoding="utf-8"?>
 <p:sld xmlns:a="http://schemas.openxmlformats.org/drawingml/2006/main" xmlns:r="http://schemas.openxmlformats.org/officeDocument/2006/relationships" xmlns:p="http://schemas.openxmlformats.org/presentationml/2006/main">
   <p:cSld>
     <p:spTree>
@@ -7166,7 +8100,1980 @@
 </p:sld>
 </file>
 
-<file path=ppt/slides/slide15.xml><?xml version="1.0" encoding="utf-8"?>
+<file path=ppt/slides/slide16.xml><?xml version="1.0" encoding="utf-8"?>
+<p:sld xmlns:a="http://schemas.openxmlformats.org/drawingml/2006/main" xmlns:r="http://schemas.openxmlformats.org/officeDocument/2006/relationships" xmlns:p="http://schemas.openxmlformats.org/presentationml/2006/main">
+  <p:cSld>
+    <p:spTree>
+      <p:nvGrpSpPr>
+        <p:cNvPr id="1" name=""/>
+        <p:cNvGrpSpPr/>
+        <p:nvPr/>
+      </p:nvGrpSpPr>
+      <p:grpSpPr>
+        <a:xfrm>
+          <a:off x="0" y="0"/>
+          <a:ext cx="0" cy="0"/>
+          <a:chOff x="0" y="0"/>
+          <a:chExt cx="0" cy="0"/>
+        </a:xfrm>
+      </p:grpSpPr>
+      <p:sp>
+        <p:nvSpPr>
+          <p:cNvPr id="2" name="Rectangle: Rounded Corners 1">
+            <a:extLst>
+              <a:ext uri="{FF2B5EF4-FFF2-40B4-BE49-F238E27FC236}">
+                <a16:creationId xmlns:a16="http://schemas.microsoft.com/office/drawing/2014/main" id="{20950269-359E-2301-ACFB-E13FE6A3D62D}"/>
+              </a:ext>
+            </a:extLst>
+          </p:cNvPr>
+          <p:cNvSpPr/>
+          <p:nvPr/>
+        </p:nvSpPr>
+        <p:spPr>
+          <a:xfrm>
+            <a:off x="858416" y="2136710"/>
+            <a:ext cx="2127380" cy="1362270"/>
+          </a:xfrm>
+          <a:prstGeom prst="roundRect">
+            <a:avLst/>
+          </a:prstGeom>
+        </p:spPr>
+        <p:style>
+          <a:lnRef idx="2">
+            <a:schemeClr val="accent1">
+              <a:shade val="15000"/>
+            </a:schemeClr>
+          </a:lnRef>
+          <a:fillRef idx="1">
+            <a:schemeClr val="accent1"/>
+          </a:fillRef>
+          <a:effectRef idx="0">
+            <a:schemeClr val="accent1"/>
+          </a:effectRef>
+          <a:fontRef idx="minor">
+            <a:schemeClr val="lt1"/>
+          </a:fontRef>
+        </p:style>
+        <p:txBody>
+          <a:bodyPr rtlCol="0" anchor="ctr"/>
+          <a:lstStyle/>
+          <a:p>
+            <a:pPr algn="ctr"/>
+            <a:r>
+              <a:rPr lang="en-US" dirty="0"/>
+              <a:t>System 1</a:t>
+            </a:r>
+          </a:p>
+          <a:p>
+            <a:pPr algn="ctr"/>
+            <a:r>
+              <a:rPr lang="en-US" dirty="0"/>
+              <a:t>EMS</a:t>
+            </a:r>
+          </a:p>
+        </p:txBody>
+      </p:sp>
+      <p:sp>
+        <p:nvSpPr>
+          <p:cNvPr id="3" name="Rectangle: Rounded Corners 2">
+            <a:extLst>
+              <a:ext uri="{FF2B5EF4-FFF2-40B4-BE49-F238E27FC236}">
+                <a16:creationId xmlns:a16="http://schemas.microsoft.com/office/drawing/2014/main" id="{F64F7167-0A79-FC15-47CD-F0DF4373F9F5}"/>
+              </a:ext>
+            </a:extLst>
+          </p:cNvPr>
+          <p:cNvSpPr/>
+          <p:nvPr/>
+        </p:nvSpPr>
+        <p:spPr>
+          <a:xfrm>
+            <a:off x="8279363" y="2136710"/>
+            <a:ext cx="2127380" cy="1362270"/>
+          </a:xfrm>
+          <a:prstGeom prst="roundRect">
+            <a:avLst/>
+          </a:prstGeom>
+        </p:spPr>
+        <p:style>
+          <a:lnRef idx="2">
+            <a:schemeClr val="accent1">
+              <a:shade val="15000"/>
+            </a:schemeClr>
+          </a:lnRef>
+          <a:fillRef idx="1">
+            <a:schemeClr val="accent1"/>
+          </a:fillRef>
+          <a:effectRef idx="0">
+            <a:schemeClr val="accent1"/>
+          </a:effectRef>
+          <a:fontRef idx="minor">
+            <a:schemeClr val="lt1"/>
+          </a:fontRef>
+        </p:style>
+        <p:txBody>
+          <a:bodyPr rtlCol="0" anchor="ctr"/>
+          <a:lstStyle/>
+          <a:p>
+            <a:pPr algn="ctr"/>
+            <a:r>
+              <a:rPr lang="en-US" dirty="0"/>
+              <a:t>System 2</a:t>
+            </a:r>
+          </a:p>
+          <a:p>
+            <a:pPr algn="ctr"/>
+            <a:r>
+              <a:rPr lang="en-US" dirty="0"/>
+              <a:t>Accounting</a:t>
+            </a:r>
+          </a:p>
+        </p:txBody>
+      </p:sp>
+      <p:sp>
+        <p:nvSpPr>
+          <p:cNvPr id="4" name="Oval 3">
+            <a:extLst>
+              <a:ext uri="{FF2B5EF4-FFF2-40B4-BE49-F238E27FC236}">
+                <a16:creationId xmlns:a16="http://schemas.microsoft.com/office/drawing/2014/main" id="{0166408C-B4DB-10AE-2F69-9885EE6C8E3C}"/>
+              </a:ext>
+            </a:extLst>
+          </p:cNvPr>
+          <p:cNvSpPr/>
+          <p:nvPr/>
+        </p:nvSpPr>
+        <p:spPr>
+          <a:xfrm>
+            <a:off x="1511559" y="429208"/>
+            <a:ext cx="933061" cy="597159"/>
+          </a:xfrm>
+          <a:prstGeom prst="ellipse">
+            <a:avLst/>
+          </a:prstGeom>
+        </p:spPr>
+        <p:style>
+          <a:lnRef idx="2">
+            <a:schemeClr val="accent1">
+              <a:shade val="15000"/>
+            </a:schemeClr>
+          </a:lnRef>
+          <a:fillRef idx="1">
+            <a:schemeClr val="accent1"/>
+          </a:fillRef>
+          <a:effectRef idx="0">
+            <a:schemeClr val="accent1"/>
+          </a:effectRef>
+          <a:fontRef idx="minor">
+            <a:schemeClr val="lt1"/>
+          </a:fontRef>
+        </p:style>
+        <p:txBody>
+          <a:bodyPr rtlCol="0" anchor="ctr"/>
+          <a:lstStyle/>
+          <a:p>
+            <a:pPr algn="ctr"/>
+            <a:r>
+              <a:rPr lang="en-US" dirty="0"/>
+              <a:t>EU</a:t>
+            </a:r>
+          </a:p>
+        </p:txBody>
+      </p:sp>
+      <p:cxnSp>
+        <p:nvCxnSpPr>
+          <p:cNvPr id="6" name="Connector: Elbow 5">
+            <a:extLst>
+              <a:ext uri="{FF2B5EF4-FFF2-40B4-BE49-F238E27FC236}">
+                <a16:creationId xmlns:a16="http://schemas.microsoft.com/office/drawing/2014/main" id="{18438943-7C7E-7773-4049-890D0886C346}"/>
+              </a:ext>
+            </a:extLst>
+          </p:cNvPr>
+          <p:cNvCxnSpPr>
+            <a:stCxn id="4" idx="4"/>
+            <a:endCxn id="2" idx="1"/>
+          </p:cNvCxnSpPr>
+          <p:nvPr/>
+        </p:nvCxnSpPr>
+        <p:spPr>
+          <a:xfrm rot="5400000">
+            <a:off x="522514" y="1362269"/>
+            <a:ext cx="1791478" cy="1119674"/>
+          </a:xfrm>
+          <a:prstGeom prst="bentConnector4">
+            <a:avLst>
+              <a:gd name="adj1" fmla="val 30990"/>
+              <a:gd name="adj2" fmla="val 120417"/>
+            </a:avLst>
+          </a:prstGeom>
+          <a:ln>
+            <a:tailEnd type="triangle"/>
+          </a:ln>
+        </p:spPr>
+        <p:style>
+          <a:lnRef idx="1">
+            <a:schemeClr val="accent1"/>
+          </a:lnRef>
+          <a:fillRef idx="0">
+            <a:schemeClr val="accent1"/>
+          </a:fillRef>
+          <a:effectRef idx="0">
+            <a:schemeClr val="accent1"/>
+          </a:effectRef>
+          <a:fontRef idx="minor">
+            <a:schemeClr val="tx1"/>
+          </a:fontRef>
+        </p:style>
+      </p:cxnSp>
+      <p:sp>
+        <p:nvSpPr>
+          <p:cNvPr id="7" name="TextBox 6">
+            <a:extLst>
+              <a:ext uri="{FF2B5EF4-FFF2-40B4-BE49-F238E27FC236}">
+                <a16:creationId xmlns:a16="http://schemas.microsoft.com/office/drawing/2014/main" id="{2B6A384D-7489-0409-52A6-5F2BC5907564}"/>
+              </a:ext>
+            </a:extLst>
+          </p:cNvPr>
+          <p:cNvSpPr txBox="1"/>
+          <p:nvPr/>
+        </p:nvSpPr>
+        <p:spPr>
+          <a:xfrm>
+            <a:off x="2090057" y="1129004"/>
+            <a:ext cx="2127380" cy="646331"/>
+          </a:xfrm>
+          <a:prstGeom prst="rect">
+            <a:avLst/>
+          </a:prstGeom>
+          <a:noFill/>
+        </p:spPr>
+        <p:txBody>
+          <a:bodyPr wrap="square" rtlCol="0">
+            <a:spAutoFit/>
+          </a:bodyPr>
+          <a:lstStyle/>
+          <a:p>
+            <a:r>
+              <a:rPr lang="en-US" dirty="0"/>
+              <a:t>Employee Income Based on Work</a:t>
+            </a:r>
+          </a:p>
+        </p:txBody>
+      </p:sp>
+      <p:sp>
+        <p:nvSpPr>
+          <p:cNvPr id="8" name="TextBox 7">
+            <a:extLst>
+              <a:ext uri="{FF2B5EF4-FFF2-40B4-BE49-F238E27FC236}">
+                <a16:creationId xmlns:a16="http://schemas.microsoft.com/office/drawing/2014/main" id="{AE124171-4685-C7F5-6696-C9A333121078}"/>
+              </a:ext>
+            </a:extLst>
+          </p:cNvPr>
+          <p:cNvSpPr txBox="1"/>
+          <p:nvPr/>
+        </p:nvSpPr>
+        <p:spPr>
+          <a:xfrm>
+            <a:off x="8192278" y="3769567"/>
+            <a:ext cx="2481942" cy="369332"/>
+          </a:xfrm>
+          <a:prstGeom prst="rect">
+            <a:avLst/>
+          </a:prstGeom>
+          <a:noFill/>
+        </p:spPr>
+        <p:txBody>
+          <a:bodyPr wrap="square" rtlCol="0">
+            <a:spAutoFit/>
+          </a:bodyPr>
+          <a:lstStyle/>
+          <a:p>
+            <a:pPr algn="ctr"/>
+            <a:r>
+              <a:rPr lang="en-US" b="1" dirty="0"/>
+              <a:t>Income Calculation</a:t>
+            </a:r>
+          </a:p>
+        </p:txBody>
+      </p:sp>
+      <p:sp>
+        <p:nvSpPr>
+          <p:cNvPr id="9" name="Arrow: Right 8">
+            <a:extLst>
+              <a:ext uri="{FF2B5EF4-FFF2-40B4-BE49-F238E27FC236}">
+                <a16:creationId xmlns:a16="http://schemas.microsoft.com/office/drawing/2014/main" id="{039ECA85-9306-F2DB-F06E-F37674245E95}"/>
+              </a:ext>
+            </a:extLst>
+          </p:cNvPr>
+          <p:cNvSpPr/>
+          <p:nvPr/>
+        </p:nvSpPr>
+        <p:spPr>
+          <a:xfrm>
+            <a:off x="2985797" y="2341984"/>
+            <a:ext cx="3110203" cy="473714"/>
+          </a:xfrm>
+          <a:prstGeom prst="rightArrow">
+            <a:avLst/>
+          </a:prstGeom>
+        </p:spPr>
+        <p:style>
+          <a:lnRef idx="2">
+            <a:schemeClr val="accent1">
+              <a:shade val="15000"/>
+            </a:schemeClr>
+          </a:lnRef>
+          <a:fillRef idx="1">
+            <a:schemeClr val="accent1"/>
+          </a:fillRef>
+          <a:effectRef idx="0">
+            <a:schemeClr val="accent1"/>
+          </a:effectRef>
+          <a:fontRef idx="minor">
+            <a:schemeClr val="lt1"/>
+          </a:fontRef>
+        </p:style>
+        <p:txBody>
+          <a:bodyPr rtlCol="0" anchor="ctr"/>
+          <a:lstStyle/>
+          <a:p>
+            <a:pPr algn="ctr"/>
+            <a:r>
+              <a:rPr lang="en-US" dirty="0"/>
+              <a:t>Request for Income</a:t>
+            </a:r>
+          </a:p>
+        </p:txBody>
+      </p:sp>
+      <p:sp>
+        <p:nvSpPr>
+          <p:cNvPr id="10" name="Arrow: Left 9">
+            <a:extLst>
+              <a:ext uri="{FF2B5EF4-FFF2-40B4-BE49-F238E27FC236}">
+                <a16:creationId xmlns:a16="http://schemas.microsoft.com/office/drawing/2014/main" id="{007E9678-D334-7F6F-5BA3-DF9673D0BD7D}"/>
+              </a:ext>
+            </a:extLst>
+          </p:cNvPr>
+          <p:cNvSpPr/>
+          <p:nvPr/>
+        </p:nvSpPr>
+        <p:spPr>
+          <a:xfrm>
+            <a:off x="2985797" y="2885678"/>
+            <a:ext cx="3110203" cy="473390"/>
+          </a:xfrm>
+          <a:prstGeom prst="leftArrow">
+            <a:avLst/>
+          </a:prstGeom>
+        </p:spPr>
+        <p:style>
+          <a:lnRef idx="2">
+            <a:schemeClr val="accent1">
+              <a:shade val="15000"/>
+            </a:schemeClr>
+          </a:lnRef>
+          <a:fillRef idx="1">
+            <a:schemeClr val="accent1"/>
+          </a:fillRef>
+          <a:effectRef idx="0">
+            <a:schemeClr val="accent1"/>
+          </a:effectRef>
+          <a:fontRef idx="minor">
+            <a:schemeClr val="lt1"/>
+          </a:fontRef>
+        </p:style>
+        <p:txBody>
+          <a:bodyPr rtlCol="0" anchor="ctr"/>
+          <a:lstStyle/>
+          <a:p>
+            <a:pPr algn="ctr"/>
+            <a:r>
+              <a:rPr lang="en-US" dirty="0"/>
+              <a:t>Income Information Response</a:t>
+            </a:r>
+          </a:p>
+        </p:txBody>
+      </p:sp>
+      <p:sp>
+        <p:nvSpPr>
+          <p:cNvPr id="11" name="TextBox 10">
+            <a:extLst>
+              <a:ext uri="{FF2B5EF4-FFF2-40B4-BE49-F238E27FC236}">
+                <a16:creationId xmlns:a16="http://schemas.microsoft.com/office/drawing/2014/main" id="{12454310-F0C8-1AE9-F410-A340A8DFD307}"/>
+              </a:ext>
+            </a:extLst>
+          </p:cNvPr>
+          <p:cNvSpPr txBox="1"/>
+          <p:nvPr/>
+        </p:nvSpPr>
+        <p:spPr>
+          <a:xfrm>
+            <a:off x="251927" y="3972323"/>
+            <a:ext cx="7511142" cy="1200329"/>
+          </a:xfrm>
+          <a:prstGeom prst="rect">
+            <a:avLst/>
+          </a:prstGeom>
+          <a:noFill/>
+        </p:spPr>
+        <p:txBody>
+          <a:bodyPr wrap="square" rtlCol="0">
+            <a:spAutoFit/>
+          </a:bodyPr>
+          <a:lstStyle/>
+          <a:p>
+            <a:r>
+              <a:rPr lang="en-US" dirty="0"/>
+              <a:t>Use Case</a:t>
+            </a:r>
+          </a:p>
+          <a:p>
+            <a:pPr marL="342900" indent="-342900">
+              <a:buAutoNum type="arabicPeriod"/>
+            </a:pPr>
+            <a:r>
+              <a:rPr lang="en-US" dirty="0"/>
+              <a:t>Establish Data Communication across Systems where these are 2 separately design Systems</a:t>
+            </a:r>
+          </a:p>
+          <a:p>
+            <a:pPr marL="342900" indent="-342900">
+              <a:buAutoNum type="arabicPeriod"/>
+            </a:pPr>
+            <a:r>
+              <a:rPr lang="en-US" dirty="0"/>
+              <a:t>Define a Common Contract that is known by both systems</a:t>
+            </a:r>
+          </a:p>
+        </p:txBody>
+      </p:sp>
+      <p:sp>
+        <p:nvSpPr>
+          <p:cNvPr id="12" name="Rectangle 11">
+            <a:extLst>
+              <a:ext uri="{FF2B5EF4-FFF2-40B4-BE49-F238E27FC236}">
+                <a16:creationId xmlns:a16="http://schemas.microsoft.com/office/drawing/2014/main" id="{856EE957-B3D0-A62E-A5C8-5E4AC0727BFE}"/>
+              </a:ext>
+            </a:extLst>
+          </p:cNvPr>
+          <p:cNvSpPr/>
+          <p:nvPr/>
+        </p:nvSpPr>
+        <p:spPr>
+          <a:xfrm>
+            <a:off x="6096000" y="1987421"/>
+            <a:ext cx="985935" cy="1772816"/>
+          </a:xfrm>
+          <a:prstGeom prst="rect">
+            <a:avLst/>
+          </a:prstGeom>
+        </p:spPr>
+        <p:style>
+          <a:lnRef idx="2">
+            <a:schemeClr val="accent1">
+              <a:shade val="15000"/>
+            </a:schemeClr>
+          </a:lnRef>
+          <a:fillRef idx="1">
+            <a:schemeClr val="accent1"/>
+          </a:fillRef>
+          <a:effectRef idx="0">
+            <a:schemeClr val="accent1"/>
+          </a:effectRef>
+          <a:fontRef idx="minor">
+            <a:schemeClr val="lt1"/>
+          </a:fontRef>
+        </p:style>
+        <p:txBody>
+          <a:bodyPr rtlCol="0" anchor="ctr"/>
+          <a:lstStyle/>
+          <a:p>
+            <a:pPr algn="ctr"/>
+            <a:r>
+              <a:rPr lang="en-US" dirty="0"/>
+              <a:t>Contract</a:t>
+            </a:r>
+          </a:p>
+          <a:p>
+            <a:pPr algn="ctr"/>
+            <a:r>
+              <a:rPr lang="en-US" dirty="0"/>
+              <a:t>For</a:t>
+            </a:r>
+          </a:p>
+          <a:p>
+            <a:pPr algn="ctr"/>
+            <a:r>
+              <a:rPr lang="en-US" dirty="0"/>
+              <a:t>Data</a:t>
+            </a:r>
+          </a:p>
+          <a:p>
+            <a:pPr algn="ctr"/>
+            <a:r>
+              <a:rPr lang="en-US" dirty="0"/>
+              <a:t>Transfer</a:t>
+            </a:r>
+          </a:p>
+        </p:txBody>
+      </p:sp>
+      <p:sp>
+        <p:nvSpPr>
+          <p:cNvPr id="13" name="Arrow: Right 12">
+            <a:extLst>
+              <a:ext uri="{FF2B5EF4-FFF2-40B4-BE49-F238E27FC236}">
+                <a16:creationId xmlns:a16="http://schemas.microsoft.com/office/drawing/2014/main" id="{8269730B-DF6D-082A-D2A6-88950076E5D4}"/>
+              </a:ext>
+            </a:extLst>
+          </p:cNvPr>
+          <p:cNvSpPr/>
+          <p:nvPr/>
+        </p:nvSpPr>
+        <p:spPr>
+          <a:xfrm>
+            <a:off x="7081935" y="2341985"/>
+            <a:ext cx="1197428" cy="473714"/>
+          </a:xfrm>
+          <a:prstGeom prst="rightArrow">
+            <a:avLst/>
+          </a:prstGeom>
+        </p:spPr>
+        <p:style>
+          <a:lnRef idx="2">
+            <a:schemeClr val="accent1">
+              <a:shade val="15000"/>
+            </a:schemeClr>
+          </a:lnRef>
+          <a:fillRef idx="1">
+            <a:schemeClr val="accent1"/>
+          </a:fillRef>
+          <a:effectRef idx="0">
+            <a:schemeClr val="accent1"/>
+          </a:effectRef>
+          <a:fontRef idx="minor">
+            <a:schemeClr val="lt1"/>
+          </a:fontRef>
+        </p:style>
+        <p:txBody>
+          <a:bodyPr rtlCol="0" anchor="ctr"/>
+          <a:lstStyle/>
+          <a:p>
+            <a:pPr algn="ctr"/>
+            <a:endParaRPr lang="en-US"/>
+          </a:p>
+        </p:txBody>
+      </p:sp>
+      <p:sp>
+        <p:nvSpPr>
+          <p:cNvPr id="14" name="Arrow: Left 13">
+            <a:extLst>
+              <a:ext uri="{FF2B5EF4-FFF2-40B4-BE49-F238E27FC236}">
+                <a16:creationId xmlns:a16="http://schemas.microsoft.com/office/drawing/2014/main" id="{055E2704-FDD8-03FE-3BDA-F930E93F5D69}"/>
+              </a:ext>
+            </a:extLst>
+          </p:cNvPr>
+          <p:cNvSpPr/>
+          <p:nvPr/>
+        </p:nvSpPr>
+        <p:spPr>
+          <a:xfrm>
+            <a:off x="7081935" y="2885677"/>
+            <a:ext cx="1197428" cy="473391"/>
+          </a:xfrm>
+          <a:prstGeom prst="leftArrow">
+            <a:avLst/>
+          </a:prstGeom>
+        </p:spPr>
+        <p:style>
+          <a:lnRef idx="2">
+            <a:schemeClr val="accent1">
+              <a:shade val="15000"/>
+            </a:schemeClr>
+          </a:lnRef>
+          <a:fillRef idx="1">
+            <a:schemeClr val="accent1"/>
+          </a:fillRef>
+          <a:effectRef idx="0">
+            <a:schemeClr val="accent1"/>
+          </a:effectRef>
+          <a:fontRef idx="minor">
+            <a:schemeClr val="lt1"/>
+          </a:fontRef>
+        </p:style>
+        <p:txBody>
+          <a:bodyPr rtlCol="0" anchor="ctr"/>
+          <a:lstStyle/>
+          <a:p>
+            <a:pPr algn="ctr"/>
+            <a:endParaRPr lang="en-US"/>
+          </a:p>
+        </p:txBody>
+      </p:sp>
+      <p:sp>
+        <p:nvSpPr>
+          <p:cNvPr id="15" name="TextBox 14">
+            <a:extLst>
+              <a:ext uri="{FF2B5EF4-FFF2-40B4-BE49-F238E27FC236}">
+                <a16:creationId xmlns:a16="http://schemas.microsoft.com/office/drawing/2014/main" id="{DC3DD159-B097-5A77-04E8-E5F46F1B3374}"/>
+              </a:ext>
+            </a:extLst>
+          </p:cNvPr>
+          <p:cNvSpPr txBox="1"/>
+          <p:nvPr/>
+        </p:nvSpPr>
+        <p:spPr>
+          <a:xfrm>
+            <a:off x="5701004" y="429208"/>
+            <a:ext cx="3993502" cy="923330"/>
+          </a:xfrm>
+          <a:prstGeom prst="rect">
+            <a:avLst/>
+          </a:prstGeom>
+          <a:noFill/>
+        </p:spPr>
+        <p:txBody>
+          <a:bodyPr wrap="square" rtlCol="0">
+            <a:spAutoFit/>
+          </a:bodyPr>
+          <a:lstStyle/>
+          <a:p>
+            <a:r>
+              <a:rPr lang="en-US" dirty="0"/>
+              <a:t>An interface that offers a projection of implementation so that systems can easily communicate with each other </a:t>
+            </a:r>
+          </a:p>
+        </p:txBody>
+      </p:sp>
+      <p:cxnSp>
+        <p:nvCxnSpPr>
+          <p:cNvPr id="17" name="Connector: Elbow 16">
+            <a:extLst>
+              <a:ext uri="{FF2B5EF4-FFF2-40B4-BE49-F238E27FC236}">
+                <a16:creationId xmlns:a16="http://schemas.microsoft.com/office/drawing/2014/main" id="{B06BDE0B-0E51-8A1F-535C-3923588BBE7E}"/>
+              </a:ext>
+            </a:extLst>
+          </p:cNvPr>
+          <p:cNvCxnSpPr>
+            <a:stCxn id="12" idx="0"/>
+            <a:endCxn id="15" idx="2"/>
+          </p:cNvCxnSpPr>
+          <p:nvPr/>
+        </p:nvCxnSpPr>
+        <p:spPr>
+          <a:xfrm rot="5400000" flipH="1" flipV="1">
+            <a:off x="6825920" y="1115587"/>
+            <a:ext cx="634883" cy="1108787"/>
+          </a:xfrm>
+          <a:prstGeom prst="bentConnector3">
+            <a:avLst/>
+          </a:prstGeom>
+          <a:ln>
+            <a:tailEnd type="triangle"/>
+          </a:ln>
+        </p:spPr>
+        <p:style>
+          <a:lnRef idx="1">
+            <a:schemeClr val="accent1"/>
+          </a:lnRef>
+          <a:fillRef idx="0">
+            <a:schemeClr val="accent1"/>
+          </a:fillRef>
+          <a:effectRef idx="0">
+            <a:schemeClr val="accent1"/>
+          </a:effectRef>
+          <a:fontRef idx="minor">
+            <a:schemeClr val="tx1"/>
+          </a:fontRef>
+        </p:style>
+      </p:cxnSp>
+      <p:sp>
+        <p:nvSpPr>
+          <p:cNvPr id="18" name="TextBox 17">
+            <a:extLst>
+              <a:ext uri="{FF2B5EF4-FFF2-40B4-BE49-F238E27FC236}">
+                <a16:creationId xmlns:a16="http://schemas.microsoft.com/office/drawing/2014/main" id="{5E21E928-C3CB-2A93-5458-B91D8C3B309F}"/>
+              </a:ext>
+            </a:extLst>
+          </p:cNvPr>
+          <p:cNvSpPr txBox="1"/>
+          <p:nvPr/>
+        </p:nvSpPr>
+        <p:spPr>
+          <a:xfrm>
+            <a:off x="335902" y="5346441"/>
+            <a:ext cx="7856376" cy="1200329"/>
+          </a:xfrm>
+          <a:prstGeom prst="rect">
+            <a:avLst/>
+          </a:prstGeom>
+          <a:noFill/>
+        </p:spPr>
+        <p:txBody>
+          <a:bodyPr wrap="square" rtlCol="0">
+            <a:spAutoFit/>
+          </a:bodyPr>
+          <a:lstStyle/>
+          <a:p>
+            <a:r>
+              <a:rPr lang="en-US" dirty="0"/>
+              <a:t>Example</a:t>
+            </a:r>
+          </a:p>
+          <a:p>
+            <a:pPr marL="285750" indent="-285750">
+              <a:buFont typeface="Arial" panose="020B0604020202020204" pitchFamily="34" charset="0"/>
+              <a:buChar char="•"/>
+            </a:pPr>
+            <a:r>
+              <a:rPr lang="en-US" dirty="0"/>
+              <a:t>Web Service Description Language (WSDL): A Contract used in Web Service</a:t>
+            </a:r>
+          </a:p>
+          <a:p>
+            <a:pPr marL="285750" indent="-285750">
+              <a:buFont typeface="Arial" panose="020B0604020202020204" pitchFamily="34" charset="0"/>
+              <a:buChar char="•"/>
+            </a:pPr>
+            <a:r>
+              <a:rPr lang="en-US" dirty="0"/>
+              <a:t>Contract Interfaces across all Applications e.g. </a:t>
+            </a:r>
+            <a:r>
+              <a:rPr lang="en-US" dirty="0" err="1"/>
+              <a:t>IUnknown</a:t>
+            </a:r>
+            <a:r>
+              <a:rPr lang="en-US" dirty="0"/>
+              <a:t> (Powerful Interface in COM)</a:t>
+            </a:r>
+          </a:p>
+        </p:txBody>
+      </p:sp>
+    </p:spTree>
+    <p:extLst>
+      <p:ext uri="{BB962C8B-B14F-4D97-AF65-F5344CB8AC3E}">
+        <p14:creationId xmlns:p14="http://schemas.microsoft.com/office/powerpoint/2010/main" val="3480226198"/>
+      </p:ext>
+    </p:extLst>
+  </p:cSld>
+  <p:clrMapOvr>
+    <a:masterClrMapping/>
+  </p:clrMapOvr>
+</p:sld>
+</file>
+
+<file path=ppt/slides/slide17.xml><?xml version="1.0" encoding="utf-8"?>
+<p:sld xmlns:a="http://schemas.openxmlformats.org/drawingml/2006/main" xmlns:r="http://schemas.openxmlformats.org/officeDocument/2006/relationships" xmlns:p="http://schemas.openxmlformats.org/presentationml/2006/main">
+  <p:cSld>
+    <p:spTree>
+      <p:nvGrpSpPr>
+        <p:cNvPr id="1" name=""/>
+        <p:cNvGrpSpPr/>
+        <p:nvPr/>
+      </p:nvGrpSpPr>
+      <p:grpSpPr>
+        <a:xfrm>
+          <a:off x="0" y="0"/>
+          <a:ext cx="0" cy="0"/>
+          <a:chOff x="0" y="0"/>
+          <a:chExt cx="0" cy="0"/>
+        </a:xfrm>
+      </p:grpSpPr>
+      <p:sp>
+        <p:nvSpPr>
+          <p:cNvPr id="2" name="Rectangle: Rounded Corners 1">
+            <a:extLst>
+              <a:ext uri="{FF2B5EF4-FFF2-40B4-BE49-F238E27FC236}">
+                <a16:creationId xmlns:a16="http://schemas.microsoft.com/office/drawing/2014/main" id="{7A95B417-5800-154A-1DFC-52A4AFD1FA3F}"/>
+              </a:ext>
+            </a:extLst>
+          </p:cNvPr>
+          <p:cNvSpPr/>
+          <p:nvPr/>
+        </p:nvSpPr>
+        <p:spPr>
+          <a:xfrm>
+            <a:off x="1035698" y="1632857"/>
+            <a:ext cx="2481943" cy="1796143"/>
+          </a:xfrm>
+          <a:prstGeom prst="roundRect">
+            <a:avLst/>
+          </a:prstGeom>
+        </p:spPr>
+        <p:style>
+          <a:lnRef idx="2">
+            <a:schemeClr val="accent1">
+              <a:shade val="15000"/>
+            </a:schemeClr>
+          </a:lnRef>
+          <a:fillRef idx="1">
+            <a:schemeClr val="accent1"/>
+          </a:fillRef>
+          <a:effectRef idx="0">
+            <a:schemeClr val="accent1"/>
+          </a:effectRef>
+          <a:fontRef idx="minor">
+            <a:schemeClr val="lt1"/>
+          </a:fontRef>
+        </p:style>
+        <p:txBody>
+          <a:bodyPr rtlCol="0" anchor="ctr"/>
+          <a:lstStyle/>
+          <a:p>
+            <a:pPr algn="ctr"/>
+            <a:r>
+              <a:rPr lang="en-US" dirty="0"/>
+              <a:t>Computer </a:t>
+            </a:r>
+          </a:p>
+        </p:txBody>
+      </p:sp>
+      <p:sp>
+        <p:nvSpPr>
+          <p:cNvPr id="3" name="Rectangle 2">
+            <a:extLst>
+              <a:ext uri="{FF2B5EF4-FFF2-40B4-BE49-F238E27FC236}">
+                <a16:creationId xmlns:a16="http://schemas.microsoft.com/office/drawing/2014/main" id="{61E447A2-18CA-07B2-64E2-2910725BFCF1}"/>
+              </a:ext>
+            </a:extLst>
+          </p:cNvPr>
+          <p:cNvSpPr/>
+          <p:nvPr/>
+        </p:nvSpPr>
+        <p:spPr>
+          <a:xfrm>
+            <a:off x="3303037" y="2425959"/>
+            <a:ext cx="1380930" cy="419878"/>
+          </a:xfrm>
+          <a:prstGeom prst="rect">
+            <a:avLst/>
+          </a:prstGeom>
+          <a:solidFill>
+            <a:schemeClr val="accent2"/>
+          </a:solidFill>
+        </p:spPr>
+        <p:style>
+          <a:lnRef idx="2">
+            <a:schemeClr val="accent1">
+              <a:shade val="15000"/>
+            </a:schemeClr>
+          </a:lnRef>
+          <a:fillRef idx="1">
+            <a:schemeClr val="accent1"/>
+          </a:fillRef>
+          <a:effectRef idx="0">
+            <a:schemeClr val="accent1"/>
+          </a:effectRef>
+          <a:fontRef idx="minor">
+            <a:schemeClr val="lt1"/>
+          </a:fontRef>
+        </p:style>
+        <p:txBody>
+          <a:bodyPr rtlCol="0" anchor="ctr"/>
+          <a:lstStyle/>
+          <a:p>
+            <a:pPr algn="ctr"/>
+            <a:r>
+              <a:rPr lang="en-US" dirty="0"/>
+              <a:t>USB</a:t>
+            </a:r>
+          </a:p>
+        </p:txBody>
+      </p:sp>
+      <p:sp>
+        <p:nvSpPr>
+          <p:cNvPr id="4" name="Rectangle 3">
+            <a:extLst>
+              <a:ext uri="{FF2B5EF4-FFF2-40B4-BE49-F238E27FC236}">
+                <a16:creationId xmlns:a16="http://schemas.microsoft.com/office/drawing/2014/main" id="{F52233EB-9637-238C-05EB-C4C0A5443C26}"/>
+              </a:ext>
+            </a:extLst>
+          </p:cNvPr>
+          <p:cNvSpPr/>
+          <p:nvPr/>
+        </p:nvSpPr>
+        <p:spPr>
+          <a:xfrm>
+            <a:off x="8052318" y="429208"/>
+            <a:ext cx="1231641" cy="634482"/>
+          </a:xfrm>
+          <a:prstGeom prst="rect">
+            <a:avLst/>
+          </a:prstGeom>
+        </p:spPr>
+        <p:style>
+          <a:lnRef idx="2">
+            <a:schemeClr val="accent1">
+              <a:shade val="15000"/>
+            </a:schemeClr>
+          </a:lnRef>
+          <a:fillRef idx="1">
+            <a:schemeClr val="accent1"/>
+          </a:fillRef>
+          <a:effectRef idx="0">
+            <a:schemeClr val="accent1"/>
+          </a:effectRef>
+          <a:fontRef idx="minor">
+            <a:schemeClr val="lt1"/>
+          </a:fontRef>
+        </p:style>
+        <p:txBody>
+          <a:bodyPr rtlCol="0" anchor="ctr"/>
+          <a:lstStyle/>
+          <a:p>
+            <a:pPr algn="ctr"/>
+            <a:r>
+              <a:rPr lang="en-US" dirty="0"/>
+              <a:t>Mouse</a:t>
+            </a:r>
+          </a:p>
+        </p:txBody>
+      </p:sp>
+      <p:cxnSp>
+        <p:nvCxnSpPr>
+          <p:cNvPr id="6" name="Connector: Elbow 5">
+            <a:extLst>
+              <a:ext uri="{FF2B5EF4-FFF2-40B4-BE49-F238E27FC236}">
+                <a16:creationId xmlns:a16="http://schemas.microsoft.com/office/drawing/2014/main" id="{BE5AE2AB-A2DC-919D-A4AE-244AA27D47D1}"/>
+              </a:ext>
+            </a:extLst>
+          </p:cNvPr>
+          <p:cNvCxnSpPr>
+            <a:stCxn id="4" idx="1"/>
+            <a:endCxn id="3" idx="0"/>
+          </p:cNvCxnSpPr>
+          <p:nvPr/>
+        </p:nvCxnSpPr>
+        <p:spPr>
+          <a:xfrm rot="10800000" flipV="1">
+            <a:off x="3993502" y="746449"/>
+            <a:ext cx="4058816" cy="1679510"/>
+          </a:xfrm>
+          <a:prstGeom prst="bentConnector2">
+            <a:avLst/>
+          </a:prstGeom>
+          <a:ln>
+            <a:tailEnd type="triangle"/>
+          </a:ln>
+        </p:spPr>
+        <p:style>
+          <a:lnRef idx="1">
+            <a:schemeClr val="accent1"/>
+          </a:lnRef>
+          <a:fillRef idx="0">
+            <a:schemeClr val="accent1"/>
+          </a:fillRef>
+          <a:effectRef idx="0">
+            <a:schemeClr val="accent1"/>
+          </a:effectRef>
+          <a:fontRef idx="minor">
+            <a:schemeClr val="tx1"/>
+          </a:fontRef>
+        </p:style>
+      </p:cxnSp>
+      <p:sp>
+        <p:nvSpPr>
+          <p:cNvPr id="7" name="Rectangle 6">
+            <a:extLst>
+              <a:ext uri="{FF2B5EF4-FFF2-40B4-BE49-F238E27FC236}">
+                <a16:creationId xmlns:a16="http://schemas.microsoft.com/office/drawing/2014/main" id="{C9EC1CB3-57E6-8B3C-4D7B-73EDE033A2F8}"/>
+              </a:ext>
+            </a:extLst>
+          </p:cNvPr>
+          <p:cNvSpPr/>
+          <p:nvPr/>
+        </p:nvSpPr>
+        <p:spPr>
+          <a:xfrm>
+            <a:off x="8052318" y="1684175"/>
+            <a:ext cx="1231641" cy="634482"/>
+          </a:xfrm>
+          <a:prstGeom prst="rect">
+            <a:avLst/>
+          </a:prstGeom>
+        </p:spPr>
+        <p:style>
+          <a:lnRef idx="2">
+            <a:schemeClr val="accent1">
+              <a:shade val="15000"/>
+            </a:schemeClr>
+          </a:lnRef>
+          <a:fillRef idx="1">
+            <a:schemeClr val="accent1"/>
+          </a:fillRef>
+          <a:effectRef idx="0">
+            <a:schemeClr val="accent1"/>
+          </a:effectRef>
+          <a:fontRef idx="minor">
+            <a:schemeClr val="lt1"/>
+          </a:fontRef>
+        </p:style>
+        <p:txBody>
+          <a:bodyPr rtlCol="0" anchor="ctr"/>
+          <a:lstStyle/>
+          <a:p>
+            <a:pPr algn="ctr"/>
+            <a:r>
+              <a:rPr lang="en-US" dirty="0"/>
+              <a:t>Keyboard</a:t>
+            </a:r>
+          </a:p>
+        </p:txBody>
+      </p:sp>
+      <p:cxnSp>
+        <p:nvCxnSpPr>
+          <p:cNvPr id="9" name="Connector: Elbow 8">
+            <a:extLst>
+              <a:ext uri="{FF2B5EF4-FFF2-40B4-BE49-F238E27FC236}">
+                <a16:creationId xmlns:a16="http://schemas.microsoft.com/office/drawing/2014/main" id="{B949AA30-0639-C0E1-2537-4A7BB8A54C37}"/>
+              </a:ext>
+            </a:extLst>
+          </p:cNvPr>
+          <p:cNvCxnSpPr>
+            <a:stCxn id="7" idx="1"/>
+            <a:endCxn id="3" idx="3"/>
+          </p:cNvCxnSpPr>
+          <p:nvPr/>
+        </p:nvCxnSpPr>
+        <p:spPr>
+          <a:xfrm rot="10800000" flipV="1">
+            <a:off x="4683968" y="2001416"/>
+            <a:ext cx="3368351" cy="634482"/>
+          </a:xfrm>
+          <a:prstGeom prst="bentConnector3">
+            <a:avLst/>
+          </a:prstGeom>
+          <a:ln>
+            <a:tailEnd type="triangle"/>
+          </a:ln>
+        </p:spPr>
+        <p:style>
+          <a:lnRef idx="1">
+            <a:schemeClr val="accent1"/>
+          </a:lnRef>
+          <a:fillRef idx="0">
+            <a:schemeClr val="accent1"/>
+          </a:fillRef>
+          <a:effectRef idx="0">
+            <a:schemeClr val="accent1"/>
+          </a:effectRef>
+          <a:fontRef idx="minor">
+            <a:schemeClr val="tx1"/>
+          </a:fontRef>
+        </p:style>
+      </p:cxnSp>
+      <p:sp>
+        <p:nvSpPr>
+          <p:cNvPr id="10" name="Rectangle 9">
+            <a:extLst>
+              <a:ext uri="{FF2B5EF4-FFF2-40B4-BE49-F238E27FC236}">
+                <a16:creationId xmlns:a16="http://schemas.microsoft.com/office/drawing/2014/main" id="{EAA94724-0975-CC47-091E-181FE76985AC}"/>
+              </a:ext>
+            </a:extLst>
+          </p:cNvPr>
+          <p:cNvSpPr/>
+          <p:nvPr/>
+        </p:nvSpPr>
+        <p:spPr>
+          <a:xfrm>
+            <a:off x="8052317" y="2939141"/>
+            <a:ext cx="1231641" cy="634482"/>
+          </a:xfrm>
+          <a:prstGeom prst="rect">
+            <a:avLst/>
+          </a:prstGeom>
+        </p:spPr>
+        <p:style>
+          <a:lnRef idx="2">
+            <a:schemeClr val="accent1">
+              <a:shade val="15000"/>
+            </a:schemeClr>
+          </a:lnRef>
+          <a:fillRef idx="1">
+            <a:schemeClr val="accent1"/>
+          </a:fillRef>
+          <a:effectRef idx="0">
+            <a:schemeClr val="accent1"/>
+          </a:effectRef>
+          <a:fontRef idx="minor">
+            <a:schemeClr val="lt1"/>
+          </a:fontRef>
+        </p:style>
+        <p:txBody>
+          <a:bodyPr rtlCol="0" anchor="ctr"/>
+          <a:lstStyle/>
+          <a:p>
+            <a:pPr algn="ctr"/>
+            <a:r>
+              <a:rPr lang="en-US" dirty="0" err="1"/>
+              <a:t>WiFi</a:t>
+            </a:r>
+            <a:endParaRPr lang="en-US" dirty="0"/>
+          </a:p>
+        </p:txBody>
+      </p:sp>
+      <p:cxnSp>
+        <p:nvCxnSpPr>
+          <p:cNvPr id="12" name="Connector: Elbow 11">
+            <a:extLst>
+              <a:ext uri="{FF2B5EF4-FFF2-40B4-BE49-F238E27FC236}">
+                <a16:creationId xmlns:a16="http://schemas.microsoft.com/office/drawing/2014/main" id="{53F2BC6C-E021-8ADC-91E0-E15C2CA9B435}"/>
+              </a:ext>
+            </a:extLst>
+          </p:cNvPr>
+          <p:cNvCxnSpPr>
+            <a:stCxn id="10" idx="1"/>
+            <a:endCxn id="3" idx="3"/>
+          </p:cNvCxnSpPr>
+          <p:nvPr/>
+        </p:nvCxnSpPr>
+        <p:spPr>
+          <a:xfrm rot="10800000">
+            <a:off x="4683967" y="2635898"/>
+            <a:ext cx="3368350" cy="620484"/>
+          </a:xfrm>
+          <a:prstGeom prst="bentConnector3">
+            <a:avLst/>
+          </a:prstGeom>
+          <a:ln>
+            <a:tailEnd type="triangle"/>
+          </a:ln>
+        </p:spPr>
+        <p:style>
+          <a:lnRef idx="1">
+            <a:schemeClr val="accent1"/>
+          </a:lnRef>
+          <a:fillRef idx="0">
+            <a:schemeClr val="accent1"/>
+          </a:fillRef>
+          <a:effectRef idx="0">
+            <a:schemeClr val="accent1"/>
+          </a:effectRef>
+          <a:fontRef idx="minor">
+            <a:schemeClr val="tx1"/>
+          </a:fontRef>
+        </p:style>
+      </p:cxnSp>
+      <p:sp>
+        <p:nvSpPr>
+          <p:cNvPr id="13" name="Rectangle 12">
+            <a:extLst>
+              <a:ext uri="{FF2B5EF4-FFF2-40B4-BE49-F238E27FC236}">
+                <a16:creationId xmlns:a16="http://schemas.microsoft.com/office/drawing/2014/main" id="{1B56AAF4-6D7A-7E92-1C0F-46CC6798FC3A}"/>
+              </a:ext>
+            </a:extLst>
+          </p:cNvPr>
+          <p:cNvSpPr/>
+          <p:nvPr/>
+        </p:nvSpPr>
+        <p:spPr>
+          <a:xfrm>
+            <a:off x="8052317" y="4222103"/>
+            <a:ext cx="1231641" cy="634482"/>
+          </a:xfrm>
+          <a:prstGeom prst="rect">
+            <a:avLst/>
+          </a:prstGeom>
+        </p:spPr>
+        <p:style>
+          <a:lnRef idx="2">
+            <a:schemeClr val="accent1">
+              <a:shade val="15000"/>
+            </a:schemeClr>
+          </a:lnRef>
+          <a:fillRef idx="1">
+            <a:schemeClr val="accent1"/>
+          </a:fillRef>
+          <a:effectRef idx="0">
+            <a:schemeClr val="accent1"/>
+          </a:effectRef>
+          <a:fontRef idx="minor">
+            <a:schemeClr val="lt1"/>
+          </a:fontRef>
+        </p:style>
+        <p:txBody>
+          <a:bodyPr rtlCol="0" anchor="ctr"/>
+          <a:lstStyle/>
+          <a:p>
+            <a:pPr algn="ctr"/>
+            <a:r>
+              <a:rPr lang="en-US" dirty="0"/>
+              <a:t>SSD</a:t>
+            </a:r>
+          </a:p>
+        </p:txBody>
+      </p:sp>
+      <p:cxnSp>
+        <p:nvCxnSpPr>
+          <p:cNvPr id="15" name="Connector: Elbow 14">
+            <a:extLst>
+              <a:ext uri="{FF2B5EF4-FFF2-40B4-BE49-F238E27FC236}">
+                <a16:creationId xmlns:a16="http://schemas.microsoft.com/office/drawing/2014/main" id="{F2DFA489-08D3-4F9F-77F4-A56A285F62DE}"/>
+              </a:ext>
+            </a:extLst>
+          </p:cNvPr>
+          <p:cNvCxnSpPr>
+            <a:stCxn id="13" idx="1"/>
+            <a:endCxn id="3" idx="2"/>
+          </p:cNvCxnSpPr>
+          <p:nvPr/>
+        </p:nvCxnSpPr>
+        <p:spPr>
+          <a:xfrm rot="10800000">
+            <a:off x="3993503" y="2845838"/>
+            <a:ext cx="4058815" cy="1693507"/>
+          </a:xfrm>
+          <a:prstGeom prst="bentConnector2">
+            <a:avLst/>
+          </a:prstGeom>
+          <a:ln>
+            <a:tailEnd type="triangle"/>
+          </a:ln>
+        </p:spPr>
+        <p:style>
+          <a:lnRef idx="1">
+            <a:schemeClr val="accent1"/>
+          </a:lnRef>
+          <a:fillRef idx="0">
+            <a:schemeClr val="accent1"/>
+          </a:fillRef>
+          <a:effectRef idx="0">
+            <a:schemeClr val="accent1"/>
+          </a:effectRef>
+          <a:fontRef idx="minor">
+            <a:schemeClr val="tx1"/>
+          </a:fontRef>
+        </p:style>
+      </p:cxnSp>
+      <p:sp>
+        <p:nvSpPr>
+          <p:cNvPr id="16" name="Thought Bubble: Cloud 15">
+            <a:extLst>
+              <a:ext uri="{FF2B5EF4-FFF2-40B4-BE49-F238E27FC236}">
+                <a16:creationId xmlns:a16="http://schemas.microsoft.com/office/drawing/2014/main" id="{4321D2CB-3AAF-CF9E-8382-8886746F02CB}"/>
+              </a:ext>
+            </a:extLst>
+          </p:cNvPr>
+          <p:cNvSpPr/>
+          <p:nvPr/>
+        </p:nvSpPr>
+        <p:spPr>
+          <a:xfrm>
+            <a:off x="4935893" y="1222309"/>
+            <a:ext cx="1533331" cy="779105"/>
+          </a:xfrm>
+          <a:prstGeom prst="cloudCallout">
+            <a:avLst>
+              <a:gd name="adj1" fmla="val -109493"/>
+              <a:gd name="adj2" fmla="val 104416"/>
+            </a:avLst>
+          </a:prstGeom>
+        </p:spPr>
+        <p:style>
+          <a:lnRef idx="2">
+            <a:schemeClr val="accent1">
+              <a:shade val="15000"/>
+            </a:schemeClr>
+          </a:lnRef>
+          <a:fillRef idx="1">
+            <a:schemeClr val="accent1"/>
+          </a:fillRef>
+          <a:effectRef idx="0">
+            <a:schemeClr val="accent1"/>
+          </a:effectRef>
+          <a:fontRef idx="minor">
+            <a:schemeClr val="lt1"/>
+          </a:fontRef>
+        </p:style>
+        <p:txBody>
+          <a:bodyPr rtlCol="0" anchor="ctr"/>
+          <a:lstStyle/>
+          <a:p>
+            <a:pPr algn="ctr"/>
+            <a:r>
+              <a:rPr lang="en-US" sz="1400" dirty="0"/>
+              <a:t>Interface</a:t>
+            </a:r>
+          </a:p>
+        </p:txBody>
+      </p:sp>
+      <p:sp>
+        <p:nvSpPr>
+          <p:cNvPr id="17" name="TextBox 16">
+            <a:extLst>
+              <a:ext uri="{FF2B5EF4-FFF2-40B4-BE49-F238E27FC236}">
+                <a16:creationId xmlns:a16="http://schemas.microsoft.com/office/drawing/2014/main" id="{DAE9C35C-BB7E-AE54-90D0-6BA27E13AE7D}"/>
+              </a:ext>
+            </a:extLst>
+          </p:cNvPr>
+          <p:cNvSpPr txBox="1"/>
+          <p:nvPr/>
+        </p:nvSpPr>
+        <p:spPr>
+          <a:xfrm>
+            <a:off x="475861" y="5243804"/>
+            <a:ext cx="5794310" cy="923330"/>
+          </a:xfrm>
+          <a:prstGeom prst="rect">
+            <a:avLst/>
+          </a:prstGeom>
+          <a:noFill/>
+        </p:spPr>
+        <p:txBody>
+          <a:bodyPr wrap="square" rtlCol="0">
+            <a:spAutoFit/>
+          </a:bodyPr>
+          <a:lstStyle/>
+          <a:p>
+            <a:r>
+              <a:rPr lang="en-US" dirty="0"/>
+              <a:t>USB Connector is a contract that is implemented by Computer and all USB Devices to establish Communication but with different Behavior</a:t>
+            </a:r>
+          </a:p>
+        </p:txBody>
+      </p:sp>
+    </p:spTree>
+    <p:extLst>
+      <p:ext uri="{BB962C8B-B14F-4D97-AF65-F5344CB8AC3E}">
+        <p14:creationId xmlns:p14="http://schemas.microsoft.com/office/powerpoint/2010/main" val="2872679214"/>
+      </p:ext>
+    </p:extLst>
+  </p:cSld>
+  <p:clrMapOvr>
+    <a:masterClrMapping/>
+  </p:clrMapOvr>
+</p:sld>
+</file>
+
+<file path=ppt/slides/slide18.xml><?xml version="1.0" encoding="utf-8"?>
+<p:sld xmlns:a="http://schemas.openxmlformats.org/drawingml/2006/main" xmlns:r="http://schemas.openxmlformats.org/officeDocument/2006/relationships" xmlns:p="http://schemas.openxmlformats.org/presentationml/2006/main">
+  <p:cSld>
+    <p:spTree>
+      <p:nvGrpSpPr>
+        <p:cNvPr id="1" name=""/>
+        <p:cNvGrpSpPr/>
+        <p:nvPr/>
+      </p:nvGrpSpPr>
+      <p:grpSpPr>
+        <a:xfrm>
+          <a:off x="0" y="0"/>
+          <a:ext cx="0" cy="0"/>
+          <a:chOff x="0" y="0"/>
+          <a:chExt cx="0" cy="0"/>
+        </a:xfrm>
+      </p:grpSpPr>
+      <p:sp>
+        <p:nvSpPr>
+          <p:cNvPr id="2" name="Rectangle 1">
+            <a:extLst>
+              <a:ext uri="{FF2B5EF4-FFF2-40B4-BE49-F238E27FC236}">
+                <a16:creationId xmlns:a16="http://schemas.microsoft.com/office/drawing/2014/main" id="{42BD9357-4D2A-7E12-7E4B-CB0BE48CBCEB}"/>
+              </a:ext>
+            </a:extLst>
+          </p:cNvPr>
+          <p:cNvSpPr/>
+          <p:nvPr/>
+        </p:nvSpPr>
+        <p:spPr>
+          <a:xfrm>
+            <a:off x="223935" y="2556588"/>
+            <a:ext cx="1912775" cy="872412"/>
+          </a:xfrm>
+          <a:prstGeom prst="rect">
+            <a:avLst/>
+          </a:prstGeom>
+        </p:spPr>
+        <p:style>
+          <a:lnRef idx="2">
+            <a:schemeClr val="accent1">
+              <a:shade val="15000"/>
+            </a:schemeClr>
+          </a:lnRef>
+          <a:fillRef idx="1">
+            <a:schemeClr val="accent1"/>
+          </a:fillRef>
+          <a:effectRef idx="0">
+            <a:schemeClr val="accent1"/>
+          </a:effectRef>
+          <a:fontRef idx="minor">
+            <a:schemeClr val="lt1"/>
+          </a:fontRef>
+        </p:style>
+        <p:txBody>
+          <a:bodyPr rtlCol="0" anchor="ctr"/>
+          <a:lstStyle/>
+          <a:p>
+            <a:pPr algn="ctr"/>
+            <a:r>
+              <a:rPr lang="en-US" dirty="0"/>
+              <a:t>Client</a:t>
+            </a:r>
+          </a:p>
+        </p:txBody>
+      </p:sp>
+      <p:sp>
+        <p:nvSpPr>
+          <p:cNvPr id="3" name="Arrow: Right 2">
+            <a:extLst>
+              <a:ext uri="{FF2B5EF4-FFF2-40B4-BE49-F238E27FC236}">
+                <a16:creationId xmlns:a16="http://schemas.microsoft.com/office/drawing/2014/main" id="{ECFD8A6A-DE8E-9350-2757-12433F57F2B9}"/>
+              </a:ext>
+            </a:extLst>
+          </p:cNvPr>
+          <p:cNvSpPr/>
+          <p:nvPr/>
+        </p:nvSpPr>
+        <p:spPr>
+          <a:xfrm>
+            <a:off x="2136710" y="2827176"/>
+            <a:ext cx="1828800" cy="345232"/>
+          </a:xfrm>
+          <a:prstGeom prst="rightArrow">
+            <a:avLst/>
+          </a:prstGeom>
+        </p:spPr>
+        <p:style>
+          <a:lnRef idx="2">
+            <a:schemeClr val="accent1">
+              <a:shade val="15000"/>
+            </a:schemeClr>
+          </a:lnRef>
+          <a:fillRef idx="1">
+            <a:schemeClr val="accent1"/>
+          </a:fillRef>
+          <a:effectRef idx="0">
+            <a:schemeClr val="accent1"/>
+          </a:effectRef>
+          <a:fontRef idx="minor">
+            <a:schemeClr val="lt1"/>
+          </a:fontRef>
+        </p:style>
+        <p:txBody>
+          <a:bodyPr rtlCol="0" anchor="ctr"/>
+          <a:lstStyle/>
+          <a:p>
+            <a:pPr algn="ctr"/>
+            <a:endParaRPr lang="en-US"/>
+          </a:p>
+        </p:txBody>
+      </p:sp>
+      <p:sp>
+        <p:nvSpPr>
+          <p:cNvPr id="4" name="Rectangle: Rounded Corners 3">
+            <a:extLst>
+              <a:ext uri="{FF2B5EF4-FFF2-40B4-BE49-F238E27FC236}">
+                <a16:creationId xmlns:a16="http://schemas.microsoft.com/office/drawing/2014/main" id="{2B4042DD-53B2-20BE-FD62-FDD2EC3E3D1D}"/>
+              </a:ext>
+            </a:extLst>
+          </p:cNvPr>
+          <p:cNvSpPr/>
+          <p:nvPr/>
+        </p:nvSpPr>
+        <p:spPr>
+          <a:xfrm>
+            <a:off x="3965510" y="2246346"/>
+            <a:ext cx="1586204" cy="1572208"/>
+          </a:xfrm>
+          <a:prstGeom prst="roundRect">
+            <a:avLst/>
+          </a:prstGeom>
+        </p:spPr>
+        <p:style>
+          <a:lnRef idx="2">
+            <a:schemeClr val="accent1">
+              <a:shade val="15000"/>
+            </a:schemeClr>
+          </a:lnRef>
+          <a:fillRef idx="1">
+            <a:schemeClr val="accent1"/>
+          </a:fillRef>
+          <a:effectRef idx="0">
+            <a:schemeClr val="accent1"/>
+          </a:effectRef>
+          <a:fontRef idx="minor">
+            <a:schemeClr val="lt1"/>
+          </a:fontRef>
+        </p:style>
+        <p:txBody>
+          <a:bodyPr rtlCol="0" anchor="ctr"/>
+          <a:lstStyle/>
+          <a:p>
+            <a:pPr algn="ctr"/>
+            <a:r>
+              <a:rPr lang="en-US" dirty="0" err="1"/>
+              <a:t>TaxFacade</a:t>
+            </a:r>
+            <a:endParaRPr lang="en-US" dirty="0"/>
+          </a:p>
+        </p:txBody>
+      </p:sp>
+      <p:sp>
+        <p:nvSpPr>
+          <p:cNvPr id="5" name="TextBox 4">
+            <a:extLst>
+              <a:ext uri="{FF2B5EF4-FFF2-40B4-BE49-F238E27FC236}">
+                <a16:creationId xmlns:a16="http://schemas.microsoft.com/office/drawing/2014/main" id="{E5F2A835-1AD6-0DE0-9463-56A902E3E162}"/>
+              </a:ext>
+            </a:extLst>
+          </p:cNvPr>
+          <p:cNvSpPr txBox="1"/>
+          <p:nvPr/>
+        </p:nvSpPr>
+        <p:spPr>
+          <a:xfrm>
+            <a:off x="2136710" y="2323322"/>
+            <a:ext cx="1754155" cy="646331"/>
+          </a:xfrm>
+          <a:prstGeom prst="rect">
+            <a:avLst/>
+          </a:prstGeom>
+          <a:noFill/>
+        </p:spPr>
+        <p:txBody>
+          <a:bodyPr wrap="square" rtlCol="0">
+            <a:spAutoFit/>
+          </a:bodyPr>
+          <a:lstStyle/>
+          <a:p>
+            <a:r>
+              <a:rPr lang="en-US" dirty="0"/>
+              <a:t>Amount, </a:t>
+            </a:r>
+            <a:r>
+              <a:rPr lang="en-US" dirty="0" err="1"/>
+              <a:t>TaxType</a:t>
+            </a:r>
+            <a:endParaRPr lang="en-US" dirty="0"/>
+          </a:p>
+        </p:txBody>
+      </p:sp>
+      <p:sp>
+        <p:nvSpPr>
+          <p:cNvPr id="6" name="Arrow: Right 5">
+            <a:extLst>
+              <a:ext uri="{FF2B5EF4-FFF2-40B4-BE49-F238E27FC236}">
+                <a16:creationId xmlns:a16="http://schemas.microsoft.com/office/drawing/2014/main" id="{5BECE872-2E17-71A7-2FC7-ABA717D200F5}"/>
+              </a:ext>
+            </a:extLst>
+          </p:cNvPr>
+          <p:cNvSpPr/>
+          <p:nvPr/>
+        </p:nvSpPr>
+        <p:spPr>
+          <a:xfrm>
+            <a:off x="5551713" y="2873829"/>
+            <a:ext cx="2631233" cy="345232"/>
+          </a:xfrm>
+          <a:prstGeom prst="rightArrow">
+            <a:avLst/>
+          </a:prstGeom>
+        </p:spPr>
+        <p:style>
+          <a:lnRef idx="2">
+            <a:schemeClr val="accent1">
+              <a:shade val="15000"/>
+            </a:schemeClr>
+          </a:lnRef>
+          <a:fillRef idx="1">
+            <a:schemeClr val="accent1"/>
+          </a:fillRef>
+          <a:effectRef idx="0">
+            <a:schemeClr val="accent1"/>
+          </a:effectRef>
+          <a:fontRef idx="minor">
+            <a:schemeClr val="lt1"/>
+          </a:fontRef>
+        </p:style>
+        <p:txBody>
+          <a:bodyPr rtlCol="0" anchor="ctr"/>
+          <a:lstStyle/>
+          <a:p>
+            <a:pPr algn="ctr"/>
+            <a:endParaRPr lang="en-US"/>
+          </a:p>
+        </p:txBody>
+      </p:sp>
+      <p:sp>
+        <p:nvSpPr>
+          <p:cNvPr id="7" name="TextBox 6">
+            <a:extLst>
+              <a:ext uri="{FF2B5EF4-FFF2-40B4-BE49-F238E27FC236}">
+                <a16:creationId xmlns:a16="http://schemas.microsoft.com/office/drawing/2014/main" id="{D1221BA4-D005-307E-E80F-02B343492C3C}"/>
+              </a:ext>
+            </a:extLst>
+          </p:cNvPr>
+          <p:cNvSpPr txBox="1"/>
+          <p:nvPr/>
+        </p:nvSpPr>
+        <p:spPr>
+          <a:xfrm>
+            <a:off x="5626358" y="2323322"/>
+            <a:ext cx="2379305" cy="646331"/>
+          </a:xfrm>
+          <a:prstGeom prst="rect">
+            <a:avLst/>
+          </a:prstGeom>
+          <a:noFill/>
+        </p:spPr>
+        <p:txBody>
+          <a:bodyPr wrap="square" rtlCol="0">
+            <a:spAutoFit/>
+          </a:bodyPr>
+          <a:lstStyle/>
+          <a:p>
+            <a:r>
+              <a:rPr lang="en-US" dirty="0" err="1"/>
+              <a:t>TaxInstance</a:t>
+            </a:r>
+            <a:r>
+              <a:rPr lang="en-US" dirty="0"/>
+              <a:t> based on </a:t>
+            </a:r>
+            <a:r>
+              <a:rPr lang="en-US" dirty="0" err="1"/>
+              <a:t>TaxType</a:t>
+            </a:r>
+            <a:r>
+              <a:rPr lang="en-US" dirty="0"/>
+              <a:t> and Amount</a:t>
+            </a:r>
+          </a:p>
+        </p:txBody>
+      </p:sp>
+      <p:sp>
+        <p:nvSpPr>
+          <p:cNvPr id="8" name="Rectangle 7">
+            <a:extLst>
+              <a:ext uri="{FF2B5EF4-FFF2-40B4-BE49-F238E27FC236}">
+                <a16:creationId xmlns:a16="http://schemas.microsoft.com/office/drawing/2014/main" id="{9D441B56-7DDB-EDB4-8500-F9001AB36995}"/>
+              </a:ext>
+            </a:extLst>
+          </p:cNvPr>
+          <p:cNvSpPr/>
+          <p:nvPr/>
+        </p:nvSpPr>
+        <p:spPr>
+          <a:xfrm>
+            <a:off x="8182946" y="2127380"/>
+            <a:ext cx="1735495" cy="2015412"/>
+          </a:xfrm>
+          <a:prstGeom prst="rect">
+            <a:avLst/>
+          </a:prstGeom>
+        </p:spPr>
+        <p:style>
+          <a:lnRef idx="2">
+            <a:schemeClr val="accent1">
+              <a:shade val="15000"/>
+            </a:schemeClr>
+          </a:lnRef>
+          <a:fillRef idx="1">
+            <a:schemeClr val="accent1"/>
+          </a:fillRef>
+          <a:effectRef idx="0">
+            <a:schemeClr val="accent1"/>
+          </a:effectRef>
+          <a:fontRef idx="minor">
+            <a:schemeClr val="lt1"/>
+          </a:fontRef>
+        </p:style>
+        <p:txBody>
+          <a:bodyPr rtlCol="0" anchor="ctr"/>
+          <a:lstStyle/>
+          <a:p>
+            <a:pPr algn="ctr"/>
+            <a:r>
+              <a:rPr lang="en-US" dirty="0" err="1"/>
+              <a:t>TaxAclculator</a:t>
+            </a:r>
+            <a:endParaRPr lang="en-US" dirty="0"/>
+          </a:p>
+        </p:txBody>
+      </p:sp>
+      <p:sp>
+        <p:nvSpPr>
+          <p:cNvPr id="9" name="Rectangle 8">
+            <a:extLst>
+              <a:ext uri="{FF2B5EF4-FFF2-40B4-BE49-F238E27FC236}">
+                <a16:creationId xmlns:a16="http://schemas.microsoft.com/office/drawing/2014/main" id="{A9E3A53A-EDB3-C924-C469-D4F2CE43946A}"/>
+              </a:ext>
+            </a:extLst>
+          </p:cNvPr>
+          <p:cNvSpPr/>
+          <p:nvPr/>
+        </p:nvSpPr>
+        <p:spPr>
+          <a:xfrm>
+            <a:off x="10356980" y="541176"/>
+            <a:ext cx="1670179" cy="1399591"/>
+          </a:xfrm>
+          <a:prstGeom prst="rect">
+            <a:avLst/>
+          </a:prstGeom>
+        </p:spPr>
+        <p:style>
+          <a:lnRef idx="2">
+            <a:schemeClr val="accent1">
+              <a:shade val="15000"/>
+            </a:schemeClr>
+          </a:lnRef>
+          <a:fillRef idx="1">
+            <a:schemeClr val="accent1"/>
+          </a:fillRef>
+          <a:effectRef idx="0">
+            <a:schemeClr val="accent1"/>
+          </a:effectRef>
+          <a:fontRef idx="minor">
+            <a:schemeClr val="lt1"/>
+          </a:fontRef>
+        </p:style>
+        <p:txBody>
+          <a:bodyPr rtlCol="0" anchor="ctr"/>
+          <a:lstStyle/>
+          <a:p>
+            <a:pPr algn="ctr"/>
+            <a:r>
+              <a:rPr lang="en-US" dirty="0"/>
+              <a:t>TDS Calculator</a:t>
+            </a:r>
+          </a:p>
+        </p:txBody>
+      </p:sp>
+      <p:cxnSp>
+        <p:nvCxnSpPr>
+          <p:cNvPr id="11" name="Connector: Elbow 10">
+            <a:extLst>
+              <a:ext uri="{FF2B5EF4-FFF2-40B4-BE49-F238E27FC236}">
+                <a16:creationId xmlns:a16="http://schemas.microsoft.com/office/drawing/2014/main" id="{070C9F69-E698-0F4F-8247-DE869F9BFF5C}"/>
+              </a:ext>
+            </a:extLst>
+          </p:cNvPr>
+          <p:cNvCxnSpPr>
+            <a:stCxn id="8" idx="0"/>
+            <a:endCxn id="9" idx="1"/>
+          </p:cNvCxnSpPr>
+          <p:nvPr/>
+        </p:nvCxnSpPr>
+        <p:spPr>
+          <a:xfrm rot="5400000" flipH="1" flipV="1">
+            <a:off x="9260633" y="1031033"/>
+            <a:ext cx="886408" cy="1306286"/>
+          </a:xfrm>
+          <a:prstGeom prst="bentConnector2">
+            <a:avLst/>
+          </a:prstGeom>
+          <a:ln>
+            <a:headEnd type="triangle"/>
+            <a:tailEnd type="triangle"/>
+          </a:ln>
+        </p:spPr>
+        <p:style>
+          <a:lnRef idx="1">
+            <a:schemeClr val="accent1"/>
+          </a:lnRef>
+          <a:fillRef idx="0">
+            <a:schemeClr val="accent1"/>
+          </a:fillRef>
+          <a:effectRef idx="0">
+            <a:schemeClr val="accent1"/>
+          </a:effectRef>
+          <a:fontRef idx="minor">
+            <a:schemeClr val="tx1"/>
+          </a:fontRef>
+        </p:style>
+      </p:cxnSp>
+      <p:sp>
+        <p:nvSpPr>
+          <p:cNvPr id="12" name="Rectangle 11">
+            <a:extLst>
+              <a:ext uri="{FF2B5EF4-FFF2-40B4-BE49-F238E27FC236}">
+                <a16:creationId xmlns:a16="http://schemas.microsoft.com/office/drawing/2014/main" id="{6052E987-5523-C47A-8D85-61D2F2A1B8FF}"/>
+              </a:ext>
+            </a:extLst>
+          </p:cNvPr>
+          <p:cNvSpPr/>
+          <p:nvPr/>
+        </p:nvSpPr>
+        <p:spPr>
+          <a:xfrm>
+            <a:off x="10356979" y="4332515"/>
+            <a:ext cx="1670179" cy="1399591"/>
+          </a:xfrm>
+          <a:prstGeom prst="rect">
+            <a:avLst/>
+          </a:prstGeom>
+        </p:spPr>
+        <p:style>
+          <a:lnRef idx="2">
+            <a:schemeClr val="accent1">
+              <a:shade val="15000"/>
+            </a:schemeClr>
+          </a:lnRef>
+          <a:fillRef idx="1">
+            <a:schemeClr val="accent1"/>
+          </a:fillRef>
+          <a:effectRef idx="0">
+            <a:schemeClr val="accent1"/>
+          </a:effectRef>
+          <a:fontRef idx="minor">
+            <a:schemeClr val="lt1"/>
+          </a:fontRef>
+        </p:style>
+        <p:txBody>
+          <a:bodyPr rtlCol="0" anchor="ctr"/>
+          <a:lstStyle/>
+          <a:p>
+            <a:pPr algn="ctr"/>
+            <a:r>
+              <a:rPr lang="en-US" dirty="0"/>
+              <a:t>GST Calculator</a:t>
+            </a:r>
+          </a:p>
+        </p:txBody>
+      </p:sp>
+      <p:cxnSp>
+        <p:nvCxnSpPr>
+          <p:cNvPr id="14" name="Connector: Elbow 13">
+            <a:extLst>
+              <a:ext uri="{FF2B5EF4-FFF2-40B4-BE49-F238E27FC236}">
+                <a16:creationId xmlns:a16="http://schemas.microsoft.com/office/drawing/2014/main" id="{B7795AE7-EE55-4604-4BC6-9DA4E41D28D4}"/>
+              </a:ext>
+            </a:extLst>
+          </p:cNvPr>
+          <p:cNvCxnSpPr>
+            <a:stCxn id="8" idx="2"/>
+            <a:endCxn id="12" idx="1"/>
+          </p:cNvCxnSpPr>
+          <p:nvPr/>
+        </p:nvCxnSpPr>
+        <p:spPr>
+          <a:xfrm rot="16200000" flipH="1">
+            <a:off x="9259077" y="3934408"/>
+            <a:ext cx="889519" cy="1306285"/>
+          </a:xfrm>
+          <a:prstGeom prst="bentConnector2">
+            <a:avLst/>
+          </a:prstGeom>
+          <a:ln>
+            <a:headEnd type="triangle"/>
+            <a:tailEnd type="triangle"/>
+          </a:ln>
+        </p:spPr>
+        <p:style>
+          <a:lnRef idx="1">
+            <a:schemeClr val="accent1"/>
+          </a:lnRef>
+          <a:fillRef idx="0">
+            <a:schemeClr val="accent1"/>
+          </a:fillRef>
+          <a:effectRef idx="0">
+            <a:schemeClr val="accent1"/>
+          </a:effectRef>
+          <a:fontRef idx="minor">
+            <a:schemeClr val="tx1"/>
+          </a:fontRef>
+        </p:style>
+      </p:cxnSp>
+      <p:cxnSp>
+        <p:nvCxnSpPr>
+          <p:cNvPr id="16" name="Connector: Elbow 15">
+            <a:extLst>
+              <a:ext uri="{FF2B5EF4-FFF2-40B4-BE49-F238E27FC236}">
+                <a16:creationId xmlns:a16="http://schemas.microsoft.com/office/drawing/2014/main" id="{4E0E1C7B-CEF6-D26B-C2A8-F57C66A21117}"/>
+              </a:ext>
+            </a:extLst>
+          </p:cNvPr>
+          <p:cNvCxnSpPr>
+            <a:stCxn id="8" idx="2"/>
+            <a:endCxn id="4" idx="2"/>
+          </p:cNvCxnSpPr>
+          <p:nvPr/>
+        </p:nvCxnSpPr>
+        <p:spPr>
+          <a:xfrm rot="5400000" flipH="1">
+            <a:off x="6742534" y="1834632"/>
+            <a:ext cx="324238" cy="4292082"/>
+          </a:xfrm>
+          <a:prstGeom prst="bentConnector3">
+            <a:avLst>
+              <a:gd name="adj1" fmla="val -70504"/>
+            </a:avLst>
+          </a:prstGeom>
+          <a:ln>
+            <a:tailEnd type="triangle"/>
+          </a:ln>
+        </p:spPr>
+        <p:style>
+          <a:lnRef idx="1">
+            <a:schemeClr val="accent1"/>
+          </a:lnRef>
+          <a:fillRef idx="0">
+            <a:schemeClr val="accent1"/>
+          </a:fillRef>
+          <a:effectRef idx="0">
+            <a:schemeClr val="accent1"/>
+          </a:effectRef>
+          <a:fontRef idx="minor">
+            <a:schemeClr val="tx1"/>
+          </a:fontRef>
+        </p:style>
+      </p:cxnSp>
+      <p:cxnSp>
+        <p:nvCxnSpPr>
+          <p:cNvPr id="18" name="Connector: Elbow 17">
+            <a:extLst>
+              <a:ext uri="{FF2B5EF4-FFF2-40B4-BE49-F238E27FC236}">
+                <a16:creationId xmlns:a16="http://schemas.microsoft.com/office/drawing/2014/main" id="{B6C030C5-C2EE-F336-2B73-C576FF7E5061}"/>
+              </a:ext>
+            </a:extLst>
+          </p:cNvPr>
+          <p:cNvCxnSpPr>
+            <a:stCxn id="4" idx="2"/>
+            <a:endCxn id="2" idx="2"/>
+          </p:cNvCxnSpPr>
+          <p:nvPr/>
+        </p:nvCxnSpPr>
+        <p:spPr>
+          <a:xfrm rot="5400000" flipH="1">
+            <a:off x="2774691" y="1834633"/>
+            <a:ext cx="389554" cy="3578289"/>
+          </a:xfrm>
+          <a:prstGeom prst="bentConnector3">
+            <a:avLst>
+              <a:gd name="adj1" fmla="val -58682"/>
+            </a:avLst>
+          </a:prstGeom>
+          <a:ln>
+            <a:tailEnd type="triangle"/>
+          </a:ln>
+        </p:spPr>
+        <p:style>
+          <a:lnRef idx="1">
+            <a:schemeClr val="accent1"/>
+          </a:lnRef>
+          <a:fillRef idx="0">
+            <a:schemeClr val="accent1"/>
+          </a:fillRef>
+          <a:effectRef idx="0">
+            <a:schemeClr val="accent1"/>
+          </a:effectRef>
+          <a:fontRef idx="minor">
+            <a:schemeClr val="tx1"/>
+          </a:fontRef>
+        </p:style>
+      </p:cxnSp>
+    </p:spTree>
+    <p:extLst>
+      <p:ext uri="{BB962C8B-B14F-4D97-AF65-F5344CB8AC3E}">
+        <p14:creationId xmlns:p14="http://schemas.microsoft.com/office/powerpoint/2010/main" val="3968189480"/>
+      </p:ext>
+    </p:extLst>
+  </p:cSld>
+  <p:clrMapOvr>
+    <a:masterClrMapping/>
+  </p:clrMapOvr>
+</p:sld>
+</file>
+
+<file path=ppt/slides/slide19.xml><?xml version="1.0" encoding="utf-8"?>
 <p:sld xmlns:a="http://schemas.openxmlformats.org/drawingml/2006/main" xmlns:r="http://schemas.openxmlformats.org/officeDocument/2006/relationships" xmlns:p="http://schemas.openxmlformats.org/presentationml/2006/main">
   <p:cSld>
     <p:spTree>
@@ -8313,6 +11220,2378 @@
 </p:sld>
 </file>
 
+<file path=ppt/slides/slide20.xml><?xml version="1.0" encoding="utf-8"?>
+<p:sld xmlns:a="http://schemas.openxmlformats.org/drawingml/2006/main" xmlns:r="http://schemas.openxmlformats.org/officeDocument/2006/relationships" xmlns:p="http://schemas.openxmlformats.org/presentationml/2006/main">
+  <p:cSld>
+    <p:spTree>
+      <p:nvGrpSpPr>
+        <p:cNvPr id="1" name=""/>
+        <p:cNvGrpSpPr/>
+        <p:nvPr/>
+      </p:nvGrpSpPr>
+      <p:grpSpPr>
+        <a:xfrm>
+          <a:off x="0" y="0"/>
+          <a:ext cx="0" cy="0"/>
+          <a:chOff x="0" y="0"/>
+          <a:chExt cx="0" cy="0"/>
+        </a:xfrm>
+      </p:grpSpPr>
+      <p:sp>
+        <p:nvSpPr>
+          <p:cNvPr id="2" name="Rectangle 1">
+            <a:extLst>
+              <a:ext uri="{FF2B5EF4-FFF2-40B4-BE49-F238E27FC236}">
+                <a16:creationId xmlns:a16="http://schemas.microsoft.com/office/drawing/2014/main" id="{43BA2A3F-3C28-3C37-499F-F1A684659F28}"/>
+              </a:ext>
+            </a:extLst>
+          </p:cNvPr>
+          <p:cNvSpPr/>
+          <p:nvPr/>
+        </p:nvSpPr>
+        <p:spPr>
+          <a:xfrm>
+            <a:off x="8864082" y="339011"/>
+            <a:ext cx="2388636" cy="2043405"/>
+          </a:xfrm>
+          <a:prstGeom prst="rect">
+            <a:avLst/>
+          </a:prstGeom>
+          <a:solidFill>
+            <a:srgbClr val="C00000"/>
+          </a:solidFill>
+        </p:spPr>
+        <p:style>
+          <a:lnRef idx="2">
+            <a:schemeClr val="accent1">
+              <a:shade val="15000"/>
+            </a:schemeClr>
+          </a:lnRef>
+          <a:fillRef idx="1">
+            <a:schemeClr val="accent1"/>
+          </a:fillRef>
+          <a:effectRef idx="0">
+            <a:schemeClr val="accent1"/>
+          </a:effectRef>
+          <a:fontRef idx="minor">
+            <a:schemeClr val="lt1"/>
+          </a:fontRef>
+        </p:style>
+        <p:txBody>
+          <a:bodyPr rtlCol="0" anchor="ctr"/>
+          <a:lstStyle/>
+          <a:p>
+            <a:pPr algn="ctr"/>
+            <a:r>
+              <a:rPr lang="en-US" dirty="0"/>
+              <a:t>Bank</a:t>
+            </a:r>
+          </a:p>
+          <a:p>
+            <a:pPr algn="ctr"/>
+            <a:r>
+              <a:rPr lang="en-US" dirty="0"/>
+              <a:t>Logic For</a:t>
+            </a:r>
+          </a:p>
+          <a:p>
+            <a:pPr algn="ctr"/>
+            <a:r>
+              <a:rPr lang="en-US" dirty="0"/>
+              <a:t>+Deposit()</a:t>
+            </a:r>
+          </a:p>
+          <a:p>
+            <a:pPr algn="ctr"/>
+            <a:r>
+              <a:rPr lang="en-US" dirty="0"/>
+              <a:t>+Withdrawal()</a:t>
+            </a:r>
+          </a:p>
+        </p:txBody>
+      </p:sp>
+      <p:sp>
+        <p:nvSpPr>
+          <p:cNvPr id="3" name="Rectangle 2">
+            <a:extLst>
+              <a:ext uri="{FF2B5EF4-FFF2-40B4-BE49-F238E27FC236}">
+                <a16:creationId xmlns:a16="http://schemas.microsoft.com/office/drawing/2014/main" id="{08989388-E616-3EDE-36EF-DB6EAC2D9EC5}"/>
+              </a:ext>
+            </a:extLst>
+          </p:cNvPr>
+          <p:cNvSpPr/>
+          <p:nvPr/>
+        </p:nvSpPr>
+        <p:spPr>
+          <a:xfrm>
+            <a:off x="572278" y="339011"/>
+            <a:ext cx="2388636" cy="2043405"/>
+          </a:xfrm>
+          <a:prstGeom prst="rect">
+            <a:avLst/>
+          </a:prstGeom>
+          <a:solidFill>
+            <a:srgbClr val="FFC000"/>
+          </a:solidFill>
+        </p:spPr>
+        <p:style>
+          <a:lnRef idx="2">
+            <a:schemeClr val="accent1">
+              <a:shade val="15000"/>
+            </a:schemeClr>
+          </a:lnRef>
+          <a:fillRef idx="1">
+            <a:schemeClr val="accent1"/>
+          </a:fillRef>
+          <a:effectRef idx="0">
+            <a:schemeClr val="accent1"/>
+          </a:effectRef>
+          <a:fontRef idx="minor">
+            <a:schemeClr val="lt1"/>
+          </a:fontRef>
+        </p:style>
+        <p:txBody>
+          <a:bodyPr rtlCol="0" anchor="ctr"/>
+          <a:lstStyle/>
+          <a:p>
+            <a:pPr algn="ctr"/>
+            <a:r>
+              <a:rPr lang="en-US" dirty="0"/>
+              <a:t>Account Holder / Client</a:t>
+            </a:r>
+          </a:p>
+          <a:p>
+            <a:pPr algn="ctr"/>
+            <a:endParaRPr lang="en-US" dirty="0"/>
+          </a:p>
+          <a:p>
+            <a:pPr algn="ctr"/>
+            <a:r>
+              <a:rPr lang="en-US" dirty="0"/>
+              <a:t>JIO / Vodafone / Airtel</a:t>
+            </a:r>
+          </a:p>
+          <a:p>
+            <a:pPr algn="ctr"/>
+            <a:r>
+              <a:rPr lang="en-US" dirty="0"/>
+              <a:t> Hotmail / </a:t>
+            </a:r>
+            <a:r>
+              <a:rPr lang="en-US" dirty="0" err="1"/>
+              <a:t>GMail</a:t>
+            </a:r>
+            <a:endParaRPr lang="en-US" dirty="0"/>
+          </a:p>
+        </p:txBody>
+      </p:sp>
+      <p:sp>
+        <p:nvSpPr>
+          <p:cNvPr id="4" name="Arrow: Right 3">
+            <a:extLst>
+              <a:ext uri="{FF2B5EF4-FFF2-40B4-BE49-F238E27FC236}">
+                <a16:creationId xmlns:a16="http://schemas.microsoft.com/office/drawing/2014/main" id="{C66BBD8A-D2E5-B343-AEC8-E5DEE0ED6B49}"/>
+              </a:ext>
+            </a:extLst>
+          </p:cNvPr>
+          <p:cNvSpPr/>
+          <p:nvPr/>
+        </p:nvSpPr>
+        <p:spPr>
+          <a:xfrm>
+            <a:off x="2960914" y="793102"/>
+            <a:ext cx="5903168" cy="793102"/>
+          </a:xfrm>
+          <a:prstGeom prst="rightArrow">
+            <a:avLst/>
+          </a:prstGeom>
+        </p:spPr>
+        <p:style>
+          <a:lnRef idx="2">
+            <a:schemeClr val="accent1">
+              <a:shade val="15000"/>
+            </a:schemeClr>
+          </a:lnRef>
+          <a:fillRef idx="1">
+            <a:schemeClr val="accent1"/>
+          </a:fillRef>
+          <a:effectRef idx="0">
+            <a:schemeClr val="accent1"/>
+          </a:effectRef>
+          <a:fontRef idx="minor">
+            <a:schemeClr val="lt1"/>
+          </a:fontRef>
+        </p:style>
+        <p:txBody>
+          <a:bodyPr rtlCol="0" anchor="ctr"/>
+          <a:lstStyle/>
+          <a:p>
+            <a:pPr algn="ctr"/>
+            <a:r>
+              <a:rPr lang="en-US" dirty="0"/>
+              <a:t>Request Deposit and/or Withdrawal</a:t>
+            </a:r>
+          </a:p>
+        </p:txBody>
+      </p:sp>
+      <p:cxnSp>
+        <p:nvCxnSpPr>
+          <p:cNvPr id="6" name="Connector: Elbow 5">
+            <a:extLst>
+              <a:ext uri="{FF2B5EF4-FFF2-40B4-BE49-F238E27FC236}">
+                <a16:creationId xmlns:a16="http://schemas.microsoft.com/office/drawing/2014/main" id="{BF48772D-915A-A953-8AEA-4588BEB237F2}"/>
+              </a:ext>
+            </a:extLst>
+          </p:cNvPr>
+          <p:cNvCxnSpPr>
+            <a:stCxn id="2" idx="2"/>
+            <a:endCxn id="3" idx="2"/>
+          </p:cNvCxnSpPr>
+          <p:nvPr/>
+        </p:nvCxnSpPr>
+        <p:spPr>
+          <a:xfrm rot="5400000">
+            <a:off x="5912498" y="-1763486"/>
+            <a:ext cx="12700" cy="8291804"/>
+          </a:xfrm>
+          <a:prstGeom prst="bentConnector3">
+            <a:avLst>
+              <a:gd name="adj1" fmla="val 1800000"/>
+            </a:avLst>
+          </a:prstGeom>
+          <a:ln w="76200">
+            <a:prstDash val="dashDot"/>
+            <a:tailEnd type="triangle"/>
+          </a:ln>
+        </p:spPr>
+        <p:style>
+          <a:lnRef idx="1">
+            <a:schemeClr val="accent1"/>
+          </a:lnRef>
+          <a:fillRef idx="0">
+            <a:schemeClr val="accent1"/>
+          </a:fillRef>
+          <a:effectRef idx="0">
+            <a:schemeClr val="accent1"/>
+          </a:effectRef>
+          <a:fontRef idx="minor">
+            <a:schemeClr val="tx1"/>
+          </a:fontRef>
+        </p:style>
+      </p:cxnSp>
+      <p:sp>
+        <p:nvSpPr>
+          <p:cNvPr id="7" name="TextBox 6">
+            <a:extLst>
+              <a:ext uri="{FF2B5EF4-FFF2-40B4-BE49-F238E27FC236}">
+                <a16:creationId xmlns:a16="http://schemas.microsoft.com/office/drawing/2014/main" id="{4B782E07-9EAE-8D9E-6FE6-0983C7F59399}"/>
+              </a:ext>
+            </a:extLst>
+          </p:cNvPr>
+          <p:cNvSpPr txBox="1"/>
+          <p:nvPr/>
+        </p:nvSpPr>
+        <p:spPr>
+          <a:xfrm>
+            <a:off x="3741576" y="2761861"/>
+            <a:ext cx="4469363" cy="923330"/>
+          </a:xfrm>
+          <a:prstGeom prst="rect">
+            <a:avLst/>
+          </a:prstGeom>
+          <a:noFill/>
+        </p:spPr>
+        <p:txBody>
+          <a:bodyPr wrap="square" rtlCol="0">
+            <a:spAutoFit/>
+          </a:bodyPr>
+          <a:lstStyle/>
+          <a:p>
+            <a:pPr algn="ctr"/>
+            <a:r>
+              <a:rPr lang="en-US" b="1" dirty="0"/>
+              <a:t>Decoupled Notifications</a:t>
+            </a:r>
+          </a:p>
+          <a:p>
+            <a:pPr algn="ctr"/>
+            <a:r>
+              <a:rPr lang="en-US" b="1" dirty="0"/>
+              <a:t>Email</a:t>
+            </a:r>
+          </a:p>
+          <a:p>
+            <a:pPr algn="ctr"/>
+            <a:r>
+              <a:rPr lang="en-US" b="1" dirty="0"/>
+              <a:t>SMS</a:t>
+            </a:r>
+          </a:p>
+        </p:txBody>
+      </p:sp>
+      <p:sp>
+        <p:nvSpPr>
+          <p:cNvPr id="8" name="Rectangle 7">
+            <a:extLst>
+              <a:ext uri="{FF2B5EF4-FFF2-40B4-BE49-F238E27FC236}">
+                <a16:creationId xmlns:a16="http://schemas.microsoft.com/office/drawing/2014/main" id="{E4668D4D-87E7-D9B6-3E58-9B40FAAE6D36}"/>
+              </a:ext>
+            </a:extLst>
+          </p:cNvPr>
+          <p:cNvSpPr/>
+          <p:nvPr/>
+        </p:nvSpPr>
+        <p:spPr>
+          <a:xfrm>
+            <a:off x="7865707" y="3413320"/>
+            <a:ext cx="3079102" cy="1607976"/>
+          </a:xfrm>
+          <a:prstGeom prst="rect">
+            <a:avLst/>
+          </a:prstGeom>
+          <a:solidFill>
+            <a:srgbClr val="7030A0"/>
+          </a:solidFill>
+        </p:spPr>
+        <p:style>
+          <a:lnRef idx="2">
+            <a:schemeClr val="accent1">
+              <a:shade val="15000"/>
+            </a:schemeClr>
+          </a:lnRef>
+          <a:fillRef idx="1">
+            <a:schemeClr val="accent1"/>
+          </a:fillRef>
+          <a:effectRef idx="0">
+            <a:schemeClr val="accent1"/>
+          </a:effectRef>
+          <a:fontRef idx="minor">
+            <a:schemeClr val="lt1"/>
+          </a:fontRef>
+        </p:style>
+        <p:txBody>
+          <a:bodyPr rtlCol="0" anchor="ctr"/>
+          <a:lstStyle/>
+          <a:p>
+            <a:pPr algn="ctr"/>
+            <a:r>
+              <a:rPr lang="en-US" dirty="0"/>
+              <a:t>Messaging Notification System</a:t>
+            </a:r>
+          </a:p>
+          <a:p>
+            <a:pPr algn="ctr"/>
+            <a:endParaRPr lang="en-US" dirty="0"/>
+          </a:p>
+          <a:p>
+            <a:pPr algn="ctr"/>
+            <a:r>
+              <a:rPr lang="en-US" dirty="0"/>
+              <a:t>Email / SMS </a:t>
+            </a:r>
+          </a:p>
+        </p:txBody>
+      </p:sp>
+      <p:cxnSp>
+        <p:nvCxnSpPr>
+          <p:cNvPr id="10" name="Connector: Elbow 9">
+            <a:extLst>
+              <a:ext uri="{FF2B5EF4-FFF2-40B4-BE49-F238E27FC236}">
+                <a16:creationId xmlns:a16="http://schemas.microsoft.com/office/drawing/2014/main" id="{D32AE2F0-272B-E3E1-941A-71691D6DF311}"/>
+              </a:ext>
+            </a:extLst>
+          </p:cNvPr>
+          <p:cNvCxnSpPr>
+            <a:stCxn id="2" idx="3"/>
+            <a:endCxn id="8" idx="3"/>
+          </p:cNvCxnSpPr>
+          <p:nvPr/>
+        </p:nvCxnSpPr>
+        <p:spPr>
+          <a:xfrm flipH="1">
+            <a:off x="10944809" y="1360714"/>
+            <a:ext cx="307909" cy="2856594"/>
+          </a:xfrm>
+          <a:prstGeom prst="bentConnector3">
+            <a:avLst>
+              <a:gd name="adj1" fmla="val -74243"/>
+            </a:avLst>
+          </a:prstGeom>
+          <a:ln>
+            <a:tailEnd type="triangle"/>
+          </a:ln>
+        </p:spPr>
+        <p:style>
+          <a:lnRef idx="1">
+            <a:schemeClr val="accent1"/>
+          </a:lnRef>
+          <a:fillRef idx="0">
+            <a:schemeClr val="accent1"/>
+          </a:fillRef>
+          <a:effectRef idx="0">
+            <a:schemeClr val="accent1"/>
+          </a:effectRef>
+          <a:fontRef idx="minor">
+            <a:schemeClr val="tx1"/>
+          </a:fontRef>
+        </p:style>
+      </p:cxnSp>
+      <p:sp>
+        <p:nvSpPr>
+          <p:cNvPr id="11" name="TextBox 10">
+            <a:extLst>
+              <a:ext uri="{FF2B5EF4-FFF2-40B4-BE49-F238E27FC236}">
+                <a16:creationId xmlns:a16="http://schemas.microsoft.com/office/drawing/2014/main" id="{8107241C-069A-B3A3-124D-83401B352D0F}"/>
+              </a:ext>
+            </a:extLst>
+          </p:cNvPr>
+          <p:cNvSpPr txBox="1"/>
+          <p:nvPr/>
+        </p:nvSpPr>
+        <p:spPr>
+          <a:xfrm>
+            <a:off x="9218645" y="2653530"/>
+            <a:ext cx="2892490" cy="584775"/>
+          </a:xfrm>
+          <a:prstGeom prst="rect">
+            <a:avLst/>
+          </a:prstGeom>
+          <a:noFill/>
+        </p:spPr>
+        <p:txBody>
+          <a:bodyPr wrap="square" rtlCol="0">
+            <a:spAutoFit/>
+          </a:bodyPr>
+          <a:lstStyle/>
+          <a:p>
+            <a:r>
+              <a:rPr lang="en-US" sz="1600" b="1" dirty="0"/>
+              <a:t>Transaction Information Delegated to Messaging System</a:t>
+            </a:r>
+          </a:p>
+        </p:txBody>
+      </p:sp>
+      <p:sp>
+        <p:nvSpPr>
+          <p:cNvPr id="12" name="Flowchart: Extract 11">
+            <a:extLst>
+              <a:ext uri="{FF2B5EF4-FFF2-40B4-BE49-F238E27FC236}">
+                <a16:creationId xmlns:a16="http://schemas.microsoft.com/office/drawing/2014/main" id="{09D88621-6B5E-E757-0B0F-66ABF8F223D2}"/>
+              </a:ext>
+            </a:extLst>
+          </p:cNvPr>
+          <p:cNvSpPr/>
+          <p:nvPr/>
+        </p:nvSpPr>
+        <p:spPr>
+          <a:xfrm>
+            <a:off x="4180114" y="4356997"/>
+            <a:ext cx="2435289" cy="1754154"/>
+          </a:xfrm>
+          <a:prstGeom prst="flowChartExtract">
+            <a:avLst/>
+          </a:prstGeom>
+          <a:solidFill>
+            <a:srgbClr val="002060"/>
+          </a:solidFill>
+        </p:spPr>
+        <p:style>
+          <a:lnRef idx="2">
+            <a:schemeClr val="accent1">
+              <a:shade val="15000"/>
+            </a:schemeClr>
+          </a:lnRef>
+          <a:fillRef idx="1">
+            <a:schemeClr val="accent1"/>
+          </a:fillRef>
+          <a:effectRef idx="0">
+            <a:schemeClr val="accent1"/>
+          </a:effectRef>
+          <a:fontRef idx="minor">
+            <a:schemeClr val="lt1"/>
+          </a:fontRef>
+        </p:style>
+        <p:txBody>
+          <a:bodyPr rtlCol="0" anchor="ctr"/>
+          <a:lstStyle/>
+          <a:p>
+            <a:pPr algn="ctr"/>
+            <a:r>
+              <a:rPr lang="en-US" dirty="0"/>
+              <a:t>Mobile / Email Provider</a:t>
+            </a:r>
+          </a:p>
+        </p:txBody>
+      </p:sp>
+      <p:cxnSp>
+        <p:nvCxnSpPr>
+          <p:cNvPr id="14" name="Connector: Elbow 13">
+            <a:extLst>
+              <a:ext uri="{FF2B5EF4-FFF2-40B4-BE49-F238E27FC236}">
+                <a16:creationId xmlns:a16="http://schemas.microsoft.com/office/drawing/2014/main" id="{1499C6CF-F4B6-09ED-C7A8-E804C7D8A387}"/>
+              </a:ext>
+            </a:extLst>
+          </p:cNvPr>
+          <p:cNvCxnSpPr>
+            <a:stCxn id="8" idx="1"/>
+            <a:endCxn id="12" idx="3"/>
+          </p:cNvCxnSpPr>
+          <p:nvPr/>
+        </p:nvCxnSpPr>
+        <p:spPr>
+          <a:xfrm rot="10800000" flipV="1">
+            <a:off x="6006581" y="4217308"/>
+            <a:ext cx="1859126" cy="1016766"/>
+          </a:xfrm>
+          <a:prstGeom prst="bentConnector3">
+            <a:avLst/>
+          </a:prstGeom>
+          <a:ln>
+            <a:tailEnd type="triangle"/>
+          </a:ln>
+        </p:spPr>
+        <p:style>
+          <a:lnRef idx="1">
+            <a:schemeClr val="accent1"/>
+          </a:lnRef>
+          <a:fillRef idx="0">
+            <a:schemeClr val="accent1"/>
+          </a:fillRef>
+          <a:effectRef idx="0">
+            <a:schemeClr val="accent1"/>
+          </a:effectRef>
+          <a:fontRef idx="minor">
+            <a:schemeClr val="tx1"/>
+          </a:fontRef>
+        </p:style>
+      </p:cxnSp>
+      <p:cxnSp>
+        <p:nvCxnSpPr>
+          <p:cNvPr id="16" name="Connector: Elbow 15">
+            <a:extLst>
+              <a:ext uri="{FF2B5EF4-FFF2-40B4-BE49-F238E27FC236}">
+                <a16:creationId xmlns:a16="http://schemas.microsoft.com/office/drawing/2014/main" id="{F70BB361-67B2-9CF3-FE12-A0109A93778D}"/>
+              </a:ext>
+            </a:extLst>
+          </p:cNvPr>
+          <p:cNvCxnSpPr>
+            <a:stCxn id="12" idx="1"/>
+            <a:endCxn id="3" idx="1"/>
+          </p:cNvCxnSpPr>
+          <p:nvPr/>
+        </p:nvCxnSpPr>
+        <p:spPr>
+          <a:xfrm rot="10800000">
+            <a:off x="572278" y="1360714"/>
+            <a:ext cx="4216658" cy="3873360"/>
+          </a:xfrm>
+          <a:prstGeom prst="bentConnector3">
+            <a:avLst>
+              <a:gd name="adj1" fmla="val 105421"/>
+            </a:avLst>
+          </a:prstGeom>
+          <a:ln>
+            <a:tailEnd type="triangle"/>
+          </a:ln>
+        </p:spPr>
+        <p:style>
+          <a:lnRef idx="1">
+            <a:schemeClr val="accent1"/>
+          </a:lnRef>
+          <a:fillRef idx="0">
+            <a:schemeClr val="accent1"/>
+          </a:fillRef>
+          <a:effectRef idx="0">
+            <a:schemeClr val="accent1"/>
+          </a:effectRef>
+          <a:fontRef idx="minor">
+            <a:schemeClr val="tx1"/>
+          </a:fontRef>
+        </p:style>
+      </p:cxnSp>
+      <p:sp>
+        <p:nvSpPr>
+          <p:cNvPr id="17" name="TextBox 16">
+            <a:extLst>
+              <a:ext uri="{FF2B5EF4-FFF2-40B4-BE49-F238E27FC236}">
+                <a16:creationId xmlns:a16="http://schemas.microsoft.com/office/drawing/2014/main" id="{279DC8F5-333B-EE6A-BA0A-8DE7FE3F9627}"/>
+              </a:ext>
+            </a:extLst>
+          </p:cNvPr>
+          <p:cNvSpPr txBox="1"/>
+          <p:nvPr/>
+        </p:nvSpPr>
+        <p:spPr>
+          <a:xfrm>
+            <a:off x="6096000" y="4544008"/>
+            <a:ext cx="1555102" cy="923330"/>
+          </a:xfrm>
+          <a:prstGeom prst="rect">
+            <a:avLst/>
+          </a:prstGeom>
+          <a:noFill/>
+        </p:spPr>
+        <p:txBody>
+          <a:bodyPr wrap="square" rtlCol="0">
+            <a:spAutoFit/>
+          </a:bodyPr>
+          <a:lstStyle/>
+          <a:p>
+            <a:pPr algn="ctr"/>
+            <a:r>
+              <a:rPr lang="en-US" b="1" dirty="0"/>
+              <a:t>Delegate the Message to data  Provider</a:t>
+            </a:r>
+          </a:p>
+        </p:txBody>
+      </p:sp>
+      <p:sp>
+        <p:nvSpPr>
+          <p:cNvPr id="18" name="TextBox 17">
+            <a:extLst>
+              <a:ext uri="{FF2B5EF4-FFF2-40B4-BE49-F238E27FC236}">
+                <a16:creationId xmlns:a16="http://schemas.microsoft.com/office/drawing/2014/main" id="{D5060CDA-211C-CA75-8B85-53AB66A5F357}"/>
+              </a:ext>
+            </a:extLst>
+          </p:cNvPr>
+          <p:cNvSpPr txBox="1"/>
+          <p:nvPr/>
+        </p:nvSpPr>
+        <p:spPr>
+          <a:xfrm>
+            <a:off x="1408143" y="5241311"/>
+            <a:ext cx="3038670" cy="369332"/>
+          </a:xfrm>
+          <a:prstGeom prst="rect">
+            <a:avLst/>
+          </a:prstGeom>
+          <a:noFill/>
+        </p:spPr>
+        <p:txBody>
+          <a:bodyPr wrap="square" rtlCol="0">
+            <a:spAutoFit/>
+          </a:bodyPr>
+          <a:lstStyle/>
+          <a:p>
+            <a:pPr algn="ctr"/>
+            <a:r>
+              <a:rPr lang="en-US" b="1" dirty="0"/>
+              <a:t>Notify back to Client</a:t>
+            </a:r>
+          </a:p>
+        </p:txBody>
+      </p:sp>
+      <p:sp>
+        <p:nvSpPr>
+          <p:cNvPr id="19" name="Lightning Bolt 18">
+            <a:extLst>
+              <a:ext uri="{FF2B5EF4-FFF2-40B4-BE49-F238E27FC236}">
+                <a16:creationId xmlns:a16="http://schemas.microsoft.com/office/drawing/2014/main" id="{810CBB8D-7F21-8376-2EB4-3F825998CA56}"/>
+              </a:ext>
+            </a:extLst>
+          </p:cNvPr>
+          <p:cNvSpPr/>
+          <p:nvPr/>
+        </p:nvSpPr>
+        <p:spPr>
+          <a:xfrm>
+            <a:off x="2885492" y="2921598"/>
+            <a:ext cx="1555102" cy="1194318"/>
+          </a:xfrm>
+          <a:prstGeom prst="lightningBolt">
+            <a:avLst/>
+          </a:prstGeom>
+          <a:solidFill>
+            <a:srgbClr val="FFFF00"/>
+          </a:solidFill>
+        </p:spPr>
+        <p:style>
+          <a:lnRef idx="2">
+            <a:schemeClr val="accent1">
+              <a:shade val="15000"/>
+            </a:schemeClr>
+          </a:lnRef>
+          <a:fillRef idx="1">
+            <a:schemeClr val="accent1"/>
+          </a:fillRef>
+          <a:effectRef idx="0">
+            <a:schemeClr val="accent1"/>
+          </a:effectRef>
+          <a:fontRef idx="minor">
+            <a:schemeClr val="lt1"/>
+          </a:fontRef>
+        </p:style>
+        <p:txBody>
+          <a:bodyPr rtlCol="0" anchor="ctr"/>
+          <a:lstStyle/>
+          <a:p>
+            <a:pPr algn="ctr"/>
+            <a:endParaRPr lang="en-US"/>
+          </a:p>
+        </p:txBody>
+      </p:sp>
+      <p:sp>
+        <p:nvSpPr>
+          <p:cNvPr id="20" name="TextBox 19">
+            <a:extLst>
+              <a:ext uri="{FF2B5EF4-FFF2-40B4-BE49-F238E27FC236}">
+                <a16:creationId xmlns:a16="http://schemas.microsoft.com/office/drawing/2014/main" id="{8B670D0D-9BAA-8E8C-8A58-081224FB088E}"/>
+              </a:ext>
+            </a:extLst>
+          </p:cNvPr>
+          <p:cNvSpPr txBox="1"/>
+          <p:nvPr/>
+        </p:nvSpPr>
+        <p:spPr>
+          <a:xfrm>
+            <a:off x="2242456" y="3850620"/>
+            <a:ext cx="2208245" cy="369332"/>
+          </a:xfrm>
+          <a:prstGeom prst="rect">
+            <a:avLst/>
+          </a:prstGeom>
+          <a:noFill/>
+        </p:spPr>
+        <p:txBody>
+          <a:bodyPr wrap="square" rtlCol="0">
+            <a:spAutoFit/>
+          </a:bodyPr>
+          <a:lstStyle/>
+          <a:p>
+            <a:r>
+              <a:rPr lang="en-US" dirty="0"/>
+              <a:t>Event: </a:t>
+            </a:r>
+            <a:r>
+              <a:rPr lang="en-US" dirty="0" err="1"/>
+              <a:t>UserInRange</a:t>
+            </a:r>
+            <a:endParaRPr lang="en-US" dirty="0"/>
+          </a:p>
+        </p:txBody>
+      </p:sp>
+      <p:cxnSp>
+        <p:nvCxnSpPr>
+          <p:cNvPr id="22" name="Connector: Elbow 21">
+            <a:extLst>
+              <a:ext uri="{FF2B5EF4-FFF2-40B4-BE49-F238E27FC236}">
+                <a16:creationId xmlns:a16="http://schemas.microsoft.com/office/drawing/2014/main" id="{951B85B5-B659-0006-97FE-33E8F1C2D03A}"/>
+              </a:ext>
+            </a:extLst>
+          </p:cNvPr>
+          <p:cNvCxnSpPr>
+            <a:stCxn id="3" idx="2"/>
+            <a:endCxn id="12" idx="0"/>
+          </p:cNvCxnSpPr>
+          <p:nvPr/>
+        </p:nvCxnSpPr>
+        <p:spPr>
+          <a:xfrm rot="16200000" flipH="1">
+            <a:off x="2594887" y="1554124"/>
+            <a:ext cx="1974581" cy="3631163"/>
+          </a:xfrm>
+          <a:prstGeom prst="bentConnector3">
+            <a:avLst/>
+          </a:prstGeom>
+          <a:ln>
+            <a:tailEnd type="triangle"/>
+          </a:ln>
+        </p:spPr>
+        <p:style>
+          <a:lnRef idx="1">
+            <a:schemeClr val="accent1"/>
+          </a:lnRef>
+          <a:fillRef idx="0">
+            <a:schemeClr val="accent1"/>
+          </a:fillRef>
+          <a:effectRef idx="0">
+            <a:schemeClr val="accent1"/>
+          </a:effectRef>
+          <a:fontRef idx="minor">
+            <a:schemeClr val="tx1"/>
+          </a:fontRef>
+        </p:style>
+      </p:cxnSp>
+      <p:sp>
+        <p:nvSpPr>
+          <p:cNvPr id="23" name="Lightning Bolt 22">
+            <a:extLst>
+              <a:ext uri="{FF2B5EF4-FFF2-40B4-BE49-F238E27FC236}">
+                <a16:creationId xmlns:a16="http://schemas.microsoft.com/office/drawing/2014/main" id="{9963B24D-12AD-EEBD-5C09-F4876E99E813}"/>
+              </a:ext>
+            </a:extLst>
+          </p:cNvPr>
+          <p:cNvSpPr/>
+          <p:nvPr/>
+        </p:nvSpPr>
+        <p:spPr>
+          <a:xfrm>
+            <a:off x="10944810" y="1636242"/>
+            <a:ext cx="955610" cy="739824"/>
+          </a:xfrm>
+          <a:prstGeom prst="lightningBolt">
+            <a:avLst/>
+          </a:prstGeom>
+          <a:solidFill>
+            <a:srgbClr val="FFFF00"/>
+          </a:solidFill>
+        </p:spPr>
+        <p:style>
+          <a:lnRef idx="2">
+            <a:schemeClr val="accent1">
+              <a:shade val="15000"/>
+            </a:schemeClr>
+          </a:lnRef>
+          <a:fillRef idx="1">
+            <a:schemeClr val="accent1"/>
+          </a:fillRef>
+          <a:effectRef idx="0">
+            <a:schemeClr val="accent1"/>
+          </a:effectRef>
+          <a:fontRef idx="minor">
+            <a:schemeClr val="lt1"/>
+          </a:fontRef>
+        </p:style>
+        <p:txBody>
+          <a:bodyPr rtlCol="0" anchor="ctr"/>
+          <a:lstStyle/>
+          <a:p>
+            <a:pPr algn="ctr"/>
+            <a:endParaRPr lang="en-US"/>
+          </a:p>
+        </p:txBody>
+      </p:sp>
+      <p:sp>
+        <p:nvSpPr>
+          <p:cNvPr id="24" name="TextBox 23">
+            <a:extLst>
+              <a:ext uri="{FF2B5EF4-FFF2-40B4-BE49-F238E27FC236}">
+                <a16:creationId xmlns:a16="http://schemas.microsoft.com/office/drawing/2014/main" id="{420A020D-0BB6-151D-1488-DB14C7720F11}"/>
+              </a:ext>
+            </a:extLst>
+          </p:cNvPr>
+          <p:cNvSpPr txBox="1"/>
+          <p:nvPr/>
+        </p:nvSpPr>
+        <p:spPr>
+          <a:xfrm>
+            <a:off x="10973579" y="1395783"/>
+            <a:ext cx="1166326" cy="584775"/>
+          </a:xfrm>
+          <a:prstGeom prst="rect">
+            <a:avLst/>
+          </a:prstGeom>
+          <a:noFill/>
+        </p:spPr>
+        <p:txBody>
+          <a:bodyPr wrap="square" rtlCol="0">
+            <a:spAutoFit/>
+          </a:bodyPr>
+          <a:lstStyle/>
+          <a:p>
+            <a:pPr algn="ctr"/>
+            <a:r>
+              <a:rPr lang="en-US" sz="1600" b="1" dirty="0"/>
+              <a:t>Transaction Event</a:t>
+            </a:r>
+          </a:p>
+        </p:txBody>
+      </p:sp>
+    </p:spTree>
+    <p:extLst>
+      <p:ext uri="{BB962C8B-B14F-4D97-AF65-F5344CB8AC3E}">
+        <p14:creationId xmlns:p14="http://schemas.microsoft.com/office/powerpoint/2010/main" val="1181960790"/>
+      </p:ext>
+    </p:extLst>
+  </p:cSld>
+  <p:clrMapOvr>
+    <a:masterClrMapping/>
+  </p:clrMapOvr>
+</p:sld>
+</file>
+
+<file path=ppt/slides/slide21.xml><?xml version="1.0" encoding="utf-8"?>
+<p:sld xmlns:a="http://schemas.openxmlformats.org/drawingml/2006/main" xmlns:r="http://schemas.openxmlformats.org/officeDocument/2006/relationships" xmlns:p="http://schemas.openxmlformats.org/presentationml/2006/main">
+  <p:cSld>
+    <p:spTree>
+      <p:nvGrpSpPr>
+        <p:cNvPr id="1" name=""/>
+        <p:cNvGrpSpPr/>
+        <p:nvPr/>
+      </p:nvGrpSpPr>
+      <p:grpSpPr>
+        <a:xfrm>
+          <a:off x="0" y="0"/>
+          <a:ext cx="0" cy="0"/>
+          <a:chOff x="0" y="0"/>
+          <a:chExt cx="0" cy="0"/>
+        </a:xfrm>
+      </p:grpSpPr>
+      <p:sp>
+        <p:nvSpPr>
+          <p:cNvPr id="2" name="Rectangle 1">
+            <a:extLst>
+              <a:ext uri="{FF2B5EF4-FFF2-40B4-BE49-F238E27FC236}">
+                <a16:creationId xmlns:a16="http://schemas.microsoft.com/office/drawing/2014/main" id="{A11446E4-CEDB-AA09-E6B7-96C3D858EB1E}"/>
+              </a:ext>
+            </a:extLst>
+          </p:cNvPr>
+          <p:cNvSpPr/>
+          <p:nvPr/>
+        </p:nvSpPr>
+        <p:spPr>
+          <a:xfrm>
+            <a:off x="466531" y="961053"/>
+            <a:ext cx="10739534" cy="4497355"/>
+          </a:xfrm>
+          <a:prstGeom prst="rect">
+            <a:avLst/>
+          </a:prstGeom>
+        </p:spPr>
+        <p:style>
+          <a:lnRef idx="2">
+            <a:schemeClr val="accent6"/>
+          </a:lnRef>
+          <a:fillRef idx="1">
+            <a:schemeClr val="lt1"/>
+          </a:fillRef>
+          <a:effectRef idx="0">
+            <a:schemeClr val="accent6"/>
+          </a:effectRef>
+          <a:fontRef idx="minor">
+            <a:schemeClr val="dk1"/>
+          </a:fontRef>
+        </p:style>
+        <p:txBody>
+          <a:bodyPr rtlCol="0" anchor="ctr"/>
+          <a:lstStyle/>
+          <a:p>
+            <a:pPr algn="ctr"/>
+            <a:endParaRPr lang="en-US" dirty="0"/>
+          </a:p>
+        </p:txBody>
+      </p:sp>
+      <p:sp>
+        <p:nvSpPr>
+          <p:cNvPr id="3" name="TextBox 2">
+            <a:extLst>
+              <a:ext uri="{FF2B5EF4-FFF2-40B4-BE49-F238E27FC236}">
+                <a16:creationId xmlns:a16="http://schemas.microsoft.com/office/drawing/2014/main" id="{F54D9C05-4D5D-420E-9723-161B2F11B42B}"/>
+              </a:ext>
+            </a:extLst>
+          </p:cNvPr>
+          <p:cNvSpPr txBox="1"/>
+          <p:nvPr/>
+        </p:nvSpPr>
+        <p:spPr>
+          <a:xfrm>
+            <a:off x="606490" y="699796"/>
+            <a:ext cx="2174032" cy="369332"/>
+          </a:xfrm>
+          <a:prstGeom prst="rect">
+            <a:avLst/>
+          </a:prstGeom>
+          <a:noFill/>
+        </p:spPr>
+        <p:txBody>
+          <a:bodyPr wrap="square" rtlCol="0">
+            <a:spAutoFit/>
+          </a:bodyPr>
+          <a:lstStyle/>
+          <a:p>
+            <a:r>
+              <a:rPr lang="en-US" dirty="0"/>
+              <a:t>dotnet.exe</a:t>
+            </a:r>
+          </a:p>
+        </p:txBody>
+      </p:sp>
+      <p:sp>
+        <p:nvSpPr>
+          <p:cNvPr id="4" name="Rectangle 3">
+            <a:extLst>
+              <a:ext uri="{FF2B5EF4-FFF2-40B4-BE49-F238E27FC236}">
+                <a16:creationId xmlns:a16="http://schemas.microsoft.com/office/drawing/2014/main" id="{7DDBFE7F-7EB6-7B4A-9913-E43008F52F1C}"/>
+              </a:ext>
+            </a:extLst>
+          </p:cNvPr>
+          <p:cNvSpPr/>
+          <p:nvPr/>
+        </p:nvSpPr>
+        <p:spPr>
+          <a:xfrm>
+            <a:off x="821094" y="1819469"/>
+            <a:ext cx="3041779" cy="2948474"/>
+          </a:xfrm>
+          <a:prstGeom prst="rect">
+            <a:avLst/>
+          </a:prstGeom>
+        </p:spPr>
+        <p:style>
+          <a:lnRef idx="1">
+            <a:schemeClr val="accent2"/>
+          </a:lnRef>
+          <a:fillRef idx="2">
+            <a:schemeClr val="accent2"/>
+          </a:fillRef>
+          <a:effectRef idx="1">
+            <a:schemeClr val="accent2"/>
+          </a:effectRef>
+          <a:fontRef idx="minor">
+            <a:schemeClr val="dk1"/>
+          </a:fontRef>
+        </p:style>
+        <p:txBody>
+          <a:bodyPr rtlCol="0" anchor="ctr"/>
+          <a:lstStyle/>
+          <a:p>
+            <a:pPr algn="ctr"/>
+            <a:endParaRPr lang="en-US" dirty="0"/>
+          </a:p>
+        </p:txBody>
+      </p:sp>
+      <p:sp>
+        <p:nvSpPr>
+          <p:cNvPr id="5" name="Rectangle: Folded Corner 4">
+            <a:extLst>
+              <a:ext uri="{FF2B5EF4-FFF2-40B4-BE49-F238E27FC236}">
+                <a16:creationId xmlns:a16="http://schemas.microsoft.com/office/drawing/2014/main" id="{3AACBBE6-170B-6A97-C014-30E159E4A5DC}"/>
+              </a:ext>
+            </a:extLst>
+          </p:cNvPr>
+          <p:cNvSpPr/>
+          <p:nvPr/>
+        </p:nvSpPr>
+        <p:spPr>
+          <a:xfrm>
+            <a:off x="4599992" y="1129004"/>
+            <a:ext cx="2677886" cy="1912776"/>
+          </a:xfrm>
+          <a:prstGeom prst="foldedCorner">
+            <a:avLst/>
+          </a:prstGeom>
+        </p:spPr>
+        <p:style>
+          <a:lnRef idx="2">
+            <a:schemeClr val="accent1">
+              <a:shade val="15000"/>
+            </a:schemeClr>
+          </a:lnRef>
+          <a:fillRef idx="1">
+            <a:schemeClr val="accent1"/>
+          </a:fillRef>
+          <a:effectRef idx="0">
+            <a:schemeClr val="accent1"/>
+          </a:effectRef>
+          <a:fontRef idx="minor">
+            <a:schemeClr val="lt1"/>
+          </a:fontRef>
+        </p:style>
+        <p:txBody>
+          <a:bodyPr rtlCol="0" anchor="ctr"/>
+          <a:lstStyle/>
+          <a:p>
+            <a:pPr algn="ctr"/>
+            <a:r>
+              <a:rPr lang="en-US" dirty="0"/>
+              <a:t>Program class with Main() Method Code Segment</a:t>
+            </a:r>
+          </a:p>
+        </p:txBody>
+      </p:sp>
+      <p:sp>
+        <p:nvSpPr>
+          <p:cNvPr id="6" name="TextBox 5">
+            <a:extLst>
+              <a:ext uri="{FF2B5EF4-FFF2-40B4-BE49-F238E27FC236}">
+                <a16:creationId xmlns:a16="http://schemas.microsoft.com/office/drawing/2014/main" id="{C7677034-8CFC-6BF4-6A3E-1ECAB86A2B08}"/>
+              </a:ext>
+            </a:extLst>
+          </p:cNvPr>
+          <p:cNvSpPr txBox="1"/>
+          <p:nvPr/>
+        </p:nvSpPr>
+        <p:spPr>
+          <a:xfrm>
+            <a:off x="933061" y="1940767"/>
+            <a:ext cx="2836506" cy="369332"/>
+          </a:xfrm>
+          <a:prstGeom prst="rect">
+            <a:avLst/>
+          </a:prstGeom>
+          <a:noFill/>
+        </p:spPr>
+        <p:txBody>
+          <a:bodyPr wrap="square" rtlCol="0">
+            <a:spAutoFit/>
+          </a:bodyPr>
+          <a:lstStyle/>
+          <a:p>
+            <a:pPr algn="ctr"/>
+            <a:r>
+              <a:rPr lang="en-US" b="1" dirty="0"/>
+              <a:t>Executor</a:t>
+            </a:r>
+          </a:p>
+        </p:txBody>
+      </p:sp>
+      <p:cxnSp>
+        <p:nvCxnSpPr>
+          <p:cNvPr id="8" name="Straight Arrow Connector 7">
+            <a:extLst>
+              <a:ext uri="{FF2B5EF4-FFF2-40B4-BE49-F238E27FC236}">
+                <a16:creationId xmlns:a16="http://schemas.microsoft.com/office/drawing/2014/main" id="{C7339E46-B87B-A10A-EC33-9644D8F8B7C6}"/>
+              </a:ext>
+            </a:extLst>
+          </p:cNvPr>
+          <p:cNvCxnSpPr/>
+          <p:nvPr/>
+        </p:nvCxnSpPr>
+        <p:spPr>
+          <a:xfrm flipH="1">
+            <a:off x="2491273" y="1927544"/>
+            <a:ext cx="4282751" cy="750342"/>
+          </a:xfrm>
+          <a:prstGeom prst="straightConnector1">
+            <a:avLst/>
+          </a:prstGeom>
+          <a:ln>
+            <a:tailEnd type="triangle"/>
+          </a:ln>
+        </p:spPr>
+        <p:style>
+          <a:lnRef idx="1">
+            <a:schemeClr val="accent1"/>
+          </a:lnRef>
+          <a:fillRef idx="0">
+            <a:schemeClr val="accent1"/>
+          </a:fillRef>
+          <a:effectRef idx="0">
+            <a:schemeClr val="accent1"/>
+          </a:effectRef>
+          <a:fontRef idx="minor">
+            <a:schemeClr val="tx1"/>
+          </a:fontRef>
+        </p:style>
+      </p:cxnSp>
+      <p:sp>
+        <p:nvSpPr>
+          <p:cNvPr id="9" name="TextBox 8">
+            <a:extLst>
+              <a:ext uri="{FF2B5EF4-FFF2-40B4-BE49-F238E27FC236}">
+                <a16:creationId xmlns:a16="http://schemas.microsoft.com/office/drawing/2014/main" id="{3B605C1C-B525-A451-04FA-0F33F7CE8811}"/>
+              </a:ext>
+            </a:extLst>
+          </p:cNvPr>
+          <p:cNvSpPr txBox="1"/>
+          <p:nvPr/>
+        </p:nvSpPr>
+        <p:spPr>
+          <a:xfrm>
+            <a:off x="839755" y="2785961"/>
+            <a:ext cx="3023118" cy="1200329"/>
+          </a:xfrm>
+          <a:prstGeom prst="rect">
+            <a:avLst/>
+          </a:prstGeom>
+          <a:noFill/>
+        </p:spPr>
+        <p:txBody>
+          <a:bodyPr wrap="square" rtlCol="0">
+            <a:spAutoFit/>
+          </a:bodyPr>
+          <a:lstStyle/>
+          <a:p>
+            <a:r>
+              <a:rPr lang="en-US" dirty="0"/>
+              <a:t>Main() method Execution</a:t>
+            </a:r>
+          </a:p>
+          <a:p>
+            <a:endParaRPr lang="en-US" dirty="0"/>
+          </a:p>
+          <a:p>
+            <a:r>
+              <a:rPr lang="en-US" dirty="0"/>
+              <a:t>Call to Add() method</a:t>
+            </a:r>
+          </a:p>
+          <a:p>
+            <a:r>
+              <a:rPr lang="en-US" dirty="0"/>
+              <a:t>Return Value</a:t>
+            </a:r>
+          </a:p>
+        </p:txBody>
+      </p:sp>
+      <p:sp>
+        <p:nvSpPr>
+          <p:cNvPr id="10" name="Rectangle: Folded Corner 9">
+            <a:extLst>
+              <a:ext uri="{FF2B5EF4-FFF2-40B4-BE49-F238E27FC236}">
+                <a16:creationId xmlns:a16="http://schemas.microsoft.com/office/drawing/2014/main" id="{DFEAF841-6687-20DA-E181-A4C569762DE4}"/>
+              </a:ext>
+            </a:extLst>
+          </p:cNvPr>
+          <p:cNvSpPr/>
+          <p:nvPr/>
+        </p:nvSpPr>
+        <p:spPr>
+          <a:xfrm>
+            <a:off x="8238931" y="2745519"/>
+            <a:ext cx="2230016" cy="1901899"/>
+          </a:xfrm>
+          <a:prstGeom prst="foldedCorner">
+            <a:avLst/>
+          </a:prstGeom>
+        </p:spPr>
+        <p:style>
+          <a:lnRef idx="2">
+            <a:schemeClr val="accent1">
+              <a:shade val="15000"/>
+            </a:schemeClr>
+          </a:lnRef>
+          <a:fillRef idx="1">
+            <a:schemeClr val="accent1"/>
+          </a:fillRef>
+          <a:effectRef idx="0">
+            <a:schemeClr val="accent1"/>
+          </a:effectRef>
+          <a:fontRef idx="minor">
+            <a:schemeClr val="lt1"/>
+          </a:fontRef>
+        </p:style>
+        <p:txBody>
+          <a:bodyPr rtlCol="0" anchor="ctr"/>
+          <a:lstStyle/>
+          <a:p>
+            <a:pPr algn="ctr"/>
+            <a:r>
+              <a:rPr lang="en-US" dirty="0"/>
+              <a:t>Add() Method Code Segment</a:t>
+            </a:r>
+          </a:p>
+        </p:txBody>
+      </p:sp>
+      <p:cxnSp>
+        <p:nvCxnSpPr>
+          <p:cNvPr id="12" name="Straight Arrow Connector 11">
+            <a:extLst>
+              <a:ext uri="{FF2B5EF4-FFF2-40B4-BE49-F238E27FC236}">
+                <a16:creationId xmlns:a16="http://schemas.microsoft.com/office/drawing/2014/main" id="{2863C417-190F-4259-0117-709DE87539D4}"/>
+              </a:ext>
+            </a:extLst>
+          </p:cNvPr>
+          <p:cNvCxnSpPr/>
+          <p:nvPr/>
+        </p:nvCxnSpPr>
+        <p:spPr>
+          <a:xfrm>
+            <a:off x="2929812" y="3498980"/>
+            <a:ext cx="5197151" cy="210311"/>
+          </a:xfrm>
+          <a:prstGeom prst="straightConnector1">
+            <a:avLst/>
+          </a:prstGeom>
+          <a:ln>
+            <a:tailEnd type="triangle"/>
+          </a:ln>
+        </p:spPr>
+        <p:style>
+          <a:lnRef idx="1">
+            <a:schemeClr val="accent1"/>
+          </a:lnRef>
+          <a:fillRef idx="0">
+            <a:schemeClr val="accent1"/>
+          </a:fillRef>
+          <a:effectRef idx="0">
+            <a:schemeClr val="accent1"/>
+          </a:effectRef>
+          <a:fontRef idx="minor">
+            <a:schemeClr val="tx1"/>
+          </a:fontRef>
+        </p:style>
+      </p:cxnSp>
+      <p:sp>
+        <p:nvSpPr>
+          <p:cNvPr id="13" name="TextBox 12">
+            <a:extLst>
+              <a:ext uri="{FF2B5EF4-FFF2-40B4-BE49-F238E27FC236}">
+                <a16:creationId xmlns:a16="http://schemas.microsoft.com/office/drawing/2014/main" id="{F7B5881A-CA02-2DAA-3AF6-022269044912}"/>
+              </a:ext>
+            </a:extLst>
+          </p:cNvPr>
+          <p:cNvSpPr txBox="1"/>
+          <p:nvPr/>
+        </p:nvSpPr>
+        <p:spPr>
+          <a:xfrm>
+            <a:off x="3953070" y="3276591"/>
+            <a:ext cx="3427444" cy="1200329"/>
+          </a:xfrm>
+          <a:prstGeom prst="rect">
+            <a:avLst/>
+          </a:prstGeom>
+          <a:noFill/>
+        </p:spPr>
+        <p:txBody>
+          <a:bodyPr wrap="square" rtlCol="0">
+            <a:spAutoFit/>
+          </a:bodyPr>
+          <a:lstStyle/>
+          <a:p>
+            <a:pPr marL="342900" indent="-342900">
+              <a:buAutoNum type="arabicPeriod"/>
+            </a:pPr>
+            <a:r>
+              <a:rPr lang="en-US" dirty="0"/>
+              <a:t>Search for Add() </a:t>
+            </a:r>
+          </a:p>
+          <a:p>
+            <a:pPr marL="342900" indent="-342900">
+              <a:buAutoNum type="arabicPeriod"/>
+            </a:pPr>
+            <a:r>
+              <a:rPr lang="en-US" dirty="0"/>
+              <a:t>If Found Jump() to Add</a:t>
+            </a:r>
+          </a:p>
+          <a:p>
+            <a:pPr marL="342900" indent="-342900">
+              <a:buAutoNum type="arabicPeriod"/>
+            </a:pPr>
+            <a:r>
+              <a:rPr lang="en-US" dirty="0"/>
+              <a:t>Execute</a:t>
+            </a:r>
+          </a:p>
+          <a:p>
+            <a:pPr marL="342900" indent="-342900">
+              <a:buAutoNum type="arabicPeriod"/>
+            </a:pPr>
+            <a:r>
+              <a:rPr lang="en-US" dirty="0"/>
+              <a:t>Get Return Value</a:t>
+            </a:r>
+          </a:p>
+        </p:txBody>
+      </p:sp>
+      <p:cxnSp>
+        <p:nvCxnSpPr>
+          <p:cNvPr id="15" name="Straight Arrow Connector 14">
+            <a:extLst>
+              <a:ext uri="{FF2B5EF4-FFF2-40B4-BE49-F238E27FC236}">
+                <a16:creationId xmlns:a16="http://schemas.microsoft.com/office/drawing/2014/main" id="{0F9ACD45-EF67-A4CE-33C2-C2CB9CA536D6}"/>
+              </a:ext>
+            </a:extLst>
+          </p:cNvPr>
+          <p:cNvCxnSpPr/>
+          <p:nvPr/>
+        </p:nvCxnSpPr>
+        <p:spPr>
+          <a:xfrm flipH="1" flipV="1">
+            <a:off x="2491273" y="3840320"/>
+            <a:ext cx="7081935" cy="167951"/>
+          </a:xfrm>
+          <a:prstGeom prst="straightConnector1">
+            <a:avLst/>
+          </a:prstGeom>
+          <a:ln>
+            <a:tailEnd type="triangle"/>
+          </a:ln>
+        </p:spPr>
+        <p:style>
+          <a:lnRef idx="1">
+            <a:schemeClr val="accent1"/>
+          </a:lnRef>
+          <a:fillRef idx="0">
+            <a:schemeClr val="accent1"/>
+          </a:fillRef>
+          <a:effectRef idx="0">
+            <a:schemeClr val="accent1"/>
+          </a:effectRef>
+          <a:fontRef idx="minor">
+            <a:schemeClr val="tx1"/>
+          </a:fontRef>
+        </p:style>
+      </p:cxnSp>
+    </p:spTree>
+    <p:extLst>
+      <p:ext uri="{BB962C8B-B14F-4D97-AF65-F5344CB8AC3E}">
+        <p14:creationId xmlns:p14="http://schemas.microsoft.com/office/powerpoint/2010/main" val="4227982759"/>
+      </p:ext>
+    </p:extLst>
+  </p:cSld>
+  <p:clrMapOvr>
+    <a:masterClrMapping/>
+  </p:clrMapOvr>
+</p:sld>
+</file>
+
+<file path=ppt/slides/slide22.xml><?xml version="1.0" encoding="utf-8"?>
+<p:sld xmlns:a="http://schemas.openxmlformats.org/drawingml/2006/main" xmlns:r="http://schemas.openxmlformats.org/officeDocument/2006/relationships" xmlns:p="http://schemas.openxmlformats.org/presentationml/2006/main">
+  <p:cSld>
+    <p:spTree>
+      <p:nvGrpSpPr>
+        <p:cNvPr id="1" name=""/>
+        <p:cNvGrpSpPr/>
+        <p:nvPr/>
+      </p:nvGrpSpPr>
+      <p:grpSpPr>
+        <a:xfrm>
+          <a:off x="0" y="0"/>
+          <a:ext cx="0" cy="0"/>
+          <a:chOff x="0" y="0"/>
+          <a:chExt cx="0" cy="0"/>
+        </a:xfrm>
+      </p:grpSpPr>
+      <p:sp>
+        <p:nvSpPr>
+          <p:cNvPr id="2" name="Cylinder 1">
+            <a:extLst>
+              <a:ext uri="{FF2B5EF4-FFF2-40B4-BE49-F238E27FC236}">
+                <a16:creationId xmlns:a16="http://schemas.microsoft.com/office/drawing/2014/main" id="{898D3D2F-64CE-8783-1875-B33C941F846A}"/>
+              </a:ext>
+            </a:extLst>
+          </p:cNvPr>
+          <p:cNvSpPr/>
+          <p:nvPr/>
+        </p:nvSpPr>
+        <p:spPr>
+          <a:xfrm>
+            <a:off x="8042988" y="2258008"/>
+            <a:ext cx="3387012" cy="2108719"/>
+          </a:xfrm>
+          <a:prstGeom prst="can">
+            <a:avLst/>
+          </a:prstGeom>
+        </p:spPr>
+        <p:style>
+          <a:lnRef idx="2">
+            <a:schemeClr val="accent1">
+              <a:shade val="15000"/>
+            </a:schemeClr>
+          </a:lnRef>
+          <a:fillRef idx="1">
+            <a:schemeClr val="accent1"/>
+          </a:fillRef>
+          <a:effectRef idx="0">
+            <a:schemeClr val="accent1"/>
+          </a:effectRef>
+          <a:fontRef idx="minor">
+            <a:schemeClr val="lt1"/>
+          </a:fontRef>
+        </p:style>
+        <p:txBody>
+          <a:bodyPr rtlCol="0" anchor="ctr"/>
+          <a:lstStyle/>
+          <a:p>
+            <a:pPr algn="ctr"/>
+            <a:r>
+              <a:rPr lang="en-US" dirty="0"/>
+              <a:t>Data Persistence Layer</a:t>
+            </a:r>
+          </a:p>
+        </p:txBody>
+      </p:sp>
+      <p:sp>
+        <p:nvSpPr>
+          <p:cNvPr id="3" name="Cylinder 2">
+            <a:extLst>
+              <a:ext uri="{FF2B5EF4-FFF2-40B4-BE49-F238E27FC236}">
+                <a16:creationId xmlns:a16="http://schemas.microsoft.com/office/drawing/2014/main" id="{6A628178-E2FD-379C-80B5-7EB75361DDE8}"/>
+              </a:ext>
+            </a:extLst>
+          </p:cNvPr>
+          <p:cNvSpPr/>
+          <p:nvPr/>
+        </p:nvSpPr>
+        <p:spPr>
+          <a:xfrm>
+            <a:off x="3405674" y="2547257"/>
+            <a:ext cx="2369975" cy="1567543"/>
+          </a:xfrm>
+          <a:prstGeom prst="can">
+            <a:avLst/>
+          </a:prstGeom>
+        </p:spPr>
+        <p:style>
+          <a:lnRef idx="2">
+            <a:schemeClr val="accent1">
+              <a:shade val="15000"/>
+            </a:schemeClr>
+          </a:lnRef>
+          <a:fillRef idx="1">
+            <a:schemeClr val="accent1"/>
+          </a:fillRef>
+          <a:effectRef idx="0">
+            <a:schemeClr val="accent1"/>
+          </a:effectRef>
+          <a:fontRef idx="minor">
+            <a:schemeClr val="lt1"/>
+          </a:fontRef>
+        </p:style>
+        <p:txBody>
+          <a:bodyPr rtlCol="0" anchor="ctr"/>
+          <a:lstStyle/>
+          <a:p>
+            <a:pPr algn="ctr"/>
+            <a:r>
+              <a:rPr lang="en-US" dirty="0"/>
+              <a:t>In-Memory Collections</a:t>
+            </a:r>
+          </a:p>
+        </p:txBody>
+      </p:sp>
+      <p:sp>
+        <p:nvSpPr>
+          <p:cNvPr id="4" name="Arrow: Left-Right 3">
+            <a:extLst>
+              <a:ext uri="{FF2B5EF4-FFF2-40B4-BE49-F238E27FC236}">
+                <a16:creationId xmlns:a16="http://schemas.microsoft.com/office/drawing/2014/main" id="{2AD45391-772B-0A2D-E34D-371B69C966D2}"/>
+              </a:ext>
+            </a:extLst>
+          </p:cNvPr>
+          <p:cNvSpPr/>
+          <p:nvPr/>
+        </p:nvSpPr>
+        <p:spPr>
+          <a:xfrm>
+            <a:off x="5747657" y="3163078"/>
+            <a:ext cx="2295331" cy="438538"/>
+          </a:xfrm>
+          <a:prstGeom prst="leftRightArrow">
+            <a:avLst/>
+          </a:prstGeom>
+        </p:spPr>
+        <p:style>
+          <a:lnRef idx="2">
+            <a:schemeClr val="accent1">
+              <a:shade val="15000"/>
+            </a:schemeClr>
+          </a:lnRef>
+          <a:fillRef idx="1">
+            <a:schemeClr val="accent1"/>
+          </a:fillRef>
+          <a:effectRef idx="0">
+            <a:schemeClr val="accent1"/>
+          </a:effectRef>
+          <a:fontRef idx="minor">
+            <a:schemeClr val="lt1"/>
+          </a:fontRef>
+        </p:style>
+        <p:txBody>
+          <a:bodyPr rtlCol="0" anchor="ctr"/>
+          <a:lstStyle/>
+          <a:p>
+            <a:pPr algn="ctr"/>
+            <a:endParaRPr lang="en-US"/>
+          </a:p>
+        </p:txBody>
+      </p:sp>
+      <p:sp>
+        <p:nvSpPr>
+          <p:cNvPr id="5" name="Rectangle: Rounded Corners 4">
+            <a:extLst>
+              <a:ext uri="{FF2B5EF4-FFF2-40B4-BE49-F238E27FC236}">
+                <a16:creationId xmlns:a16="http://schemas.microsoft.com/office/drawing/2014/main" id="{0B3E02B4-D310-D457-6CE2-FCD1344B882E}"/>
+              </a:ext>
+            </a:extLst>
+          </p:cNvPr>
+          <p:cNvSpPr/>
+          <p:nvPr/>
+        </p:nvSpPr>
+        <p:spPr>
+          <a:xfrm>
+            <a:off x="307910" y="541176"/>
+            <a:ext cx="2836506" cy="1418253"/>
+          </a:xfrm>
+          <a:prstGeom prst="roundRect">
+            <a:avLst/>
+          </a:prstGeom>
+        </p:spPr>
+        <p:style>
+          <a:lnRef idx="2">
+            <a:schemeClr val="accent1">
+              <a:shade val="15000"/>
+            </a:schemeClr>
+          </a:lnRef>
+          <a:fillRef idx="1">
+            <a:schemeClr val="accent1"/>
+          </a:fillRef>
+          <a:effectRef idx="0">
+            <a:schemeClr val="accent1"/>
+          </a:effectRef>
+          <a:fontRef idx="minor">
+            <a:schemeClr val="lt1"/>
+          </a:fontRef>
+        </p:style>
+        <p:txBody>
+          <a:bodyPr rtlCol="0" anchor="ctr"/>
+          <a:lstStyle/>
+          <a:p>
+            <a:pPr algn="ctr"/>
+            <a:r>
+              <a:rPr lang="en-US" dirty="0"/>
+              <a:t>Client App</a:t>
+            </a:r>
+          </a:p>
+        </p:txBody>
+      </p:sp>
+      <p:cxnSp>
+        <p:nvCxnSpPr>
+          <p:cNvPr id="7" name="Connector: Elbow 6">
+            <a:extLst>
+              <a:ext uri="{FF2B5EF4-FFF2-40B4-BE49-F238E27FC236}">
+                <a16:creationId xmlns:a16="http://schemas.microsoft.com/office/drawing/2014/main" id="{C3DD8C8A-E8D5-C0CB-B75D-2A47E27605F1}"/>
+              </a:ext>
+            </a:extLst>
+          </p:cNvPr>
+          <p:cNvCxnSpPr>
+            <a:stCxn id="5" idx="3"/>
+            <a:endCxn id="3" idx="1"/>
+          </p:cNvCxnSpPr>
+          <p:nvPr/>
+        </p:nvCxnSpPr>
+        <p:spPr>
+          <a:xfrm>
+            <a:off x="3144416" y="1250303"/>
+            <a:ext cx="1446246" cy="1296954"/>
+          </a:xfrm>
+          <a:prstGeom prst="bentConnector2">
+            <a:avLst/>
+          </a:prstGeom>
+          <a:ln>
+            <a:tailEnd type="triangle"/>
+          </a:ln>
+        </p:spPr>
+        <p:style>
+          <a:lnRef idx="1">
+            <a:schemeClr val="accent1"/>
+          </a:lnRef>
+          <a:fillRef idx="0">
+            <a:schemeClr val="accent1"/>
+          </a:fillRef>
+          <a:effectRef idx="0">
+            <a:schemeClr val="accent1"/>
+          </a:effectRef>
+          <a:fontRef idx="minor">
+            <a:schemeClr val="tx1"/>
+          </a:fontRef>
+        </p:style>
+      </p:cxnSp>
+      <p:sp>
+        <p:nvSpPr>
+          <p:cNvPr id="8" name="TextBox 7">
+            <a:extLst>
+              <a:ext uri="{FF2B5EF4-FFF2-40B4-BE49-F238E27FC236}">
+                <a16:creationId xmlns:a16="http://schemas.microsoft.com/office/drawing/2014/main" id="{C4AE4980-F8DE-1C9F-33BD-78A7CF041D98}"/>
+              </a:ext>
+            </a:extLst>
+          </p:cNvPr>
+          <p:cNvSpPr txBox="1"/>
+          <p:nvPr/>
+        </p:nvSpPr>
+        <p:spPr>
+          <a:xfrm>
+            <a:off x="4149013" y="821094"/>
+            <a:ext cx="2295331" cy="646331"/>
+          </a:xfrm>
+          <a:prstGeom prst="rect">
+            <a:avLst/>
+          </a:prstGeom>
+          <a:noFill/>
+        </p:spPr>
+        <p:txBody>
+          <a:bodyPr wrap="square" rtlCol="0">
+            <a:spAutoFit/>
+          </a:bodyPr>
+          <a:lstStyle/>
+          <a:p>
+            <a:r>
+              <a:rPr lang="en-US" dirty="0"/>
+              <a:t>Iterations over Collection</a:t>
+            </a:r>
+          </a:p>
+        </p:txBody>
+      </p:sp>
+      <p:sp>
+        <p:nvSpPr>
+          <p:cNvPr id="9" name="Star: 5 Points 8">
+            <a:extLst>
+              <a:ext uri="{FF2B5EF4-FFF2-40B4-BE49-F238E27FC236}">
+                <a16:creationId xmlns:a16="http://schemas.microsoft.com/office/drawing/2014/main" id="{FD883193-CB02-3F9E-1E94-371D6C41C994}"/>
+              </a:ext>
+            </a:extLst>
+          </p:cNvPr>
+          <p:cNvSpPr/>
+          <p:nvPr/>
+        </p:nvSpPr>
+        <p:spPr>
+          <a:xfrm>
+            <a:off x="4198776" y="3452327"/>
+            <a:ext cx="2332653" cy="1054359"/>
+          </a:xfrm>
+          <a:prstGeom prst="star5">
+            <a:avLst/>
+          </a:prstGeom>
+        </p:spPr>
+        <p:style>
+          <a:lnRef idx="2">
+            <a:schemeClr val="dk1">
+              <a:shade val="15000"/>
+            </a:schemeClr>
+          </a:lnRef>
+          <a:fillRef idx="1">
+            <a:schemeClr val="dk1"/>
+          </a:fillRef>
+          <a:effectRef idx="0">
+            <a:schemeClr val="dk1"/>
+          </a:effectRef>
+          <a:fontRef idx="minor">
+            <a:schemeClr val="lt1"/>
+          </a:fontRef>
+        </p:style>
+        <p:txBody>
+          <a:bodyPr rtlCol="0" anchor="ctr"/>
+          <a:lstStyle/>
+          <a:p>
+            <a:pPr algn="ctr"/>
+            <a:r>
+              <a:rPr lang="en-US" dirty="0"/>
+              <a:t>Process</a:t>
+            </a:r>
+          </a:p>
+        </p:txBody>
+      </p:sp>
+      <p:cxnSp>
+        <p:nvCxnSpPr>
+          <p:cNvPr id="11" name="Connector: Elbow 10">
+            <a:extLst>
+              <a:ext uri="{FF2B5EF4-FFF2-40B4-BE49-F238E27FC236}">
+                <a16:creationId xmlns:a16="http://schemas.microsoft.com/office/drawing/2014/main" id="{797B61D8-02DC-6A01-AA3F-2DAB9EB054A1}"/>
+              </a:ext>
+            </a:extLst>
+          </p:cNvPr>
+          <p:cNvCxnSpPr>
+            <a:stCxn id="3" idx="2"/>
+            <a:endCxn id="5" idx="2"/>
+          </p:cNvCxnSpPr>
+          <p:nvPr/>
+        </p:nvCxnSpPr>
+        <p:spPr>
+          <a:xfrm rot="10800000">
+            <a:off x="1726164" y="1959429"/>
+            <a:ext cx="1679511" cy="1371600"/>
+          </a:xfrm>
+          <a:prstGeom prst="bentConnector2">
+            <a:avLst/>
+          </a:prstGeom>
+          <a:ln>
+            <a:tailEnd type="triangle"/>
+          </a:ln>
+        </p:spPr>
+        <p:style>
+          <a:lnRef idx="1">
+            <a:schemeClr val="accent1"/>
+          </a:lnRef>
+          <a:fillRef idx="0">
+            <a:schemeClr val="accent1"/>
+          </a:fillRef>
+          <a:effectRef idx="0">
+            <a:schemeClr val="accent1"/>
+          </a:effectRef>
+          <a:fontRef idx="minor">
+            <a:schemeClr val="tx1"/>
+          </a:fontRef>
+        </p:style>
+      </p:cxnSp>
+      <p:sp>
+        <p:nvSpPr>
+          <p:cNvPr id="12" name="TextBox 11">
+            <a:extLst>
+              <a:ext uri="{FF2B5EF4-FFF2-40B4-BE49-F238E27FC236}">
+                <a16:creationId xmlns:a16="http://schemas.microsoft.com/office/drawing/2014/main" id="{0D66D305-8837-D9FC-62A3-4C05EF0B360C}"/>
+              </a:ext>
+            </a:extLst>
+          </p:cNvPr>
+          <p:cNvSpPr txBox="1"/>
+          <p:nvPr/>
+        </p:nvSpPr>
+        <p:spPr>
+          <a:xfrm>
+            <a:off x="877077" y="2547257"/>
+            <a:ext cx="1772817" cy="646331"/>
+          </a:xfrm>
+          <a:prstGeom prst="rect">
+            <a:avLst/>
+          </a:prstGeom>
+          <a:noFill/>
+        </p:spPr>
+        <p:txBody>
+          <a:bodyPr wrap="square" rtlCol="0">
+            <a:spAutoFit/>
+          </a:bodyPr>
+          <a:lstStyle/>
+          <a:p>
+            <a:r>
+              <a:rPr lang="en-US" dirty="0"/>
+              <a:t>Filtered Data from Collection </a:t>
+            </a:r>
+          </a:p>
+        </p:txBody>
+      </p:sp>
+      <p:sp>
+        <p:nvSpPr>
+          <p:cNvPr id="13" name="Rectangle: Rounded Corners 12">
+            <a:extLst>
+              <a:ext uri="{FF2B5EF4-FFF2-40B4-BE49-F238E27FC236}">
+                <a16:creationId xmlns:a16="http://schemas.microsoft.com/office/drawing/2014/main" id="{BEE3AE14-FA38-DF8B-AF3A-D1B5541D3907}"/>
+              </a:ext>
+            </a:extLst>
+          </p:cNvPr>
+          <p:cNvSpPr/>
+          <p:nvPr/>
+        </p:nvSpPr>
+        <p:spPr>
+          <a:xfrm>
+            <a:off x="2164702" y="5019870"/>
+            <a:ext cx="2332653" cy="1017036"/>
+          </a:xfrm>
+          <a:prstGeom prst="roundRect">
+            <a:avLst/>
+          </a:prstGeom>
+        </p:spPr>
+        <p:style>
+          <a:lnRef idx="2">
+            <a:schemeClr val="accent1">
+              <a:shade val="15000"/>
+            </a:schemeClr>
+          </a:lnRef>
+          <a:fillRef idx="1">
+            <a:schemeClr val="accent1"/>
+          </a:fillRef>
+          <a:effectRef idx="0">
+            <a:schemeClr val="accent1"/>
+          </a:effectRef>
+          <a:fontRef idx="minor">
+            <a:schemeClr val="lt1"/>
+          </a:fontRef>
+        </p:style>
+        <p:txBody>
+          <a:bodyPr rtlCol="0" anchor="ctr"/>
+          <a:lstStyle/>
+          <a:p>
+            <a:pPr algn="ctr"/>
+            <a:r>
+              <a:rPr lang="en-US" sz="3200" dirty="0"/>
+              <a:t>Object</a:t>
+            </a:r>
+          </a:p>
+        </p:txBody>
+      </p:sp>
+      <p:sp>
+        <p:nvSpPr>
+          <p:cNvPr id="14" name="Cylinder 13">
+            <a:extLst>
+              <a:ext uri="{FF2B5EF4-FFF2-40B4-BE49-F238E27FC236}">
+                <a16:creationId xmlns:a16="http://schemas.microsoft.com/office/drawing/2014/main" id="{768A07B7-4702-6092-C2CB-43334A549FAA}"/>
+              </a:ext>
+            </a:extLst>
+          </p:cNvPr>
+          <p:cNvSpPr/>
+          <p:nvPr/>
+        </p:nvSpPr>
+        <p:spPr>
+          <a:xfrm>
+            <a:off x="7716416" y="4963886"/>
+            <a:ext cx="3387012" cy="1017036"/>
+          </a:xfrm>
+          <a:prstGeom prst="can">
+            <a:avLst/>
+          </a:prstGeom>
+        </p:spPr>
+        <p:style>
+          <a:lnRef idx="2">
+            <a:schemeClr val="accent1">
+              <a:shade val="15000"/>
+            </a:schemeClr>
+          </a:lnRef>
+          <a:fillRef idx="1">
+            <a:schemeClr val="accent1"/>
+          </a:fillRef>
+          <a:effectRef idx="0">
+            <a:schemeClr val="accent1"/>
+          </a:effectRef>
+          <a:fontRef idx="minor">
+            <a:schemeClr val="lt1"/>
+          </a:fontRef>
+        </p:style>
+        <p:txBody>
+          <a:bodyPr rtlCol="0" anchor="ctr"/>
+          <a:lstStyle/>
+          <a:p>
+            <a:pPr algn="ctr"/>
+            <a:r>
+              <a:rPr lang="en-US" dirty="0"/>
+              <a:t>Data Store</a:t>
+            </a:r>
+          </a:p>
+        </p:txBody>
+      </p:sp>
+      <p:sp>
+        <p:nvSpPr>
+          <p:cNvPr id="15" name="Equals 14">
+            <a:extLst>
+              <a:ext uri="{FF2B5EF4-FFF2-40B4-BE49-F238E27FC236}">
+                <a16:creationId xmlns:a16="http://schemas.microsoft.com/office/drawing/2014/main" id="{27F635A1-80A8-1A41-31E7-9F6828CCCE59}"/>
+              </a:ext>
+            </a:extLst>
+          </p:cNvPr>
+          <p:cNvSpPr/>
+          <p:nvPr/>
+        </p:nvSpPr>
+        <p:spPr>
+          <a:xfrm>
+            <a:off x="4879910" y="5103845"/>
+            <a:ext cx="2453951" cy="849085"/>
+          </a:xfrm>
+          <a:prstGeom prst="mathEqual">
+            <a:avLst/>
+          </a:prstGeom>
+        </p:spPr>
+        <p:style>
+          <a:lnRef idx="2">
+            <a:schemeClr val="accent1">
+              <a:shade val="15000"/>
+            </a:schemeClr>
+          </a:lnRef>
+          <a:fillRef idx="1">
+            <a:schemeClr val="accent1"/>
+          </a:fillRef>
+          <a:effectRef idx="0">
+            <a:schemeClr val="accent1"/>
+          </a:effectRef>
+          <a:fontRef idx="minor">
+            <a:schemeClr val="lt1"/>
+          </a:fontRef>
+        </p:style>
+        <p:txBody>
+          <a:bodyPr rtlCol="0" anchor="ctr"/>
+          <a:lstStyle/>
+          <a:p>
+            <a:pPr algn="ctr"/>
+            <a:endParaRPr lang="en-US">
+              <a:solidFill>
+                <a:schemeClr val="tx1"/>
+              </a:solidFill>
+            </a:endParaRPr>
+          </a:p>
+        </p:txBody>
+      </p:sp>
+      <p:sp>
+        <p:nvSpPr>
+          <p:cNvPr id="16" name="Multiplication Sign 15">
+            <a:extLst>
+              <a:ext uri="{FF2B5EF4-FFF2-40B4-BE49-F238E27FC236}">
+                <a16:creationId xmlns:a16="http://schemas.microsoft.com/office/drawing/2014/main" id="{AA1A12CB-2F57-AEB0-D04C-1208D8527952}"/>
+              </a:ext>
+            </a:extLst>
+          </p:cNvPr>
+          <p:cNvSpPr/>
+          <p:nvPr/>
+        </p:nvSpPr>
+        <p:spPr>
+          <a:xfrm>
+            <a:off x="5458408" y="4879910"/>
+            <a:ext cx="1306286" cy="1334278"/>
+          </a:xfrm>
+          <a:prstGeom prst="mathMultiply">
+            <a:avLst/>
+          </a:prstGeom>
+        </p:spPr>
+        <p:style>
+          <a:lnRef idx="3">
+            <a:schemeClr val="lt1"/>
+          </a:lnRef>
+          <a:fillRef idx="1">
+            <a:schemeClr val="accent2"/>
+          </a:fillRef>
+          <a:effectRef idx="1">
+            <a:schemeClr val="accent2"/>
+          </a:effectRef>
+          <a:fontRef idx="minor">
+            <a:schemeClr val="lt1"/>
+          </a:fontRef>
+        </p:style>
+        <p:txBody>
+          <a:bodyPr rtlCol="0" anchor="ctr"/>
+          <a:lstStyle/>
+          <a:p>
+            <a:pPr algn="ctr"/>
+            <a:endParaRPr lang="en-US"/>
+          </a:p>
+        </p:txBody>
+      </p:sp>
+      <p:sp>
+        <p:nvSpPr>
+          <p:cNvPr id="17" name="TextBox 16">
+            <a:extLst>
+              <a:ext uri="{FF2B5EF4-FFF2-40B4-BE49-F238E27FC236}">
+                <a16:creationId xmlns:a16="http://schemas.microsoft.com/office/drawing/2014/main" id="{6C4D4BC4-28E4-34D2-156A-9C4CD8ADE8E5}"/>
+              </a:ext>
+            </a:extLst>
+          </p:cNvPr>
+          <p:cNvSpPr txBox="1"/>
+          <p:nvPr/>
+        </p:nvSpPr>
+        <p:spPr>
+          <a:xfrm>
+            <a:off x="2649894" y="6214188"/>
+            <a:ext cx="7109926" cy="646331"/>
+          </a:xfrm>
+          <a:prstGeom prst="rect">
+            <a:avLst/>
+          </a:prstGeom>
+          <a:noFill/>
+        </p:spPr>
+        <p:txBody>
+          <a:bodyPr wrap="square" rtlCol="0">
+            <a:spAutoFit/>
+          </a:bodyPr>
+          <a:lstStyle/>
+          <a:p>
+            <a:r>
+              <a:rPr lang="en-US" dirty="0"/>
+              <a:t>Data is Different and Object is different, the object only has schema (properties) those are used in Iterations and condition to fetch data</a:t>
+            </a:r>
+          </a:p>
+        </p:txBody>
+      </p:sp>
+    </p:spTree>
+    <p:extLst>
+      <p:ext uri="{BB962C8B-B14F-4D97-AF65-F5344CB8AC3E}">
+        <p14:creationId xmlns:p14="http://schemas.microsoft.com/office/powerpoint/2010/main" val="866926447"/>
+      </p:ext>
+    </p:extLst>
+  </p:cSld>
+  <p:clrMapOvr>
+    <a:masterClrMapping/>
+  </p:clrMapOvr>
+</p:sld>
+</file>
+
+<file path=ppt/slides/slide23.xml><?xml version="1.0" encoding="utf-8"?>
+<p:sld xmlns:a="http://schemas.openxmlformats.org/drawingml/2006/main" xmlns:r="http://schemas.openxmlformats.org/officeDocument/2006/relationships" xmlns:p="http://schemas.openxmlformats.org/presentationml/2006/main">
+  <p:cSld>
+    <p:spTree>
+      <p:nvGrpSpPr>
+        <p:cNvPr id="1" name=""/>
+        <p:cNvGrpSpPr/>
+        <p:nvPr/>
+      </p:nvGrpSpPr>
+      <p:grpSpPr>
+        <a:xfrm>
+          <a:off x="0" y="0"/>
+          <a:ext cx="0" cy="0"/>
+          <a:chOff x="0" y="0"/>
+          <a:chExt cx="0" cy="0"/>
+        </a:xfrm>
+      </p:grpSpPr>
+      <p:sp>
+        <p:nvSpPr>
+          <p:cNvPr id="2" name="Rectangle: Rounded Corners 1">
+            <a:extLst>
+              <a:ext uri="{FF2B5EF4-FFF2-40B4-BE49-F238E27FC236}">
+                <a16:creationId xmlns:a16="http://schemas.microsoft.com/office/drawing/2014/main" id="{9B6DDA91-7F2B-50FD-FDE4-6BE4FAA62347}"/>
+              </a:ext>
+            </a:extLst>
+          </p:cNvPr>
+          <p:cNvSpPr/>
+          <p:nvPr/>
+        </p:nvSpPr>
+        <p:spPr>
+          <a:xfrm>
+            <a:off x="1536441" y="3842438"/>
+            <a:ext cx="2332653" cy="1017036"/>
+          </a:xfrm>
+          <a:prstGeom prst="roundRect">
+            <a:avLst/>
+          </a:prstGeom>
+        </p:spPr>
+        <p:style>
+          <a:lnRef idx="2">
+            <a:schemeClr val="accent1">
+              <a:shade val="15000"/>
+            </a:schemeClr>
+          </a:lnRef>
+          <a:fillRef idx="1">
+            <a:schemeClr val="accent1"/>
+          </a:fillRef>
+          <a:effectRef idx="0">
+            <a:schemeClr val="accent1"/>
+          </a:effectRef>
+          <a:fontRef idx="minor">
+            <a:schemeClr val="lt1"/>
+          </a:fontRef>
+        </p:style>
+        <p:txBody>
+          <a:bodyPr rtlCol="0" anchor="ctr"/>
+          <a:lstStyle/>
+          <a:p>
+            <a:pPr algn="ctr"/>
+            <a:r>
+              <a:rPr lang="en-US" sz="3200" dirty="0"/>
+              <a:t>Object</a:t>
+            </a:r>
+          </a:p>
+        </p:txBody>
+      </p:sp>
+      <p:sp>
+        <p:nvSpPr>
+          <p:cNvPr id="3" name="Cylinder 2">
+            <a:extLst>
+              <a:ext uri="{FF2B5EF4-FFF2-40B4-BE49-F238E27FC236}">
+                <a16:creationId xmlns:a16="http://schemas.microsoft.com/office/drawing/2014/main" id="{13BE5330-F327-27D0-08B9-D08366CDA7D0}"/>
+              </a:ext>
+            </a:extLst>
+          </p:cNvPr>
+          <p:cNvSpPr/>
+          <p:nvPr/>
+        </p:nvSpPr>
+        <p:spPr>
+          <a:xfrm>
+            <a:off x="7088155" y="3786454"/>
+            <a:ext cx="3387012" cy="1017036"/>
+          </a:xfrm>
+          <a:prstGeom prst="can">
+            <a:avLst/>
+          </a:prstGeom>
+        </p:spPr>
+        <p:style>
+          <a:lnRef idx="2">
+            <a:schemeClr val="accent1">
+              <a:shade val="15000"/>
+            </a:schemeClr>
+          </a:lnRef>
+          <a:fillRef idx="1">
+            <a:schemeClr val="accent1"/>
+          </a:fillRef>
+          <a:effectRef idx="0">
+            <a:schemeClr val="accent1"/>
+          </a:effectRef>
+          <a:fontRef idx="minor">
+            <a:schemeClr val="lt1"/>
+          </a:fontRef>
+        </p:style>
+        <p:txBody>
+          <a:bodyPr rtlCol="0" anchor="ctr"/>
+          <a:lstStyle/>
+          <a:p>
+            <a:pPr algn="ctr"/>
+            <a:r>
+              <a:rPr lang="en-US" dirty="0"/>
+              <a:t>Data Store</a:t>
+            </a:r>
+          </a:p>
+        </p:txBody>
+      </p:sp>
+      <p:sp>
+        <p:nvSpPr>
+          <p:cNvPr id="4" name="Equals 3">
+            <a:extLst>
+              <a:ext uri="{FF2B5EF4-FFF2-40B4-BE49-F238E27FC236}">
+                <a16:creationId xmlns:a16="http://schemas.microsoft.com/office/drawing/2014/main" id="{7784D97F-4FE4-1C9D-E54B-54EFAAE06323}"/>
+              </a:ext>
+            </a:extLst>
+          </p:cNvPr>
+          <p:cNvSpPr/>
+          <p:nvPr/>
+        </p:nvSpPr>
+        <p:spPr>
+          <a:xfrm>
+            <a:off x="4251649" y="3926413"/>
+            <a:ext cx="2453951" cy="849085"/>
+          </a:xfrm>
+          <a:prstGeom prst="mathEqual">
+            <a:avLst/>
+          </a:prstGeom>
+        </p:spPr>
+        <p:style>
+          <a:lnRef idx="2">
+            <a:schemeClr val="accent1">
+              <a:shade val="15000"/>
+            </a:schemeClr>
+          </a:lnRef>
+          <a:fillRef idx="1">
+            <a:schemeClr val="accent1"/>
+          </a:fillRef>
+          <a:effectRef idx="0">
+            <a:schemeClr val="accent1"/>
+          </a:effectRef>
+          <a:fontRef idx="minor">
+            <a:schemeClr val="lt1"/>
+          </a:fontRef>
+        </p:style>
+        <p:txBody>
+          <a:bodyPr rtlCol="0" anchor="ctr"/>
+          <a:lstStyle/>
+          <a:p>
+            <a:pPr algn="ctr"/>
+            <a:endParaRPr lang="en-US">
+              <a:solidFill>
+                <a:schemeClr val="tx1"/>
+              </a:solidFill>
+            </a:endParaRPr>
+          </a:p>
+        </p:txBody>
+      </p:sp>
+      <p:sp>
+        <p:nvSpPr>
+          <p:cNvPr id="5" name="TextBox 4">
+            <a:extLst>
+              <a:ext uri="{FF2B5EF4-FFF2-40B4-BE49-F238E27FC236}">
+                <a16:creationId xmlns:a16="http://schemas.microsoft.com/office/drawing/2014/main" id="{5F0E0F9A-4C42-4041-EDF3-FE591AF5D06E}"/>
+              </a:ext>
+            </a:extLst>
+          </p:cNvPr>
+          <p:cNvSpPr txBox="1"/>
+          <p:nvPr/>
+        </p:nvSpPr>
+        <p:spPr>
+          <a:xfrm>
+            <a:off x="933061" y="503853"/>
+            <a:ext cx="10384972" cy="2554545"/>
+          </a:xfrm>
+          <a:prstGeom prst="rect">
+            <a:avLst/>
+          </a:prstGeom>
+          <a:noFill/>
+        </p:spPr>
+        <p:txBody>
+          <a:bodyPr wrap="square" rtlCol="0">
+            <a:spAutoFit/>
+          </a:bodyPr>
+          <a:lstStyle/>
+          <a:p>
+            <a:pPr algn="ctr"/>
+            <a:r>
+              <a:rPr lang="en-US" sz="4000" b="1" dirty="0"/>
+              <a:t>The LINQ Removed Gap between Data and Object</a:t>
+            </a:r>
+          </a:p>
+          <a:p>
+            <a:pPr algn="ctr"/>
+            <a:r>
+              <a:rPr lang="en-US" sz="4000" b="1" dirty="0"/>
+              <a:t>An Object Itself is Data</a:t>
+            </a:r>
+          </a:p>
+          <a:p>
+            <a:pPr algn="ctr"/>
+            <a:r>
+              <a:rPr lang="en-US" sz="4000" b="1" dirty="0"/>
+              <a:t>And Hence It can be </a:t>
+            </a:r>
+            <a:r>
+              <a:rPr lang="en-US" sz="4000" b="1"/>
+              <a:t>Queried Easily</a:t>
+            </a:r>
+            <a:endParaRPr lang="en-US" sz="4000" b="1" dirty="0"/>
+          </a:p>
+        </p:txBody>
+      </p:sp>
+    </p:spTree>
+    <p:extLst>
+      <p:ext uri="{BB962C8B-B14F-4D97-AF65-F5344CB8AC3E}">
+        <p14:creationId xmlns:p14="http://schemas.microsoft.com/office/powerpoint/2010/main" val="3719091805"/>
+      </p:ext>
+    </p:extLst>
+  </p:cSld>
+  <p:clrMapOvr>
+    <a:masterClrMapping/>
+  </p:clrMapOvr>
+</p:sld>
+</file>
+
+<file path=ppt/slides/slide24.xml><?xml version="1.0" encoding="utf-8"?>
+<p:sld xmlns:a="http://schemas.openxmlformats.org/drawingml/2006/main" xmlns:r="http://schemas.openxmlformats.org/officeDocument/2006/relationships" xmlns:p="http://schemas.openxmlformats.org/presentationml/2006/main">
+  <p:cSld>
+    <p:spTree>
+      <p:nvGrpSpPr>
+        <p:cNvPr id="1" name=""/>
+        <p:cNvGrpSpPr/>
+        <p:nvPr/>
+      </p:nvGrpSpPr>
+      <p:grpSpPr>
+        <a:xfrm>
+          <a:off x="0" y="0"/>
+          <a:ext cx="0" cy="0"/>
+          <a:chOff x="0" y="0"/>
+          <a:chExt cx="0" cy="0"/>
+        </a:xfrm>
+      </p:grpSpPr>
+      <p:pic>
+        <p:nvPicPr>
+          <p:cNvPr id="1026" name="Picture 2" descr="Diagram of the complete LINQ query operation.">
+            <a:extLst>
+              <a:ext uri="{FF2B5EF4-FFF2-40B4-BE49-F238E27FC236}">
+                <a16:creationId xmlns:a16="http://schemas.microsoft.com/office/drawing/2014/main" id="{8644130B-D36A-9560-33C8-2B159A31778A}"/>
+              </a:ext>
+            </a:extLst>
+          </p:cNvPr>
+          <p:cNvPicPr>
+            <a:picLocks noChangeAspect="1" noChangeArrowheads="1"/>
+          </p:cNvPicPr>
+          <p:nvPr/>
+        </p:nvPicPr>
+        <p:blipFill>
+          <a:blip r:embed="rId2">
+            <a:extLst>
+              <a:ext uri="{28A0092B-C50C-407E-A947-70E740481C1C}">
+                <a14:useLocalDpi xmlns:a14="http://schemas.microsoft.com/office/drawing/2010/main" val="0"/>
+              </a:ext>
+            </a:extLst>
+          </a:blip>
+          <a:srcRect/>
+          <a:stretch>
+            <a:fillRect/>
+          </a:stretch>
+        </p:blipFill>
+        <p:spPr bwMode="auto">
+          <a:xfrm>
+            <a:off x="4652963" y="1762125"/>
+            <a:ext cx="2886075" cy="3333750"/>
+          </a:xfrm>
+          <a:prstGeom prst="rect">
+            <a:avLst/>
+          </a:prstGeom>
+          <a:noFill/>
+          <a:extLst>
+            <a:ext uri="{909E8E84-426E-40DD-AFC4-6F175D3DCCD1}">
+              <a14:hiddenFill xmlns:a14="http://schemas.microsoft.com/office/drawing/2010/main">
+                <a:solidFill>
+                  <a:srgbClr val="FFFFFF"/>
+                </a:solidFill>
+              </a14:hiddenFill>
+            </a:ext>
+          </a:extLst>
+        </p:spPr>
+      </p:pic>
+    </p:spTree>
+    <p:extLst>
+      <p:ext uri="{BB962C8B-B14F-4D97-AF65-F5344CB8AC3E}">
+        <p14:creationId xmlns:p14="http://schemas.microsoft.com/office/powerpoint/2010/main" val="372776506"/>
+      </p:ext>
+    </p:extLst>
+  </p:cSld>
+  <p:clrMapOvr>
+    <a:masterClrMapping/>
+  </p:clrMapOvr>
+</p:sld>
+</file>
+
 <file path=ppt/slides/slide3.xml><?xml version="1.0" encoding="utf-8"?>
 <p:sld xmlns:a="http://schemas.openxmlformats.org/drawingml/2006/main" xmlns:r="http://schemas.openxmlformats.org/officeDocument/2006/relationships" xmlns:p="http://schemas.openxmlformats.org/presentationml/2006/main">
   <p:cSld>
@@ -13733,10 +19012,10 @@
       </p:grpSpPr>
       <p:sp>
         <p:nvSpPr>
-          <p:cNvPr id="2" name="Rectangle 1">
-            <a:extLst>
-              <a:ext uri="{FF2B5EF4-FFF2-40B4-BE49-F238E27FC236}">
-                <a16:creationId xmlns:a16="http://schemas.microsoft.com/office/drawing/2014/main" id="{EB7B0383-27A1-C6F6-C798-F01B366BB150}"/>
+          <p:cNvPr id="2" name="Rectangle: Rounded Corners 1">
+            <a:extLst>
+              <a:ext uri="{FF2B5EF4-FFF2-40B4-BE49-F238E27FC236}">
+                <a16:creationId xmlns:a16="http://schemas.microsoft.com/office/drawing/2014/main" id="{A9D7FFA8-ADBC-1907-2923-E77837064516}"/>
               </a:ext>
             </a:extLst>
           </p:cNvPr>
@@ -13745,91 +19024,10 @@
         </p:nvSpPr>
         <p:spPr>
           <a:xfrm>
-            <a:off x="4917233" y="667138"/>
-            <a:ext cx="3872204" cy="5523723"/>
-          </a:xfrm>
-          <a:prstGeom prst="rect">
-            <a:avLst/>
-          </a:prstGeom>
-        </p:spPr>
-        <p:style>
-          <a:lnRef idx="2">
-            <a:schemeClr val="accent6"/>
-          </a:lnRef>
-          <a:fillRef idx="1">
-            <a:schemeClr val="lt1"/>
-          </a:fillRef>
-          <a:effectRef idx="0">
-            <a:schemeClr val="accent6"/>
-          </a:effectRef>
-          <a:fontRef idx="minor">
-            <a:schemeClr val="dk1"/>
-          </a:fontRef>
-        </p:style>
-        <p:txBody>
-          <a:bodyPr rtlCol="0" anchor="ctr"/>
-          <a:lstStyle/>
-          <a:p>
-            <a:pPr algn="ctr"/>
-            <a:endParaRPr lang="en-US" dirty="0"/>
-          </a:p>
-        </p:txBody>
-      </p:sp>
-      <p:sp>
-        <p:nvSpPr>
-          <p:cNvPr id="3" name="TextBox 2">
-            <a:extLst>
-              <a:ext uri="{FF2B5EF4-FFF2-40B4-BE49-F238E27FC236}">
-                <a16:creationId xmlns:a16="http://schemas.microsoft.com/office/drawing/2014/main" id="{4878F010-3221-6F08-5EC7-0D121A0BF677}"/>
-              </a:ext>
-            </a:extLst>
-          </p:cNvPr>
-          <p:cNvSpPr txBox="1"/>
-          <p:nvPr/>
-        </p:nvSpPr>
-        <p:spPr>
-          <a:xfrm>
-            <a:off x="5113176" y="951722"/>
-            <a:ext cx="3377681" cy="369332"/>
-          </a:xfrm>
-          <a:prstGeom prst="rect">
-            <a:avLst/>
-          </a:prstGeom>
-          <a:noFill/>
-        </p:spPr>
-        <p:txBody>
-          <a:bodyPr wrap="square" rtlCol="0">
-            <a:spAutoFit/>
-          </a:bodyPr>
-          <a:lstStyle/>
-          <a:p>
-            <a:pPr algn="ctr"/>
-            <a:r>
-              <a:rPr lang="en-US" b="1" dirty="0" err="1"/>
-              <a:t>EComm</a:t>
-            </a:r>
-            <a:endParaRPr lang="en-US" b="1" dirty="0"/>
-          </a:p>
-        </p:txBody>
-      </p:sp>
-      <p:sp>
-        <p:nvSpPr>
-          <p:cNvPr id="4" name="Rectangle 3">
-            <a:extLst>
-              <a:ext uri="{FF2B5EF4-FFF2-40B4-BE49-F238E27FC236}">
-                <a16:creationId xmlns:a16="http://schemas.microsoft.com/office/drawing/2014/main" id="{382B88A5-4A20-13E0-E144-4466115F8EFC}"/>
-              </a:ext>
-            </a:extLst>
-          </p:cNvPr>
-          <p:cNvSpPr/>
-          <p:nvPr/>
-        </p:nvSpPr>
-        <p:spPr>
-          <a:xfrm>
-            <a:off x="5113180" y="1384035"/>
-            <a:ext cx="3377681" cy="783772"/>
-          </a:xfrm>
-          <a:prstGeom prst="rect">
+            <a:off x="4973216" y="270588"/>
+            <a:ext cx="1614196" cy="877077"/>
+          </a:xfrm>
+          <a:prstGeom prst="roundRect">
             <a:avLst/>
           </a:prstGeom>
         </p:spPr>
@@ -13855,18 +19053,25 @@
           <a:p>
             <a:pPr algn="ctr"/>
             <a:r>
-              <a:rPr lang="en-US" b="1" dirty="0"/>
-              <a:t>Manufacturer</a:t>
-            </a:r>
-          </a:p>
-        </p:txBody>
-      </p:sp>
-      <p:sp>
-        <p:nvSpPr>
-          <p:cNvPr id="5" name="Rectangle 4">
-            <a:extLst>
-              <a:ext uri="{FF2B5EF4-FFF2-40B4-BE49-F238E27FC236}">
-                <a16:creationId xmlns:a16="http://schemas.microsoft.com/office/drawing/2014/main" id="{0C9CBB5E-1A81-641B-258E-6A2155DD7024}"/>
+              <a:rPr lang="en-US" dirty="0"/>
+              <a:t>Abstract</a:t>
+            </a:r>
+          </a:p>
+          <a:p>
+            <a:pPr algn="ctr"/>
+            <a:r>
+              <a:rPr lang="en-US" dirty="0"/>
+              <a:t>Class</a:t>
+            </a:r>
+          </a:p>
+        </p:txBody>
+      </p:sp>
+      <p:sp>
+        <p:nvSpPr>
+          <p:cNvPr id="3" name="Rectangle: Rounded Corners 2">
+            <a:extLst>
+              <a:ext uri="{FF2B5EF4-FFF2-40B4-BE49-F238E27FC236}">
+                <a16:creationId xmlns:a16="http://schemas.microsoft.com/office/drawing/2014/main" id="{C3E372DC-EEF7-3D98-C8EE-97335CA079A0}"/>
               </a:ext>
             </a:extLst>
           </p:cNvPr>
@@ -13875,10 +19080,10 @@
         </p:nvSpPr>
         <p:spPr>
           <a:xfrm>
-            <a:off x="5113179" y="2364532"/>
-            <a:ext cx="3377681" cy="783772"/>
-          </a:xfrm>
-          <a:prstGeom prst="rect">
+            <a:off x="2727648" y="1533330"/>
+            <a:ext cx="1614196" cy="877077"/>
+          </a:xfrm>
+          <a:prstGeom prst="roundRect">
             <a:avLst/>
           </a:prstGeom>
         </p:spPr>
@@ -13904,18 +19109,18 @@
           <a:p>
             <a:pPr algn="ctr"/>
             <a:r>
-              <a:rPr lang="en-US" b="1" dirty="0"/>
-              <a:t>Product</a:t>
-            </a:r>
-          </a:p>
-        </p:txBody>
-      </p:sp>
-      <p:sp>
-        <p:nvSpPr>
-          <p:cNvPr id="6" name="Rectangle 5">
-            <a:extLst>
-              <a:ext uri="{FF2B5EF4-FFF2-40B4-BE49-F238E27FC236}">
-                <a16:creationId xmlns:a16="http://schemas.microsoft.com/office/drawing/2014/main" id="{19CE6460-E219-0E51-5951-E1600E961C61}"/>
+              <a:rPr lang="en-US" dirty="0"/>
+              <a:t>Derived Class 1</a:t>
+            </a:r>
+          </a:p>
+        </p:txBody>
+      </p:sp>
+      <p:sp>
+        <p:nvSpPr>
+          <p:cNvPr id="4" name="Rectangle: Rounded Corners 3">
+            <a:extLst>
+              <a:ext uri="{FF2B5EF4-FFF2-40B4-BE49-F238E27FC236}">
+                <a16:creationId xmlns:a16="http://schemas.microsoft.com/office/drawing/2014/main" id="{1352EEE1-32BC-6F0F-5997-68087FEE3E74}"/>
               </a:ext>
             </a:extLst>
           </p:cNvPr>
@@ -13924,10 +19129,10 @@
         </p:nvSpPr>
         <p:spPr>
           <a:xfrm>
-            <a:off x="5113178" y="3294484"/>
-            <a:ext cx="3377681" cy="783772"/>
-          </a:xfrm>
-          <a:prstGeom prst="rect">
+            <a:off x="7043060" y="1533330"/>
+            <a:ext cx="1614196" cy="877077"/>
+          </a:xfrm>
+          <a:prstGeom prst="roundRect">
             <a:avLst/>
           </a:prstGeom>
         </p:spPr>
@@ -13953,18 +19158,109 @@
           <a:p>
             <a:pPr algn="ctr"/>
             <a:r>
-              <a:rPr lang="en-US" b="1" dirty="0"/>
-              <a:t>Customer</a:t>
-            </a:r>
-          </a:p>
-        </p:txBody>
-      </p:sp>
-      <p:sp>
-        <p:nvSpPr>
-          <p:cNvPr id="7" name="Rectangle 6">
-            <a:extLst>
-              <a:ext uri="{FF2B5EF4-FFF2-40B4-BE49-F238E27FC236}">
-                <a16:creationId xmlns:a16="http://schemas.microsoft.com/office/drawing/2014/main" id="{1E088F66-07B9-76F8-B6D0-7C7FC9456EE9}"/>
+              <a:rPr lang="en-US" dirty="0"/>
+              <a:t>Derived Class</a:t>
+            </a:r>
+          </a:p>
+          <a:p>
+            <a:pPr algn="ctr"/>
+            <a:r>
+              <a:rPr lang="en-US" dirty="0"/>
+              <a:t>2</a:t>
+            </a:r>
+          </a:p>
+        </p:txBody>
+      </p:sp>
+      <p:cxnSp>
+        <p:nvCxnSpPr>
+          <p:cNvPr id="6" name="Connector: Elbow 5">
+            <a:extLst>
+              <a:ext uri="{FF2B5EF4-FFF2-40B4-BE49-F238E27FC236}">
+                <a16:creationId xmlns:a16="http://schemas.microsoft.com/office/drawing/2014/main" id="{65781884-8DC0-3A95-D3AD-20CAE84EFC82}"/>
+              </a:ext>
+            </a:extLst>
+          </p:cNvPr>
+          <p:cNvCxnSpPr>
+            <a:stCxn id="2" idx="1"/>
+            <a:endCxn id="3" idx="0"/>
+          </p:cNvCxnSpPr>
+          <p:nvPr/>
+        </p:nvCxnSpPr>
+        <p:spPr>
+          <a:xfrm rot="10800000" flipV="1">
+            <a:off x="3534746" y="709126"/>
+            <a:ext cx="1438470" cy="824203"/>
+          </a:xfrm>
+          <a:prstGeom prst="bentConnector2">
+            <a:avLst/>
+          </a:prstGeom>
+          <a:ln>
+            <a:tailEnd type="triangle"/>
+          </a:ln>
+        </p:spPr>
+        <p:style>
+          <a:lnRef idx="1">
+            <a:schemeClr val="accent1"/>
+          </a:lnRef>
+          <a:fillRef idx="0">
+            <a:schemeClr val="accent1"/>
+          </a:fillRef>
+          <a:effectRef idx="0">
+            <a:schemeClr val="accent1"/>
+          </a:effectRef>
+          <a:fontRef idx="minor">
+            <a:schemeClr val="tx1"/>
+          </a:fontRef>
+        </p:style>
+      </p:cxnSp>
+      <p:cxnSp>
+        <p:nvCxnSpPr>
+          <p:cNvPr id="8" name="Connector: Elbow 7">
+            <a:extLst>
+              <a:ext uri="{FF2B5EF4-FFF2-40B4-BE49-F238E27FC236}">
+                <a16:creationId xmlns:a16="http://schemas.microsoft.com/office/drawing/2014/main" id="{86D32174-5D2F-4844-6078-590C8DC3FFF0}"/>
+              </a:ext>
+            </a:extLst>
+          </p:cNvPr>
+          <p:cNvCxnSpPr>
+            <a:stCxn id="2" idx="3"/>
+            <a:endCxn id="4" idx="0"/>
+          </p:cNvCxnSpPr>
+          <p:nvPr/>
+        </p:nvCxnSpPr>
+        <p:spPr>
+          <a:xfrm>
+            <a:off x="6587412" y="709127"/>
+            <a:ext cx="1262746" cy="824203"/>
+          </a:xfrm>
+          <a:prstGeom prst="bentConnector2">
+            <a:avLst/>
+          </a:prstGeom>
+          <a:ln>
+            <a:tailEnd type="triangle"/>
+          </a:ln>
+        </p:spPr>
+        <p:style>
+          <a:lnRef idx="1">
+            <a:schemeClr val="accent1"/>
+          </a:lnRef>
+          <a:fillRef idx="0">
+            <a:schemeClr val="accent1"/>
+          </a:fillRef>
+          <a:effectRef idx="0">
+            <a:schemeClr val="accent1"/>
+          </a:effectRef>
+          <a:fontRef idx="minor">
+            <a:schemeClr val="tx1"/>
+          </a:fontRef>
+        </p:style>
+      </p:cxnSp>
+      <p:sp>
+        <p:nvSpPr>
+          <p:cNvPr id="10" name="Rectangle: Rounded Corners 9">
+            <a:extLst>
+              <a:ext uri="{FF2B5EF4-FFF2-40B4-BE49-F238E27FC236}">
+                <a16:creationId xmlns:a16="http://schemas.microsoft.com/office/drawing/2014/main" id="{31905615-1EFC-D65B-B77F-0E20C63CEFC7}"/>
               </a:ext>
             </a:extLst>
           </p:cNvPr>
@@ -13973,10 +19269,10 @@
         </p:nvSpPr>
         <p:spPr>
           <a:xfrm>
-            <a:off x="5113177" y="4209664"/>
-            <a:ext cx="3377681" cy="783772"/>
-          </a:xfrm>
-          <a:prstGeom prst="rect">
+            <a:off x="1398813" y="3023116"/>
+            <a:ext cx="1614196" cy="877077"/>
+          </a:xfrm>
+          <a:prstGeom prst="roundRect">
             <a:avLst/>
           </a:prstGeom>
         </p:spPr>
@@ -14002,18 +19298,25 @@
           <a:p>
             <a:pPr algn="ctr"/>
             <a:r>
-              <a:rPr lang="en-US" b="1" dirty="0"/>
-              <a:t>Order</a:t>
-            </a:r>
-          </a:p>
-        </p:txBody>
-      </p:sp>
-      <p:sp>
-        <p:nvSpPr>
-          <p:cNvPr id="8" name="Rectangle 7">
-            <a:extLst>
-              <a:ext uri="{FF2B5EF4-FFF2-40B4-BE49-F238E27FC236}">
-                <a16:creationId xmlns:a16="http://schemas.microsoft.com/office/drawing/2014/main" id="{B070A173-F589-ED9B-F6A5-D9BEE326414D}"/>
+              <a:rPr lang="en-US" dirty="0"/>
+              <a:t>DD1</a:t>
+            </a:r>
+          </a:p>
+          <a:p>
+            <a:pPr algn="ctr"/>
+            <a:r>
+              <a:rPr lang="en-US" dirty="0"/>
+              <a:t>Class</a:t>
+            </a:r>
+          </a:p>
+        </p:txBody>
+      </p:sp>
+      <p:sp>
+        <p:nvSpPr>
+          <p:cNvPr id="11" name="Rectangle: Rounded Corners 10">
+            <a:extLst>
+              <a:ext uri="{FF2B5EF4-FFF2-40B4-BE49-F238E27FC236}">
+                <a16:creationId xmlns:a16="http://schemas.microsoft.com/office/drawing/2014/main" id="{7BE13260-FC8E-445E-0F05-4967528E0C74}"/>
               </a:ext>
             </a:extLst>
           </p:cNvPr>
@@ -14022,10 +19325,10 @@
         </p:nvSpPr>
         <p:spPr>
           <a:xfrm>
-            <a:off x="5113176" y="5122506"/>
-            <a:ext cx="3377681" cy="783772"/>
-          </a:xfrm>
-          <a:prstGeom prst="rect">
+            <a:off x="4029268" y="3023117"/>
+            <a:ext cx="1614196" cy="877077"/>
+          </a:xfrm>
+          <a:prstGeom prst="roundRect">
             <a:avLst/>
           </a:prstGeom>
         </p:spPr>
@@ -14051,18 +19354,25 @@
           <a:p>
             <a:pPr algn="ctr"/>
             <a:r>
-              <a:rPr lang="en-US" b="1" dirty="0"/>
-              <a:t>Dispatch</a:t>
-            </a:r>
-          </a:p>
-        </p:txBody>
-      </p:sp>
-      <p:sp>
-        <p:nvSpPr>
-          <p:cNvPr id="9" name="Flowchart: Magnetic Disk 8">
-            <a:extLst>
-              <a:ext uri="{FF2B5EF4-FFF2-40B4-BE49-F238E27FC236}">
-                <a16:creationId xmlns:a16="http://schemas.microsoft.com/office/drawing/2014/main" id="{59360DFE-CBB0-60AB-CACE-DA839E6BF4FB}"/>
+              <a:rPr lang="en-US" dirty="0"/>
+              <a:t>DD2</a:t>
+            </a:r>
+          </a:p>
+          <a:p>
+            <a:pPr algn="ctr"/>
+            <a:r>
+              <a:rPr lang="en-US" dirty="0"/>
+              <a:t>Class</a:t>
+            </a:r>
+          </a:p>
+        </p:txBody>
+      </p:sp>
+      <p:sp>
+        <p:nvSpPr>
+          <p:cNvPr id="12" name="Rectangle: Rounded Corners 11">
+            <a:extLst>
+              <a:ext uri="{FF2B5EF4-FFF2-40B4-BE49-F238E27FC236}">
+                <a16:creationId xmlns:a16="http://schemas.microsoft.com/office/drawing/2014/main" id="{82FC1451-D8F6-4815-F3DF-9020BFE29181}"/>
               </a:ext>
             </a:extLst>
           </p:cNvPr>
@@ -14071,10 +19381,10 @@
         </p:nvSpPr>
         <p:spPr>
           <a:xfrm>
-            <a:off x="9582539" y="1571427"/>
-            <a:ext cx="2258008" cy="1405817"/>
-          </a:xfrm>
-          <a:prstGeom prst="flowChartMagneticDisk">
+            <a:off x="6109996" y="2990461"/>
+            <a:ext cx="1614196" cy="877077"/>
+          </a:xfrm>
+          <a:prstGeom prst="roundRect">
             <a:avLst/>
           </a:prstGeom>
         </p:spPr>
@@ -14101,129 +19411,98 @@
             <a:pPr algn="ctr"/>
             <a:r>
               <a:rPr lang="en-US" dirty="0"/>
-              <a:t>SQL </a:t>
+              <a:t>DD21</a:t>
             </a:r>
           </a:p>
           <a:p>
             <a:pPr algn="ctr"/>
             <a:r>
               <a:rPr lang="en-US" dirty="0"/>
-              <a:t>Database</a:t>
-            </a:r>
-          </a:p>
-        </p:txBody>
-      </p:sp>
-      <p:cxnSp>
-        <p:nvCxnSpPr>
-          <p:cNvPr id="11" name="Connector: Elbow 10">
-            <a:extLst>
-              <a:ext uri="{FF2B5EF4-FFF2-40B4-BE49-F238E27FC236}">
-                <a16:creationId xmlns:a16="http://schemas.microsoft.com/office/drawing/2014/main" id="{EC1F648E-9C6B-266C-889E-225716589A4A}"/>
-              </a:ext>
-            </a:extLst>
-          </p:cNvPr>
-          <p:cNvCxnSpPr>
-            <a:stCxn id="4" idx="3"/>
-            <a:endCxn id="9" idx="2"/>
-          </p:cNvCxnSpPr>
-          <p:nvPr/>
-        </p:nvCxnSpPr>
-        <p:spPr>
-          <a:xfrm>
-            <a:off x="8490861" y="1775921"/>
-            <a:ext cx="1091678" cy="498415"/>
-          </a:xfrm>
-          <a:prstGeom prst="bentConnector3">
-            <a:avLst/>
-          </a:prstGeom>
-          <a:ln>
-            <a:headEnd type="triangle"/>
-            <a:tailEnd type="triangle"/>
-          </a:ln>
-        </p:spPr>
-        <p:style>
-          <a:lnRef idx="1">
-            <a:schemeClr val="accent1"/>
-          </a:lnRef>
-          <a:fillRef idx="0">
-            <a:schemeClr val="accent1"/>
-          </a:fillRef>
-          <a:effectRef idx="0">
-            <a:schemeClr val="accent1"/>
-          </a:effectRef>
-          <a:fontRef idx="minor">
-            <a:schemeClr val="tx1"/>
-          </a:fontRef>
-        </p:style>
-      </p:cxnSp>
-      <p:cxnSp>
-        <p:nvCxnSpPr>
-          <p:cNvPr id="13" name="Connector: Elbow 12">
-            <a:extLst>
-              <a:ext uri="{FF2B5EF4-FFF2-40B4-BE49-F238E27FC236}">
-                <a16:creationId xmlns:a16="http://schemas.microsoft.com/office/drawing/2014/main" id="{0E79C533-4EB6-8E0E-34CA-F6492A5ECCC1}"/>
-              </a:ext>
-            </a:extLst>
-          </p:cNvPr>
-          <p:cNvCxnSpPr>
-            <a:stCxn id="5" idx="3"/>
-            <a:endCxn id="9" idx="2"/>
-          </p:cNvCxnSpPr>
-          <p:nvPr/>
-        </p:nvCxnSpPr>
-        <p:spPr>
-          <a:xfrm flipV="1">
-            <a:off x="8490860" y="2274336"/>
-            <a:ext cx="1091679" cy="482082"/>
-          </a:xfrm>
-          <a:prstGeom prst="bentConnector3">
-            <a:avLst/>
-          </a:prstGeom>
-          <a:ln>
-            <a:headEnd type="triangle"/>
-            <a:tailEnd type="triangle"/>
-          </a:ln>
-        </p:spPr>
-        <p:style>
-          <a:lnRef idx="1">
-            <a:schemeClr val="accent1"/>
-          </a:lnRef>
-          <a:fillRef idx="0">
-            <a:schemeClr val="accent1"/>
-          </a:fillRef>
-          <a:effectRef idx="0">
-            <a:schemeClr val="accent1"/>
-          </a:effectRef>
-          <a:fontRef idx="minor">
-            <a:schemeClr val="tx1"/>
-          </a:fontRef>
-        </p:style>
-      </p:cxnSp>
+              <a:t>Class</a:t>
+            </a:r>
+          </a:p>
+        </p:txBody>
+      </p:sp>
+      <p:sp>
+        <p:nvSpPr>
+          <p:cNvPr id="13" name="Rectangle: Rounded Corners 12">
+            <a:extLst>
+              <a:ext uri="{FF2B5EF4-FFF2-40B4-BE49-F238E27FC236}">
+                <a16:creationId xmlns:a16="http://schemas.microsoft.com/office/drawing/2014/main" id="{15B698AB-64DD-753A-2974-56FEE27AEC62}"/>
+              </a:ext>
+            </a:extLst>
+          </p:cNvPr>
+          <p:cNvSpPr/>
+          <p:nvPr/>
+        </p:nvSpPr>
+        <p:spPr>
+          <a:xfrm>
+            <a:off x="8035215" y="2990460"/>
+            <a:ext cx="1614196" cy="877077"/>
+          </a:xfrm>
+          <a:prstGeom prst="roundRect">
+            <a:avLst/>
+          </a:prstGeom>
+        </p:spPr>
+        <p:style>
+          <a:lnRef idx="2">
+            <a:schemeClr val="accent1">
+              <a:shade val="15000"/>
+            </a:schemeClr>
+          </a:lnRef>
+          <a:fillRef idx="1">
+            <a:schemeClr val="accent1"/>
+          </a:fillRef>
+          <a:effectRef idx="0">
+            <a:schemeClr val="accent1"/>
+          </a:effectRef>
+          <a:fontRef idx="minor">
+            <a:schemeClr val="lt1"/>
+          </a:fontRef>
+        </p:style>
+        <p:txBody>
+          <a:bodyPr rtlCol="0" anchor="ctr"/>
+          <a:lstStyle/>
+          <a:p>
+            <a:pPr algn="ctr"/>
+            <a:r>
+              <a:rPr lang="en-US" dirty="0"/>
+              <a:t>DD22</a:t>
+            </a:r>
+          </a:p>
+          <a:p>
+            <a:pPr algn="ctr"/>
+            <a:r>
+              <a:rPr lang="en-US" dirty="0"/>
+              <a:t>Class</a:t>
+            </a:r>
+          </a:p>
+        </p:txBody>
+      </p:sp>
       <p:cxnSp>
         <p:nvCxnSpPr>
           <p:cNvPr id="15" name="Connector: Elbow 14">
             <a:extLst>
               <a:ext uri="{FF2B5EF4-FFF2-40B4-BE49-F238E27FC236}">
-                <a16:creationId xmlns:a16="http://schemas.microsoft.com/office/drawing/2014/main" id="{3FA41D27-1DCF-CB54-A0BA-650C2CA782BF}"/>
+                <a16:creationId xmlns:a16="http://schemas.microsoft.com/office/drawing/2014/main" id="{DB1E6CCC-7521-428D-C3A6-0EF9C6C341F4}"/>
               </a:ext>
             </a:extLst>
           </p:cNvPr>
           <p:cNvCxnSpPr>
-            <a:stCxn id="6" idx="3"/>
-            <a:endCxn id="9" idx="2"/>
+            <a:stCxn id="3" idx="1"/>
+            <a:endCxn id="10" idx="0"/>
           </p:cNvCxnSpPr>
           <p:nvPr/>
         </p:nvCxnSpPr>
         <p:spPr>
-          <a:xfrm flipV="1">
-            <a:off x="8490859" y="2274336"/>
-            <a:ext cx="1091680" cy="1412034"/>
-          </a:xfrm>
-          <a:prstGeom prst="bentConnector3">
+          <a:xfrm rot="10800000" flipV="1">
+            <a:off x="2205912" y="1971868"/>
+            <a:ext cx="521737" cy="1051247"/>
+          </a:xfrm>
+          <a:prstGeom prst="bentConnector2">
             <a:avLst/>
           </a:prstGeom>
           <a:ln>
-            <a:headEnd type="triangle"/>
             <a:tailEnd type="triangle"/>
           </a:ln>
         </p:spPr>
@@ -14247,29 +19526,25 @@
           <p:cNvPr id="17" name="Connector: Elbow 16">
             <a:extLst>
               <a:ext uri="{FF2B5EF4-FFF2-40B4-BE49-F238E27FC236}">
-                <a16:creationId xmlns:a16="http://schemas.microsoft.com/office/drawing/2014/main" id="{38292542-6547-132E-5C75-6857343EE3D6}"/>
+                <a16:creationId xmlns:a16="http://schemas.microsoft.com/office/drawing/2014/main" id="{AA855307-F03F-ACA5-2327-EA145576DA73}"/>
               </a:ext>
             </a:extLst>
           </p:cNvPr>
           <p:cNvCxnSpPr>
-            <a:cxnSpLocks/>
-            <a:stCxn id="7" idx="3"/>
-            <a:endCxn id="9" idx="2"/>
+            <a:stCxn id="3" idx="3"/>
+            <a:endCxn id="11" idx="0"/>
           </p:cNvCxnSpPr>
           <p:nvPr/>
         </p:nvCxnSpPr>
         <p:spPr>
-          <a:xfrm flipV="1">
-            <a:off x="8490858" y="2274336"/>
-            <a:ext cx="1091681" cy="2327214"/>
-          </a:xfrm>
-          <a:prstGeom prst="bentConnector3">
-            <a:avLst>
-              <a:gd name="adj1" fmla="val 50000"/>
-            </a:avLst>
+          <a:xfrm>
+            <a:off x="4341844" y="1971869"/>
+            <a:ext cx="494522" cy="1051248"/>
+          </a:xfrm>
+          <a:prstGeom prst="bentConnector2">
+            <a:avLst/>
           </a:prstGeom>
           <a:ln>
-            <a:headEnd type="triangle"/>
             <a:tailEnd type="triangle"/>
           </a:ln>
         </p:spPr>
@@ -14290,29 +19565,28 @@
       </p:cxnSp>
       <p:cxnSp>
         <p:nvCxnSpPr>
-          <p:cNvPr id="20" name="Connector: Elbow 19">
-            <a:extLst>
-              <a:ext uri="{FF2B5EF4-FFF2-40B4-BE49-F238E27FC236}">
-                <a16:creationId xmlns:a16="http://schemas.microsoft.com/office/drawing/2014/main" id="{AD6ED82C-4078-7333-D49D-E5081D1EA2C5}"/>
+          <p:cNvPr id="19" name="Connector: Elbow 18">
+            <a:extLst>
+              <a:ext uri="{FF2B5EF4-FFF2-40B4-BE49-F238E27FC236}">
+                <a16:creationId xmlns:a16="http://schemas.microsoft.com/office/drawing/2014/main" id="{4A90BB91-51CB-F79E-6D2E-4E7835FC476F}"/>
               </a:ext>
             </a:extLst>
           </p:cNvPr>
           <p:cNvCxnSpPr>
-            <a:stCxn id="8" idx="3"/>
-            <a:endCxn id="9" idx="2"/>
+            <a:stCxn id="4" idx="1"/>
+            <a:endCxn id="12" idx="0"/>
           </p:cNvCxnSpPr>
           <p:nvPr/>
         </p:nvCxnSpPr>
         <p:spPr>
-          <a:xfrm flipV="1">
-            <a:off x="8490857" y="2274336"/>
-            <a:ext cx="1091682" cy="3240056"/>
-          </a:xfrm>
-          <a:prstGeom prst="bentConnector3">
+          <a:xfrm rot="10800000" flipV="1">
+            <a:off x="6917094" y="1971869"/>
+            <a:ext cx="125966" cy="1018592"/>
+          </a:xfrm>
+          <a:prstGeom prst="bentConnector2">
             <a:avLst/>
           </a:prstGeom>
           <a:ln>
-            <a:headEnd type="triangle"/>
             <a:tailEnd type="triangle"/>
           </a:ln>
         </p:spPr>
@@ -14331,12 +19605,54 @@
           </a:fontRef>
         </p:style>
       </p:cxnSp>
-      <p:sp>
-        <p:nvSpPr>
-          <p:cNvPr id="21" name="Rectangle: Rounded Corners 20">
-            <a:extLst>
-              <a:ext uri="{FF2B5EF4-FFF2-40B4-BE49-F238E27FC236}">
-                <a16:creationId xmlns:a16="http://schemas.microsoft.com/office/drawing/2014/main" id="{0BE689C0-FD8D-2019-C3A9-0201E51A9B3D}"/>
+      <p:cxnSp>
+        <p:nvCxnSpPr>
+          <p:cNvPr id="21" name="Connector: Elbow 20">
+            <a:extLst>
+              <a:ext uri="{FF2B5EF4-FFF2-40B4-BE49-F238E27FC236}">
+                <a16:creationId xmlns:a16="http://schemas.microsoft.com/office/drawing/2014/main" id="{860F4A02-1159-68B9-04BA-278E6FA5E1C1}"/>
+              </a:ext>
+            </a:extLst>
+          </p:cNvPr>
+          <p:cNvCxnSpPr>
+            <a:stCxn id="4" idx="3"/>
+            <a:endCxn id="13" idx="0"/>
+          </p:cNvCxnSpPr>
+          <p:nvPr/>
+        </p:nvCxnSpPr>
+        <p:spPr>
+          <a:xfrm>
+            <a:off x="8657256" y="1971869"/>
+            <a:ext cx="185057" cy="1018591"/>
+          </a:xfrm>
+          <a:prstGeom prst="bentConnector2">
+            <a:avLst/>
+          </a:prstGeom>
+          <a:ln>
+            <a:tailEnd type="triangle"/>
+          </a:ln>
+        </p:spPr>
+        <p:style>
+          <a:lnRef idx="1">
+            <a:schemeClr val="accent1"/>
+          </a:lnRef>
+          <a:fillRef idx="0">
+            <a:schemeClr val="accent1"/>
+          </a:fillRef>
+          <a:effectRef idx="0">
+            <a:schemeClr val="accent1"/>
+          </a:effectRef>
+          <a:fontRef idx="minor">
+            <a:schemeClr val="tx1"/>
+          </a:fontRef>
+        </p:style>
+      </p:cxnSp>
+      <p:sp>
+        <p:nvSpPr>
+          <p:cNvPr id="25" name="Arrow: Up 24">
+            <a:extLst>
+              <a:ext uri="{FF2B5EF4-FFF2-40B4-BE49-F238E27FC236}">
+                <a16:creationId xmlns:a16="http://schemas.microsoft.com/office/drawing/2014/main" id="{5D1F177A-DD75-3CFE-A4C9-2B69BFAB8F8D}"/>
               </a:ext>
             </a:extLst>
           </p:cNvPr>
@@ -14345,10 +19661,10 @@
         </p:nvSpPr>
         <p:spPr>
           <a:xfrm>
-            <a:off x="242596" y="2756418"/>
-            <a:ext cx="1968759" cy="1097125"/>
-          </a:xfrm>
-          <a:prstGeom prst="roundRect">
+            <a:off x="10349209" y="270588"/>
+            <a:ext cx="241036" cy="3872204"/>
+          </a:xfrm>
+          <a:prstGeom prst="upArrow">
             <a:avLst/>
           </a:prstGeom>
         </p:spPr>
@@ -14373,209 +19689,16 @@
           <a:lstStyle/>
           <a:p>
             <a:pPr algn="ctr"/>
-            <a:r>
-              <a:rPr lang="en-US" dirty="0"/>
-              <a:t>Client Apps</a:t>
-            </a:r>
-          </a:p>
-        </p:txBody>
-      </p:sp>
-      <p:cxnSp>
-        <p:nvCxnSpPr>
-          <p:cNvPr id="23" name="Connector: Elbow 22">
-            <a:extLst>
-              <a:ext uri="{FF2B5EF4-FFF2-40B4-BE49-F238E27FC236}">
-                <a16:creationId xmlns:a16="http://schemas.microsoft.com/office/drawing/2014/main" id="{BA4E036E-C069-E3D0-0C42-E13FD1679628}"/>
-              </a:ext>
-            </a:extLst>
-          </p:cNvPr>
-          <p:cNvCxnSpPr>
-            <a:stCxn id="21" idx="3"/>
-            <a:endCxn id="2" idx="1"/>
-          </p:cNvCxnSpPr>
-          <p:nvPr/>
-        </p:nvCxnSpPr>
-        <p:spPr>
-          <a:xfrm>
-            <a:off x="2211355" y="3304981"/>
-            <a:ext cx="2705878" cy="124019"/>
-          </a:xfrm>
-          <a:prstGeom prst="bentConnector3">
-            <a:avLst/>
-          </a:prstGeom>
-          <a:ln>
-            <a:headEnd type="triangle"/>
-            <a:tailEnd type="triangle"/>
-          </a:ln>
-        </p:spPr>
-        <p:style>
-          <a:lnRef idx="1">
-            <a:schemeClr val="accent1"/>
-          </a:lnRef>
-          <a:fillRef idx="0">
-            <a:schemeClr val="accent1"/>
-          </a:fillRef>
-          <a:effectRef idx="0">
-            <a:schemeClr val="accent1"/>
-          </a:effectRef>
-          <a:fontRef idx="minor">
-            <a:schemeClr val="tx1"/>
-          </a:fontRef>
-        </p:style>
-      </p:cxnSp>
-      <p:sp>
-        <p:nvSpPr>
-          <p:cNvPr id="24" name="Arrow: Left-Right 23">
-            <a:extLst>
-              <a:ext uri="{FF2B5EF4-FFF2-40B4-BE49-F238E27FC236}">
-                <a16:creationId xmlns:a16="http://schemas.microsoft.com/office/drawing/2014/main" id="{A3BE1BCC-38C4-DBB3-F4A2-099E6CAD39E8}"/>
-              </a:ext>
-            </a:extLst>
-          </p:cNvPr>
-          <p:cNvSpPr/>
-          <p:nvPr/>
-        </p:nvSpPr>
-        <p:spPr>
-          <a:xfrm>
-            <a:off x="4917233" y="6190861"/>
-            <a:ext cx="6923314" cy="450208"/>
-          </a:xfrm>
-          <a:prstGeom prst="leftRightArrow">
-            <a:avLst/>
-          </a:prstGeom>
-        </p:spPr>
-        <p:style>
-          <a:lnRef idx="2">
-            <a:schemeClr val="accent1">
-              <a:shade val="15000"/>
-            </a:schemeClr>
-          </a:lnRef>
-          <a:fillRef idx="1">
-            <a:schemeClr val="accent1"/>
-          </a:fillRef>
-          <a:effectRef idx="0">
-            <a:schemeClr val="accent1"/>
-          </a:effectRef>
-          <a:fontRef idx="minor">
-            <a:schemeClr val="lt1"/>
-          </a:fontRef>
-        </p:style>
-        <p:txBody>
-          <a:bodyPr rtlCol="0" anchor="ctr"/>
-          <a:lstStyle/>
-          <a:p>
-            <a:pPr algn="ctr"/>
-            <a:r>
-              <a:rPr lang="en-US" dirty="0"/>
-              <a:t>Frequent Calls to Database</a:t>
-            </a:r>
-          </a:p>
-        </p:txBody>
-      </p:sp>
-      <p:sp>
-        <p:nvSpPr>
-          <p:cNvPr id="30" name="Flowchart: Multidocument 29">
-            <a:extLst>
-              <a:ext uri="{FF2B5EF4-FFF2-40B4-BE49-F238E27FC236}">
-                <a16:creationId xmlns:a16="http://schemas.microsoft.com/office/drawing/2014/main" id="{A8E82CC9-C2C9-A754-6807-E6EEBD3E87DC}"/>
-              </a:ext>
-            </a:extLst>
-          </p:cNvPr>
-          <p:cNvSpPr/>
-          <p:nvPr/>
-        </p:nvSpPr>
-        <p:spPr>
-          <a:xfrm>
-            <a:off x="9671179" y="3240831"/>
-            <a:ext cx="2080727" cy="1307066"/>
-          </a:xfrm>
-          <a:prstGeom prst="flowChartMultidocument">
-            <a:avLst/>
-          </a:prstGeom>
-        </p:spPr>
-        <p:style>
-          <a:lnRef idx="2">
-            <a:schemeClr val="accent1">
-              <a:shade val="15000"/>
-            </a:schemeClr>
-          </a:lnRef>
-          <a:fillRef idx="1">
-            <a:schemeClr val="accent1"/>
-          </a:fillRef>
-          <a:effectRef idx="0">
-            <a:schemeClr val="accent1"/>
-          </a:effectRef>
-          <a:fontRef idx="minor">
-            <a:schemeClr val="lt1"/>
-          </a:fontRef>
-        </p:style>
-        <p:txBody>
-          <a:bodyPr rtlCol="0" anchor="ctr"/>
-          <a:lstStyle/>
-          <a:p>
-            <a:pPr algn="ctr"/>
-            <a:r>
-              <a:rPr lang="en-US" dirty="0"/>
-              <a:t>BLOB Documents</a:t>
-            </a:r>
-          </a:p>
-        </p:txBody>
-      </p:sp>
-      <p:sp>
-        <p:nvSpPr>
-          <p:cNvPr id="31" name="Flowchart: Magnetic Disk 30">
-            <a:extLst>
-              <a:ext uri="{FF2B5EF4-FFF2-40B4-BE49-F238E27FC236}">
-                <a16:creationId xmlns:a16="http://schemas.microsoft.com/office/drawing/2014/main" id="{CE56E785-5EF5-7A41-61FE-82629CCD6B91}"/>
-              </a:ext>
-            </a:extLst>
-          </p:cNvPr>
-          <p:cNvSpPr/>
-          <p:nvPr/>
-        </p:nvSpPr>
-        <p:spPr>
-          <a:xfrm>
-            <a:off x="9493898" y="4606990"/>
-            <a:ext cx="2258008" cy="1405817"/>
-          </a:xfrm>
-          <a:prstGeom prst="flowChartMagneticDisk">
-            <a:avLst/>
-          </a:prstGeom>
-        </p:spPr>
-        <p:style>
-          <a:lnRef idx="2">
-            <a:schemeClr val="accent1">
-              <a:shade val="15000"/>
-            </a:schemeClr>
-          </a:lnRef>
-          <a:fillRef idx="1">
-            <a:schemeClr val="accent1"/>
-          </a:fillRef>
-          <a:effectRef idx="0">
-            <a:schemeClr val="accent1"/>
-          </a:effectRef>
-          <a:fontRef idx="minor">
-            <a:schemeClr val="lt1"/>
-          </a:fontRef>
-        </p:style>
-        <p:txBody>
-          <a:bodyPr rtlCol="0" anchor="ctr"/>
-          <a:lstStyle/>
-          <a:p>
-            <a:pPr algn="ctr"/>
-            <a:r>
-              <a:rPr lang="en-US" dirty="0"/>
-              <a:t>NoSQL</a:t>
-            </a:r>
-          </a:p>
-        </p:txBody>
-      </p:sp>
-      <p:sp>
-        <p:nvSpPr>
-          <p:cNvPr id="32" name="TextBox 31">
-            <a:extLst>
-              <a:ext uri="{FF2B5EF4-FFF2-40B4-BE49-F238E27FC236}">
-                <a16:creationId xmlns:a16="http://schemas.microsoft.com/office/drawing/2014/main" id="{1BF0A4A1-A75F-2F42-43DA-EFB8482D082E}"/>
+            <a:endParaRPr lang="en-US"/>
+          </a:p>
+        </p:txBody>
+      </p:sp>
+      <p:sp>
+        <p:nvSpPr>
+          <p:cNvPr id="26" name="TextBox 25">
+            <a:extLst>
+              <a:ext uri="{FF2B5EF4-FFF2-40B4-BE49-F238E27FC236}">
+                <a16:creationId xmlns:a16="http://schemas.microsoft.com/office/drawing/2014/main" id="{499CA884-E538-D69C-DC1A-B50D3B6828C0}"/>
               </a:ext>
             </a:extLst>
           </p:cNvPr>
@@ -14584,8 +19707,8 @@
         </p:nvSpPr>
         <p:spPr>
           <a:xfrm>
-            <a:off x="125963" y="4128758"/>
-            <a:ext cx="4432041" cy="2062103"/>
+            <a:off x="606490" y="4991878"/>
+            <a:ext cx="10832841" cy="923330"/>
           </a:xfrm>
           <a:prstGeom prst="rect">
             <a:avLst/>
@@ -14598,38 +19721,84 @@
           </a:bodyPr>
           <a:lstStyle/>
           <a:p>
-            <a:pPr marL="342900" indent="-342900">
-              <a:buAutoNum type="arabicPeriod"/>
-            </a:pPr>
-            <a:r>
-              <a:rPr lang="en-US" sz="1600" dirty="0"/>
-              <a:t>Frequent calls to Data Store increases the Traffic in Network</a:t>
-            </a:r>
-          </a:p>
-          <a:p>
-            <a:pPr marL="342900" indent="-342900">
-              <a:buAutoNum type="arabicPeriod"/>
-            </a:pPr>
-            <a:r>
-              <a:rPr lang="en-US" sz="1600" dirty="0"/>
-              <a:t> Keeps Data Store Busy Everytime for request processing, this may result into the performance slowdown</a:t>
-            </a:r>
-          </a:p>
-          <a:p>
-            <a:pPr marL="342900" indent="-342900">
-              <a:buAutoNum type="arabicPeriod"/>
-            </a:pPr>
-            <a:r>
-              <a:rPr lang="en-US" sz="1600" dirty="0"/>
-              <a:t>Busy database may keep new request in wait condition and hence the client app will have to wait for longer period to receive response  </a:t>
-            </a:r>
+            <a:r>
+              <a:rPr lang="en-US" dirty="0"/>
+              <a:t>Single Responsibility Principal</a:t>
+            </a:r>
+          </a:p>
+          <a:p>
+            <a:r>
+              <a:rPr lang="en-US" dirty="0"/>
+              <a:t>Open Close Principal</a:t>
+            </a:r>
+          </a:p>
+          <a:p>
+            <a:r>
+              <a:rPr lang="en-US" dirty="0"/>
+              <a:t>Liskov Substitution Principal</a:t>
+            </a:r>
+          </a:p>
+        </p:txBody>
+      </p:sp>
+      <p:sp>
+        <p:nvSpPr>
+          <p:cNvPr id="27" name="TextBox 26">
+            <a:extLst>
+              <a:ext uri="{FF2B5EF4-FFF2-40B4-BE49-F238E27FC236}">
+                <a16:creationId xmlns:a16="http://schemas.microsoft.com/office/drawing/2014/main" id="{F0A4E01F-9014-DBFD-6C1A-9A3B8F786A96}"/>
+              </a:ext>
+            </a:extLst>
+          </p:cNvPr>
+          <p:cNvSpPr txBox="1"/>
+          <p:nvPr/>
+        </p:nvSpPr>
+        <p:spPr>
+          <a:xfrm>
+            <a:off x="4450702" y="4758612"/>
+            <a:ext cx="6064898" cy="1477328"/>
+          </a:xfrm>
+          <a:prstGeom prst="rect">
+            <a:avLst/>
+          </a:prstGeom>
+          <a:noFill/>
+        </p:spPr>
+        <p:txBody>
+          <a:bodyPr wrap="square" rtlCol="0">
+            <a:spAutoFit/>
+          </a:bodyPr>
+          <a:lstStyle/>
+          <a:p>
+            <a:r>
+              <a:rPr lang="en-US" b="1" dirty="0"/>
+              <a:t>The Abstract class and all of it derivation provides a Family Tree with Hierarchy and helps to build Highly-Cohesive System</a:t>
+            </a:r>
+          </a:p>
+          <a:p>
+            <a:endParaRPr lang="en-US" b="1" dirty="0"/>
+          </a:p>
+          <a:p>
+            <a:r>
+              <a:rPr lang="en-US" b="1" dirty="0"/>
+              <a:t>Stream</a:t>
+            </a:r>
+          </a:p>
+          <a:p>
+            <a:r>
+              <a:rPr lang="en-US" b="1" dirty="0"/>
+              <a:t>- FileStream, MemoryStream, </a:t>
+            </a:r>
+            <a:r>
+              <a:rPr lang="en-US" b="1" dirty="0" err="1"/>
+              <a:t>NetworkStream</a:t>
+            </a:r>
+            <a:endParaRPr lang="en-US" b="1" dirty="0"/>
           </a:p>
         </p:txBody>
       </p:sp>
     </p:spTree>
     <p:extLst>
       <p:ext uri="{BB962C8B-B14F-4D97-AF65-F5344CB8AC3E}">
-        <p14:creationId xmlns:p14="http://schemas.microsoft.com/office/powerpoint/2010/main" val="2840035229"/>
+        <p14:creationId xmlns:p14="http://schemas.microsoft.com/office/powerpoint/2010/main" val="3005665853"/>
       </p:ext>
     </p:extLst>
   </p:cSld>

--- a/Images.pptx
+++ b/Images.pptx
@@ -28,7 +28,8 @@
     <p:sldId id="277" r:id="rId22"/>
     <p:sldId id="278" r:id="rId23"/>
     <p:sldId id="279" r:id="rId24"/>
-    <p:sldId id="271" r:id="rId25"/>
+    <p:sldId id="280" r:id="rId25"/>
+    <p:sldId id="281" r:id="rId26"/>
   </p:sldIdLst>
   <p:sldSz cx="12192000" cy="6858000"/>
   <p:notesSz cx="6858000" cy="9144000"/>
@@ -282,7 +283,7 @@
           <a:p>
             <a:fld id="{AA664FF4-21B7-42BA-B2A9-563C2A71FA7D}" type="datetimeFigureOut">
               <a:rPr lang="en-US" smtClean="0"/>
-              <a:t>9/28/2023</a:t>
+              <a:t>9/29/2023</a:t>
             </a:fld>
             <a:endParaRPr lang="en-US"/>
           </a:p>
@@ -480,7 +481,7 @@
           <a:p>
             <a:fld id="{AA664FF4-21B7-42BA-B2A9-563C2A71FA7D}" type="datetimeFigureOut">
               <a:rPr lang="en-US" smtClean="0"/>
-              <a:t>9/28/2023</a:t>
+              <a:t>9/29/2023</a:t>
             </a:fld>
             <a:endParaRPr lang="en-US"/>
           </a:p>
@@ -688,7 +689,7 @@
           <a:p>
             <a:fld id="{AA664FF4-21B7-42BA-B2A9-563C2A71FA7D}" type="datetimeFigureOut">
               <a:rPr lang="en-US" smtClean="0"/>
-              <a:t>9/28/2023</a:t>
+              <a:t>9/29/2023</a:t>
             </a:fld>
             <a:endParaRPr lang="en-US"/>
           </a:p>
@@ -886,7 +887,7 @@
           <a:p>
             <a:fld id="{AA664FF4-21B7-42BA-B2A9-563C2A71FA7D}" type="datetimeFigureOut">
               <a:rPr lang="en-US" smtClean="0"/>
-              <a:t>9/28/2023</a:t>
+              <a:t>9/29/2023</a:t>
             </a:fld>
             <a:endParaRPr lang="en-US"/>
           </a:p>
@@ -1161,7 +1162,7 @@
           <a:p>
             <a:fld id="{AA664FF4-21B7-42BA-B2A9-563C2A71FA7D}" type="datetimeFigureOut">
               <a:rPr lang="en-US" smtClean="0"/>
-              <a:t>9/28/2023</a:t>
+              <a:t>9/29/2023</a:t>
             </a:fld>
             <a:endParaRPr lang="en-US"/>
           </a:p>
@@ -1426,7 +1427,7 @@
           <a:p>
             <a:fld id="{AA664FF4-21B7-42BA-B2A9-563C2A71FA7D}" type="datetimeFigureOut">
               <a:rPr lang="en-US" smtClean="0"/>
-              <a:t>9/28/2023</a:t>
+              <a:t>9/29/2023</a:t>
             </a:fld>
             <a:endParaRPr lang="en-US"/>
           </a:p>
@@ -1838,7 +1839,7 @@
           <a:p>
             <a:fld id="{AA664FF4-21B7-42BA-B2A9-563C2A71FA7D}" type="datetimeFigureOut">
               <a:rPr lang="en-US" smtClean="0"/>
-              <a:t>9/28/2023</a:t>
+              <a:t>9/29/2023</a:t>
             </a:fld>
             <a:endParaRPr lang="en-US"/>
           </a:p>
@@ -1979,7 +1980,7 @@
           <a:p>
             <a:fld id="{AA664FF4-21B7-42BA-B2A9-563C2A71FA7D}" type="datetimeFigureOut">
               <a:rPr lang="en-US" smtClean="0"/>
-              <a:t>9/28/2023</a:t>
+              <a:t>9/29/2023</a:t>
             </a:fld>
             <a:endParaRPr lang="en-US"/>
           </a:p>
@@ -2092,7 +2093,7 @@
           <a:p>
             <a:fld id="{AA664FF4-21B7-42BA-B2A9-563C2A71FA7D}" type="datetimeFigureOut">
               <a:rPr lang="en-US" smtClean="0"/>
-              <a:t>9/28/2023</a:t>
+              <a:t>9/29/2023</a:t>
             </a:fld>
             <a:endParaRPr lang="en-US"/>
           </a:p>
@@ -2403,7 +2404,7 @@
           <a:p>
             <a:fld id="{AA664FF4-21B7-42BA-B2A9-563C2A71FA7D}" type="datetimeFigureOut">
               <a:rPr lang="en-US" smtClean="0"/>
-              <a:t>9/28/2023</a:t>
+              <a:t>9/29/2023</a:t>
             </a:fld>
             <a:endParaRPr lang="en-US"/>
           </a:p>
@@ -2691,7 +2692,7 @@
           <a:p>
             <a:fld id="{AA664FF4-21B7-42BA-B2A9-563C2A71FA7D}" type="datetimeFigureOut">
               <a:rPr lang="en-US" smtClean="0"/>
-              <a:t>9/28/2023</a:t>
+              <a:t>9/29/2023</a:t>
             </a:fld>
             <a:endParaRPr lang="en-US"/>
           </a:p>
@@ -2932,7 +2933,7 @@
           <a:p>
             <a:fld id="{AA664FF4-21B7-42BA-B2A9-563C2A71FA7D}" type="datetimeFigureOut">
               <a:rPr lang="en-US" smtClean="0"/>
-              <a:t>9/28/2023</a:t>
+              <a:t>9/29/2023</a:t>
             </a:fld>
             <a:endParaRPr lang="en-US"/>
           </a:p>
@@ -13532,57 +13533,706 @@
           <a:chExt cx="0" cy="0"/>
         </a:xfrm>
       </p:grpSpPr>
-      <p:pic>
-        <p:nvPicPr>
-          <p:cNvPr id="1026" name="Picture 2" descr="Diagram of the complete LINQ query operation.">
-            <a:extLst>
-              <a:ext uri="{FF2B5EF4-FFF2-40B4-BE49-F238E27FC236}">
-                <a16:creationId xmlns:a16="http://schemas.microsoft.com/office/drawing/2014/main" id="{8644130B-D36A-9560-33C8-2B159A31778A}"/>
-              </a:ext>
-            </a:extLst>
-          </p:cNvPr>
-          <p:cNvPicPr>
-            <a:picLocks noChangeAspect="1" noChangeArrowheads="1"/>
-          </p:cNvPicPr>
-          <p:nvPr/>
-        </p:nvPicPr>
-        <p:blipFill>
-          <a:blip r:embed="rId2">
-            <a:extLst>
-              <a:ext uri="{28A0092B-C50C-407E-A947-70E740481C1C}">
-                <a14:useLocalDpi xmlns:a14="http://schemas.microsoft.com/office/drawing/2010/main" val="0"/>
-              </a:ext>
-            </a:extLst>
-          </a:blip>
-          <a:srcRect/>
-          <a:stretch>
-            <a:fillRect/>
-          </a:stretch>
-        </p:blipFill>
-        <p:spPr bwMode="auto">
-          <a:xfrm>
-            <a:off x="4652963" y="1762125"/>
-            <a:ext cx="2886075" cy="3333750"/>
+      <p:sp>
+        <p:nvSpPr>
+          <p:cNvPr id="2" name="Rectangle 1">
+            <a:extLst>
+              <a:ext uri="{FF2B5EF4-FFF2-40B4-BE49-F238E27FC236}">
+                <a16:creationId xmlns:a16="http://schemas.microsoft.com/office/drawing/2014/main" id="{D378B0B3-3EF9-86D7-D08F-65FEE1F16400}"/>
+              </a:ext>
+            </a:extLst>
+          </p:cNvPr>
+          <p:cNvSpPr/>
+          <p:nvPr/>
+        </p:nvSpPr>
+        <p:spPr>
+          <a:xfrm>
+            <a:off x="2174033" y="317241"/>
+            <a:ext cx="3816220" cy="6204857"/>
           </a:xfrm>
           <a:prstGeom prst="rect">
             <a:avLst/>
           </a:prstGeom>
+        </p:spPr>
+        <p:style>
+          <a:lnRef idx="2">
+            <a:schemeClr val="accent1">
+              <a:shade val="15000"/>
+            </a:schemeClr>
+          </a:lnRef>
+          <a:fillRef idx="1">
+            <a:schemeClr val="accent1"/>
+          </a:fillRef>
+          <a:effectRef idx="0">
+            <a:schemeClr val="accent1"/>
+          </a:effectRef>
+          <a:fontRef idx="minor">
+            <a:schemeClr val="lt1"/>
+          </a:fontRef>
+        </p:style>
+        <p:txBody>
+          <a:bodyPr rtlCol="0" anchor="ctr"/>
+          <a:lstStyle/>
+          <a:p>
+            <a:pPr algn="ctr"/>
+            <a:r>
+              <a:rPr lang="en-US" sz="3600" b="1" dirty="0"/>
+              <a:t>.NET Client Application</a:t>
+            </a:r>
+          </a:p>
+          <a:p>
+            <a:pPr algn="ctr"/>
+            <a:r>
+              <a:rPr lang="en-US" sz="3600" b="1" dirty="0"/>
+              <a:t>On App Server</a:t>
+            </a:r>
+          </a:p>
+        </p:txBody>
+      </p:sp>
+      <p:sp>
+        <p:nvSpPr>
+          <p:cNvPr id="3" name="Flowchart: Magnetic Disk 2">
+            <a:extLst>
+              <a:ext uri="{FF2B5EF4-FFF2-40B4-BE49-F238E27FC236}">
+                <a16:creationId xmlns:a16="http://schemas.microsoft.com/office/drawing/2014/main" id="{59C3A76C-4168-F1FA-1A9D-09B9327F64C8}"/>
+              </a:ext>
+            </a:extLst>
+          </p:cNvPr>
+          <p:cNvSpPr/>
+          <p:nvPr/>
+        </p:nvSpPr>
+        <p:spPr>
+          <a:xfrm>
+            <a:off x="8571723" y="522514"/>
+            <a:ext cx="3079102" cy="5812972"/>
+          </a:xfrm>
+          <a:prstGeom prst="flowChartMagneticDisk">
+            <a:avLst/>
+          </a:prstGeom>
+        </p:spPr>
+        <p:style>
+          <a:lnRef idx="2">
+            <a:schemeClr val="accent1">
+              <a:shade val="15000"/>
+            </a:schemeClr>
+          </a:lnRef>
+          <a:fillRef idx="1">
+            <a:schemeClr val="accent1"/>
+          </a:fillRef>
+          <a:effectRef idx="0">
+            <a:schemeClr val="accent1"/>
+          </a:effectRef>
+          <a:fontRef idx="minor">
+            <a:schemeClr val="lt1"/>
+          </a:fontRef>
+        </p:style>
+        <p:txBody>
+          <a:bodyPr rtlCol="0" anchor="ctr"/>
+          <a:lstStyle/>
+          <a:p>
+            <a:pPr algn="ctr"/>
+            <a:r>
+              <a:rPr lang="en-US" sz="2400" b="1" dirty="0"/>
+              <a:t>Database</a:t>
+            </a:r>
+          </a:p>
+        </p:txBody>
+      </p:sp>
+      <p:sp>
+        <p:nvSpPr>
+          <p:cNvPr id="4" name="Arrow: Right 3">
+            <a:extLst>
+              <a:ext uri="{FF2B5EF4-FFF2-40B4-BE49-F238E27FC236}">
+                <a16:creationId xmlns:a16="http://schemas.microsoft.com/office/drawing/2014/main" id="{FE0FBA1D-1DCA-D51F-F68A-A89860B9FBF9}"/>
+              </a:ext>
+            </a:extLst>
+          </p:cNvPr>
+          <p:cNvSpPr/>
+          <p:nvPr/>
+        </p:nvSpPr>
+        <p:spPr>
+          <a:xfrm>
+            <a:off x="5990253" y="1035699"/>
+            <a:ext cx="2581470" cy="979713"/>
+          </a:xfrm>
+          <a:prstGeom prst="rightArrow">
+            <a:avLst/>
+          </a:prstGeom>
+        </p:spPr>
+        <p:style>
+          <a:lnRef idx="2">
+            <a:schemeClr val="accent1">
+              <a:shade val="15000"/>
+            </a:schemeClr>
+          </a:lnRef>
+          <a:fillRef idx="1">
+            <a:schemeClr val="accent1"/>
+          </a:fillRef>
+          <a:effectRef idx="0">
+            <a:schemeClr val="accent1"/>
+          </a:effectRef>
+          <a:fontRef idx="minor">
+            <a:schemeClr val="lt1"/>
+          </a:fontRef>
+        </p:style>
+        <p:txBody>
+          <a:bodyPr rtlCol="0" anchor="ctr"/>
+          <a:lstStyle/>
+          <a:p>
+            <a:pPr algn="ctr"/>
+            <a:r>
+              <a:rPr lang="en-US" dirty="0"/>
+              <a:t>Request for Connection</a:t>
+            </a:r>
+          </a:p>
+        </p:txBody>
+      </p:sp>
+      <p:sp>
+        <p:nvSpPr>
+          <p:cNvPr id="5" name="Arrow: Left 4">
+            <a:extLst>
+              <a:ext uri="{FF2B5EF4-FFF2-40B4-BE49-F238E27FC236}">
+                <a16:creationId xmlns:a16="http://schemas.microsoft.com/office/drawing/2014/main" id="{40B47C90-1447-F077-E4AA-EE48C09BBBEF}"/>
+              </a:ext>
+            </a:extLst>
+          </p:cNvPr>
+          <p:cNvSpPr/>
+          <p:nvPr/>
+        </p:nvSpPr>
+        <p:spPr>
+          <a:xfrm>
+            <a:off x="5990253" y="2038740"/>
+            <a:ext cx="2581470" cy="979713"/>
+          </a:xfrm>
+          <a:prstGeom prst="leftArrow">
+            <a:avLst/>
+          </a:prstGeom>
+        </p:spPr>
+        <p:style>
+          <a:lnRef idx="2">
+            <a:schemeClr val="accent1">
+              <a:shade val="15000"/>
+            </a:schemeClr>
+          </a:lnRef>
+          <a:fillRef idx="1">
+            <a:schemeClr val="accent1"/>
+          </a:fillRef>
+          <a:effectRef idx="0">
+            <a:schemeClr val="accent1"/>
+          </a:effectRef>
+          <a:fontRef idx="minor">
+            <a:schemeClr val="lt1"/>
+          </a:fontRef>
+        </p:style>
+        <p:txBody>
+          <a:bodyPr rtlCol="0" anchor="ctr"/>
+          <a:lstStyle/>
+          <a:p>
+            <a:pPr algn="ctr"/>
+            <a:r>
+              <a:rPr lang="en-US" dirty="0"/>
+              <a:t>Connection Established</a:t>
+            </a:r>
+          </a:p>
+        </p:txBody>
+      </p:sp>
+      <p:sp>
+        <p:nvSpPr>
+          <p:cNvPr id="6" name="Arrow: Right 5">
+            <a:extLst>
+              <a:ext uri="{FF2B5EF4-FFF2-40B4-BE49-F238E27FC236}">
+                <a16:creationId xmlns:a16="http://schemas.microsoft.com/office/drawing/2014/main" id="{AEB78898-2299-8CA3-A433-3BE827A0AAF5}"/>
+              </a:ext>
+            </a:extLst>
+          </p:cNvPr>
+          <p:cNvSpPr/>
+          <p:nvPr/>
+        </p:nvSpPr>
+        <p:spPr>
+          <a:xfrm>
+            <a:off x="5990253" y="3354355"/>
+            <a:ext cx="2581470" cy="1049694"/>
+          </a:xfrm>
+          <a:prstGeom prst="rightArrow">
+            <a:avLst/>
+          </a:prstGeom>
+        </p:spPr>
+        <p:style>
+          <a:lnRef idx="2">
+            <a:schemeClr val="accent1">
+              <a:shade val="15000"/>
+            </a:schemeClr>
+          </a:lnRef>
+          <a:fillRef idx="1">
+            <a:schemeClr val="accent1"/>
+          </a:fillRef>
+          <a:effectRef idx="0">
+            <a:schemeClr val="accent1"/>
+          </a:effectRef>
+          <a:fontRef idx="minor">
+            <a:schemeClr val="lt1"/>
+          </a:fontRef>
+        </p:style>
+        <p:txBody>
+          <a:bodyPr rtlCol="0" anchor="ctr"/>
+          <a:lstStyle/>
+          <a:p>
+            <a:pPr algn="ctr"/>
+            <a:r>
+              <a:rPr lang="en-US" dirty="0"/>
+              <a:t>Command Request for CRUD Operations</a:t>
+            </a:r>
+          </a:p>
+        </p:txBody>
+      </p:sp>
+      <p:sp>
+        <p:nvSpPr>
+          <p:cNvPr id="7" name="Arrow: Left 6">
+            <a:extLst>
+              <a:ext uri="{FF2B5EF4-FFF2-40B4-BE49-F238E27FC236}">
+                <a16:creationId xmlns:a16="http://schemas.microsoft.com/office/drawing/2014/main" id="{D39480E4-F469-529E-C511-829561096A12}"/>
+              </a:ext>
+            </a:extLst>
+          </p:cNvPr>
+          <p:cNvSpPr/>
+          <p:nvPr/>
+        </p:nvSpPr>
+        <p:spPr>
+          <a:xfrm>
+            <a:off x="5990253" y="4404049"/>
+            <a:ext cx="2581470" cy="1049694"/>
+          </a:xfrm>
+          <a:prstGeom prst="leftArrow">
+            <a:avLst/>
+          </a:prstGeom>
+        </p:spPr>
+        <p:style>
+          <a:lnRef idx="2">
+            <a:schemeClr val="accent1">
+              <a:shade val="15000"/>
+            </a:schemeClr>
+          </a:lnRef>
+          <a:fillRef idx="1">
+            <a:schemeClr val="accent1"/>
+          </a:fillRef>
+          <a:effectRef idx="0">
+            <a:schemeClr val="accent1"/>
+          </a:effectRef>
+          <a:fontRef idx="minor">
+            <a:schemeClr val="lt1"/>
+          </a:fontRef>
+        </p:style>
+        <p:txBody>
+          <a:bodyPr rtlCol="0" anchor="ctr"/>
+          <a:lstStyle/>
+          <a:p>
+            <a:pPr algn="ctr"/>
+            <a:r>
+              <a:rPr lang="en-US" dirty="0"/>
+              <a:t>Response of Execution of Each Command</a:t>
+            </a:r>
+          </a:p>
+        </p:txBody>
+      </p:sp>
+      <p:sp>
+        <p:nvSpPr>
+          <p:cNvPr id="8" name="Rectangle 7">
+            <a:extLst>
+              <a:ext uri="{FF2B5EF4-FFF2-40B4-BE49-F238E27FC236}">
+                <a16:creationId xmlns:a16="http://schemas.microsoft.com/office/drawing/2014/main" id="{97CD8D47-A785-12D8-7C45-82B823097DD4}"/>
+              </a:ext>
+            </a:extLst>
+          </p:cNvPr>
+          <p:cNvSpPr/>
+          <p:nvPr/>
+        </p:nvSpPr>
+        <p:spPr>
+          <a:xfrm>
+            <a:off x="5990253" y="5691673"/>
+            <a:ext cx="2705878" cy="279919"/>
+          </a:xfrm>
+          <a:prstGeom prst="rect">
+            <a:avLst/>
+          </a:prstGeom>
+        </p:spPr>
+        <p:style>
+          <a:lnRef idx="2">
+            <a:schemeClr val="accent1">
+              <a:shade val="15000"/>
+            </a:schemeClr>
+          </a:lnRef>
+          <a:fillRef idx="1">
+            <a:schemeClr val="accent1"/>
+          </a:fillRef>
+          <a:effectRef idx="0">
+            <a:schemeClr val="accent1"/>
+          </a:effectRef>
+          <a:fontRef idx="minor">
+            <a:schemeClr val="lt1"/>
+          </a:fontRef>
+        </p:style>
+        <p:txBody>
+          <a:bodyPr rtlCol="0" anchor="ctr"/>
+          <a:lstStyle/>
+          <a:p>
+            <a:pPr algn="ctr"/>
+            <a:r>
+              <a:rPr lang="en-US" dirty="0"/>
+              <a:t>Sync Operations</a:t>
+            </a:r>
+          </a:p>
+        </p:txBody>
+      </p:sp>
+      <p:sp>
+        <p:nvSpPr>
+          <p:cNvPr id="9" name="TextBox 8">
+            <a:extLst>
+              <a:ext uri="{FF2B5EF4-FFF2-40B4-BE49-F238E27FC236}">
+                <a16:creationId xmlns:a16="http://schemas.microsoft.com/office/drawing/2014/main" id="{8EDFFF7F-4B4E-0DAB-1230-A204335E9B1E}"/>
+              </a:ext>
+            </a:extLst>
+          </p:cNvPr>
+          <p:cNvSpPr txBox="1"/>
+          <p:nvPr/>
+        </p:nvSpPr>
+        <p:spPr>
+          <a:xfrm>
+            <a:off x="2351314" y="4525347"/>
+            <a:ext cx="3452327" cy="646331"/>
+          </a:xfrm>
+          <a:prstGeom prst="rect">
+            <a:avLst/>
+          </a:prstGeom>
           <a:noFill/>
-          <a:extLst>
-            <a:ext uri="{909E8E84-426E-40DD-AFC4-6F175D3DCCD1}">
-              <a14:hiddenFill xmlns:a14="http://schemas.microsoft.com/office/drawing/2010/main">
+        </p:spPr>
+        <p:txBody>
+          <a:bodyPr wrap="square" rtlCol="0">
+            <a:spAutoFit/>
+          </a:bodyPr>
+          <a:lstStyle/>
+          <a:p>
+            <a:pPr algn="ctr"/>
+            <a:r>
+              <a:rPr lang="en-US" b="1" dirty="0">
                 <a:solidFill>
-                  <a:srgbClr val="FFFFFF"/>
+                  <a:srgbClr val="FFFF00"/>
                 </a:solidFill>
-              </a14:hiddenFill>
-            </a:ext>
-          </a:extLst>
-        </p:spPr>
-      </p:pic>
+              </a:rPr>
+              <a:t>The Client needs to wait till the database is not responding </a:t>
+            </a:r>
+          </a:p>
+        </p:txBody>
+      </p:sp>
     </p:spTree>
     <p:extLst>
       <p:ext uri="{BB962C8B-B14F-4D97-AF65-F5344CB8AC3E}">
-        <p14:creationId xmlns:p14="http://schemas.microsoft.com/office/powerpoint/2010/main" val="372776506"/>
+        <p14:creationId xmlns:p14="http://schemas.microsoft.com/office/powerpoint/2010/main" val="364260303"/>
+      </p:ext>
+    </p:extLst>
+  </p:cSld>
+  <p:clrMapOvr>
+    <a:masterClrMapping/>
+  </p:clrMapOvr>
+</p:sld>
+</file>
+
+<file path=ppt/slides/slide25.xml><?xml version="1.0" encoding="utf-8"?>
+<p:sld xmlns:a="http://schemas.openxmlformats.org/drawingml/2006/main" xmlns:r="http://schemas.openxmlformats.org/officeDocument/2006/relationships" xmlns:p="http://schemas.openxmlformats.org/presentationml/2006/main">
+  <p:cSld>
+    <p:spTree>
+      <p:nvGrpSpPr>
+        <p:cNvPr id="1" name=""/>
+        <p:cNvGrpSpPr/>
+        <p:nvPr/>
+      </p:nvGrpSpPr>
+      <p:grpSpPr>
+        <a:xfrm>
+          <a:off x="0" y="0"/>
+          <a:ext cx="0" cy="0"/>
+          <a:chOff x="0" y="0"/>
+          <a:chExt cx="0" cy="0"/>
+        </a:xfrm>
+      </p:grpSpPr>
+      <p:sp>
+        <p:nvSpPr>
+          <p:cNvPr id="3" name="Rectangle: Folded Corner 2">
+            <a:extLst>
+              <a:ext uri="{FF2B5EF4-FFF2-40B4-BE49-F238E27FC236}">
+                <a16:creationId xmlns:a16="http://schemas.microsoft.com/office/drawing/2014/main" id="{357445A8-7226-1751-ABF0-43A6C8534014}"/>
+              </a:ext>
+            </a:extLst>
+          </p:cNvPr>
+          <p:cNvSpPr/>
+          <p:nvPr/>
+        </p:nvSpPr>
+        <p:spPr>
+          <a:xfrm>
+            <a:off x="7856376" y="811763"/>
+            <a:ext cx="2509934" cy="1642188"/>
+          </a:xfrm>
+          <a:prstGeom prst="foldedCorner">
+            <a:avLst/>
+          </a:prstGeom>
+        </p:spPr>
+        <p:style>
+          <a:lnRef idx="2">
+            <a:schemeClr val="accent1">
+              <a:shade val="15000"/>
+            </a:schemeClr>
+          </a:lnRef>
+          <a:fillRef idx="1">
+            <a:schemeClr val="accent1"/>
+          </a:fillRef>
+          <a:effectRef idx="0">
+            <a:schemeClr val="accent1"/>
+          </a:effectRef>
+          <a:fontRef idx="minor">
+            <a:schemeClr val="lt1"/>
+          </a:fontRef>
+        </p:style>
+        <p:txBody>
+          <a:bodyPr rtlCol="0" anchor="ctr"/>
+          <a:lstStyle/>
+          <a:p>
+            <a:pPr algn="ctr"/>
+            <a:r>
+              <a:rPr lang="en-US" dirty="0"/>
+              <a:t>File 1</a:t>
+            </a:r>
+          </a:p>
+        </p:txBody>
+      </p:sp>
+      <p:sp>
+        <p:nvSpPr>
+          <p:cNvPr id="4" name="Rectangle: Folded Corner 3">
+            <a:extLst>
+              <a:ext uri="{FF2B5EF4-FFF2-40B4-BE49-F238E27FC236}">
+                <a16:creationId xmlns:a16="http://schemas.microsoft.com/office/drawing/2014/main" id="{A10BACE1-A399-09BA-C32E-262CAB58D128}"/>
+              </a:ext>
+            </a:extLst>
+          </p:cNvPr>
+          <p:cNvSpPr/>
+          <p:nvPr/>
+        </p:nvSpPr>
+        <p:spPr>
+          <a:xfrm>
+            <a:off x="7856376" y="3959289"/>
+            <a:ext cx="2509934" cy="1642188"/>
+          </a:xfrm>
+          <a:prstGeom prst="foldedCorner">
+            <a:avLst/>
+          </a:prstGeom>
+        </p:spPr>
+        <p:style>
+          <a:lnRef idx="2">
+            <a:schemeClr val="accent1">
+              <a:shade val="15000"/>
+            </a:schemeClr>
+          </a:lnRef>
+          <a:fillRef idx="1">
+            <a:schemeClr val="accent1"/>
+          </a:fillRef>
+          <a:effectRef idx="0">
+            <a:schemeClr val="accent1"/>
+          </a:effectRef>
+          <a:fontRef idx="minor">
+            <a:schemeClr val="lt1"/>
+          </a:fontRef>
+        </p:style>
+        <p:txBody>
+          <a:bodyPr rtlCol="0" anchor="ctr"/>
+          <a:lstStyle/>
+          <a:p>
+            <a:pPr algn="ctr"/>
+            <a:r>
+              <a:rPr lang="en-US" dirty="0"/>
+              <a:t>File 2</a:t>
+            </a:r>
+          </a:p>
+        </p:txBody>
+      </p:sp>
+      <p:sp>
+        <p:nvSpPr>
+          <p:cNvPr id="5" name="Rectangle 4">
+            <a:extLst>
+              <a:ext uri="{FF2B5EF4-FFF2-40B4-BE49-F238E27FC236}">
+                <a16:creationId xmlns:a16="http://schemas.microsoft.com/office/drawing/2014/main" id="{2EE0F466-9EB2-6B1E-42BB-4EB18CCEB80B}"/>
+              </a:ext>
+            </a:extLst>
+          </p:cNvPr>
+          <p:cNvSpPr/>
+          <p:nvPr/>
+        </p:nvSpPr>
+        <p:spPr>
+          <a:xfrm>
+            <a:off x="3219061" y="1819470"/>
+            <a:ext cx="3153747" cy="2687218"/>
+          </a:xfrm>
+          <a:prstGeom prst="rect">
+            <a:avLst/>
+          </a:prstGeom>
+        </p:spPr>
+        <p:style>
+          <a:lnRef idx="2">
+            <a:schemeClr val="accent1">
+              <a:shade val="15000"/>
+            </a:schemeClr>
+          </a:lnRef>
+          <a:fillRef idx="1">
+            <a:schemeClr val="accent1"/>
+          </a:fillRef>
+          <a:effectRef idx="0">
+            <a:schemeClr val="accent1"/>
+          </a:effectRef>
+          <a:fontRef idx="minor">
+            <a:schemeClr val="lt1"/>
+          </a:fontRef>
+        </p:style>
+        <p:txBody>
+          <a:bodyPr rtlCol="0" anchor="ctr"/>
+          <a:lstStyle/>
+          <a:p>
+            <a:pPr algn="ctr"/>
+            <a:r>
+              <a:rPr lang="en-US" dirty="0"/>
+              <a:t>.NET Client App</a:t>
+            </a:r>
+          </a:p>
+        </p:txBody>
+      </p:sp>
+      <p:cxnSp>
+        <p:nvCxnSpPr>
+          <p:cNvPr id="7" name="Connector: Elbow 6">
+            <a:extLst>
+              <a:ext uri="{FF2B5EF4-FFF2-40B4-BE49-F238E27FC236}">
+                <a16:creationId xmlns:a16="http://schemas.microsoft.com/office/drawing/2014/main" id="{EA029103-95C7-F5BC-0F7B-38B4A2F17D92}"/>
+              </a:ext>
+            </a:extLst>
+          </p:cNvPr>
+          <p:cNvCxnSpPr>
+            <a:stCxn id="5" idx="0"/>
+            <a:endCxn id="3" idx="1"/>
+          </p:cNvCxnSpPr>
+          <p:nvPr/>
+        </p:nvCxnSpPr>
+        <p:spPr>
+          <a:xfrm rot="5400000" flipH="1" flipV="1">
+            <a:off x="6232849" y="195944"/>
+            <a:ext cx="186613" cy="3060441"/>
+          </a:xfrm>
+          <a:prstGeom prst="bentConnector2">
+            <a:avLst/>
+          </a:prstGeom>
+          <a:ln>
+            <a:headEnd type="triangle"/>
+            <a:tailEnd type="triangle"/>
+          </a:ln>
+        </p:spPr>
+        <p:style>
+          <a:lnRef idx="1">
+            <a:schemeClr val="accent1"/>
+          </a:lnRef>
+          <a:fillRef idx="0">
+            <a:schemeClr val="accent1"/>
+          </a:fillRef>
+          <a:effectRef idx="0">
+            <a:schemeClr val="accent1"/>
+          </a:effectRef>
+          <a:fontRef idx="minor">
+            <a:schemeClr val="tx1"/>
+          </a:fontRef>
+        </p:style>
+      </p:cxnSp>
+      <p:cxnSp>
+        <p:nvCxnSpPr>
+          <p:cNvPr id="9" name="Connector: Elbow 8">
+            <a:extLst>
+              <a:ext uri="{FF2B5EF4-FFF2-40B4-BE49-F238E27FC236}">
+                <a16:creationId xmlns:a16="http://schemas.microsoft.com/office/drawing/2014/main" id="{4C8E9A07-CED6-D86F-EF52-E827F2ABADE9}"/>
+              </a:ext>
+            </a:extLst>
+          </p:cNvPr>
+          <p:cNvCxnSpPr>
+            <a:stCxn id="5" idx="2"/>
+            <a:endCxn id="4" idx="1"/>
+          </p:cNvCxnSpPr>
+          <p:nvPr/>
+        </p:nvCxnSpPr>
+        <p:spPr>
+          <a:xfrm rot="16200000" flipH="1">
+            <a:off x="6189308" y="3113314"/>
+            <a:ext cx="273695" cy="3060441"/>
+          </a:xfrm>
+          <a:prstGeom prst="bentConnector2">
+            <a:avLst/>
+          </a:prstGeom>
+          <a:ln>
+            <a:headEnd type="triangle"/>
+            <a:tailEnd type="triangle"/>
+          </a:ln>
+        </p:spPr>
+        <p:style>
+          <a:lnRef idx="1">
+            <a:schemeClr val="accent1"/>
+          </a:lnRef>
+          <a:fillRef idx="0">
+            <a:schemeClr val="accent1"/>
+          </a:fillRef>
+          <a:effectRef idx="0">
+            <a:schemeClr val="accent1"/>
+          </a:effectRef>
+          <a:fontRef idx="minor">
+            <a:schemeClr val="tx1"/>
+          </a:fontRef>
+        </p:style>
+      </p:cxnSp>
+      <p:sp>
+        <p:nvSpPr>
+          <p:cNvPr id="10" name="TextBox 9">
+            <a:extLst>
+              <a:ext uri="{FF2B5EF4-FFF2-40B4-BE49-F238E27FC236}">
+                <a16:creationId xmlns:a16="http://schemas.microsoft.com/office/drawing/2014/main" id="{8714B487-DC39-8108-9A73-F5D77D09BA2A}"/>
+              </a:ext>
+            </a:extLst>
+          </p:cNvPr>
+          <p:cNvSpPr txBox="1"/>
+          <p:nvPr/>
+        </p:nvSpPr>
+        <p:spPr>
+          <a:xfrm>
+            <a:off x="363894" y="5318449"/>
+            <a:ext cx="5505061" cy="369332"/>
+          </a:xfrm>
+          <a:prstGeom prst="rect">
+            <a:avLst/>
+          </a:prstGeom>
+          <a:noFill/>
+        </p:spPr>
+        <p:txBody>
+          <a:bodyPr wrap="square" rtlCol="0">
+            <a:spAutoFit/>
+          </a:bodyPr>
+          <a:lstStyle/>
+          <a:p>
+            <a:r>
+              <a:rPr lang="en-US" dirty="0" err="1"/>
+              <a:t>Parallel.Invoke</a:t>
+            </a:r>
+            <a:r>
+              <a:rPr lang="en-US" dirty="0"/>
+              <a:t>(), to read data </a:t>
+            </a:r>
+            <a:r>
+              <a:rPr lang="en-US"/>
+              <a:t>from Multiple Files</a:t>
+            </a:r>
+          </a:p>
+        </p:txBody>
+      </p:sp>
+    </p:spTree>
+    <p:extLst>
+      <p:ext uri="{BB962C8B-B14F-4D97-AF65-F5344CB8AC3E}">
+        <p14:creationId xmlns:p14="http://schemas.microsoft.com/office/powerpoint/2010/main" val="2574038070"/>
       </p:ext>
     </p:extLst>
   </p:cSld>

--- a/Images.pptx
+++ b/Images.pptx
@@ -30,6 +30,10 @@
     <p:sldId id="279" r:id="rId24"/>
     <p:sldId id="280" r:id="rId25"/>
     <p:sldId id="281" r:id="rId26"/>
+    <p:sldId id="282" r:id="rId27"/>
+    <p:sldId id="283" r:id="rId28"/>
+    <p:sldId id="284" r:id="rId29"/>
+    <p:sldId id="285" r:id="rId30"/>
   </p:sldIdLst>
   <p:sldSz cx="12192000" cy="6858000"/>
   <p:notesSz cx="6858000" cy="9144000"/>
@@ -283,7 +287,7 @@
           <a:p>
             <a:fld id="{AA664FF4-21B7-42BA-B2A9-563C2A71FA7D}" type="datetimeFigureOut">
               <a:rPr lang="en-US" smtClean="0"/>
-              <a:t>9/29/2023</a:t>
+              <a:t>10/3/2023</a:t>
             </a:fld>
             <a:endParaRPr lang="en-US"/>
           </a:p>
@@ -481,7 +485,7 @@
           <a:p>
             <a:fld id="{AA664FF4-21B7-42BA-B2A9-563C2A71FA7D}" type="datetimeFigureOut">
               <a:rPr lang="en-US" smtClean="0"/>
-              <a:t>9/29/2023</a:t>
+              <a:t>10/3/2023</a:t>
             </a:fld>
             <a:endParaRPr lang="en-US"/>
           </a:p>
@@ -689,7 +693,7 @@
           <a:p>
             <a:fld id="{AA664FF4-21B7-42BA-B2A9-563C2A71FA7D}" type="datetimeFigureOut">
               <a:rPr lang="en-US" smtClean="0"/>
-              <a:t>9/29/2023</a:t>
+              <a:t>10/3/2023</a:t>
             </a:fld>
             <a:endParaRPr lang="en-US"/>
           </a:p>
@@ -887,7 +891,7 @@
           <a:p>
             <a:fld id="{AA664FF4-21B7-42BA-B2A9-563C2A71FA7D}" type="datetimeFigureOut">
               <a:rPr lang="en-US" smtClean="0"/>
-              <a:t>9/29/2023</a:t>
+              <a:t>10/3/2023</a:t>
             </a:fld>
             <a:endParaRPr lang="en-US"/>
           </a:p>
@@ -1162,7 +1166,7 @@
           <a:p>
             <a:fld id="{AA664FF4-21B7-42BA-B2A9-563C2A71FA7D}" type="datetimeFigureOut">
               <a:rPr lang="en-US" smtClean="0"/>
-              <a:t>9/29/2023</a:t>
+              <a:t>10/3/2023</a:t>
             </a:fld>
             <a:endParaRPr lang="en-US"/>
           </a:p>
@@ -1427,7 +1431,7 @@
           <a:p>
             <a:fld id="{AA664FF4-21B7-42BA-B2A9-563C2A71FA7D}" type="datetimeFigureOut">
               <a:rPr lang="en-US" smtClean="0"/>
-              <a:t>9/29/2023</a:t>
+              <a:t>10/3/2023</a:t>
             </a:fld>
             <a:endParaRPr lang="en-US"/>
           </a:p>
@@ -1839,7 +1843,7 @@
           <a:p>
             <a:fld id="{AA664FF4-21B7-42BA-B2A9-563C2A71FA7D}" type="datetimeFigureOut">
               <a:rPr lang="en-US" smtClean="0"/>
-              <a:t>9/29/2023</a:t>
+              <a:t>10/3/2023</a:t>
             </a:fld>
             <a:endParaRPr lang="en-US"/>
           </a:p>
@@ -1980,7 +1984,7 @@
           <a:p>
             <a:fld id="{AA664FF4-21B7-42BA-B2A9-563C2A71FA7D}" type="datetimeFigureOut">
               <a:rPr lang="en-US" smtClean="0"/>
-              <a:t>9/29/2023</a:t>
+              <a:t>10/3/2023</a:t>
             </a:fld>
             <a:endParaRPr lang="en-US"/>
           </a:p>
@@ -2093,7 +2097,7 @@
           <a:p>
             <a:fld id="{AA664FF4-21B7-42BA-B2A9-563C2A71FA7D}" type="datetimeFigureOut">
               <a:rPr lang="en-US" smtClean="0"/>
-              <a:t>9/29/2023</a:t>
+              <a:t>10/3/2023</a:t>
             </a:fld>
             <a:endParaRPr lang="en-US"/>
           </a:p>
@@ -2404,7 +2408,7 @@
           <a:p>
             <a:fld id="{AA664FF4-21B7-42BA-B2A9-563C2A71FA7D}" type="datetimeFigureOut">
               <a:rPr lang="en-US" smtClean="0"/>
-              <a:t>9/29/2023</a:t>
+              <a:t>10/3/2023</a:t>
             </a:fld>
             <a:endParaRPr lang="en-US"/>
           </a:p>
@@ -2692,7 +2696,7 @@
           <a:p>
             <a:fld id="{AA664FF4-21B7-42BA-B2A9-563C2A71FA7D}" type="datetimeFigureOut">
               <a:rPr lang="en-US" smtClean="0"/>
-              <a:t>9/29/2023</a:t>
+              <a:t>10/3/2023</a:t>
             </a:fld>
             <a:endParaRPr lang="en-US"/>
           </a:p>
@@ -2933,7 +2937,7 @@
           <a:p>
             <a:fld id="{AA664FF4-21B7-42BA-B2A9-563C2A71FA7D}" type="datetimeFigureOut">
               <a:rPr lang="en-US" smtClean="0"/>
-              <a:t>9/29/2023</a:t>
+              <a:t>10/3/2023</a:t>
             </a:fld>
             <a:endParaRPr lang="en-US"/>
           </a:p>
@@ -14242,6 +14246,4586 @@
 </p:sld>
 </file>
 
+<file path=ppt/slides/slide26.xml><?xml version="1.0" encoding="utf-8"?>
+<p:sld xmlns:a="http://schemas.openxmlformats.org/drawingml/2006/main" xmlns:r="http://schemas.openxmlformats.org/officeDocument/2006/relationships" xmlns:p="http://schemas.openxmlformats.org/presentationml/2006/main">
+  <p:cSld>
+    <p:spTree>
+      <p:nvGrpSpPr>
+        <p:cNvPr id="1" name=""/>
+        <p:cNvGrpSpPr/>
+        <p:nvPr/>
+      </p:nvGrpSpPr>
+      <p:grpSpPr>
+        <a:xfrm>
+          <a:off x="0" y="0"/>
+          <a:ext cx="0" cy="0"/>
+          <a:chOff x="0" y="0"/>
+          <a:chExt cx="0" cy="0"/>
+        </a:xfrm>
+      </p:grpSpPr>
+      <p:sp>
+        <p:nvSpPr>
+          <p:cNvPr id="2" name="Rectangle 1">
+            <a:extLst>
+              <a:ext uri="{FF2B5EF4-FFF2-40B4-BE49-F238E27FC236}">
+                <a16:creationId xmlns:a16="http://schemas.microsoft.com/office/drawing/2014/main" id="{D7674BB1-F878-7C08-DCF0-6E76755FD1A9}"/>
+              </a:ext>
+            </a:extLst>
+          </p:cNvPr>
+          <p:cNvSpPr/>
+          <p:nvPr/>
+        </p:nvSpPr>
+        <p:spPr>
+          <a:xfrm>
+            <a:off x="1259633" y="793102"/>
+            <a:ext cx="4637314" cy="4404049"/>
+          </a:xfrm>
+          <a:prstGeom prst="rect">
+            <a:avLst/>
+          </a:prstGeom>
+        </p:spPr>
+        <p:style>
+          <a:lnRef idx="2">
+            <a:schemeClr val="accent6"/>
+          </a:lnRef>
+          <a:fillRef idx="1">
+            <a:schemeClr val="lt1"/>
+          </a:fillRef>
+          <a:effectRef idx="0">
+            <a:schemeClr val="accent6"/>
+          </a:effectRef>
+          <a:fontRef idx="minor">
+            <a:schemeClr val="dk1"/>
+          </a:fontRef>
+        </p:style>
+        <p:txBody>
+          <a:bodyPr rtlCol="0" anchor="ctr"/>
+          <a:lstStyle/>
+          <a:p>
+            <a:pPr algn="ctr"/>
+            <a:endParaRPr lang="en-US"/>
+          </a:p>
+        </p:txBody>
+      </p:sp>
+      <p:sp>
+        <p:nvSpPr>
+          <p:cNvPr id="3" name="Rectangle 2">
+            <a:extLst>
+              <a:ext uri="{FF2B5EF4-FFF2-40B4-BE49-F238E27FC236}">
+                <a16:creationId xmlns:a16="http://schemas.microsoft.com/office/drawing/2014/main" id="{83EB23A4-B0AD-87E4-AACF-80634978442D}"/>
+              </a:ext>
+            </a:extLst>
+          </p:cNvPr>
+          <p:cNvSpPr/>
+          <p:nvPr/>
+        </p:nvSpPr>
+        <p:spPr>
+          <a:xfrm>
+            <a:off x="1530220" y="1296955"/>
+            <a:ext cx="3993502" cy="363894"/>
+          </a:xfrm>
+          <a:prstGeom prst="rect">
+            <a:avLst/>
+          </a:prstGeom>
+        </p:spPr>
+        <p:style>
+          <a:lnRef idx="2">
+            <a:schemeClr val="accent1">
+              <a:shade val="15000"/>
+            </a:schemeClr>
+          </a:lnRef>
+          <a:fillRef idx="1">
+            <a:schemeClr val="accent1"/>
+          </a:fillRef>
+          <a:effectRef idx="0">
+            <a:schemeClr val="accent1"/>
+          </a:effectRef>
+          <a:fontRef idx="minor">
+            <a:schemeClr val="lt1"/>
+          </a:fontRef>
+        </p:style>
+        <p:txBody>
+          <a:bodyPr rtlCol="0" anchor="ctr"/>
+          <a:lstStyle/>
+          <a:p>
+            <a:pPr algn="ctr"/>
+            <a:r>
+              <a:rPr lang="en-US" dirty="0"/>
+              <a:t>DB Call</a:t>
+            </a:r>
+          </a:p>
+        </p:txBody>
+      </p:sp>
+      <p:sp>
+        <p:nvSpPr>
+          <p:cNvPr id="4" name="Rectangle 3">
+            <a:extLst>
+              <a:ext uri="{FF2B5EF4-FFF2-40B4-BE49-F238E27FC236}">
+                <a16:creationId xmlns:a16="http://schemas.microsoft.com/office/drawing/2014/main" id="{9B726D9F-8050-9EB5-56C1-CC822A086929}"/>
+              </a:ext>
+            </a:extLst>
+          </p:cNvPr>
+          <p:cNvSpPr/>
+          <p:nvPr/>
+        </p:nvSpPr>
+        <p:spPr>
+          <a:xfrm>
+            <a:off x="1530220" y="2108718"/>
+            <a:ext cx="3993502" cy="363894"/>
+          </a:xfrm>
+          <a:prstGeom prst="rect">
+            <a:avLst/>
+          </a:prstGeom>
+        </p:spPr>
+        <p:style>
+          <a:lnRef idx="2">
+            <a:schemeClr val="accent1">
+              <a:shade val="15000"/>
+            </a:schemeClr>
+          </a:lnRef>
+          <a:fillRef idx="1">
+            <a:schemeClr val="accent1"/>
+          </a:fillRef>
+          <a:effectRef idx="0">
+            <a:schemeClr val="accent1"/>
+          </a:effectRef>
+          <a:fontRef idx="minor">
+            <a:schemeClr val="lt1"/>
+          </a:fontRef>
+        </p:style>
+        <p:txBody>
+          <a:bodyPr rtlCol="0" anchor="ctr"/>
+          <a:lstStyle/>
+          <a:p>
+            <a:pPr algn="ctr"/>
+            <a:r>
+              <a:rPr lang="en-US" dirty="0"/>
+              <a:t>IO</a:t>
+            </a:r>
+          </a:p>
+        </p:txBody>
+      </p:sp>
+      <p:sp>
+        <p:nvSpPr>
+          <p:cNvPr id="5" name="Rectangle 4">
+            <a:extLst>
+              <a:ext uri="{FF2B5EF4-FFF2-40B4-BE49-F238E27FC236}">
+                <a16:creationId xmlns:a16="http://schemas.microsoft.com/office/drawing/2014/main" id="{0698996F-62D3-3A61-BECE-BE28219CCB61}"/>
+              </a:ext>
+            </a:extLst>
+          </p:cNvPr>
+          <p:cNvSpPr/>
+          <p:nvPr/>
+        </p:nvSpPr>
+        <p:spPr>
+          <a:xfrm>
+            <a:off x="1530220" y="2727649"/>
+            <a:ext cx="3993502" cy="363894"/>
+          </a:xfrm>
+          <a:prstGeom prst="rect">
+            <a:avLst/>
+          </a:prstGeom>
+        </p:spPr>
+        <p:style>
+          <a:lnRef idx="2">
+            <a:schemeClr val="accent1">
+              <a:shade val="15000"/>
+            </a:schemeClr>
+          </a:lnRef>
+          <a:fillRef idx="1">
+            <a:schemeClr val="accent1"/>
+          </a:fillRef>
+          <a:effectRef idx="0">
+            <a:schemeClr val="accent1"/>
+          </a:effectRef>
+          <a:fontRef idx="minor">
+            <a:schemeClr val="lt1"/>
+          </a:fontRef>
+        </p:style>
+        <p:txBody>
+          <a:bodyPr rtlCol="0" anchor="ctr"/>
+          <a:lstStyle/>
+          <a:p>
+            <a:pPr algn="ctr"/>
+            <a:r>
+              <a:rPr lang="en-US" dirty="0"/>
+              <a:t>Upload with HTTTP</a:t>
+            </a:r>
+          </a:p>
+        </p:txBody>
+      </p:sp>
+      <p:sp>
+        <p:nvSpPr>
+          <p:cNvPr id="6" name="Rectangle 5">
+            <a:extLst>
+              <a:ext uri="{FF2B5EF4-FFF2-40B4-BE49-F238E27FC236}">
+                <a16:creationId xmlns:a16="http://schemas.microsoft.com/office/drawing/2014/main" id="{6942CA18-6C38-F640-9232-A7F98FAFD14C}"/>
+              </a:ext>
+            </a:extLst>
+          </p:cNvPr>
+          <p:cNvSpPr/>
+          <p:nvPr/>
+        </p:nvSpPr>
+        <p:spPr>
+          <a:xfrm>
+            <a:off x="1530220" y="3539412"/>
+            <a:ext cx="3993502" cy="363894"/>
+          </a:xfrm>
+          <a:prstGeom prst="rect">
+            <a:avLst/>
+          </a:prstGeom>
+        </p:spPr>
+        <p:style>
+          <a:lnRef idx="2">
+            <a:schemeClr val="accent1">
+              <a:shade val="15000"/>
+            </a:schemeClr>
+          </a:lnRef>
+          <a:fillRef idx="1">
+            <a:schemeClr val="accent1"/>
+          </a:fillRef>
+          <a:effectRef idx="0">
+            <a:schemeClr val="accent1"/>
+          </a:effectRef>
+          <a:fontRef idx="minor">
+            <a:schemeClr val="lt1"/>
+          </a:fontRef>
+        </p:style>
+        <p:txBody>
+          <a:bodyPr rtlCol="0" anchor="ctr"/>
+          <a:lstStyle/>
+          <a:p>
+            <a:pPr algn="ctr"/>
+            <a:r>
+              <a:rPr lang="en-US" dirty="0"/>
+              <a:t>Socket</a:t>
+            </a:r>
+          </a:p>
+        </p:txBody>
+      </p:sp>
+      <p:sp>
+        <p:nvSpPr>
+          <p:cNvPr id="7" name="Rectangle 6">
+            <a:extLst>
+              <a:ext uri="{FF2B5EF4-FFF2-40B4-BE49-F238E27FC236}">
+                <a16:creationId xmlns:a16="http://schemas.microsoft.com/office/drawing/2014/main" id="{BD6E655D-6FC8-D1F4-A6C8-6FA7825388B3}"/>
+              </a:ext>
+            </a:extLst>
+          </p:cNvPr>
+          <p:cNvSpPr/>
+          <p:nvPr/>
+        </p:nvSpPr>
+        <p:spPr>
+          <a:xfrm>
+            <a:off x="1581539" y="4368281"/>
+            <a:ext cx="3993502" cy="363894"/>
+          </a:xfrm>
+          <a:prstGeom prst="rect">
+            <a:avLst/>
+          </a:prstGeom>
+        </p:spPr>
+        <p:style>
+          <a:lnRef idx="2">
+            <a:schemeClr val="accent1">
+              <a:shade val="15000"/>
+            </a:schemeClr>
+          </a:lnRef>
+          <a:fillRef idx="1">
+            <a:schemeClr val="accent1"/>
+          </a:fillRef>
+          <a:effectRef idx="0">
+            <a:schemeClr val="accent1"/>
+          </a:effectRef>
+          <a:fontRef idx="minor">
+            <a:schemeClr val="lt1"/>
+          </a:fontRef>
+        </p:style>
+        <p:txBody>
+          <a:bodyPr rtlCol="0" anchor="ctr"/>
+          <a:lstStyle/>
+          <a:p>
+            <a:pPr algn="ctr"/>
+            <a:r>
+              <a:rPr lang="en-US" dirty="0"/>
+              <a:t>Image Processing</a:t>
+            </a:r>
+          </a:p>
+        </p:txBody>
+      </p:sp>
+      <p:sp>
+        <p:nvSpPr>
+          <p:cNvPr id="8" name="Cylinder 7">
+            <a:extLst>
+              <a:ext uri="{FF2B5EF4-FFF2-40B4-BE49-F238E27FC236}">
+                <a16:creationId xmlns:a16="http://schemas.microsoft.com/office/drawing/2014/main" id="{9AAD056F-0E01-B8C3-B928-D82BBBF047A3}"/>
+              </a:ext>
+            </a:extLst>
+          </p:cNvPr>
+          <p:cNvSpPr/>
+          <p:nvPr/>
+        </p:nvSpPr>
+        <p:spPr>
+          <a:xfrm>
+            <a:off x="10207690" y="681135"/>
+            <a:ext cx="1250302" cy="979714"/>
+          </a:xfrm>
+          <a:prstGeom prst="can">
+            <a:avLst/>
+          </a:prstGeom>
+        </p:spPr>
+        <p:style>
+          <a:lnRef idx="2">
+            <a:schemeClr val="accent1">
+              <a:shade val="15000"/>
+            </a:schemeClr>
+          </a:lnRef>
+          <a:fillRef idx="1">
+            <a:schemeClr val="accent1"/>
+          </a:fillRef>
+          <a:effectRef idx="0">
+            <a:schemeClr val="accent1"/>
+          </a:effectRef>
+          <a:fontRef idx="minor">
+            <a:schemeClr val="lt1"/>
+          </a:fontRef>
+        </p:style>
+        <p:txBody>
+          <a:bodyPr rtlCol="0" anchor="ctr"/>
+          <a:lstStyle/>
+          <a:p>
+            <a:pPr algn="ctr"/>
+            <a:endParaRPr lang="en-US"/>
+          </a:p>
+        </p:txBody>
+      </p:sp>
+      <p:cxnSp>
+        <p:nvCxnSpPr>
+          <p:cNvPr id="10" name="Connector: Elbow 9">
+            <a:extLst>
+              <a:ext uri="{FF2B5EF4-FFF2-40B4-BE49-F238E27FC236}">
+                <a16:creationId xmlns:a16="http://schemas.microsoft.com/office/drawing/2014/main" id="{D757DC0E-3C6E-5E1D-92CB-91A3B821EE00}"/>
+              </a:ext>
+            </a:extLst>
+          </p:cNvPr>
+          <p:cNvCxnSpPr>
+            <a:endCxn id="8" idx="2"/>
+          </p:cNvCxnSpPr>
+          <p:nvPr/>
+        </p:nvCxnSpPr>
+        <p:spPr>
+          <a:xfrm flipV="1">
+            <a:off x="5523722" y="1170992"/>
+            <a:ext cx="4683968" cy="293914"/>
+          </a:xfrm>
+          <a:prstGeom prst="bentConnector3">
+            <a:avLst/>
+          </a:prstGeom>
+          <a:ln>
+            <a:headEnd type="triangle"/>
+            <a:tailEnd type="triangle"/>
+          </a:ln>
+        </p:spPr>
+        <p:style>
+          <a:lnRef idx="1">
+            <a:schemeClr val="accent1"/>
+          </a:lnRef>
+          <a:fillRef idx="0">
+            <a:schemeClr val="accent1"/>
+          </a:fillRef>
+          <a:effectRef idx="0">
+            <a:schemeClr val="accent1"/>
+          </a:effectRef>
+          <a:fontRef idx="minor">
+            <a:schemeClr val="tx1"/>
+          </a:fontRef>
+        </p:style>
+      </p:cxnSp>
+      <p:sp>
+        <p:nvSpPr>
+          <p:cNvPr id="11" name="Flowchart: Multidocument 10">
+            <a:extLst>
+              <a:ext uri="{FF2B5EF4-FFF2-40B4-BE49-F238E27FC236}">
+                <a16:creationId xmlns:a16="http://schemas.microsoft.com/office/drawing/2014/main" id="{9CE49018-C8E8-2D44-B815-78CE35433C01}"/>
+              </a:ext>
+            </a:extLst>
+          </p:cNvPr>
+          <p:cNvSpPr/>
+          <p:nvPr/>
+        </p:nvSpPr>
+        <p:spPr>
+          <a:xfrm>
+            <a:off x="10328988" y="2038739"/>
+            <a:ext cx="1129004" cy="979714"/>
+          </a:xfrm>
+          <a:prstGeom prst="flowChartMultidocument">
+            <a:avLst/>
+          </a:prstGeom>
+        </p:spPr>
+        <p:style>
+          <a:lnRef idx="2">
+            <a:schemeClr val="accent1">
+              <a:shade val="15000"/>
+            </a:schemeClr>
+          </a:lnRef>
+          <a:fillRef idx="1">
+            <a:schemeClr val="accent1"/>
+          </a:fillRef>
+          <a:effectRef idx="0">
+            <a:schemeClr val="accent1"/>
+          </a:effectRef>
+          <a:fontRef idx="minor">
+            <a:schemeClr val="lt1"/>
+          </a:fontRef>
+        </p:style>
+        <p:txBody>
+          <a:bodyPr rtlCol="0" anchor="ctr"/>
+          <a:lstStyle/>
+          <a:p>
+            <a:pPr algn="ctr"/>
+            <a:r>
+              <a:rPr lang="en-US" dirty="0"/>
+              <a:t>FS</a:t>
+            </a:r>
+          </a:p>
+        </p:txBody>
+      </p:sp>
+      <p:cxnSp>
+        <p:nvCxnSpPr>
+          <p:cNvPr id="13" name="Connector: Elbow 12">
+            <a:extLst>
+              <a:ext uri="{FF2B5EF4-FFF2-40B4-BE49-F238E27FC236}">
+                <a16:creationId xmlns:a16="http://schemas.microsoft.com/office/drawing/2014/main" id="{6A9A7823-D929-C1C4-C60F-2A0F4CF8A6F5}"/>
+              </a:ext>
+            </a:extLst>
+          </p:cNvPr>
+          <p:cNvCxnSpPr>
+            <a:stCxn id="4" idx="3"/>
+            <a:endCxn id="11" idx="1"/>
+          </p:cNvCxnSpPr>
+          <p:nvPr/>
+        </p:nvCxnSpPr>
+        <p:spPr>
+          <a:xfrm>
+            <a:off x="5523722" y="2290665"/>
+            <a:ext cx="4805266" cy="237931"/>
+          </a:xfrm>
+          <a:prstGeom prst="bentConnector3">
+            <a:avLst/>
+          </a:prstGeom>
+          <a:ln>
+            <a:headEnd type="triangle"/>
+            <a:tailEnd type="triangle"/>
+          </a:ln>
+        </p:spPr>
+        <p:style>
+          <a:lnRef idx="1">
+            <a:schemeClr val="accent1"/>
+          </a:lnRef>
+          <a:fillRef idx="0">
+            <a:schemeClr val="accent1"/>
+          </a:fillRef>
+          <a:effectRef idx="0">
+            <a:schemeClr val="accent1"/>
+          </a:effectRef>
+          <a:fontRef idx="minor">
+            <a:schemeClr val="tx1"/>
+          </a:fontRef>
+        </p:style>
+      </p:cxnSp>
+      <p:sp>
+        <p:nvSpPr>
+          <p:cNvPr id="14" name="Explosion: 14 Points 13">
+            <a:extLst>
+              <a:ext uri="{FF2B5EF4-FFF2-40B4-BE49-F238E27FC236}">
+                <a16:creationId xmlns:a16="http://schemas.microsoft.com/office/drawing/2014/main" id="{BDD82C83-B49A-FFB6-3488-B3961D43C044}"/>
+              </a:ext>
+            </a:extLst>
+          </p:cNvPr>
+          <p:cNvSpPr/>
+          <p:nvPr/>
+        </p:nvSpPr>
+        <p:spPr>
+          <a:xfrm>
+            <a:off x="7399176" y="3091543"/>
+            <a:ext cx="2034073" cy="1111899"/>
+          </a:xfrm>
+          <a:prstGeom prst="irregularSeal2">
+            <a:avLst/>
+          </a:prstGeom>
+        </p:spPr>
+        <p:style>
+          <a:lnRef idx="2">
+            <a:schemeClr val="accent1">
+              <a:shade val="15000"/>
+            </a:schemeClr>
+          </a:lnRef>
+          <a:fillRef idx="1">
+            <a:schemeClr val="accent1"/>
+          </a:fillRef>
+          <a:effectRef idx="0">
+            <a:schemeClr val="accent1"/>
+          </a:effectRef>
+          <a:fontRef idx="minor">
+            <a:schemeClr val="lt1"/>
+          </a:fontRef>
+        </p:style>
+        <p:txBody>
+          <a:bodyPr rtlCol="0" anchor="ctr"/>
+          <a:lstStyle/>
+          <a:p>
+            <a:pPr algn="ctr"/>
+            <a:endParaRPr lang="en-US"/>
+          </a:p>
+        </p:txBody>
+      </p:sp>
+      <p:sp>
+        <p:nvSpPr>
+          <p:cNvPr id="15" name="Flowchart: Card 14">
+            <a:extLst>
+              <a:ext uri="{FF2B5EF4-FFF2-40B4-BE49-F238E27FC236}">
+                <a16:creationId xmlns:a16="http://schemas.microsoft.com/office/drawing/2014/main" id="{E1AE386C-FF08-1A90-462B-0B10BF74249F}"/>
+              </a:ext>
+            </a:extLst>
+          </p:cNvPr>
+          <p:cNvSpPr/>
+          <p:nvPr/>
+        </p:nvSpPr>
+        <p:spPr>
+          <a:xfrm>
+            <a:off x="10431624" y="3539412"/>
+            <a:ext cx="1539551" cy="1192763"/>
+          </a:xfrm>
+          <a:prstGeom prst="flowChartPunchedCard">
+            <a:avLst/>
+          </a:prstGeom>
+        </p:spPr>
+        <p:style>
+          <a:lnRef idx="2">
+            <a:schemeClr val="accent1">
+              <a:shade val="15000"/>
+            </a:schemeClr>
+          </a:lnRef>
+          <a:fillRef idx="1">
+            <a:schemeClr val="accent1"/>
+          </a:fillRef>
+          <a:effectRef idx="0">
+            <a:schemeClr val="accent1"/>
+          </a:effectRef>
+          <a:fontRef idx="minor">
+            <a:schemeClr val="lt1"/>
+          </a:fontRef>
+        </p:style>
+        <p:txBody>
+          <a:bodyPr rtlCol="0" anchor="ctr"/>
+          <a:lstStyle/>
+          <a:p>
+            <a:pPr algn="ctr"/>
+            <a:r>
+              <a:rPr lang="en-US" dirty="0"/>
+              <a:t>REST</a:t>
+            </a:r>
+          </a:p>
+        </p:txBody>
+      </p:sp>
+      <p:cxnSp>
+        <p:nvCxnSpPr>
+          <p:cNvPr id="17" name="Connector: Elbow 16">
+            <a:extLst>
+              <a:ext uri="{FF2B5EF4-FFF2-40B4-BE49-F238E27FC236}">
+                <a16:creationId xmlns:a16="http://schemas.microsoft.com/office/drawing/2014/main" id="{A3F6D241-5689-111F-9B6C-A5D84899CF7B}"/>
+              </a:ext>
+            </a:extLst>
+          </p:cNvPr>
+          <p:cNvCxnSpPr>
+            <a:stCxn id="5" idx="3"/>
+            <a:endCxn id="14" idx="1"/>
+          </p:cNvCxnSpPr>
+          <p:nvPr/>
+        </p:nvCxnSpPr>
+        <p:spPr>
+          <a:xfrm>
+            <a:off x="5523722" y="2909596"/>
+            <a:ext cx="1875454" cy="844814"/>
+          </a:xfrm>
+          <a:prstGeom prst="bentConnector3">
+            <a:avLst/>
+          </a:prstGeom>
+          <a:ln>
+            <a:headEnd type="triangle"/>
+            <a:tailEnd type="triangle"/>
+          </a:ln>
+        </p:spPr>
+        <p:style>
+          <a:lnRef idx="1">
+            <a:schemeClr val="accent1"/>
+          </a:lnRef>
+          <a:fillRef idx="0">
+            <a:schemeClr val="accent1"/>
+          </a:fillRef>
+          <a:effectRef idx="0">
+            <a:schemeClr val="accent1"/>
+          </a:effectRef>
+          <a:fontRef idx="minor">
+            <a:schemeClr val="tx1"/>
+          </a:fontRef>
+        </p:style>
+      </p:cxnSp>
+      <p:cxnSp>
+        <p:nvCxnSpPr>
+          <p:cNvPr id="19" name="Connector: Elbow 18">
+            <a:extLst>
+              <a:ext uri="{FF2B5EF4-FFF2-40B4-BE49-F238E27FC236}">
+                <a16:creationId xmlns:a16="http://schemas.microsoft.com/office/drawing/2014/main" id="{D2826C1E-DE9E-C0F4-C24F-88AF7E764AB5}"/>
+              </a:ext>
+            </a:extLst>
+          </p:cNvPr>
+          <p:cNvCxnSpPr>
+            <a:stCxn id="14" idx="3"/>
+            <a:endCxn id="15" idx="1"/>
+          </p:cNvCxnSpPr>
+          <p:nvPr/>
+        </p:nvCxnSpPr>
+        <p:spPr>
+          <a:xfrm>
+            <a:off x="9433249" y="3433606"/>
+            <a:ext cx="998375" cy="702188"/>
+          </a:xfrm>
+          <a:prstGeom prst="bentConnector3">
+            <a:avLst/>
+          </a:prstGeom>
+          <a:ln>
+            <a:headEnd type="triangle"/>
+            <a:tailEnd type="triangle"/>
+          </a:ln>
+        </p:spPr>
+        <p:style>
+          <a:lnRef idx="1">
+            <a:schemeClr val="accent1"/>
+          </a:lnRef>
+          <a:fillRef idx="0">
+            <a:schemeClr val="accent1"/>
+          </a:fillRef>
+          <a:effectRef idx="0">
+            <a:schemeClr val="accent1"/>
+          </a:effectRef>
+          <a:fontRef idx="minor">
+            <a:schemeClr val="tx1"/>
+          </a:fontRef>
+        </p:style>
+      </p:cxnSp>
+      <p:sp>
+        <p:nvSpPr>
+          <p:cNvPr id="20" name="Left Brace 19">
+            <a:extLst>
+              <a:ext uri="{FF2B5EF4-FFF2-40B4-BE49-F238E27FC236}">
+                <a16:creationId xmlns:a16="http://schemas.microsoft.com/office/drawing/2014/main" id="{73404B0E-21F2-61AA-1404-0234678F1D92}"/>
+              </a:ext>
+            </a:extLst>
+          </p:cNvPr>
+          <p:cNvSpPr/>
+          <p:nvPr/>
+        </p:nvSpPr>
+        <p:spPr>
+          <a:xfrm>
+            <a:off x="830424" y="793102"/>
+            <a:ext cx="429209" cy="4404049"/>
+          </a:xfrm>
+          <a:prstGeom prst="leftBrace">
+            <a:avLst/>
+          </a:prstGeom>
+        </p:spPr>
+        <p:style>
+          <a:lnRef idx="1">
+            <a:schemeClr val="accent1"/>
+          </a:lnRef>
+          <a:fillRef idx="0">
+            <a:schemeClr val="accent1"/>
+          </a:fillRef>
+          <a:effectRef idx="0">
+            <a:schemeClr val="accent1"/>
+          </a:effectRef>
+          <a:fontRef idx="minor">
+            <a:schemeClr val="tx1"/>
+          </a:fontRef>
+        </p:style>
+        <p:txBody>
+          <a:bodyPr rtlCol="0" anchor="ctr"/>
+          <a:lstStyle/>
+          <a:p>
+            <a:pPr algn="ctr"/>
+            <a:endParaRPr lang="en-US"/>
+          </a:p>
+        </p:txBody>
+      </p:sp>
+      <p:sp>
+        <p:nvSpPr>
+          <p:cNvPr id="21" name="TextBox 20">
+            <a:extLst>
+              <a:ext uri="{FF2B5EF4-FFF2-40B4-BE49-F238E27FC236}">
+                <a16:creationId xmlns:a16="http://schemas.microsoft.com/office/drawing/2014/main" id="{9BF5C16B-1E58-5EC2-AD99-DE9A38AA2978}"/>
+              </a:ext>
+            </a:extLst>
+          </p:cNvPr>
+          <p:cNvSpPr txBox="1"/>
+          <p:nvPr/>
+        </p:nvSpPr>
+        <p:spPr>
+          <a:xfrm>
+            <a:off x="555172" y="5663682"/>
+            <a:ext cx="2785187" cy="369332"/>
+          </a:xfrm>
+          <a:prstGeom prst="rect">
+            <a:avLst/>
+          </a:prstGeom>
+          <a:noFill/>
+        </p:spPr>
+        <p:txBody>
+          <a:bodyPr wrap="square" rtlCol="0">
+            <a:spAutoFit/>
+          </a:bodyPr>
+          <a:lstStyle/>
+          <a:p>
+            <a:r>
+              <a:rPr lang="en-US" dirty="0" err="1"/>
+              <a:t>Parallel.Invoke</a:t>
+            </a:r>
+            <a:r>
+              <a:rPr lang="en-US" dirty="0"/>
+              <a:t>()</a:t>
+            </a:r>
+          </a:p>
+        </p:txBody>
+      </p:sp>
+      <p:sp>
+        <p:nvSpPr>
+          <p:cNvPr id="22" name="&quot;Not Allowed&quot; Symbol 21">
+            <a:extLst>
+              <a:ext uri="{FF2B5EF4-FFF2-40B4-BE49-F238E27FC236}">
+                <a16:creationId xmlns:a16="http://schemas.microsoft.com/office/drawing/2014/main" id="{7E9FFAC6-473F-2785-8C67-7D7E9507655B}"/>
+              </a:ext>
+            </a:extLst>
+          </p:cNvPr>
+          <p:cNvSpPr/>
+          <p:nvPr/>
+        </p:nvSpPr>
+        <p:spPr>
+          <a:xfrm>
+            <a:off x="8845420" y="2108718"/>
+            <a:ext cx="821094" cy="728507"/>
+          </a:xfrm>
+          <a:prstGeom prst="noSmoking">
+            <a:avLst/>
+          </a:prstGeom>
+          <a:solidFill>
+            <a:srgbClr val="C00000"/>
+          </a:solidFill>
+        </p:spPr>
+        <p:style>
+          <a:lnRef idx="2">
+            <a:schemeClr val="accent1">
+              <a:shade val="15000"/>
+            </a:schemeClr>
+          </a:lnRef>
+          <a:fillRef idx="1">
+            <a:schemeClr val="accent1"/>
+          </a:fillRef>
+          <a:effectRef idx="0">
+            <a:schemeClr val="accent1"/>
+          </a:effectRef>
+          <a:fontRef idx="minor">
+            <a:schemeClr val="lt1"/>
+          </a:fontRef>
+        </p:style>
+        <p:txBody>
+          <a:bodyPr rtlCol="0" anchor="ctr"/>
+          <a:lstStyle/>
+          <a:p>
+            <a:pPr algn="ctr"/>
+            <a:endParaRPr lang="en-US">
+              <a:solidFill>
+                <a:schemeClr val="tx1"/>
+              </a:solidFill>
+            </a:endParaRPr>
+          </a:p>
+        </p:txBody>
+      </p:sp>
+      <p:sp>
+        <p:nvSpPr>
+          <p:cNvPr id="23" name="Rectangle 22">
+            <a:extLst>
+              <a:ext uri="{FF2B5EF4-FFF2-40B4-BE49-F238E27FC236}">
+                <a16:creationId xmlns:a16="http://schemas.microsoft.com/office/drawing/2014/main" id="{BECE1C1A-8DAB-847F-1AD2-E6104BB89CED}"/>
+              </a:ext>
+            </a:extLst>
+          </p:cNvPr>
+          <p:cNvSpPr/>
+          <p:nvPr/>
+        </p:nvSpPr>
+        <p:spPr>
+          <a:xfrm>
+            <a:off x="5924938" y="566445"/>
+            <a:ext cx="93307" cy="4686301"/>
+          </a:xfrm>
+          <a:prstGeom prst="rect">
+            <a:avLst/>
+          </a:prstGeom>
+          <a:solidFill>
+            <a:srgbClr val="C00000"/>
+          </a:solidFill>
+        </p:spPr>
+        <p:style>
+          <a:lnRef idx="2">
+            <a:schemeClr val="accent1">
+              <a:shade val="15000"/>
+            </a:schemeClr>
+          </a:lnRef>
+          <a:fillRef idx="1">
+            <a:schemeClr val="accent1"/>
+          </a:fillRef>
+          <a:effectRef idx="0">
+            <a:schemeClr val="accent1"/>
+          </a:effectRef>
+          <a:fontRef idx="minor">
+            <a:schemeClr val="lt1"/>
+          </a:fontRef>
+        </p:style>
+        <p:txBody>
+          <a:bodyPr rtlCol="0" anchor="ctr"/>
+          <a:lstStyle/>
+          <a:p>
+            <a:pPr algn="ctr"/>
+            <a:endParaRPr lang="en-US"/>
+          </a:p>
+        </p:txBody>
+      </p:sp>
+      <p:sp>
+        <p:nvSpPr>
+          <p:cNvPr id="25" name="TextBox 24">
+            <a:extLst>
+              <a:ext uri="{FF2B5EF4-FFF2-40B4-BE49-F238E27FC236}">
+                <a16:creationId xmlns:a16="http://schemas.microsoft.com/office/drawing/2014/main" id="{CDC7AF5A-CD20-52E2-B9B4-4B7A4EFCBA5E}"/>
+              </a:ext>
+            </a:extLst>
+          </p:cNvPr>
+          <p:cNvSpPr txBox="1"/>
+          <p:nvPr/>
+        </p:nvSpPr>
+        <p:spPr>
+          <a:xfrm>
+            <a:off x="6326156" y="566445"/>
+            <a:ext cx="3107093" cy="1477328"/>
+          </a:xfrm>
+          <a:prstGeom prst="rect">
+            <a:avLst/>
+          </a:prstGeom>
+          <a:noFill/>
+        </p:spPr>
+        <p:txBody>
+          <a:bodyPr wrap="square" rtlCol="0">
+            <a:spAutoFit/>
+          </a:bodyPr>
+          <a:lstStyle/>
+          <a:p>
+            <a:r>
+              <a:rPr lang="en-US" dirty="0"/>
+              <a:t>Create a </a:t>
+            </a:r>
+            <a:r>
+              <a:rPr lang="en-US" b="1" dirty="0"/>
+              <a:t>Handle</a:t>
+            </a:r>
+            <a:r>
+              <a:rPr lang="en-US" dirty="0"/>
+              <a:t> for OS</a:t>
+            </a:r>
+          </a:p>
+          <a:p>
+            <a:r>
+              <a:rPr lang="en-US" dirty="0"/>
+              <a:t>OS Look for Resource</a:t>
+            </a:r>
+          </a:p>
+          <a:p>
+            <a:r>
+              <a:rPr lang="en-US" dirty="0"/>
+              <a:t>If Available, provides its access by managing Lifetime for that Object</a:t>
+            </a:r>
+          </a:p>
+        </p:txBody>
+      </p:sp>
+      <p:sp>
+        <p:nvSpPr>
+          <p:cNvPr id="27" name="TextBox 26">
+            <a:extLst>
+              <a:ext uri="{FF2B5EF4-FFF2-40B4-BE49-F238E27FC236}">
+                <a16:creationId xmlns:a16="http://schemas.microsoft.com/office/drawing/2014/main" id="{FACF9C7E-442C-497C-9451-4E8E920FC032}"/>
+              </a:ext>
+            </a:extLst>
+          </p:cNvPr>
+          <p:cNvSpPr txBox="1"/>
+          <p:nvPr/>
+        </p:nvSpPr>
+        <p:spPr>
+          <a:xfrm>
+            <a:off x="3228392" y="5337110"/>
+            <a:ext cx="2696546" cy="369332"/>
+          </a:xfrm>
+          <a:prstGeom prst="rect">
+            <a:avLst/>
+          </a:prstGeom>
+          <a:noFill/>
+        </p:spPr>
+        <p:txBody>
+          <a:bodyPr wrap="square" rtlCol="0">
+            <a:spAutoFit/>
+          </a:bodyPr>
+          <a:lstStyle/>
+          <a:p>
+            <a:r>
+              <a:rPr lang="en-US" dirty="0"/>
+              <a:t>Manages Objects</a:t>
+            </a:r>
+          </a:p>
+        </p:txBody>
+      </p:sp>
+      <p:sp>
+        <p:nvSpPr>
+          <p:cNvPr id="28" name="TextBox 27">
+            <a:extLst>
+              <a:ext uri="{FF2B5EF4-FFF2-40B4-BE49-F238E27FC236}">
+                <a16:creationId xmlns:a16="http://schemas.microsoft.com/office/drawing/2014/main" id="{28F2523B-AA32-AA63-421B-6D2DFB6F89E0}"/>
+              </a:ext>
+            </a:extLst>
+          </p:cNvPr>
+          <p:cNvSpPr txBox="1"/>
+          <p:nvPr/>
+        </p:nvSpPr>
+        <p:spPr>
+          <a:xfrm>
+            <a:off x="8784773" y="5252746"/>
+            <a:ext cx="2696546" cy="369332"/>
+          </a:xfrm>
+          <a:prstGeom prst="rect">
+            <a:avLst/>
+          </a:prstGeom>
+          <a:noFill/>
+        </p:spPr>
+        <p:txBody>
+          <a:bodyPr wrap="square" rtlCol="0">
+            <a:spAutoFit/>
+          </a:bodyPr>
+          <a:lstStyle/>
+          <a:p>
+            <a:r>
+              <a:rPr lang="en-US" dirty="0" err="1"/>
+              <a:t>UnManages</a:t>
+            </a:r>
+            <a:r>
+              <a:rPr lang="en-US" dirty="0"/>
+              <a:t> Objects</a:t>
+            </a:r>
+          </a:p>
+        </p:txBody>
+      </p:sp>
+      <p:sp>
+        <p:nvSpPr>
+          <p:cNvPr id="29" name="&quot;Not Allowed&quot; Symbol 28">
+            <a:extLst>
+              <a:ext uri="{FF2B5EF4-FFF2-40B4-BE49-F238E27FC236}">
+                <a16:creationId xmlns:a16="http://schemas.microsoft.com/office/drawing/2014/main" id="{2937E6CF-4FE3-5559-70CA-8D33B1EB1294}"/>
+              </a:ext>
+            </a:extLst>
+          </p:cNvPr>
+          <p:cNvSpPr/>
+          <p:nvPr/>
+        </p:nvSpPr>
+        <p:spPr>
+          <a:xfrm>
+            <a:off x="9237306" y="864665"/>
+            <a:ext cx="821094" cy="728507"/>
+          </a:xfrm>
+          <a:prstGeom prst="noSmoking">
+            <a:avLst/>
+          </a:prstGeom>
+          <a:solidFill>
+            <a:srgbClr val="C00000"/>
+          </a:solidFill>
+        </p:spPr>
+        <p:style>
+          <a:lnRef idx="2">
+            <a:schemeClr val="accent1">
+              <a:shade val="15000"/>
+            </a:schemeClr>
+          </a:lnRef>
+          <a:fillRef idx="1">
+            <a:schemeClr val="accent1"/>
+          </a:fillRef>
+          <a:effectRef idx="0">
+            <a:schemeClr val="accent1"/>
+          </a:effectRef>
+          <a:fontRef idx="minor">
+            <a:schemeClr val="lt1"/>
+          </a:fontRef>
+        </p:style>
+        <p:txBody>
+          <a:bodyPr rtlCol="0" anchor="ctr"/>
+          <a:lstStyle/>
+          <a:p>
+            <a:pPr algn="ctr"/>
+            <a:endParaRPr lang="en-US">
+              <a:solidFill>
+                <a:schemeClr val="tx1"/>
+              </a:solidFill>
+            </a:endParaRPr>
+          </a:p>
+        </p:txBody>
+      </p:sp>
+      <p:sp>
+        <p:nvSpPr>
+          <p:cNvPr id="30" name="Cylinder 29">
+            <a:extLst>
+              <a:ext uri="{FF2B5EF4-FFF2-40B4-BE49-F238E27FC236}">
+                <a16:creationId xmlns:a16="http://schemas.microsoft.com/office/drawing/2014/main" id="{561E1664-4AF4-3F84-6323-80E23A474228}"/>
+              </a:ext>
+            </a:extLst>
+          </p:cNvPr>
+          <p:cNvSpPr/>
+          <p:nvPr/>
+        </p:nvSpPr>
+        <p:spPr>
+          <a:xfrm>
+            <a:off x="3704253" y="1660849"/>
+            <a:ext cx="1082351" cy="464975"/>
+          </a:xfrm>
+          <a:prstGeom prst="can">
+            <a:avLst/>
+          </a:prstGeom>
+        </p:spPr>
+        <p:style>
+          <a:lnRef idx="2">
+            <a:schemeClr val="accent1">
+              <a:shade val="15000"/>
+            </a:schemeClr>
+          </a:lnRef>
+          <a:fillRef idx="1">
+            <a:schemeClr val="accent1"/>
+          </a:fillRef>
+          <a:effectRef idx="0">
+            <a:schemeClr val="accent1"/>
+          </a:effectRef>
+          <a:fontRef idx="minor">
+            <a:schemeClr val="lt1"/>
+          </a:fontRef>
+        </p:style>
+        <p:txBody>
+          <a:bodyPr rtlCol="0" anchor="ctr"/>
+          <a:lstStyle/>
+          <a:p>
+            <a:pPr algn="ctr"/>
+            <a:r>
+              <a:rPr lang="en-US" sz="1400" dirty="0"/>
+              <a:t>collections</a:t>
+            </a:r>
+          </a:p>
+        </p:txBody>
+      </p:sp>
+    </p:spTree>
+    <p:extLst>
+      <p:ext uri="{BB962C8B-B14F-4D97-AF65-F5344CB8AC3E}">
+        <p14:creationId xmlns:p14="http://schemas.microsoft.com/office/powerpoint/2010/main" val="1291878930"/>
+      </p:ext>
+    </p:extLst>
+  </p:cSld>
+  <p:clrMapOvr>
+    <a:masterClrMapping/>
+  </p:clrMapOvr>
+</p:sld>
+</file>
+
+<file path=ppt/slides/slide27.xml><?xml version="1.0" encoding="utf-8"?>
+<p:sld xmlns:a="http://schemas.openxmlformats.org/drawingml/2006/main" xmlns:r="http://schemas.openxmlformats.org/officeDocument/2006/relationships" xmlns:p="http://schemas.openxmlformats.org/presentationml/2006/main">
+  <p:cSld>
+    <p:spTree>
+      <p:nvGrpSpPr>
+        <p:cNvPr id="1" name=""/>
+        <p:cNvGrpSpPr/>
+        <p:nvPr/>
+      </p:nvGrpSpPr>
+      <p:grpSpPr>
+        <a:xfrm>
+          <a:off x="0" y="0"/>
+          <a:ext cx="0" cy="0"/>
+          <a:chOff x="0" y="0"/>
+          <a:chExt cx="0" cy="0"/>
+        </a:xfrm>
+      </p:grpSpPr>
+      <p:sp>
+        <p:nvSpPr>
+          <p:cNvPr id="2" name="Rectangle 1">
+            <a:extLst>
+              <a:ext uri="{FF2B5EF4-FFF2-40B4-BE49-F238E27FC236}">
+                <a16:creationId xmlns:a16="http://schemas.microsoft.com/office/drawing/2014/main" id="{218946B8-A598-3CDB-5272-2AA878CA164C}"/>
+              </a:ext>
+            </a:extLst>
+          </p:cNvPr>
+          <p:cNvSpPr/>
+          <p:nvPr/>
+        </p:nvSpPr>
+        <p:spPr>
+          <a:xfrm>
+            <a:off x="10077061" y="2276669"/>
+            <a:ext cx="1576873" cy="1530221"/>
+          </a:xfrm>
+          <a:prstGeom prst="rect">
+            <a:avLst/>
+          </a:prstGeom>
+        </p:spPr>
+        <p:style>
+          <a:lnRef idx="2">
+            <a:schemeClr val="accent1">
+              <a:shade val="15000"/>
+            </a:schemeClr>
+          </a:lnRef>
+          <a:fillRef idx="1">
+            <a:schemeClr val="accent1"/>
+          </a:fillRef>
+          <a:effectRef idx="0">
+            <a:schemeClr val="accent1"/>
+          </a:effectRef>
+          <a:fontRef idx="minor">
+            <a:schemeClr val="lt1"/>
+          </a:fontRef>
+        </p:style>
+        <p:txBody>
+          <a:bodyPr rtlCol="0" anchor="ctr"/>
+          <a:lstStyle/>
+          <a:p>
+            <a:pPr algn="ctr"/>
+            <a:r>
+              <a:rPr lang="en-US" sz="1200" dirty="0"/>
+              <a:t>Layer 0 e.g.</a:t>
+            </a:r>
+          </a:p>
+          <a:p>
+            <a:pPr algn="ctr"/>
+            <a:r>
+              <a:rPr lang="en-US" sz="1200" dirty="0"/>
+              <a:t>DAL</a:t>
+            </a:r>
+          </a:p>
+          <a:p>
+            <a:pPr algn="ctr"/>
+            <a:r>
+              <a:rPr lang="en-US" sz="1200" dirty="0"/>
+              <a:t>Try{…}catch(){</a:t>
+            </a:r>
+          </a:p>
+          <a:p>
+            <a:pPr algn="ctr"/>
+            <a:r>
+              <a:rPr lang="en-US" sz="1200" dirty="0"/>
+              <a:t>Handling Exception</a:t>
+            </a:r>
+          </a:p>
+          <a:p>
+            <a:pPr algn="ctr"/>
+            <a:r>
+              <a:rPr lang="en-US" sz="1200" dirty="0"/>
+              <a:t>}</a:t>
+            </a:r>
+          </a:p>
+          <a:p>
+            <a:pPr algn="ctr"/>
+            <a:endParaRPr lang="en-US" sz="1200" dirty="0"/>
+          </a:p>
+          <a:p>
+            <a:pPr algn="ctr"/>
+            <a:endParaRPr lang="en-US" sz="1200" dirty="0"/>
+          </a:p>
+        </p:txBody>
+      </p:sp>
+      <p:sp>
+        <p:nvSpPr>
+          <p:cNvPr id="3" name="Rectangle 2">
+            <a:extLst>
+              <a:ext uri="{FF2B5EF4-FFF2-40B4-BE49-F238E27FC236}">
+                <a16:creationId xmlns:a16="http://schemas.microsoft.com/office/drawing/2014/main" id="{B95FF25B-0661-BC56-42F9-51CCCFA3F43C}"/>
+              </a:ext>
+            </a:extLst>
+          </p:cNvPr>
+          <p:cNvSpPr/>
+          <p:nvPr/>
+        </p:nvSpPr>
+        <p:spPr>
+          <a:xfrm>
+            <a:off x="7738187" y="2276668"/>
+            <a:ext cx="1576873" cy="1530221"/>
+          </a:xfrm>
+          <a:prstGeom prst="rect">
+            <a:avLst/>
+          </a:prstGeom>
+        </p:spPr>
+        <p:style>
+          <a:lnRef idx="2">
+            <a:schemeClr val="accent1">
+              <a:shade val="15000"/>
+            </a:schemeClr>
+          </a:lnRef>
+          <a:fillRef idx="1">
+            <a:schemeClr val="accent1"/>
+          </a:fillRef>
+          <a:effectRef idx="0">
+            <a:schemeClr val="accent1"/>
+          </a:effectRef>
+          <a:fontRef idx="minor">
+            <a:schemeClr val="lt1"/>
+          </a:fontRef>
+        </p:style>
+        <p:txBody>
+          <a:bodyPr rtlCol="0" anchor="ctr"/>
+          <a:lstStyle/>
+          <a:p>
+            <a:pPr algn="ctr"/>
+            <a:r>
+              <a:rPr lang="en-US" dirty="0"/>
+              <a:t>Layer 1</a:t>
+            </a:r>
+          </a:p>
+          <a:p>
+            <a:pPr algn="ctr"/>
+            <a:r>
+              <a:rPr lang="en-US" dirty="0"/>
+              <a:t>Business Workflow</a:t>
+            </a:r>
+          </a:p>
+        </p:txBody>
+      </p:sp>
+      <p:sp>
+        <p:nvSpPr>
+          <p:cNvPr id="4" name="Rectangle 3">
+            <a:extLst>
+              <a:ext uri="{FF2B5EF4-FFF2-40B4-BE49-F238E27FC236}">
+                <a16:creationId xmlns:a16="http://schemas.microsoft.com/office/drawing/2014/main" id="{5241E7F6-1499-04F9-60B0-0ED767460770}"/>
+              </a:ext>
+            </a:extLst>
+          </p:cNvPr>
+          <p:cNvSpPr/>
+          <p:nvPr/>
+        </p:nvSpPr>
+        <p:spPr>
+          <a:xfrm>
+            <a:off x="5377543" y="2276667"/>
+            <a:ext cx="1576873" cy="1530221"/>
+          </a:xfrm>
+          <a:prstGeom prst="rect">
+            <a:avLst/>
+          </a:prstGeom>
+        </p:spPr>
+        <p:style>
+          <a:lnRef idx="2">
+            <a:schemeClr val="accent1">
+              <a:shade val="15000"/>
+            </a:schemeClr>
+          </a:lnRef>
+          <a:fillRef idx="1">
+            <a:schemeClr val="accent1"/>
+          </a:fillRef>
+          <a:effectRef idx="0">
+            <a:schemeClr val="accent1"/>
+          </a:effectRef>
+          <a:fontRef idx="minor">
+            <a:schemeClr val="lt1"/>
+          </a:fontRef>
+        </p:style>
+        <p:txBody>
+          <a:bodyPr rtlCol="0" anchor="ctr"/>
+          <a:lstStyle/>
+          <a:p>
+            <a:pPr algn="ctr"/>
+            <a:r>
+              <a:rPr lang="en-US" dirty="0"/>
+              <a:t>Layer 2 </a:t>
+            </a:r>
+          </a:p>
+          <a:p>
+            <a:pPr algn="ctr"/>
+            <a:r>
+              <a:rPr lang="en-US" dirty="0"/>
+              <a:t>Repository</a:t>
+            </a:r>
+          </a:p>
+        </p:txBody>
+      </p:sp>
+      <p:sp>
+        <p:nvSpPr>
+          <p:cNvPr id="5" name="Rectangle 4">
+            <a:extLst>
+              <a:ext uri="{FF2B5EF4-FFF2-40B4-BE49-F238E27FC236}">
+                <a16:creationId xmlns:a16="http://schemas.microsoft.com/office/drawing/2014/main" id="{4326B0CC-CE3D-DD79-8E84-4801A9F74D20}"/>
+              </a:ext>
+            </a:extLst>
+          </p:cNvPr>
+          <p:cNvSpPr/>
+          <p:nvPr/>
+        </p:nvSpPr>
+        <p:spPr>
+          <a:xfrm>
+            <a:off x="3038669" y="2276666"/>
+            <a:ext cx="1576873" cy="1530221"/>
+          </a:xfrm>
+          <a:prstGeom prst="rect">
+            <a:avLst/>
+          </a:prstGeom>
+        </p:spPr>
+        <p:style>
+          <a:lnRef idx="2">
+            <a:schemeClr val="accent1">
+              <a:shade val="15000"/>
+            </a:schemeClr>
+          </a:lnRef>
+          <a:fillRef idx="1">
+            <a:schemeClr val="accent1"/>
+          </a:fillRef>
+          <a:effectRef idx="0">
+            <a:schemeClr val="accent1"/>
+          </a:effectRef>
+          <a:fontRef idx="minor">
+            <a:schemeClr val="lt1"/>
+          </a:fontRef>
+        </p:style>
+        <p:txBody>
+          <a:bodyPr rtlCol="0" anchor="ctr"/>
+          <a:lstStyle/>
+          <a:p>
+            <a:pPr algn="ctr"/>
+            <a:r>
+              <a:rPr lang="en-US" dirty="0"/>
+              <a:t>Layer 3 </a:t>
+            </a:r>
+          </a:p>
+          <a:p>
+            <a:pPr algn="ctr"/>
+            <a:r>
+              <a:rPr lang="en-US" dirty="0"/>
+              <a:t>Service</a:t>
+            </a:r>
+          </a:p>
+        </p:txBody>
+      </p:sp>
+      <p:sp>
+        <p:nvSpPr>
+          <p:cNvPr id="6" name="Rectangle 5">
+            <a:extLst>
+              <a:ext uri="{FF2B5EF4-FFF2-40B4-BE49-F238E27FC236}">
+                <a16:creationId xmlns:a16="http://schemas.microsoft.com/office/drawing/2014/main" id="{BBC5F640-C077-F01E-7F60-956C1489CD77}"/>
+              </a:ext>
+            </a:extLst>
+          </p:cNvPr>
+          <p:cNvSpPr/>
+          <p:nvPr/>
+        </p:nvSpPr>
+        <p:spPr>
+          <a:xfrm>
+            <a:off x="205273" y="2276666"/>
+            <a:ext cx="1576873" cy="1530221"/>
+          </a:xfrm>
+          <a:prstGeom prst="rect">
+            <a:avLst/>
+          </a:prstGeom>
+        </p:spPr>
+        <p:style>
+          <a:lnRef idx="2">
+            <a:schemeClr val="accent1">
+              <a:shade val="15000"/>
+            </a:schemeClr>
+          </a:lnRef>
+          <a:fillRef idx="1">
+            <a:schemeClr val="accent1"/>
+          </a:fillRef>
+          <a:effectRef idx="0">
+            <a:schemeClr val="accent1"/>
+          </a:effectRef>
+          <a:fontRef idx="minor">
+            <a:schemeClr val="lt1"/>
+          </a:fontRef>
+        </p:style>
+        <p:txBody>
+          <a:bodyPr rtlCol="0" anchor="ctr"/>
+          <a:lstStyle/>
+          <a:p>
+            <a:pPr algn="ctr"/>
+            <a:r>
+              <a:rPr lang="en-US" dirty="0"/>
+              <a:t>Client App</a:t>
+            </a:r>
+          </a:p>
+          <a:p>
+            <a:pPr algn="ctr"/>
+            <a:endParaRPr lang="en-US" dirty="0"/>
+          </a:p>
+        </p:txBody>
+      </p:sp>
+      <p:sp>
+        <p:nvSpPr>
+          <p:cNvPr id="8" name="Arrow: Curved Down 7">
+            <a:extLst>
+              <a:ext uri="{FF2B5EF4-FFF2-40B4-BE49-F238E27FC236}">
+                <a16:creationId xmlns:a16="http://schemas.microsoft.com/office/drawing/2014/main" id="{170236FB-97C7-6CE7-3471-DF8F06F4DA51}"/>
+              </a:ext>
+            </a:extLst>
+          </p:cNvPr>
+          <p:cNvSpPr/>
+          <p:nvPr/>
+        </p:nvSpPr>
+        <p:spPr>
+          <a:xfrm>
+            <a:off x="1520890" y="1716833"/>
+            <a:ext cx="1856792" cy="559833"/>
+          </a:xfrm>
+          <a:prstGeom prst="curvedDownArrow">
+            <a:avLst/>
+          </a:prstGeom>
+        </p:spPr>
+        <p:style>
+          <a:lnRef idx="2">
+            <a:schemeClr val="accent1">
+              <a:shade val="15000"/>
+            </a:schemeClr>
+          </a:lnRef>
+          <a:fillRef idx="1">
+            <a:schemeClr val="accent1"/>
+          </a:fillRef>
+          <a:effectRef idx="0">
+            <a:schemeClr val="accent1"/>
+          </a:effectRef>
+          <a:fontRef idx="minor">
+            <a:schemeClr val="lt1"/>
+          </a:fontRef>
+        </p:style>
+        <p:txBody>
+          <a:bodyPr rtlCol="0" anchor="ctr"/>
+          <a:lstStyle/>
+          <a:p>
+            <a:pPr algn="ctr"/>
+            <a:endParaRPr lang="en-US">
+              <a:solidFill>
+                <a:schemeClr val="tx1"/>
+              </a:solidFill>
+            </a:endParaRPr>
+          </a:p>
+        </p:txBody>
+      </p:sp>
+      <p:sp>
+        <p:nvSpPr>
+          <p:cNvPr id="9" name="Arrow: Curved Down 8">
+            <a:extLst>
+              <a:ext uri="{FF2B5EF4-FFF2-40B4-BE49-F238E27FC236}">
+                <a16:creationId xmlns:a16="http://schemas.microsoft.com/office/drawing/2014/main" id="{8CAAB1FC-7729-61E0-3401-D75B5E9BA15F}"/>
+              </a:ext>
+            </a:extLst>
+          </p:cNvPr>
+          <p:cNvSpPr/>
+          <p:nvPr/>
+        </p:nvSpPr>
+        <p:spPr>
+          <a:xfrm>
+            <a:off x="4309187" y="1716832"/>
+            <a:ext cx="1856792" cy="559833"/>
+          </a:xfrm>
+          <a:prstGeom prst="curvedDownArrow">
+            <a:avLst/>
+          </a:prstGeom>
+        </p:spPr>
+        <p:style>
+          <a:lnRef idx="2">
+            <a:schemeClr val="accent1">
+              <a:shade val="15000"/>
+            </a:schemeClr>
+          </a:lnRef>
+          <a:fillRef idx="1">
+            <a:schemeClr val="accent1"/>
+          </a:fillRef>
+          <a:effectRef idx="0">
+            <a:schemeClr val="accent1"/>
+          </a:effectRef>
+          <a:fontRef idx="minor">
+            <a:schemeClr val="lt1"/>
+          </a:fontRef>
+        </p:style>
+        <p:txBody>
+          <a:bodyPr rtlCol="0" anchor="ctr"/>
+          <a:lstStyle/>
+          <a:p>
+            <a:pPr algn="ctr"/>
+            <a:endParaRPr lang="en-US">
+              <a:solidFill>
+                <a:schemeClr val="tx1"/>
+              </a:solidFill>
+            </a:endParaRPr>
+          </a:p>
+        </p:txBody>
+      </p:sp>
+      <p:sp>
+        <p:nvSpPr>
+          <p:cNvPr id="10" name="Arrow: Curved Down 9">
+            <a:extLst>
+              <a:ext uri="{FF2B5EF4-FFF2-40B4-BE49-F238E27FC236}">
+                <a16:creationId xmlns:a16="http://schemas.microsoft.com/office/drawing/2014/main" id="{5851D6F5-6110-A24E-2D1D-693E1392145C}"/>
+              </a:ext>
+            </a:extLst>
+          </p:cNvPr>
+          <p:cNvSpPr/>
+          <p:nvPr/>
+        </p:nvSpPr>
+        <p:spPr>
+          <a:xfrm>
+            <a:off x="6809791" y="1716831"/>
+            <a:ext cx="1856792" cy="559833"/>
+          </a:xfrm>
+          <a:prstGeom prst="curvedDownArrow">
+            <a:avLst/>
+          </a:prstGeom>
+        </p:spPr>
+        <p:style>
+          <a:lnRef idx="2">
+            <a:schemeClr val="accent1">
+              <a:shade val="15000"/>
+            </a:schemeClr>
+          </a:lnRef>
+          <a:fillRef idx="1">
+            <a:schemeClr val="accent1"/>
+          </a:fillRef>
+          <a:effectRef idx="0">
+            <a:schemeClr val="accent1"/>
+          </a:effectRef>
+          <a:fontRef idx="minor">
+            <a:schemeClr val="lt1"/>
+          </a:fontRef>
+        </p:style>
+        <p:txBody>
+          <a:bodyPr rtlCol="0" anchor="ctr"/>
+          <a:lstStyle/>
+          <a:p>
+            <a:pPr algn="ctr"/>
+            <a:endParaRPr lang="en-US">
+              <a:solidFill>
+                <a:schemeClr val="tx1"/>
+              </a:solidFill>
+            </a:endParaRPr>
+          </a:p>
+        </p:txBody>
+      </p:sp>
+      <p:sp>
+        <p:nvSpPr>
+          <p:cNvPr id="11" name="Arrow: Curved Down 10">
+            <a:extLst>
+              <a:ext uri="{FF2B5EF4-FFF2-40B4-BE49-F238E27FC236}">
+                <a16:creationId xmlns:a16="http://schemas.microsoft.com/office/drawing/2014/main" id="{9757A690-2B56-0FD0-C083-47573F6FA2FF}"/>
+              </a:ext>
+            </a:extLst>
+          </p:cNvPr>
+          <p:cNvSpPr/>
+          <p:nvPr/>
+        </p:nvSpPr>
+        <p:spPr>
+          <a:xfrm>
+            <a:off x="9170435" y="1716830"/>
+            <a:ext cx="1856792" cy="559833"/>
+          </a:xfrm>
+          <a:prstGeom prst="curvedDownArrow">
+            <a:avLst/>
+          </a:prstGeom>
+        </p:spPr>
+        <p:style>
+          <a:lnRef idx="2">
+            <a:schemeClr val="accent1">
+              <a:shade val="15000"/>
+            </a:schemeClr>
+          </a:lnRef>
+          <a:fillRef idx="1">
+            <a:schemeClr val="accent1"/>
+          </a:fillRef>
+          <a:effectRef idx="0">
+            <a:schemeClr val="accent1"/>
+          </a:effectRef>
+          <a:fontRef idx="minor">
+            <a:schemeClr val="lt1"/>
+          </a:fontRef>
+        </p:style>
+        <p:txBody>
+          <a:bodyPr rtlCol="0" anchor="ctr"/>
+          <a:lstStyle/>
+          <a:p>
+            <a:pPr algn="ctr"/>
+            <a:endParaRPr lang="en-US">
+              <a:solidFill>
+                <a:schemeClr val="tx1"/>
+              </a:solidFill>
+            </a:endParaRPr>
+          </a:p>
+        </p:txBody>
+      </p:sp>
+      <p:sp>
+        <p:nvSpPr>
+          <p:cNvPr id="12" name="Arrow: Curved Down 11">
+            <a:extLst>
+              <a:ext uri="{FF2B5EF4-FFF2-40B4-BE49-F238E27FC236}">
+                <a16:creationId xmlns:a16="http://schemas.microsoft.com/office/drawing/2014/main" id="{77DB7DBE-9CC3-E1C4-3C17-DE591C2B664E}"/>
+              </a:ext>
+            </a:extLst>
+          </p:cNvPr>
+          <p:cNvSpPr/>
+          <p:nvPr/>
+        </p:nvSpPr>
+        <p:spPr>
+          <a:xfrm flipH="1" flipV="1">
+            <a:off x="8984600" y="3806887"/>
+            <a:ext cx="1457129" cy="447862"/>
+          </a:xfrm>
+          <a:prstGeom prst="curvedDownArrow">
+            <a:avLst/>
+          </a:prstGeom>
+        </p:spPr>
+        <p:style>
+          <a:lnRef idx="2">
+            <a:schemeClr val="accent1">
+              <a:shade val="15000"/>
+            </a:schemeClr>
+          </a:lnRef>
+          <a:fillRef idx="1">
+            <a:schemeClr val="accent1"/>
+          </a:fillRef>
+          <a:effectRef idx="0">
+            <a:schemeClr val="accent1"/>
+          </a:effectRef>
+          <a:fontRef idx="minor">
+            <a:schemeClr val="lt1"/>
+          </a:fontRef>
+        </p:style>
+        <p:txBody>
+          <a:bodyPr rtlCol="0" anchor="ctr"/>
+          <a:lstStyle/>
+          <a:p>
+            <a:pPr algn="ctr"/>
+            <a:endParaRPr lang="en-US">
+              <a:solidFill>
+                <a:schemeClr val="tx1"/>
+              </a:solidFill>
+            </a:endParaRPr>
+          </a:p>
+        </p:txBody>
+      </p:sp>
+      <p:sp>
+        <p:nvSpPr>
+          <p:cNvPr id="13" name="Arrow: Curved Down 12">
+            <a:extLst>
+              <a:ext uri="{FF2B5EF4-FFF2-40B4-BE49-F238E27FC236}">
+                <a16:creationId xmlns:a16="http://schemas.microsoft.com/office/drawing/2014/main" id="{226C6DC7-990C-56FF-6C10-89DBCF9DF498}"/>
+              </a:ext>
+            </a:extLst>
+          </p:cNvPr>
+          <p:cNvSpPr/>
+          <p:nvPr/>
+        </p:nvSpPr>
+        <p:spPr>
+          <a:xfrm flipH="1" flipV="1">
+            <a:off x="6510819" y="3806887"/>
+            <a:ext cx="1457129" cy="447862"/>
+          </a:xfrm>
+          <a:prstGeom prst="curvedDownArrow">
+            <a:avLst/>
+          </a:prstGeom>
+        </p:spPr>
+        <p:style>
+          <a:lnRef idx="2">
+            <a:schemeClr val="accent1">
+              <a:shade val="15000"/>
+            </a:schemeClr>
+          </a:lnRef>
+          <a:fillRef idx="1">
+            <a:schemeClr val="accent1"/>
+          </a:fillRef>
+          <a:effectRef idx="0">
+            <a:schemeClr val="accent1"/>
+          </a:effectRef>
+          <a:fontRef idx="minor">
+            <a:schemeClr val="lt1"/>
+          </a:fontRef>
+        </p:style>
+        <p:txBody>
+          <a:bodyPr rtlCol="0" anchor="ctr"/>
+          <a:lstStyle/>
+          <a:p>
+            <a:pPr algn="ctr"/>
+            <a:endParaRPr lang="en-US">
+              <a:solidFill>
+                <a:schemeClr val="tx1"/>
+              </a:solidFill>
+            </a:endParaRPr>
+          </a:p>
+        </p:txBody>
+      </p:sp>
+      <p:sp>
+        <p:nvSpPr>
+          <p:cNvPr id="14" name="Arrow: Curved Down 13">
+            <a:extLst>
+              <a:ext uri="{FF2B5EF4-FFF2-40B4-BE49-F238E27FC236}">
+                <a16:creationId xmlns:a16="http://schemas.microsoft.com/office/drawing/2014/main" id="{B5881659-4D75-2D18-3F2B-6CC933D6413C}"/>
+              </a:ext>
+            </a:extLst>
+          </p:cNvPr>
+          <p:cNvSpPr/>
+          <p:nvPr/>
+        </p:nvSpPr>
+        <p:spPr>
+          <a:xfrm flipH="1" flipV="1">
+            <a:off x="4195666" y="3806887"/>
+            <a:ext cx="1457129" cy="447862"/>
+          </a:xfrm>
+          <a:prstGeom prst="curvedDownArrow">
+            <a:avLst/>
+          </a:prstGeom>
+        </p:spPr>
+        <p:style>
+          <a:lnRef idx="2">
+            <a:schemeClr val="accent1">
+              <a:shade val="15000"/>
+            </a:schemeClr>
+          </a:lnRef>
+          <a:fillRef idx="1">
+            <a:schemeClr val="accent1"/>
+          </a:fillRef>
+          <a:effectRef idx="0">
+            <a:schemeClr val="accent1"/>
+          </a:effectRef>
+          <a:fontRef idx="minor">
+            <a:schemeClr val="lt1"/>
+          </a:fontRef>
+        </p:style>
+        <p:txBody>
+          <a:bodyPr rtlCol="0" anchor="ctr"/>
+          <a:lstStyle/>
+          <a:p>
+            <a:pPr algn="ctr"/>
+            <a:endParaRPr lang="en-US">
+              <a:solidFill>
+                <a:schemeClr val="tx1"/>
+              </a:solidFill>
+            </a:endParaRPr>
+          </a:p>
+        </p:txBody>
+      </p:sp>
+      <p:sp>
+        <p:nvSpPr>
+          <p:cNvPr id="15" name="Arrow: Curved Down 14">
+            <a:extLst>
+              <a:ext uri="{FF2B5EF4-FFF2-40B4-BE49-F238E27FC236}">
+                <a16:creationId xmlns:a16="http://schemas.microsoft.com/office/drawing/2014/main" id="{9473A107-86AD-BDBB-DC18-66CF92E74D01}"/>
+              </a:ext>
+            </a:extLst>
+          </p:cNvPr>
+          <p:cNvSpPr/>
+          <p:nvPr/>
+        </p:nvSpPr>
+        <p:spPr>
+          <a:xfrm flipH="1" flipV="1">
+            <a:off x="1618087" y="3806887"/>
+            <a:ext cx="1457129" cy="447862"/>
+          </a:xfrm>
+          <a:prstGeom prst="curvedDownArrow">
+            <a:avLst/>
+          </a:prstGeom>
+        </p:spPr>
+        <p:style>
+          <a:lnRef idx="2">
+            <a:schemeClr val="accent1">
+              <a:shade val="15000"/>
+            </a:schemeClr>
+          </a:lnRef>
+          <a:fillRef idx="1">
+            <a:schemeClr val="accent1"/>
+          </a:fillRef>
+          <a:effectRef idx="0">
+            <a:schemeClr val="accent1"/>
+          </a:effectRef>
+          <a:fontRef idx="minor">
+            <a:schemeClr val="lt1"/>
+          </a:fontRef>
+        </p:style>
+        <p:txBody>
+          <a:bodyPr rtlCol="0" anchor="ctr"/>
+          <a:lstStyle/>
+          <a:p>
+            <a:pPr algn="ctr"/>
+            <a:endParaRPr lang="en-US">
+              <a:solidFill>
+                <a:schemeClr val="tx1"/>
+              </a:solidFill>
+            </a:endParaRPr>
+          </a:p>
+        </p:txBody>
+      </p:sp>
+      <p:sp>
+        <p:nvSpPr>
+          <p:cNvPr id="16" name="Arrow: Right 15">
+            <a:extLst>
+              <a:ext uri="{FF2B5EF4-FFF2-40B4-BE49-F238E27FC236}">
+                <a16:creationId xmlns:a16="http://schemas.microsoft.com/office/drawing/2014/main" id="{F0851154-02FE-7455-A782-7922587F68D4}"/>
+              </a:ext>
+            </a:extLst>
+          </p:cNvPr>
+          <p:cNvSpPr/>
+          <p:nvPr/>
+        </p:nvSpPr>
+        <p:spPr>
+          <a:xfrm>
+            <a:off x="1194318" y="979714"/>
+            <a:ext cx="10114384" cy="559833"/>
+          </a:xfrm>
+          <a:prstGeom prst="rightArrow">
+            <a:avLst/>
+          </a:prstGeom>
+        </p:spPr>
+        <p:style>
+          <a:lnRef idx="2">
+            <a:schemeClr val="accent1">
+              <a:shade val="15000"/>
+            </a:schemeClr>
+          </a:lnRef>
+          <a:fillRef idx="1">
+            <a:schemeClr val="accent1"/>
+          </a:fillRef>
+          <a:effectRef idx="0">
+            <a:schemeClr val="accent1"/>
+          </a:effectRef>
+          <a:fontRef idx="minor">
+            <a:schemeClr val="lt1"/>
+          </a:fontRef>
+        </p:style>
+        <p:txBody>
+          <a:bodyPr rtlCol="0" anchor="ctr"/>
+          <a:lstStyle/>
+          <a:p>
+            <a:pPr algn="ctr"/>
+            <a:r>
+              <a:rPr lang="en-US" b="1" dirty="0"/>
+              <a:t>Request</a:t>
+            </a:r>
+          </a:p>
+        </p:txBody>
+      </p:sp>
+      <p:sp>
+        <p:nvSpPr>
+          <p:cNvPr id="17" name="Arrow: Left 16">
+            <a:extLst>
+              <a:ext uri="{FF2B5EF4-FFF2-40B4-BE49-F238E27FC236}">
+                <a16:creationId xmlns:a16="http://schemas.microsoft.com/office/drawing/2014/main" id="{465ED196-3D15-A998-205F-91EDB4B670FC}"/>
+              </a:ext>
+            </a:extLst>
+          </p:cNvPr>
+          <p:cNvSpPr/>
+          <p:nvPr/>
+        </p:nvSpPr>
+        <p:spPr>
+          <a:xfrm>
+            <a:off x="1110343" y="4413379"/>
+            <a:ext cx="10086392" cy="653143"/>
+          </a:xfrm>
+          <a:prstGeom prst="leftArrow">
+            <a:avLst/>
+          </a:prstGeom>
+        </p:spPr>
+        <p:style>
+          <a:lnRef idx="2">
+            <a:schemeClr val="accent1">
+              <a:shade val="15000"/>
+            </a:schemeClr>
+          </a:lnRef>
+          <a:fillRef idx="1">
+            <a:schemeClr val="accent1"/>
+          </a:fillRef>
+          <a:effectRef idx="0">
+            <a:schemeClr val="accent1"/>
+          </a:effectRef>
+          <a:fontRef idx="minor">
+            <a:schemeClr val="lt1"/>
+          </a:fontRef>
+        </p:style>
+        <p:txBody>
+          <a:bodyPr rtlCol="0" anchor="ctr"/>
+          <a:lstStyle/>
+          <a:p>
+            <a:pPr algn="ctr"/>
+            <a:r>
+              <a:rPr lang="en-US" b="1" dirty="0"/>
+              <a:t>Response</a:t>
+            </a:r>
+          </a:p>
+        </p:txBody>
+      </p:sp>
+      <p:sp>
+        <p:nvSpPr>
+          <p:cNvPr id="18" name="&quot;Not Allowed&quot; Symbol 17">
+            <a:extLst>
+              <a:ext uri="{FF2B5EF4-FFF2-40B4-BE49-F238E27FC236}">
+                <a16:creationId xmlns:a16="http://schemas.microsoft.com/office/drawing/2014/main" id="{1588C960-D815-549F-B713-C1841BB582DF}"/>
+              </a:ext>
+            </a:extLst>
+          </p:cNvPr>
+          <p:cNvSpPr/>
+          <p:nvPr/>
+        </p:nvSpPr>
+        <p:spPr>
+          <a:xfrm>
+            <a:off x="10328988" y="1539547"/>
+            <a:ext cx="830424" cy="737116"/>
+          </a:xfrm>
+          <a:prstGeom prst="noSmoking">
+            <a:avLst/>
+          </a:prstGeom>
+          <a:solidFill>
+            <a:srgbClr val="C00000"/>
+          </a:solidFill>
+        </p:spPr>
+        <p:style>
+          <a:lnRef idx="2">
+            <a:schemeClr val="accent1">
+              <a:shade val="15000"/>
+            </a:schemeClr>
+          </a:lnRef>
+          <a:fillRef idx="1">
+            <a:schemeClr val="accent1"/>
+          </a:fillRef>
+          <a:effectRef idx="0">
+            <a:schemeClr val="accent1"/>
+          </a:effectRef>
+          <a:fontRef idx="minor">
+            <a:schemeClr val="lt1"/>
+          </a:fontRef>
+        </p:style>
+        <p:txBody>
+          <a:bodyPr rtlCol="0" anchor="ctr"/>
+          <a:lstStyle/>
+          <a:p>
+            <a:pPr algn="ctr"/>
+            <a:endParaRPr lang="en-US">
+              <a:solidFill>
+                <a:schemeClr val="tx1"/>
+              </a:solidFill>
+            </a:endParaRPr>
+          </a:p>
+        </p:txBody>
+      </p:sp>
+      <p:sp>
+        <p:nvSpPr>
+          <p:cNvPr id="19" name="Arrow: Bent-Up 18">
+            <a:extLst>
+              <a:ext uri="{FF2B5EF4-FFF2-40B4-BE49-F238E27FC236}">
+                <a16:creationId xmlns:a16="http://schemas.microsoft.com/office/drawing/2014/main" id="{C662F2C3-7A7E-22C5-115C-8739ADD35F2A}"/>
+              </a:ext>
+            </a:extLst>
+          </p:cNvPr>
+          <p:cNvSpPr/>
+          <p:nvPr/>
+        </p:nvSpPr>
+        <p:spPr>
+          <a:xfrm rot="8199798" flipV="1">
+            <a:off x="9368311" y="3996091"/>
+            <a:ext cx="747800" cy="246746"/>
+          </a:xfrm>
+          <a:prstGeom prst="bentUpArrow">
+            <a:avLst/>
+          </a:prstGeom>
+          <a:solidFill>
+            <a:srgbClr val="00B050"/>
+          </a:solidFill>
+        </p:spPr>
+        <p:style>
+          <a:lnRef idx="2">
+            <a:schemeClr val="accent1">
+              <a:shade val="15000"/>
+            </a:schemeClr>
+          </a:lnRef>
+          <a:fillRef idx="1">
+            <a:schemeClr val="accent1"/>
+          </a:fillRef>
+          <a:effectRef idx="0">
+            <a:schemeClr val="accent1"/>
+          </a:effectRef>
+          <a:fontRef idx="minor">
+            <a:schemeClr val="lt1"/>
+          </a:fontRef>
+        </p:style>
+        <p:txBody>
+          <a:bodyPr rtlCol="0" anchor="ctr"/>
+          <a:lstStyle/>
+          <a:p>
+            <a:pPr algn="ctr"/>
+            <a:endParaRPr lang="en-US"/>
+          </a:p>
+        </p:txBody>
+      </p:sp>
+      <p:sp>
+        <p:nvSpPr>
+          <p:cNvPr id="20" name="Arrow: Bent-Up 19">
+            <a:extLst>
+              <a:ext uri="{FF2B5EF4-FFF2-40B4-BE49-F238E27FC236}">
+                <a16:creationId xmlns:a16="http://schemas.microsoft.com/office/drawing/2014/main" id="{C3004E43-AB94-F260-5C9E-ACA74C0EE784}"/>
+              </a:ext>
+            </a:extLst>
+          </p:cNvPr>
+          <p:cNvSpPr/>
+          <p:nvPr/>
+        </p:nvSpPr>
+        <p:spPr>
+          <a:xfrm rot="8199798" flipV="1">
+            <a:off x="7041876" y="3944772"/>
+            <a:ext cx="747800" cy="246746"/>
+          </a:xfrm>
+          <a:prstGeom prst="bentUpArrow">
+            <a:avLst/>
+          </a:prstGeom>
+          <a:solidFill>
+            <a:srgbClr val="00B050"/>
+          </a:solidFill>
+        </p:spPr>
+        <p:style>
+          <a:lnRef idx="2">
+            <a:schemeClr val="accent1">
+              <a:shade val="15000"/>
+            </a:schemeClr>
+          </a:lnRef>
+          <a:fillRef idx="1">
+            <a:schemeClr val="accent1"/>
+          </a:fillRef>
+          <a:effectRef idx="0">
+            <a:schemeClr val="accent1"/>
+          </a:effectRef>
+          <a:fontRef idx="minor">
+            <a:schemeClr val="lt1"/>
+          </a:fontRef>
+        </p:style>
+        <p:txBody>
+          <a:bodyPr rtlCol="0" anchor="ctr"/>
+          <a:lstStyle/>
+          <a:p>
+            <a:pPr algn="ctr"/>
+            <a:endParaRPr lang="en-US"/>
+          </a:p>
+        </p:txBody>
+      </p:sp>
+      <p:sp>
+        <p:nvSpPr>
+          <p:cNvPr id="21" name="Arrow: Bent-Up 20">
+            <a:extLst>
+              <a:ext uri="{FF2B5EF4-FFF2-40B4-BE49-F238E27FC236}">
+                <a16:creationId xmlns:a16="http://schemas.microsoft.com/office/drawing/2014/main" id="{F96B2B18-DEAF-6AD6-C8F6-9203FBCD2838}"/>
+              </a:ext>
+            </a:extLst>
+          </p:cNvPr>
+          <p:cNvSpPr/>
+          <p:nvPr/>
+        </p:nvSpPr>
+        <p:spPr>
+          <a:xfrm rot="8199798" flipV="1">
+            <a:off x="4500825" y="3898354"/>
+            <a:ext cx="747800" cy="264927"/>
+          </a:xfrm>
+          <a:prstGeom prst="bentUpArrow">
+            <a:avLst/>
+          </a:prstGeom>
+          <a:solidFill>
+            <a:srgbClr val="00B050"/>
+          </a:solidFill>
+        </p:spPr>
+        <p:style>
+          <a:lnRef idx="2">
+            <a:schemeClr val="accent1">
+              <a:shade val="15000"/>
+            </a:schemeClr>
+          </a:lnRef>
+          <a:fillRef idx="1">
+            <a:schemeClr val="accent1"/>
+          </a:fillRef>
+          <a:effectRef idx="0">
+            <a:schemeClr val="accent1"/>
+          </a:effectRef>
+          <a:fontRef idx="minor">
+            <a:schemeClr val="lt1"/>
+          </a:fontRef>
+        </p:style>
+        <p:txBody>
+          <a:bodyPr rtlCol="0" anchor="ctr"/>
+          <a:lstStyle/>
+          <a:p>
+            <a:pPr algn="ctr"/>
+            <a:endParaRPr lang="en-US"/>
+          </a:p>
+        </p:txBody>
+      </p:sp>
+      <p:sp>
+        <p:nvSpPr>
+          <p:cNvPr id="22" name="Arrow: Bent-Up 21">
+            <a:extLst>
+              <a:ext uri="{FF2B5EF4-FFF2-40B4-BE49-F238E27FC236}">
+                <a16:creationId xmlns:a16="http://schemas.microsoft.com/office/drawing/2014/main" id="{C38D16A8-F753-DCFF-7265-F0E96668555A}"/>
+              </a:ext>
+            </a:extLst>
+          </p:cNvPr>
+          <p:cNvSpPr/>
+          <p:nvPr/>
+        </p:nvSpPr>
+        <p:spPr>
+          <a:xfrm rot="8199798" flipV="1">
+            <a:off x="1972751" y="3993611"/>
+            <a:ext cx="747800" cy="264927"/>
+          </a:xfrm>
+          <a:prstGeom prst="bentUpArrow">
+            <a:avLst/>
+          </a:prstGeom>
+          <a:solidFill>
+            <a:srgbClr val="00B050"/>
+          </a:solidFill>
+        </p:spPr>
+        <p:style>
+          <a:lnRef idx="2">
+            <a:schemeClr val="accent1">
+              <a:shade val="15000"/>
+            </a:schemeClr>
+          </a:lnRef>
+          <a:fillRef idx="1">
+            <a:schemeClr val="accent1"/>
+          </a:fillRef>
+          <a:effectRef idx="0">
+            <a:schemeClr val="accent1"/>
+          </a:effectRef>
+          <a:fontRef idx="minor">
+            <a:schemeClr val="lt1"/>
+          </a:fontRef>
+        </p:style>
+        <p:txBody>
+          <a:bodyPr rtlCol="0" anchor="ctr"/>
+          <a:lstStyle/>
+          <a:p>
+            <a:pPr algn="ctr"/>
+            <a:endParaRPr lang="en-US"/>
+          </a:p>
+        </p:txBody>
+      </p:sp>
+      <p:sp>
+        <p:nvSpPr>
+          <p:cNvPr id="23" name="TextBox 22">
+            <a:extLst>
+              <a:ext uri="{FF2B5EF4-FFF2-40B4-BE49-F238E27FC236}">
+                <a16:creationId xmlns:a16="http://schemas.microsoft.com/office/drawing/2014/main" id="{54326FAA-6495-38F7-7207-144AD62B3F25}"/>
+              </a:ext>
+            </a:extLst>
+          </p:cNvPr>
+          <p:cNvSpPr txBox="1"/>
+          <p:nvPr/>
+        </p:nvSpPr>
+        <p:spPr>
+          <a:xfrm>
+            <a:off x="1730309" y="5066522"/>
+            <a:ext cx="2781558" cy="923330"/>
+          </a:xfrm>
+          <a:prstGeom prst="rect">
+            <a:avLst/>
+          </a:prstGeom>
+          <a:noFill/>
+        </p:spPr>
+        <p:txBody>
+          <a:bodyPr wrap="square" rtlCol="0">
+            <a:spAutoFit/>
+          </a:bodyPr>
+          <a:lstStyle/>
+          <a:p>
+            <a:r>
+              <a:rPr lang="en-US" dirty="0"/>
+              <a:t>The Response will be Success Object w/o any valid data in it</a:t>
+            </a:r>
+          </a:p>
+        </p:txBody>
+      </p:sp>
+      <p:sp>
+        <p:nvSpPr>
+          <p:cNvPr id="24" name="&quot;Not Allowed&quot; Symbol 23">
+            <a:extLst>
+              <a:ext uri="{FF2B5EF4-FFF2-40B4-BE49-F238E27FC236}">
+                <a16:creationId xmlns:a16="http://schemas.microsoft.com/office/drawing/2014/main" id="{F5316076-8F4B-8977-6539-7CBC099A6052}"/>
+              </a:ext>
+            </a:extLst>
+          </p:cNvPr>
+          <p:cNvSpPr/>
+          <p:nvPr/>
+        </p:nvSpPr>
+        <p:spPr>
+          <a:xfrm>
+            <a:off x="9587785" y="3836501"/>
+            <a:ext cx="713238" cy="447862"/>
+          </a:xfrm>
+          <a:prstGeom prst="noSmoking">
+            <a:avLst/>
+          </a:prstGeom>
+          <a:solidFill>
+            <a:srgbClr val="C00000"/>
+          </a:solidFill>
+        </p:spPr>
+        <p:style>
+          <a:lnRef idx="2">
+            <a:schemeClr val="accent1">
+              <a:shade val="15000"/>
+            </a:schemeClr>
+          </a:lnRef>
+          <a:fillRef idx="1">
+            <a:schemeClr val="accent1"/>
+          </a:fillRef>
+          <a:effectRef idx="0">
+            <a:schemeClr val="accent1"/>
+          </a:effectRef>
+          <a:fontRef idx="minor">
+            <a:schemeClr val="lt1"/>
+          </a:fontRef>
+        </p:style>
+        <p:txBody>
+          <a:bodyPr rtlCol="0" anchor="ctr"/>
+          <a:lstStyle/>
+          <a:p>
+            <a:pPr algn="ctr"/>
+            <a:endParaRPr lang="en-US">
+              <a:solidFill>
+                <a:schemeClr val="tx1"/>
+              </a:solidFill>
+            </a:endParaRPr>
+          </a:p>
+        </p:txBody>
+      </p:sp>
+      <p:sp>
+        <p:nvSpPr>
+          <p:cNvPr id="26" name="&quot;Not Allowed&quot; Symbol 25">
+            <a:extLst>
+              <a:ext uri="{FF2B5EF4-FFF2-40B4-BE49-F238E27FC236}">
+                <a16:creationId xmlns:a16="http://schemas.microsoft.com/office/drawing/2014/main" id="{EACC09E5-556E-A540-20E3-9F19940AB297}"/>
+              </a:ext>
+            </a:extLst>
+          </p:cNvPr>
+          <p:cNvSpPr/>
+          <p:nvPr/>
+        </p:nvSpPr>
+        <p:spPr>
+          <a:xfrm>
+            <a:off x="7215252" y="3844214"/>
+            <a:ext cx="713238" cy="447862"/>
+          </a:xfrm>
+          <a:prstGeom prst="noSmoking">
+            <a:avLst/>
+          </a:prstGeom>
+          <a:solidFill>
+            <a:srgbClr val="C00000"/>
+          </a:solidFill>
+        </p:spPr>
+        <p:style>
+          <a:lnRef idx="2">
+            <a:schemeClr val="accent1">
+              <a:shade val="15000"/>
+            </a:schemeClr>
+          </a:lnRef>
+          <a:fillRef idx="1">
+            <a:schemeClr val="accent1"/>
+          </a:fillRef>
+          <a:effectRef idx="0">
+            <a:schemeClr val="accent1"/>
+          </a:effectRef>
+          <a:fontRef idx="minor">
+            <a:schemeClr val="lt1"/>
+          </a:fontRef>
+        </p:style>
+        <p:txBody>
+          <a:bodyPr rtlCol="0" anchor="ctr"/>
+          <a:lstStyle/>
+          <a:p>
+            <a:pPr algn="ctr"/>
+            <a:endParaRPr lang="en-US">
+              <a:solidFill>
+                <a:schemeClr val="tx1"/>
+              </a:solidFill>
+            </a:endParaRPr>
+          </a:p>
+        </p:txBody>
+      </p:sp>
+      <p:sp>
+        <p:nvSpPr>
+          <p:cNvPr id="27" name="&quot;Not Allowed&quot; Symbol 26">
+            <a:extLst>
+              <a:ext uri="{FF2B5EF4-FFF2-40B4-BE49-F238E27FC236}">
+                <a16:creationId xmlns:a16="http://schemas.microsoft.com/office/drawing/2014/main" id="{65B19C7C-631A-8D0D-E7F3-4F2DC07D3CD3}"/>
+              </a:ext>
+            </a:extLst>
+          </p:cNvPr>
+          <p:cNvSpPr/>
+          <p:nvPr/>
+        </p:nvSpPr>
+        <p:spPr>
+          <a:xfrm>
+            <a:off x="4727030" y="3741587"/>
+            <a:ext cx="713238" cy="447862"/>
+          </a:xfrm>
+          <a:prstGeom prst="noSmoking">
+            <a:avLst/>
+          </a:prstGeom>
+          <a:solidFill>
+            <a:srgbClr val="C00000"/>
+          </a:solidFill>
+        </p:spPr>
+        <p:style>
+          <a:lnRef idx="2">
+            <a:schemeClr val="accent1">
+              <a:shade val="15000"/>
+            </a:schemeClr>
+          </a:lnRef>
+          <a:fillRef idx="1">
+            <a:schemeClr val="accent1"/>
+          </a:fillRef>
+          <a:effectRef idx="0">
+            <a:schemeClr val="accent1"/>
+          </a:effectRef>
+          <a:fontRef idx="minor">
+            <a:schemeClr val="lt1"/>
+          </a:fontRef>
+        </p:style>
+        <p:txBody>
+          <a:bodyPr rtlCol="0" anchor="ctr"/>
+          <a:lstStyle/>
+          <a:p>
+            <a:pPr algn="ctr"/>
+            <a:endParaRPr lang="en-US">
+              <a:solidFill>
+                <a:schemeClr val="tx1"/>
+              </a:solidFill>
+            </a:endParaRPr>
+          </a:p>
+        </p:txBody>
+      </p:sp>
+      <p:sp>
+        <p:nvSpPr>
+          <p:cNvPr id="28" name="&quot;Not Allowed&quot; Symbol 27">
+            <a:extLst>
+              <a:ext uri="{FF2B5EF4-FFF2-40B4-BE49-F238E27FC236}">
+                <a16:creationId xmlns:a16="http://schemas.microsoft.com/office/drawing/2014/main" id="{4752DA76-EB63-9286-E90E-F13B0C90ADD1}"/>
+              </a:ext>
+            </a:extLst>
+          </p:cNvPr>
+          <p:cNvSpPr/>
+          <p:nvPr/>
+        </p:nvSpPr>
+        <p:spPr>
+          <a:xfrm>
+            <a:off x="2293809" y="3825879"/>
+            <a:ext cx="713238" cy="447862"/>
+          </a:xfrm>
+          <a:prstGeom prst="noSmoking">
+            <a:avLst/>
+          </a:prstGeom>
+          <a:solidFill>
+            <a:srgbClr val="C00000"/>
+          </a:solidFill>
+        </p:spPr>
+        <p:style>
+          <a:lnRef idx="2">
+            <a:schemeClr val="accent1">
+              <a:shade val="15000"/>
+            </a:schemeClr>
+          </a:lnRef>
+          <a:fillRef idx="1">
+            <a:schemeClr val="accent1"/>
+          </a:fillRef>
+          <a:effectRef idx="0">
+            <a:schemeClr val="accent1"/>
+          </a:effectRef>
+          <a:fontRef idx="minor">
+            <a:schemeClr val="lt1"/>
+          </a:fontRef>
+        </p:style>
+        <p:txBody>
+          <a:bodyPr rtlCol="0" anchor="ctr"/>
+          <a:lstStyle/>
+          <a:p>
+            <a:pPr algn="ctr"/>
+            <a:endParaRPr lang="en-US">
+              <a:solidFill>
+                <a:schemeClr val="tx1"/>
+              </a:solidFill>
+            </a:endParaRPr>
+          </a:p>
+        </p:txBody>
+      </p:sp>
+    </p:spTree>
+    <p:extLst>
+      <p:ext uri="{BB962C8B-B14F-4D97-AF65-F5344CB8AC3E}">
+        <p14:creationId xmlns:p14="http://schemas.microsoft.com/office/powerpoint/2010/main" val="1558554014"/>
+      </p:ext>
+    </p:extLst>
+  </p:cSld>
+  <p:clrMapOvr>
+    <a:masterClrMapping/>
+  </p:clrMapOvr>
+</p:sld>
+</file>
+
+<file path=ppt/slides/slide28.xml><?xml version="1.0" encoding="utf-8"?>
+<p:sld xmlns:a="http://schemas.openxmlformats.org/drawingml/2006/main" xmlns:r="http://schemas.openxmlformats.org/officeDocument/2006/relationships" xmlns:p="http://schemas.openxmlformats.org/presentationml/2006/main">
+  <p:cSld>
+    <p:spTree>
+      <p:nvGrpSpPr>
+        <p:cNvPr id="1" name=""/>
+        <p:cNvGrpSpPr/>
+        <p:nvPr/>
+      </p:nvGrpSpPr>
+      <p:grpSpPr>
+        <a:xfrm>
+          <a:off x="0" y="0"/>
+          <a:ext cx="0" cy="0"/>
+          <a:chOff x="0" y="0"/>
+          <a:chExt cx="0" cy="0"/>
+        </a:xfrm>
+      </p:grpSpPr>
+      <p:sp>
+        <p:nvSpPr>
+          <p:cNvPr id="2" name="Rectangle: Rounded Corners 1">
+            <a:extLst>
+              <a:ext uri="{FF2B5EF4-FFF2-40B4-BE49-F238E27FC236}">
+                <a16:creationId xmlns:a16="http://schemas.microsoft.com/office/drawing/2014/main" id="{018DDD43-236E-4D89-CF70-54B60FAF2686}"/>
+              </a:ext>
+            </a:extLst>
+          </p:cNvPr>
+          <p:cNvSpPr/>
+          <p:nvPr/>
+        </p:nvSpPr>
+        <p:spPr>
+          <a:xfrm>
+            <a:off x="6096000" y="373224"/>
+            <a:ext cx="2422849" cy="1670180"/>
+          </a:xfrm>
+          <a:prstGeom prst="roundRect">
+            <a:avLst/>
+          </a:prstGeom>
+        </p:spPr>
+        <p:style>
+          <a:lnRef idx="2">
+            <a:schemeClr val="accent1">
+              <a:shade val="15000"/>
+            </a:schemeClr>
+          </a:lnRef>
+          <a:fillRef idx="1">
+            <a:schemeClr val="accent1"/>
+          </a:fillRef>
+          <a:effectRef idx="0">
+            <a:schemeClr val="accent1"/>
+          </a:effectRef>
+          <a:fontRef idx="minor">
+            <a:schemeClr val="lt1"/>
+          </a:fontRef>
+        </p:style>
+        <p:txBody>
+          <a:bodyPr rtlCol="0" anchor="ctr"/>
+          <a:lstStyle/>
+          <a:p>
+            <a:pPr algn="ctr"/>
+            <a:r>
+              <a:rPr lang="en-US" dirty="0"/>
+              <a:t>Employee Information &amp; Employee Logic</a:t>
+            </a:r>
+          </a:p>
+          <a:p>
+            <a:pPr algn="ctr"/>
+            <a:r>
+              <a:rPr lang="en-US" dirty="0" err="1"/>
+              <a:t>GetSalary</a:t>
+            </a:r>
+            <a:r>
+              <a:rPr lang="en-US" dirty="0"/>
+              <a:t>()</a:t>
+            </a:r>
+          </a:p>
+          <a:p>
+            <a:pPr algn="ctr"/>
+            <a:r>
+              <a:rPr lang="en-US" dirty="0"/>
+              <a:t> </a:t>
+            </a:r>
+          </a:p>
+        </p:txBody>
+      </p:sp>
+      <p:sp>
+        <p:nvSpPr>
+          <p:cNvPr id="3" name="Rectangle: Rounded Corners 2">
+            <a:extLst>
+              <a:ext uri="{FF2B5EF4-FFF2-40B4-BE49-F238E27FC236}">
+                <a16:creationId xmlns:a16="http://schemas.microsoft.com/office/drawing/2014/main" id="{2AE55A85-477A-DDA3-FD61-F4FD37E3A8CA}"/>
+              </a:ext>
+            </a:extLst>
+          </p:cNvPr>
+          <p:cNvSpPr/>
+          <p:nvPr/>
+        </p:nvSpPr>
+        <p:spPr>
+          <a:xfrm>
+            <a:off x="9089571" y="2113384"/>
+            <a:ext cx="2422849" cy="1670180"/>
+          </a:xfrm>
+          <a:prstGeom prst="roundRect">
+            <a:avLst/>
+          </a:prstGeom>
+        </p:spPr>
+        <p:style>
+          <a:lnRef idx="2">
+            <a:schemeClr val="accent1">
+              <a:shade val="15000"/>
+            </a:schemeClr>
+          </a:lnRef>
+          <a:fillRef idx="1">
+            <a:schemeClr val="accent1"/>
+          </a:fillRef>
+          <a:effectRef idx="0">
+            <a:schemeClr val="accent1"/>
+          </a:effectRef>
+          <a:fontRef idx="minor">
+            <a:schemeClr val="lt1"/>
+          </a:fontRef>
+        </p:style>
+        <p:txBody>
+          <a:bodyPr rtlCol="0" anchor="ctr"/>
+          <a:lstStyle/>
+          <a:p>
+            <a:pPr algn="ctr"/>
+            <a:r>
+              <a:rPr lang="en-US" dirty="0"/>
+              <a:t>Manager Information &amp; Employee Logic</a:t>
+            </a:r>
+          </a:p>
+          <a:p>
+            <a:pPr algn="ctr"/>
+            <a:r>
+              <a:rPr lang="en-US" dirty="0" err="1"/>
+              <a:t>GetSalary</a:t>
+            </a:r>
+            <a:r>
+              <a:rPr lang="en-US" dirty="0"/>
+              <a:t>()</a:t>
+            </a:r>
+          </a:p>
+          <a:p>
+            <a:pPr algn="ctr"/>
+            <a:r>
+              <a:rPr lang="en-US" dirty="0"/>
+              <a:t> </a:t>
+            </a:r>
+          </a:p>
+        </p:txBody>
+      </p:sp>
+      <p:cxnSp>
+        <p:nvCxnSpPr>
+          <p:cNvPr id="5" name="Straight Arrow Connector 4">
+            <a:extLst>
+              <a:ext uri="{FF2B5EF4-FFF2-40B4-BE49-F238E27FC236}">
+                <a16:creationId xmlns:a16="http://schemas.microsoft.com/office/drawing/2014/main" id="{14357E6E-25F7-612D-B3A3-8A1BEF0A51D7}"/>
+              </a:ext>
+            </a:extLst>
+          </p:cNvPr>
+          <p:cNvCxnSpPr>
+            <a:stCxn id="3" idx="0"/>
+            <a:endCxn id="2" idx="2"/>
+          </p:cNvCxnSpPr>
+          <p:nvPr/>
+        </p:nvCxnSpPr>
+        <p:spPr>
+          <a:xfrm flipH="1" flipV="1">
+            <a:off x="7307425" y="2043404"/>
+            <a:ext cx="2993571" cy="69980"/>
+          </a:xfrm>
+          <a:prstGeom prst="straightConnector1">
+            <a:avLst/>
+          </a:prstGeom>
+          <a:ln>
+            <a:tailEnd type="triangle"/>
+          </a:ln>
+        </p:spPr>
+        <p:style>
+          <a:lnRef idx="1">
+            <a:schemeClr val="accent1"/>
+          </a:lnRef>
+          <a:fillRef idx="0">
+            <a:schemeClr val="accent1"/>
+          </a:fillRef>
+          <a:effectRef idx="0">
+            <a:schemeClr val="accent1"/>
+          </a:effectRef>
+          <a:fontRef idx="minor">
+            <a:schemeClr val="tx1"/>
+          </a:fontRef>
+        </p:style>
+      </p:cxnSp>
+      <p:sp>
+        <p:nvSpPr>
+          <p:cNvPr id="7" name="Rectangle: Rounded Corners 6">
+            <a:extLst>
+              <a:ext uri="{FF2B5EF4-FFF2-40B4-BE49-F238E27FC236}">
+                <a16:creationId xmlns:a16="http://schemas.microsoft.com/office/drawing/2014/main" id="{DA512F39-648B-D77E-D05F-EB103C4B947B}"/>
+              </a:ext>
+            </a:extLst>
+          </p:cNvPr>
+          <p:cNvSpPr/>
+          <p:nvPr/>
+        </p:nvSpPr>
+        <p:spPr>
+          <a:xfrm>
+            <a:off x="2811625" y="3500535"/>
+            <a:ext cx="2422849" cy="1670180"/>
+          </a:xfrm>
+          <a:prstGeom prst="roundRect">
+            <a:avLst/>
+          </a:prstGeom>
+        </p:spPr>
+        <p:style>
+          <a:lnRef idx="2">
+            <a:schemeClr val="accent1">
+              <a:shade val="15000"/>
+            </a:schemeClr>
+          </a:lnRef>
+          <a:fillRef idx="1">
+            <a:schemeClr val="accent1"/>
+          </a:fillRef>
+          <a:effectRef idx="0">
+            <a:schemeClr val="accent1"/>
+          </a:effectRef>
+          <a:fontRef idx="minor">
+            <a:schemeClr val="lt1"/>
+          </a:fontRef>
+        </p:style>
+        <p:txBody>
+          <a:bodyPr rtlCol="0" anchor="ctr"/>
+          <a:lstStyle/>
+          <a:p>
+            <a:pPr algn="ctr"/>
+            <a:r>
+              <a:rPr lang="en-US" dirty="0"/>
+              <a:t>Accounting Information  </a:t>
+            </a:r>
+          </a:p>
+          <a:p>
+            <a:pPr algn="ctr"/>
+            <a:endParaRPr lang="en-US" dirty="0"/>
+          </a:p>
+          <a:p>
+            <a:pPr algn="ctr"/>
+            <a:r>
+              <a:rPr lang="en-US" dirty="0"/>
+              <a:t>GetTax()</a:t>
+            </a:r>
+          </a:p>
+        </p:txBody>
+      </p:sp>
+      <p:sp>
+        <p:nvSpPr>
+          <p:cNvPr id="8" name="Rectangle: Rounded Corners 7">
+            <a:extLst>
+              <a:ext uri="{FF2B5EF4-FFF2-40B4-BE49-F238E27FC236}">
+                <a16:creationId xmlns:a16="http://schemas.microsoft.com/office/drawing/2014/main" id="{1254C687-04FF-24DB-051F-062B3179AA58}"/>
+              </a:ext>
+            </a:extLst>
+          </p:cNvPr>
+          <p:cNvSpPr/>
+          <p:nvPr/>
+        </p:nvSpPr>
+        <p:spPr>
+          <a:xfrm>
+            <a:off x="8686800" y="4418045"/>
+            <a:ext cx="1614196" cy="793102"/>
+          </a:xfrm>
+          <a:prstGeom prst="roundRect">
+            <a:avLst/>
+          </a:prstGeom>
+        </p:spPr>
+        <p:style>
+          <a:lnRef idx="2">
+            <a:schemeClr val="accent1">
+              <a:shade val="15000"/>
+            </a:schemeClr>
+          </a:lnRef>
+          <a:fillRef idx="1">
+            <a:schemeClr val="accent1"/>
+          </a:fillRef>
+          <a:effectRef idx="0">
+            <a:schemeClr val="accent1"/>
+          </a:effectRef>
+          <a:fontRef idx="minor">
+            <a:schemeClr val="lt1"/>
+          </a:fontRef>
+        </p:style>
+        <p:txBody>
+          <a:bodyPr rtlCol="0" anchor="ctr"/>
+          <a:lstStyle/>
+          <a:p>
+            <a:pPr algn="ctr"/>
+            <a:r>
+              <a:rPr lang="en-US" dirty="0" err="1"/>
+              <a:t>GetTDSRules</a:t>
+            </a:r>
+            <a:r>
+              <a:rPr lang="en-US" dirty="0"/>
+              <a:t>()</a:t>
+            </a:r>
+          </a:p>
+        </p:txBody>
+      </p:sp>
+      <p:sp>
+        <p:nvSpPr>
+          <p:cNvPr id="9" name="Rectangle: Rounded Corners 8">
+            <a:extLst>
+              <a:ext uri="{FF2B5EF4-FFF2-40B4-BE49-F238E27FC236}">
+                <a16:creationId xmlns:a16="http://schemas.microsoft.com/office/drawing/2014/main" id="{97B35BAC-EE7A-09D6-A1FD-1FE6B5854A1D}"/>
+              </a:ext>
+            </a:extLst>
+          </p:cNvPr>
+          <p:cNvSpPr/>
+          <p:nvPr/>
+        </p:nvSpPr>
+        <p:spPr>
+          <a:xfrm>
+            <a:off x="8686800" y="5615474"/>
+            <a:ext cx="1614196" cy="793102"/>
+          </a:xfrm>
+          <a:prstGeom prst="roundRect">
+            <a:avLst/>
+          </a:prstGeom>
+        </p:spPr>
+        <p:style>
+          <a:lnRef idx="2">
+            <a:schemeClr val="accent1">
+              <a:shade val="15000"/>
+            </a:schemeClr>
+          </a:lnRef>
+          <a:fillRef idx="1">
+            <a:schemeClr val="accent1"/>
+          </a:fillRef>
+          <a:effectRef idx="0">
+            <a:schemeClr val="accent1"/>
+          </a:effectRef>
+          <a:fontRef idx="minor">
+            <a:schemeClr val="lt1"/>
+          </a:fontRef>
+        </p:style>
+        <p:txBody>
+          <a:bodyPr rtlCol="0" anchor="ctr"/>
+          <a:lstStyle/>
+          <a:p>
+            <a:pPr algn="ctr"/>
+            <a:r>
+              <a:rPr lang="en-US" dirty="0" err="1"/>
+              <a:t>GetGSTSRules</a:t>
+            </a:r>
+            <a:r>
+              <a:rPr lang="en-US" dirty="0"/>
+              <a:t>()</a:t>
+            </a:r>
+          </a:p>
+        </p:txBody>
+      </p:sp>
+      <p:sp>
+        <p:nvSpPr>
+          <p:cNvPr id="10" name="Rectangle: Rounded Corners 9">
+            <a:extLst>
+              <a:ext uri="{FF2B5EF4-FFF2-40B4-BE49-F238E27FC236}">
+                <a16:creationId xmlns:a16="http://schemas.microsoft.com/office/drawing/2014/main" id="{5E7CA4B4-8295-3B04-5CBB-5A2FA474602E}"/>
+              </a:ext>
+            </a:extLst>
+          </p:cNvPr>
+          <p:cNvSpPr/>
+          <p:nvPr/>
+        </p:nvSpPr>
+        <p:spPr>
+          <a:xfrm>
+            <a:off x="401216" y="1548882"/>
+            <a:ext cx="1436915" cy="1129004"/>
+          </a:xfrm>
+          <a:prstGeom prst="roundRect">
+            <a:avLst/>
+          </a:prstGeom>
+        </p:spPr>
+        <p:style>
+          <a:lnRef idx="2">
+            <a:schemeClr val="accent1">
+              <a:shade val="15000"/>
+            </a:schemeClr>
+          </a:lnRef>
+          <a:fillRef idx="1">
+            <a:schemeClr val="accent1"/>
+          </a:fillRef>
+          <a:effectRef idx="0">
+            <a:schemeClr val="accent1"/>
+          </a:effectRef>
+          <a:fontRef idx="minor">
+            <a:schemeClr val="lt1"/>
+          </a:fontRef>
+        </p:style>
+        <p:txBody>
+          <a:bodyPr rtlCol="0" anchor="ctr"/>
+          <a:lstStyle/>
+          <a:p>
+            <a:pPr algn="ctr"/>
+            <a:r>
+              <a:rPr lang="en-US" dirty="0"/>
+              <a:t>Caller</a:t>
+            </a:r>
+          </a:p>
+        </p:txBody>
+      </p:sp>
+      <p:cxnSp>
+        <p:nvCxnSpPr>
+          <p:cNvPr id="12" name="Connector: Elbow 11">
+            <a:extLst>
+              <a:ext uri="{FF2B5EF4-FFF2-40B4-BE49-F238E27FC236}">
+                <a16:creationId xmlns:a16="http://schemas.microsoft.com/office/drawing/2014/main" id="{16EA436C-5F08-1099-55FC-E4625EBE9F6D}"/>
+              </a:ext>
+            </a:extLst>
+          </p:cNvPr>
+          <p:cNvCxnSpPr>
+            <a:stCxn id="10" idx="3"/>
+            <a:endCxn id="7" idx="1"/>
+          </p:cNvCxnSpPr>
+          <p:nvPr/>
+        </p:nvCxnSpPr>
+        <p:spPr>
+          <a:xfrm>
+            <a:off x="1838131" y="2113384"/>
+            <a:ext cx="973494" cy="2222241"/>
+          </a:xfrm>
+          <a:prstGeom prst="bentConnector3">
+            <a:avLst/>
+          </a:prstGeom>
+          <a:ln>
+            <a:headEnd type="triangle"/>
+            <a:tailEnd type="triangle"/>
+          </a:ln>
+        </p:spPr>
+        <p:style>
+          <a:lnRef idx="1">
+            <a:schemeClr val="accent1"/>
+          </a:lnRef>
+          <a:fillRef idx="0">
+            <a:schemeClr val="accent1"/>
+          </a:fillRef>
+          <a:effectRef idx="0">
+            <a:schemeClr val="accent1"/>
+          </a:effectRef>
+          <a:fontRef idx="minor">
+            <a:schemeClr val="tx1"/>
+          </a:fontRef>
+        </p:style>
+      </p:cxnSp>
+      <p:sp>
+        <p:nvSpPr>
+          <p:cNvPr id="13" name="TextBox 12">
+            <a:extLst>
+              <a:ext uri="{FF2B5EF4-FFF2-40B4-BE49-F238E27FC236}">
+                <a16:creationId xmlns:a16="http://schemas.microsoft.com/office/drawing/2014/main" id="{A7961274-9074-C20E-F65C-A02CFC308FE4}"/>
+              </a:ext>
+            </a:extLst>
+          </p:cNvPr>
+          <p:cNvSpPr txBox="1"/>
+          <p:nvPr/>
+        </p:nvSpPr>
+        <p:spPr>
+          <a:xfrm>
+            <a:off x="1663183" y="2901338"/>
+            <a:ext cx="1323391" cy="646331"/>
+          </a:xfrm>
+          <a:prstGeom prst="rect">
+            <a:avLst/>
+          </a:prstGeom>
+          <a:noFill/>
+        </p:spPr>
+        <p:txBody>
+          <a:bodyPr wrap="square" rtlCol="0">
+            <a:spAutoFit/>
+          </a:bodyPr>
+          <a:lstStyle/>
+          <a:p>
+            <a:pPr algn="ctr"/>
+            <a:r>
+              <a:rPr lang="en-US" b="1" dirty="0"/>
+              <a:t>Employee Info</a:t>
+            </a:r>
+          </a:p>
+        </p:txBody>
+      </p:sp>
+      <p:cxnSp>
+        <p:nvCxnSpPr>
+          <p:cNvPr id="15" name="Connector: Elbow 14">
+            <a:extLst>
+              <a:ext uri="{FF2B5EF4-FFF2-40B4-BE49-F238E27FC236}">
+                <a16:creationId xmlns:a16="http://schemas.microsoft.com/office/drawing/2014/main" id="{1009B308-B5A2-7543-8EC7-3AF90725C316}"/>
+              </a:ext>
+            </a:extLst>
+          </p:cNvPr>
+          <p:cNvCxnSpPr>
+            <a:stCxn id="7" idx="3"/>
+            <a:endCxn id="8" idx="1"/>
+          </p:cNvCxnSpPr>
+          <p:nvPr/>
+        </p:nvCxnSpPr>
+        <p:spPr>
+          <a:xfrm>
+            <a:off x="5234474" y="4335625"/>
+            <a:ext cx="3452326" cy="478971"/>
+          </a:xfrm>
+          <a:prstGeom prst="bentConnector3">
+            <a:avLst/>
+          </a:prstGeom>
+          <a:ln>
+            <a:headEnd type="triangle"/>
+            <a:tailEnd type="triangle"/>
+          </a:ln>
+        </p:spPr>
+        <p:style>
+          <a:lnRef idx="1">
+            <a:schemeClr val="accent1"/>
+          </a:lnRef>
+          <a:fillRef idx="0">
+            <a:schemeClr val="accent1"/>
+          </a:fillRef>
+          <a:effectRef idx="0">
+            <a:schemeClr val="accent1"/>
+          </a:effectRef>
+          <a:fontRef idx="minor">
+            <a:schemeClr val="tx1"/>
+          </a:fontRef>
+        </p:style>
+      </p:cxnSp>
+      <p:cxnSp>
+        <p:nvCxnSpPr>
+          <p:cNvPr id="17" name="Connector: Elbow 16">
+            <a:extLst>
+              <a:ext uri="{FF2B5EF4-FFF2-40B4-BE49-F238E27FC236}">
+                <a16:creationId xmlns:a16="http://schemas.microsoft.com/office/drawing/2014/main" id="{637CB9A7-D4D5-E624-E704-4EC8323F78F7}"/>
+              </a:ext>
+            </a:extLst>
+          </p:cNvPr>
+          <p:cNvCxnSpPr>
+            <a:stCxn id="7" idx="3"/>
+            <a:endCxn id="9" idx="1"/>
+          </p:cNvCxnSpPr>
+          <p:nvPr/>
+        </p:nvCxnSpPr>
+        <p:spPr>
+          <a:xfrm>
+            <a:off x="5234474" y="4335625"/>
+            <a:ext cx="3452326" cy="1676400"/>
+          </a:xfrm>
+          <a:prstGeom prst="bentConnector3">
+            <a:avLst/>
+          </a:prstGeom>
+          <a:ln>
+            <a:headEnd type="triangle"/>
+            <a:tailEnd type="triangle"/>
+          </a:ln>
+        </p:spPr>
+        <p:style>
+          <a:lnRef idx="1">
+            <a:schemeClr val="accent1"/>
+          </a:lnRef>
+          <a:fillRef idx="0">
+            <a:schemeClr val="accent1"/>
+          </a:fillRef>
+          <a:effectRef idx="0">
+            <a:schemeClr val="accent1"/>
+          </a:effectRef>
+          <a:fontRef idx="minor">
+            <a:schemeClr val="tx1"/>
+          </a:fontRef>
+        </p:style>
+      </p:cxnSp>
+      <p:sp>
+        <p:nvSpPr>
+          <p:cNvPr id="22" name="Rectangle: Rounded Corners 21">
+            <a:extLst>
+              <a:ext uri="{FF2B5EF4-FFF2-40B4-BE49-F238E27FC236}">
+                <a16:creationId xmlns:a16="http://schemas.microsoft.com/office/drawing/2014/main" id="{8B44DAAD-1069-BAA1-43D4-FE28659BCB4F}"/>
+              </a:ext>
+            </a:extLst>
+          </p:cNvPr>
+          <p:cNvSpPr/>
+          <p:nvPr/>
+        </p:nvSpPr>
+        <p:spPr>
+          <a:xfrm>
+            <a:off x="1663183" y="5769912"/>
+            <a:ext cx="1614196" cy="793102"/>
+          </a:xfrm>
+          <a:prstGeom prst="roundRect">
+            <a:avLst/>
+          </a:prstGeom>
+        </p:spPr>
+        <p:style>
+          <a:lnRef idx="2">
+            <a:schemeClr val="accent1">
+              <a:shade val="15000"/>
+            </a:schemeClr>
+          </a:lnRef>
+          <a:fillRef idx="1">
+            <a:schemeClr val="accent1"/>
+          </a:fillRef>
+          <a:effectRef idx="0">
+            <a:schemeClr val="accent1"/>
+          </a:effectRef>
+          <a:fontRef idx="minor">
+            <a:schemeClr val="lt1"/>
+          </a:fontRef>
+        </p:style>
+        <p:txBody>
+          <a:bodyPr rtlCol="0" anchor="ctr"/>
+          <a:lstStyle/>
+          <a:p>
+            <a:pPr algn="ctr"/>
+            <a:r>
+              <a:rPr lang="en-US" dirty="0" err="1"/>
+              <a:t>GetHRAData</a:t>
+            </a:r>
+            <a:r>
+              <a:rPr lang="en-US" dirty="0"/>
+              <a:t>()</a:t>
+            </a:r>
+          </a:p>
+        </p:txBody>
+      </p:sp>
+      <p:sp>
+        <p:nvSpPr>
+          <p:cNvPr id="23" name="Rectangle: Rounded Corners 22">
+            <a:extLst>
+              <a:ext uri="{FF2B5EF4-FFF2-40B4-BE49-F238E27FC236}">
+                <a16:creationId xmlns:a16="http://schemas.microsoft.com/office/drawing/2014/main" id="{978745FD-FA01-7873-15F3-1B8A170FB163}"/>
+              </a:ext>
+            </a:extLst>
+          </p:cNvPr>
+          <p:cNvSpPr/>
+          <p:nvPr/>
+        </p:nvSpPr>
+        <p:spPr>
+          <a:xfrm>
+            <a:off x="3505201" y="5769912"/>
+            <a:ext cx="1614196" cy="793102"/>
+          </a:xfrm>
+          <a:prstGeom prst="roundRect">
+            <a:avLst/>
+          </a:prstGeom>
+        </p:spPr>
+        <p:style>
+          <a:lnRef idx="2">
+            <a:schemeClr val="accent1">
+              <a:shade val="15000"/>
+            </a:schemeClr>
+          </a:lnRef>
+          <a:fillRef idx="1">
+            <a:schemeClr val="accent1"/>
+          </a:fillRef>
+          <a:effectRef idx="0">
+            <a:schemeClr val="accent1"/>
+          </a:effectRef>
+          <a:fontRef idx="minor">
+            <a:schemeClr val="lt1"/>
+          </a:fontRef>
+        </p:style>
+        <p:txBody>
+          <a:bodyPr rtlCol="0" anchor="ctr"/>
+          <a:lstStyle/>
+          <a:p>
+            <a:pPr algn="ctr"/>
+            <a:r>
+              <a:rPr lang="en-US" dirty="0" err="1"/>
+              <a:t>GetTAData</a:t>
+            </a:r>
+            <a:r>
+              <a:rPr lang="en-US" dirty="0"/>
+              <a:t>()</a:t>
+            </a:r>
+          </a:p>
+        </p:txBody>
+      </p:sp>
+      <p:sp>
+        <p:nvSpPr>
+          <p:cNvPr id="24" name="Rectangle: Rounded Corners 23">
+            <a:extLst>
+              <a:ext uri="{FF2B5EF4-FFF2-40B4-BE49-F238E27FC236}">
+                <a16:creationId xmlns:a16="http://schemas.microsoft.com/office/drawing/2014/main" id="{53C5FF81-1FB3-71AD-4966-BCE9E2A3A813}"/>
+              </a:ext>
+            </a:extLst>
+          </p:cNvPr>
+          <p:cNvSpPr/>
+          <p:nvPr/>
+        </p:nvSpPr>
+        <p:spPr>
+          <a:xfrm>
+            <a:off x="5234474" y="5746586"/>
+            <a:ext cx="1614196" cy="793102"/>
+          </a:xfrm>
+          <a:prstGeom prst="roundRect">
+            <a:avLst/>
+          </a:prstGeom>
+        </p:spPr>
+        <p:style>
+          <a:lnRef idx="2">
+            <a:schemeClr val="accent1">
+              <a:shade val="15000"/>
+            </a:schemeClr>
+          </a:lnRef>
+          <a:fillRef idx="1">
+            <a:schemeClr val="accent1"/>
+          </a:fillRef>
+          <a:effectRef idx="0">
+            <a:schemeClr val="accent1"/>
+          </a:effectRef>
+          <a:fontRef idx="minor">
+            <a:schemeClr val="lt1"/>
+          </a:fontRef>
+        </p:style>
+        <p:txBody>
+          <a:bodyPr rtlCol="0" anchor="ctr"/>
+          <a:lstStyle/>
+          <a:p>
+            <a:pPr algn="ctr"/>
+            <a:r>
+              <a:rPr lang="en-US" dirty="0" err="1"/>
+              <a:t>GetDAData</a:t>
+            </a:r>
+            <a:r>
+              <a:rPr lang="en-US" dirty="0"/>
+              <a:t>()</a:t>
+            </a:r>
+          </a:p>
+        </p:txBody>
+      </p:sp>
+      <p:cxnSp>
+        <p:nvCxnSpPr>
+          <p:cNvPr id="26" name="Connector: Elbow 25">
+            <a:extLst>
+              <a:ext uri="{FF2B5EF4-FFF2-40B4-BE49-F238E27FC236}">
+                <a16:creationId xmlns:a16="http://schemas.microsoft.com/office/drawing/2014/main" id="{9EB768B8-2FF1-98F6-8714-64DF9A8A02BB}"/>
+              </a:ext>
+            </a:extLst>
+          </p:cNvPr>
+          <p:cNvCxnSpPr>
+            <a:stCxn id="7" idx="2"/>
+            <a:endCxn id="22" idx="1"/>
+          </p:cNvCxnSpPr>
+          <p:nvPr/>
+        </p:nvCxnSpPr>
+        <p:spPr>
+          <a:xfrm rot="5400000">
+            <a:off x="2345243" y="4488656"/>
+            <a:ext cx="995748" cy="2359867"/>
+          </a:xfrm>
+          <a:prstGeom prst="bentConnector4">
+            <a:avLst>
+              <a:gd name="adj1" fmla="val 30088"/>
+              <a:gd name="adj2" fmla="val 109687"/>
+            </a:avLst>
+          </a:prstGeom>
+          <a:ln>
+            <a:headEnd type="triangle"/>
+            <a:tailEnd type="triangle"/>
+          </a:ln>
+        </p:spPr>
+        <p:style>
+          <a:lnRef idx="1">
+            <a:schemeClr val="accent1"/>
+          </a:lnRef>
+          <a:fillRef idx="0">
+            <a:schemeClr val="accent1"/>
+          </a:fillRef>
+          <a:effectRef idx="0">
+            <a:schemeClr val="accent1"/>
+          </a:effectRef>
+          <a:fontRef idx="minor">
+            <a:schemeClr val="tx1"/>
+          </a:fontRef>
+        </p:style>
+      </p:cxnSp>
+      <p:cxnSp>
+        <p:nvCxnSpPr>
+          <p:cNvPr id="28" name="Connector: Elbow 27">
+            <a:extLst>
+              <a:ext uri="{FF2B5EF4-FFF2-40B4-BE49-F238E27FC236}">
+                <a16:creationId xmlns:a16="http://schemas.microsoft.com/office/drawing/2014/main" id="{6A40025C-4FF2-BDF9-8264-7D2AD45EE643}"/>
+              </a:ext>
+            </a:extLst>
+          </p:cNvPr>
+          <p:cNvCxnSpPr>
+            <a:stCxn id="7" idx="2"/>
+            <a:endCxn id="23" idx="0"/>
+          </p:cNvCxnSpPr>
+          <p:nvPr/>
+        </p:nvCxnSpPr>
+        <p:spPr>
+          <a:xfrm rot="16200000" flipH="1">
+            <a:off x="3868076" y="5325688"/>
+            <a:ext cx="599197" cy="289249"/>
+          </a:xfrm>
+          <a:prstGeom prst="bentConnector3">
+            <a:avLst/>
+          </a:prstGeom>
+          <a:ln>
+            <a:headEnd type="triangle"/>
+            <a:tailEnd type="triangle"/>
+          </a:ln>
+        </p:spPr>
+        <p:style>
+          <a:lnRef idx="1">
+            <a:schemeClr val="accent1"/>
+          </a:lnRef>
+          <a:fillRef idx="0">
+            <a:schemeClr val="accent1"/>
+          </a:fillRef>
+          <a:effectRef idx="0">
+            <a:schemeClr val="accent1"/>
+          </a:effectRef>
+          <a:fontRef idx="minor">
+            <a:schemeClr val="tx1"/>
+          </a:fontRef>
+        </p:style>
+      </p:cxnSp>
+      <p:cxnSp>
+        <p:nvCxnSpPr>
+          <p:cNvPr id="30" name="Connector: Elbow 29">
+            <a:extLst>
+              <a:ext uri="{FF2B5EF4-FFF2-40B4-BE49-F238E27FC236}">
+                <a16:creationId xmlns:a16="http://schemas.microsoft.com/office/drawing/2014/main" id="{6ACAF76E-D81A-2A1F-0D28-6F72AFA02CE5}"/>
+              </a:ext>
+            </a:extLst>
+          </p:cNvPr>
+          <p:cNvCxnSpPr>
+            <a:stCxn id="7" idx="2"/>
+            <a:endCxn id="24" idx="0"/>
+          </p:cNvCxnSpPr>
+          <p:nvPr/>
+        </p:nvCxnSpPr>
+        <p:spPr>
+          <a:xfrm rot="16200000" flipH="1">
+            <a:off x="4744376" y="4449389"/>
+            <a:ext cx="575871" cy="2018522"/>
+          </a:xfrm>
+          <a:prstGeom prst="bentConnector3">
+            <a:avLst/>
+          </a:prstGeom>
+          <a:ln>
+            <a:headEnd type="triangle"/>
+            <a:tailEnd type="triangle"/>
+          </a:ln>
+        </p:spPr>
+        <p:style>
+          <a:lnRef idx="1">
+            <a:schemeClr val="accent1"/>
+          </a:lnRef>
+          <a:fillRef idx="0">
+            <a:schemeClr val="accent1"/>
+          </a:fillRef>
+          <a:effectRef idx="0">
+            <a:schemeClr val="accent1"/>
+          </a:effectRef>
+          <a:fontRef idx="minor">
+            <a:schemeClr val="tx1"/>
+          </a:fontRef>
+        </p:style>
+      </p:cxnSp>
+      <p:cxnSp>
+        <p:nvCxnSpPr>
+          <p:cNvPr id="32" name="Connector: Elbow 31">
+            <a:extLst>
+              <a:ext uri="{FF2B5EF4-FFF2-40B4-BE49-F238E27FC236}">
+                <a16:creationId xmlns:a16="http://schemas.microsoft.com/office/drawing/2014/main" id="{38E61843-CD10-009D-457E-EEFF718C3B0E}"/>
+              </a:ext>
+            </a:extLst>
+          </p:cNvPr>
+          <p:cNvCxnSpPr>
+            <a:stCxn id="7" idx="3"/>
+            <a:endCxn id="3" idx="1"/>
+          </p:cNvCxnSpPr>
+          <p:nvPr/>
+        </p:nvCxnSpPr>
+        <p:spPr>
+          <a:xfrm flipV="1">
+            <a:off x="5234474" y="2948474"/>
+            <a:ext cx="3855097" cy="1387151"/>
+          </a:xfrm>
+          <a:prstGeom prst="bentConnector3">
+            <a:avLst/>
+          </a:prstGeom>
+          <a:ln>
+            <a:headEnd type="triangle"/>
+            <a:tailEnd type="triangle"/>
+          </a:ln>
+        </p:spPr>
+        <p:style>
+          <a:lnRef idx="1">
+            <a:schemeClr val="accent1"/>
+          </a:lnRef>
+          <a:fillRef idx="0">
+            <a:schemeClr val="accent1"/>
+          </a:fillRef>
+          <a:effectRef idx="0">
+            <a:schemeClr val="accent1"/>
+          </a:effectRef>
+          <a:fontRef idx="minor">
+            <a:schemeClr val="tx1"/>
+          </a:fontRef>
+        </p:style>
+      </p:cxnSp>
+      <p:sp>
+        <p:nvSpPr>
+          <p:cNvPr id="33" name="TextBox 32">
+            <a:extLst>
+              <a:ext uri="{FF2B5EF4-FFF2-40B4-BE49-F238E27FC236}">
+                <a16:creationId xmlns:a16="http://schemas.microsoft.com/office/drawing/2014/main" id="{F830573C-FD60-6C07-0C6E-BC98D711F9F9}"/>
+              </a:ext>
+            </a:extLst>
+          </p:cNvPr>
+          <p:cNvSpPr txBox="1"/>
+          <p:nvPr/>
+        </p:nvSpPr>
+        <p:spPr>
+          <a:xfrm>
+            <a:off x="5943600" y="3222708"/>
+            <a:ext cx="2422849" cy="369332"/>
+          </a:xfrm>
+          <a:prstGeom prst="rect">
+            <a:avLst/>
+          </a:prstGeom>
+          <a:noFill/>
+        </p:spPr>
+        <p:txBody>
+          <a:bodyPr wrap="square" rtlCol="0">
+            <a:spAutoFit/>
+          </a:bodyPr>
+          <a:lstStyle/>
+          <a:p>
+            <a:r>
+              <a:rPr lang="en-US" dirty="0"/>
+              <a:t>Task 1: Call </a:t>
+            </a:r>
+            <a:r>
+              <a:rPr lang="en-US" dirty="0" err="1"/>
+              <a:t>GetSalary</a:t>
+            </a:r>
+            <a:r>
+              <a:rPr lang="en-US" dirty="0"/>
+              <a:t>()</a:t>
+            </a:r>
+          </a:p>
+        </p:txBody>
+      </p:sp>
+      <p:sp>
+        <p:nvSpPr>
+          <p:cNvPr id="34" name="TextBox 33">
+            <a:extLst>
+              <a:ext uri="{FF2B5EF4-FFF2-40B4-BE49-F238E27FC236}">
+                <a16:creationId xmlns:a16="http://schemas.microsoft.com/office/drawing/2014/main" id="{0430293F-C0F2-5ECC-E185-110A1A979E8C}"/>
+              </a:ext>
+            </a:extLst>
+          </p:cNvPr>
+          <p:cNvSpPr txBox="1"/>
+          <p:nvPr/>
+        </p:nvSpPr>
+        <p:spPr>
+          <a:xfrm>
+            <a:off x="48987" y="5458650"/>
+            <a:ext cx="2422849" cy="369332"/>
+          </a:xfrm>
+          <a:prstGeom prst="rect">
+            <a:avLst/>
+          </a:prstGeom>
+          <a:noFill/>
+        </p:spPr>
+        <p:txBody>
+          <a:bodyPr wrap="square" rtlCol="0">
+            <a:spAutoFit/>
+          </a:bodyPr>
+          <a:lstStyle/>
+          <a:p>
+            <a:r>
+              <a:rPr lang="en-US" dirty="0"/>
+              <a:t>Task 2: Call </a:t>
+            </a:r>
+            <a:r>
+              <a:rPr lang="en-US" dirty="0" err="1"/>
+              <a:t>GetHRA</a:t>
+            </a:r>
+            <a:r>
+              <a:rPr lang="en-US" dirty="0"/>
+              <a:t>()</a:t>
+            </a:r>
+          </a:p>
+        </p:txBody>
+      </p:sp>
+      <p:sp>
+        <p:nvSpPr>
+          <p:cNvPr id="35" name="TextBox 34">
+            <a:extLst>
+              <a:ext uri="{FF2B5EF4-FFF2-40B4-BE49-F238E27FC236}">
+                <a16:creationId xmlns:a16="http://schemas.microsoft.com/office/drawing/2014/main" id="{7408773F-E1AA-B8EA-05DA-3F4D4D40F39E}"/>
+              </a:ext>
+            </a:extLst>
+          </p:cNvPr>
+          <p:cNvSpPr txBox="1"/>
+          <p:nvPr/>
+        </p:nvSpPr>
+        <p:spPr>
+          <a:xfrm>
+            <a:off x="2874607" y="5373361"/>
+            <a:ext cx="2422849" cy="369332"/>
+          </a:xfrm>
+          <a:prstGeom prst="rect">
+            <a:avLst/>
+          </a:prstGeom>
+          <a:noFill/>
+        </p:spPr>
+        <p:txBody>
+          <a:bodyPr wrap="square" rtlCol="0">
+            <a:spAutoFit/>
+          </a:bodyPr>
+          <a:lstStyle/>
+          <a:p>
+            <a:r>
+              <a:rPr lang="en-US" dirty="0"/>
+              <a:t>Task 3: Call </a:t>
+            </a:r>
+            <a:r>
+              <a:rPr lang="en-US" dirty="0" err="1"/>
+              <a:t>GetTA</a:t>
+            </a:r>
+            <a:r>
+              <a:rPr lang="en-US" dirty="0"/>
+              <a:t>()</a:t>
+            </a:r>
+          </a:p>
+        </p:txBody>
+      </p:sp>
+      <p:sp>
+        <p:nvSpPr>
+          <p:cNvPr id="36" name="TextBox 35">
+            <a:extLst>
+              <a:ext uri="{FF2B5EF4-FFF2-40B4-BE49-F238E27FC236}">
+                <a16:creationId xmlns:a16="http://schemas.microsoft.com/office/drawing/2014/main" id="{3B2376DF-89FA-133D-D589-C82428BD626D}"/>
+              </a:ext>
+            </a:extLst>
+          </p:cNvPr>
+          <p:cNvSpPr txBox="1"/>
+          <p:nvPr/>
+        </p:nvSpPr>
+        <p:spPr>
+          <a:xfrm>
+            <a:off x="4935119" y="5350426"/>
+            <a:ext cx="2422849" cy="369332"/>
+          </a:xfrm>
+          <a:prstGeom prst="rect">
+            <a:avLst/>
+          </a:prstGeom>
+          <a:noFill/>
+        </p:spPr>
+        <p:txBody>
+          <a:bodyPr wrap="square" rtlCol="0">
+            <a:spAutoFit/>
+          </a:bodyPr>
+          <a:lstStyle/>
+          <a:p>
+            <a:r>
+              <a:rPr lang="en-US" dirty="0"/>
+              <a:t>Task 4: Call </a:t>
+            </a:r>
+            <a:r>
+              <a:rPr lang="en-US" dirty="0" err="1"/>
+              <a:t>GetDA</a:t>
+            </a:r>
+            <a:r>
+              <a:rPr lang="en-US" dirty="0"/>
+              <a:t>()</a:t>
+            </a:r>
+          </a:p>
+        </p:txBody>
+      </p:sp>
+      <p:sp>
+        <p:nvSpPr>
+          <p:cNvPr id="37" name="TextBox 36">
+            <a:extLst>
+              <a:ext uri="{FF2B5EF4-FFF2-40B4-BE49-F238E27FC236}">
+                <a16:creationId xmlns:a16="http://schemas.microsoft.com/office/drawing/2014/main" id="{F65C331F-7565-CAF0-3E51-04619D846E04}"/>
+              </a:ext>
+            </a:extLst>
+          </p:cNvPr>
+          <p:cNvSpPr txBox="1"/>
+          <p:nvPr/>
+        </p:nvSpPr>
+        <p:spPr>
+          <a:xfrm>
+            <a:off x="6369697" y="4517597"/>
+            <a:ext cx="2422849" cy="369332"/>
+          </a:xfrm>
+          <a:prstGeom prst="rect">
+            <a:avLst/>
+          </a:prstGeom>
+          <a:noFill/>
+        </p:spPr>
+        <p:txBody>
+          <a:bodyPr wrap="square" rtlCol="0">
+            <a:spAutoFit/>
+          </a:bodyPr>
+          <a:lstStyle/>
+          <a:p>
+            <a:r>
+              <a:rPr lang="en-US" dirty="0"/>
+              <a:t>Task 5: Call </a:t>
+            </a:r>
+            <a:r>
+              <a:rPr lang="en-US" dirty="0" err="1"/>
+              <a:t>GetTDS</a:t>
+            </a:r>
+            <a:r>
+              <a:rPr lang="en-US" dirty="0"/>
+              <a:t>()</a:t>
+            </a:r>
+          </a:p>
+        </p:txBody>
+      </p:sp>
+      <p:sp>
+        <p:nvSpPr>
+          <p:cNvPr id="38" name="TextBox 37">
+            <a:extLst>
+              <a:ext uri="{FF2B5EF4-FFF2-40B4-BE49-F238E27FC236}">
+                <a16:creationId xmlns:a16="http://schemas.microsoft.com/office/drawing/2014/main" id="{41054C3C-2359-0D15-4794-80F088C1C4F7}"/>
+              </a:ext>
+            </a:extLst>
+          </p:cNvPr>
+          <p:cNvSpPr txBox="1"/>
+          <p:nvPr/>
+        </p:nvSpPr>
+        <p:spPr>
+          <a:xfrm>
+            <a:off x="6508879" y="4994202"/>
+            <a:ext cx="2422849" cy="369332"/>
+          </a:xfrm>
+          <a:prstGeom prst="rect">
+            <a:avLst/>
+          </a:prstGeom>
+          <a:noFill/>
+        </p:spPr>
+        <p:txBody>
+          <a:bodyPr wrap="square" rtlCol="0">
+            <a:spAutoFit/>
+          </a:bodyPr>
+          <a:lstStyle/>
+          <a:p>
+            <a:r>
+              <a:rPr lang="en-US" dirty="0"/>
+              <a:t>Task 6: Call </a:t>
+            </a:r>
+            <a:r>
+              <a:rPr lang="en-US" dirty="0" err="1"/>
+              <a:t>GetGST</a:t>
+            </a:r>
+            <a:r>
+              <a:rPr lang="en-US" dirty="0"/>
+              <a:t>()</a:t>
+            </a:r>
+          </a:p>
+        </p:txBody>
+      </p:sp>
+    </p:spTree>
+    <p:extLst>
+      <p:ext uri="{BB962C8B-B14F-4D97-AF65-F5344CB8AC3E}">
+        <p14:creationId xmlns:p14="http://schemas.microsoft.com/office/powerpoint/2010/main" val="1111638156"/>
+      </p:ext>
+    </p:extLst>
+  </p:cSld>
+  <p:clrMapOvr>
+    <a:masterClrMapping/>
+  </p:clrMapOvr>
+</p:sld>
+</file>
+
+<file path=ppt/slides/slide29.xml><?xml version="1.0" encoding="utf-8"?>
+<p:sld xmlns:a="http://schemas.openxmlformats.org/drawingml/2006/main" xmlns:r="http://schemas.openxmlformats.org/officeDocument/2006/relationships" xmlns:p="http://schemas.openxmlformats.org/presentationml/2006/main">
+  <p:cSld>
+    <p:spTree>
+      <p:nvGrpSpPr>
+        <p:cNvPr id="1" name=""/>
+        <p:cNvGrpSpPr/>
+        <p:nvPr/>
+      </p:nvGrpSpPr>
+      <p:grpSpPr>
+        <a:xfrm>
+          <a:off x="0" y="0"/>
+          <a:ext cx="0" cy="0"/>
+          <a:chOff x="0" y="0"/>
+          <a:chExt cx="0" cy="0"/>
+        </a:xfrm>
+      </p:grpSpPr>
+      <p:sp>
+        <p:nvSpPr>
+          <p:cNvPr id="2" name="Rectangle 1">
+            <a:extLst>
+              <a:ext uri="{FF2B5EF4-FFF2-40B4-BE49-F238E27FC236}">
+                <a16:creationId xmlns:a16="http://schemas.microsoft.com/office/drawing/2014/main" id="{FEEEC36D-BF2A-11F1-1B44-7CB5C15E8059}"/>
+              </a:ext>
+            </a:extLst>
+          </p:cNvPr>
+          <p:cNvSpPr/>
+          <p:nvPr/>
+        </p:nvSpPr>
+        <p:spPr>
+          <a:xfrm>
+            <a:off x="2397967" y="849086"/>
+            <a:ext cx="5075853" cy="457200"/>
+          </a:xfrm>
+          <a:prstGeom prst="rect">
+            <a:avLst/>
+          </a:prstGeom>
+        </p:spPr>
+        <p:style>
+          <a:lnRef idx="2">
+            <a:schemeClr val="accent1">
+              <a:shade val="15000"/>
+            </a:schemeClr>
+          </a:lnRef>
+          <a:fillRef idx="1">
+            <a:schemeClr val="accent1"/>
+          </a:fillRef>
+          <a:effectRef idx="0">
+            <a:schemeClr val="accent1"/>
+          </a:effectRef>
+          <a:fontRef idx="minor">
+            <a:schemeClr val="lt1"/>
+          </a:fontRef>
+        </p:style>
+        <p:txBody>
+          <a:bodyPr rtlCol="0" anchor="ctr"/>
+          <a:lstStyle/>
+          <a:p>
+            <a:pPr algn="ctr"/>
+            <a:r>
+              <a:rPr lang="en-US" dirty="0"/>
+              <a:t>Thread 1</a:t>
+            </a:r>
+          </a:p>
+        </p:txBody>
+      </p:sp>
+      <p:sp>
+        <p:nvSpPr>
+          <p:cNvPr id="3" name="Rectangle 2">
+            <a:extLst>
+              <a:ext uri="{FF2B5EF4-FFF2-40B4-BE49-F238E27FC236}">
+                <a16:creationId xmlns:a16="http://schemas.microsoft.com/office/drawing/2014/main" id="{CF42367D-AB32-2EC0-286D-4A2840311FBF}"/>
+              </a:ext>
+            </a:extLst>
+          </p:cNvPr>
+          <p:cNvSpPr/>
+          <p:nvPr/>
+        </p:nvSpPr>
+        <p:spPr>
+          <a:xfrm>
+            <a:off x="2397965" y="1811694"/>
+            <a:ext cx="5075853" cy="457200"/>
+          </a:xfrm>
+          <a:prstGeom prst="rect">
+            <a:avLst/>
+          </a:prstGeom>
+        </p:spPr>
+        <p:style>
+          <a:lnRef idx="2">
+            <a:schemeClr val="accent1">
+              <a:shade val="15000"/>
+            </a:schemeClr>
+          </a:lnRef>
+          <a:fillRef idx="1">
+            <a:schemeClr val="accent1"/>
+          </a:fillRef>
+          <a:effectRef idx="0">
+            <a:schemeClr val="accent1"/>
+          </a:effectRef>
+          <a:fontRef idx="minor">
+            <a:schemeClr val="lt1"/>
+          </a:fontRef>
+        </p:style>
+        <p:txBody>
+          <a:bodyPr rtlCol="0" anchor="ctr"/>
+          <a:lstStyle/>
+          <a:p>
+            <a:pPr algn="ctr"/>
+            <a:r>
+              <a:rPr lang="en-US" dirty="0"/>
+              <a:t>Thread 2</a:t>
+            </a:r>
+          </a:p>
+        </p:txBody>
+      </p:sp>
+      <p:cxnSp>
+        <p:nvCxnSpPr>
+          <p:cNvPr id="5" name="Connector: Elbow 4">
+            <a:extLst>
+              <a:ext uri="{FF2B5EF4-FFF2-40B4-BE49-F238E27FC236}">
+                <a16:creationId xmlns:a16="http://schemas.microsoft.com/office/drawing/2014/main" id="{B99B5D6F-BEA6-B11A-4F27-B392F7D16447}"/>
+              </a:ext>
+            </a:extLst>
+          </p:cNvPr>
+          <p:cNvCxnSpPr>
+            <a:stCxn id="2" idx="2"/>
+            <a:endCxn id="3" idx="1"/>
+          </p:cNvCxnSpPr>
+          <p:nvPr/>
+        </p:nvCxnSpPr>
+        <p:spPr>
+          <a:xfrm rot="5400000">
+            <a:off x="3299926" y="404326"/>
+            <a:ext cx="734008" cy="2537929"/>
+          </a:xfrm>
+          <a:prstGeom prst="bentConnector4">
+            <a:avLst>
+              <a:gd name="adj1" fmla="val 34428"/>
+              <a:gd name="adj2" fmla="val 109007"/>
+            </a:avLst>
+          </a:prstGeom>
+          <a:ln>
+            <a:headEnd type="triangle"/>
+            <a:tailEnd type="triangle"/>
+          </a:ln>
+        </p:spPr>
+        <p:style>
+          <a:lnRef idx="1">
+            <a:schemeClr val="accent1"/>
+          </a:lnRef>
+          <a:fillRef idx="0">
+            <a:schemeClr val="accent1"/>
+          </a:fillRef>
+          <a:effectRef idx="0">
+            <a:schemeClr val="accent1"/>
+          </a:effectRef>
+          <a:fontRef idx="minor">
+            <a:schemeClr val="tx1"/>
+          </a:fontRef>
+        </p:style>
+      </p:cxnSp>
+      <p:cxnSp>
+        <p:nvCxnSpPr>
+          <p:cNvPr id="7" name="Connector: Elbow 6">
+            <a:extLst>
+              <a:ext uri="{FF2B5EF4-FFF2-40B4-BE49-F238E27FC236}">
+                <a16:creationId xmlns:a16="http://schemas.microsoft.com/office/drawing/2014/main" id="{AF1487ED-3B7E-ADED-4237-7223035B6849}"/>
+              </a:ext>
+            </a:extLst>
+          </p:cNvPr>
+          <p:cNvCxnSpPr>
+            <a:stCxn id="3" idx="0"/>
+            <a:endCxn id="2" idx="0"/>
+          </p:cNvCxnSpPr>
+          <p:nvPr/>
+        </p:nvCxnSpPr>
+        <p:spPr>
+          <a:xfrm rot="5400000" flipH="1" flipV="1">
+            <a:off x="4454589" y="1330389"/>
+            <a:ext cx="962608" cy="2"/>
+          </a:xfrm>
+          <a:prstGeom prst="bentConnector5">
+            <a:avLst>
+              <a:gd name="adj1" fmla="val 26252"/>
+              <a:gd name="adj2" fmla="val 138326400000"/>
+              <a:gd name="adj3" fmla="val 123748"/>
+            </a:avLst>
+          </a:prstGeom>
+          <a:ln>
+            <a:headEnd type="triangle"/>
+            <a:tailEnd type="triangle"/>
+          </a:ln>
+        </p:spPr>
+        <p:style>
+          <a:lnRef idx="1">
+            <a:schemeClr val="accent1"/>
+          </a:lnRef>
+          <a:fillRef idx="0">
+            <a:schemeClr val="accent1"/>
+          </a:fillRef>
+          <a:effectRef idx="0">
+            <a:schemeClr val="accent1"/>
+          </a:effectRef>
+          <a:fontRef idx="minor">
+            <a:schemeClr val="tx1"/>
+          </a:fontRef>
+        </p:style>
+      </p:cxnSp>
+      <p:sp>
+        <p:nvSpPr>
+          <p:cNvPr id="8" name="TextBox 7">
+            <a:extLst>
+              <a:ext uri="{FF2B5EF4-FFF2-40B4-BE49-F238E27FC236}">
+                <a16:creationId xmlns:a16="http://schemas.microsoft.com/office/drawing/2014/main" id="{E1899368-9CF9-E787-2D30-3DC2CCDCB080}"/>
+              </a:ext>
+            </a:extLst>
+          </p:cNvPr>
+          <p:cNvSpPr txBox="1"/>
+          <p:nvPr/>
+        </p:nvSpPr>
+        <p:spPr>
+          <a:xfrm>
+            <a:off x="8322906" y="933061"/>
+            <a:ext cx="3331029" cy="369332"/>
+          </a:xfrm>
+          <a:prstGeom prst="rect">
+            <a:avLst/>
+          </a:prstGeom>
+          <a:noFill/>
+        </p:spPr>
+        <p:txBody>
+          <a:bodyPr wrap="square" rtlCol="0">
+            <a:spAutoFit/>
+          </a:bodyPr>
+          <a:lstStyle/>
+          <a:p>
+            <a:r>
+              <a:rPr lang="en-US" dirty="0"/>
+              <a:t>Switching Across Threads</a:t>
+            </a:r>
+          </a:p>
+        </p:txBody>
+      </p:sp>
+      <p:sp>
+        <p:nvSpPr>
+          <p:cNvPr id="11" name="Rectangle 10">
+            <a:extLst>
+              <a:ext uri="{FF2B5EF4-FFF2-40B4-BE49-F238E27FC236}">
+                <a16:creationId xmlns:a16="http://schemas.microsoft.com/office/drawing/2014/main" id="{9721ECE8-9D23-C72C-C7E0-9BC8E40A760A}"/>
+              </a:ext>
+            </a:extLst>
+          </p:cNvPr>
+          <p:cNvSpPr/>
+          <p:nvPr/>
+        </p:nvSpPr>
+        <p:spPr>
+          <a:xfrm>
+            <a:off x="373224" y="3004457"/>
+            <a:ext cx="1212980" cy="531845"/>
+          </a:xfrm>
+          <a:prstGeom prst="rect">
+            <a:avLst/>
+          </a:prstGeom>
+        </p:spPr>
+        <p:style>
+          <a:lnRef idx="2">
+            <a:schemeClr val="accent1">
+              <a:shade val="15000"/>
+            </a:schemeClr>
+          </a:lnRef>
+          <a:fillRef idx="1">
+            <a:schemeClr val="accent1"/>
+          </a:fillRef>
+          <a:effectRef idx="0">
+            <a:schemeClr val="accent1"/>
+          </a:effectRef>
+          <a:fontRef idx="minor">
+            <a:schemeClr val="lt1"/>
+          </a:fontRef>
+        </p:style>
+        <p:txBody>
+          <a:bodyPr rtlCol="0" anchor="ctr"/>
+          <a:lstStyle/>
+          <a:p>
+            <a:pPr algn="ctr"/>
+            <a:r>
+              <a:rPr lang="en-US" dirty="0"/>
+              <a:t>Thread 1</a:t>
+            </a:r>
+          </a:p>
+        </p:txBody>
+      </p:sp>
+      <p:sp>
+        <p:nvSpPr>
+          <p:cNvPr id="12" name="Rectangle 11">
+            <a:extLst>
+              <a:ext uri="{FF2B5EF4-FFF2-40B4-BE49-F238E27FC236}">
+                <a16:creationId xmlns:a16="http://schemas.microsoft.com/office/drawing/2014/main" id="{050747CA-7134-3DB0-E2A0-E8B13A240A5C}"/>
+              </a:ext>
+            </a:extLst>
+          </p:cNvPr>
+          <p:cNvSpPr/>
+          <p:nvPr/>
+        </p:nvSpPr>
+        <p:spPr>
+          <a:xfrm>
+            <a:off x="1791475" y="3847322"/>
+            <a:ext cx="1212980" cy="531845"/>
+          </a:xfrm>
+          <a:prstGeom prst="rect">
+            <a:avLst/>
+          </a:prstGeom>
+        </p:spPr>
+        <p:style>
+          <a:lnRef idx="2">
+            <a:schemeClr val="accent1">
+              <a:shade val="15000"/>
+            </a:schemeClr>
+          </a:lnRef>
+          <a:fillRef idx="1">
+            <a:schemeClr val="accent1"/>
+          </a:fillRef>
+          <a:effectRef idx="0">
+            <a:schemeClr val="accent1"/>
+          </a:effectRef>
+          <a:fontRef idx="minor">
+            <a:schemeClr val="lt1"/>
+          </a:fontRef>
+        </p:style>
+        <p:txBody>
+          <a:bodyPr rtlCol="0" anchor="ctr"/>
+          <a:lstStyle/>
+          <a:p>
+            <a:pPr algn="ctr"/>
+            <a:r>
+              <a:rPr lang="en-US" dirty="0"/>
+              <a:t>Thread 2</a:t>
+            </a:r>
+          </a:p>
+        </p:txBody>
+      </p:sp>
+      <p:sp>
+        <p:nvSpPr>
+          <p:cNvPr id="13" name="Rectangle 12">
+            <a:extLst>
+              <a:ext uri="{FF2B5EF4-FFF2-40B4-BE49-F238E27FC236}">
+                <a16:creationId xmlns:a16="http://schemas.microsoft.com/office/drawing/2014/main" id="{204C47E3-0E07-0E23-4788-0DC6D0DE4063}"/>
+              </a:ext>
+            </a:extLst>
+          </p:cNvPr>
+          <p:cNvSpPr/>
+          <p:nvPr/>
+        </p:nvSpPr>
+        <p:spPr>
+          <a:xfrm>
+            <a:off x="3547893" y="4589107"/>
+            <a:ext cx="1102709" cy="531845"/>
+          </a:xfrm>
+          <a:prstGeom prst="rect">
+            <a:avLst/>
+          </a:prstGeom>
+        </p:spPr>
+        <p:style>
+          <a:lnRef idx="2">
+            <a:schemeClr val="accent1">
+              <a:shade val="15000"/>
+            </a:schemeClr>
+          </a:lnRef>
+          <a:fillRef idx="1">
+            <a:schemeClr val="accent1"/>
+          </a:fillRef>
+          <a:effectRef idx="0">
+            <a:schemeClr val="accent1"/>
+          </a:effectRef>
+          <a:fontRef idx="minor">
+            <a:schemeClr val="lt1"/>
+          </a:fontRef>
+        </p:style>
+        <p:txBody>
+          <a:bodyPr rtlCol="0" anchor="ctr"/>
+          <a:lstStyle/>
+          <a:p>
+            <a:pPr algn="ctr"/>
+            <a:r>
+              <a:rPr lang="en-US" dirty="0"/>
+              <a:t>Thread 3</a:t>
+            </a:r>
+          </a:p>
+        </p:txBody>
+      </p:sp>
+      <p:sp>
+        <p:nvSpPr>
+          <p:cNvPr id="14" name="Rectangle 13">
+            <a:extLst>
+              <a:ext uri="{FF2B5EF4-FFF2-40B4-BE49-F238E27FC236}">
+                <a16:creationId xmlns:a16="http://schemas.microsoft.com/office/drawing/2014/main" id="{409E0A21-8D07-65A6-7FDC-6ED979056DE2}"/>
+              </a:ext>
+            </a:extLst>
+          </p:cNvPr>
+          <p:cNvSpPr/>
+          <p:nvPr/>
+        </p:nvSpPr>
+        <p:spPr>
+          <a:xfrm>
+            <a:off x="5302895" y="5250024"/>
+            <a:ext cx="1212980" cy="531845"/>
+          </a:xfrm>
+          <a:prstGeom prst="rect">
+            <a:avLst/>
+          </a:prstGeom>
+        </p:spPr>
+        <p:style>
+          <a:lnRef idx="2">
+            <a:schemeClr val="accent1">
+              <a:shade val="15000"/>
+            </a:schemeClr>
+          </a:lnRef>
+          <a:fillRef idx="1">
+            <a:schemeClr val="accent1"/>
+          </a:fillRef>
+          <a:effectRef idx="0">
+            <a:schemeClr val="accent1"/>
+          </a:effectRef>
+          <a:fontRef idx="minor">
+            <a:schemeClr val="lt1"/>
+          </a:fontRef>
+        </p:style>
+        <p:txBody>
+          <a:bodyPr rtlCol="0" anchor="ctr"/>
+          <a:lstStyle/>
+          <a:p>
+            <a:pPr algn="ctr"/>
+            <a:r>
+              <a:rPr lang="en-US" dirty="0"/>
+              <a:t>Thread 4</a:t>
+            </a:r>
+          </a:p>
+        </p:txBody>
+      </p:sp>
+      <p:sp>
+        <p:nvSpPr>
+          <p:cNvPr id="15" name="Rectangle 14">
+            <a:extLst>
+              <a:ext uri="{FF2B5EF4-FFF2-40B4-BE49-F238E27FC236}">
+                <a16:creationId xmlns:a16="http://schemas.microsoft.com/office/drawing/2014/main" id="{7A2A7BDB-9A2C-C30A-1AE5-1518E1EAF085}"/>
+              </a:ext>
+            </a:extLst>
+          </p:cNvPr>
+          <p:cNvSpPr/>
+          <p:nvPr/>
+        </p:nvSpPr>
+        <p:spPr>
+          <a:xfrm>
+            <a:off x="7109926" y="6008914"/>
+            <a:ext cx="1212980" cy="531845"/>
+          </a:xfrm>
+          <a:prstGeom prst="rect">
+            <a:avLst/>
+          </a:prstGeom>
+        </p:spPr>
+        <p:style>
+          <a:lnRef idx="2">
+            <a:schemeClr val="accent1">
+              <a:shade val="15000"/>
+            </a:schemeClr>
+          </a:lnRef>
+          <a:fillRef idx="1">
+            <a:schemeClr val="accent1"/>
+          </a:fillRef>
+          <a:effectRef idx="0">
+            <a:schemeClr val="accent1"/>
+          </a:effectRef>
+          <a:fontRef idx="minor">
+            <a:schemeClr val="lt1"/>
+          </a:fontRef>
+        </p:style>
+        <p:txBody>
+          <a:bodyPr rtlCol="0" anchor="ctr"/>
+          <a:lstStyle/>
+          <a:p>
+            <a:pPr algn="ctr"/>
+            <a:r>
+              <a:rPr lang="en-US" dirty="0"/>
+              <a:t>Thread 5</a:t>
+            </a:r>
+          </a:p>
+        </p:txBody>
+      </p:sp>
+      <p:sp>
+        <p:nvSpPr>
+          <p:cNvPr id="16" name="Arrow: Down 15">
+            <a:extLst>
+              <a:ext uri="{FF2B5EF4-FFF2-40B4-BE49-F238E27FC236}">
+                <a16:creationId xmlns:a16="http://schemas.microsoft.com/office/drawing/2014/main" id="{DB717069-F93A-DE63-735B-53D86D1B9431}"/>
+              </a:ext>
+            </a:extLst>
+          </p:cNvPr>
+          <p:cNvSpPr/>
+          <p:nvPr/>
+        </p:nvSpPr>
+        <p:spPr>
+          <a:xfrm>
+            <a:off x="457200" y="2196577"/>
+            <a:ext cx="503853" cy="807880"/>
+          </a:xfrm>
+          <a:prstGeom prst="downArrow">
+            <a:avLst/>
+          </a:prstGeom>
+        </p:spPr>
+        <p:style>
+          <a:lnRef idx="2">
+            <a:schemeClr val="accent1">
+              <a:shade val="15000"/>
+            </a:schemeClr>
+          </a:lnRef>
+          <a:fillRef idx="1">
+            <a:schemeClr val="accent1"/>
+          </a:fillRef>
+          <a:effectRef idx="0">
+            <a:schemeClr val="accent1"/>
+          </a:effectRef>
+          <a:fontRef idx="minor">
+            <a:schemeClr val="lt1"/>
+          </a:fontRef>
+        </p:style>
+        <p:txBody>
+          <a:bodyPr rtlCol="0" anchor="ctr"/>
+          <a:lstStyle/>
+          <a:p>
+            <a:pPr algn="ctr"/>
+            <a:endParaRPr lang="en-US"/>
+          </a:p>
+        </p:txBody>
+      </p:sp>
+      <p:sp>
+        <p:nvSpPr>
+          <p:cNvPr id="17" name="TextBox 16">
+            <a:extLst>
+              <a:ext uri="{FF2B5EF4-FFF2-40B4-BE49-F238E27FC236}">
+                <a16:creationId xmlns:a16="http://schemas.microsoft.com/office/drawing/2014/main" id="{FF82B0DE-523A-59F8-386F-190BA653A57B}"/>
+              </a:ext>
+            </a:extLst>
+          </p:cNvPr>
+          <p:cNvSpPr txBox="1"/>
+          <p:nvPr/>
+        </p:nvSpPr>
+        <p:spPr>
+          <a:xfrm>
+            <a:off x="0" y="1811694"/>
+            <a:ext cx="1698171" cy="369332"/>
+          </a:xfrm>
+          <a:prstGeom prst="rect">
+            <a:avLst/>
+          </a:prstGeom>
+          <a:noFill/>
+        </p:spPr>
+        <p:txBody>
+          <a:bodyPr wrap="square" rtlCol="0">
+            <a:spAutoFit/>
+          </a:bodyPr>
+          <a:lstStyle/>
+          <a:p>
+            <a:pPr algn="ctr"/>
+            <a:r>
+              <a:rPr lang="en-US" b="1" dirty="0"/>
+              <a:t>Input</a:t>
+            </a:r>
+          </a:p>
+        </p:txBody>
+      </p:sp>
+      <p:cxnSp>
+        <p:nvCxnSpPr>
+          <p:cNvPr id="19" name="Connector: Elbow 18">
+            <a:extLst>
+              <a:ext uri="{FF2B5EF4-FFF2-40B4-BE49-F238E27FC236}">
+                <a16:creationId xmlns:a16="http://schemas.microsoft.com/office/drawing/2014/main" id="{4C864A2C-D3B6-EF5D-F07C-2A75FEEF725F}"/>
+              </a:ext>
+            </a:extLst>
+          </p:cNvPr>
+          <p:cNvCxnSpPr>
+            <a:stCxn id="11" idx="3"/>
+            <a:endCxn id="12" idx="0"/>
+          </p:cNvCxnSpPr>
+          <p:nvPr/>
+        </p:nvCxnSpPr>
+        <p:spPr>
+          <a:xfrm>
+            <a:off x="1586204" y="3270380"/>
+            <a:ext cx="811761" cy="576942"/>
+          </a:xfrm>
+          <a:prstGeom prst="bentConnector2">
+            <a:avLst/>
+          </a:prstGeom>
+          <a:ln>
+            <a:tailEnd type="triangle"/>
+          </a:ln>
+        </p:spPr>
+        <p:style>
+          <a:lnRef idx="1">
+            <a:schemeClr val="accent1"/>
+          </a:lnRef>
+          <a:fillRef idx="0">
+            <a:schemeClr val="accent1"/>
+          </a:fillRef>
+          <a:effectRef idx="0">
+            <a:schemeClr val="accent1"/>
+          </a:effectRef>
+          <a:fontRef idx="minor">
+            <a:schemeClr val="tx1"/>
+          </a:fontRef>
+        </p:style>
+      </p:cxnSp>
+      <p:cxnSp>
+        <p:nvCxnSpPr>
+          <p:cNvPr id="21" name="Connector: Elbow 20">
+            <a:extLst>
+              <a:ext uri="{FF2B5EF4-FFF2-40B4-BE49-F238E27FC236}">
+                <a16:creationId xmlns:a16="http://schemas.microsoft.com/office/drawing/2014/main" id="{73F87928-670A-01BF-7073-1CF0B7373C7D}"/>
+              </a:ext>
+            </a:extLst>
+          </p:cNvPr>
+          <p:cNvCxnSpPr>
+            <a:stCxn id="12" idx="3"/>
+            <a:endCxn id="13" idx="0"/>
+          </p:cNvCxnSpPr>
+          <p:nvPr/>
+        </p:nvCxnSpPr>
+        <p:spPr>
+          <a:xfrm>
+            <a:off x="3004455" y="4113245"/>
+            <a:ext cx="1094793" cy="475862"/>
+          </a:xfrm>
+          <a:prstGeom prst="bentConnector2">
+            <a:avLst/>
+          </a:prstGeom>
+          <a:ln>
+            <a:tailEnd type="triangle"/>
+          </a:ln>
+        </p:spPr>
+        <p:style>
+          <a:lnRef idx="1">
+            <a:schemeClr val="accent1"/>
+          </a:lnRef>
+          <a:fillRef idx="0">
+            <a:schemeClr val="accent1"/>
+          </a:fillRef>
+          <a:effectRef idx="0">
+            <a:schemeClr val="accent1"/>
+          </a:effectRef>
+          <a:fontRef idx="minor">
+            <a:schemeClr val="tx1"/>
+          </a:fontRef>
+        </p:style>
+      </p:cxnSp>
+      <p:cxnSp>
+        <p:nvCxnSpPr>
+          <p:cNvPr id="23" name="Connector: Elbow 22">
+            <a:extLst>
+              <a:ext uri="{FF2B5EF4-FFF2-40B4-BE49-F238E27FC236}">
+                <a16:creationId xmlns:a16="http://schemas.microsoft.com/office/drawing/2014/main" id="{23817C78-CEC9-7C79-5FD6-D77628080145}"/>
+              </a:ext>
+            </a:extLst>
+          </p:cNvPr>
+          <p:cNvCxnSpPr>
+            <a:stCxn id="13" idx="3"/>
+            <a:endCxn id="14" idx="0"/>
+          </p:cNvCxnSpPr>
+          <p:nvPr/>
+        </p:nvCxnSpPr>
+        <p:spPr>
+          <a:xfrm>
+            <a:off x="4650602" y="4855030"/>
+            <a:ext cx="1258783" cy="394994"/>
+          </a:xfrm>
+          <a:prstGeom prst="bentConnector2">
+            <a:avLst/>
+          </a:prstGeom>
+          <a:ln>
+            <a:tailEnd type="triangle"/>
+          </a:ln>
+        </p:spPr>
+        <p:style>
+          <a:lnRef idx="1">
+            <a:schemeClr val="accent1"/>
+          </a:lnRef>
+          <a:fillRef idx="0">
+            <a:schemeClr val="accent1"/>
+          </a:fillRef>
+          <a:effectRef idx="0">
+            <a:schemeClr val="accent1"/>
+          </a:effectRef>
+          <a:fontRef idx="minor">
+            <a:schemeClr val="tx1"/>
+          </a:fontRef>
+        </p:style>
+      </p:cxnSp>
+      <p:cxnSp>
+        <p:nvCxnSpPr>
+          <p:cNvPr id="25" name="Connector: Elbow 24">
+            <a:extLst>
+              <a:ext uri="{FF2B5EF4-FFF2-40B4-BE49-F238E27FC236}">
+                <a16:creationId xmlns:a16="http://schemas.microsoft.com/office/drawing/2014/main" id="{588751A7-C6F1-BF56-EB6C-735B266D8EEE}"/>
+              </a:ext>
+            </a:extLst>
+          </p:cNvPr>
+          <p:cNvCxnSpPr>
+            <a:stCxn id="14" idx="3"/>
+            <a:endCxn id="15" idx="0"/>
+          </p:cNvCxnSpPr>
+          <p:nvPr/>
+        </p:nvCxnSpPr>
+        <p:spPr>
+          <a:xfrm>
+            <a:off x="6515875" y="5515947"/>
+            <a:ext cx="1200541" cy="492967"/>
+          </a:xfrm>
+          <a:prstGeom prst="bentConnector2">
+            <a:avLst/>
+          </a:prstGeom>
+          <a:ln>
+            <a:tailEnd type="triangle"/>
+          </a:ln>
+        </p:spPr>
+        <p:style>
+          <a:lnRef idx="1">
+            <a:schemeClr val="accent1"/>
+          </a:lnRef>
+          <a:fillRef idx="0">
+            <a:schemeClr val="accent1"/>
+          </a:fillRef>
+          <a:effectRef idx="0">
+            <a:schemeClr val="accent1"/>
+          </a:effectRef>
+          <a:fontRef idx="minor">
+            <a:schemeClr val="tx1"/>
+          </a:fontRef>
+        </p:style>
+      </p:cxnSp>
+      <p:sp>
+        <p:nvSpPr>
+          <p:cNvPr id="26" name="Arrow: Right 25">
+            <a:extLst>
+              <a:ext uri="{FF2B5EF4-FFF2-40B4-BE49-F238E27FC236}">
+                <a16:creationId xmlns:a16="http://schemas.microsoft.com/office/drawing/2014/main" id="{1143A092-8F06-04D0-4FB4-D1336994DF77}"/>
+              </a:ext>
+            </a:extLst>
+          </p:cNvPr>
+          <p:cNvSpPr/>
+          <p:nvPr/>
+        </p:nvSpPr>
+        <p:spPr>
+          <a:xfrm>
+            <a:off x="8322905" y="6161696"/>
+            <a:ext cx="839755" cy="303248"/>
+          </a:xfrm>
+          <a:prstGeom prst="rightArrow">
+            <a:avLst/>
+          </a:prstGeom>
+        </p:spPr>
+        <p:style>
+          <a:lnRef idx="2">
+            <a:schemeClr val="accent1">
+              <a:shade val="15000"/>
+            </a:schemeClr>
+          </a:lnRef>
+          <a:fillRef idx="1">
+            <a:schemeClr val="accent1"/>
+          </a:fillRef>
+          <a:effectRef idx="0">
+            <a:schemeClr val="accent1"/>
+          </a:effectRef>
+          <a:fontRef idx="minor">
+            <a:schemeClr val="lt1"/>
+          </a:fontRef>
+        </p:style>
+        <p:txBody>
+          <a:bodyPr rtlCol="0" anchor="ctr"/>
+          <a:lstStyle/>
+          <a:p>
+            <a:pPr algn="ctr"/>
+            <a:endParaRPr lang="en-US"/>
+          </a:p>
+        </p:txBody>
+      </p:sp>
+      <p:sp>
+        <p:nvSpPr>
+          <p:cNvPr id="27" name="TextBox 26">
+            <a:extLst>
+              <a:ext uri="{FF2B5EF4-FFF2-40B4-BE49-F238E27FC236}">
+                <a16:creationId xmlns:a16="http://schemas.microsoft.com/office/drawing/2014/main" id="{D2167B89-6D47-ED4F-19A3-E484E23AB3BA}"/>
+              </a:ext>
+            </a:extLst>
+          </p:cNvPr>
+          <p:cNvSpPr txBox="1"/>
+          <p:nvPr/>
+        </p:nvSpPr>
+        <p:spPr>
+          <a:xfrm>
+            <a:off x="9162660" y="6132935"/>
+            <a:ext cx="1371600" cy="369332"/>
+          </a:xfrm>
+          <a:prstGeom prst="rect">
+            <a:avLst/>
+          </a:prstGeom>
+          <a:noFill/>
+        </p:spPr>
+        <p:txBody>
+          <a:bodyPr wrap="square" rtlCol="0">
+            <a:spAutoFit/>
+          </a:bodyPr>
+          <a:lstStyle/>
+          <a:p>
+            <a:r>
+              <a:rPr lang="en-US" dirty="0"/>
+              <a:t>Final Output</a:t>
+            </a:r>
+          </a:p>
+        </p:txBody>
+      </p:sp>
+      <p:sp>
+        <p:nvSpPr>
+          <p:cNvPr id="28" name="TextBox 27">
+            <a:extLst>
+              <a:ext uri="{FF2B5EF4-FFF2-40B4-BE49-F238E27FC236}">
+                <a16:creationId xmlns:a16="http://schemas.microsoft.com/office/drawing/2014/main" id="{E37727E5-84A3-4020-9171-667EF428F98A}"/>
+              </a:ext>
+            </a:extLst>
+          </p:cNvPr>
+          <p:cNvSpPr txBox="1"/>
+          <p:nvPr/>
+        </p:nvSpPr>
+        <p:spPr>
+          <a:xfrm>
+            <a:off x="1992084" y="2845836"/>
+            <a:ext cx="2174035" cy="646331"/>
+          </a:xfrm>
+          <a:prstGeom prst="rect">
+            <a:avLst/>
+          </a:prstGeom>
+          <a:noFill/>
+        </p:spPr>
+        <p:txBody>
+          <a:bodyPr wrap="square" rtlCol="0">
+            <a:spAutoFit/>
+          </a:bodyPr>
+          <a:lstStyle/>
+          <a:p>
+            <a:pPr algn="ctr"/>
+            <a:r>
+              <a:rPr lang="en-US" b="1" dirty="0"/>
+              <a:t>Output of T1 is an input to T2</a:t>
+            </a:r>
+          </a:p>
+        </p:txBody>
+      </p:sp>
+      <p:sp>
+        <p:nvSpPr>
+          <p:cNvPr id="29" name="TextBox 28">
+            <a:extLst>
+              <a:ext uri="{FF2B5EF4-FFF2-40B4-BE49-F238E27FC236}">
+                <a16:creationId xmlns:a16="http://schemas.microsoft.com/office/drawing/2014/main" id="{4BD35DFB-320A-A9A1-9428-238857CFFCFB}"/>
+              </a:ext>
+            </a:extLst>
+          </p:cNvPr>
+          <p:cNvSpPr txBox="1"/>
+          <p:nvPr/>
+        </p:nvSpPr>
+        <p:spPr>
+          <a:xfrm>
+            <a:off x="3735350" y="3751499"/>
+            <a:ext cx="2174035" cy="646331"/>
+          </a:xfrm>
+          <a:prstGeom prst="rect">
+            <a:avLst/>
+          </a:prstGeom>
+          <a:noFill/>
+        </p:spPr>
+        <p:txBody>
+          <a:bodyPr wrap="square" rtlCol="0">
+            <a:spAutoFit/>
+          </a:bodyPr>
+          <a:lstStyle/>
+          <a:p>
+            <a:pPr algn="ctr"/>
+            <a:r>
+              <a:rPr lang="en-US" b="1" dirty="0"/>
+              <a:t>Output of T2 is an input to T3</a:t>
+            </a:r>
+          </a:p>
+        </p:txBody>
+      </p:sp>
+      <p:sp>
+        <p:nvSpPr>
+          <p:cNvPr id="30" name="TextBox 29">
+            <a:extLst>
+              <a:ext uri="{FF2B5EF4-FFF2-40B4-BE49-F238E27FC236}">
+                <a16:creationId xmlns:a16="http://schemas.microsoft.com/office/drawing/2014/main" id="{5DBBE1C4-C666-9FAD-50AB-ED818F7715A0}"/>
+              </a:ext>
+            </a:extLst>
+          </p:cNvPr>
+          <p:cNvSpPr txBox="1"/>
+          <p:nvPr/>
+        </p:nvSpPr>
+        <p:spPr>
+          <a:xfrm>
+            <a:off x="5753311" y="4413489"/>
+            <a:ext cx="2174035" cy="646331"/>
+          </a:xfrm>
+          <a:prstGeom prst="rect">
+            <a:avLst/>
+          </a:prstGeom>
+          <a:noFill/>
+        </p:spPr>
+        <p:txBody>
+          <a:bodyPr wrap="square" rtlCol="0">
+            <a:spAutoFit/>
+          </a:bodyPr>
+          <a:lstStyle/>
+          <a:p>
+            <a:pPr algn="ctr"/>
+            <a:r>
+              <a:rPr lang="en-US" b="1" dirty="0"/>
+              <a:t>Output of T3 is an input to T4</a:t>
+            </a:r>
+          </a:p>
+        </p:txBody>
+      </p:sp>
+      <p:sp>
+        <p:nvSpPr>
+          <p:cNvPr id="31" name="TextBox 30">
+            <a:extLst>
+              <a:ext uri="{FF2B5EF4-FFF2-40B4-BE49-F238E27FC236}">
+                <a16:creationId xmlns:a16="http://schemas.microsoft.com/office/drawing/2014/main" id="{B1FE8FEC-123A-4811-5D08-86DBA71376BB}"/>
+              </a:ext>
+            </a:extLst>
+          </p:cNvPr>
+          <p:cNvSpPr txBox="1"/>
+          <p:nvPr/>
+        </p:nvSpPr>
+        <p:spPr>
+          <a:xfrm>
+            <a:off x="7655764" y="5362583"/>
+            <a:ext cx="2174035" cy="646331"/>
+          </a:xfrm>
+          <a:prstGeom prst="rect">
+            <a:avLst/>
+          </a:prstGeom>
+          <a:noFill/>
+        </p:spPr>
+        <p:txBody>
+          <a:bodyPr wrap="square" rtlCol="0">
+            <a:spAutoFit/>
+          </a:bodyPr>
+          <a:lstStyle/>
+          <a:p>
+            <a:pPr algn="ctr"/>
+            <a:r>
+              <a:rPr lang="en-US" b="1" dirty="0"/>
+              <a:t>Output of T4 is an input to T5</a:t>
+            </a:r>
+          </a:p>
+        </p:txBody>
+      </p:sp>
+    </p:spTree>
+    <p:extLst>
+      <p:ext uri="{BB962C8B-B14F-4D97-AF65-F5344CB8AC3E}">
+        <p14:creationId xmlns:p14="http://schemas.microsoft.com/office/powerpoint/2010/main" val="4054007306"/>
+      </p:ext>
+    </p:extLst>
+  </p:cSld>
+  <p:clrMapOvr>
+    <a:masterClrMapping/>
+  </p:clrMapOvr>
+</p:sld>
+</file>
+
 <file path=ppt/slides/slide3.xml><?xml version="1.0" encoding="utf-8"?>
 <p:sld xmlns:a="http://schemas.openxmlformats.org/drawingml/2006/main" xmlns:r="http://schemas.openxmlformats.org/officeDocument/2006/relationships" xmlns:p="http://schemas.openxmlformats.org/presentationml/2006/main">
   <p:cSld>

--- a/Images.pptx
+++ b/Images.pptx
@@ -34,6 +34,9 @@
     <p:sldId id="283" r:id="rId28"/>
     <p:sldId id="284" r:id="rId29"/>
     <p:sldId id="285" r:id="rId30"/>
+    <p:sldId id="287" r:id="rId31"/>
+    <p:sldId id="288" r:id="rId32"/>
+    <p:sldId id="286" r:id="rId33"/>
   </p:sldIdLst>
   <p:sldSz cx="12192000" cy="6858000"/>
   <p:notesSz cx="6858000" cy="9144000"/>
@@ -287,7 +290,7 @@
           <a:p>
             <a:fld id="{AA664FF4-21B7-42BA-B2A9-563C2A71FA7D}" type="datetimeFigureOut">
               <a:rPr lang="en-US" smtClean="0"/>
-              <a:t>10/3/2023</a:t>
+              <a:t>10/4/2023</a:t>
             </a:fld>
             <a:endParaRPr lang="en-US"/>
           </a:p>
@@ -485,7 +488,7 @@
           <a:p>
             <a:fld id="{AA664FF4-21B7-42BA-B2A9-563C2A71FA7D}" type="datetimeFigureOut">
               <a:rPr lang="en-US" smtClean="0"/>
-              <a:t>10/3/2023</a:t>
+              <a:t>10/4/2023</a:t>
             </a:fld>
             <a:endParaRPr lang="en-US"/>
           </a:p>
@@ -693,7 +696,7 @@
           <a:p>
             <a:fld id="{AA664FF4-21B7-42BA-B2A9-563C2A71FA7D}" type="datetimeFigureOut">
               <a:rPr lang="en-US" smtClean="0"/>
-              <a:t>10/3/2023</a:t>
+              <a:t>10/4/2023</a:t>
             </a:fld>
             <a:endParaRPr lang="en-US"/>
           </a:p>
@@ -891,7 +894,7 @@
           <a:p>
             <a:fld id="{AA664FF4-21B7-42BA-B2A9-563C2A71FA7D}" type="datetimeFigureOut">
               <a:rPr lang="en-US" smtClean="0"/>
-              <a:t>10/3/2023</a:t>
+              <a:t>10/4/2023</a:t>
             </a:fld>
             <a:endParaRPr lang="en-US"/>
           </a:p>
@@ -1166,7 +1169,7 @@
           <a:p>
             <a:fld id="{AA664FF4-21B7-42BA-B2A9-563C2A71FA7D}" type="datetimeFigureOut">
               <a:rPr lang="en-US" smtClean="0"/>
-              <a:t>10/3/2023</a:t>
+              <a:t>10/4/2023</a:t>
             </a:fld>
             <a:endParaRPr lang="en-US"/>
           </a:p>
@@ -1431,7 +1434,7 @@
           <a:p>
             <a:fld id="{AA664FF4-21B7-42BA-B2A9-563C2A71FA7D}" type="datetimeFigureOut">
               <a:rPr lang="en-US" smtClean="0"/>
-              <a:t>10/3/2023</a:t>
+              <a:t>10/4/2023</a:t>
             </a:fld>
             <a:endParaRPr lang="en-US"/>
           </a:p>
@@ -1843,7 +1846,7 @@
           <a:p>
             <a:fld id="{AA664FF4-21B7-42BA-B2A9-563C2A71FA7D}" type="datetimeFigureOut">
               <a:rPr lang="en-US" smtClean="0"/>
-              <a:t>10/3/2023</a:t>
+              <a:t>10/4/2023</a:t>
             </a:fld>
             <a:endParaRPr lang="en-US"/>
           </a:p>
@@ -1984,7 +1987,7 @@
           <a:p>
             <a:fld id="{AA664FF4-21B7-42BA-B2A9-563C2A71FA7D}" type="datetimeFigureOut">
               <a:rPr lang="en-US" smtClean="0"/>
-              <a:t>10/3/2023</a:t>
+              <a:t>10/4/2023</a:t>
             </a:fld>
             <a:endParaRPr lang="en-US"/>
           </a:p>
@@ -2097,7 +2100,7 @@
           <a:p>
             <a:fld id="{AA664FF4-21B7-42BA-B2A9-563C2A71FA7D}" type="datetimeFigureOut">
               <a:rPr lang="en-US" smtClean="0"/>
-              <a:t>10/3/2023</a:t>
+              <a:t>10/4/2023</a:t>
             </a:fld>
             <a:endParaRPr lang="en-US"/>
           </a:p>
@@ -2408,7 +2411,7 @@
           <a:p>
             <a:fld id="{AA664FF4-21B7-42BA-B2A9-563C2A71FA7D}" type="datetimeFigureOut">
               <a:rPr lang="en-US" smtClean="0"/>
-              <a:t>10/3/2023</a:t>
+              <a:t>10/4/2023</a:t>
             </a:fld>
             <a:endParaRPr lang="en-US"/>
           </a:p>
@@ -2696,7 +2699,7 @@
           <a:p>
             <a:fld id="{AA664FF4-21B7-42BA-B2A9-563C2A71FA7D}" type="datetimeFigureOut">
               <a:rPr lang="en-US" smtClean="0"/>
-              <a:t>10/3/2023</a:t>
+              <a:t>10/4/2023</a:t>
             </a:fld>
             <a:endParaRPr lang="en-US"/>
           </a:p>
@@ -2937,7 +2940,7 @@
           <a:p>
             <a:fld id="{AA664FF4-21B7-42BA-B2A9-563C2A71FA7D}" type="datetimeFigureOut">
               <a:rPr lang="en-US" smtClean="0"/>
-              <a:t>10/3/2023</a:t>
+              <a:t>10/4/2023</a:t>
             </a:fld>
             <a:endParaRPr lang="en-US"/>
           </a:p>
@@ -19934,6 +19937,2210 @@
 </p:sld>
 </file>
 
+<file path=ppt/slides/slide30.xml><?xml version="1.0" encoding="utf-8"?>
+<p:sld xmlns:a="http://schemas.openxmlformats.org/drawingml/2006/main" xmlns:r="http://schemas.openxmlformats.org/officeDocument/2006/relationships" xmlns:p="http://schemas.openxmlformats.org/presentationml/2006/main">
+  <p:cSld>
+    <p:spTree>
+      <p:nvGrpSpPr>
+        <p:cNvPr id="1" name=""/>
+        <p:cNvGrpSpPr/>
+        <p:nvPr/>
+      </p:nvGrpSpPr>
+      <p:grpSpPr>
+        <a:xfrm>
+          <a:off x="0" y="0"/>
+          <a:ext cx="0" cy="0"/>
+          <a:chOff x="0" y="0"/>
+          <a:chExt cx="0" cy="0"/>
+        </a:xfrm>
+      </p:grpSpPr>
+      <p:sp>
+        <p:nvSpPr>
+          <p:cNvPr id="2" name="Cylinder 1">
+            <a:extLst>
+              <a:ext uri="{FF2B5EF4-FFF2-40B4-BE49-F238E27FC236}">
+                <a16:creationId xmlns:a16="http://schemas.microsoft.com/office/drawing/2014/main" id="{6862B598-3247-AFD9-4B7B-B60645BCA0CE}"/>
+              </a:ext>
+            </a:extLst>
+          </p:cNvPr>
+          <p:cNvSpPr/>
+          <p:nvPr/>
+        </p:nvSpPr>
+        <p:spPr>
+          <a:xfrm>
+            <a:off x="9423919" y="2453952"/>
+            <a:ext cx="2444620" cy="1539551"/>
+          </a:xfrm>
+          <a:prstGeom prst="can">
+            <a:avLst/>
+          </a:prstGeom>
+        </p:spPr>
+        <p:style>
+          <a:lnRef idx="2">
+            <a:schemeClr val="accent1">
+              <a:shade val="15000"/>
+            </a:schemeClr>
+          </a:lnRef>
+          <a:fillRef idx="1">
+            <a:schemeClr val="accent1"/>
+          </a:fillRef>
+          <a:effectRef idx="0">
+            <a:schemeClr val="accent1"/>
+          </a:effectRef>
+          <a:fontRef idx="minor">
+            <a:schemeClr val="lt1"/>
+          </a:fontRef>
+        </p:style>
+        <p:txBody>
+          <a:bodyPr rtlCol="0" anchor="ctr"/>
+          <a:lstStyle/>
+          <a:p>
+            <a:pPr algn="ctr"/>
+            <a:r>
+              <a:rPr lang="en-US" dirty="0"/>
+              <a:t>Relational DB</a:t>
+            </a:r>
+          </a:p>
+          <a:p>
+            <a:pPr algn="ctr"/>
+            <a:endParaRPr lang="en-US" dirty="0"/>
+          </a:p>
+        </p:txBody>
+      </p:sp>
+      <p:graphicFrame>
+        <p:nvGraphicFramePr>
+          <p:cNvPr id="3" name="Table 3">
+            <a:extLst>
+              <a:ext uri="{FF2B5EF4-FFF2-40B4-BE49-F238E27FC236}">
+                <a16:creationId xmlns:a16="http://schemas.microsoft.com/office/drawing/2014/main" id="{FF592C45-DD8E-7E4A-1460-58C5CAF1610E}"/>
+              </a:ext>
+            </a:extLst>
+          </p:cNvPr>
+          <p:cNvGraphicFramePr>
+            <a:graphicFrameLocks noGrp="1"/>
+          </p:cNvGraphicFramePr>
+          <p:nvPr>
+            <p:extLst>
+              <p:ext uri="{D42A27DB-BD31-4B8C-83A1-F6EECF244321}">
+                <p14:modId xmlns:p14="http://schemas.microsoft.com/office/powerpoint/2010/main" val="1601945706"/>
+              </p:ext>
+            </p:extLst>
+          </p:nvPr>
+        </p:nvGraphicFramePr>
+        <p:xfrm>
+          <a:off x="9319207" y="4461241"/>
+          <a:ext cx="2549332" cy="741680"/>
+        </p:xfrm>
+        <a:graphic>
+          <a:graphicData uri="http://schemas.openxmlformats.org/drawingml/2006/table">
+            <a:tbl>
+              <a:tblPr firstRow="1" bandRow="1">
+                <a:tableStyleId>{5C22544A-7EE6-4342-B048-85BDC9FD1C3A}</a:tableStyleId>
+              </a:tblPr>
+              <a:tblGrid>
+                <a:gridCol w="637333">
+                  <a:extLst>
+                    <a:ext uri="{9D8B030D-6E8A-4147-A177-3AD203B41FA5}">
+                      <a16:colId xmlns:a16="http://schemas.microsoft.com/office/drawing/2014/main" val="3502146826"/>
+                    </a:ext>
+                  </a:extLst>
+                </a:gridCol>
+                <a:gridCol w="637333">
+                  <a:extLst>
+                    <a:ext uri="{9D8B030D-6E8A-4147-A177-3AD203B41FA5}">
+                      <a16:colId xmlns:a16="http://schemas.microsoft.com/office/drawing/2014/main" val="3593269567"/>
+                    </a:ext>
+                  </a:extLst>
+                </a:gridCol>
+                <a:gridCol w="637333">
+                  <a:extLst>
+                    <a:ext uri="{9D8B030D-6E8A-4147-A177-3AD203B41FA5}">
+                      <a16:colId xmlns:a16="http://schemas.microsoft.com/office/drawing/2014/main" val="3390454608"/>
+                    </a:ext>
+                  </a:extLst>
+                </a:gridCol>
+                <a:gridCol w="637333">
+                  <a:extLst>
+                    <a:ext uri="{9D8B030D-6E8A-4147-A177-3AD203B41FA5}">
+                      <a16:colId xmlns:a16="http://schemas.microsoft.com/office/drawing/2014/main" val="3098833788"/>
+                    </a:ext>
+                  </a:extLst>
+                </a:gridCol>
+              </a:tblGrid>
+              <a:tr h="370840">
+                <a:tc>
+                  <a:txBody>
+                    <a:bodyPr/>
+                    <a:lstStyle/>
+                    <a:p>
+                      <a:r>
+                        <a:rPr lang="en-US" dirty="0"/>
+                        <a:t>Eno</a:t>
+                      </a:r>
+                    </a:p>
+                  </a:txBody>
+                  <a:tcPr/>
+                </a:tc>
+                <a:tc>
+                  <a:txBody>
+                    <a:bodyPr/>
+                    <a:lstStyle/>
+                    <a:p>
+                      <a:r>
+                        <a:rPr lang="en-US" dirty="0"/>
+                        <a:t>Ena</a:t>
+                      </a:r>
+                    </a:p>
+                  </a:txBody>
+                  <a:tcPr/>
+                </a:tc>
+                <a:tc>
+                  <a:txBody>
+                    <a:bodyPr/>
+                    <a:lstStyle/>
+                    <a:p>
+                      <a:r>
+                        <a:rPr lang="en-US" dirty="0" err="1"/>
+                        <a:t>Dn</a:t>
+                      </a:r>
+                      <a:endParaRPr lang="en-US" dirty="0"/>
+                    </a:p>
+                  </a:txBody>
+                  <a:tcPr/>
+                </a:tc>
+                <a:tc>
+                  <a:txBody>
+                    <a:bodyPr/>
+                    <a:lstStyle/>
+                    <a:p>
+                      <a:r>
+                        <a:rPr lang="en-US" dirty="0"/>
+                        <a:t>Sal</a:t>
+                      </a:r>
+                    </a:p>
+                  </a:txBody>
+                  <a:tcPr/>
+                </a:tc>
+                <a:extLst>
+                  <a:ext uri="{0D108BD9-81ED-4DB2-BD59-A6C34878D82A}">
+                    <a16:rowId xmlns:a16="http://schemas.microsoft.com/office/drawing/2014/main" val="1051430684"/>
+                  </a:ext>
+                </a:extLst>
+              </a:tr>
+              <a:tr h="370840">
+                <a:tc>
+                  <a:txBody>
+                    <a:bodyPr/>
+                    <a:lstStyle/>
+                    <a:p>
+                      <a:endParaRPr lang="en-US"/>
+                    </a:p>
+                  </a:txBody>
+                  <a:tcPr/>
+                </a:tc>
+                <a:tc>
+                  <a:txBody>
+                    <a:bodyPr/>
+                    <a:lstStyle/>
+                    <a:p>
+                      <a:endParaRPr lang="en-US"/>
+                    </a:p>
+                  </a:txBody>
+                  <a:tcPr/>
+                </a:tc>
+                <a:tc>
+                  <a:txBody>
+                    <a:bodyPr/>
+                    <a:lstStyle/>
+                    <a:p>
+                      <a:endParaRPr lang="en-US"/>
+                    </a:p>
+                  </a:txBody>
+                  <a:tcPr/>
+                </a:tc>
+                <a:tc>
+                  <a:txBody>
+                    <a:bodyPr/>
+                    <a:lstStyle/>
+                    <a:p>
+                      <a:endParaRPr lang="en-US" dirty="0"/>
+                    </a:p>
+                  </a:txBody>
+                  <a:tcPr/>
+                </a:tc>
+                <a:extLst>
+                  <a:ext uri="{0D108BD9-81ED-4DB2-BD59-A6C34878D82A}">
+                    <a16:rowId xmlns:a16="http://schemas.microsoft.com/office/drawing/2014/main" val="1896895331"/>
+                  </a:ext>
+                </a:extLst>
+              </a:tr>
+            </a:tbl>
+          </a:graphicData>
+        </a:graphic>
+      </p:graphicFrame>
+      <p:cxnSp>
+        <p:nvCxnSpPr>
+          <p:cNvPr id="5" name="Connector: Elbow 4">
+            <a:extLst>
+              <a:ext uri="{FF2B5EF4-FFF2-40B4-BE49-F238E27FC236}">
+                <a16:creationId xmlns:a16="http://schemas.microsoft.com/office/drawing/2014/main" id="{8B938343-9697-3BBA-D1C5-9E6F520EC556}"/>
+              </a:ext>
+            </a:extLst>
+          </p:cNvPr>
+          <p:cNvCxnSpPr>
+            <a:endCxn id="2" idx="3"/>
+          </p:cNvCxnSpPr>
+          <p:nvPr/>
+        </p:nvCxnSpPr>
+        <p:spPr>
+          <a:xfrm rot="5400000" flipH="1" flipV="1">
+            <a:off x="10408299" y="4231433"/>
+            <a:ext cx="475860" cy="12700"/>
+          </a:xfrm>
+          <a:prstGeom prst="bentConnector3">
+            <a:avLst/>
+          </a:prstGeom>
+          <a:ln>
+            <a:headEnd type="triangle"/>
+            <a:tailEnd type="triangle"/>
+          </a:ln>
+        </p:spPr>
+        <p:style>
+          <a:lnRef idx="1">
+            <a:schemeClr val="accent1"/>
+          </a:lnRef>
+          <a:fillRef idx="0">
+            <a:schemeClr val="accent1"/>
+          </a:fillRef>
+          <a:effectRef idx="0">
+            <a:schemeClr val="accent1"/>
+          </a:effectRef>
+          <a:fontRef idx="minor">
+            <a:schemeClr val="tx1"/>
+          </a:fontRef>
+        </p:style>
+      </p:cxnSp>
+      <p:sp>
+        <p:nvSpPr>
+          <p:cNvPr id="6" name="Rectangle 5">
+            <a:extLst>
+              <a:ext uri="{FF2B5EF4-FFF2-40B4-BE49-F238E27FC236}">
+                <a16:creationId xmlns:a16="http://schemas.microsoft.com/office/drawing/2014/main" id="{2A1D49AE-064C-E49E-C9FF-6108E06EA8F1}"/>
+              </a:ext>
+            </a:extLst>
+          </p:cNvPr>
+          <p:cNvSpPr/>
+          <p:nvPr/>
+        </p:nvSpPr>
+        <p:spPr>
+          <a:xfrm>
+            <a:off x="1436915" y="1595534"/>
+            <a:ext cx="3844212" cy="2640564"/>
+          </a:xfrm>
+          <a:prstGeom prst="rect">
+            <a:avLst/>
+          </a:prstGeom>
+          <a:solidFill>
+            <a:srgbClr val="FFFF00"/>
+          </a:solidFill>
+        </p:spPr>
+        <p:style>
+          <a:lnRef idx="2">
+            <a:schemeClr val="accent1">
+              <a:shade val="15000"/>
+            </a:schemeClr>
+          </a:lnRef>
+          <a:fillRef idx="1">
+            <a:schemeClr val="accent1"/>
+          </a:fillRef>
+          <a:effectRef idx="0">
+            <a:schemeClr val="accent1"/>
+          </a:effectRef>
+          <a:fontRef idx="minor">
+            <a:schemeClr val="lt1"/>
+          </a:fontRef>
+        </p:style>
+        <p:txBody>
+          <a:bodyPr rtlCol="0" anchor="ctr"/>
+          <a:lstStyle/>
+          <a:p>
+            <a:pPr algn="ctr"/>
+            <a:endParaRPr lang="en-US"/>
+          </a:p>
+        </p:txBody>
+      </p:sp>
+      <p:sp>
+        <p:nvSpPr>
+          <p:cNvPr id="7" name="TextBox 6">
+            <a:extLst>
+              <a:ext uri="{FF2B5EF4-FFF2-40B4-BE49-F238E27FC236}">
+                <a16:creationId xmlns:a16="http://schemas.microsoft.com/office/drawing/2014/main" id="{A386E080-8894-EFF3-DB4D-76C64F8B5E95}"/>
+              </a:ext>
+            </a:extLst>
+          </p:cNvPr>
+          <p:cNvSpPr txBox="1"/>
+          <p:nvPr/>
+        </p:nvSpPr>
+        <p:spPr>
+          <a:xfrm>
+            <a:off x="1539421" y="1875453"/>
+            <a:ext cx="1881544" cy="2031325"/>
+          </a:xfrm>
+          <a:prstGeom prst="rect">
+            <a:avLst/>
+          </a:prstGeom>
+          <a:noFill/>
+        </p:spPr>
+        <p:txBody>
+          <a:bodyPr wrap="square" rtlCol="0">
+            <a:spAutoFit/>
+          </a:bodyPr>
+          <a:lstStyle/>
+          <a:p>
+            <a:r>
+              <a:rPr lang="en-US" dirty="0"/>
+              <a:t>Class Emp</a:t>
+            </a:r>
+          </a:p>
+          <a:p>
+            <a:r>
+              <a:rPr lang="en-US" dirty="0"/>
+              <a:t>{</a:t>
+            </a:r>
+          </a:p>
+          <a:p>
+            <a:r>
+              <a:rPr lang="en-US" dirty="0"/>
+              <a:t>  Eno,</a:t>
+            </a:r>
+          </a:p>
+          <a:p>
+            <a:r>
+              <a:rPr lang="en-US" dirty="0"/>
+              <a:t>  Ena,</a:t>
+            </a:r>
+          </a:p>
+          <a:p>
+            <a:r>
+              <a:rPr lang="en-US" dirty="0"/>
+              <a:t>  </a:t>
+            </a:r>
+            <a:r>
+              <a:rPr lang="en-US" dirty="0" err="1"/>
+              <a:t>Dn</a:t>
+            </a:r>
+            <a:r>
+              <a:rPr lang="en-US" dirty="0"/>
+              <a:t>,</a:t>
+            </a:r>
+          </a:p>
+          <a:p>
+            <a:r>
+              <a:rPr lang="en-US" dirty="0"/>
+              <a:t>  Sal,</a:t>
+            </a:r>
+          </a:p>
+          <a:p>
+            <a:r>
+              <a:rPr lang="en-US" dirty="0"/>
+              <a:t>}</a:t>
+            </a:r>
+          </a:p>
+        </p:txBody>
+      </p:sp>
+      <p:sp>
+        <p:nvSpPr>
+          <p:cNvPr id="8" name="TextBox 7">
+            <a:extLst>
+              <a:ext uri="{FF2B5EF4-FFF2-40B4-BE49-F238E27FC236}">
+                <a16:creationId xmlns:a16="http://schemas.microsoft.com/office/drawing/2014/main" id="{F66B566D-D55D-3C47-0A16-CAC5672DFDA6}"/>
+              </a:ext>
+            </a:extLst>
+          </p:cNvPr>
+          <p:cNvSpPr txBox="1"/>
+          <p:nvPr/>
+        </p:nvSpPr>
+        <p:spPr>
+          <a:xfrm>
+            <a:off x="1539421" y="886408"/>
+            <a:ext cx="3555093" cy="379806"/>
+          </a:xfrm>
+          <a:prstGeom prst="rect">
+            <a:avLst/>
+          </a:prstGeom>
+          <a:noFill/>
+        </p:spPr>
+        <p:txBody>
+          <a:bodyPr wrap="square" rtlCol="0">
+            <a:spAutoFit/>
+          </a:bodyPr>
+          <a:lstStyle/>
+          <a:p>
+            <a:pPr algn="ctr"/>
+            <a:r>
+              <a:rPr lang="en-US" dirty="0"/>
+              <a:t>.NET Client App</a:t>
+            </a:r>
+          </a:p>
+        </p:txBody>
+      </p:sp>
+      <p:sp>
+        <p:nvSpPr>
+          <p:cNvPr id="9" name="Rectangle: Rounded Corners 8">
+            <a:extLst>
+              <a:ext uri="{FF2B5EF4-FFF2-40B4-BE49-F238E27FC236}">
+                <a16:creationId xmlns:a16="http://schemas.microsoft.com/office/drawing/2014/main" id="{2EB7B377-4DB0-8FE1-E85C-95B94B4B0A1D}"/>
+              </a:ext>
+            </a:extLst>
+          </p:cNvPr>
+          <p:cNvSpPr/>
+          <p:nvPr/>
+        </p:nvSpPr>
+        <p:spPr>
+          <a:xfrm>
+            <a:off x="4488024" y="2006082"/>
+            <a:ext cx="2276670" cy="1791477"/>
+          </a:xfrm>
+          <a:prstGeom prst="roundRect">
+            <a:avLst/>
+          </a:prstGeom>
+        </p:spPr>
+        <p:style>
+          <a:lnRef idx="2">
+            <a:schemeClr val="accent1">
+              <a:shade val="15000"/>
+            </a:schemeClr>
+          </a:lnRef>
+          <a:fillRef idx="1">
+            <a:schemeClr val="accent1"/>
+          </a:fillRef>
+          <a:effectRef idx="0">
+            <a:schemeClr val="accent1"/>
+          </a:effectRef>
+          <a:fontRef idx="minor">
+            <a:schemeClr val="lt1"/>
+          </a:fontRef>
+        </p:style>
+        <p:txBody>
+          <a:bodyPr rtlCol="0" anchor="ctr"/>
+          <a:lstStyle/>
+          <a:p>
+            <a:pPr algn="ctr"/>
+            <a:r>
+              <a:rPr lang="en-US" sz="1400" dirty="0"/>
+              <a:t>Data Access Tech</a:t>
+            </a:r>
+          </a:p>
+          <a:p>
+            <a:pPr algn="ctr"/>
+            <a:r>
+              <a:rPr lang="en-US" sz="1400" dirty="0"/>
+              <a:t>Conn()</a:t>
+            </a:r>
+          </a:p>
+          <a:p>
+            <a:pPr algn="ctr"/>
+            <a:r>
+              <a:rPr lang="en-US" sz="1400" dirty="0"/>
+              <a:t>Command (Queries)</a:t>
+            </a:r>
+          </a:p>
+          <a:p>
+            <a:pPr algn="ctr"/>
+            <a:endParaRPr lang="en-US" sz="1400" dirty="0"/>
+          </a:p>
+          <a:p>
+            <a:pPr algn="ctr"/>
+            <a:endParaRPr lang="en-US" sz="1400" dirty="0"/>
+          </a:p>
+          <a:p>
+            <a:pPr algn="ctr"/>
+            <a:endParaRPr lang="en-US" sz="1400" dirty="0"/>
+          </a:p>
+          <a:p>
+            <a:pPr algn="ctr"/>
+            <a:endParaRPr lang="en-US" sz="1400" dirty="0"/>
+          </a:p>
+        </p:txBody>
+      </p:sp>
+      <p:cxnSp>
+        <p:nvCxnSpPr>
+          <p:cNvPr id="11" name="Connector: Elbow 10">
+            <a:extLst>
+              <a:ext uri="{FF2B5EF4-FFF2-40B4-BE49-F238E27FC236}">
+                <a16:creationId xmlns:a16="http://schemas.microsoft.com/office/drawing/2014/main" id="{41C5C5CC-D975-9DBF-A93B-5683DDC7BB7D}"/>
+              </a:ext>
+            </a:extLst>
+          </p:cNvPr>
+          <p:cNvCxnSpPr>
+            <a:endCxn id="2" idx="1"/>
+          </p:cNvCxnSpPr>
+          <p:nvPr/>
+        </p:nvCxnSpPr>
+        <p:spPr>
+          <a:xfrm flipV="1">
+            <a:off x="5999584" y="2453952"/>
+            <a:ext cx="4646645" cy="158619"/>
+          </a:xfrm>
+          <a:prstGeom prst="bentConnector4">
+            <a:avLst>
+              <a:gd name="adj1" fmla="val 36847"/>
+              <a:gd name="adj2" fmla="val 244119"/>
+            </a:avLst>
+          </a:prstGeom>
+          <a:ln>
+            <a:headEnd type="triangle"/>
+            <a:tailEnd type="triangle"/>
+          </a:ln>
+        </p:spPr>
+        <p:style>
+          <a:lnRef idx="3">
+            <a:schemeClr val="dk1"/>
+          </a:lnRef>
+          <a:fillRef idx="0">
+            <a:schemeClr val="dk1"/>
+          </a:fillRef>
+          <a:effectRef idx="2">
+            <a:schemeClr val="dk1"/>
+          </a:effectRef>
+          <a:fontRef idx="minor">
+            <a:schemeClr val="tx1"/>
+          </a:fontRef>
+        </p:style>
+      </p:cxnSp>
+      <p:cxnSp>
+        <p:nvCxnSpPr>
+          <p:cNvPr id="13" name="Connector: Elbow 12">
+            <a:extLst>
+              <a:ext uri="{FF2B5EF4-FFF2-40B4-BE49-F238E27FC236}">
+                <a16:creationId xmlns:a16="http://schemas.microsoft.com/office/drawing/2014/main" id="{67EBF9CC-867A-8D63-7AC5-3D788F0893F0}"/>
+              </a:ext>
+            </a:extLst>
+          </p:cNvPr>
+          <p:cNvCxnSpPr>
+            <a:endCxn id="2" idx="2"/>
+          </p:cNvCxnSpPr>
+          <p:nvPr/>
+        </p:nvCxnSpPr>
+        <p:spPr>
+          <a:xfrm>
+            <a:off x="6391469" y="2855167"/>
+            <a:ext cx="3032450" cy="368561"/>
+          </a:xfrm>
+          <a:prstGeom prst="bentConnector3">
+            <a:avLst/>
+          </a:prstGeom>
+          <a:ln>
+            <a:headEnd type="triangle"/>
+            <a:tailEnd type="triangle"/>
+          </a:ln>
+        </p:spPr>
+        <p:style>
+          <a:lnRef idx="3">
+            <a:schemeClr val="dk1"/>
+          </a:lnRef>
+          <a:fillRef idx="0">
+            <a:schemeClr val="dk1"/>
+          </a:fillRef>
+          <a:effectRef idx="2">
+            <a:schemeClr val="dk1"/>
+          </a:effectRef>
+          <a:fontRef idx="minor">
+            <a:schemeClr val="tx1"/>
+          </a:fontRef>
+        </p:style>
+      </p:cxnSp>
+      <p:sp>
+        <p:nvSpPr>
+          <p:cNvPr id="14" name="TextBox 13">
+            <a:extLst>
+              <a:ext uri="{FF2B5EF4-FFF2-40B4-BE49-F238E27FC236}">
+                <a16:creationId xmlns:a16="http://schemas.microsoft.com/office/drawing/2014/main" id="{3C8AC916-9EE5-AE54-4E4B-7EE6F9CC19A7}"/>
+              </a:ext>
+            </a:extLst>
+          </p:cNvPr>
+          <p:cNvSpPr txBox="1"/>
+          <p:nvPr/>
+        </p:nvSpPr>
+        <p:spPr>
+          <a:xfrm>
+            <a:off x="7604449" y="3312367"/>
+            <a:ext cx="1511559" cy="1200329"/>
+          </a:xfrm>
+          <a:prstGeom prst="rect">
+            <a:avLst/>
+          </a:prstGeom>
+          <a:noFill/>
+        </p:spPr>
+        <p:txBody>
+          <a:bodyPr wrap="square" rtlCol="0">
+            <a:spAutoFit/>
+          </a:bodyPr>
+          <a:lstStyle/>
+          <a:p>
+            <a:r>
+              <a:rPr lang="en-US" dirty="0"/>
+              <a:t>Execute Query and Generate Response</a:t>
+            </a:r>
+          </a:p>
+        </p:txBody>
+      </p:sp>
+      <p:sp>
+        <p:nvSpPr>
+          <p:cNvPr id="15" name="Rectangle 14">
+            <a:extLst>
+              <a:ext uri="{FF2B5EF4-FFF2-40B4-BE49-F238E27FC236}">
+                <a16:creationId xmlns:a16="http://schemas.microsoft.com/office/drawing/2014/main" id="{C30ECE88-8BCC-AF18-01CE-70F7A4673F99}"/>
+              </a:ext>
+            </a:extLst>
+          </p:cNvPr>
+          <p:cNvSpPr/>
+          <p:nvPr/>
+        </p:nvSpPr>
+        <p:spPr>
+          <a:xfrm>
+            <a:off x="4587552" y="2855167"/>
+            <a:ext cx="2046513" cy="727788"/>
+          </a:xfrm>
+          <a:prstGeom prst="rect">
+            <a:avLst/>
+          </a:prstGeom>
+        </p:spPr>
+        <p:style>
+          <a:lnRef idx="1">
+            <a:schemeClr val="accent2"/>
+          </a:lnRef>
+          <a:fillRef idx="2">
+            <a:schemeClr val="accent2"/>
+          </a:fillRef>
+          <a:effectRef idx="1">
+            <a:schemeClr val="accent2"/>
+          </a:effectRef>
+          <a:fontRef idx="minor">
+            <a:schemeClr val="dk1"/>
+          </a:fontRef>
+        </p:style>
+        <p:txBody>
+          <a:bodyPr rtlCol="0" anchor="ctr"/>
+          <a:lstStyle/>
+          <a:p>
+            <a:pPr algn="ctr"/>
+            <a:r>
+              <a:rPr lang="en-US" dirty="0"/>
+              <a:t>Cursor With Data</a:t>
+            </a:r>
+          </a:p>
+        </p:txBody>
+      </p:sp>
+      <p:sp>
+        <p:nvSpPr>
+          <p:cNvPr id="16" name="Right Brace 15">
+            <a:extLst>
+              <a:ext uri="{FF2B5EF4-FFF2-40B4-BE49-F238E27FC236}">
+                <a16:creationId xmlns:a16="http://schemas.microsoft.com/office/drawing/2014/main" id="{DEC78AE1-EE3E-C499-A828-36A9DA02FE17}"/>
+              </a:ext>
+            </a:extLst>
+          </p:cNvPr>
+          <p:cNvSpPr/>
+          <p:nvPr/>
+        </p:nvSpPr>
+        <p:spPr>
+          <a:xfrm>
+            <a:off x="2435290" y="2332653"/>
+            <a:ext cx="699796" cy="1667200"/>
+          </a:xfrm>
+          <a:prstGeom prst="rightBrace">
+            <a:avLst/>
+          </a:prstGeom>
+        </p:spPr>
+        <p:style>
+          <a:lnRef idx="1">
+            <a:schemeClr val="accent1"/>
+          </a:lnRef>
+          <a:fillRef idx="0">
+            <a:schemeClr val="accent1"/>
+          </a:fillRef>
+          <a:effectRef idx="0">
+            <a:schemeClr val="accent1"/>
+          </a:effectRef>
+          <a:fontRef idx="minor">
+            <a:schemeClr val="tx1"/>
+          </a:fontRef>
+        </p:style>
+        <p:txBody>
+          <a:bodyPr rtlCol="0" anchor="ctr"/>
+          <a:lstStyle/>
+          <a:p>
+            <a:pPr algn="ctr"/>
+            <a:endParaRPr lang="en-US"/>
+          </a:p>
+        </p:txBody>
+      </p:sp>
+      <p:cxnSp>
+        <p:nvCxnSpPr>
+          <p:cNvPr id="18" name="Connector: Elbow 17">
+            <a:extLst>
+              <a:ext uri="{FF2B5EF4-FFF2-40B4-BE49-F238E27FC236}">
+                <a16:creationId xmlns:a16="http://schemas.microsoft.com/office/drawing/2014/main" id="{C61CB64D-608D-290E-2979-2424613D2824}"/>
+              </a:ext>
+            </a:extLst>
+          </p:cNvPr>
+          <p:cNvCxnSpPr>
+            <a:endCxn id="15" idx="2"/>
+          </p:cNvCxnSpPr>
+          <p:nvPr/>
+        </p:nvCxnSpPr>
+        <p:spPr>
+          <a:xfrm>
+            <a:off x="3135086" y="3223728"/>
+            <a:ext cx="2475723" cy="359227"/>
+          </a:xfrm>
+          <a:prstGeom prst="bentConnector4">
+            <a:avLst>
+              <a:gd name="adj1" fmla="val 29334"/>
+              <a:gd name="adj2" fmla="val 163637"/>
+            </a:avLst>
+          </a:prstGeom>
+          <a:ln w="57150">
+            <a:solidFill>
+              <a:srgbClr val="FF0000"/>
+            </a:solidFill>
+            <a:headEnd type="triangle"/>
+            <a:tailEnd type="triangle"/>
+          </a:ln>
+        </p:spPr>
+        <p:style>
+          <a:lnRef idx="1">
+            <a:schemeClr val="accent1"/>
+          </a:lnRef>
+          <a:fillRef idx="0">
+            <a:schemeClr val="accent1"/>
+          </a:fillRef>
+          <a:effectRef idx="0">
+            <a:schemeClr val="accent1"/>
+          </a:effectRef>
+          <a:fontRef idx="minor">
+            <a:schemeClr val="tx1"/>
+          </a:fontRef>
+        </p:style>
+      </p:cxnSp>
+      <p:sp>
+        <p:nvSpPr>
+          <p:cNvPr id="19" name="TextBox 18">
+            <a:extLst>
+              <a:ext uri="{FF2B5EF4-FFF2-40B4-BE49-F238E27FC236}">
+                <a16:creationId xmlns:a16="http://schemas.microsoft.com/office/drawing/2014/main" id="{9297DC08-36B1-ABBE-8B78-3DC2687BCAEE}"/>
+              </a:ext>
+            </a:extLst>
+          </p:cNvPr>
+          <p:cNvSpPr txBox="1"/>
+          <p:nvPr/>
+        </p:nvSpPr>
+        <p:spPr>
+          <a:xfrm>
+            <a:off x="1539421" y="4512696"/>
+            <a:ext cx="4357526" cy="369332"/>
+          </a:xfrm>
+          <a:prstGeom prst="rect">
+            <a:avLst/>
+          </a:prstGeom>
+          <a:noFill/>
+        </p:spPr>
+        <p:txBody>
+          <a:bodyPr wrap="square" rtlCol="0">
+            <a:spAutoFit/>
+          </a:bodyPr>
+          <a:lstStyle/>
+          <a:p>
+            <a:r>
+              <a:rPr lang="en-US" dirty="0"/>
+              <a:t>CLR Object to Table Mapping Done Explicitly</a:t>
+            </a:r>
+          </a:p>
+        </p:txBody>
+      </p:sp>
+      <p:cxnSp>
+        <p:nvCxnSpPr>
+          <p:cNvPr id="21" name="Connector: Elbow 20">
+            <a:extLst>
+              <a:ext uri="{FF2B5EF4-FFF2-40B4-BE49-F238E27FC236}">
+                <a16:creationId xmlns:a16="http://schemas.microsoft.com/office/drawing/2014/main" id="{4F193666-404F-0F9C-35E4-5C75ABF6DC90}"/>
+              </a:ext>
+            </a:extLst>
+          </p:cNvPr>
+          <p:cNvCxnSpPr>
+            <a:stCxn id="19" idx="0"/>
+          </p:cNvCxnSpPr>
+          <p:nvPr/>
+        </p:nvCxnSpPr>
+        <p:spPr>
+          <a:xfrm rot="5400000" flipH="1" flipV="1">
+            <a:off x="3465618" y="4050126"/>
+            <a:ext cx="715137" cy="210004"/>
+          </a:xfrm>
+          <a:prstGeom prst="bentConnector3">
+            <a:avLst/>
+          </a:prstGeom>
+          <a:ln>
+            <a:tailEnd type="triangle"/>
+          </a:ln>
+        </p:spPr>
+        <p:style>
+          <a:lnRef idx="1">
+            <a:schemeClr val="accent1"/>
+          </a:lnRef>
+          <a:fillRef idx="0">
+            <a:schemeClr val="accent1"/>
+          </a:fillRef>
+          <a:effectRef idx="0">
+            <a:schemeClr val="accent1"/>
+          </a:effectRef>
+          <a:fontRef idx="minor">
+            <a:schemeClr val="tx1"/>
+          </a:fontRef>
+        </p:style>
+      </p:cxnSp>
+      <p:sp>
+        <p:nvSpPr>
+          <p:cNvPr id="22" name="TextBox 21">
+            <a:extLst>
+              <a:ext uri="{FF2B5EF4-FFF2-40B4-BE49-F238E27FC236}">
+                <a16:creationId xmlns:a16="http://schemas.microsoft.com/office/drawing/2014/main" id="{44BEB0E7-F30C-F922-A5A1-F3CB39A8DEBC}"/>
+              </a:ext>
+            </a:extLst>
+          </p:cNvPr>
+          <p:cNvSpPr txBox="1"/>
+          <p:nvPr/>
+        </p:nvSpPr>
+        <p:spPr>
+          <a:xfrm>
+            <a:off x="317241" y="5523722"/>
+            <a:ext cx="7287208" cy="646331"/>
+          </a:xfrm>
+          <a:prstGeom prst="rect">
+            <a:avLst/>
+          </a:prstGeom>
+          <a:noFill/>
+        </p:spPr>
+        <p:txBody>
+          <a:bodyPr wrap="square" rtlCol="0">
+            <a:spAutoFit/>
+          </a:bodyPr>
+          <a:lstStyle/>
+          <a:p>
+            <a:r>
+              <a:rPr lang="en-US" dirty="0"/>
+              <a:t>Insert Into Emp Values(</a:t>
+            </a:r>
+            <a:r>
+              <a:rPr lang="en-US" dirty="0" err="1"/>
+              <a:t>objEMp.EMpNo</a:t>
+            </a:r>
+            <a:r>
+              <a:rPr lang="en-US" dirty="0"/>
+              <a:t>, </a:t>
+            </a:r>
+            <a:r>
+              <a:rPr lang="en-US" dirty="0" err="1"/>
+              <a:t>objEMp.Ename</a:t>
+            </a:r>
+            <a:r>
+              <a:rPr lang="en-US" dirty="0"/>
+              <a:t>, </a:t>
+            </a:r>
+            <a:r>
+              <a:rPr lang="en-US" dirty="0" err="1"/>
+              <a:t>objEMp.Dname</a:t>
+            </a:r>
+            <a:r>
+              <a:rPr lang="en-US" dirty="0"/>
+              <a:t>, </a:t>
+            </a:r>
+            <a:r>
+              <a:rPr lang="en-US" dirty="0" err="1"/>
+              <a:t>objEMp.Salary</a:t>
+            </a:r>
+            <a:r>
+              <a:rPr lang="en-US" dirty="0"/>
+              <a:t>)</a:t>
+            </a:r>
+          </a:p>
+        </p:txBody>
+      </p:sp>
+    </p:spTree>
+    <p:extLst>
+      <p:ext uri="{BB962C8B-B14F-4D97-AF65-F5344CB8AC3E}">
+        <p14:creationId xmlns:p14="http://schemas.microsoft.com/office/powerpoint/2010/main" val="3533693088"/>
+      </p:ext>
+    </p:extLst>
+  </p:cSld>
+  <p:clrMapOvr>
+    <a:masterClrMapping/>
+  </p:clrMapOvr>
+</p:sld>
+</file>
+
+<file path=ppt/slides/slide31.xml><?xml version="1.0" encoding="utf-8"?>
+<p:sld xmlns:a="http://schemas.openxmlformats.org/drawingml/2006/main" xmlns:r="http://schemas.openxmlformats.org/officeDocument/2006/relationships" xmlns:p="http://schemas.openxmlformats.org/presentationml/2006/main">
+  <p:cSld>
+    <p:spTree>
+      <p:nvGrpSpPr>
+        <p:cNvPr id="1" name=""/>
+        <p:cNvGrpSpPr/>
+        <p:nvPr/>
+      </p:nvGrpSpPr>
+      <p:grpSpPr>
+        <a:xfrm>
+          <a:off x="0" y="0"/>
+          <a:ext cx="0" cy="0"/>
+          <a:chOff x="0" y="0"/>
+          <a:chExt cx="0" cy="0"/>
+        </a:xfrm>
+      </p:grpSpPr>
+      <p:sp>
+        <p:nvSpPr>
+          <p:cNvPr id="2" name="Cylinder 1">
+            <a:extLst>
+              <a:ext uri="{FF2B5EF4-FFF2-40B4-BE49-F238E27FC236}">
+                <a16:creationId xmlns:a16="http://schemas.microsoft.com/office/drawing/2014/main" id="{3B1C4700-2274-9783-6ABA-1D8A687CB1E5}"/>
+              </a:ext>
+            </a:extLst>
+          </p:cNvPr>
+          <p:cNvSpPr/>
+          <p:nvPr/>
+        </p:nvSpPr>
+        <p:spPr>
+          <a:xfrm>
+            <a:off x="9246636" y="1604865"/>
+            <a:ext cx="2575249" cy="2397967"/>
+          </a:xfrm>
+          <a:prstGeom prst="can">
+            <a:avLst>
+              <a:gd name="adj" fmla="val 13384"/>
+            </a:avLst>
+          </a:prstGeom>
+        </p:spPr>
+        <p:style>
+          <a:lnRef idx="2">
+            <a:schemeClr val="accent1">
+              <a:shade val="15000"/>
+            </a:schemeClr>
+          </a:lnRef>
+          <a:fillRef idx="1">
+            <a:schemeClr val="accent1"/>
+          </a:fillRef>
+          <a:effectRef idx="0">
+            <a:schemeClr val="accent1"/>
+          </a:effectRef>
+          <a:fontRef idx="minor">
+            <a:schemeClr val="lt1"/>
+          </a:fontRef>
+        </p:style>
+        <p:txBody>
+          <a:bodyPr rtlCol="0" anchor="ctr"/>
+          <a:lstStyle/>
+          <a:p>
+            <a:pPr algn="ctr"/>
+            <a:r>
+              <a:rPr lang="en-US" dirty="0"/>
+              <a:t>Database Tables with Storage Schema Definition Language (SSDL)</a:t>
+            </a:r>
+          </a:p>
+          <a:p>
+            <a:pPr algn="ctr"/>
+            <a:r>
+              <a:rPr lang="en-US" dirty="0"/>
+              <a:t>Tables with Columns and Constrains</a:t>
+            </a:r>
+          </a:p>
+        </p:txBody>
+      </p:sp>
+      <p:sp>
+        <p:nvSpPr>
+          <p:cNvPr id="3" name="Rectangle 2">
+            <a:extLst>
+              <a:ext uri="{FF2B5EF4-FFF2-40B4-BE49-F238E27FC236}">
+                <a16:creationId xmlns:a16="http://schemas.microsoft.com/office/drawing/2014/main" id="{7D6B7F80-8E0E-E274-A7EA-F1D7C81825DA}"/>
+              </a:ext>
+            </a:extLst>
+          </p:cNvPr>
+          <p:cNvSpPr/>
+          <p:nvPr/>
+        </p:nvSpPr>
+        <p:spPr>
+          <a:xfrm>
+            <a:off x="158619" y="1436914"/>
+            <a:ext cx="3359021" cy="2593910"/>
+          </a:xfrm>
+          <a:prstGeom prst="rect">
+            <a:avLst/>
+          </a:prstGeom>
+        </p:spPr>
+        <p:style>
+          <a:lnRef idx="1">
+            <a:schemeClr val="accent1"/>
+          </a:lnRef>
+          <a:fillRef idx="2">
+            <a:schemeClr val="accent1"/>
+          </a:fillRef>
+          <a:effectRef idx="1">
+            <a:schemeClr val="accent1"/>
+          </a:effectRef>
+          <a:fontRef idx="minor">
+            <a:schemeClr val="dk1"/>
+          </a:fontRef>
+        </p:style>
+        <p:txBody>
+          <a:bodyPr rtlCol="0" anchor="ctr"/>
+          <a:lstStyle/>
+          <a:p>
+            <a:pPr algn="ctr"/>
+            <a:endParaRPr lang="en-US"/>
+          </a:p>
+        </p:txBody>
+      </p:sp>
+      <p:sp>
+        <p:nvSpPr>
+          <p:cNvPr id="4" name="TextBox 3">
+            <a:extLst>
+              <a:ext uri="{FF2B5EF4-FFF2-40B4-BE49-F238E27FC236}">
+                <a16:creationId xmlns:a16="http://schemas.microsoft.com/office/drawing/2014/main" id="{6937A85E-B5A7-8C29-09E8-1F7812D7226E}"/>
+              </a:ext>
+            </a:extLst>
+          </p:cNvPr>
+          <p:cNvSpPr txBox="1"/>
+          <p:nvPr/>
+        </p:nvSpPr>
+        <p:spPr>
+          <a:xfrm>
+            <a:off x="270588" y="1604865"/>
+            <a:ext cx="3144416" cy="1754326"/>
+          </a:xfrm>
+          <a:prstGeom prst="rect">
+            <a:avLst/>
+          </a:prstGeom>
+          <a:noFill/>
+        </p:spPr>
+        <p:txBody>
+          <a:bodyPr wrap="square" rtlCol="0">
+            <a:spAutoFit/>
+          </a:bodyPr>
+          <a:lstStyle/>
+          <a:p>
+            <a:pPr algn="ctr"/>
+            <a:r>
+              <a:rPr lang="en-US" b="1" dirty="0"/>
+              <a:t>Application Has the Conceptual Schema Definition Language</a:t>
+            </a:r>
+          </a:p>
+          <a:p>
+            <a:pPr algn="ctr"/>
+            <a:r>
+              <a:rPr lang="en-US" b="1" dirty="0"/>
+              <a:t>(CSDL)</a:t>
+            </a:r>
+          </a:p>
+          <a:p>
+            <a:pPr algn="ctr"/>
+            <a:r>
+              <a:rPr lang="en-US" b="1" dirty="0"/>
+              <a:t>The CLR Class with Public instances Properties </a:t>
+            </a:r>
+          </a:p>
+        </p:txBody>
+      </p:sp>
+      <p:sp>
+        <p:nvSpPr>
+          <p:cNvPr id="5" name="Rectangle 4">
+            <a:extLst>
+              <a:ext uri="{FF2B5EF4-FFF2-40B4-BE49-F238E27FC236}">
+                <a16:creationId xmlns:a16="http://schemas.microsoft.com/office/drawing/2014/main" id="{2BAED42F-16E2-EC28-3336-2E706505FD89}"/>
+              </a:ext>
+            </a:extLst>
+          </p:cNvPr>
+          <p:cNvSpPr/>
+          <p:nvPr/>
+        </p:nvSpPr>
+        <p:spPr>
+          <a:xfrm>
+            <a:off x="4655976" y="2118049"/>
+            <a:ext cx="3359021" cy="1310951"/>
+          </a:xfrm>
+          <a:prstGeom prst="rect">
+            <a:avLst/>
+          </a:prstGeom>
+        </p:spPr>
+        <p:style>
+          <a:lnRef idx="1">
+            <a:schemeClr val="accent2"/>
+          </a:lnRef>
+          <a:fillRef idx="2">
+            <a:schemeClr val="accent2"/>
+          </a:fillRef>
+          <a:effectRef idx="1">
+            <a:schemeClr val="accent2"/>
+          </a:effectRef>
+          <a:fontRef idx="minor">
+            <a:schemeClr val="dk1"/>
+          </a:fontRef>
+        </p:style>
+        <p:txBody>
+          <a:bodyPr rtlCol="0" anchor="ctr"/>
+          <a:lstStyle/>
+          <a:p>
+            <a:pPr algn="ctr"/>
+            <a:endParaRPr lang="en-US"/>
+          </a:p>
+        </p:txBody>
+      </p:sp>
+      <p:sp>
+        <p:nvSpPr>
+          <p:cNvPr id="6" name="TextBox 5">
+            <a:extLst>
+              <a:ext uri="{FF2B5EF4-FFF2-40B4-BE49-F238E27FC236}">
+                <a16:creationId xmlns:a16="http://schemas.microsoft.com/office/drawing/2014/main" id="{60D141E4-3E16-A7D6-33BD-F05DB05FA0BE}"/>
+              </a:ext>
+            </a:extLst>
+          </p:cNvPr>
+          <p:cNvSpPr txBox="1"/>
+          <p:nvPr/>
+        </p:nvSpPr>
+        <p:spPr>
+          <a:xfrm>
+            <a:off x="4749279" y="2202024"/>
+            <a:ext cx="3135088" cy="646331"/>
+          </a:xfrm>
+          <a:prstGeom prst="rect">
+            <a:avLst/>
+          </a:prstGeom>
+          <a:noFill/>
+        </p:spPr>
+        <p:txBody>
+          <a:bodyPr wrap="square" rtlCol="0">
+            <a:spAutoFit/>
+          </a:bodyPr>
+          <a:lstStyle/>
+          <a:p>
+            <a:pPr algn="ctr"/>
+            <a:r>
+              <a:rPr lang="en-US" b="1" dirty="0"/>
+              <a:t>Mapping Schema Language</a:t>
+            </a:r>
+          </a:p>
+          <a:p>
+            <a:pPr algn="ctr"/>
+            <a:r>
+              <a:rPr lang="en-US" b="1" dirty="0"/>
+              <a:t>MSL</a:t>
+            </a:r>
+          </a:p>
+        </p:txBody>
+      </p:sp>
+      <p:cxnSp>
+        <p:nvCxnSpPr>
+          <p:cNvPr id="8" name="Straight Arrow Connector 7">
+            <a:extLst>
+              <a:ext uri="{FF2B5EF4-FFF2-40B4-BE49-F238E27FC236}">
+                <a16:creationId xmlns:a16="http://schemas.microsoft.com/office/drawing/2014/main" id="{F5BBD206-2ED1-2EB7-9250-EEB2F1210A2B}"/>
+              </a:ext>
+            </a:extLst>
+          </p:cNvPr>
+          <p:cNvCxnSpPr/>
+          <p:nvPr/>
+        </p:nvCxnSpPr>
+        <p:spPr>
+          <a:xfrm>
+            <a:off x="3303037" y="3079102"/>
+            <a:ext cx="1604865" cy="0"/>
+          </a:xfrm>
+          <a:prstGeom prst="straightConnector1">
+            <a:avLst/>
+          </a:prstGeom>
+          <a:ln w="76200">
+            <a:headEnd type="triangle"/>
+            <a:tailEnd type="triangle"/>
+          </a:ln>
+        </p:spPr>
+        <p:style>
+          <a:lnRef idx="1">
+            <a:schemeClr val="accent1"/>
+          </a:lnRef>
+          <a:fillRef idx="0">
+            <a:schemeClr val="accent1"/>
+          </a:fillRef>
+          <a:effectRef idx="0">
+            <a:schemeClr val="accent1"/>
+          </a:effectRef>
+          <a:fontRef idx="minor">
+            <a:schemeClr val="tx1"/>
+          </a:fontRef>
+        </p:style>
+      </p:cxnSp>
+      <p:cxnSp>
+        <p:nvCxnSpPr>
+          <p:cNvPr id="9" name="Straight Arrow Connector 8">
+            <a:extLst>
+              <a:ext uri="{FF2B5EF4-FFF2-40B4-BE49-F238E27FC236}">
+                <a16:creationId xmlns:a16="http://schemas.microsoft.com/office/drawing/2014/main" id="{AC9087CB-524C-46D0-2ACD-D9DDD08A740C}"/>
+              </a:ext>
+            </a:extLst>
+          </p:cNvPr>
+          <p:cNvCxnSpPr/>
+          <p:nvPr/>
+        </p:nvCxnSpPr>
+        <p:spPr>
+          <a:xfrm>
+            <a:off x="7738188" y="3079102"/>
+            <a:ext cx="1604865" cy="0"/>
+          </a:xfrm>
+          <a:prstGeom prst="straightConnector1">
+            <a:avLst/>
+          </a:prstGeom>
+          <a:ln w="76200">
+            <a:headEnd type="triangle"/>
+            <a:tailEnd type="triangle"/>
+          </a:ln>
+        </p:spPr>
+        <p:style>
+          <a:lnRef idx="1">
+            <a:schemeClr val="accent1"/>
+          </a:lnRef>
+          <a:fillRef idx="0">
+            <a:schemeClr val="accent1"/>
+          </a:fillRef>
+          <a:effectRef idx="0">
+            <a:schemeClr val="accent1"/>
+          </a:effectRef>
+          <a:fontRef idx="minor">
+            <a:schemeClr val="tx1"/>
+          </a:fontRef>
+        </p:style>
+      </p:cxnSp>
+      <p:sp>
+        <p:nvSpPr>
+          <p:cNvPr id="10" name="Double Brace 9">
+            <a:extLst>
+              <a:ext uri="{FF2B5EF4-FFF2-40B4-BE49-F238E27FC236}">
+                <a16:creationId xmlns:a16="http://schemas.microsoft.com/office/drawing/2014/main" id="{5B59F704-6341-5975-2B04-D762130A62E8}"/>
+              </a:ext>
+            </a:extLst>
+          </p:cNvPr>
+          <p:cNvSpPr/>
+          <p:nvPr/>
+        </p:nvSpPr>
+        <p:spPr>
+          <a:xfrm>
+            <a:off x="5402424" y="2920482"/>
+            <a:ext cx="2015413" cy="438705"/>
+          </a:xfrm>
+          <a:prstGeom prst="bracePair">
+            <a:avLst/>
+          </a:prstGeom>
+        </p:spPr>
+        <p:style>
+          <a:lnRef idx="1">
+            <a:schemeClr val="accent1"/>
+          </a:lnRef>
+          <a:fillRef idx="0">
+            <a:schemeClr val="accent1"/>
+          </a:fillRef>
+          <a:effectRef idx="0">
+            <a:schemeClr val="accent1"/>
+          </a:effectRef>
+          <a:fontRef idx="minor">
+            <a:schemeClr val="tx1"/>
+          </a:fontRef>
+        </p:style>
+        <p:txBody>
+          <a:bodyPr rtlCol="0" anchor="ctr"/>
+          <a:lstStyle/>
+          <a:p>
+            <a:pPr algn="ctr"/>
+            <a:endParaRPr lang="en-US"/>
+          </a:p>
+        </p:txBody>
+      </p:sp>
+      <p:sp>
+        <p:nvSpPr>
+          <p:cNvPr id="11" name="TextBox 10">
+            <a:extLst>
+              <a:ext uri="{FF2B5EF4-FFF2-40B4-BE49-F238E27FC236}">
+                <a16:creationId xmlns:a16="http://schemas.microsoft.com/office/drawing/2014/main" id="{86ACFB7D-E334-7333-7A54-6BE408455988}"/>
+              </a:ext>
+            </a:extLst>
+          </p:cNvPr>
+          <p:cNvSpPr txBox="1"/>
+          <p:nvPr/>
+        </p:nvSpPr>
+        <p:spPr>
+          <a:xfrm>
+            <a:off x="5607698" y="2920482"/>
+            <a:ext cx="1586204" cy="523220"/>
+          </a:xfrm>
+          <a:prstGeom prst="rect">
+            <a:avLst/>
+          </a:prstGeom>
+          <a:noFill/>
+        </p:spPr>
+        <p:txBody>
+          <a:bodyPr wrap="square" rtlCol="0">
+            <a:spAutoFit/>
+          </a:bodyPr>
+          <a:lstStyle/>
+          <a:p>
+            <a:pPr algn="ctr"/>
+            <a:r>
+              <a:rPr lang="en-US" sz="1400" b="1" dirty="0"/>
+              <a:t>CLR to Table Mapping</a:t>
+            </a:r>
+          </a:p>
+        </p:txBody>
+      </p:sp>
+      <p:sp>
+        <p:nvSpPr>
+          <p:cNvPr id="12" name="TextBox 11">
+            <a:extLst>
+              <a:ext uri="{FF2B5EF4-FFF2-40B4-BE49-F238E27FC236}">
+                <a16:creationId xmlns:a16="http://schemas.microsoft.com/office/drawing/2014/main" id="{9B9527A2-DE39-16A7-555F-B8750F6CEA9F}"/>
+              </a:ext>
+            </a:extLst>
+          </p:cNvPr>
+          <p:cNvSpPr txBox="1"/>
+          <p:nvPr/>
+        </p:nvSpPr>
+        <p:spPr>
+          <a:xfrm>
+            <a:off x="3610943" y="373224"/>
+            <a:ext cx="6307498" cy="584775"/>
+          </a:xfrm>
+          <a:prstGeom prst="rect">
+            <a:avLst/>
+          </a:prstGeom>
+          <a:noFill/>
+        </p:spPr>
+        <p:txBody>
+          <a:bodyPr wrap="square" rtlCol="0">
+            <a:spAutoFit/>
+          </a:bodyPr>
+          <a:lstStyle/>
+          <a:p>
+            <a:pPr algn="ctr"/>
+            <a:r>
+              <a:rPr lang="en-US" sz="3200" b="1" dirty="0"/>
+              <a:t>Object Relational Mapping (ORM)</a:t>
+            </a:r>
+          </a:p>
+        </p:txBody>
+      </p:sp>
+      <p:sp>
+        <p:nvSpPr>
+          <p:cNvPr id="13" name="TextBox 12">
+            <a:extLst>
+              <a:ext uri="{FF2B5EF4-FFF2-40B4-BE49-F238E27FC236}">
+                <a16:creationId xmlns:a16="http://schemas.microsoft.com/office/drawing/2014/main" id="{DF215CC2-BA22-3931-999F-F73F595E1FD3}"/>
+              </a:ext>
+            </a:extLst>
+          </p:cNvPr>
+          <p:cNvSpPr txBox="1"/>
+          <p:nvPr/>
+        </p:nvSpPr>
+        <p:spPr>
+          <a:xfrm>
+            <a:off x="3610943" y="3749457"/>
+            <a:ext cx="5840963" cy="3108543"/>
+          </a:xfrm>
+          <a:prstGeom prst="rect">
+            <a:avLst/>
+          </a:prstGeom>
+          <a:noFill/>
+        </p:spPr>
+        <p:txBody>
+          <a:bodyPr wrap="square" rtlCol="0">
+            <a:spAutoFit/>
+          </a:bodyPr>
+          <a:lstStyle/>
+          <a:p>
+            <a:r>
+              <a:rPr lang="en-US" sz="1400" dirty="0"/>
+              <a:t>Hibernate: For JAVA Based Apps</a:t>
+            </a:r>
+          </a:p>
+          <a:p>
+            <a:endParaRPr lang="en-US" sz="1400" dirty="0"/>
+          </a:p>
+          <a:p>
+            <a:r>
+              <a:rPr lang="en-US" sz="1400" dirty="0" err="1"/>
+              <a:t>Nhibername</a:t>
+            </a:r>
+            <a:r>
+              <a:rPr lang="en-US" sz="1400" dirty="0"/>
+              <a:t>: Hibernate for .NET Apps</a:t>
+            </a:r>
+          </a:p>
+          <a:p>
+            <a:endParaRPr lang="en-US" sz="1400" dirty="0"/>
+          </a:p>
+          <a:p>
+            <a:r>
+              <a:rPr lang="en-US" sz="1400" dirty="0"/>
+              <a:t>ADO.NET Entity Framework, Generating Entities (CLR Classes from Database Table, aka Database First Approach)</a:t>
+            </a:r>
+          </a:p>
+          <a:p>
+            <a:endParaRPr lang="en-US" sz="1400" dirty="0"/>
+          </a:p>
+          <a:p>
+            <a:r>
+              <a:rPr lang="en-US" sz="1400" dirty="0"/>
+              <a:t>EntityFramework: Database First, Model-First (Create Classes using Class Diagrams and generate Tables from it)</a:t>
+            </a:r>
+          </a:p>
+          <a:p>
+            <a:endParaRPr lang="en-US" sz="1400" dirty="0"/>
+          </a:p>
+          <a:p>
+            <a:r>
+              <a:rPr lang="en-US" sz="1400" dirty="0"/>
+              <a:t>EntityFramework 5.0 / 6.0 : Db First, Code-First with Fluent API, Create .NET Classes (Entities) and Write a code to generate script for creating Tables and use code to define relationships across tables. No XML for SSDL, CSD, and MSL</a:t>
+            </a:r>
+          </a:p>
+          <a:p>
+            <a:endParaRPr lang="en-US" sz="1400" dirty="0"/>
+          </a:p>
+        </p:txBody>
+      </p:sp>
+    </p:spTree>
+    <p:extLst>
+      <p:ext uri="{BB962C8B-B14F-4D97-AF65-F5344CB8AC3E}">
+        <p14:creationId xmlns:p14="http://schemas.microsoft.com/office/powerpoint/2010/main" val="969556488"/>
+      </p:ext>
+    </p:extLst>
+  </p:cSld>
+  <p:clrMapOvr>
+    <a:masterClrMapping/>
+  </p:clrMapOvr>
+</p:sld>
+</file>
+
+<file path=ppt/slides/slide32.xml><?xml version="1.0" encoding="utf-8"?>
+<p:sld xmlns:a="http://schemas.openxmlformats.org/drawingml/2006/main" xmlns:r="http://schemas.openxmlformats.org/officeDocument/2006/relationships" xmlns:p="http://schemas.openxmlformats.org/presentationml/2006/main">
+  <p:cSld>
+    <p:spTree>
+      <p:nvGrpSpPr>
+        <p:cNvPr id="1" name=""/>
+        <p:cNvGrpSpPr/>
+        <p:nvPr/>
+      </p:nvGrpSpPr>
+      <p:grpSpPr>
+        <a:xfrm>
+          <a:off x="0" y="0"/>
+          <a:ext cx="0" cy="0"/>
+          <a:chOff x="0" y="0"/>
+          <a:chExt cx="0" cy="0"/>
+        </a:xfrm>
+      </p:grpSpPr>
+      <p:sp>
+        <p:nvSpPr>
+          <p:cNvPr id="2" name="Cylinder 1">
+            <a:extLst>
+              <a:ext uri="{FF2B5EF4-FFF2-40B4-BE49-F238E27FC236}">
+                <a16:creationId xmlns:a16="http://schemas.microsoft.com/office/drawing/2014/main" id="{5AF7A2AC-CD33-983A-8A64-C0AFDEFA120E}"/>
+              </a:ext>
+            </a:extLst>
+          </p:cNvPr>
+          <p:cNvSpPr/>
+          <p:nvPr/>
+        </p:nvSpPr>
+        <p:spPr>
+          <a:xfrm>
+            <a:off x="10151706" y="2220685"/>
+            <a:ext cx="1651518" cy="783772"/>
+          </a:xfrm>
+          <a:prstGeom prst="can">
+            <a:avLst/>
+          </a:prstGeom>
+        </p:spPr>
+        <p:style>
+          <a:lnRef idx="2">
+            <a:schemeClr val="accent1">
+              <a:shade val="15000"/>
+            </a:schemeClr>
+          </a:lnRef>
+          <a:fillRef idx="1">
+            <a:schemeClr val="accent1"/>
+          </a:fillRef>
+          <a:effectRef idx="0">
+            <a:schemeClr val="accent1"/>
+          </a:effectRef>
+          <a:fontRef idx="minor">
+            <a:schemeClr val="lt1"/>
+          </a:fontRef>
+        </p:style>
+        <p:txBody>
+          <a:bodyPr rtlCol="0" anchor="ctr"/>
+          <a:lstStyle/>
+          <a:p>
+            <a:pPr algn="ctr"/>
+            <a:r>
+              <a:rPr lang="en-US" dirty="0"/>
+              <a:t>Relational </a:t>
+            </a:r>
+          </a:p>
+          <a:p>
+            <a:pPr algn="ctr"/>
+            <a:r>
+              <a:rPr lang="en-US" dirty="0"/>
+              <a:t>Database</a:t>
+            </a:r>
+          </a:p>
+        </p:txBody>
+      </p:sp>
+      <p:sp>
+        <p:nvSpPr>
+          <p:cNvPr id="3" name="Cylinder 2">
+            <a:extLst>
+              <a:ext uri="{FF2B5EF4-FFF2-40B4-BE49-F238E27FC236}">
+                <a16:creationId xmlns:a16="http://schemas.microsoft.com/office/drawing/2014/main" id="{C7A64E67-F96F-9573-B779-115B50B4F0DF}"/>
+              </a:ext>
+            </a:extLst>
+          </p:cNvPr>
+          <p:cNvSpPr/>
+          <p:nvPr/>
+        </p:nvSpPr>
+        <p:spPr>
+          <a:xfrm>
+            <a:off x="10151706" y="3754016"/>
+            <a:ext cx="1651518" cy="783772"/>
+          </a:xfrm>
+          <a:prstGeom prst="can">
+            <a:avLst/>
+          </a:prstGeom>
+        </p:spPr>
+        <p:style>
+          <a:lnRef idx="2">
+            <a:schemeClr val="accent1">
+              <a:shade val="15000"/>
+            </a:schemeClr>
+          </a:lnRef>
+          <a:fillRef idx="1">
+            <a:schemeClr val="accent1"/>
+          </a:fillRef>
+          <a:effectRef idx="0">
+            <a:schemeClr val="accent1"/>
+          </a:effectRef>
+          <a:fontRef idx="minor">
+            <a:schemeClr val="lt1"/>
+          </a:fontRef>
+        </p:style>
+        <p:txBody>
+          <a:bodyPr rtlCol="0" anchor="ctr"/>
+          <a:lstStyle/>
+          <a:p>
+            <a:pPr algn="ctr"/>
+            <a:r>
+              <a:rPr lang="en-US" dirty="0"/>
+              <a:t>{ NO SQL }</a:t>
+            </a:r>
+          </a:p>
+        </p:txBody>
+      </p:sp>
+      <p:sp>
+        <p:nvSpPr>
+          <p:cNvPr id="4" name="Rectangle 3">
+            <a:extLst>
+              <a:ext uri="{FF2B5EF4-FFF2-40B4-BE49-F238E27FC236}">
+                <a16:creationId xmlns:a16="http://schemas.microsoft.com/office/drawing/2014/main" id="{7A63BF14-FBBD-D5E9-4BEE-0E1715028799}"/>
+              </a:ext>
+            </a:extLst>
+          </p:cNvPr>
+          <p:cNvSpPr/>
+          <p:nvPr/>
+        </p:nvSpPr>
+        <p:spPr>
+          <a:xfrm>
+            <a:off x="7007290" y="727788"/>
+            <a:ext cx="2519265" cy="5645020"/>
+          </a:xfrm>
+          <a:prstGeom prst="rect">
+            <a:avLst/>
+          </a:prstGeom>
+        </p:spPr>
+        <p:style>
+          <a:lnRef idx="2">
+            <a:schemeClr val="accent6"/>
+          </a:lnRef>
+          <a:fillRef idx="1">
+            <a:schemeClr val="lt1"/>
+          </a:fillRef>
+          <a:effectRef idx="0">
+            <a:schemeClr val="accent6"/>
+          </a:effectRef>
+          <a:fontRef idx="minor">
+            <a:schemeClr val="dk1"/>
+          </a:fontRef>
+        </p:style>
+        <p:txBody>
+          <a:bodyPr rtlCol="0" anchor="ctr"/>
+          <a:lstStyle/>
+          <a:p>
+            <a:pPr algn="ctr"/>
+            <a:endParaRPr lang="en-US"/>
+          </a:p>
+        </p:txBody>
+      </p:sp>
+      <p:sp>
+        <p:nvSpPr>
+          <p:cNvPr id="5" name="TextBox 4">
+            <a:extLst>
+              <a:ext uri="{FF2B5EF4-FFF2-40B4-BE49-F238E27FC236}">
+                <a16:creationId xmlns:a16="http://schemas.microsoft.com/office/drawing/2014/main" id="{EA7B7014-9912-AC7A-370C-E077245EAE71}"/>
+              </a:ext>
+            </a:extLst>
+          </p:cNvPr>
+          <p:cNvSpPr txBox="1"/>
+          <p:nvPr/>
+        </p:nvSpPr>
+        <p:spPr>
+          <a:xfrm>
+            <a:off x="7072603" y="781438"/>
+            <a:ext cx="2388637" cy="830997"/>
+          </a:xfrm>
+          <a:prstGeom prst="rect">
+            <a:avLst/>
+          </a:prstGeom>
+          <a:noFill/>
+        </p:spPr>
+        <p:txBody>
+          <a:bodyPr wrap="square" rtlCol="0">
+            <a:spAutoFit/>
+          </a:bodyPr>
+          <a:lstStyle/>
+          <a:p>
+            <a:pPr algn="ctr"/>
+            <a:r>
+              <a:rPr lang="en-US" sz="1600" b="1" dirty="0"/>
+              <a:t>Data Access</a:t>
+            </a:r>
+          </a:p>
+          <a:p>
+            <a:pPr algn="ctr"/>
+            <a:r>
+              <a:rPr lang="en-US" sz="1600" b="1" dirty="0"/>
+              <a:t>Using EntityFramework Core</a:t>
+            </a:r>
+          </a:p>
+        </p:txBody>
+      </p:sp>
+      <p:sp>
+        <p:nvSpPr>
+          <p:cNvPr id="6" name="Rectangle 5">
+            <a:extLst>
+              <a:ext uri="{FF2B5EF4-FFF2-40B4-BE49-F238E27FC236}">
+                <a16:creationId xmlns:a16="http://schemas.microsoft.com/office/drawing/2014/main" id="{9CA24914-7CCA-6A91-48DE-63F4BC01C140}"/>
+              </a:ext>
+            </a:extLst>
+          </p:cNvPr>
+          <p:cNvSpPr/>
+          <p:nvPr/>
+        </p:nvSpPr>
+        <p:spPr>
+          <a:xfrm>
+            <a:off x="7063273" y="1679509"/>
+            <a:ext cx="2388637" cy="1324947"/>
+          </a:xfrm>
+          <a:prstGeom prst="rect">
+            <a:avLst/>
+          </a:prstGeom>
+        </p:spPr>
+        <p:style>
+          <a:lnRef idx="1">
+            <a:schemeClr val="accent3"/>
+          </a:lnRef>
+          <a:fillRef idx="3">
+            <a:schemeClr val="accent3"/>
+          </a:fillRef>
+          <a:effectRef idx="2">
+            <a:schemeClr val="accent3"/>
+          </a:effectRef>
+          <a:fontRef idx="minor">
+            <a:schemeClr val="lt1"/>
+          </a:fontRef>
+        </p:style>
+        <p:txBody>
+          <a:bodyPr rtlCol="0" anchor="ctr"/>
+          <a:lstStyle/>
+          <a:p>
+            <a:pPr algn="ctr"/>
+            <a:endParaRPr lang="en-US"/>
+          </a:p>
+        </p:txBody>
+      </p:sp>
+      <p:sp>
+        <p:nvSpPr>
+          <p:cNvPr id="7" name="TextBox 6">
+            <a:extLst>
+              <a:ext uri="{FF2B5EF4-FFF2-40B4-BE49-F238E27FC236}">
+                <a16:creationId xmlns:a16="http://schemas.microsoft.com/office/drawing/2014/main" id="{4F6B2906-E014-B91C-FC86-2F0DB357F22C}"/>
+              </a:ext>
+            </a:extLst>
+          </p:cNvPr>
+          <p:cNvSpPr txBox="1"/>
+          <p:nvPr/>
+        </p:nvSpPr>
+        <p:spPr>
+          <a:xfrm>
+            <a:off x="7193902" y="1679510"/>
+            <a:ext cx="2258008" cy="369332"/>
+          </a:xfrm>
+          <a:prstGeom prst="rect">
+            <a:avLst/>
+          </a:prstGeom>
+          <a:noFill/>
+        </p:spPr>
+        <p:txBody>
+          <a:bodyPr wrap="square" rtlCol="0">
+            <a:spAutoFit/>
+          </a:bodyPr>
+          <a:lstStyle/>
+          <a:p>
+            <a:pPr algn="ctr"/>
+            <a:r>
+              <a:rPr lang="en-US" b="1" dirty="0"/>
+              <a:t>Domain Model</a:t>
+            </a:r>
+          </a:p>
+        </p:txBody>
+      </p:sp>
+      <p:sp>
+        <p:nvSpPr>
+          <p:cNvPr id="8" name="Rectangle: Rounded Corners 7">
+            <a:extLst>
+              <a:ext uri="{FF2B5EF4-FFF2-40B4-BE49-F238E27FC236}">
+                <a16:creationId xmlns:a16="http://schemas.microsoft.com/office/drawing/2014/main" id="{036691A0-9B5A-3B16-C6E1-C1D1C37EDF9A}"/>
+              </a:ext>
+            </a:extLst>
+          </p:cNvPr>
+          <p:cNvSpPr/>
+          <p:nvPr/>
+        </p:nvSpPr>
+        <p:spPr>
+          <a:xfrm>
+            <a:off x="7063273" y="2048842"/>
+            <a:ext cx="503854" cy="369332"/>
+          </a:xfrm>
+          <a:prstGeom prst="roundRect">
+            <a:avLst/>
+          </a:prstGeom>
+        </p:spPr>
+        <p:style>
+          <a:lnRef idx="2">
+            <a:schemeClr val="accent1">
+              <a:shade val="15000"/>
+            </a:schemeClr>
+          </a:lnRef>
+          <a:fillRef idx="1">
+            <a:schemeClr val="accent1"/>
+          </a:fillRef>
+          <a:effectRef idx="0">
+            <a:schemeClr val="accent1"/>
+          </a:effectRef>
+          <a:fontRef idx="minor">
+            <a:schemeClr val="lt1"/>
+          </a:fontRef>
+        </p:style>
+        <p:txBody>
+          <a:bodyPr rtlCol="0" anchor="ctr"/>
+          <a:lstStyle/>
+          <a:p>
+            <a:pPr algn="ctr"/>
+            <a:endParaRPr lang="en-US"/>
+          </a:p>
+        </p:txBody>
+      </p:sp>
+      <p:sp>
+        <p:nvSpPr>
+          <p:cNvPr id="9" name="Rectangle: Rounded Corners 8">
+            <a:extLst>
+              <a:ext uri="{FF2B5EF4-FFF2-40B4-BE49-F238E27FC236}">
+                <a16:creationId xmlns:a16="http://schemas.microsoft.com/office/drawing/2014/main" id="{DB42B9D0-9681-AD1F-7CAE-26D66C49E253}"/>
+              </a:ext>
+            </a:extLst>
+          </p:cNvPr>
+          <p:cNvSpPr/>
+          <p:nvPr/>
+        </p:nvSpPr>
+        <p:spPr>
+          <a:xfrm>
+            <a:off x="7819052" y="2059346"/>
+            <a:ext cx="503854" cy="369332"/>
+          </a:xfrm>
+          <a:prstGeom prst="roundRect">
+            <a:avLst/>
+          </a:prstGeom>
+        </p:spPr>
+        <p:style>
+          <a:lnRef idx="2">
+            <a:schemeClr val="accent1">
+              <a:shade val="15000"/>
+            </a:schemeClr>
+          </a:lnRef>
+          <a:fillRef idx="1">
+            <a:schemeClr val="accent1"/>
+          </a:fillRef>
+          <a:effectRef idx="0">
+            <a:schemeClr val="accent1"/>
+          </a:effectRef>
+          <a:fontRef idx="minor">
+            <a:schemeClr val="lt1"/>
+          </a:fontRef>
+        </p:style>
+        <p:txBody>
+          <a:bodyPr rtlCol="0" anchor="ctr"/>
+          <a:lstStyle/>
+          <a:p>
+            <a:pPr algn="ctr"/>
+            <a:endParaRPr lang="en-US"/>
+          </a:p>
+        </p:txBody>
+      </p:sp>
+      <p:sp>
+        <p:nvSpPr>
+          <p:cNvPr id="10" name="Rectangle: Rounded Corners 9">
+            <a:extLst>
+              <a:ext uri="{FF2B5EF4-FFF2-40B4-BE49-F238E27FC236}">
+                <a16:creationId xmlns:a16="http://schemas.microsoft.com/office/drawing/2014/main" id="{443BEBD0-7A65-CF23-16CC-1153865E62C2}"/>
+              </a:ext>
+            </a:extLst>
+          </p:cNvPr>
+          <p:cNvSpPr/>
+          <p:nvPr/>
+        </p:nvSpPr>
+        <p:spPr>
+          <a:xfrm>
+            <a:off x="8696130" y="2048842"/>
+            <a:ext cx="503854" cy="369332"/>
+          </a:xfrm>
+          <a:prstGeom prst="roundRect">
+            <a:avLst/>
+          </a:prstGeom>
+        </p:spPr>
+        <p:style>
+          <a:lnRef idx="2">
+            <a:schemeClr val="accent1">
+              <a:shade val="15000"/>
+            </a:schemeClr>
+          </a:lnRef>
+          <a:fillRef idx="1">
+            <a:schemeClr val="accent1"/>
+          </a:fillRef>
+          <a:effectRef idx="0">
+            <a:schemeClr val="accent1"/>
+          </a:effectRef>
+          <a:fontRef idx="minor">
+            <a:schemeClr val="lt1"/>
+          </a:fontRef>
+        </p:style>
+        <p:txBody>
+          <a:bodyPr rtlCol="0" anchor="ctr"/>
+          <a:lstStyle/>
+          <a:p>
+            <a:pPr algn="ctr"/>
+            <a:endParaRPr lang="en-US"/>
+          </a:p>
+        </p:txBody>
+      </p:sp>
+      <p:sp>
+        <p:nvSpPr>
+          <p:cNvPr id="11" name="Rectangle: Rounded Corners 10">
+            <a:extLst>
+              <a:ext uri="{FF2B5EF4-FFF2-40B4-BE49-F238E27FC236}">
+                <a16:creationId xmlns:a16="http://schemas.microsoft.com/office/drawing/2014/main" id="{431D8719-86B7-01ED-12C0-DB6F52A3EF9C}"/>
+              </a:ext>
+            </a:extLst>
+          </p:cNvPr>
+          <p:cNvSpPr/>
+          <p:nvPr/>
+        </p:nvSpPr>
+        <p:spPr>
+          <a:xfrm>
+            <a:off x="7063273" y="2454350"/>
+            <a:ext cx="503854" cy="369332"/>
+          </a:xfrm>
+          <a:prstGeom prst="roundRect">
+            <a:avLst/>
+          </a:prstGeom>
+        </p:spPr>
+        <p:style>
+          <a:lnRef idx="2">
+            <a:schemeClr val="accent1">
+              <a:shade val="15000"/>
+            </a:schemeClr>
+          </a:lnRef>
+          <a:fillRef idx="1">
+            <a:schemeClr val="accent1"/>
+          </a:fillRef>
+          <a:effectRef idx="0">
+            <a:schemeClr val="accent1"/>
+          </a:effectRef>
+          <a:fontRef idx="minor">
+            <a:schemeClr val="lt1"/>
+          </a:fontRef>
+        </p:style>
+        <p:txBody>
+          <a:bodyPr rtlCol="0" anchor="ctr"/>
+          <a:lstStyle/>
+          <a:p>
+            <a:pPr algn="ctr"/>
+            <a:endParaRPr lang="en-US"/>
+          </a:p>
+        </p:txBody>
+      </p:sp>
+      <p:sp>
+        <p:nvSpPr>
+          <p:cNvPr id="12" name="Rectangle: Rounded Corners 11">
+            <a:extLst>
+              <a:ext uri="{FF2B5EF4-FFF2-40B4-BE49-F238E27FC236}">
+                <a16:creationId xmlns:a16="http://schemas.microsoft.com/office/drawing/2014/main" id="{72A583E3-EF29-B17B-E6D2-6B9C684F34A8}"/>
+              </a:ext>
+            </a:extLst>
+          </p:cNvPr>
+          <p:cNvSpPr/>
+          <p:nvPr/>
+        </p:nvSpPr>
+        <p:spPr>
+          <a:xfrm>
+            <a:off x="7819052" y="2485248"/>
+            <a:ext cx="503854" cy="369332"/>
+          </a:xfrm>
+          <a:prstGeom prst="roundRect">
+            <a:avLst/>
+          </a:prstGeom>
+        </p:spPr>
+        <p:style>
+          <a:lnRef idx="2">
+            <a:schemeClr val="accent1">
+              <a:shade val="15000"/>
+            </a:schemeClr>
+          </a:lnRef>
+          <a:fillRef idx="1">
+            <a:schemeClr val="accent1"/>
+          </a:fillRef>
+          <a:effectRef idx="0">
+            <a:schemeClr val="accent1"/>
+          </a:effectRef>
+          <a:fontRef idx="minor">
+            <a:schemeClr val="lt1"/>
+          </a:fontRef>
+        </p:style>
+        <p:txBody>
+          <a:bodyPr rtlCol="0" anchor="ctr"/>
+          <a:lstStyle/>
+          <a:p>
+            <a:pPr algn="ctr"/>
+            <a:endParaRPr lang="en-US"/>
+          </a:p>
+        </p:txBody>
+      </p:sp>
+      <p:sp>
+        <p:nvSpPr>
+          <p:cNvPr id="13" name="Rectangle: Rounded Corners 12">
+            <a:extLst>
+              <a:ext uri="{FF2B5EF4-FFF2-40B4-BE49-F238E27FC236}">
+                <a16:creationId xmlns:a16="http://schemas.microsoft.com/office/drawing/2014/main" id="{56B9236B-3907-2F8E-AB67-5AC4DBC5462F}"/>
+              </a:ext>
+            </a:extLst>
+          </p:cNvPr>
+          <p:cNvSpPr/>
+          <p:nvPr/>
+        </p:nvSpPr>
+        <p:spPr>
+          <a:xfrm>
+            <a:off x="8696130" y="2485248"/>
+            <a:ext cx="503854" cy="369332"/>
+          </a:xfrm>
+          <a:prstGeom prst="roundRect">
+            <a:avLst/>
+          </a:prstGeom>
+        </p:spPr>
+        <p:style>
+          <a:lnRef idx="2">
+            <a:schemeClr val="accent1">
+              <a:shade val="15000"/>
+            </a:schemeClr>
+          </a:lnRef>
+          <a:fillRef idx="1">
+            <a:schemeClr val="accent1"/>
+          </a:fillRef>
+          <a:effectRef idx="0">
+            <a:schemeClr val="accent1"/>
+          </a:effectRef>
+          <a:fontRef idx="minor">
+            <a:schemeClr val="lt1"/>
+          </a:fontRef>
+        </p:style>
+        <p:txBody>
+          <a:bodyPr rtlCol="0" anchor="ctr"/>
+          <a:lstStyle/>
+          <a:p>
+            <a:pPr algn="ctr"/>
+            <a:endParaRPr lang="en-US"/>
+          </a:p>
+        </p:txBody>
+      </p:sp>
+      <p:cxnSp>
+        <p:nvCxnSpPr>
+          <p:cNvPr id="15" name="Connector: Elbow 14">
+            <a:extLst>
+              <a:ext uri="{FF2B5EF4-FFF2-40B4-BE49-F238E27FC236}">
+                <a16:creationId xmlns:a16="http://schemas.microsoft.com/office/drawing/2014/main" id="{AA2B8CAE-0E6C-BEA6-ABD7-CB60B64D70D0}"/>
+              </a:ext>
+            </a:extLst>
+          </p:cNvPr>
+          <p:cNvCxnSpPr>
+            <a:stCxn id="6" idx="3"/>
+            <a:endCxn id="2" idx="1"/>
+          </p:cNvCxnSpPr>
+          <p:nvPr/>
+        </p:nvCxnSpPr>
+        <p:spPr>
+          <a:xfrm flipV="1">
+            <a:off x="9451910" y="2220685"/>
+            <a:ext cx="1525555" cy="121298"/>
+          </a:xfrm>
+          <a:prstGeom prst="bentConnector4">
+            <a:avLst>
+              <a:gd name="adj1" fmla="val 22936"/>
+              <a:gd name="adj2" fmla="val 734616"/>
+            </a:avLst>
+          </a:prstGeom>
+          <a:ln w="76200">
+            <a:headEnd type="triangle"/>
+            <a:tailEnd type="triangle"/>
+          </a:ln>
+        </p:spPr>
+        <p:style>
+          <a:lnRef idx="1">
+            <a:schemeClr val="accent1"/>
+          </a:lnRef>
+          <a:fillRef idx="0">
+            <a:schemeClr val="accent1"/>
+          </a:fillRef>
+          <a:effectRef idx="0">
+            <a:schemeClr val="accent1"/>
+          </a:effectRef>
+          <a:fontRef idx="minor">
+            <a:schemeClr val="tx1"/>
+          </a:fontRef>
+        </p:style>
+      </p:cxnSp>
+      <p:sp>
+        <p:nvSpPr>
+          <p:cNvPr id="17" name="Rectangle 16">
+            <a:extLst>
+              <a:ext uri="{FF2B5EF4-FFF2-40B4-BE49-F238E27FC236}">
+                <a16:creationId xmlns:a16="http://schemas.microsoft.com/office/drawing/2014/main" id="{42675253-3E9E-9510-4131-EB6477F6B348}"/>
+              </a:ext>
+            </a:extLst>
+          </p:cNvPr>
+          <p:cNvSpPr/>
+          <p:nvPr/>
+        </p:nvSpPr>
+        <p:spPr>
+          <a:xfrm>
+            <a:off x="7193902" y="3953068"/>
+            <a:ext cx="2155371" cy="1172547"/>
+          </a:xfrm>
+          <a:prstGeom prst="rect">
+            <a:avLst/>
+          </a:prstGeom>
+        </p:spPr>
+        <p:style>
+          <a:lnRef idx="0">
+            <a:schemeClr val="accent4"/>
+          </a:lnRef>
+          <a:fillRef idx="3">
+            <a:schemeClr val="accent4"/>
+          </a:fillRef>
+          <a:effectRef idx="3">
+            <a:schemeClr val="accent4"/>
+          </a:effectRef>
+          <a:fontRef idx="minor">
+            <a:schemeClr val="lt1"/>
+          </a:fontRef>
+        </p:style>
+        <p:txBody>
+          <a:bodyPr rtlCol="0" anchor="ctr"/>
+          <a:lstStyle/>
+          <a:p>
+            <a:pPr algn="ctr"/>
+            <a:r>
+              <a:rPr lang="en-US" dirty="0"/>
+              <a:t>No Schema Data as DataSet</a:t>
+            </a:r>
+          </a:p>
+        </p:txBody>
+      </p:sp>
+      <p:cxnSp>
+        <p:nvCxnSpPr>
+          <p:cNvPr id="19" name="Connector: Elbow 18">
+            <a:extLst>
+              <a:ext uri="{FF2B5EF4-FFF2-40B4-BE49-F238E27FC236}">
+                <a16:creationId xmlns:a16="http://schemas.microsoft.com/office/drawing/2014/main" id="{AF01BB31-1583-7B80-A671-4637E3CF69D0}"/>
+              </a:ext>
+            </a:extLst>
+          </p:cNvPr>
+          <p:cNvCxnSpPr>
+            <a:cxnSpLocks/>
+            <a:stCxn id="17" idx="3"/>
+            <a:endCxn id="3" idx="1"/>
+          </p:cNvCxnSpPr>
+          <p:nvPr/>
+        </p:nvCxnSpPr>
+        <p:spPr>
+          <a:xfrm flipV="1">
+            <a:off x="9349273" y="3754016"/>
+            <a:ext cx="1628192" cy="785326"/>
+          </a:xfrm>
+          <a:prstGeom prst="bentConnector4">
+            <a:avLst>
+              <a:gd name="adj1" fmla="val 24642"/>
+              <a:gd name="adj2" fmla="val 129109"/>
+            </a:avLst>
+          </a:prstGeom>
+          <a:ln w="76200">
+            <a:headEnd type="triangle"/>
+            <a:tailEnd type="triangle"/>
+          </a:ln>
+        </p:spPr>
+        <p:style>
+          <a:lnRef idx="1">
+            <a:schemeClr val="accent1"/>
+          </a:lnRef>
+          <a:fillRef idx="0">
+            <a:schemeClr val="accent1"/>
+          </a:fillRef>
+          <a:effectRef idx="0">
+            <a:schemeClr val="accent1"/>
+          </a:effectRef>
+          <a:fontRef idx="minor">
+            <a:schemeClr val="tx1"/>
+          </a:fontRef>
+        </p:style>
+      </p:cxnSp>
+    </p:spTree>
+    <p:extLst>
+      <p:ext uri="{BB962C8B-B14F-4D97-AF65-F5344CB8AC3E}">
+        <p14:creationId xmlns:p14="http://schemas.microsoft.com/office/powerpoint/2010/main" val="485196807"/>
+      </p:ext>
+    </p:extLst>
+  </p:cSld>
+  <p:clrMapOvr>
+    <a:masterClrMapping/>
+  </p:clrMapOvr>
+</p:sld>
+</file>
+
 <file path=ppt/slides/slide4.xml><?xml version="1.0" encoding="utf-8"?>
 <p:sld xmlns:a="http://schemas.openxmlformats.org/drawingml/2006/main" xmlns:r="http://schemas.openxmlformats.org/officeDocument/2006/relationships" xmlns:p="http://schemas.openxmlformats.org/presentationml/2006/main">
   <p:cSld>

--- a/Images.pptx
+++ b/Images.pptx
@@ -36,7 +36,11 @@
     <p:sldId id="285" r:id="rId30"/>
     <p:sldId id="287" r:id="rId31"/>
     <p:sldId id="288" r:id="rId32"/>
-    <p:sldId id="286" r:id="rId33"/>
+    <p:sldId id="289" r:id="rId33"/>
+    <p:sldId id="286" r:id="rId34"/>
+    <p:sldId id="290" r:id="rId35"/>
+    <p:sldId id="291" r:id="rId36"/>
+    <p:sldId id="292" r:id="rId37"/>
   </p:sldIdLst>
   <p:sldSz cx="12192000" cy="6858000"/>
   <p:notesSz cx="6858000" cy="9144000"/>
@@ -290,7 +294,7 @@
           <a:p>
             <a:fld id="{AA664FF4-21B7-42BA-B2A9-563C2A71FA7D}" type="datetimeFigureOut">
               <a:rPr lang="en-US" smtClean="0"/>
-              <a:t>10/4/2023</a:t>
+              <a:t>10/5/2023</a:t>
             </a:fld>
             <a:endParaRPr lang="en-US"/>
           </a:p>
@@ -488,7 +492,7 @@
           <a:p>
             <a:fld id="{AA664FF4-21B7-42BA-B2A9-563C2A71FA7D}" type="datetimeFigureOut">
               <a:rPr lang="en-US" smtClean="0"/>
-              <a:t>10/4/2023</a:t>
+              <a:t>10/5/2023</a:t>
             </a:fld>
             <a:endParaRPr lang="en-US"/>
           </a:p>
@@ -696,7 +700,7 @@
           <a:p>
             <a:fld id="{AA664FF4-21B7-42BA-B2A9-563C2A71FA7D}" type="datetimeFigureOut">
               <a:rPr lang="en-US" smtClean="0"/>
-              <a:t>10/4/2023</a:t>
+              <a:t>10/5/2023</a:t>
             </a:fld>
             <a:endParaRPr lang="en-US"/>
           </a:p>
@@ -894,7 +898,7 @@
           <a:p>
             <a:fld id="{AA664FF4-21B7-42BA-B2A9-563C2A71FA7D}" type="datetimeFigureOut">
               <a:rPr lang="en-US" smtClean="0"/>
-              <a:t>10/4/2023</a:t>
+              <a:t>10/5/2023</a:t>
             </a:fld>
             <a:endParaRPr lang="en-US"/>
           </a:p>
@@ -1169,7 +1173,7 @@
           <a:p>
             <a:fld id="{AA664FF4-21B7-42BA-B2A9-563C2A71FA7D}" type="datetimeFigureOut">
               <a:rPr lang="en-US" smtClean="0"/>
-              <a:t>10/4/2023</a:t>
+              <a:t>10/5/2023</a:t>
             </a:fld>
             <a:endParaRPr lang="en-US"/>
           </a:p>
@@ -1434,7 +1438,7 @@
           <a:p>
             <a:fld id="{AA664FF4-21B7-42BA-B2A9-563C2A71FA7D}" type="datetimeFigureOut">
               <a:rPr lang="en-US" smtClean="0"/>
-              <a:t>10/4/2023</a:t>
+              <a:t>10/5/2023</a:t>
             </a:fld>
             <a:endParaRPr lang="en-US"/>
           </a:p>
@@ -1846,7 +1850,7 @@
           <a:p>
             <a:fld id="{AA664FF4-21B7-42BA-B2A9-563C2A71FA7D}" type="datetimeFigureOut">
               <a:rPr lang="en-US" smtClean="0"/>
-              <a:t>10/4/2023</a:t>
+              <a:t>10/5/2023</a:t>
             </a:fld>
             <a:endParaRPr lang="en-US"/>
           </a:p>
@@ -1987,7 +1991,7 @@
           <a:p>
             <a:fld id="{AA664FF4-21B7-42BA-B2A9-563C2A71FA7D}" type="datetimeFigureOut">
               <a:rPr lang="en-US" smtClean="0"/>
-              <a:t>10/4/2023</a:t>
+              <a:t>10/5/2023</a:t>
             </a:fld>
             <a:endParaRPr lang="en-US"/>
           </a:p>
@@ -2100,7 +2104,7 @@
           <a:p>
             <a:fld id="{AA664FF4-21B7-42BA-B2A9-563C2A71FA7D}" type="datetimeFigureOut">
               <a:rPr lang="en-US" smtClean="0"/>
-              <a:t>10/4/2023</a:t>
+              <a:t>10/5/2023</a:t>
             </a:fld>
             <a:endParaRPr lang="en-US"/>
           </a:p>
@@ -2411,7 +2415,7 @@
           <a:p>
             <a:fld id="{AA664FF4-21B7-42BA-B2A9-563C2A71FA7D}" type="datetimeFigureOut">
               <a:rPr lang="en-US" smtClean="0"/>
-              <a:t>10/4/2023</a:t>
+              <a:t>10/5/2023</a:t>
             </a:fld>
             <a:endParaRPr lang="en-US"/>
           </a:p>
@@ -2699,7 +2703,7 @@
           <a:p>
             <a:fld id="{AA664FF4-21B7-42BA-B2A9-563C2A71FA7D}" type="datetimeFigureOut">
               <a:rPr lang="en-US" smtClean="0"/>
-              <a:t>10/4/2023</a:t>
+              <a:t>10/5/2023</a:t>
             </a:fld>
             <a:endParaRPr lang="en-US"/>
           </a:p>
@@ -2940,7 +2944,7 @@
           <a:p>
             <a:fld id="{AA664FF4-21B7-42BA-B2A9-563C2A71FA7D}" type="datetimeFigureOut">
               <a:rPr lang="en-US" smtClean="0"/>
-              <a:t>10/4/2023</a:t>
+              <a:t>10/5/2023</a:t>
             </a:fld>
             <a:endParaRPr lang="en-US"/>
           </a:p>
@@ -21442,6 +21446,603 @@
       </p:grpSpPr>
       <p:sp>
         <p:nvSpPr>
+          <p:cNvPr id="2" name="Rectangle 1">
+            <a:extLst>
+              <a:ext uri="{FF2B5EF4-FFF2-40B4-BE49-F238E27FC236}">
+                <a16:creationId xmlns:a16="http://schemas.microsoft.com/office/drawing/2014/main" id="{22D7C055-15FE-3071-6DC6-0BCB0675DF7D}"/>
+              </a:ext>
+            </a:extLst>
+          </p:cNvPr>
+          <p:cNvSpPr/>
+          <p:nvPr/>
+        </p:nvSpPr>
+        <p:spPr>
+          <a:xfrm>
+            <a:off x="5654351" y="2425959"/>
+            <a:ext cx="1502229" cy="2388636"/>
+          </a:xfrm>
+          <a:prstGeom prst="rect">
+            <a:avLst/>
+          </a:prstGeom>
+        </p:spPr>
+        <p:style>
+          <a:lnRef idx="2">
+            <a:schemeClr val="accent1">
+              <a:shade val="15000"/>
+            </a:schemeClr>
+          </a:lnRef>
+          <a:fillRef idx="1">
+            <a:schemeClr val="accent1"/>
+          </a:fillRef>
+          <a:effectRef idx="0">
+            <a:schemeClr val="accent1"/>
+          </a:effectRef>
+          <a:fontRef idx="minor">
+            <a:schemeClr val="lt1"/>
+          </a:fontRef>
+        </p:style>
+        <p:txBody>
+          <a:bodyPr rtlCol="0" anchor="ctr"/>
+          <a:lstStyle/>
+          <a:p>
+            <a:pPr algn="ctr"/>
+            <a:r>
+              <a:rPr lang="en-US" dirty="0"/>
+              <a:t>DbContext</a:t>
+            </a:r>
+          </a:p>
+        </p:txBody>
+      </p:sp>
+      <p:sp>
+        <p:nvSpPr>
+          <p:cNvPr id="3" name="Cylinder 2">
+            <a:extLst>
+              <a:ext uri="{FF2B5EF4-FFF2-40B4-BE49-F238E27FC236}">
+                <a16:creationId xmlns:a16="http://schemas.microsoft.com/office/drawing/2014/main" id="{38069838-8A0A-C5E6-C924-E3469C6CFB39}"/>
+              </a:ext>
+            </a:extLst>
+          </p:cNvPr>
+          <p:cNvSpPr/>
+          <p:nvPr/>
+        </p:nvSpPr>
+        <p:spPr>
+          <a:xfrm>
+            <a:off x="10543592" y="2006081"/>
+            <a:ext cx="1408922" cy="3013787"/>
+          </a:xfrm>
+          <a:prstGeom prst="can">
+            <a:avLst/>
+          </a:prstGeom>
+        </p:spPr>
+        <p:style>
+          <a:lnRef idx="2">
+            <a:schemeClr val="accent1">
+              <a:shade val="15000"/>
+            </a:schemeClr>
+          </a:lnRef>
+          <a:fillRef idx="1">
+            <a:schemeClr val="accent1"/>
+          </a:fillRef>
+          <a:effectRef idx="0">
+            <a:schemeClr val="accent1"/>
+          </a:effectRef>
+          <a:fontRef idx="minor">
+            <a:schemeClr val="lt1"/>
+          </a:fontRef>
+        </p:style>
+        <p:txBody>
+          <a:bodyPr rtlCol="0" anchor="ctr"/>
+          <a:lstStyle/>
+          <a:p>
+            <a:pPr algn="ctr"/>
+            <a:r>
+              <a:rPr lang="en-US" dirty="0"/>
+              <a:t>RDBMS</a:t>
+            </a:r>
+          </a:p>
+        </p:txBody>
+      </p:sp>
+      <p:sp>
+        <p:nvSpPr>
+          <p:cNvPr id="4" name="Arrow: Right 3">
+            <a:extLst>
+              <a:ext uri="{FF2B5EF4-FFF2-40B4-BE49-F238E27FC236}">
+                <a16:creationId xmlns:a16="http://schemas.microsoft.com/office/drawing/2014/main" id="{FD06FFC7-350C-8073-C1D1-E572ADC87FFB}"/>
+              </a:ext>
+            </a:extLst>
+          </p:cNvPr>
+          <p:cNvSpPr/>
+          <p:nvPr/>
+        </p:nvSpPr>
+        <p:spPr>
+          <a:xfrm>
+            <a:off x="7137918" y="2556588"/>
+            <a:ext cx="3405674" cy="391885"/>
+          </a:xfrm>
+          <a:prstGeom prst="rightArrow">
+            <a:avLst/>
+          </a:prstGeom>
+        </p:spPr>
+        <p:style>
+          <a:lnRef idx="2">
+            <a:schemeClr val="accent1">
+              <a:shade val="15000"/>
+            </a:schemeClr>
+          </a:lnRef>
+          <a:fillRef idx="1">
+            <a:schemeClr val="accent1"/>
+          </a:fillRef>
+          <a:effectRef idx="0">
+            <a:schemeClr val="accent1"/>
+          </a:effectRef>
+          <a:fontRef idx="minor">
+            <a:schemeClr val="lt1"/>
+          </a:fontRef>
+        </p:style>
+        <p:txBody>
+          <a:bodyPr rtlCol="0" anchor="ctr"/>
+          <a:lstStyle/>
+          <a:p>
+            <a:pPr algn="ctr"/>
+            <a:r>
+              <a:rPr lang="en-US" dirty="0"/>
+              <a:t>Connections</a:t>
+            </a:r>
+          </a:p>
+        </p:txBody>
+      </p:sp>
+      <p:sp>
+        <p:nvSpPr>
+          <p:cNvPr id="5" name="Arrow: Right 4">
+            <a:extLst>
+              <a:ext uri="{FF2B5EF4-FFF2-40B4-BE49-F238E27FC236}">
+                <a16:creationId xmlns:a16="http://schemas.microsoft.com/office/drawing/2014/main" id="{7592116E-DAD5-FCB8-6691-4DDE22A505E8}"/>
+              </a:ext>
+            </a:extLst>
+          </p:cNvPr>
+          <p:cNvSpPr/>
+          <p:nvPr/>
+        </p:nvSpPr>
+        <p:spPr>
+          <a:xfrm>
+            <a:off x="7162801" y="3007568"/>
+            <a:ext cx="3405674" cy="391885"/>
+          </a:xfrm>
+          <a:prstGeom prst="rightArrow">
+            <a:avLst/>
+          </a:prstGeom>
+        </p:spPr>
+        <p:style>
+          <a:lnRef idx="2">
+            <a:schemeClr val="accent1">
+              <a:shade val="15000"/>
+            </a:schemeClr>
+          </a:lnRef>
+          <a:fillRef idx="1">
+            <a:schemeClr val="accent1"/>
+          </a:fillRef>
+          <a:effectRef idx="0">
+            <a:schemeClr val="accent1"/>
+          </a:effectRef>
+          <a:fontRef idx="minor">
+            <a:schemeClr val="lt1"/>
+          </a:fontRef>
+        </p:style>
+        <p:txBody>
+          <a:bodyPr rtlCol="0" anchor="ctr"/>
+          <a:lstStyle/>
+          <a:p>
+            <a:pPr algn="ctr"/>
+            <a:r>
+              <a:rPr lang="en-US" dirty="0"/>
+              <a:t>Commands</a:t>
+            </a:r>
+          </a:p>
+        </p:txBody>
+      </p:sp>
+      <p:sp>
+        <p:nvSpPr>
+          <p:cNvPr id="6" name="Arrow: Right 5">
+            <a:extLst>
+              <a:ext uri="{FF2B5EF4-FFF2-40B4-BE49-F238E27FC236}">
+                <a16:creationId xmlns:a16="http://schemas.microsoft.com/office/drawing/2014/main" id="{47DA4F13-4B41-AFF8-87EF-D709C782AA0F}"/>
+              </a:ext>
+            </a:extLst>
+          </p:cNvPr>
+          <p:cNvSpPr/>
+          <p:nvPr/>
+        </p:nvSpPr>
+        <p:spPr>
+          <a:xfrm>
+            <a:off x="7162801" y="3505200"/>
+            <a:ext cx="3405674" cy="391885"/>
+          </a:xfrm>
+          <a:prstGeom prst="rightArrow">
+            <a:avLst/>
+          </a:prstGeom>
+        </p:spPr>
+        <p:style>
+          <a:lnRef idx="2">
+            <a:schemeClr val="accent1">
+              <a:shade val="15000"/>
+            </a:schemeClr>
+          </a:lnRef>
+          <a:fillRef idx="1">
+            <a:schemeClr val="accent1"/>
+          </a:fillRef>
+          <a:effectRef idx="0">
+            <a:schemeClr val="accent1"/>
+          </a:effectRef>
+          <a:fontRef idx="minor">
+            <a:schemeClr val="lt1"/>
+          </a:fontRef>
+        </p:style>
+        <p:txBody>
+          <a:bodyPr rtlCol="0" anchor="ctr"/>
+          <a:lstStyle/>
+          <a:p>
+            <a:pPr algn="ctr"/>
+            <a:r>
+              <a:rPr lang="en-US" dirty="0"/>
+              <a:t>Transactions</a:t>
+            </a:r>
+          </a:p>
+        </p:txBody>
+      </p:sp>
+      <p:sp>
+        <p:nvSpPr>
+          <p:cNvPr id="7" name="Arrow: Right 6">
+            <a:extLst>
+              <a:ext uri="{FF2B5EF4-FFF2-40B4-BE49-F238E27FC236}">
+                <a16:creationId xmlns:a16="http://schemas.microsoft.com/office/drawing/2014/main" id="{C9162D06-014E-C659-E169-6DEFD4B1FAB2}"/>
+              </a:ext>
+            </a:extLst>
+          </p:cNvPr>
+          <p:cNvSpPr/>
+          <p:nvPr/>
+        </p:nvSpPr>
+        <p:spPr>
+          <a:xfrm>
+            <a:off x="7156580" y="3963954"/>
+            <a:ext cx="3405674" cy="391885"/>
+          </a:xfrm>
+          <a:prstGeom prst="rightArrow">
+            <a:avLst/>
+          </a:prstGeom>
+        </p:spPr>
+        <p:style>
+          <a:lnRef idx="2">
+            <a:schemeClr val="accent1">
+              <a:shade val="15000"/>
+            </a:schemeClr>
+          </a:lnRef>
+          <a:fillRef idx="1">
+            <a:schemeClr val="accent1"/>
+          </a:fillRef>
+          <a:effectRef idx="0">
+            <a:schemeClr val="accent1"/>
+          </a:effectRef>
+          <a:fontRef idx="minor">
+            <a:schemeClr val="lt1"/>
+          </a:fontRef>
+        </p:style>
+        <p:txBody>
+          <a:bodyPr rtlCol="0" anchor="ctr"/>
+          <a:lstStyle/>
+          <a:p>
+            <a:pPr algn="ctr"/>
+            <a:r>
+              <a:rPr lang="en-US" dirty="0"/>
+              <a:t>Concurrency</a:t>
+            </a:r>
+          </a:p>
+        </p:txBody>
+      </p:sp>
+      <p:sp>
+        <p:nvSpPr>
+          <p:cNvPr id="8" name="Rectangle 7">
+            <a:extLst>
+              <a:ext uri="{FF2B5EF4-FFF2-40B4-BE49-F238E27FC236}">
+                <a16:creationId xmlns:a16="http://schemas.microsoft.com/office/drawing/2014/main" id="{21764E89-5B36-2008-B578-FD0FFF4DDC70}"/>
+              </a:ext>
+            </a:extLst>
+          </p:cNvPr>
+          <p:cNvSpPr/>
+          <p:nvPr/>
+        </p:nvSpPr>
+        <p:spPr>
+          <a:xfrm>
+            <a:off x="1842797" y="1175657"/>
+            <a:ext cx="1847461" cy="1380931"/>
+          </a:xfrm>
+          <a:prstGeom prst="rect">
+            <a:avLst/>
+          </a:prstGeom>
+        </p:spPr>
+        <p:style>
+          <a:lnRef idx="2">
+            <a:schemeClr val="accent1">
+              <a:shade val="15000"/>
+            </a:schemeClr>
+          </a:lnRef>
+          <a:fillRef idx="1">
+            <a:schemeClr val="accent1"/>
+          </a:fillRef>
+          <a:effectRef idx="0">
+            <a:schemeClr val="accent1"/>
+          </a:effectRef>
+          <a:fontRef idx="minor">
+            <a:schemeClr val="lt1"/>
+          </a:fontRef>
+        </p:style>
+        <p:txBody>
+          <a:bodyPr rtlCol="0" anchor="ctr"/>
+          <a:lstStyle/>
+          <a:p>
+            <a:pPr algn="ctr"/>
+            <a:r>
+              <a:rPr lang="en-US" dirty="0"/>
+              <a:t>Clients</a:t>
+            </a:r>
+          </a:p>
+        </p:txBody>
+      </p:sp>
+      <p:cxnSp>
+        <p:nvCxnSpPr>
+          <p:cNvPr id="10" name="Straight Arrow Connector 9">
+            <a:extLst>
+              <a:ext uri="{FF2B5EF4-FFF2-40B4-BE49-F238E27FC236}">
+                <a16:creationId xmlns:a16="http://schemas.microsoft.com/office/drawing/2014/main" id="{BBBCD19F-396D-4C77-D10F-D9F1D28A5674}"/>
+              </a:ext>
+            </a:extLst>
+          </p:cNvPr>
+          <p:cNvCxnSpPr>
+            <a:stCxn id="8" idx="3"/>
+            <a:endCxn id="2" idx="1"/>
+          </p:cNvCxnSpPr>
+          <p:nvPr/>
+        </p:nvCxnSpPr>
+        <p:spPr>
+          <a:xfrm>
+            <a:off x="3690258" y="1866123"/>
+            <a:ext cx="1964093" cy="1754154"/>
+          </a:xfrm>
+          <a:prstGeom prst="straightConnector1">
+            <a:avLst/>
+          </a:prstGeom>
+          <a:ln>
+            <a:tailEnd type="triangle"/>
+          </a:ln>
+        </p:spPr>
+        <p:style>
+          <a:lnRef idx="1">
+            <a:schemeClr val="accent1"/>
+          </a:lnRef>
+          <a:fillRef idx="0">
+            <a:schemeClr val="accent1"/>
+          </a:fillRef>
+          <a:effectRef idx="0">
+            <a:schemeClr val="accent1"/>
+          </a:effectRef>
+          <a:fontRef idx="minor">
+            <a:schemeClr val="tx1"/>
+          </a:fontRef>
+        </p:style>
+      </p:cxnSp>
+      <p:sp>
+        <p:nvSpPr>
+          <p:cNvPr id="12" name="Rectangle 11">
+            <a:extLst>
+              <a:ext uri="{FF2B5EF4-FFF2-40B4-BE49-F238E27FC236}">
+                <a16:creationId xmlns:a16="http://schemas.microsoft.com/office/drawing/2014/main" id="{2F8FCE9F-823C-F168-FED6-40E3C43A48C3}"/>
+              </a:ext>
+            </a:extLst>
+          </p:cNvPr>
+          <p:cNvSpPr/>
+          <p:nvPr/>
+        </p:nvSpPr>
+        <p:spPr>
+          <a:xfrm>
+            <a:off x="1861459" y="2822508"/>
+            <a:ext cx="1847461" cy="1380931"/>
+          </a:xfrm>
+          <a:prstGeom prst="rect">
+            <a:avLst/>
+          </a:prstGeom>
+        </p:spPr>
+        <p:style>
+          <a:lnRef idx="2">
+            <a:schemeClr val="accent1">
+              <a:shade val="15000"/>
+            </a:schemeClr>
+          </a:lnRef>
+          <a:fillRef idx="1">
+            <a:schemeClr val="accent1"/>
+          </a:fillRef>
+          <a:effectRef idx="0">
+            <a:schemeClr val="accent1"/>
+          </a:effectRef>
+          <a:fontRef idx="minor">
+            <a:schemeClr val="lt1"/>
+          </a:fontRef>
+        </p:style>
+        <p:txBody>
+          <a:bodyPr rtlCol="0" anchor="ctr"/>
+          <a:lstStyle/>
+          <a:p>
+            <a:pPr algn="ctr"/>
+            <a:r>
+              <a:rPr lang="en-US" dirty="0"/>
+              <a:t>Clients</a:t>
+            </a:r>
+          </a:p>
+        </p:txBody>
+      </p:sp>
+      <p:cxnSp>
+        <p:nvCxnSpPr>
+          <p:cNvPr id="14" name="Straight Arrow Connector 13">
+            <a:extLst>
+              <a:ext uri="{FF2B5EF4-FFF2-40B4-BE49-F238E27FC236}">
+                <a16:creationId xmlns:a16="http://schemas.microsoft.com/office/drawing/2014/main" id="{4260F669-E2DE-1BDC-93A7-12F122B45547}"/>
+              </a:ext>
+            </a:extLst>
+          </p:cNvPr>
+          <p:cNvCxnSpPr>
+            <a:stCxn id="12" idx="3"/>
+            <a:endCxn id="2" idx="1"/>
+          </p:cNvCxnSpPr>
+          <p:nvPr/>
+        </p:nvCxnSpPr>
+        <p:spPr>
+          <a:xfrm>
+            <a:off x="3708920" y="3512974"/>
+            <a:ext cx="1945431" cy="107303"/>
+          </a:xfrm>
+          <a:prstGeom prst="straightConnector1">
+            <a:avLst/>
+          </a:prstGeom>
+          <a:ln>
+            <a:tailEnd type="triangle"/>
+          </a:ln>
+        </p:spPr>
+        <p:style>
+          <a:lnRef idx="1">
+            <a:schemeClr val="accent1"/>
+          </a:lnRef>
+          <a:fillRef idx="0">
+            <a:schemeClr val="accent1"/>
+          </a:fillRef>
+          <a:effectRef idx="0">
+            <a:schemeClr val="accent1"/>
+          </a:effectRef>
+          <a:fontRef idx="minor">
+            <a:schemeClr val="tx1"/>
+          </a:fontRef>
+        </p:style>
+      </p:cxnSp>
+      <p:sp>
+        <p:nvSpPr>
+          <p:cNvPr id="15" name="Rectangle 14">
+            <a:extLst>
+              <a:ext uri="{FF2B5EF4-FFF2-40B4-BE49-F238E27FC236}">
+                <a16:creationId xmlns:a16="http://schemas.microsoft.com/office/drawing/2014/main" id="{BE19BDF6-4594-836D-BD4A-A8B33F9B5F82}"/>
+              </a:ext>
+            </a:extLst>
+          </p:cNvPr>
+          <p:cNvSpPr/>
+          <p:nvPr/>
+        </p:nvSpPr>
+        <p:spPr>
+          <a:xfrm>
+            <a:off x="1842796" y="4603098"/>
+            <a:ext cx="1847461" cy="1380931"/>
+          </a:xfrm>
+          <a:prstGeom prst="rect">
+            <a:avLst/>
+          </a:prstGeom>
+        </p:spPr>
+        <p:style>
+          <a:lnRef idx="2">
+            <a:schemeClr val="accent1">
+              <a:shade val="15000"/>
+            </a:schemeClr>
+          </a:lnRef>
+          <a:fillRef idx="1">
+            <a:schemeClr val="accent1"/>
+          </a:fillRef>
+          <a:effectRef idx="0">
+            <a:schemeClr val="accent1"/>
+          </a:effectRef>
+          <a:fontRef idx="minor">
+            <a:schemeClr val="lt1"/>
+          </a:fontRef>
+        </p:style>
+        <p:txBody>
+          <a:bodyPr rtlCol="0" anchor="ctr"/>
+          <a:lstStyle/>
+          <a:p>
+            <a:pPr algn="ctr"/>
+            <a:r>
+              <a:rPr lang="en-US" dirty="0"/>
+              <a:t>Clients</a:t>
+            </a:r>
+          </a:p>
+        </p:txBody>
+      </p:sp>
+      <p:cxnSp>
+        <p:nvCxnSpPr>
+          <p:cNvPr id="17" name="Straight Arrow Connector 16">
+            <a:extLst>
+              <a:ext uri="{FF2B5EF4-FFF2-40B4-BE49-F238E27FC236}">
+                <a16:creationId xmlns:a16="http://schemas.microsoft.com/office/drawing/2014/main" id="{73E4D22E-92E5-7B65-6287-D0E01C2DBC03}"/>
+              </a:ext>
+            </a:extLst>
+          </p:cNvPr>
+          <p:cNvCxnSpPr>
+            <a:stCxn id="15" idx="3"/>
+            <a:endCxn id="2" idx="1"/>
+          </p:cNvCxnSpPr>
+          <p:nvPr/>
+        </p:nvCxnSpPr>
+        <p:spPr>
+          <a:xfrm flipV="1">
+            <a:off x="3690257" y="3620277"/>
+            <a:ext cx="1964094" cy="1673287"/>
+          </a:xfrm>
+          <a:prstGeom prst="straightConnector1">
+            <a:avLst/>
+          </a:prstGeom>
+          <a:ln>
+            <a:tailEnd type="triangle"/>
+          </a:ln>
+        </p:spPr>
+        <p:style>
+          <a:lnRef idx="1">
+            <a:schemeClr val="accent1"/>
+          </a:lnRef>
+          <a:fillRef idx="0">
+            <a:schemeClr val="accent1"/>
+          </a:fillRef>
+          <a:effectRef idx="0">
+            <a:schemeClr val="accent1"/>
+          </a:effectRef>
+          <a:fontRef idx="minor">
+            <a:schemeClr val="tx1"/>
+          </a:fontRef>
+        </p:style>
+      </p:cxnSp>
+    </p:spTree>
+    <p:extLst>
+      <p:ext uri="{BB962C8B-B14F-4D97-AF65-F5344CB8AC3E}">
+        <p14:creationId xmlns:p14="http://schemas.microsoft.com/office/powerpoint/2010/main" val="1049868006"/>
+      </p:ext>
+    </p:extLst>
+  </p:cSld>
+  <p:clrMapOvr>
+    <a:masterClrMapping/>
+  </p:clrMapOvr>
+</p:sld>
+</file>
+
+<file path=ppt/slides/slide33.xml><?xml version="1.0" encoding="utf-8"?>
+<p:sld xmlns:a="http://schemas.openxmlformats.org/drawingml/2006/main" xmlns:r="http://schemas.openxmlformats.org/officeDocument/2006/relationships" xmlns:p="http://schemas.openxmlformats.org/presentationml/2006/main">
+  <p:cSld>
+    <p:spTree>
+      <p:nvGrpSpPr>
+        <p:cNvPr id="1" name=""/>
+        <p:cNvGrpSpPr/>
+        <p:nvPr/>
+      </p:nvGrpSpPr>
+      <p:grpSpPr>
+        <a:xfrm>
+          <a:off x="0" y="0"/>
+          <a:ext cx="0" cy="0"/>
+          <a:chOff x="0" y="0"/>
+          <a:chExt cx="0" cy="0"/>
+        </a:xfrm>
+      </p:grpSpPr>
+      <p:sp>
+        <p:nvSpPr>
           <p:cNvPr id="2" name="Cylinder 1">
             <a:extLst>
               <a:ext uri="{FF2B5EF4-FFF2-40B4-BE49-F238E27FC236}">
@@ -22128,10 +22729,3986 @@
           </a:fontRef>
         </p:style>
       </p:cxnSp>
+      <p:sp>
+        <p:nvSpPr>
+          <p:cNvPr id="14" name="Rectangle 13">
+            <a:extLst>
+              <a:ext uri="{FF2B5EF4-FFF2-40B4-BE49-F238E27FC236}">
+                <a16:creationId xmlns:a16="http://schemas.microsoft.com/office/drawing/2014/main" id="{76948AC4-B54A-771B-8819-3814AC9B2942}"/>
+              </a:ext>
+            </a:extLst>
+          </p:cNvPr>
+          <p:cNvSpPr/>
+          <p:nvPr/>
+        </p:nvSpPr>
+        <p:spPr>
+          <a:xfrm>
+            <a:off x="3620278" y="727788"/>
+            <a:ext cx="2948473" cy="5645020"/>
+          </a:xfrm>
+          <a:prstGeom prst="rect">
+            <a:avLst/>
+          </a:prstGeom>
+        </p:spPr>
+        <p:style>
+          <a:lnRef idx="1">
+            <a:schemeClr val="accent2"/>
+          </a:lnRef>
+          <a:fillRef idx="2">
+            <a:schemeClr val="accent2"/>
+          </a:fillRef>
+          <a:effectRef idx="1">
+            <a:schemeClr val="accent2"/>
+          </a:effectRef>
+          <a:fontRef idx="minor">
+            <a:schemeClr val="dk1"/>
+          </a:fontRef>
+        </p:style>
+        <p:txBody>
+          <a:bodyPr rtlCol="0" anchor="ctr"/>
+          <a:lstStyle/>
+          <a:p>
+            <a:pPr algn="ctr"/>
+            <a:endParaRPr lang="en-US"/>
+          </a:p>
+        </p:txBody>
+      </p:sp>
+      <p:sp>
+        <p:nvSpPr>
+          <p:cNvPr id="16" name="TextBox 15">
+            <a:extLst>
+              <a:ext uri="{FF2B5EF4-FFF2-40B4-BE49-F238E27FC236}">
+                <a16:creationId xmlns:a16="http://schemas.microsoft.com/office/drawing/2014/main" id="{7F0CDE55-D4B8-05C7-F924-D40850F35B3D}"/>
+              </a:ext>
+            </a:extLst>
+          </p:cNvPr>
+          <p:cNvSpPr txBox="1"/>
+          <p:nvPr/>
+        </p:nvSpPr>
+        <p:spPr>
+          <a:xfrm>
+            <a:off x="3788229" y="941224"/>
+            <a:ext cx="2500604" cy="369332"/>
+          </a:xfrm>
+          <a:prstGeom prst="rect">
+            <a:avLst/>
+          </a:prstGeom>
+          <a:noFill/>
+        </p:spPr>
+        <p:txBody>
+          <a:bodyPr wrap="square" rtlCol="0">
+            <a:spAutoFit/>
+          </a:bodyPr>
+          <a:lstStyle/>
+          <a:p>
+            <a:pPr algn="ctr"/>
+            <a:r>
+              <a:rPr lang="en-US" dirty="0"/>
+              <a:t>Domain Workflow</a:t>
+            </a:r>
+          </a:p>
+        </p:txBody>
+      </p:sp>
+      <p:sp>
+        <p:nvSpPr>
+          <p:cNvPr id="18" name="Rectangle: Rounded Corners 17">
+            <a:extLst>
+              <a:ext uri="{FF2B5EF4-FFF2-40B4-BE49-F238E27FC236}">
+                <a16:creationId xmlns:a16="http://schemas.microsoft.com/office/drawing/2014/main" id="{A0EDBE8F-35F7-E879-D9A0-AE1B413AD238}"/>
+              </a:ext>
+            </a:extLst>
+          </p:cNvPr>
+          <p:cNvSpPr/>
+          <p:nvPr/>
+        </p:nvSpPr>
+        <p:spPr>
+          <a:xfrm>
+            <a:off x="3788229" y="1599612"/>
+            <a:ext cx="1007706" cy="621072"/>
+          </a:xfrm>
+          <a:prstGeom prst="roundRect">
+            <a:avLst/>
+          </a:prstGeom>
+        </p:spPr>
+        <p:style>
+          <a:lnRef idx="2">
+            <a:schemeClr val="accent1">
+              <a:shade val="15000"/>
+            </a:schemeClr>
+          </a:lnRef>
+          <a:fillRef idx="1">
+            <a:schemeClr val="accent1"/>
+          </a:fillRef>
+          <a:effectRef idx="0">
+            <a:schemeClr val="accent1"/>
+          </a:effectRef>
+          <a:fontRef idx="minor">
+            <a:schemeClr val="lt1"/>
+          </a:fontRef>
+        </p:style>
+        <p:txBody>
+          <a:bodyPr rtlCol="0" anchor="ctr"/>
+          <a:lstStyle/>
+          <a:p>
+            <a:pPr algn="ctr"/>
+            <a:endParaRPr lang="en-US"/>
+          </a:p>
+        </p:txBody>
+      </p:sp>
+      <p:sp>
+        <p:nvSpPr>
+          <p:cNvPr id="20" name="Rectangle: Rounded Corners 19">
+            <a:extLst>
+              <a:ext uri="{FF2B5EF4-FFF2-40B4-BE49-F238E27FC236}">
+                <a16:creationId xmlns:a16="http://schemas.microsoft.com/office/drawing/2014/main" id="{EE74287E-4AF8-4F8E-7D05-23E818038C60}"/>
+              </a:ext>
+            </a:extLst>
+          </p:cNvPr>
+          <p:cNvSpPr/>
+          <p:nvPr/>
+        </p:nvSpPr>
+        <p:spPr>
+          <a:xfrm>
+            <a:off x="5299790" y="1622940"/>
+            <a:ext cx="1007706" cy="621072"/>
+          </a:xfrm>
+          <a:prstGeom prst="roundRect">
+            <a:avLst/>
+          </a:prstGeom>
+        </p:spPr>
+        <p:style>
+          <a:lnRef idx="2">
+            <a:schemeClr val="accent1">
+              <a:shade val="15000"/>
+            </a:schemeClr>
+          </a:lnRef>
+          <a:fillRef idx="1">
+            <a:schemeClr val="accent1"/>
+          </a:fillRef>
+          <a:effectRef idx="0">
+            <a:schemeClr val="accent1"/>
+          </a:effectRef>
+          <a:fontRef idx="minor">
+            <a:schemeClr val="lt1"/>
+          </a:fontRef>
+        </p:style>
+        <p:txBody>
+          <a:bodyPr rtlCol="0" anchor="ctr"/>
+          <a:lstStyle/>
+          <a:p>
+            <a:pPr algn="ctr"/>
+            <a:endParaRPr lang="en-US"/>
+          </a:p>
+        </p:txBody>
+      </p:sp>
+      <p:sp>
+        <p:nvSpPr>
+          <p:cNvPr id="21" name="Rectangle: Rounded Corners 20">
+            <a:extLst>
+              <a:ext uri="{FF2B5EF4-FFF2-40B4-BE49-F238E27FC236}">
+                <a16:creationId xmlns:a16="http://schemas.microsoft.com/office/drawing/2014/main" id="{ADE9A92E-35BF-DE4B-E798-B17EB6E887DD}"/>
+              </a:ext>
+            </a:extLst>
+          </p:cNvPr>
+          <p:cNvSpPr/>
+          <p:nvPr/>
+        </p:nvSpPr>
+        <p:spPr>
+          <a:xfrm>
+            <a:off x="3788228" y="2525685"/>
+            <a:ext cx="1007706" cy="621072"/>
+          </a:xfrm>
+          <a:prstGeom prst="roundRect">
+            <a:avLst/>
+          </a:prstGeom>
+        </p:spPr>
+        <p:style>
+          <a:lnRef idx="2">
+            <a:schemeClr val="accent1">
+              <a:shade val="15000"/>
+            </a:schemeClr>
+          </a:lnRef>
+          <a:fillRef idx="1">
+            <a:schemeClr val="accent1"/>
+          </a:fillRef>
+          <a:effectRef idx="0">
+            <a:schemeClr val="accent1"/>
+          </a:effectRef>
+          <a:fontRef idx="minor">
+            <a:schemeClr val="lt1"/>
+          </a:fontRef>
+        </p:style>
+        <p:txBody>
+          <a:bodyPr rtlCol="0" anchor="ctr"/>
+          <a:lstStyle/>
+          <a:p>
+            <a:pPr algn="ctr"/>
+            <a:endParaRPr lang="en-US"/>
+          </a:p>
+        </p:txBody>
+      </p:sp>
+      <p:sp>
+        <p:nvSpPr>
+          <p:cNvPr id="22" name="Rectangle: Rounded Corners 21">
+            <a:extLst>
+              <a:ext uri="{FF2B5EF4-FFF2-40B4-BE49-F238E27FC236}">
+                <a16:creationId xmlns:a16="http://schemas.microsoft.com/office/drawing/2014/main" id="{67E167A1-0F2D-4CF6-E6C2-56F78D044CC0}"/>
+              </a:ext>
+            </a:extLst>
+          </p:cNvPr>
+          <p:cNvSpPr/>
+          <p:nvPr/>
+        </p:nvSpPr>
+        <p:spPr>
+          <a:xfrm>
+            <a:off x="5299789" y="2549013"/>
+            <a:ext cx="1007706" cy="621072"/>
+          </a:xfrm>
+          <a:prstGeom prst="roundRect">
+            <a:avLst/>
+          </a:prstGeom>
+        </p:spPr>
+        <p:style>
+          <a:lnRef idx="2">
+            <a:schemeClr val="accent1">
+              <a:shade val="15000"/>
+            </a:schemeClr>
+          </a:lnRef>
+          <a:fillRef idx="1">
+            <a:schemeClr val="accent1"/>
+          </a:fillRef>
+          <a:effectRef idx="0">
+            <a:schemeClr val="accent1"/>
+          </a:effectRef>
+          <a:fontRef idx="minor">
+            <a:schemeClr val="lt1"/>
+          </a:fontRef>
+        </p:style>
+        <p:txBody>
+          <a:bodyPr rtlCol="0" anchor="ctr"/>
+          <a:lstStyle/>
+          <a:p>
+            <a:pPr algn="ctr"/>
+            <a:endParaRPr lang="en-US"/>
+          </a:p>
+        </p:txBody>
+      </p:sp>
+      <p:sp>
+        <p:nvSpPr>
+          <p:cNvPr id="23" name="Rectangle: Rounded Corners 22">
+            <a:extLst>
+              <a:ext uri="{FF2B5EF4-FFF2-40B4-BE49-F238E27FC236}">
+                <a16:creationId xmlns:a16="http://schemas.microsoft.com/office/drawing/2014/main" id="{24BBB583-A900-B23C-85D3-9DEC7693F333}"/>
+              </a:ext>
+            </a:extLst>
+          </p:cNvPr>
+          <p:cNvSpPr/>
+          <p:nvPr/>
+        </p:nvSpPr>
+        <p:spPr>
+          <a:xfrm>
+            <a:off x="3769566" y="3501129"/>
+            <a:ext cx="1007706" cy="621072"/>
+          </a:xfrm>
+          <a:prstGeom prst="roundRect">
+            <a:avLst/>
+          </a:prstGeom>
+        </p:spPr>
+        <p:style>
+          <a:lnRef idx="2">
+            <a:schemeClr val="accent1">
+              <a:shade val="15000"/>
+            </a:schemeClr>
+          </a:lnRef>
+          <a:fillRef idx="1">
+            <a:schemeClr val="accent1"/>
+          </a:fillRef>
+          <a:effectRef idx="0">
+            <a:schemeClr val="accent1"/>
+          </a:effectRef>
+          <a:fontRef idx="minor">
+            <a:schemeClr val="lt1"/>
+          </a:fontRef>
+        </p:style>
+        <p:txBody>
+          <a:bodyPr rtlCol="0" anchor="ctr"/>
+          <a:lstStyle/>
+          <a:p>
+            <a:pPr algn="ctr"/>
+            <a:endParaRPr lang="en-US"/>
+          </a:p>
+        </p:txBody>
+      </p:sp>
+      <p:sp>
+        <p:nvSpPr>
+          <p:cNvPr id="24" name="Rectangle: Rounded Corners 23">
+            <a:extLst>
+              <a:ext uri="{FF2B5EF4-FFF2-40B4-BE49-F238E27FC236}">
+                <a16:creationId xmlns:a16="http://schemas.microsoft.com/office/drawing/2014/main" id="{C2A8112A-ED4E-9826-FDC5-950BDBA8E38D}"/>
+              </a:ext>
+            </a:extLst>
+          </p:cNvPr>
+          <p:cNvSpPr/>
+          <p:nvPr/>
+        </p:nvSpPr>
+        <p:spPr>
+          <a:xfrm>
+            <a:off x="5281127" y="3524457"/>
+            <a:ext cx="1007706" cy="621072"/>
+          </a:xfrm>
+          <a:prstGeom prst="roundRect">
+            <a:avLst/>
+          </a:prstGeom>
+        </p:spPr>
+        <p:style>
+          <a:lnRef idx="2">
+            <a:schemeClr val="accent1">
+              <a:shade val="15000"/>
+            </a:schemeClr>
+          </a:lnRef>
+          <a:fillRef idx="1">
+            <a:schemeClr val="accent1"/>
+          </a:fillRef>
+          <a:effectRef idx="0">
+            <a:schemeClr val="accent1"/>
+          </a:effectRef>
+          <a:fontRef idx="minor">
+            <a:schemeClr val="lt1"/>
+          </a:fontRef>
+        </p:style>
+        <p:txBody>
+          <a:bodyPr rtlCol="0" anchor="ctr"/>
+          <a:lstStyle/>
+          <a:p>
+            <a:pPr algn="ctr"/>
+            <a:endParaRPr lang="en-US"/>
+          </a:p>
+        </p:txBody>
+      </p:sp>
+      <p:sp>
+        <p:nvSpPr>
+          <p:cNvPr id="25" name="Rectangle: Rounded Corners 24">
+            <a:extLst>
+              <a:ext uri="{FF2B5EF4-FFF2-40B4-BE49-F238E27FC236}">
+                <a16:creationId xmlns:a16="http://schemas.microsoft.com/office/drawing/2014/main" id="{72F7DCCE-44A8-1871-E78A-CBEBBDC0B2CB}"/>
+              </a:ext>
+            </a:extLst>
+          </p:cNvPr>
+          <p:cNvSpPr/>
+          <p:nvPr/>
+        </p:nvSpPr>
+        <p:spPr>
+          <a:xfrm>
+            <a:off x="3746240" y="4401932"/>
+            <a:ext cx="1007706" cy="621072"/>
+          </a:xfrm>
+          <a:prstGeom prst="roundRect">
+            <a:avLst/>
+          </a:prstGeom>
+        </p:spPr>
+        <p:style>
+          <a:lnRef idx="2">
+            <a:schemeClr val="accent1">
+              <a:shade val="15000"/>
+            </a:schemeClr>
+          </a:lnRef>
+          <a:fillRef idx="1">
+            <a:schemeClr val="accent1"/>
+          </a:fillRef>
+          <a:effectRef idx="0">
+            <a:schemeClr val="accent1"/>
+          </a:effectRef>
+          <a:fontRef idx="minor">
+            <a:schemeClr val="lt1"/>
+          </a:fontRef>
+        </p:style>
+        <p:txBody>
+          <a:bodyPr rtlCol="0" anchor="ctr"/>
+          <a:lstStyle/>
+          <a:p>
+            <a:pPr algn="ctr"/>
+            <a:endParaRPr lang="en-US"/>
+          </a:p>
+        </p:txBody>
+      </p:sp>
+      <p:sp>
+        <p:nvSpPr>
+          <p:cNvPr id="26" name="Rectangle: Rounded Corners 25">
+            <a:extLst>
+              <a:ext uri="{FF2B5EF4-FFF2-40B4-BE49-F238E27FC236}">
+                <a16:creationId xmlns:a16="http://schemas.microsoft.com/office/drawing/2014/main" id="{66428460-F69E-5038-90B4-CC3C546AF1EB}"/>
+              </a:ext>
+            </a:extLst>
+          </p:cNvPr>
+          <p:cNvSpPr/>
+          <p:nvPr/>
+        </p:nvSpPr>
+        <p:spPr>
+          <a:xfrm>
+            <a:off x="5257801" y="4425260"/>
+            <a:ext cx="1007706" cy="621072"/>
+          </a:xfrm>
+          <a:prstGeom prst="roundRect">
+            <a:avLst/>
+          </a:prstGeom>
+        </p:spPr>
+        <p:style>
+          <a:lnRef idx="2">
+            <a:schemeClr val="accent1">
+              <a:shade val="15000"/>
+            </a:schemeClr>
+          </a:lnRef>
+          <a:fillRef idx="1">
+            <a:schemeClr val="accent1"/>
+          </a:fillRef>
+          <a:effectRef idx="0">
+            <a:schemeClr val="accent1"/>
+          </a:effectRef>
+          <a:fontRef idx="minor">
+            <a:schemeClr val="lt1"/>
+          </a:fontRef>
+        </p:style>
+        <p:txBody>
+          <a:bodyPr rtlCol="0" anchor="ctr"/>
+          <a:lstStyle/>
+          <a:p>
+            <a:pPr algn="ctr"/>
+            <a:endParaRPr lang="en-US"/>
+          </a:p>
+        </p:txBody>
+      </p:sp>
+      <p:sp>
+        <p:nvSpPr>
+          <p:cNvPr id="27" name="Rectangle: Rounded Corners 26">
+            <a:extLst>
+              <a:ext uri="{FF2B5EF4-FFF2-40B4-BE49-F238E27FC236}">
+                <a16:creationId xmlns:a16="http://schemas.microsoft.com/office/drawing/2014/main" id="{765F1AD7-7B23-5B6F-9A22-3E6F1F9789D0}"/>
+              </a:ext>
+            </a:extLst>
+          </p:cNvPr>
+          <p:cNvSpPr/>
+          <p:nvPr/>
+        </p:nvSpPr>
+        <p:spPr>
+          <a:xfrm>
+            <a:off x="3727578" y="5377376"/>
+            <a:ext cx="1007706" cy="621072"/>
+          </a:xfrm>
+          <a:prstGeom prst="roundRect">
+            <a:avLst/>
+          </a:prstGeom>
+        </p:spPr>
+        <p:style>
+          <a:lnRef idx="2">
+            <a:schemeClr val="accent1">
+              <a:shade val="15000"/>
+            </a:schemeClr>
+          </a:lnRef>
+          <a:fillRef idx="1">
+            <a:schemeClr val="accent1"/>
+          </a:fillRef>
+          <a:effectRef idx="0">
+            <a:schemeClr val="accent1"/>
+          </a:effectRef>
+          <a:fontRef idx="minor">
+            <a:schemeClr val="lt1"/>
+          </a:fontRef>
+        </p:style>
+        <p:txBody>
+          <a:bodyPr rtlCol="0" anchor="ctr"/>
+          <a:lstStyle/>
+          <a:p>
+            <a:pPr algn="ctr"/>
+            <a:endParaRPr lang="en-US" dirty="0"/>
+          </a:p>
+        </p:txBody>
+      </p:sp>
+      <p:sp>
+        <p:nvSpPr>
+          <p:cNvPr id="28" name="Rectangle: Rounded Corners 27">
+            <a:extLst>
+              <a:ext uri="{FF2B5EF4-FFF2-40B4-BE49-F238E27FC236}">
+                <a16:creationId xmlns:a16="http://schemas.microsoft.com/office/drawing/2014/main" id="{6770B0F8-E102-16D7-9B18-745AB43FB041}"/>
+              </a:ext>
+            </a:extLst>
+          </p:cNvPr>
+          <p:cNvSpPr/>
+          <p:nvPr/>
+        </p:nvSpPr>
+        <p:spPr>
+          <a:xfrm>
+            <a:off x="5239139" y="5400704"/>
+            <a:ext cx="1007706" cy="621072"/>
+          </a:xfrm>
+          <a:prstGeom prst="roundRect">
+            <a:avLst/>
+          </a:prstGeom>
+        </p:spPr>
+        <p:style>
+          <a:lnRef idx="2">
+            <a:schemeClr val="accent1">
+              <a:shade val="15000"/>
+            </a:schemeClr>
+          </a:lnRef>
+          <a:fillRef idx="1">
+            <a:schemeClr val="accent1"/>
+          </a:fillRef>
+          <a:effectRef idx="0">
+            <a:schemeClr val="accent1"/>
+          </a:effectRef>
+          <a:fontRef idx="minor">
+            <a:schemeClr val="lt1"/>
+          </a:fontRef>
+        </p:style>
+        <p:txBody>
+          <a:bodyPr rtlCol="0" anchor="ctr"/>
+          <a:lstStyle/>
+          <a:p>
+            <a:pPr algn="ctr"/>
+            <a:endParaRPr lang="en-US"/>
+          </a:p>
+        </p:txBody>
+      </p:sp>
+      <p:sp>
+        <p:nvSpPr>
+          <p:cNvPr id="29" name="Right Brace 28">
+            <a:extLst>
+              <a:ext uri="{FF2B5EF4-FFF2-40B4-BE49-F238E27FC236}">
+                <a16:creationId xmlns:a16="http://schemas.microsoft.com/office/drawing/2014/main" id="{70664E47-780F-2C1D-0302-6C09D78080E5}"/>
+              </a:ext>
+            </a:extLst>
+          </p:cNvPr>
+          <p:cNvSpPr/>
+          <p:nvPr/>
+        </p:nvSpPr>
+        <p:spPr>
+          <a:xfrm>
+            <a:off x="6307495" y="1474237"/>
+            <a:ext cx="396551" cy="4655975"/>
+          </a:xfrm>
+          <a:prstGeom prst="rightBrace">
+            <a:avLst/>
+          </a:prstGeom>
+          <a:ln w="76200">
+            <a:solidFill>
+              <a:srgbClr val="FF0000"/>
+            </a:solidFill>
+          </a:ln>
+        </p:spPr>
+        <p:style>
+          <a:lnRef idx="1">
+            <a:schemeClr val="accent1"/>
+          </a:lnRef>
+          <a:fillRef idx="0">
+            <a:schemeClr val="accent1"/>
+          </a:fillRef>
+          <a:effectRef idx="0">
+            <a:schemeClr val="accent1"/>
+          </a:effectRef>
+          <a:fontRef idx="minor">
+            <a:schemeClr val="tx1"/>
+          </a:fontRef>
+        </p:style>
+        <p:txBody>
+          <a:bodyPr rtlCol="0" anchor="ctr"/>
+          <a:lstStyle/>
+          <a:p>
+            <a:pPr algn="ctr"/>
+            <a:endParaRPr lang="en-US"/>
+          </a:p>
+        </p:txBody>
+      </p:sp>
+      <p:cxnSp>
+        <p:nvCxnSpPr>
+          <p:cNvPr id="31" name="Connector: Elbow 30">
+            <a:extLst>
+              <a:ext uri="{FF2B5EF4-FFF2-40B4-BE49-F238E27FC236}">
+                <a16:creationId xmlns:a16="http://schemas.microsoft.com/office/drawing/2014/main" id="{488A3F86-DB92-38FD-F97B-AEBEB7EC027C}"/>
+              </a:ext>
+            </a:extLst>
+          </p:cNvPr>
+          <p:cNvCxnSpPr>
+            <a:stCxn id="29" idx="1"/>
+            <a:endCxn id="4" idx="0"/>
+          </p:cNvCxnSpPr>
+          <p:nvPr/>
+        </p:nvCxnSpPr>
+        <p:spPr>
+          <a:xfrm rot="10800000" flipH="1">
+            <a:off x="6704045" y="727789"/>
+            <a:ext cx="1562877" cy="3074437"/>
+          </a:xfrm>
+          <a:prstGeom prst="bentConnector4">
+            <a:avLst>
+              <a:gd name="adj1" fmla="val 5970"/>
+              <a:gd name="adj2" fmla="val 107436"/>
+            </a:avLst>
+          </a:prstGeom>
+          <a:ln>
+            <a:tailEnd type="triangle"/>
+          </a:ln>
+        </p:spPr>
+        <p:style>
+          <a:lnRef idx="1">
+            <a:schemeClr val="accent1"/>
+          </a:lnRef>
+          <a:fillRef idx="0">
+            <a:schemeClr val="accent1"/>
+          </a:fillRef>
+          <a:effectRef idx="0">
+            <a:schemeClr val="accent1"/>
+          </a:effectRef>
+          <a:fontRef idx="minor">
+            <a:schemeClr val="tx1"/>
+          </a:fontRef>
+        </p:style>
+      </p:cxnSp>
+      <p:sp>
+        <p:nvSpPr>
+          <p:cNvPr id="33" name="Rectangle: Rounded Corners 32">
+            <a:extLst>
+              <a:ext uri="{FF2B5EF4-FFF2-40B4-BE49-F238E27FC236}">
+                <a16:creationId xmlns:a16="http://schemas.microsoft.com/office/drawing/2014/main" id="{2DFCCF59-85CC-65F9-8B53-EE4A6C62F232}"/>
+              </a:ext>
+            </a:extLst>
+          </p:cNvPr>
+          <p:cNvSpPr/>
+          <p:nvPr/>
+        </p:nvSpPr>
+        <p:spPr>
+          <a:xfrm>
+            <a:off x="298576" y="693252"/>
+            <a:ext cx="1754156" cy="1067767"/>
+          </a:xfrm>
+          <a:prstGeom prst="roundRect">
+            <a:avLst/>
+          </a:prstGeom>
+        </p:spPr>
+        <p:style>
+          <a:lnRef idx="2">
+            <a:schemeClr val="accent1">
+              <a:shade val="15000"/>
+            </a:schemeClr>
+          </a:lnRef>
+          <a:fillRef idx="1">
+            <a:schemeClr val="accent1"/>
+          </a:fillRef>
+          <a:effectRef idx="0">
+            <a:schemeClr val="accent1"/>
+          </a:effectRef>
+          <a:fontRef idx="minor">
+            <a:schemeClr val="lt1"/>
+          </a:fontRef>
+        </p:style>
+        <p:txBody>
+          <a:bodyPr rtlCol="0" anchor="ctr"/>
+          <a:lstStyle/>
+          <a:p>
+            <a:pPr algn="ctr"/>
+            <a:r>
+              <a:rPr lang="en-US" dirty="0"/>
+              <a:t>Cross Platform Desktop Apps</a:t>
+            </a:r>
+          </a:p>
+        </p:txBody>
+      </p:sp>
+      <p:sp>
+        <p:nvSpPr>
+          <p:cNvPr id="34" name="Rectangle: Rounded Corners 33">
+            <a:extLst>
+              <a:ext uri="{FF2B5EF4-FFF2-40B4-BE49-F238E27FC236}">
+                <a16:creationId xmlns:a16="http://schemas.microsoft.com/office/drawing/2014/main" id="{9FBDABBE-FC13-5CD6-DF9E-01D6A18A84B0}"/>
+              </a:ext>
+            </a:extLst>
+          </p:cNvPr>
+          <p:cNvSpPr/>
+          <p:nvPr/>
+        </p:nvSpPr>
+        <p:spPr>
+          <a:xfrm>
+            <a:off x="289243" y="2065240"/>
+            <a:ext cx="1754156" cy="1067767"/>
+          </a:xfrm>
+          <a:prstGeom prst="roundRect">
+            <a:avLst/>
+          </a:prstGeom>
+        </p:spPr>
+        <p:style>
+          <a:lnRef idx="2">
+            <a:schemeClr val="accent1">
+              <a:shade val="15000"/>
+            </a:schemeClr>
+          </a:lnRef>
+          <a:fillRef idx="1">
+            <a:schemeClr val="accent1"/>
+          </a:fillRef>
+          <a:effectRef idx="0">
+            <a:schemeClr val="accent1"/>
+          </a:effectRef>
+          <a:fontRef idx="minor">
+            <a:schemeClr val="lt1"/>
+          </a:fontRef>
+        </p:style>
+        <p:txBody>
+          <a:bodyPr rtlCol="0" anchor="ctr"/>
+          <a:lstStyle/>
+          <a:p>
+            <a:pPr algn="ctr"/>
+            <a:r>
+              <a:rPr lang="en-US" dirty="0"/>
+              <a:t>Web Apps</a:t>
+            </a:r>
+          </a:p>
+        </p:txBody>
+      </p:sp>
+      <p:sp>
+        <p:nvSpPr>
+          <p:cNvPr id="35" name="Rectangle: Rounded Corners 34">
+            <a:extLst>
+              <a:ext uri="{FF2B5EF4-FFF2-40B4-BE49-F238E27FC236}">
+                <a16:creationId xmlns:a16="http://schemas.microsoft.com/office/drawing/2014/main" id="{85798B5A-95E8-1FD1-47A5-25E34A0AB709}"/>
+              </a:ext>
+            </a:extLst>
+          </p:cNvPr>
+          <p:cNvSpPr/>
+          <p:nvPr/>
+        </p:nvSpPr>
+        <p:spPr>
+          <a:xfrm>
+            <a:off x="242592" y="3501129"/>
+            <a:ext cx="1754156" cy="1067767"/>
+          </a:xfrm>
+          <a:prstGeom prst="roundRect">
+            <a:avLst/>
+          </a:prstGeom>
+        </p:spPr>
+        <p:style>
+          <a:lnRef idx="2">
+            <a:schemeClr val="accent1">
+              <a:shade val="15000"/>
+            </a:schemeClr>
+          </a:lnRef>
+          <a:fillRef idx="1">
+            <a:schemeClr val="accent1"/>
+          </a:fillRef>
+          <a:effectRef idx="0">
+            <a:schemeClr val="accent1"/>
+          </a:effectRef>
+          <a:fontRef idx="minor">
+            <a:schemeClr val="lt1"/>
+          </a:fontRef>
+        </p:style>
+        <p:txBody>
+          <a:bodyPr rtlCol="0" anchor="ctr"/>
+          <a:lstStyle/>
+          <a:p>
+            <a:pPr algn="ctr"/>
+            <a:r>
+              <a:rPr lang="en-US" dirty="0"/>
+              <a:t>Mobile Apps</a:t>
+            </a:r>
+          </a:p>
+          <a:p>
+            <a:pPr algn="ctr"/>
+            <a:r>
+              <a:rPr lang="en-US" dirty="0"/>
+              <a:t>Android, iOS</a:t>
+            </a:r>
+          </a:p>
+        </p:txBody>
+      </p:sp>
+      <p:sp>
+        <p:nvSpPr>
+          <p:cNvPr id="36" name="Rectangle: Rounded Corners 35">
+            <a:extLst>
+              <a:ext uri="{FF2B5EF4-FFF2-40B4-BE49-F238E27FC236}">
+                <a16:creationId xmlns:a16="http://schemas.microsoft.com/office/drawing/2014/main" id="{CC3054DF-506F-EAE7-3BC8-FFCD8AC9E1E5}"/>
+              </a:ext>
+            </a:extLst>
+          </p:cNvPr>
+          <p:cNvSpPr/>
+          <p:nvPr/>
+        </p:nvSpPr>
+        <p:spPr>
+          <a:xfrm>
+            <a:off x="249588" y="5062445"/>
+            <a:ext cx="1754156" cy="1067767"/>
+          </a:xfrm>
+          <a:prstGeom prst="roundRect">
+            <a:avLst/>
+          </a:prstGeom>
+        </p:spPr>
+        <p:style>
+          <a:lnRef idx="2">
+            <a:schemeClr val="accent1">
+              <a:shade val="15000"/>
+            </a:schemeClr>
+          </a:lnRef>
+          <a:fillRef idx="1">
+            <a:schemeClr val="accent1"/>
+          </a:fillRef>
+          <a:effectRef idx="0">
+            <a:schemeClr val="accent1"/>
+          </a:effectRef>
+          <a:fontRef idx="minor">
+            <a:schemeClr val="lt1"/>
+          </a:fontRef>
+        </p:style>
+        <p:txBody>
+          <a:bodyPr rtlCol="0" anchor="ctr"/>
+          <a:lstStyle/>
+          <a:p>
+            <a:pPr algn="ctr"/>
+            <a:r>
+              <a:rPr lang="en-US" dirty="0"/>
+              <a:t>Browser Apps</a:t>
+            </a:r>
+          </a:p>
+          <a:p>
+            <a:pPr algn="ctr"/>
+            <a:r>
+              <a:rPr lang="en-US" dirty="0"/>
+              <a:t>Jquery, Angular, React, Vue, Etc.</a:t>
+            </a:r>
+          </a:p>
+        </p:txBody>
+      </p:sp>
+      <p:cxnSp>
+        <p:nvCxnSpPr>
+          <p:cNvPr id="38" name="Connector: Elbow 37">
+            <a:extLst>
+              <a:ext uri="{FF2B5EF4-FFF2-40B4-BE49-F238E27FC236}">
+                <a16:creationId xmlns:a16="http://schemas.microsoft.com/office/drawing/2014/main" id="{1AAD61E3-2F43-D029-FE0E-FACDFB4F6941}"/>
+              </a:ext>
+            </a:extLst>
+          </p:cNvPr>
+          <p:cNvCxnSpPr>
+            <a:stCxn id="33" idx="3"/>
+            <a:endCxn id="14" idx="1"/>
+          </p:cNvCxnSpPr>
+          <p:nvPr/>
+        </p:nvCxnSpPr>
+        <p:spPr>
+          <a:xfrm>
+            <a:off x="2052732" y="1227136"/>
+            <a:ext cx="1567546" cy="2323162"/>
+          </a:xfrm>
+          <a:prstGeom prst="bentConnector3">
+            <a:avLst/>
+          </a:prstGeom>
+          <a:ln>
+            <a:headEnd type="triangle"/>
+            <a:tailEnd type="triangle"/>
+          </a:ln>
+        </p:spPr>
+        <p:style>
+          <a:lnRef idx="1">
+            <a:schemeClr val="accent1"/>
+          </a:lnRef>
+          <a:fillRef idx="0">
+            <a:schemeClr val="accent1"/>
+          </a:fillRef>
+          <a:effectRef idx="0">
+            <a:schemeClr val="accent1"/>
+          </a:effectRef>
+          <a:fontRef idx="minor">
+            <a:schemeClr val="tx1"/>
+          </a:fontRef>
+        </p:style>
+      </p:cxnSp>
+      <p:cxnSp>
+        <p:nvCxnSpPr>
+          <p:cNvPr id="40" name="Connector: Elbow 39">
+            <a:extLst>
+              <a:ext uri="{FF2B5EF4-FFF2-40B4-BE49-F238E27FC236}">
+                <a16:creationId xmlns:a16="http://schemas.microsoft.com/office/drawing/2014/main" id="{8A6E95CD-33D2-C4A0-BBDA-DEBC341C70E8}"/>
+              </a:ext>
+            </a:extLst>
+          </p:cNvPr>
+          <p:cNvCxnSpPr>
+            <a:stCxn id="34" idx="3"/>
+            <a:endCxn id="14" idx="1"/>
+          </p:cNvCxnSpPr>
+          <p:nvPr/>
+        </p:nvCxnSpPr>
+        <p:spPr>
+          <a:xfrm>
+            <a:off x="2043399" y="2599124"/>
+            <a:ext cx="1576879" cy="951174"/>
+          </a:xfrm>
+          <a:prstGeom prst="bentConnector3">
+            <a:avLst/>
+          </a:prstGeom>
+          <a:ln>
+            <a:headEnd type="triangle"/>
+            <a:tailEnd type="triangle"/>
+          </a:ln>
+        </p:spPr>
+        <p:style>
+          <a:lnRef idx="1">
+            <a:schemeClr val="accent1"/>
+          </a:lnRef>
+          <a:fillRef idx="0">
+            <a:schemeClr val="accent1"/>
+          </a:fillRef>
+          <a:effectRef idx="0">
+            <a:schemeClr val="accent1"/>
+          </a:effectRef>
+          <a:fontRef idx="minor">
+            <a:schemeClr val="tx1"/>
+          </a:fontRef>
+        </p:style>
+      </p:cxnSp>
+      <p:sp>
+        <p:nvSpPr>
+          <p:cNvPr id="41" name="Flowchart: Process 40">
+            <a:extLst>
+              <a:ext uri="{FF2B5EF4-FFF2-40B4-BE49-F238E27FC236}">
+                <a16:creationId xmlns:a16="http://schemas.microsoft.com/office/drawing/2014/main" id="{595D2417-E84D-B590-BC9D-F03458D594C2}"/>
+              </a:ext>
+            </a:extLst>
+          </p:cNvPr>
+          <p:cNvSpPr/>
+          <p:nvPr/>
+        </p:nvSpPr>
+        <p:spPr>
+          <a:xfrm>
+            <a:off x="2453951" y="3834993"/>
+            <a:ext cx="863083" cy="2453840"/>
+          </a:xfrm>
+          <a:prstGeom prst="flowChartProcess">
+            <a:avLst/>
+          </a:prstGeom>
+        </p:spPr>
+        <p:style>
+          <a:lnRef idx="2">
+            <a:schemeClr val="accent1">
+              <a:shade val="15000"/>
+            </a:schemeClr>
+          </a:lnRef>
+          <a:fillRef idx="1">
+            <a:schemeClr val="accent1"/>
+          </a:fillRef>
+          <a:effectRef idx="0">
+            <a:schemeClr val="accent1"/>
+          </a:effectRef>
+          <a:fontRef idx="minor">
+            <a:schemeClr val="lt1"/>
+          </a:fontRef>
+        </p:style>
+        <p:txBody>
+          <a:bodyPr rtlCol="0" anchor="ctr"/>
+          <a:lstStyle/>
+          <a:p>
+            <a:pPr algn="ctr"/>
+            <a:r>
+              <a:rPr lang="en-US" dirty="0"/>
+              <a:t>API</a:t>
+            </a:r>
+          </a:p>
+        </p:txBody>
+      </p:sp>
+      <p:cxnSp>
+        <p:nvCxnSpPr>
+          <p:cNvPr id="43" name="Connector: Elbow 42">
+            <a:extLst>
+              <a:ext uri="{FF2B5EF4-FFF2-40B4-BE49-F238E27FC236}">
+                <a16:creationId xmlns:a16="http://schemas.microsoft.com/office/drawing/2014/main" id="{3E330050-E412-5EBF-1DF2-AF8457C858C6}"/>
+              </a:ext>
+            </a:extLst>
+          </p:cNvPr>
+          <p:cNvCxnSpPr>
+            <a:stCxn id="35" idx="3"/>
+            <a:endCxn id="41" idx="1"/>
+          </p:cNvCxnSpPr>
+          <p:nvPr/>
+        </p:nvCxnSpPr>
+        <p:spPr>
+          <a:xfrm>
+            <a:off x="1996748" y="4035013"/>
+            <a:ext cx="457203" cy="1026900"/>
+          </a:xfrm>
+          <a:prstGeom prst="bentConnector3">
+            <a:avLst/>
+          </a:prstGeom>
+          <a:ln>
+            <a:headEnd type="triangle"/>
+            <a:tailEnd type="triangle"/>
+          </a:ln>
+        </p:spPr>
+        <p:style>
+          <a:lnRef idx="1">
+            <a:schemeClr val="accent1"/>
+          </a:lnRef>
+          <a:fillRef idx="0">
+            <a:schemeClr val="accent1"/>
+          </a:fillRef>
+          <a:effectRef idx="0">
+            <a:schemeClr val="accent1"/>
+          </a:effectRef>
+          <a:fontRef idx="minor">
+            <a:schemeClr val="tx1"/>
+          </a:fontRef>
+        </p:style>
+      </p:cxnSp>
+      <p:cxnSp>
+        <p:nvCxnSpPr>
+          <p:cNvPr id="45" name="Connector: Elbow 44">
+            <a:extLst>
+              <a:ext uri="{FF2B5EF4-FFF2-40B4-BE49-F238E27FC236}">
+                <a16:creationId xmlns:a16="http://schemas.microsoft.com/office/drawing/2014/main" id="{6FBC3DE6-AF11-51B1-BB3A-8284ADE1483E}"/>
+              </a:ext>
+            </a:extLst>
+          </p:cNvPr>
+          <p:cNvCxnSpPr>
+            <a:stCxn id="36" idx="3"/>
+            <a:endCxn id="41" idx="1"/>
+          </p:cNvCxnSpPr>
+          <p:nvPr/>
+        </p:nvCxnSpPr>
+        <p:spPr>
+          <a:xfrm flipV="1">
+            <a:off x="2003744" y="5061913"/>
+            <a:ext cx="450207" cy="534416"/>
+          </a:xfrm>
+          <a:prstGeom prst="bentConnector3">
+            <a:avLst/>
+          </a:prstGeom>
+          <a:ln>
+            <a:headEnd type="triangle"/>
+            <a:tailEnd type="triangle"/>
+          </a:ln>
+        </p:spPr>
+        <p:style>
+          <a:lnRef idx="1">
+            <a:schemeClr val="accent1"/>
+          </a:lnRef>
+          <a:fillRef idx="0">
+            <a:schemeClr val="accent1"/>
+          </a:fillRef>
+          <a:effectRef idx="0">
+            <a:schemeClr val="accent1"/>
+          </a:effectRef>
+          <a:fontRef idx="minor">
+            <a:schemeClr val="tx1"/>
+          </a:fontRef>
+        </p:style>
+      </p:cxnSp>
+      <p:cxnSp>
+        <p:nvCxnSpPr>
+          <p:cNvPr id="47" name="Connector: Elbow 46">
+            <a:extLst>
+              <a:ext uri="{FF2B5EF4-FFF2-40B4-BE49-F238E27FC236}">
+                <a16:creationId xmlns:a16="http://schemas.microsoft.com/office/drawing/2014/main" id="{1BF3186B-DB8D-F82B-6110-7CAE36D7FDB9}"/>
+              </a:ext>
+            </a:extLst>
+          </p:cNvPr>
+          <p:cNvCxnSpPr>
+            <a:stCxn id="41" idx="3"/>
+            <a:endCxn id="14" idx="1"/>
+          </p:cNvCxnSpPr>
+          <p:nvPr/>
+        </p:nvCxnSpPr>
+        <p:spPr>
+          <a:xfrm flipV="1">
+            <a:off x="3317034" y="3550298"/>
+            <a:ext cx="303244" cy="1511615"/>
+          </a:xfrm>
+          <a:prstGeom prst="bentConnector3">
+            <a:avLst/>
+          </a:prstGeom>
+          <a:ln>
+            <a:headEnd type="triangle"/>
+            <a:tailEnd type="triangle"/>
+          </a:ln>
+        </p:spPr>
+        <p:style>
+          <a:lnRef idx="1">
+            <a:schemeClr val="accent1"/>
+          </a:lnRef>
+          <a:fillRef idx="0">
+            <a:schemeClr val="accent1"/>
+          </a:fillRef>
+          <a:effectRef idx="0">
+            <a:schemeClr val="accent1"/>
+          </a:effectRef>
+          <a:fontRef idx="minor">
+            <a:schemeClr val="tx1"/>
+          </a:fontRef>
+        </p:style>
+      </p:cxnSp>
     </p:spTree>
     <p:extLst>
       <p:ext uri="{BB962C8B-B14F-4D97-AF65-F5344CB8AC3E}">
         <p14:creationId xmlns:p14="http://schemas.microsoft.com/office/powerpoint/2010/main" val="485196807"/>
+      </p:ext>
+    </p:extLst>
+  </p:cSld>
+  <p:clrMapOvr>
+    <a:masterClrMapping/>
+  </p:clrMapOvr>
+</p:sld>
+</file>
+
+<file path=ppt/slides/slide34.xml><?xml version="1.0" encoding="utf-8"?>
+<p:sld xmlns:a="http://schemas.openxmlformats.org/drawingml/2006/main" xmlns:r="http://schemas.openxmlformats.org/officeDocument/2006/relationships" xmlns:p="http://schemas.openxmlformats.org/presentationml/2006/main">
+  <p:cSld>
+    <p:spTree>
+      <p:nvGrpSpPr>
+        <p:cNvPr id="1" name=""/>
+        <p:cNvGrpSpPr/>
+        <p:nvPr/>
+      </p:nvGrpSpPr>
+      <p:grpSpPr>
+        <a:xfrm>
+          <a:off x="0" y="0"/>
+          <a:ext cx="0" cy="0"/>
+          <a:chOff x="0" y="0"/>
+          <a:chExt cx="0" cy="0"/>
+        </a:xfrm>
+      </p:grpSpPr>
+      <p:sp>
+        <p:nvSpPr>
+          <p:cNvPr id="2" name="Rectangle 1">
+            <a:extLst>
+              <a:ext uri="{FF2B5EF4-FFF2-40B4-BE49-F238E27FC236}">
+                <a16:creationId xmlns:a16="http://schemas.microsoft.com/office/drawing/2014/main" id="{02F9D0BD-B390-4EA6-CB19-375DB9958164}"/>
+              </a:ext>
+            </a:extLst>
+          </p:cNvPr>
+          <p:cNvSpPr/>
+          <p:nvPr/>
+        </p:nvSpPr>
+        <p:spPr>
+          <a:xfrm>
+            <a:off x="5467739" y="345232"/>
+            <a:ext cx="3657600" cy="6298163"/>
+          </a:xfrm>
+          <a:prstGeom prst="rect">
+            <a:avLst/>
+          </a:prstGeom>
+        </p:spPr>
+        <p:style>
+          <a:lnRef idx="1">
+            <a:schemeClr val="dk1"/>
+          </a:lnRef>
+          <a:fillRef idx="2">
+            <a:schemeClr val="dk1"/>
+          </a:fillRef>
+          <a:effectRef idx="1">
+            <a:schemeClr val="dk1"/>
+          </a:effectRef>
+          <a:fontRef idx="minor">
+            <a:schemeClr val="dk1"/>
+          </a:fontRef>
+        </p:style>
+        <p:txBody>
+          <a:bodyPr rtlCol="0" anchor="ctr"/>
+          <a:lstStyle/>
+          <a:p>
+            <a:pPr algn="ctr"/>
+            <a:endParaRPr lang="en-US"/>
+          </a:p>
+        </p:txBody>
+      </p:sp>
+      <p:sp>
+        <p:nvSpPr>
+          <p:cNvPr id="3" name="TextBox 2">
+            <a:extLst>
+              <a:ext uri="{FF2B5EF4-FFF2-40B4-BE49-F238E27FC236}">
+                <a16:creationId xmlns:a16="http://schemas.microsoft.com/office/drawing/2014/main" id="{A2903469-901C-5A61-F950-3768FC873F9F}"/>
+              </a:ext>
+            </a:extLst>
+          </p:cNvPr>
+          <p:cNvSpPr txBox="1"/>
+          <p:nvPr/>
+        </p:nvSpPr>
+        <p:spPr>
+          <a:xfrm>
+            <a:off x="5570376" y="615820"/>
+            <a:ext cx="3396342" cy="923330"/>
+          </a:xfrm>
+          <a:prstGeom prst="rect">
+            <a:avLst/>
+          </a:prstGeom>
+          <a:noFill/>
+        </p:spPr>
+        <p:txBody>
+          <a:bodyPr wrap="square" rtlCol="0">
+            <a:spAutoFit/>
+          </a:bodyPr>
+          <a:lstStyle/>
+          <a:p>
+            <a:pPr algn="ctr"/>
+            <a:r>
+              <a:rPr lang="en-US" b="1" dirty="0">
+                <a:solidFill>
+                  <a:srgbClr val="FFFF00"/>
+                </a:solidFill>
+              </a:rPr>
+              <a:t>REST API</a:t>
+            </a:r>
+          </a:p>
+          <a:p>
+            <a:pPr algn="ctr"/>
+            <a:endParaRPr lang="en-US" b="1" dirty="0">
+              <a:solidFill>
+                <a:srgbClr val="FFFF00"/>
+              </a:solidFill>
+            </a:endParaRPr>
+          </a:p>
+          <a:p>
+            <a:pPr algn="ctr"/>
+            <a:r>
+              <a:rPr lang="en-US" b="1" dirty="0">
+                <a:solidFill>
+                  <a:srgbClr val="FFFF00"/>
+                </a:solidFill>
+              </a:rPr>
+              <a:t>Class</a:t>
+            </a:r>
+          </a:p>
+        </p:txBody>
+      </p:sp>
+      <p:sp>
+        <p:nvSpPr>
+          <p:cNvPr id="4" name="Rectangle: Rounded Corners 3">
+            <a:extLst>
+              <a:ext uri="{FF2B5EF4-FFF2-40B4-BE49-F238E27FC236}">
+                <a16:creationId xmlns:a16="http://schemas.microsoft.com/office/drawing/2014/main" id="{6522555B-69C1-7332-3463-C8BE0EBBC7A6}"/>
+              </a:ext>
+            </a:extLst>
+          </p:cNvPr>
+          <p:cNvSpPr/>
+          <p:nvPr/>
+        </p:nvSpPr>
+        <p:spPr>
+          <a:xfrm>
+            <a:off x="5682343" y="1679511"/>
+            <a:ext cx="3284375" cy="4562670"/>
+          </a:xfrm>
+          <a:prstGeom prst="roundRect">
+            <a:avLst/>
+          </a:prstGeom>
+        </p:spPr>
+        <p:style>
+          <a:lnRef idx="1">
+            <a:schemeClr val="accent4"/>
+          </a:lnRef>
+          <a:fillRef idx="3">
+            <a:schemeClr val="accent4"/>
+          </a:fillRef>
+          <a:effectRef idx="2">
+            <a:schemeClr val="accent4"/>
+          </a:effectRef>
+          <a:fontRef idx="minor">
+            <a:schemeClr val="lt1"/>
+          </a:fontRef>
+        </p:style>
+        <p:txBody>
+          <a:bodyPr rtlCol="0" anchor="ctr"/>
+          <a:lstStyle/>
+          <a:p>
+            <a:pPr algn="ctr"/>
+            <a:endParaRPr lang="en-US"/>
+          </a:p>
+        </p:txBody>
+      </p:sp>
+      <p:sp>
+        <p:nvSpPr>
+          <p:cNvPr id="5" name="TextBox 4">
+            <a:extLst>
+              <a:ext uri="{FF2B5EF4-FFF2-40B4-BE49-F238E27FC236}">
+                <a16:creationId xmlns:a16="http://schemas.microsoft.com/office/drawing/2014/main" id="{00784867-F24C-DA08-9316-C7C2E1C0713E}"/>
+              </a:ext>
+            </a:extLst>
+          </p:cNvPr>
+          <p:cNvSpPr txBox="1"/>
+          <p:nvPr/>
+        </p:nvSpPr>
+        <p:spPr>
+          <a:xfrm>
+            <a:off x="6150428" y="1809738"/>
+            <a:ext cx="2348204" cy="369332"/>
+          </a:xfrm>
+          <a:prstGeom prst="rect">
+            <a:avLst/>
+          </a:prstGeom>
+          <a:noFill/>
+        </p:spPr>
+        <p:txBody>
+          <a:bodyPr wrap="square" rtlCol="0">
+            <a:spAutoFit/>
+          </a:bodyPr>
+          <a:lstStyle/>
+          <a:p>
+            <a:pPr algn="ctr"/>
+            <a:r>
+              <a:rPr lang="en-US" b="1" dirty="0"/>
+              <a:t>Action Methods</a:t>
+            </a:r>
+          </a:p>
+        </p:txBody>
+      </p:sp>
+      <p:sp>
+        <p:nvSpPr>
+          <p:cNvPr id="6" name="Arrow: Right 5">
+            <a:extLst>
+              <a:ext uri="{FF2B5EF4-FFF2-40B4-BE49-F238E27FC236}">
+                <a16:creationId xmlns:a16="http://schemas.microsoft.com/office/drawing/2014/main" id="{24CCB73F-0F86-C90B-72DC-CF0F7A53C142}"/>
+              </a:ext>
+            </a:extLst>
+          </p:cNvPr>
+          <p:cNvSpPr/>
+          <p:nvPr/>
+        </p:nvSpPr>
+        <p:spPr>
+          <a:xfrm>
+            <a:off x="541176" y="2136710"/>
+            <a:ext cx="5141167" cy="457200"/>
+          </a:xfrm>
+          <a:prstGeom prst="rightArrow">
+            <a:avLst/>
+          </a:prstGeom>
+        </p:spPr>
+        <p:style>
+          <a:lnRef idx="2">
+            <a:schemeClr val="accent1">
+              <a:shade val="15000"/>
+            </a:schemeClr>
+          </a:lnRef>
+          <a:fillRef idx="1">
+            <a:schemeClr val="accent1"/>
+          </a:fillRef>
+          <a:effectRef idx="0">
+            <a:schemeClr val="accent1"/>
+          </a:effectRef>
+          <a:fontRef idx="minor">
+            <a:schemeClr val="lt1"/>
+          </a:fontRef>
+        </p:style>
+        <p:txBody>
+          <a:bodyPr rtlCol="0" anchor="ctr"/>
+          <a:lstStyle/>
+          <a:p>
+            <a:pPr algn="ctr"/>
+            <a:r>
+              <a:rPr lang="en-US" b="1" dirty="0"/>
+              <a:t>GET, POST, PUT, and DELETE</a:t>
+            </a:r>
+          </a:p>
+        </p:txBody>
+      </p:sp>
+      <p:sp>
+        <p:nvSpPr>
+          <p:cNvPr id="7" name="TextBox 6">
+            <a:extLst>
+              <a:ext uri="{FF2B5EF4-FFF2-40B4-BE49-F238E27FC236}">
+                <a16:creationId xmlns:a16="http://schemas.microsoft.com/office/drawing/2014/main" id="{5D0BA777-DCCB-1F11-D666-8A2D8CC667BD}"/>
+              </a:ext>
+            </a:extLst>
+          </p:cNvPr>
+          <p:cNvSpPr txBox="1"/>
+          <p:nvPr/>
+        </p:nvSpPr>
+        <p:spPr>
+          <a:xfrm>
+            <a:off x="690465" y="1436914"/>
+            <a:ext cx="4309188" cy="923330"/>
+          </a:xfrm>
+          <a:prstGeom prst="rect">
+            <a:avLst/>
+          </a:prstGeom>
+          <a:noFill/>
+        </p:spPr>
+        <p:txBody>
+          <a:bodyPr wrap="square" rtlCol="0">
+            <a:spAutoFit/>
+          </a:bodyPr>
+          <a:lstStyle/>
+          <a:p>
+            <a:pPr algn="ctr"/>
+            <a:r>
+              <a:rPr lang="en-US" b="1" dirty="0"/>
+              <a:t>Action Methods are invoked and executed based on HTTP Request</a:t>
+            </a:r>
+          </a:p>
+          <a:p>
+            <a:pPr algn="ctr"/>
+            <a:endParaRPr lang="en-US" dirty="0"/>
+          </a:p>
+        </p:txBody>
+      </p:sp>
+      <p:sp>
+        <p:nvSpPr>
+          <p:cNvPr id="8" name="Rectangle: Rounded Corners 7">
+            <a:extLst>
+              <a:ext uri="{FF2B5EF4-FFF2-40B4-BE49-F238E27FC236}">
+                <a16:creationId xmlns:a16="http://schemas.microsoft.com/office/drawing/2014/main" id="{82D0E703-9C96-7289-0A70-15F51C36BBA1}"/>
+              </a:ext>
+            </a:extLst>
+          </p:cNvPr>
+          <p:cNvSpPr/>
+          <p:nvPr/>
+        </p:nvSpPr>
+        <p:spPr>
+          <a:xfrm>
+            <a:off x="5971592" y="2519265"/>
+            <a:ext cx="2780522" cy="615821"/>
+          </a:xfrm>
+          <a:prstGeom prst="roundRect">
+            <a:avLst/>
+          </a:prstGeom>
+        </p:spPr>
+        <p:style>
+          <a:lnRef idx="2">
+            <a:schemeClr val="accent1">
+              <a:shade val="15000"/>
+            </a:schemeClr>
+          </a:lnRef>
+          <a:fillRef idx="1">
+            <a:schemeClr val="accent1"/>
+          </a:fillRef>
+          <a:effectRef idx="0">
+            <a:schemeClr val="accent1"/>
+          </a:effectRef>
+          <a:fontRef idx="minor">
+            <a:schemeClr val="lt1"/>
+          </a:fontRef>
+        </p:style>
+        <p:txBody>
+          <a:bodyPr rtlCol="0" anchor="ctr"/>
+          <a:lstStyle/>
+          <a:p>
+            <a:pPr algn="ctr"/>
+            <a:r>
+              <a:rPr lang="en-US" b="1" dirty="0"/>
+              <a:t>GET Method</a:t>
+            </a:r>
+          </a:p>
+        </p:txBody>
+      </p:sp>
+      <p:sp>
+        <p:nvSpPr>
+          <p:cNvPr id="9" name="Rectangle: Rounded Corners 8">
+            <a:extLst>
+              <a:ext uri="{FF2B5EF4-FFF2-40B4-BE49-F238E27FC236}">
+                <a16:creationId xmlns:a16="http://schemas.microsoft.com/office/drawing/2014/main" id="{3A7638C0-12C5-942A-0C73-609FA5122B02}"/>
+              </a:ext>
+            </a:extLst>
+          </p:cNvPr>
+          <p:cNvSpPr/>
+          <p:nvPr/>
+        </p:nvSpPr>
+        <p:spPr>
+          <a:xfrm>
+            <a:off x="5971592" y="3429000"/>
+            <a:ext cx="2780522" cy="615821"/>
+          </a:xfrm>
+          <a:prstGeom prst="roundRect">
+            <a:avLst/>
+          </a:prstGeom>
+        </p:spPr>
+        <p:style>
+          <a:lnRef idx="2">
+            <a:schemeClr val="accent1">
+              <a:shade val="15000"/>
+            </a:schemeClr>
+          </a:lnRef>
+          <a:fillRef idx="1">
+            <a:schemeClr val="accent1"/>
+          </a:fillRef>
+          <a:effectRef idx="0">
+            <a:schemeClr val="accent1"/>
+          </a:effectRef>
+          <a:fontRef idx="minor">
+            <a:schemeClr val="lt1"/>
+          </a:fontRef>
+        </p:style>
+        <p:txBody>
+          <a:bodyPr rtlCol="0" anchor="ctr"/>
+          <a:lstStyle/>
+          <a:p>
+            <a:pPr algn="ctr"/>
+            <a:r>
+              <a:rPr lang="en-US" b="1" dirty="0"/>
+              <a:t>POST Method</a:t>
+            </a:r>
+          </a:p>
+        </p:txBody>
+      </p:sp>
+      <p:sp>
+        <p:nvSpPr>
+          <p:cNvPr id="10" name="Rectangle: Rounded Corners 9">
+            <a:extLst>
+              <a:ext uri="{FF2B5EF4-FFF2-40B4-BE49-F238E27FC236}">
+                <a16:creationId xmlns:a16="http://schemas.microsoft.com/office/drawing/2014/main" id="{40DEEDC9-554E-EAD3-6B2A-D4F03734745D}"/>
+              </a:ext>
+            </a:extLst>
+          </p:cNvPr>
+          <p:cNvSpPr/>
+          <p:nvPr/>
+        </p:nvSpPr>
+        <p:spPr>
+          <a:xfrm>
+            <a:off x="5971592" y="4268754"/>
+            <a:ext cx="2780522" cy="615821"/>
+          </a:xfrm>
+          <a:prstGeom prst="roundRect">
+            <a:avLst/>
+          </a:prstGeom>
+        </p:spPr>
+        <p:style>
+          <a:lnRef idx="2">
+            <a:schemeClr val="accent1">
+              <a:shade val="15000"/>
+            </a:schemeClr>
+          </a:lnRef>
+          <a:fillRef idx="1">
+            <a:schemeClr val="accent1"/>
+          </a:fillRef>
+          <a:effectRef idx="0">
+            <a:schemeClr val="accent1"/>
+          </a:effectRef>
+          <a:fontRef idx="minor">
+            <a:schemeClr val="lt1"/>
+          </a:fontRef>
+        </p:style>
+        <p:txBody>
+          <a:bodyPr rtlCol="0" anchor="ctr"/>
+          <a:lstStyle/>
+          <a:p>
+            <a:pPr algn="ctr"/>
+            <a:r>
+              <a:rPr lang="en-US" b="1" dirty="0"/>
+              <a:t>PUT Method</a:t>
+            </a:r>
+          </a:p>
+        </p:txBody>
+      </p:sp>
+      <p:sp>
+        <p:nvSpPr>
+          <p:cNvPr id="11" name="Rectangle: Rounded Corners 10">
+            <a:extLst>
+              <a:ext uri="{FF2B5EF4-FFF2-40B4-BE49-F238E27FC236}">
+                <a16:creationId xmlns:a16="http://schemas.microsoft.com/office/drawing/2014/main" id="{FC5A7E0D-2FA8-08C7-872E-67203D084DAB}"/>
+              </a:ext>
+            </a:extLst>
+          </p:cNvPr>
+          <p:cNvSpPr/>
+          <p:nvPr/>
+        </p:nvSpPr>
+        <p:spPr>
+          <a:xfrm>
+            <a:off x="5971592" y="5178489"/>
+            <a:ext cx="2780522" cy="615821"/>
+          </a:xfrm>
+          <a:prstGeom prst="roundRect">
+            <a:avLst/>
+          </a:prstGeom>
+        </p:spPr>
+        <p:style>
+          <a:lnRef idx="2">
+            <a:schemeClr val="accent1">
+              <a:shade val="15000"/>
+            </a:schemeClr>
+          </a:lnRef>
+          <a:fillRef idx="1">
+            <a:schemeClr val="accent1"/>
+          </a:fillRef>
+          <a:effectRef idx="0">
+            <a:schemeClr val="accent1"/>
+          </a:effectRef>
+          <a:fontRef idx="minor">
+            <a:schemeClr val="lt1"/>
+          </a:fontRef>
+        </p:style>
+        <p:txBody>
+          <a:bodyPr rtlCol="0" anchor="ctr"/>
+          <a:lstStyle/>
+          <a:p>
+            <a:pPr algn="ctr"/>
+            <a:r>
+              <a:rPr lang="en-US" b="1" dirty="0"/>
+              <a:t>DELETE Method</a:t>
+            </a:r>
+          </a:p>
+        </p:txBody>
+      </p:sp>
+      <p:sp>
+        <p:nvSpPr>
+          <p:cNvPr id="12" name="Arrow: Left 11">
+            <a:extLst>
+              <a:ext uri="{FF2B5EF4-FFF2-40B4-BE49-F238E27FC236}">
+                <a16:creationId xmlns:a16="http://schemas.microsoft.com/office/drawing/2014/main" id="{167D9E11-1291-059F-C9D6-8F7D29D825B0}"/>
+              </a:ext>
+            </a:extLst>
+          </p:cNvPr>
+          <p:cNvSpPr/>
+          <p:nvPr/>
+        </p:nvSpPr>
+        <p:spPr>
+          <a:xfrm>
+            <a:off x="541176" y="5075852"/>
+            <a:ext cx="5141167" cy="615821"/>
+          </a:xfrm>
+          <a:prstGeom prst="leftArrow">
+            <a:avLst/>
+          </a:prstGeom>
+        </p:spPr>
+        <p:style>
+          <a:lnRef idx="2">
+            <a:schemeClr val="accent1">
+              <a:shade val="15000"/>
+            </a:schemeClr>
+          </a:lnRef>
+          <a:fillRef idx="1">
+            <a:schemeClr val="accent1"/>
+          </a:fillRef>
+          <a:effectRef idx="0">
+            <a:schemeClr val="accent1"/>
+          </a:effectRef>
+          <a:fontRef idx="minor">
+            <a:schemeClr val="lt1"/>
+          </a:fontRef>
+        </p:style>
+        <p:txBody>
+          <a:bodyPr rtlCol="0" anchor="ctr"/>
+          <a:lstStyle/>
+          <a:p>
+            <a:pPr algn="ctr"/>
+            <a:r>
+              <a:rPr lang="en-US" dirty="0"/>
+              <a:t>HTTP Response (JSON Data From API)</a:t>
+            </a:r>
+          </a:p>
+        </p:txBody>
+      </p:sp>
+    </p:spTree>
+    <p:extLst>
+      <p:ext uri="{BB962C8B-B14F-4D97-AF65-F5344CB8AC3E}">
+        <p14:creationId xmlns:p14="http://schemas.microsoft.com/office/powerpoint/2010/main" val="2272665630"/>
+      </p:ext>
+    </p:extLst>
+  </p:cSld>
+  <p:clrMapOvr>
+    <a:masterClrMapping/>
+  </p:clrMapOvr>
+</p:sld>
+</file>
+
+<file path=ppt/slides/slide35.xml><?xml version="1.0" encoding="utf-8"?>
+<p:sld xmlns:a="http://schemas.openxmlformats.org/drawingml/2006/main" xmlns:r="http://schemas.openxmlformats.org/officeDocument/2006/relationships" xmlns:p="http://schemas.openxmlformats.org/presentationml/2006/main">
+  <p:cSld>
+    <p:spTree>
+      <p:nvGrpSpPr>
+        <p:cNvPr id="1" name=""/>
+        <p:cNvGrpSpPr/>
+        <p:nvPr/>
+      </p:nvGrpSpPr>
+      <p:grpSpPr>
+        <a:xfrm>
+          <a:off x="0" y="0"/>
+          <a:ext cx="0" cy="0"/>
+          <a:chOff x="0" y="0"/>
+          <a:chExt cx="0" cy="0"/>
+        </a:xfrm>
+      </p:grpSpPr>
+      <p:sp>
+        <p:nvSpPr>
+          <p:cNvPr id="2" name="Rectangle 1">
+            <a:extLst>
+              <a:ext uri="{FF2B5EF4-FFF2-40B4-BE49-F238E27FC236}">
+                <a16:creationId xmlns:a16="http://schemas.microsoft.com/office/drawing/2014/main" id="{3F0878D9-2086-4EEF-D41B-13A9A5EC29FD}"/>
+              </a:ext>
+            </a:extLst>
+          </p:cNvPr>
+          <p:cNvSpPr/>
+          <p:nvPr/>
+        </p:nvSpPr>
+        <p:spPr>
+          <a:xfrm>
+            <a:off x="4380722" y="218680"/>
+            <a:ext cx="6475445" cy="6363478"/>
+          </a:xfrm>
+          <a:prstGeom prst="rect">
+            <a:avLst/>
+          </a:prstGeom>
+          <a:solidFill>
+            <a:schemeClr val="accent3">
+              <a:lumMod val="60000"/>
+              <a:lumOff val="40000"/>
+            </a:schemeClr>
+          </a:solidFill>
+        </p:spPr>
+        <p:style>
+          <a:lnRef idx="2">
+            <a:schemeClr val="accent1">
+              <a:shade val="15000"/>
+            </a:schemeClr>
+          </a:lnRef>
+          <a:fillRef idx="1">
+            <a:schemeClr val="accent1"/>
+          </a:fillRef>
+          <a:effectRef idx="0">
+            <a:schemeClr val="accent1"/>
+          </a:effectRef>
+          <a:fontRef idx="minor">
+            <a:schemeClr val="lt1"/>
+          </a:fontRef>
+        </p:style>
+        <p:txBody>
+          <a:bodyPr rtlCol="0" anchor="ctr"/>
+          <a:lstStyle/>
+          <a:p>
+            <a:pPr algn="ctr"/>
+            <a:endParaRPr lang="en-US"/>
+          </a:p>
+        </p:txBody>
+      </p:sp>
+      <p:sp>
+        <p:nvSpPr>
+          <p:cNvPr id="3" name="TextBox 2">
+            <a:extLst>
+              <a:ext uri="{FF2B5EF4-FFF2-40B4-BE49-F238E27FC236}">
+                <a16:creationId xmlns:a16="http://schemas.microsoft.com/office/drawing/2014/main" id="{55C93129-B10B-D959-059C-1C6F3ECF7A9D}"/>
+              </a:ext>
+            </a:extLst>
+          </p:cNvPr>
+          <p:cNvSpPr txBox="1"/>
+          <p:nvPr/>
+        </p:nvSpPr>
+        <p:spPr>
+          <a:xfrm>
+            <a:off x="4572000" y="429208"/>
+            <a:ext cx="6027576" cy="369332"/>
+          </a:xfrm>
+          <a:prstGeom prst="rect">
+            <a:avLst/>
+          </a:prstGeom>
+          <a:noFill/>
+        </p:spPr>
+        <p:txBody>
+          <a:bodyPr wrap="square" rtlCol="0">
+            <a:spAutoFit/>
+          </a:bodyPr>
+          <a:lstStyle/>
+          <a:p>
+            <a:pPr algn="ctr"/>
+            <a:r>
+              <a:rPr lang="en-US" b="1" dirty="0"/>
+              <a:t>ASP.NET Core Hosting Env. </a:t>
+            </a:r>
+          </a:p>
+        </p:txBody>
+      </p:sp>
+      <p:sp>
+        <p:nvSpPr>
+          <p:cNvPr id="4" name="Arrow: Right 3">
+            <a:extLst>
+              <a:ext uri="{FF2B5EF4-FFF2-40B4-BE49-F238E27FC236}">
+                <a16:creationId xmlns:a16="http://schemas.microsoft.com/office/drawing/2014/main" id="{8395D5FE-4273-B2F9-DA4C-5664D05D38F1}"/>
+              </a:ext>
+            </a:extLst>
+          </p:cNvPr>
+          <p:cNvSpPr/>
+          <p:nvPr/>
+        </p:nvSpPr>
+        <p:spPr>
+          <a:xfrm>
+            <a:off x="130629" y="709127"/>
+            <a:ext cx="4254759" cy="475861"/>
+          </a:xfrm>
+          <a:prstGeom prst="rightArrow">
+            <a:avLst/>
+          </a:prstGeom>
+        </p:spPr>
+        <p:style>
+          <a:lnRef idx="2">
+            <a:schemeClr val="accent1">
+              <a:shade val="15000"/>
+            </a:schemeClr>
+          </a:lnRef>
+          <a:fillRef idx="1">
+            <a:schemeClr val="accent1"/>
+          </a:fillRef>
+          <a:effectRef idx="0">
+            <a:schemeClr val="accent1"/>
+          </a:effectRef>
+          <a:fontRef idx="minor">
+            <a:schemeClr val="lt1"/>
+          </a:fontRef>
+        </p:style>
+        <p:txBody>
+          <a:bodyPr rtlCol="0" anchor="ctr"/>
+          <a:lstStyle/>
+          <a:p>
+            <a:pPr algn="ctr"/>
+            <a:r>
+              <a:rPr lang="en-US" b="1" dirty="0"/>
+              <a:t>HTTP Request for REST API Class</a:t>
+            </a:r>
+          </a:p>
+        </p:txBody>
+      </p:sp>
+      <p:sp>
+        <p:nvSpPr>
+          <p:cNvPr id="5" name="Flowchart: Process 4">
+            <a:extLst>
+              <a:ext uri="{FF2B5EF4-FFF2-40B4-BE49-F238E27FC236}">
+                <a16:creationId xmlns:a16="http://schemas.microsoft.com/office/drawing/2014/main" id="{65410593-D46D-A704-A724-5C01CB66D072}"/>
+              </a:ext>
+            </a:extLst>
+          </p:cNvPr>
+          <p:cNvSpPr/>
+          <p:nvPr/>
+        </p:nvSpPr>
+        <p:spPr>
+          <a:xfrm>
+            <a:off x="4497355" y="798540"/>
+            <a:ext cx="6279502" cy="1981982"/>
+          </a:xfrm>
+          <a:prstGeom prst="flowChartProcess">
+            <a:avLst/>
+          </a:prstGeom>
+        </p:spPr>
+        <p:style>
+          <a:lnRef idx="1">
+            <a:schemeClr val="accent2"/>
+          </a:lnRef>
+          <a:fillRef idx="2">
+            <a:schemeClr val="accent2"/>
+          </a:fillRef>
+          <a:effectRef idx="1">
+            <a:schemeClr val="accent2"/>
+          </a:effectRef>
+          <a:fontRef idx="minor">
+            <a:schemeClr val="dk1"/>
+          </a:fontRef>
+        </p:style>
+        <p:txBody>
+          <a:bodyPr rtlCol="0" anchor="ctr"/>
+          <a:lstStyle/>
+          <a:p>
+            <a:pPr algn="ctr"/>
+            <a:endParaRPr lang="en-US"/>
+          </a:p>
+        </p:txBody>
+      </p:sp>
+      <p:sp>
+        <p:nvSpPr>
+          <p:cNvPr id="6" name="TextBox 5">
+            <a:extLst>
+              <a:ext uri="{FF2B5EF4-FFF2-40B4-BE49-F238E27FC236}">
+                <a16:creationId xmlns:a16="http://schemas.microsoft.com/office/drawing/2014/main" id="{EB609996-5B7A-5386-0E9E-F95CBBA6B11B}"/>
+              </a:ext>
+            </a:extLst>
+          </p:cNvPr>
+          <p:cNvSpPr txBox="1"/>
+          <p:nvPr/>
+        </p:nvSpPr>
+        <p:spPr>
+          <a:xfrm>
+            <a:off x="4572000" y="873185"/>
+            <a:ext cx="6092890" cy="369332"/>
+          </a:xfrm>
+          <a:prstGeom prst="rect">
+            <a:avLst/>
+          </a:prstGeom>
+          <a:noFill/>
+        </p:spPr>
+        <p:txBody>
+          <a:bodyPr wrap="square" rtlCol="0">
+            <a:spAutoFit/>
+          </a:bodyPr>
+          <a:lstStyle/>
+          <a:p>
+            <a:pPr algn="ctr"/>
+            <a:r>
+              <a:rPr lang="en-US" b="1" dirty="0"/>
+              <a:t>Services</a:t>
+            </a:r>
+          </a:p>
+        </p:txBody>
+      </p:sp>
+      <p:sp>
+        <p:nvSpPr>
+          <p:cNvPr id="7" name="TextBox 6">
+            <a:extLst>
+              <a:ext uri="{FF2B5EF4-FFF2-40B4-BE49-F238E27FC236}">
+                <a16:creationId xmlns:a16="http://schemas.microsoft.com/office/drawing/2014/main" id="{6A40CEE8-0588-EFD1-93AA-FB11A9FA2C66}"/>
+              </a:ext>
+            </a:extLst>
+          </p:cNvPr>
+          <p:cNvSpPr txBox="1"/>
+          <p:nvPr/>
+        </p:nvSpPr>
+        <p:spPr>
+          <a:xfrm>
+            <a:off x="130629" y="1530220"/>
+            <a:ext cx="3965510" cy="4801314"/>
+          </a:xfrm>
+          <a:prstGeom prst="rect">
+            <a:avLst/>
+          </a:prstGeom>
+          <a:noFill/>
+        </p:spPr>
+        <p:txBody>
+          <a:bodyPr wrap="square" rtlCol="0">
+            <a:spAutoFit/>
+          </a:bodyPr>
+          <a:lstStyle/>
+          <a:p>
+            <a:r>
+              <a:rPr lang="en-US" dirty="0"/>
+              <a:t>ASP.NET Core Hosting Env. : The Host that manages the Request Processing</a:t>
+            </a:r>
+          </a:p>
+          <a:p>
+            <a:endParaRPr lang="en-US" dirty="0"/>
+          </a:p>
+          <a:p>
+            <a:r>
+              <a:rPr lang="en-US" dirty="0"/>
+              <a:t>Services: Application Model Objects, those are used to Provides required object to REST API Class Execution. E.g. Cross-Origin-Resource-Sharing (CORS). These Services are Provided and managed using Default </a:t>
+            </a:r>
+            <a:r>
+              <a:rPr lang="en-US" b="1" dirty="0"/>
+              <a:t>Dependency Injection Container</a:t>
+            </a:r>
+          </a:p>
+          <a:p>
+            <a:endParaRPr lang="en-US" b="1" dirty="0"/>
+          </a:p>
+          <a:p>
+            <a:r>
+              <a:rPr lang="en-US" dirty="0"/>
+              <a:t>Middleware: The HTTP Request Pipeline, that is actually responsible for HTTP Request Processing and sending response Back to Client. Some Middlewares uses the Objects </a:t>
+            </a:r>
+          </a:p>
+          <a:p>
+            <a:r>
+              <a:rPr lang="en-US" dirty="0"/>
+              <a:t>registered using services   </a:t>
+            </a:r>
+          </a:p>
+        </p:txBody>
+      </p:sp>
+      <p:sp>
+        <p:nvSpPr>
+          <p:cNvPr id="8" name="Rectangle: Rounded Corners 7">
+            <a:extLst>
+              <a:ext uri="{FF2B5EF4-FFF2-40B4-BE49-F238E27FC236}">
+                <a16:creationId xmlns:a16="http://schemas.microsoft.com/office/drawing/2014/main" id="{27DCE57D-96CE-53DB-15E8-06C687EE434C}"/>
+              </a:ext>
+            </a:extLst>
+          </p:cNvPr>
+          <p:cNvSpPr/>
+          <p:nvPr/>
+        </p:nvSpPr>
+        <p:spPr>
+          <a:xfrm>
+            <a:off x="4571999" y="1057850"/>
+            <a:ext cx="1026367" cy="472369"/>
+          </a:xfrm>
+          <a:prstGeom prst="roundRect">
+            <a:avLst/>
+          </a:prstGeom>
+        </p:spPr>
+        <p:style>
+          <a:lnRef idx="2">
+            <a:schemeClr val="accent1">
+              <a:shade val="15000"/>
+            </a:schemeClr>
+          </a:lnRef>
+          <a:fillRef idx="1">
+            <a:schemeClr val="accent1"/>
+          </a:fillRef>
+          <a:effectRef idx="0">
+            <a:schemeClr val="accent1"/>
+          </a:effectRef>
+          <a:fontRef idx="minor">
+            <a:schemeClr val="lt1"/>
+          </a:fontRef>
+        </p:style>
+        <p:txBody>
+          <a:bodyPr rtlCol="0" anchor="ctr"/>
+          <a:lstStyle/>
+          <a:p>
+            <a:pPr algn="ctr"/>
+            <a:r>
+              <a:rPr lang="en-US" sz="1400" b="1" dirty="0"/>
+              <a:t>Data Access</a:t>
+            </a:r>
+          </a:p>
+        </p:txBody>
+      </p:sp>
+      <p:sp>
+        <p:nvSpPr>
+          <p:cNvPr id="9" name="Rectangle: Rounded Corners 8">
+            <a:extLst>
+              <a:ext uri="{FF2B5EF4-FFF2-40B4-BE49-F238E27FC236}">
+                <a16:creationId xmlns:a16="http://schemas.microsoft.com/office/drawing/2014/main" id="{7356C23C-F52E-118D-5279-22F51B105D6B}"/>
+              </a:ext>
+            </a:extLst>
+          </p:cNvPr>
+          <p:cNvSpPr/>
+          <p:nvPr/>
+        </p:nvSpPr>
+        <p:spPr>
+          <a:xfrm>
+            <a:off x="5747654" y="1064061"/>
+            <a:ext cx="1026367" cy="472369"/>
+          </a:xfrm>
+          <a:prstGeom prst="roundRect">
+            <a:avLst/>
+          </a:prstGeom>
+          <a:solidFill>
+            <a:srgbClr val="92D050"/>
+          </a:solidFill>
+        </p:spPr>
+        <p:style>
+          <a:lnRef idx="2">
+            <a:schemeClr val="accent1">
+              <a:shade val="15000"/>
+            </a:schemeClr>
+          </a:lnRef>
+          <a:fillRef idx="1">
+            <a:schemeClr val="accent1"/>
+          </a:fillRef>
+          <a:effectRef idx="0">
+            <a:schemeClr val="accent1"/>
+          </a:effectRef>
+          <a:fontRef idx="minor">
+            <a:schemeClr val="lt1"/>
+          </a:fontRef>
+        </p:style>
+        <p:txBody>
+          <a:bodyPr rtlCol="0" anchor="ctr"/>
+          <a:lstStyle/>
+          <a:p>
+            <a:pPr algn="ctr"/>
+            <a:r>
+              <a:rPr lang="en-US" sz="1400" b="1" dirty="0"/>
+              <a:t>Security</a:t>
+            </a:r>
+          </a:p>
+        </p:txBody>
+      </p:sp>
+      <p:sp>
+        <p:nvSpPr>
+          <p:cNvPr id="10" name="Rectangle: Rounded Corners 9">
+            <a:extLst>
+              <a:ext uri="{FF2B5EF4-FFF2-40B4-BE49-F238E27FC236}">
+                <a16:creationId xmlns:a16="http://schemas.microsoft.com/office/drawing/2014/main" id="{387012F4-1499-7B78-8BC8-C101C7D9A0A9}"/>
+              </a:ext>
+            </a:extLst>
+          </p:cNvPr>
+          <p:cNvSpPr/>
+          <p:nvPr/>
+        </p:nvSpPr>
+        <p:spPr>
+          <a:xfrm>
+            <a:off x="7063270" y="1309577"/>
+            <a:ext cx="1026367" cy="472369"/>
+          </a:xfrm>
+          <a:prstGeom prst="roundRect">
+            <a:avLst/>
+          </a:prstGeom>
+          <a:solidFill>
+            <a:srgbClr val="FF0000"/>
+          </a:solidFill>
+        </p:spPr>
+        <p:style>
+          <a:lnRef idx="2">
+            <a:schemeClr val="accent1">
+              <a:shade val="15000"/>
+            </a:schemeClr>
+          </a:lnRef>
+          <a:fillRef idx="1">
+            <a:schemeClr val="accent1"/>
+          </a:fillRef>
+          <a:effectRef idx="0">
+            <a:schemeClr val="accent1"/>
+          </a:effectRef>
+          <a:fontRef idx="minor">
+            <a:schemeClr val="lt1"/>
+          </a:fontRef>
+        </p:style>
+        <p:txBody>
+          <a:bodyPr rtlCol="0" anchor="ctr"/>
+          <a:lstStyle/>
+          <a:p>
+            <a:pPr algn="ctr"/>
+            <a:r>
+              <a:rPr lang="en-US" sz="1400" b="1" dirty="0"/>
+              <a:t>CORS</a:t>
+            </a:r>
+          </a:p>
+        </p:txBody>
+      </p:sp>
+      <p:sp>
+        <p:nvSpPr>
+          <p:cNvPr id="11" name="Rectangle: Rounded Corners 10">
+            <a:extLst>
+              <a:ext uri="{FF2B5EF4-FFF2-40B4-BE49-F238E27FC236}">
+                <a16:creationId xmlns:a16="http://schemas.microsoft.com/office/drawing/2014/main" id="{D14B4123-D0C4-160F-6250-519EEAC47FA8}"/>
+              </a:ext>
+            </a:extLst>
+          </p:cNvPr>
+          <p:cNvSpPr/>
+          <p:nvPr/>
+        </p:nvSpPr>
+        <p:spPr>
+          <a:xfrm>
+            <a:off x="8733448" y="980487"/>
+            <a:ext cx="1026367" cy="472369"/>
+          </a:xfrm>
+          <a:prstGeom prst="roundRect">
+            <a:avLst/>
+          </a:prstGeom>
+        </p:spPr>
+        <p:style>
+          <a:lnRef idx="2">
+            <a:schemeClr val="accent1">
+              <a:shade val="15000"/>
+            </a:schemeClr>
+          </a:lnRef>
+          <a:fillRef idx="1">
+            <a:schemeClr val="accent1"/>
+          </a:fillRef>
+          <a:effectRef idx="0">
+            <a:schemeClr val="accent1"/>
+          </a:effectRef>
+          <a:fontRef idx="minor">
+            <a:schemeClr val="lt1"/>
+          </a:fontRef>
+        </p:style>
+        <p:txBody>
+          <a:bodyPr rtlCol="0" anchor="ctr"/>
+          <a:lstStyle/>
+          <a:p>
+            <a:pPr algn="ctr"/>
+            <a:r>
+              <a:rPr lang="en-US" sz="1400" b="1" dirty="0"/>
+              <a:t>Session</a:t>
+            </a:r>
+          </a:p>
+        </p:txBody>
+      </p:sp>
+      <p:sp>
+        <p:nvSpPr>
+          <p:cNvPr id="12" name="Rectangle: Rounded Corners 11">
+            <a:extLst>
+              <a:ext uri="{FF2B5EF4-FFF2-40B4-BE49-F238E27FC236}">
+                <a16:creationId xmlns:a16="http://schemas.microsoft.com/office/drawing/2014/main" id="{A421A81F-A900-A1E4-BDEB-EE6DBF30287C}"/>
+              </a:ext>
+            </a:extLst>
+          </p:cNvPr>
+          <p:cNvSpPr/>
+          <p:nvPr/>
+        </p:nvSpPr>
+        <p:spPr>
+          <a:xfrm>
+            <a:off x="8742774" y="1644319"/>
+            <a:ext cx="1026367" cy="472369"/>
+          </a:xfrm>
+          <a:prstGeom prst="roundRect">
+            <a:avLst/>
+          </a:prstGeom>
+        </p:spPr>
+        <p:style>
+          <a:lnRef idx="2">
+            <a:schemeClr val="accent1">
+              <a:shade val="15000"/>
+            </a:schemeClr>
+          </a:lnRef>
+          <a:fillRef idx="1">
+            <a:schemeClr val="accent1"/>
+          </a:fillRef>
+          <a:effectRef idx="0">
+            <a:schemeClr val="accent1"/>
+          </a:effectRef>
+          <a:fontRef idx="minor">
+            <a:schemeClr val="lt1"/>
+          </a:fontRef>
+        </p:style>
+        <p:txBody>
+          <a:bodyPr rtlCol="0" anchor="ctr"/>
+          <a:lstStyle/>
+          <a:p>
+            <a:pPr algn="ctr"/>
+            <a:r>
+              <a:rPr lang="en-US" sz="1400" b="1" dirty="0"/>
+              <a:t>Caching</a:t>
+            </a:r>
+          </a:p>
+        </p:txBody>
+      </p:sp>
+      <p:sp>
+        <p:nvSpPr>
+          <p:cNvPr id="13" name="Rectangle: Rounded Corners 12">
+            <a:extLst>
+              <a:ext uri="{FF2B5EF4-FFF2-40B4-BE49-F238E27FC236}">
+                <a16:creationId xmlns:a16="http://schemas.microsoft.com/office/drawing/2014/main" id="{1E7BC2CF-4C32-DFA1-B49C-69DA374F15A0}"/>
+              </a:ext>
+            </a:extLst>
+          </p:cNvPr>
+          <p:cNvSpPr/>
+          <p:nvPr/>
+        </p:nvSpPr>
+        <p:spPr>
+          <a:xfrm>
+            <a:off x="7058599" y="1903043"/>
+            <a:ext cx="1026367" cy="472369"/>
+          </a:xfrm>
+          <a:prstGeom prst="roundRect">
+            <a:avLst/>
+          </a:prstGeom>
+        </p:spPr>
+        <p:style>
+          <a:lnRef idx="2">
+            <a:schemeClr val="accent1">
+              <a:shade val="15000"/>
+            </a:schemeClr>
+          </a:lnRef>
+          <a:fillRef idx="1">
+            <a:schemeClr val="accent1"/>
+          </a:fillRef>
+          <a:effectRef idx="0">
+            <a:schemeClr val="accent1"/>
+          </a:effectRef>
+          <a:fontRef idx="minor">
+            <a:schemeClr val="lt1"/>
+          </a:fontRef>
+        </p:style>
+        <p:txBody>
+          <a:bodyPr rtlCol="0" anchor="ctr"/>
+          <a:lstStyle/>
+          <a:p>
+            <a:pPr algn="ctr"/>
+            <a:r>
+              <a:rPr lang="en-US" sz="1400" b="1" dirty="0"/>
+              <a:t>Custom</a:t>
+            </a:r>
+          </a:p>
+          <a:p>
+            <a:pPr algn="ctr"/>
+            <a:r>
+              <a:rPr lang="en-US" sz="1400" b="1" dirty="0"/>
+              <a:t>Services</a:t>
+            </a:r>
+          </a:p>
+        </p:txBody>
+      </p:sp>
+      <p:sp>
+        <p:nvSpPr>
+          <p:cNvPr id="14" name="Rectangle: Rounded Corners 13">
+            <a:extLst>
+              <a:ext uri="{FF2B5EF4-FFF2-40B4-BE49-F238E27FC236}">
+                <a16:creationId xmlns:a16="http://schemas.microsoft.com/office/drawing/2014/main" id="{2418584E-F452-2657-69C5-A9C948242831}"/>
+              </a:ext>
+            </a:extLst>
+          </p:cNvPr>
+          <p:cNvSpPr/>
+          <p:nvPr/>
+        </p:nvSpPr>
+        <p:spPr>
+          <a:xfrm>
+            <a:off x="8684449" y="2204734"/>
+            <a:ext cx="1026367" cy="472369"/>
+          </a:xfrm>
+          <a:prstGeom prst="roundRect">
+            <a:avLst/>
+          </a:prstGeom>
+        </p:spPr>
+        <p:style>
+          <a:lnRef idx="2">
+            <a:schemeClr val="accent1">
+              <a:shade val="15000"/>
+            </a:schemeClr>
+          </a:lnRef>
+          <a:fillRef idx="1">
+            <a:schemeClr val="accent1"/>
+          </a:fillRef>
+          <a:effectRef idx="0">
+            <a:schemeClr val="accent1"/>
+          </a:effectRef>
+          <a:fontRef idx="minor">
+            <a:schemeClr val="lt1"/>
+          </a:fontRef>
+        </p:style>
+        <p:txBody>
+          <a:bodyPr rtlCol="0" anchor="ctr"/>
+          <a:lstStyle/>
+          <a:p>
+            <a:pPr algn="ctr"/>
+            <a:r>
+              <a:rPr lang="en-US" sz="1200" b="1" dirty="0"/>
+              <a:t>Third Party</a:t>
+            </a:r>
+          </a:p>
+          <a:p>
+            <a:pPr algn="ctr"/>
+            <a:r>
+              <a:rPr lang="en-US" sz="1200" b="1" dirty="0"/>
+              <a:t>Services</a:t>
+            </a:r>
+          </a:p>
+        </p:txBody>
+      </p:sp>
+      <p:sp>
+        <p:nvSpPr>
+          <p:cNvPr id="15" name="Rectangle: Rounded Corners 14">
+            <a:extLst>
+              <a:ext uri="{FF2B5EF4-FFF2-40B4-BE49-F238E27FC236}">
+                <a16:creationId xmlns:a16="http://schemas.microsoft.com/office/drawing/2014/main" id="{1D68E361-59C8-63CA-60D0-8157F09CE072}"/>
+              </a:ext>
+            </a:extLst>
+          </p:cNvPr>
+          <p:cNvSpPr/>
+          <p:nvPr/>
+        </p:nvSpPr>
+        <p:spPr>
+          <a:xfrm>
+            <a:off x="5703328" y="1851524"/>
+            <a:ext cx="1026367" cy="472369"/>
+          </a:xfrm>
+          <a:prstGeom prst="roundRect">
+            <a:avLst/>
+          </a:prstGeom>
+        </p:spPr>
+        <p:style>
+          <a:lnRef idx="2">
+            <a:schemeClr val="accent1">
+              <a:shade val="15000"/>
+            </a:schemeClr>
+          </a:lnRef>
+          <a:fillRef idx="1">
+            <a:schemeClr val="accent1"/>
+          </a:fillRef>
+          <a:effectRef idx="0">
+            <a:schemeClr val="accent1"/>
+          </a:effectRef>
+          <a:fontRef idx="minor">
+            <a:schemeClr val="lt1"/>
+          </a:fontRef>
+        </p:style>
+        <p:txBody>
+          <a:bodyPr rtlCol="0" anchor="ctr"/>
+          <a:lstStyle/>
+          <a:p>
+            <a:pPr algn="ctr"/>
+            <a:r>
+              <a:rPr lang="en-US" sz="1200" b="1" dirty="0"/>
+              <a:t>Background Services</a:t>
+            </a:r>
+          </a:p>
+        </p:txBody>
+      </p:sp>
+      <p:sp>
+        <p:nvSpPr>
+          <p:cNvPr id="16" name="TextBox 15">
+            <a:extLst>
+              <a:ext uri="{FF2B5EF4-FFF2-40B4-BE49-F238E27FC236}">
+                <a16:creationId xmlns:a16="http://schemas.microsoft.com/office/drawing/2014/main" id="{550123B3-033B-29CC-B109-FEBE380C4EC8}"/>
+              </a:ext>
+            </a:extLst>
+          </p:cNvPr>
+          <p:cNvSpPr txBox="1"/>
+          <p:nvPr/>
+        </p:nvSpPr>
+        <p:spPr>
+          <a:xfrm>
+            <a:off x="4571998" y="2375412"/>
+            <a:ext cx="3629609" cy="369332"/>
+          </a:xfrm>
+          <a:prstGeom prst="rect">
+            <a:avLst/>
+          </a:prstGeom>
+          <a:noFill/>
+        </p:spPr>
+        <p:txBody>
+          <a:bodyPr wrap="square" rtlCol="0">
+            <a:spAutoFit/>
+          </a:bodyPr>
+          <a:lstStyle/>
+          <a:p>
+            <a:r>
+              <a:rPr lang="en-US" b="1" dirty="0"/>
+              <a:t>Many More Such Services….</a:t>
+            </a:r>
+          </a:p>
+        </p:txBody>
+      </p:sp>
+      <p:sp>
+        <p:nvSpPr>
+          <p:cNvPr id="17" name="Arrow: Down 16">
+            <a:extLst>
+              <a:ext uri="{FF2B5EF4-FFF2-40B4-BE49-F238E27FC236}">
+                <a16:creationId xmlns:a16="http://schemas.microsoft.com/office/drawing/2014/main" id="{194357B2-CFD2-5CEB-1AD8-B3AF0103F30F}"/>
+              </a:ext>
+            </a:extLst>
+          </p:cNvPr>
+          <p:cNvSpPr/>
+          <p:nvPr/>
+        </p:nvSpPr>
+        <p:spPr>
+          <a:xfrm>
+            <a:off x="10030408" y="798540"/>
+            <a:ext cx="279891" cy="2336546"/>
+          </a:xfrm>
+          <a:prstGeom prst="downArrow">
+            <a:avLst/>
+          </a:prstGeom>
+        </p:spPr>
+        <p:style>
+          <a:lnRef idx="2">
+            <a:schemeClr val="accent1">
+              <a:shade val="15000"/>
+            </a:schemeClr>
+          </a:lnRef>
+          <a:fillRef idx="1">
+            <a:schemeClr val="accent1"/>
+          </a:fillRef>
+          <a:effectRef idx="0">
+            <a:schemeClr val="accent1"/>
+          </a:effectRef>
+          <a:fontRef idx="minor">
+            <a:schemeClr val="lt1"/>
+          </a:fontRef>
+        </p:style>
+        <p:txBody>
+          <a:bodyPr rtlCol="0" anchor="ctr"/>
+          <a:lstStyle/>
+          <a:p>
+            <a:pPr algn="ctr"/>
+            <a:endParaRPr lang="en-US"/>
+          </a:p>
+        </p:txBody>
+      </p:sp>
+      <p:sp>
+        <p:nvSpPr>
+          <p:cNvPr id="18" name="Flowchart: Process 17">
+            <a:extLst>
+              <a:ext uri="{FF2B5EF4-FFF2-40B4-BE49-F238E27FC236}">
+                <a16:creationId xmlns:a16="http://schemas.microsoft.com/office/drawing/2014/main" id="{AC0F2F06-B456-CFF8-4A28-FEB4D1A591D9}"/>
+              </a:ext>
+            </a:extLst>
+          </p:cNvPr>
+          <p:cNvSpPr/>
+          <p:nvPr/>
+        </p:nvSpPr>
+        <p:spPr>
+          <a:xfrm>
+            <a:off x="4478694" y="3162875"/>
+            <a:ext cx="6279502" cy="1981982"/>
+          </a:xfrm>
+          <a:prstGeom prst="flowChartProcess">
+            <a:avLst/>
+          </a:prstGeom>
+          <a:solidFill>
+            <a:schemeClr val="accent4">
+              <a:lumMod val="75000"/>
+            </a:schemeClr>
+          </a:solidFill>
+        </p:spPr>
+        <p:style>
+          <a:lnRef idx="1">
+            <a:schemeClr val="dk1"/>
+          </a:lnRef>
+          <a:fillRef idx="2">
+            <a:schemeClr val="dk1"/>
+          </a:fillRef>
+          <a:effectRef idx="1">
+            <a:schemeClr val="dk1"/>
+          </a:effectRef>
+          <a:fontRef idx="minor">
+            <a:schemeClr val="dk1"/>
+          </a:fontRef>
+        </p:style>
+        <p:txBody>
+          <a:bodyPr rtlCol="0" anchor="ctr"/>
+          <a:lstStyle/>
+          <a:p>
+            <a:pPr algn="ctr"/>
+            <a:endParaRPr lang="en-US"/>
+          </a:p>
+        </p:txBody>
+      </p:sp>
+      <p:sp>
+        <p:nvSpPr>
+          <p:cNvPr id="19" name="TextBox 18">
+            <a:extLst>
+              <a:ext uri="{FF2B5EF4-FFF2-40B4-BE49-F238E27FC236}">
+                <a16:creationId xmlns:a16="http://schemas.microsoft.com/office/drawing/2014/main" id="{D27112CF-DADF-FEFC-A418-8A88397F4D66}"/>
+              </a:ext>
+            </a:extLst>
+          </p:cNvPr>
+          <p:cNvSpPr txBox="1"/>
+          <p:nvPr/>
+        </p:nvSpPr>
+        <p:spPr>
+          <a:xfrm>
+            <a:off x="4366732" y="2878559"/>
+            <a:ext cx="1203649" cy="338554"/>
+          </a:xfrm>
+          <a:prstGeom prst="rect">
+            <a:avLst/>
+          </a:prstGeom>
+          <a:noFill/>
+        </p:spPr>
+        <p:txBody>
+          <a:bodyPr wrap="square" rtlCol="0">
+            <a:spAutoFit/>
+          </a:bodyPr>
+          <a:lstStyle/>
+          <a:p>
+            <a:pPr algn="ctr"/>
+            <a:r>
+              <a:rPr lang="en-US" sz="1600" b="1" dirty="0"/>
+              <a:t>Middleware</a:t>
+            </a:r>
+          </a:p>
+        </p:txBody>
+      </p:sp>
+      <p:sp>
+        <p:nvSpPr>
+          <p:cNvPr id="20" name="Rectangle: Rounded Corners 19">
+            <a:extLst>
+              <a:ext uri="{FF2B5EF4-FFF2-40B4-BE49-F238E27FC236}">
+                <a16:creationId xmlns:a16="http://schemas.microsoft.com/office/drawing/2014/main" id="{BE61DD53-5603-A375-33D8-A740D8C74400}"/>
+              </a:ext>
+            </a:extLst>
+          </p:cNvPr>
+          <p:cNvSpPr/>
+          <p:nvPr/>
+        </p:nvSpPr>
+        <p:spPr>
+          <a:xfrm>
+            <a:off x="4567340" y="3217113"/>
+            <a:ext cx="1135988" cy="366613"/>
+          </a:xfrm>
+          <a:prstGeom prst="roundRect">
+            <a:avLst/>
+          </a:prstGeom>
+        </p:spPr>
+        <p:style>
+          <a:lnRef idx="2">
+            <a:schemeClr val="accent1">
+              <a:shade val="15000"/>
+            </a:schemeClr>
+          </a:lnRef>
+          <a:fillRef idx="1">
+            <a:schemeClr val="accent1"/>
+          </a:fillRef>
+          <a:effectRef idx="0">
+            <a:schemeClr val="accent1"/>
+          </a:effectRef>
+          <a:fontRef idx="minor">
+            <a:schemeClr val="lt1"/>
+          </a:fontRef>
+        </p:style>
+        <p:txBody>
+          <a:bodyPr rtlCol="0" anchor="ctr"/>
+          <a:lstStyle/>
+          <a:p>
+            <a:pPr algn="ctr"/>
+            <a:r>
+              <a:rPr lang="en-US" sz="1400" b="1" dirty="0"/>
+              <a:t>Exception Handling</a:t>
+            </a:r>
+          </a:p>
+        </p:txBody>
+      </p:sp>
+      <p:sp>
+        <p:nvSpPr>
+          <p:cNvPr id="21" name="Rectangle: Rounded Corners 20">
+            <a:extLst>
+              <a:ext uri="{FF2B5EF4-FFF2-40B4-BE49-F238E27FC236}">
+                <a16:creationId xmlns:a16="http://schemas.microsoft.com/office/drawing/2014/main" id="{4AB13C94-C1A1-265D-2175-CEC9E35D857E}"/>
+              </a:ext>
+            </a:extLst>
+          </p:cNvPr>
+          <p:cNvSpPr/>
+          <p:nvPr/>
+        </p:nvSpPr>
+        <p:spPr>
+          <a:xfrm>
+            <a:off x="5818808" y="3222951"/>
+            <a:ext cx="1135988" cy="366613"/>
+          </a:xfrm>
+          <a:prstGeom prst="roundRect">
+            <a:avLst/>
+          </a:prstGeom>
+        </p:spPr>
+        <p:style>
+          <a:lnRef idx="2">
+            <a:schemeClr val="accent1">
+              <a:shade val="15000"/>
+            </a:schemeClr>
+          </a:lnRef>
+          <a:fillRef idx="1">
+            <a:schemeClr val="accent1"/>
+          </a:fillRef>
+          <a:effectRef idx="0">
+            <a:schemeClr val="accent1"/>
+          </a:effectRef>
+          <a:fontRef idx="minor">
+            <a:schemeClr val="lt1"/>
+          </a:fontRef>
+        </p:style>
+        <p:txBody>
+          <a:bodyPr rtlCol="0" anchor="ctr"/>
+          <a:lstStyle/>
+          <a:p>
+            <a:pPr algn="ctr"/>
+            <a:r>
+              <a:rPr lang="en-US" sz="1400" b="1" dirty="0"/>
+              <a:t>HTTPS Redirection</a:t>
+            </a:r>
+          </a:p>
+        </p:txBody>
+      </p:sp>
+      <p:sp>
+        <p:nvSpPr>
+          <p:cNvPr id="23" name="Rectangle: Rounded Corners 22">
+            <a:extLst>
+              <a:ext uri="{FF2B5EF4-FFF2-40B4-BE49-F238E27FC236}">
+                <a16:creationId xmlns:a16="http://schemas.microsoft.com/office/drawing/2014/main" id="{2D359666-9F0C-E164-BB23-BF1E6D10B4DF}"/>
+              </a:ext>
+            </a:extLst>
+          </p:cNvPr>
+          <p:cNvSpPr/>
+          <p:nvPr/>
+        </p:nvSpPr>
+        <p:spPr>
+          <a:xfrm>
+            <a:off x="7058599" y="3217113"/>
+            <a:ext cx="1135988" cy="366613"/>
+          </a:xfrm>
+          <a:prstGeom prst="roundRect">
+            <a:avLst/>
+          </a:prstGeom>
+        </p:spPr>
+        <p:style>
+          <a:lnRef idx="2">
+            <a:schemeClr val="accent1">
+              <a:shade val="15000"/>
+            </a:schemeClr>
+          </a:lnRef>
+          <a:fillRef idx="1">
+            <a:schemeClr val="accent1"/>
+          </a:fillRef>
+          <a:effectRef idx="0">
+            <a:schemeClr val="accent1"/>
+          </a:effectRef>
+          <a:fontRef idx="minor">
+            <a:schemeClr val="lt1"/>
+          </a:fontRef>
+        </p:style>
+        <p:txBody>
+          <a:bodyPr rtlCol="0" anchor="ctr"/>
+          <a:lstStyle/>
+          <a:p>
+            <a:pPr algn="ctr"/>
+            <a:r>
+              <a:rPr lang="en-US" sz="1400" b="1" dirty="0"/>
+              <a:t>Routing</a:t>
+            </a:r>
+          </a:p>
+        </p:txBody>
+      </p:sp>
+      <p:sp>
+        <p:nvSpPr>
+          <p:cNvPr id="24" name="Rectangle: Rounded Corners 23">
+            <a:extLst>
+              <a:ext uri="{FF2B5EF4-FFF2-40B4-BE49-F238E27FC236}">
+                <a16:creationId xmlns:a16="http://schemas.microsoft.com/office/drawing/2014/main" id="{062292E1-3926-0156-090D-988066134470}"/>
+              </a:ext>
+            </a:extLst>
+          </p:cNvPr>
+          <p:cNvSpPr/>
+          <p:nvPr/>
+        </p:nvSpPr>
+        <p:spPr>
+          <a:xfrm>
+            <a:off x="8310067" y="3245674"/>
+            <a:ext cx="1135988" cy="366613"/>
+          </a:xfrm>
+          <a:prstGeom prst="roundRect">
+            <a:avLst/>
+          </a:prstGeom>
+          <a:solidFill>
+            <a:srgbClr val="FF0000"/>
+          </a:solidFill>
+        </p:spPr>
+        <p:style>
+          <a:lnRef idx="2">
+            <a:schemeClr val="accent1">
+              <a:shade val="15000"/>
+            </a:schemeClr>
+          </a:lnRef>
+          <a:fillRef idx="1">
+            <a:schemeClr val="accent1"/>
+          </a:fillRef>
+          <a:effectRef idx="0">
+            <a:schemeClr val="accent1"/>
+          </a:effectRef>
+          <a:fontRef idx="minor">
+            <a:schemeClr val="lt1"/>
+          </a:fontRef>
+        </p:style>
+        <p:txBody>
+          <a:bodyPr rtlCol="0" anchor="ctr"/>
+          <a:lstStyle/>
+          <a:p>
+            <a:pPr algn="ctr"/>
+            <a:r>
+              <a:rPr lang="en-US" sz="1400" b="1" dirty="0"/>
+              <a:t>CORS</a:t>
+            </a:r>
+          </a:p>
+        </p:txBody>
+      </p:sp>
+      <p:sp>
+        <p:nvSpPr>
+          <p:cNvPr id="25" name="Rectangle: Rounded Corners 24">
+            <a:extLst>
+              <a:ext uri="{FF2B5EF4-FFF2-40B4-BE49-F238E27FC236}">
+                <a16:creationId xmlns:a16="http://schemas.microsoft.com/office/drawing/2014/main" id="{3356D569-C4F8-8C25-DDE2-1889E9C56E8B}"/>
+              </a:ext>
+            </a:extLst>
+          </p:cNvPr>
+          <p:cNvSpPr/>
+          <p:nvPr/>
+        </p:nvSpPr>
+        <p:spPr>
+          <a:xfrm>
+            <a:off x="9561535" y="3236095"/>
+            <a:ext cx="1135988" cy="366613"/>
+          </a:xfrm>
+          <a:prstGeom prst="roundRect">
+            <a:avLst/>
+          </a:prstGeom>
+        </p:spPr>
+        <p:style>
+          <a:lnRef idx="2">
+            <a:schemeClr val="accent1">
+              <a:shade val="15000"/>
+            </a:schemeClr>
+          </a:lnRef>
+          <a:fillRef idx="1">
+            <a:schemeClr val="accent1"/>
+          </a:fillRef>
+          <a:effectRef idx="0">
+            <a:schemeClr val="accent1"/>
+          </a:effectRef>
+          <a:fontRef idx="minor">
+            <a:schemeClr val="lt1"/>
+          </a:fontRef>
+        </p:style>
+        <p:txBody>
+          <a:bodyPr rtlCol="0" anchor="ctr"/>
+          <a:lstStyle/>
+          <a:p>
+            <a:pPr algn="ctr"/>
+            <a:r>
+              <a:rPr lang="en-US" sz="1400" b="1" dirty="0"/>
+              <a:t>Static Files</a:t>
+            </a:r>
+          </a:p>
+        </p:txBody>
+      </p:sp>
+      <p:sp>
+        <p:nvSpPr>
+          <p:cNvPr id="26" name="Rectangle: Rounded Corners 25">
+            <a:extLst>
+              <a:ext uri="{FF2B5EF4-FFF2-40B4-BE49-F238E27FC236}">
+                <a16:creationId xmlns:a16="http://schemas.microsoft.com/office/drawing/2014/main" id="{DD55A4D2-18CD-CD85-6515-987FC0572EE9}"/>
+              </a:ext>
+            </a:extLst>
+          </p:cNvPr>
+          <p:cNvSpPr/>
+          <p:nvPr/>
+        </p:nvSpPr>
+        <p:spPr>
+          <a:xfrm>
+            <a:off x="9533543" y="3886964"/>
+            <a:ext cx="1135988" cy="366613"/>
+          </a:xfrm>
+          <a:prstGeom prst="roundRect">
+            <a:avLst/>
+          </a:prstGeom>
+        </p:spPr>
+        <p:style>
+          <a:lnRef idx="2">
+            <a:schemeClr val="accent1">
+              <a:shade val="15000"/>
+            </a:schemeClr>
+          </a:lnRef>
+          <a:fillRef idx="1">
+            <a:schemeClr val="accent1"/>
+          </a:fillRef>
+          <a:effectRef idx="0">
+            <a:schemeClr val="accent1"/>
+          </a:effectRef>
+          <a:fontRef idx="minor">
+            <a:schemeClr val="lt1"/>
+          </a:fontRef>
+        </p:style>
+        <p:txBody>
+          <a:bodyPr rtlCol="0" anchor="ctr"/>
+          <a:lstStyle/>
+          <a:p>
+            <a:pPr algn="ctr"/>
+            <a:r>
+              <a:rPr lang="en-US" sz="1200" b="1" dirty="0"/>
+              <a:t>Custom </a:t>
+            </a:r>
+          </a:p>
+          <a:p>
+            <a:pPr algn="ctr"/>
+            <a:r>
+              <a:rPr lang="en-US" sz="1200" b="1" dirty="0"/>
+              <a:t>Middlewares</a:t>
+            </a:r>
+          </a:p>
+        </p:txBody>
+      </p:sp>
+      <p:sp>
+        <p:nvSpPr>
+          <p:cNvPr id="27" name="Rectangle: Rounded Corners 26">
+            <a:extLst>
+              <a:ext uri="{FF2B5EF4-FFF2-40B4-BE49-F238E27FC236}">
+                <a16:creationId xmlns:a16="http://schemas.microsoft.com/office/drawing/2014/main" id="{45281CB8-DEB0-4F9D-AA66-96852A272C2B}"/>
+              </a:ext>
+            </a:extLst>
+          </p:cNvPr>
+          <p:cNvSpPr/>
+          <p:nvPr/>
+        </p:nvSpPr>
+        <p:spPr>
+          <a:xfrm>
+            <a:off x="7221894" y="3886700"/>
+            <a:ext cx="1499882" cy="366613"/>
+          </a:xfrm>
+          <a:prstGeom prst="roundRect">
+            <a:avLst/>
+          </a:prstGeom>
+          <a:solidFill>
+            <a:srgbClr val="92D050"/>
+          </a:solidFill>
+        </p:spPr>
+        <p:style>
+          <a:lnRef idx="2">
+            <a:schemeClr val="accent1">
+              <a:shade val="15000"/>
+            </a:schemeClr>
+          </a:lnRef>
+          <a:fillRef idx="1">
+            <a:schemeClr val="accent1"/>
+          </a:fillRef>
+          <a:effectRef idx="0">
+            <a:schemeClr val="accent1"/>
+          </a:effectRef>
+          <a:fontRef idx="minor">
+            <a:schemeClr val="lt1"/>
+          </a:fontRef>
+        </p:style>
+        <p:txBody>
+          <a:bodyPr rtlCol="0" anchor="ctr"/>
+          <a:lstStyle/>
+          <a:p>
+            <a:pPr algn="ctr"/>
+            <a:r>
+              <a:rPr lang="en-US" sz="1400" b="1" dirty="0"/>
+              <a:t>Authentication</a:t>
+            </a:r>
+          </a:p>
+        </p:txBody>
+      </p:sp>
+      <p:sp>
+        <p:nvSpPr>
+          <p:cNvPr id="28" name="Rectangle: Rounded Corners 27">
+            <a:extLst>
+              <a:ext uri="{FF2B5EF4-FFF2-40B4-BE49-F238E27FC236}">
+                <a16:creationId xmlns:a16="http://schemas.microsoft.com/office/drawing/2014/main" id="{57C65EE9-9ED7-2DA8-757A-273101D47B59}"/>
+              </a:ext>
+            </a:extLst>
+          </p:cNvPr>
+          <p:cNvSpPr/>
+          <p:nvPr/>
+        </p:nvSpPr>
+        <p:spPr>
+          <a:xfrm>
+            <a:off x="5466570" y="3913417"/>
+            <a:ext cx="1499882" cy="366613"/>
+          </a:xfrm>
+          <a:prstGeom prst="roundRect">
+            <a:avLst/>
+          </a:prstGeom>
+          <a:solidFill>
+            <a:srgbClr val="92D050"/>
+          </a:solidFill>
+        </p:spPr>
+        <p:style>
+          <a:lnRef idx="2">
+            <a:schemeClr val="accent1">
+              <a:shade val="15000"/>
+            </a:schemeClr>
+          </a:lnRef>
+          <a:fillRef idx="1">
+            <a:schemeClr val="accent1"/>
+          </a:fillRef>
+          <a:effectRef idx="0">
+            <a:schemeClr val="accent1"/>
+          </a:effectRef>
+          <a:fontRef idx="minor">
+            <a:schemeClr val="lt1"/>
+          </a:fontRef>
+        </p:style>
+        <p:txBody>
+          <a:bodyPr rtlCol="0" anchor="ctr"/>
+          <a:lstStyle/>
+          <a:p>
+            <a:pPr algn="ctr"/>
+            <a:r>
+              <a:rPr lang="en-US" sz="1400" b="1" dirty="0"/>
+              <a:t>Authorization</a:t>
+            </a:r>
+          </a:p>
+        </p:txBody>
+      </p:sp>
+      <p:sp>
+        <p:nvSpPr>
+          <p:cNvPr id="29" name="TextBox 28">
+            <a:extLst>
+              <a:ext uri="{FF2B5EF4-FFF2-40B4-BE49-F238E27FC236}">
+                <a16:creationId xmlns:a16="http://schemas.microsoft.com/office/drawing/2014/main" id="{1956F4C1-14CC-4028-36E3-0FFF75181DB7}"/>
+              </a:ext>
+            </a:extLst>
+          </p:cNvPr>
+          <p:cNvSpPr txBox="1"/>
+          <p:nvPr/>
+        </p:nvSpPr>
+        <p:spPr>
+          <a:xfrm>
+            <a:off x="4567340" y="4609322"/>
+            <a:ext cx="3951509" cy="369332"/>
+          </a:xfrm>
+          <a:prstGeom prst="rect">
+            <a:avLst/>
+          </a:prstGeom>
+          <a:noFill/>
+        </p:spPr>
+        <p:txBody>
+          <a:bodyPr wrap="square" rtlCol="0">
+            <a:spAutoFit/>
+          </a:bodyPr>
+          <a:lstStyle/>
+          <a:p>
+            <a:r>
+              <a:rPr lang="en-US" dirty="0"/>
+              <a:t>More Based on the Requirements….</a:t>
+            </a:r>
+          </a:p>
+        </p:txBody>
+      </p:sp>
+      <p:sp>
+        <p:nvSpPr>
+          <p:cNvPr id="30" name="Rectangle 29">
+            <a:extLst>
+              <a:ext uri="{FF2B5EF4-FFF2-40B4-BE49-F238E27FC236}">
+                <a16:creationId xmlns:a16="http://schemas.microsoft.com/office/drawing/2014/main" id="{9D46C545-3D08-0A37-BB2F-D852D94771F7}"/>
+              </a:ext>
+            </a:extLst>
+          </p:cNvPr>
+          <p:cNvSpPr/>
+          <p:nvPr/>
+        </p:nvSpPr>
+        <p:spPr>
+          <a:xfrm>
+            <a:off x="8518848" y="4336112"/>
+            <a:ext cx="2239347" cy="711749"/>
+          </a:xfrm>
+          <a:prstGeom prst="rect">
+            <a:avLst/>
+          </a:prstGeom>
+        </p:spPr>
+        <p:style>
+          <a:lnRef idx="2">
+            <a:schemeClr val="accent1">
+              <a:shade val="15000"/>
+            </a:schemeClr>
+          </a:lnRef>
+          <a:fillRef idx="1">
+            <a:schemeClr val="accent1"/>
+          </a:fillRef>
+          <a:effectRef idx="0">
+            <a:schemeClr val="accent1"/>
+          </a:effectRef>
+          <a:fontRef idx="minor">
+            <a:schemeClr val="lt1"/>
+          </a:fontRef>
+        </p:style>
+        <p:txBody>
+          <a:bodyPr rtlCol="0" anchor="ctr"/>
+          <a:lstStyle/>
+          <a:p>
+            <a:pPr algn="ctr"/>
+            <a:r>
+              <a:rPr lang="en-US" sz="1200" dirty="0"/>
+              <a:t>Process Request for Actual REST API Controller Class</a:t>
+            </a:r>
+          </a:p>
+        </p:txBody>
+      </p:sp>
+      <p:sp>
+        <p:nvSpPr>
+          <p:cNvPr id="31" name="Rectangle 30">
+            <a:extLst>
+              <a:ext uri="{FF2B5EF4-FFF2-40B4-BE49-F238E27FC236}">
+                <a16:creationId xmlns:a16="http://schemas.microsoft.com/office/drawing/2014/main" id="{AEABF741-8431-B111-2CED-5B09F30B3710}"/>
+              </a:ext>
+            </a:extLst>
+          </p:cNvPr>
+          <p:cNvSpPr/>
+          <p:nvPr/>
+        </p:nvSpPr>
+        <p:spPr>
+          <a:xfrm>
+            <a:off x="6043117" y="5699760"/>
+            <a:ext cx="4083698" cy="745677"/>
+          </a:xfrm>
+          <a:prstGeom prst="rect">
+            <a:avLst/>
+          </a:prstGeom>
+        </p:spPr>
+        <p:style>
+          <a:lnRef idx="2">
+            <a:schemeClr val="accent1">
+              <a:shade val="15000"/>
+            </a:schemeClr>
+          </a:lnRef>
+          <a:fillRef idx="1">
+            <a:schemeClr val="accent1"/>
+          </a:fillRef>
+          <a:effectRef idx="0">
+            <a:schemeClr val="accent1"/>
+          </a:effectRef>
+          <a:fontRef idx="minor">
+            <a:schemeClr val="lt1"/>
+          </a:fontRef>
+        </p:style>
+        <p:txBody>
+          <a:bodyPr rtlCol="0" anchor="ctr"/>
+          <a:lstStyle/>
+          <a:p>
+            <a:pPr algn="ctr"/>
+            <a:r>
+              <a:rPr lang="en-US" sz="1400" b="1" dirty="0"/>
+              <a:t>REST API Controller Class based on HTTP Request GET/POST/PUT/DELETE will be executed</a:t>
+            </a:r>
+          </a:p>
+        </p:txBody>
+      </p:sp>
+      <p:sp>
+        <p:nvSpPr>
+          <p:cNvPr id="32" name="TextBox 31">
+            <a:extLst>
+              <a:ext uri="{FF2B5EF4-FFF2-40B4-BE49-F238E27FC236}">
+                <a16:creationId xmlns:a16="http://schemas.microsoft.com/office/drawing/2014/main" id="{C91E78A7-5EA3-52DA-4AD5-1134C0175322}"/>
+              </a:ext>
+            </a:extLst>
+          </p:cNvPr>
+          <p:cNvSpPr txBox="1"/>
+          <p:nvPr/>
+        </p:nvSpPr>
+        <p:spPr>
+          <a:xfrm>
+            <a:off x="289249" y="354563"/>
+            <a:ext cx="3736882" cy="369332"/>
+          </a:xfrm>
+          <a:prstGeom prst="rect">
+            <a:avLst/>
+          </a:prstGeom>
+          <a:noFill/>
+        </p:spPr>
+        <p:txBody>
+          <a:bodyPr wrap="square" rtlCol="0">
+            <a:spAutoFit/>
+          </a:bodyPr>
+          <a:lstStyle/>
+          <a:p>
+            <a:r>
+              <a:rPr lang="en-US" dirty="0"/>
+              <a:t>HTTP GET/POST/PUT/DELETE</a:t>
+            </a:r>
+          </a:p>
+        </p:txBody>
+      </p:sp>
+      <p:cxnSp>
+        <p:nvCxnSpPr>
+          <p:cNvPr id="34" name="Connector: Elbow 33">
+            <a:extLst>
+              <a:ext uri="{FF2B5EF4-FFF2-40B4-BE49-F238E27FC236}">
+                <a16:creationId xmlns:a16="http://schemas.microsoft.com/office/drawing/2014/main" id="{5E11FEF3-506C-F757-AED7-ADFAE371B8D9}"/>
+              </a:ext>
+            </a:extLst>
+          </p:cNvPr>
+          <p:cNvCxnSpPr>
+            <a:cxnSpLocks/>
+            <a:stCxn id="30" idx="3"/>
+            <a:endCxn id="31" idx="3"/>
+          </p:cNvCxnSpPr>
+          <p:nvPr/>
+        </p:nvCxnSpPr>
+        <p:spPr>
+          <a:xfrm flipH="1">
+            <a:off x="10126815" y="4691987"/>
+            <a:ext cx="631380" cy="1380612"/>
+          </a:xfrm>
+          <a:prstGeom prst="bentConnector3">
+            <a:avLst>
+              <a:gd name="adj1" fmla="val -36206"/>
+            </a:avLst>
+          </a:prstGeom>
+          <a:ln w="76200">
+            <a:solidFill>
+              <a:srgbClr val="FFFF00"/>
+            </a:solidFill>
+            <a:tailEnd type="triangle"/>
+          </a:ln>
+        </p:spPr>
+        <p:style>
+          <a:lnRef idx="1">
+            <a:schemeClr val="accent1"/>
+          </a:lnRef>
+          <a:fillRef idx="0">
+            <a:schemeClr val="accent1"/>
+          </a:fillRef>
+          <a:effectRef idx="0">
+            <a:schemeClr val="accent1"/>
+          </a:effectRef>
+          <a:fontRef idx="minor">
+            <a:schemeClr val="tx1"/>
+          </a:fontRef>
+        </p:style>
+      </p:cxnSp>
+      <p:cxnSp>
+        <p:nvCxnSpPr>
+          <p:cNvPr id="36" name="Connector: Elbow 35">
+            <a:extLst>
+              <a:ext uri="{FF2B5EF4-FFF2-40B4-BE49-F238E27FC236}">
+                <a16:creationId xmlns:a16="http://schemas.microsoft.com/office/drawing/2014/main" id="{D84B3131-F751-3730-61EF-9069F428476F}"/>
+              </a:ext>
+            </a:extLst>
+          </p:cNvPr>
+          <p:cNvCxnSpPr>
+            <a:stCxn id="31" idx="1"/>
+            <a:endCxn id="18" idx="2"/>
+          </p:cNvCxnSpPr>
+          <p:nvPr/>
+        </p:nvCxnSpPr>
+        <p:spPr>
+          <a:xfrm rot="10800000" flipH="1">
+            <a:off x="6043117" y="5144857"/>
+            <a:ext cx="1575328" cy="927742"/>
+          </a:xfrm>
+          <a:prstGeom prst="bentConnector4">
+            <a:avLst>
+              <a:gd name="adj1" fmla="val -14511"/>
+              <a:gd name="adj2" fmla="val 70094"/>
+            </a:avLst>
+          </a:prstGeom>
+          <a:ln w="76200">
+            <a:solidFill>
+              <a:srgbClr val="FFFF00"/>
+            </a:solidFill>
+            <a:tailEnd type="triangle"/>
+          </a:ln>
+        </p:spPr>
+        <p:style>
+          <a:lnRef idx="1">
+            <a:schemeClr val="accent1"/>
+          </a:lnRef>
+          <a:fillRef idx="0">
+            <a:schemeClr val="accent1"/>
+          </a:fillRef>
+          <a:effectRef idx="0">
+            <a:schemeClr val="accent1"/>
+          </a:effectRef>
+          <a:fontRef idx="minor">
+            <a:schemeClr val="tx1"/>
+          </a:fontRef>
+        </p:style>
+      </p:cxnSp>
+      <p:cxnSp>
+        <p:nvCxnSpPr>
+          <p:cNvPr id="40" name="Connector: Elbow 39">
+            <a:extLst>
+              <a:ext uri="{FF2B5EF4-FFF2-40B4-BE49-F238E27FC236}">
+                <a16:creationId xmlns:a16="http://schemas.microsoft.com/office/drawing/2014/main" id="{809DB0AC-62D3-C249-9B37-2836D5484467}"/>
+              </a:ext>
+            </a:extLst>
+          </p:cNvPr>
+          <p:cNvCxnSpPr>
+            <a:cxnSpLocks/>
+            <a:stCxn id="18" idx="1"/>
+            <a:endCxn id="41" idx="3"/>
+          </p:cNvCxnSpPr>
+          <p:nvPr/>
+        </p:nvCxnSpPr>
+        <p:spPr>
+          <a:xfrm rot="10800000" flipV="1">
+            <a:off x="3340360" y="4153865"/>
+            <a:ext cx="1138335" cy="2460371"/>
+          </a:xfrm>
+          <a:prstGeom prst="bentConnector3">
+            <a:avLst>
+              <a:gd name="adj1" fmla="val 50000"/>
+            </a:avLst>
+          </a:prstGeom>
+          <a:ln w="76200">
+            <a:solidFill>
+              <a:srgbClr val="C00000"/>
+            </a:solidFill>
+            <a:tailEnd type="triangle"/>
+          </a:ln>
+        </p:spPr>
+        <p:style>
+          <a:lnRef idx="1">
+            <a:schemeClr val="accent1"/>
+          </a:lnRef>
+          <a:fillRef idx="0">
+            <a:schemeClr val="accent1"/>
+          </a:fillRef>
+          <a:effectRef idx="0">
+            <a:schemeClr val="accent1"/>
+          </a:effectRef>
+          <a:fontRef idx="minor">
+            <a:schemeClr val="tx1"/>
+          </a:fontRef>
+        </p:style>
+      </p:cxnSp>
+      <p:sp>
+        <p:nvSpPr>
+          <p:cNvPr id="41" name="TextBox 40">
+            <a:extLst>
+              <a:ext uri="{FF2B5EF4-FFF2-40B4-BE49-F238E27FC236}">
+                <a16:creationId xmlns:a16="http://schemas.microsoft.com/office/drawing/2014/main" id="{C1A8220E-50DF-C5B9-6AF4-D2085CA62780}"/>
+              </a:ext>
+            </a:extLst>
+          </p:cNvPr>
+          <p:cNvSpPr txBox="1"/>
+          <p:nvPr/>
+        </p:nvSpPr>
+        <p:spPr>
+          <a:xfrm>
+            <a:off x="923731" y="6429571"/>
+            <a:ext cx="2416628" cy="369332"/>
+          </a:xfrm>
+          <a:prstGeom prst="rect">
+            <a:avLst/>
+          </a:prstGeom>
+          <a:solidFill>
+            <a:srgbClr val="92D050"/>
+          </a:solidFill>
+        </p:spPr>
+        <p:txBody>
+          <a:bodyPr wrap="square" rtlCol="0">
+            <a:spAutoFit/>
+          </a:bodyPr>
+          <a:lstStyle/>
+          <a:p>
+            <a:r>
+              <a:rPr lang="en-US" dirty="0"/>
+              <a:t>HTTP Response</a:t>
+            </a:r>
+          </a:p>
+        </p:txBody>
+      </p:sp>
+      <p:sp>
+        <p:nvSpPr>
+          <p:cNvPr id="43" name="TextBox 42">
+            <a:extLst>
+              <a:ext uri="{FF2B5EF4-FFF2-40B4-BE49-F238E27FC236}">
+                <a16:creationId xmlns:a16="http://schemas.microsoft.com/office/drawing/2014/main" id="{B954B7F4-5724-7624-B065-B01B65089BD5}"/>
+              </a:ext>
+            </a:extLst>
+          </p:cNvPr>
+          <p:cNvSpPr txBox="1"/>
+          <p:nvPr/>
+        </p:nvSpPr>
+        <p:spPr>
+          <a:xfrm>
+            <a:off x="214605" y="1124911"/>
+            <a:ext cx="3540968" cy="338554"/>
+          </a:xfrm>
+          <a:prstGeom prst="rect">
+            <a:avLst/>
+          </a:prstGeom>
+          <a:noFill/>
+        </p:spPr>
+        <p:txBody>
+          <a:bodyPr wrap="square" rtlCol="0">
+            <a:spAutoFit/>
+          </a:bodyPr>
+          <a:lstStyle/>
+          <a:p>
+            <a:r>
+              <a:rPr lang="en-US" sz="1600" b="1" dirty="0"/>
+              <a:t>https://server/MyApp/MyCtrl</a:t>
+            </a:r>
+          </a:p>
+        </p:txBody>
+      </p:sp>
+      <p:sp>
+        <p:nvSpPr>
+          <p:cNvPr id="44" name="TextBox 43">
+            <a:extLst>
+              <a:ext uri="{FF2B5EF4-FFF2-40B4-BE49-F238E27FC236}">
+                <a16:creationId xmlns:a16="http://schemas.microsoft.com/office/drawing/2014/main" id="{4D1D9AD8-6825-2F58-85FE-A99D1893FB2C}"/>
+              </a:ext>
+            </a:extLst>
+          </p:cNvPr>
+          <p:cNvSpPr txBox="1"/>
+          <p:nvPr/>
+        </p:nvSpPr>
+        <p:spPr>
+          <a:xfrm>
+            <a:off x="9877225" y="5865713"/>
+            <a:ext cx="1575329" cy="461665"/>
+          </a:xfrm>
+          <a:prstGeom prst="rect">
+            <a:avLst/>
+          </a:prstGeom>
+          <a:noFill/>
+        </p:spPr>
+        <p:txBody>
+          <a:bodyPr wrap="square" rtlCol="0">
+            <a:spAutoFit/>
+          </a:bodyPr>
+          <a:lstStyle/>
+          <a:p>
+            <a:pPr algn="ctr"/>
+            <a:r>
+              <a:rPr lang="en-US" sz="1200" dirty="0"/>
+              <a:t>Set </a:t>
+            </a:r>
+            <a:r>
+              <a:rPr lang="en-US" sz="1200" dirty="0" err="1"/>
+              <a:t>MyCtrl</a:t>
+            </a:r>
+            <a:r>
+              <a:rPr lang="en-US" sz="1200" dirty="0"/>
+              <a:t> for Execution</a:t>
+            </a:r>
+          </a:p>
+        </p:txBody>
+      </p:sp>
+      <p:sp>
+        <p:nvSpPr>
+          <p:cNvPr id="45" name="TextBox 44">
+            <a:extLst>
+              <a:ext uri="{FF2B5EF4-FFF2-40B4-BE49-F238E27FC236}">
+                <a16:creationId xmlns:a16="http://schemas.microsoft.com/office/drawing/2014/main" id="{F2FD3E89-DDE7-0FC6-60F5-8457D49BC76C}"/>
+              </a:ext>
+            </a:extLst>
+          </p:cNvPr>
+          <p:cNvSpPr txBox="1"/>
+          <p:nvPr/>
+        </p:nvSpPr>
+        <p:spPr>
+          <a:xfrm>
+            <a:off x="4872896" y="5402613"/>
+            <a:ext cx="1575329" cy="369332"/>
+          </a:xfrm>
+          <a:prstGeom prst="rect">
+            <a:avLst/>
+          </a:prstGeom>
+          <a:noFill/>
+        </p:spPr>
+        <p:txBody>
+          <a:bodyPr wrap="square" rtlCol="0">
+            <a:spAutoFit/>
+          </a:bodyPr>
+          <a:lstStyle/>
+          <a:p>
+            <a:pPr algn="ctr"/>
+            <a:r>
+              <a:rPr lang="en-US" b="1" dirty="0"/>
+              <a:t>Response</a:t>
+            </a:r>
+          </a:p>
+        </p:txBody>
+      </p:sp>
+    </p:spTree>
+    <p:extLst>
+      <p:ext uri="{BB962C8B-B14F-4D97-AF65-F5344CB8AC3E}">
+        <p14:creationId xmlns:p14="http://schemas.microsoft.com/office/powerpoint/2010/main" val="2880149006"/>
+      </p:ext>
+    </p:extLst>
+  </p:cSld>
+  <p:clrMapOvr>
+    <a:masterClrMapping/>
+  </p:clrMapOvr>
+</p:sld>
+</file>
+
+<file path=ppt/slides/slide36.xml><?xml version="1.0" encoding="utf-8"?>
+<p:sld xmlns:a="http://schemas.openxmlformats.org/drawingml/2006/main" xmlns:r="http://schemas.openxmlformats.org/officeDocument/2006/relationships" xmlns:p="http://schemas.openxmlformats.org/presentationml/2006/main">
+  <p:cSld>
+    <p:spTree>
+      <p:nvGrpSpPr>
+        <p:cNvPr id="1" name=""/>
+        <p:cNvGrpSpPr/>
+        <p:nvPr/>
+      </p:nvGrpSpPr>
+      <p:grpSpPr>
+        <a:xfrm>
+          <a:off x="0" y="0"/>
+          <a:ext cx="0" cy="0"/>
+          <a:chOff x="0" y="0"/>
+          <a:chExt cx="0" cy="0"/>
+        </a:xfrm>
+      </p:grpSpPr>
+      <p:sp>
+        <p:nvSpPr>
+          <p:cNvPr id="3" name="Rectangle 2">
+            <a:extLst>
+              <a:ext uri="{FF2B5EF4-FFF2-40B4-BE49-F238E27FC236}">
+                <a16:creationId xmlns:a16="http://schemas.microsoft.com/office/drawing/2014/main" id="{98A63E57-05F2-FC7E-6DCD-1FBC200B8D18}"/>
+              </a:ext>
+            </a:extLst>
+          </p:cNvPr>
+          <p:cNvSpPr/>
+          <p:nvPr/>
+        </p:nvSpPr>
+        <p:spPr>
+          <a:xfrm>
+            <a:off x="6727371" y="662473"/>
+            <a:ext cx="5057192" cy="5701005"/>
+          </a:xfrm>
+          <a:prstGeom prst="rect">
+            <a:avLst/>
+          </a:prstGeom>
+        </p:spPr>
+        <p:style>
+          <a:lnRef idx="2">
+            <a:schemeClr val="accent6"/>
+          </a:lnRef>
+          <a:fillRef idx="1">
+            <a:schemeClr val="lt1"/>
+          </a:fillRef>
+          <a:effectRef idx="0">
+            <a:schemeClr val="accent6"/>
+          </a:effectRef>
+          <a:fontRef idx="minor">
+            <a:schemeClr val="dk1"/>
+          </a:fontRef>
+        </p:style>
+        <p:txBody>
+          <a:bodyPr rtlCol="0" anchor="ctr"/>
+          <a:lstStyle/>
+          <a:p>
+            <a:pPr algn="ctr"/>
+            <a:endParaRPr lang="en-US"/>
+          </a:p>
+        </p:txBody>
+      </p:sp>
+      <p:sp>
+        <p:nvSpPr>
+          <p:cNvPr id="4" name="Flowchart: Process 3">
+            <a:extLst>
+              <a:ext uri="{FF2B5EF4-FFF2-40B4-BE49-F238E27FC236}">
+                <a16:creationId xmlns:a16="http://schemas.microsoft.com/office/drawing/2014/main" id="{EA5805F0-3E5C-126C-FC86-4F6D05CAE9D5}"/>
+              </a:ext>
+            </a:extLst>
+          </p:cNvPr>
+          <p:cNvSpPr/>
+          <p:nvPr/>
+        </p:nvSpPr>
+        <p:spPr>
+          <a:xfrm>
+            <a:off x="6858000" y="849086"/>
+            <a:ext cx="4795935" cy="755779"/>
+          </a:xfrm>
+          <a:prstGeom prst="flowChartProcess">
+            <a:avLst/>
+          </a:prstGeom>
+        </p:spPr>
+        <p:style>
+          <a:lnRef idx="2">
+            <a:schemeClr val="accent1">
+              <a:shade val="15000"/>
+            </a:schemeClr>
+          </a:lnRef>
+          <a:fillRef idx="1">
+            <a:schemeClr val="accent1"/>
+          </a:fillRef>
+          <a:effectRef idx="0">
+            <a:schemeClr val="accent1"/>
+          </a:effectRef>
+          <a:fontRef idx="minor">
+            <a:schemeClr val="lt1"/>
+          </a:fontRef>
+        </p:style>
+        <p:txBody>
+          <a:bodyPr rtlCol="0" anchor="ctr"/>
+          <a:lstStyle/>
+          <a:p>
+            <a:pPr algn="ctr"/>
+            <a:r>
+              <a:rPr lang="en-US" dirty="0"/>
+              <a:t>100 </a:t>
+            </a:r>
+            <a:r>
+              <a:rPr lang="en-US" dirty="0" err="1"/>
+              <a:t>lts</a:t>
+            </a:r>
+            <a:r>
+              <a:rPr lang="en-US" dirty="0"/>
+              <a:t> of OIL</a:t>
+            </a:r>
+          </a:p>
+        </p:txBody>
+      </p:sp>
+      <p:sp>
+        <p:nvSpPr>
+          <p:cNvPr id="5" name="Flowchart: Process 4">
+            <a:extLst>
+              <a:ext uri="{FF2B5EF4-FFF2-40B4-BE49-F238E27FC236}">
+                <a16:creationId xmlns:a16="http://schemas.microsoft.com/office/drawing/2014/main" id="{C51F0209-51D9-C7CB-E45A-1380DFEFF76E}"/>
+              </a:ext>
+            </a:extLst>
+          </p:cNvPr>
+          <p:cNvSpPr/>
+          <p:nvPr/>
+        </p:nvSpPr>
+        <p:spPr>
+          <a:xfrm>
+            <a:off x="6858000" y="1757265"/>
+            <a:ext cx="4795935" cy="755779"/>
+          </a:xfrm>
+          <a:prstGeom prst="flowChartProcess">
+            <a:avLst/>
+          </a:prstGeom>
+        </p:spPr>
+        <p:style>
+          <a:lnRef idx="2">
+            <a:schemeClr val="accent1">
+              <a:shade val="15000"/>
+            </a:schemeClr>
+          </a:lnRef>
+          <a:fillRef idx="1">
+            <a:schemeClr val="accent1"/>
+          </a:fillRef>
+          <a:effectRef idx="0">
+            <a:schemeClr val="accent1"/>
+          </a:effectRef>
+          <a:fontRef idx="minor">
+            <a:schemeClr val="lt1"/>
+          </a:fontRef>
+        </p:style>
+        <p:txBody>
+          <a:bodyPr rtlCol="0" anchor="ctr"/>
+          <a:lstStyle/>
+          <a:p>
+            <a:pPr algn="ctr"/>
+            <a:r>
+              <a:rPr lang="en-US" dirty="0"/>
+              <a:t>500 Kg of Sugar</a:t>
+            </a:r>
+          </a:p>
+        </p:txBody>
+      </p:sp>
+      <p:sp>
+        <p:nvSpPr>
+          <p:cNvPr id="6" name="Flowchart: Process 5">
+            <a:extLst>
+              <a:ext uri="{FF2B5EF4-FFF2-40B4-BE49-F238E27FC236}">
+                <a16:creationId xmlns:a16="http://schemas.microsoft.com/office/drawing/2014/main" id="{2509D4A4-F193-DA34-2122-8E1C199BF29B}"/>
+              </a:ext>
+            </a:extLst>
+          </p:cNvPr>
+          <p:cNvSpPr/>
+          <p:nvPr/>
+        </p:nvSpPr>
+        <p:spPr>
+          <a:xfrm>
+            <a:off x="6858000" y="2665444"/>
+            <a:ext cx="4795935" cy="755779"/>
+          </a:xfrm>
+          <a:prstGeom prst="flowChartProcess">
+            <a:avLst/>
+          </a:prstGeom>
+        </p:spPr>
+        <p:style>
+          <a:lnRef idx="2">
+            <a:schemeClr val="accent1">
+              <a:shade val="15000"/>
+            </a:schemeClr>
+          </a:lnRef>
+          <a:fillRef idx="1">
+            <a:schemeClr val="accent1"/>
+          </a:fillRef>
+          <a:effectRef idx="0">
+            <a:schemeClr val="accent1"/>
+          </a:effectRef>
+          <a:fontRef idx="minor">
+            <a:schemeClr val="lt1"/>
+          </a:fontRef>
+        </p:style>
+        <p:txBody>
+          <a:bodyPr rtlCol="0" anchor="ctr"/>
+          <a:lstStyle/>
+          <a:p>
+            <a:pPr algn="ctr"/>
+            <a:r>
+              <a:rPr lang="en-US" dirty="0"/>
+              <a:t>400 Kg of Besan / Ata, etc.</a:t>
+            </a:r>
+          </a:p>
+        </p:txBody>
+      </p:sp>
+      <p:sp>
+        <p:nvSpPr>
+          <p:cNvPr id="7" name="Rectangle 6">
+            <a:extLst>
+              <a:ext uri="{FF2B5EF4-FFF2-40B4-BE49-F238E27FC236}">
+                <a16:creationId xmlns:a16="http://schemas.microsoft.com/office/drawing/2014/main" id="{91D61D6A-6573-F3D1-09E9-195A510CB6B5}"/>
+              </a:ext>
+            </a:extLst>
+          </p:cNvPr>
+          <p:cNvSpPr/>
+          <p:nvPr/>
+        </p:nvSpPr>
+        <p:spPr>
+          <a:xfrm>
+            <a:off x="839755" y="4823927"/>
+            <a:ext cx="4469363" cy="1436914"/>
+          </a:xfrm>
+          <a:prstGeom prst="rect">
+            <a:avLst/>
+          </a:prstGeom>
+        </p:spPr>
+        <p:style>
+          <a:lnRef idx="2">
+            <a:schemeClr val="accent1">
+              <a:shade val="15000"/>
+            </a:schemeClr>
+          </a:lnRef>
+          <a:fillRef idx="1">
+            <a:schemeClr val="accent1"/>
+          </a:fillRef>
+          <a:effectRef idx="0">
+            <a:schemeClr val="accent1"/>
+          </a:effectRef>
+          <a:fontRef idx="minor">
+            <a:schemeClr val="lt1"/>
+          </a:fontRef>
+        </p:style>
+        <p:txBody>
+          <a:bodyPr rtlCol="0" anchor="ctr"/>
+          <a:lstStyle/>
+          <a:p>
+            <a:pPr algn="ctr"/>
+            <a:r>
+              <a:rPr lang="en-US" sz="2400" dirty="0"/>
+              <a:t>Kitchen</a:t>
+            </a:r>
+          </a:p>
+          <a:p>
+            <a:pPr algn="ctr"/>
+            <a:r>
+              <a:rPr lang="en-US" sz="2400" dirty="0"/>
+              <a:t>Processing of Food</a:t>
+            </a:r>
+          </a:p>
+          <a:p>
+            <a:pPr algn="ctr"/>
+            <a:r>
+              <a:rPr lang="en-US" sz="2400" dirty="0"/>
+              <a:t>1 lit of oil. 100 gm of Ata, 40 Sugar</a:t>
+            </a:r>
+          </a:p>
+        </p:txBody>
+      </p:sp>
+      <p:sp>
+        <p:nvSpPr>
+          <p:cNvPr id="9" name="Rectangle: Rounded Corners 8">
+            <a:extLst>
+              <a:ext uri="{FF2B5EF4-FFF2-40B4-BE49-F238E27FC236}">
+                <a16:creationId xmlns:a16="http://schemas.microsoft.com/office/drawing/2014/main" id="{333E337F-3E38-809B-8B89-800B1AAC4044}"/>
+              </a:ext>
+            </a:extLst>
+          </p:cNvPr>
+          <p:cNvSpPr/>
+          <p:nvPr/>
+        </p:nvSpPr>
+        <p:spPr>
+          <a:xfrm>
+            <a:off x="914400" y="1082351"/>
+            <a:ext cx="3872204" cy="597159"/>
+          </a:xfrm>
+          <a:prstGeom prst="roundRect">
+            <a:avLst/>
+          </a:prstGeom>
+        </p:spPr>
+        <p:style>
+          <a:lnRef idx="2">
+            <a:schemeClr val="accent1">
+              <a:shade val="15000"/>
+            </a:schemeClr>
+          </a:lnRef>
+          <a:fillRef idx="1">
+            <a:schemeClr val="accent1"/>
+          </a:fillRef>
+          <a:effectRef idx="0">
+            <a:schemeClr val="accent1"/>
+          </a:effectRef>
+          <a:fontRef idx="minor">
+            <a:schemeClr val="lt1"/>
+          </a:fontRef>
+        </p:style>
+        <p:txBody>
+          <a:bodyPr rtlCol="0" anchor="ctr"/>
+          <a:lstStyle/>
+          <a:p>
+            <a:pPr algn="ctr"/>
+            <a:r>
+              <a:rPr lang="en-US" dirty="0"/>
+              <a:t>Monthly Needs</a:t>
+            </a:r>
+          </a:p>
+        </p:txBody>
+      </p:sp>
+      <p:cxnSp>
+        <p:nvCxnSpPr>
+          <p:cNvPr id="11" name="Connector: Elbow 10">
+            <a:extLst>
+              <a:ext uri="{FF2B5EF4-FFF2-40B4-BE49-F238E27FC236}">
+                <a16:creationId xmlns:a16="http://schemas.microsoft.com/office/drawing/2014/main" id="{C7074FAE-E444-9FD0-3F70-DFFA24F32AF5}"/>
+              </a:ext>
+            </a:extLst>
+          </p:cNvPr>
+          <p:cNvCxnSpPr>
+            <a:stCxn id="9" idx="3"/>
+            <a:endCxn id="3" idx="0"/>
+          </p:cNvCxnSpPr>
+          <p:nvPr/>
+        </p:nvCxnSpPr>
+        <p:spPr>
+          <a:xfrm flipV="1">
+            <a:off x="4786604" y="662473"/>
+            <a:ext cx="4469363" cy="718458"/>
+          </a:xfrm>
+          <a:prstGeom prst="bentConnector4">
+            <a:avLst>
+              <a:gd name="adj1" fmla="val 21712"/>
+              <a:gd name="adj2" fmla="val 131818"/>
+            </a:avLst>
+          </a:prstGeom>
+          <a:ln>
+            <a:tailEnd type="triangle"/>
+          </a:ln>
+        </p:spPr>
+        <p:style>
+          <a:lnRef idx="1">
+            <a:schemeClr val="accent1"/>
+          </a:lnRef>
+          <a:fillRef idx="0">
+            <a:schemeClr val="accent1"/>
+          </a:fillRef>
+          <a:effectRef idx="0">
+            <a:schemeClr val="accent1"/>
+          </a:effectRef>
+          <a:fontRef idx="minor">
+            <a:schemeClr val="tx1"/>
+          </a:fontRef>
+        </p:style>
+      </p:cxnSp>
+      <p:cxnSp>
+        <p:nvCxnSpPr>
+          <p:cNvPr id="13" name="Connector: Elbow 12">
+            <a:extLst>
+              <a:ext uri="{FF2B5EF4-FFF2-40B4-BE49-F238E27FC236}">
+                <a16:creationId xmlns:a16="http://schemas.microsoft.com/office/drawing/2014/main" id="{CDA32752-25D4-A9FA-6D2E-97C602044378}"/>
+              </a:ext>
+            </a:extLst>
+          </p:cNvPr>
+          <p:cNvCxnSpPr>
+            <a:stCxn id="3" idx="1"/>
+            <a:endCxn id="7" idx="3"/>
+          </p:cNvCxnSpPr>
+          <p:nvPr/>
+        </p:nvCxnSpPr>
+        <p:spPr>
+          <a:xfrm rot="10800000" flipV="1">
+            <a:off x="5309119" y="3512976"/>
+            <a:ext cx="1418253" cy="2029408"/>
+          </a:xfrm>
+          <a:prstGeom prst="bentConnector3">
+            <a:avLst/>
+          </a:prstGeom>
+          <a:ln>
+            <a:tailEnd type="triangle"/>
+          </a:ln>
+        </p:spPr>
+        <p:style>
+          <a:lnRef idx="1">
+            <a:schemeClr val="accent1"/>
+          </a:lnRef>
+          <a:fillRef idx="0">
+            <a:schemeClr val="accent1"/>
+          </a:fillRef>
+          <a:effectRef idx="0">
+            <a:schemeClr val="accent1"/>
+          </a:effectRef>
+          <a:fontRef idx="minor">
+            <a:schemeClr val="tx1"/>
+          </a:fontRef>
+        </p:style>
+      </p:cxnSp>
+      <p:sp>
+        <p:nvSpPr>
+          <p:cNvPr id="14" name="TextBox 13">
+            <a:extLst>
+              <a:ext uri="{FF2B5EF4-FFF2-40B4-BE49-F238E27FC236}">
+                <a16:creationId xmlns:a16="http://schemas.microsoft.com/office/drawing/2014/main" id="{784EC8A3-BA25-D47B-E5C3-C17714C41436}"/>
+              </a:ext>
+            </a:extLst>
+          </p:cNvPr>
+          <p:cNvSpPr txBox="1"/>
+          <p:nvPr/>
+        </p:nvSpPr>
+        <p:spPr>
+          <a:xfrm>
+            <a:off x="339013" y="404327"/>
+            <a:ext cx="3592286" cy="369332"/>
+          </a:xfrm>
+          <a:prstGeom prst="rect">
+            <a:avLst/>
+          </a:prstGeom>
+          <a:noFill/>
+        </p:spPr>
+        <p:txBody>
+          <a:bodyPr wrap="square" rtlCol="0">
+            <a:spAutoFit/>
+          </a:bodyPr>
+          <a:lstStyle/>
+          <a:p>
+            <a:r>
+              <a:rPr lang="en-US" dirty="0"/>
+              <a:t>Dependency Injection Container </a:t>
+            </a:r>
+          </a:p>
+        </p:txBody>
+      </p:sp>
+      <p:sp>
+        <p:nvSpPr>
+          <p:cNvPr id="15" name="Rectangle: Rounded Corners 14">
+            <a:extLst>
+              <a:ext uri="{FF2B5EF4-FFF2-40B4-BE49-F238E27FC236}">
+                <a16:creationId xmlns:a16="http://schemas.microsoft.com/office/drawing/2014/main" id="{ACF9140B-BBCA-5378-8BE6-8748C96B37F6}"/>
+              </a:ext>
+            </a:extLst>
+          </p:cNvPr>
+          <p:cNvSpPr/>
+          <p:nvPr/>
+        </p:nvSpPr>
+        <p:spPr>
+          <a:xfrm>
+            <a:off x="6951306" y="5542384"/>
+            <a:ext cx="4702629" cy="755779"/>
+          </a:xfrm>
+          <a:prstGeom prst="roundRect">
+            <a:avLst/>
+          </a:prstGeom>
+        </p:spPr>
+        <p:style>
+          <a:lnRef idx="2">
+            <a:schemeClr val="accent1">
+              <a:shade val="15000"/>
+            </a:schemeClr>
+          </a:lnRef>
+          <a:fillRef idx="1">
+            <a:schemeClr val="accent1"/>
+          </a:fillRef>
+          <a:effectRef idx="0">
+            <a:schemeClr val="accent1"/>
+          </a:effectRef>
+          <a:fontRef idx="minor">
+            <a:schemeClr val="lt1"/>
+          </a:fontRef>
+        </p:style>
+        <p:txBody>
+          <a:bodyPr rtlCol="0" anchor="ctr"/>
+          <a:lstStyle/>
+          <a:p>
+            <a:pPr algn="ctr"/>
+            <a:r>
+              <a:rPr lang="en-US" dirty="0"/>
+              <a:t>DI Container</a:t>
+            </a:r>
+          </a:p>
+        </p:txBody>
+      </p:sp>
+      <p:sp>
+        <p:nvSpPr>
+          <p:cNvPr id="16" name="TextBox 15">
+            <a:extLst>
+              <a:ext uri="{FF2B5EF4-FFF2-40B4-BE49-F238E27FC236}">
+                <a16:creationId xmlns:a16="http://schemas.microsoft.com/office/drawing/2014/main" id="{16000DC0-E214-79C5-BD0B-7E9D1C2C4123}"/>
+              </a:ext>
+            </a:extLst>
+          </p:cNvPr>
+          <p:cNvSpPr txBox="1"/>
+          <p:nvPr/>
+        </p:nvSpPr>
+        <p:spPr>
+          <a:xfrm>
+            <a:off x="625151" y="3512976"/>
+            <a:ext cx="4683966" cy="1200329"/>
+          </a:xfrm>
+          <a:prstGeom prst="rect">
+            <a:avLst/>
+          </a:prstGeom>
+          <a:noFill/>
+        </p:spPr>
+        <p:txBody>
+          <a:bodyPr wrap="square" rtlCol="0">
+            <a:spAutoFit/>
+          </a:bodyPr>
+          <a:lstStyle/>
+          <a:p>
+            <a:pPr marL="285750" indent="-285750">
+              <a:buFont typeface="Arial" panose="020B0604020202020204" pitchFamily="34" charset="0"/>
+              <a:buChar char="•"/>
+            </a:pPr>
+            <a:r>
+              <a:rPr lang="en-US" dirty="0"/>
+              <a:t>OIL and Ata is needed for LONG Time</a:t>
+            </a:r>
+          </a:p>
+          <a:p>
+            <a:pPr marL="285750" indent="-285750">
+              <a:buFont typeface="Arial" panose="020B0604020202020204" pitchFamily="34" charset="0"/>
+              <a:buChar char="•"/>
+            </a:pPr>
+            <a:r>
+              <a:rPr lang="en-US" dirty="0"/>
+              <a:t>Milk and Vegetable are needed on Daily basic and once the processing is over they are empty</a:t>
+            </a:r>
+          </a:p>
+        </p:txBody>
+      </p:sp>
+    </p:spTree>
+    <p:extLst>
+      <p:ext uri="{BB962C8B-B14F-4D97-AF65-F5344CB8AC3E}">
+        <p14:creationId xmlns:p14="http://schemas.microsoft.com/office/powerpoint/2010/main" val="2579339099"/>
       </p:ext>
     </p:extLst>
   </p:cSld>

--- a/Images.pptx
+++ b/Images.pptx
@@ -40,7 +40,10 @@
     <p:sldId id="286" r:id="rId34"/>
     <p:sldId id="290" r:id="rId35"/>
     <p:sldId id="291" r:id="rId36"/>
-    <p:sldId id="292" r:id="rId37"/>
+    <p:sldId id="295" r:id="rId37"/>
+    <p:sldId id="292" r:id="rId38"/>
+    <p:sldId id="293" r:id="rId39"/>
+    <p:sldId id="294" r:id="rId40"/>
   </p:sldIdLst>
   <p:sldSz cx="12192000" cy="6858000"/>
   <p:notesSz cx="6858000" cy="9144000"/>
@@ -294,7 +297,7 @@
           <a:p>
             <a:fld id="{AA664FF4-21B7-42BA-B2A9-563C2A71FA7D}" type="datetimeFigureOut">
               <a:rPr lang="en-US" smtClean="0"/>
-              <a:t>10/5/2023</a:t>
+              <a:t>10/6/2023</a:t>
             </a:fld>
             <a:endParaRPr lang="en-US"/>
           </a:p>
@@ -492,7 +495,7 @@
           <a:p>
             <a:fld id="{AA664FF4-21B7-42BA-B2A9-563C2A71FA7D}" type="datetimeFigureOut">
               <a:rPr lang="en-US" smtClean="0"/>
-              <a:t>10/5/2023</a:t>
+              <a:t>10/6/2023</a:t>
             </a:fld>
             <a:endParaRPr lang="en-US"/>
           </a:p>
@@ -700,7 +703,7 @@
           <a:p>
             <a:fld id="{AA664FF4-21B7-42BA-B2A9-563C2A71FA7D}" type="datetimeFigureOut">
               <a:rPr lang="en-US" smtClean="0"/>
-              <a:t>10/5/2023</a:t>
+              <a:t>10/6/2023</a:t>
             </a:fld>
             <a:endParaRPr lang="en-US"/>
           </a:p>
@@ -898,7 +901,7 @@
           <a:p>
             <a:fld id="{AA664FF4-21B7-42BA-B2A9-563C2A71FA7D}" type="datetimeFigureOut">
               <a:rPr lang="en-US" smtClean="0"/>
-              <a:t>10/5/2023</a:t>
+              <a:t>10/6/2023</a:t>
             </a:fld>
             <a:endParaRPr lang="en-US"/>
           </a:p>
@@ -1173,7 +1176,7 @@
           <a:p>
             <a:fld id="{AA664FF4-21B7-42BA-B2A9-563C2A71FA7D}" type="datetimeFigureOut">
               <a:rPr lang="en-US" smtClean="0"/>
-              <a:t>10/5/2023</a:t>
+              <a:t>10/6/2023</a:t>
             </a:fld>
             <a:endParaRPr lang="en-US"/>
           </a:p>
@@ -1438,7 +1441,7 @@
           <a:p>
             <a:fld id="{AA664FF4-21B7-42BA-B2A9-563C2A71FA7D}" type="datetimeFigureOut">
               <a:rPr lang="en-US" smtClean="0"/>
-              <a:t>10/5/2023</a:t>
+              <a:t>10/6/2023</a:t>
             </a:fld>
             <a:endParaRPr lang="en-US"/>
           </a:p>
@@ -1850,7 +1853,7 @@
           <a:p>
             <a:fld id="{AA664FF4-21B7-42BA-B2A9-563C2A71FA7D}" type="datetimeFigureOut">
               <a:rPr lang="en-US" smtClean="0"/>
-              <a:t>10/5/2023</a:t>
+              <a:t>10/6/2023</a:t>
             </a:fld>
             <a:endParaRPr lang="en-US"/>
           </a:p>
@@ -1991,7 +1994,7 @@
           <a:p>
             <a:fld id="{AA664FF4-21B7-42BA-B2A9-563C2A71FA7D}" type="datetimeFigureOut">
               <a:rPr lang="en-US" smtClean="0"/>
-              <a:t>10/5/2023</a:t>
+              <a:t>10/6/2023</a:t>
             </a:fld>
             <a:endParaRPr lang="en-US"/>
           </a:p>
@@ -2104,7 +2107,7 @@
           <a:p>
             <a:fld id="{AA664FF4-21B7-42BA-B2A9-563C2A71FA7D}" type="datetimeFigureOut">
               <a:rPr lang="en-US" smtClean="0"/>
-              <a:t>10/5/2023</a:t>
+              <a:t>10/6/2023</a:t>
             </a:fld>
             <a:endParaRPr lang="en-US"/>
           </a:p>
@@ -2415,7 +2418,7 @@
           <a:p>
             <a:fld id="{AA664FF4-21B7-42BA-B2A9-563C2A71FA7D}" type="datetimeFigureOut">
               <a:rPr lang="en-US" smtClean="0"/>
-              <a:t>10/5/2023</a:t>
+              <a:t>10/6/2023</a:t>
             </a:fld>
             <a:endParaRPr lang="en-US"/>
           </a:p>
@@ -2703,7 +2706,7 @@
           <a:p>
             <a:fld id="{AA664FF4-21B7-42BA-B2A9-563C2A71FA7D}" type="datetimeFigureOut">
               <a:rPr lang="en-US" smtClean="0"/>
-              <a:t>10/5/2023</a:t>
+              <a:t>10/6/2023</a:t>
             </a:fld>
             <a:endParaRPr lang="en-US"/>
           </a:p>
@@ -2944,7 +2947,7 @@
           <a:p>
             <a:fld id="{AA664FF4-21B7-42BA-B2A9-563C2A71FA7D}" type="datetimeFigureOut">
               <a:rPr lang="en-US" smtClean="0"/>
-              <a:t>10/5/2023</a:t>
+              <a:t>10/6/2023</a:t>
             </a:fld>
             <a:endParaRPr lang="en-US"/>
           </a:p>
@@ -26176,6 +26179,1931 @@
       </p:grpSpPr>
       <p:sp>
         <p:nvSpPr>
+          <p:cNvPr id="2" name="Rectangle: Rounded Corners 1">
+            <a:extLst>
+              <a:ext uri="{FF2B5EF4-FFF2-40B4-BE49-F238E27FC236}">
+                <a16:creationId xmlns:a16="http://schemas.microsoft.com/office/drawing/2014/main" id="{86DC42B3-3B17-F94E-931D-EF9813946027}"/>
+              </a:ext>
+            </a:extLst>
+          </p:cNvPr>
+          <p:cNvSpPr/>
+          <p:nvPr/>
+        </p:nvSpPr>
+        <p:spPr>
+          <a:xfrm>
+            <a:off x="261257" y="401216"/>
+            <a:ext cx="1819470" cy="821094"/>
+          </a:xfrm>
+          <a:prstGeom prst="roundRect">
+            <a:avLst/>
+          </a:prstGeom>
+        </p:spPr>
+        <p:style>
+          <a:lnRef idx="2">
+            <a:schemeClr val="accent1">
+              <a:shade val="15000"/>
+            </a:schemeClr>
+          </a:lnRef>
+          <a:fillRef idx="1">
+            <a:schemeClr val="accent1"/>
+          </a:fillRef>
+          <a:effectRef idx="0">
+            <a:schemeClr val="accent1"/>
+          </a:effectRef>
+          <a:fontRef idx="minor">
+            <a:schemeClr val="lt1"/>
+          </a:fontRef>
+        </p:style>
+        <p:txBody>
+          <a:bodyPr rtlCol="0" anchor="ctr"/>
+          <a:lstStyle/>
+          <a:p>
+            <a:pPr algn="ctr"/>
+            <a:r>
+              <a:rPr lang="en-US" dirty="0"/>
+              <a:t>Standard Error Handler</a:t>
+            </a:r>
+          </a:p>
+        </p:txBody>
+      </p:sp>
+      <p:sp>
+        <p:nvSpPr>
+          <p:cNvPr id="3" name="Arrow: Right 2">
+            <a:extLst>
+              <a:ext uri="{FF2B5EF4-FFF2-40B4-BE49-F238E27FC236}">
+                <a16:creationId xmlns:a16="http://schemas.microsoft.com/office/drawing/2014/main" id="{56012D31-87A2-7D04-DF32-3D78090CDC57}"/>
+              </a:ext>
+            </a:extLst>
+          </p:cNvPr>
+          <p:cNvSpPr/>
+          <p:nvPr/>
+        </p:nvSpPr>
+        <p:spPr>
+          <a:xfrm>
+            <a:off x="2080727" y="503853"/>
+            <a:ext cx="1138334" cy="167951"/>
+          </a:xfrm>
+          <a:prstGeom prst="rightArrow">
+            <a:avLst/>
+          </a:prstGeom>
+          <a:solidFill>
+            <a:srgbClr val="00B050"/>
+          </a:solidFill>
+        </p:spPr>
+        <p:style>
+          <a:lnRef idx="2">
+            <a:schemeClr val="accent1">
+              <a:shade val="15000"/>
+            </a:schemeClr>
+          </a:lnRef>
+          <a:fillRef idx="1">
+            <a:schemeClr val="accent1"/>
+          </a:fillRef>
+          <a:effectRef idx="0">
+            <a:schemeClr val="accent1"/>
+          </a:effectRef>
+          <a:fontRef idx="minor">
+            <a:schemeClr val="lt1"/>
+          </a:fontRef>
+        </p:style>
+        <p:txBody>
+          <a:bodyPr rtlCol="0" anchor="ctr"/>
+          <a:lstStyle/>
+          <a:p>
+            <a:pPr algn="ctr"/>
+            <a:endParaRPr lang="en-US"/>
+          </a:p>
+        </p:txBody>
+      </p:sp>
+      <p:sp>
+        <p:nvSpPr>
+          <p:cNvPr id="4" name="Rectangle: Rounded Corners 3">
+            <a:extLst>
+              <a:ext uri="{FF2B5EF4-FFF2-40B4-BE49-F238E27FC236}">
+                <a16:creationId xmlns:a16="http://schemas.microsoft.com/office/drawing/2014/main" id="{A9E32D9A-8F2E-057C-2A18-85C705A1B548}"/>
+              </a:ext>
+            </a:extLst>
+          </p:cNvPr>
+          <p:cNvSpPr/>
+          <p:nvPr/>
+        </p:nvSpPr>
+        <p:spPr>
+          <a:xfrm>
+            <a:off x="3219061" y="401216"/>
+            <a:ext cx="1819470" cy="821094"/>
+          </a:xfrm>
+          <a:prstGeom prst="roundRect">
+            <a:avLst/>
+          </a:prstGeom>
+        </p:spPr>
+        <p:style>
+          <a:lnRef idx="2">
+            <a:schemeClr val="accent1">
+              <a:shade val="15000"/>
+            </a:schemeClr>
+          </a:lnRef>
+          <a:fillRef idx="1">
+            <a:schemeClr val="accent1"/>
+          </a:fillRef>
+          <a:effectRef idx="0">
+            <a:schemeClr val="accent1"/>
+          </a:effectRef>
+          <a:fontRef idx="minor">
+            <a:schemeClr val="lt1"/>
+          </a:fontRef>
+        </p:style>
+        <p:txBody>
+          <a:bodyPr rtlCol="0" anchor="ctr"/>
+          <a:lstStyle/>
+          <a:p>
+            <a:pPr algn="ctr"/>
+            <a:r>
+              <a:rPr lang="en-US" dirty="0"/>
+              <a:t>Https Redirection</a:t>
+            </a:r>
+          </a:p>
+        </p:txBody>
+      </p:sp>
+      <p:sp>
+        <p:nvSpPr>
+          <p:cNvPr id="5" name="Arrow: Right 4">
+            <a:extLst>
+              <a:ext uri="{FF2B5EF4-FFF2-40B4-BE49-F238E27FC236}">
+                <a16:creationId xmlns:a16="http://schemas.microsoft.com/office/drawing/2014/main" id="{8E56C802-DDA2-4214-119C-1FC49E76023D}"/>
+              </a:ext>
+            </a:extLst>
+          </p:cNvPr>
+          <p:cNvSpPr/>
+          <p:nvPr/>
+        </p:nvSpPr>
+        <p:spPr>
+          <a:xfrm>
+            <a:off x="5038531" y="503853"/>
+            <a:ext cx="1138334" cy="167951"/>
+          </a:xfrm>
+          <a:prstGeom prst="rightArrow">
+            <a:avLst/>
+          </a:prstGeom>
+          <a:solidFill>
+            <a:srgbClr val="00B050"/>
+          </a:solidFill>
+        </p:spPr>
+        <p:style>
+          <a:lnRef idx="2">
+            <a:schemeClr val="accent1">
+              <a:shade val="15000"/>
+            </a:schemeClr>
+          </a:lnRef>
+          <a:fillRef idx="1">
+            <a:schemeClr val="accent1"/>
+          </a:fillRef>
+          <a:effectRef idx="0">
+            <a:schemeClr val="accent1"/>
+          </a:effectRef>
+          <a:fontRef idx="minor">
+            <a:schemeClr val="lt1"/>
+          </a:fontRef>
+        </p:style>
+        <p:txBody>
+          <a:bodyPr rtlCol="0" anchor="ctr"/>
+          <a:lstStyle/>
+          <a:p>
+            <a:pPr algn="ctr"/>
+            <a:endParaRPr lang="en-US"/>
+          </a:p>
+        </p:txBody>
+      </p:sp>
+      <p:sp>
+        <p:nvSpPr>
+          <p:cNvPr id="6" name="Rectangle: Rounded Corners 5">
+            <a:extLst>
+              <a:ext uri="{FF2B5EF4-FFF2-40B4-BE49-F238E27FC236}">
+                <a16:creationId xmlns:a16="http://schemas.microsoft.com/office/drawing/2014/main" id="{F3648D2C-A528-E383-23E4-61080332C9C3}"/>
+              </a:ext>
+            </a:extLst>
+          </p:cNvPr>
+          <p:cNvSpPr/>
+          <p:nvPr/>
+        </p:nvSpPr>
+        <p:spPr>
+          <a:xfrm>
+            <a:off x="6176865" y="401216"/>
+            <a:ext cx="1819470" cy="821094"/>
+          </a:xfrm>
+          <a:prstGeom prst="roundRect">
+            <a:avLst/>
+          </a:prstGeom>
+        </p:spPr>
+        <p:style>
+          <a:lnRef idx="2">
+            <a:schemeClr val="accent1">
+              <a:shade val="15000"/>
+            </a:schemeClr>
+          </a:lnRef>
+          <a:fillRef idx="1">
+            <a:schemeClr val="accent1"/>
+          </a:fillRef>
+          <a:effectRef idx="0">
+            <a:schemeClr val="accent1"/>
+          </a:effectRef>
+          <a:fontRef idx="minor">
+            <a:schemeClr val="lt1"/>
+          </a:fontRef>
+        </p:style>
+        <p:txBody>
+          <a:bodyPr rtlCol="0" anchor="ctr"/>
+          <a:lstStyle/>
+          <a:p>
+            <a:pPr algn="ctr"/>
+            <a:r>
+              <a:rPr lang="en-US" dirty="0"/>
+              <a:t>CORS</a:t>
+            </a:r>
+          </a:p>
+        </p:txBody>
+      </p:sp>
+      <p:sp>
+        <p:nvSpPr>
+          <p:cNvPr id="7" name="Arrow: Right 6">
+            <a:extLst>
+              <a:ext uri="{FF2B5EF4-FFF2-40B4-BE49-F238E27FC236}">
+                <a16:creationId xmlns:a16="http://schemas.microsoft.com/office/drawing/2014/main" id="{14F576E5-6670-0478-D9C5-28086D6EE1DC}"/>
+              </a:ext>
+            </a:extLst>
+          </p:cNvPr>
+          <p:cNvSpPr/>
+          <p:nvPr/>
+        </p:nvSpPr>
+        <p:spPr>
+          <a:xfrm>
+            <a:off x="7996335" y="475861"/>
+            <a:ext cx="1138334" cy="167951"/>
+          </a:xfrm>
+          <a:prstGeom prst="rightArrow">
+            <a:avLst/>
+          </a:prstGeom>
+          <a:solidFill>
+            <a:srgbClr val="00B050"/>
+          </a:solidFill>
+        </p:spPr>
+        <p:style>
+          <a:lnRef idx="2">
+            <a:schemeClr val="accent1">
+              <a:shade val="15000"/>
+            </a:schemeClr>
+          </a:lnRef>
+          <a:fillRef idx="1">
+            <a:schemeClr val="accent1"/>
+          </a:fillRef>
+          <a:effectRef idx="0">
+            <a:schemeClr val="accent1"/>
+          </a:effectRef>
+          <a:fontRef idx="minor">
+            <a:schemeClr val="lt1"/>
+          </a:fontRef>
+        </p:style>
+        <p:txBody>
+          <a:bodyPr rtlCol="0" anchor="ctr"/>
+          <a:lstStyle/>
+          <a:p>
+            <a:pPr algn="ctr"/>
+            <a:endParaRPr lang="en-US"/>
+          </a:p>
+        </p:txBody>
+      </p:sp>
+      <p:sp>
+        <p:nvSpPr>
+          <p:cNvPr id="8" name="Rectangle: Rounded Corners 7">
+            <a:extLst>
+              <a:ext uri="{FF2B5EF4-FFF2-40B4-BE49-F238E27FC236}">
+                <a16:creationId xmlns:a16="http://schemas.microsoft.com/office/drawing/2014/main" id="{6AD29F53-0660-C15E-B4FC-A9ECB4C14109}"/>
+              </a:ext>
+            </a:extLst>
+          </p:cNvPr>
+          <p:cNvSpPr/>
+          <p:nvPr/>
+        </p:nvSpPr>
+        <p:spPr>
+          <a:xfrm>
+            <a:off x="9134669" y="373224"/>
+            <a:ext cx="1819470" cy="821094"/>
+          </a:xfrm>
+          <a:prstGeom prst="roundRect">
+            <a:avLst/>
+          </a:prstGeom>
+        </p:spPr>
+        <p:style>
+          <a:lnRef idx="2">
+            <a:schemeClr val="accent1">
+              <a:shade val="15000"/>
+            </a:schemeClr>
+          </a:lnRef>
+          <a:fillRef idx="1">
+            <a:schemeClr val="accent1"/>
+          </a:fillRef>
+          <a:effectRef idx="0">
+            <a:schemeClr val="accent1"/>
+          </a:effectRef>
+          <a:fontRef idx="minor">
+            <a:schemeClr val="lt1"/>
+          </a:fontRef>
+        </p:style>
+        <p:txBody>
+          <a:bodyPr rtlCol="0" anchor="ctr"/>
+          <a:lstStyle/>
+          <a:p>
+            <a:pPr algn="ctr"/>
+            <a:r>
+              <a:rPr lang="en-US" dirty="0"/>
+              <a:t>Routing</a:t>
+            </a:r>
+          </a:p>
+        </p:txBody>
+      </p:sp>
+      <p:sp>
+        <p:nvSpPr>
+          <p:cNvPr id="11" name="Rectangle: Rounded Corners 10">
+            <a:extLst>
+              <a:ext uri="{FF2B5EF4-FFF2-40B4-BE49-F238E27FC236}">
+                <a16:creationId xmlns:a16="http://schemas.microsoft.com/office/drawing/2014/main" id="{1480C9F8-88CB-BAD7-F580-5B3701B399F6}"/>
+              </a:ext>
+            </a:extLst>
+          </p:cNvPr>
+          <p:cNvSpPr/>
+          <p:nvPr/>
+        </p:nvSpPr>
+        <p:spPr>
+          <a:xfrm>
+            <a:off x="9063134" y="1859901"/>
+            <a:ext cx="1819470" cy="821094"/>
+          </a:xfrm>
+          <a:prstGeom prst="roundRect">
+            <a:avLst/>
+          </a:prstGeom>
+        </p:spPr>
+        <p:style>
+          <a:lnRef idx="2">
+            <a:schemeClr val="accent1">
+              <a:shade val="15000"/>
+            </a:schemeClr>
+          </a:lnRef>
+          <a:fillRef idx="1">
+            <a:schemeClr val="accent1"/>
+          </a:fillRef>
+          <a:effectRef idx="0">
+            <a:schemeClr val="accent1"/>
+          </a:effectRef>
+          <a:fontRef idx="minor">
+            <a:schemeClr val="lt1"/>
+          </a:fontRef>
+        </p:style>
+        <p:txBody>
+          <a:bodyPr rtlCol="0" anchor="ctr"/>
+          <a:lstStyle/>
+          <a:p>
+            <a:pPr algn="ctr"/>
+            <a:r>
+              <a:rPr lang="en-US" dirty="0"/>
+              <a:t>StaticFiles</a:t>
+            </a:r>
+          </a:p>
+        </p:txBody>
+      </p:sp>
+      <p:sp>
+        <p:nvSpPr>
+          <p:cNvPr id="12" name="Arrow: Down 11">
+            <a:extLst>
+              <a:ext uri="{FF2B5EF4-FFF2-40B4-BE49-F238E27FC236}">
+                <a16:creationId xmlns:a16="http://schemas.microsoft.com/office/drawing/2014/main" id="{2D3A6F3C-F8FE-42B8-72BE-ABD870829916}"/>
+              </a:ext>
+            </a:extLst>
+          </p:cNvPr>
+          <p:cNvSpPr/>
+          <p:nvPr/>
+        </p:nvSpPr>
+        <p:spPr>
+          <a:xfrm>
+            <a:off x="10608906" y="1194318"/>
+            <a:ext cx="186612" cy="662474"/>
+          </a:xfrm>
+          <a:prstGeom prst="downArrow">
+            <a:avLst/>
+          </a:prstGeom>
+          <a:solidFill>
+            <a:srgbClr val="00B050"/>
+          </a:solidFill>
+        </p:spPr>
+        <p:style>
+          <a:lnRef idx="2">
+            <a:schemeClr val="accent1">
+              <a:shade val="15000"/>
+            </a:schemeClr>
+          </a:lnRef>
+          <a:fillRef idx="1">
+            <a:schemeClr val="accent1"/>
+          </a:fillRef>
+          <a:effectRef idx="0">
+            <a:schemeClr val="accent1"/>
+          </a:effectRef>
+          <a:fontRef idx="minor">
+            <a:schemeClr val="lt1"/>
+          </a:fontRef>
+        </p:style>
+        <p:txBody>
+          <a:bodyPr rtlCol="0" anchor="ctr"/>
+          <a:lstStyle/>
+          <a:p>
+            <a:pPr algn="ctr"/>
+            <a:endParaRPr lang="en-US"/>
+          </a:p>
+        </p:txBody>
+      </p:sp>
+      <p:sp>
+        <p:nvSpPr>
+          <p:cNvPr id="13" name="Rectangle: Rounded Corners 12">
+            <a:extLst>
+              <a:ext uri="{FF2B5EF4-FFF2-40B4-BE49-F238E27FC236}">
+                <a16:creationId xmlns:a16="http://schemas.microsoft.com/office/drawing/2014/main" id="{A2F0A47E-21E0-8825-9A7D-02E05333DB12}"/>
+              </a:ext>
+            </a:extLst>
+          </p:cNvPr>
+          <p:cNvSpPr/>
+          <p:nvPr/>
+        </p:nvSpPr>
+        <p:spPr>
+          <a:xfrm>
+            <a:off x="6096000" y="1856792"/>
+            <a:ext cx="1819470" cy="821094"/>
+          </a:xfrm>
+          <a:prstGeom prst="roundRect">
+            <a:avLst/>
+          </a:prstGeom>
+        </p:spPr>
+        <p:style>
+          <a:lnRef idx="2">
+            <a:schemeClr val="accent1">
+              <a:shade val="15000"/>
+            </a:schemeClr>
+          </a:lnRef>
+          <a:fillRef idx="1">
+            <a:schemeClr val="accent1"/>
+          </a:fillRef>
+          <a:effectRef idx="0">
+            <a:schemeClr val="accent1"/>
+          </a:effectRef>
+          <a:fontRef idx="minor">
+            <a:schemeClr val="lt1"/>
+          </a:fontRef>
+        </p:style>
+        <p:txBody>
+          <a:bodyPr rtlCol="0" anchor="ctr"/>
+          <a:lstStyle/>
+          <a:p>
+            <a:pPr algn="ctr"/>
+            <a:r>
+              <a:rPr lang="en-US" dirty="0"/>
+              <a:t>Authentication</a:t>
+            </a:r>
+          </a:p>
+        </p:txBody>
+      </p:sp>
+      <p:sp>
+        <p:nvSpPr>
+          <p:cNvPr id="14" name="Arrow: Left 13">
+            <a:extLst>
+              <a:ext uri="{FF2B5EF4-FFF2-40B4-BE49-F238E27FC236}">
+                <a16:creationId xmlns:a16="http://schemas.microsoft.com/office/drawing/2014/main" id="{C03C1F10-A689-F18A-D87D-6C55D8DBC861}"/>
+              </a:ext>
+            </a:extLst>
+          </p:cNvPr>
+          <p:cNvSpPr/>
+          <p:nvPr/>
+        </p:nvSpPr>
+        <p:spPr>
+          <a:xfrm>
+            <a:off x="7921690" y="2407298"/>
+            <a:ext cx="1138334" cy="167951"/>
+          </a:xfrm>
+          <a:prstGeom prst="leftArrow">
+            <a:avLst/>
+          </a:prstGeom>
+          <a:solidFill>
+            <a:srgbClr val="00B050"/>
+          </a:solidFill>
+        </p:spPr>
+        <p:style>
+          <a:lnRef idx="2">
+            <a:schemeClr val="accent1">
+              <a:shade val="15000"/>
+            </a:schemeClr>
+          </a:lnRef>
+          <a:fillRef idx="1">
+            <a:schemeClr val="accent1"/>
+          </a:fillRef>
+          <a:effectRef idx="0">
+            <a:schemeClr val="accent1"/>
+          </a:effectRef>
+          <a:fontRef idx="minor">
+            <a:schemeClr val="lt1"/>
+          </a:fontRef>
+        </p:style>
+        <p:txBody>
+          <a:bodyPr rtlCol="0" anchor="ctr"/>
+          <a:lstStyle/>
+          <a:p>
+            <a:pPr algn="ctr"/>
+            <a:endParaRPr lang="en-US"/>
+          </a:p>
+        </p:txBody>
+      </p:sp>
+      <p:sp>
+        <p:nvSpPr>
+          <p:cNvPr id="15" name="Rectangle: Rounded Corners 14">
+            <a:extLst>
+              <a:ext uri="{FF2B5EF4-FFF2-40B4-BE49-F238E27FC236}">
+                <a16:creationId xmlns:a16="http://schemas.microsoft.com/office/drawing/2014/main" id="{F7A0CBF6-8CC5-3596-3BE2-FF9C5834433F}"/>
+              </a:ext>
+            </a:extLst>
+          </p:cNvPr>
+          <p:cNvSpPr/>
+          <p:nvPr/>
+        </p:nvSpPr>
+        <p:spPr>
+          <a:xfrm>
+            <a:off x="3130421" y="1856792"/>
+            <a:ext cx="1819470" cy="821094"/>
+          </a:xfrm>
+          <a:prstGeom prst="roundRect">
+            <a:avLst/>
+          </a:prstGeom>
+        </p:spPr>
+        <p:style>
+          <a:lnRef idx="2">
+            <a:schemeClr val="accent1">
+              <a:shade val="15000"/>
+            </a:schemeClr>
+          </a:lnRef>
+          <a:fillRef idx="1">
+            <a:schemeClr val="accent1"/>
+          </a:fillRef>
+          <a:effectRef idx="0">
+            <a:schemeClr val="accent1"/>
+          </a:effectRef>
+          <a:fontRef idx="minor">
+            <a:schemeClr val="lt1"/>
+          </a:fontRef>
+        </p:style>
+        <p:txBody>
+          <a:bodyPr rtlCol="0" anchor="ctr"/>
+          <a:lstStyle/>
+          <a:p>
+            <a:pPr algn="ctr"/>
+            <a:r>
+              <a:rPr lang="en-US" dirty="0"/>
+              <a:t>Authorization</a:t>
+            </a:r>
+          </a:p>
+        </p:txBody>
+      </p:sp>
+      <p:sp>
+        <p:nvSpPr>
+          <p:cNvPr id="16" name="Arrow: Left 15">
+            <a:extLst>
+              <a:ext uri="{FF2B5EF4-FFF2-40B4-BE49-F238E27FC236}">
+                <a16:creationId xmlns:a16="http://schemas.microsoft.com/office/drawing/2014/main" id="{9BED4DCE-F597-8D3D-B2C7-96732F0D9B4D}"/>
+              </a:ext>
+            </a:extLst>
+          </p:cNvPr>
+          <p:cNvSpPr/>
+          <p:nvPr/>
+        </p:nvSpPr>
+        <p:spPr>
+          <a:xfrm>
+            <a:off x="4956111" y="2407298"/>
+            <a:ext cx="1138334" cy="167951"/>
+          </a:xfrm>
+          <a:prstGeom prst="leftArrow">
+            <a:avLst/>
+          </a:prstGeom>
+          <a:solidFill>
+            <a:srgbClr val="00B050"/>
+          </a:solidFill>
+        </p:spPr>
+        <p:style>
+          <a:lnRef idx="2">
+            <a:schemeClr val="accent1">
+              <a:shade val="15000"/>
+            </a:schemeClr>
+          </a:lnRef>
+          <a:fillRef idx="1">
+            <a:schemeClr val="accent1"/>
+          </a:fillRef>
+          <a:effectRef idx="0">
+            <a:schemeClr val="accent1"/>
+          </a:effectRef>
+          <a:fontRef idx="minor">
+            <a:schemeClr val="lt1"/>
+          </a:fontRef>
+        </p:style>
+        <p:txBody>
+          <a:bodyPr rtlCol="0" anchor="ctr"/>
+          <a:lstStyle/>
+          <a:p>
+            <a:pPr algn="ctr"/>
+            <a:endParaRPr lang="en-US"/>
+          </a:p>
+        </p:txBody>
+      </p:sp>
+      <p:sp>
+        <p:nvSpPr>
+          <p:cNvPr id="17" name="Arrow: Down 16">
+            <a:extLst>
+              <a:ext uri="{FF2B5EF4-FFF2-40B4-BE49-F238E27FC236}">
+                <a16:creationId xmlns:a16="http://schemas.microsoft.com/office/drawing/2014/main" id="{B722D954-E1DE-A3B2-BCC7-3FAA00934C6F}"/>
+              </a:ext>
+            </a:extLst>
+          </p:cNvPr>
+          <p:cNvSpPr/>
+          <p:nvPr/>
+        </p:nvSpPr>
+        <p:spPr>
+          <a:xfrm>
+            <a:off x="4397828" y="2677886"/>
+            <a:ext cx="186612" cy="662474"/>
+          </a:xfrm>
+          <a:prstGeom prst="downArrow">
+            <a:avLst/>
+          </a:prstGeom>
+          <a:solidFill>
+            <a:srgbClr val="00B050"/>
+          </a:solidFill>
+        </p:spPr>
+        <p:style>
+          <a:lnRef idx="2">
+            <a:schemeClr val="accent1">
+              <a:shade val="15000"/>
+            </a:schemeClr>
+          </a:lnRef>
+          <a:fillRef idx="1">
+            <a:schemeClr val="accent1"/>
+          </a:fillRef>
+          <a:effectRef idx="0">
+            <a:schemeClr val="accent1"/>
+          </a:effectRef>
+          <a:fontRef idx="minor">
+            <a:schemeClr val="lt1"/>
+          </a:fontRef>
+        </p:style>
+        <p:txBody>
+          <a:bodyPr rtlCol="0" anchor="ctr"/>
+          <a:lstStyle/>
+          <a:p>
+            <a:pPr algn="ctr"/>
+            <a:endParaRPr lang="en-US"/>
+          </a:p>
+        </p:txBody>
+      </p:sp>
+      <p:sp>
+        <p:nvSpPr>
+          <p:cNvPr id="18" name="Rectangle: Rounded Corners 17">
+            <a:extLst>
+              <a:ext uri="{FF2B5EF4-FFF2-40B4-BE49-F238E27FC236}">
+                <a16:creationId xmlns:a16="http://schemas.microsoft.com/office/drawing/2014/main" id="{22320AD4-7012-0EAC-8D44-765ECBC6D65E}"/>
+              </a:ext>
+            </a:extLst>
+          </p:cNvPr>
+          <p:cNvSpPr/>
+          <p:nvPr/>
+        </p:nvSpPr>
+        <p:spPr>
+          <a:xfrm>
+            <a:off x="2715208" y="3340359"/>
+            <a:ext cx="6344816" cy="998375"/>
+          </a:xfrm>
+          <a:prstGeom prst="roundRect">
+            <a:avLst/>
+          </a:prstGeom>
+        </p:spPr>
+        <p:style>
+          <a:lnRef idx="2">
+            <a:schemeClr val="accent1">
+              <a:shade val="15000"/>
+            </a:schemeClr>
+          </a:lnRef>
+          <a:fillRef idx="1">
+            <a:schemeClr val="accent1"/>
+          </a:fillRef>
+          <a:effectRef idx="0">
+            <a:schemeClr val="accent1"/>
+          </a:effectRef>
+          <a:fontRef idx="minor">
+            <a:schemeClr val="lt1"/>
+          </a:fontRef>
+        </p:style>
+        <p:txBody>
+          <a:bodyPr rtlCol="0" anchor="ctr"/>
+          <a:lstStyle/>
+          <a:p>
+            <a:pPr algn="ctr"/>
+            <a:endParaRPr lang="en-US"/>
+          </a:p>
+        </p:txBody>
+      </p:sp>
+      <p:sp>
+        <p:nvSpPr>
+          <p:cNvPr id="19" name="Rectangle 18">
+            <a:extLst>
+              <a:ext uri="{FF2B5EF4-FFF2-40B4-BE49-F238E27FC236}">
+                <a16:creationId xmlns:a16="http://schemas.microsoft.com/office/drawing/2014/main" id="{5550B7B2-1592-426C-BCD4-FEE6BF5318D8}"/>
+              </a:ext>
+            </a:extLst>
+          </p:cNvPr>
+          <p:cNvSpPr/>
+          <p:nvPr/>
+        </p:nvSpPr>
+        <p:spPr>
+          <a:xfrm>
+            <a:off x="2901820" y="3517641"/>
+            <a:ext cx="1682620" cy="587829"/>
+          </a:xfrm>
+          <a:prstGeom prst="rect">
+            <a:avLst/>
+          </a:prstGeom>
+          <a:solidFill>
+            <a:srgbClr val="C00000"/>
+          </a:solidFill>
+        </p:spPr>
+        <p:style>
+          <a:lnRef idx="2">
+            <a:schemeClr val="accent1">
+              <a:shade val="15000"/>
+            </a:schemeClr>
+          </a:lnRef>
+          <a:fillRef idx="1">
+            <a:schemeClr val="accent1"/>
+          </a:fillRef>
+          <a:effectRef idx="0">
+            <a:schemeClr val="accent1"/>
+          </a:effectRef>
+          <a:fontRef idx="minor">
+            <a:schemeClr val="lt1"/>
+          </a:fontRef>
+        </p:style>
+        <p:txBody>
+          <a:bodyPr rtlCol="0" anchor="ctr"/>
+          <a:lstStyle/>
+          <a:p>
+            <a:pPr algn="ctr"/>
+            <a:r>
+              <a:rPr lang="en-US" dirty="0"/>
+              <a:t>Custom Middleware 1</a:t>
+            </a:r>
+          </a:p>
+        </p:txBody>
+      </p:sp>
+      <p:sp>
+        <p:nvSpPr>
+          <p:cNvPr id="20" name="Rectangle 19">
+            <a:extLst>
+              <a:ext uri="{FF2B5EF4-FFF2-40B4-BE49-F238E27FC236}">
+                <a16:creationId xmlns:a16="http://schemas.microsoft.com/office/drawing/2014/main" id="{44D4497F-FC24-7B9D-B738-D371CE7B7A39}"/>
+              </a:ext>
+            </a:extLst>
+          </p:cNvPr>
+          <p:cNvSpPr/>
+          <p:nvPr/>
+        </p:nvSpPr>
+        <p:spPr>
+          <a:xfrm>
+            <a:off x="7155025" y="3517640"/>
+            <a:ext cx="1682620" cy="587829"/>
+          </a:xfrm>
+          <a:prstGeom prst="rect">
+            <a:avLst/>
+          </a:prstGeom>
+          <a:solidFill>
+            <a:srgbClr val="C00000"/>
+          </a:solidFill>
+        </p:spPr>
+        <p:style>
+          <a:lnRef idx="2">
+            <a:schemeClr val="accent1">
+              <a:shade val="15000"/>
+            </a:schemeClr>
+          </a:lnRef>
+          <a:fillRef idx="1">
+            <a:schemeClr val="accent1"/>
+          </a:fillRef>
+          <a:effectRef idx="0">
+            <a:schemeClr val="accent1"/>
+          </a:effectRef>
+          <a:fontRef idx="minor">
+            <a:schemeClr val="lt1"/>
+          </a:fontRef>
+        </p:style>
+        <p:txBody>
+          <a:bodyPr rtlCol="0" anchor="ctr"/>
+          <a:lstStyle/>
+          <a:p>
+            <a:pPr algn="ctr"/>
+            <a:r>
+              <a:rPr lang="en-US" dirty="0"/>
+              <a:t>Custom Middleware n</a:t>
+            </a:r>
+          </a:p>
+        </p:txBody>
+      </p:sp>
+      <p:sp>
+        <p:nvSpPr>
+          <p:cNvPr id="21" name="Rectangle 20">
+            <a:extLst>
+              <a:ext uri="{FF2B5EF4-FFF2-40B4-BE49-F238E27FC236}">
+                <a16:creationId xmlns:a16="http://schemas.microsoft.com/office/drawing/2014/main" id="{D3BB3C7B-FFDA-129A-4E20-2E612B407057}"/>
+              </a:ext>
+            </a:extLst>
+          </p:cNvPr>
+          <p:cNvSpPr/>
+          <p:nvPr/>
+        </p:nvSpPr>
+        <p:spPr>
+          <a:xfrm>
+            <a:off x="4739951" y="3741576"/>
+            <a:ext cx="209940" cy="121298"/>
+          </a:xfrm>
+          <a:prstGeom prst="rect">
+            <a:avLst/>
+          </a:prstGeom>
+          <a:solidFill>
+            <a:srgbClr val="C00000"/>
+          </a:solidFill>
+        </p:spPr>
+        <p:style>
+          <a:lnRef idx="2">
+            <a:schemeClr val="accent1">
+              <a:shade val="15000"/>
+            </a:schemeClr>
+          </a:lnRef>
+          <a:fillRef idx="1">
+            <a:schemeClr val="accent1"/>
+          </a:fillRef>
+          <a:effectRef idx="0">
+            <a:schemeClr val="accent1"/>
+          </a:effectRef>
+          <a:fontRef idx="minor">
+            <a:schemeClr val="lt1"/>
+          </a:fontRef>
+        </p:style>
+        <p:txBody>
+          <a:bodyPr rtlCol="0" anchor="ctr"/>
+          <a:lstStyle/>
+          <a:p>
+            <a:pPr algn="ctr"/>
+            <a:endParaRPr lang="en-US"/>
+          </a:p>
+        </p:txBody>
+      </p:sp>
+      <p:sp>
+        <p:nvSpPr>
+          <p:cNvPr id="22" name="Rectangle 21">
+            <a:extLst>
+              <a:ext uri="{FF2B5EF4-FFF2-40B4-BE49-F238E27FC236}">
+                <a16:creationId xmlns:a16="http://schemas.microsoft.com/office/drawing/2014/main" id="{63A7AC0B-02EF-DB9A-4827-E304741E73EF}"/>
+              </a:ext>
+            </a:extLst>
+          </p:cNvPr>
+          <p:cNvSpPr/>
+          <p:nvPr/>
+        </p:nvSpPr>
+        <p:spPr>
+          <a:xfrm>
+            <a:off x="5582037" y="3741576"/>
+            <a:ext cx="209940" cy="121298"/>
+          </a:xfrm>
+          <a:prstGeom prst="rect">
+            <a:avLst/>
+          </a:prstGeom>
+          <a:solidFill>
+            <a:srgbClr val="C00000"/>
+          </a:solidFill>
+        </p:spPr>
+        <p:style>
+          <a:lnRef idx="2">
+            <a:schemeClr val="accent1">
+              <a:shade val="15000"/>
+            </a:schemeClr>
+          </a:lnRef>
+          <a:fillRef idx="1">
+            <a:schemeClr val="accent1"/>
+          </a:fillRef>
+          <a:effectRef idx="0">
+            <a:schemeClr val="accent1"/>
+          </a:effectRef>
+          <a:fontRef idx="minor">
+            <a:schemeClr val="lt1"/>
+          </a:fontRef>
+        </p:style>
+        <p:txBody>
+          <a:bodyPr rtlCol="0" anchor="ctr"/>
+          <a:lstStyle/>
+          <a:p>
+            <a:pPr algn="ctr"/>
+            <a:endParaRPr lang="en-US"/>
+          </a:p>
+        </p:txBody>
+      </p:sp>
+      <p:sp>
+        <p:nvSpPr>
+          <p:cNvPr id="23" name="Rectangle 22">
+            <a:extLst>
+              <a:ext uri="{FF2B5EF4-FFF2-40B4-BE49-F238E27FC236}">
+                <a16:creationId xmlns:a16="http://schemas.microsoft.com/office/drawing/2014/main" id="{1787D827-5034-4922-B401-98B71B6F4DE9}"/>
+              </a:ext>
+            </a:extLst>
+          </p:cNvPr>
+          <p:cNvSpPr/>
+          <p:nvPr/>
+        </p:nvSpPr>
+        <p:spPr>
+          <a:xfrm>
+            <a:off x="6433453" y="3741576"/>
+            <a:ext cx="209940" cy="121298"/>
+          </a:xfrm>
+          <a:prstGeom prst="rect">
+            <a:avLst/>
+          </a:prstGeom>
+          <a:solidFill>
+            <a:srgbClr val="C00000"/>
+          </a:solidFill>
+        </p:spPr>
+        <p:style>
+          <a:lnRef idx="2">
+            <a:schemeClr val="accent1">
+              <a:shade val="15000"/>
+            </a:schemeClr>
+          </a:lnRef>
+          <a:fillRef idx="1">
+            <a:schemeClr val="accent1"/>
+          </a:fillRef>
+          <a:effectRef idx="0">
+            <a:schemeClr val="accent1"/>
+          </a:effectRef>
+          <a:fontRef idx="minor">
+            <a:schemeClr val="lt1"/>
+          </a:fontRef>
+        </p:style>
+        <p:txBody>
+          <a:bodyPr rtlCol="0" anchor="ctr"/>
+          <a:lstStyle/>
+          <a:p>
+            <a:pPr algn="ctr"/>
+            <a:endParaRPr lang="en-US"/>
+          </a:p>
+        </p:txBody>
+      </p:sp>
+      <p:sp>
+        <p:nvSpPr>
+          <p:cNvPr id="24" name="Arrow: Curved Down 23">
+            <a:extLst>
+              <a:ext uri="{FF2B5EF4-FFF2-40B4-BE49-F238E27FC236}">
+                <a16:creationId xmlns:a16="http://schemas.microsoft.com/office/drawing/2014/main" id="{8FE7D892-D24B-0F95-F616-1A8D473DD343}"/>
+              </a:ext>
+            </a:extLst>
+          </p:cNvPr>
+          <p:cNvSpPr/>
+          <p:nvPr/>
+        </p:nvSpPr>
+        <p:spPr>
+          <a:xfrm>
+            <a:off x="4374500" y="3368351"/>
+            <a:ext cx="1037255" cy="149289"/>
+          </a:xfrm>
+          <a:prstGeom prst="curvedDownArrow">
+            <a:avLst/>
+          </a:prstGeom>
+          <a:solidFill>
+            <a:srgbClr val="00B050"/>
+          </a:solidFill>
+        </p:spPr>
+        <p:style>
+          <a:lnRef idx="2">
+            <a:schemeClr val="accent1">
+              <a:shade val="15000"/>
+            </a:schemeClr>
+          </a:lnRef>
+          <a:fillRef idx="1">
+            <a:schemeClr val="accent1"/>
+          </a:fillRef>
+          <a:effectRef idx="0">
+            <a:schemeClr val="accent1"/>
+          </a:effectRef>
+          <a:fontRef idx="minor">
+            <a:schemeClr val="lt1"/>
+          </a:fontRef>
+        </p:style>
+        <p:txBody>
+          <a:bodyPr rtlCol="0" anchor="ctr"/>
+          <a:lstStyle/>
+          <a:p>
+            <a:pPr algn="ctr"/>
+            <a:endParaRPr lang="en-US">
+              <a:solidFill>
+                <a:schemeClr val="tx1"/>
+              </a:solidFill>
+            </a:endParaRPr>
+          </a:p>
+        </p:txBody>
+      </p:sp>
+      <p:sp>
+        <p:nvSpPr>
+          <p:cNvPr id="25" name="Arrow: Curved Down 24">
+            <a:extLst>
+              <a:ext uri="{FF2B5EF4-FFF2-40B4-BE49-F238E27FC236}">
+                <a16:creationId xmlns:a16="http://schemas.microsoft.com/office/drawing/2014/main" id="{ACD19D5F-839F-FE21-22A8-335489B4F8C1}"/>
+              </a:ext>
+            </a:extLst>
+          </p:cNvPr>
+          <p:cNvSpPr/>
+          <p:nvPr/>
+        </p:nvSpPr>
+        <p:spPr>
+          <a:xfrm>
+            <a:off x="5788085" y="3383903"/>
+            <a:ext cx="1037255" cy="149289"/>
+          </a:xfrm>
+          <a:prstGeom prst="curvedDownArrow">
+            <a:avLst/>
+          </a:prstGeom>
+          <a:solidFill>
+            <a:srgbClr val="00B050"/>
+          </a:solidFill>
+        </p:spPr>
+        <p:style>
+          <a:lnRef idx="2">
+            <a:schemeClr val="accent1">
+              <a:shade val="15000"/>
+            </a:schemeClr>
+          </a:lnRef>
+          <a:fillRef idx="1">
+            <a:schemeClr val="accent1"/>
+          </a:fillRef>
+          <a:effectRef idx="0">
+            <a:schemeClr val="accent1"/>
+          </a:effectRef>
+          <a:fontRef idx="minor">
+            <a:schemeClr val="lt1"/>
+          </a:fontRef>
+        </p:style>
+        <p:txBody>
+          <a:bodyPr rtlCol="0" anchor="ctr"/>
+          <a:lstStyle/>
+          <a:p>
+            <a:pPr algn="ctr"/>
+            <a:endParaRPr lang="en-US">
+              <a:solidFill>
+                <a:schemeClr val="tx1"/>
+              </a:solidFill>
+            </a:endParaRPr>
+          </a:p>
+        </p:txBody>
+      </p:sp>
+      <p:sp>
+        <p:nvSpPr>
+          <p:cNvPr id="26" name="Arrow: Curved Down 25">
+            <a:extLst>
+              <a:ext uri="{FF2B5EF4-FFF2-40B4-BE49-F238E27FC236}">
+                <a16:creationId xmlns:a16="http://schemas.microsoft.com/office/drawing/2014/main" id="{480D3911-2EB6-2145-72C7-F52DD66A79B4}"/>
+              </a:ext>
+            </a:extLst>
+          </p:cNvPr>
+          <p:cNvSpPr/>
+          <p:nvPr/>
+        </p:nvSpPr>
+        <p:spPr>
+          <a:xfrm>
+            <a:off x="6987071" y="3382348"/>
+            <a:ext cx="1037255" cy="149289"/>
+          </a:xfrm>
+          <a:prstGeom prst="curvedDownArrow">
+            <a:avLst/>
+          </a:prstGeom>
+          <a:solidFill>
+            <a:srgbClr val="00B050"/>
+          </a:solidFill>
+        </p:spPr>
+        <p:style>
+          <a:lnRef idx="2">
+            <a:schemeClr val="accent1">
+              <a:shade val="15000"/>
+            </a:schemeClr>
+          </a:lnRef>
+          <a:fillRef idx="1">
+            <a:schemeClr val="accent1"/>
+          </a:fillRef>
+          <a:effectRef idx="0">
+            <a:schemeClr val="accent1"/>
+          </a:effectRef>
+          <a:fontRef idx="minor">
+            <a:schemeClr val="lt1"/>
+          </a:fontRef>
+        </p:style>
+        <p:txBody>
+          <a:bodyPr rtlCol="0" anchor="ctr"/>
+          <a:lstStyle/>
+          <a:p>
+            <a:pPr algn="ctr"/>
+            <a:endParaRPr lang="en-US">
+              <a:solidFill>
+                <a:schemeClr val="tx1"/>
+              </a:solidFill>
+            </a:endParaRPr>
+          </a:p>
+        </p:txBody>
+      </p:sp>
+      <p:sp>
+        <p:nvSpPr>
+          <p:cNvPr id="27" name="Arrow: Down 26">
+            <a:extLst>
+              <a:ext uri="{FF2B5EF4-FFF2-40B4-BE49-F238E27FC236}">
+                <a16:creationId xmlns:a16="http://schemas.microsoft.com/office/drawing/2014/main" id="{4017B90F-4990-4AFB-8527-B2D064605AFA}"/>
+              </a:ext>
+            </a:extLst>
+          </p:cNvPr>
+          <p:cNvSpPr/>
+          <p:nvPr/>
+        </p:nvSpPr>
+        <p:spPr>
+          <a:xfrm>
+            <a:off x="8490857" y="4338734"/>
+            <a:ext cx="186612" cy="662474"/>
+          </a:xfrm>
+          <a:prstGeom prst="downArrow">
+            <a:avLst/>
+          </a:prstGeom>
+          <a:solidFill>
+            <a:srgbClr val="00B050"/>
+          </a:solidFill>
+        </p:spPr>
+        <p:style>
+          <a:lnRef idx="2">
+            <a:schemeClr val="accent1">
+              <a:shade val="15000"/>
+            </a:schemeClr>
+          </a:lnRef>
+          <a:fillRef idx="1">
+            <a:schemeClr val="accent1"/>
+          </a:fillRef>
+          <a:effectRef idx="0">
+            <a:schemeClr val="accent1"/>
+          </a:effectRef>
+          <a:fontRef idx="minor">
+            <a:schemeClr val="lt1"/>
+          </a:fontRef>
+        </p:style>
+        <p:txBody>
+          <a:bodyPr rtlCol="0" anchor="ctr"/>
+          <a:lstStyle/>
+          <a:p>
+            <a:pPr algn="ctr"/>
+            <a:endParaRPr lang="en-US"/>
+          </a:p>
+        </p:txBody>
+      </p:sp>
+      <p:sp>
+        <p:nvSpPr>
+          <p:cNvPr id="28" name="Rectangle 27">
+            <a:extLst>
+              <a:ext uri="{FF2B5EF4-FFF2-40B4-BE49-F238E27FC236}">
+                <a16:creationId xmlns:a16="http://schemas.microsoft.com/office/drawing/2014/main" id="{3B85902E-386C-5199-9ECB-D9E8E7FFA5F6}"/>
+              </a:ext>
+            </a:extLst>
+          </p:cNvPr>
+          <p:cNvSpPr/>
+          <p:nvPr/>
+        </p:nvSpPr>
+        <p:spPr>
+          <a:xfrm>
+            <a:off x="5823857" y="4998100"/>
+            <a:ext cx="4404049" cy="821094"/>
+          </a:xfrm>
+          <a:prstGeom prst="rect">
+            <a:avLst/>
+          </a:prstGeom>
+        </p:spPr>
+        <p:style>
+          <a:lnRef idx="2">
+            <a:schemeClr val="accent1">
+              <a:shade val="15000"/>
+            </a:schemeClr>
+          </a:lnRef>
+          <a:fillRef idx="1">
+            <a:schemeClr val="accent1"/>
+          </a:fillRef>
+          <a:effectRef idx="0">
+            <a:schemeClr val="accent1"/>
+          </a:effectRef>
+          <a:fontRef idx="minor">
+            <a:schemeClr val="lt1"/>
+          </a:fontRef>
+        </p:style>
+        <p:txBody>
+          <a:bodyPr rtlCol="0" anchor="ctr"/>
+          <a:lstStyle/>
+          <a:p>
+            <a:pPr algn="ctr"/>
+            <a:r>
+              <a:rPr lang="en-US" dirty="0"/>
+              <a:t>Controller Execution with its Action Methods</a:t>
+            </a:r>
+          </a:p>
+        </p:txBody>
+      </p:sp>
+      <p:sp>
+        <p:nvSpPr>
+          <p:cNvPr id="29" name="Arrow: Up 28">
+            <a:extLst>
+              <a:ext uri="{FF2B5EF4-FFF2-40B4-BE49-F238E27FC236}">
+                <a16:creationId xmlns:a16="http://schemas.microsoft.com/office/drawing/2014/main" id="{56AA4A4C-E60E-FA8C-0BA9-EECDF1F7CC33}"/>
+              </a:ext>
+            </a:extLst>
+          </p:cNvPr>
+          <p:cNvSpPr/>
+          <p:nvPr/>
+        </p:nvSpPr>
+        <p:spPr>
+          <a:xfrm>
+            <a:off x="7352522" y="4338734"/>
+            <a:ext cx="186612" cy="762003"/>
+          </a:xfrm>
+          <a:prstGeom prst="upArrow">
+            <a:avLst/>
+          </a:prstGeom>
+          <a:solidFill>
+            <a:srgbClr val="7030A0"/>
+          </a:solidFill>
+        </p:spPr>
+        <p:style>
+          <a:lnRef idx="2">
+            <a:schemeClr val="accent1">
+              <a:shade val="15000"/>
+            </a:schemeClr>
+          </a:lnRef>
+          <a:fillRef idx="1">
+            <a:schemeClr val="accent1"/>
+          </a:fillRef>
+          <a:effectRef idx="0">
+            <a:schemeClr val="accent1"/>
+          </a:effectRef>
+          <a:fontRef idx="minor">
+            <a:schemeClr val="lt1"/>
+          </a:fontRef>
+        </p:style>
+        <p:txBody>
+          <a:bodyPr rtlCol="0" anchor="ctr"/>
+          <a:lstStyle/>
+          <a:p>
+            <a:pPr algn="ctr"/>
+            <a:endParaRPr lang="en-US"/>
+          </a:p>
+        </p:txBody>
+      </p:sp>
+      <p:sp>
+        <p:nvSpPr>
+          <p:cNvPr id="30" name="Arrow: Curved Up 29">
+            <a:extLst>
+              <a:ext uri="{FF2B5EF4-FFF2-40B4-BE49-F238E27FC236}">
+                <a16:creationId xmlns:a16="http://schemas.microsoft.com/office/drawing/2014/main" id="{35D40A8F-ED87-38CF-8CC5-50327A0672C9}"/>
+              </a:ext>
+            </a:extLst>
+          </p:cNvPr>
+          <p:cNvSpPr/>
+          <p:nvPr/>
+        </p:nvSpPr>
+        <p:spPr>
+          <a:xfrm flipH="1">
+            <a:off x="6433453" y="4105469"/>
+            <a:ext cx="760444" cy="208384"/>
+          </a:xfrm>
+          <a:prstGeom prst="curvedUpArrow">
+            <a:avLst/>
+          </a:prstGeom>
+          <a:solidFill>
+            <a:srgbClr val="7030A0"/>
+          </a:solidFill>
+        </p:spPr>
+        <p:style>
+          <a:lnRef idx="2">
+            <a:schemeClr val="accent1">
+              <a:shade val="15000"/>
+            </a:schemeClr>
+          </a:lnRef>
+          <a:fillRef idx="1">
+            <a:schemeClr val="accent1"/>
+          </a:fillRef>
+          <a:effectRef idx="0">
+            <a:schemeClr val="accent1"/>
+          </a:effectRef>
+          <a:fontRef idx="minor">
+            <a:schemeClr val="lt1"/>
+          </a:fontRef>
+        </p:style>
+        <p:txBody>
+          <a:bodyPr rtlCol="0" anchor="ctr"/>
+          <a:lstStyle/>
+          <a:p>
+            <a:pPr algn="ctr"/>
+            <a:endParaRPr lang="en-US">
+              <a:solidFill>
+                <a:schemeClr val="tx1"/>
+              </a:solidFill>
+            </a:endParaRPr>
+          </a:p>
+        </p:txBody>
+      </p:sp>
+      <p:sp>
+        <p:nvSpPr>
+          <p:cNvPr id="31" name="Arrow: Curved Up 30">
+            <a:extLst>
+              <a:ext uri="{FF2B5EF4-FFF2-40B4-BE49-F238E27FC236}">
+                <a16:creationId xmlns:a16="http://schemas.microsoft.com/office/drawing/2014/main" id="{183E4CA9-773C-F677-A094-DC62696BA7BB}"/>
+              </a:ext>
+            </a:extLst>
+          </p:cNvPr>
+          <p:cNvSpPr/>
+          <p:nvPr/>
+        </p:nvSpPr>
+        <p:spPr>
+          <a:xfrm flipH="1">
+            <a:off x="5525278" y="4089918"/>
+            <a:ext cx="760444" cy="208384"/>
+          </a:xfrm>
+          <a:prstGeom prst="curvedUpArrow">
+            <a:avLst/>
+          </a:prstGeom>
+          <a:solidFill>
+            <a:srgbClr val="7030A0"/>
+          </a:solidFill>
+        </p:spPr>
+        <p:style>
+          <a:lnRef idx="2">
+            <a:schemeClr val="accent1">
+              <a:shade val="15000"/>
+            </a:schemeClr>
+          </a:lnRef>
+          <a:fillRef idx="1">
+            <a:schemeClr val="accent1"/>
+          </a:fillRef>
+          <a:effectRef idx="0">
+            <a:schemeClr val="accent1"/>
+          </a:effectRef>
+          <a:fontRef idx="minor">
+            <a:schemeClr val="lt1"/>
+          </a:fontRef>
+        </p:style>
+        <p:txBody>
+          <a:bodyPr rtlCol="0" anchor="ctr"/>
+          <a:lstStyle/>
+          <a:p>
+            <a:pPr algn="ctr"/>
+            <a:endParaRPr lang="en-US">
+              <a:solidFill>
+                <a:schemeClr val="tx1"/>
+              </a:solidFill>
+            </a:endParaRPr>
+          </a:p>
+        </p:txBody>
+      </p:sp>
+      <p:sp>
+        <p:nvSpPr>
+          <p:cNvPr id="32" name="Arrow: Curved Up 31">
+            <a:extLst>
+              <a:ext uri="{FF2B5EF4-FFF2-40B4-BE49-F238E27FC236}">
+                <a16:creationId xmlns:a16="http://schemas.microsoft.com/office/drawing/2014/main" id="{B7D046AA-0949-1710-185C-5C93FAE78213}"/>
+              </a:ext>
+            </a:extLst>
+          </p:cNvPr>
+          <p:cNvSpPr/>
+          <p:nvPr/>
+        </p:nvSpPr>
+        <p:spPr>
+          <a:xfrm flipH="1">
+            <a:off x="4328630" y="4116353"/>
+            <a:ext cx="760444" cy="208384"/>
+          </a:xfrm>
+          <a:prstGeom prst="curvedUpArrow">
+            <a:avLst/>
+          </a:prstGeom>
+          <a:solidFill>
+            <a:srgbClr val="7030A0"/>
+          </a:solidFill>
+        </p:spPr>
+        <p:style>
+          <a:lnRef idx="2">
+            <a:schemeClr val="accent1">
+              <a:shade val="15000"/>
+            </a:schemeClr>
+          </a:lnRef>
+          <a:fillRef idx="1">
+            <a:schemeClr val="accent1"/>
+          </a:fillRef>
+          <a:effectRef idx="0">
+            <a:schemeClr val="accent1"/>
+          </a:effectRef>
+          <a:fontRef idx="minor">
+            <a:schemeClr val="lt1"/>
+          </a:fontRef>
+        </p:style>
+        <p:txBody>
+          <a:bodyPr rtlCol="0" anchor="ctr"/>
+          <a:lstStyle/>
+          <a:p>
+            <a:pPr algn="ctr"/>
+            <a:endParaRPr lang="en-US">
+              <a:solidFill>
+                <a:schemeClr val="tx1"/>
+              </a:solidFill>
+            </a:endParaRPr>
+          </a:p>
+        </p:txBody>
+      </p:sp>
+      <p:sp>
+        <p:nvSpPr>
+          <p:cNvPr id="33" name="Arrow: Up 32">
+            <a:extLst>
+              <a:ext uri="{FF2B5EF4-FFF2-40B4-BE49-F238E27FC236}">
+                <a16:creationId xmlns:a16="http://schemas.microsoft.com/office/drawing/2014/main" id="{3F98FA9E-E128-2538-7685-8CEB382A01B4}"/>
+              </a:ext>
+            </a:extLst>
+          </p:cNvPr>
+          <p:cNvSpPr/>
+          <p:nvPr/>
+        </p:nvSpPr>
+        <p:spPr>
+          <a:xfrm>
+            <a:off x="3425889" y="2666997"/>
+            <a:ext cx="186612" cy="762003"/>
+          </a:xfrm>
+          <a:prstGeom prst="upArrow">
+            <a:avLst/>
+          </a:prstGeom>
+          <a:solidFill>
+            <a:srgbClr val="7030A0"/>
+          </a:solidFill>
+        </p:spPr>
+        <p:style>
+          <a:lnRef idx="2">
+            <a:schemeClr val="accent1">
+              <a:shade val="15000"/>
+            </a:schemeClr>
+          </a:lnRef>
+          <a:fillRef idx="1">
+            <a:schemeClr val="accent1"/>
+          </a:fillRef>
+          <a:effectRef idx="0">
+            <a:schemeClr val="accent1"/>
+          </a:effectRef>
+          <a:fontRef idx="minor">
+            <a:schemeClr val="lt1"/>
+          </a:fontRef>
+        </p:style>
+        <p:txBody>
+          <a:bodyPr rtlCol="0" anchor="ctr"/>
+          <a:lstStyle/>
+          <a:p>
+            <a:pPr algn="ctr"/>
+            <a:endParaRPr lang="en-US"/>
+          </a:p>
+        </p:txBody>
+      </p:sp>
+      <p:sp>
+        <p:nvSpPr>
+          <p:cNvPr id="34" name="Arrow: Right 33">
+            <a:extLst>
+              <a:ext uri="{FF2B5EF4-FFF2-40B4-BE49-F238E27FC236}">
+                <a16:creationId xmlns:a16="http://schemas.microsoft.com/office/drawing/2014/main" id="{7467F1D0-A8DE-875C-F456-62386B0D5F7A}"/>
+              </a:ext>
+            </a:extLst>
+          </p:cNvPr>
+          <p:cNvSpPr/>
+          <p:nvPr/>
+        </p:nvSpPr>
+        <p:spPr>
+          <a:xfrm>
+            <a:off x="4956111" y="1987419"/>
+            <a:ext cx="1141444" cy="203717"/>
+          </a:xfrm>
+          <a:prstGeom prst="rightArrow">
+            <a:avLst/>
+          </a:prstGeom>
+          <a:solidFill>
+            <a:srgbClr val="7030A0"/>
+          </a:solidFill>
+        </p:spPr>
+        <p:style>
+          <a:lnRef idx="2">
+            <a:schemeClr val="accent1">
+              <a:shade val="15000"/>
+            </a:schemeClr>
+          </a:lnRef>
+          <a:fillRef idx="1">
+            <a:schemeClr val="accent1"/>
+          </a:fillRef>
+          <a:effectRef idx="0">
+            <a:schemeClr val="accent1"/>
+          </a:effectRef>
+          <a:fontRef idx="minor">
+            <a:schemeClr val="lt1"/>
+          </a:fontRef>
+        </p:style>
+        <p:txBody>
+          <a:bodyPr rtlCol="0" anchor="ctr"/>
+          <a:lstStyle/>
+          <a:p>
+            <a:pPr algn="ctr"/>
+            <a:endParaRPr lang="en-US"/>
+          </a:p>
+        </p:txBody>
+      </p:sp>
+      <p:sp>
+        <p:nvSpPr>
+          <p:cNvPr id="35" name="Arrow: Right 34">
+            <a:extLst>
+              <a:ext uri="{FF2B5EF4-FFF2-40B4-BE49-F238E27FC236}">
+                <a16:creationId xmlns:a16="http://schemas.microsoft.com/office/drawing/2014/main" id="{BC055705-9431-3A12-7610-F47D73574356}"/>
+              </a:ext>
+            </a:extLst>
+          </p:cNvPr>
+          <p:cNvSpPr/>
+          <p:nvPr/>
+        </p:nvSpPr>
+        <p:spPr>
+          <a:xfrm>
+            <a:off x="7921690" y="2020078"/>
+            <a:ext cx="1141444" cy="203717"/>
+          </a:xfrm>
+          <a:prstGeom prst="rightArrow">
+            <a:avLst/>
+          </a:prstGeom>
+          <a:solidFill>
+            <a:srgbClr val="7030A0"/>
+          </a:solidFill>
+        </p:spPr>
+        <p:style>
+          <a:lnRef idx="2">
+            <a:schemeClr val="accent1">
+              <a:shade val="15000"/>
+            </a:schemeClr>
+          </a:lnRef>
+          <a:fillRef idx="1">
+            <a:schemeClr val="accent1"/>
+          </a:fillRef>
+          <a:effectRef idx="0">
+            <a:schemeClr val="accent1"/>
+          </a:effectRef>
+          <a:fontRef idx="minor">
+            <a:schemeClr val="lt1"/>
+          </a:fontRef>
+        </p:style>
+        <p:txBody>
+          <a:bodyPr rtlCol="0" anchor="ctr"/>
+          <a:lstStyle/>
+          <a:p>
+            <a:pPr algn="ctr"/>
+            <a:endParaRPr lang="en-US"/>
+          </a:p>
+        </p:txBody>
+      </p:sp>
+      <p:sp>
+        <p:nvSpPr>
+          <p:cNvPr id="36" name="Arrow: Up 35">
+            <a:extLst>
+              <a:ext uri="{FF2B5EF4-FFF2-40B4-BE49-F238E27FC236}">
+                <a16:creationId xmlns:a16="http://schemas.microsoft.com/office/drawing/2014/main" id="{AAD59CB1-D504-9B4D-5E04-7949648522A8}"/>
+              </a:ext>
+            </a:extLst>
+          </p:cNvPr>
+          <p:cNvSpPr/>
+          <p:nvPr/>
+        </p:nvSpPr>
+        <p:spPr>
+          <a:xfrm>
+            <a:off x="9428585" y="1194318"/>
+            <a:ext cx="186612" cy="762003"/>
+          </a:xfrm>
+          <a:prstGeom prst="upArrow">
+            <a:avLst/>
+          </a:prstGeom>
+          <a:solidFill>
+            <a:srgbClr val="7030A0"/>
+          </a:solidFill>
+        </p:spPr>
+        <p:style>
+          <a:lnRef idx="2">
+            <a:schemeClr val="accent1">
+              <a:shade val="15000"/>
+            </a:schemeClr>
+          </a:lnRef>
+          <a:fillRef idx="1">
+            <a:schemeClr val="accent1"/>
+          </a:fillRef>
+          <a:effectRef idx="0">
+            <a:schemeClr val="accent1"/>
+          </a:effectRef>
+          <a:fontRef idx="minor">
+            <a:schemeClr val="lt1"/>
+          </a:fontRef>
+        </p:style>
+        <p:txBody>
+          <a:bodyPr rtlCol="0" anchor="ctr"/>
+          <a:lstStyle/>
+          <a:p>
+            <a:pPr algn="ctr"/>
+            <a:endParaRPr lang="en-US"/>
+          </a:p>
+        </p:txBody>
+      </p:sp>
+      <p:sp>
+        <p:nvSpPr>
+          <p:cNvPr id="37" name="Arrow: Left 36">
+            <a:extLst>
+              <a:ext uri="{FF2B5EF4-FFF2-40B4-BE49-F238E27FC236}">
+                <a16:creationId xmlns:a16="http://schemas.microsoft.com/office/drawing/2014/main" id="{F9BCF2FA-34EA-4BB1-1A38-6828287BDA07}"/>
+              </a:ext>
+            </a:extLst>
+          </p:cNvPr>
+          <p:cNvSpPr/>
+          <p:nvPr/>
+        </p:nvSpPr>
+        <p:spPr>
+          <a:xfrm>
+            <a:off x="7996335" y="919842"/>
+            <a:ext cx="1138334" cy="167951"/>
+          </a:xfrm>
+          <a:prstGeom prst="leftArrow">
+            <a:avLst/>
+          </a:prstGeom>
+          <a:solidFill>
+            <a:srgbClr val="7030A0"/>
+          </a:solidFill>
+        </p:spPr>
+        <p:style>
+          <a:lnRef idx="2">
+            <a:schemeClr val="accent1">
+              <a:shade val="15000"/>
+            </a:schemeClr>
+          </a:lnRef>
+          <a:fillRef idx="1">
+            <a:schemeClr val="accent1"/>
+          </a:fillRef>
+          <a:effectRef idx="0">
+            <a:schemeClr val="accent1"/>
+          </a:effectRef>
+          <a:fontRef idx="minor">
+            <a:schemeClr val="lt1"/>
+          </a:fontRef>
+        </p:style>
+        <p:txBody>
+          <a:bodyPr rtlCol="0" anchor="ctr"/>
+          <a:lstStyle/>
+          <a:p>
+            <a:pPr algn="ctr"/>
+            <a:endParaRPr lang="en-US"/>
+          </a:p>
+        </p:txBody>
+      </p:sp>
+      <p:sp>
+        <p:nvSpPr>
+          <p:cNvPr id="38" name="Arrow: Left 37">
+            <a:extLst>
+              <a:ext uri="{FF2B5EF4-FFF2-40B4-BE49-F238E27FC236}">
+                <a16:creationId xmlns:a16="http://schemas.microsoft.com/office/drawing/2014/main" id="{16D63ECE-4F46-D7B6-F7E7-3435822157F0}"/>
+              </a:ext>
+            </a:extLst>
+          </p:cNvPr>
+          <p:cNvSpPr/>
+          <p:nvPr/>
+        </p:nvSpPr>
+        <p:spPr>
+          <a:xfrm>
+            <a:off x="5012870" y="897683"/>
+            <a:ext cx="1138334" cy="167951"/>
+          </a:xfrm>
+          <a:prstGeom prst="leftArrow">
+            <a:avLst/>
+          </a:prstGeom>
+          <a:solidFill>
+            <a:srgbClr val="7030A0"/>
+          </a:solidFill>
+        </p:spPr>
+        <p:style>
+          <a:lnRef idx="2">
+            <a:schemeClr val="accent1">
+              <a:shade val="15000"/>
+            </a:schemeClr>
+          </a:lnRef>
+          <a:fillRef idx="1">
+            <a:schemeClr val="accent1"/>
+          </a:fillRef>
+          <a:effectRef idx="0">
+            <a:schemeClr val="accent1"/>
+          </a:effectRef>
+          <a:fontRef idx="minor">
+            <a:schemeClr val="lt1"/>
+          </a:fontRef>
+        </p:style>
+        <p:txBody>
+          <a:bodyPr rtlCol="0" anchor="ctr"/>
+          <a:lstStyle/>
+          <a:p>
+            <a:pPr algn="ctr"/>
+            <a:endParaRPr lang="en-US"/>
+          </a:p>
+        </p:txBody>
+      </p:sp>
+      <p:sp>
+        <p:nvSpPr>
+          <p:cNvPr id="39" name="Arrow: Left 38">
+            <a:extLst>
+              <a:ext uri="{FF2B5EF4-FFF2-40B4-BE49-F238E27FC236}">
+                <a16:creationId xmlns:a16="http://schemas.microsoft.com/office/drawing/2014/main" id="{94276850-B25F-4FC9-FC61-B94E927B262A}"/>
+              </a:ext>
+            </a:extLst>
+          </p:cNvPr>
+          <p:cNvSpPr/>
+          <p:nvPr/>
+        </p:nvSpPr>
+        <p:spPr>
+          <a:xfrm>
+            <a:off x="2078391" y="899626"/>
+            <a:ext cx="1138334" cy="167951"/>
+          </a:xfrm>
+          <a:prstGeom prst="leftArrow">
+            <a:avLst/>
+          </a:prstGeom>
+          <a:solidFill>
+            <a:srgbClr val="7030A0"/>
+          </a:solidFill>
+        </p:spPr>
+        <p:style>
+          <a:lnRef idx="2">
+            <a:schemeClr val="accent1">
+              <a:shade val="15000"/>
+            </a:schemeClr>
+          </a:lnRef>
+          <a:fillRef idx="1">
+            <a:schemeClr val="accent1"/>
+          </a:fillRef>
+          <a:effectRef idx="0">
+            <a:schemeClr val="accent1"/>
+          </a:effectRef>
+          <a:fontRef idx="minor">
+            <a:schemeClr val="lt1"/>
+          </a:fontRef>
+        </p:style>
+        <p:txBody>
+          <a:bodyPr rtlCol="0" anchor="ctr"/>
+          <a:lstStyle/>
+          <a:p>
+            <a:pPr algn="ctr"/>
+            <a:endParaRPr lang="en-US"/>
+          </a:p>
+        </p:txBody>
+      </p:sp>
+      <p:sp>
+        <p:nvSpPr>
+          <p:cNvPr id="40" name="Rectangle 39">
+            <a:extLst>
+              <a:ext uri="{FF2B5EF4-FFF2-40B4-BE49-F238E27FC236}">
+                <a16:creationId xmlns:a16="http://schemas.microsoft.com/office/drawing/2014/main" id="{21E9DB88-F497-8A1B-DC67-6A730E125045}"/>
+              </a:ext>
+            </a:extLst>
+          </p:cNvPr>
+          <p:cNvSpPr/>
+          <p:nvPr/>
+        </p:nvSpPr>
+        <p:spPr>
+          <a:xfrm>
+            <a:off x="410547" y="5243804"/>
+            <a:ext cx="2043404" cy="317241"/>
+          </a:xfrm>
+          <a:prstGeom prst="rect">
+            <a:avLst/>
+          </a:prstGeom>
+          <a:solidFill>
+            <a:srgbClr val="7030A0"/>
+          </a:solidFill>
+        </p:spPr>
+        <p:style>
+          <a:lnRef idx="2">
+            <a:schemeClr val="accent1">
+              <a:shade val="15000"/>
+            </a:schemeClr>
+          </a:lnRef>
+          <a:fillRef idx="1">
+            <a:schemeClr val="accent1"/>
+          </a:fillRef>
+          <a:effectRef idx="0">
+            <a:schemeClr val="accent1"/>
+          </a:effectRef>
+          <a:fontRef idx="minor">
+            <a:schemeClr val="lt1"/>
+          </a:fontRef>
+        </p:style>
+        <p:txBody>
+          <a:bodyPr rtlCol="0" anchor="ctr"/>
+          <a:lstStyle/>
+          <a:p>
+            <a:pPr algn="ctr"/>
+            <a:r>
+              <a:rPr lang="en-US" dirty="0"/>
+              <a:t>Response</a:t>
+            </a:r>
+          </a:p>
+        </p:txBody>
+      </p:sp>
+      <p:sp>
+        <p:nvSpPr>
+          <p:cNvPr id="41" name="Rectangle 40">
+            <a:extLst>
+              <a:ext uri="{FF2B5EF4-FFF2-40B4-BE49-F238E27FC236}">
+                <a16:creationId xmlns:a16="http://schemas.microsoft.com/office/drawing/2014/main" id="{060CA549-9AA2-47B8-8D94-722E88CEF428}"/>
+              </a:ext>
+            </a:extLst>
+          </p:cNvPr>
+          <p:cNvSpPr/>
+          <p:nvPr/>
+        </p:nvSpPr>
+        <p:spPr>
+          <a:xfrm>
+            <a:off x="410547" y="5921052"/>
+            <a:ext cx="2043404" cy="317241"/>
+          </a:xfrm>
+          <a:prstGeom prst="rect">
+            <a:avLst/>
+          </a:prstGeom>
+          <a:solidFill>
+            <a:srgbClr val="92D050"/>
+          </a:solidFill>
+        </p:spPr>
+        <p:style>
+          <a:lnRef idx="2">
+            <a:schemeClr val="accent1">
+              <a:shade val="15000"/>
+            </a:schemeClr>
+          </a:lnRef>
+          <a:fillRef idx="1">
+            <a:schemeClr val="accent1"/>
+          </a:fillRef>
+          <a:effectRef idx="0">
+            <a:schemeClr val="accent1"/>
+          </a:effectRef>
+          <a:fontRef idx="minor">
+            <a:schemeClr val="lt1"/>
+          </a:fontRef>
+        </p:style>
+        <p:txBody>
+          <a:bodyPr rtlCol="0" anchor="ctr"/>
+          <a:lstStyle/>
+          <a:p>
+            <a:pPr algn="ctr"/>
+            <a:r>
+              <a:rPr lang="en-US" dirty="0"/>
+              <a:t>Request</a:t>
+            </a:r>
+          </a:p>
+        </p:txBody>
+      </p:sp>
+    </p:spTree>
+    <p:extLst>
+      <p:ext uri="{BB962C8B-B14F-4D97-AF65-F5344CB8AC3E}">
+        <p14:creationId xmlns:p14="http://schemas.microsoft.com/office/powerpoint/2010/main" val="2120341616"/>
+      </p:ext>
+    </p:extLst>
+  </p:cSld>
+  <p:clrMapOvr>
+    <a:masterClrMapping/>
+  </p:clrMapOvr>
+</p:sld>
+</file>
+
+<file path=ppt/slides/slide37.xml><?xml version="1.0" encoding="utf-8"?>
+<p:sld xmlns:a="http://schemas.openxmlformats.org/drawingml/2006/main" xmlns:r="http://schemas.openxmlformats.org/officeDocument/2006/relationships" xmlns:p="http://schemas.openxmlformats.org/presentationml/2006/main">
+  <p:cSld>
+    <p:spTree>
+      <p:nvGrpSpPr>
+        <p:cNvPr id="1" name=""/>
+        <p:cNvGrpSpPr/>
+        <p:nvPr/>
+      </p:nvGrpSpPr>
+      <p:grpSpPr>
+        <a:xfrm>
+          <a:off x="0" y="0"/>
+          <a:ext cx="0" cy="0"/>
+          <a:chOff x="0" y="0"/>
+          <a:chExt cx="0" cy="0"/>
+        </a:xfrm>
+      </p:grpSpPr>
+      <p:sp>
+        <p:nvSpPr>
           <p:cNvPr id="3" name="Rectangle 2">
             <a:extLst>
               <a:ext uri="{FF2B5EF4-FFF2-40B4-BE49-F238E27FC236}">
@@ -26709,6 +28637,2946 @@
     <p:extLst>
       <p:ext uri="{BB962C8B-B14F-4D97-AF65-F5344CB8AC3E}">
         <p14:creationId xmlns:p14="http://schemas.microsoft.com/office/powerpoint/2010/main" val="2579339099"/>
+      </p:ext>
+    </p:extLst>
+  </p:cSld>
+  <p:clrMapOvr>
+    <a:masterClrMapping/>
+  </p:clrMapOvr>
+</p:sld>
+</file>
+
+<file path=ppt/slides/slide38.xml><?xml version="1.0" encoding="utf-8"?>
+<p:sld xmlns:a="http://schemas.openxmlformats.org/drawingml/2006/main" xmlns:r="http://schemas.openxmlformats.org/officeDocument/2006/relationships" xmlns:p="http://schemas.openxmlformats.org/presentationml/2006/main">
+  <p:cSld>
+    <p:spTree>
+      <p:nvGrpSpPr>
+        <p:cNvPr id="1" name=""/>
+        <p:cNvGrpSpPr/>
+        <p:nvPr/>
+      </p:nvGrpSpPr>
+      <p:grpSpPr>
+        <a:xfrm>
+          <a:off x="0" y="0"/>
+          <a:ext cx="0" cy="0"/>
+          <a:chOff x="0" y="0"/>
+          <a:chExt cx="0" cy="0"/>
+        </a:xfrm>
+      </p:grpSpPr>
+      <p:sp>
+        <p:nvSpPr>
+          <p:cNvPr id="2" name="Rectangle 1">
+            <a:extLst>
+              <a:ext uri="{FF2B5EF4-FFF2-40B4-BE49-F238E27FC236}">
+                <a16:creationId xmlns:a16="http://schemas.microsoft.com/office/drawing/2014/main" id="{617CE961-5A4A-7C7B-FABE-7EFDC907BEC4}"/>
+              </a:ext>
+            </a:extLst>
+          </p:cNvPr>
+          <p:cNvSpPr/>
+          <p:nvPr/>
+        </p:nvSpPr>
+        <p:spPr>
+          <a:xfrm>
+            <a:off x="6548535" y="186609"/>
+            <a:ext cx="4553338" cy="5643074"/>
+          </a:xfrm>
+          <a:prstGeom prst="rect">
+            <a:avLst/>
+          </a:prstGeom>
+        </p:spPr>
+        <p:style>
+          <a:lnRef idx="2">
+            <a:schemeClr val="accent6"/>
+          </a:lnRef>
+          <a:fillRef idx="1">
+            <a:schemeClr val="lt1"/>
+          </a:fillRef>
+          <a:effectRef idx="0">
+            <a:schemeClr val="accent6"/>
+          </a:effectRef>
+          <a:fontRef idx="minor">
+            <a:schemeClr val="dk1"/>
+          </a:fontRef>
+        </p:style>
+        <p:txBody>
+          <a:bodyPr rtlCol="0" anchor="ctr"/>
+          <a:lstStyle/>
+          <a:p>
+            <a:pPr algn="ctr"/>
+            <a:endParaRPr lang="en-US"/>
+          </a:p>
+        </p:txBody>
+      </p:sp>
+      <p:sp>
+        <p:nvSpPr>
+          <p:cNvPr id="3" name="TextBox 2">
+            <a:extLst>
+              <a:ext uri="{FF2B5EF4-FFF2-40B4-BE49-F238E27FC236}">
+                <a16:creationId xmlns:a16="http://schemas.microsoft.com/office/drawing/2014/main" id="{BD2DE50C-087B-C6F0-C470-850D630B15A4}"/>
+              </a:ext>
+            </a:extLst>
+          </p:cNvPr>
+          <p:cNvSpPr txBox="1"/>
+          <p:nvPr/>
+        </p:nvSpPr>
+        <p:spPr>
+          <a:xfrm>
+            <a:off x="7399176" y="317241"/>
+            <a:ext cx="3536302" cy="369332"/>
+          </a:xfrm>
+          <a:prstGeom prst="rect">
+            <a:avLst/>
+          </a:prstGeom>
+          <a:noFill/>
+        </p:spPr>
+        <p:txBody>
+          <a:bodyPr wrap="square" rtlCol="0">
+            <a:spAutoFit/>
+          </a:bodyPr>
+          <a:lstStyle/>
+          <a:p>
+            <a:pPr algn="ctr"/>
+            <a:r>
+              <a:rPr lang="en-US" b="1" dirty="0"/>
+              <a:t>Application Server</a:t>
+            </a:r>
+          </a:p>
+        </p:txBody>
+      </p:sp>
+      <p:sp>
+        <p:nvSpPr>
+          <p:cNvPr id="4" name="Rectangle 3">
+            <a:extLst>
+              <a:ext uri="{FF2B5EF4-FFF2-40B4-BE49-F238E27FC236}">
+                <a16:creationId xmlns:a16="http://schemas.microsoft.com/office/drawing/2014/main" id="{363F1F76-00E9-57DA-669D-21317328F5D7}"/>
+              </a:ext>
+            </a:extLst>
+          </p:cNvPr>
+          <p:cNvSpPr/>
+          <p:nvPr/>
+        </p:nvSpPr>
+        <p:spPr>
+          <a:xfrm>
+            <a:off x="10142376" y="1530220"/>
+            <a:ext cx="718457" cy="3424335"/>
+          </a:xfrm>
+          <a:prstGeom prst="rect">
+            <a:avLst/>
+          </a:prstGeom>
+        </p:spPr>
+        <p:style>
+          <a:lnRef idx="2">
+            <a:schemeClr val="accent1">
+              <a:shade val="15000"/>
+            </a:schemeClr>
+          </a:lnRef>
+          <a:fillRef idx="1">
+            <a:schemeClr val="accent1"/>
+          </a:fillRef>
+          <a:effectRef idx="0">
+            <a:schemeClr val="accent1"/>
+          </a:effectRef>
+          <a:fontRef idx="minor">
+            <a:schemeClr val="lt1"/>
+          </a:fontRef>
+        </p:style>
+        <p:txBody>
+          <a:bodyPr rtlCol="0" anchor="ctr"/>
+          <a:lstStyle/>
+          <a:p>
+            <a:pPr algn="ctr"/>
+            <a:r>
+              <a:rPr lang="en-US" dirty="0"/>
+              <a:t>D</a:t>
+            </a:r>
+          </a:p>
+          <a:p>
+            <a:pPr algn="ctr"/>
+            <a:r>
+              <a:rPr lang="en-US" dirty="0"/>
+              <a:t>A</a:t>
+            </a:r>
+          </a:p>
+          <a:p>
+            <a:pPr algn="ctr"/>
+            <a:r>
+              <a:rPr lang="en-US" dirty="0"/>
+              <a:t>L</a:t>
+            </a:r>
+          </a:p>
+          <a:p>
+            <a:pPr algn="ctr"/>
+            <a:endParaRPr lang="en-US" dirty="0"/>
+          </a:p>
+        </p:txBody>
+      </p:sp>
+      <p:sp>
+        <p:nvSpPr>
+          <p:cNvPr id="5" name="Rectangle 4">
+            <a:extLst>
+              <a:ext uri="{FF2B5EF4-FFF2-40B4-BE49-F238E27FC236}">
+                <a16:creationId xmlns:a16="http://schemas.microsoft.com/office/drawing/2014/main" id="{5C806701-3BA0-7D85-7CFF-D042E4273971}"/>
+              </a:ext>
+            </a:extLst>
+          </p:cNvPr>
+          <p:cNvSpPr/>
+          <p:nvPr/>
+        </p:nvSpPr>
+        <p:spPr>
+          <a:xfrm>
+            <a:off x="8960498" y="1530220"/>
+            <a:ext cx="718457" cy="3424335"/>
+          </a:xfrm>
+          <a:prstGeom prst="rect">
+            <a:avLst/>
+          </a:prstGeom>
+        </p:spPr>
+        <p:style>
+          <a:lnRef idx="2">
+            <a:schemeClr val="accent1">
+              <a:shade val="15000"/>
+            </a:schemeClr>
+          </a:lnRef>
+          <a:fillRef idx="1">
+            <a:schemeClr val="accent1"/>
+          </a:fillRef>
+          <a:effectRef idx="0">
+            <a:schemeClr val="accent1"/>
+          </a:effectRef>
+          <a:fontRef idx="minor">
+            <a:schemeClr val="lt1"/>
+          </a:fontRef>
+        </p:style>
+        <p:txBody>
+          <a:bodyPr rtlCol="0" anchor="ctr"/>
+          <a:lstStyle/>
+          <a:p>
+            <a:pPr algn="ctr"/>
+            <a:r>
+              <a:rPr lang="en-US" dirty="0"/>
+              <a:t>B</a:t>
+            </a:r>
+          </a:p>
+          <a:p>
+            <a:pPr algn="ctr"/>
+            <a:r>
+              <a:rPr lang="en-US" dirty="0"/>
+              <a:t>L</a:t>
+            </a:r>
+          </a:p>
+          <a:p>
+            <a:pPr algn="ctr"/>
+            <a:r>
+              <a:rPr lang="en-US" dirty="0"/>
+              <a:t>L</a:t>
+            </a:r>
+          </a:p>
+          <a:p>
+            <a:pPr algn="ctr"/>
+            <a:endParaRPr lang="en-US" dirty="0"/>
+          </a:p>
+        </p:txBody>
+      </p:sp>
+      <p:sp>
+        <p:nvSpPr>
+          <p:cNvPr id="6" name="Rectangle 5">
+            <a:extLst>
+              <a:ext uri="{FF2B5EF4-FFF2-40B4-BE49-F238E27FC236}">
+                <a16:creationId xmlns:a16="http://schemas.microsoft.com/office/drawing/2014/main" id="{72E10A18-AA9B-3989-1C63-F124C4CCADF2}"/>
+              </a:ext>
+            </a:extLst>
+          </p:cNvPr>
+          <p:cNvSpPr/>
+          <p:nvPr/>
+        </p:nvSpPr>
+        <p:spPr>
+          <a:xfrm>
+            <a:off x="7651102" y="1530220"/>
+            <a:ext cx="718457" cy="3424335"/>
+          </a:xfrm>
+          <a:prstGeom prst="rect">
+            <a:avLst/>
+          </a:prstGeom>
+        </p:spPr>
+        <p:style>
+          <a:lnRef idx="2">
+            <a:schemeClr val="accent1">
+              <a:shade val="15000"/>
+            </a:schemeClr>
+          </a:lnRef>
+          <a:fillRef idx="1">
+            <a:schemeClr val="accent1"/>
+          </a:fillRef>
+          <a:effectRef idx="0">
+            <a:schemeClr val="accent1"/>
+          </a:effectRef>
+          <a:fontRef idx="minor">
+            <a:schemeClr val="lt1"/>
+          </a:fontRef>
+        </p:style>
+        <p:txBody>
+          <a:bodyPr rtlCol="0" anchor="ctr"/>
+          <a:lstStyle/>
+          <a:p>
+            <a:pPr algn="ctr"/>
+            <a:r>
+              <a:rPr lang="en-US" dirty="0"/>
+              <a:t>A</a:t>
+            </a:r>
+          </a:p>
+          <a:p>
+            <a:pPr algn="ctr"/>
+            <a:r>
+              <a:rPr lang="en-US" dirty="0"/>
+              <a:t>P</a:t>
+            </a:r>
+          </a:p>
+          <a:p>
+            <a:pPr algn="ctr"/>
+            <a:r>
+              <a:rPr lang="en-US" dirty="0"/>
+              <a:t>I</a:t>
+            </a:r>
+          </a:p>
+          <a:p>
+            <a:pPr algn="ctr"/>
+            <a:endParaRPr lang="en-US" dirty="0"/>
+          </a:p>
+        </p:txBody>
+      </p:sp>
+      <p:sp>
+        <p:nvSpPr>
+          <p:cNvPr id="7" name="Rectangle 6">
+            <a:extLst>
+              <a:ext uri="{FF2B5EF4-FFF2-40B4-BE49-F238E27FC236}">
+                <a16:creationId xmlns:a16="http://schemas.microsoft.com/office/drawing/2014/main" id="{65A0D1D2-B146-9EDD-8F10-43BECCDD9257}"/>
+              </a:ext>
+            </a:extLst>
+          </p:cNvPr>
+          <p:cNvSpPr/>
+          <p:nvPr/>
+        </p:nvSpPr>
+        <p:spPr>
+          <a:xfrm>
+            <a:off x="7651102" y="1028314"/>
+            <a:ext cx="3228392" cy="369332"/>
+          </a:xfrm>
+          <a:prstGeom prst="rect">
+            <a:avLst/>
+          </a:prstGeom>
+        </p:spPr>
+        <p:style>
+          <a:lnRef idx="2">
+            <a:schemeClr val="accent1">
+              <a:shade val="15000"/>
+            </a:schemeClr>
+          </a:lnRef>
+          <a:fillRef idx="1">
+            <a:schemeClr val="accent1"/>
+          </a:fillRef>
+          <a:effectRef idx="0">
+            <a:schemeClr val="accent1"/>
+          </a:effectRef>
+          <a:fontRef idx="minor">
+            <a:schemeClr val="lt1"/>
+          </a:fontRef>
+        </p:style>
+        <p:txBody>
+          <a:bodyPr rtlCol="0" anchor="ctr"/>
+          <a:lstStyle/>
+          <a:p>
+            <a:pPr algn="ctr"/>
+            <a:r>
+              <a:rPr lang="en-US" b="1" dirty="0"/>
+              <a:t>Entities</a:t>
+            </a:r>
+          </a:p>
+        </p:txBody>
+      </p:sp>
+      <p:sp>
+        <p:nvSpPr>
+          <p:cNvPr id="8" name="Rectangle 7">
+            <a:extLst>
+              <a:ext uri="{FF2B5EF4-FFF2-40B4-BE49-F238E27FC236}">
+                <a16:creationId xmlns:a16="http://schemas.microsoft.com/office/drawing/2014/main" id="{04B1A3D9-D424-3F1F-C188-CC0535832623}"/>
+              </a:ext>
+            </a:extLst>
+          </p:cNvPr>
+          <p:cNvSpPr/>
+          <p:nvPr/>
+        </p:nvSpPr>
+        <p:spPr>
+          <a:xfrm>
+            <a:off x="1797699" y="2696547"/>
+            <a:ext cx="3747795" cy="3133139"/>
+          </a:xfrm>
+          <a:prstGeom prst="rect">
+            <a:avLst/>
+          </a:prstGeom>
+          <a:solidFill>
+            <a:srgbClr val="002060"/>
+          </a:solidFill>
+        </p:spPr>
+        <p:style>
+          <a:lnRef idx="2">
+            <a:schemeClr val="accent1">
+              <a:shade val="15000"/>
+            </a:schemeClr>
+          </a:lnRef>
+          <a:fillRef idx="1">
+            <a:schemeClr val="accent1"/>
+          </a:fillRef>
+          <a:effectRef idx="0">
+            <a:schemeClr val="accent1"/>
+          </a:effectRef>
+          <a:fontRef idx="minor">
+            <a:schemeClr val="lt1"/>
+          </a:fontRef>
+        </p:style>
+        <p:txBody>
+          <a:bodyPr rtlCol="0" anchor="ctr"/>
+          <a:lstStyle/>
+          <a:p>
+            <a:pPr algn="ctr"/>
+            <a:endParaRPr lang="en-US"/>
+          </a:p>
+        </p:txBody>
+      </p:sp>
+      <p:sp>
+        <p:nvSpPr>
+          <p:cNvPr id="9" name="TextBox 8">
+            <a:extLst>
+              <a:ext uri="{FF2B5EF4-FFF2-40B4-BE49-F238E27FC236}">
+                <a16:creationId xmlns:a16="http://schemas.microsoft.com/office/drawing/2014/main" id="{898DA437-8948-25F8-C0E1-9C3EDEDC8203}"/>
+              </a:ext>
+            </a:extLst>
+          </p:cNvPr>
+          <p:cNvSpPr txBox="1"/>
+          <p:nvPr/>
+        </p:nvSpPr>
+        <p:spPr>
+          <a:xfrm>
+            <a:off x="6607628" y="6027576"/>
+            <a:ext cx="4673081" cy="584775"/>
+          </a:xfrm>
+          <a:prstGeom prst="rect">
+            <a:avLst/>
+          </a:prstGeom>
+          <a:noFill/>
+        </p:spPr>
+        <p:txBody>
+          <a:bodyPr wrap="square" rtlCol="0">
+            <a:spAutoFit/>
+          </a:bodyPr>
+          <a:lstStyle/>
+          <a:p>
+            <a:pPr algn="ctr"/>
+            <a:r>
+              <a:rPr lang="en-US" sz="1600" b="1" dirty="0">
+                <a:hlinkClick r:id="rId2"/>
+              </a:rPr>
+              <a:t>https://www.mybackendserver/myapp/myctrl</a:t>
+            </a:r>
+            <a:endParaRPr lang="en-US" sz="1600" b="1" dirty="0"/>
+          </a:p>
+          <a:p>
+            <a:pPr algn="ctr"/>
+            <a:r>
+              <a:rPr lang="en-US" sz="1600" b="1" dirty="0"/>
+              <a:t>On Premises App, Cloud Apps (Azure API, AWS APIs)</a:t>
+            </a:r>
+          </a:p>
+        </p:txBody>
+      </p:sp>
+      <p:sp>
+        <p:nvSpPr>
+          <p:cNvPr id="10" name="TextBox 9">
+            <a:extLst>
+              <a:ext uri="{FF2B5EF4-FFF2-40B4-BE49-F238E27FC236}">
+                <a16:creationId xmlns:a16="http://schemas.microsoft.com/office/drawing/2014/main" id="{202A6D59-1804-B618-6313-4E5F17980AD8}"/>
+              </a:ext>
+            </a:extLst>
+          </p:cNvPr>
+          <p:cNvSpPr txBox="1"/>
+          <p:nvPr/>
+        </p:nvSpPr>
+        <p:spPr>
+          <a:xfrm>
+            <a:off x="1940767" y="2696547"/>
+            <a:ext cx="3461657" cy="373224"/>
+          </a:xfrm>
+          <a:prstGeom prst="rect">
+            <a:avLst/>
+          </a:prstGeom>
+          <a:noFill/>
+        </p:spPr>
+        <p:txBody>
+          <a:bodyPr wrap="square" rtlCol="0">
+            <a:spAutoFit/>
+          </a:bodyPr>
+          <a:lstStyle/>
+          <a:p>
+            <a:pPr algn="ctr"/>
+            <a:r>
+              <a:rPr lang="en-US" b="1" dirty="0">
+                <a:solidFill>
+                  <a:schemeClr val="bg1"/>
+                </a:solidFill>
+              </a:rPr>
+              <a:t>Front-End App</a:t>
+            </a:r>
+          </a:p>
+        </p:txBody>
+      </p:sp>
+      <p:sp>
+        <p:nvSpPr>
+          <p:cNvPr id="11" name="TextBox 10">
+            <a:extLst>
+              <a:ext uri="{FF2B5EF4-FFF2-40B4-BE49-F238E27FC236}">
+                <a16:creationId xmlns:a16="http://schemas.microsoft.com/office/drawing/2014/main" id="{809E6F6E-9FA0-3373-E974-FD9BF5134139}"/>
+              </a:ext>
+            </a:extLst>
+          </p:cNvPr>
+          <p:cNvSpPr txBox="1"/>
+          <p:nvPr/>
+        </p:nvSpPr>
+        <p:spPr>
+          <a:xfrm>
+            <a:off x="1422919" y="5930291"/>
+            <a:ext cx="4673081" cy="523220"/>
+          </a:xfrm>
+          <a:prstGeom prst="rect">
+            <a:avLst/>
+          </a:prstGeom>
+          <a:noFill/>
+        </p:spPr>
+        <p:txBody>
+          <a:bodyPr wrap="square" rtlCol="0">
+            <a:spAutoFit/>
+          </a:bodyPr>
+          <a:lstStyle/>
+          <a:p>
+            <a:pPr algn="ctr"/>
+            <a:r>
+              <a:rPr lang="en-US" sz="1400" b="1" dirty="0">
+                <a:hlinkClick r:id="rId3"/>
+              </a:rPr>
+              <a:t>https://www.myfrontendendserver/myapp/myctrl</a:t>
+            </a:r>
+            <a:endParaRPr lang="en-US" sz="1400" b="1" dirty="0"/>
+          </a:p>
+          <a:p>
+            <a:pPr algn="ctr"/>
+            <a:r>
+              <a:rPr lang="en-US" sz="1400" b="1" dirty="0"/>
+              <a:t>Azure Static Apps, AWS Amplify</a:t>
+            </a:r>
+          </a:p>
+        </p:txBody>
+      </p:sp>
+      <p:sp>
+        <p:nvSpPr>
+          <p:cNvPr id="12" name="Rectangle 11">
+            <a:extLst>
+              <a:ext uri="{FF2B5EF4-FFF2-40B4-BE49-F238E27FC236}">
+                <a16:creationId xmlns:a16="http://schemas.microsoft.com/office/drawing/2014/main" id="{35EA6E14-C879-12FE-548D-3DAAE492F04D}"/>
+              </a:ext>
+            </a:extLst>
+          </p:cNvPr>
+          <p:cNvSpPr/>
+          <p:nvPr/>
+        </p:nvSpPr>
+        <p:spPr>
+          <a:xfrm>
+            <a:off x="1996751" y="4264090"/>
+            <a:ext cx="3359020" cy="1380930"/>
+          </a:xfrm>
+          <a:prstGeom prst="rect">
+            <a:avLst/>
+          </a:prstGeom>
+        </p:spPr>
+        <p:style>
+          <a:lnRef idx="1">
+            <a:schemeClr val="accent2"/>
+          </a:lnRef>
+          <a:fillRef idx="3">
+            <a:schemeClr val="accent2"/>
+          </a:fillRef>
+          <a:effectRef idx="2">
+            <a:schemeClr val="accent2"/>
+          </a:effectRef>
+          <a:fontRef idx="minor">
+            <a:schemeClr val="lt1"/>
+          </a:fontRef>
+        </p:style>
+        <p:txBody>
+          <a:bodyPr rtlCol="0" anchor="ctr"/>
+          <a:lstStyle/>
+          <a:p>
+            <a:pPr algn="ctr"/>
+            <a:r>
+              <a:rPr lang="en-US" dirty="0"/>
+              <a:t>jQuery + HTML + CSS</a:t>
+            </a:r>
+          </a:p>
+          <a:p>
+            <a:pPr algn="ctr"/>
+            <a:r>
+              <a:rPr lang="en-US" dirty="0"/>
+              <a:t>Angular MVC App, Blazor App, </a:t>
+            </a:r>
+          </a:p>
+          <a:p>
+            <a:pPr algn="ctr"/>
+            <a:r>
+              <a:rPr lang="en-US" dirty="0"/>
+              <a:t>React Interactive App,</a:t>
+            </a:r>
+          </a:p>
+          <a:p>
+            <a:pPr algn="ctr"/>
+            <a:r>
+              <a:rPr lang="en-US" dirty="0"/>
+              <a:t>Vue and Vueit App</a:t>
+            </a:r>
+          </a:p>
+        </p:txBody>
+      </p:sp>
+      <p:sp>
+        <p:nvSpPr>
+          <p:cNvPr id="13" name="Rectangle 12">
+            <a:extLst>
+              <a:ext uri="{FF2B5EF4-FFF2-40B4-BE49-F238E27FC236}">
+                <a16:creationId xmlns:a16="http://schemas.microsoft.com/office/drawing/2014/main" id="{0C5F7CE2-E73C-7093-EF5F-AD5A90C97AF2}"/>
+              </a:ext>
+            </a:extLst>
+          </p:cNvPr>
+          <p:cNvSpPr/>
+          <p:nvPr/>
+        </p:nvSpPr>
+        <p:spPr>
+          <a:xfrm>
+            <a:off x="1940767" y="3219061"/>
+            <a:ext cx="3461657" cy="839755"/>
+          </a:xfrm>
+          <a:prstGeom prst="rect">
+            <a:avLst/>
+          </a:prstGeom>
+        </p:spPr>
+        <p:style>
+          <a:lnRef idx="1">
+            <a:schemeClr val="accent6"/>
+          </a:lnRef>
+          <a:fillRef idx="3">
+            <a:schemeClr val="accent6"/>
+          </a:fillRef>
+          <a:effectRef idx="2">
+            <a:schemeClr val="accent6"/>
+          </a:effectRef>
+          <a:fontRef idx="minor">
+            <a:schemeClr val="lt1"/>
+          </a:fontRef>
+        </p:style>
+        <p:txBody>
+          <a:bodyPr rtlCol="0" anchor="ctr"/>
+          <a:lstStyle/>
+          <a:p>
+            <a:pPr algn="ctr"/>
+            <a:r>
+              <a:rPr lang="en-US" dirty="0"/>
+              <a:t>HTML UI + CSS + JS Object Model </a:t>
+            </a:r>
+          </a:p>
+        </p:txBody>
+      </p:sp>
+      <p:sp>
+        <p:nvSpPr>
+          <p:cNvPr id="15" name="Arrow: Up-Down 14">
+            <a:extLst>
+              <a:ext uri="{FF2B5EF4-FFF2-40B4-BE49-F238E27FC236}">
+                <a16:creationId xmlns:a16="http://schemas.microsoft.com/office/drawing/2014/main" id="{58E5250F-DBB0-1159-A19C-CDAE2EACA44A}"/>
+              </a:ext>
+            </a:extLst>
+          </p:cNvPr>
+          <p:cNvSpPr/>
+          <p:nvPr/>
+        </p:nvSpPr>
+        <p:spPr>
+          <a:xfrm>
+            <a:off x="3415004" y="3881535"/>
+            <a:ext cx="335902" cy="503853"/>
+          </a:xfrm>
+          <a:prstGeom prst="upDownArrow">
+            <a:avLst/>
+          </a:prstGeom>
+        </p:spPr>
+        <p:style>
+          <a:lnRef idx="2">
+            <a:schemeClr val="accent1">
+              <a:shade val="15000"/>
+            </a:schemeClr>
+          </a:lnRef>
+          <a:fillRef idx="1">
+            <a:schemeClr val="accent1"/>
+          </a:fillRef>
+          <a:effectRef idx="0">
+            <a:schemeClr val="accent1"/>
+          </a:effectRef>
+          <a:fontRef idx="minor">
+            <a:schemeClr val="lt1"/>
+          </a:fontRef>
+        </p:style>
+        <p:txBody>
+          <a:bodyPr rtlCol="0" anchor="ctr"/>
+          <a:lstStyle/>
+          <a:p>
+            <a:pPr algn="ctr"/>
+            <a:endParaRPr lang="en-US"/>
+          </a:p>
+        </p:txBody>
+      </p:sp>
+      <p:sp>
+        <p:nvSpPr>
+          <p:cNvPr id="16" name="Arrow: Left-Right 15">
+            <a:extLst>
+              <a:ext uri="{FF2B5EF4-FFF2-40B4-BE49-F238E27FC236}">
+                <a16:creationId xmlns:a16="http://schemas.microsoft.com/office/drawing/2014/main" id="{9F54F15D-E8C6-3730-FFE1-8407591420EF}"/>
+              </a:ext>
+            </a:extLst>
+          </p:cNvPr>
+          <p:cNvSpPr/>
+          <p:nvPr/>
+        </p:nvSpPr>
+        <p:spPr>
+          <a:xfrm>
+            <a:off x="5545494" y="3358316"/>
+            <a:ext cx="976602" cy="523220"/>
+          </a:xfrm>
+          <a:prstGeom prst="leftRightArrow">
+            <a:avLst/>
+          </a:prstGeom>
+        </p:spPr>
+        <p:style>
+          <a:lnRef idx="2">
+            <a:schemeClr val="accent1">
+              <a:shade val="15000"/>
+            </a:schemeClr>
+          </a:lnRef>
+          <a:fillRef idx="1">
+            <a:schemeClr val="accent1"/>
+          </a:fillRef>
+          <a:effectRef idx="0">
+            <a:schemeClr val="accent1"/>
+          </a:effectRef>
+          <a:fontRef idx="minor">
+            <a:schemeClr val="lt1"/>
+          </a:fontRef>
+        </p:style>
+        <p:txBody>
+          <a:bodyPr rtlCol="0" anchor="ctr"/>
+          <a:lstStyle/>
+          <a:p>
+            <a:pPr algn="ctr"/>
+            <a:r>
+              <a:rPr lang="en-US" b="1" dirty="0"/>
+              <a:t>CALL</a:t>
+            </a:r>
+          </a:p>
+        </p:txBody>
+      </p:sp>
+      <p:sp>
+        <p:nvSpPr>
+          <p:cNvPr id="17" name="Parallelogram 16">
+            <a:extLst>
+              <a:ext uri="{FF2B5EF4-FFF2-40B4-BE49-F238E27FC236}">
+                <a16:creationId xmlns:a16="http://schemas.microsoft.com/office/drawing/2014/main" id="{79B84B69-15F3-986C-71A5-BA150EE74976}"/>
+              </a:ext>
+            </a:extLst>
+          </p:cNvPr>
+          <p:cNvSpPr/>
+          <p:nvPr/>
+        </p:nvSpPr>
+        <p:spPr>
+          <a:xfrm>
+            <a:off x="223935" y="186612"/>
+            <a:ext cx="2444620" cy="2006082"/>
+          </a:xfrm>
+          <a:prstGeom prst="parallelogram">
+            <a:avLst>
+              <a:gd name="adj" fmla="val 22209"/>
+            </a:avLst>
+          </a:prstGeom>
+        </p:spPr>
+        <p:style>
+          <a:lnRef idx="2">
+            <a:schemeClr val="accent3">
+              <a:shade val="15000"/>
+            </a:schemeClr>
+          </a:lnRef>
+          <a:fillRef idx="1">
+            <a:schemeClr val="accent3"/>
+          </a:fillRef>
+          <a:effectRef idx="0">
+            <a:schemeClr val="accent3"/>
+          </a:effectRef>
+          <a:fontRef idx="minor">
+            <a:schemeClr val="lt1"/>
+          </a:fontRef>
+        </p:style>
+        <p:txBody>
+          <a:bodyPr rtlCol="0" anchor="ctr"/>
+          <a:lstStyle/>
+          <a:p>
+            <a:pPr algn="ctr"/>
+            <a:endParaRPr lang="en-US"/>
+          </a:p>
+        </p:txBody>
+      </p:sp>
+      <p:sp>
+        <p:nvSpPr>
+          <p:cNvPr id="18" name="TextBox 17">
+            <a:extLst>
+              <a:ext uri="{FF2B5EF4-FFF2-40B4-BE49-F238E27FC236}">
+                <a16:creationId xmlns:a16="http://schemas.microsoft.com/office/drawing/2014/main" id="{2958A65E-0573-4085-1893-1463A06B1B2E}"/>
+              </a:ext>
+            </a:extLst>
+          </p:cNvPr>
+          <p:cNvSpPr txBox="1"/>
+          <p:nvPr/>
+        </p:nvSpPr>
+        <p:spPr>
+          <a:xfrm>
+            <a:off x="783771" y="186612"/>
+            <a:ext cx="1567543" cy="369332"/>
+          </a:xfrm>
+          <a:prstGeom prst="rect">
+            <a:avLst/>
+          </a:prstGeom>
+          <a:noFill/>
+        </p:spPr>
+        <p:txBody>
+          <a:bodyPr wrap="square" rtlCol="0">
+            <a:spAutoFit/>
+          </a:bodyPr>
+          <a:lstStyle/>
+          <a:p>
+            <a:pPr algn="ctr"/>
+            <a:r>
+              <a:rPr lang="en-US" b="1" dirty="0"/>
+              <a:t>Browser</a:t>
+            </a:r>
+          </a:p>
+        </p:txBody>
+      </p:sp>
+      <p:cxnSp>
+        <p:nvCxnSpPr>
+          <p:cNvPr id="20" name="Connector: Elbow 19">
+            <a:extLst>
+              <a:ext uri="{FF2B5EF4-FFF2-40B4-BE49-F238E27FC236}">
+                <a16:creationId xmlns:a16="http://schemas.microsoft.com/office/drawing/2014/main" id="{347A165C-C0D5-AA39-9FA8-52A19EC04B37}"/>
+              </a:ext>
+            </a:extLst>
+          </p:cNvPr>
+          <p:cNvCxnSpPr>
+            <a:stCxn id="17" idx="3"/>
+            <a:endCxn id="8" idx="1"/>
+          </p:cNvCxnSpPr>
+          <p:nvPr/>
+        </p:nvCxnSpPr>
+        <p:spPr>
+          <a:xfrm rot="16200000" flipH="1">
+            <a:off x="475378" y="2940795"/>
+            <a:ext cx="2070423" cy="574219"/>
+          </a:xfrm>
+          <a:prstGeom prst="bentConnector2">
+            <a:avLst/>
+          </a:prstGeom>
+          <a:ln w="76200">
+            <a:solidFill>
+              <a:srgbClr val="7030A0"/>
+            </a:solidFill>
+            <a:tailEnd type="triangle"/>
+          </a:ln>
+        </p:spPr>
+        <p:style>
+          <a:lnRef idx="1">
+            <a:schemeClr val="accent1"/>
+          </a:lnRef>
+          <a:fillRef idx="0">
+            <a:schemeClr val="accent1"/>
+          </a:fillRef>
+          <a:effectRef idx="0">
+            <a:schemeClr val="accent1"/>
+          </a:effectRef>
+          <a:fontRef idx="minor">
+            <a:schemeClr val="tx1"/>
+          </a:fontRef>
+        </p:style>
+      </p:cxnSp>
+      <p:sp>
+        <p:nvSpPr>
+          <p:cNvPr id="21" name="TextBox 20">
+            <a:extLst>
+              <a:ext uri="{FF2B5EF4-FFF2-40B4-BE49-F238E27FC236}">
+                <a16:creationId xmlns:a16="http://schemas.microsoft.com/office/drawing/2014/main" id="{B1DAB423-09C1-3355-04B2-02157EB1F6EF}"/>
+              </a:ext>
+            </a:extLst>
+          </p:cNvPr>
+          <p:cNvSpPr txBox="1"/>
+          <p:nvPr/>
+        </p:nvSpPr>
+        <p:spPr>
+          <a:xfrm>
+            <a:off x="80865" y="3219061"/>
+            <a:ext cx="1517783" cy="369332"/>
+          </a:xfrm>
+          <a:prstGeom prst="rect">
+            <a:avLst/>
+          </a:prstGeom>
+          <a:noFill/>
+        </p:spPr>
+        <p:txBody>
+          <a:bodyPr wrap="square" rtlCol="0">
+            <a:spAutoFit/>
+          </a:bodyPr>
+          <a:lstStyle/>
+          <a:p>
+            <a:pPr algn="ctr"/>
+            <a:r>
+              <a:rPr lang="en-US" b="1" dirty="0"/>
+              <a:t>HTTP Request</a:t>
+            </a:r>
+          </a:p>
+        </p:txBody>
+      </p:sp>
+      <p:cxnSp>
+        <p:nvCxnSpPr>
+          <p:cNvPr id="23" name="Connector: Elbow 22">
+            <a:extLst>
+              <a:ext uri="{FF2B5EF4-FFF2-40B4-BE49-F238E27FC236}">
+                <a16:creationId xmlns:a16="http://schemas.microsoft.com/office/drawing/2014/main" id="{F5847BF0-D1B8-38FB-6188-3A4F3D5FC92B}"/>
+              </a:ext>
+            </a:extLst>
+          </p:cNvPr>
+          <p:cNvCxnSpPr>
+            <a:stCxn id="10" idx="0"/>
+            <a:endCxn id="17" idx="2"/>
+          </p:cNvCxnSpPr>
+          <p:nvPr/>
+        </p:nvCxnSpPr>
+        <p:spPr>
+          <a:xfrm rot="16200000" flipV="1">
+            <a:off x="2305246" y="1330197"/>
+            <a:ext cx="1506894" cy="1225806"/>
+          </a:xfrm>
+          <a:prstGeom prst="bentConnector2">
+            <a:avLst/>
+          </a:prstGeom>
+          <a:ln w="76200">
+            <a:solidFill>
+              <a:srgbClr val="7030A0"/>
+            </a:solidFill>
+            <a:tailEnd type="triangle"/>
+          </a:ln>
+        </p:spPr>
+        <p:style>
+          <a:lnRef idx="1">
+            <a:schemeClr val="accent1"/>
+          </a:lnRef>
+          <a:fillRef idx="0">
+            <a:schemeClr val="accent1"/>
+          </a:fillRef>
+          <a:effectRef idx="0">
+            <a:schemeClr val="accent1"/>
+          </a:effectRef>
+          <a:fontRef idx="minor">
+            <a:schemeClr val="tx1"/>
+          </a:fontRef>
+        </p:style>
+      </p:cxnSp>
+      <p:sp>
+        <p:nvSpPr>
+          <p:cNvPr id="24" name="TextBox 23">
+            <a:extLst>
+              <a:ext uri="{FF2B5EF4-FFF2-40B4-BE49-F238E27FC236}">
+                <a16:creationId xmlns:a16="http://schemas.microsoft.com/office/drawing/2014/main" id="{87006DBC-BD38-0E00-F0AC-05D6063A16A3}"/>
+              </a:ext>
+            </a:extLst>
+          </p:cNvPr>
+          <p:cNvSpPr txBox="1"/>
+          <p:nvPr/>
+        </p:nvSpPr>
+        <p:spPr>
+          <a:xfrm>
+            <a:off x="2917372" y="1959429"/>
+            <a:ext cx="1740160" cy="369332"/>
+          </a:xfrm>
+          <a:prstGeom prst="rect">
+            <a:avLst/>
+          </a:prstGeom>
+          <a:noFill/>
+        </p:spPr>
+        <p:txBody>
+          <a:bodyPr wrap="square" rtlCol="0">
+            <a:spAutoFit/>
+          </a:bodyPr>
+          <a:lstStyle/>
+          <a:p>
+            <a:pPr algn="ctr"/>
+            <a:r>
+              <a:rPr lang="en-US" b="1" dirty="0"/>
+              <a:t>Response</a:t>
+            </a:r>
+          </a:p>
+        </p:txBody>
+      </p:sp>
+      <p:sp>
+        <p:nvSpPr>
+          <p:cNvPr id="25" name="Rectangle 24">
+            <a:extLst>
+              <a:ext uri="{FF2B5EF4-FFF2-40B4-BE49-F238E27FC236}">
+                <a16:creationId xmlns:a16="http://schemas.microsoft.com/office/drawing/2014/main" id="{C134979C-08A8-733A-F597-948FEFA8A09B}"/>
+              </a:ext>
+            </a:extLst>
+          </p:cNvPr>
+          <p:cNvSpPr/>
+          <p:nvPr/>
+        </p:nvSpPr>
+        <p:spPr>
+          <a:xfrm>
+            <a:off x="444174" y="1380931"/>
+            <a:ext cx="1736663" cy="499188"/>
+          </a:xfrm>
+          <a:prstGeom prst="rect">
+            <a:avLst/>
+          </a:prstGeom>
+        </p:spPr>
+        <p:style>
+          <a:lnRef idx="2">
+            <a:schemeClr val="accent1">
+              <a:shade val="15000"/>
+            </a:schemeClr>
+          </a:lnRef>
+          <a:fillRef idx="1">
+            <a:schemeClr val="accent1"/>
+          </a:fillRef>
+          <a:effectRef idx="0">
+            <a:schemeClr val="accent1"/>
+          </a:effectRef>
+          <a:fontRef idx="minor">
+            <a:schemeClr val="lt1"/>
+          </a:fontRef>
+        </p:style>
+        <p:txBody>
+          <a:bodyPr rtlCol="0" anchor="ctr"/>
+          <a:lstStyle/>
+          <a:p>
+            <a:pPr algn="ctr"/>
+            <a:r>
+              <a:rPr lang="en-US" dirty="0"/>
+              <a:t>JS Object Model</a:t>
+            </a:r>
+          </a:p>
+        </p:txBody>
+      </p:sp>
+      <p:sp>
+        <p:nvSpPr>
+          <p:cNvPr id="26" name="Rectangle 25">
+            <a:extLst>
+              <a:ext uri="{FF2B5EF4-FFF2-40B4-BE49-F238E27FC236}">
+                <a16:creationId xmlns:a16="http://schemas.microsoft.com/office/drawing/2014/main" id="{56761480-3F2D-1F44-785B-C2C12D2C9C38}"/>
+              </a:ext>
+            </a:extLst>
+          </p:cNvPr>
+          <p:cNvSpPr/>
+          <p:nvPr/>
+        </p:nvSpPr>
+        <p:spPr>
+          <a:xfrm>
+            <a:off x="587630" y="683853"/>
+            <a:ext cx="1736663" cy="499188"/>
+          </a:xfrm>
+          <a:prstGeom prst="rect">
+            <a:avLst/>
+          </a:prstGeom>
+        </p:spPr>
+        <p:style>
+          <a:lnRef idx="2">
+            <a:schemeClr val="accent1">
+              <a:shade val="15000"/>
+            </a:schemeClr>
+          </a:lnRef>
+          <a:fillRef idx="1">
+            <a:schemeClr val="accent1"/>
+          </a:fillRef>
+          <a:effectRef idx="0">
+            <a:schemeClr val="accent1"/>
+          </a:effectRef>
+          <a:fontRef idx="minor">
+            <a:schemeClr val="lt1"/>
+          </a:fontRef>
+        </p:style>
+        <p:txBody>
+          <a:bodyPr rtlCol="0" anchor="ctr"/>
+          <a:lstStyle/>
+          <a:p>
+            <a:pPr algn="ctr"/>
+            <a:r>
+              <a:rPr lang="en-US" dirty="0"/>
+              <a:t>HTML UI + CSS</a:t>
+            </a:r>
+          </a:p>
+        </p:txBody>
+      </p:sp>
+      <p:sp>
+        <p:nvSpPr>
+          <p:cNvPr id="27" name="Arrow: Right 26">
+            <a:extLst>
+              <a:ext uri="{FF2B5EF4-FFF2-40B4-BE49-F238E27FC236}">
+                <a16:creationId xmlns:a16="http://schemas.microsoft.com/office/drawing/2014/main" id="{23964D1B-ABB9-6ECD-F549-3C3A807B417C}"/>
+              </a:ext>
+            </a:extLst>
+          </p:cNvPr>
+          <p:cNvSpPr/>
+          <p:nvPr/>
+        </p:nvSpPr>
+        <p:spPr>
+          <a:xfrm>
+            <a:off x="80865" y="683853"/>
+            <a:ext cx="432319" cy="344461"/>
+          </a:xfrm>
+          <a:prstGeom prst="rightArrow">
+            <a:avLst/>
+          </a:prstGeom>
+        </p:spPr>
+        <p:style>
+          <a:lnRef idx="2">
+            <a:schemeClr val="accent1">
+              <a:shade val="15000"/>
+            </a:schemeClr>
+          </a:lnRef>
+          <a:fillRef idx="1">
+            <a:schemeClr val="accent1"/>
+          </a:fillRef>
+          <a:effectRef idx="0">
+            <a:schemeClr val="accent1"/>
+          </a:effectRef>
+          <a:fontRef idx="minor">
+            <a:schemeClr val="lt1"/>
+          </a:fontRef>
+        </p:style>
+        <p:txBody>
+          <a:bodyPr rtlCol="0" anchor="ctr"/>
+          <a:lstStyle/>
+          <a:p>
+            <a:pPr algn="ctr"/>
+            <a:endParaRPr lang="en-US"/>
+          </a:p>
+        </p:txBody>
+      </p:sp>
+      <p:cxnSp>
+        <p:nvCxnSpPr>
+          <p:cNvPr id="29" name="Connector: Elbow 28">
+            <a:extLst>
+              <a:ext uri="{FF2B5EF4-FFF2-40B4-BE49-F238E27FC236}">
+                <a16:creationId xmlns:a16="http://schemas.microsoft.com/office/drawing/2014/main" id="{1E29321E-C2EE-C47B-F90D-D01AABAA9E18}"/>
+              </a:ext>
+            </a:extLst>
+          </p:cNvPr>
+          <p:cNvCxnSpPr>
+            <a:stCxn id="18" idx="0"/>
+            <a:endCxn id="2" idx="1"/>
+          </p:cNvCxnSpPr>
+          <p:nvPr/>
+        </p:nvCxnSpPr>
+        <p:spPr>
+          <a:xfrm rot="16200000" flipH="1">
+            <a:off x="2647272" y="-893117"/>
+            <a:ext cx="2821534" cy="4980992"/>
+          </a:xfrm>
+          <a:prstGeom prst="bentConnector4">
+            <a:avLst>
+              <a:gd name="adj1" fmla="val -8102"/>
+              <a:gd name="adj2" fmla="val 57868"/>
+            </a:avLst>
+          </a:prstGeom>
+          <a:ln w="76200">
+            <a:solidFill>
+              <a:srgbClr val="7030A0"/>
+            </a:solidFill>
+            <a:tailEnd type="triangle"/>
+          </a:ln>
+        </p:spPr>
+        <p:style>
+          <a:lnRef idx="1">
+            <a:schemeClr val="accent1"/>
+          </a:lnRef>
+          <a:fillRef idx="0">
+            <a:schemeClr val="accent1"/>
+          </a:fillRef>
+          <a:effectRef idx="0">
+            <a:schemeClr val="accent1"/>
+          </a:effectRef>
+          <a:fontRef idx="minor">
+            <a:schemeClr val="tx1"/>
+          </a:fontRef>
+        </p:style>
+      </p:cxnSp>
+      <p:sp>
+        <p:nvSpPr>
+          <p:cNvPr id="32" name="TextBox 31">
+            <a:extLst>
+              <a:ext uri="{FF2B5EF4-FFF2-40B4-BE49-F238E27FC236}">
+                <a16:creationId xmlns:a16="http://schemas.microsoft.com/office/drawing/2014/main" id="{26C4ACB8-264E-2E4D-BAEC-6317AAD798D6}"/>
+              </a:ext>
+            </a:extLst>
+          </p:cNvPr>
+          <p:cNvSpPr txBox="1"/>
+          <p:nvPr/>
+        </p:nvSpPr>
+        <p:spPr>
+          <a:xfrm>
+            <a:off x="5545494" y="342869"/>
+            <a:ext cx="2155373" cy="923330"/>
+          </a:xfrm>
+          <a:prstGeom prst="rect">
+            <a:avLst/>
+          </a:prstGeom>
+          <a:noFill/>
+        </p:spPr>
+        <p:txBody>
+          <a:bodyPr wrap="square" rtlCol="0">
+            <a:spAutoFit/>
+          </a:bodyPr>
+          <a:lstStyle/>
+          <a:p>
+            <a:pPr algn="ctr"/>
+            <a:r>
+              <a:rPr lang="en-US" b="1" dirty="0">
+                <a:solidFill>
+                  <a:srgbClr val="7030A0"/>
+                </a:solidFill>
+              </a:rPr>
+              <a:t>HTTP Request to Backend API to Fetch Data</a:t>
+            </a:r>
+          </a:p>
+        </p:txBody>
+      </p:sp>
+      <p:cxnSp>
+        <p:nvCxnSpPr>
+          <p:cNvPr id="34" name="Connector: Elbow 33">
+            <a:extLst>
+              <a:ext uri="{FF2B5EF4-FFF2-40B4-BE49-F238E27FC236}">
+                <a16:creationId xmlns:a16="http://schemas.microsoft.com/office/drawing/2014/main" id="{8DBF3F9A-8BB5-283A-5BDE-1338ACA4E5BB}"/>
+              </a:ext>
+            </a:extLst>
+          </p:cNvPr>
+          <p:cNvCxnSpPr>
+            <a:stCxn id="2" idx="1"/>
+            <a:endCxn id="18" idx="0"/>
+          </p:cNvCxnSpPr>
+          <p:nvPr/>
+        </p:nvCxnSpPr>
+        <p:spPr>
+          <a:xfrm rot="10800000">
+            <a:off x="1567543" y="186612"/>
+            <a:ext cx="4980992" cy="2821534"/>
+          </a:xfrm>
+          <a:prstGeom prst="bentConnector4">
+            <a:avLst>
+              <a:gd name="adj1" fmla="val 15158"/>
+              <a:gd name="adj2" fmla="val 108102"/>
+            </a:avLst>
+          </a:prstGeom>
+          <a:ln w="76200">
+            <a:solidFill>
+              <a:srgbClr val="FFFF00"/>
+            </a:solidFill>
+            <a:tailEnd type="triangle"/>
+          </a:ln>
+        </p:spPr>
+        <p:style>
+          <a:lnRef idx="1">
+            <a:schemeClr val="accent1"/>
+          </a:lnRef>
+          <a:fillRef idx="0">
+            <a:schemeClr val="accent1"/>
+          </a:fillRef>
+          <a:effectRef idx="0">
+            <a:schemeClr val="accent1"/>
+          </a:effectRef>
+          <a:fontRef idx="minor">
+            <a:schemeClr val="tx1"/>
+          </a:fontRef>
+        </p:style>
+      </p:cxnSp>
+      <p:sp>
+        <p:nvSpPr>
+          <p:cNvPr id="38" name="TextBox 37">
+            <a:extLst>
+              <a:ext uri="{FF2B5EF4-FFF2-40B4-BE49-F238E27FC236}">
+                <a16:creationId xmlns:a16="http://schemas.microsoft.com/office/drawing/2014/main" id="{B414A5B0-4167-0C9B-23BF-13FE398E00B2}"/>
+              </a:ext>
+            </a:extLst>
+          </p:cNvPr>
+          <p:cNvSpPr txBox="1"/>
+          <p:nvPr/>
+        </p:nvSpPr>
+        <p:spPr>
+          <a:xfrm>
+            <a:off x="3508312" y="450558"/>
+            <a:ext cx="2155373" cy="646331"/>
+          </a:xfrm>
+          <a:prstGeom prst="rect">
+            <a:avLst/>
+          </a:prstGeom>
+          <a:noFill/>
+        </p:spPr>
+        <p:txBody>
+          <a:bodyPr wrap="square" rtlCol="0">
+            <a:spAutoFit/>
+          </a:bodyPr>
+          <a:lstStyle/>
+          <a:p>
+            <a:pPr algn="ctr"/>
+            <a:r>
+              <a:rPr lang="en-US" b="1" dirty="0">
+                <a:solidFill>
+                  <a:srgbClr val="FFFF00"/>
+                </a:solidFill>
+                <a:highlight>
+                  <a:srgbClr val="000000"/>
+                </a:highlight>
+              </a:rPr>
+              <a:t>HTTP Response With JSON Data</a:t>
+            </a:r>
+          </a:p>
+        </p:txBody>
+      </p:sp>
+      <p:sp>
+        <p:nvSpPr>
+          <p:cNvPr id="39" name="Rectangle 38">
+            <a:extLst>
+              <a:ext uri="{FF2B5EF4-FFF2-40B4-BE49-F238E27FC236}">
+                <a16:creationId xmlns:a16="http://schemas.microsoft.com/office/drawing/2014/main" id="{5FC16FF0-0381-97FE-B585-9953B2807CB2}"/>
+              </a:ext>
+            </a:extLst>
+          </p:cNvPr>
+          <p:cNvSpPr/>
+          <p:nvPr/>
+        </p:nvSpPr>
+        <p:spPr>
+          <a:xfrm>
+            <a:off x="6615404" y="2696547"/>
+            <a:ext cx="895937" cy="661769"/>
+          </a:xfrm>
+          <a:prstGeom prst="rect">
+            <a:avLst/>
+          </a:prstGeom>
+        </p:spPr>
+        <p:style>
+          <a:lnRef idx="2">
+            <a:schemeClr val="accent1">
+              <a:shade val="15000"/>
+            </a:schemeClr>
+          </a:lnRef>
+          <a:fillRef idx="1">
+            <a:schemeClr val="accent1"/>
+          </a:fillRef>
+          <a:effectRef idx="0">
+            <a:schemeClr val="accent1"/>
+          </a:effectRef>
+          <a:fontRef idx="minor">
+            <a:schemeClr val="lt1"/>
+          </a:fontRef>
+        </p:style>
+        <p:txBody>
+          <a:bodyPr rtlCol="0" anchor="ctr"/>
+          <a:lstStyle/>
+          <a:p>
+            <a:pPr algn="ctr"/>
+            <a:r>
+              <a:rPr lang="en-US" sz="1600" b="1" dirty="0"/>
+              <a:t>Identity</a:t>
+            </a:r>
+          </a:p>
+        </p:txBody>
+      </p:sp>
+      <p:cxnSp>
+        <p:nvCxnSpPr>
+          <p:cNvPr id="41" name="Connector: Elbow 40">
+            <a:extLst>
+              <a:ext uri="{FF2B5EF4-FFF2-40B4-BE49-F238E27FC236}">
+                <a16:creationId xmlns:a16="http://schemas.microsoft.com/office/drawing/2014/main" id="{3B99B5D1-00BA-9E4A-BFCF-1D2B4D60C501}"/>
+              </a:ext>
+            </a:extLst>
+          </p:cNvPr>
+          <p:cNvCxnSpPr>
+            <a:cxnSpLocks/>
+            <a:stCxn id="39" idx="0"/>
+            <a:endCxn id="6" idx="1"/>
+          </p:cNvCxnSpPr>
+          <p:nvPr/>
+        </p:nvCxnSpPr>
+        <p:spPr>
+          <a:xfrm rot="16200000" flipH="1">
+            <a:off x="7084316" y="2675603"/>
+            <a:ext cx="545841" cy="587729"/>
+          </a:xfrm>
+          <a:prstGeom prst="bentConnector4">
+            <a:avLst>
+              <a:gd name="adj1" fmla="val -41880"/>
+              <a:gd name="adj2" fmla="val 88110"/>
+            </a:avLst>
+          </a:prstGeom>
+          <a:ln>
+            <a:tailEnd type="triangle"/>
+          </a:ln>
+        </p:spPr>
+        <p:style>
+          <a:lnRef idx="1">
+            <a:schemeClr val="accent1"/>
+          </a:lnRef>
+          <a:fillRef idx="0">
+            <a:schemeClr val="accent1"/>
+          </a:fillRef>
+          <a:effectRef idx="0">
+            <a:schemeClr val="accent1"/>
+          </a:effectRef>
+          <a:fontRef idx="minor">
+            <a:schemeClr val="tx1"/>
+          </a:fontRef>
+        </p:style>
+      </p:cxnSp>
+      <p:cxnSp>
+        <p:nvCxnSpPr>
+          <p:cNvPr id="43" name="Connector: Elbow 42">
+            <a:extLst>
+              <a:ext uri="{FF2B5EF4-FFF2-40B4-BE49-F238E27FC236}">
+                <a16:creationId xmlns:a16="http://schemas.microsoft.com/office/drawing/2014/main" id="{55A6327F-2B4C-CB32-0F4B-2F0DE55FBCDD}"/>
+              </a:ext>
+            </a:extLst>
+          </p:cNvPr>
+          <p:cNvCxnSpPr>
+            <a:endCxn id="39" idx="2"/>
+          </p:cNvCxnSpPr>
+          <p:nvPr/>
+        </p:nvCxnSpPr>
+        <p:spPr>
+          <a:xfrm rot="10800000">
+            <a:off x="7063373" y="3358316"/>
+            <a:ext cx="578394" cy="229304"/>
+          </a:xfrm>
+          <a:prstGeom prst="bentConnector2">
+            <a:avLst/>
+          </a:prstGeom>
+          <a:ln>
+            <a:tailEnd type="triangle"/>
+          </a:ln>
+        </p:spPr>
+        <p:style>
+          <a:lnRef idx="1">
+            <a:schemeClr val="accent1"/>
+          </a:lnRef>
+          <a:fillRef idx="0">
+            <a:schemeClr val="accent1"/>
+          </a:fillRef>
+          <a:effectRef idx="0">
+            <a:schemeClr val="accent1"/>
+          </a:effectRef>
+          <a:fontRef idx="minor">
+            <a:schemeClr val="tx1"/>
+          </a:fontRef>
+        </p:style>
+      </p:cxnSp>
+      <p:sp>
+        <p:nvSpPr>
+          <p:cNvPr id="48" name="Arrow: Down 47">
+            <a:extLst>
+              <a:ext uri="{FF2B5EF4-FFF2-40B4-BE49-F238E27FC236}">
+                <a16:creationId xmlns:a16="http://schemas.microsoft.com/office/drawing/2014/main" id="{AAAE14C1-655B-F91C-34FE-81C81B121826}"/>
+              </a:ext>
+            </a:extLst>
+          </p:cNvPr>
+          <p:cNvSpPr/>
+          <p:nvPr/>
+        </p:nvSpPr>
+        <p:spPr>
+          <a:xfrm>
+            <a:off x="10375641" y="1266199"/>
+            <a:ext cx="202165" cy="369332"/>
+          </a:xfrm>
+          <a:prstGeom prst="downArrow">
+            <a:avLst/>
+          </a:prstGeom>
+          <a:solidFill>
+            <a:srgbClr val="002060"/>
+          </a:solidFill>
+        </p:spPr>
+        <p:style>
+          <a:lnRef idx="2">
+            <a:schemeClr val="accent1">
+              <a:shade val="15000"/>
+            </a:schemeClr>
+          </a:lnRef>
+          <a:fillRef idx="1">
+            <a:schemeClr val="accent1"/>
+          </a:fillRef>
+          <a:effectRef idx="0">
+            <a:schemeClr val="accent1"/>
+          </a:effectRef>
+          <a:fontRef idx="minor">
+            <a:schemeClr val="lt1"/>
+          </a:fontRef>
+        </p:style>
+        <p:txBody>
+          <a:bodyPr rtlCol="0" anchor="ctr"/>
+          <a:lstStyle/>
+          <a:p>
+            <a:pPr algn="ctr"/>
+            <a:endParaRPr lang="en-US"/>
+          </a:p>
+        </p:txBody>
+      </p:sp>
+      <p:sp>
+        <p:nvSpPr>
+          <p:cNvPr id="49" name="Arrow: Down 48">
+            <a:extLst>
+              <a:ext uri="{FF2B5EF4-FFF2-40B4-BE49-F238E27FC236}">
+                <a16:creationId xmlns:a16="http://schemas.microsoft.com/office/drawing/2014/main" id="{AD410817-C820-A772-82FB-3592A2E268D5}"/>
+              </a:ext>
+            </a:extLst>
+          </p:cNvPr>
+          <p:cNvSpPr/>
+          <p:nvPr/>
+        </p:nvSpPr>
+        <p:spPr>
+          <a:xfrm>
+            <a:off x="9171991" y="1344331"/>
+            <a:ext cx="202165" cy="369332"/>
+          </a:xfrm>
+          <a:prstGeom prst="downArrow">
+            <a:avLst/>
+          </a:prstGeom>
+          <a:solidFill>
+            <a:srgbClr val="002060"/>
+          </a:solidFill>
+        </p:spPr>
+        <p:style>
+          <a:lnRef idx="2">
+            <a:schemeClr val="accent1">
+              <a:shade val="15000"/>
+            </a:schemeClr>
+          </a:lnRef>
+          <a:fillRef idx="1">
+            <a:schemeClr val="accent1"/>
+          </a:fillRef>
+          <a:effectRef idx="0">
+            <a:schemeClr val="accent1"/>
+          </a:effectRef>
+          <a:fontRef idx="minor">
+            <a:schemeClr val="lt1"/>
+          </a:fontRef>
+        </p:style>
+        <p:txBody>
+          <a:bodyPr rtlCol="0" anchor="ctr"/>
+          <a:lstStyle/>
+          <a:p>
+            <a:pPr algn="ctr"/>
+            <a:endParaRPr lang="en-US"/>
+          </a:p>
+        </p:txBody>
+      </p:sp>
+      <p:sp>
+        <p:nvSpPr>
+          <p:cNvPr id="50" name="Arrow: Down 49">
+            <a:extLst>
+              <a:ext uri="{FF2B5EF4-FFF2-40B4-BE49-F238E27FC236}">
+                <a16:creationId xmlns:a16="http://schemas.microsoft.com/office/drawing/2014/main" id="{55365127-4AFA-451F-4CAF-81D7E167421C}"/>
+              </a:ext>
+            </a:extLst>
+          </p:cNvPr>
+          <p:cNvSpPr/>
+          <p:nvPr/>
+        </p:nvSpPr>
+        <p:spPr>
+          <a:xfrm>
+            <a:off x="7962123" y="1244410"/>
+            <a:ext cx="202165" cy="369332"/>
+          </a:xfrm>
+          <a:prstGeom prst="downArrow">
+            <a:avLst/>
+          </a:prstGeom>
+          <a:solidFill>
+            <a:srgbClr val="002060"/>
+          </a:solidFill>
+        </p:spPr>
+        <p:style>
+          <a:lnRef idx="2">
+            <a:schemeClr val="accent1">
+              <a:shade val="15000"/>
+            </a:schemeClr>
+          </a:lnRef>
+          <a:fillRef idx="1">
+            <a:schemeClr val="accent1"/>
+          </a:fillRef>
+          <a:effectRef idx="0">
+            <a:schemeClr val="accent1"/>
+          </a:effectRef>
+          <a:fontRef idx="minor">
+            <a:schemeClr val="lt1"/>
+          </a:fontRef>
+        </p:style>
+        <p:txBody>
+          <a:bodyPr rtlCol="0" anchor="ctr"/>
+          <a:lstStyle/>
+          <a:p>
+            <a:pPr algn="ctr"/>
+            <a:endParaRPr lang="en-US"/>
+          </a:p>
+        </p:txBody>
+      </p:sp>
+      <p:sp>
+        <p:nvSpPr>
+          <p:cNvPr id="51" name="Cylinder 50">
+            <a:extLst>
+              <a:ext uri="{FF2B5EF4-FFF2-40B4-BE49-F238E27FC236}">
+                <a16:creationId xmlns:a16="http://schemas.microsoft.com/office/drawing/2014/main" id="{9EB140C7-1376-0CEC-4F72-E69FCEA3D84C}"/>
+              </a:ext>
+            </a:extLst>
+          </p:cNvPr>
+          <p:cNvSpPr/>
+          <p:nvPr/>
+        </p:nvSpPr>
+        <p:spPr>
+          <a:xfrm>
+            <a:off x="11280709" y="3008146"/>
+            <a:ext cx="824205" cy="579474"/>
+          </a:xfrm>
+          <a:prstGeom prst="can">
+            <a:avLst/>
+          </a:prstGeom>
+        </p:spPr>
+        <p:style>
+          <a:lnRef idx="2">
+            <a:schemeClr val="accent1">
+              <a:shade val="15000"/>
+            </a:schemeClr>
+          </a:lnRef>
+          <a:fillRef idx="1">
+            <a:schemeClr val="accent1"/>
+          </a:fillRef>
+          <a:effectRef idx="0">
+            <a:schemeClr val="accent1"/>
+          </a:effectRef>
+          <a:fontRef idx="minor">
+            <a:schemeClr val="lt1"/>
+          </a:fontRef>
+        </p:style>
+        <p:txBody>
+          <a:bodyPr rtlCol="0" anchor="ctr"/>
+          <a:lstStyle/>
+          <a:p>
+            <a:pPr algn="ctr"/>
+            <a:r>
+              <a:rPr lang="en-US" dirty="0"/>
+              <a:t>DB</a:t>
+            </a:r>
+          </a:p>
+        </p:txBody>
+      </p:sp>
+      <p:sp>
+        <p:nvSpPr>
+          <p:cNvPr id="53" name="Rectangle: Rounded Corners 52">
+            <a:extLst>
+              <a:ext uri="{FF2B5EF4-FFF2-40B4-BE49-F238E27FC236}">
+                <a16:creationId xmlns:a16="http://schemas.microsoft.com/office/drawing/2014/main" id="{8B3730C5-A33D-8871-1F37-917C594A890F}"/>
+              </a:ext>
+            </a:extLst>
+          </p:cNvPr>
+          <p:cNvSpPr/>
+          <p:nvPr/>
+        </p:nvSpPr>
+        <p:spPr>
+          <a:xfrm>
+            <a:off x="7641767" y="5178490"/>
+            <a:ext cx="3265719" cy="503854"/>
+          </a:xfrm>
+          <a:prstGeom prst="roundRect">
+            <a:avLst/>
+          </a:prstGeom>
+          <a:solidFill>
+            <a:srgbClr val="FFC000"/>
+          </a:solidFill>
+        </p:spPr>
+        <p:style>
+          <a:lnRef idx="2">
+            <a:schemeClr val="accent1">
+              <a:shade val="15000"/>
+            </a:schemeClr>
+          </a:lnRef>
+          <a:fillRef idx="1">
+            <a:schemeClr val="accent1"/>
+          </a:fillRef>
+          <a:effectRef idx="0">
+            <a:schemeClr val="accent1"/>
+          </a:effectRef>
+          <a:fontRef idx="minor">
+            <a:schemeClr val="lt1"/>
+          </a:fontRef>
+        </p:style>
+        <p:txBody>
+          <a:bodyPr rtlCol="0" anchor="ctr"/>
+          <a:lstStyle/>
+          <a:p>
+            <a:pPr algn="ctr"/>
+            <a:r>
+              <a:rPr lang="en-US" dirty="0"/>
+              <a:t>DI Container</a:t>
+            </a:r>
+          </a:p>
+        </p:txBody>
+      </p:sp>
+      <p:sp>
+        <p:nvSpPr>
+          <p:cNvPr id="54" name="Arrow: Down 53">
+            <a:extLst>
+              <a:ext uri="{FF2B5EF4-FFF2-40B4-BE49-F238E27FC236}">
+                <a16:creationId xmlns:a16="http://schemas.microsoft.com/office/drawing/2014/main" id="{61F87E06-EC80-4E82-C3A6-9FD4848B4874}"/>
+              </a:ext>
+            </a:extLst>
+          </p:cNvPr>
+          <p:cNvSpPr/>
+          <p:nvPr/>
+        </p:nvSpPr>
+        <p:spPr>
+          <a:xfrm>
+            <a:off x="10300996" y="4749282"/>
+            <a:ext cx="276810" cy="513183"/>
+          </a:xfrm>
+          <a:prstGeom prst="downArrow">
+            <a:avLst/>
+          </a:prstGeom>
+          <a:solidFill>
+            <a:srgbClr val="C00000"/>
+          </a:solidFill>
+        </p:spPr>
+        <p:style>
+          <a:lnRef idx="2">
+            <a:schemeClr val="accent1">
+              <a:shade val="15000"/>
+            </a:schemeClr>
+          </a:lnRef>
+          <a:fillRef idx="1">
+            <a:schemeClr val="accent1"/>
+          </a:fillRef>
+          <a:effectRef idx="0">
+            <a:schemeClr val="accent1"/>
+          </a:effectRef>
+          <a:fontRef idx="minor">
+            <a:schemeClr val="lt1"/>
+          </a:fontRef>
+        </p:style>
+        <p:txBody>
+          <a:bodyPr rtlCol="0" anchor="ctr"/>
+          <a:lstStyle/>
+          <a:p>
+            <a:pPr algn="ctr"/>
+            <a:endParaRPr lang="en-US"/>
+          </a:p>
+        </p:txBody>
+      </p:sp>
+      <p:sp>
+        <p:nvSpPr>
+          <p:cNvPr id="55" name="Arrow: Up 54">
+            <a:extLst>
+              <a:ext uri="{FF2B5EF4-FFF2-40B4-BE49-F238E27FC236}">
+                <a16:creationId xmlns:a16="http://schemas.microsoft.com/office/drawing/2014/main" id="{9EF3E397-663C-06D1-2291-DDEE41CE5B8E}"/>
+              </a:ext>
+            </a:extLst>
+          </p:cNvPr>
+          <p:cNvSpPr/>
+          <p:nvPr/>
+        </p:nvSpPr>
+        <p:spPr>
+          <a:xfrm>
+            <a:off x="9368711" y="4821207"/>
+            <a:ext cx="310243" cy="369332"/>
+          </a:xfrm>
+          <a:prstGeom prst="upArrow">
+            <a:avLst/>
+          </a:prstGeom>
+          <a:solidFill>
+            <a:srgbClr val="C00000"/>
+          </a:solidFill>
+        </p:spPr>
+        <p:style>
+          <a:lnRef idx="2">
+            <a:schemeClr val="accent1">
+              <a:shade val="15000"/>
+            </a:schemeClr>
+          </a:lnRef>
+          <a:fillRef idx="1">
+            <a:schemeClr val="accent1"/>
+          </a:fillRef>
+          <a:effectRef idx="0">
+            <a:schemeClr val="accent1"/>
+          </a:effectRef>
+          <a:fontRef idx="minor">
+            <a:schemeClr val="lt1"/>
+          </a:fontRef>
+        </p:style>
+        <p:txBody>
+          <a:bodyPr rtlCol="0" anchor="ctr"/>
+          <a:lstStyle/>
+          <a:p>
+            <a:pPr algn="ctr"/>
+            <a:endParaRPr lang="en-US"/>
+          </a:p>
+        </p:txBody>
+      </p:sp>
+      <p:sp>
+        <p:nvSpPr>
+          <p:cNvPr id="56" name="Arrow: Down 55">
+            <a:extLst>
+              <a:ext uri="{FF2B5EF4-FFF2-40B4-BE49-F238E27FC236}">
+                <a16:creationId xmlns:a16="http://schemas.microsoft.com/office/drawing/2014/main" id="{3E97CC3C-C5E8-E07F-5BB4-F89F702DDD8E}"/>
+              </a:ext>
+            </a:extLst>
+          </p:cNvPr>
+          <p:cNvSpPr/>
+          <p:nvPr/>
+        </p:nvSpPr>
+        <p:spPr>
+          <a:xfrm>
+            <a:off x="9051470" y="4749282"/>
+            <a:ext cx="276810" cy="513183"/>
+          </a:xfrm>
+          <a:prstGeom prst="downArrow">
+            <a:avLst/>
+          </a:prstGeom>
+          <a:solidFill>
+            <a:srgbClr val="C00000"/>
+          </a:solidFill>
+        </p:spPr>
+        <p:style>
+          <a:lnRef idx="2">
+            <a:schemeClr val="accent1">
+              <a:shade val="15000"/>
+            </a:schemeClr>
+          </a:lnRef>
+          <a:fillRef idx="1">
+            <a:schemeClr val="accent1"/>
+          </a:fillRef>
+          <a:effectRef idx="0">
+            <a:schemeClr val="accent1"/>
+          </a:effectRef>
+          <a:fontRef idx="minor">
+            <a:schemeClr val="lt1"/>
+          </a:fontRef>
+        </p:style>
+        <p:txBody>
+          <a:bodyPr rtlCol="0" anchor="ctr"/>
+          <a:lstStyle/>
+          <a:p>
+            <a:pPr algn="ctr"/>
+            <a:endParaRPr lang="en-US"/>
+          </a:p>
+        </p:txBody>
+      </p:sp>
+      <p:sp>
+        <p:nvSpPr>
+          <p:cNvPr id="57" name="Arrow: Up 56">
+            <a:extLst>
+              <a:ext uri="{FF2B5EF4-FFF2-40B4-BE49-F238E27FC236}">
+                <a16:creationId xmlns:a16="http://schemas.microsoft.com/office/drawing/2014/main" id="{A0406822-32C3-E5D7-95F6-617462E0B00D}"/>
+              </a:ext>
+            </a:extLst>
+          </p:cNvPr>
+          <p:cNvSpPr/>
+          <p:nvPr/>
+        </p:nvSpPr>
+        <p:spPr>
+          <a:xfrm>
+            <a:off x="7854045" y="4843559"/>
+            <a:ext cx="310243" cy="369332"/>
+          </a:xfrm>
+          <a:prstGeom prst="upArrow">
+            <a:avLst/>
+          </a:prstGeom>
+          <a:solidFill>
+            <a:srgbClr val="C00000"/>
+          </a:solidFill>
+        </p:spPr>
+        <p:style>
+          <a:lnRef idx="2">
+            <a:schemeClr val="accent1">
+              <a:shade val="15000"/>
+            </a:schemeClr>
+          </a:lnRef>
+          <a:fillRef idx="1">
+            <a:schemeClr val="accent1"/>
+          </a:fillRef>
+          <a:effectRef idx="0">
+            <a:schemeClr val="accent1"/>
+          </a:effectRef>
+          <a:fontRef idx="minor">
+            <a:schemeClr val="lt1"/>
+          </a:fontRef>
+        </p:style>
+        <p:txBody>
+          <a:bodyPr rtlCol="0" anchor="ctr"/>
+          <a:lstStyle/>
+          <a:p>
+            <a:pPr algn="ctr"/>
+            <a:endParaRPr lang="en-US"/>
+          </a:p>
+        </p:txBody>
+      </p:sp>
+      <p:sp>
+        <p:nvSpPr>
+          <p:cNvPr id="58" name="Arrow: Left-Right 57">
+            <a:extLst>
+              <a:ext uri="{FF2B5EF4-FFF2-40B4-BE49-F238E27FC236}">
+                <a16:creationId xmlns:a16="http://schemas.microsoft.com/office/drawing/2014/main" id="{86F6E108-9B95-33F3-45FE-DB10C805A057}"/>
+              </a:ext>
+            </a:extLst>
+          </p:cNvPr>
+          <p:cNvSpPr/>
+          <p:nvPr/>
+        </p:nvSpPr>
+        <p:spPr>
+          <a:xfrm>
+            <a:off x="10860833" y="3219061"/>
+            <a:ext cx="463421" cy="209939"/>
+          </a:xfrm>
+          <a:prstGeom prst="leftRightArrow">
+            <a:avLst/>
+          </a:prstGeom>
+        </p:spPr>
+        <p:style>
+          <a:lnRef idx="2">
+            <a:schemeClr val="accent1">
+              <a:shade val="15000"/>
+            </a:schemeClr>
+          </a:lnRef>
+          <a:fillRef idx="1">
+            <a:schemeClr val="accent1"/>
+          </a:fillRef>
+          <a:effectRef idx="0">
+            <a:schemeClr val="accent1"/>
+          </a:effectRef>
+          <a:fontRef idx="minor">
+            <a:schemeClr val="lt1"/>
+          </a:fontRef>
+        </p:style>
+        <p:txBody>
+          <a:bodyPr rtlCol="0" anchor="ctr"/>
+          <a:lstStyle/>
+          <a:p>
+            <a:pPr algn="ctr"/>
+            <a:endParaRPr lang="en-US"/>
+          </a:p>
+        </p:txBody>
+      </p:sp>
+      <p:sp>
+        <p:nvSpPr>
+          <p:cNvPr id="59" name="Arrow: Left-Right 58">
+            <a:extLst>
+              <a:ext uri="{FF2B5EF4-FFF2-40B4-BE49-F238E27FC236}">
+                <a16:creationId xmlns:a16="http://schemas.microsoft.com/office/drawing/2014/main" id="{81512FCC-329D-48BD-04B7-CF5D57DFD551}"/>
+              </a:ext>
+            </a:extLst>
+          </p:cNvPr>
+          <p:cNvSpPr/>
+          <p:nvPr/>
+        </p:nvSpPr>
+        <p:spPr>
+          <a:xfrm>
+            <a:off x="8369559" y="3008146"/>
+            <a:ext cx="590939" cy="325602"/>
+          </a:xfrm>
+          <a:prstGeom prst="leftRightArrow">
+            <a:avLst/>
+          </a:prstGeom>
+          <a:solidFill>
+            <a:srgbClr val="C00000"/>
+          </a:solidFill>
+        </p:spPr>
+        <p:style>
+          <a:lnRef idx="2">
+            <a:schemeClr val="accent1">
+              <a:shade val="15000"/>
+            </a:schemeClr>
+          </a:lnRef>
+          <a:fillRef idx="1">
+            <a:schemeClr val="accent1"/>
+          </a:fillRef>
+          <a:effectRef idx="0">
+            <a:schemeClr val="accent1"/>
+          </a:effectRef>
+          <a:fontRef idx="minor">
+            <a:schemeClr val="lt1"/>
+          </a:fontRef>
+        </p:style>
+        <p:txBody>
+          <a:bodyPr rtlCol="0" anchor="ctr"/>
+          <a:lstStyle/>
+          <a:p>
+            <a:pPr algn="ctr"/>
+            <a:endParaRPr lang="en-US"/>
+          </a:p>
+        </p:txBody>
+      </p:sp>
+      <p:sp>
+        <p:nvSpPr>
+          <p:cNvPr id="60" name="Arrow: Left-Right 59">
+            <a:extLst>
+              <a:ext uri="{FF2B5EF4-FFF2-40B4-BE49-F238E27FC236}">
+                <a16:creationId xmlns:a16="http://schemas.microsoft.com/office/drawing/2014/main" id="{8D3C3854-6C0F-2412-4516-9C0AD1D0911A}"/>
+              </a:ext>
+            </a:extLst>
+          </p:cNvPr>
+          <p:cNvSpPr/>
+          <p:nvPr/>
+        </p:nvSpPr>
+        <p:spPr>
+          <a:xfrm>
+            <a:off x="9660294" y="3027431"/>
+            <a:ext cx="590939" cy="325602"/>
+          </a:xfrm>
+          <a:prstGeom prst="leftRightArrow">
+            <a:avLst/>
+          </a:prstGeom>
+          <a:solidFill>
+            <a:srgbClr val="C00000"/>
+          </a:solidFill>
+        </p:spPr>
+        <p:style>
+          <a:lnRef idx="2">
+            <a:schemeClr val="accent1">
+              <a:shade val="15000"/>
+            </a:schemeClr>
+          </a:lnRef>
+          <a:fillRef idx="1">
+            <a:schemeClr val="accent1"/>
+          </a:fillRef>
+          <a:effectRef idx="0">
+            <a:schemeClr val="accent1"/>
+          </a:effectRef>
+          <a:fontRef idx="minor">
+            <a:schemeClr val="lt1"/>
+          </a:fontRef>
+        </p:style>
+        <p:txBody>
+          <a:bodyPr rtlCol="0" anchor="ctr"/>
+          <a:lstStyle/>
+          <a:p>
+            <a:pPr algn="ctr"/>
+            <a:endParaRPr lang="en-US"/>
+          </a:p>
+        </p:txBody>
+      </p:sp>
+    </p:spTree>
+    <p:extLst>
+      <p:ext uri="{BB962C8B-B14F-4D97-AF65-F5344CB8AC3E}">
+        <p14:creationId xmlns:p14="http://schemas.microsoft.com/office/powerpoint/2010/main" val="621384517"/>
+      </p:ext>
+    </p:extLst>
+  </p:cSld>
+  <p:clrMapOvr>
+    <a:masterClrMapping/>
+  </p:clrMapOvr>
+</p:sld>
+</file>
+
+<file path=ppt/slides/slide39.xml><?xml version="1.0" encoding="utf-8"?>
+<p:sld xmlns:a="http://schemas.openxmlformats.org/drawingml/2006/main" xmlns:r="http://schemas.openxmlformats.org/officeDocument/2006/relationships" xmlns:p="http://schemas.openxmlformats.org/presentationml/2006/main">
+  <p:cSld>
+    <p:spTree>
+      <p:nvGrpSpPr>
+        <p:cNvPr id="1" name=""/>
+        <p:cNvGrpSpPr/>
+        <p:nvPr/>
+      </p:nvGrpSpPr>
+      <p:grpSpPr>
+        <a:xfrm>
+          <a:off x="0" y="0"/>
+          <a:ext cx="0" cy="0"/>
+          <a:chOff x="0" y="0"/>
+          <a:chExt cx="0" cy="0"/>
+        </a:xfrm>
+      </p:grpSpPr>
+      <p:sp>
+        <p:nvSpPr>
+          <p:cNvPr id="2" name="Rectangle 1">
+            <a:extLst>
+              <a:ext uri="{FF2B5EF4-FFF2-40B4-BE49-F238E27FC236}">
+                <a16:creationId xmlns:a16="http://schemas.microsoft.com/office/drawing/2014/main" id="{E7CA5F3F-64BE-B5DD-BB8E-E6ED25E6D7D8}"/>
+              </a:ext>
+            </a:extLst>
+          </p:cNvPr>
+          <p:cNvSpPr/>
+          <p:nvPr/>
+        </p:nvSpPr>
+        <p:spPr>
+          <a:xfrm>
+            <a:off x="7725747" y="2043404"/>
+            <a:ext cx="2649894" cy="2062066"/>
+          </a:xfrm>
+          <a:prstGeom prst="rect">
+            <a:avLst/>
+          </a:prstGeom>
+        </p:spPr>
+        <p:style>
+          <a:lnRef idx="2">
+            <a:schemeClr val="accent1">
+              <a:shade val="15000"/>
+            </a:schemeClr>
+          </a:lnRef>
+          <a:fillRef idx="1">
+            <a:schemeClr val="accent1"/>
+          </a:fillRef>
+          <a:effectRef idx="0">
+            <a:schemeClr val="accent1"/>
+          </a:effectRef>
+          <a:fontRef idx="minor">
+            <a:schemeClr val="lt1"/>
+          </a:fontRef>
+        </p:style>
+        <p:txBody>
+          <a:bodyPr rtlCol="0" anchor="ctr"/>
+          <a:lstStyle/>
+          <a:p>
+            <a:pPr algn="ctr"/>
+            <a:r>
+              <a:rPr lang="en-US" dirty="0"/>
+              <a:t>API</a:t>
+            </a:r>
+          </a:p>
+        </p:txBody>
+      </p:sp>
+      <p:sp>
+        <p:nvSpPr>
+          <p:cNvPr id="3" name="Rectangle 2">
+            <a:extLst>
+              <a:ext uri="{FF2B5EF4-FFF2-40B4-BE49-F238E27FC236}">
+                <a16:creationId xmlns:a16="http://schemas.microsoft.com/office/drawing/2014/main" id="{16BA486C-E2D9-BEB2-4F72-7A0ECC7830F5}"/>
+              </a:ext>
+            </a:extLst>
+          </p:cNvPr>
+          <p:cNvSpPr/>
+          <p:nvPr/>
+        </p:nvSpPr>
+        <p:spPr>
+          <a:xfrm>
+            <a:off x="205273" y="345233"/>
+            <a:ext cx="1987421" cy="1147665"/>
+          </a:xfrm>
+          <a:prstGeom prst="rect">
+            <a:avLst/>
+          </a:prstGeom>
+        </p:spPr>
+        <p:style>
+          <a:lnRef idx="2">
+            <a:schemeClr val="accent1">
+              <a:shade val="15000"/>
+            </a:schemeClr>
+          </a:lnRef>
+          <a:fillRef idx="1">
+            <a:schemeClr val="accent1"/>
+          </a:fillRef>
+          <a:effectRef idx="0">
+            <a:schemeClr val="accent1"/>
+          </a:effectRef>
+          <a:fontRef idx="minor">
+            <a:schemeClr val="lt1"/>
+          </a:fontRef>
+        </p:style>
+        <p:txBody>
+          <a:bodyPr rtlCol="0" anchor="ctr"/>
+          <a:lstStyle/>
+          <a:p>
+            <a:pPr algn="ctr"/>
+            <a:r>
+              <a:rPr lang="en-US" dirty="0"/>
+              <a:t>Managed Clients</a:t>
+            </a:r>
+          </a:p>
+          <a:p>
+            <a:pPr algn="ctr"/>
+            <a:r>
+              <a:rPr lang="en-US" dirty="0"/>
+              <a:t>Desktop Apps</a:t>
+            </a:r>
+          </a:p>
+          <a:p>
+            <a:pPr algn="ctr"/>
+            <a:r>
+              <a:rPr lang="en-US" dirty="0"/>
+              <a:t>.NET Clients</a:t>
+            </a:r>
+          </a:p>
+        </p:txBody>
+      </p:sp>
+      <p:sp>
+        <p:nvSpPr>
+          <p:cNvPr id="4" name="Rectangle 3">
+            <a:extLst>
+              <a:ext uri="{FF2B5EF4-FFF2-40B4-BE49-F238E27FC236}">
+                <a16:creationId xmlns:a16="http://schemas.microsoft.com/office/drawing/2014/main" id="{D391F8FD-5462-A916-DD60-1910C80F0E0F}"/>
+              </a:ext>
+            </a:extLst>
+          </p:cNvPr>
+          <p:cNvSpPr/>
+          <p:nvPr/>
+        </p:nvSpPr>
+        <p:spPr>
+          <a:xfrm>
+            <a:off x="205272" y="1926772"/>
+            <a:ext cx="1987421" cy="1147665"/>
+          </a:xfrm>
+          <a:prstGeom prst="rect">
+            <a:avLst/>
+          </a:prstGeom>
+        </p:spPr>
+        <p:style>
+          <a:lnRef idx="2">
+            <a:schemeClr val="accent1">
+              <a:shade val="15000"/>
+            </a:schemeClr>
+          </a:lnRef>
+          <a:fillRef idx="1">
+            <a:schemeClr val="accent1"/>
+          </a:fillRef>
+          <a:effectRef idx="0">
+            <a:schemeClr val="accent1"/>
+          </a:effectRef>
+          <a:fontRef idx="minor">
+            <a:schemeClr val="lt1"/>
+          </a:fontRef>
+        </p:style>
+        <p:txBody>
+          <a:bodyPr rtlCol="0" anchor="ctr"/>
+          <a:lstStyle/>
+          <a:p>
+            <a:pPr algn="ctr"/>
+            <a:r>
+              <a:rPr lang="en-US" dirty="0"/>
+              <a:t>Mobile Client</a:t>
+            </a:r>
+          </a:p>
+          <a:p>
+            <a:pPr algn="ctr"/>
+            <a:r>
+              <a:rPr lang="en-US" dirty="0"/>
+              <a:t>Apps</a:t>
+            </a:r>
+          </a:p>
+          <a:p>
+            <a:pPr algn="ctr"/>
+            <a:r>
+              <a:rPr lang="en-US" dirty="0"/>
+              <a:t>.NET MAUI</a:t>
+            </a:r>
+          </a:p>
+        </p:txBody>
+      </p:sp>
+      <p:sp>
+        <p:nvSpPr>
+          <p:cNvPr id="5" name="Rectangle 4">
+            <a:extLst>
+              <a:ext uri="{FF2B5EF4-FFF2-40B4-BE49-F238E27FC236}">
+                <a16:creationId xmlns:a16="http://schemas.microsoft.com/office/drawing/2014/main" id="{B8BCA3EE-EEE3-234F-5A18-3F57D59F844E}"/>
+              </a:ext>
+            </a:extLst>
+          </p:cNvPr>
+          <p:cNvSpPr/>
+          <p:nvPr/>
+        </p:nvSpPr>
+        <p:spPr>
+          <a:xfrm>
+            <a:off x="205271" y="3531637"/>
+            <a:ext cx="1987421" cy="1147665"/>
+          </a:xfrm>
+          <a:prstGeom prst="rect">
+            <a:avLst/>
+          </a:prstGeom>
+        </p:spPr>
+        <p:style>
+          <a:lnRef idx="2">
+            <a:schemeClr val="accent1">
+              <a:shade val="15000"/>
+            </a:schemeClr>
+          </a:lnRef>
+          <a:fillRef idx="1">
+            <a:schemeClr val="accent1"/>
+          </a:fillRef>
+          <a:effectRef idx="0">
+            <a:schemeClr val="accent1"/>
+          </a:effectRef>
+          <a:fontRef idx="minor">
+            <a:schemeClr val="lt1"/>
+          </a:fontRef>
+        </p:style>
+        <p:txBody>
+          <a:bodyPr rtlCol="0" anchor="ctr"/>
+          <a:lstStyle/>
+          <a:p>
+            <a:pPr algn="ctr"/>
+            <a:r>
+              <a:rPr lang="en-US" dirty="0"/>
+              <a:t>Browser Client</a:t>
+            </a:r>
+          </a:p>
+          <a:p>
+            <a:pPr algn="ctr"/>
+            <a:r>
+              <a:rPr lang="en-US" dirty="0"/>
+              <a:t>Apps for Same HOST of API</a:t>
+            </a:r>
+          </a:p>
+        </p:txBody>
+      </p:sp>
+      <p:sp>
+        <p:nvSpPr>
+          <p:cNvPr id="6" name="Rectangle 5">
+            <a:extLst>
+              <a:ext uri="{FF2B5EF4-FFF2-40B4-BE49-F238E27FC236}">
+                <a16:creationId xmlns:a16="http://schemas.microsoft.com/office/drawing/2014/main" id="{8F8A15E8-7D61-9412-2AB1-DD9AF76290C8}"/>
+              </a:ext>
+            </a:extLst>
+          </p:cNvPr>
+          <p:cNvSpPr/>
+          <p:nvPr/>
+        </p:nvSpPr>
+        <p:spPr>
+          <a:xfrm>
+            <a:off x="205271" y="5214258"/>
+            <a:ext cx="1987421" cy="1147665"/>
+          </a:xfrm>
+          <a:prstGeom prst="rect">
+            <a:avLst/>
+          </a:prstGeom>
+        </p:spPr>
+        <p:style>
+          <a:lnRef idx="2">
+            <a:schemeClr val="accent1">
+              <a:shade val="15000"/>
+            </a:schemeClr>
+          </a:lnRef>
+          <a:fillRef idx="1">
+            <a:schemeClr val="accent1"/>
+          </a:fillRef>
+          <a:effectRef idx="0">
+            <a:schemeClr val="accent1"/>
+          </a:effectRef>
+          <a:fontRef idx="minor">
+            <a:schemeClr val="lt1"/>
+          </a:fontRef>
+        </p:style>
+        <p:txBody>
+          <a:bodyPr rtlCol="0" anchor="ctr"/>
+          <a:lstStyle/>
+          <a:p>
+            <a:pPr algn="ctr"/>
+            <a:r>
+              <a:rPr lang="en-US" dirty="0"/>
+              <a:t>Third Party Browser Client</a:t>
+            </a:r>
+          </a:p>
+          <a:p>
+            <a:pPr algn="ctr"/>
+            <a:r>
+              <a:rPr lang="en-US" dirty="0"/>
+              <a:t>Apps from Different HOST</a:t>
+            </a:r>
+          </a:p>
+        </p:txBody>
+      </p:sp>
+      <p:sp>
+        <p:nvSpPr>
+          <p:cNvPr id="7" name="TextBox 6">
+            <a:extLst>
+              <a:ext uri="{FF2B5EF4-FFF2-40B4-BE49-F238E27FC236}">
+                <a16:creationId xmlns:a16="http://schemas.microsoft.com/office/drawing/2014/main" id="{5D1FED7B-FA76-2FC9-216D-DBF0B3FD340A}"/>
+              </a:ext>
+            </a:extLst>
+          </p:cNvPr>
+          <p:cNvSpPr txBox="1"/>
+          <p:nvPr/>
+        </p:nvSpPr>
+        <p:spPr>
+          <a:xfrm>
+            <a:off x="7557796" y="4310743"/>
+            <a:ext cx="4634204" cy="369332"/>
+          </a:xfrm>
+          <a:prstGeom prst="rect">
+            <a:avLst/>
+          </a:prstGeom>
+          <a:noFill/>
+        </p:spPr>
+        <p:txBody>
+          <a:bodyPr wrap="square" rtlCol="0">
+            <a:spAutoFit/>
+          </a:bodyPr>
+          <a:lstStyle/>
+          <a:p>
+            <a:r>
+              <a:rPr lang="en-US" dirty="0">
+                <a:hlinkClick r:id="rId2"/>
+              </a:rPr>
+              <a:t>https://myserver/myserverapp.com</a:t>
+            </a:r>
+            <a:r>
+              <a:rPr lang="en-US" dirty="0"/>
+              <a:t>/api/myapi</a:t>
+            </a:r>
+          </a:p>
+        </p:txBody>
+      </p:sp>
+      <p:cxnSp>
+        <p:nvCxnSpPr>
+          <p:cNvPr id="9" name="Connector: Elbow 8">
+            <a:extLst>
+              <a:ext uri="{FF2B5EF4-FFF2-40B4-BE49-F238E27FC236}">
+                <a16:creationId xmlns:a16="http://schemas.microsoft.com/office/drawing/2014/main" id="{C34335F2-3F8E-DABD-B5F4-B98168293A0F}"/>
+              </a:ext>
+            </a:extLst>
+          </p:cNvPr>
+          <p:cNvCxnSpPr>
+            <a:cxnSpLocks/>
+            <a:stCxn id="3" idx="3"/>
+            <a:endCxn id="2" idx="0"/>
+          </p:cNvCxnSpPr>
+          <p:nvPr/>
+        </p:nvCxnSpPr>
+        <p:spPr>
+          <a:xfrm>
+            <a:off x="2192694" y="919066"/>
+            <a:ext cx="6858000" cy="1124338"/>
+          </a:xfrm>
+          <a:prstGeom prst="bentConnector2">
+            <a:avLst/>
+          </a:prstGeom>
+          <a:ln w="76200">
+            <a:headEnd type="triangle"/>
+            <a:tailEnd type="triangle"/>
+          </a:ln>
+        </p:spPr>
+        <p:style>
+          <a:lnRef idx="1">
+            <a:schemeClr val="accent1"/>
+          </a:lnRef>
+          <a:fillRef idx="0">
+            <a:schemeClr val="accent1"/>
+          </a:fillRef>
+          <a:effectRef idx="0">
+            <a:schemeClr val="accent1"/>
+          </a:effectRef>
+          <a:fontRef idx="minor">
+            <a:schemeClr val="tx1"/>
+          </a:fontRef>
+        </p:style>
+      </p:cxnSp>
+      <p:sp>
+        <p:nvSpPr>
+          <p:cNvPr id="11" name="TextBox 10">
+            <a:extLst>
+              <a:ext uri="{FF2B5EF4-FFF2-40B4-BE49-F238E27FC236}">
+                <a16:creationId xmlns:a16="http://schemas.microsoft.com/office/drawing/2014/main" id="{36159202-239F-027C-7F88-C586A3759412}"/>
+              </a:ext>
+            </a:extLst>
+          </p:cNvPr>
+          <p:cNvSpPr txBox="1"/>
+          <p:nvPr/>
+        </p:nvSpPr>
+        <p:spPr>
+          <a:xfrm>
+            <a:off x="2873827" y="539430"/>
+            <a:ext cx="6055568" cy="307777"/>
+          </a:xfrm>
+          <a:prstGeom prst="rect">
+            <a:avLst/>
+          </a:prstGeom>
+          <a:noFill/>
+        </p:spPr>
+        <p:txBody>
+          <a:bodyPr wrap="square" rtlCol="0">
+            <a:spAutoFit/>
+          </a:bodyPr>
+          <a:lstStyle/>
+          <a:p>
+            <a:r>
+              <a:rPr lang="en-US" sz="1400" b="1" dirty="0"/>
+              <a:t>Direct HTTP Call from the Client’s Machine that have the Client App Installed</a:t>
+            </a:r>
+          </a:p>
+        </p:txBody>
+      </p:sp>
+      <p:cxnSp>
+        <p:nvCxnSpPr>
+          <p:cNvPr id="13" name="Connector: Elbow 12">
+            <a:extLst>
+              <a:ext uri="{FF2B5EF4-FFF2-40B4-BE49-F238E27FC236}">
+                <a16:creationId xmlns:a16="http://schemas.microsoft.com/office/drawing/2014/main" id="{CF26AD77-4C27-E005-2AE4-CC9C105A1930}"/>
+              </a:ext>
+            </a:extLst>
+          </p:cNvPr>
+          <p:cNvCxnSpPr>
+            <a:stCxn id="4" idx="3"/>
+            <a:endCxn id="2" idx="0"/>
+          </p:cNvCxnSpPr>
+          <p:nvPr/>
+        </p:nvCxnSpPr>
+        <p:spPr>
+          <a:xfrm flipV="1">
+            <a:off x="2192693" y="2043404"/>
+            <a:ext cx="6858001" cy="457201"/>
+          </a:xfrm>
+          <a:prstGeom prst="bentConnector4">
+            <a:avLst>
+              <a:gd name="adj1" fmla="val 40340"/>
+              <a:gd name="adj2" fmla="val 175510"/>
+            </a:avLst>
+          </a:prstGeom>
+          <a:ln w="76200">
+            <a:solidFill>
+              <a:srgbClr val="7030A0"/>
+            </a:solidFill>
+            <a:headEnd type="triangle"/>
+            <a:tailEnd type="triangle"/>
+          </a:ln>
+        </p:spPr>
+        <p:style>
+          <a:lnRef idx="1">
+            <a:schemeClr val="accent1"/>
+          </a:lnRef>
+          <a:fillRef idx="0">
+            <a:schemeClr val="accent1"/>
+          </a:fillRef>
+          <a:effectRef idx="0">
+            <a:schemeClr val="accent1"/>
+          </a:effectRef>
+          <a:fontRef idx="minor">
+            <a:schemeClr val="tx1"/>
+          </a:fontRef>
+        </p:style>
+      </p:cxnSp>
+      <p:sp>
+        <p:nvSpPr>
+          <p:cNvPr id="14" name="TextBox 13">
+            <a:extLst>
+              <a:ext uri="{FF2B5EF4-FFF2-40B4-BE49-F238E27FC236}">
+                <a16:creationId xmlns:a16="http://schemas.microsoft.com/office/drawing/2014/main" id="{04D7C8A7-AEC7-7C8F-1211-33CD6AA7A947}"/>
+              </a:ext>
+            </a:extLst>
+          </p:cNvPr>
+          <p:cNvSpPr txBox="1"/>
+          <p:nvPr/>
+        </p:nvSpPr>
+        <p:spPr>
+          <a:xfrm>
+            <a:off x="2323322" y="1657739"/>
+            <a:ext cx="2379307" cy="523220"/>
+          </a:xfrm>
+          <a:prstGeom prst="rect">
+            <a:avLst/>
+          </a:prstGeom>
+          <a:noFill/>
+        </p:spPr>
+        <p:txBody>
+          <a:bodyPr wrap="square" rtlCol="0">
+            <a:spAutoFit/>
+          </a:bodyPr>
+          <a:lstStyle/>
+          <a:p>
+            <a:r>
+              <a:rPr lang="en-US" sz="1400" b="1" dirty="0"/>
+              <a:t>App installed on Mobile That makes Direct call to API </a:t>
+            </a:r>
+          </a:p>
+        </p:txBody>
+      </p:sp>
+      <p:cxnSp>
+        <p:nvCxnSpPr>
+          <p:cNvPr id="16" name="Connector: Elbow 15">
+            <a:extLst>
+              <a:ext uri="{FF2B5EF4-FFF2-40B4-BE49-F238E27FC236}">
+                <a16:creationId xmlns:a16="http://schemas.microsoft.com/office/drawing/2014/main" id="{5DCE4115-75D3-958F-76AC-4E71F7440381}"/>
+              </a:ext>
+            </a:extLst>
+          </p:cNvPr>
+          <p:cNvCxnSpPr>
+            <a:stCxn id="5" idx="3"/>
+            <a:endCxn id="2" idx="1"/>
+          </p:cNvCxnSpPr>
+          <p:nvPr/>
+        </p:nvCxnSpPr>
+        <p:spPr>
+          <a:xfrm flipV="1">
+            <a:off x="2192692" y="3074437"/>
+            <a:ext cx="5533055" cy="1031033"/>
+          </a:xfrm>
+          <a:prstGeom prst="bentConnector3">
+            <a:avLst/>
+          </a:prstGeom>
+          <a:ln w="76200">
+            <a:solidFill>
+              <a:srgbClr val="92D050"/>
+            </a:solidFill>
+            <a:headEnd type="triangle"/>
+            <a:tailEnd type="triangle"/>
+          </a:ln>
+        </p:spPr>
+        <p:style>
+          <a:lnRef idx="1">
+            <a:schemeClr val="accent1"/>
+          </a:lnRef>
+          <a:fillRef idx="0">
+            <a:schemeClr val="accent1"/>
+          </a:fillRef>
+          <a:effectRef idx="0">
+            <a:schemeClr val="accent1"/>
+          </a:effectRef>
+          <a:fontRef idx="minor">
+            <a:schemeClr val="tx1"/>
+          </a:fontRef>
+        </p:style>
+      </p:cxnSp>
+      <p:sp>
+        <p:nvSpPr>
+          <p:cNvPr id="17" name="TextBox 16">
+            <a:extLst>
+              <a:ext uri="{FF2B5EF4-FFF2-40B4-BE49-F238E27FC236}">
+                <a16:creationId xmlns:a16="http://schemas.microsoft.com/office/drawing/2014/main" id="{1DAC5717-7AA4-E2CC-2E48-7B41AFA5C77A}"/>
+              </a:ext>
+            </a:extLst>
+          </p:cNvPr>
+          <p:cNvSpPr txBox="1"/>
+          <p:nvPr/>
+        </p:nvSpPr>
+        <p:spPr>
+          <a:xfrm>
+            <a:off x="2323322" y="3349690"/>
+            <a:ext cx="2491274" cy="954107"/>
+          </a:xfrm>
+          <a:prstGeom prst="rect">
+            <a:avLst/>
+          </a:prstGeom>
+          <a:noFill/>
+        </p:spPr>
+        <p:txBody>
+          <a:bodyPr wrap="square" rtlCol="0">
+            <a:spAutoFit/>
+          </a:bodyPr>
+          <a:lstStyle/>
+          <a:p>
+            <a:r>
+              <a:rPr lang="en-US" sz="1400" b="1" dirty="0"/>
+              <a:t>Client Page and API are having same host so direct call is made to receive data response, from Same Origin</a:t>
+            </a:r>
+          </a:p>
+        </p:txBody>
+      </p:sp>
+      <p:sp>
+        <p:nvSpPr>
+          <p:cNvPr id="18" name="Rectangle 17">
+            <a:extLst>
+              <a:ext uri="{FF2B5EF4-FFF2-40B4-BE49-F238E27FC236}">
+                <a16:creationId xmlns:a16="http://schemas.microsoft.com/office/drawing/2014/main" id="{AFF9DF8B-9EC4-B9A0-B699-0C7551BDCE1C}"/>
+              </a:ext>
+            </a:extLst>
+          </p:cNvPr>
+          <p:cNvSpPr/>
+          <p:nvPr/>
+        </p:nvSpPr>
+        <p:spPr>
+          <a:xfrm>
+            <a:off x="4208106" y="5365101"/>
+            <a:ext cx="2230016" cy="1147665"/>
+          </a:xfrm>
+          <a:prstGeom prst="rect">
+            <a:avLst/>
+          </a:prstGeom>
+        </p:spPr>
+        <p:style>
+          <a:lnRef idx="2">
+            <a:schemeClr val="accent1">
+              <a:shade val="15000"/>
+            </a:schemeClr>
+          </a:lnRef>
+          <a:fillRef idx="1">
+            <a:schemeClr val="accent1"/>
+          </a:fillRef>
+          <a:effectRef idx="0">
+            <a:schemeClr val="accent1"/>
+          </a:effectRef>
+          <a:fontRef idx="minor">
+            <a:schemeClr val="lt1"/>
+          </a:fontRef>
+        </p:style>
+        <p:txBody>
+          <a:bodyPr rtlCol="0" anchor="ctr"/>
+          <a:lstStyle/>
+          <a:p>
+            <a:pPr algn="ctr"/>
+            <a:r>
+              <a:rPr lang="en-US" dirty="0"/>
+              <a:t>Third Paty App Host</a:t>
+            </a:r>
+          </a:p>
+        </p:txBody>
+      </p:sp>
+      <p:cxnSp>
+        <p:nvCxnSpPr>
+          <p:cNvPr id="20" name="Connector: Elbow 19">
+            <a:extLst>
+              <a:ext uri="{FF2B5EF4-FFF2-40B4-BE49-F238E27FC236}">
+                <a16:creationId xmlns:a16="http://schemas.microsoft.com/office/drawing/2014/main" id="{E2803973-5A47-A926-A124-43EBEBB5E4A2}"/>
+              </a:ext>
+            </a:extLst>
+          </p:cNvPr>
+          <p:cNvCxnSpPr>
+            <a:stCxn id="6" idx="2"/>
+            <a:endCxn id="18" idx="2"/>
+          </p:cNvCxnSpPr>
+          <p:nvPr/>
+        </p:nvCxnSpPr>
+        <p:spPr>
+          <a:xfrm rot="16200000" flipH="1">
+            <a:off x="3185627" y="4375278"/>
+            <a:ext cx="150843" cy="4124132"/>
+          </a:xfrm>
+          <a:prstGeom prst="bentConnector3">
+            <a:avLst>
+              <a:gd name="adj1" fmla="val 251548"/>
+            </a:avLst>
+          </a:prstGeom>
+          <a:ln w="76200">
+            <a:solidFill>
+              <a:srgbClr val="FFC000"/>
+            </a:solidFill>
+            <a:tailEnd type="triangle"/>
+          </a:ln>
+        </p:spPr>
+        <p:style>
+          <a:lnRef idx="1">
+            <a:schemeClr val="accent1"/>
+          </a:lnRef>
+          <a:fillRef idx="0">
+            <a:schemeClr val="accent1"/>
+          </a:fillRef>
+          <a:effectRef idx="0">
+            <a:schemeClr val="accent1"/>
+          </a:effectRef>
+          <a:fontRef idx="minor">
+            <a:schemeClr val="tx1"/>
+          </a:fontRef>
+        </p:style>
+      </p:cxnSp>
+      <p:cxnSp>
+        <p:nvCxnSpPr>
+          <p:cNvPr id="23" name="Connector: Elbow 22">
+            <a:extLst>
+              <a:ext uri="{FF2B5EF4-FFF2-40B4-BE49-F238E27FC236}">
+                <a16:creationId xmlns:a16="http://schemas.microsoft.com/office/drawing/2014/main" id="{8EB3E2D3-BC4B-A191-AE6A-9B397539A3A7}"/>
+              </a:ext>
+            </a:extLst>
+          </p:cNvPr>
+          <p:cNvCxnSpPr>
+            <a:stCxn id="18" idx="1"/>
+            <a:endCxn id="6" idx="3"/>
+          </p:cNvCxnSpPr>
+          <p:nvPr/>
+        </p:nvCxnSpPr>
+        <p:spPr>
+          <a:xfrm rot="10800000">
+            <a:off x="2192692" y="5788092"/>
+            <a:ext cx="2015414" cy="150843"/>
+          </a:xfrm>
+          <a:prstGeom prst="bentConnector3">
+            <a:avLst/>
+          </a:prstGeom>
+          <a:ln w="76200">
+            <a:solidFill>
+              <a:srgbClr val="FFC000"/>
+            </a:solidFill>
+            <a:tailEnd type="triangle"/>
+          </a:ln>
+        </p:spPr>
+        <p:style>
+          <a:lnRef idx="1">
+            <a:schemeClr val="accent1"/>
+          </a:lnRef>
+          <a:fillRef idx="0">
+            <a:schemeClr val="accent1"/>
+          </a:fillRef>
+          <a:effectRef idx="0">
+            <a:schemeClr val="accent1"/>
+          </a:effectRef>
+          <a:fontRef idx="minor">
+            <a:schemeClr val="tx1"/>
+          </a:fontRef>
+        </p:style>
+      </p:cxnSp>
+      <p:sp>
+        <p:nvSpPr>
+          <p:cNvPr id="24" name="TextBox 23">
+            <a:extLst>
+              <a:ext uri="{FF2B5EF4-FFF2-40B4-BE49-F238E27FC236}">
+                <a16:creationId xmlns:a16="http://schemas.microsoft.com/office/drawing/2014/main" id="{BBC23DEA-5A2D-D80E-CA6C-F2F0DDEF38BF}"/>
+              </a:ext>
+            </a:extLst>
+          </p:cNvPr>
+          <p:cNvSpPr txBox="1"/>
+          <p:nvPr/>
+        </p:nvSpPr>
+        <p:spPr>
+          <a:xfrm>
+            <a:off x="2323322" y="6361922"/>
+            <a:ext cx="1987421" cy="276999"/>
+          </a:xfrm>
+          <a:prstGeom prst="rect">
+            <a:avLst/>
+          </a:prstGeom>
+          <a:noFill/>
+        </p:spPr>
+        <p:txBody>
+          <a:bodyPr wrap="square" rtlCol="0">
+            <a:spAutoFit/>
+          </a:bodyPr>
+          <a:lstStyle/>
+          <a:p>
+            <a:r>
+              <a:rPr lang="en-US" sz="1200" b="1" dirty="0"/>
+              <a:t>Request for Page</a:t>
+            </a:r>
+          </a:p>
+        </p:txBody>
+      </p:sp>
+      <p:sp>
+        <p:nvSpPr>
+          <p:cNvPr id="25" name="TextBox 24">
+            <a:extLst>
+              <a:ext uri="{FF2B5EF4-FFF2-40B4-BE49-F238E27FC236}">
+                <a16:creationId xmlns:a16="http://schemas.microsoft.com/office/drawing/2014/main" id="{2C790477-BAFA-6B41-04EF-355EE1E5E20A}"/>
+              </a:ext>
+            </a:extLst>
+          </p:cNvPr>
+          <p:cNvSpPr txBox="1"/>
+          <p:nvPr/>
+        </p:nvSpPr>
+        <p:spPr>
+          <a:xfrm>
+            <a:off x="2575249" y="5365101"/>
+            <a:ext cx="1502227" cy="461665"/>
+          </a:xfrm>
+          <a:prstGeom prst="rect">
+            <a:avLst/>
+          </a:prstGeom>
+          <a:noFill/>
+        </p:spPr>
+        <p:txBody>
+          <a:bodyPr wrap="square" rtlCol="0">
+            <a:spAutoFit/>
+          </a:bodyPr>
+          <a:lstStyle/>
+          <a:p>
+            <a:r>
+              <a:rPr lang="en-US" sz="1200" b="1" dirty="0"/>
+              <a:t>HTML+JS+CSS Response</a:t>
+            </a:r>
+          </a:p>
+        </p:txBody>
+      </p:sp>
+      <p:sp>
+        <p:nvSpPr>
+          <p:cNvPr id="29" name="TextBox 28">
+            <a:extLst>
+              <a:ext uri="{FF2B5EF4-FFF2-40B4-BE49-F238E27FC236}">
+                <a16:creationId xmlns:a16="http://schemas.microsoft.com/office/drawing/2014/main" id="{72ECABF9-D65F-2208-1CAC-6441D222016D}"/>
+              </a:ext>
+            </a:extLst>
+          </p:cNvPr>
+          <p:cNvSpPr txBox="1"/>
+          <p:nvPr/>
+        </p:nvSpPr>
+        <p:spPr>
+          <a:xfrm>
+            <a:off x="2939142" y="4437835"/>
+            <a:ext cx="3582955" cy="523220"/>
+          </a:xfrm>
+          <a:prstGeom prst="rect">
+            <a:avLst/>
+          </a:prstGeom>
+          <a:noFill/>
+        </p:spPr>
+        <p:txBody>
+          <a:bodyPr wrap="square" rtlCol="0">
+            <a:spAutoFit/>
+          </a:bodyPr>
+          <a:lstStyle/>
+          <a:p>
+            <a:r>
+              <a:rPr lang="en-US" sz="1400" b="1" dirty="0"/>
+              <a:t>Request for API that is Hosted on Cross-Origin. Tis need CORS enabled on the API Side</a:t>
+            </a:r>
+          </a:p>
+        </p:txBody>
+      </p:sp>
+      <p:cxnSp>
+        <p:nvCxnSpPr>
+          <p:cNvPr id="31" name="Connector: Elbow 30">
+            <a:extLst>
+              <a:ext uri="{FF2B5EF4-FFF2-40B4-BE49-F238E27FC236}">
+                <a16:creationId xmlns:a16="http://schemas.microsoft.com/office/drawing/2014/main" id="{AF95F644-87E4-0737-E55E-09DEEC16D40C}"/>
+              </a:ext>
+            </a:extLst>
+          </p:cNvPr>
+          <p:cNvCxnSpPr>
+            <a:stCxn id="6" idx="0"/>
+            <a:endCxn id="2" idx="2"/>
+          </p:cNvCxnSpPr>
+          <p:nvPr/>
+        </p:nvCxnSpPr>
+        <p:spPr>
+          <a:xfrm rot="5400000" flipH="1" flipV="1">
+            <a:off x="4570444" y="734008"/>
+            <a:ext cx="1108788" cy="7851712"/>
+          </a:xfrm>
+          <a:prstGeom prst="bentConnector3">
+            <a:avLst>
+              <a:gd name="adj1" fmla="val 20547"/>
+            </a:avLst>
+          </a:prstGeom>
+          <a:ln w="76200">
+            <a:solidFill>
+              <a:srgbClr val="C00000"/>
+            </a:solidFill>
+            <a:headEnd type="triangle"/>
+            <a:tailEnd type="triangle"/>
+          </a:ln>
+        </p:spPr>
+        <p:style>
+          <a:lnRef idx="1">
+            <a:schemeClr val="accent1"/>
+          </a:lnRef>
+          <a:fillRef idx="0">
+            <a:schemeClr val="accent1"/>
+          </a:fillRef>
+          <a:effectRef idx="0">
+            <a:schemeClr val="accent1"/>
+          </a:effectRef>
+          <a:fontRef idx="minor">
+            <a:schemeClr val="tx1"/>
+          </a:fontRef>
+        </p:style>
+      </p:cxnSp>
+    </p:spTree>
+    <p:extLst>
+      <p:ext uri="{BB962C8B-B14F-4D97-AF65-F5344CB8AC3E}">
+        <p14:creationId xmlns:p14="http://schemas.microsoft.com/office/powerpoint/2010/main" val="879671811"/>
       </p:ext>
     </p:extLst>
   </p:cSld>

--- a/Images.pptx
+++ b/Images.pptx
@@ -44,6 +44,12 @@
     <p:sldId id="292" r:id="rId38"/>
     <p:sldId id="293" r:id="rId39"/>
     <p:sldId id="294" r:id="rId40"/>
+    <p:sldId id="300" r:id="rId41"/>
+    <p:sldId id="301" r:id="rId42"/>
+    <p:sldId id="296" r:id="rId43"/>
+    <p:sldId id="297" r:id="rId44"/>
+    <p:sldId id="298" r:id="rId45"/>
+    <p:sldId id="299" r:id="rId46"/>
   </p:sldIdLst>
   <p:sldSz cx="12192000" cy="6858000"/>
   <p:notesSz cx="6858000" cy="9144000"/>
@@ -297,7 +303,7 @@
           <a:p>
             <a:fld id="{AA664FF4-21B7-42BA-B2A9-563C2A71FA7D}" type="datetimeFigureOut">
               <a:rPr lang="en-US" smtClean="0"/>
-              <a:t>10/6/2023</a:t>
+              <a:t>10/9/2023</a:t>
             </a:fld>
             <a:endParaRPr lang="en-US"/>
           </a:p>
@@ -495,7 +501,7 @@
           <a:p>
             <a:fld id="{AA664FF4-21B7-42BA-B2A9-563C2A71FA7D}" type="datetimeFigureOut">
               <a:rPr lang="en-US" smtClean="0"/>
-              <a:t>10/6/2023</a:t>
+              <a:t>10/9/2023</a:t>
             </a:fld>
             <a:endParaRPr lang="en-US"/>
           </a:p>
@@ -703,7 +709,7 @@
           <a:p>
             <a:fld id="{AA664FF4-21B7-42BA-B2A9-563C2A71FA7D}" type="datetimeFigureOut">
               <a:rPr lang="en-US" smtClean="0"/>
-              <a:t>10/6/2023</a:t>
+              <a:t>10/9/2023</a:t>
             </a:fld>
             <a:endParaRPr lang="en-US"/>
           </a:p>
@@ -901,7 +907,7 @@
           <a:p>
             <a:fld id="{AA664FF4-21B7-42BA-B2A9-563C2A71FA7D}" type="datetimeFigureOut">
               <a:rPr lang="en-US" smtClean="0"/>
-              <a:t>10/6/2023</a:t>
+              <a:t>10/9/2023</a:t>
             </a:fld>
             <a:endParaRPr lang="en-US"/>
           </a:p>
@@ -1176,7 +1182,7 @@
           <a:p>
             <a:fld id="{AA664FF4-21B7-42BA-B2A9-563C2A71FA7D}" type="datetimeFigureOut">
               <a:rPr lang="en-US" smtClean="0"/>
-              <a:t>10/6/2023</a:t>
+              <a:t>10/9/2023</a:t>
             </a:fld>
             <a:endParaRPr lang="en-US"/>
           </a:p>
@@ -1441,7 +1447,7 @@
           <a:p>
             <a:fld id="{AA664FF4-21B7-42BA-B2A9-563C2A71FA7D}" type="datetimeFigureOut">
               <a:rPr lang="en-US" smtClean="0"/>
-              <a:t>10/6/2023</a:t>
+              <a:t>10/9/2023</a:t>
             </a:fld>
             <a:endParaRPr lang="en-US"/>
           </a:p>
@@ -1853,7 +1859,7 @@
           <a:p>
             <a:fld id="{AA664FF4-21B7-42BA-B2A9-563C2A71FA7D}" type="datetimeFigureOut">
               <a:rPr lang="en-US" smtClean="0"/>
-              <a:t>10/6/2023</a:t>
+              <a:t>10/9/2023</a:t>
             </a:fld>
             <a:endParaRPr lang="en-US"/>
           </a:p>
@@ -1994,7 +2000,7 @@
           <a:p>
             <a:fld id="{AA664FF4-21B7-42BA-B2A9-563C2A71FA7D}" type="datetimeFigureOut">
               <a:rPr lang="en-US" smtClean="0"/>
-              <a:t>10/6/2023</a:t>
+              <a:t>10/9/2023</a:t>
             </a:fld>
             <a:endParaRPr lang="en-US"/>
           </a:p>
@@ -2107,7 +2113,7 @@
           <a:p>
             <a:fld id="{AA664FF4-21B7-42BA-B2A9-563C2A71FA7D}" type="datetimeFigureOut">
               <a:rPr lang="en-US" smtClean="0"/>
-              <a:t>10/6/2023</a:t>
+              <a:t>10/9/2023</a:t>
             </a:fld>
             <a:endParaRPr lang="en-US"/>
           </a:p>
@@ -2418,7 +2424,7 @@
           <a:p>
             <a:fld id="{AA664FF4-21B7-42BA-B2A9-563C2A71FA7D}" type="datetimeFigureOut">
               <a:rPr lang="en-US" smtClean="0"/>
-              <a:t>10/6/2023</a:t>
+              <a:t>10/9/2023</a:t>
             </a:fld>
             <a:endParaRPr lang="en-US"/>
           </a:p>
@@ -2706,7 +2712,7 @@
           <a:p>
             <a:fld id="{AA664FF4-21B7-42BA-B2A9-563C2A71FA7D}" type="datetimeFigureOut">
               <a:rPr lang="en-US" smtClean="0"/>
-              <a:t>10/6/2023</a:t>
+              <a:t>10/9/2023</a:t>
             </a:fld>
             <a:endParaRPr lang="en-US"/>
           </a:p>
@@ -2947,7 +2953,7 @@
           <a:p>
             <a:fld id="{AA664FF4-21B7-42BA-B2A9-563C2A71FA7D}" type="datetimeFigureOut">
               <a:rPr lang="en-US" smtClean="0"/>
-              <a:t>10/6/2023</a:t>
+              <a:t>10/9/2023</a:t>
             </a:fld>
             <a:endParaRPr lang="en-US"/>
           </a:p>
@@ -32598,6 +32604,6983 @@
 </p:sld>
 </file>
 
+<file path=ppt/slides/slide40.xml><?xml version="1.0" encoding="utf-8"?>
+<p:sld xmlns:a="http://schemas.openxmlformats.org/drawingml/2006/main" xmlns:r="http://schemas.openxmlformats.org/officeDocument/2006/relationships" xmlns:p="http://schemas.openxmlformats.org/presentationml/2006/main">
+  <p:cSld>
+    <p:spTree>
+      <p:nvGrpSpPr>
+        <p:cNvPr id="1" name=""/>
+        <p:cNvGrpSpPr/>
+        <p:nvPr/>
+      </p:nvGrpSpPr>
+      <p:grpSpPr>
+        <a:xfrm>
+          <a:off x="0" y="0"/>
+          <a:ext cx="0" cy="0"/>
+          <a:chOff x="0" y="0"/>
+          <a:chExt cx="0" cy="0"/>
+        </a:xfrm>
+      </p:grpSpPr>
+      <p:sp>
+        <p:nvSpPr>
+          <p:cNvPr id="2" name="Rectangle 1">
+            <a:extLst>
+              <a:ext uri="{FF2B5EF4-FFF2-40B4-BE49-F238E27FC236}">
+                <a16:creationId xmlns:a16="http://schemas.microsoft.com/office/drawing/2014/main" id="{5206C6C5-682A-5352-161E-8E00330ECAD5}"/>
+              </a:ext>
+            </a:extLst>
+          </p:cNvPr>
+          <p:cNvSpPr/>
+          <p:nvPr/>
+        </p:nvSpPr>
+        <p:spPr>
+          <a:xfrm>
+            <a:off x="5383763" y="177282"/>
+            <a:ext cx="4786604" cy="6503436"/>
+          </a:xfrm>
+          <a:prstGeom prst="rect">
+            <a:avLst/>
+          </a:prstGeom>
+        </p:spPr>
+        <p:style>
+          <a:lnRef idx="2">
+            <a:schemeClr val="accent6"/>
+          </a:lnRef>
+          <a:fillRef idx="1">
+            <a:schemeClr val="lt1"/>
+          </a:fillRef>
+          <a:effectRef idx="0">
+            <a:schemeClr val="accent6"/>
+          </a:effectRef>
+          <a:fontRef idx="minor">
+            <a:schemeClr val="dk1"/>
+          </a:fontRef>
+        </p:style>
+        <p:txBody>
+          <a:bodyPr rtlCol="0" anchor="ctr"/>
+          <a:lstStyle/>
+          <a:p>
+            <a:pPr algn="ctr"/>
+            <a:endParaRPr lang="en-US"/>
+          </a:p>
+        </p:txBody>
+      </p:sp>
+      <p:sp>
+        <p:nvSpPr>
+          <p:cNvPr id="3" name="TextBox 2">
+            <a:extLst>
+              <a:ext uri="{FF2B5EF4-FFF2-40B4-BE49-F238E27FC236}">
+                <a16:creationId xmlns:a16="http://schemas.microsoft.com/office/drawing/2014/main" id="{9733A719-F92E-83D0-1CB7-CEBA09FCD309}"/>
+              </a:ext>
+            </a:extLst>
+          </p:cNvPr>
+          <p:cNvSpPr txBox="1"/>
+          <p:nvPr/>
+        </p:nvSpPr>
+        <p:spPr>
+          <a:xfrm>
+            <a:off x="279918" y="457200"/>
+            <a:ext cx="4404049" cy="1754326"/>
+          </a:xfrm>
+          <a:prstGeom prst="rect">
+            <a:avLst/>
+          </a:prstGeom>
+          <a:noFill/>
+        </p:spPr>
+        <p:txBody>
+          <a:bodyPr wrap="square" rtlCol="0">
+            <a:spAutoFit/>
+          </a:bodyPr>
+          <a:lstStyle/>
+          <a:p>
+            <a:r>
+              <a:rPr lang="en-US" b="1" dirty="0"/>
+              <a:t>One Web App With </a:t>
+            </a:r>
+          </a:p>
+          <a:p>
+            <a:endParaRPr lang="en-US" b="1" dirty="0"/>
+          </a:p>
+          <a:p>
+            <a:r>
+              <a:rPr lang="en-US" b="1" dirty="0"/>
+              <a:t>ASP.NET Web Forms (.aspx) Pages</a:t>
+            </a:r>
+          </a:p>
+          <a:p>
+            <a:r>
+              <a:rPr lang="en-US" b="1" dirty="0"/>
+              <a:t>ASP.NET MVC (Controller + Razor Views)</a:t>
+            </a:r>
+          </a:p>
+          <a:p>
+            <a:r>
+              <a:rPr lang="en-US" b="1" dirty="0"/>
+              <a:t>ASP.NET API (Controllers + HTTP Actions)</a:t>
+            </a:r>
+          </a:p>
+          <a:p>
+            <a:r>
+              <a:rPr lang="en-US" b="1" dirty="0"/>
+              <a:t> </a:t>
+            </a:r>
+          </a:p>
+        </p:txBody>
+      </p:sp>
+      <p:sp>
+        <p:nvSpPr>
+          <p:cNvPr id="4" name="Rectangle 3">
+            <a:extLst>
+              <a:ext uri="{FF2B5EF4-FFF2-40B4-BE49-F238E27FC236}">
+                <a16:creationId xmlns:a16="http://schemas.microsoft.com/office/drawing/2014/main" id="{96757C8D-2250-4210-CA4A-4ED3F2BDAA05}"/>
+              </a:ext>
+            </a:extLst>
+          </p:cNvPr>
+          <p:cNvSpPr/>
+          <p:nvPr/>
+        </p:nvSpPr>
+        <p:spPr>
+          <a:xfrm>
+            <a:off x="5589037" y="643812"/>
+            <a:ext cx="4329404" cy="1166326"/>
+          </a:xfrm>
+          <a:prstGeom prst="rect">
+            <a:avLst/>
+          </a:prstGeom>
+        </p:spPr>
+        <p:style>
+          <a:lnRef idx="2">
+            <a:schemeClr val="accent1">
+              <a:shade val="15000"/>
+            </a:schemeClr>
+          </a:lnRef>
+          <a:fillRef idx="1">
+            <a:schemeClr val="accent1"/>
+          </a:fillRef>
+          <a:effectRef idx="0">
+            <a:schemeClr val="accent1"/>
+          </a:effectRef>
+          <a:fontRef idx="minor">
+            <a:schemeClr val="lt1"/>
+          </a:fontRef>
+        </p:style>
+        <p:txBody>
+          <a:bodyPr rtlCol="0" anchor="ctr"/>
+          <a:lstStyle/>
+          <a:p>
+            <a:pPr algn="ctr"/>
+            <a:r>
+              <a:rPr lang="en-US" sz="2400" dirty="0"/>
+              <a:t>ASP.NET Web Forms 4 Modules</a:t>
+            </a:r>
+          </a:p>
+          <a:p>
+            <a:pPr algn="ctr"/>
+            <a:r>
+              <a:rPr lang="en-US" sz="2400" dirty="0"/>
+              <a:t>.aspx Based Request Processing</a:t>
+            </a:r>
+          </a:p>
+        </p:txBody>
+      </p:sp>
+      <p:sp>
+        <p:nvSpPr>
+          <p:cNvPr id="5" name="Rectangle 4">
+            <a:extLst>
+              <a:ext uri="{FF2B5EF4-FFF2-40B4-BE49-F238E27FC236}">
+                <a16:creationId xmlns:a16="http://schemas.microsoft.com/office/drawing/2014/main" id="{F13BAC81-5B9F-A181-DFB6-8C7A60E74634}"/>
+              </a:ext>
+            </a:extLst>
+          </p:cNvPr>
+          <p:cNvSpPr/>
+          <p:nvPr/>
+        </p:nvSpPr>
+        <p:spPr>
+          <a:xfrm>
+            <a:off x="5589037" y="2393302"/>
+            <a:ext cx="4329404" cy="1166326"/>
+          </a:xfrm>
+          <a:prstGeom prst="rect">
+            <a:avLst/>
+          </a:prstGeom>
+        </p:spPr>
+        <p:style>
+          <a:lnRef idx="2">
+            <a:schemeClr val="accent1">
+              <a:shade val="15000"/>
+            </a:schemeClr>
+          </a:lnRef>
+          <a:fillRef idx="1">
+            <a:schemeClr val="accent1"/>
+          </a:fillRef>
+          <a:effectRef idx="0">
+            <a:schemeClr val="accent1"/>
+          </a:effectRef>
+          <a:fontRef idx="minor">
+            <a:schemeClr val="lt1"/>
+          </a:fontRef>
+        </p:style>
+        <p:txBody>
+          <a:bodyPr rtlCol="0" anchor="ctr"/>
+          <a:lstStyle/>
+          <a:p>
+            <a:pPr algn="ctr"/>
+            <a:r>
+              <a:rPr lang="en-US" sz="2400" dirty="0"/>
+              <a:t>ASP.NET MVC 6 Modules</a:t>
+            </a:r>
+          </a:p>
+          <a:p>
+            <a:pPr algn="ctr"/>
+            <a:r>
+              <a:rPr lang="en-US" sz="2400" dirty="0"/>
+              <a:t>MVC Controller + Actions + Views Based Request Processing</a:t>
+            </a:r>
+          </a:p>
+        </p:txBody>
+      </p:sp>
+      <p:sp>
+        <p:nvSpPr>
+          <p:cNvPr id="6" name="Cylinder 5">
+            <a:extLst>
+              <a:ext uri="{FF2B5EF4-FFF2-40B4-BE49-F238E27FC236}">
+                <a16:creationId xmlns:a16="http://schemas.microsoft.com/office/drawing/2014/main" id="{26F83053-3FF2-B1D0-0A8A-92A79F50959B}"/>
+              </a:ext>
+            </a:extLst>
+          </p:cNvPr>
+          <p:cNvSpPr/>
+          <p:nvPr/>
+        </p:nvSpPr>
+        <p:spPr>
+          <a:xfrm>
+            <a:off x="10674219" y="2845836"/>
+            <a:ext cx="1315617" cy="1166327"/>
+          </a:xfrm>
+          <a:prstGeom prst="can">
+            <a:avLst/>
+          </a:prstGeom>
+        </p:spPr>
+        <p:style>
+          <a:lnRef idx="2">
+            <a:schemeClr val="accent1">
+              <a:shade val="15000"/>
+            </a:schemeClr>
+          </a:lnRef>
+          <a:fillRef idx="1">
+            <a:schemeClr val="accent1"/>
+          </a:fillRef>
+          <a:effectRef idx="0">
+            <a:schemeClr val="accent1"/>
+          </a:effectRef>
+          <a:fontRef idx="minor">
+            <a:schemeClr val="lt1"/>
+          </a:fontRef>
+        </p:style>
+        <p:txBody>
+          <a:bodyPr rtlCol="0" anchor="ctr"/>
+          <a:lstStyle/>
+          <a:p>
+            <a:pPr algn="ctr"/>
+            <a:endParaRPr lang="en-US"/>
+          </a:p>
+        </p:txBody>
+      </p:sp>
+      <p:cxnSp>
+        <p:nvCxnSpPr>
+          <p:cNvPr id="8" name="Connector: Elbow 7">
+            <a:extLst>
+              <a:ext uri="{FF2B5EF4-FFF2-40B4-BE49-F238E27FC236}">
+                <a16:creationId xmlns:a16="http://schemas.microsoft.com/office/drawing/2014/main" id="{202BB0AC-0FDD-190A-436B-BBDAD499844B}"/>
+              </a:ext>
+            </a:extLst>
+          </p:cNvPr>
+          <p:cNvCxnSpPr>
+            <a:cxnSpLocks/>
+            <a:stCxn id="4" idx="3"/>
+            <a:endCxn id="6" idx="1"/>
+          </p:cNvCxnSpPr>
+          <p:nvPr/>
+        </p:nvCxnSpPr>
+        <p:spPr>
+          <a:xfrm>
+            <a:off x="9918441" y="1226975"/>
+            <a:ext cx="1413587" cy="1618861"/>
+          </a:xfrm>
+          <a:prstGeom prst="bentConnector2">
+            <a:avLst/>
+          </a:prstGeom>
+          <a:ln>
+            <a:headEnd type="triangle"/>
+            <a:tailEnd type="triangle"/>
+          </a:ln>
+        </p:spPr>
+        <p:style>
+          <a:lnRef idx="1">
+            <a:schemeClr val="accent1"/>
+          </a:lnRef>
+          <a:fillRef idx="0">
+            <a:schemeClr val="accent1"/>
+          </a:fillRef>
+          <a:effectRef idx="0">
+            <a:schemeClr val="accent1"/>
+          </a:effectRef>
+          <a:fontRef idx="minor">
+            <a:schemeClr val="tx1"/>
+          </a:fontRef>
+        </p:style>
+      </p:cxnSp>
+      <p:cxnSp>
+        <p:nvCxnSpPr>
+          <p:cNvPr id="11" name="Connector: Elbow 10">
+            <a:extLst>
+              <a:ext uri="{FF2B5EF4-FFF2-40B4-BE49-F238E27FC236}">
+                <a16:creationId xmlns:a16="http://schemas.microsoft.com/office/drawing/2014/main" id="{214E1E02-277F-9F70-0B58-FE1076107C70}"/>
+              </a:ext>
+            </a:extLst>
+          </p:cNvPr>
+          <p:cNvCxnSpPr>
+            <a:stCxn id="5" idx="3"/>
+            <a:endCxn id="6" idx="2"/>
+          </p:cNvCxnSpPr>
+          <p:nvPr/>
+        </p:nvCxnSpPr>
+        <p:spPr>
+          <a:xfrm>
+            <a:off x="9918441" y="2976465"/>
+            <a:ext cx="755778" cy="452535"/>
+          </a:xfrm>
+          <a:prstGeom prst="bentConnector3">
+            <a:avLst/>
+          </a:prstGeom>
+          <a:ln>
+            <a:headEnd type="triangle"/>
+            <a:tailEnd type="triangle"/>
+          </a:ln>
+        </p:spPr>
+        <p:style>
+          <a:lnRef idx="1">
+            <a:schemeClr val="accent1"/>
+          </a:lnRef>
+          <a:fillRef idx="0">
+            <a:schemeClr val="accent1"/>
+          </a:fillRef>
+          <a:effectRef idx="0">
+            <a:schemeClr val="accent1"/>
+          </a:effectRef>
+          <a:fontRef idx="minor">
+            <a:schemeClr val="tx1"/>
+          </a:fontRef>
+        </p:style>
+      </p:cxnSp>
+      <p:sp>
+        <p:nvSpPr>
+          <p:cNvPr id="12" name="Flowchart: Multidocument 11">
+            <a:extLst>
+              <a:ext uri="{FF2B5EF4-FFF2-40B4-BE49-F238E27FC236}">
+                <a16:creationId xmlns:a16="http://schemas.microsoft.com/office/drawing/2014/main" id="{66320467-A4EC-7BD3-95C7-17615F175ACF}"/>
+              </a:ext>
+            </a:extLst>
+          </p:cNvPr>
+          <p:cNvSpPr/>
+          <p:nvPr/>
+        </p:nvSpPr>
+        <p:spPr>
+          <a:xfrm>
+            <a:off x="859972" y="4851918"/>
+            <a:ext cx="2155372" cy="1259633"/>
+          </a:xfrm>
+          <a:prstGeom prst="flowChartMultidocument">
+            <a:avLst/>
+          </a:prstGeom>
+        </p:spPr>
+        <p:style>
+          <a:lnRef idx="2">
+            <a:schemeClr val="accent1">
+              <a:shade val="15000"/>
+            </a:schemeClr>
+          </a:lnRef>
+          <a:fillRef idx="1">
+            <a:schemeClr val="accent1"/>
+          </a:fillRef>
+          <a:effectRef idx="0">
+            <a:schemeClr val="accent1"/>
+          </a:effectRef>
+          <a:fontRef idx="minor">
+            <a:schemeClr val="lt1"/>
+          </a:fontRef>
+        </p:style>
+        <p:txBody>
+          <a:bodyPr rtlCol="0" anchor="ctr"/>
+          <a:lstStyle/>
+          <a:p>
+            <a:pPr algn="ctr"/>
+            <a:r>
+              <a:rPr lang="en-US" dirty="0"/>
+              <a:t>jQuery + Knockout</a:t>
+            </a:r>
+          </a:p>
+          <a:p>
+            <a:pPr algn="ctr"/>
+            <a:r>
+              <a:rPr lang="en-US" dirty="0"/>
+              <a:t> Angular.js</a:t>
+            </a:r>
+          </a:p>
+        </p:txBody>
+      </p:sp>
+      <p:sp>
+        <p:nvSpPr>
+          <p:cNvPr id="13" name="Rectangle 12">
+            <a:extLst>
+              <a:ext uri="{FF2B5EF4-FFF2-40B4-BE49-F238E27FC236}">
+                <a16:creationId xmlns:a16="http://schemas.microsoft.com/office/drawing/2014/main" id="{39D0234A-12D9-B1C5-F376-F1C53CD4FAB3}"/>
+              </a:ext>
+            </a:extLst>
+          </p:cNvPr>
+          <p:cNvSpPr/>
+          <p:nvPr/>
+        </p:nvSpPr>
+        <p:spPr>
+          <a:xfrm>
+            <a:off x="5589037" y="4198775"/>
+            <a:ext cx="4329404" cy="1166326"/>
+          </a:xfrm>
+          <a:prstGeom prst="rect">
+            <a:avLst/>
+          </a:prstGeom>
+        </p:spPr>
+        <p:style>
+          <a:lnRef idx="2">
+            <a:schemeClr val="accent1">
+              <a:shade val="15000"/>
+            </a:schemeClr>
+          </a:lnRef>
+          <a:fillRef idx="1">
+            <a:schemeClr val="accent1"/>
+          </a:fillRef>
+          <a:effectRef idx="0">
+            <a:schemeClr val="accent1"/>
+          </a:effectRef>
+          <a:fontRef idx="minor">
+            <a:schemeClr val="lt1"/>
+          </a:fontRef>
+        </p:style>
+        <p:txBody>
+          <a:bodyPr rtlCol="0" anchor="ctr"/>
+          <a:lstStyle/>
+          <a:p>
+            <a:pPr algn="ctr"/>
+            <a:r>
+              <a:rPr lang="en-US" sz="2400" dirty="0"/>
+              <a:t>ASP.NET WEB API 2 Modules</a:t>
+            </a:r>
+          </a:p>
+          <a:p>
+            <a:pPr algn="ctr"/>
+            <a:r>
+              <a:rPr lang="en-US" sz="2400" dirty="0"/>
+              <a:t>APIController + HTTP Actions Base Request Processing</a:t>
+            </a:r>
+          </a:p>
+        </p:txBody>
+      </p:sp>
+      <p:cxnSp>
+        <p:nvCxnSpPr>
+          <p:cNvPr id="15" name="Connector: Elbow 14">
+            <a:extLst>
+              <a:ext uri="{FF2B5EF4-FFF2-40B4-BE49-F238E27FC236}">
+                <a16:creationId xmlns:a16="http://schemas.microsoft.com/office/drawing/2014/main" id="{2D4119EB-BA36-FF84-3BFD-53F183AF34D8}"/>
+              </a:ext>
+            </a:extLst>
+          </p:cNvPr>
+          <p:cNvCxnSpPr>
+            <a:endCxn id="6" idx="3"/>
+          </p:cNvCxnSpPr>
+          <p:nvPr/>
+        </p:nvCxnSpPr>
+        <p:spPr>
+          <a:xfrm flipV="1">
+            <a:off x="9918441" y="4012163"/>
+            <a:ext cx="1413587" cy="839755"/>
+          </a:xfrm>
+          <a:prstGeom prst="bentConnector2">
+            <a:avLst/>
+          </a:prstGeom>
+          <a:ln>
+            <a:headEnd type="triangle"/>
+            <a:tailEnd type="triangle"/>
+          </a:ln>
+        </p:spPr>
+        <p:style>
+          <a:lnRef idx="1">
+            <a:schemeClr val="accent1"/>
+          </a:lnRef>
+          <a:fillRef idx="0">
+            <a:schemeClr val="accent1"/>
+          </a:fillRef>
+          <a:effectRef idx="0">
+            <a:schemeClr val="accent1"/>
+          </a:effectRef>
+          <a:fontRef idx="minor">
+            <a:schemeClr val="tx1"/>
+          </a:fontRef>
+        </p:style>
+      </p:cxnSp>
+      <p:sp>
+        <p:nvSpPr>
+          <p:cNvPr id="16" name="Rectangle 15">
+            <a:extLst>
+              <a:ext uri="{FF2B5EF4-FFF2-40B4-BE49-F238E27FC236}">
+                <a16:creationId xmlns:a16="http://schemas.microsoft.com/office/drawing/2014/main" id="{50BA368D-5FED-3DB2-85DC-55C2D713737A}"/>
+              </a:ext>
+            </a:extLst>
+          </p:cNvPr>
+          <p:cNvSpPr/>
+          <p:nvPr/>
+        </p:nvSpPr>
+        <p:spPr>
+          <a:xfrm>
+            <a:off x="4068147" y="1940767"/>
+            <a:ext cx="998376" cy="2603241"/>
+          </a:xfrm>
+          <a:prstGeom prst="rect">
+            <a:avLst/>
+          </a:prstGeom>
+        </p:spPr>
+        <p:style>
+          <a:lnRef idx="2">
+            <a:schemeClr val="accent1">
+              <a:shade val="15000"/>
+            </a:schemeClr>
+          </a:lnRef>
+          <a:fillRef idx="1">
+            <a:schemeClr val="accent1"/>
+          </a:fillRef>
+          <a:effectRef idx="0">
+            <a:schemeClr val="accent1"/>
+          </a:effectRef>
+          <a:fontRef idx="minor">
+            <a:schemeClr val="lt1"/>
+          </a:fontRef>
+        </p:style>
+        <p:txBody>
+          <a:bodyPr rtlCol="0" anchor="ctr"/>
+          <a:lstStyle/>
+          <a:p>
+            <a:pPr algn="ctr"/>
+            <a:r>
+              <a:rPr lang="en-US" dirty="0"/>
+              <a:t>Master</a:t>
+            </a:r>
+          </a:p>
+          <a:p>
+            <a:pPr algn="ctr"/>
+            <a:r>
+              <a:rPr lang="en-US" dirty="0"/>
+              <a:t>Home</a:t>
+            </a:r>
+          </a:p>
+          <a:p>
+            <a:pPr algn="ctr"/>
+            <a:r>
+              <a:rPr lang="en-US" dirty="0"/>
+              <a:t>Page</a:t>
+            </a:r>
+          </a:p>
+        </p:txBody>
+      </p:sp>
+      <p:cxnSp>
+        <p:nvCxnSpPr>
+          <p:cNvPr id="18" name="Connector: Elbow 17">
+            <a:extLst>
+              <a:ext uri="{FF2B5EF4-FFF2-40B4-BE49-F238E27FC236}">
+                <a16:creationId xmlns:a16="http://schemas.microsoft.com/office/drawing/2014/main" id="{EAF58779-37AB-4CC1-C102-DE3017AFC736}"/>
+              </a:ext>
+            </a:extLst>
+          </p:cNvPr>
+          <p:cNvCxnSpPr>
+            <a:stCxn id="16" idx="3"/>
+            <a:endCxn id="4" idx="1"/>
+          </p:cNvCxnSpPr>
+          <p:nvPr/>
+        </p:nvCxnSpPr>
+        <p:spPr>
+          <a:xfrm flipV="1">
+            <a:off x="5066523" y="1226975"/>
+            <a:ext cx="522514" cy="2015413"/>
+          </a:xfrm>
+          <a:prstGeom prst="bentConnector3">
+            <a:avLst/>
+          </a:prstGeom>
+          <a:ln>
+            <a:headEnd type="triangle"/>
+            <a:tailEnd type="triangle"/>
+          </a:ln>
+        </p:spPr>
+        <p:style>
+          <a:lnRef idx="1">
+            <a:schemeClr val="accent1"/>
+          </a:lnRef>
+          <a:fillRef idx="0">
+            <a:schemeClr val="accent1"/>
+          </a:fillRef>
+          <a:effectRef idx="0">
+            <a:schemeClr val="accent1"/>
+          </a:effectRef>
+          <a:fontRef idx="minor">
+            <a:schemeClr val="tx1"/>
+          </a:fontRef>
+        </p:style>
+      </p:cxnSp>
+      <p:cxnSp>
+        <p:nvCxnSpPr>
+          <p:cNvPr id="20" name="Connector: Elbow 19">
+            <a:extLst>
+              <a:ext uri="{FF2B5EF4-FFF2-40B4-BE49-F238E27FC236}">
+                <a16:creationId xmlns:a16="http://schemas.microsoft.com/office/drawing/2014/main" id="{8EBC7461-0483-E0A6-ECEB-F3E9E77E8CFA}"/>
+              </a:ext>
+            </a:extLst>
+          </p:cNvPr>
+          <p:cNvCxnSpPr>
+            <a:stCxn id="16" idx="3"/>
+            <a:endCxn id="5" idx="1"/>
+          </p:cNvCxnSpPr>
+          <p:nvPr/>
+        </p:nvCxnSpPr>
+        <p:spPr>
+          <a:xfrm flipV="1">
+            <a:off x="5066523" y="2976465"/>
+            <a:ext cx="522514" cy="265923"/>
+          </a:xfrm>
+          <a:prstGeom prst="bentConnector3">
+            <a:avLst/>
+          </a:prstGeom>
+          <a:ln>
+            <a:headEnd type="triangle"/>
+            <a:tailEnd type="triangle"/>
+          </a:ln>
+        </p:spPr>
+        <p:style>
+          <a:lnRef idx="1">
+            <a:schemeClr val="accent1"/>
+          </a:lnRef>
+          <a:fillRef idx="0">
+            <a:schemeClr val="accent1"/>
+          </a:fillRef>
+          <a:effectRef idx="0">
+            <a:schemeClr val="accent1"/>
+          </a:effectRef>
+          <a:fontRef idx="minor">
+            <a:schemeClr val="tx1"/>
+          </a:fontRef>
+        </p:style>
+      </p:cxnSp>
+      <p:cxnSp>
+        <p:nvCxnSpPr>
+          <p:cNvPr id="22" name="Connector: Elbow 21">
+            <a:extLst>
+              <a:ext uri="{FF2B5EF4-FFF2-40B4-BE49-F238E27FC236}">
+                <a16:creationId xmlns:a16="http://schemas.microsoft.com/office/drawing/2014/main" id="{C6A0BCC0-6B51-33D7-C6B0-52A2B52ABBF3}"/>
+              </a:ext>
+            </a:extLst>
+          </p:cNvPr>
+          <p:cNvCxnSpPr>
+            <a:stCxn id="16" idx="3"/>
+            <a:endCxn id="13" idx="1"/>
+          </p:cNvCxnSpPr>
+          <p:nvPr/>
+        </p:nvCxnSpPr>
+        <p:spPr>
+          <a:xfrm>
+            <a:off x="5066523" y="3242388"/>
+            <a:ext cx="522514" cy="1539550"/>
+          </a:xfrm>
+          <a:prstGeom prst="bentConnector3">
+            <a:avLst/>
+          </a:prstGeom>
+          <a:ln>
+            <a:headEnd type="triangle"/>
+            <a:tailEnd type="triangle"/>
+          </a:ln>
+        </p:spPr>
+        <p:style>
+          <a:lnRef idx="1">
+            <a:schemeClr val="accent1"/>
+          </a:lnRef>
+          <a:fillRef idx="0">
+            <a:schemeClr val="accent1"/>
+          </a:fillRef>
+          <a:effectRef idx="0">
+            <a:schemeClr val="accent1"/>
+          </a:effectRef>
+          <a:fontRef idx="minor">
+            <a:schemeClr val="tx1"/>
+          </a:fontRef>
+        </p:style>
+      </p:cxnSp>
+      <p:cxnSp>
+        <p:nvCxnSpPr>
+          <p:cNvPr id="24" name="Connector: Elbow 23">
+            <a:extLst>
+              <a:ext uri="{FF2B5EF4-FFF2-40B4-BE49-F238E27FC236}">
+                <a16:creationId xmlns:a16="http://schemas.microsoft.com/office/drawing/2014/main" id="{E2DF6942-9A32-357B-9BF6-2611E910F761}"/>
+              </a:ext>
+            </a:extLst>
+          </p:cNvPr>
+          <p:cNvCxnSpPr>
+            <a:stCxn id="12" idx="3"/>
+          </p:cNvCxnSpPr>
+          <p:nvPr/>
+        </p:nvCxnSpPr>
+        <p:spPr>
+          <a:xfrm flipV="1">
+            <a:off x="3015344" y="4781938"/>
+            <a:ext cx="2573693" cy="699797"/>
+          </a:xfrm>
+          <a:prstGeom prst="bentConnector3">
+            <a:avLst/>
+          </a:prstGeom>
+          <a:ln>
+            <a:headEnd type="triangle"/>
+            <a:tailEnd type="triangle"/>
+          </a:ln>
+        </p:spPr>
+        <p:style>
+          <a:lnRef idx="1">
+            <a:schemeClr val="accent1"/>
+          </a:lnRef>
+          <a:fillRef idx="0">
+            <a:schemeClr val="accent1"/>
+          </a:fillRef>
+          <a:effectRef idx="0">
+            <a:schemeClr val="accent1"/>
+          </a:effectRef>
+          <a:fontRef idx="minor">
+            <a:schemeClr val="tx1"/>
+          </a:fontRef>
+        </p:style>
+      </p:cxnSp>
+      <p:cxnSp>
+        <p:nvCxnSpPr>
+          <p:cNvPr id="26" name="Connector: Elbow 25">
+            <a:extLst>
+              <a:ext uri="{FF2B5EF4-FFF2-40B4-BE49-F238E27FC236}">
+                <a16:creationId xmlns:a16="http://schemas.microsoft.com/office/drawing/2014/main" id="{1C8CE410-12CB-E8A0-F396-4DD93AD8E617}"/>
+              </a:ext>
+            </a:extLst>
+          </p:cNvPr>
+          <p:cNvCxnSpPr>
+            <a:stCxn id="4" idx="0"/>
+            <a:endCxn id="13" idx="2"/>
+          </p:cNvCxnSpPr>
+          <p:nvPr/>
+        </p:nvCxnSpPr>
+        <p:spPr>
+          <a:xfrm rot="16200000" flipH="1">
+            <a:off x="5393094" y="3004456"/>
+            <a:ext cx="4721289" cy="12700"/>
+          </a:xfrm>
+          <a:prstGeom prst="bentConnector5">
+            <a:avLst>
+              <a:gd name="adj1" fmla="val -4842"/>
+              <a:gd name="adj2" fmla="val 18844898"/>
+              <a:gd name="adj3" fmla="val 104842"/>
+            </a:avLst>
+          </a:prstGeom>
+          <a:ln w="76200">
+            <a:solidFill>
+              <a:srgbClr val="002060"/>
+            </a:solidFill>
+            <a:headEnd type="triangle"/>
+            <a:tailEnd type="triangle"/>
+          </a:ln>
+        </p:spPr>
+        <p:style>
+          <a:lnRef idx="1">
+            <a:schemeClr val="accent1"/>
+          </a:lnRef>
+          <a:fillRef idx="0">
+            <a:schemeClr val="accent1"/>
+          </a:fillRef>
+          <a:effectRef idx="0">
+            <a:schemeClr val="accent1"/>
+          </a:effectRef>
+          <a:fontRef idx="minor">
+            <a:schemeClr val="tx1"/>
+          </a:fontRef>
+        </p:style>
+      </p:cxnSp>
+      <p:cxnSp>
+        <p:nvCxnSpPr>
+          <p:cNvPr id="28" name="Connector: Elbow 27">
+            <a:extLst>
+              <a:ext uri="{FF2B5EF4-FFF2-40B4-BE49-F238E27FC236}">
+                <a16:creationId xmlns:a16="http://schemas.microsoft.com/office/drawing/2014/main" id="{FC9156CC-1E37-4EFF-4E47-36BCFCC89D34}"/>
+              </a:ext>
+            </a:extLst>
+          </p:cNvPr>
+          <p:cNvCxnSpPr>
+            <a:cxnSpLocks/>
+            <a:stCxn id="5" idx="2"/>
+            <a:endCxn id="13" idx="0"/>
+          </p:cNvCxnSpPr>
+          <p:nvPr/>
+        </p:nvCxnSpPr>
+        <p:spPr>
+          <a:xfrm rot="5400000">
+            <a:off x="7434166" y="3879201"/>
+            <a:ext cx="639147" cy="12700"/>
+          </a:xfrm>
+          <a:prstGeom prst="bentConnector3">
+            <a:avLst/>
+          </a:prstGeom>
+          <a:ln w="76200">
+            <a:solidFill>
+              <a:srgbClr val="002060"/>
+            </a:solidFill>
+            <a:headEnd type="triangle"/>
+            <a:tailEnd type="triangle"/>
+          </a:ln>
+        </p:spPr>
+        <p:style>
+          <a:lnRef idx="1">
+            <a:schemeClr val="accent1"/>
+          </a:lnRef>
+          <a:fillRef idx="0">
+            <a:schemeClr val="accent1"/>
+          </a:fillRef>
+          <a:effectRef idx="0">
+            <a:schemeClr val="accent1"/>
+          </a:effectRef>
+          <a:fontRef idx="minor">
+            <a:schemeClr val="tx1"/>
+          </a:fontRef>
+        </p:style>
+      </p:cxnSp>
+    </p:spTree>
+    <p:extLst>
+      <p:ext uri="{BB962C8B-B14F-4D97-AF65-F5344CB8AC3E}">
+        <p14:creationId xmlns:p14="http://schemas.microsoft.com/office/powerpoint/2010/main" val="2819208029"/>
+      </p:ext>
+    </p:extLst>
+  </p:cSld>
+  <p:clrMapOvr>
+    <a:masterClrMapping/>
+  </p:clrMapOvr>
+</p:sld>
+</file>
+
+<file path=ppt/slides/slide41.xml><?xml version="1.0" encoding="utf-8"?>
+<p:sld xmlns:a="http://schemas.openxmlformats.org/drawingml/2006/main" xmlns:r="http://schemas.openxmlformats.org/officeDocument/2006/relationships" xmlns:p="http://schemas.openxmlformats.org/presentationml/2006/main">
+  <p:cSld>
+    <p:spTree>
+      <p:nvGrpSpPr>
+        <p:cNvPr id="1" name=""/>
+        <p:cNvGrpSpPr/>
+        <p:nvPr/>
+      </p:nvGrpSpPr>
+      <p:grpSpPr>
+        <a:xfrm>
+          <a:off x="0" y="0"/>
+          <a:ext cx="0" cy="0"/>
+          <a:chOff x="0" y="0"/>
+          <a:chExt cx="0" cy="0"/>
+        </a:xfrm>
+      </p:grpSpPr>
+      <p:sp>
+        <p:nvSpPr>
+          <p:cNvPr id="2" name="TextBox 1">
+            <a:extLst>
+              <a:ext uri="{FF2B5EF4-FFF2-40B4-BE49-F238E27FC236}">
+                <a16:creationId xmlns:a16="http://schemas.microsoft.com/office/drawing/2014/main" id="{30E0C0B7-6EDE-F439-283D-83B82A6C9562}"/>
+              </a:ext>
+            </a:extLst>
+          </p:cNvPr>
+          <p:cNvSpPr txBox="1"/>
+          <p:nvPr/>
+        </p:nvSpPr>
+        <p:spPr>
+          <a:xfrm>
+            <a:off x="457200" y="550506"/>
+            <a:ext cx="10963469" cy="1754326"/>
+          </a:xfrm>
+          <a:prstGeom prst="rect">
+            <a:avLst/>
+          </a:prstGeom>
+          <a:noFill/>
+        </p:spPr>
+        <p:txBody>
+          <a:bodyPr wrap="square" rtlCol="0">
+            <a:spAutoFit/>
+          </a:bodyPr>
+          <a:lstStyle/>
+          <a:p>
+            <a:r>
+              <a:rPr lang="en-US" dirty="0"/>
+              <a:t>Action Filters For MVC as well as API I ASP.NET on .NET Framework</a:t>
+            </a:r>
+          </a:p>
+          <a:p>
+            <a:endParaRPr lang="en-US" dirty="0"/>
+          </a:p>
+          <a:p>
+            <a:r>
+              <a:rPr lang="en-US" dirty="0"/>
+              <a:t>Action Filters for MVC Controller  were Build on MVC Request Pipeline</a:t>
+            </a:r>
+          </a:p>
+          <a:p>
+            <a:endParaRPr lang="en-US" dirty="0"/>
+          </a:p>
+          <a:p>
+            <a:r>
+              <a:rPr lang="en-US" dirty="0"/>
+              <a:t>Action Filters for API Controller  were Build on </a:t>
+            </a:r>
+            <a:r>
+              <a:rPr lang="en-US"/>
+              <a:t>API Request </a:t>
+            </a:r>
+            <a:r>
+              <a:rPr lang="en-US" dirty="0"/>
+              <a:t>Pipeline</a:t>
+            </a:r>
+          </a:p>
+          <a:p>
+            <a:endParaRPr lang="en-US" dirty="0"/>
+          </a:p>
+        </p:txBody>
+      </p:sp>
+    </p:spTree>
+    <p:extLst>
+      <p:ext uri="{BB962C8B-B14F-4D97-AF65-F5344CB8AC3E}">
+        <p14:creationId xmlns:p14="http://schemas.microsoft.com/office/powerpoint/2010/main" val="3610735854"/>
+      </p:ext>
+    </p:extLst>
+  </p:cSld>
+  <p:clrMapOvr>
+    <a:masterClrMapping/>
+  </p:clrMapOvr>
+</p:sld>
+</file>
+
+<file path=ppt/slides/slide42.xml><?xml version="1.0" encoding="utf-8"?>
+<p:sld xmlns:a="http://schemas.openxmlformats.org/drawingml/2006/main" xmlns:r="http://schemas.openxmlformats.org/officeDocument/2006/relationships" xmlns:p="http://schemas.openxmlformats.org/presentationml/2006/main">
+  <p:cSld>
+    <p:spTree>
+      <p:nvGrpSpPr>
+        <p:cNvPr id="1" name=""/>
+        <p:cNvGrpSpPr/>
+        <p:nvPr/>
+      </p:nvGrpSpPr>
+      <p:grpSpPr>
+        <a:xfrm>
+          <a:off x="0" y="0"/>
+          <a:ext cx="0" cy="0"/>
+          <a:chOff x="0" y="0"/>
+          <a:chExt cx="0" cy="0"/>
+        </a:xfrm>
+      </p:grpSpPr>
+      <p:sp>
+        <p:nvSpPr>
+          <p:cNvPr id="2" name="Rectangle 1">
+            <a:extLst>
+              <a:ext uri="{FF2B5EF4-FFF2-40B4-BE49-F238E27FC236}">
+                <a16:creationId xmlns:a16="http://schemas.microsoft.com/office/drawing/2014/main" id="{84E41728-CD1F-EC3C-1014-EFA4B3B96235}"/>
+              </a:ext>
+            </a:extLst>
+          </p:cNvPr>
+          <p:cNvSpPr/>
+          <p:nvPr/>
+        </p:nvSpPr>
+        <p:spPr>
+          <a:xfrm>
+            <a:off x="5542384" y="494524"/>
+            <a:ext cx="4777274" cy="4404048"/>
+          </a:xfrm>
+          <a:prstGeom prst="rect">
+            <a:avLst/>
+          </a:prstGeom>
+        </p:spPr>
+        <p:style>
+          <a:lnRef idx="2">
+            <a:schemeClr val="accent6"/>
+          </a:lnRef>
+          <a:fillRef idx="1">
+            <a:schemeClr val="lt1"/>
+          </a:fillRef>
+          <a:effectRef idx="0">
+            <a:schemeClr val="accent6"/>
+          </a:effectRef>
+          <a:fontRef idx="minor">
+            <a:schemeClr val="dk1"/>
+          </a:fontRef>
+        </p:style>
+        <p:txBody>
+          <a:bodyPr rtlCol="0" anchor="ctr"/>
+          <a:lstStyle/>
+          <a:p>
+            <a:pPr algn="ctr"/>
+            <a:endParaRPr lang="en-US"/>
+          </a:p>
+        </p:txBody>
+      </p:sp>
+      <p:sp>
+        <p:nvSpPr>
+          <p:cNvPr id="3" name="TextBox 2">
+            <a:extLst>
+              <a:ext uri="{FF2B5EF4-FFF2-40B4-BE49-F238E27FC236}">
+                <a16:creationId xmlns:a16="http://schemas.microsoft.com/office/drawing/2014/main" id="{A1E30EBF-8212-9149-5595-C75078C32215}"/>
+              </a:ext>
+            </a:extLst>
+          </p:cNvPr>
+          <p:cNvSpPr txBox="1"/>
+          <p:nvPr/>
+        </p:nvSpPr>
+        <p:spPr>
+          <a:xfrm>
+            <a:off x="5728996" y="653143"/>
+            <a:ext cx="4282751" cy="369332"/>
+          </a:xfrm>
+          <a:prstGeom prst="rect">
+            <a:avLst/>
+          </a:prstGeom>
+          <a:noFill/>
+        </p:spPr>
+        <p:txBody>
+          <a:bodyPr wrap="square" rtlCol="0">
+            <a:spAutoFit/>
+          </a:bodyPr>
+          <a:lstStyle/>
+          <a:p>
+            <a:pPr algn="ctr"/>
+            <a:r>
+              <a:rPr lang="en-US" b="1" dirty="0"/>
+              <a:t>IIS Web Server</a:t>
+            </a:r>
+          </a:p>
+        </p:txBody>
+      </p:sp>
+      <p:sp>
+        <p:nvSpPr>
+          <p:cNvPr id="4" name="Rectangle 3">
+            <a:extLst>
+              <a:ext uri="{FF2B5EF4-FFF2-40B4-BE49-F238E27FC236}">
+                <a16:creationId xmlns:a16="http://schemas.microsoft.com/office/drawing/2014/main" id="{B7EA5783-D5E3-5883-C775-6AE1B5771290}"/>
+              </a:ext>
+            </a:extLst>
+          </p:cNvPr>
+          <p:cNvSpPr/>
+          <p:nvPr/>
+        </p:nvSpPr>
+        <p:spPr>
+          <a:xfrm>
+            <a:off x="5617029" y="1022475"/>
+            <a:ext cx="4609322" cy="451762"/>
+          </a:xfrm>
+          <a:prstGeom prst="rect">
+            <a:avLst/>
+          </a:prstGeom>
+        </p:spPr>
+        <p:style>
+          <a:lnRef idx="2">
+            <a:schemeClr val="accent1">
+              <a:shade val="15000"/>
+            </a:schemeClr>
+          </a:lnRef>
+          <a:fillRef idx="1">
+            <a:schemeClr val="accent1"/>
+          </a:fillRef>
+          <a:effectRef idx="0">
+            <a:schemeClr val="accent1"/>
+          </a:effectRef>
+          <a:fontRef idx="minor">
+            <a:schemeClr val="lt1"/>
+          </a:fontRef>
+        </p:style>
+        <p:txBody>
+          <a:bodyPr rtlCol="0" anchor="ctr"/>
+          <a:lstStyle/>
+          <a:p>
+            <a:pPr algn="ctr"/>
+            <a:r>
+              <a:rPr lang="en-US" b="1" dirty="0"/>
+              <a:t>Request Listener / Interceptor</a:t>
+            </a:r>
+          </a:p>
+        </p:txBody>
+      </p:sp>
+      <p:sp>
+        <p:nvSpPr>
+          <p:cNvPr id="5" name="Arrow: Right 4">
+            <a:extLst>
+              <a:ext uri="{FF2B5EF4-FFF2-40B4-BE49-F238E27FC236}">
+                <a16:creationId xmlns:a16="http://schemas.microsoft.com/office/drawing/2014/main" id="{D68744DF-D773-89D3-362D-69B709B0B2EF}"/>
+              </a:ext>
+            </a:extLst>
+          </p:cNvPr>
+          <p:cNvSpPr/>
+          <p:nvPr/>
+        </p:nvSpPr>
+        <p:spPr>
+          <a:xfrm>
+            <a:off x="139959" y="839755"/>
+            <a:ext cx="5374433" cy="531845"/>
+          </a:xfrm>
+          <a:prstGeom prst="rightArrow">
+            <a:avLst/>
+          </a:prstGeom>
+        </p:spPr>
+        <p:style>
+          <a:lnRef idx="2">
+            <a:schemeClr val="accent1">
+              <a:shade val="15000"/>
+            </a:schemeClr>
+          </a:lnRef>
+          <a:fillRef idx="1">
+            <a:schemeClr val="accent1"/>
+          </a:fillRef>
+          <a:effectRef idx="0">
+            <a:schemeClr val="accent1"/>
+          </a:effectRef>
+          <a:fontRef idx="minor">
+            <a:schemeClr val="lt1"/>
+          </a:fontRef>
+        </p:style>
+        <p:txBody>
+          <a:bodyPr rtlCol="0" anchor="ctr"/>
+          <a:lstStyle/>
+          <a:p>
+            <a:pPr algn="ctr"/>
+            <a:r>
+              <a:rPr lang="en-US" dirty="0"/>
+              <a:t>HTTP Request</a:t>
+            </a:r>
+          </a:p>
+        </p:txBody>
+      </p:sp>
+      <p:sp>
+        <p:nvSpPr>
+          <p:cNvPr id="6" name="Rectangle 5">
+            <a:extLst>
+              <a:ext uri="{FF2B5EF4-FFF2-40B4-BE49-F238E27FC236}">
+                <a16:creationId xmlns:a16="http://schemas.microsoft.com/office/drawing/2014/main" id="{960A872E-850D-1201-669E-2C3E48D5A142}"/>
+              </a:ext>
+            </a:extLst>
+          </p:cNvPr>
+          <p:cNvSpPr/>
+          <p:nvPr/>
+        </p:nvSpPr>
+        <p:spPr>
+          <a:xfrm>
+            <a:off x="5589037" y="1679511"/>
+            <a:ext cx="4637314" cy="3135086"/>
+          </a:xfrm>
+          <a:prstGeom prst="rect">
+            <a:avLst/>
+          </a:prstGeom>
+        </p:spPr>
+        <p:style>
+          <a:lnRef idx="1">
+            <a:schemeClr val="accent2"/>
+          </a:lnRef>
+          <a:fillRef idx="2">
+            <a:schemeClr val="accent2"/>
+          </a:fillRef>
+          <a:effectRef idx="1">
+            <a:schemeClr val="accent2"/>
+          </a:effectRef>
+          <a:fontRef idx="minor">
+            <a:schemeClr val="dk1"/>
+          </a:fontRef>
+        </p:style>
+        <p:txBody>
+          <a:bodyPr rtlCol="0" anchor="ctr"/>
+          <a:lstStyle/>
+          <a:p>
+            <a:pPr algn="ctr"/>
+            <a:endParaRPr lang="en-US"/>
+          </a:p>
+        </p:txBody>
+      </p:sp>
+      <p:sp>
+        <p:nvSpPr>
+          <p:cNvPr id="7" name="TextBox 6">
+            <a:extLst>
+              <a:ext uri="{FF2B5EF4-FFF2-40B4-BE49-F238E27FC236}">
+                <a16:creationId xmlns:a16="http://schemas.microsoft.com/office/drawing/2014/main" id="{F7794331-66AC-26A9-AA47-C5196DB4567F}"/>
+              </a:ext>
+            </a:extLst>
+          </p:cNvPr>
+          <p:cNvSpPr txBox="1"/>
+          <p:nvPr/>
+        </p:nvSpPr>
+        <p:spPr>
+          <a:xfrm>
+            <a:off x="10366311" y="1843569"/>
+            <a:ext cx="1418252" cy="923330"/>
+          </a:xfrm>
+          <a:prstGeom prst="rect">
+            <a:avLst/>
+          </a:prstGeom>
+          <a:noFill/>
+        </p:spPr>
+        <p:txBody>
+          <a:bodyPr wrap="square" rtlCol="0">
+            <a:spAutoFit/>
+          </a:bodyPr>
+          <a:lstStyle/>
+          <a:p>
+            <a:r>
+              <a:rPr lang="en-US" dirty="0"/>
+              <a:t>ASP.NET Runtime </a:t>
+            </a:r>
+          </a:p>
+          <a:p>
+            <a:r>
+              <a:rPr lang="en-US" dirty="0"/>
+              <a:t>W3wp.exe</a:t>
+            </a:r>
+          </a:p>
+        </p:txBody>
+      </p:sp>
+      <p:cxnSp>
+        <p:nvCxnSpPr>
+          <p:cNvPr id="9" name="Connector: Elbow 8">
+            <a:extLst>
+              <a:ext uri="{FF2B5EF4-FFF2-40B4-BE49-F238E27FC236}">
+                <a16:creationId xmlns:a16="http://schemas.microsoft.com/office/drawing/2014/main" id="{65199D8E-F0DC-032B-3EA7-210751507031}"/>
+              </a:ext>
+            </a:extLst>
+          </p:cNvPr>
+          <p:cNvCxnSpPr>
+            <a:cxnSpLocks/>
+            <a:stCxn id="7" idx="0"/>
+            <a:endCxn id="6" idx="3"/>
+          </p:cNvCxnSpPr>
+          <p:nvPr/>
+        </p:nvCxnSpPr>
+        <p:spPr>
+          <a:xfrm rot="16200000" flipH="1" flipV="1">
+            <a:off x="9949151" y="2120768"/>
+            <a:ext cx="1403485" cy="849086"/>
+          </a:xfrm>
+          <a:prstGeom prst="bentConnector4">
+            <a:avLst>
+              <a:gd name="adj1" fmla="val -16288"/>
+              <a:gd name="adj2" fmla="val 91758"/>
+            </a:avLst>
+          </a:prstGeom>
+          <a:ln>
+            <a:tailEnd type="triangle"/>
+          </a:ln>
+        </p:spPr>
+        <p:style>
+          <a:lnRef idx="1">
+            <a:schemeClr val="accent1"/>
+          </a:lnRef>
+          <a:fillRef idx="0">
+            <a:schemeClr val="accent1"/>
+          </a:fillRef>
+          <a:effectRef idx="0">
+            <a:schemeClr val="accent1"/>
+          </a:effectRef>
+          <a:fontRef idx="minor">
+            <a:schemeClr val="tx1"/>
+          </a:fontRef>
+        </p:style>
+      </p:cxnSp>
+      <p:sp>
+        <p:nvSpPr>
+          <p:cNvPr id="11" name="Rectangle 10">
+            <a:extLst>
+              <a:ext uri="{FF2B5EF4-FFF2-40B4-BE49-F238E27FC236}">
+                <a16:creationId xmlns:a16="http://schemas.microsoft.com/office/drawing/2014/main" id="{EAA481BF-FF0C-6BDC-6E53-AF646F2AEDDC}"/>
+              </a:ext>
+            </a:extLst>
+          </p:cNvPr>
+          <p:cNvSpPr/>
+          <p:nvPr/>
+        </p:nvSpPr>
+        <p:spPr>
+          <a:xfrm>
+            <a:off x="5617029" y="1843569"/>
+            <a:ext cx="2584579" cy="470423"/>
+          </a:xfrm>
+          <a:prstGeom prst="rect">
+            <a:avLst/>
+          </a:prstGeom>
+          <a:solidFill>
+            <a:srgbClr val="C00000"/>
+          </a:solidFill>
+        </p:spPr>
+        <p:style>
+          <a:lnRef idx="2">
+            <a:schemeClr val="accent1">
+              <a:shade val="15000"/>
+            </a:schemeClr>
+          </a:lnRef>
+          <a:fillRef idx="1">
+            <a:schemeClr val="accent1"/>
+          </a:fillRef>
+          <a:effectRef idx="0">
+            <a:schemeClr val="accent1"/>
+          </a:effectRef>
+          <a:fontRef idx="minor">
+            <a:schemeClr val="lt1"/>
+          </a:fontRef>
+        </p:style>
+        <p:txBody>
+          <a:bodyPr rtlCol="0" anchor="ctr"/>
+          <a:lstStyle/>
+          <a:p>
+            <a:pPr algn="ctr"/>
+            <a:r>
+              <a:rPr lang="en-US" sz="1400" b="1" dirty="0"/>
+              <a:t>HttpApplication</a:t>
+            </a:r>
+          </a:p>
+          <a:p>
+            <a:pPr algn="ctr"/>
+            <a:r>
+              <a:rPr lang="en-US" sz="1400" b="1" dirty="0" err="1"/>
+              <a:t>Web.Config</a:t>
+            </a:r>
+            <a:endParaRPr lang="en-US" sz="1400" b="1" dirty="0"/>
+          </a:p>
+        </p:txBody>
+      </p:sp>
+      <p:sp>
+        <p:nvSpPr>
+          <p:cNvPr id="12" name="Rectangle 11">
+            <a:extLst>
+              <a:ext uri="{FF2B5EF4-FFF2-40B4-BE49-F238E27FC236}">
+                <a16:creationId xmlns:a16="http://schemas.microsoft.com/office/drawing/2014/main" id="{66C6CDB4-CCE8-6186-D52F-98A1D8594A23}"/>
+              </a:ext>
+            </a:extLst>
+          </p:cNvPr>
+          <p:cNvSpPr/>
+          <p:nvPr/>
+        </p:nvSpPr>
+        <p:spPr>
+          <a:xfrm>
+            <a:off x="7641772" y="2684296"/>
+            <a:ext cx="2584579" cy="470423"/>
+          </a:xfrm>
+          <a:prstGeom prst="rect">
+            <a:avLst/>
+          </a:prstGeom>
+          <a:solidFill>
+            <a:srgbClr val="FFC000"/>
+          </a:solidFill>
+        </p:spPr>
+        <p:style>
+          <a:lnRef idx="2">
+            <a:schemeClr val="accent1">
+              <a:shade val="15000"/>
+            </a:schemeClr>
+          </a:lnRef>
+          <a:fillRef idx="1">
+            <a:schemeClr val="accent1"/>
+          </a:fillRef>
+          <a:effectRef idx="0">
+            <a:schemeClr val="accent1"/>
+          </a:effectRef>
+          <a:fontRef idx="minor">
+            <a:schemeClr val="lt1"/>
+          </a:fontRef>
+        </p:style>
+        <p:txBody>
+          <a:bodyPr rtlCol="0" anchor="ctr"/>
+          <a:lstStyle/>
+          <a:p>
+            <a:pPr algn="ctr"/>
+            <a:r>
+              <a:rPr lang="en-US" sz="1400" b="1" dirty="0" err="1"/>
+              <a:t>HttpModue</a:t>
+            </a:r>
+            <a:endParaRPr lang="en-US" sz="1400" b="1" dirty="0"/>
+          </a:p>
+          <a:p>
+            <a:pPr algn="ctr"/>
+            <a:r>
+              <a:rPr lang="en-US" sz="1400" b="1" dirty="0" err="1"/>
+              <a:t>Global.asax</a:t>
+            </a:r>
+            <a:endParaRPr lang="en-US" sz="1400" b="1" dirty="0"/>
+          </a:p>
+        </p:txBody>
+      </p:sp>
+      <p:sp>
+        <p:nvSpPr>
+          <p:cNvPr id="13" name="Rectangle 12">
+            <a:extLst>
+              <a:ext uri="{FF2B5EF4-FFF2-40B4-BE49-F238E27FC236}">
+                <a16:creationId xmlns:a16="http://schemas.microsoft.com/office/drawing/2014/main" id="{F223D93D-4D4D-034A-23A7-87C10AF450ED}"/>
+              </a:ext>
+            </a:extLst>
+          </p:cNvPr>
+          <p:cNvSpPr/>
+          <p:nvPr/>
+        </p:nvSpPr>
+        <p:spPr>
+          <a:xfrm>
+            <a:off x="5738327" y="4012167"/>
+            <a:ext cx="2584579" cy="470423"/>
+          </a:xfrm>
+          <a:prstGeom prst="rect">
+            <a:avLst/>
+          </a:prstGeom>
+          <a:solidFill>
+            <a:srgbClr val="002060"/>
+          </a:solidFill>
+        </p:spPr>
+        <p:style>
+          <a:lnRef idx="2">
+            <a:schemeClr val="accent1">
+              <a:shade val="15000"/>
+            </a:schemeClr>
+          </a:lnRef>
+          <a:fillRef idx="1">
+            <a:schemeClr val="accent1"/>
+          </a:fillRef>
+          <a:effectRef idx="0">
+            <a:schemeClr val="accent1"/>
+          </a:effectRef>
+          <a:fontRef idx="minor">
+            <a:schemeClr val="lt1"/>
+          </a:fontRef>
+        </p:style>
+        <p:txBody>
+          <a:bodyPr rtlCol="0" anchor="ctr"/>
+          <a:lstStyle/>
+          <a:p>
+            <a:pPr algn="ctr"/>
+            <a:r>
+              <a:rPr lang="en-US" sz="1600" b="1" dirty="0"/>
+              <a:t>HttpHandler</a:t>
+            </a:r>
+          </a:p>
+          <a:p>
+            <a:pPr algn="ctr"/>
+            <a:r>
+              <a:rPr lang="en-US" sz="1600" b="1" dirty="0"/>
+              <a:t>Execute the Page</a:t>
+            </a:r>
+          </a:p>
+        </p:txBody>
+      </p:sp>
+      <p:cxnSp>
+        <p:nvCxnSpPr>
+          <p:cNvPr id="15" name="Connector: Elbow 14">
+            <a:extLst>
+              <a:ext uri="{FF2B5EF4-FFF2-40B4-BE49-F238E27FC236}">
+                <a16:creationId xmlns:a16="http://schemas.microsoft.com/office/drawing/2014/main" id="{BA43834A-B33C-5B8E-4096-722E11DFB1F1}"/>
+              </a:ext>
+            </a:extLst>
+          </p:cNvPr>
+          <p:cNvCxnSpPr>
+            <a:cxnSpLocks/>
+            <a:stCxn id="4" idx="2"/>
+            <a:endCxn id="6" idx="0"/>
+          </p:cNvCxnSpPr>
+          <p:nvPr/>
+        </p:nvCxnSpPr>
+        <p:spPr>
+          <a:xfrm rot="5400000">
+            <a:off x="7812055" y="1569876"/>
+            <a:ext cx="205274" cy="13996"/>
+          </a:xfrm>
+          <a:prstGeom prst="bentConnector3">
+            <a:avLst/>
+          </a:prstGeom>
+          <a:ln>
+            <a:tailEnd type="triangle"/>
+          </a:ln>
+        </p:spPr>
+        <p:style>
+          <a:lnRef idx="1">
+            <a:schemeClr val="accent1"/>
+          </a:lnRef>
+          <a:fillRef idx="0">
+            <a:schemeClr val="accent1"/>
+          </a:fillRef>
+          <a:effectRef idx="0">
+            <a:schemeClr val="accent1"/>
+          </a:effectRef>
+          <a:fontRef idx="minor">
+            <a:schemeClr val="tx1"/>
+          </a:fontRef>
+        </p:style>
+      </p:cxnSp>
+      <p:cxnSp>
+        <p:nvCxnSpPr>
+          <p:cNvPr id="17" name="Connector: Elbow 16">
+            <a:extLst>
+              <a:ext uri="{FF2B5EF4-FFF2-40B4-BE49-F238E27FC236}">
+                <a16:creationId xmlns:a16="http://schemas.microsoft.com/office/drawing/2014/main" id="{6B11B859-D5C0-1F4E-8F83-51FCEACE81FF}"/>
+              </a:ext>
+            </a:extLst>
+          </p:cNvPr>
+          <p:cNvCxnSpPr>
+            <a:cxnSpLocks/>
+            <a:stCxn id="6" idx="0"/>
+            <a:endCxn id="11" idx="0"/>
+          </p:cNvCxnSpPr>
+          <p:nvPr/>
+        </p:nvCxnSpPr>
+        <p:spPr>
+          <a:xfrm rot="16200000" flipH="1" flipV="1">
+            <a:off x="7326478" y="1262352"/>
+            <a:ext cx="164058" cy="998375"/>
+          </a:xfrm>
+          <a:prstGeom prst="bentConnector3">
+            <a:avLst>
+              <a:gd name="adj1" fmla="val -139341"/>
+            </a:avLst>
+          </a:prstGeom>
+          <a:ln>
+            <a:tailEnd type="triangle"/>
+          </a:ln>
+        </p:spPr>
+        <p:style>
+          <a:lnRef idx="1">
+            <a:schemeClr val="accent1"/>
+          </a:lnRef>
+          <a:fillRef idx="0">
+            <a:schemeClr val="accent1"/>
+          </a:fillRef>
+          <a:effectRef idx="0">
+            <a:schemeClr val="accent1"/>
+          </a:effectRef>
+          <a:fontRef idx="minor">
+            <a:schemeClr val="tx1"/>
+          </a:fontRef>
+        </p:style>
+      </p:cxnSp>
+      <p:cxnSp>
+        <p:nvCxnSpPr>
+          <p:cNvPr id="19" name="Connector: Elbow 18">
+            <a:extLst>
+              <a:ext uri="{FF2B5EF4-FFF2-40B4-BE49-F238E27FC236}">
+                <a16:creationId xmlns:a16="http://schemas.microsoft.com/office/drawing/2014/main" id="{82238263-F407-9591-9867-EE0FB071416C}"/>
+              </a:ext>
+            </a:extLst>
+          </p:cNvPr>
+          <p:cNvCxnSpPr>
+            <a:stCxn id="11" idx="3"/>
+            <a:endCxn id="12" idx="0"/>
+          </p:cNvCxnSpPr>
+          <p:nvPr/>
+        </p:nvCxnSpPr>
+        <p:spPr>
+          <a:xfrm>
+            <a:off x="8201608" y="2078781"/>
+            <a:ext cx="732454" cy="605515"/>
+          </a:xfrm>
+          <a:prstGeom prst="bentConnector2">
+            <a:avLst/>
+          </a:prstGeom>
+          <a:ln>
+            <a:tailEnd type="triangle"/>
+          </a:ln>
+        </p:spPr>
+        <p:style>
+          <a:lnRef idx="1">
+            <a:schemeClr val="accent1"/>
+          </a:lnRef>
+          <a:fillRef idx="0">
+            <a:schemeClr val="accent1"/>
+          </a:fillRef>
+          <a:effectRef idx="0">
+            <a:schemeClr val="accent1"/>
+          </a:effectRef>
+          <a:fontRef idx="minor">
+            <a:schemeClr val="tx1"/>
+          </a:fontRef>
+        </p:style>
+      </p:cxnSp>
+      <p:cxnSp>
+        <p:nvCxnSpPr>
+          <p:cNvPr id="21" name="Connector: Elbow 20">
+            <a:extLst>
+              <a:ext uri="{FF2B5EF4-FFF2-40B4-BE49-F238E27FC236}">
+                <a16:creationId xmlns:a16="http://schemas.microsoft.com/office/drawing/2014/main" id="{F858A8B6-C7DD-EB80-CE7C-5723BCA1B067}"/>
+              </a:ext>
+            </a:extLst>
+          </p:cNvPr>
+          <p:cNvCxnSpPr>
+            <a:stCxn id="12" idx="1"/>
+            <a:endCxn id="11" idx="2"/>
+          </p:cNvCxnSpPr>
+          <p:nvPr/>
+        </p:nvCxnSpPr>
+        <p:spPr>
+          <a:xfrm rot="10800000">
+            <a:off x="6909320" y="2313992"/>
+            <a:ext cx="732453" cy="605516"/>
+          </a:xfrm>
+          <a:prstGeom prst="bentConnector2">
+            <a:avLst/>
+          </a:prstGeom>
+          <a:ln>
+            <a:tailEnd type="triangle"/>
+          </a:ln>
+        </p:spPr>
+        <p:style>
+          <a:lnRef idx="1">
+            <a:schemeClr val="accent1"/>
+          </a:lnRef>
+          <a:fillRef idx="0">
+            <a:schemeClr val="accent1"/>
+          </a:fillRef>
+          <a:effectRef idx="0">
+            <a:schemeClr val="accent1"/>
+          </a:effectRef>
+          <a:fontRef idx="minor">
+            <a:schemeClr val="tx1"/>
+          </a:fontRef>
+        </p:style>
+      </p:cxnSp>
+      <p:sp>
+        <p:nvSpPr>
+          <p:cNvPr id="22" name="TextBox 21">
+            <a:extLst>
+              <a:ext uri="{FF2B5EF4-FFF2-40B4-BE49-F238E27FC236}">
+                <a16:creationId xmlns:a16="http://schemas.microsoft.com/office/drawing/2014/main" id="{4359E258-22E6-937D-CD70-CCAF5346B0DA}"/>
+              </a:ext>
+            </a:extLst>
+          </p:cNvPr>
+          <p:cNvSpPr txBox="1"/>
+          <p:nvPr/>
+        </p:nvSpPr>
+        <p:spPr>
+          <a:xfrm>
+            <a:off x="391886" y="149290"/>
+            <a:ext cx="3760236" cy="646331"/>
+          </a:xfrm>
+          <a:prstGeom prst="rect">
+            <a:avLst/>
+          </a:prstGeom>
+          <a:noFill/>
+        </p:spPr>
+        <p:txBody>
+          <a:bodyPr wrap="square" rtlCol="0">
+            <a:spAutoFit/>
+          </a:bodyPr>
+          <a:lstStyle/>
+          <a:p>
+            <a:pPr algn="ctr"/>
+            <a:r>
+              <a:rPr lang="en-US" dirty="0"/>
+              <a:t>ASP.NET on .NET Framework on Windows</a:t>
+            </a:r>
+          </a:p>
+        </p:txBody>
+      </p:sp>
+      <p:cxnSp>
+        <p:nvCxnSpPr>
+          <p:cNvPr id="24" name="Connector: Elbow 23">
+            <a:extLst>
+              <a:ext uri="{FF2B5EF4-FFF2-40B4-BE49-F238E27FC236}">
+                <a16:creationId xmlns:a16="http://schemas.microsoft.com/office/drawing/2014/main" id="{95F8E839-57D1-FA4E-CDBF-69EB1A2C74F3}"/>
+              </a:ext>
+            </a:extLst>
+          </p:cNvPr>
+          <p:cNvCxnSpPr>
+            <a:stCxn id="11" idx="2"/>
+            <a:endCxn id="13" idx="0"/>
+          </p:cNvCxnSpPr>
+          <p:nvPr/>
+        </p:nvCxnSpPr>
+        <p:spPr>
+          <a:xfrm rot="16200000" flipH="1">
+            <a:off x="6120881" y="3102430"/>
+            <a:ext cx="1698175" cy="121298"/>
+          </a:xfrm>
+          <a:prstGeom prst="bentConnector3">
+            <a:avLst/>
+          </a:prstGeom>
+          <a:ln>
+            <a:tailEnd type="triangle"/>
+          </a:ln>
+        </p:spPr>
+        <p:style>
+          <a:lnRef idx="1">
+            <a:schemeClr val="accent1"/>
+          </a:lnRef>
+          <a:fillRef idx="0">
+            <a:schemeClr val="accent1"/>
+          </a:fillRef>
+          <a:effectRef idx="0">
+            <a:schemeClr val="accent1"/>
+          </a:effectRef>
+          <a:fontRef idx="minor">
+            <a:schemeClr val="tx1"/>
+          </a:fontRef>
+        </p:style>
+      </p:cxnSp>
+      <p:sp>
+        <p:nvSpPr>
+          <p:cNvPr id="26" name="Arrow: Left 25">
+            <a:extLst>
+              <a:ext uri="{FF2B5EF4-FFF2-40B4-BE49-F238E27FC236}">
+                <a16:creationId xmlns:a16="http://schemas.microsoft.com/office/drawing/2014/main" id="{5B12A6B3-2B07-4317-FD61-CD4A68EE73F6}"/>
+              </a:ext>
+            </a:extLst>
+          </p:cNvPr>
+          <p:cNvSpPr/>
+          <p:nvPr/>
+        </p:nvSpPr>
+        <p:spPr>
+          <a:xfrm>
+            <a:off x="289249" y="3890865"/>
+            <a:ext cx="5253134" cy="531845"/>
+          </a:xfrm>
+          <a:prstGeom prst="leftArrow">
+            <a:avLst/>
+          </a:prstGeom>
+        </p:spPr>
+        <p:style>
+          <a:lnRef idx="2">
+            <a:schemeClr val="accent1">
+              <a:shade val="15000"/>
+            </a:schemeClr>
+          </a:lnRef>
+          <a:fillRef idx="1">
+            <a:schemeClr val="accent1"/>
+          </a:fillRef>
+          <a:effectRef idx="0">
+            <a:schemeClr val="accent1"/>
+          </a:effectRef>
+          <a:fontRef idx="minor">
+            <a:schemeClr val="lt1"/>
+          </a:fontRef>
+        </p:style>
+        <p:txBody>
+          <a:bodyPr rtlCol="0" anchor="ctr"/>
+          <a:lstStyle/>
+          <a:p>
+            <a:pPr algn="ctr"/>
+            <a:r>
+              <a:rPr lang="en-US" dirty="0"/>
+              <a:t>HTTP Response with HTML+JS+CSS</a:t>
+            </a:r>
+          </a:p>
+        </p:txBody>
+      </p:sp>
+      <p:sp>
+        <p:nvSpPr>
+          <p:cNvPr id="30" name="Rectangle 29">
+            <a:extLst>
+              <a:ext uri="{FF2B5EF4-FFF2-40B4-BE49-F238E27FC236}">
+                <a16:creationId xmlns:a16="http://schemas.microsoft.com/office/drawing/2014/main" id="{98BDAFFF-C7D5-1D89-8A0F-641387C43ABF}"/>
+              </a:ext>
+            </a:extLst>
+          </p:cNvPr>
+          <p:cNvSpPr/>
+          <p:nvPr/>
+        </p:nvSpPr>
+        <p:spPr>
+          <a:xfrm>
+            <a:off x="5589037" y="5178489"/>
+            <a:ext cx="4637313" cy="1002276"/>
+          </a:xfrm>
+          <a:prstGeom prst="rect">
+            <a:avLst/>
+          </a:prstGeom>
+        </p:spPr>
+        <p:style>
+          <a:lnRef idx="1">
+            <a:schemeClr val="accent6"/>
+          </a:lnRef>
+          <a:fillRef idx="2">
+            <a:schemeClr val="accent6"/>
+          </a:fillRef>
+          <a:effectRef idx="1">
+            <a:schemeClr val="accent6"/>
+          </a:effectRef>
+          <a:fontRef idx="minor">
+            <a:schemeClr val="dk1"/>
+          </a:fontRef>
+        </p:style>
+        <p:txBody>
+          <a:bodyPr rtlCol="0" anchor="ctr"/>
+          <a:lstStyle/>
+          <a:p>
+            <a:pPr algn="ctr"/>
+            <a:r>
+              <a:rPr lang="en-US" b="1" dirty="0"/>
+              <a:t>Windows OS with .NET CLR</a:t>
+            </a:r>
+          </a:p>
+        </p:txBody>
+      </p:sp>
+      <p:sp>
+        <p:nvSpPr>
+          <p:cNvPr id="31" name="Arrow: Up-Down 30">
+            <a:extLst>
+              <a:ext uri="{FF2B5EF4-FFF2-40B4-BE49-F238E27FC236}">
+                <a16:creationId xmlns:a16="http://schemas.microsoft.com/office/drawing/2014/main" id="{49AD09BE-E20D-BB86-B110-0AB6640A7269}"/>
+              </a:ext>
+            </a:extLst>
+          </p:cNvPr>
+          <p:cNvSpPr/>
+          <p:nvPr/>
+        </p:nvSpPr>
+        <p:spPr>
+          <a:xfrm>
+            <a:off x="7809722" y="4898572"/>
+            <a:ext cx="205274" cy="286329"/>
+          </a:xfrm>
+          <a:prstGeom prst="upDownArrow">
+            <a:avLst/>
+          </a:prstGeom>
+        </p:spPr>
+        <p:style>
+          <a:lnRef idx="2">
+            <a:schemeClr val="accent1">
+              <a:shade val="15000"/>
+            </a:schemeClr>
+          </a:lnRef>
+          <a:fillRef idx="1">
+            <a:schemeClr val="accent1"/>
+          </a:fillRef>
+          <a:effectRef idx="0">
+            <a:schemeClr val="accent1"/>
+          </a:effectRef>
+          <a:fontRef idx="minor">
+            <a:schemeClr val="lt1"/>
+          </a:fontRef>
+        </p:style>
+        <p:txBody>
+          <a:bodyPr rtlCol="0" anchor="ctr"/>
+          <a:lstStyle/>
+          <a:p>
+            <a:pPr algn="ctr"/>
+            <a:endParaRPr lang="en-US"/>
+          </a:p>
+        </p:txBody>
+      </p:sp>
+      <p:sp>
+        <p:nvSpPr>
+          <p:cNvPr id="32" name="TextBox 31">
+            <a:extLst>
+              <a:ext uri="{FF2B5EF4-FFF2-40B4-BE49-F238E27FC236}">
+                <a16:creationId xmlns:a16="http://schemas.microsoft.com/office/drawing/2014/main" id="{31A3A1E5-0E14-2150-9DA4-8761A196B035}"/>
+              </a:ext>
+            </a:extLst>
+          </p:cNvPr>
+          <p:cNvSpPr txBox="1"/>
+          <p:nvPr/>
+        </p:nvSpPr>
+        <p:spPr>
+          <a:xfrm>
+            <a:off x="615820" y="1679510"/>
+            <a:ext cx="4721291" cy="2339102"/>
+          </a:xfrm>
+          <a:prstGeom prst="rect">
+            <a:avLst/>
+          </a:prstGeom>
+          <a:noFill/>
+        </p:spPr>
+        <p:txBody>
+          <a:bodyPr wrap="square" rtlCol="0">
+            <a:spAutoFit/>
+          </a:bodyPr>
+          <a:lstStyle/>
+          <a:p>
+            <a:pPr algn="ctr"/>
+            <a:r>
+              <a:rPr lang="en-US" sz="1600" b="1" dirty="0"/>
+              <a:t>Windows Dependent Object model for HTTP Request Processing for ASP.NET Web Apps (WebForms, MVC, and WEB API)</a:t>
+            </a:r>
+          </a:p>
+          <a:p>
+            <a:pPr algn="ctr"/>
+            <a:endParaRPr lang="en-US" sz="1600" b="1" dirty="0"/>
+          </a:p>
+          <a:p>
+            <a:pPr algn="ctr"/>
+            <a:r>
+              <a:rPr lang="en-US" sz="1600" b="1" dirty="0"/>
+              <a:t>IIS is having tightly coupled Objects for HTTP Request Processing as</a:t>
+            </a:r>
+          </a:p>
+          <a:p>
+            <a:pPr marL="285750" indent="-285750" algn="ctr">
+              <a:buFont typeface="Arial" panose="020B0604020202020204" pitchFamily="34" charset="0"/>
+              <a:buChar char="•"/>
+            </a:pPr>
+            <a:r>
+              <a:rPr lang="en-US" sz="1600" b="1" dirty="0"/>
+              <a:t>HttpApplication</a:t>
+            </a:r>
+          </a:p>
+          <a:p>
+            <a:pPr marL="285750" indent="-285750" algn="ctr">
+              <a:buFont typeface="Arial" panose="020B0604020202020204" pitchFamily="34" charset="0"/>
+              <a:buChar char="•"/>
+            </a:pPr>
+            <a:r>
+              <a:rPr lang="en-US" sz="1600" b="1" dirty="0"/>
+              <a:t>HttpModule</a:t>
+            </a:r>
+          </a:p>
+          <a:p>
+            <a:pPr marL="285750" indent="-285750" algn="ctr">
+              <a:buFont typeface="Arial" panose="020B0604020202020204" pitchFamily="34" charset="0"/>
+              <a:buChar char="•"/>
+            </a:pPr>
+            <a:r>
+              <a:rPr lang="en-US" sz="1600" b="1" dirty="0"/>
+              <a:t>HttpHandler </a:t>
+            </a:r>
+          </a:p>
+        </p:txBody>
+      </p:sp>
+      <p:sp>
+        <p:nvSpPr>
+          <p:cNvPr id="33" name="Flowchart: Multidocument 32">
+            <a:extLst>
+              <a:ext uri="{FF2B5EF4-FFF2-40B4-BE49-F238E27FC236}">
+                <a16:creationId xmlns:a16="http://schemas.microsoft.com/office/drawing/2014/main" id="{E162241C-3F8A-A64A-6741-5A7224FE9463}"/>
+              </a:ext>
+            </a:extLst>
+          </p:cNvPr>
+          <p:cNvSpPr/>
+          <p:nvPr/>
+        </p:nvSpPr>
+        <p:spPr>
+          <a:xfrm>
+            <a:off x="10683552" y="4618653"/>
+            <a:ext cx="1418252" cy="1002276"/>
+          </a:xfrm>
+          <a:prstGeom prst="flowChartMultidocument">
+            <a:avLst/>
+          </a:prstGeom>
+        </p:spPr>
+        <p:style>
+          <a:lnRef idx="2">
+            <a:schemeClr val="accent1">
+              <a:shade val="15000"/>
+            </a:schemeClr>
+          </a:lnRef>
+          <a:fillRef idx="1">
+            <a:schemeClr val="accent1"/>
+          </a:fillRef>
+          <a:effectRef idx="0">
+            <a:schemeClr val="accent1"/>
+          </a:effectRef>
+          <a:fontRef idx="minor">
+            <a:schemeClr val="lt1"/>
+          </a:fontRef>
+        </p:style>
+        <p:txBody>
+          <a:bodyPr rtlCol="0" anchor="ctr"/>
+          <a:lstStyle/>
+          <a:p>
+            <a:pPr algn="ctr"/>
+            <a:r>
+              <a:rPr lang="en-US" dirty="0"/>
+              <a:t>File System</a:t>
+            </a:r>
+          </a:p>
+        </p:txBody>
+      </p:sp>
+      <p:cxnSp>
+        <p:nvCxnSpPr>
+          <p:cNvPr id="35" name="Connector: Elbow 34">
+            <a:extLst>
+              <a:ext uri="{FF2B5EF4-FFF2-40B4-BE49-F238E27FC236}">
+                <a16:creationId xmlns:a16="http://schemas.microsoft.com/office/drawing/2014/main" id="{F4F972AA-7A05-DDBA-7CF1-81B9BA240721}"/>
+              </a:ext>
+            </a:extLst>
+          </p:cNvPr>
+          <p:cNvCxnSpPr>
+            <a:stCxn id="30" idx="2"/>
+            <a:endCxn id="33" idx="2"/>
+          </p:cNvCxnSpPr>
+          <p:nvPr/>
+        </p:nvCxnSpPr>
+        <p:spPr>
+          <a:xfrm rot="5400000" flipH="1" flipV="1">
+            <a:off x="9301978" y="4188687"/>
+            <a:ext cx="597793" cy="3386363"/>
+          </a:xfrm>
+          <a:prstGeom prst="bentConnector3">
+            <a:avLst>
+              <a:gd name="adj1" fmla="val -38241"/>
+            </a:avLst>
+          </a:prstGeom>
+          <a:ln>
+            <a:headEnd type="triangle"/>
+            <a:tailEnd type="triangle"/>
+          </a:ln>
+        </p:spPr>
+        <p:style>
+          <a:lnRef idx="1">
+            <a:schemeClr val="accent1"/>
+          </a:lnRef>
+          <a:fillRef idx="0">
+            <a:schemeClr val="accent1"/>
+          </a:fillRef>
+          <a:effectRef idx="0">
+            <a:schemeClr val="accent1"/>
+          </a:effectRef>
+          <a:fontRef idx="minor">
+            <a:schemeClr val="tx1"/>
+          </a:fontRef>
+        </p:style>
+      </p:cxnSp>
+    </p:spTree>
+    <p:extLst>
+      <p:ext uri="{BB962C8B-B14F-4D97-AF65-F5344CB8AC3E}">
+        <p14:creationId xmlns:p14="http://schemas.microsoft.com/office/powerpoint/2010/main" val="2207594356"/>
+      </p:ext>
+    </p:extLst>
+  </p:cSld>
+  <p:clrMapOvr>
+    <a:masterClrMapping/>
+  </p:clrMapOvr>
+</p:sld>
+</file>
+
+<file path=ppt/slides/slide43.xml><?xml version="1.0" encoding="utf-8"?>
+<p:sld xmlns:a="http://schemas.openxmlformats.org/drawingml/2006/main" xmlns:r="http://schemas.openxmlformats.org/officeDocument/2006/relationships" xmlns:p="http://schemas.openxmlformats.org/presentationml/2006/main">
+  <p:cSld>
+    <p:spTree>
+      <p:nvGrpSpPr>
+        <p:cNvPr id="1" name=""/>
+        <p:cNvGrpSpPr/>
+        <p:nvPr/>
+      </p:nvGrpSpPr>
+      <p:grpSpPr>
+        <a:xfrm>
+          <a:off x="0" y="0"/>
+          <a:ext cx="0" cy="0"/>
+          <a:chOff x="0" y="0"/>
+          <a:chExt cx="0" cy="0"/>
+        </a:xfrm>
+      </p:grpSpPr>
+      <p:sp>
+        <p:nvSpPr>
+          <p:cNvPr id="2" name="Rectangle 1">
+            <a:extLst>
+              <a:ext uri="{FF2B5EF4-FFF2-40B4-BE49-F238E27FC236}">
+                <a16:creationId xmlns:a16="http://schemas.microsoft.com/office/drawing/2014/main" id="{70AAD795-CDBC-B63C-4570-F1146C403004}"/>
+              </a:ext>
+            </a:extLst>
+          </p:cNvPr>
+          <p:cNvSpPr/>
+          <p:nvPr/>
+        </p:nvSpPr>
+        <p:spPr>
+          <a:xfrm>
+            <a:off x="108468" y="9331"/>
+            <a:ext cx="11961845" cy="6606073"/>
+          </a:xfrm>
+          <a:prstGeom prst="rect">
+            <a:avLst/>
+          </a:prstGeom>
+        </p:spPr>
+        <p:style>
+          <a:lnRef idx="2">
+            <a:schemeClr val="accent4"/>
+          </a:lnRef>
+          <a:fillRef idx="1">
+            <a:schemeClr val="lt1"/>
+          </a:fillRef>
+          <a:effectRef idx="0">
+            <a:schemeClr val="accent4"/>
+          </a:effectRef>
+          <a:fontRef idx="minor">
+            <a:schemeClr val="dk1"/>
+          </a:fontRef>
+        </p:style>
+        <p:txBody>
+          <a:bodyPr rtlCol="0" anchor="ctr"/>
+          <a:lstStyle/>
+          <a:p>
+            <a:pPr algn="ctr"/>
+            <a:endParaRPr lang="en-US"/>
+          </a:p>
+        </p:txBody>
+      </p:sp>
+      <p:sp>
+        <p:nvSpPr>
+          <p:cNvPr id="3" name="TextBox 2">
+            <a:extLst>
+              <a:ext uri="{FF2B5EF4-FFF2-40B4-BE49-F238E27FC236}">
+                <a16:creationId xmlns:a16="http://schemas.microsoft.com/office/drawing/2014/main" id="{F0E98C1B-687C-69A8-8DFF-2FC6237AA6B5}"/>
+              </a:ext>
+            </a:extLst>
+          </p:cNvPr>
+          <p:cNvSpPr txBox="1"/>
+          <p:nvPr/>
+        </p:nvSpPr>
+        <p:spPr>
+          <a:xfrm>
+            <a:off x="205273" y="242596"/>
+            <a:ext cx="3069772" cy="369332"/>
+          </a:xfrm>
+          <a:prstGeom prst="rect">
+            <a:avLst/>
+          </a:prstGeom>
+          <a:noFill/>
+        </p:spPr>
+        <p:txBody>
+          <a:bodyPr wrap="square" rtlCol="0">
+            <a:spAutoFit/>
+          </a:bodyPr>
+          <a:lstStyle/>
+          <a:p>
+            <a:pPr algn="ctr"/>
+            <a:r>
+              <a:rPr lang="en-US" b="1" dirty="0" err="1"/>
+              <a:t>WebApplication</a:t>
+            </a:r>
+            <a:endParaRPr lang="en-US" b="1" dirty="0"/>
+          </a:p>
+        </p:txBody>
+      </p:sp>
+      <p:sp>
+        <p:nvSpPr>
+          <p:cNvPr id="4" name="Rectangle 3">
+            <a:extLst>
+              <a:ext uri="{FF2B5EF4-FFF2-40B4-BE49-F238E27FC236}">
+                <a16:creationId xmlns:a16="http://schemas.microsoft.com/office/drawing/2014/main" id="{8E0596C5-4038-ADF1-71CA-21476E7E3685}"/>
+              </a:ext>
+            </a:extLst>
+          </p:cNvPr>
+          <p:cNvSpPr/>
+          <p:nvPr/>
+        </p:nvSpPr>
+        <p:spPr>
+          <a:xfrm>
+            <a:off x="205273" y="611928"/>
+            <a:ext cx="11781454" cy="2457843"/>
+          </a:xfrm>
+          <a:prstGeom prst="rect">
+            <a:avLst/>
+          </a:prstGeom>
+        </p:spPr>
+        <p:style>
+          <a:lnRef idx="1">
+            <a:schemeClr val="accent6"/>
+          </a:lnRef>
+          <a:fillRef idx="2">
+            <a:schemeClr val="accent6"/>
+          </a:fillRef>
+          <a:effectRef idx="1">
+            <a:schemeClr val="accent6"/>
+          </a:effectRef>
+          <a:fontRef idx="minor">
+            <a:schemeClr val="dk1"/>
+          </a:fontRef>
+        </p:style>
+        <p:txBody>
+          <a:bodyPr rtlCol="0" anchor="ctr"/>
+          <a:lstStyle/>
+          <a:p>
+            <a:pPr algn="ctr"/>
+            <a:endParaRPr lang="en-US"/>
+          </a:p>
+        </p:txBody>
+      </p:sp>
+      <p:sp>
+        <p:nvSpPr>
+          <p:cNvPr id="5" name="TextBox 4">
+            <a:extLst>
+              <a:ext uri="{FF2B5EF4-FFF2-40B4-BE49-F238E27FC236}">
+                <a16:creationId xmlns:a16="http://schemas.microsoft.com/office/drawing/2014/main" id="{ADE5707C-50B0-83E2-8DAF-5F7ED85822C1}"/>
+              </a:ext>
+            </a:extLst>
+          </p:cNvPr>
+          <p:cNvSpPr txBox="1"/>
+          <p:nvPr/>
+        </p:nvSpPr>
+        <p:spPr>
+          <a:xfrm>
+            <a:off x="267477" y="611928"/>
+            <a:ext cx="11650824" cy="307777"/>
+          </a:xfrm>
+          <a:prstGeom prst="rect">
+            <a:avLst/>
+          </a:prstGeom>
+          <a:noFill/>
+        </p:spPr>
+        <p:txBody>
+          <a:bodyPr wrap="square" rtlCol="0">
+            <a:spAutoFit/>
+          </a:bodyPr>
+          <a:lstStyle/>
+          <a:p>
+            <a:pPr algn="ctr"/>
+            <a:r>
+              <a:rPr lang="en-US" sz="1400" b="1" dirty="0"/>
+              <a:t>Services Hosted in Dependency Container</a:t>
+            </a:r>
+          </a:p>
+        </p:txBody>
+      </p:sp>
+      <p:sp>
+        <p:nvSpPr>
+          <p:cNvPr id="6" name="Rectangle: Rounded Corners 5">
+            <a:extLst>
+              <a:ext uri="{FF2B5EF4-FFF2-40B4-BE49-F238E27FC236}">
+                <a16:creationId xmlns:a16="http://schemas.microsoft.com/office/drawing/2014/main" id="{EB6AE5BA-18FA-112D-DAB3-6C0801749D23}"/>
+              </a:ext>
+            </a:extLst>
+          </p:cNvPr>
+          <p:cNvSpPr/>
+          <p:nvPr/>
+        </p:nvSpPr>
+        <p:spPr>
+          <a:xfrm>
+            <a:off x="267477" y="616140"/>
+            <a:ext cx="1719943" cy="884810"/>
+          </a:xfrm>
+          <a:prstGeom prst="roundRect">
+            <a:avLst/>
+          </a:prstGeom>
+        </p:spPr>
+        <p:style>
+          <a:lnRef idx="2">
+            <a:schemeClr val="accent1">
+              <a:shade val="15000"/>
+            </a:schemeClr>
+          </a:lnRef>
+          <a:fillRef idx="1">
+            <a:schemeClr val="accent1"/>
+          </a:fillRef>
+          <a:effectRef idx="0">
+            <a:schemeClr val="accent1"/>
+          </a:effectRef>
+          <a:fontRef idx="minor">
+            <a:schemeClr val="lt1"/>
+          </a:fontRef>
+        </p:style>
+        <p:txBody>
+          <a:bodyPr rtlCol="0" anchor="ctr"/>
+          <a:lstStyle/>
+          <a:p>
+            <a:pPr algn="ctr"/>
+            <a:r>
+              <a:rPr lang="en-US" dirty="0"/>
+              <a:t>DbContext</a:t>
+            </a:r>
+          </a:p>
+          <a:p>
+            <a:pPr algn="ctr"/>
+            <a:endParaRPr lang="en-US" dirty="0"/>
+          </a:p>
+          <a:p>
+            <a:pPr algn="ctr"/>
+            <a:endParaRPr lang="en-US" dirty="0"/>
+          </a:p>
+        </p:txBody>
+      </p:sp>
+      <p:sp>
+        <p:nvSpPr>
+          <p:cNvPr id="7" name="Rectangle: Rounded Corners 6">
+            <a:extLst>
+              <a:ext uri="{FF2B5EF4-FFF2-40B4-BE49-F238E27FC236}">
+                <a16:creationId xmlns:a16="http://schemas.microsoft.com/office/drawing/2014/main" id="{4EA67921-EC2D-CF84-9E0E-E6AF5D2D6112}"/>
+              </a:ext>
+            </a:extLst>
+          </p:cNvPr>
+          <p:cNvSpPr/>
+          <p:nvPr/>
+        </p:nvSpPr>
+        <p:spPr>
+          <a:xfrm>
+            <a:off x="2453173" y="611928"/>
+            <a:ext cx="1830356" cy="889022"/>
+          </a:xfrm>
+          <a:prstGeom prst="roundRect">
+            <a:avLst/>
+          </a:prstGeom>
+        </p:spPr>
+        <p:style>
+          <a:lnRef idx="2">
+            <a:schemeClr val="accent1">
+              <a:shade val="15000"/>
+            </a:schemeClr>
+          </a:lnRef>
+          <a:fillRef idx="1">
+            <a:schemeClr val="accent1"/>
+          </a:fillRef>
+          <a:effectRef idx="0">
+            <a:schemeClr val="accent1"/>
+          </a:effectRef>
+          <a:fontRef idx="minor">
+            <a:schemeClr val="lt1"/>
+          </a:fontRef>
+        </p:style>
+        <p:txBody>
+          <a:bodyPr rtlCol="0" anchor="ctr"/>
+          <a:lstStyle/>
+          <a:p>
+            <a:pPr algn="ctr"/>
+            <a:r>
+              <a:rPr lang="en-US" dirty="0"/>
+              <a:t>Identity</a:t>
+            </a:r>
+          </a:p>
+          <a:p>
+            <a:pPr algn="ctr"/>
+            <a:endParaRPr lang="en-US" dirty="0"/>
+          </a:p>
+          <a:p>
+            <a:pPr algn="ctr"/>
+            <a:endParaRPr lang="en-US" dirty="0"/>
+          </a:p>
+        </p:txBody>
+      </p:sp>
+      <p:sp>
+        <p:nvSpPr>
+          <p:cNvPr id="8" name="Rectangle: Rounded Corners 7">
+            <a:extLst>
+              <a:ext uri="{FF2B5EF4-FFF2-40B4-BE49-F238E27FC236}">
+                <a16:creationId xmlns:a16="http://schemas.microsoft.com/office/drawing/2014/main" id="{6DAC39AD-4F09-02D5-FC95-383501B059C9}"/>
+              </a:ext>
+            </a:extLst>
+          </p:cNvPr>
+          <p:cNvSpPr/>
+          <p:nvPr/>
+        </p:nvSpPr>
+        <p:spPr>
+          <a:xfrm>
+            <a:off x="2548035" y="931782"/>
+            <a:ext cx="1687285" cy="223935"/>
+          </a:xfrm>
+          <a:prstGeom prst="roundRect">
+            <a:avLst/>
+          </a:prstGeom>
+          <a:solidFill>
+            <a:srgbClr val="002060"/>
+          </a:solidFill>
+        </p:spPr>
+        <p:style>
+          <a:lnRef idx="2">
+            <a:schemeClr val="accent1">
+              <a:shade val="15000"/>
+            </a:schemeClr>
+          </a:lnRef>
+          <a:fillRef idx="1">
+            <a:schemeClr val="accent1"/>
+          </a:fillRef>
+          <a:effectRef idx="0">
+            <a:schemeClr val="accent1"/>
+          </a:effectRef>
+          <a:fontRef idx="minor">
+            <a:schemeClr val="lt1"/>
+          </a:fontRef>
+        </p:style>
+        <p:txBody>
+          <a:bodyPr rtlCol="0" anchor="ctr"/>
+          <a:lstStyle/>
+          <a:p>
+            <a:pPr algn="ctr"/>
+            <a:r>
+              <a:rPr lang="en-US" sz="1600" b="1" dirty="0"/>
+              <a:t>Authentication</a:t>
+            </a:r>
+          </a:p>
+        </p:txBody>
+      </p:sp>
+      <p:sp>
+        <p:nvSpPr>
+          <p:cNvPr id="9" name="Rectangle: Rounded Corners 8">
+            <a:extLst>
+              <a:ext uri="{FF2B5EF4-FFF2-40B4-BE49-F238E27FC236}">
+                <a16:creationId xmlns:a16="http://schemas.microsoft.com/office/drawing/2014/main" id="{E243626C-B92C-E934-9B37-A264783A3F93}"/>
+              </a:ext>
+            </a:extLst>
+          </p:cNvPr>
+          <p:cNvSpPr/>
+          <p:nvPr/>
+        </p:nvSpPr>
+        <p:spPr>
+          <a:xfrm>
+            <a:off x="2524708" y="1216366"/>
+            <a:ext cx="1687285" cy="223935"/>
+          </a:xfrm>
+          <a:prstGeom prst="roundRect">
+            <a:avLst/>
+          </a:prstGeom>
+          <a:solidFill>
+            <a:srgbClr val="002060"/>
+          </a:solidFill>
+        </p:spPr>
+        <p:style>
+          <a:lnRef idx="2">
+            <a:schemeClr val="accent1">
+              <a:shade val="15000"/>
+            </a:schemeClr>
+          </a:lnRef>
+          <a:fillRef idx="1">
+            <a:schemeClr val="accent1"/>
+          </a:fillRef>
+          <a:effectRef idx="0">
+            <a:schemeClr val="accent1"/>
+          </a:effectRef>
+          <a:fontRef idx="minor">
+            <a:schemeClr val="lt1"/>
+          </a:fontRef>
+        </p:style>
+        <p:txBody>
+          <a:bodyPr rtlCol="0" anchor="ctr"/>
+          <a:lstStyle/>
+          <a:p>
+            <a:pPr algn="ctr"/>
+            <a:r>
+              <a:rPr lang="en-US" sz="1600" b="1" dirty="0"/>
+              <a:t>Authorization</a:t>
+            </a:r>
+          </a:p>
+        </p:txBody>
+      </p:sp>
+      <p:sp>
+        <p:nvSpPr>
+          <p:cNvPr id="10" name="Rectangle 9">
+            <a:extLst>
+              <a:ext uri="{FF2B5EF4-FFF2-40B4-BE49-F238E27FC236}">
+                <a16:creationId xmlns:a16="http://schemas.microsoft.com/office/drawing/2014/main" id="{138297E5-8BBC-76A5-6EE8-2B5F14DF10F1}"/>
+              </a:ext>
+            </a:extLst>
+          </p:cNvPr>
+          <p:cNvSpPr/>
+          <p:nvPr/>
+        </p:nvSpPr>
+        <p:spPr>
+          <a:xfrm>
+            <a:off x="289247" y="919705"/>
+            <a:ext cx="1642187" cy="236012"/>
+          </a:xfrm>
+          <a:prstGeom prst="rect">
+            <a:avLst/>
+          </a:prstGeom>
+          <a:solidFill>
+            <a:srgbClr val="FF0000"/>
+          </a:solidFill>
+        </p:spPr>
+        <p:style>
+          <a:lnRef idx="2">
+            <a:schemeClr val="accent1">
+              <a:shade val="15000"/>
+            </a:schemeClr>
+          </a:lnRef>
+          <a:fillRef idx="1">
+            <a:schemeClr val="accent1"/>
+          </a:fillRef>
+          <a:effectRef idx="0">
+            <a:schemeClr val="accent1"/>
+          </a:effectRef>
+          <a:fontRef idx="minor">
+            <a:schemeClr val="lt1"/>
+          </a:fontRef>
+        </p:style>
+        <p:txBody>
+          <a:bodyPr rtlCol="0" anchor="ctr"/>
+          <a:lstStyle/>
+          <a:p>
+            <a:pPr algn="ctr"/>
+            <a:r>
+              <a:rPr lang="en-US" sz="1400" b="1" dirty="0"/>
+              <a:t>IdentityDbContext</a:t>
+            </a:r>
+          </a:p>
+        </p:txBody>
+      </p:sp>
+      <p:sp>
+        <p:nvSpPr>
+          <p:cNvPr id="11" name="Rectangle 10">
+            <a:extLst>
+              <a:ext uri="{FF2B5EF4-FFF2-40B4-BE49-F238E27FC236}">
+                <a16:creationId xmlns:a16="http://schemas.microsoft.com/office/drawing/2014/main" id="{4BA6123C-56E2-C097-E839-04C3DE576A37}"/>
+              </a:ext>
+            </a:extLst>
+          </p:cNvPr>
+          <p:cNvSpPr/>
+          <p:nvPr/>
+        </p:nvSpPr>
+        <p:spPr>
+          <a:xfrm>
+            <a:off x="306354" y="1210327"/>
+            <a:ext cx="1642187" cy="236012"/>
+          </a:xfrm>
+          <a:prstGeom prst="rect">
+            <a:avLst/>
+          </a:prstGeom>
+          <a:solidFill>
+            <a:srgbClr val="FF0000"/>
+          </a:solidFill>
+        </p:spPr>
+        <p:style>
+          <a:lnRef idx="2">
+            <a:schemeClr val="accent1">
+              <a:shade val="15000"/>
+            </a:schemeClr>
+          </a:lnRef>
+          <a:fillRef idx="1">
+            <a:schemeClr val="accent1"/>
+          </a:fillRef>
+          <a:effectRef idx="0">
+            <a:schemeClr val="accent1"/>
+          </a:effectRef>
+          <a:fontRef idx="minor">
+            <a:schemeClr val="lt1"/>
+          </a:fontRef>
+        </p:style>
+        <p:txBody>
+          <a:bodyPr rtlCol="0" anchor="ctr"/>
+          <a:lstStyle/>
+          <a:p>
+            <a:pPr algn="ctr"/>
+            <a:r>
+              <a:rPr lang="en-US" sz="1400" b="1" dirty="0"/>
+              <a:t>AppDbContext</a:t>
+            </a:r>
+          </a:p>
+        </p:txBody>
+      </p:sp>
+      <p:cxnSp>
+        <p:nvCxnSpPr>
+          <p:cNvPr id="13" name="Connector: Elbow 12">
+            <a:extLst>
+              <a:ext uri="{FF2B5EF4-FFF2-40B4-BE49-F238E27FC236}">
+                <a16:creationId xmlns:a16="http://schemas.microsoft.com/office/drawing/2014/main" id="{A6EEBA7E-149A-BA57-AC92-4BB88C8A6CB2}"/>
+              </a:ext>
+            </a:extLst>
+          </p:cNvPr>
+          <p:cNvCxnSpPr>
+            <a:stCxn id="10" idx="3"/>
+            <a:endCxn id="7" idx="1"/>
+          </p:cNvCxnSpPr>
+          <p:nvPr/>
+        </p:nvCxnSpPr>
+        <p:spPr>
+          <a:xfrm>
+            <a:off x="1931434" y="1037711"/>
+            <a:ext cx="521739" cy="18728"/>
+          </a:xfrm>
+          <a:prstGeom prst="bentConnector3">
+            <a:avLst/>
+          </a:prstGeom>
+          <a:ln>
+            <a:tailEnd type="triangle"/>
+          </a:ln>
+        </p:spPr>
+        <p:style>
+          <a:lnRef idx="1">
+            <a:schemeClr val="accent1"/>
+          </a:lnRef>
+          <a:fillRef idx="0">
+            <a:schemeClr val="accent1"/>
+          </a:fillRef>
+          <a:effectRef idx="0">
+            <a:schemeClr val="accent1"/>
+          </a:effectRef>
+          <a:fontRef idx="minor">
+            <a:schemeClr val="tx1"/>
+          </a:fontRef>
+        </p:style>
+      </p:cxnSp>
+      <p:sp>
+        <p:nvSpPr>
+          <p:cNvPr id="14" name="Rectangle: Rounded Corners 13">
+            <a:extLst>
+              <a:ext uri="{FF2B5EF4-FFF2-40B4-BE49-F238E27FC236}">
+                <a16:creationId xmlns:a16="http://schemas.microsoft.com/office/drawing/2014/main" id="{7019E0F3-D1B2-CA33-87E7-5CEC2E547723}"/>
+              </a:ext>
+            </a:extLst>
+          </p:cNvPr>
+          <p:cNvSpPr/>
+          <p:nvPr/>
+        </p:nvSpPr>
+        <p:spPr>
+          <a:xfrm>
+            <a:off x="4581331" y="919706"/>
+            <a:ext cx="1166326" cy="307778"/>
+          </a:xfrm>
+          <a:prstGeom prst="roundRect">
+            <a:avLst/>
+          </a:prstGeom>
+          <a:solidFill>
+            <a:srgbClr val="FF0000"/>
+          </a:solidFill>
+        </p:spPr>
+        <p:style>
+          <a:lnRef idx="2">
+            <a:schemeClr val="accent1">
+              <a:shade val="15000"/>
+            </a:schemeClr>
+          </a:lnRef>
+          <a:fillRef idx="1">
+            <a:schemeClr val="accent1"/>
+          </a:fillRef>
+          <a:effectRef idx="0">
+            <a:schemeClr val="accent1"/>
+          </a:effectRef>
+          <a:fontRef idx="minor">
+            <a:schemeClr val="lt1"/>
+          </a:fontRef>
+        </p:style>
+        <p:txBody>
+          <a:bodyPr rtlCol="0" anchor="ctr"/>
+          <a:lstStyle/>
+          <a:p>
+            <a:pPr algn="ctr"/>
+            <a:r>
+              <a:rPr lang="en-US" sz="1200" b="1" dirty="0"/>
+              <a:t>Session</a:t>
+            </a:r>
+          </a:p>
+          <a:p>
+            <a:pPr algn="ctr"/>
+            <a:r>
+              <a:rPr lang="en-US" sz="1200" b="1" dirty="0"/>
+              <a:t>For UI</a:t>
+            </a:r>
+          </a:p>
+        </p:txBody>
+      </p:sp>
+      <p:sp>
+        <p:nvSpPr>
+          <p:cNvPr id="15" name="Rectangle: Rounded Corners 14">
+            <a:extLst>
+              <a:ext uri="{FF2B5EF4-FFF2-40B4-BE49-F238E27FC236}">
+                <a16:creationId xmlns:a16="http://schemas.microsoft.com/office/drawing/2014/main" id="{CC3BA5E3-725B-3A70-F572-EC1829535588}"/>
+              </a:ext>
+            </a:extLst>
+          </p:cNvPr>
+          <p:cNvSpPr/>
+          <p:nvPr/>
+        </p:nvSpPr>
+        <p:spPr>
+          <a:xfrm>
+            <a:off x="6045459" y="933326"/>
+            <a:ext cx="2408076" cy="884810"/>
+          </a:xfrm>
+          <a:prstGeom prst="roundRect">
+            <a:avLst/>
+          </a:prstGeom>
+          <a:solidFill>
+            <a:srgbClr val="002060"/>
+          </a:solidFill>
+        </p:spPr>
+        <p:style>
+          <a:lnRef idx="2">
+            <a:schemeClr val="accent1">
+              <a:shade val="15000"/>
+            </a:schemeClr>
+          </a:lnRef>
+          <a:fillRef idx="1">
+            <a:schemeClr val="accent1"/>
+          </a:fillRef>
+          <a:effectRef idx="0">
+            <a:schemeClr val="accent1"/>
+          </a:effectRef>
+          <a:fontRef idx="minor">
+            <a:schemeClr val="lt1"/>
+          </a:fontRef>
+        </p:style>
+        <p:txBody>
+          <a:bodyPr rtlCol="0" anchor="ctr"/>
+          <a:lstStyle/>
+          <a:p>
+            <a:pPr algn="ctr"/>
+            <a:r>
+              <a:rPr lang="en-US" sz="1200" b="1" dirty="0"/>
+              <a:t>Cache</a:t>
+            </a:r>
+          </a:p>
+          <a:p>
+            <a:pPr algn="ctr"/>
+            <a:endParaRPr lang="en-US" sz="1200" b="1" dirty="0"/>
+          </a:p>
+          <a:p>
+            <a:pPr algn="ctr"/>
+            <a:endParaRPr lang="en-US" sz="1200" b="1" dirty="0"/>
+          </a:p>
+          <a:p>
+            <a:pPr algn="ctr"/>
+            <a:endParaRPr lang="en-US" sz="1200" b="1" dirty="0"/>
+          </a:p>
+          <a:p>
+            <a:pPr algn="ctr"/>
+            <a:endParaRPr lang="en-US" sz="1200" b="1" dirty="0"/>
+          </a:p>
+        </p:txBody>
+      </p:sp>
+      <p:cxnSp>
+        <p:nvCxnSpPr>
+          <p:cNvPr id="17" name="Connector: Elbow 16">
+            <a:extLst>
+              <a:ext uri="{FF2B5EF4-FFF2-40B4-BE49-F238E27FC236}">
+                <a16:creationId xmlns:a16="http://schemas.microsoft.com/office/drawing/2014/main" id="{7AC56B0E-7A4E-4C7F-75C9-8B9137A66681}"/>
+              </a:ext>
+            </a:extLst>
+          </p:cNvPr>
+          <p:cNvCxnSpPr>
+            <a:cxnSpLocks/>
+            <a:stCxn id="14" idx="2"/>
+            <a:endCxn id="15" idx="2"/>
+          </p:cNvCxnSpPr>
+          <p:nvPr/>
+        </p:nvCxnSpPr>
+        <p:spPr>
+          <a:xfrm rot="16200000" flipH="1">
+            <a:off x="5911669" y="480308"/>
+            <a:ext cx="590652" cy="2085003"/>
+          </a:xfrm>
+          <a:prstGeom prst="bentConnector3">
+            <a:avLst>
+              <a:gd name="adj1" fmla="val 138703"/>
+            </a:avLst>
+          </a:prstGeom>
+          <a:ln>
+            <a:headEnd type="triangle"/>
+            <a:tailEnd type="triangle"/>
+          </a:ln>
+        </p:spPr>
+        <p:style>
+          <a:lnRef idx="1">
+            <a:schemeClr val="accent1"/>
+          </a:lnRef>
+          <a:fillRef idx="0">
+            <a:schemeClr val="accent1"/>
+          </a:fillRef>
+          <a:effectRef idx="0">
+            <a:schemeClr val="accent1"/>
+          </a:effectRef>
+          <a:fontRef idx="minor">
+            <a:schemeClr val="tx1"/>
+          </a:fontRef>
+        </p:style>
+      </p:cxnSp>
+      <p:cxnSp>
+        <p:nvCxnSpPr>
+          <p:cNvPr id="20" name="Connector: Elbow 19">
+            <a:extLst>
+              <a:ext uri="{FF2B5EF4-FFF2-40B4-BE49-F238E27FC236}">
+                <a16:creationId xmlns:a16="http://schemas.microsoft.com/office/drawing/2014/main" id="{F282FB0D-7D24-E171-4CBF-78512760A6A5}"/>
+              </a:ext>
+            </a:extLst>
+          </p:cNvPr>
+          <p:cNvCxnSpPr>
+            <a:stCxn id="7" idx="2"/>
+            <a:endCxn id="14" idx="1"/>
+          </p:cNvCxnSpPr>
+          <p:nvPr/>
+        </p:nvCxnSpPr>
+        <p:spPr>
+          <a:xfrm rot="5400000" flipH="1" flipV="1">
+            <a:off x="3761163" y="680783"/>
+            <a:ext cx="427355" cy="1212980"/>
+          </a:xfrm>
+          <a:prstGeom prst="bentConnector4">
+            <a:avLst>
+              <a:gd name="adj1" fmla="val -53492"/>
+              <a:gd name="adj2" fmla="val 87724"/>
+            </a:avLst>
+          </a:prstGeom>
+          <a:ln>
+            <a:headEnd type="triangle"/>
+            <a:tailEnd type="triangle"/>
+          </a:ln>
+        </p:spPr>
+        <p:style>
+          <a:lnRef idx="1">
+            <a:schemeClr val="accent1"/>
+          </a:lnRef>
+          <a:fillRef idx="0">
+            <a:schemeClr val="accent1"/>
+          </a:fillRef>
+          <a:effectRef idx="0">
+            <a:schemeClr val="accent1"/>
+          </a:effectRef>
+          <a:fontRef idx="minor">
+            <a:schemeClr val="tx1"/>
+          </a:fontRef>
+        </p:style>
+      </p:cxnSp>
+      <p:sp>
+        <p:nvSpPr>
+          <p:cNvPr id="23" name="Rectangle: Rounded Corners 22">
+            <a:extLst>
+              <a:ext uri="{FF2B5EF4-FFF2-40B4-BE49-F238E27FC236}">
+                <a16:creationId xmlns:a16="http://schemas.microsoft.com/office/drawing/2014/main" id="{B9B611F3-5703-D98B-5AF2-2DE6887739FB}"/>
+              </a:ext>
+            </a:extLst>
+          </p:cNvPr>
+          <p:cNvSpPr/>
+          <p:nvPr/>
+        </p:nvSpPr>
+        <p:spPr>
+          <a:xfrm>
+            <a:off x="6089391" y="1153064"/>
+            <a:ext cx="2320212" cy="215444"/>
+          </a:xfrm>
+          <a:prstGeom prst="roundRect">
+            <a:avLst/>
+          </a:prstGeom>
+        </p:spPr>
+        <p:style>
+          <a:lnRef idx="2">
+            <a:schemeClr val="accent1">
+              <a:shade val="15000"/>
+            </a:schemeClr>
+          </a:lnRef>
+          <a:fillRef idx="1">
+            <a:schemeClr val="accent1"/>
+          </a:fillRef>
+          <a:effectRef idx="0">
+            <a:schemeClr val="accent1"/>
+          </a:effectRef>
+          <a:fontRef idx="minor">
+            <a:schemeClr val="lt1"/>
+          </a:fontRef>
+        </p:style>
+        <p:txBody>
+          <a:bodyPr rtlCol="0" anchor="ctr"/>
+          <a:lstStyle/>
+          <a:p>
+            <a:pPr algn="ctr"/>
+            <a:r>
+              <a:rPr lang="en-US" sz="1400" b="1" dirty="0"/>
+              <a:t>In-MemoryCache</a:t>
+            </a:r>
+          </a:p>
+        </p:txBody>
+      </p:sp>
+      <p:sp>
+        <p:nvSpPr>
+          <p:cNvPr id="25" name="Rectangle: Rounded Corners 24">
+            <a:extLst>
+              <a:ext uri="{FF2B5EF4-FFF2-40B4-BE49-F238E27FC236}">
+                <a16:creationId xmlns:a16="http://schemas.microsoft.com/office/drawing/2014/main" id="{1B9FABC0-CDA8-6F0D-0737-D86F4E9CF0F7}"/>
+              </a:ext>
+            </a:extLst>
+          </p:cNvPr>
+          <p:cNvSpPr/>
+          <p:nvPr/>
+        </p:nvSpPr>
+        <p:spPr>
+          <a:xfrm>
+            <a:off x="6089391" y="1505346"/>
+            <a:ext cx="2320212" cy="215444"/>
+          </a:xfrm>
+          <a:prstGeom prst="roundRect">
+            <a:avLst/>
+          </a:prstGeom>
+          <a:solidFill>
+            <a:schemeClr val="accent4">
+              <a:lumMod val="60000"/>
+              <a:lumOff val="40000"/>
+            </a:schemeClr>
+          </a:solidFill>
+        </p:spPr>
+        <p:style>
+          <a:lnRef idx="2">
+            <a:schemeClr val="accent1">
+              <a:shade val="15000"/>
+            </a:schemeClr>
+          </a:lnRef>
+          <a:fillRef idx="1">
+            <a:schemeClr val="accent1"/>
+          </a:fillRef>
+          <a:effectRef idx="0">
+            <a:schemeClr val="accent1"/>
+          </a:effectRef>
+          <a:fontRef idx="minor">
+            <a:schemeClr val="lt1"/>
+          </a:fontRef>
+        </p:style>
+        <p:txBody>
+          <a:bodyPr rtlCol="0" anchor="ctr"/>
+          <a:lstStyle/>
+          <a:p>
+            <a:pPr algn="ctr"/>
+            <a:r>
+              <a:rPr lang="en-US" sz="1400" dirty="0">
+                <a:ln w="0"/>
+                <a:solidFill>
+                  <a:schemeClr val="tx1"/>
+                </a:solidFill>
+                <a:effectLst>
+                  <a:outerShdw blurRad="38100" dist="19050" dir="2700000" algn="tl" rotWithShape="0">
+                    <a:schemeClr val="dk1">
+                      <a:alpha val="40000"/>
+                    </a:schemeClr>
+                  </a:outerShdw>
+                </a:effectLst>
+              </a:rPr>
+              <a:t>Distributed Cache (Redis)</a:t>
+            </a:r>
+          </a:p>
+        </p:txBody>
+      </p:sp>
+      <p:sp>
+        <p:nvSpPr>
+          <p:cNvPr id="26" name="Rectangle: Rounded Corners 25">
+            <a:extLst>
+              <a:ext uri="{FF2B5EF4-FFF2-40B4-BE49-F238E27FC236}">
+                <a16:creationId xmlns:a16="http://schemas.microsoft.com/office/drawing/2014/main" id="{10FC20F9-458D-385B-B4FB-92CA24E5322A}"/>
+              </a:ext>
+            </a:extLst>
+          </p:cNvPr>
+          <p:cNvSpPr/>
+          <p:nvPr/>
+        </p:nvSpPr>
+        <p:spPr>
+          <a:xfrm>
+            <a:off x="8897515" y="902548"/>
+            <a:ext cx="2028631" cy="465959"/>
+          </a:xfrm>
+          <a:prstGeom prst="roundRect">
+            <a:avLst/>
+          </a:prstGeom>
+          <a:solidFill>
+            <a:schemeClr val="bg2">
+              <a:lumMod val="10000"/>
+            </a:schemeClr>
+          </a:solidFill>
+        </p:spPr>
+        <p:style>
+          <a:lnRef idx="2">
+            <a:schemeClr val="accent1">
+              <a:shade val="15000"/>
+            </a:schemeClr>
+          </a:lnRef>
+          <a:fillRef idx="1">
+            <a:schemeClr val="accent1"/>
+          </a:fillRef>
+          <a:effectRef idx="0">
+            <a:schemeClr val="accent1"/>
+          </a:effectRef>
+          <a:fontRef idx="minor">
+            <a:schemeClr val="lt1"/>
+          </a:fontRef>
+        </p:style>
+        <p:txBody>
+          <a:bodyPr rtlCol="0" anchor="ctr"/>
+          <a:lstStyle/>
+          <a:p>
+            <a:pPr algn="ctr"/>
+            <a:r>
+              <a:rPr lang="en-US" sz="1200" b="1" dirty="0"/>
+              <a:t>Cross-Origin-Resource-Sharing (CORS)</a:t>
+            </a:r>
+          </a:p>
+        </p:txBody>
+      </p:sp>
+      <p:sp>
+        <p:nvSpPr>
+          <p:cNvPr id="27" name="Rectangle: Rounded Corners 26">
+            <a:extLst>
+              <a:ext uri="{FF2B5EF4-FFF2-40B4-BE49-F238E27FC236}">
+                <a16:creationId xmlns:a16="http://schemas.microsoft.com/office/drawing/2014/main" id="{272B70AF-C149-6827-CD9C-0227DE6C0F6D}"/>
+              </a:ext>
+            </a:extLst>
+          </p:cNvPr>
+          <p:cNvSpPr/>
+          <p:nvPr/>
+        </p:nvSpPr>
+        <p:spPr>
+          <a:xfrm>
+            <a:off x="248815" y="1808677"/>
+            <a:ext cx="2876940" cy="465959"/>
+          </a:xfrm>
+          <a:prstGeom prst="roundRect">
+            <a:avLst/>
+          </a:prstGeom>
+          <a:solidFill>
+            <a:schemeClr val="tx2"/>
+          </a:solidFill>
+        </p:spPr>
+        <p:style>
+          <a:lnRef idx="2">
+            <a:schemeClr val="accent1">
+              <a:shade val="15000"/>
+            </a:schemeClr>
+          </a:lnRef>
+          <a:fillRef idx="1">
+            <a:schemeClr val="accent1"/>
+          </a:fillRef>
+          <a:effectRef idx="0">
+            <a:schemeClr val="accent1"/>
+          </a:effectRef>
+          <a:fontRef idx="minor">
+            <a:schemeClr val="lt1"/>
+          </a:fontRef>
+        </p:style>
+        <p:txBody>
+          <a:bodyPr rtlCol="0" anchor="ctr"/>
+          <a:lstStyle/>
+          <a:p>
+            <a:pPr algn="ctr"/>
+            <a:r>
+              <a:rPr lang="en-US" sz="1200" b="1" dirty="0"/>
+              <a:t>Custom Services aka Business Logic Services those are injected in Controller  </a:t>
+            </a:r>
+          </a:p>
+        </p:txBody>
+      </p:sp>
+      <p:sp>
+        <p:nvSpPr>
+          <p:cNvPr id="28" name="Rectangle: Rounded Corners 27">
+            <a:extLst>
+              <a:ext uri="{FF2B5EF4-FFF2-40B4-BE49-F238E27FC236}">
+                <a16:creationId xmlns:a16="http://schemas.microsoft.com/office/drawing/2014/main" id="{00B491B3-BEE1-BEA4-42FD-65BDE211689C}"/>
+              </a:ext>
+            </a:extLst>
+          </p:cNvPr>
+          <p:cNvSpPr/>
+          <p:nvPr/>
+        </p:nvSpPr>
+        <p:spPr>
+          <a:xfrm>
+            <a:off x="248815" y="2408893"/>
+            <a:ext cx="2876940" cy="465959"/>
+          </a:xfrm>
+          <a:prstGeom prst="roundRect">
+            <a:avLst/>
+          </a:prstGeom>
+          <a:solidFill>
+            <a:srgbClr val="7030A0"/>
+          </a:solidFill>
+        </p:spPr>
+        <p:style>
+          <a:lnRef idx="2">
+            <a:schemeClr val="accent1">
+              <a:shade val="15000"/>
+            </a:schemeClr>
+          </a:lnRef>
+          <a:fillRef idx="1">
+            <a:schemeClr val="accent1"/>
+          </a:fillRef>
+          <a:effectRef idx="0">
+            <a:schemeClr val="accent1"/>
+          </a:effectRef>
+          <a:fontRef idx="minor">
+            <a:schemeClr val="lt1"/>
+          </a:fontRef>
+        </p:style>
+        <p:txBody>
+          <a:bodyPr rtlCol="0" anchor="ctr"/>
+          <a:lstStyle/>
+          <a:p>
+            <a:pPr algn="ctr"/>
+            <a:r>
+              <a:rPr lang="en-US" sz="1200" b="1" dirty="0"/>
+              <a:t>Third Party Services e.g. Swagger, </a:t>
+            </a:r>
+            <a:r>
+              <a:rPr lang="en-US" sz="1200" b="1" dirty="0" err="1"/>
+              <a:t>Serilog</a:t>
+            </a:r>
+            <a:r>
+              <a:rPr lang="en-US" sz="1200" b="1" dirty="0"/>
+              <a:t>, Redis, etc.</a:t>
+            </a:r>
+          </a:p>
+        </p:txBody>
+      </p:sp>
+      <p:sp>
+        <p:nvSpPr>
+          <p:cNvPr id="29" name="Rectangle: Rounded Corners 28">
+            <a:extLst>
+              <a:ext uri="{FF2B5EF4-FFF2-40B4-BE49-F238E27FC236}">
+                <a16:creationId xmlns:a16="http://schemas.microsoft.com/office/drawing/2014/main" id="{7B132F61-31F5-0AF3-9C35-0851348A36CA}"/>
+              </a:ext>
+            </a:extLst>
+          </p:cNvPr>
+          <p:cNvSpPr/>
+          <p:nvPr/>
+        </p:nvSpPr>
+        <p:spPr>
+          <a:xfrm>
+            <a:off x="8897905" y="1440301"/>
+            <a:ext cx="2028631" cy="465959"/>
+          </a:xfrm>
+          <a:prstGeom prst="roundRect">
+            <a:avLst/>
+          </a:prstGeom>
+          <a:solidFill>
+            <a:schemeClr val="accent4">
+              <a:lumMod val="50000"/>
+            </a:schemeClr>
+          </a:solidFill>
+        </p:spPr>
+        <p:style>
+          <a:lnRef idx="2">
+            <a:schemeClr val="accent1">
+              <a:shade val="15000"/>
+            </a:schemeClr>
+          </a:lnRef>
+          <a:fillRef idx="1">
+            <a:schemeClr val="accent1"/>
+          </a:fillRef>
+          <a:effectRef idx="0">
+            <a:schemeClr val="accent1"/>
+          </a:effectRef>
+          <a:fontRef idx="minor">
+            <a:schemeClr val="lt1"/>
+          </a:fontRef>
+        </p:style>
+        <p:txBody>
+          <a:bodyPr rtlCol="0" anchor="ctr"/>
+          <a:lstStyle/>
+          <a:p>
+            <a:pPr algn="ctr"/>
+            <a:r>
+              <a:rPr lang="en-US" sz="1200" b="1" dirty="0"/>
+              <a:t>Hosted Services aka Background Services</a:t>
+            </a:r>
+          </a:p>
+        </p:txBody>
+      </p:sp>
+      <p:sp>
+        <p:nvSpPr>
+          <p:cNvPr id="30" name="Rectangle 29">
+            <a:extLst>
+              <a:ext uri="{FF2B5EF4-FFF2-40B4-BE49-F238E27FC236}">
+                <a16:creationId xmlns:a16="http://schemas.microsoft.com/office/drawing/2014/main" id="{DF7E0B34-2342-69E8-8EEA-6329C16EEC1F}"/>
+              </a:ext>
+            </a:extLst>
+          </p:cNvPr>
+          <p:cNvSpPr/>
+          <p:nvPr/>
+        </p:nvSpPr>
+        <p:spPr>
+          <a:xfrm>
+            <a:off x="3521722" y="2090122"/>
+            <a:ext cx="7721665" cy="884810"/>
+          </a:xfrm>
+          <a:prstGeom prst="rect">
+            <a:avLst/>
+          </a:prstGeom>
+          <a:solidFill>
+            <a:schemeClr val="tx1">
+              <a:lumMod val="65000"/>
+              <a:lumOff val="35000"/>
+              <a:alpha val="50000"/>
+            </a:schemeClr>
+          </a:solidFill>
+          <a:ln>
+            <a:noFill/>
+          </a:ln>
+        </p:spPr>
+        <p:style>
+          <a:lnRef idx="0">
+            <a:scrgbClr r="0" g="0" b="0"/>
+          </a:lnRef>
+          <a:fillRef idx="0">
+            <a:scrgbClr r="0" g="0" b="0"/>
+          </a:fillRef>
+          <a:effectRef idx="0">
+            <a:scrgbClr r="0" g="0" b="0"/>
+          </a:effectRef>
+          <a:fontRef idx="minor">
+            <a:schemeClr val="lt1"/>
+          </a:fontRef>
+        </p:style>
+        <p:txBody>
+          <a:bodyPr rtlCol="0" anchor="ctr"/>
+          <a:lstStyle/>
+          <a:p>
+            <a:pPr algn="ctr"/>
+            <a:endParaRPr lang="en-US"/>
+          </a:p>
+        </p:txBody>
+      </p:sp>
+      <p:sp>
+        <p:nvSpPr>
+          <p:cNvPr id="31" name="TextBox 30">
+            <a:extLst>
+              <a:ext uri="{FF2B5EF4-FFF2-40B4-BE49-F238E27FC236}">
+                <a16:creationId xmlns:a16="http://schemas.microsoft.com/office/drawing/2014/main" id="{584EB547-7E85-AC95-852C-D1EC06512A7D}"/>
+              </a:ext>
+            </a:extLst>
+          </p:cNvPr>
+          <p:cNvSpPr txBox="1"/>
+          <p:nvPr/>
+        </p:nvSpPr>
+        <p:spPr>
+          <a:xfrm>
+            <a:off x="6363478" y="2090122"/>
+            <a:ext cx="2174032" cy="307777"/>
+          </a:xfrm>
+          <a:prstGeom prst="rect">
+            <a:avLst/>
+          </a:prstGeom>
+          <a:noFill/>
+        </p:spPr>
+        <p:txBody>
+          <a:bodyPr wrap="square" rtlCol="0">
+            <a:spAutoFit/>
+          </a:bodyPr>
+          <a:lstStyle/>
+          <a:p>
+            <a:pPr algn="ctr"/>
+            <a:r>
+              <a:rPr lang="en-US" sz="1400" b="1" dirty="0"/>
+              <a:t>Resources Services</a:t>
+            </a:r>
+          </a:p>
+        </p:txBody>
+      </p:sp>
+      <p:sp>
+        <p:nvSpPr>
+          <p:cNvPr id="32" name="Rectangle: Rounded Corners 31">
+            <a:extLst>
+              <a:ext uri="{FF2B5EF4-FFF2-40B4-BE49-F238E27FC236}">
+                <a16:creationId xmlns:a16="http://schemas.microsoft.com/office/drawing/2014/main" id="{97C07ECD-6228-6B81-8003-46B49DCE27B8}"/>
+              </a:ext>
+            </a:extLst>
+          </p:cNvPr>
+          <p:cNvSpPr/>
+          <p:nvPr/>
+        </p:nvSpPr>
+        <p:spPr>
+          <a:xfrm>
+            <a:off x="3638939" y="2408893"/>
+            <a:ext cx="2631232" cy="399621"/>
+          </a:xfrm>
+          <a:prstGeom prst="roundRect">
+            <a:avLst/>
+          </a:prstGeom>
+          <a:solidFill>
+            <a:srgbClr val="92D050"/>
+          </a:solidFill>
+        </p:spPr>
+        <p:style>
+          <a:lnRef idx="2">
+            <a:schemeClr val="accent1">
+              <a:shade val="15000"/>
+            </a:schemeClr>
+          </a:lnRef>
+          <a:fillRef idx="1">
+            <a:schemeClr val="accent1"/>
+          </a:fillRef>
+          <a:effectRef idx="0">
+            <a:schemeClr val="accent1"/>
+          </a:effectRef>
+          <a:fontRef idx="minor">
+            <a:schemeClr val="lt1"/>
+          </a:fontRef>
+        </p:style>
+        <p:txBody>
+          <a:bodyPr rtlCol="0" anchor="ctr"/>
+          <a:lstStyle/>
+          <a:p>
+            <a:pPr algn="ctr"/>
+            <a:r>
+              <a:rPr lang="en-US" sz="1400" b="1" dirty="0"/>
+              <a:t>Controllers With Views</a:t>
+            </a:r>
+          </a:p>
+          <a:p>
+            <a:pPr algn="ctr"/>
+            <a:r>
+              <a:rPr lang="en-US" sz="1400" b="1" dirty="0"/>
+              <a:t>MVC, APIs</a:t>
+            </a:r>
+            <a:endParaRPr lang="en-US" sz="1600" b="1" dirty="0"/>
+          </a:p>
+        </p:txBody>
+      </p:sp>
+      <p:sp>
+        <p:nvSpPr>
+          <p:cNvPr id="33" name="Rectangle: Rounded Corners 32">
+            <a:extLst>
+              <a:ext uri="{FF2B5EF4-FFF2-40B4-BE49-F238E27FC236}">
+                <a16:creationId xmlns:a16="http://schemas.microsoft.com/office/drawing/2014/main" id="{6D33077C-598E-4DB3-B0D7-5EE188DB8652}"/>
+              </a:ext>
+            </a:extLst>
+          </p:cNvPr>
+          <p:cNvSpPr/>
+          <p:nvPr/>
+        </p:nvSpPr>
+        <p:spPr>
+          <a:xfrm>
+            <a:off x="6362991" y="2399325"/>
+            <a:ext cx="2631232" cy="399621"/>
+          </a:xfrm>
+          <a:prstGeom prst="roundRect">
+            <a:avLst/>
+          </a:prstGeom>
+          <a:solidFill>
+            <a:srgbClr val="00B0F0"/>
+          </a:solidFill>
+        </p:spPr>
+        <p:style>
+          <a:lnRef idx="2">
+            <a:schemeClr val="accent1">
+              <a:shade val="15000"/>
+            </a:schemeClr>
+          </a:lnRef>
+          <a:fillRef idx="1">
+            <a:schemeClr val="accent1"/>
+          </a:fillRef>
+          <a:effectRef idx="0">
+            <a:schemeClr val="accent1"/>
+          </a:effectRef>
+          <a:fontRef idx="minor">
+            <a:schemeClr val="lt1"/>
+          </a:fontRef>
+        </p:style>
+        <p:txBody>
+          <a:bodyPr rtlCol="0" anchor="ctr"/>
+          <a:lstStyle/>
+          <a:p>
+            <a:pPr algn="ctr"/>
+            <a:r>
+              <a:rPr lang="en-US" sz="1400" b="1" dirty="0"/>
+              <a:t>Controllers only for APIs </a:t>
+            </a:r>
+            <a:endParaRPr lang="en-US" sz="1600" b="1" dirty="0"/>
+          </a:p>
+        </p:txBody>
+      </p:sp>
+      <p:sp>
+        <p:nvSpPr>
+          <p:cNvPr id="34" name="Rectangle: Rounded Corners 33">
+            <a:extLst>
+              <a:ext uri="{FF2B5EF4-FFF2-40B4-BE49-F238E27FC236}">
+                <a16:creationId xmlns:a16="http://schemas.microsoft.com/office/drawing/2014/main" id="{2CEEC530-E727-358E-13FD-56F60CFFE45D}"/>
+              </a:ext>
+            </a:extLst>
+          </p:cNvPr>
+          <p:cNvSpPr/>
+          <p:nvPr/>
+        </p:nvSpPr>
+        <p:spPr>
+          <a:xfrm>
+            <a:off x="9083251" y="2426856"/>
+            <a:ext cx="2067315" cy="399621"/>
+          </a:xfrm>
+          <a:prstGeom prst="roundRect">
+            <a:avLst/>
+          </a:prstGeom>
+          <a:solidFill>
+            <a:srgbClr val="002060"/>
+          </a:solidFill>
+        </p:spPr>
+        <p:style>
+          <a:lnRef idx="2">
+            <a:schemeClr val="accent1">
+              <a:shade val="15000"/>
+            </a:schemeClr>
+          </a:lnRef>
+          <a:fillRef idx="1">
+            <a:schemeClr val="accent1"/>
+          </a:fillRef>
+          <a:effectRef idx="0">
+            <a:schemeClr val="accent1"/>
+          </a:effectRef>
+          <a:fontRef idx="minor">
+            <a:schemeClr val="lt1"/>
+          </a:fontRef>
+        </p:style>
+        <p:txBody>
+          <a:bodyPr rtlCol="0" anchor="ctr"/>
+          <a:lstStyle/>
+          <a:p>
+            <a:pPr algn="ctr"/>
+            <a:r>
+              <a:rPr lang="en-US" sz="1400" b="1" dirty="0"/>
+              <a:t>Razor Pages, Razor Pages Apps</a:t>
+            </a:r>
+            <a:endParaRPr lang="en-US" sz="1600" b="1" dirty="0"/>
+          </a:p>
+        </p:txBody>
+      </p:sp>
+      <p:sp>
+        <p:nvSpPr>
+          <p:cNvPr id="35" name="Rectangle 34">
+            <a:extLst>
+              <a:ext uri="{FF2B5EF4-FFF2-40B4-BE49-F238E27FC236}">
+                <a16:creationId xmlns:a16="http://schemas.microsoft.com/office/drawing/2014/main" id="{6291AEC6-A7FA-9219-9225-566FA5106649}"/>
+              </a:ext>
+            </a:extLst>
+          </p:cNvPr>
+          <p:cNvSpPr/>
+          <p:nvPr/>
+        </p:nvSpPr>
+        <p:spPr>
+          <a:xfrm>
+            <a:off x="165619" y="3230034"/>
+            <a:ext cx="11781454" cy="2457843"/>
+          </a:xfrm>
+          <a:prstGeom prst="rect">
+            <a:avLst/>
+          </a:prstGeom>
+          <a:solidFill>
+            <a:schemeClr val="accent4">
+              <a:lumMod val="20000"/>
+              <a:lumOff val="80000"/>
+            </a:schemeClr>
+          </a:solidFill>
+        </p:spPr>
+        <p:style>
+          <a:lnRef idx="0">
+            <a:schemeClr val="dk1"/>
+          </a:lnRef>
+          <a:fillRef idx="3">
+            <a:schemeClr val="dk1"/>
+          </a:fillRef>
+          <a:effectRef idx="3">
+            <a:schemeClr val="dk1"/>
+          </a:effectRef>
+          <a:fontRef idx="minor">
+            <a:schemeClr val="lt1"/>
+          </a:fontRef>
+        </p:style>
+        <p:txBody>
+          <a:bodyPr rtlCol="0" anchor="ctr"/>
+          <a:lstStyle/>
+          <a:p>
+            <a:pPr algn="ctr"/>
+            <a:endParaRPr lang="en-US"/>
+          </a:p>
+        </p:txBody>
+      </p:sp>
+      <p:sp>
+        <p:nvSpPr>
+          <p:cNvPr id="36" name="TextBox 35">
+            <a:extLst>
+              <a:ext uri="{FF2B5EF4-FFF2-40B4-BE49-F238E27FC236}">
+                <a16:creationId xmlns:a16="http://schemas.microsoft.com/office/drawing/2014/main" id="{EC207FA5-5124-F2F1-93B7-B2BD6C916A58}"/>
+              </a:ext>
+            </a:extLst>
+          </p:cNvPr>
+          <p:cNvSpPr txBox="1"/>
+          <p:nvPr/>
+        </p:nvSpPr>
+        <p:spPr>
+          <a:xfrm>
+            <a:off x="671804" y="3284135"/>
+            <a:ext cx="10748865" cy="261610"/>
+          </a:xfrm>
+          <a:prstGeom prst="rect">
+            <a:avLst/>
+          </a:prstGeom>
+          <a:noFill/>
+        </p:spPr>
+        <p:txBody>
+          <a:bodyPr wrap="square" rtlCol="0">
+            <a:spAutoFit/>
+          </a:bodyPr>
+          <a:lstStyle/>
+          <a:p>
+            <a:pPr algn="ctr"/>
+            <a:r>
+              <a:rPr lang="en-US" sz="1100" b="1" dirty="0"/>
+              <a:t>Middleware</a:t>
+            </a:r>
+          </a:p>
+        </p:txBody>
+      </p:sp>
+      <p:sp>
+        <p:nvSpPr>
+          <p:cNvPr id="37" name="Rectangle 36">
+            <a:extLst>
+              <a:ext uri="{FF2B5EF4-FFF2-40B4-BE49-F238E27FC236}">
+                <a16:creationId xmlns:a16="http://schemas.microsoft.com/office/drawing/2014/main" id="{98ACF5EE-984B-D789-6104-FE5E92648B39}"/>
+              </a:ext>
+            </a:extLst>
+          </p:cNvPr>
+          <p:cNvSpPr/>
+          <p:nvPr/>
+        </p:nvSpPr>
+        <p:spPr>
+          <a:xfrm>
+            <a:off x="243566" y="3421240"/>
+            <a:ext cx="1449356" cy="431864"/>
+          </a:xfrm>
+          <a:prstGeom prst="rect">
+            <a:avLst/>
+          </a:prstGeom>
+        </p:spPr>
+        <p:style>
+          <a:lnRef idx="2">
+            <a:schemeClr val="accent1">
+              <a:shade val="15000"/>
+            </a:schemeClr>
+          </a:lnRef>
+          <a:fillRef idx="1">
+            <a:schemeClr val="accent1"/>
+          </a:fillRef>
+          <a:effectRef idx="0">
+            <a:schemeClr val="accent1"/>
+          </a:effectRef>
+          <a:fontRef idx="minor">
+            <a:schemeClr val="lt1"/>
+          </a:fontRef>
+        </p:style>
+        <p:txBody>
+          <a:bodyPr rtlCol="0" anchor="ctr"/>
+          <a:lstStyle/>
+          <a:p>
+            <a:pPr algn="ctr"/>
+            <a:r>
+              <a:rPr lang="en-US" sz="1200" b="1" dirty="0"/>
+              <a:t>ExceptionHandler</a:t>
+            </a:r>
+          </a:p>
+          <a:p>
+            <a:pPr algn="ctr"/>
+            <a:r>
+              <a:rPr lang="en-US" sz="1200" b="1" dirty="0"/>
+              <a:t>Default Error Page</a:t>
+            </a:r>
+          </a:p>
+        </p:txBody>
+      </p:sp>
+      <p:sp>
+        <p:nvSpPr>
+          <p:cNvPr id="38" name="Rectangle 37">
+            <a:extLst>
+              <a:ext uri="{FF2B5EF4-FFF2-40B4-BE49-F238E27FC236}">
+                <a16:creationId xmlns:a16="http://schemas.microsoft.com/office/drawing/2014/main" id="{53550D11-EEDD-3A23-7406-10D3B438895D}"/>
+              </a:ext>
+            </a:extLst>
+          </p:cNvPr>
+          <p:cNvSpPr/>
+          <p:nvPr/>
+        </p:nvSpPr>
+        <p:spPr>
+          <a:xfrm>
+            <a:off x="1998207" y="3458613"/>
+            <a:ext cx="1449356" cy="431864"/>
+          </a:xfrm>
+          <a:prstGeom prst="rect">
+            <a:avLst/>
+          </a:prstGeom>
+        </p:spPr>
+        <p:style>
+          <a:lnRef idx="2">
+            <a:schemeClr val="accent1">
+              <a:shade val="15000"/>
+            </a:schemeClr>
+          </a:lnRef>
+          <a:fillRef idx="1">
+            <a:schemeClr val="accent1"/>
+          </a:fillRef>
+          <a:effectRef idx="0">
+            <a:schemeClr val="accent1"/>
+          </a:effectRef>
+          <a:fontRef idx="minor">
+            <a:schemeClr val="lt1"/>
+          </a:fontRef>
+        </p:style>
+        <p:txBody>
+          <a:bodyPr rtlCol="0" anchor="ctr"/>
+          <a:lstStyle/>
+          <a:p>
+            <a:pPr algn="ctr"/>
+            <a:r>
+              <a:rPr lang="en-US" sz="1200" b="1" dirty="0" err="1"/>
+              <a:t>HttpsRedirection</a:t>
+            </a:r>
+            <a:endParaRPr lang="en-US" sz="1200" b="1" dirty="0"/>
+          </a:p>
+        </p:txBody>
+      </p:sp>
+      <p:cxnSp>
+        <p:nvCxnSpPr>
+          <p:cNvPr id="40" name="Connector: Elbow 39">
+            <a:extLst>
+              <a:ext uri="{FF2B5EF4-FFF2-40B4-BE49-F238E27FC236}">
+                <a16:creationId xmlns:a16="http://schemas.microsoft.com/office/drawing/2014/main" id="{6BAC45B3-7CB4-F090-CDA1-0C5AA44D4029}"/>
+              </a:ext>
+            </a:extLst>
+          </p:cNvPr>
+          <p:cNvCxnSpPr>
+            <a:stCxn id="37" idx="0"/>
+            <a:endCxn id="38" idx="0"/>
+          </p:cNvCxnSpPr>
+          <p:nvPr/>
+        </p:nvCxnSpPr>
+        <p:spPr>
+          <a:xfrm rot="16200000" flipH="1">
+            <a:off x="1826877" y="2562606"/>
+            <a:ext cx="37373" cy="1754641"/>
+          </a:xfrm>
+          <a:prstGeom prst="bentConnector3">
+            <a:avLst>
+              <a:gd name="adj1" fmla="val -611672"/>
+            </a:avLst>
+          </a:prstGeom>
+          <a:ln>
+            <a:tailEnd type="triangle"/>
+          </a:ln>
+        </p:spPr>
+        <p:style>
+          <a:lnRef idx="1">
+            <a:schemeClr val="accent1"/>
+          </a:lnRef>
+          <a:fillRef idx="0">
+            <a:schemeClr val="accent1"/>
+          </a:fillRef>
+          <a:effectRef idx="0">
+            <a:schemeClr val="accent1"/>
+          </a:effectRef>
+          <a:fontRef idx="minor">
+            <a:schemeClr val="tx1"/>
+          </a:fontRef>
+        </p:style>
+      </p:cxnSp>
+      <p:sp>
+        <p:nvSpPr>
+          <p:cNvPr id="42" name="Rectangle 41">
+            <a:extLst>
+              <a:ext uri="{FF2B5EF4-FFF2-40B4-BE49-F238E27FC236}">
+                <a16:creationId xmlns:a16="http://schemas.microsoft.com/office/drawing/2014/main" id="{5ADE0750-40F9-89F5-DBC3-658E2B884F36}"/>
+              </a:ext>
+            </a:extLst>
+          </p:cNvPr>
+          <p:cNvSpPr/>
+          <p:nvPr/>
+        </p:nvSpPr>
+        <p:spPr>
+          <a:xfrm>
+            <a:off x="3561183" y="3453417"/>
+            <a:ext cx="827314" cy="431864"/>
+          </a:xfrm>
+          <a:prstGeom prst="rect">
+            <a:avLst/>
+          </a:prstGeom>
+        </p:spPr>
+        <p:style>
+          <a:lnRef idx="2">
+            <a:schemeClr val="accent1">
+              <a:shade val="15000"/>
+            </a:schemeClr>
+          </a:lnRef>
+          <a:fillRef idx="1">
+            <a:schemeClr val="accent1"/>
+          </a:fillRef>
+          <a:effectRef idx="0">
+            <a:schemeClr val="accent1"/>
+          </a:effectRef>
+          <a:fontRef idx="minor">
+            <a:schemeClr val="lt1"/>
+          </a:fontRef>
+        </p:style>
+        <p:txBody>
+          <a:bodyPr rtlCol="0" anchor="ctr"/>
+          <a:lstStyle/>
+          <a:p>
+            <a:pPr algn="ctr"/>
+            <a:r>
+              <a:rPr lang="en-US" sz="1200" b="1" dirty="0"/>
+              <a:t>HSTS</a:t>
+            </a:r>
+          </a:p>
+        </p:txBody>
+      </p:sp>
+      <p:cxnSp>
+        <p:nvCxnSpPr>
+          <p:cNvPr id="44" name="Connector: Elbow 43">
+            <a:extLst>
+              <a:ext uri="{FF2B5EF4-FFF2-40B4-BE49-F238E27FC236}">
+                <a16:creationId xmlns:a16="http://schemas.microsoft.com/office/drawing/2014/main" id="{CB15035C-6BD7-C08F-338B-26080C70FF69}"/>
+              </a:ext>
+            </a:extLst>
+          </p:cNvPr>
+          <p:cNvCxnSpPr>
+            <a:stCxn id="38" idx="0"/>
+            <a:endCxn id="42" idx="0"/>
+          </p:cNvCxnSpPr>
+          <p:nvPr/>
+        </p:nvCxnSpPr>
+        <p:spPr>
+          <a:xfrm rot="5400000" flipH="1" flipV="1">
+            <a:off x="3346264" y="2830038"/>
+            <a:ext cx="5196" cy="1251955"/>
+          </a:xfrm>
+          <a:prstGeom prst="bentConnector3">
+            <a:avLst>
+              <a:gd name="adj1" fmla="val 4499538"/>
+            </a:avLst>
+          </a:prstGeom>
+          <a:ln>
+            <a:tailEnd type="triangle"/>
+          </a:ln>
+        </p:spPr>
+        <p:style>
+          <a:lnRef idx="1">
+            <a:schemeClr val="accent1"/>
+          </a:lnRef>
+          <a:fillRef idx="0">
+            <a:schemeClr val="accent1"/>
+          </a:fillRef>
+          <a:effectRef idx="0">
+            <a:schemeClr val="accent1"/>
+          </a:effectRef>
+          <a:fontRef idx="minor">
+            <a:schemeClr val="tx1"/>
+          </a:fontRef>
+        </p:style>
+      </p:cxnSp>
+      <p:sp>
+        <p:nvSpPr>
+          <p:cNvPr id="49" name="Rectangle 48">
+            <a:extLst>
+              <a:ext uri="{FF2B5EF4-FFF2-40B4-BE49-F238E27FC236}">
+                <a16:creationId xmlns:a16="http://schemas.microsoft.com/office/drawing/2014/main" id="{26E3CB54-F065-1170-B3C1-C62CB14F49CB}"/>
+              </a:ext>
+            </a:extLst>
+          </p:cNvPr>
+          <p:cNvSpPr/>
+          <p:nvPr/>
+        </p:nvSpPr>
+        <p:spPr>
+          <a:xfrm>
+            <a:off x="4813138" y="3464372"/>
+            <a:ext cx="827314" cy="431864"/>
+          </a:xfrm>
+          <a:prstGeom prst="rect">
+            <a:avLst/>
+          </a:prstGeom>
+        </p:spPr>
+        <p:style>
+          <a:lnRef idx="2">
+            <a:schemeClr val="accent1">
+              <a:shade val="15000"/>
+            </a:schemeClr>
+          </a:lnRef>
+          <a:fillRef idx="1">
+            <a:schemeClr val="accent1"/>
+          </a:fillRef>
+          <a:effectRef idx="0">
+            <a:schemeClr val="accent1"/>
+          </a:effectRef>
+          <a:fontRef idx="minor">
+            <a:schemeClr val="lt1"/>
+          </a:fontRef>
+        </p:style>
+        <p:txBody>
+          <a:bodyPr rtlCol="0" anchor="ctr"/>
+          <a:lstStyle/>
+          <a:p>
+            <a:pPr algn="ctr"/>
+            <a:r>
+              <a:rPr lang="en-US" sz="1200" b="1" dirty="0"/>
+              <a:t>CORS</a:t>
+            </a:r>
+          </a:p>
+        </p:txBody>
+      </p:sp>
+      <p:cxnSp>
+        <p:nvCxnSpPr>
+          <p:cNvPr id="55" name="Connector: Elbow 54">
+            <a:extLst>
+              <a:ext uri="{FF2B5EF4-FFF2-40B4-BE49-F238E27FC236}">
+                <a16:creationId xmlns:a16="http://schemas.microsoft.com/office/drawing/2014/main" id="{951EF58B-9A5D-BDE5-E352-8DA4D00C27EC}"/>
+              </a:ext>
+            </a:extLst>
+          </p:cNvPr>
+          <p:cNvCxnSpPr>
+            <a:stCxn id="42" idx="0"/>
+            <a:endCxn id="49" idx="0"/>
+          </p:cNvCxnSpPr>
+          <p:nvPr/>
+        </p:nvCxnSpPr>
+        <p:spPr>
+          <a:xfrm rot="16200000" flipH="1">
+            <a:off x="4595339" y="2832917"/>
+            <a:ext cx="10955" cy="1251955"/>
+          </a:xfrm>
+          <a:prstGeom prst="bentConnector3">
+            <a:avLst>
+              <a:gd name="adj1" fmla="val -2086718"/>
+            </a:avLst>
+          </a:prstGeom>
+          <a:ln>
+            <a:tailEnd type="triangle"/>
+          </a:ln>
+        </p:spPr>
+        <p:style>
+          <a:lnRef idx="1">
+            <a:schemeClr val="accent1"/>
+          </a:lnRef>
+          <a:fillRef idx="0">
+            <a:schemeClr val="accent1"/>
+          </a:fillRef>
+          <a:effectRef idx="0">
+            <a:schemeClr val="accent1"/>
+          </a:effectRef>
+          <a:fontRef idx="minor">
+            <a:schemeClr val="tx1"/>
+          </a:fontRef>
+        </p:style>
+      </p:cxnSp>
+      <p:sp>
+        <p:nvSpPr>
+          <p:cNvPr id="56" name="Rectangle 55">
+            <a:extLst>
+              <a:ext uri="{FF2B5EF4-FFF2-40B4-BE49-F238E27FC236}">
+                <a16:creationId xmlns:a16="http://schemas.microsoft.com/office/drawing/2014/main" id="{6F730B01-65FB-2009-3F48-1B94C677B302}"/>
+              </a:ext>
+            </a:extLst>
+          </p:cNvPr>
+          <p:cNvSpPr/>
+          <p:nvPr/>
+        </p:nvSpPr>
+        <p:spPr>
+          <a:xfrm>
+            <a:off x="6411198" y="3420980"/>
+            <a:ext cx="1251956" cy="431864"/>
+          </a:xfrm>
+          <a:prstGeom prst="rect">
+            <a:avLst/>
+          </a:prstGeom>
+        </p:spPr>
+        <p:style>
+          <a:lnRef idx="2">
+            <a:schemeClr val="accent1">
+              <a:shade val="15000"/>
+            </a:schemeClr>
+          </a:lnRef>
+          <a:fillRef idx="1">
+            <a:schemeClr val="accent1"/>
+          </a:fillRef>
+          <a:effectRef idx="0">
+            <a:schemeClr val="accent1"/>
+          </a:effectRef>
+          <a:fontRef idx="minor">
+            <a:schemeClr val="lt1"/>
+          </a:fontRef>
+        </p:style>
+        <p:txBody>
+          <a:bodyPr rtlCol="0" anchor="ctr"/>
+          <a:lstStyle/>
+          <a:p>
+            <a:pPr algn="ctr"/>
+            <a:r>
+              <a:rPr lang="en-US" sz="1050" b="1" dirty="0"/>
+              <a:t>Routing</a:t>
+            </a:r>
+          </a:p>
+          <a:p>
+            <a:pPr algn="ctr"/>
+            <a:r>
+              <a:rPr lang="en-US" sz="1050" b="1" dirty="0"/>
+              <a:t>Read the URL and Http Request Type</a:t>
+            </a:r>
+          </a:p>
+        </p:txBody>
+      </p:sp>
+      <p:cxnSp>
+        <p:nvCxnSpPr>
+          <p:cNvPr id="58" name="Connector: Elbow 57">
+            <a:extLst>
+              <a:ext uri="{FF2B5EF4-FFF2-40B4-BE49-F238E27FC236}">
+                <a16:creationId xmlns:a16="http://schemas.microsoft.com/office/drawing/2014/main" id="{23599058-0DDB-950B-0411-5038D33E23DF}"/>
+              </a:ext>
+            </a:extLst>
+          </p:cNvPr>
+          <p:cNvCxnSpPr>
+            <a:stCxn id="49" idx="0"/>
+            <a:endCxn id="56" idx="0"/>
+          </p:cNvCxnSpPr>
+          <p:nvPr/>
+        </p:nvCxnSpPr>
+        <p:spPr>
+          <a:xfrm rot="5400000" flipH="1" flipV="1">
+            <a:off x="6110289" y="2537486"/>
+            <a:ext cx="43392" cy="1810381"/>
+          </a:xfrm>
+          <a:prstGeom prst="bentConnector3">
+            <a:avLst>
+              <a:gd name="adj1" fmla="val 626825"/>
+            </a:avLst>
+          </a:prstGeom>
+          <a:ln>
+            <a:tailEnd type="triangle"/>
+          </a:ln>
+        </p:spPr>
+        <p:style>
+          <a:lnRef idx="1">
+            <a:schemeClr val="accent1"/>
+          </a:lnRef>
+          <a:fillRef idx="0">
+            <a:schemeClr val="accent1"/>
+          </a:fillRef>
+          <a:effectRef idx="0">
+            <a:schemeClr val="accent1"/>
+          </a:effectRef>
+          <a:fontRef idx="minor">
+            <a:schemeClr val="tx1"/>
+          </a:fontRef>
+        </p:style>
+      </p:cxnSp>
+      <p:sp>
+        <p:nvSpPr>
+          <p:cNvPr id="59" name="Rectangle 58">
+            <a:extLst>
+              <a:ext uri="{FF2B5EF4-FFF2-40B4-BE49-F238E27FC236}">
+                <a16:creationId xmlns:a16="http://schemas.microsoft.com/office/drawing/2014/main" id="{8D0958AE-80C8-EC94-22CA-2A9F7346F18E}"/>
+              </a:ext>
+            </a:extLst>
+          </p:cNvPr>
+          <p:cNvSpPr/>
+          <p:nvPr/>
+        </p:nvSpPr>
+        <p:spPr>
+          <a:xfrm>
+            <a:off x="8227268" y="3429000"/>
+            <a:ext cx="1251956" cy="431864"/>
+          </a:xfrm>
+          <a:prstGeom prst="rect">
+            <a:avLst/>
+          </a:prstGeom>
+        </p:spPr>
+        <p:style>
+          <a:lnRef idx="2">
+            <a:schemeClr val="accent1">
+              <a:shade val="15000"/>
+            </a:schemeClr>
+          </a:lnRef>
+          <a:fillRef idx="1">
+            <a:schemeClr val="accent1"/>
+          </a:fillRef>
+          <a:effectRef idx="0">
+            <a:schemeClr val="accent1"/>
+          </a:effectRef>
+          <a:fontRef idx="minor">
+            <a:schemeClr val="lt1"/>
+          </a:fontRef>
+        </p:style>
+        <p:txBody>
+          <a:bodyPr rtlCol="0" anchor="ctr"/>
+          <a:lstStyle/>
+          <a:p>
+            <a:pPr algn="ctr"/>
+            <a:r>
+              <a:rPr lang="en-US" sz="900" b="1" dirty="0"/>
+              <a:t>Static Files for FileIO uses for Uploading and Downloading</a:t>
+            </a:r>
+          </a:p>
+        </p:txBody>
+      </p:sp>
+      <p:cxnSp>
+        <p:nvCxnSpPr>
+          <p:cNvPr id="61" name="Connector: Elbow 60">
+            <a:extLst>
+              <a:ext uri="{FF2B5EF4-FFF2-40B4-BE49-F238E27FC236}">
+                <a16:creationId xmlns:a16="http://schemas.microsoft.com/office/drawing/2014/main" id="{A1F19B30-6020-FE2A-A8A2-D3C3521D01B1}"/>
+              </a:ext>
+            </a:extLst>
+          </p:cNvPr>
+          <p:cNvCxnSpPr>
+            <a:stCxn id="56" idx="0"/>
+            <a:endCxn id="59" idx="0"/>
+          </p:cNvCxnSpPr>
+          <p:nvPr/>
+        </p:nvCxnSpPr>
+        <p:spPr>
+          <a:xfrm rot="16200000" flipH="1">
+            <a:off x="7941201" y="2516955"/>
+            <a:ext cx="8020" cy="1816070"/>
+          </a:xfrm>
+          <a:prstGeom prst="bentConnector3">
+            <a:avLst>
+              <a:gd name="adj1" fmla="val -2850374"/>
+            </a:avLst>
+          </a:prstGeom>
+          <a:ln>
+            <a:tailEnd type="triangle"/>
+          </a:ln>
+        </p:spPr>
+        <p:style>
+          <a:lnRef idx="1">
+            <a:schemeClr val="accent1"/>
+          </a:lnRef>
+          <a:fillRef idx="0">
+            <a:schemeClr val="accent1"/>
+          </a:fillRef>
+          <a:effectRef idx="0">
+            <a:schemeClr val="accent1"/>
+          </a:effectRef>
+          <a:fontRef idx="minor">
+            <a:schemeClr val="tx1"/>
+          </a:fontRef>
+        </p:style>
+      </p:cxnSp>
+      <p:cxnSp>
+        <p:nvCxnSpPr>
+          <p:cNvPr id="63" name="Connector: Elbow 62">
+            <a:extLst>
+              <a:ext uri="{FF2B5EF4-FFF2-40B4-BE49-F238E27FC236}">
+                <a16:creationId xmlns:a16="http://schemas.microsoft.com/office/drawing/2014/main" id="{39307D8B-8004-ED28-D31A-6702A901F615}"/>
+              </a:ext>
+            </a:extLst>
+          </p:cNvPr>
+          <p:cNvCxnSpPr>
+            <a:cxnSpLocks/>
+            <a:stCxn id="49" idx="0"/>
+            <a:endCxn id="26" idx="3"/>
+          </p:cNvCxnSpPr>
+          <p:nvPr/>
+        </p:nvCxnSpPr>
+        <p:spPr>
+          <a:xfrm rot="5400000" flipH="1" flipV="1">
+            <a:off x="6912048" y="-549725"/>
+            <a:ext cx="2328844" cy="5699351"/>
+          </a:xfrm>
+          <a:prstGeom prst="bentConnector4">
+            <a:avLst>
+              <a:gd name="adj1" fmla="val 44998"/>
+              <a:gd name="adj2" fmla="val 104011"/>
+            </a:avLst>
+          </a:prstGeom>
+          <a:ln w="76200">
+            <a:solidFill>
+              <a:srgbClr val="FF0000"/>
+            </a:solidFill>
+            <a:prstDash val="sysDash"/>
+            <a:headEnd type="triangle"/>
+            <a:tailEnd type="triangle"/>
+          </a:ln>
+        </p:spPr>
+        <p:style>
+          <a:lnRef idx="1">
+            <a:schemeClr val="accent1"/>
+          </a:lnRef>
+          <a:fillRef idx="0">
+            <a:schemeClr val="accent1"/>
+          </a:fillRef>
+          <a:effectRef idx="0">
+            <a:schemeClr val="accent1"/>
+          </a:effectRef>
+          <a:fontRef idx="minor">
+            <a:schemeClr val="tx1"/>
+          </a:fontRef>
+        </p:style>
+      </p:cxnSp>
+      <p:sp>
+        <p:nvSpPr>
+          <p:cNvPr id="66" name="Rectangle 65">
+            <a:extLst>
+              <a:ext uri="{FF2B5EF4-FFF2-40B4-BE49-F238E27FC236}">
+                <a16:creationId xmlns:a16="http://schemas.microsoft.com/office/drawing/2014/main" id="{62AD15A1-287E-0834-6A9B-438D2FC6566E}"/>
+              </a:ext>
+            </a:extLst>
+          </p:cNvPr>
+          <p:cNvSpPr/>
+          <p:nvPr/>
+        </p:nvSpPr>
+        <p:spPr>
+          <a:xfrm>
+            <a:off x="9199984" y="4184947"/>
+            <a:ext cx="2043403" cy="431864"/>
+          </a:xfrm>
+          <a:prstGeom prst="rect">
+            <a:avLst/>
+          </a:prstGeom>
+        </p:spPr>
+        <p:style>
+          <a:lnRef idx="2">
+            <a:schemeClr val="accent1">
+              <a:shade val="15000"/>
+            </a:schemeClr>
+          </a:lnRef>
+          <a:fillRef idx="1">
+            <a:schemeClr val="accent1"/>
+          </a:fillRef>
+          <a:effectRef idx="0">
+            <a:schemeClr val="accent1"/>
+          </a:effectRef>
+          <a:fontRef idx="minor">
+            <a:schemeClr val="lt1"/>
+          </a:fontRef>
+        </p:style>
+        <p:txBody>
+          <a:bodyPr rtlCol="0" anchor="ctr"/>
+          <a:lstStyle/>
+          <a:p>
+            <a:pPr algn="ctr"/>
+            <a:r>
+              <a:rPr lang="en-US" sz="1400" b="1" dirty="0"/>
+              <a:t>Authentication</a:t>
+            </a:r>
+          </a:p>
+          <a:p>
+            <a:pPr algn="ctr"/>
+            <a:r>
+              <a:rPr lang="en-US" sz="1400" b="1" dirty="0"/>
+              <a:t>User-Based</a:t>
+            </a:r>
+          </a:p>
+        </p:txBody>
+      </p:sp>
+      <p:sp>
+        <p:nvSpPr>
+          <p:cNvPr id="67" name="Rectangle 66">
+            <a:extLst>
+              <a:ext uri="{FF2B5EF4-FFF2-40B4-BE49-F238E27FC236}">
+                <a16:creationId xmlns:a16="http://schemas.microsoft.com/office/drawing/2014/main" id="{5A4AFEB4-FE02-C48A-337F-8DD3F78218D6}"/>
+              </a:ext>
+            </a:extLst>
+          </p:cNvPr>
+          <p:cNvSpPr/>
+          <p:nvPr/>
+        </p:nvSpPr>
+        <p:spPr>
+          <a:xfrm>
+            <a:off x="6270171" y="4220310"/>
+            <a:ext cx="2043403" cy="431864"/>
+          </a:xfrm>
+          <a:prstGeom prst="rect">
+            <a:avLst/>
+          </a:prstGeom>
+        </p:spPr>
+        <p:style>
+          <a:lnRef idx="2">
+            <a:schemeClr val="accent1">
+              <a:shade val="15000"/>
+            </a:schemeClr>
+          </a:lnRef>
+          <a:fillRef idx="1">
+            <a:schemeClr val="accent1"/>
+          </a:fillRef>
+          <a:effectRef idx="0">
+            <a:schemeClr val="accent1"/>
+          </a:effectRef>
+          <a:fontRef idx="minor">
+            <a:schemeClr val="lt1"/>
+          </a:fontRef>
+        </p:style>
+        <p:txBody>
+          <a:bodyPr rtlCol="0" anchor="ctr"/>
+          <a:lstStyle/>
+          <a:p>
+            <a:pPr algn="ctr"/>
+            <a:r>
+              <a:rPr lang="en-US" sz="1200" b="1" dirty="0"/>
+              <a:t>Authorization</a:t>
+            </a:r>
+          </a:p>
+          <a:p>
+            <a:pPr algn="ctr"/>
+            <a:r>
+              <a:rPr lang="en-US" sz="1200" b="1" dirty="0"/>
+              <a:t>Roles, Policies, and Tokens</a:t>
+            </a:r>
+          </a:p>
+        </p:txBody>
+      </p:sp>
+      <p:cxnSp>
+        <p:nvCxnSpPr>
+          <p:cNvPr id="69" name="Connector: Elbow 68">
+            <a:extLst>
+              <a:ext uri="{FF2B5EF4-FFF2-40B4-BE49-F238E27FC236}">
+                <a16:creationId xmlns:a16="http://schemas.microsoft.com/office/drawing/2014/main" id="{DD3A487C-E05C-DCC3-F719-503E76857488}"/>
+              </a:ext>
+            </a:extLst>
+          </p:cNvPr>
+          <p:cNvCxnSpPr>
+            <a:endCxn id="66" idx="0"/>
+          </p:cNvCxnSpPr>
+          <p:nvPr/>
+        </p:nvCxnSpPr>
+        <p:spPr>
+          <a:xfrm>
+            <a:off x="8853246" y="3374544"/>
+            <a:ext cx="1368440" cy="810403"/>
+          </a:xfrm>
+          <a:prstGeom prst="bentConnector2">
+            <a:avLst/>
+          </a:prstGeom>
+          <a:ln>
+            <a:tailEnd type="triangle"/>
+          </a:ln>
+        </p:spPr>
+        <p:style>
+          <a:lnRef idx="1">
+            <a:schemeClr val="accent1"/>
+          </a:lnRef>
+          <a:fillRef idx="0">
+            <a:schemeClr val="accent1"/>
+          </a:fillRef>
+          <a:effectRef idx="0">
+            <a:schemeClr val="accent1"/>
+          </a:effectRef>
+          <a:fontRef idx="minor">
+            <a:schemeClr val="tx1"/>
+          </a:fontRef>
+        </p:style>
+      </p:cxnSp>
+      <p:cxnSp>
+        <p:nvCxnSpPr>
+          <p:cNvPr id="71" name="Connector: Elbow 70">
+            <a:extLst>
+              <a:ext uri="{FF2B5EF4-FFF2-40B4-BE49-F238E27FC236}">
+                <a16:creationId xmlns:a16="http://schemas.microsoft.com/office/drawing/2014/main" id="{3C4D6870-8B8D-F3B6-13EA-74505D2DDC8E}"/>
+              </a:ext>
+            </a:extLst>
+          </p:cNvPr>
+          <p:cNvCxnSpPr>
+            <a:stCxn id="66" idx="0"/>
+            <a:endCxn id="67" idx="0"/>
+          </p:cNvCxnSpPr>
+          <p:nvPr/>
+        </p:nvCxnSpPr>
+        <p:spPr>
+          <a:xfrm rot="16200000" flipH="1" flipV="1">
+            <a:off x="8739098" y="2737721"/>
+            <a:ext cx="35363" cy="2929813"/>
+          </a:xfrm>
+          <a:prstGeom prst="bentConnector3">
+            <a:avLst>
+              <a:gd name="adj1" fmla="val -646438"/>
+            </a:avLst>
+          </a:prstGeom>
+          <a:ln>
+            <a:tailEnd type="triangle"/>
+          </a:ln>
+        </p:spPr>
+        <p:style>
+          <a:lnRef idx="1">
+            <a:schemeClr val="accent1"/>
+          </a:lnRef>
+          <a:fillRef idx="0">
+            <a:schemeClr val="accent1"/>
+          </a:fillRef>
+          <a:effectRef idx="0">
+            <a:schemeClr val="accent1"/>
+          </a:effectRef>
+          <a:fontRef idx="minor">
+            <a:schemeClr val="tx1"/>
+          </a:fontRef>
+        </p:style>
+      </p:cxnSp>
+      <p:cxnSp>
+        <p:nvCxnSpPr>
+          <p:cNvPr id="73" name="Connector: Elbow 72">
+            <a:extLst>
+              <a:ext uri="{FF2B5EF4-FFF2-40B4-BE49-F238E27FC236}">
+                <a16:creationId xmlns:a16="http://schemas.microsoft.com/office/drawing/2014/main" id="{46821592-82BA-651F-4595-4A3C827891D1}"/>
+              </a:ext>
+            </a:extLst>
+          </p:cNvPr>
+          <p:cNvCxnSpPr>
+            <a:stCxn id="66" idx="0"/>
+            <a:endCxn id="7" idx="2"/>
+          </p:cNvCxnSpPr>
+          <p:nvPr/>
+        </p:nvCxnSpPr>
+        <p:spPr>
+          <a:xfrm rot="16200000" flipV="1">
+            <a:off x="5453021" y="-583719"/>
+            <a:ext cx="2683997" cy="6853335"/>
+          </a:xfrm>
+          <a:prstGeom prst="bentConnector3">
+            <a:avLst/>
+          </a:prstGeom>
+          <a:ln w="76200">
+            <a:prstDash val="dash"/>
+            <a:tailEnd type="triangle"/>
+          </a:ln>
+        </p:spPr>
+        <p:style>
+          <a:lnRef idx="1">
+            <a:schemeClr val="accent2"/>
+          </a:lnRef>
+          <a:fillRef idx="0">
+            <a:schemeClr val="accent2"/>
+          </a:fillRef>
+          <a:effectRef idx="0">
+            <a:schemeClr val="accent2"/>
+          </a:effectRef>
+          <a:fontRef idx="minor">
+            <a:schemeClr val="tx1"/>
+          </a:fontRef>
+        </p:style>
+      </p:cxnSp>
+      <p:cxnSp>
+        <p:nvCxnSpPr>
+          <p:cNvPr id="77" name="Connector: Elbow 76">
+            <a:extLst>
+              <a:ext uri="{FF2B5EF4-FFF2-40B4-BE49-F238E27FC236}">
+                <a16:creationId xmlns:a16="http://schemas.microsoft.com/office/drawing/2014/main" id="{90374817-E9B0-C14E-7BC2-FF6F41D6EA75}"/>
+              </a:ext>
+            </a:extLst>
+          </p:cNvPr>
+          <p:cNvCxnSpPr>
+            <a:stCxn id="67" idx="0"/>
+            <a:endCxn id="7" idx="2"/>
+          </p:cNvCxnSpPr>
+          <p:nvPr/>
+        </p:nvCxnSpPr>
+        <p:spPr>
+          <a:xfrm rot="16200000" flipV="1">
+            <a:off x="3970432" y="898869"/>
+            <a:ext cx="2719360" cy="3923522"/>
+          </a:xfrm>
+          <a:prstGeom prst="bentConnector3">
+            <a:avLst/>
+          </a:prstGeom>
+          <a:ln w="76200">
+            <a:solidFill>
+              <a:srgbClr val="FF0000"/>
+            </a:solidFill>
+            <a:prstDash val="dash"/>
+            <a:tailEnd type="triangle"/>
+          </a:ln>
+        </p:spPr>
+        <p:style>
+          <a:lnRef idx="1">
+            <a:schemeClr val="accent1"/>
+          </a:lnRef>
+          <a:fillRef idx="0">
+            <a:schemeClr val="accent1"/>
+          </a:fillRef>
+          <a:effectRef idx="0">
+            <a:schemeClr val="accent1"/>
+          </a:effectRef>
+          <a:fontRef idx="minor">
+            <a:schemeClr val="tx1"/>
+          </a:fontRef>
+        </p:style>
+      </p:cxnSp>
+      <p:sp>
+        <p:nvSpPr>
+          <p:cNvPr id="78" name="Rectangle 77">
+            <a:extLst>
+              <a:ext uri="{FF2B5EF4-FFF2-40B4-BE49-F238E27FC236}">
+                <a16:creationId xmlns:a16="http://schemas.microsoft.com/office/drawing/2014/main" id="{C79488AD-6C51-BD98-B667-0E819BF61645}"/>
+              </a:ext>
+            </a:extLst>
+          </p:cNvPr>
+          <p:cNvSpPr/>
+          <p:nvPr/>
+        </p:nvSpPr>
+        <p:spPr>
+          <a:xfrm>
+            <a:off x="438536" y="4058816"/>
+            <a:ext cx="5606923" cy="878369"/>
+          </a:xfrm>
+          <a:prstGeom prst="rect">
+            <a:avLst/>
+          </a:prstGeom>
+          <a:solidFill>
+            <a:schemeClr val="accent6">
+              <a:lumMod val="60000"/>
+              <a:lumOff val="40000"/>
+            </a:schemeClr>
+          </a:solidFill>
+        </p:spPr>
+        <p:style>
+          <a:lnRef idx="2">
+            <a:schemeClr val="accent1">
+              <a:shade val="15000"/>
+            </a:schemeClr>
+          </a:lnRef>
+          <a:fillRef idx="1">
+            <a:schemeClr val="accent1"/>
+          </a:fillRef>
+          <a:effectRef idx="0">
+            <a:schemeClr val="accent1"/>
+          </a:effectRef>
+          <a:fontRef idx="minor">
+            <a:schemeClr val="lt1"/>
+          </a:fontRef>
+        </p:style>
+        <p:txBody>
+          <a:bodyPr rtlCol="0" anchor="ctr"/>
+          <a:lstStyle/>
+          <a:p>
+            <a:pPr algn="ctr"/>
+            <a:endParaRPr lang="en-US"/>
+          </a:p>
+        </p:txBody>
+      </p:sp>
+      <p:sp>
+        <p:nvSpPr>
+          <p:cNvPr id="79" name="TextBox 78">
+            <a:extLst>
+              <a:ext uri="{FF2B5EF4-FFF2-40B4-BE49-F238E27FC236}">
+                <a16:creationId xmlns:a16="http://schemas.microsoft.com/office/drawing/2014/main" id="{5B291316-2400-E61B-12A4-84DD77C72AD3}"/>
+              </a:ext>
+            </a:extLst>
+          </p:cNvPr>
+          <p:cNvSpPr txBox="1"/>
+          <p:nvPr/>
+        </p:nvSpPr>
+        <p:spPr>
+          <a:xfrm>
+            <a:off x="1642964" y="4094180"/>
+            <a:ext cx="3465545" cy="276999"/>
+          </a:xfrm>
+          <a:prstGeom prst="rect">
+            <a:avLst/>
+          </a:prstGeom>
+          <a:noFill/>
+        </p:spPr>
+        <p:txBody>
+          <a:bodyPr wrap="square" rtlCol="0">
+            <a:spAutoFit/>
+          </a:bodyPr>
+          <a:lstStyle/>
+          <a:p>
+            <a:pPr algn="ctr"/>
+            <a:r>
+              <a:rPr lang="en-US" sz="1200" b="1" dirty="0"/>
+              <a:t>Custom Middlewares</a:t>
+            </a:r>
+          </a:p>
+        </p:txBody>
+      </p:sp>
+      <p:cxnSp>
+        <p:nvCxnSpPr>
+          <p:cNvPr id="81" name="Connector: Elbow 80">
+            <a:extLst>
+              <a:ext uri="{FF2B5EF4-FFF2-40B4-BE49-F238E27FC236}">
+                <a16:creationId xmlns:a16="http://schemas.microsoft.com/office/drawing/2014/main" id="{C7FF4108-4E12-7C10-90BB-FA0415881917}"/>
+              </a:ext>
+            </a:extLst>
+          </p:cNvPr>
+          <p:cNvCxnSpPr>
+            <a:stCxn id="67" idx="0"/>
+            <a:endCxn id="79" idx="0"/>
+          </p:cNvCxnSpPr>
+          <p:nvPr/>
+        </p:nvCxnSpPr>
+        <p:spPr>
+          <a:xfrm rot="16200000" flipV="1">
+            <a:off x="5186189" y="2114625"/>
+            <a:ext cx="161494" cy="4049875"/>
+          </a:xfrm>
+          <a:prstGeom prst="bentConnector3">
+            <a:avLst>
+              <a:gd name="adj1" fmla="val 154887"/>
+            </a:avLst>
+          </a:prstGeom>
+          <a:ln>
+            <a:tailEnd type="triangle"/>
+          </a:ln>
+        </p:spPr>
+        <p:style>
+          <a:lnRef idx="1">
+            <a:schemeClr val="accent1"/>
+          </a:lnRef>
+          <a:fillRef idx="0">
+            <a:schemeClr val="accent1"/>
+          </a:fillRef>
+          <a:effectRef idx="0">
+            <a:schemeClr val="accent1"/>
+          </a:effectRef>
+          <a:fontRef idx="minor">
+            <a:schemeClr val="tx1"/>
+          </a:fontRef>
+        </p:style>
+      </p:cxnSp>
+      <p:sp>
+        <p:nvSpPr>
+          <p:cNvPr id="83" name="Rectangle 82">
+            <a:extLst>
+              <a:ext uri="{FF2B5EF4-FFF2-40B4-BE49-F238E27FC236}">
+                <a16:creationId xmlns:a16="http://schemas.microsoft.com/office/drawing/2014/main" id="{6EFB17F3-7CA9-AA84-66B5-F37ED3042C3C}"/>
+              </a:ext>
+            </a:extLst>
+          </p:cNvPr>
+          <p:cNvSpPr/>
+          <p:nvPr/>
+        </p:nvSpPr>
+        <p:spPr>
+          <a:xfrm>
+            <a:off x="4813138" y="4317388"/>
+            <a:ext cx="1181781" cy="334786"/>
+          </a:xfrm>
+          <a:prstGeom prst="rect">
+            <a:avLst/>
+          </a:prstGeom>
+        </p:spPr>
+        <p:style>
+          <a:lnRef idx="2">
+            <a:schemeClr val="accent1">
+              <a:shade val="15000"/>
+            </a:schemeClr>
+          </a:lnRef>
+          <a:fillRef idx="1">
+            <a:schemeClr val="accent1"/>
+          </a:fillRef>
+          <a:effectRef idx="0">
+            <a:schemeClr val="accent1"/>
+          </a:effectRef>
+          <a:fontRef idx="minor">
+            <a:schemeClr val="lt1"/>
+          </a:fontRef>
+        </p:style>
+        <p:txBody>
+          <a:bodyPr rtlCol="0" anchor="ctr"/>
+          <a:lstStyle/>
+          <a:p>
+            <a:pPr algn="ctr"/>
+            <a:r>
+              <a:rPr lang="en-US" sz="1200" b="1" dirty="0"/>
+              <a:t>Session</a:t>
+            </a:r>
+          </a:p>
+        </p:txBody>
+      </p:sp>
+      <p:cxnSp>
+        <p:nvCxnSpPr>
+          <p:cNvPr id="85" name="Connector: Elbow 84">
+            <a:extLst>
+              <a:ext uri="{FF2B5EF4-FFF2-40B4-BE49-F238E27FC236}">
+                <a16:creationId xmlns:a16="http://schemas.microsoft.com/office/drawing/2014/main" id="{FF89A5BD-5784-F297-5005-919FBEE813E7}"/>
+              </a:ext>
+            </a:extLst>
+          </p:cNvPr>
+          <p:cNvCxnSpPr>
+            <a:stCxn id="83" idx="0"/>
+            <a:endCxn id="14" idx="2"/>
+          </p:cNvCxnSpPr>
+          <p:nvPr/>
+        </p:nvCxnSpPr>
+        <p:spPr>
+          <a:xfrm rot="16200000" flipV="1">
+            <a:off x="3739310" y="2652668"/>
+            <a:ext cx="3089904" cy="239535"/>
+          </a:xfrm>
+          <a:prstGeom prst="bentConnector3">
+            <a:avLst/>
+          </a:prstGeom>
+          <a:ln w="76200">
+            <a:solidFill>
+              <a:srgbClr val="FFFF00"/>
+            </a:solidFill>
+            <a:prstDash val="lgDash"/>
+            <a:tailEnd type="triangle"/>
+          </a:ln>
+        </p:spPr>
+        <p:style>
+          <a:lnRef idx="1">
+            <a:schemeClr val="accent1"/>
+          </a:lnRef>
+          <a:fillRef idx="0">
+            <a:schemeClr val="accent1"/>
+          </a:fillRef>
+          <a:effectRef idx="0">
+            <a:schemeClr val="accent1"/>
+          </a:effectRef>
+          <a:fontRef idx="minor">
+            <a:schemeClr val="tx1"/>
+          </a:fontRef>
+        </p:style>
+      </p:cxnSp>
+      <p:sp>
+        <p:nvSpPr>
+          <p:cNvPr id="86" name="Rectangle 85">
+            <a:extLst>
+              <a:ext uri="{FF2B5EF4-FFF2-40B4-BE49-F238E27FC236}">
+                <a16:creationId xmlns:a16="http://schemas.microsoft.com/office/drawing/2014/main" id="{E22EB384-6F7C-CA76-90B4-5BCE4FAB3426}"/>
+              </a:ext>
+            </a:extLst>
+          </p:cNvPr>
+          <p:cNvSpPr/>
+          <p:nvPr/>
+        </p:nvSpPr>
+        <p:spPr>
+          <a:xfrm>
+            <a:off x="3488237" y="4349287"/>
+            <a:ext cx="1181781" cy="334786"/>
+          </a:xfrm>
+          <a:prstGeom prst="rect">
+            <a:avLst/>
+          </a:prstGeom>
+        </p:spPr>
+        <p:style>
+          <a:lnRef idx="2">
+            <a:schemeClr val="dk1">
+              <a:shade val="15000"/>
+            </a:schemeClr>
+          </a:lnRef>
+          <a:fillRef idx="1">
+            <a:schemeClr val="dk1"/>
+          </a:fillRef>
+          <a:effectRef idx="0">
+            <a:schemeClr val="dk1"/>
+          </a:effectRef>
+          <a:fontRef idx="minor">
+            <a:schemeClr val="lt1"/>
+          </a:fontRef>
+        </p:style>
+        <p:txBody>
+          <a:bodyPr rtlCol="0" anchor="ctr"/>
+          <a:lstStyle/>
+          <a:p>
+            <a:pPr algn="ctr"/>
+            <a:r>
+              <a:rPr lang="en-US" sz="1200" b="1" dirty="0"/>
+              <a:t>Swaggers</a:t>
+            </a:r>
+          </a:p>
+        </p:txBody>
+      </p:sp>
+      <p:cxnSp>
+        <p:nvCxnSpPr>
+          <p:cNvPr id="88" name="Connector: Elbow 87">
+            <a:extLst>
+              <a:ext uri="{FF2B5EF4-FFF2-40B4-BE49-F238E27FC236}">
+                <a16:creationId xmlns:a16="http://schemas.microsoft.com/office/drawing/2014/main" id="{C71BD3D9-58C8-D599-3733-BE70E1C4B58E}"/>
+              </a:ext>
+            </a:extLst>
+          </p:cNvPr>
+          <p:cNvCxnSpPr>
+            <a:stCxn id="86" idx="0"/>
+            <a:endCxn id="28" idx="2"/>
+          </p:cNvCxnSpPr>
+          <p:nvPr/>
+        </p:nvCxnSpPr>
+        <p:spPr>
+          <a:xfrm rot="16200000" flipV="1">
+            <a:off x="2145990" y="2416148"/>
+            <a:ext cx="1474435" cy="2391843"/>
+          </a:xfrm>
+          <a:prstGeom prst="bentConnector3">
+            <a:avLst>
+              <a:gd name="adj1" fmla="val 68352"/>
+            </a:avLst>
+          </a:prstGeom>
+          <a:ln w="76200">
+            <a:solidFill>
+              <a:srgbClr val="C00000"/>
+            </a:solidFill>
+            <a:prstDash val="lgDashDot"/>
+            <a:tailEnd type="triangle"/>
+          </a:ln>
+        </p:spPr>
+        <p:style>
+          <a:lnRef idx="1">
+            <a:schemeClr val="accent1"/>
+          </a:lnRef>
+          <a:fillRef idx="0">
+            <a:schemeClr val="accent1"/>
+          </a:fillRef>
+          <a:effectRef idx="0">
+            <a:schemeClr val="accent1"/>
+          </a:effectRef>
+          <a:fontRef idx="minor">
+            <a:schemeClr val="tx1"/>
+          </a:fontRef>
+        </p:style>
+      </p:cxnSp>
+      <p:sp>
+        <p:nvSpPr>
+          <p:cNvPr id="90" name="Rectangle 89">
+            <a:extLst>
+              <a:ext uri="{FF2B5EF4-FFF2-40B4-BE49-F238E27FC236}">
+                <a16:creationId xmlns:a16="http://schemas.microsoft.com/office/drawing/2014/main" id="{D5D406AE-A3E1-0C8B-8417-547FC5263ADD}"/>
+              </a:ext>
+            </a:extLst>
+          </p:cNvPr>
+          <p:cNvSpPr/>
+          <p:nvPr/>
+        </p:nvSpPr>
+        <p:spPr>
+          <a:xfrm>
+            <a:off x="781605" y="4334271"/>
+            <a:ext cx="2391844" cy="334786"/>
+          </a:xfrm>
+          <a:prstGeom prst="rect">
+            <a:avLst/>
+          </a:prstGeom>
+          <a:solidFill>
+            <a:srgbClr val="FFFF00"/>
+          </a:solidFill>
+          <a:ln>
+            <a:solidFill>
+              <a:srgbClr val="FFFF00"/>
+            </a:solidFill>
+          </a:ln>
+        </p:spPr>
+        <p:style>
+          <a:lnRef idx="2">
+            <a:schemeClr val="dk1">
+              <a:shade val="15000"/>
+            </a:schemeClr>
+          </a:lnRef>
+          <a:fillRef idx="1">
+            <a:schemeClr val="dk1"/>
+          </a:fillRef>
+          <a:effectRef idx="0">
+            <a:schemeClr val="dk1"/>
+          </a:effectRef>
+          <a:fontRef idx="minor">
+            <a:schemeClr val="lt1"/>
+          </a:fontRef>
+        </p:style>
+        <p:txBody>
+          <a:bodyPr rtlCol="0" anchor="ctr"/>
+          <a:lstStyle/>
+          <a:p>
+            <a:pPr algn="ctr"/>
+            <a:r>
+              <a:rPr lang="en-US" sz="1200" dirty="0">
+                <a:ln w="0"/>
+                <a:solidFill>
+                  <a:schemeClr val="tx1"/>
+                </a:solidFill>
+                <a:effectLst>
+                  <a:outerShdw blurRad="38100" dist="19050" dir="2700000" algn="tl" rotWithShape="0">
+                    <a:schemeClr val="dk1">
+                      <a:alpha val="40000"/>
+                    </a:schemeClr>
+                  </a:outerShdw>
+                </a:effectLst>
+              </a:rPr>
+              <a:t>Custom Middlewares 1 to n</a:t>
+            </a:r>
+          </a:p>
+        </p:txBody>
+      </p:sp>
+      <p:sp>
+        <p:nvSpPr>
+          <p:cNvPr id="91" name="Rectangle 90">
+            <a:extLst>
+              <a:ext uri="{FF2B5EF4-FFF2-40B4-BE49-F238E27FC236}">
+                <a16:creationId xmlns:a16="http://schemas.microsoft.com/office/drawing/2014/main" id="{6F2F8283-FE91-BB93-AB40-683D4DCE21E4}"/>
+              </a:ext>
+            </a:extLst>
+          </p:cNvPr>
+          <p:cNvSpPr/>
+          <p:nvPr/>
+        </p:nvSpPr>
+        <p:spPr>
+          <a:xfrm>
+            <a:off x="3974839" y="5057192"/>
+            <a:ext cx="5710337" cy="501655"/>
+          </a:xfrm>
+          <a:prstGeom prst="rect">
+            <a:avLst/>
+          </a:prstGeom>
+          <a:solidFill>
+            <a:srgbClr val="7030A0"/>
+          </a:solidFill>
+        </p:spPr>
+        <p:style>
+          <a:lnRef idx="2">
+            <a:schemeClr val="accent1">
+              <a:shade val="15000"/>
+            </a:schemeClr>
+          </a:lnRef>
+          <a:fillRef idx="1">
+            <a:schemeClr val="accent1"/>
+          </a:fillRef>
+          <a:effectRef idx="0">
+            <a:schemeClr val="accent1"/>
+          </a:effectRef>
+          <a:fontRef idx="minor">
+            <a:schemeClr val="lt1"/>
+          </a:fontRef>
+        </p:style>
+        <p:txBody>
+          <a:bodyPr rtlCol="0" anchor="ctr"/>
+          <a:lstStyle/>
+          <a:p>
+            <a:pPr algn="ctr"/>
+            <a:r>
+              <a:rPr lang="en-US" sz="1600" b="1" dirty="0"/>
+              <a:t>Controller Mapping for Execution of Controller and Action Method</a:t>
+            </a:r>
+          </a:p>
+        </p:txBody>
+      </p:sp>
+      <p:cxnSp>
+        <p:nvCxnSpPr>
+          <p:cNvPr id="93" name="Connector: Elbow 92">
+            <a:extLst>
+              <a:ext uri="{FF2B5EF4-FFF2-40B4-BE49-F238E27FC236}">
+                <a16:creationId xmlns:a16="http://schemas.microsoft.com/office/drawing/2014/main" id="{17E4DEE2-822E-F70C-809D-A1CCE8A6A215}"/>
+              </a:ext>
+            </a:extLst>
+          </p:cNvPr>
+          <p:cNvCxnSpPr>
+            <a:endCxn id="91" idx="1"/>
+          </p:cNvCxnSpPr>
+          <p:nvPr/>
+        </p:nvCxnSpPr>
+        <p:spPr>
+          <a:xfrm rot="16200000" flipH="1">
+            <a:off x="2964972" y="4298152"/>
+            <a:ext cx="1286893" cy="732841"/>
+          </a:xfrm>
+          <a:prstGeom prst="bentConnector2">
+            <a:avLst/>
+          </a:prstGeom>
+          <a:ln>
+            <a:tailEnd type="triangle"/>
+          </a:ln>
+        </p:spPr>
+        <p:style>
+          <a:lnRef idx="1">
+            <a:schemeClr val="accent1"/>
+          </a:lnRef>
+          <a:fillRef idx="0">
+            <a:schemeClr val="accent1"/>
+          </a:fillRef>
+          <a:effectRef idx="0">
+            <a:schemeClr val="accent1"/>
+          </a:effectRef>
+          <a:fontRef idx="minor">
+            <a:schemeClr val="tx1"/>
+          </a:fontRef>
+        </p:style>
+      </p:cxnSp>
+      <p:sp>
+        <p:nvSpPr>
+          <p:cNvPr id="94" name="Rectangle: Rounded Corners 93">
+            <a:extLst>
+              <a:ext uri="{FF2B5EF4-FFF2-40B4-BE49-F238E27FC236}">
+                <a16:creationId xmlns:a16="http://schemas.microsoft.com/office/drawing/2014/main" id="{F8EC2863-247E-8333-B148-D3E68CCD6A0B}"/>
+              </a:ext>
+            </a:extLst>
+          </p:cNvPr>
+          <p:cNvSpPr/>
+          <p:nvPr/>
+        </p:nvSpPr>
+        <p:spPr>
+          <a:xfrm>
+            <a:off x="4576716" y="5857159"/>
+            <a:ext cx="4119415" cy="667599"/>
+          </a:xfrm>
+          <a:prstGeom prst="roundRect">
+            <a:avLst/>
+          </a:prstGeom>
+        </p:spPr>
+        <p:style>
+          <a:lnRef idx="2">
+            <a:schemeClr val="accent1">
+              <a:shade val="15000"/>
+            </a:schemeClr>
+          </a:lnRef>
+          <a:fillRef idx="1">
+            <a:schemeClr val="accent1"/>
+          </a:fillRef>
+          <a:effectRef idx="0">
+            <a:schemeClr val="accent1"/>
+          </a:effectRef>
+          <a:fontRef idx="minor">
+            <a:schemeClr val="lt1"/>
+          </a:fontRef>
+        </p:style>
+        <p:txBody>
+          <a:bodyPr rtlCol="0" anchor="ctr"/>
+          <a:lstStyle/>
+          <a:p>
+            <a:pPr algn="ctr"/>
+            <a:r>
+              <a:rPr lang="en-US" b="1" dirty="0"/>
+              <a:t>Controller Execution</a:t>
+            </a:r>
+          </a:p>
+        </p:txBody>
+      </p:sp>
+      <p:cxnSp>
+        <p:nvCxnSpPr>
+          <p:cNvPr id="96" name="Connector: Elbow 95">
+            <a:extLst>
+              <a:ext uri="{FF2B5EF4-FFF2-40B4-BE49-F238E27FC236}">
+                <a16:creationId xmlns:a16="http://schemas.microsoft.com/office/drawing/2014/main" id="{8111425E-3E7C-7A2C-9871-4799FD54D8BA}"/>
+              </a:ext>
+            </a:extLst>
+          </p:cNvPr>
+          <p:cNvCxnSpPr>
+            <a:endCxn id="94" idx="3"/>
+          </p:cNvCxnSpPr>
+          <p:nvPr/>
+        </p:nvCxnSpPr>
+        <p:spPr>
+          <a:xfrm rot="10800000" flipV="1">
+            <a:off x="8696132" y="5308019"/>
+            <a:ext cx="989045" cy="882940"/>
+          </a:xfrm>
+          <a:prstGeom prst="bentConnector3">
+            <a:avLst/>
+          </a:prstGeom>
+          <a:ln>
+            <a:tailEnd type="triangle"/>
+          </a:ln>
+        </p:spPr>
+        <p:style>
+          <a:lnRef idx="1">
+            <a:schemeClr val="accent1"/>
+          </a:lnRef>
+          <a:fillRef idx="0">
+            <a:schemeClr val="accent1"/>
+          </a:fillRef>
+          <a:effectRef idx="0">
+            <a:schemeClr val="accent1"/>
+          </a:effectRef>
+          <a:fontRef idx="minor">
+            <a:schemeClr val="tx1"/>
+          </a:fontRef>
+        </p:style>
+      </p:cxnSp>
+      <p:cxnSp>
+        <p:nvCxnSpPr>
+          <p:cNvPr id="98" name="Connector: Elbow 97">
+            <a:extLst>
+              <a:ext uri="{FF2B5EF4-FFF2-40B4-BE49-F238E27FC236}">
+                <a16:creationId xmlns:a16="http://schemas.microsoft.com/office/drawing/2014/main" id="{0A112258-66BF-4643-7FC5-A4B062B78D00}"/>
+              </a:ext>
+            </a:extLst>
+          </p:cNvPr>
+          <p:cNvCxnSpPr>
+            <a:stCxn id="94" idx="1"/>
+          </p:cNvCxnSpPr>
+          <p:nvPr/>
+        </p:nvCxnSpPr>
+        <p:spPr>
+          <a:xfrm rot="10800000" flipV="1">
+            <a:off x="3041780" y="6190958"/>
+            <a:ext cx="1534936" cy="55113"/>
+          </a:xfrm>
+          <a:prstGeom prst="bentConnector3">
+            <a:avLst/>
+          </a:prstGeom>
+          <a:ln>
+            <a:tailEnd type="triangle"/>
+          </a:ln>
+        </p:spPr>
+        <p:style>
+          <a:lnRef idx="1">
+            <a:schemeClr val="accent1"/>
+          </a:lnRef>
+          <a:fillRef idx="0">
+            <a:schemeClr val="accent1"/>
+          </a:fillRef>
+          <a:effectRef idx="0">
+            <a:schemeClr val="accent1"/>
+          </a:effectRef>
+          <a:fontRef idx="minor">
+            <a:schemeClr val="tx1"/>
+          </a:fontRef>
+        </p:style>
+      </p:cxnSp>
+      <p:sp>
+        <p:nvSpPr>
+          <p:cNvPr id="99" name="TextBox 98">
+            <a:extLst>
+              <a:ext uri="{FF2B5EF4-FFF2-40B4-BE49-F238E27FC236}">
+                <a16:creationId xmlns:a16="http://schemas.microsoft.com/office/drawing/2014/main" id="{8FB7FBA7-0B0C-B0FA-AF68-1ABD1B1C120D}"/>
+              </a:ext>
+            </a:extLst>
+          </p:cNvPr>
+          <p:cNvSpPr txBox="1"/>
+          <p:nvPr/>
+        </p:nvSpPr>
+        <p:spPr>
+          <a:xfrm>
+            <a:off x="503853" y="5926218"/>
+            <a:ext cx="2407298" cy="646331"/>
+          </a:xfrm>
+          <a:prstGeom prst="rect">
+            <a:avLst/>
+          </a:prstGeom>
+          <a:noFill/>
+        </p:spPr>
+        <p:txBody>
+          <a:bodyPr wrap="square" rtlCol="0">
+            <a:spAutoFit/>
+          </a:bodyPr>
+          <a:lstStyle/>
+          <a:p>
+            <a:pPr algn="ctr"/>
+            <a:r>
+              <a:rPr lang="en-US" b="1" dirty="0"/>
+              <a:t>API Controller Execution</a:t>
+            </a:r>
+          </a:p>
+        </p:txBody>
+      </p:sp>
+      <p:cxnSp>
+        <p:nvCxnSpPr>
+          <p:cNvPr id="101" name="Connector: Elbow 100">
+            <a:extLst>
+              <a:ext uri="{FF2B5EF4-FFF2-40B4-BE49-F238E27FC236}">
+                <a16:creationId xmlns:a16="http://schemas.microsoft.com/office/drawing/2014/main" id="{30C565CB-8D7D-0291-1352-ADFEAE2E701B}"/>
+              </a:ext>
+            </a:extLst>
+          </p:cNvPr>
+          <p:cNvCxnSpPr>
+            <a:stCxn id="94" idx="0"/>
+            <a:endCxn id="91" idx="2"/>
+          </p:cNvCxnSpPr>
+          <p:nvPr/>
+        </p:nvCxnSpPr>
+        <p:spPr>
+          <a:xfrm rot="5400000" flipH="1" flipV="1">
+            <a:off x="6584060" y="5611211"/>
+            <a:ext cx="298312" cy="193584"/>
+          </a:xfrm>
+          <a:prstGeom prst="bentConnector3">
+            <a:avLst/>
+          </a:prstGeom>
+          <a:ln>
+            <a:tailEnd type="triangle"/>
+          </a:ln>
+        </p:spPr>
+        <p:style>
+          <a:lnRef idx="1">
+            <a:schemeClr val="accent1"/>
+          </a:lnRef>
+          <a:fillRef idx="0">
+            <a:schemeClr val="accent1"/>
+          </a:fillRef>
+          <a:effectRef idx="0">
+            <a:schemeClr val="accent1"/>
+          </a:effectRef>
+          <a:fontRef idx="minor">
+            <a:schemeClr val="tx1"/>
+          </a:fontRef>
+        </p:style>
+      </p:cxnSp>
+      <p:cxnSp>
+        <p:nvCxnSpPr>
+          <p:cNvPr id="103" name="Connector: Elbow 102">
+            <a:extLst>
+              <a:ext uri="{FF2B5EF4-FFF2-40B4-BE49-F238E27FC236}">
+                <a16:creationId xmlns:a16="http://schemas.microsoft.com/office/drawing/2014/main" id="{EC70F6A7-9DBD-BB7E-FC5C-998BE039859F}"/>
+              </a:ext>
+            </a:extLst>
+          </p:cNvPr>
+          <p:cNvCxnSpPr>
+            <a:endCxn id="78" idx="1"/>
+          </p:cNvCxnSpPr>
+          <p:nvPr/>
+        </p:nvCxnSpPr>
+        <p:spPr>
+          <a:xfrm rot="10800000">
+            <a:off x="438537" y="4498002"/>
+            <a:ext cx="3536303" cy="854653"/>
+          </a:xfrm>
+          <a:prstGeom prst="bentConnector3">
+            <a:avLst>
+              <a:gd name="adj1" fmla="val 106464"/>
+            </a:avLst>
+          </a:prstGeom>
+          <a:ln>
+            <a:tailEnd type="triangle"/>
+          </a:ln>
+        </p:spPr>
+        <p:style>
+          <a:lnRef idx="1">
+            <a:schemeClr val="accent1"/>
+          </a:lnRef>
+          <a:fillRef idx="0">
+            <a:schemeClr val="accent1"/>
+          </a:fillRef>
+          <a:effectRef idx="0">
+            <a:schemeClr val="accent1"/>
+          </a:effectRef>
+          <a:fontRef idx="minor">
+            <a:schemeClr val="tx1"/>
+          </a:fontRef>
+        </p:style>
+      </p:cxnSp>
+      <p:cxnSp>
+        <p:nvCxnSpPr>
+          <p:cNvPr id="105" name="Connector: Elbow 104">
+            <a:extLst>
+              <a:ext uri="{FF2B5EF4-FFF2-40B4-BE49-F238E27FC236}">
+                <a16:creationId xmlns:a16="http://schemas.microsoft.com/office/drawing/2014/main" id="{5C5DAE17-A9D0-E5EB-E561-6B27398E8814}"/>
+              </a:ext>
+            </a:extLst>
+          </p:cNvPr>
+          <p:cNvCxnSpPr>
+            <a:stCxn id="78" idx="3"/>
+            <a:endCxn id="67" idx="1"/>
+          </p:cNvCxnSpPr>
+          <p:nvPr/>
+        </p:nvCxnSpPr>
+        <p:spPr>
+          <a:xfrm flipV="1">
+            <a:off x="6045459" y="4371179"/>
+            <a:ext cx="224712" cy="126822"/>
+          </a:xfrm>
+          <a:prstGeom prst="bentConnector3">
+            <a:avLst/>
+          </a:prstGeom>
+          <a:ln>
+            <a:tailEnd type="triangle"/>
+          </a:ln>
+        </p:spPr>
+        <p:style>
+          <a:lnRef idx="1">
+            <a:schemeClr val="accent1"/>
+          </a:lnRef>
+          <a:fillRef idx="0">
+            <a:schemeClr val="accent1"/>
+          </a:fillRef>
+          <a:effectRef idx="0">
+            <a:schemeClr val="accent1"/>
+          </a:effectRef>
+          <a:fontRef idx="minor">
+            <a:schemeClr val="tx1"/>
+          </a:fontRef>
+        </p:style>
+      </p:cxnSp>
+      <p:cxnSp>
+        <p:nvCxnSpPr>
+          <p:cNvPr id="107" name="Connector: Elbow 106">
+            <a:extLst>
+              <a:ext uri="{FF2B5EF4-FFF2-40B4-BE49-F238E27FC236}">
+                <a16:creationId xmlns:a16="http://schemas.microsoft.com/office/drawing/2014/main" id="{DCFF6A09-1B6B-6359-34EB-0AC58E1D22AD}"/>
+              </a:ext>
+            </a:extLst>
+          </p:cNvPr>
+          <p:cNvCxnSpPr>
+            <a:stCxn id="67" idx="3"/>
+          </p:cNvCxnSpPr>
+          <p:nvPr/>
+        </p:nvCxnSpPr>
+        <p:spPr>
+          <a:xfrm flipV="1">
+            <a:off x="8313574" y="4371179"/>
+            <a:ext cx="886410" cy="65063"/>
+          </a:xfrm>
+          <a:prstGeom prst="bentConnector3">
+            <a:avLst/>
+          </a:prstGeom>
+          <a:ln>
+            <a:tailEnd type="triangle"/>
+          </a:ln>
+        </p:spPr>
+        <p:style>
+          <a:lnRef idx="1">
+            <a:schemeClr val="accent1"/>
+          </a:lnRef>
+          <a:fillRef idx="0">
+            <a:schemeClr val="accent1"/>
+          </a:fillRef>
+          <a:effectRef idx="0">
+            <a:schemeClr val="accent1"/>
+          </a:effectRef>
+          <a:fontRef idx="minor">
+            <a:schemeClr val="tx1"/>
+          </a:fontRef>
+        </p:style>
+      </p:cxnSp>
+      <p:cxnSp>
+        <p:nvCxnSpPr>
+          <p:cNvPr id="109" name="Connector: Elbow 108">
+            <a:extLst>
+              <a:ext uri="{FF2B5EF4-FFF2-40B4-BE49-F238E27FC236}">
+                <a16:creationId xmlns:a16="http://schemas.microsoft.com/office/drawing/2014/main" id="{4F0DEB54-479D-110F-AA84-466518EFB942}"/>
+              </a:ext>
+            </a:extLst>
+          </p:cNvPr>
+          <p:cNvCxnSpPr>
+            <a:stCxn id="66" idx="3"/>
+            <a:endCxn id="59" idx="3"/>
+          </p:cNvCxnSpPr>
+          <p:nvPr/>
+        </p:nvCxnSpPr>
+        <p:spPr>
+          <a:xfrm flipH="1" flipV="1">
+            <a:off x="9479224" y="3644932"/>
+            <a:ext cx="1764163" cy="755947"/>
+          </a:xfrm>
+          <a:prstGeom prst="bentConnector3">
+            <a:avLst>
+              <a:gd name="adj1" fmla="val -12958"/>
+            </a:avLst>
+          </a:prstGeom>
+          <a:ln>
+            <a:tailEnd type="triangle"/>
+          </a:ln>
+        </p:spPr>
+        <p:style>
+          <a:lnRef idx="1">
+            <a:schemeClr val="accent1"/>
+          </a:lnRef>
+          <a:fillRef idx="0">
+            <a:schemeClr val="accent1"/>
+          </a:fillRef>
+          <a:effectRef idx="0">
+            <a:schemeClr val="accent1"/>
+          </a:effectRef>
+          <a:fontRef idx="minor">
+            <a:schemeClr val="tx1"/>
+          </a:fontRef>
+        </p:style>
+      </p:cxnSp>
+      <p:cxnSp>
+        <p:nvCxnSpPr>
+          <p:cNvPr id="111" name="Connector: Elbow 110">
+            <a:extLst>
+              <a:ext uri="{FF2B5EF4-FFF2-40B4-BE49-F238E27FC236}">
+                <a16:creationId xmlns:a16="http://schemas.microsoft.com/office/drawing/2014/main" id="{3F1DE7DB-4115-CBE8-97CC-7E87EB199C7E}"/>
+              </a:ext>
+            </a:extLst>
+          </p:cNvPr>
+          <p:cNvCxnSpPr>
+            <a:stCxn id="59" idx="1"/>
+            <a:endCxn id="56" idx="3"/>
+          </p:cNvCxnSpPr>
+          <p:nvPr/>
+        </p:nvCxnSpPr>
+        <p:spPr>
+          <a:xfrm rot="10800000">
+            <a:off x="7663154" y="3636912"/>
+            <a:ext cx="564114" cy="8020"/>
+          </a:xfrm>
+          <a:prstGeom prst="bentConnector3">
+            <a:avLst/>
+          </a:prstGeom>
+          <a:ln>
+            <a:tailEnd type="triangle"/>
+          </a:ln>
+        </p:spPr>
+        <p:style>
+          <a:lnRef idx="1">
+            <a:schemeClr val="accent1"/>
+          </a:lnRef>
+          <a:fillRef idx="0">
+            <a:schemeClr val="accent1"/>
+          </a:fillRef>
+          <a:effectRef idx="0">
+            <a:schemeClr val="accent1"/>
+          </a:effectRef>
+          <a:fontRef idx="minor">
+            <a:schemeClr val="tx1"/>
+          </a:fontRef>
+        </p:style>
+      </p:cxnSp>
+      <p:cxnSp>
+        <p:nvCxnSpPr>
+          <p:cNvPr id="113" name="Connector: Elbow 112">
+            <a:extLst>
+              <a:ext uri="{FF2B5EF4-FFF2-40B4-BE49-F238E27FC236}">
+                <a16:creationId xmlns:a16="http://schemas.microsoft.com/office/drawing/2014/main" id="{60BF640D-1682-53C4-52C0-99E7EB65D4DB}"/>
+              </a:ext>
+            </a:extLst>
+          </p:cNvPr>
+          <p:cNvCxnSpPr>
+            <a:stCxn id="56" idx="1"/>
+            <a:endCxn id="49" idx="3"/>
+          </p:cNvCxnSpPr>
+          <p:nvPr/>
+        </p:nvCxnSpPr>
+        <p:spPr>
+          <a:xfrm rot="10800000" flipV="1">
+            <a:off x="5640452" y="3636912"/>
+            <a:ext cx="770746" cy="43392"/>
+          </a:xfrm>
+          <a:prstGeom prst="bentConnector3">
+            <a:avLst/>
+          </a:prstGeom>
+          <a:ln>
+            <a:tailEnd type="triangle"/>
+          </a:ln>
+        </p:spPr>
+        <p:style>
+          <a:lnRef idx="1">
+            <a:schemeClr val="accent1"/>
+          </a:lnRef>
+          <a:fillRef idx="0">
+            <a:schemeClr val="accent1"/>
+          </a:fillRef>
+          <a:effectRef idx="0">
+            <a:schemeClr val="accent1"/>
+          </a:effectRef>
+          <a:fontRef idx="minor">
+            <a:schemeClr val="tx1"/>
+          </a:fontRef>
+        </p:style>
+      </p:cxnSp>
+      <p:cxnSp>
+        <p:nvCxnSpPr>
+          <p:cNvPr id="115" name="Connector: Elbow 114">
+            <a:extLst>
+              <a:ext uri="{FF2B5EF4-FFF2-40B4-BE49-F238E27FC236}">
+                <a16:creationId xmlns:a16="http://schemas.microsoft.com/office/drawing/2014/main" id="{28CE398E-8F5B-7D46-A239-233D47F258C4}"/>
+              </a:ext>
+            </a:extLst>
+          </p:cNvPr>
+          <p:cNvCxnSpPr>
+            <a:stCxn id="49" idx="1"/>
+          </p:cNvCxnSpPr>
+          <p:nvPr/>
+        </p:nvCxnSpPr>
+        <p:spPr>
+          <a:xfrm rot="10800000">
+            <a:off x="4388498" y="3644932"/>
+            <a:ext cx="424641" cy="35372"/>
+          </a:xfrm>
+          <a:prstGeom prst="bentConnector3">
+            <a:avLst/>
+          </a:prstGeom>
+          <a:ln>
+            <a:tailEnd type="triangle"/>
+          </a:ln>
+        </p:spPr>
+        <p:style>
+          <a:lnRef idx="1">
+            <a:schemeClr val="accent1"/>
+          </a:lnRef>
+          <a:fillRef idx="0">
+            <a:schemeClr val="accent1"/>
+          </a:fillRef>
+          <a:effectRef idx="0">
+            <a:schemeClr val="accent1"/>
+          </a:effectRef>
+          <a:fontRef idx="minor">
+            <a:schemeClr val="tx1"/>
+          </a:fontRef>
+        </p:style>
+      </p:cxnSp>
+      <p:cxnSp>
+        <p:nvCxnSpPr>
+          <p:cNvPr id="117" name="Connector: Elbow 116">
+            <a:extLst>
+              <a:ext uri="{FF2B5EF4-FFF2-40B4-BE49-F238E27FC236}">
+                <a16:creationId xmlns:a16="http://schemas.microsoft.com/office/drawing/2014/main" id="{C402A3C8-123B-81E1-7132-888E1FBEDFF4}"/>
+              </a:ext>
+            </a:extLst>
+          </p:cNvPr>
+          <p:cNvCxnSpPr>
+            <a:stCxn id="42" idx="1"/>
+            <a:endCxn id="38" idx="2"/>
+          </p:cNvCxnSpPr>
+          <p:nvPr/>
+        </p:nvCxnSpPr>
+        <p:spPr>
+          <a:xfrm rot="10800000" flipV="1">
+            <a:off x="2722885" y="3669349"/>
+            <a:ext cx="838298" cy="221128"/>
+          </a:xfrm>
+          <a:prstGeom prst="bentConnector4">
+            <a:avLst>
+              <a:gd name="adj1" fmla="val 6777"/>
+              <a:gd name="adj2" fmla="val 203379"/>
+            </a:avLst>
+          </a:prstGeom>
+          <a:ln>
+            <a:tailEnd type="triangle"/>
+          </a:ln>
+        </p:spPr>
+        <p:style>
+          <a:lnRef idx="1">
+            <a:schemeClr val="accent1"/>
+          </a:lnRef>
+          <a:fillRef idx="0">
+            <a:schemeClr val="accent1"/>
+          </a:fillRef>
+          <a:effectRef idx="0">
+            <a:schemeClr val="accent1"/>
+          </a:effectRef>
+          <a:fontRef idx="minor">
+            <a:schemeClr val="tx1"/>
+          </a:fontRef>
+        </p:style>
+      </p:cxnSp>
+      <p:cxnSp>
+        <p:nvCxnSpPr>
+          <p:cNvPr id="119" name="Connector: Elbow 118">
+            <a:extLst>
+              <a:ext uri="{FF2B5EF4-FFF2-40B4-BE49-F238E27FC236}">
+                <a16:creationId xmlns:a16="http://schemas.microsoft.com/office/drawing/2014/main" id="{A4859158-DA60-A998-295C-810C6CDB4F5E}"/>
+              </a:ext>
+            </a:extLst>
+          </p:cNvPr>
+          <p:cNvCxnSpPr>
+            <a:stCxn id="38" idx="2"/>
+            <a:endCxn id="37" idx="2"/>
+          </p:cNvCxnSpPr>
+          <p:nvPr/>
+        </p:nvCxnSpPr>
+        <p:spPr>
+          <a:xfrm rot="5400000" flipH="1">
+            <a:off x="1826878" y="2994471"/>
+            <a:ext cx="37373" cy="1754641"/>
+          </a:xfrm>
+          <a:prstGeom prst="bentConnector3">
+            <a:avLst>
+              <a:gd name="adj1" fmla="val -611672"/>
+            </a:avLst>
+          </a:prstGeom>
+          <a:ln>
+            <a:tailEnd type="triangle"/>
+          </a:ln>
+        </p:spPr>
+        <p:style>
+          <a:lnRef idx="1">
+            <a:schemeClr val="accent1"/>
+          </a:lnRef>
+          <a:fillRef idx="0">
+            <a:schemeClr val="accent1"/>
+          </a:fillRef>
+          <a:effectRef idx="0">
+            <a:schemeClr val="accent1"/>
+          </a:effectRef>
+          <a:fontRef idx="minor">
+            <a:schemeClr val="tx1"/>
+          </a:fontRef>
+        </p:style>
+      </p:cxnSp>
+    </p:spTree>
+    <p:extLst>
+      <p:ext uri="{BB962C8B-B14F-4D97-AF65-F5344CB8AC3E}">
+        <p14:creationId xmlns:p14="http://schemas.microsoft.com/office/powerpoint/2010/main" val="3493308819"/>
+      </p:ext>
+    </p:extLst>
+  </p:cSld>
+  <p:clrMapOvr>
+    <a:masterClrMapping/>
+  </p:clrMapOvr>
+</p:sld>
+</file>
+
+<file path=ppt/slides/slide44.xml><?xml version="1.0" encoding="utf-8"?>
+<p:sld xmlns:a="http://schemas.openxmlformats.org/drawingml/2006/main" xmlns:r="http://schemas.openxmlformats.org/officeDocument/2006/relationships" xmlns:p="http://schemas.openxmlformats.org/presentationml/2006/main">
+  <p:cSld>
+    <p:spTree>
+      <p:nvGrpSpPr>
+        <p:cNvPr id="1" name=""/>
+        <p:cNvGrpSpPr/>
+        <p:nvPr/>
+      </p:nvGrpSpPr>
+      <p:grpSpPr>
+        <a:xfrm>
+          <a:off x="0" y="0"/>
+          <a:ext cx="0" cy="0"/>
+          <a:chOff x="0" y="0"/>
+          <a:chExt cx="0" cy="0"/>
+        </a:xfrm>
+      </p:grpSpPr>
+      <p:sp>
+        <p:nvSpPr>
+          <p:cNvPr id="2" name="Rectangle 1">
+            <a:extLst>
+              <a:ext uri="{FF2B5EF4-FFF2-40B4-BE49-F238E27FC236}">
+                <a16:creationId xmlns:a16="http://schemas.microsoft.com/office/drawing/2014/main" id="{12C51929-C17B-526E-F1DA-77086280674D}"/>
+              </a:ext>
+            </a:extLst>
+          </p:cNvPr>
+          <p:cNvSpPr/>
+          <p:nvPr/>
+        </p:nvSpPr>
+        <p:spPr>
+          <a:xfrm>
+            <a:off x="4040155" y="111967"/>
+            <a:ext cx="4152123" cy="429209"/>
+          </a:xfrm>
+          <a:prstGeom prst="rect">
+            <a:avLst/>
+          </a:prstGeom>
+        </p:spPr>
+        <p:style>
+          <a:lnRef idx="2">
+            <a:schemeClr val="accent1">
+              <a:shade val="15000"/>
+            </a:schemeClr>
+          </a:lnRef>
+          <a:fillRef idx="1">
+            <a:schemeClr val="accent1"/>
+          </a:fillRef>
+          <a:effectRef idx="0">
+            <a:schemeClr val="accent1"/>
+          </a:effectRef>
+          <a:fontRef idx="minor">
+            <a:schemeClr val="lt1"/>
+          </a:fontRef>
+        </p:style>
+        <p:txBody>
+          <a:bodyPr rtlCol="0" anchor="ctr"/>
+          <a:lstStyle/>
+          <a:p>
+            <a:pPr algn="ctr"/>
+            <a:r>
+              <a:rPr lang="en-US" b="1" dirty="0"/>
+              <a:t>Controller Name and HTTP Request Type</a:t>
+            </a:r>
+          </a:p>
+        </p:txBody>
+      </p:sp>
+      <p:sp>
+        <p:nvSpPr>
+          <p:cNvPr id="3" name="TextBox 2">
+            <a:extLst>
+              <a:ext uri="{FF2B5EF4-FFF2-40B4-BE49-F238E27FC236}">
+                <a16:creationId xmlns:a16="http://schemas.microsoft.com/office/drawing/2014/main" id="{552F9442-396B-F7B1-169E-76AA1EECB666}"/>
+              </a:ext>
+            </a:extLst>
+          </p:cNvPr>
+          <p:cNvSpPr txBox="1"/>
+          <p:nvPr/>
+        </p:nvSpPr>
+        <p:spPr>
+          <a:xfrm>
+            <a:off x="8425543" y="111967"/>
+            <a:ext cx="3172408" cy="338554"/>
+          </a:xfrm>
+          <a:prstGeom prst="rect">
+            <a:avLst/>
+          </a:prstGeom>
+          <a:noFill/>
+        </p:spPr>
+        <p:txBody>
+          <a:bodyPr wrap="square" rtlCol="0">
+            <a:spAutoFit/>
+          </a:bodyPr>
+          <a:lstStyle/>
+          <a:p>
+            <a:pPr algn="ctr"/>
+            <a:r>
+              <a:rPr lang="en-US" sz="1600" b="1" dirty="0"/>
+              <a:t>Http GET, POST, PUT, and DELETE</a:t>
+            </a:r>
+          </a:p>
+        </p:txBody>
+      </p:sp>
+      <p:sp>
+        <p:nvSpPr>
+          <p:cNvPr id="4" name="Rectangle 3">
+            <a:extLst>
+              <a:ext uri="{FF2B5EF4-FFF2-40B4-BE49-F238E27FC236}">
+                <a16:creationId xmlns:a16="http://schemas.microsoft.com/office/drawing/2014/main" id="{9372297F-EEFF-F8EC-A8DD-09AD17845031}"/>
+              </a:ext>
+            </a:extLst>
+          </p:cNvPr>
+          <p:cNvSpPr/>
+          <p:nvPr/>
+        </p:nvSpPr>
+        <p:spPr>
+          <a:xfrm>
+            <a:off x="186612" y="450521"/>
+            <a:ext cx="3433666" cy="6211535"/>
+          </a:xfrm>
+          <a:prstGeom prst="rect">
+            <a:avLst/>
+          </a:prstGeom>
+          <a:solidFill>
+            <a:srgbClr val="0070C0"/>
+          </a:solidFill>
+        </p:spPr>
+        <p:style>
+          <a:lnRef idx="2">
+            <a:schemeClr val="accent1">
+              <a:shade val="15000"/>
+            </a:schemeClr>
+          </a:lnRef>
+          <a:fillRef idx="1">
+            <a:schemeClr val="accent1"/>
+          </a:fillRef>
+          <a:effectRef idx="0">
+            <a:schemeClr val="accent1"/>
+          </a:effectRef>
+          <a:fontRef idx="minor">
+            <a:schemeClr val="lt1"/>
+          </a:fontRef>
+        </p:style>
+        <p:txBody>
+          <a:bodyPr rtlCol="0" anchor="ctr"/>
+          <a:lstStyle/>
+          <a:p>
+            <a:pPr algn="ctr"/>
+            <a:endParaRPr lang="en-US" dirty="0"/>
+          </a:p>
+        </p:txBody>
+      </p:sp>
+      <p:cxnSp>
+        <p:nvCxnSpPr>
+          <p:cNvPr id="6" name="Connector: Elbow 5">
+            <a:extLst>
+              <a:ext uri="{FF2B5EF4-FFF2-40B4-BE49-F238E27FC236}">
+                <a16:creationId xmlns:a16="http://schemas.microsoft.com/office/drawing/2014/main" id="{0C83FC01-87A0-885F-0545-ED27ABE0FAF4}"/>
+              </a:ext>
+            </a:extLst>
+          </p:cNvPr>
+          <p:cNvCxnSpPr>
+            <a:cxnSpLocks/>
+            <a:stCxn id="2" idx="1"/>
+            <a:endCxn id="4" idx="0"/>
+          </p:cNvCxnSpPr>
+          <p:nvPr/>
+        </p:nvCxnSpPr>
+        <p:spPr>
+          <a:xfrm rot="10800000" flipV="1">
+            <a:off x="1903445" y="326571"/>
+            <a:ext cx="2136710" cy="123949"/>
+          </a:xfrm>
+          <a:prstGeom prst="bentConnector2">
+            <a:avLst/>
+          </a:prstGeom>
+          <a:ln>
+            <a:tailEnd type="triangle"/>
+          </a:ln>
+        </p:spPr>
+        <p:style>
+          <a:lnRef idx="1">
+            <a:schemeClr val="accent1"/>
+          </a:lnRef>
+          <a:fillRef idx="0">
+            <a:schemeClr val="accent1"/>
+          </a:fillRef>
+          <a:effectRef idx="0">
+            <a:schemeClr val="accent1"/>
+          </a:effectRef>
+          <a:fontRef idx="minor">
+            <a:schemeClr val="tx1"/>
+          </a:fontRef>
+        </p:style>
+      </p:cxnSp>
+      <p:sp>
+        <p:nvSpPr>
+          <p:cNvPr id="8" name="TextBox 7">
+            <a:extLst>
+              <a:ext uri="{FF2B5EF4-FFF2-40B4-BE49-F238E27FC236}">
+                <a16:creationId xmlns:a16="http://schemas.microsoft.com/office/drawing/2014/main" id="{963B9BC3-EBD7-212F-279B-4E2D0ED4185F}"/>
+              </a:ext>
+            </a:extLst>
+          </p:cNvPr>
+          <p:cNvSpPr txBox="1"/>
+          <p:nvPr/>
+        </p:nvSpPr>
+        <p:spPr>
+          <a:xfrm>
+            <a:off x="275253" y="509864"/>
+            <a:ext cx="3256383" cy="523220"/>
+          </a:xfrm>
+          <a:prstGeom prst="rect">
+            <a:avLst/>
+          </a:prstGeom>
+          <a:noFill/>
+        </p:spPr>
+        <p:txBody>
+          <a:bodyPr wrap="square" rtlCol="0">
+            <a:spAutoFit/>
+          </a:bodyPr>
+          <a:lstStyle/>
+          <a:p>
+            <a:pPr algn="ctr"/>
+            <a:r>
+              <a:rPr lang="en-US" sz="1400" b="1" dirty="0">
+                <a:solidFill>
+                  <a:srgbClr val="FFFF00"/>
+                </a:solidFill>
+              </a:rPr>
+              <a:t>Controller Instance aka </a:t>
+            </a:r>
+          </a:p>
+          <a:p>
+            <a:pPr algn="ctr"/>
+            <a:r>
+              <a:rPr lang="en-US" sz="1400" b="1" dirty="0">
+                <a:solidFill>
+                  <a:srgbClr val="FFFF00"/>
+                </a:solidFill>
+              </a:rPr>
+              <a:t>ControllerContext</a:t>
+            </a:r>
+          </a:p>
+        </p:txBody>
+      </p:sp>
+      <p:sp>
+        <p:nvSpPr>
+          <p:cNvPr id="9" name="Rectangle 8">
+            <a:extLst>
+              <a:ext uri="{FF2B5EF4-FFF2-40B4-BE49-F238E27FC236}">
+                <a16:creationId xmlns:a16="http://schemas.microsoft.com/office/drawing/2014/main" id="{B4621109-9ACD-CA19-2A55-F614132F68AE}"/>
+              </a:ext>
+            </a:extLst>
+          </p:cNvPr>
+          <p:cNvSpPr/>
+          <p:nvPr/>
+        </p:nvSpPr>
+        <p:spPr>
+          <a:xfrm>
+            <a:off x="200607" y="1033084"/>
+            <a:ext cx="3433666" cy="597159"/>
+          </a:xfrm>
+          <a:prstGeom prst="rect">
+            <a:avLst/>
+          </a:prstGeom>
+          <a:solidFill>
+            <a:srgbClr val="C00000"/>
+          </a:solidFill>
+        </p:spPr>
+        <p:style>
+          <a:lnRef idx="2">
+            <a:schemeClr val="accent1">
+              <a:shade val="15000"/>
+            </a:schemeClr>
+          </a:lnRef>
+          <a:fillRef idx="1">
+            <a:schemeClr val="accent1"/>
+          </a:fillRef>
+          <a:effectRef idx="0">
+            <a:schemeClr val="accent1"/>
+          </a:effectRef>
+          <a:fontRef idx="minor">
+            <a:schemeClr val="lt1"/>
+          </a:fontRef>
+        </p:style>
+        <p:txBody>
+          <a:bodyPr rtlCol="0" anchor="ctr"/>
+          <a:lstStyle/>
+          <a:p>
+            <a:pPr algn="ctr"/>
+            <a:r>
+              <a:rPr lang="en-US" sz="1400" b="1" dirty="0"/>
+              <a:t>Check for Authentication and Authorization</a:t>
+            </a:r>
+          </a:p>
+          <a:p>
+            <a:pPr algn="ctr"/>
+            <a:r>
+              <a:rPr lang="en-US" sz="1400" b="1" dirty="0"/>
+              <a:t>Authentication and Authorization Middleware</a:t>
+            </a:r>
+          </a:p>
+        </p:txBody>
+      </p:sp>
+      <p:sp>
+        <p:nvSpPr>
+          <p:cNvPr id="12" name="TextBox 11">
+            <a:extLst>
+              <a:ext uri="{FF2B5EF4-FFF2-40B4-BE49-F238E27FC236}">
+                <a16:creationId xmlns:a16="http://schemas.microsoft.com/office/drawing/2014/main" id="{017AEC24-893E-9996-4DC7-18C2F2DC3826}"/>
+              </a:ext>
+            </a:extLst>
+          </p:cNvPr>
+          <p:cNvSpPr txBox="1"/>
+          <p:nvPr/>
+        </p:nvSpPr>
+        <p:spPr>
+          <a:xfrm>
+            <a:off x="4040155" y="1138335"/>
+            <a:ext cx="1334278" cy="461665"/>
+          </a:xfrm>
+          <a:prstGeom prst="rect">
+            <a:avLst/>
+          </a:prstGeom>
+          <a:noFill/>
+        </p:spPr>
+        <p:txBody>
+          <a:bodyPr wrap="square" rtlCol="0">
+            <a:spAutoFit/>
+          </a:bodyPr>
+          <a:lstStyle/>
+          <a:p>
+            <a:pPr algn="ctr"/>
+            <a:r>
+              <a:rPr lang="en-US" sz="1200" b="1" dirty="0"/>
+              <a:t>401 Response if Not</a:t>
+            </a:r>
+          </a:p>
+        </p:txBody>
+      </p:sp>
+      <p:cxnSp>
+        <p:nvCxnSpPr>
+          <p:cNvPr id="14" name="Connector: Elbow 13">
+            <a:extLst>
+              <a:ext uri="{FF2B5EF4-FFF2-40B4-BE49-F238E27FC236}">
+                <a16:creationId xmlns:a16="http://schemas.microsoft.com/office/drawing/2014/main" id="{4452E86E-2E79-550C-DF12-F138F4C895F4}"/>
+              </a:ext>
+            </a:extLst>
+          </p:cNvPr>
+          <p:cNvCxnSpPr>
+            <a:stCxn id="9" idx="3"/>
+            <a:endCxn id="12" idx="1"/>
+          </p:cNvCxnSpPr>
+          <p:nvPr/>
+        </p:nvCxnSpPr>
+        <p:spPr>
+          <a:xfrm>
+            <a:off x="3634273" y="1331664"/>
+            <a:ext cx="405882" cy="37504"/>
+          </a:xfrm>
+          <a:prstGeom prst="bentConnector3">
+            <a:avLst/>
+          </a:prstGeom>
+          <a:ln>
+            <a:tailEnd type="triangle"/>
+          </a:ln>
+        </p:spPr>
+        <p:style>
+          <a:lnRef idx="1">
+            <a:schemeClr val="accent1"/>
+          </a:lnRef>
+          <a:fillRef idx="0">
+            <a:schemeClr val="accent1"/>
+          </a:fillRef>
+          <a:effectRef idx="0">
+            <a:schemeClr val="accent1"/>
+          </a:effectRef>
+          <a:fontRef idx="minor">
+            <a:schemeClr val="tx1"/>
+          </a:fontRef>
+        </p:style>
+      </p:cxnSp>
+      <p:sp>
+        <p:nvSpPr>
+          <p:cNvPr id="15" name="Rectangle 14">
+            <a:extLst>
+              <a:ext uri="{FF2B5EF4-FFF2-40B4-BE49-F238E27FC236}">
+                <a16:creationId xmlns:a16="http://schemas.microsoft.com/office/drawing/2014/main" id="{458961D2-8BB3-9284-B89C-AEE7CB11B882}"/>
+              </a:ext>
+            </a:extLst>
+          </p:cNvPr>
+          <p:cNvSpPr/>
+          <p:nvPr/>
+        </p:nvSpPr>
+        <p:spPr>
+          <a:xfrm>
+            <a:off x="191276" y="1630243"/>
+            <a:ext cx="3433666" cy="597159"/>
+          </a:xfrm>
+          <a:prstGeom prst="rect">
+            <a:avLst/>
+          </a:prstGeom>
+          <a:solidFill>
+            <a:schemeClr val="accent4">
+              <a:lumMod val="60000"/>
+              <a:lumOff val="40000"/>
+            </a:schemeClr>
+          </a:solidFill>
+        </p:spPr>
+        <p:style>
+          <a:lnRef idx="2">
+            <a:schemeClr val="accent1">
+              <a:shade val="15000"/>
+            </a:schemeClr>
+          </a:lnRef>
+          <a:fillRef idx="1">
+            <a:schemeClr val="accent1"/>
+          </a:fillRef>
+          <a:effectRef idx="0">
+            <a:schemeClr val="accent1"/>
+          </a:effectRef>
+          <a:fontRef idx="minor">
+            <a:schemeClr val="lt1"/>
+          </a:fontRef>
+        </p:style>
+        <p:txBody>
+          <a:bodyPr rtlCol="0" anchor="ctr"/>
+          <a:lstStyle/>
+          <a:p>
+            <a:pPr algn="ctr"/>
+            <a:r>
+              <a:rPr lang="en-US" sz="1400" dirty="0">
+                <a:ln w="0"/>
+                <a:solidFill>
+                  <a:schemeClr val="tx1"/>
+                </a:solidFill>
+                <a:effectLst>
+                  <a:outerShdw blurRad="38100" dist="19050" dir="2700000" algn="tl" rotWithShape="0">
+                    <a:schemeClr val="dk1">
+                      <a:alpha val="40000"/>
+                    </a:schemeClr>
+                  </a:outerShdw>
+                </a:effectLst>
+              </a:rPr>
+              <a:t>Inject the necessary Dependencies</a:t>
+            </a:r>
+          </a:p>
+          <a:p>
+            <a:pPr algn="ctr"/>
+            <a:r>
+              <a:rPr lang="en-US" sz="1400" dirty="0">
+                <a:ln w="0"/>
+                <a:solidFill>
+                  <a:schemeClr val="tx1"/>
+                </a:solidFill>
+                <a:effectLst>
+                  <a:outerShdw blurRad="38100" dist="19050" dir="2700000" algn="tl" rotWithShape="0">
+                    <a:schemeClr val="dk1">
+                      <a:alpha val="40000"/>
+                    </a:schemeClr>
+                  </a:outerShdw>
+                </a:effectLst>
+              </a:rPr>
+              <a:t>They are retrieved and injected from Services </a:t>
+            </a:r>
+          </a:p>
+        </p:txBody>
+      </p:sp>
+      <p:sp>
+        <p:nvSpPr>
+          <p:cNvPr id="16" name="Rectangle 15">
+            <a:extLst>
+              <a:ext uri="{FF2B5EF4-FFF2-40B4-BE49-F238E27FC236}">
+                <a16:creationId xmlns:a16="http://schemas.microsoft.com/office/drawing/2014/main" id="{60383F07-21A3-4DB2-DF03-1A07AFBC4341}"/>
+              </a:ext>
+            </a:extLst>
+          </p:cNvPr>
+          <p:cNvSpPr/>
+          <p:nvPr/>
+        </p:nvSpPr>
+        <p:spPr>
+          <a:xfrm>
+            <a:off x="177279" y="2323399"/>
+            <a:ext cx="3433666" cy="597159"/>
+          </a:xfrm>
+          <a:prstGeom prst="rect">
+            <a:avLst/>
+          </a:prstGeom>
+          <a:solidFill>
+            <a:srgbClr val="FFFF00"/>
+          </a:solidFill>
+        </p:spPr>
+        <p:style>
+          <a:lnRef idx="2">
+            <a:schemeClr val="accent1">
+              <a:shade val="15000"/>
+            </a:schemeClr>
+          </a:lnRef>
+          <a:fillRef idx="1">
+            <a:schemeClr val="accent1"/>
+          </a:fillRef>
+          <a:effectRef idx="0">
+            <a:schemeClr val="accent1"/>
+          </a:effectRef>
+          <a:fontRef idx="minor">
+            <a:schemeClr val="lt1"/>
+          </a:fontRef>
+        </p:style>
+        <p:txBody>
+          <a:bodyPr rtlCol="0" anchor="ctr"/>
+          <a:lstStyle/>
+          <a:p>
+            <a:pPr algn="ctr"/>
+            <a:r>
+              <a:rPr lang="en-US" sz="1400" dirty="0">
+                <a:ln w="0"/>
+                <a:solidFill>
+                  <a:schemeClr val="tx1"/>
+                </a:solidFill>
+                <a:effectLst>
+                  <a:outerShdw blurRad="38100" dist="19050" dir="2700000" algn="tl" rotWithShape="0">
+                    <a:schemeClr val="dk1">
+                      <a:alpha val="40000"/>
+                    </a:schemeClr>
+                  </a:outerShdw>
+                </a:effectLst>
+              </a:rPr>
+              <a:t>Map the HTTP Request with the Action Method Get, Post, Put and Delete</a:t>
+            </a:r>
+          </a:p>
+        </p:txBody>
+      </p:sp>
+      <p:sp>
+        <p:nvSpPr>
+          <p:cNvPr id="18" name="Rectangle 17">
+            <a:extLst>
+              <a:ext uri="{FF2B5EF4-FFF2-40B4-BE49-F238E27FC236}">
+                <a16:creationId xmlns:a16="http://schemas.microsoft.com/office/drawing/2014/main" id="{7C89D98E-EE6D-81A7-C671-FA6D54583975}"/>
+              </a:ext>
+            </a:extLst>
+          </p:cNvPr>
+          <p:cNvSpPr/>
+          <p:nvPr/>
+        </p:nvSpPr>
+        <p:spPr>
+          <a:xfrm>
+            <a:off x="172616" y="3021888"/>
+            <a:ext cx="3447661" cy="673034"/>
+          </a:xfrm>
+          <a:prstGeom prst="rect">
+            <a:avLst/>
+          </a:prstGeom>
+          <a:solidFill>
+            <a:srgbClr val="C00000"/>
+          </a:solidFill>
+        </p:spPr>
+        <p:style>
+          <a:lnRef idx="2">
+            <a:schemeClr val="accent1">
+              <a:shade val="15000"/>
+            </a:schemeClr>
+          </a:lnRef>
+          <a:fillRef idx="1">
+            <a:schemeClr val="accent1"/>
+          </a:fillRef>
+          <a:effectRef idx="0">
+            <a:schemeClr val="accent1"/>
+          </a:effectRef>
+          <a:fontRef idx="minor">
+            <a:schemeClr val="lt1"/>
+          </a:fontRef>
+        </p:style>
+        <p:txBody>
+          <a:bodyPr rtlCol="0" anchor="ctr"/>
+          <a:lstStyle/>
+          <a:p>
+            <a:pPr algn="ctr"/>
+            <a:r>
+              <a:rPr lang="en-US" sz="1400" b="1" dirty="0"/>
+              <a:t>Check for Authentication and Authorization</a:t>
+            </a:r>
+          </a:p>
+          <a:p>
+            <a:pPr algn="ctr"/>
+            <a:r>
+              <a:rPr lang="en-US" sz="1400" b="1" dirty="0"/>
+              <a:t>Authentication and Authorization for the Action Method Access</a:t>
+            </a:r>
+          </a:p>
+        </p:txBody>
+      </p:sp>
+      <p:cxnSp>
+        <p:nvCxnSpPr>
+          <p:cNvPr id="20" name="Connector: Elbow 19">
+            <a:extLst>
+              <a:ext uri="{FF2B5EF4-FFF2-40B4-BE49-F238E27FC236}">
+                <a16:creationId xmlns:a16="http://schemas.microsoft.com/office/drawing/2014/main" id="{80E9ED0C-CFB1-E9DD-5D1A-E2BDAA46D461}"/>
+              </a:ext>
+            </a:extLst>
+          </p:cNvPr>
+          <p:cNvCxnSpPr>
+            <a:stCxn id="18" idx="3"/>
+            <a:endCxn id="12" idx="2"/>
+          </p:cNvCxnSpPr>
+          <p:nvPr/>
+        </p:nvCxnSpPr>
+        <p:spPr>
+          <a:xfrm flipV="1">
+            <a:off x="3620277" y="1600000"/>
+            <a:ext cx="1087017" cy="1758405"/>
+          </a:xfrm>
+          <a:prstGeom prst="bentConnector2">
+            <a:avLst/>
+          </a:prstGeom>
+          <a:ln>
+            <a:tailEnd type="triangle"/>
+          </a:ln>
+        </p:spPr>
+        <p:style>
+          <a:lnRef idx="1">
+            <a:schemeClr val="accent1"/>
+          </a:lnRef>
+          <a:fillRef idx="0">
+            <a:schemeClr val="accent1"/>
+          </a:fillRef>
+          <a:effectRef idx="0">
+            <a:schemeClr val="accent1"/>
+          </a:effectRef>
+          <a:fontRef idx="minor">
+            <a:schemeClr val="tx1"/>
+          </a:fontRef>
+        </p:style>
+      </p:cxnSp>
+      <p:sp>
+        <p:nvSpPr>
+          <p:cNvPr id="21" name="Rectangle 20">
+            <a:extLst>
+              <a:ext uri="{FF2B5EF4-FFF2-40B4-BE49-F238E27FC236}">
+                <a16:creationId xmlns:a16="http://schemas.microsoft.com/office/drawing/2014/main" id="{1C4DA1D5-3B3A-0A98-A0A2-A98A2FB10AE8}"/>
+              </a:ext>
+            </a:extLst>
+          </p:cNvPr>
+          <p:cNvSpPr/>
+          <p:nvPr/>
+        </p:nvSpPr>
+        <p:spPr>
+          <a:xfrm>
+            <a:off x="172616" y="3818873"/>
+            <a:ext cx="3433666" cy="597159"/>
+          </a:xfrm>
+          <a:prstGeom prst="rect">
+            <a:avLst/>
+          </a:prstGeom>
+          <a:solidFill>
+            <a:srgbClr val="7030A0"/>
+          </a:solidFill>
+        </p:spPr>
+        <p:style>
+          <a:lnRef idx="2">
+            <a:schemeClr val="accent1">
+              <a:shade val="15000"/>
+            </a:schemeClr>
+          </a:lnRef>
+          <a:fillRef idx="1">
+            <a:schemeClr val="accent1"/>
+          </a:fillRef>
+          <a:effectRef idx="0">
+            <a:schemeClr val="accent1"/>
+          </a:effectRef>
+          <a:fontRef idx="minor">
+            <a:schemeClr val="lt1"/>
+          </a:fontRef>
+        </p:style>
+        <p:txBody>
+          <a:bodyPr rtlCol="0" anchor="ctr"/>
+          <a:lstStyle/>
+          <a:p>
+            <a:pPr algn="ctr"/>
+            <a:r>
+              <a:rPr lang="en-US" sz="1400" dirty="0">
+                <a:ln w="0"/>
+                <a:solidFill>
+                  <a:srgbClr val="FFFF00"/>
+                </a:solidFill>
+                <a:effectLst>
+                  <a:outerShdw blurRad="38100" dist="19050" dir="2700000" algn="tl" rotWithShape="0">
+                    <a:schemeClr val="dk1">
+                      <a:alpha val="40000"/>
+                    </a:schemeClr>
+                  </a:outerShdw>
+                </a:effectLst>
+              </a:rPr>
+              <a:t>Read the Http Request for Parameters to Method e.g. URL Parameter and/or the Data from HTTP Request Body,</a:t>
+            </a:r>
+          </a:p>
+        </p:txBody>
+      </p:sp>
+      <p:sp>
+        <p:nvSpPr>
+          <p:cNvPr id="22" name="Rectangle 21">
+            <a:extLst>
+              <a:ext uri="{FF2B5EF4-FFF2-40B4-BE49-F238E27FC236}">
+                <a16:creationId xmlns:a16="http://schemas.microsoft.com/office/drawing/2014/main" id="{51F5DAC5-1A8B-52D5-1E8D-E79FB9532605}"/>
+              </a:ext>
+            </a:extLst>
+          </p:cNvPr>
+          <p:cNvSpPr/>
+          <p:nvPr/>
+        </p:nvSpPr>
+        <p:spPr>
+          <a:xfrm>
+            <a:off x="191276" y="4538127"/>
+            <a:ext cx="3429004" cy="895739"/>
+          </a:xfrm>
+          <a:prstGeom prst="rect">
+            <a:avLst/>
+          </a:prstGeom>
+          <a:solidFill>
+            <a:srgbClr val="00B050"/>
+          </a:solidFill>
+        </p:spPr>
+        <p:style>
+          <a:lnRef idx="2">
+            <a:schemeClr val="accent1">
+              <a:shade val="15000"/>
+            </a:schemeClr>
+          </a:lnRef>
+          <a:fillRef idx="1">
+            <a:schemeClr val="accent1"/>
+          </a:fillRef>
+          <a:effectRef idx="0">
+            <a:schemeClr val="accent1"/>
+          </a:effectRef>
+          <a:fontRef idx="minor">
+            <a:schemeClr val="lt1"/>
+          </a:fontRef>
+        </p:style>
+        <p:txBody>
+          <a:bodyPr rtlCol="0" anchor="ctr"/>
+          <a:lstStyle/>
+          <a:p>
+            <a:pPr algn="ctr"/>
+            <a:r>
+              <a:rPr lang="en-US" sz="1400" b="1" dirty="0"/>
+              <a:t>Execute the Action Method and if error occurred then Handle it using Error Middleware  </a:t>
+            </a:r>
+          </a:p>
+        </p:txBody>
+      </p:sp>
+      <p:sp>
+        <p:nvSpPr>
+          <p:cNvPr id="23" name="TextBox 22">
+            <a:extLst>
+              <a:ext uri="{FF2B5EF4-FFF2-40B4-BE49-F238E27FC236}">
+                <a16:creationId xmlns:a16="http://schemas.microsoft.com/office/drawing/2014/main" id="{4B60D63A-7BC8-F8C6-273F-056C2AD8A32D}"/>
+              </a:ext>
+            </a:extLst>
+          </p:cNvPr>
+          <p:cNvSpPr txBox="1"/>
+          <p:nvPr/>
+        </p:nvSpPr>
+        <p:spPr>
+          <a:xfrm>
+            <a:off x="3837214" y="4524331"/>
+            <a:ext cx="1334278" cy="276999"/>
+          </a:xfrm>
+          <a:prstGeom prst="rect">
+            <a:avLst/>
+          </a:prstGeom>
+          <a:noFill/>
+        </p:spPr>
+        <p:txBody>
+          <a:bodyPr wrap="square" rtlCol="0">
+            <a:spAutoFit/>
+          </a:bodyPr>
+          <a:lstStyle/>
+          <a:p>
+            <a:pPr algn="ctr"/>
+            <a:r>
+              <a:rPr lang="en-US" sz="1200" b="1" dirty="0"/>
+              <a:t>Error Response</a:t>
+            </a:r>
+          </a:p>
+        </p:txBody>
+      </p:sp>
+      <p:cxnSp>
+        <p:nvCxnSpPr>
+          <p:cNvPr id="25" name="Connector: Elbow 24">
+            <a:extLst>
+              <a:ext uri="{FF2B5EF4-FFF2-40B4-BE49-F238E27FC236}">
+                <a16:creationId xmlns:a16="http://schemas.microsoft.com/office/drawing/2014/main" id="{229CA165-36D3-91C7-ECC9-23236CC33569}"/>
+              </a:ext>
+            </a:extLst>
+          </p:cNvPr>
+          <p:cNvCxnSpPr>
+            <a:stCxn id="22" idx="3"/>
+            <a:endCxn id="23" idx="1"/>
+          </p:cNvCxnSpPr>
+          <p:nvPr/>
+        </p:nvCxnSpPr>
+        <p:spPr>
+          <a:xfrm flipV="1">
+            <a:off x="3620280" y="4662831"/>
+            <a:ext cx="216934" cy="323166"/>
+          </a:xfrm>
+          <a:prstGeom prst="bentConnector3">
+            <a:avLst/>
+          </a:prstGeom>
+          <a:ln>
+            <a:tailEnd type="triangle"/>
+          </a:ln>
+        </p:spPr>
+        <p:style>
+          <a:lnRef idx="1">
+            <a:schemeClr val="accent1"/>
+          </a:lnRef>
+          <a:fillRef idx="0">
+            <a:schemeClr val="accent1"/>
+          </a:fillRef>
+          <a:effectRef idx="0">
+            <a:schemeClr val="accent1"/>
+          </a:effectRef>
+          <a:fontRef idx="minor">
+            <a:schemeClr val="tx1"/>
+          </a:fontRef>
+        </p:style>
+      </p:cxnSp>
+      <p:sp>
+        <p:nvSpPr>
+          <p:cNvPr id="26" name="Rectangle 25">
+            <a:extLst>
+              <a:ext uri="{FF2B5EF4-FFF2-40B4-BE49-F238E27FC236}">
+                <a16:creationId xmlns:a16="http://schemas.microsoft.com/office/drawing/2014/main" id="{D49BACA4-1A71-A66B-5BA0-73DB9C080AAA}"/>
+              </a:ext>
+            </a:extLst>
+          </p:cNvPr>
+          <p:cNvSpPr/>
+          <p:nvPr/>
+        </p:nvSpPr>
+        <p:spPr>
+          <a:xfrm>
+            <a:off x="183111" y="5595754"/>
+            <a:ext cx="3451162" cy="895739"/>
+          </a:xfrm>
+          <a:prstGeom prst="rect">
+            <a:avLst/>
+          </a:prstGeom>
+          <a:solidFill>
+            <a:srgbClr val="FFFF00"/>
+          </a:solidFill>
+        </p:spPr>
+        <p:style>
+          <a:lnRef idx="2">
+            <a:schemeClr val="accent1">
+              <a:shade val="15000"/>
+            </a:schemeClr>
+          </a:lnRef>
+          <a:fillRef idx="1">
+            <a:schemeClr val="accent1"/>
+          </a:fillRef>
+          <a:effectRef idx="0">
+            <a:schemeClr val="accent1"/>
+          </a:effectRef>
+          <a:fontRef idx="minor">
+            <a:schemeClr val="lt1"/>
+          </a:fontRef>
+        </p:style>
+        <p:txBody>
+          <a:bodyPr rtlCol="0" anchor="ctr"/>
+          <a:lstStyle/>
+          <a:p>
+            <a:pPr algn="ctr"/>
+            <a:r>
+              <a:rPr lang="en-US" sz="1400" b="1" dirty="0">
+                <a:solidFill>
+                  <a:srgbClr val="C00000"/>
+                </a:solidFill>
+              </a:rPr>
+              <a:t>If All is well for Action Method then the Result will be Invoked</a:t>
+            </a:r>
+          </a:p>
+        </p:txBody>
+      </p:sp>
+      <p:sp>
+        <p:nvSpPr>
+          <p:cNvPr id="27" name="Rectangle 26">
+            <a:extLst>
+              <a:ext uri="{FF2B5EF4-FFF2-40B4-BE49-F238E27FC236}">
+                <a16:creationId xmlns:a16="http://schemas.microsoft.com/office/drawing/2014/main" id="{FFE86173-1F87-24C1-2B71-93D600D32A88}"/>
+              </a:ext>
+            </a:extLst>
+          </p:cNvPr>
+          <p:cNvSpPr/>
+          <p:nvPr/>
+        </p:nvSpPr>
+        <p:spPr>
+          <a:xfrm>
+            <a:off x="7763069" y="1600000"/>
+            <a:ext cx="3303037" cy="2645429"/>
+          </a:xfrm>
+          <a:prstGeom prst="rect">
+            <a:avLst/>
+          </a:prstGeom>
+        </p:spPr>
+        <p:style>
+          <a:lnRef idx="1">
+            <a:schemeClr val="accent4"/>
+          </a:lnRef>
+          <a:fillRef idx="2">
+            <a:schemeClr val="accent4"/>
+          </a:fillRef>
+          <a:effectRef idx="1">
+            <a:schemeClr val="accent4"/>
+          </a:effectRef>
+          <a:fontRef idx="minor">
+            <a:schemeClr val="dk1"/>
+          </a:fontRef>
+        </p:style>
+        <p:txBody>
+          <a:bodyPr rtlCol="0" anchor="ctr"/>
+          <a:lstStyle/>
+          <a:p>
+            <a:pPr algn="ctr"/>
+            <a:endParaRPr lang="en-US"/>
+          </a:p>
+        </p:txBody>
+      </p:sp>
+      <p:sp>
+        <p:nvSpPr>
+          <p:cNvPr id="28" name="TextBox 27">
+            <a:extLst>
+              <a:ext uri="{FF2B5EF4-FFF2-40B4-BE49-F238E27FC236}">
+                <a16:creationId xmlns:a16="http://schemas.microsoft.com/office/drawing/2014/main" id="{D3F88D6F-7C8E-B932-08D3-3857DE5915F5}"/>
+              </a:ext>
+            </a:extLst>
+          </p:cNvPr>
+          <p:cNvSpPr txBox="1"/>
+          <p:nvPr/>
+        </p:nvSpPr>
+        <p:spPr>
+          <a:xfrm>
+            <a:off x="7893698" y="1690655"/>
+            <a:ext cx="2995126" cy="369332"/>
+          </a:xfrm>
+          <a:prstGeom prst="rect">
+            <a:avLst/>
+          </a:prstGeom>
+          <a:noFill/>
+        </p:spPr>
+        <p:txBody>
+          <a:bodyPr wrap="square" rtlCol="0">
+            <a:spAutoFit/>
+          </a:bodyPr>
+          <a:lstStyle/>
+          <a:p>
+            <a:pPr algn="ctr"/>
+            <a:r>
+              <a:rPr lang="en-US" b="1" dirty="0"/>
+              <a:t>Result Context</a:t>
+            </a:r>
+          </a:p>
+        </p:txBody>
+      </p:sp>
+      <p:cxnSp>
+        <p:nvCxnSpPr>
+          <p:cNvPr id="30" name="Connector: Elbow 29">
+            <a:extLst>
+              <a:ext uri="{FF2B5EF4-FFF2-40B4-BE49-F238E27FC236}">
+                <a16:creationId xmlns:a16="http://schemas.microsoft.com/office/drawing/2014/main" id="{5D1DC2DE-3ABD-66B1-98FF-CEAF8D57A97B}"/>
+              </a:ext>
+            </a:extLst>
+          </p:cNvPr>
+          <p:cNvCxnSpPr>
+            <a:cxnSpLocks/>
+            <a:stCxn id="26" idx="3"/>
+            <a:endCxn id="27" idx="0"/>
+          </p:cNvCxnSpPr>
+          <p:nvPr/>
+        </p:nvCxnSpPr>
+        <p:spPr>
+          <a:xfrm flipV="1">
+            <a:off x="3634273" y="1600000"/>
+            <a:ext cx="5780315" cy="4443624"/>
+          </a:xfrm>
+          <a:prstGeom prst="bentConnector4">
+            <a:avLst>
+              <a:gd name="adj1" fmla="val 35714"/>
+              <a:gd name="adj2" fmla="val 105144"/>
+            </a:avLst>
+          </a:prstGeom>
+          <a:ln>
+            <a:tailEnd type="triangle"/>
+          </a:ln>
+        </p:spPr>
+        <p:style>
+          <a:lnRef idx="1">
+            <a:schemeClr val="accent1"/>
+          </a:lnRef>
+          <a:fillRef idx="0">
+            <a:schemeClr val="accent1"/>
+          </a:fillRef>
+          <a:effectRef idx="0">
+            <a:schemeClr val="accent1"/>
+          </a:effectRef>
+          <a:fontRef idx="minor">
+            <a:schemeClr val="tx1"/>
+          </a:fontRef>
+        </p:style>
+      </p:cxnSp>
+      <p:sp>
+        <p:nvSpPr>
+          <p:cNvPr id="31" name="Rectangle 30">
+            <a:extLst>
+              <a:ext uri="{FF2B5EF4-FFF2-40B4-BE49-F238E27FC236}">
+                <a16:creationId xmlns:a16="http://schemas.microsoft.com/office/drawing/2014/main" id="{39C82414-11AE-5FED-ADD4-727E30B43528}"/>
+              </a:ext>
+            </a:extLst>
+          </p:cNvPr>
+          <p:cNvSpPr/>
+          <p:nvPr/>
+        </p:nvSpPr>
+        <p:spPr>
+          <a:xfrm>
+            <a:off x="7763069" y="2227402"/>
+            <a:ext cx="3303037" cy="478476"/>
+          </a:xfrm>
+          <a:prstGeom prst="rect">
+            <a:avLst/>
+          </a:prstGeom>
+        </p:spPr>
+        <p:style>
+          <a:lnRef idx="2">
+            <a:schemeClr val="accent1">
+              <a:shade val="15000"/>
+            </a:schemeClr>
+          </a:lnRef>
+          <a:fillRef idx="1">
+            <a:schemeClr val="accent1"/>
+          </a:fillRef>
+          <a:effectRef idx="0">
+            <a:schemeClr val="accent1"/>
+          </a:effectRef>
+          <a:fontRef idx="minor">
+            <a:schemeClr val="lt1"/>
+          </a:fontRef>
+        </p:style>
+        <p:txBody>
+          <a:bodyPr rtlCol="0" anchor="ctr"/>
+          <a:lstStyle/>
+          <a:p>
+            <a:pPr algn="ctr"/>
+            <a:r>
+              <a:rPr lang="en-US" sz="1200" b="1" dirty="0"/>
+              <a:t>Read the Response Type</a:t>
+            </a:r>
+          </a:p>
+          <a:p>
+            <a:pPr algn="ctr"/>
+            <a:r>
+              <a:rPr lang="en-US" sz="1200" b="1" dirty="0"/>
+              <a:t>Ok, </a:t>
+            </a:r>
+            <a:r>
+              <a:rPr lang="en-US" sz="1200" b="1" dirty="0" err="1"/>
+              <a:t>NoContent</a:t>
+            </a:r>
+            <a:r>
+              <a:rPr lang="en-US" sz="1200" b="1" dirty="0"/>
+              <a:t>, etc.</a:t>
+            </a:r>
+          </a:p>
+        </p:txBody>
+      </p:sp>
+      <p:sp>
+        <p:nvSpPr>
+          <p:cNvPr id="32" name="Rectangle 31">
+            <a:extLst>
+              <a:ext uri="{FF2B5EF4-FFF2-40B4-BE49-F238E27FC236}">
+                <a16:creationId xmlns:a16="http://schemas.microsoft.com/office/drawing/2014/main" id="{53FAEE5B-E736-884C-D331-6DE604F706AC}"/>
+              </a:ext>
+            </a:extLst>
+          </p:cNvPr>
+          <p:cNvSpPr/>
+          <p:nvPr/>
+        </p:nvSpPr>
+        <p:spPr>
+          <a:xfrm>
+            <a:off x="7763069" y="3031676"/>
+            <a:ext cx="3303037" cy="989817"/>
+          </a:xfrm>
+          <a:prstGeom prst="rect">
+            <a:avLst/>
+          </a:prstGeom>
+        </p:spPr>
+        <p:style>
+          <a:lnRef idx="2">
+            <a:schemeClr val="accent1">
+              <a:shade val="15000"/>
+            </a:schemeClr>
+          </a:lnRef>
+          <a:fillRef idx="1">
+            <a:schemeClr val="accent1"/>
+          </a:fillRef>
+          <a:effectRef idx="0">
+            <a:schemeClr val="accent1"/>
+          </a:effectRef>
+          <a:fontRef idx="minor">
+            <a:schemeClr val="lt1"/>
+          </a:fontRef>
+        </p:style>
+        <p:txBody>
+          <a:bodyPr rtlCol="0" anchor="ctr"/>
+          <a:lstStyle/>
+          <a:p>
+            <a:pPr algn="ctr"/>
+            <a:r>
+              <a:rPr lang="en-US" b="1" dirty="0"/>
+              <a:t>JSON Serialization of the Response</a:t>
+            </a:r>
+          </a:p>
+        </p:txBody>
+      </p:sp>
+      <p:sp>
+        <p:nvSpPr>
+          <p:cNvPr id="34" name="TextBox 33">
+            <a:extLst>
+              <a:ext uri="{FF2B5EF4-FFF2-40B4-BE49-F238E27FC236}">
+                <a16:creationId xmlns:a16="http://schemas.microsoft.com/office/drawing/2014/main" id="{934AC328-DB52-60EE-CCD5-BD660B1ED963}"/>
+              </a:ext>
+            </a:extLst>
+          </p:cNvPr>
+          <p:cNvSpPr txBox="1"/>
+          <p:nvPr/>
+        </p:nvSpPr>
+        <p:spPr>
+          <a:xfrm>
+            <a:off x="7259215" y="5249200"/>
+            <a:ext cx="3629609" cy="369332"/>
+          </a:xfrm>
+          <a:prstGeom prst="rect">
+            <a:avLst/>
+          </a:prstGeom>
+          <a:noFill/>
+        </p:spPr>
+        <p:txBody>
+          <a:bodyPr wrap="square" rtlCol="0">
+            <a:spAutoFit/>
+          </a:bodyPr>
+          <a:lstStyle/>
+          <a:p>
+            <a:pPr algn="ctr"/>
+            <a:r>
+              <a:rPr lang="en-US" b="1" dirty="0"/>
+              <a:t>HTTP Response</a:t>
+            </a:r>
+          </a:p>
+        </p:txBody>
+      </p:sp>
+      <p:cxnSp>
+        <p:nvCxnSpPr>
+          <p:cNvPr id="36" name="Connector: Elbow 35">
+            <a:extLst>
+              <a:ext uri="{FF2B5EF4-FFF2-40B4-BE49-F238E27FC236}">
+                <a16:creationId xmlns:a16="http://schemas.microsoft.com/office/drawing/2014/main" id="{74856AF6-D0C1-9C07-C125-AB607EF1DAF7}"/>
+              </a:ext>
+            </a:extLst>
+          </p:cNvPr>
+          <p:cNvCxnSpPr>
+            <a:stCxn id="27" idx="2"/>
+            <a:endCxn id="34" idx="0"/>
+          </p:cNvCxnSpPr>
+          <p:nvPr/>
+        </p:nvCxnSpPr>
+        <p:spPr>
+          <a:xfrm rot="5400000">
+            <a:off x="8742419" y="4577030"/>
+            <a:ext cx="1003771" cy="340568"/>
+          </a:xfrm>
+          <a:prstGeom prst="bentConnector3">
+            <a:avLst/>
+          </a:prstGeom>
+          <a:ln>
+            <a:tailEnd type="triangle"/>
+          </a:ln>
+        </p:spPr>
+        <p:style>
+          <a:lnRef idx="1">
+            <a:schemeClr val="accent1"/>
+          </a:lnRef>
+          <a:fillRef idx="0">
+            <a:schemeClr val="accent1"/>
+          </a:fillRef>
+          <a:effectRef idx="0">
+            <a:schemeClr val="accent1"/>
+          </a:effectRef>
+          <a:fontRef idx="minor">
+            <a:schemeClr val="tx1"/>
+          </a:fontRef>
+        </p:style>
+      </p:cxnSp>
+      <p:sp>
+        <p:nvSpPr>
+          <p:cNvPr id="38" name="TextBox 37">
+            <a:extLst>
+              <a:ext uri="{FF2B5EF4-FFF2-40B4-BE49-F238E27FC236}">
+                <a16:creationId xmlns:a16="http://schemas.microsoft.com/office/drawing/2014/main" id="{0B10851E-04BC-CC8F-C95F-D657558C967F}"/>
+              </a:ext>
+            </a:extLst>
+          </p:cNvPr>
+          <p:cNvSpPr txBox="1"/>
+          <p:nvPr/>
+        </p:nvSpPr>
+        <p:spPr>
+          <a:xfrm>
+            <a:off x="5794310" y="6491493"/>
+            <a:ext cx="5710335" cy="369332"/>
+          </a:xfrm>
+          <a:prstGeom prst="rect">
+            <a:avLst/>
+          </a:prstGeom>
+          <a:noFill/>
+        </p:spPr>
+        <p:txBody>
+          <a:bodyPr wrap="square" rtlCol="0">
+            <a:spAutoFit/>
+          </a:bodyPr>
+          <a:lstStyle/>
+          <a:p>
+            <a:pPr algn="ctr"/>
+            <a:r>
+              <a:rPr lang="en-US" b="1" dirty="0"/>
+              <a:t>The API Controller Execution</a:t>
+            </a:r>
+          </a:p>
+        </p:txBody>
+      </p:sp>
+    </p:spTree>
+    <p:extLst>
+      <p:ext uri="{BB962C8B-B14F-4D97-AF65-F5344CB8AC3E}">
+        <p14:creationId xmlns:p14="http://schemas.microsoft.com/office/powerpoint/2010/main" val="3438023958"/>
+      </p:ext>
+    </p:extLst>
+  </p:cSld>
+  <p:clrMapOvr>
+    <a:masterClrMapping/>
+  </p:clrMapOvr>
+</p:sld>
+</file>
+
+<file path=ppt/slides/slide45.xml><?xml version="1.0" encoding="utf-8"?>
+<p:sld xmlns:a="http://schemas.openxmlformats.org/drawingml/2006/main" xmlns:r="http://schemas.openxmlformats.org/officeDocument/2006/relationships" xmlns:p="http://schemas.openxmlformats.org/presentationml/2006/main">
+  <p:cSld>
+    <p:spTree>
+      <p:nvGrpSpPr>
+        <p:cNvPr id="1" name=""/>
+        <p:cNvGrpSpPr/>
+        <p:nvPr/>
+      </p:nvGrpSpPr>
+      <p:grpSpPr>
+        <a:xfrm>
+          <a:off x="0" y="0"/>
+          <a:ext cx="0" cy="0"/>
+          <a:chOff x="0" y="0"/>
+          <a:chExt cx="0" cy="0"/>
+        </a:xfrm>
+      </p:grpSpPr>
+      <p:sp>
+        <p:nvSpPr>
+          <p:cNvPr id="2" name="Rectangle 1">
+            <a:extLst>
+              <a:ext uri="{FF2B5EF4-FFF2-40B4-BE49-F238E27FC236}">
+                <a16:creationId xmlns:a16="http://schemas.microsoft.com/office/drawing/2014/main" id="{5E1248D9-B1D4-2B8F-A627-8F4A7D7F664B}"/>
+              </a:ext>
+            </a:extLst>
+          </p:cNvPr>
+          <p:cNvSpPr/>
+          <p:nvPr/>
+        </p:nvSpPr>
+        <p:spPr>
+          <a:xfrm>
+            <a:off x="1147665" y="1455576"/>
+            <a:ext cx="2985796" cy="951722"/>
+          </a:xfrm>
+          <a:prstGeom prst="rect">
+            <a:avLst/>
+          </a:prstGeom>
+        </p:spPr>
+        <p:style>
+          <a:lnRef idx="2">
+            <a:schemeClr val="accent1">
+              <a:shade val="15000"/>
+            </a:schemeClr>
+          </a:lnRef>
+          <a:fillRef idx="1">
+            <a:schemeClr val="accent1"/>
+          </a:fillRef>
+          <a:effectRef idx="0">
+            <a:schemeClr val="accent1"/>
+          </a:effectRef>
+          <a:fontRef idx="minor">
+            <a:schemeClr val="lt1"/>
+          </a:fontRef>
+        </p:style>
+        <p:txBody>
+          <a:bodyPr rtlCol="0" anchor="ctr"/>
+          <a:lstStyle/>
+          <a:p>
+            <a:pPr algn="ctr"/>
+            <a:r>
+              <a:rPr lang="en-US" dirty="0"/>
+              <a:t>Middleware 1</a:t>
+            </a:r>
+          </a:p>
+        </p:txBody>
+      </p:sp>
+      <p:sp>
+        <p:nvSpPr>
+          <p:cNvPr id="3" name="Rectangle 2">
+            <a:extLst>
+              <a:ext uri="{FF2B5EF4-FFF2-40B4-BE49-F238E27FC236}">
+                <a16:creationId xmlns:a16="http://schemas.microsoft.com/office/drawing/2014/main" id="{7C25E653-EED2-2FBE-C169-74EAAE125BB7}"/>
+              </a:ext>
+            </a:extLst>
+          </p:cNvPr>
+          <p:cNvSpPr/>
+          <p:nvPr/>
+        </p:nvSpPr>
+        <p:spPr>
+          <a:xfrm>
+            <a:off x="7234334" y="1455576"/>
+            <a:ext cx="2985796" cy="951722"/>
+          </a:xfrm>
+          <a:prstGeom prst="rect">
+            <a:avLst/>
+          </a:prstGeom>
+        </p:spPr>
+        <p:style>
+          <a:lnRef idx="2">
+            <a:schemeClr val="accent1">
+              <a:shade val="15000"/>
+            </a:schemeClr>
+          </a:lnRef>
+          <a:fillRef idx="1">
+            <a:schemeClr val="accent1"/>
+          </a:fillRef>
+          <a:effectRef idx="0">
+            <a:schemeClr val="accent1"/>
+          </a:effectRef>
+          <a:fontRef idx="minor">
+            <a:schemeClr val="lt1"/>
+          </a:fontRef>
+        </p:style>
+        <p:txBody>
+          <a:bodyPr rtlCol="0" anchor="ctr"/>
+          <a:lstStyle/>
+          <a:p>
+            <a:pPr algn="ctr"/>
+            <a:r>
+              <a:rPr lang="en-US" dirty="0"/>
+              <a:t>Middleware 2</a:t>
+            </a:r>
+          </a:p>
+        </p:txBody>
+      </p:sp>
+      <p:sp>
+        <p:nvSpPr>
+          <p:cNvPr id="4" name="Arrow: Down 3">
+            <a:extLst>
+              <a:ext uri="{FF2B5EF4-FFF2-40B4-BE49-F238E27FC236}">
+                <a16:creationId xmlns:a16="http://schemas.microsoft.com/office/drawing/2014/main" id="{C4141771-642E-F5D0-0F11-3341FBAE6E14}"/>
+              </a:ext>
+            </a:extLst>
+          </p:cNvPr>
+          <p:cNvSpPr/>
+          <p:nvPr/>
+        </p:nvSpPr>
+        <p:spPr>
+          <a:xfrm>
+            <a:off x="1548882" y="634482"/>
+            <a:ext cx="541175" cy="821094"/>
+          </a:xfrm>
+          <a:prstGeom prst="downArrow">
+            <a:avLst/>
+          </a:prstGeom>
+        </p:spPr>
+        <p:style>
+          <a:lnRef idx="2">
+            <a:schemeClr val="accent1">
+              <a:shade val="15000"/>
+            </a:schemeClr>
+          </a:lnRef>
+          <a:fillRef idx="1">
+            <a:schemeClr val="accent1"/>
+          </a:fillRef>
+          <a:effectRef idx="0">
+            <a:schemeClr val="accent1"/>
+          </a:effectRef>
+          <a:fontRef idx="minor">
+            <a:schemeClr val="lt1"/>
+          </a:fontRef>
+        </p:style>
+        <p:txBody>
+          <a:bodyPr rtlCol="0" anchor="ctr"/>
+          <a:lstStyle/>
+          <a:p>
+            <a:pPr algn="ctr"/>
+            <a:endParaRPr lang="en-US"/>
+          </a:p>
+        </p:txBody>
+      </p:sp>
+      <p:sp>
+        <p:nvSpPr>
+          <p:cNvPr id="5" name="TextBox 4">
+            <a:extLst>
+              <a:ext uri="{FF2B5EF4-FFF2-40B4-BE49-F238E27FC236}">
+                <a16:creationId xmlns:a16="http://schemas.microsoft.com/office/drawing/2014/main" id="{5D165B61-08B0-0887-CDBA-482CA527A3C2}"/>
+              </a:ext>
+            </a:extLst>
+          </p:cNvPr>
+          <p:cNvSpPr txBox="1"/>
+          <p:nvPr/>
+        </p:nvSpPr>
+        <p:spPr>
+          <a:xfrm>
+            <a:off x="1287624" y="270588"/>
+            <a:ext cx="2640564" cy="369332"/>
+          </a:xfrm>
+          <a:prstGeom prst="rect">
+            <a:avLst/>
+          </a:prstGeom>
+          <a:noFill/>
+        </p:spPr>
+        <p:txBody>
+          <a:bodyPr wrap="square" rtlCol="0">
+            <a:spAutoFit/>
+          </a:bodyPr>
+          <a:lstStyle/>
+          <a:p>
+            <a:r>
+              <a:rPr lang="en-US" dirty="0"/>
+              <a:t>Request</a:t>
+            </a:r>
+          </a:p>
+        </p:txBody>
+      </p:sp>
+      <p:cxnSp>
+        <p:nvCxnSpPr>
+          <p:cNvPr id="7" name="Connector: Elbow 6">
+            <a:extLst>
+              <a:ext uri="{FF2B5EF4-FFF2-40B4-BE49-F238E27FC236}">
+                <a16:creationId xmlns:a16="http://schemas.microsoft.com/office/drawing/2014/main" id="{C26968AB-1D44-9DCE-17B5-DE7B5CBB7CF4}"/>
+              </a:ext>
+            </a:extLst>
+          </p:cNvPr>
+          <p:cNvCxnSpPr>
+            <a:stCxn id="2" idx="3"/>
+            <a:endCxn id="3" idx="0"/>
+          </p:cNvCxnSpPr>
+          <p:nvPr/>
+        </p:nvCxnSpPr>
+        <p:spPr>
+          <a:xfrm flipV="1">
+            <a:off x="4133461" y="1455576"/>
+            <a:ext cx="4593771" cy="475861"/>
+          </a:xfrm>
+          <a:prstGeom prst="bentConnector4">
+            <a:avLst>
+              <a:gd name="adj1" fmla="val 33751"/>
+              <a:gd name="adj2" fmla="val 148039"/>
+            </a:avLst>
+          </a:prstGeom>
+          <a:ln w="76200">
+            <a:tailEnd type="triangle"/>
+          </a:ln>
+        </p:spPr>
+        <p:style>
+          <a:lnRef idx="1">
+            <a:schemeClr val="accent1"/>
+          </a:lnRef>
+          <a:fillRef idx="0">
+            <a:schemeClr val="accent1"/>
+          </a:fillRef>
+          <a:effectRef idx="0">
+            <a:schemeClr val="accent1"/>
+          </a:effectRef>
+          <a:fontRef idx="minor">
+            <a:schemeClr val="tx1"/>
+          </a:fontRef>
+        </p:style>
+      </p:cxnSp>
+      <p:sp>
+        <p:nvSpPr>
+          <p:cNvPr id="8" name="TextBox 7">
+            <a:extLst>
+              <a:ext uri="{FF2B5EF4-FFF2-40B4-BE49-F238E27FC236}">
+                <a16:creationId xmlns:a16="http://schemas.microsoft.com/office/drawing/2014/main" id="{324604FC-594D-9B4B-7983-608D2E468C6C}"/>
+              </a:ext>
+            </a:extLst>
+          </p:cNvPr>
+          <p:cNvSpPr txBox="1"/>
+          <p:nvPr/>
+        </p:nvSpPr>
+        <p:spPr>
+          <a:xfrm>
+            <a:off x="3928188" y="550506"/>
+            <a:ext cx="2575249" cy="369332"/>
+          </a:xfrm>
+          <a:prstGeom prst="rect">
+            <a:avLst/>
+          </a:prstGeom>
+          <a:noFill/>
+        </p:spPr>
+        <p:txBody>
+          <a:bodyPr wrap="square" rtlCol="0">
+            <a:spAutoFit/>
+          </a:bodyPr>
+          <a:lstStyle/>
+          <a:p>
+            <a:r>
+              <a:rPr lang="en-US" b="1" dirty="0"/>
+              <a:t>Request Delegate</a:t>
+            </a:r>
+          </a:p>
+        </p:txBody>
+      </p:sp>
+    </p:spTree>
+    <p:extLst>
+      <p:ext uri="{BB962C8B-B14F-4D97-AF65-F5344CB8AC3E}">
+        <p14:creationId xmlns:p14="http://schemas.microsoft.com/office/powerpoint/2010/main" val="4253211589"/>
+      </p:ext>
+    </p:extLst>
+  </p:cSld>
+  <p:clrMapOvr>
+    <a:masterClrMapping/>
+  </p:clrMapOvr>
+</p:sld>
+</file>
+
 <file path=ppt/slides/slide5.xml><?xml version="1.0" encoding="utf-8"?>
 <p:sld xmlns:a="http://schemas.openxmlformats.org/drawingml/2006/main" xmlns:r="http://schemas.openxmlformats.org/officeDocument/2006/relationships" xmlns:p="http://schemas.openxmlformats.org/presentationml/2006/main">
   <p:cSld>

--- a/Images.pptx
+++ b/Images.pptx
@@ -49,7 +49,15 @@
     <p:sldId id="296" r:id="rId43"/>
     <p:sldId id="297" r:id="rId44"/>
     <p:sldId id="298" r:id="rId45"/>
-    <p:sldId id="299" r:id="rId46"/>
+    <p:sldId id="308" r:id="rId46"/>
+    <p:sldId id="307" r:id="rId47"/>
+    <p:sldId id="309" r:id="rId48"/>
+    <p:sldId id="299" r:id="rId49"/>
+    <p:sldId id="302" r:id="rId50"/>
+    <p:sldId id="303" r:id="rId51"/>
+    <p:sldId id="304" r:id="rId52"/>
+    <p:sldId id="305" r:id="rId53"/>
+    <p:sldId id="306" r:id="rId54"/>
   </p:sldIdLst>
   <p:sldSz cx="12192000" cy="6858000"/>
   <p:notesSz cx="6858000" cy="9144000"/>
@@ -303,7 +311,7 @@
           <a:p>
             <a:fld id="{AA664FF4-21B7-42BA-B2A9-563C2A71FA7D}" type="datetimeFigureOut">
               <a:rPr lang="en-US" smtClean="0"/>
-              <a:t>10/9/2023</a:t>
+              <a:t>10/10/2023</a:t>
             </a:fld>
             <a:endParaRPr lang="en-US"/>
           </a:p>
@@ -501,7 +509,7 @@
           <a:p>
             <a:fld id="{AA664FF4-21B7-42BA-B2A9-563C2A71FA7D}" type="datetimeFigureOut">
               <a:rPr lang="en-US" smtClean="0"/>
-              <a:t>10/9/2023</a:t>
+              <a:t>10/10/2023</a:t>
             </a:fld>
             <a:endParaRPr lang="en-US"/>
           </a:p>
@@ -709,7 +717,7 @@
           <a:p>
             <a:fld id="{AA664FF4-21B7-42BA-B2A9-563C2A71FA7D}" type="datetimeFigureOut">
               <a:rPr lang="en-US" smtClean="0"/>
-              <a:t>10/9/2023</a:t>
+              <a:t>10/10/2023</a:t>
             </a:fld>
             <a:endParaRPr lang="en-US"/>
           </a:p>
@@ -907,7 +915,7 @@
           <a:p>
             <a:fld id="{AA664FF4-21B7-42BA-B2A9-563C2A71FA7D}" type="datetimeFigureOut">
               <a:rPr lang="en-US" smtClean="0"/>
-              <a:t>10/9/2023</a:t>
+              <a:t>10/10/2023</a:t>
             </a:fld>
             <a:endParaRPr lang="en-US"/>
           </a:p>
@@ -1182,7 +1190,7 @@
           <a:p>
             <a:fld id="{AA664FF4-21B7-42BA-B2A9-563C2A71FA7D}" type="datetimeFigureOut">
               <a:rPr lang="en-US" smtClean="0"/>
-              <a:t>10/9/2023</a:t>
+              <a:t>10/10/2023</a:t>
             </a:fld>
             <a:endParaRPr lang="en-US"/>
           </a:p>
@@ -1447,7 +1455,7 @@
           <a:p>
             <a:fld id="{AA664FF4-21B7-42BA-B2A9-563C2A71FA7D}" type="datetimeFigureOut">
               <a:rPr lang="en-US" smtClean="0"/>
-              <a:t>10/9/2023</a:t>
+              <a:t>10/10/2023</a:t>
             </a:fld>
             <a:endParaRPr lang="en-US"/>
           </a:p>
@@ -1859,7 +1867,7 @@
           <a:p>
             <a:fld id="{AA664FF4-21B7-42BA-B2A9-563C2A71FA7D}" type="datetimeFigureOut">
               <a:rPr lang="en-US" smtClean="0"/>
-              <a:t>10/9/2023</a:t>
+              <a:t>10/10/2023</a:t>
             </a:fld>
             <a:endParaRPr lang="en-US"/>
           </a:p>
@@ -2000,7 +2008,7 @@
           <a:p>
             <a:fld id="{AA664FF4-21B7-42BA-B2A9-563C2A71FA7D}" type="datetimeFigureOut">
               <a:rPr lang="en-US" smtClean="0"/>
-              <a:t>10/9/2023</a:t>
+              <a:t>10/10/2023</a:t>
             </a:fld>
             <a:endParaRPr lang="en-US"/>
           </a:p>
@@ -2113,7 +2121,7 @@
           <a:p>
             <a:fld id="{AA664FF4-21B7-42BA-B2A9-563C2A71FA7D}" type="datetimeFigureOut">
               <a:rPr lang="en-US" smtClean="0"/>
-              <a:t>10/9/2023</a:t>
+              <a:t>10/10/2023</a:t>
             </a:fld>
             <a:endParaRPr lang="en-US"/>
           </a:p>
@@ -2424,7 +2432,7 @@
           <a:p>
             <a:fld id="{AA664FF4-21B7-42BA-B2A9-563C2A71FA7D}" type="datetimeFigureOut">
               <a:rPr lang="en-US" smtClean="0"/>
-              <a:t>10/9/2023</a:t>
+              <a:t>10/10/2023</a:t>
             </a:fld>
             <a:endParaRPr lang="en-US"/>
           </a:p>
@@ -2712,7 +2720,7 @@
           <a:p>
             <a:fld id="{AA664FF4-21B7-42BA-B2A9-563C2A71FA7D}" type="datetimeFigureOut">
               <a:rPr lang="en-US" smtClean="0"/>
-              <a:t>10/9/2023</a:t>
+              <a:t>10/10/2023</a:t>
             </a:fld>
             <a:endParaRPr lang="en-US"/>
           </a:p>
@@ -2953,7 +2961,7 @@
           <a:p>
             <a:fld id="{AA664FF4-21B7-42BA-B2A9-563C2A71FA7D}" type="datetimeFigureOut">
               <a:rPr lang="en-US" smtClean="0"/>
-              <a:t>10/9/2023</a:t>
+              <a:t>10/10/2023</a:t>
             </a:fld>
             <a:endParaRPr lang="en-US"/>
           </a:p>
@@ -39309,6 +39317,1526 @@
           <a:chExt cx="0" cy="0"/>
         </a:xfrm>
       </p:grpSpPr>
+      <p:graphicFrame>
+        <p:nvGraphicFramePr>
+          <p:cNvPr id="2" name="Table 1">
+            <a:extLst>
+              <a:ext uri="{FF2B5EF4-FFF2-40B4-BE49-F238E27FC236}">
+                <a16:creationId xmlns:a16="http://schemas.microsoft.com/office/drawing/2014/main" id="{438B93CA-51E0-0DB1-D712-E32EBD1B92EF}"/>
+              </a:ext>
+            </a:extLst>
+          </p:cNvPr>
+          <p:cNvGraphicFramePr>
+            <a:graphicFrameLocks noGrp="1"/>
+          </p:cNvGraphicFramePr>
+          <p:nvPr>
+            <p:extLst>
+              <p:ext uri="{D42A27DB-BD31-4B8C-83A1-F6EECF244321}">
+                <p14:modId xmlns:p14="http://schemas.microsoft.com/office/powerpoint/2010/main" val="1807084132"/>
+              </p:ext>
+            </p:extLst>
+          </p:nvPr>
+        </p:nvGraphicFramePr>
+        <p:xfrm>
+          <a:off x="2032000" y="719666"/>
+          <a:ext cx="8127999" cy="1112520"/>
+        </p:xfrm>
+        <a:graphic>
+          <a:graphicData uri="http://schemas.openxmlformats.org/drawingml/2006/table">
+            <a:tbl>
+              <a:tblPr firstRow="1" bandRow="1">
+                <a:tableStyleId>{5C22544A-7EE6-4342-B048-85BDC9FD1C3A}</a:tableStyleId>
+              </a:tblPr>
+              <a:tblGrid>
+                <a:gridCol w="2709333">
+                  <a:extLst>
+                    <a:ext uri="{9D8B030D-6E8A-4147-A177-3AD203B41FA5}">
+                      <a16:colId xmlns:a16="http://schemas.microsoft.com/office/drawing/2014/main" val="2675073568"/>
+                    </a:ext>
+                  </a:extLst>
+                </a:gridCol>
+                <a:gridCol w="2709333">
+                  <a:extLst>
+                    <a:ext uri="{9D8B030D-6E8A-4147-A177-3AD203B41FA5}">
+                      <a16:colId xmlns:a16="http://schemas.microsoft.com/office/drawing/2014/main" val="1297709569"/>
+                    </a:ext>
+                  </a:extLst>
+                </a:gridCol>
+                <a:gridCol w="2709333">
+                  <a:extLst>
+                    <a:ext uri="{9D8B030D-6E8A-4147-A177-3AD203B41FA5}">
+                      <a16:colId xmlns:a16="http://schemas.microsoft.com/office/drawing/2014/main" val="839346619"/>
+                    </a:ext>
+                  </a:extLst>
+                </a:gridCol>
+              </a:tblGrid>
+              <a:tr h="370840">
+                <a:tc>
+                  <a:txBody>
+                    <a:bodyPr/>
+                    <a:lstStyle/>
+                    <a:p>
+                      <a:r>
+                        <a:rPr lang="en-US" dirty="0"/>
+                        <a:t>User</a:t>
+                      </a:r>
+                    </a:p>
+                  </a:txBody>
+                  <a:tcPr/>
+                </a:tc>
+                <a:tc>
+                  <a:txBody>
+                    <a:bodyPr/>
+                    <a:lstStyle/>
+                    <a:p>
+                      <a:r>
+                        <a:rPr lang="en-US" dirty="0"/>
+                        <a:t>Role</a:t>
+                      </a:r>
+                    </a:p>
+                  </a:txBody>
+                  <a:tcPr/>
+                </a:tc>
+                <a:tc>
+                  <a:txBody>
+                    <a:bodyPr/>
+                    <a:lstStyle/>
+                    <a:p>
+                      <a:r>
+                        <a:rPr lang="en-US" dirty="0"/>
+                        <a:t>Policies</a:t>
+                      </a:r>
+                    </a:p>
+                  </a:txBody>
+                  <a:tcPr/>
+                </a:tc>
+                <a:extLst>
+                  <a:ext uri="{0D108BD9-81ED-4DB2-BD59-A6C34878D82A}">
+                    <a16:rowId xmlns:a16="http://schemas.microsoft.com/office/drawing/2014/main" val="736023157"/>
+                  </a:ext>
+                </a:extLst>
+              </a:tr>
+              <a:tr h="370840">
+                <a:tc>
+                  <a:txBody>
+                    <a:bodyPr/>
+                    <a:lstStyle/>
+                    <a:p>
+                      <a:r>
+                        <a:rPr lang="en-US" dirty="0"/>
+                        <a:t>U1</a:t>
+                      </a:r>
+                    </a:p>
+                  </a:txBody>
+                  <a:tcPr/>
+                </a:tc>
+                <a:tc>
+                  <a:txBody>
+                    <a:bodyPr/>
+                    <a:lstStyle/>
+                    <a:p>
+                      <a:r>
+                        <a:rPr lang="en-US" dirty="0"/>
+                        <a:t>R1</a:t>
+                      </a:r>
+                    </a:p>
+                  </a:txBody>
+                  <a:tcPr/>
+                </a:tc>
+                <a:tc>
+                  <a:txBody>
+                    <a:bodyPr/>
+                    <a:lstStyle/>
+                    <a:p>
+                      <a:r>
+                        <a:rPr lang="en-US" dirty="0"/>
+                        <a:t>P1</a:t>
+                      </a:r>
+                    </a:p>
+                  </a:txBody>
+                  <a:tcPr/>
+                </a:tc>
+                <a:extLst>
+                  <a:ext uri="{0D108BD9-81ED-4DB2-BD59-A6C34878D82A}">
+                    <a16:rowId xmlns:a16="http://schemas.microsoft.com/office/drawing/2014/main" val="1075209130"/>
+                  </a:ext>
+                </a:extLst>
+              </a:tr>
+              <a:tr h="370840">
+                <a:tc>
+                  <a:txBody>
+                    <a:bodyPr/>
+                    <a:lstStyle/>
+                    <a:p>
+                      <a:r>
+                        <a:rPr lang="en-US" dirty="0"/>
+                        <a:t>U2</a:t>
+                      </a:r>
+                    </a:p>
+                  </a:txBody>
+                  <a:tcPr/>
+                </a:tc>
+                <a:tc>
+                  <a:txBody>
+                    <a:bodyPr/>
+                    <a:lstStyle/>
+                    <a:p>
+                      <a:r>
+                        <a:rPr lang="en-US" dirty="0"/>
+                        <a:t>R2</a:t>
+                      </a:r>
+                    </a:p>
+                  </a:txBody>
+                  <a:tcPr/>
+                </a:tc>
+                <a:tc>
+                  <a:txBody>
+                    <a:bodyPr/>
+                    <a:lstStyle/>
+                    <a:p>
+                      <a:r>
+                        <a:rPr lang="en-US" dirty="0"/>
+                        <a:t>P1</a:t>
+                      </a:r>
+                    </a:p>
+                  </a:txBody>
+                  <a:tcPr/>
+                </a:tc>
+                <a:extLst>
+                  <a:ext uri="{0D108BD9-81ED-4DB2-BD59-A6C34878D82A}">
+                    <a16:rowId xmlns:a16="http://schemas.microsoft.com/office/drawing/2014/main" val="1737519763"/>
+                  </a:ext>
+                </a:extLst>
+              </a:tr>
+            </a:tbl>
+          </a:graphicData>
+        </a:graphic>
+      </p:graphicFrame>
+    </p:spTree>
+    <p:extLst>
+      <p:ext uri="{BB962C8B-B14F-4D97-AF65-F5344CB8AC3E}">
+        <p14:creationId xmlns:p14="http://schemas.microsoft.com/office/powerpoint/2010/main" val="3252612741"/>
+      </p:ext>
+    </p:extLst>
+  </p:cSld>
+  <p:clrMapOvr>
+    <a:masterClrMapping/>
+  </p:clrMapOvr>
+</p:sld>
+</file>
+
+<file path=ppt/slides/slide46.xml><?xml version="1.0" encoding="utf-8"?>
+<p:sld xmlns:a="http://schemas.openxmlformats.org/drawingml/2006/main" xmlns:r="http://schemas.openxmlformats.org/officeDocument/2006/relationships" xmlns:p="http://schemas.openxmlformats.org/presentationml/2006/main">
+  <p:cSld>
+    <p:spTree>
+      <p:nvGrpSpPr>
+        <p:cNvPr id="1" name=""/>
+        <p:cNvGrpSpPr/>
+        <p:nvPr/>
+      </p:nvGrpSpPr>
+      <p:grpSpPr>
+        <a:xfrm>
+          <a:off x="0" y="0"/>
+          <a:ext cx="0" cy="0"/>
+          <a:chOff x="0" y="0"/>
+          <a:chExt cx="0" cy="0"/>
+        </a:xfrm>
+      </p:grpSpPr>
+      <p:sp>
+        <p:nvSpPr>
+          <p:cNvPr id="2" name="Oval 1">
+            <a:extLst>
+              <a:ext uri="{FF2B5EF4-FFF2-40B4-BE49-F238E27FC236}">
+                <a16:creationId xmlns:a16="http://schemas.microsoft.com/office/drawing/2014/main" id="{0DBB964E-D3C4-1BF9-D6A4-E552985CCF45}"/>
+              </a:ext>
+            </a:extLst>
+          </p:cNvPr>
+          <p:cNvSpPr/>
+          <p:nvPr/>
+        </p:nvSpPr>
+        <p:spPr>
+          <a:xfrm>
+            <a:off x="5116286" y="2463282"/>
+            <a:ext cx="1576873" cy="1352938"/>
+          </a:xfrm>
+          <a:prstGeom prst="ellipse">
+            <a:avLst/>
+          </a:prstGeom>
+        </p:spPr>
+        <p:style>
+          <a:lnRef idx="2">
+            <a:schemeClr val="accent1">
+              <a:shade val="15000"/>
+            </a:schemeClr>
+          </a:lnRef>
+          <a:fillRef idx="1">
+            <a:schemeClr val="accent1"/>
+          </a:fillRef>
+          <a:effectRef idx="0">
+            <a:schemeClr val="accent1"/>
+          </a:effectRef>
+          <a:fontRef idx="minor">
+            <a:schemeClr val="lt1"/>
+          </a:fontRef>
+        </p:style>
+        <p:txBody>
+          <a:bodyPr rtlCol="0" anchor="ctr"/>
+          <a:lstStyle/>
+          <a:p>
+            <a:pPr algn="ctr"/>
+            <a:r>
+              <a:rPr lang="en-US" b="1" dirty="0"/>
+              <a:t>Identity</a:t>
+            </a:r>
+          </a:p>
+        </p:txBody>
+      </p:sp>
+      <p:sp>
+        <p:nvSpPr>
+          <p:cNvPr id="3" name="Oval 2">
+            <a:extLst>
+              <a:ext uri="{FF2B5EF4-FFF2-40B4-BE49-F238E27FC236}">
+                <a16:creationId xmlns:a16="http://schemas.microsoft.com/office/drawing/2014/main" id="{A35EBCF7-DEC7-9F7E-5E8F-B429E876D9BA}"/>
+              </a:ext>
+            </a:extLst>
+          </p:cNvPr>
+          <p:cNvSpPr/>
+          <p:nvPr/>
+        </p:nvSpPr>
+        <p:spPr>
+          <a:xfrm>
+            <a:off x="618931" y="391885"/>
+            <a:ext cx="2142930" cy="1698171"/>
+          </a:xfrm>
+          <a:prstGeom prst="ellipse">
+            <a:avLst/>
+          </a:prstGeom>
+        </p:spPr>
+        <p:style>
+          <a:lnRef idx="2">
+            <a:schemeClr val="accent1">
+              <a:shade val="15000"/>
+            </a:schemeClr>
+          </a:lnRef>
+          <a:fillRef idx="1">
+            <a:schemeClr val="accent1"/>
+          </a:fillRef>
+          <a:effectRef idx="0">
+            <a:schemeClr val="accent1"/>
+          </a:effectRef>
+          <a:fontRef idx="minor">
+            <a:schemeClr val="lt1"/>
+          </a:fontRef>
+        </p:style>
+        <p:txBody>
+          <a:bodyPr rtlCol="0" anchor="ctr"/>
+          <a:lstStyle/>
+          <a:p>
+            <a:pPr algn="ctr"/>
+            <a:r>
+              <a:rPr lang="en-US" sz="1600" b="1" dirty="0"/>
+              <a:t>User Based Authentication</a:t>
+            </a:r>
+          </a:p>
+        </p:txBody>
+      </p:sp>
+      <p:cxnSp>
+        <p:nvCxnSpPr>
+          <p:cNvPr id="5" name="Connector: Elbow 4">
+            <a:extLst>
+              <a:ext uri="{FF2B5EF4-FFF2-40B4-BE49-F238E27FC236}">
+                <a16:creationId xmlns:a16="http://schemas.microsoft.com/office/drawing/2014/main" id="{CA1DB490-907D-2DD7-75CE-6E5A48D01EE0}"/>
+              </a:ext>
+            </a:extLst>
+          </p:cNvPr>
+          <p:cNvCxnSpPr>
+            <a:cxnSpLocks/>
+            <a:stCxn id="2" idx="0"/>
+            <a:endCxn id="3" idx="6"/>
+          </p:cNvCxnSpPr>
+          <p:nvPr/>
+        </p:nvCxnSpPr>
+        <p:spPr>
+          <a:xfrm rot="16200000" flipV="1">
+            <a:off x="3722137" y="280696"/>
+            <a:ext cx="1222311" cy="3142862"/>
+          </a:xfrm>
+          <a:prstGeom prst="bentConnector2">
+            <a:avLst/>
+          </a:prstGeom>
+          <a:ln>
+            <a:tailEnd type="triangle"/>
+          </a:ln>
+        </p:spPr>
+        <p:style>
+          <a:lnRef idx="1">
+            <a:schemeClr val="accent1"/>
+          </a:lnRef>
+          <a:fillRef idx="0">
+            <a:schemeClr val="accent1"/>
+          </a:fillRef>
+          <a:effectRef idx="0">
+            <a:schemeClr val="accent1"/>
+          </a:effectRef>
+          <a:fontRef idx="minor">
+            <a:schemeClr val="tx1"/>
+          </a:fontRef>
+        </p:style>
+      </p:cxnSp>
+      <p:sp>
+        <p:nvSpPr>
+          <p:cNvPr id="7" name="Oval 6">
+            <a:extLst>
+              <a:ext uri="{FF2B5EF4-FFF2-40B4-BE49-F238E27FC236}">
+                <a16:creationId xmlns:a16="http://schemas.microsoft.com/office/drawing/2014/main" id="{EC2D72AD-D09B-5EB9-5D5F-1623E9068874}"/>
+              </a:ext>
+            </a:extLst>
+          </p:cNvPr>
+          <p:cNvSpPr/>
+          <p:nvPr/>
+        </p:nvSpPr>
+        <p:spPr>
+          <a:xfrm>
+            <a:off x="9570099" y="391885"/>
+            <a:ext cx="2142930" cy="1698171"/>
+          </a:xfrm>
+          <a:prstGeom prst="ellipse">
+            <a:avLst/>
+          </a:prstGeom>
+        </p:spPr>
+        <p:style>
+          <a:lnRef idx="2">
+            <a:schemeClr val="accent1">
+              <a:shade val="15000"/>
+            </a:schemeClr>
+          </a:lnRef>
+          <a:fillRef idx="1">
+            <a:schemeClr val="accent1"/>
+          </a:fillRef>
+          <a:effectRef idx="0">
+            <a:schemeClr val="accent1"/>
+          </a:effectRef>
+          <a:fontRef idx="minor">
+            <a:schemeClr val="lt1"/>
+          </a:fontRef>
+        </p:style>
+        <p:txBody>
+          <a:bodyPr rtlCol="0" anchor="ctr"/>
+          <a:lstStyle/>
+          <a:p>
+            <a:pPr algn="ctr"/>
+            <a:r>
+              <a:rPr lang="en-US" sz="1600" b="1" dirty="0"/>
+              <a:t>Role Based Authorization</a:t>
+            </a:r>
+          </a:p>
+        </p:txBody>
+      </p:sp>
+      <p:cxnSp>
+        <p:nvCxnSpPr>
+          <p:cNvPr id="9" name="Connector: Elbow 8">
+            <a:extLst>
+              <a:ext uri="{FF2B5EF4-FFF2-40B4-BE49-F238E27FC236}">
+                <a16:creationId xmlns:a16="http://schemas.microsoft.com/office/drawing/2014/main" id="{354433FC-78F0-BE0C-1273-096A3089E20D}"/>
+              </a:ext>
+            </a:extLst>
+          </p:cNvPr>
+          <p:cNvCxnSpPr>
+            <a:stCxn id="2" idx="0"/>
+            <a:endCxn id="7" idx="2"/>
+          </p:cNvCxnSpPr>
+          <p:nvPr/>
+        </p:nvCxnSpPr>
+        <p:spPr>
+          <a:xfrm rot="5400000" flipH="1" flipV="1">
+            <a:off x="7126256" y="19439"/>
+            <a:ext cx="1222311" cy="3665376"/>
+          </a:xfrm>
+          <a:prstGeom prst="bentConnector2">
+            <a:avLst/>
+          </a:prstGeom>
+          <a:ln>
+            <a:tailEnd type="triangle"/>
+          </a:ln>
+        </p:spPr>
+        <p:style>
+          <a:lnRef idx="1">
+            <a:schemeClr val="accent1"/>
+          </a:lnRef>
+          <a:fillRef idx="0">
+            <a:schemeClr val="accent1"/>
+          </a:fillRef>
+          <a:effectRef idx="0">
+            <a:schemeClr val="accent1"/>
+          </a:effectRef>
+          <a:fontRef idx="minor">
+            <a:schemeClr val="tx1"/>
+          </a:fontRef>
+        </p:style>
+      </p:cxnSp>
+      <p:sp>
+        <p:nvSpPr>
+          <p:cNvPr id="10" name="Oval 9">
+            <a:extLst>
+              <a:ext uri="{FF2B5EF4-FFF2-40B4-BE49-F238E27FC236}">
+                <a16:creationId xmlns:a16="http://schemas.microsoft.com/office/drawing/2014/main" id="{74EB1140-777F-1200-0DAB-BC84AB43EC1F}"/>
+              </a:ext>
+            </a:extLst>
+          </p:cNvPr>
+          <p:cNvSpPr/>
+          <p:nvPr/>
+        </p:nvSpPr>
+        <p:spPr>
+          <a:xfrm>
+            <a:off x="9570099" y="4220546"/>
+            <a:ext cx="2142930" cy="1698171"/>
+          </a:xfrm>
+          <a:prstGeom prst="ellipse">
+            <a:avLst/>
+          </a:prstGeom>
+        </p:spPr>
+        <p:style>
+          <a:lnRef idx="2">
+            <a:schemeClr val="accent1">
+              <a:shade val="15000"/>
+            </a:schemeClr>
+          </a:lnRef>
+          <a:fillRef idx="1">
+            <a:schemeClr val="accent1"/>
+          </a:fillRef>
+          <a:effectRef idx="0">
+            <a:schemeClr val="accent1"/>
+          </a:effectRef>
+          <a:fontRef idx="minor">
+            <a:schemeClr val="lt1"/>
+          </a:fontRef>
+        </p:style>
+        <p:txBody>
+          <a:bodyPr rtlCol="0" anchor="ctr"/>
+          <a:lstStyle/>
+          <a:p>
+            <a:pPr algn="ctr"/>
+            <a:r>
+              <a:rPr lang="en-US" sz="1600" b="1" dirty="0"/>
+              <a:t>Policy Based Authorization</a:t>
+            </a:r>
+          </a:p>
+        </p:txBody>
+      </p:sp>
+      <p:cxnSp>
+        <p:nvCxnSpPr>
+          <p:cNvPr id="14" name="Connector: Elbow 13">
+            <a:extLst>
+              <a:ext uri="{FF2B5EF4-FFF2-40B4-BE49-F238E27FC236}">
+                <a16:creationId xmlns:a16="http://schemas.microsoft.com/office/drawing/2014/main" id="{BF618AAF-3862-995C-6629-EAF36354E0E5}"/>
+              </a:ext>
+            </a:extLst>
+          </p:cNvPr>
+          <p:cNvCxnSpPr>
+            <a:stCxn id="2" idx="4"/>
+            <a:endCxn id="10" idx="2"/>
+          </p:cNvCxnSpPr>
+          <p:nvPr/>
+        </p:nvCxnSpPr>
+        <p:spPr>
+          <a:xfrm rot="16200000" flipH="1">
+            <a:off x="7110705" y="2610238"/>
+            <a:ext cx="1253412" cy="3665376"/>
+          </a:xfrm>
+          <a:prstGeom prst="bentConnector2">
+            <a:avLst/>
+          </a:prstGeom>
+          <a:ln>
+            <a:tailEnd type="triangle"/>
+          </a:ln>
+        </p:spPr>
+        <p:style>
+          <a:lnRef idx="1">
+            <a:schemeClr val="accent1"/>
+          </a:lnRef>
+          <a:fillRef idx="0">
+            <a:schemeClr val="accent1"/>
+          </a:fillRef>
+          <a:effectRef idx="0">
+            <a:schemeClr val="accent1"/>
+          </a:effectRef>
+          <a:fontRef idx="minor">
+            <a:schemeClr val="tx1"/>
+          </a:fontRef>
+        </p:style>
+      </p:cxnSp>
+      <p:sp>
+        <p:nvSpPr>
+          <p:cNvPr id="15" name="Oval 14">
+            <a:extLst>
+              <a:ext uri="{FF2B5EF4-FFF2-40B4-BE49-F238E27FC236}">
+                <a16:creationId xmlns:a16="http://schemas.microsoft.com/office/drawing/2014/main" id="{16E6823F-72E1-A6E8-32AB-7FBEB4E30A70}"/>
+              </a:ext>
+            </a:extLst>
+          </p:cNvPr>
+          <p:cNvSpPr/>
+          <p:nvPr/>
+        </p:nvSpPr>
+        <p:spPr>
+          <a:xfrm>
+            <a:off x="618932" y="4220546"/>
+            <a:ext cx="2142930" cy="1698171"/>
+          </a:xfrm>
+          <a:prstGeom prst="ellipse">
+            <a:avLst/>
+          </a:prstGeom>
+        </p:spPr>
+        <p:style>
+          <a:lnRef idx="2">
+            <a:schemeClr val="accent1">
+              <a:shade val="15000"/>
+            </a:schemeClr>
+          </a:lnRef>
+          <a:fillRef idx="1">
+            <a:schemeClr val="accent1"/>
+          </a:fillRef>
+          <a:effectRef idx="0">
+            <a:schemeClr val="accent1"/>
+          </a:effectRef>
+          <a:fontRef idx="minor">
+            <a:schemeClr val="lt1"/>
+          </a:fontRef>
+        </p:style>
+        <p:txBody>
+          <a:bodyPr rtlCol="0" anchor="ctr"/>
+          <a:lstStyle/>
+          <a:p>
+            <a:pPr algn="ctr"/>
+            <a:r>
+              <a:rPr lang="en-US" sz="1600" b="1" dirty="0"/>
+              <a:t>Token Based Authorization</a:t>
+            </a:r>
+          </a:p>
+        </p:txBody>
+      </p:sp>
+      <p:cxnSp>
+        <p:nvCxnSpPr>
+          <p:cNvPr id="17" name="Connector: Elbow 16">
+            <a:extLst>
+              <a:ext uri="{FF2B5EF4-FFF2-40B4-BE49-F238E27FC236}">
+                <a16:creationId xmlns:a16="http://schemas.microsoft.com/office/drawing/2014/main" id="{8050E2F3-6370-6AAD-21CB-7B06A58F7833}"/>
+              </a:ext>
+            </a:extLst>
+          </p:cNvPr>
+          <p:cNvCxnSpPr>
+            <a:stCxn id="2" idx="4"/>
+            <a:endCxn id="15" idx="6"/>
+          </p:cNvCxnSpPr>
+          <p:nvPr/>
+        </p:nvCxnSpPr>
+        <p:spPr>
+          <a:xfrm rot="5400000">
+            <a:off x="3706587" y="2871496"/>
+            <a:ext cx="1253412" cy="3142861"/>
+          </a:xfrm>
+          <a:prstGeom prst="bentConnector2">
+            <a:avLst/>
+          </a:prstGeom>
+          <a:ln>
+            <a:tailEnd type="triangle"/>
+          </a:ln>
+        </p:spPr>
+        <p:style>
+          <a:lnRef idx="1">
+            <a:schemeClr val="accent1"/>
+          </a:lnRef>
+          <a:fillRef idx="0">
+            <a:schemeClr val="accent1"/>
+          </a:fillRef>
+          <a:effectRef idx="0">
+            <a:schemeClr val="accent1"/>
+          </a:effectRef>
+          <a:fontRef idx="minor">
+            <a:schemeClr val="tx1"/>
+          </a:fontRef>
+        </p:style>
+      </p:cxnSp>
+      <p:sp>
+        <p:nvSpPr>
+          <p:cNvPr id="19" name="TextBox 18">
+            <a:extLst>
+              <a:ext uri="{FF2B5EF4-FFF2-40B4-BE49-F238E27FC236}">
+                <a16:creationId xmlns:a16="http://schemas.microsoft.com/office/drawing/2014/main" id="{9236373E-5050-1F8C-43EF-3A70225DF8DF}"/>
+              </a:ext>
+            </a:extLst>
+          </p:cNvPr>
+          <p:cNvSpPr txBox="1"/>
+          <p:nvPr/>
+        </p:nvSpPr>
+        <p:spPr>
+          <a:xfrm>
+            <a:off x="694349" y="2017936"/>
+            <a:ext cx="2264230" cy="338554"/>
+          </a:xfrm>
+          <a:prstGeom prst="rect">
+            <a:avLst/>
+          </a:prstGeom>
+          <a:noFill/>
+        </p:spPr>
+        <p:txBody>
+          <a:bodyPr wrap="square" rtlCol="0">
+            <a:spAutoFit/>
+          </a:bodyPr>
+          <a:lstStyle/>
+          <a:p>
+            <a:r>
+              <a:rPr lang="en-US" sz="1600" b="1" dirty="0"/>
+              <a:t>Foundation of Security</a:t>
+            </a:r>
+          </a:p>
+        </p:txBody>
+      </p:sp>
+      <p:sp>
+        <p:nvSpPr>
+          <p:cNvPr id="20" name="TextBox 19">
+            <a:extLst>
+              <a:ext uri="{FF2B5EF4-FFF2-40B4-BE49-F238E27FC236}">
+                <a16:creationId xmlns:a16="http://schemas.microsoft.com/office/drawing/2014/main" id="{DBB01617-1384-E103-FCB3-E08D915064E7}"/>
+              </a:ext>
+            </a:extLst>
+          </p:cNvPr>
+          <p:cNvSpPr txBox="1"/>
+          <p:nvPr/>
+        </p:nvSpPr>
+        <p:spPr>
+          <a:xfrm>
+            <a:off x="7684536" y="5907545"/>
+            <a:ext cx="4172336" cy="830997"/>
+          </a:xfrm>
+          <a:prstGeom prst="rect">
+            <a:avLst/>
+          </a:prstGeom>
+          <a:noFill/>
+        </p:spPr>
+        <p:txBody>
+          <a:bodyPr wrap="square" rtlCol="0">
+            <a:spAutoFit/>
+          </a:bodyPr>
+          <a:lstStyle/>
+          <a:p>
+            <a:pPr algn="ctr"/>
+            <a:r>
+              <a:rPr lang="en-US" sz="1600" b="1" dirty="0"/>
+              <a:t>User is assigned to Role to Access a part of Application where roles are grouped under policies</a:t>
+            </a:r>
+          </a:p>
+        </p:txBody>
+      </p:sp>
+      <p:sp>
+        <p:nvSpPr>
+          <p:cNvPr id="21" name="TextBox 20">
+            <a:extLst>
+              <a:ext uri="{FF2B5EF4-FFF2-40B4-BE49-F238E27FC236}">
+                <a16:creationId xmlns:a16="http://schemas.microsoft.com/office/drawing/2014/main" id="{1A9A717C-51C9-A723-56A2-D563EF8A9B4D}"/>
+              </a:ext>
+            </a:extLst>
+          </p:cNvPr>
+          <p:cNvSpPr txBox="1"/>
+          <p:nvPr/>
+        </p:nvSpPr>
+        <p:spPr>
+          <a:xfrm>
+            <a:off x="9579431" y="2308229"/>
+            <a:ext cx="2264230" cy="830997"/>
+          </a:xfrm>
+          <a:prstGeom prst="rect">
+            <a:avLst/>
+          </a:prstGeom>
+          <a:noFill/>
+        </p:spPr>
+        <p:txBody>
+          <a:bodyPr wrap="square" rtlCol="0">
+            <a:spAutoFit/>
+          </a:bodyPr>
+          <a:lstStyle/>
+          <a:p>
+            <a:pPr algn="ctr"/>
+            <a:r>
+              <a:rPr lang="en-US" sz="1600" b="1" dirty="0"/>
+              <a:t>User is assigned to Role to Access a part of Application</a:t>
+            </a:r>
+          </a:p>
+        </p:txBody>
+      </p:sp>
+      <p:sp>
+        <p:nvSpPr>
+          <p:cNvPr id="22" name="TextBox 21">
+            <a:extLst>
+              <a:ext uri="{FF2B5EF4-FFF2-40B4-BE49-F238E27FC236}">
+                <a16:creationId xmlns:a16="http://schemas.microsoft.com/office/drawing/2014/main" id="{06442F8C-0665-857A-A6B8-776F1E33CF7F}"/>
+              </a:ext>
+            </a:extLst>
+          </p:cNvPr>
+          <p:cNvSpPr txBox="1"/>
+          <p:nvPr/>
+        </p:nvSpPr>
+        <p:spPr>
+          <a:xfrm>
+            <a:off x="108082" y="5907544"/>
+            <a:ext cx="5434302" cy="830997"/>
+          </a:xfrm>
+          <a:prstGeom prst="rect">
+            <a:avLst/>
+          </a:prstGeom>
+          <a:noFill/>
+        </p:spPr>
+        <p:txBody>
+          <a:bodyPr wrap="square" rtlCol="0">
+            <a:spAutoFit/>
+          </a:bodyPr>
+          <a:lstStyle/>
+          <a:p>
+            <a:pPr algn="ctr"/>
+            <a:r>
+              <a:rPr lang="en-US" sz="1600" b="1" dirty="0"/>
+              <a:t>User is assigned a token and that token will be verified for each request made by user. Typically used for Stateless Secure Communication e.g. JS Clients</a:t>
+            </a:r>
+          </a:p>
+        </p:txBody>
+      </p:sp>
+      <p:sp>
+        <p:nvSpPr>
+          <p:cNvPr id="23" name="Oval 22">
+            <a:extLst>
+              <a:ext uri="{FF2B5EF4-FFF2-40B4-BE49-F238E27FC236}">
+                <a16:creationId xmlns:a16="http://schemas.microsoft.com/office/drawing/2014/main" id="{BB54CF96-AFB2-36C9-B53D-5C650EE81183}"/>
+              </a:ext>
+            </a:extLst>
+          </p:cNvPr>
+          <p:cNvSpPr/>
+          <p:nvPr/>
+        </p:nvSpPr>
+        <p:spPr>
+          <a:xfrm>
+            <a:off x="5363546" y="119459"/>
+            <a:ext cx="1082351" cy="1045029"/>
+          </a:xfrm>
+          <a:prstGeom prst="ellipse">
+            <a:avLst/>
+          </a:prstGeom>
+        </p:spPr>
+        <p:style>
+          <a:lnRef idx="2">
+            <a:schemeClr val="accent1">
+              <a:shade val="15000"/>
+            </a:schemeClr>
+          </a:lnRef>
+          <a:fillRef idx="1">
+            <a:schemeClr val="accent1"/>
+          </a:fillRef>
+          <a:effectRef idx="0">
+            <a:schemeClr val="accent1"/>
+          </a:effectRef>
+          <a:fontRef idx="minor">
+            <a:schemeClr val="lt1"/>
+          </a:fontRef>
+        </p:style>
+        <p:txBody>
+          <a:bodyPr rtlCol="0" anchor="ctr"/>
+          <a:lstStyle/>
+          <a:p>
+            <a:pPr algn="ctr"/>
+            <a:r>
+              <a:rPr lang="en-US" b="1" dirty="0"/>
+              <a:t>Azure</a:t>
+            </a:r>
+          </a:p>
+          <a:p>
+            <a:pPr algn="ctr"/>
+            <a:r>
+              <a:rPr lang="en-US" b="1" dirty="0"/>
+              <a:t>AD</a:t>
+            </a:r>
+          </a:p>
+        </p:txBody>
+      </p:sp>
+      <p:cxnSp>
+        <p:nvCxnSpPr>
+          <p:cNvPr id="25" name="Connector: Elbow 24">
+            <a:extLst>
+              <a:ext uri="{FF2B5EF4-FFF2-40B4-BE49-F238E27FC236}">
+                <a16:creationId xmlns:a16="http://schemas.microsoft.com/office/drawing/2014/main" id="{8BB16718-6D20-7FC4-43BB-0B984CD6DD55}"/>
+              </a:ext>
+            </a:extLst>
+          </p:cNvPr>
+          <p:cNvCxnSpPr>
+            <a:cxnSpLocks/>
+            <a:stCxn id="2" idx="6"/>
+            <a:endCxn id="23" idx="5"/>
+          </p:cNvCxnSpPr>
+          <p:nvPr/>
+        </p:nvCxnSpPr>
+        <p:spPr>
+          <a:xfrm flipH="1" flipV="1">
+            <a:off x="6287390" y="1011447"/>
+            <a:ext cx="405769" cy="2128304"/>
+          </a:xfrm>
+          <a:prstGeom prst="bentConnector4">
+            <a:avLst>
+              <a:gd name="adj1" fmla="val -56337"/>
+              <a:gd name="adj2" fmla="val 62297"/>
+            </a:avLst>
+          </a:prstGeom>
+          <a:ln>
+            <a:tailEnd type="triangle"/>
+          </a:ln>
+        </p:spPr>
+        <p:style>
+          <a:lnRef idx="1">
+            <a:schemeClr val="accent1"/>
+          </a:lnRef>
+          <a:fillRef idx="0">
+            <a:schemeClr val="accent1"/>
+          </a:fillRef>
+          <a:effectRef idx="0">
+            <a:schemeClr val="accent1"/>
+          </a:effectRef>
+          <a:fontRef idx="minor">
+            <a:schemeClr val="tx1"/>
+          </a:fontRef>
+        </p:style>
+      </p:cxnSp>
+      <p:cxnSp>
+        <p:nvCxnSpPr>
+          <p:cNvPr id="27" name="Connector: Elbow 26">
+            <a:extLst>
+              <a:ext uri="{FF2B5EF4-FFF2-40B4-BE49-F238E27FC236}">
+                <a16:creationId xmlns:a16="http://schemas.microsoft.com/office/drawing/2014/main" id="{6BDD5F1D-9A0C-8405-7D63-EE65057F8CC1}"/>
+              </a:ext>
+            </a:extLst>
+          </p:cNvPr>
+          <p:cNvCxnSpPr>
+            <a:cxnSpLocks/>
+            <a:stCxn id="3" idx="7"/>
+            <a:endCxn id="23" idx="2"/>
+          </p:cNvCxnSpPr>
+          <p:nvPr/>
+        </p:nvCxnSpPr>
+        <p:spPr>
+          <a:xfrm rot="16200000" flipH="1">
+            <a:off x="3905092" y="-816480"/>
+            <a:ext cx="1398" cy="2915510"/>
+          </a:xfrm>
+          <a:prstGeom prst="bentConnector4">
+            <a:avLst>
+              <a:gd name="adj1" fmla="val -16351931"/>
+              <a:gd name="adj2" fmla="val 55382"/>
+            </a:avLst>
+          </a:prstGeom>
+          <a:ln>
+            <a:tailEnd type="triangle"/>
+          </a:ln>
+        </p:spPr>
+        <p:style>
+          <a:lnRef idx="1">
+            <a:schemeClr val="accent1"/>
+          </a:lnRef>
+          <a:fillRef idx="0">
+            <a:schemeClr val="accent1"/>
+          </a:fillRef>
+          <a:effectRef idx="0">
+            <a:schemeClr val="accent1"/>
+          </a:effectRef>
+          <a:fontRef idx="minor">
+            <a:schemeClr val="tx1"/>
+          </a:fontRef>
+        </p:style>
+      </p:cxnSp>
+      <p:cxnSp>
+        <p:nvCxnSpPr>
+          <p:cNvPr id="32" name="Connector: Elbow 31">
+            <a:extLst>
+              <a:ext uri="{FF2B5EF4-FFF2-40B4-BE49-F238E27FC236}">
+                <a16:creationId xmlns:a16="http://schemas.microsoft.com/office/drawing/2014/main" id="{38D89291-DBE8-3CFC-9340-28DE4A3A8B0B}"/>
+              </a:ext>
+            </a:extLst>
+          </p:cNvPr>
+          <p:cNvCxnSpPr>
+            <a:stCxn id="7" idx="1"/>
+            <a:endCxn id="23" idx="6"/>
+          </p:cNvCxnSpPr>
+          <p:nvPr/>
+        </p:nvCxnSpPr>
+        <p:spPr>
+          <a:xfrm rot="16200000" flipH="1" flipV="1">
+            <a:off x="8164212" y="-1077739"/>
+            <a:ext cx="1398" cy="3438027"/>
+          </a:xfrm>
+          <a:prstGeom prst="bentConnector4">
+            <a:avLst>
+              <a:gd name="adj1" fmla="val -16351931"/>
+              <a:gd name="adj2" fmla="val 54564"/>
+            </a:avLst>
+          </a:prstGeom>
+          <a:ln>
+            <a:tailEnd type="triangle"/>
+          </a:ln>
+        </p:spPr>
+        <p:style>
+          <a:lnRef idx="1">
+            <a:schemeClr val="accent1"/>
+          </a:lnRef>
+          <a:fillRef idx="0">
+            <a:schemeClr val="accent1"/>
+          </a:fillRef>
+          <a:effectRef idx="0">
+            <a:schemeClr val="accent1"/>
+          </a:effectRef>
+          <a:fontRef idx="minor">
+            <a:schemeClr val="tx1"/>
+          </a:fontRef>
+        </p:style>
+      </p:cxnSp>
+      <p:cxnSp>
+        <p:nvCxnSpPr>
+          <p:cNvPr id="35" name="Connector: Elbow 34">
+            <a:extLst>
+              <a:ext uri="{FF2B5EF4-FFF2-40B4-BE49-F238E27FC236}">
+                <a16:creationId xmlns:a16="http://schemas.microsoft.com/office/drawing/2014/main" id="{E3DAD7F5-B929-E679-9846-68A99E37D040}"/>
+              </a:ext>
+            </a:extLst>
+          </p:cNvPr>
+          <p:cNvCxnSpPr>
+            <a:stCxn id="15" idx="0"/>
+            <a:endCxn id="23" idx="3"/>
+          </p:cNvCxnSpPr>
+          <p:nvPr/>
+        </p:nvCxnSpPr>
+        <p:spPr>
+          <a:xfrm rot="5400000" flipH="1" flipV="1">
+            <a:off x="2001676" y="700169"/>
+            <a:ext cx="3209099" cy="3831656"/>
+          </a:xfrm>
+          <a:prstGeom prst="bentConnector3">
+            <a:avLst>
+              <a:gd name="adj1" fmla="val 54943"/>
+            </a:avLst>
+          </a:prstGeom>
+          <a:ln>
+            <a:tailEnd type="triangle"/>
+          </a:ln>
+        </p:spPr>
+        <p:style>
+          <a:lnRef idx="1">
+            <a:schemeClr val="accent1"/>
+          </a:lnRef>
+          <a:fillRef idx="0">
+            <a:schemeClr val="accent1"/>
+          </a:fillRef>
+          <a:effectRef idx="0">
+            <a:schemeClr val="accent1"/>
+          </a:effectRef>
+          <a:fontRef idx="minor">
+            <a:schemeClr val="tx1"/>
+          </a:fontRef>
+        </p:style>
+      </p:cxnSp>
+    </p:spTree>
+    <p:extLst>
+      <p:ext uri="{BB962C8B-B14F-4D97-AF65-F5344CB8AC3E}">
+        <p14:creationId xmlns:p14="http://schemas.microsoft.com/office/powerpoint/2010/main" val="3062385110"/>
+      </p:ext>
+    </p:extLst>
+  </p:cSld>
+  <p:clrMapOvr>
+    <a:masterClrMapping/>
+  </p:clrMapOvr>
+</p:sld>
+</file>
+
+<file path=ppt/slides/slide47.xml><?xml version="1.0" encoding="utf-8"?>
+<p:sld xmlns:a="http://schemas.openxmlformats.org/drawingml/2006/main" xmlns:r="http://schemas.openxmlformats.org/officeDocument/2006/relationships" xmlns:p="http://schemas.openxmlformats.org/presentationml/2006/main">
+  <p:cSld>
+    <p:spTree>
+      <p:nvGrpSpPr>
+        <p:cNvPr id="1" name=""/>
+        <p:cNvGrpSpPr/>
+        <p:nvPr/>
+      </p:nvGrpSpPr>
+      <p:grpSpPr>
+        <a:xfrm>
+          <a:off x="0" y="0"/>
+          <a:ext cx="0" cy="0"/>
+          <a:chOff x="0" y="0"/>
+          <a:chExt cx="0" cy="0"/>
+        </a:xfrm>
+      </p:grpSpPr>
+      <p:sp>
+        <p:nvSpPr>
+          <p:cNvPr id="2" name="Rectangle 1">
+            <a:extLst>
+              <a:ext uri="{FF2B5EF4-FFF2-40B4-BE49-F238E27FC236}">
+                <a16:creationId xmlns:a16="http://schemas.microsoft.com/office/drawing/2014/main" id="{99995ADB-5C94-125C-D84D-4C96A6A665C5}"/>
+              </a:ext>
+            </a:extLst>
+          </p:cNvPr>
+          <p:cNvSpPr/>
+          <p:nvPr/>
+        </p:nvSpPr>
+        <p:spPr>
+          <a:xfrm>
+            <a:off x="5906278" y="690465"/>
+            <a:ext cx="3209730" cy="4851918"/>
+          </a:xfrm>
+          <a:prstGeom prst="rect">
+            <a:avLst/>
+          </a:prstGeom>
+        </p:spPr>
+        <p:style>
+          <a:lnRef idx="2">
+            <a:schemeClr val="accent1">
+              <a:shade val="15000"/>
+            </a:schemeClr>
+          </a:lnRef>
+          <a:fillRef idx="1">
+            <a:schemeClr val="accent1"/>
+          </a:fillRef>
+          <a:effectRef idx="0">
+            <a:schemeClr val="accent1"/>
+          </a:effectRef>
+          <a:fontRef idx="minor">
+            <a:schemeClr val="lt1"/>
+          </a:fontRef>
+        </p:style>
+        <p:txBody>
+          <a:bodyPr rtlCol="0" anchor="ctr"/>
+          <a:lstStyle/>
+          <a:p>
+            <a:pPr algn="ctr"/>
+            <a:r>
+              <a:rPr lang="en-US" dirty="0"/>
+              <a:t>Application</a:t>
+            </a:r>
+          </a:p>
+        </p:txBody>
+      </p:sp>
+      <p:sp>
+        <p:nvSpPr>
+          <p:cNvPr id="3" name="Cylinder 2">
+            <a:extLst>
+              <a:ext uri="{FF2B5EF4-FFF2-40B4-BE49-F238E27FC236}">
+                <a16:creationId xmlns:a16="http://schemas.microsoft.com/office/drawing/2014/main" id="{0F04A869-B894-A627-F3AA-8AB0E00017E0}"/>
+              </a:ext>
+            </a:extLst>
+          </p:cNvPr>
+          <p:cNvSpPr/>
+          <p:nvPr/>
+        </p:nvSpPr>
+        <p:spPr>
+          <a:xfrm>
+            <a:off x="9703836" y="615820"/>
+            <a:ext cx="2090057" cy="1408922"/>
+          </a:xfrm>
+          <a:prstGeom prst="can">
+            <a:avLst/>
+          </a:prstGeom>
+        </p:spPr>
+        <p:style>
+          <a:lnRef idx="2">
+            <a:schemeClr val="accent1">
+              <a:shade val="15000"/>
+            </a:schemeClr>
+          </a:lnRef>
+          <a:fillRef idx="1">
+            <a:schemeClr val="accent1"/>
+          </a:fillRef>
+          <a:effectRef idx="0">
+            <a:schemeClr val="accent1"/>
+          </a:effectRef>
+          <a:fontRef idx="minor">
+            <a:schemeClr val="lt1"/>
+          </a:fontRef>
+        </p:style>
+        <p:txBody>
+          <a:bodyPr rtlCol="0" anchor="ctr"/>
+          <a:lstStyle/>
+          <a:p>
+            <a:pPr algn="ctr"/>
+            <a:r>
+              <a:rPr lang="en-US" dirty="0"/>
+              <a:t>Identity </a:t>
+            </a:r>
+          </a:p>
+          <a:p>
+            <a:pPr algn="ctr"/>
+            <a:r>
+              <a:rPr lang="en-US" dirty="0"/>
+              <a:t>Database</a:t>
+            </a:r>
+          </a:p>
+        </p:txBody>
+      </p:sp>
+      <p:sp>
+        <p:nvSpPr>
+          <p:cNvPr id="4" name="Cylinder 3">
+            <a:extLst>
+              <a:ext uri="{FF2B5EF4-FFF2-40B4-BE49-F238E27FC236}">
+                <a16:creationId xmlns:a16="http://schemas.microsoft.com/office/drawing/2014/main" id="{FB309298-DE23-3198-097A-AB5DCD1D1E62}"/>
+              </a:ext>
+            </a:extLst>
+          </p:cNvPr>
+          <p:cNvSpPr/>
+          <p:nvPr/>
+        </p:nvSpPr>
+        <p:spPr>
+          <a:xfrm>
+            <a:off x="9703836" y="4128798"/>
+            <a:ext cx="2090057" cy="1408922"/>
+          </a:xfrm>
+          <a:prstGeom prst="can">
+            <a:avLst/>
+          </a:prstGeom>
+        </p:spPr>
+        <p:style>
+          <a:lnRef idx="2">
+            <a:schemeClr val="accent1">
+              <a:shade val="15000"/>
+            </a:schemeClr>
+          </a:lnRef>
+          <a:fillRef idx="1">
+            <a:schemeClr val="accent1"/>
+          </a:fillRef>
+          <a:effectRef idx="0">
+            <a:schemeClr val="accent1"/>
+          </a:effectRef>
+          <a:fontRef idx="minor">
+            <a:schemeClr val="lt1"/>
+          </a:fontRef>
+        </p:style>
+        <p:txBody>
+          <a:bodyPr rtlCol="0" anchor="ctr"/>
+          <a:lstStyle/>
+          <a:p>
+            <a:pPr algn="ctr"/>
+            <a:r>
+              <a:rPr lang="en-US" dirty="0"/>
+              <a:t>Application </a:t>
+            </a:r>
+          </a:p>
+          <a:p>
+            <a:pPr algn="ctr"/>
+            <a:r>
+              <a:rPr lang="en-US" dirty="0"/>
+              <a:t>Database</a:t>
+            </a:r>
+          </a:p>
+        </p:txBody>
+      </p:sp>
+      <p:sp>
+        <p:nvSpPr>
+          <p:cNvPr id="5" name="Rectangle 4">
+            <a:extLst>
+              <a:ext uri="{FF2B5EF4-FFF2-40B4-BE49-F238E27FC236}">
+                <a16:creationId xmlns:a16="http://schemas.microsoft.com/office/drawing/2014/main" id="{454031A7-B660-F351-532D-82043F228A71}"/>
+              </a:ext>
+            </a:extLst>
+          </p:cNvPr>
+          <p:cNvSpPr/>
+          <p:nvPr/>
+        </p:nvSpPr>
+        <p:spPr>
+          <a:xfrm>
+            <a:off x="6096000" y="1035698"/>
+            <a:ext cx="2777412" cy="746449"/>
+          </a:xfrm>
+          <a:prstGeom prst="rect">
+            <a:avLst/>
+          </a:prstGeom>
+          <a:solidFill>
+            <a:srgbClr val="C00000"/>
+          </a:solidFill>
+        </p:spPr>
+        <p:style>
+          <a:lnRef idx="2">
+            <a:schemeClr val="accent1">
+              <a:shade val="15000"/>
+            </a:schemeClr>
+          </a:lnRef>
+          <a:fillRef idx="1">
+            <a:schemeClr val="accent1"/>
+          </a:fillRef>
+          <a:effectRef idx="0">
+            <a:schemeClr val="accent1"/>
+          </a:effectRef>
+          <a:fontRef idx="minor">
+            <a:schemeClr val="lt1"/>
+          </a:fontRef>
+        </p:style>
+        <p:txBody>
+          <a:bodyPr rtlCol="0" anchor="ctr"/>
+          <a:lstStyle/>
+          <a:p>
+            <a:pPr algn="ctr"/>
+            <a:r>
+              <a:rPr lang="en-US" dirty="0"/>
+              <a:t>Data Access for Identity</a:t>
+            </a:r>
+          </a:p>
+        </p:txBody>
+      </p:sp>
+      <p:sp>
+        <p:nvSpPr>
+          <p:cNvPr id="6" name="Rectangle 5">
+            <a:extLst>
+              <a:ext uri="{FF2B5EF4-FFF2-40B4-BE49-F238E27FC236}">
+                <a16:creationId xmlns:a16="http://schemas.microsoft.com/office/drawing/2014/main" id="{07EF6EBE-DBCB-FCFB-BEF7-4FF376EA2D15}"/>
+              </a:ext>
+            </a:extLst>
+          </p:cNvPr>
+          <p:cNvSpPr/>
+          <p:nvPr/>
+        </p:nvSpPr>
+        <p:spPr>
+          <a:xfrm>
+            <a:off x="6096000" y="4338736"/>
+            <a:ext cx="2777412" cy="746449"/>
+          </a:xfrm>
+          <a:prstGeom prst="rect">
+            <a:avLst/>
+          </a:prstGeom>
+          <a:solidFill>
+            <a:srgbClr val="C00000"/>
+          </a:solidFill>
+        </p:spPr>
+        <p:style>
+          <a:lnRef idx="2">
+            <a:schemeClr val="accent1">
+              <a:shade val="15000"/>
+            </a:schemeClr>
+          </a:lnRef>
+          <a:fillRef idx="1">
+            <a:schemeClr val="accent1"/>
+          </a:fillRef>
+          <a:effectRef idx="0">
+            <a:schemeClr val="accent1"/>
+          </a:effectRef>
+          <a:fontRef idx="minor">
+            <a:schemeClr val="lt1"/>
+          </a:fontRef>
+        </p:style>
+        <p:txBody>
+          <a:bodyPr rtlCol="0" anchor="ctr"/>
+          <a:lstStyle/>
+          <a:p>
+            <a:pPr algn="ctr"/>
+            <a:r>
+              <a:rPr lang="en-US" dirty="0"/>
+              <a:t>Data Access for Application</a:t>
+            </a:r>
+          </a:p>
+        </p:txBody>
+      </p:sp>
+      <p:sp>
+        <p:nvSpPr>
+          <p:cNvPr id="7" name="Arrow: Left-Right 6">
+            <a:extLst>
+              <a:ext uri="{FF2B5EF4-FFF2-40B4-BE49-F238E27FC236}">
+                <a16:creationId xmlns:a16="http://schemas.microsoft.com/office/drawing/2014/main" id="{6A8C5EBF-6892-1CD1-0B75-829159BE1F94}"/>
+              </a:ext>
+            </a:extLst>
+          </p:cNvPr>
+          <p:cNvSpPr/>
+          <p:nvPr/>
+        </p:nvSpPr>
+        <p:spPr>
+          <a:xfrm>
+            <a:off x="8873412" y="1315617"/>
+            <a:ext cx="830424" cy="298579"/>
+          </a:xfrm>
+          <a:prstGeom prst="leftRightArrow">
+            <a:avLst/>
+          </a:prstGeom>
+          <a:solidFill>
+            <a:srgbClr val="002060"/>
+          </a:solidFill>
+        </p:spPr>
+        <p:style>
+          <a:lnRef idx="2">
+            <a:schemeClr val="accent1">
+              <a:shade val="15000"/>
+            </a:schemeClr>
+          </a:lnRef>
+          <a:fillRef idx="1">
+            <a:schemeClr val="accent1"/>
+          </a:fillRef>
+          <a:effectRef idx="0">
+            <a:schemeClr val="accent1"/>
+          </a:effectRef>
+          <a:fontRef idx="minor">
+            <a:schemeClr val="lt1"/>
+          </a:fontRef>
+        </p:style>
+        <p:txBody>
+          <a:bodyPr rtlCol="0" anchor="ctr"/>
+          <a:lstStyle/>
+          <a:p>
+            <a:pPr algn="ctr"/>
+            <a:endParaRPr lang="en-US"/>
+          </a:p>
+        </p:txBody>
+      </p:sp>
+      <p:sp>
+        <p:nvSpPr>
+          <p:cNvPr id="8" name="Arrow: Left-Right 7">
+            <a:extLst>
+              <a:ext uri="{FF2B5EF4-FFF2-40B4-BE49-F238E27FC236}">
+                <a16:creationId xmlns:a16="http://schemas.microsoft.com/office/drawing/2014/main" id="{B3CDF4CF-C931-811C-7923-1C68091D6943}"/>
+              </a:ext>
+            </a:extLst>
+          </p:cNvPr>
+          <p:cNvSpPr/>
+          <p:nvPr/>
+        </p:nvSpPr>
+        <p:spPr>
+          <a:xfrm>
+            <a:off x="8890518" y="4562670"/>
+            <a:ext cx="830424" cy="298579"/>
+          </a:xfrm>
+          <a:prstGeom prst="leftRightArrow">
+            <a:avLst/>
+          </a:prstGeom>
+          <a:solidFill>
+            <a:srgbClr val="002060"/>
+          </a:solidFill>
+        </p:spPr>
+        <p:style>
+          <a:lnRef idx="2">
+            <a:schemeClr val="accent1">
+              <a:shade val="15000"/>
+            </a:schemeClr>
+          </a:lnRef>
+          <a:fillRef idx="1">
+            <a:schemeClr val="accent1"/>
+          </a:fillRef>
+          <a:effectRef idx="0">
+            <a:schemeClr val="accent1"/>
+          </a:effectRef>
+          <a:fontRef idx="minor">
+            <a:schemeClr val="lt1"/>
+          </a:fontRef>
+        </p:style>
+        <p:txBody>
+          <a:bodyPr rtlCol="0" anchor="ctr"/>
+          <a:lstStyle/>
+          <a:p>
+            <a:pPr algn="ctr"/>
+            <a:endParaRPr lang="en-US"/>
+          </a:p>
+        </p:txBody>
+      </p:sp>
+      <p:sp>
+        <p:nvSpPr>
+          <p:cNvPr id="9" name="TextBox 8">
+            <a:extLst>
+              <a:ext uri="{FF2B5EF4-FFF2-40B4-BE49-F238E27FC236}">
+                <a16:creationId xmlns:a16="http://schemas.microsoft.com/office/drawing/2014/main" id="{20E77BFC-2409-0EDF-1074-A6E26809E58E}"/>
+              </a:ext>
+            </a:extLst>
+          </p:cNvPr>
+          <p:cNvSpPr txBox="1"/>
+          <p:nvPr/>
+        </p:nvSpPr>
+        <p:spPr>
+          <a:xfrm>
+            <a:off x="1315616" y="410547"/>
+            <a:ext cx="4133462" cy="923330"/>
+          </a:xfrm>
+          <a:prstGeom prst="rect">
+            <a:avLst/>
+          </a:prstGeom>
+          <a:noFill/>
+        </p:spPr>
+        <p:txBody>
+          <a:bodyPr wrap="square" rtlCol="0">
+            <a:spAutoFit/>
+          </a:bodyPr>
+          <a:lstStyle/>
+          <a:p>
+            <a:pPr algn="ctr"/>
+            <a:r>
+              <a:rPr lang="en-US" b="1" dirty="0"/>
+              <a:t>User Management, Role Management, Policies, Authentication, Authorization, and Tokens</a:t>
+            </a:r>
+          </a:p>
+        </p:txBody>
+      </p:sp>
+      <p:cxnSp>
+        <p:nvCxnSpPr>
+          <p:cNvPr id="13" name="Connector: Elbow 12">
+            <a:extLst>
+              <a:ext uri="{FF2B5EF4-FFF2-40B4-BE49-F238E27FC236}">
+                <a16:creationId xmlns:a16="http://schemas.microsoft.com/office/drawing/2014/main" id="{F9C3B163-1CE6-341A-D2EF-A4B6EB7CB8D4}"/>
+              </a:ext>
+            </a:extLst>
+          </p:cNvPr>
+          <p:cNvCxnSpPr>
+            <a:stCxn id="5" idx="0"/>
+            <a:endCxn id="9" idx="3"/>
+          </p:cNvCxnSpPr>
+          <p:nvPr/>
+        </p:nvCxnSpPr>
+        <p:spPr>
+          <a:xfrm rot="16200000" flipV="1">
+            <a:off x="6385149" y="-63859"/>
+            <a:ext cx="163486" cy="2035628"/>
+          </a:xfrm>
+          <a:prstGeom prst="bentConnector2">
+            <a:avLst/>
+          </a:prstGeom>
+          <a:ln>
+            <a:tailEnd type="triangle"/>
+          </a:ln>
+        </p:spPr>
+        <p:style>
+          <a:lnRef idx="3">
+            <a:schemeClr val="accent2"/>
+          </a:lnRef>
+          <a:fillRef idx="0">
+            <a:schemeClr val="accent2"/>
+          </a:fillRef>
+          <a:effectRef idx="2">
+            <a:schemeClr val="accent2"/>
+          </a:effectRef>
+          <a:fontRef idx="minor">
+            <a:schemeClr val="tx1"/>
+          </a:fontRef>
+        </p:style>
+      </p:cxnSp>
+    </p:spTree>
+    <p:extLst>
+      <p:ext uri="{BB962C8B-B14F-4D97-AF65-F5344CB8AC3E}">
+        <p14:creationId xmlns:p14="http://schemas.microsoft.com/office/powerpoint/2010/main" val="1975456"/>
+      </p:ext>
+    </p:extLst>
+  </p:cSld>
+  <p:clrMapOvr>
+    <a:masterClrMapping/>
+  </p:clrMapOvr>
+</p:sld>
+</file>
+
+<file path=ppt/slides/slide48.xml><?xml version="1.0" encoding="utf-8"?>
+<p:sld xmlns:a="http://schemas.openxmlformats.org/drawingml/2006/main" xmlns:r="http://schemas.openxmlformats.org/officeDocument/2006/relationships" xmlns:p="http://schemas.openxmlformats.org/presentationml/2006/main">
+  <p:cSld>
+    <p:spTree>
+      <p:nvGrpSpPr>
+        <p:cNvPr id="1" name=""/>
+        <p:cNvGrpSpPr/>
+        <p:nvPr/>
+      </p:nvGrpSpPr>
+      <p:grpSpPr>
+        <a:xfrm>
+          <a:off x="0" y="0"/>
+          <a:ext cx="0" cy="0"/>
+          <a:chOff x="0" y="0"/>
+          <a:chExt cx="0" cy="0"/>
+        </a:xfrm>
+      </p:grpSpPr>
       <p:sp>
         <p:nvSpPr>
           <p:cNvPr id="2" name="Rectangle 1">
@@ -39572,6 +41100,982 @@
     <p:extLst>
       <p:ext uri="{BB962C8B-B14F-4D97-AF65-F5344CB8AC3E}">
         <p14:creationId xmlns:p14="http://schemas.microsoft.com/office/powerpoint/2010/main" val="4253211589"/>
+      </p:ext>
+    </p:extLst>
+  </p:cSld>
+  <p:clrMapOvr>
+    <a:masterClrMapping/>
+  </p:clrMapOvr>
+</p:sld>
+</file>
+
+<file path=ppt/slides/slide49.xml><?xml version="1.0" encoding="utf-8"?>
+<p:sld xmlns:a="http://schemas.openxmlformats.org/drawingml/2006/main" xmlns:r="http://schemas.openxmlformats.org/officeDocument/2006/relationships" xmlns:p="http://schemas.openxmlformats.org/presentationml/2006/main">
+  <p:cSld>
+    <p:spTree>
+      <p:nvGrpSpPr>
+        <p:cNvPr id="1" name=""/>
+        <p:cNvGrpSpPr/>
+        <p:nvPr/>
+      </p:nvGrpSpPr>
+      <p:grpSpPr>
+        <a:xfrm>
+          <a:off x="0" y="0"/>
+          <a:ext cx="0" cy="0"/>
+          <a:chOff x="0" y="0"/>
+          <a:chExt cx="0" cy="0"/>
+        </a:xfrm>
+      </p:grpSpPr>
+      <p:sp>
+        <p:nvSpPr>
+          <p:cNvPr id="2" name="Oval 1">
+            <a:extLst>
+              <a:ext uri="{FF2B5EF4-FFF2-40B4-BE49-F238E27FC236}">
+                <a16:creationId xmlns:a16="http://schemas.microsoft.com/office/drawing/2014/main" id="{72F96FC5-86DD-4A9E-7E71-AD6215BD6979}"/>
+              </a:ext>
+            </a:extLst>
+          </p:cNvPr>
+          <p:cNvSpPr/>
+          <p:nvPr/>
+        </p:nvSpPr>
+        <p:spPr>
+          <a:xfrm>
+            <a:off x="4469364" y="1950098"/>
+            <a:ext cx="2631232" cy="1898780"/>
+          </a:xfrm>
+          <a:prstGeom prst="ellipse">
+            <a:avLst/>
+          </a:prstGeom>
+        </p:spPr>
+        <p:style>
+          <a:lnRef idx="2">
+            <a:schemeClr val="accent1">
+              <a:shade val="15000"/>
+            </a:schemeClr>
+          </a:lnRef>
+          <a:fillRef idx="1">
+            <a:schemeClr val="accent1"/>
+          </a:fillRef>
+          <a:effectRef idx="0">
+            <a:schemeClr val="accent1"/>
+          </a:effectRef>
+          <a:fontRef idx="minor">
+            <a:schemeClr val="lt1"/>
+          </a:fontRef>
+        </p:style>
+        <p:txBody>
+          <a:bodyPr rtlCol="0" anchor="ctr"/>
+          <a:lstStyle/>
+          <a:p>
+            <a:pPr algn="ctr"/>
+            <a:r>
+              <a:rPr lang="en-US" dirty="0"/>
+              <a:t>Class A{</a:t>
+            </a:r>
+          </a:p>
+          <a:p>
+            <a:pPr algn="ctr"/>
+            <a:r>
+              <a:rPr lang="en-US" dirty="0"/>
+              <a:t> A(B b){….}</a:t>
+            </a:r>
+          </a:p>
+          <a:p>
+            <a:pPr algn="ctr"/>
+            <a:r>
+              <a:rPr lang="en-US" dirty="0"/>
+              <a:t>}</a:t>
+            </a:r>
+          </a:p>
+        </p:txBody>
+      </p:sp>
+      <p:sp>
+        <p:nvSpPr>
+          <p:cNvPr id="3" name="Rectangle 2">
+            <a:extLst>
+              <a:ext uri="{FF2B5EF4-FFF2-40B4-BE49-F238E27FC236}">
+                <a16:creationId xmlns:a16="http://schemas.microsoft.com/office/drawing/2014/main" id="{4BDEBB2A-5550-1E42-0F41-7BA508F7546E}"/>
+              </a:ext>
+            </a:extLst>
+          </p:cNvPr>
+          <p:cNvSpPr/>
+          <p:nvPr/>
+        </p:nvSpPr>
+        <p:spPr>
+          <a:xfrm>
+            <a:off x="251927" y="2379306"/>
+            <a:ext cx="2295330" cy="1259633"/>
+          </a:xfrm>
+          <a:prstGeom prst="rect">
+            <a:avLst/>
+          </a:prstGeom>
+        </p:spPr>
+        <p:style>
+          <a:lnRef idx="2">
+            <a:schemeClr val="accent1">
+              <a:shade val="15000"/>
+            </a:schemeClr>
+          </a:lnRef>
+          <a:fillRef idx="1">
+            <a:schemeClr val="accent1"/>
+          </a:fillRef>
+          <a:effectRef idx="0">
+            <a:schemeClr val="accent1"/>
+          </a:effectRef>
+          <a:fontRef idx="minor">
+            <a:schemeClr val="lt1"/>
+          </a:fontRef>
+        </p:style>
+        <p:txBody>
+          <a:bodyPr rtlCol="0" anchor="ctr"/>
+          <a:lstStyle/>
+          <a:p>
+            <a:pPr algn="ctr"/>
+            <a:r>
+              <a:rPr lang="en-US" dirty="0"/>
+              <a:t>B </a:t>
+            </a:r>
+            <a:r>
+              <a:rPr lang="en-US" dirty="0" err="1"/>
+              <a:t>b</a:t>
+            </a:r>
+            <a:r>
+              <a:rPr lang="en-US" dirty="0"/>
+              <a:t> = new B();</a:t>
+            </a:r>
+          </a:p>
+          <a:p>
+            <a:pPr algn="ctr"/>
+            <a:r>
+              <a:rPr lang="en-US" dirty="0"/>
+              <a:t>A </a:t>
+            </a:r>
+            <a:r>
+              <a:rPr lang="en-US" dirty="0" err="1"/>
+              <a:t>a</a:t>
+            </a:r>
+            <a:r>
+              <a:rPr lang="en-US" dirty="0"/>
+              <a:t> = new A(b);</a:t>
+            </a:r>
+          </a:p>
+        </p:txBody>
+      </p:sp>
+      <p:cxnSp>
+        <p:nvCxnSpPr>
+          <p:cNvPr id="5" name="Connector: Elbow 4">
+            <a:extLst>
+              <a:ext uri="{FF2B5EF4-FFF2-40B4-BE49-F238E27FC236}">
+                <a16:creationId xmlns:a16="http://schemas.microsoft.com/office/drawing/2014/main" id="{0EF1F994-D201-E89E-AE6D-2F24F16579FA}"/>
+              </a:ext>
+            </a:extLst>
+          </p:cNvPr>
+          <p:cNvCxnSpPr>
+            <a:cxnSpLocks/>
+            <a:stCxn id="3" idx="3"/>
+            <a:endCxn id="2" idx="2"/>
+          </p:cNvCxnSpPr>
+          <p:nvPr/>
+        </p:nvCxnSpPr>
+        <p:spPr>
+          <a:xfrm flipV="1">
+            <a:off x="2547257" y="2899488"/>
+            <a:ext cx="1922107" cy="109635"/>
+          </a:xfrm>
+          <a:prstGeom prst="bentConnector3">
+            <a:avLst/>
+          </a:prstGeom>
+          <a:ln>
+            <a:headEnd type="triangle"/>
+            <a:tailEnd type="triangle"/>
+          </a:ln>
+        </p:spPr>
+        <p:style>
+          <a:lnRef idx="1">
+            <a:schemeClr val="accent1"/>
+          </a:lnRef>
+          <a:fillRef idx="0">
+            <a:schemeClr val="accent1"/>
+          </a:fillRef>
+          <a:effectRef idx="0">
+            <a:schemeClr val="accent1"/>
+          </a:effectRef>
+          <a:fontRef idx="minor">
+            <a:schemeClr val="tx1"/>
+          </a:fontRef>
+        </p:style>
+      </p:cxnSp>
+      <p:sp>
+        <p:nvSpPr>
+          <p:cNvPr id="7" name="Rectangle: Rounded Corners 6">
+            <a:extLst>
+              <a:ext uri="{FF2B5EF4-FFF2-40B4-BE49-F238E27FC236}">
+                <a16:creationId xmlns:a16="http://schemas.microsoft.com/office/drawing/2014/main" id="{9B1FCF23-425A-9C34-5272-2DF6AF6D2C4E}"/>
+              </a:ext>
+            </a:extLst>
+          </p:cNvPr>
+          <p:cNvSpPr/>
+          <p:nvPr/>
+        </p:nvSpPr>
+        <p:spPr>
+          <a:xfrm>
+            <a:off x="793102" y="737118"/>
+            <a:ext cx="1343608" cy="597160"/>
+          </a:xfrm>
+          <a:prstGeom prst="roundRect">
+            <a:avLst/>
+          </a:prstGeom>
+        </p:spPr>
+        <p:style>
+          <a:lnRef idx="2">
+            <a:schemeClr val="accent1">
+              <a:shade val="15000"/>
+            </a:schemeClr>
+          </a:lnRef>
+          <a:fillRef idx="1">
+            <a:schemeClr val="accent1"/>
+          </a:fillRef>
+          <a:effectRef idx="0">
+            <a:schemeClr val="accent1"/>
+          </a:effectRef>
+          <a:fontRef idx="minor">
+            <a:schemeClr val="lt1"/>
+          </a:fontRef>
+        </p:style>
+        <p:txBody>
+          <a:bodyPr rtlCol="0" anchor="ctr"/>
+          <a:lstStyle/>
+          <a:p>
+            <a:pPr algn="ctr"/>
+            <a:r>
+              <a:rPr lang="en-US" dirty="0"/>
+              <a:t>Client</a:t>
+            </a:r>
+          </a:p>
+        </p:txBody>
+      </p:sp>
+      <p:sp>
+        <p:nvSpPr>
+          <p:cNvPr id="8" name="Rectangle: Rounded Corners 7">
+            <a:extLst>
+              <a:ext uri="{FF2B5EF4-FFF2-40B4-BE49-F238E27FC236}">
+                <a16:creationId xmlns:a16="http://schemas.microsoft.com/office/drawing/2014/main" id="{3CF097F7-A3E8-BDE3-1AE1-53519DE9714F}"/>
+              </a:ext>
+            </a:extLst>
+          </p:cNvPr>
+          <p:cNvSpPr/>
+          <p:nvPr/>
+        </p:nvSpPr>
+        <p:spPr>
+          <a:xfrm>
+            <a:off x="5178490" y="671804"/>
+            <a:ext cx="1343608" cy="662474"/>
+          </a:xfrm>
+          <a:prstGeom prst="roundRect">
+            <a:avLst/>
+          </a:prstGeom>
+        </p:spPr>
+        <p:style>
+          <a:lnRef idx="2">
+            <a:schemeClr val="accent1">
+              <a:shade val="15000"/>
+            </a:schemeClr>
+          </a:lnRef>
+          <a:fillRef idx="1">
+            <a:schemeClr val="accent1"/>
+          </a:fillRef>
+          <a:effectRef idx="0">
+            <a:schemeClr val="accent1"/>
+          </a:effectRef>
+          <a:fontRef idx="minor">
+            <a:schemeClr val="lt1"/>
+          </a:fontRef>
+        </p:style>
+        <p:txBody>
+          <a:bodyPr rtlCol="0" anchor="ctr"/>
+          <a:lstStyle/>
+          <a:p>
+            <a:pPr algn="ctr"/>
+            <a:r>
+              <a:rPr lang="en-US" dirty="0"/>
+              <a:t>A</a:t>
+            </a:r>
+          </a:p>
+        </p:txBody>
+      </p:sp>
+      <p:sp>
+        <p:nvSpPr>
+          <p:cNvPr id="9" name="Rectangle: Rounded Corners 8">
+            <a:extLst>
+              <a:ext uri="{FF2B5EF4-FFF2-40B4-BE49-F238E27FC236}">
+                <a16:creationId xmlns:a16="http://schemas.microsoft.com/office/drawing/2014/main" id="{E9765C70-B118-293F-C3F5-1ACB086679AB}"/>
+              </a:ext>
+            </a:extLst>
+          </p:cNvPr>
+          <p:cNvSpPr/>
+          <p:nvPr/>
+        </p:nvSpPr>
+        <p:spPr>
+          <a:xfrm>
+            <a:off x="8892074" y="671804"/>
+            <a:ext cx="1343608" cy="662474"/>
+          </a:xfrm>
+          <a:prstGeom prst="roundRect">
+            <a:avLst/>
+          </a:prstGeom>
+        </p:spPr>
+        <p:style>
+          <a:lnRef idx="2">
+            <a:schemeClr val="accent1">
+              <a:shade val="15000"/>
+            </a:schemeClr>
+          </a:lnRef>
+          <a:fillRef idx="1">
+            <a:schemeClr val="accent1"/>
+          </a:fillRef>
+          <a:effectRef idx="0">
+            <a:schemeClr val="accent1"/>
+          </a:effectRef>
+          <a:fontRef idx="minor">
+            <a:schemeClr val="lt1"/>
+          </a:fontRef>
+        </p:style>
+        <p:txBody>
+          <a:bodyPr rtlCol="0" anchor="ctr"/>
+          <a:lstStyle/>
+          <a:p>
+            <a:pPr algn="ctr"/>
+            <a:r>
+              <a:rPr lang="en-US" dirty="0"/>
+              <a:t>B</a:t>
+            </a:r>
+          </a:p>
+        </p:txBody>
+      </p:sp>
+      <p:cxnSp>
+        <p:nvCxnSpPr>
+          <p:cNvPr id="11" name="Connector: Elbow 10">
+            <a:extLst>
+              <a:ext uri="{FF2B5EF4-FFF2-40B4-BE49-F238E27FC236}">
+                <a16:creationId xmlns:a16="http://schemas.microsoft.com/office/drawing/2014/main" id="{EC059293-C5CD-3767-C60D-91FBFD6C71A0}"/>
+              </a:ext>
+            </a:extLst>
+          </p:cNvPr>
+          <p:cNvCxnSpPr>
+            <a:stCxn id="8" idx="3"/>
+            <a:endCxn id="9" idx="1"/>
+          </p:cNvCxnSpPr>
+          <p:nvPr/>
+        </p:nvCxnSpPr>
+        <p:spPr>
+          <a:xfrm>
+            <a:off x="6522098" y="1003041"/>
+            <a:ext cx="2369976" cy="12700"/>
+          </a:xfrm>
+          <a:prstGeom prst="bentConnector3">
+            <a:avLst/>
+          </a:prstGeom>
+          <a:ln>
+            <a:headEnd type="triangle"/>
+            <a:tailEnd type="triangle"/>
+          </a:ln>
+        </p:spPr>
+        <p:style>
+          <a:lnRef idx="1">
+            <a:schemeClr val="accent1"/>
+          </a:lnRef>
+          <a:fillRef idx="0">
+            <a:schemeClr val="accent1"/>
+          </a:fillRef>
+          <a:effectRef idx="0">
+            <a:schemeClr val="accent1"/>
+          </a:effectRef>
+          <a:fontRef idx="minor">
+            <a:schemeClr val="tx1"/>
+          </a:fontRef>
+        </p:style>
+      </p:cxnSp>
+      <p:cxnSp>
+        <p:nvCxnSpPr>
+          <p:cNvPr id="13" name="Connector: Elbow 12">
+            <a:extLst>
+              <a:ext uri="{FF2B5EF4-FFF2-40B4-BE49-F238E27FC236}">
+                <a16:creationId xmlns:a16="http://schemas.microsoft.com/office/drawing/2014/main" id="{5F594320-02A1-79A2-F360-E72FD5CC60ED}"/>
+              </a:ext>
+            </a:extLst>
+          </p:cNvPr>
+          <p:cNvCxnSpPr>
+            <a:stCxn id="7" idx="3"/>
+            <a:endCxn id="8" idx="1"/>
+          </p:cNvCxnSpPr>
+          <p:nvPr/>
+        </p:nvCxnSpPr>
+        <p:spPr>
+          <a:xfrm flipV="1">
+            <a:off x="2136710" y="1003041"/>
+            <a:ext cx="3041780" cy="32657"/>
+          </a:xfrm>
+          <a:prstGeom prst="bentConnector3">
+            <a:avLst/>
+          </a:prstGeom>
+          <a:ln>
+            <a:headEnd type="triangle"/>
+            <a:tailEnd type="triangle"/>
+          </a:ln>
+        </p:spPr>
+        <p:style>
+          <a:lnRef idx="1">
+            <a:schemeClr val="accent1"/>
+          </a:lnRef>
+          <a:fillRef idx="0">
+            <a:schemeClr val="accent1"/>
+          </a:fillRef>
+          <a:effectRef idx="0">
+            <a:schemeClr val="accent1"/>
+          </a:effectRef>
+          <a:fontRef idx="minor">
+            <a:schemeClr val="tx1"/>
+          </a:fontRef>
+        </p:style>
+      </p:cxnSp>
+      <p:cxnSp>
+        <p:nvCxnSpPr>
+          <p:cNvPr id="15" name="Connector: Elbow 14">
+            <a:extLst>
+              <a:ext uri="{FF2B5EF4-FFF2-40B4-BE49-F238E27FC236}">
+                <a16:creationId xmlns:a16="http://schemas.microsoft.com/office/drawing/2014/main" id="{6837FCE1-83FB-1EE4-D4E3-07CEA8A36E39}"/>
+              </a:ext>
+            </a:extLst>
+          </p:cNvPr>
+          <p:cNvCxnSpPr>
+            <a:stCxn id="7" idx="0"/>
+            <a:endCxn id="9" idx="0"/>
+          </p:cNvCxnSpPr>
+          <p:nvPr/>
+        </p:nvCxnSpPr>
+        <p:spPr>
+          <a:xfrm rot="5400000" flipH="1" flipV="1">
+            <a:off x="5481735" y="-3345025"/>
+            <a:ext cx="65314" cy="8098972"/>
+          </a:xfrm>
+          <a:prstGeom prst="bentConnector3">
+            <a:avLst>
+              <a:gd name="adj1" fmla="val 450002"/>
+            </a:avLst>
+          </a:prstGeom>
+          <a:ln>
+            <a:headEnd type="triangle"/>
+            <a:tailEnd type="triangle"/>
+          </a:ln>
+        </p:spPr>
+        <p:style>
+          <a:lnRef idx="1">
+            <a:schemeClr val="accent1"/>
+          </a:lnRef>
+          <a:fillRef idx="0">
+            <a:schemeClr val="accent1"/>
+          </a:fillRef>
+          <a:effectRef idx="0">
+            <a:schemeClr val="accent1"/>
+          </a:effectRef>
+          <a:fontRef idx="minor">
+            <a:schemeClr val="tx1"/>
+          </a:fontRef>
+        </p:style>
+      </p:cxnSp>
+      <p:sp>
+        <p:nvSpPr>
+          <p:cNvPr id="16" name="Oval 15">
+            <a:extLst>
+              <a:ext uri="{FF2B5EF4-FFF2-40B4-BE49-F238E27FC236}">
+                <a16:creationId xmlns:a16="http://schemas.microsoft.com/office/drawing/2014/main" id="{45EACB9E-381A-DCE3-20E1-0FF6D96650C6}"/>
+              </a:ext>
+            </a:extLst>
+          </p:cNvPr>
+          <p:cNvSpPr/>
+          <p:nvPr/>
+        </p:nvSpPr>
+        <p:spPr>
+          <a:xfrm>
+            <a:off x="4534678" y="4254758"/>
+            <a:ext cx="2631232" cy="1898780"/>
+          </a:xfrm>
+          <a:prstGeom prst="ellipse">
+            <a:avLst/>
+          </a:prstGeom>
+        </p:spPr>
+        <p:style>
+          <a:lnRef idx="2">
+            <a:schemeClr val="accent1">
+              <a:shade val="15000"/>
+            </a:schemeClr>
+          </a:lnRef>
+          <a:fillRef idx="1">
+            <a:schemeClr val="accent1"/>
+          </a:fillRef>
+          <a:effectRef idx="0">
+            <a:schemeClr val="accent1"/>
+          </a:effectRef>
+          <a:fontRef idx="minor">
+            <a:schemeClr val="lt1"/>
+          </a:fontRef>
+        </p:style>
+        <p:txBody>
+          <a:bodyPr rtlCol="0" anchor="ctr"/>
+          <a:lstStyle/>
+          <a:p>
+            <a:pPr algn="ctr"/>
+            <a:r>
+              <a:rPr lang="en-US" dirty="0"/>
+              <a:t>Class B{</a:t>
+            </a:r>
+          </a:p>
+          <a:p>
+            <a:pPr algn="ctr"/>
+            <a:r>
+              <a:rPr lang="en-US" dirty="0"/>
+              <a:t> B(C c){….}</a:t>
+            </a:r>
+          </a:p>
+          <a:p>
+            <a:pPr algn="ctr"/>
+            <a:r>
+              <a:rPr lang="en-US" dirty="0"/>
+              <a:t>}</a:t>
+            </a:r>
+          </a:p>
+        </p:txBody>
+      </p:sp>
+      <p:cxnSp>
+        <p:nvCxnSpPr>
+          <p:cNvPr id="18" name="Connector: Elbow 17">
+            <a:extLst>
+              <a:ext uri="{FF2B5EF4-FFF2-40B4-BE49-F238E27FC236}">
+                <a16:creationId xmlns:a16="http://schemas.microsoft.com/office/drawing/2014/main" id="{AD941163-A232-9EC2-33E6-FF1696787F0A}"/>
+              </a:ext>
+            </a:extLst>
+          </p:cNvPr>
+          <p:cNvCxnSpPr>
+            <a:stCxn id="3" idx="3"/>
+            <a:endCxn id="16" idx="2"/>
+          </p:cNvCxnSpPr>
+          <p:nvPr/>
+        </p:nvCxnSpPr>
+        <p:spPr>
+          <a:xfrm>
+            <a:off x="2547257" y="3009123"/>
+            <a:ext cx="1987421" cy="2195025"/>
+          </a:xfrm>
+          <a:prstGeom prst="bentConnector3">
+            <a:avLst/>
+          </a:prstGeom>
+          <a:ln>
+            <a:headEnd type="triangle"/>
+            <a:tailEnd type="triangle"/>
+          </a:ln>
+        </p:spPr>
+        <p:style>
+          <a:lnRef idx="1">
+            <a:schemeClr val="accent1"/>
+          </a:lnRef>
+          <a:fillRef idx="0">
+            <a:schemeClr val="accent1"/>
+          </a:fillRef>
+          <a:effectRef idx="0">
+            <a:schemeClr val="accent1"/>
+          </a:effectRef>
+          <a:fontRef idx="minor">
+            <a:schemeClr val="tx1"/>
+          </a:fontRef>
+        </p:style>
+      </p:cxnSp>
+      <p:sp>
+        <p:nvSpPr>
+          <p:cNvPr id="19" name="Rectangle: Rounded Corners 18">
+            <a:extLst>
+              <a:ext uri="{FF2B5EF4-FFF2-40B4-BE49-F238E27FC236}">
+                <a16:creationId xmlns:a16="http://schemas.microsoft.com/office/drawing/2014/main" id="{0EE61D3E-7752-FFCA-E6EF-45C038A46D15}"/>
+              </a:ext>
+            </a:extLst>
+          </p:cNvPr>
+          <p:cNvSpPr/>
+          <p:nvPr/>
+        </p:nvSpPr>
+        <p:spPr>
+          <a:xfrm>
+            <a:off x="9781592" y="2379306"/>
+            <a:ext cx="1343608" cy="662474"/>
+          </a:xfrm>
+          <a:prstGeom prst="roundRect">
+            <a:avLst/>
+          </a:prstGeom>
+        </p:spPr>
+        <p:style>
+          <a:lnRef idx="2">
+            <a:schemeClr val="accent1">
+              <a:shade val="15000"/>
+            </a:schemeClr>
+          </a:lnRef>
+          <a:fillRef idx="1">
+            <a:schemeClr val="accent1"/>
+          </a:fillRef>
+          <a:effectRef idx="0">
+            <a:schemeClr val="accent1"/>
+          </a:effectRef>
+          <a:fontRef idx="minor">
+            <a:schemeClr val="lt1"/>
+          </a:fontRef>
+        </p:style>
+        <p:txBody>
+          <a:bodyPr rtlCol="0" anchor="ctr"/>
+          <a:lstStyle/>
+          <a:p>
+            <a:pPr algn="ctr"/>
+            <a:r>
+              <a:rPr lang="en-US" dirty="0"/>
+              <a:t>C</a:t>
+            </a:r>
+          </a:p>
+        </p:txBody>
+      </p:sp>
+      <p:cxnSp>
+        <p:nvCxnSpPr>
+          <p:cNvPr id="21" name="Connector: Elbow 20">
+            <a:extLst>
+              <a:ext uri="{FF2B5EF4-FFF2-40B4-BE49-F238E27FC236}">
+                <a16:creationId xmlns:a16="http://schemas.microsoft.com/office/drawing/2014/main" id="{867D2244-B1A7-D3B7-3D95-177835EB44B4}"/>
+              </a:ext>
+            </a:extLst>
+          </p:cNvPr>
+          <p:cNvCxnSpPr>
+            <a:stCxn id="9" idx="3"/>
+            <a:endCxn id="19" idx="0"/>
+          </p:cNvCxnSpPr>
+          <p:nvPr/>
+        </p:nvCxnSpPr>
+        <p:spPr>
+          <a:xfrm>
+            <a:off x="10235682" y="1003041"/>
+            <a:ext cx="217714" cy="1376265"/>
+          </a:xfrm>
+          <a:prstGeom prst="bentConnector2">
+            <a:avLst/>
+          </a:prstGeom>
+          <a:ln>
+            <a:headEnd type="triangle"/>
+            <a:tailEnd type="triangle"/>
+          </a:ln>
+        </p:spPr>
+        <p:style>
+          <a:lnRef idx="1">
+            <a:schemeClr val="accent1"/>
+          </a:lnRef>
+          <a:fillRef idx="0">
+            <a:schemeClr val="accent1"/>
+          </a:fillRef>
+          <a:effectRef idx="0">
+            <a:schemeClr val="accent1"/>
+          </a:effectRef>
+          <a:fontRef idx="minor">
+            <a:schemeClr val="tx1"/>
+          </a:fontRef>
+        </p:style>
+      </p:cxnSp>
+      <p:sp>
+        <p:nvSpPr>
+          <p:cNvPr id="25" name="Multiplication Sign 24">
+            <a:extLst>
+              <a:ext uri="{FF2B5EF4-FFF2-40B4-BE49-F238E27FC236}">
+                <a16:creationId xmlns:a16="http://schemas.microsoft.com/office/drawing/2014/main" id="{F2769D3C-F211-6D5D-D755-45BC50A74B57}"/>
+              </a:ext>
+            </a:extLst>
+          </p:cNvPr>
+          <p:cNvSpPr/>
+          <p:nvPr/>
+        </p:nvSpPr>
+        <p:spPr>
+          <a:xfrm>
+            <a:off x="10151706" y="1679510"/>
+            <a:ext cx="821094" cy="662474"/>
+          </a:xfrm>
+          <a:prstGeom prst="mathMultiply">
+            <a:avLst/>
+          </a:prstGeom>
+          <a:solidFill>
+            <a:srgbClr val="C00000"/>
+          </a:solidFill>
+        </p:spPr>
+        <p:style>
+          <a:lnRef idx="2">
+            <a:schemeClr val="accent1">
+              <a:shade val="15000"/>
+            </a:schemeClr>
+          </a:lnRef>
+          <a:fillRef idx="1">
+            <a:schemeClr val="accent1"/>
+          </a:fillRef>
+          <a:effectRef idx="0">
+            <a:schemeClr val="accent1"/>
+          </a:effectRef>
+          <a:fontRef idx="minor">
+            <a:schemeClr val="lt1"/>
+          </a:fontRef>
+        </p:style>
+        <p:txBody>
+          <a:bodyPr rtlCol="0" anchor="ctr"/>
+          <a:lstStyle/>
+          <a:p>
+            <a:pPr algn="ctr"/>
+            <a:endParaRPr lang="en-US"/>
+          </a:p>
+        </p:txBody>
+      </p:sp>
+      <p:sp>
+        <p:nvSpPr>
+          <p:cNvPr id="26" name="Multiplication Sign 25">
+            <a:extLst>
+              <a:ext uri="{FF2B5EF4-FFF2-40B4-BE49-F238E27FC236}">
+                <a16:creationId xmlns:a16="http://schemas.microsoft.com/office/drawing/2014/main" id="{2FA93E10-43F5-38F4-1705-C6B0F5530761}"/>
+              </a:ext>
+            </a:extLst>
+          </p:cNvPr>
+          <p:cNvSpPr/>
+          <p:nvPr/>
+        </p:nvSpPr>
+        <p:spPr>
+          <a:xfrm>
+            <a:off x="8070980" y="181299"/>
+            <a:ext cx="821094" cy="662474"/>
+          </a:xfrm>
+          <a:prstGeom prst="mathMultiply">
+            <a:avLst/>
+          </a:prstGeom>
+          <a:solidFill>
+            <a:srgbClr val="C00000"/>
+          </a:solidFill>
+        </p:spPr>
+        <p:style>
+          <a:lnRef idx="2">
+            <a:schemeClr val="accent1">
+              <a:shade val="15000"/>
+            </a:schemeClr>
+          </a:lnRef>
+          <a:fillRef idx="1">
+            <a:schemeClr val="accent1"/>
+          </a:fillRef>
+          <a:effectRef idx="0">
+            <a:schemeClr val="accent1"/>
+          </a:effectRef>
+          <a:fontRef idx="minor">
+            <a:schemeClr val="lt1"/>
+          </a:fontRef>
+        </p:style>
+        <p:txBody>
+          <a:bodyPr rtlCol="0" anchor="ctr"/>
+          <a:lstStyle/>
+          <a:p>
+            <a:pPr algn="ctr"/>
+            <a:endParaRPr lang="en-US"/>
+          </a:p>
+        </p:txBody>
+      </p:sp>
+      <p:sp>
+        <p:nvSpPr>
+          <p:cNvPr id="27" name="Rectangle: Rounded Corners 26">
+            <a:extLst>
+              <a:ext uri="{FF2B5EF4-FFF2-40B4-BE49-F238E27FC236}">
+                <a16:creationId xmlns:a16="http://schemas.microsoft.com/office/drawing/2014/main" id="{44445FFC-9B80-8D52-569E-F6C710FA817E}"/>
+              </a:ext>
+            </a:extLst>
+          </p:cNvPr>
+          <p:cNvSpPr/>
+          <p:nvPr/>
+        </p:nvSpPr>
+        <p:spPr>
+          <a:xfrm>
+            <a:off x="8220269" y="4599992"/>
+            <a:ext cx="3256384" cy="1377561"/>
+          </a:xfrm>
+          <a:prstGeom prst="roundRect">
+            <a:avLst/>
+          </a:prstGeom>
+        </p:spPr>
+        <p:style>
+          <a:lnRef idx="2">
+            <a:schemeClr val="accent1">
+              <a:shade val="15000"/>
+            </a:schemeClr>
+          </a:lnRef>
+          <a:fillRef idx="1">
+            <a:schemeClr val="accent1"/>
+          </a:fillRef>
+          <a:effectRef idx="0">
+            <a:schemeClr val="accent1"/>
+          </a:effectRef>
+          <a:fontRef idx="minor">
+            <a:schemeClr val="lt1"/>
+          </a:fontRef>
+        </p:style>
+        <p:txBody>
+          <a:bodyPr rtlCol="0" anchor="ctr"/>
+          <a:lstStyle/>
+          <a:p>
+            <a:pPr algn="ctr"/>
+            <a:endParaRPr lang="en-US"/>
+          </a:p>
+        </p:txBody>
+      </p:sp>
+      <p:sp>
+        <p:nvSpPr>
+          <p:cNvPr id="28" name="Rectangle: Rounded Corners 27">
+            <a:extLst>
+              <a:ext uri="{FF2B5EF4-FFF2-40B4-BE49-F238E27FC236}">
+                <a16:creationId xmlns:a16="http://schemas.microsoft.com/office/drawing/2014/main" id="{23F59A69-B3D9-89EB-BEA6-AFC739C8E704}"/>
+              </a:ext>
+            </a:extLst>
+          </p:cNvPr>
+          <p:cNvSpPr/>
+          <p:nvPr/>
+        </p:nvSpPr>
+        <p:spPr>
+          <a:xfrm>
+            <a:off x="8220270" y="4729453"/>
+            <a:ext cx="1343608" cy="662474"/>
+          </a:xfrm>
+          <a:prstGeom prst="roundRect">
+            <a:avLst/>
+          </a:prstGeom>
+        </p:spPr>
+        <p:style>
+          <a:lnRef idx="2">
+            <a:schemeClr val="accent1">
+              <a:shade val="15000"/>
+            </a:schemeClr>
+          </a:lnRef>
+          <a:fillRef idx="1">
+            <a:schemeClr val="accent1"/>
+          </a:fillRef>
+          <a:effectRef idx="0">
+            <a:schemeClr val="accent1"/>
+          </a:effectRef>
+          <a:fontRef idx="minor">
+            <a:schemeClr val="lt1"/>
+          </a:fontRef>
+        </p:style>
+        <p:txBody>
+          <a:bodyPr rtlCol="0" anchor="ctr"/>
+          <a:lstStyle/>
+          <a:p>
+            <a:pPr algn="ctr"/>
+            <a:r>
+              <a:rPr lang="en-US" dirty="0"/>
+              <a:t>C</a:t>
+            </a:r>
+          </a:p>
+        </p:txBody>
+      </p:sp>
+      <p:sp>
+        <p:nvSpPr>
+          <p:cNvPr id="29" name="Rectangle: Rounded Corners 28">
+            <a:extLst>
+              <a:ext uri="{FF2B5EF4-FFF2-40B4-BE49-F238E27FC236}">
+                <a16:creationId xmlns:a16="http://schemas.microsoft.com/office/drawing/2014/main" id="{DB1CD0DB-97C7-8A1D-0175-2CF3ED7A47B4}"/>
+              </a:ext>
+            </a:extLst>
+          </p:cNvPr>
+          <p:cNvSpPr/>
+          <p:nvPr/>
+        </p:nvSpPr>
+        <p:spPr>
+          <a:xfrm>
+            <a:off x="9890449" y="4729453"/>
+            <a:ext cx="1343608" cy="662474"/>
+          </a:xfrm>
+          <a:prstGeom prst="roundRect">
+            <a:avLst/>
+          </a:prstGeom>
+        </p:spPr>
+        <p:style>
+          <a:lnRef idx="2">
+            <a:schemeClr val="accent1">
+              <a:shade val="15000"/>
+            </a:schemeClr>
+          </a:lnRef>
+          <a:fillRef idx="1">
+            <a:schemeClr val="accent1"/>
+          </a:fillRef>
+          <a:effectRef idx="0">
+            <a:schemeClr val="accent1"/>
+          </a:effectRef>
+          <a:fontRef idx="minor">
+            <a:schemeClr val="lt1"/>
+          </a:fontRef>
+        </p:style>
+        <p:txBody>
+          <a:bodyPr rtlCol="0" anchor="ctr"/>
+          <a:lstStyle/>
+          <a:p>
+            <a:pPr algn="ctr"/>
+            <a:r>
+              <a:rPr lang="en-US" dirty="0"/>
+              <a:t>B</a:t>
+            </a:r>
+          </a:p>
+        </p:txBody>
+      </p:sp>
+      <p:sp>
+        <p:nvSpPr>
+          <p:cNvPr id="30" name="Rectangle: Rounded Corners 29">
+            <a:extLst>
+              <a:ext uri="{FF2B5EF4-FFF2-40B4-BE49-F238E27FC236}">
+                <a16:creationId xmlns:a16="http://schemas.microsoft.com/office/drawing/2014/main" id="{8EE490E6-A462-C3C2-C25F-6F273CB038A1}"/>
+              </a:ext>
+            </a:extLst>
+          </p:cNvPr>
+          <p:cNvSpPr/>
+          <p:nvPr/>
+        </p:nvSpPr>
+        <p:spPr>
+          <a:xfrm>
+            <a:off x="9176657" y="5391927"/>
+            <a:ext cx="1343608" cy="662474"/>
+          </a:xfrm>
+          <a:prstGeom prst="roundRect">
+            <a:avLst/>
+          </a:prstGeom>
+        </p:spPr>
+        <p:style>
+          <a:lnRef idx="2">
+            <a:schemeClr val="accent1">
+              <a:shade val="15000"/>
+            </a:schemeClr>
+          </a:lnRef>
+          <a:fillRef idx="1">
+            <a:schemeClr val="accent1"/>
+          </a:fillRef>
+          <a:effectRef idx="0">
+            <a:schemeClr val="accent1"/>
+          </a:effectRef>
+          <a:fontRef idx="minor">
+            <a:schemeClr val="lt1"/>
+          </a:fontRef>
+        </p:style>
+        <p:txBody>
+          <a:bodyPr rtlCol="0" anchor="ctr"/>
+          <a:lstStyle/>
+          <a:p>
+            <a:pPr algn="ctr"/>
+            <a:r>
+              <a:rPr lang="en-US" dirty="0"/>
+              <a:t>A</a:t>
+            </a:r>
+          </a:p>
+        </p:txBody>
+      </p:sp>
+    </p:spTree>
+    <p:extLst>
+      <p:ext uri="{BB962C8B-B14F-4D97-AF65-F5344CB8AC3E}">
+        <p14:creationId xmlns:p14="http://schemas.microsoft.com/office/powerpoint/2010/main" val="1364113733"/>
       </p:ext>
     </p:extLst>
   </p:cSld>
@@ -40162,6 +42666,3303 @@
     <p:extLst>
       <p:ext uri="{BB962C8B-B14F-4D97-AF65-F5344CB8AC3E}">
         <p14:creationId xmlns:p14="http://schemas.microsoft.com/office/powerpoint/2010/main" val="3100357560"/>
+      </p:ext>
+    </p:extLst>
+  </p:cSld>
+  <p:clrMapOvr>
+    <a:masterClrMapping/>
+  </p:clrMapOvr>
+</p:sld>
+</file>
+
+<file path=ppt/slides/slide50.xml><?xml version="1.0" encoding="utf-8"?>
+<p:sld xmlns:a="http://schemas.openxmlformats.org/drawingml/2006/main" xmlns:r="http://schemas.openxmlformats.org/officeDocument/2006/relationships" xmlns:p="http://schemas.openxmlformats.org/presentationml/2006/main">
+  <p:cSld>
+    <p:spTree>
+      <p:nvGrpSpPr>
+        <p:cNvPr id="1" name=""/>
+        <p:cNvGrpSpPr/>
+        <p:nvPr/>
+      </p:nvGrpSpPr>
+      <p:grpSpPr>
+        <a:xfrm>
+          <a:off x="0" y="0"/>
+          <a:ext cx="0" cy="0"/>
+          <a:chOff x="0" y="0"/>
+          <a:chExt cx="0" cy="0"/>
+        </a:xfrm>
+      </p:grpSpPr>
+      <p:sp>
+        <p:nvSpPr>
+          <p:cNvPr id="2" name="Arrow: Right 1">
+            <a:extLst>
+              <a:ext uri="{FF2B5EF4-FFF2-40B4-BE49-F238E27FC236}">
+                <a16:creationId xmlns:a16="http://schemas.microsoft.com/office/drawing/2014/main" id="{04AD9261-B350-F442-A6A4-1ECD0B86AFE0}"/>
+              </a:ext>
+            </a:extLst>
+          </p:cNvPr>
+          <p:cNvSpPr/>
+          <p:nvPr/>
+        </p:nvSpPr>
+        <p:spPr>
+          <a:xfrm>
+            <a:off x="102637" y="709127"/>
+            <a:ext cx="4963886" cy="578498"/>
+          </a:xfrm>
+          <a:prstGeom prst="rightArrow">
+            <a:avLst/>
+          </a:prstGeom>
+        </p:spPr>
+        <p:style>
+          <a:lnRef idx="2">
+            <a:schemeClr val="accent1">
+              <a:shade val="15000"/>
+            </a:schemeClr>
+          </a:lnRef>
+          <a:fillRef idx="1">
+            <a:schemeClr val="accent1"/>
+          </a:fillRef>
+          <a:effectRef idx="0">
+            <a:schemeClr val="accent1"/>
+          </a:effectRef>
+          <a:fontRef idx="minor">
+            <a:schemeClr val="lt1"/>
+          </a:fontRef>
+        </p:style>
+        <p:txBody>
+          <a:bodyPr rtlCol="0" anchor="ctr"/>
+          <a:lstStyle/>
+          <a:p>
+            <a:pPr algn="ctr"/>
+            <a:r>
+              <a:rPr lang="en-US" dirty="0"/>
+              <a:t>http://server/myapp/api/myapi</a:t>
+            </a:r>
+          </a:p>
+        </p:txBody>
+      </p:sp>
+      <p:sp>
+        <p:nvSpPr>
+          <p:cNvPr id="3" name="TextBox 2">
+            <a:extLst>
+              <a:ext uri="{FF2B5EF4-FFF2-40B4-BE49-F238E27FC236}">
+                <a16:creationId xmlns:a16="http://schemas.microsoft.com/office/drawing/2014/main" id="{2E2ABBA3-1AA4-0279-932D-0E070FCF0AB3}"/>
+              </a:ext>
+            </a:extLst>
+          </p:cNvPr>
+          <p:cNvSpPr txBox="1"/>
+          <p:nvPr/>
+        </p:nvSpPr>
+        <p:spPr>
+          <a:xfrm>
+            <a:off x="158620" y="251927"/>
+            <a:ext cx="4655976" cy="369332"/>
+          </a:xfrm>
+          <a:prstGeom prst="rect">
+            <a:avLst/>
+          </a:prstGeom>
+          <a:noFill/>
+        </p:spPr>
+        <p:txBody>
+          <a:bodyPr wrap="square" rtlCol="0">
+            <a:spAutoFit/>
+          </a:bodyPr>
+          <a:lstStyle/>
+          <a:p>
+            <a:r>
+              <a:rPr lang="en-US" dirty="0"/>
+              <a:t>HTTP Request (GET, POST, PUT,DELETE)</a:t>
+            </a:r>
+          </a:p>
+        </p:txBody>
+      </p:sp>
+      <p:sp>
+        <p:nvSpPr>
+          <p:cNvPr id="4" name="Rectangle 3">
+            <a:extLst>
+              <a:ext uri="{FF2B5EF4-FFF2-40B4-BE49-F238E27FC236}">
+                <a16:creationId xmlns:a16="http://schemas.microsoft.com/office/drawing/2014/main" id="{A7BAD6F5-425D-EEA0-4F46-7F65EA8251C9}"/>
+              </a:ext>
+            </a:extLst>
+          </p:cNvPr>
+          <p:cNvSpPr/>
+          <p:nvPr/>
+        </p:nvSpPr>
+        <p:spPr>
+          <a:xfrm>
+            <a:off x="5225143" y="164059"/>
+            <a:ext cx="4870579" cy="6609965"/>
+          </a:xfrm>
+          <a:prstGeom prst="rect">
+            <a:avLst/>
+          </a:prstGeom>
+        </p:spPr>
+        <p:style>
+          <a:lnRef idx="2">
+            <a:schemeClr val="accent6"/>
+          </a:lnRef>
+          <a:fillRef idx="1">
+            <a:schemeClr val="lt1"/>
+          </a:fillRef>
+          <a:effectRef idx="0">
+            <a:schemeClr val="accent6"/>
+          </a:effectRef>
+          <a:fontRef idx="minor">
+            <a:schemeClr val="dk1"/>
+          </a:fontRef>
+        </p:style>
+        <p:txBody>
+          <a:bodyPr rtlCol="0" anchor="ctr"/>
+          <a:lstStyle/>
+          <a:p>
+            <a:pPr algn="ctr"/>
+            <a:endParaRPr lang="en-US"/>
+          </a:p>
+        </p:txBody>
+      </p:sp>
+      <p:sp>
+        <p:nvSpPr>
+          <p:cNvPr id="5" name="TextBox 4">
+            <a:extLst>
+              <a:ext uri="{FF2B5EF4-FFF2-40B4-BE49-F238E27FC236}">
+                <a16:creationId xmlns:a16="http://schemas.microsoft.com/office/drawing/2014/main" id="{B8DFE577-8E1F-86A9-A192-D71935CCAE90}"/>
+              </a:ext>
+            </a:extLst>
+          </p:cNvPr>
+          <p:cNvSpPr txBox="1"/>
+          <p:nvPr/>
+        </p:nvSpPr>
+        <p:spPr>
+          <a:xfrm>
+            <a:off x="5439746" y="251927"/>
+            <a:ext cx="4273421" cy="369332"/>
+          </a:xfrm>
+          <a:prstGeom prst="rect">
+            <a:avLst/>
+          </a:prstGeom>
+          <a:noFill/>
+        </p:spPr>
+        <p:txBody>
+          <a:bodyPr wrap="square" rtlCol="0">
+            <a:spAutoFit/>
+          </a:bodyPr>
+          <a:lstStyle/>
+          <a:p>
+            <a:pPr algn="ctr"/>
+            <a:r>
+              <a:rPr lang="en-US" b="1" dirty="0"/>
+              <a:t>Application Server aka Web Server i.e. IIS</a:t>
+            </a:r>
+          </a:p>
+        </p:txBody>
+      </p:sp>
+      <p:sp>
+        <p:nvSpPr>
+          <p:cNvPr id="6" name="Rectangle 5">
+            <a:extLst>
+              <a:ext uri="{FF2B5EF4-FFF2-40B4-BE49-F238E27FC236}">
+                <a16:creationId xmlns:a16="http://schemas.microsoft.com/office/drawing/2014/main" id="{262413FB-B511-7EFC-77EB-39E2B7AECF1A}"/>
+              </a:ext>
+            </a:extLst>
+          </p:cNvPr>
+          <p:cNvSpPr/>
+          <p:nvPr/>
+        </p:nvSpPr>
+        <p:spPr>
+          <a:xfrm>
+            <a:off x="5439746" y="877078"/>
+            <a:ext cx="4469364" cy="410547"/>
+          </a:xfrm>
+          <a:prstGeom prst="rect">
+            <a:avLst/>
+          </a:prstGeom>
+        </p:spPr>
+        <p:style>
+          <a:lnRef idx="2">
+            <a:schemeClr val="accent1">
+              <a:shade val="15000"/>
+            </a:schemeClr>
+          </a:lnRef>
+          <a:fillRef idx="1">
+            <a:schemeClr val="accent1"/>
+          </a:fillRef>
+          <a:effectRef idx="0">
+            <a:schemeClr val="accent1"/>
+          </a:effectRef>
+          <a:fontRef idx="minor">
+            <a:schemeClr val="lt1"/>
+          </a:fontRef>
+        </p:style>
+        <p:txBody>
+          <a:bodyPr rtlCol="0" anchor="ctr"/>
+          <a:lstStyle/>
+          <a:p>
+            <a:pPr algn="ctr"/>
+            <a:r>
+              <a:rPr lang="en-US" b="1" dirty="0"/>
+              <a:t>Request Interceptor aka Listener</a:t>
+            </a:r>
+          </a:p>
+        </p:txBody>
+      </p:sp>
+      <p:sp>
+        <p:nvSpPr>
+          <p:cNvPr id="7" name="Rectangle 6">
+            <a:extLst>
+              <a:ext uri="{FF2B5EF4-FFF2-40B4-BE49-F238E27FC236}">
+                <a16:creationId xmlns:a16="http://schemas.microsoft.com/office/drawing/2014/main" id="{06214878-52DF-30B6-DD12-A37EBB618F77}"/>
+              </a:ext>
+            </a:extLst>
+          </p:cNvPr>
+          <p:cNvSpPr/>
+          <p:nvPr/>
+        </p:nvSpPr>
+        <p:spPr>
+          <a:xfrm>
+            <a:off x="5281126" y="1446245"/>
+            <a:ext cx="4739952" cy="3601616"/>
+          </a:xfrm>
+          <a:prstGeom prst="rect">
+            <a:avLst/>
+          </a:prstGeom>
+          <a:solidFill>
+            <a:srgbClr val="FFC000"/>
+          </a:solidFill>
+        </p:spPr>
+        <p:style>
+          <a:lnRef idx="2">
+            <a:schemeClr val="accent1">
+              <a:shade val="15000"/>
+            </a:schemeClr>
+          </a:lnRef>
+          <a:fillRef idx="1">
+            <a:schemeClr val="accent1"/>
+          </a:fillRef>
+          <a:effectRef idx="0">
+            <a:schemeClr val="accent1"/>
+          </a:effectRef>
+          <a:fontRef idx="minor">
+            <a:schemeClr val="lt1"/>
+          </a:fontRef>
+        </p:style>
+        <p:txBody>
+          <a:bodyPr rtlCol="0" anchor="ctr"/>
+          <a:lstStyle/>
+          <a:p>
+            <a:pPr algn="ctr"/>
+            <a:endParaRPr lang="en-US"/>
+          </a:p>
+        </p:txBody>
+      </p:sp>
+      <p:sp>
+        <p:nvSpPr>
+          <p:cNvPr id="9" name="TextBox 8">
+            <a:extLst>
+              <a:ext uri="{FF2B5EF4-FFF2-40B4-BE49-F238E27FC236}">
+                <a16:creationId xmlns:a16="http://schemas.microsoft.com/office/drawing/2014/main" id="{BC88166E-628C-4C13-09C4-780DA9343B8F}"/>
+              </a:ext>
+            </a:extLst>
+          </p:cNvPr>
+          <p:cNvSpPr txBox="1"/>
+          <p:nvPr/>
+        </p:nvSpPr>
+        <p:spPr>
+          <a:xfrm>
+            <a:off x="5439746" y="1543444"/>
+            <a:ext cx="4348066" cy="369332"/>
+          </a:xfrm>
+          <a:prstGeom prst="rect">
+            <a:avLst/>
+          </a:prstGeom>
+          <a:noFill/>
+        </p:spPr>
+        <p:txBody>
+          <a:bodyPr wrap="square" rtlCol="0">
+            <a:spAutoFit/>
+          </a:bodyPr>
+          <a:lstStyle/>
+          <a:p>
+            <a:pPr algn="ctr"/>
+            <a:r>
+              <a:rPr lang="en-US" b="1" dirty="0"/>
+              <a:t>ASP.NET App aka Runtime</a:t>
+            </a:r>
+          </a:p>
+        </p:txBody>
+      </p:sp>
+      <p:sp>
+        <p:nvSpPr>
+          <p:cNvPr id="10" name="TextBox 9">
+            <a:extLst>
+              <a:ext uri="{FF2B5EF4-FFF2-40B4-BE49-F238E27FC236}">
+                <a16:creationId xmlns:a16="http://schemas.microsoft.com/office/drawing/2014/main" id="{12A6997C-B324-508D-3116-83CA6720EBCC}"/>
+              </a:ext>
+            </a:extLst>
+          </p:cNvPr>
+          <p:cNvSpPr txBox="1"/>
+          <p:nvPr/>
+        </p:nvSpPr>
+        <p:spPr>
+          <a:xfrm>
+            <a:off x="10198359" y="1543444"/>
+            <a:ext cx="1856792" cy="369332"/>
+          </a:xfrm>
+          <a:prstGeom prst="rect">
+            <a:avLst/>
+          </a:prstGeom>
+          <a:noFill/>
+        </p:spPr>
+        <p:txBody>
+          <a:bodyPr wrap="square" rtlCol="0">
+            <a:spAutoFit/>
+          </a:bodyPr>
+          <a:lstStyle/>
+          <a:p>
+            <a:r>
+              <a:rPr lang="en-US" dirty="0"/>
+              <a:t>W3wp.exe</a:t>
+            </a:r>
+          </a:p>
+        </p:txBody>
+      </p:sp>
+      <p:sp>
+        <p:nvSpPr>
+          <p:cNvPr id="11" name="Rectangle 10">
+            <a:extLst>
+              <a:ext uri="{FF2B5EF4-FFF2-40B4-BE49-F238E27FC236}">
+                <a16:creationId xmlns:a16="http://schemas.microsoft.com/office/drawing/2014/main" id="{57074285-A28D-F710-1AC4-8901ECFCD3F7}"/>
+              </a:ext>
+            </a:extLst>
+          </p:cNvPr>
+          <p:cNvSpPr/>
+          <p:nvPr/>
+        </p:nvSpPr>
+        <p:spPr>
+          <a:xfrm>
+            <a:off x="5439746" y="1912776"/>
+            <a:ext cx="2006083" cy="369332"/>
+          </a:xfrm>
+          <a:prstGeom prst="rect">
+            <a:avLst/>
+          </a:prstGeom>
+        </p:spPr>
+        <p:style>
+          <a:lnRef idx="2">
+            <a:schemeClr val="accent1">
+              <a:shade val="15000"/>
+            </a:schemeClr>
+          </a:lnRef>
+          <a:fillRef idx="1">
+            <a:schemeClr val="accent1"/>
+          </a:fillRef>
+          <a:effectRef idx="0">
+            <a:schemeClr val="accent1"/>
+          </a:effectRef>
+          <a:fontRef idx="minor">
+            <a:schemeClr val="lt1"/>
+          </a:fontRef>
+        </p:style>
+        <p:txBody>
+          <a:bodyPr rtlCol="0" anchor="ctr"/>
+          <a:lstStyle/>
+          <a:p>
+            <a:pPr algn="ctr"/>
+            <a:r>
+              <a:rPr lang="en-US" sz="1400" b="1" dirty="0"/>
+              <a:t>HttpApplication</a:t>
+            </a:r>
+          </a:p>
+          <a:p>
+            <a:pPr algn="ctr"/>
+            <a:r>
+              <a:rPr lang="en-US" sz="1400" b="1" dirty="0"/>
+              <a:t>Web.config</a:t>
+            </a:r>
+          </a:p>
+        </p:txBody>
+      </p:sp>
+      <p:sp>
+        <p:nvSpPr>
+          <p:cNvPr id="12" name="Rectangle 11">
+            <a:extLst>
+              <a:ext uri="{FF2B5EF4-FFF2-40B4-BE49-F238E27FC236}">
+                <a16:creationId xmlns:a16="http://schemas.microsoft.com/office/drawing/2014/main" id="{1455F156-D919-D3E3-171B-E815F58D9482}"/>
+              </a:ext>
+            </a:extLst>
+          </p:cNvPr>
+          <p:cNvSpPr/>
+          <p:nvPr/>
+        </p:nvSpPr>
+        <p:spPr>
+          <a:xfrm>
+            <a:off x="7781729" y="2636298"/>
+            <a:ext cx="2006083" cy="369332"/>
+          </a:xfrm>
+          <a:prstGeom prst="rect">
+            <a:avLst/>
+          </a:prstGeom>
+        </p:spPr>
+        <p:style>
+          <a:lnRef idx="2">
+            <a:schemeClr val="accent1">
+              <a:shade val="15000"/>
+            </a:schemeClr>
+          </a:lnRef>
+          <a:fillRef idx="1">
+            <a:schemeClr val="accent1"/>
+          </a:fillRef>
+          <a:effectRef idx="0">
+            <a:schemeClr val="accent1"/>
+          </a:effectRef>
+          <a:fontRef idx="minor">
+            <a:schemeClr val="lt1"/>
+          </a:fontRef>
+        </p:style>
+        <p:txBody>
+          <a:bodyPr rtlCol="0" anchor="ctr"/>
+          <a:lstStyle/>
+          <a:p>
+            <a:pPr algn="ctr"/>
+            <a:r>
+              <a:rPr lang="en-US" sz="1400" b="1" dirty="0"/>
+              <a:t>HttpModule</a:t>
+            </a:r>
+          </a:p>
+          <a:p>
+            <a:pPr algn="ctr"/>
+            <a:r>
+              <a:rPr lang="en-US" sz="1400" b="1" dirty="0" err="1"/>
+              <a:t>Global.asax</a:t>
+            </a:r>
+            <a:endParaRPr lang="en-US" sz="1400" b="1" dirty="0"/>
+          </a:p>
+        </p:txBody>
+      </p:sp>
+      <p:cxnSp>
+        <p:nvCxnSpPr>
+          <p:cNvPr id="14" name="Connector: Elbow 13">
+            <a:extLst>
+              <a:ext uri="{FF2B5EF4-FFF2-40B4-BE49-F238E27FC236}">
+                <a16:creationId xmlns:a16="http://schemas.microsoft.com/office/drawing/2014/main" id="{69B7E26F-C59E-7696-A557-4D6490AE2DB5}"/>
+              </a:ext>
+            </a:extLst>
+          </p:cNvPr>
+          <p:cNvCxnSpPr>
+            <a:cxnSpLocks/>
+            <a:stCxn id="11" idx="3"/>
+            <a:endCxn id="12" idx="0"/>
+          </p:cNvCxnSpPr>
+          <p:nvPr/>
+        </p:nvCxnSpPr>
+        <p:spPr>
+          <a:xfrm>
+            <a:off x="7445829" y="2097442"/>
+            <a:ext cx="1338942" cy="538856"/>
+          </a:xfrm>
+          <a:prstGeom prst="bentConnector2">
+            <a:avLst/>
+          </a:prstGeom>
+          <a:ln>
+            <a:tailEnd type="triangle"/>
+          </a:ln>
+        </p:spPr>
+        <p:style>
+          <a:lnRef idx="1">
+            <a:schemeClr val="accent1"/>
+          </a:lnRef>
+          <a:fillRef idx="0">
+            <a:schemeClr val="accent1"/>
+          </a:fillRef>
+          <a:effectRef idx="0">
+            <a:schemeClr val="accent1"/>
+          </a:effectRef>
+          <a:fontRef idx="minor">
+            <a:schemeClr val="tx1"/>
+          </a:fontRef>
+        </p:style>
+      </p:cxnSp>
+      <p:sp>
+        <p:nvSpPr>
+          <p:cNvPr id="15" name="TextBox 14">
+            <a:extLst>
+              <a:ext uri="{FF2B5EF4-FFF2-40B4-BE49-F238E27FC236}">
+                <a16:creationId xmlns:a16="http://schemas.microsoft.com/office/drawing/2014/main" id="{B022C296-29D5-8034-6D2D-06C4F3AFFADC}"/>
+              </a:ext>
+            </a:extLst>
+          </p:cNvPr>
+          <p:cNvSpPr txBox="1"/>
+          <p:nvPr/>
+        </p:nvSpPr>
+        <p:spPr>
+          <a:xfrm>
+            <a:off x="10198359" y="2176752"/>
+            <a:ext cx="1828802" cy="738664"/>
+          </a:xfrm>
+          <a:prstGeom prst="rect">
+            <a:avLst/>
+          </a:prstGeom>
+          <a:noFill/>
+        </p:spPr>
+        <p:txBody>
+          <a:bodyPr wrap="square" rtlCol="0">
+            <a:spAutoFit/>
+          </a:bodyPr>
+          <a:lstStyle/>
+          <a:p>
+            <a:pPr algn="ctr"/>
+            <a:r>
+              <a:rPr lang="en-US" sz="1400" b="1" dirty="0"/>
+              <a:t>Dependencies, RouteTable, Filters, Route Match, etc.</a:t>
+            </a:r>
+          </a:p>
+        </p:txBody>
+      </p:sp>
+      <p:cxnSp>
+        <p:nvCxnSpPr>
+          <p:cNvPr id="17" name="Connector: Elbow 16">
+            <a:extLst>
+              <a:ext uri="{FF2B5EF4-FFF2-40B4-BE49-F238E27FC236}">
+                <a16:creationId xmlns:a16="http://schemas.microsoft.com/office/drawing/2014/main" id="{74DDDCA6-5C89-E9EC-E074-ED63776C8F58}"/>
+              </a:ext>
+            </a:extLst>
+          </p:cNvPr>
+          <p:cNvCxnSpPr>
+            <a:cxnSpLocks/>
+            <a:stCxn id="15" idx="1"/>
+            <a:endCxn id="12" idx="3"/>
+          </p:cNvCxnSpPr>
+          <p:nvPr/>
+        </p:nvCxnSpPr>
+        <p:spPr>
+          <a:xfrm rot="10800000" flipV="1">
+            <a:off x="9787813" y="2546084"/>
+            <a:ext cx="410547" cy="274880"/>
+          </a:xfrm>
+          <a:prstGeom prst="bentConnector3">
+            <a:avLst/>
+          </a:prstGeom>
+          <a:ln>
+            <a:tailEnd type="triangle"/>
+          </a:ln>
+        </p:spPr>
+        <p:style>
+          <a:lnRef idx="1">
+            <a:schemeClr val="accent1"/>
+          </a:lnRef>
+          <a:fillRef idx="0">
+            <a:schemeClr val="accent1"/>
+          </a:fillRef>
+          <a:effectRef idx="0">
+            <a:schemeClr val="accent1"/>
+          </a:effectRef>
+          <a:fontRef idx="minor">
+            <a:schemeClr val="tx1"/>
+          </a:fontRef>
+        </p:style>
+      </p:cxnSp>
+      <p:sp>
+        <p:nvSpPr>
+          <p:cNvPr id="18" name="Rectangle 17">
+            <a:extLst>
+              <a:ext uri="{FF2B5EF4-FFF2-40B4-BE49-F238E27FC236}">
+                <a16:creationId xmlns:a16="http://schemas.microsoft.com/office/drawing/2014/main" id="{4FB4B01D-97FE-A350-6268-E609A8A5FB92}"/>
+              </a:ext>
+            </a:extLst>
+          </p:cNvPr>
+          <p:cNvSpPr/>
+          <p:nvPr/>
+        </p:nvSpPr>
+        <p:spPr>
+          <a:xfrm>
+            <a:off x="5439746" y="3749746"/>
+            <a:ext cx="2006083" cy="369332"/>
+          </a:xfrm>
+          <a:prstGeom prst="rect">
+            <a:avLst/>
+          </a:prstGeom>
+        </p:spPr>
+        <p:style>
+          <a:lnRef idx="2">
+            <a:schemeClr val="accent1">
+              <a:shade val="15000"/>
+            </a:schemeClr>
+          </a:lnRef>
+          <a:fillRef idx="1">
+            <a:schemeClr val="accent1"/>
+          </a:fillRef>
+          <a:effectRef idx="0">
+            <a:schemeClr val="accent1"/>
+          </a:effectRef>
+          <a:fontRef idx="minor">
+            <a:schemeClr val="lt1"/>
+          </a:fontRef>
+        </p:style>
+        <p:txBody>
+          <a:bodyPr rtlCol="0" anchor="ctr"/>
+          <a:lstStyle/>
+          <a:p>
+            <a:pPr algn="ctr"/>
+            <a:r>
+              <a:rPr lang="en-US" sz="1400" b="1" dirty="0" err="1"/>
+              <a:t>HtpHandler</a:t>
+            </a:r>
+            <a:endParaRPr lang="en-US" sz="1400" b="1" dirty="0"/>
+          </a:p>
+        </p:txBody>
+      </p:sp>
+      <p:cxnSp>
+        <p:nvCxnSpPr>
+          <p:cNvPr id="22" name="Connector: Elbow 21">
+            <a:extLst>
+              <a:ext uri="{FF2B5EF4-FFF2-40B4-BE49-F238E27FC236}">
+                <a16:creationId xmlns:a16="http://schemas.microsoft.com/office/drawing/2014/main" id="{34C519F9-835B-31EC-3934-2B4F3E1C69FC}"/>
+              </a:ext>
+            </a:extLst>
+          </p:cNvPr>
+          <p:cNvCxnSpPr>
+            <a:cxnSpLocks/>
+            <a:stCxn id="12" idx="1"/>
+            <a:endCxn id="11" idx="3"/>
+          </p:cNvCxnSpPr>
+          <p:nvPr/>
+        </p:nvCxnSpPr>
+        <p:spPr>
+          <a:xfrm rot="10800000">
+            <a:off x="7445829" y="2097442"/>
+            <a:ext cx="335900" cy="723522"/>
+          </a:xfrm>
+          <a:prstGeom prst="bentConnector3">
+            <a:avLst>
+              <a:gd name="adj1" fmla="val 50000"/>
+            </a:avLst>
+          </a:prstGeom>
+          <a:ln>
+            <a:tailEnd type="triangle"/>
+          </a:ln>
+        </p:spPr>
+        <p:style>
+          <a:lnRef idx="1">
+            <a:schemeClr val="accent1"/>
+          </a:lnRef>
+          <a:fillRef idx="0">
+            <a:schemeClr val="accent1"/>
+          </a:fillRef>
+          <a:effectRef idx="0">
+            <a:schemeClr val="accent1"/>
+          </a:effectRef>
+          <a:fontRef idx="minor">
+            <a:schemeClr val="tx1"/>
+          </a:fontRef>
+        </p:style>
+      </p:cxnSp>
+      <p:sp>
+        <p:nvSpPr>
+          <p:cNvPr id="24" name="Rectangle: Rounded Corners 23">
+            <a:extLst>
+              <a:ext uri="{FF2B5EF4-FFF2-40B4-BE49-F238E27FC236}">
+                <a16:creationId xmlns:a16="http://schemas.microsoft.com/office/drawing/2014/main" id="{1BC8427A-89A3-04AF-962B-C0F9598BD9E5}"/>
+              </a:ext>
+            </a:extLst>
+          </p:cNvPr>
+          <p:cNvSpPr/>
+          <p:nvPr/>
+        </p:nvSpPr>
+        <p:spPr>
+          <a:xfrm>
+            <a:off x="5439746" y="2683523"/>
+            <a:ext cx="1903446" cy="511439"/>
+          </a:xfrm>
+          <a:prstGeom prst="roundRect">
+            <a:avLst/>
+          </a:prstGeom>
+        </p:spPr>
+        <p:style>
+          <a:lnRef idx="2">
+            <a:schemeClr val="accent1">
+              <a:shade val="15000"/>
+            </a:schemeClr>
+          </a:lnRef>
+          <a:fillRef idx="1">
+            <a:schemeClr val="accent1"/>
+          </a:fillRef>
+          <a:effectRef idx="0">
+            <a:schemeClr val="accent1"/>
+          </a:effectRef>
+          <a:fontRef idx="minor">
+            <a:schemeClr val="lt1"/>
+          </a:fontRef>
+        </p:style>
+        <p:txBody>
+          <a:bodyPr rtlCol="0" anchor="ctr"/>
+          <a:lstStyle/>
+          <a:p>
+            <a:pPr algn="ctr"/>
+            <a:r>
+              <a:rPr lang="en-US" dirty="0"/>
+              <a:t>The Route Table</a:t>
+            </a:r>
+          </a:p>
+        </p:txBody>
+      </p:sp>
+      <p:cxnSp>
+        <p:nvCxnSpPr>
+          <p:cNvPr id="26" name="Connector: Elbow 25">
+            <a:extLst>
+              <a:ext uri="{FF2B5EF4-FFF2-40B4-BE49-F238E27FC236}">
+                <a16:creationId xmlns:a16="http://schemas.microsoft.com/office/drawing/2014/main" id="{03DC38F5-124D-EC02-7AAF-3CF16485E4D5}"/>
+              </a:ext>
+            </a:extLst>
+          </p:cNvPr>
+          <p:cNvCxnSpPr>
+            <a:stCxn id="11" idx="2"/>
+            <a:endCxn id="24" idx="0"/>
+          </p:cNvCxnSpPr>
+          <p:nvPr/>
+        </p:nvCxnSpPr>
+        <p:spPr>
+          <a:xfrm rot="5400000">
+            <a:off x="6216422" y="2457156"/>
+            <a:ext cx="401415" cy="51319"/>
+          </a:xfrm>
+          <a:prstGeom prst="bentConnector3">
+            <a:avLst/>
+          </a:prstGeom>
+          <a:ln>
+            <a:tailEnd type="triangle"/>
+          </a:ln>
+        </p:spPr>
+        <p:style>
+          <a:lnRef idx="1">
+            <a:schemeClr val="accent1"/>
+          </a:lnRef>
+          <a:fillRef idx="0">
+            <a:schemeClr val="accent1"/>
+          </a:fillRef>
+          <a:effectRef idx="0">
+            <a:schemeClr val="accent1"/>
+          </a:effectRef>
+          <a:fontRef idx="minor">
+            <a:schemeClr val="tx1"/>
+          </a:fontRef>
+        </p:style>
+      </p:cxnSp>
+      <p:cxnSp>
+        <p:nvCxnSpPr>
+          <p:cNvPr id="28" name="Connector: Elbow 27">
+            <a:extLst>
+              <a:ext uri="{FF2B5EF4-FFF2-40B4-BE49-F238E27FC236}">
+                <a16:creationId xmlns:a16="http://schemas.microsoft.com/office/drawing/2014/main" id="{D15C5DDD-3E55-DE8B-676D-322AF913157E}"/>
+              </a:ext>
+            </a:extLst>
+          </p:cNvPr>
+          <p:cNvCxnSpPr>
+            <a:stCxn id="24" idx="2"/>
+            <a:endCxn id="18" idx="0"/>
+          </p:cNvCxnSpPr>
+          <p:nvPr/>
+        </p:nvCxnSpPr>
+        <p:spPr>
+          <a:xfrm rot="16200000" flipH="1">
+            <a:off x="6139736" y="3446694"/>
+            <a:ext cx="554784" cy="51319"/>
+          </a:xfrm>
+          <a:prstGeom prst="bentConnector3">
+            <a:avLst/>
+          </a:prstGeom>
+          <a:ln>
+            <a:tailEnd type="triangle"/>
+          </a:ln>
+        </p:spPr>
+        <p:style>
+          <a:lnRef idx="1">
+            <a:schemeClr val="accent1"/>
+          </a:lnRef>
+          <a:fillRef idx="0">
+            <a:schemeClr val="accent1"/>
+          </a:fillRef>
+          <a:effectRef idx="0">
+            <a:schemeClr val="accent1"/>
+          </a:effectRef>
+          <a:fontRef idx="minor">
+            <a:schemeClr val="tx1"/>
+          </a:fontRef>
+        </p:style>
+      </p:cxnSp>
+      <p:sp>
+        <p:nvSpPr>
+          <p:cNvPr id="29" name="TextBox 28">
+            <a:extLst>
+              <a:ext uri="{FF2B5EF4-FFF2-40B4-BE49-F238E27FC236}">
+                <a16:creationId xmlns:a16="http://schemas.microsoft.com/office/drawing/2014/main" id="{99249841-0F73-A252-957A-9510465296EC}"/>
+              </a:ext>
+            </a:extLst>
+          </p:cNvPr>
+          <p:cNvSpPr txBox="1"/>
+          <p:nvPr/>
+        </p:nvSpPr>
+        <p:spPr>
+          <a:xfrm>
+            <a:off x="10198359" y="3749746"/>
+            <a:ext cx="1763486" cy="1477328"/>
+          </a:xfrm>
+          <a:prstGeom prst="rect">
+            <a:avLst/>
+          </a:prstGeom>
+          <a:noFill/>
+        </p:spPr>
+        <p:txBody>
+          <a:bodyPr wrap="square" rtlCol="0">
+            <a:spAutoFit/>
+          </a:bodyPr>
+          <a:lstStyle/>
+          <a:p>
+            <a:pPr algn="ctr"/>
+            <a:r>
+              <a:rPr lang="en-US" b="1" dirty="0"/>
+              <a:t>Controller Name, ActionName, and HTTP Request Type</a:t>
+            </a:r>
+          </a:p>
+        </p:txBody>
+      </p:sp>
+      <p:cxnSp>
+        <p:nvCxnSpPr>
+          <p:cNvPr id="31" name="Connector: Elbow 30">
+            <a:extLst>
+              <a:ext uri="{FF2B5EF4-FFF2-40B4-BE49-F238E27FC236}">
+                <a16:creationId xmlns:a16="http://schemas.microsoft.com/office/drawing/2014/main" id="{C0111932-3AC9-75A9-50C1-FB32C4A58561}"/>
+              </a:ext>
+            </a:extLst>
+          </p:cNvPr>
+          <p:cNvCxnSpPr>
+            <a:stCxn id="29" idx="1"/>
+          </p:cNvCxnSpPr>
+          <p:nvPr/>
+        </p:nvCxnSpPr>
+        <p:spPr>
+          <a:xfrm rot="10800000">
+            <a:off x="6442789" y="3429000"/>
+            <a:ext cx="3755571" cy="1059410"/>
+          </a:xfrm>
+          <a:prstGeom prst="bentConnector3">
+            <a:avLst/>
+          </a:prstGeom>
+          <a:ln>
+            <a:tailEnd type="triangle"/>
+          </a:ln>
+        </p:spPr>
+        <p:style>
+          <a:lnRef idx="1">
+            <a:schemeClr val="accent1"/>
+          </a:lnRef>
+          <a:fillRef idx="0">
+            <a:schemeClr val="accent1"/>
+          </a:fillRef>
+          <a:effectRef idx="0">
+            <a:schemeClr val="accent1"/>
+          </a:effectRef>
+          <a:fontRef idx="minor">
+            <a:schemeClr val="tx1"/>
+          </a:fontRef>
+        </p:style>
+      </p:cxnSp>
+      <p:sp>
+        <p:nvSpPr>
+          <p:cNvPr id="32" name="Rectangle: Rounded Corners 31">
+            <a:extLst>
+              <a:ext uri="{FF2B5EF4-FFF2-40B4-BE49-F238E27FC236}">
+                <a16:creationId xmlns:a16="http://schemas.microsoft.com/office/drawing/2014/main" id="{0AA7B91A-1A53-FBAB-A306-AFFDFE04727A}"/>
+              </a:ext>
+            </a:extLst>
+          </p:cNvPr>
+          <p:cNvSpPr/>
+          <p:nvPr/>
+        </p:nvSpPr>
+        <p:spPr>
+          <a:xfrm>
+            <a:off x="5439745" y="4304530"/>
+            <a:ext cx="2006083" cy="592108"/>
+          </a:xfrm>
+          <a:prstGeom prst="roundRect">
+            <a:avLst/>
+          </a:prstGeom>
+        </p:spPr>
+        <p:style>
+          <a:lnRef idx="2">
+            <a:schemeClr val="accent1">
+              <a:shade val="15000"/>
+            </a:schemeClr>
+          </a:lnRef>
+          <a:fillRef idx="1">
+            <a:schemeClr val="accent1"/>
+          </a:fillRef>
+          <a:effectRef idx="0">
+            <a:schemeClr val="accent1"/>
+          </a:effectRef>
+          <a:fontRef idx="minor">
+            <a:schemeClr val="lt1"/>
+          </a:fontRef>
+        </p:style>
+        <p:txBody>
+          <a:bodyPr rtlCol="0" anchor="ctr"/>
+          <a:lstStyle/>
+          <a:p>
+            <a:pPr algn="ctr"/>
+            <a:r>
+              <a:rPr lang="en-US" b="1" dirty="0"/>
+              <a:t>Controller Execution</a:t>
+            </a:r>
+          </a:p>
+        </p:txBody>
+      </p:sp>
+      <p:sp>
+        <p:nvSpPr>
+          <p:cNvPr id="33" name="Arrow: Left 32">
+            <a:extLst>
+              <a:ext uri="{FF2B5EF4-FFF2-40B4-BE49-F238E27FC236}">
+                <a16:creationId xmlns:a16="http://schemas.microsoft.com/office/drawing/2014/main" id="{A00117FE-9960-4AAD-089A-705DBD5AA6EA}"/>
+              </a:ext>
+            </a:extLst>
+          </p:cNvPr>
+          <p:cNvSpPr/>
+          <p:nvPr/>
+        </p:nvSpPr>
+        <p:spPr>
+          <a:xfrm>
+            <a:off x="230155" y="3561200"/>
+            <a:ext cx="5209590" cy="592108"/>
+          </a:xfrm>
+          <a:prstGeom prst="leftArrow">
+            <a:avLst/>
+          </a:prstGeom>
+        </p:spPr>
+        <p:style>
+          <a:lnRef idx="2">
+            <a:schemeClr val="accent1">
+              <a:shade val="15000"/>
+            </a:schemeClr>
+          </a:lnRef>
+          <a:fillRef idx="1">
+            <a:schemeClr val="accent1"/>
+          </a:fillRef>
+          <a:effectRef idx="0">
+            <a:schemeClr val="accent1"/>
+          </a:effectRef>
+          <a:fontRef idx="minor">
+            <a:schemeClr val="lt1"/>
+          </a:fontRef>
+        </p:style>
+        <p:txBody>
+          <a:bodyPr rtlCol="0" anchor="ctr"/>
+          <a:lstStyle/>
+          <a:p>
+            <a:pPr algn="ctr"/>
+            <a:r>
+              <a:rPr lang="en-US" dirty="0"/>
+              <a:t>HTTP Response with Data</a:t>
+            </a:r>
+          </a:p>
+        </p:txBody>
+      </p:sp>
+    </p:spTree>
+    <p:extLst>
+      <p:ext uri="{BB962C8B-B14F-4D97-AF65-F5344CB8AC3E}">
+        <p14:creationId xmlns:p14="http://schemas.microsoft.com/office/powerpoint/2010/main" val="2225121690"/>
+      </p:ext>
+    </p:extLst>
+  </p:cSld>
+  <p:clrMapOvr>
+    <a:masterClrMapping/>
+  </p:clrMapOvr>
+</p:sld>
+</file>
+
+<file path=ppt/slides/slide51.xml><?xml version="1.0" encoding="utf-8"?>
+<p:sld xmlns:a="http://schemas.openxmlformats.org/drawingml/2006/main" xmlns:r="http://schemas.openxmlformats.org/officeDocument/2006/relationships" xmlns:p="http://schemas.openxmlformats.org/presentationml/2006/main">
+  <p:cSld>
+    <p:spTree>
+      <p:nvGrpSpPr>
+        <p:cNvPr id="1" name=""/>
+        <p:cNvGrpSpPr/>
+        <p:nvPr/>
+      </p:nvGrpSpPr>
+      <p:grpSpPr>
+        <a:xfrm>
+          <a:off x="0" y="0"/>
+          <a:ext cx="0" cy="0"/>
+          <a:chOff x="0" y="0"/>
+          <a:chExt cx="0" cy="0"/>
+        </a:xfrm>
+      </p:grpSpPr>
+      <p:sp>
+        <p:nvSpPr>
+          <p:cNvPr id="3" name="TextBox 2">
+            <a:extLst>
+              <a:ext uri="{FF2B5EF4-FFF2-40B4-BE49-F238E27FC236}">
+                <a16:creationId xmlns:a16="http://schemas.microsoft.com/office/drawing/2014/main" id="{40F8A7D4-0436-E5DA-70E6-5AF457B25BB4}"/>
+              </a:ext>
+            </a:extLst>
+          </p:cNvPr>
+          <p:cNvSpPr txBox="1"/>
+          <p:nvPr/>
+        </p:nvSpPr>
+        <p:spPr>
+          <a:xfrm>
+            <a:off x="167951" y="167951"/>
+            <a:ext cx="3265714" cy="369332"/>
+          </a:xfrm>
+          <a:prstGeom prst="rect">
+            <a:avLst/>
+          </a:prstGeom>
+          <a:noFill/>
+        </p:spPr>
+        <p:txBody>
+          <a:bodyPr wrap="square" rtlCol="0">
+            <a:spAutoFit/>
+          </a:bodyPr>
+          <a:lstStyle/>
+          <a:p>
+            <a:r>
+              <a:rPr lang="en-US" dirty="0"/>
+              <a:t>http://server/myapp/api/myctrl</a:t>
+            </a:r>
+          </a:p>
+        </p:txBody>
+      </p:sp>
+      <p:sp>
+        <p:nvSpPr>
+          <p:cNvPr id="4" name="Arrow: Down 3">
+            <a:extLst>
+              <a:ext uri="{FF2B5EF4-FFF2-40B4-BE49-F238E27FC236}">
+                <a16:creationId xmlns:a16="http://schemas.microsoft.com/office/drawing/2014/main" id="{CC7AD928-E8AA-4664-0D38-C34172BEE0E2}"/>
+              </a:ext>
+            </a:extLst>
+          </p:cNvPr>
+          <p:cNvSpPr/>
+          <p:nvPr/>
+        </p:nvSpPr>
+        <p:spPr>
+          <a:xfrm>
+            <a:off x="1436914" y="537283"/>
+            <a:ext cx="317241" cy="442431"/>
+          </a:xfrm>
+          <a:prstGeom prst="downArrow">
+            <a:avLst/>
+          </a:prstGeom>
+        </p:spPr>
+        <p:style>
+          <a:lnRef idx="2">
+            <a:schemeClr val="accent1">
+              <a:shade val="15000"/>
+            </a:schemeClr>
+          </a:lnRef>
+          <a:fillRef idx="1">
+            <a:schemeClr val="accent1"/>
+          </a:fillRef>
+          <a:effectRef idx="0">
+            <a:schemeClr val="accent1"/>
+          </a:effectRef>
+          <a:fontRef idx="minor">
+            <a:schemeClr val="lt1"/>
+          </a:fontRef>
+        </p:style>
+        <p:txBody>
+          <a:bodyPr rtlCol="0" anchor="ctr"/>
+          <a:lstStyle/>
+          <a:p>
+            <a:pPr algn="ctr"/>
+            <a:endParaRPr lang="en-US"/>
+          </a:p>
+        </p:txBody>
+      </p:sp>
+      <p:sp>
+        <p:nvSpPr>
+          <p:cNvPr id="5" name="Rectangle 4">
+            <a:extLst>
+              <a:ext uri="{FF2B5EF4-FFF2-40B4-BE49-F238E27FC236}">
+                <a16:creationId xmlns:a16="http://schemas.microsoft.com/office/drawing/2014/main" id="{16185230-4787-C735-1308-E6FD5327E9BF}"/>
+              </a:ext>
+            </a:extLst>
+          </p:cNvPr>
+          <p:cNvSpPr/>
+          <p:nvPr/>
+        </p:nvSpPr>
+        <p:spPr>
+          <a:xfrm>
+            <a:off x="65314" y="979714"/>
+            <a:ext cx="4711959" cy="5783434"/>
+          </a:xfrm>
+          <a:prstGeom prst="rect">
+            <a:avLst/>
+          </a:prstGeom>
+        </p:spPr>
+        <p:style>
+          <a:lnRef idx="2">
+            <a:schemeClr val="dk1"/>
+          </a:lnRef>
+          <a:fillRef idx="1">
+            <a:schemeClr val="lt1"/>
+          </a:fillRef>
+          <a:effectRef idx="0">
+            <a:schemeClr val="dk1"/>
+          </a:effectRef>
+          <a:fontRef idx="minor">
+            <a:schemeClr val="dk1"/>
+          </a:fontRef>
+        </p:style>
+        <p:txBody>
+          <a:bodyPr rtlCol="0" anchor="ctr"/>
+          <a:lstStyle/>
+          <a:p>
+            <a:pPr algn="ctr"/>
+            <a:endParaRPr lang="en-US"/>
+          </a:p>
+        </p:txBody>
+      </p:sp>
+      <p:sp>
+        <p:nvSpPr>
+          <p:cNvPr id="6" name="TextBox 5">
+            <a:extLst>
+              <a:ext uri="{FF2B5EF4-FFF2-40B4-BE49-F238E27FC236}">
+                <a16:creationId xmlns:a16="http://schemas.microsoft.com/office/drawing/2014/main" id="{C4898D09-0C43-986E-B0A7-E5E0E6BA5C91}"/>
+              </a:ext>
+            </a:extLst>
+          </p:cNvPr>
+          <p:cNvSpPr txBox="1"/>
+          <p:nvPr/>
+        </p:nvSpPr>
+        <p:spPr>
+          <a:xfrm>
+            <a:off x="167951" y="1110343"/>
+            <a:ext cx="4562669" cy="369332"/>
+          </a:xfrm>
+          <a:prstGeom prst="rect">
+            <a:avLst/>
+          </a:prstGeom>
+          <a:noFill/>
+        </p:spPr>
+        <p:txBody>
+          <a:bodyPr wrap="square" rtlCol="0">
+            <a:spAutoFit/>
+          </a:bodyPr>
+          <a:lstStyle/>
+          <a:p>
+            <a:pPr algn="ctr"/>
+            <a:r>
+              <a:rPr lang="en-US" dirty="0"/>
+              <a:t>ControllerContext</a:t>
+            </a:r>
+          </a:p>
+        </p:txBody>
+      </p:sp>
+      <p:sp>
+        <p:nvSpPr>
+          <p:cNvPr id="7" name="Rectangle 6">
+            <a:extLst>
+              <a:ext uri="{FF2B5EF4-FFF2-40B4-BE49-F238E27FC236}">
+                <a16:creationId xmlns:a16="http://schemas.microsoft.com/office/drawing/2014/main" id="{352662BC-7014-3F76-0DCE-38E19746E2B4}"/>
+              </a:ext>
+            </a:extLst>
+          </p:cNvPr>
+          <p:cNvSpPr/>
+          <p:nvPr/>
+        </p:nvSpPr>
+        <p:spPr>
+          <a:xfrm>
+            <a:off x="65314" y="1479675"/>
+            <a:ext cx="4711959" cy="535737"/>
+          </a:xfrm>
+          <a:prstGeom prst="rect">
+            <a:avLst/>
+          </a:prstGeom>
+        </p:spPr>
+        <p:style>
+          <a:lnRef idx="2">
+            <a:schemeClr val="accent1">
+              <a:shade val="15000"/>
+            </a:schemeClr>
+          </a:lnRef>
+          <a:fillRef idx="1">
+            <a:schemeClr val="accent1"/>
+          </a:fillRef>
+          <a:effectRef idx="0">
+            <a:schemeClr val="accent1"/>
+          </a:effectRef>
+          <a:fontRef idx="minor">
+            <a:schemeClr val="lt1"/>
+          </a:fontRef>
+        </p:style>
+        <p:txBody>
+          <a:bodyPr rtlCol="0" anchor="ctr"/>
+          <a:lstStyle/>
+          <a:p>
+            <a:pPr algn="ctr"/>
+            <a:r>
+              <a:rPr lang="en-US" b="1" dirty="0"/>
+              <a:t>Check for Authentication and Authorization applied using ActionFilters </a:t>
+            </a:r>
+          </a:p>
+        </p:txBody>
+      </p:sp>
+      <p:sp>
+        <p:nvSpPr>
+          <p:cNvPr id="8" name="TextBox 7">
+            <a:extLst>
+              <a:ext uri="{FF2B5EF4-FFF2-40B4-BE49-F238E27FC236}">
+                <a16:creationId xmlns:a16="http://schemas.microsoft.com/office/drawing/2014/main" id="{9315B607-4260-02EE-1C1B-B3B6754D3227}"/>
+              </a:ext>
+            </a:extLst>
+          </p:cNvPr>
+          <p:cNvSpPr txBox="1"/>
+          <p:nvPr/>
+        </p:nvSpPr>
+        <p:spPr>
+          <a:xfrm>
+            <a:off x="5113176" y="1479675"/>
+            <a:ext cx="1399591" cy="523220"/>
+          </a:xfrm>
+          <a:prstGeom prst="rect">
+            <a:avLst/>
+          </a:prstGeom>
+          <a:noFill/>
+        </p:spPr>
+        <p:txBody>
+          <a:bodyPr wrap="square" rtlCol="0">
+            <a:spAutoFit/>
+          </a:bodyPr>
+          <a:lstStyle/>
+          <a:p>
+            <a:pPr algn="ctr"/>
+            <a:r>
+              <a:rPr lang="en-US" sz="1400" b="1" dirty="0"/>
+              <a:t>401 Response is </a:t>
+            </a:r>
+            <a:r>
+              <a:rPr lang="en-US" sz="1400" b="1" dirty="0" err="1"/>
+              <a:t>UnAuth</a:t>
+            </a:r>
+            <a:endParaRPr lang="en-US" sz="1400" b="1" dirty="0"/>
+          </a:p>
+        </p:txBody>
+      </p:sp>
+      <p:cxnSp>
+        <p:nvCxnSpPr>
+          <p:cNvPr id="10" name="Connector: Elbow 9">
+            <a:extLst>
+              <a:ext uri="{FF2B5EF4-FFF2-40B4-BE49-F238E27FC236}">
+                <a16:creationId xmlns:a16="http://schemas.microsoft.com/office/drawing/2014/main" id="{5DBECEC3-6028-1BB8-A1FB-A081015D32BA}"/>
+              </a:ext>
+            </a:extLst>
+          </p:cNvPr>
+          <p:cNvCxnSpPr>
+            <a:stCxn id="7" idx="3"/>
+            <a:endCxn id="8" idx="1"/>
+          </p:cNvCxnSpPr>
+          <p:nvPr/>
+        </p:nvCxnSpPr>
+        <p:spPr>
+          <a:xfrm flipV="1">
+            <a:off x="4777273" y="1741285"/>
+            <a:ext cx="335903" cy="6259"/>
+          </a:xfrm>
+          <a:prstGeom prst="bentConnector3">
+            <a:avLst/>
+          </a:prstGeom>
+          <a:ln>
+            <a:tailEnd type="triangle"/>
+          </a:ln>
+        </p:spPr>
+        <p:style>
+          <a:lnRef idx="1">
+            <a:schemeClr val="accent1"/>
+          </a:lnRef>
+          <a:fillRef idx="0">
+            <a:schemeClr val="accent1"/>
+          </a:fillRef>
+          <a:effectRef idx="0">
+            <a:schemeClr val="accent1"/>
+          </a:effectRef>
+          <a:fontRef idx="minor">
+            <a:schemeClr val="tx1"/>
+          </a:fontRef>
+        </p:style>
+      </p:cxnSp>
+      <p:sp>
+        <p:nvSpPr>
+          <p:cNvPr id="11" name="Rectangle 10">
+            <a:extLst>
+              <a:ext uri="{FF2B5EF4-FFF2-40B4-BE49-F238E27FC236}">
+                <a16:creationId xmlns:a16="http://schemas.microsoft.com/office/drawing/2014/main" id="{5531ED6C-6FE5-CA84-AD01-D21BEB1D0D5D}"/>
+              </a:ext>
+            </a:extLst>
+          </p:cNvPr>
+          <p:cNvSpPr/>
+          <p:nvPr/>
+        </p:nvSpPr>
+        <p:spPr>
+          <a:xfrm>
+            <a:off x="65314" y="2149152"/>
+            <a:ext cx="4711959" cy="308692"/>
+          </a:xfrm>
+          <a:prstGeom prst="rect">
+            <a:avLst/>
+          </a:prstGeom>
+          <a:solidFill>
+            <a:srgbClr val="C00000"/>
+          </a:solidFill>
+        </p:spPr>
+        <p:style>
+          <a:lnRef idx="2">
+            <a:schemeClr val="accent1">
+              <a:shade val="15000"/>
+            </a:schemeClr>
+          </a:lnRef>
+          <a:fillRef idx="1">
+            <a:schemeClr val="accent1"/>
+          </a:fillRef>
+          <a:effectRef idx="0">
+            <a:schemeClr val="accent1"/>
+          </a:effectRef>
+          <a:fontRef idx="minor">
+            <a:schemeClr val="lt1"/>
+          </a:fontRef>
+        </p:style>
+        <p:txBody>
+          <a:bodyPr rtlCol="0" anchor="ctr"/>
+          <a:lstStyle/>
+          <a:p>
+            <a:pPr algn="ctr"/>
+            <a:r>
+              <a:rPr lang="en-US" sz="1600" b="1" dirty="0"/>
+              <a:t>Load and Execute Other Action Filters (If Applied)</a:t>
+            </a:r>
+          </a:p>
+        </p:txBody>
+      </p:sp>
+      <p:sp>
+        <p:nvSpPr>
+          <p:cNvPr id="12" name="Rectangle 11">
+            <a:extLst>
+              <a:ext uri="{FF2B5EF4-FFF2-40B4-BE49-F238E27FC236}">
+                <a16:creationId xmlns:a16="http://schemas.microsoft.com/office/drawing/2014/main" id="{493C4777-0314-21E1-8468-09FB9C70E249}"/>
+              </a:ext>
+            </a:extLst>
+          </p:cNvPr>
+          <p:cNvSpPr/>
+          <p:nvPr/>
+        </p:nvSpPr>
+        <p:spPr>
+          <a:xfrm>
+            <a:off x="65314" y="2622636"/>
+            <a:ext cx="4711959" cy="540441"/>
+          </a:xfrm>
+          <a:prstGeom prst="rect">
+            <a:avLst/>
+          </a:prstGeom>
+          <a:solidFill>
+            <a:srgbClr val="FFFF00"/>
+          </a:solidFill>
+        </p:spPr>
+        <p:style>
+          <a:lnRef idx="2">
+            <a:schemeClr val="accent1">
+              <a:shade val="15000"/>
+            </a:schemeClr>
+          </a:lnRef>
+          <a:fillRef idx="1">
+            <a:schemeClr val="accent1"/>
+          </a:fillRef>
+          <a:effectRef idx="0">
+            <a:schemeClr val="accent1"/>
+          </a:effectRef>
+          <a:fontRef idx="minor">
+            <a:schemeClr val="lt1"/>
+          </a:fontRef>
+        </p:style>
+        <p:txBody>
+          <a:bodyPr rtlCol="0" anchor="ctr"/>
+          <a:lstStyle/>
+          <a:p>
+            <a:pPr algn="ctr"/>
+            <a:r>
+              <a:rPr lang="en-US" sz="1600" b="1" dirty="0">
+                <a:solidFill>
+                  <a:srgbClr val="FF0000"/>
+                </a:solidFill>
+              </a:rPr>
+              <a:t>Inject Dependencies into the Constructor those are resolved from DI Container</a:t>
+            </a:r>
+          </a:p>
+        </p:txBody>
+      </p:sp>
+      <p:sp>
+        <p:nvSpPr>
+          <p:cNvPr id="13" name="Rectangle 12">
+            <a:extLst>
+              <a:ext uri="{FF2B5EF4-FFF2-40B4-BE49-F238E27FC236}">
+                <a16:creationId xmlns:a16="http://schemas.microsoft.com/office/drawing/2014/main" id="{D517CB83-9CC1-9332-9723-B4C787C3DC70}"/>
+              </a:ext>
+            </a:extLst>
+          </p:cNvPr>
+          <p:cNvSpPr/>
+          <p:nvPr/>
+        </p:nvSpPr>
+        <p:spPr>
+          <a:xfrm>
+            <a:off x="55983" y="3327869"/>
+            <a:ext cx="4711959" cy="540441"/>
+          </a:xfrm>
+          <a:prstGeom prst="rect">
+            <a:avLst/>
+          </a:prstGeom>
+          <a:solidFill>
+            <a:srgbClr val="002060"/>
+          </a:solidFill>
+        </p:spPr>
+        <p:style>
+          <a:lnRef idx="2">
+            <a:schemeClr val="accent1">
+              <a:shade val="15000"/>
+            </a:schemeClr>
+          </a:lnRef>
+          <a:fillRef idx="1">
+            <a:schemeClr val="accent1"/>
+          </a:fillRef>
+          <a:effectRef idx="0">
+            <a:schemeClr val="accent1"/>
+          </a:effectRef>
+          <a:fontRef idx="minor">
+            <a:schemeClr val="lt1"/>
+          </a:fontRef>
+        </p:style>
+        <p:txBody>
+          <a:bodyPr rtlCol="0" anchor="ctr"/>
+          <a:lstStyle/>
+          <a:p>
+            <a:pPr algn="ctr"/>
+            <a:r>
+              <a:rPr lang="en-US" sz="1600" b="1" dirty="0">
+                <a:solidFill>
+                  <a:schemeClr val="bg1"/>
+                </a:solidFill>
+              </a:rPr>
+              <a:t>Detect The HTTP Request Type and based on it Invoke Action Method (Get, Post, Put, Delete)</a:t>
+            </a:r>
+          </a:p>
+        </p:txBody>
+      </p:sp>
+      <p:sp>
+        <p:nvSpPr>
+          <p:cNvPr id="14" name="TextBox 13">
+            <a:extLst>
+              <a:ext uri="{FF2B5EF4-FFF2-40B4-BE49-F238E27FC236}">
+                <a16:creationId xmlns:a16="http://schemas.microsoft.com/office/drawing/2014/main" id="{3D4F886F-B30B-2745-EF94-AFF40086C373}"/>
+              </a:ext>
+            </a:extLst>
+          </p:cNvPr>
+          <p:cNvSpPr txBox="1"/>
+          <p:nvPr/>
+        </p:nvSpPr>
+        <p:spPr>
+          <a:xfrm>
+            <a:off x="167951" y="3939797"/>
+            <a:ext cx="4413380" cy="523220"/>
+          </a:xfrm>
+          <a:prstGeom prst="rect">
+            <a:avLst/>
+          </a:prstGeom>
+          <a:noFill/>
+        </p:spPr>
+        <p:txBody>
+          <a:bodyPr wrap="square" rtlCol="0">
+            <a:spAutoFit/>
+          </a:bodyPr>
+          <a:lstStyle/>
+          <a:p>
+            <a:pPr algn="ctr"/>
+            <a:r>
+              <a:rPr lang="en-US" sz="1400" b="1" dirty="0"/>
+              <a:t>ActionContext</a:t>
+            </a:r>
+          </a:p>
+          <a:p>
+            <a:pPr algn="ctr"/>
+            <a:r>
+              <a:rPr lang="en-US" sz="1400" b="1" dirty="0"/>
+              <a:t>ActionExecutingContext</a:t>
+            </a:r>
+          </a:p>
+        </p:txBody>
+      </p:sp>
+      <p:sp>
+        <p:nvSpPr>
+          <p:cNvPr id="18" name="Rectangle 17">
+            <a:extLst>
+              <a:ext uri="{FF2B5EF4-FFF2-40B4-BE49-F238E27FC236}">
+                <a16:creationId xmlns:a16="http://schemas.microsoft.com/office/drawing/2014/main" id="{55B21FA3-EB9A-1C2C-42BB-637A950EBD21}"/>
+              </a:ext>
+            </a:extLst>
+          </p:cNvPr>
+          <p:cNvSpPr/>
+          <p:nvPr/>
+        </p:nvSpPr>
+        <p:spPr>
+          <a:xfrm>
+            <a:off x="74645" y="4440980"/>
+            <a:ext cx="4711959" cy="535737"/>
+          </a:xfrm>
+          <a:prstGeom prst="rect">
+            <a:avLst/>
+          </a:prstGeom>
+        </p:spPr>
+        <p:style>
+          <a:lnRef idx="2">
+            <a:schemeClr val="accent1">
+              <a:shade val="15000"/>
+            </a:schemeClr>
+          </a:lnRef>
+          <a:fillRef idx="1">
+            <a:schemeClr val="accent1"/>
+          </a:fillRef>
+          <a:effectRef idx="0">
+            <a:schemeClr val="accent1"/>
+          </a:effectRef>
+          <a:fontRef idx="minor">
+            <a:schemeClr val="lt1"/>
+          </a:fontRef>
+        </p:style>
+        <p:txBody>
+          <a:bodyPr rtlCol="0" anchor="ctr"/>
+          <a:lstStyle/>
+          <a:p>
+            <a:pPr algn="ctr"/>
+            <a:r>
+              <a:rPr lang="en-US" b="1" dirty="0"/>
+              <a:t>Check for Authentication and Authorization applied using ActionFilters </a:t>
+            </a:r>
+          </a:p>
+        </p:txBody>
+      </p:sp>
+      <p:sp>
+        <p:nvSpPr>
+          <p:cNvPr id="19" name="Rectangle 18">
+            <a:extLst>
+              <a:ext uri="{FF2B5EF4-FFF2-40B4-BE49-F238E27FC236}">
+                <a16:creationId xmlns:a16="http://schemas.microsoft.com/office/drawing/2014/main" id="{58C69266-08F3-9A8D-FBDB-5D240191CAE6}"/>
+              </a:ext>
+            </a:extLst>
+          </p:cNvPr>
+          <p:cNvSpPr/>
+          <p:nvPr/>
+        </p:nvSpPr>
+        <p:spPr>
+          <a:xfrm>
+            <a:off x="74645" y="5110457"/>
+            <a:ext cx="4711959" cy="308692"/>
+          </a:xfrm>
+          <a:prstGeom prst="rect">
+            <a:avLst/>
+          </a:prstGeom>
+          <a:solidFill>
+            <a:srgbClr val="C00000"/>
+          </a:solidFill>
+        </p:spPr>
+        <p:style>
+          <a:lnRef idx="2">
+            <a:schemeClr val="accent1">
+              <a:shade val="15000"/>
+            </a:schemeClr>
+          </a:lnRef>
+          <a:fillRef idx="1">
+            <a:schemeClr val="accent1"/>
+          </a:fillRef>
+          <a:effectRef idx="0">
+            <a:schemeClr val="accent1"/>
+          </a:effectRef>
+          <a:fontRef idx="minor">
+            <a:schemeClr val="lt1"/>
+          </a:fontRef>
+        </p:style>
+        <p:txBody>
+          <a:bodyPr rtlCol="0" anchor="ctr"/>
+          <a:lstStyle/>
+          <a:p>
+            <a:pPr algn="ctr"/>
+            <a:r>
+              <a:rPr lang="en-US" sz="1600" b="1" dirty="0"/>
+              <a:t>Load and Execute Other Action Filters (If Applied)</a:t>
+            </a:r>
+          </a:p>
+        </p:txBody>
+      </p:sp>
+      <p:cxnSp>
+        <p:nvCxnSpPr>
+          <p:cNvPr id="21" name="Connector: Elbow 20">
+            <a:extLst>
+              <a:ext uri="{FF2B5EF4-FFF2-40B4-BE49-F238E27FC236}">
+                <a16:creationId xmlns:a16="http://schemas.microsoft.com/office/drawing/2014/main" id="{A1E84BD5-787F-FD20-6C4C-21DC43617FB7}"/>
+              </a:ext>
+            </a:extLst>
+          </p:cNvPr>
+          <p:cNvCxnSpPr>
+            <a:stCxn id="18" idx="3"/>
+            <a:endCxn id="8" idx="2"/>
+          </p:cNvCxnSpPr>
+          <p:nvPr/>
+        </p:nvCxnSpPr>
+        <p:spPr>
+          <a:xfrm flipV="1">
+            <a:off x="4786604" y="2002895"/>
+            <a:ext cx="1026368" cy="2705954"/>
+          </a:xfrm>
+          <a:prstGeom prst="bentConnector2">
+            <a:avLst/>
+          </a:prstGeom>
+          <a:ln>
+            <a:tailEnd type="triangle"/>
+          </a:ln>
+        </p:spPr>
+        <p:style>
+          <a:lnRef idx="1">
+            <a:schemeClr val="accent1"/>
+          </a:lnRef>
+          <a:fillRef idx="0">
+            <a:schemeClr val="accent1"/>
+          </a:fillRef>
+          <a:effectRef idx="0">
+            <a:schemeClr val="accent1"/>
+          </a:effectRef>
+          <a:fontRef idx="minor">
+            <a:schemeClr val="tx1"/>
+          </a:fontRef>
+        </p:style>
+      </p:cxnSp>
+      <p:sp>
+        <p:nvSpPr>
+          <p:cNvPr id="22" name="Rectangle 21">
+            <a:extLst>
+              <a:ext uri="{FF2B5EF4-FFF2-40B4-BE49-F238E27FC236}">
+                <a16:creationId xmlns:a16="http://schemas.microsoft.com/office/drawing/2014/main" id="{C2452FEE-9311-FB10-E816-62DE0CB1DFC2}"/>
+              </a:ext>
+            </a:extLst>
+          </p:cNvPr>
+          <p:cNvSpPr/>
+          <p:nvPr/>
+        </p:nvSpPr>
+        <p:spPr>
+          <a:xfrm>
+            <a:off x="83976" y="5599091"/>
+            <a:ext cx="4693297" cy="517576"/>
+          </a:xfrm>
+          <a:prstGeom prst="rect">
+            <a:avLst/>
+          </a:prstGeom>
+          <a:solidFill>
+            <a:srgbClr val="7030A0"/>
+          </a:solidFill>
+        </p:spPr>
+        <p:style>
+          <a:lnRef idx="2">
+            <a:schemeClr val="accent1">
+              <a:shade val="15000"/>
+            </a:schemeClr>
+          </a:lnRef>
+          <a:fillRef idx="1">
+            <a:schemeClr val="accent1"/>
+          </a:fillRef>
+          <a:effectRef idx="0">
+            <a:schemeClr val="accent1"/>
+          </a:effectRef>
+          <a:fontRef idx="minor">
+            <a:schemeClr val="lt1"/>
+          </a:fontRef>
+        </p:style>
+        <p:txBody>
+          <a:bodyPr rtlCol="0" anchor="ctr"/>
+          <a:lstStyle/>
+          <a:p>
+            <a:pPr algn="ctr"/>
+            <a:r>
+              <a:rPr lang="en-US" sz="1600" b="1" dirty="0"/>
+              <a:t>Execute </a:t>
+            </a:r>
+            <a:r>
+              <a:rPr lang="en-US" sz="1600" b="1" dirty="0" err="1"/>
+              <a:t>Action</a:t>
+            </a:r>
+            <a:r>
+              <a:rPr lang="en-US" sz="1600" b="1" dirty="0" err="1">
+                <a:sym typeface="Wingdings" panose="05000000000000000000" pitchFamily="2" charset="2"/>
+              </a:rPr>
+              <a:t>Call</a:t>
+            </a:r>
+            <a:r>
+              <a:rPr lang="en-US" sz="1600" b="1" dirty="0">
+                <a:sym typeface="Wingdings" panose="05000000000000000000" pitchFamily="2" charset="2"/>
+              </a:rPr>
+              <a:t> Business </a:t>
+            </a:r>
+            <a:r>
+              <a:rPr lang="en-US" sz="1600" b="1" dirty="0" err="1">
+                <a:sym typeface="Wingdings" panose="05000000000000000000" pitchFamily="2" charset="2"/>
+              </a:rPr>
+              <a:t>LogicCall</a:t>
+            </a:r>
+            <a:r>
+              <a:rPr lang="en-US" sz="1600" b="1" dirty="0">
+                <a:sym typeface="Wingdings" panose="05000000000000000000" pitchFamily="2" charset="2"/>
+              </a:rPr>
+              <a:t> Data Access</a:t>
+            </a:r>
+            <a:endParaRPr lang="en-US" sz="1600" b="1" dirty="0"/>
+          </a:p>
+        </p:txBody>
+      </p:sp>
+      <p:sp>
+        <p:nvSpPr>
+          <p:cNvPr id="23" name="TextBox 22">
+            <a:extLst>
+              <a:ext uri="{FF2B5EF4-FFF2-40B4-BE49-F238E27FC236}">
+                <a16:creationId xmlns:a16="http://schemas.microsoft.com/office/drawing/2014/main" id="{3709803A-2BCA-3FF9-93F4-E58905F379C7}"/>
+              </a:ext>
+            </a:extLst>
+          </p:cNvPr>
+          <p:cNvSpPr txBox="1"/>
+          <p:nvPr/>
+        </p:nvSpPr>
+        <p:spPr>
+          <a:xfrm>
+            <a:off x="5113176" y="5623199"/>
+            <a:ext cx="1679510" cy="523220"/>
+          </a:xfrm>
+          <a:prstGeom prst="rect">
+            <a:avLst/>
+          </a:prstGeom>
+          <a:noFill/>
+        </p:spPr>
+        <p:txBody>
+          <a:bodyPr wrap="square" rtlCol="0">
+            <a:spAutoFit/>
+          </a:bodyPr>
+          <a:lstStyle/>
+          <a:p>
+            <a:pPr algn="ctr"/>
+            <a:r>
+              <a:rPr lang="en-US" sz="1400" b="1" dirty="0"/>
+              <a:t>Error Response for An Exception</a:t>
+            </a:r>
+          </a:p>
+        </p:txBody>
+      </p:sp>
+      <p:cxnSp>
+        <p:nvCxnSpPr>
+          <p:cNvPr id="25" name="Connector: Elbow 24">
+            <a:extLst>
+              <a:ext uri="{FF2B5EF4-FFF2-40B4-BE49-F238E27FC236}">
+                <a16:creationId xmlns:a16="http://schemas.microsoft.com/office/drawing/2014/main" id="{9E4C79E2-F555-A5D1-D3A7-9A7AE15AB1BA}"/>
+              </a:ext>
+            </a:extLst>
+          </p:cNvPr>
+          <p:cNvCxnSpPr>
+            <a:stCxn id="22" idx="3"/>
+            <a:endCxn id="23" idx="1"/>
+          </p:cNvCxnSpPr>
+          <p:nvPr/>
+        </p:nvCxnSpPr>
+        <p:spPr>
+          <a:xfrm>
+            <a:off x="4777273" y="5857879"/>
+            <a:ext cx="335903" cy="26930"/>
+          </a:xfrm>
+          <a:prstGeom prst="bentConnector3">
+            <a:avLst/>
+          </a:prstGeom>
+          <a:ln>
+            <a:tailEnd type="triangle"/>
+          </a:ln>
+        </p:spPr>
+        <p:style>
+          <a:lnRef idx="1">
+            <a:schemeClr val="accent1"/>
+          </a:lnRef>
+          <a:fillRef idx="0">
+            <a:schemeClr val="accent1"/>
+          </a:fillRef>
+          <a:effectRef idx="0">
+            <a:schemeClr val="accent1"/>
+          </a:effectRef>
+          <a:fontRef idx="minor">
+            <a:schemeClr val="tx1"/>
+          </a:fontRef>
+        </p:style>
+      </p:cxnSp>
+      <p:sp>
+        <p:nvSpPr>
+          <p:cNvPr id="28" name="TextBox 27">
+            <a:extLst>
+              <a:ext uri="{FF2B5EF4-FFF2-40B4-BE49-F238E27FC236}">
+                <a16:creationId xmlns:a16="http://schemas.microsoft.com/office/drawing/2014/main" id="{71A23F3B-8F09-8283-8F37-E5E1151082E1}"/>
+              </a:ext>
+            </a:extLst>
+          </p:cNvPr>
+          <p:cNvSpPr txBox="1"/>
+          <p:nvPr/>
+        </p:nvSpPr>
+        <p:spPr>
+          <a:xfrm>
+            <a:off x="83976" y="6166829"/>
+            <a:ext cx="4413380" cy="523220"/>
+          </a:xfrm>
+          <a:prstGeom prst="rect">
+            <a:avLst/>
+          </a:prstGeom>
+          <a:noFill/>
+        </p:spPr>
+        <p:txBody>
+          <a:bodyPr wrap="square" rtlCol="0">
+            <a:spAutoFit/>
+          </a:bodyPr>
+          <a:lstStyle/>
+          <a:p>
+            <a:pPr algn="ctr"/>
+            <a:r>
+              <a:rPr lang="en-US" sz="1400" b="1" dirty="0"/>
+              <a:t>ActionExecutedContext</a:t>
+            </a:r>
+          </a:p>
+          <a:p>
+            <a:pPr algn="ctr"/>
+            <a:r>
+              <a:rPr lang="en-US" sz="1400" b="1" dirty="0"/>
+              <a:t>ActionContext Complete</a:t>
+            </a:r>
+          </a:p>
+        </p:txBody>
+      </p:sp>
+      <p:sp>
+        <p:nvSpPr>
+          <p:cNvPr id="29" name="Arrow: Right 28">
+            <a:extLst>
+              <a:ext uri="{FF2B5EF4-FFF2-40B4-BE49-F238E27FC236}">
+                <a16:creationId xmlns:a16="http://schemas.microsoft.com/office/drawing/2014/main" id="{B73A5FEC-892A-4437-C99B-57A3EACF2E09}"/>
+              </a:ext>
+            </a:extLst>
+          </p:cNvPr>
+          <p:cNvSpPr/>
+          <p:nvPr/>
+        </p:nvSpPr>
+        <p:spPr>
+          <a:xfrm>
+            <a:off x="4730620" y="6320717"/>
+            <a:ext cx="1082352" cy="290478"/>
+          </a:xfrm>
+          <a:prstGeom prst="rightArrow">
+            <a:avLst/>
+          </a:prstGeom>
+        </p:spPr>
+        <p:style>
+          <a:lnRef idx="2">
+            <a:schemeClr val="accent1">
+              <a:shade val="15000"/>
+            </a:schemeClr>
+          </a:lnRef>
+          <a:fillRef idx="1">
+            <a:schemeClr val="accent1"/>
+          </a:fillRef>
+          <a:effectRef idx="0">
+            <a:schemeClr val="accent1"/>
+          </a:effectRef>
+          <a:fontRef idx="minor">
+            <a:schemeClr val="lt1"/>
+          </a:fontRef>
+        </p:style>
+        <p:txBody>
+          <a:bodyPr rtlCol="0" anchor="ctr"/>
+          <a:lstStyle/>
+          <a:p>
+            <a:pPr algn="ctr"/>
+            <a:endParaRPr lang="en-US"/>
+          </a:p>
+        </p:txBody>
+      </p:sp>
+      <p:sp>
+        <p:nvSpPr>
+          <p:cNvPr id="30" name="Oval 29">
+            <a:extLst>
+              <a:ext uri="{FF2B5EF4-FFF2-40B4-BE49-F238E27FC236}">
+                <a16:creationId xmlns:a16="http://schemas.microsoft.com/office/drawing/2014/main" id="{C26E2949-3A2E-096F-60DB-375181055AE3}"/>
+              </a:ext>
+            </a:extLst>
+          </p:cNvPr>
+          <p:cNvSpPr/>
+          <p:nvPr/>
+        </p:nvSpPr>
+        <p:spPr>
+          <a:xfrm>
+            <a:off x="5812972" y="6216465"/>
+            <a:ext cx="839755" cy="473584"/>
+          </a:xfrm>
+          <a:prstGeom prst="ellipse">
+            <a:avLst/>
+          </a:prstGeom>
+        </p:spPr>
+        <p:style>
+          <a:lnRef idx="2">
+            <a:schemeClr val="accent1">
+              <a:shade val="15000"/>
+            </a:schemeClr>
+          </a:lnRef>
+          <a:fillRef idx="1">
+            <a:schemeClr val="accent1"/>
+          </a:fillRef>
+          <a:effectRef idx="0">
+            <a:schemeClr val="accent1"/>
+          </a:effectRef>
+          <a:fontRef idx="minor">
+            <a:schemeClr val="lt1"/>
+          </a:fontRef>
+        </p:style>
+        <p:txBody>
+          <a:bodyPr rtlCol="0" anchor="ctr"/>
+          <a:lstStyle/>
+          <a:p>
+            <a:pPr algn="ctr"/>
+            <a:r>
+              <a:rPr lang="en-US" dirty="0"/>
+              <a:t>A</a:t>
+            </a:r>
+          </a:p>
+        </p:txBody>
+      </p:sp>
+      <p:sp>
+        <p:nvSpPr>
+          <p:cNvPr id="31" name="Oval 30">
+            <a:extLst>
+              <a:ext uri="{FF2B5EF4-FFF2-40B4-BE49-F238E27FC236}">
+                <a16:creationId xmlns:a16="http://schemas.microsoft.com/office/drawing/2014/main" id="{A206F519-BB1A-0B3A-2F37-E8F09535125A}"/>
+              </a:ext>
+            </a:extLst>
+          </p:cNvPr>
+          <p:cNvSpPr/>
+          <p:nvPr/>
+        </p:nvSpPr>
+        <p:spPr>
+          <a:xfrm>
+            <a:off x="9688286" y="284914"/>
+            <a:ext cx="839755" cy="473584"/>
+          </a:xfrm>
+          <a:prstGeom prst="ellipse">
+            <a:avLst/>
+          </a:prstGeom>
+        </p:spPr>
+        <p:style>
+          <a:lnRef idx="2">
+            <a:schemeClr val="accent1">
+              <a:shade val="15000"/>
+            </a:schemeClr>
+          </a:lnRef>
+          <a:fillRef idx="1">
+            <a:schemeClr val="accent1"/>
+          </a:fillRef>
+          <a:effectRef idx="0">
+            <a:schemeClr val="accent1"/>
+          </a:effectRef>
+          <a:fontRef idx="minor">
+            <a:schemeClr val="lt1"/>
+          </a:fontRef>
+        </p:style>
+        <p:txBody>
+          <a:bodyPr rtlCol="0" anchor="ctr"/>
+          <a:lstStyle/>
+          <a:p>
+            <a:pPr algn="ctr"/>
+            <a:r>
+              <a:rPr lang="en-US" dirty="0"/>
+              <a:t>A</a:t>
+            </a:r>
+          </a:p>
+        </p:txBody>
+      </p:sp>
+      <p:sp>
+        <p:nvSpPr>
+          <p:cNvPr id="32" name="Rectangle 31">
+            <a:extLst>
+              <a:ext uri="{FF2B5EF4-FFF2-40B4-BE49-F238E27FC236}">
+                <a16:creationId xmlns:a16="http://schemas.microsoft.com/office/drawing/2014/main" id="{06DCB18B-D362-8508-2BCD-9D33B7D3B327}"/>
+              </a:ext>
+            </a:extLst>
+          </p:cNvPr>
+          <p:cNvSpPr/>
+          <p:nvPr/>
+        </p:nvSpPr>
+        <p:spPr>
+          <a:xfrm>
+            <a:off x="8360229" y="895740"/>
+            <a:ext cx="3396342" cy="363894"/>
+          </a:xfrm>
+          <a:prstGeom prst="rect">
+            <a:avLst/>
+          </a:prstGeom>
+        </p:spPr>
+        <p:style>
+          <a:lnRef idx="2">
+            <a:schemeClr val="accent1">
+              <a:shade val="15000"/>
+            </a:schemeClr>
+          </a:lnRef>
+          <a:fillRef idx="1">
+            <a:schemeClr val="accent1"/>
+          </a:fillRef>
+          <a:effectRef idx="0">
+            <a:schemeClr val="accent1"/>
+          </a:effectRef>
+          <a:fontRef idx="minor">
+            <a:schemeClr val="lt1"/>
+          </a:fontRef>
+        </p:style>
+        <p:txBody>
+          <a:bodyPr rtlCol="0" anchor="ctr"/>
+          <a:lstStyle/>
+          <a:p>
+            <a:pPr algn="ctr"/>
+            <a:r>
+              <a:rPr lang="en-US" b="1" dirty="0"/>
+              <a:t>ResultExecutingContext</a:t>
+            </a:r>
+          </a:p>
+        </p:txBody>
+      </p:sp>
+      <p:sp>
+        <p:nvSpPr>
+          <p:cNvPr id="33" name="Rectangle 32">
+            <a:extLst>
+              <a:ext uri="{FF2B5EF4-FFF2-40B4-BE49-F238E27FC236}">
+                <a16:creationId xmlns:a16="http://schemas.microsoft.com/office/drawing/2014/main" id="{E5D8461C-69D5-FA41-380E-788B1746E71B}"/>
+              </a:ext>
+            </a:extLst>
+          </p:cNvPr>
+          <p:cNvSpPr/>
+          <p:nvPr/>
+        </p:nvSpPr>
+        <p:spPr>
+          <a:xfrm>
+            <a:off x="8360229" y="1399592"/>
+            <a:ext cx="3396342" cy="523220"/>
+          </a:xfrm>
+          <a:prstGeom prst="rect">
+            <a:avLst/>
+          </a:prstGeom>
+        </p:spPr>
+        <p:style>
+          <a:lnRef idx="2">
+            <a:schemeClr val="accent1">
+              <a:shade val="15000"/>
+            </a:schemeClr>
+          </a:lnRef>
+          <a:fillRef idx="1">
+            <a:schemeClr val="accent1"/>
+          </a:fillRef>
+          <a:effectRef idx="0">
+            <a:schemeClr val="accent1"/>
+          </a:effectRef>
+          <a:fontRef idx="minor">
+            <a:schemeClr val="lt1"/>
+          </a:fontRef>
+        </p:style>
+        <p:txBody>
+          <a:bodyPr rtlCol="0" anchor="ctr"/>
+          <a:lstStyle/>
+          <a:p>
+            <a:pPr algn="ctr"/>
+            <a:r>
+              <a:rPr lang="en-US" b="1" dirty="0"/>
+              <a:t>Actual Result Ready (JSON) Response</a:t>
+            </a:r>
+          </a:p>
+        </p:txBody>
+      </p:sp>
+      <p:sp>
+        <p:nvSpPr>
+          <p:cNvPr id="34" name="Rectangle 33">
+            <a:extLst>
+              <a:ext uri="{FF2B5EF4-FFF2-40B4-BE49-F238E27FC236}">
+                <a16:creationId xmlns:a16="http://schemas.microsoft.com/office/drawing/2014/main" id="{8151C86A-9018-DBB2-77C7-4CDB976AB319}"/>
+              </a:ext>
+            </a:extLst>
+          </p:cNvPr>
+          <p:cNvSpPr/>
+          <p:nvPr/>
+        </p:nvSpPr>
+        <p:spPr>
+          <a:xfrm>
+            <a:off x="8360229" y="2093950"/>
+            <a:ext cx="3396342" cy="363894"/>
+          </a:xfrm>
+          <a:prstGeom prst="rect">
+            <a:avLst/>
+          </a:prstGeom>
+        </p:spPr>
+        <p:style>
+          <a:lnRef idx="2">
+            <a:schemeClr val="accent1">
+              <a:shade val="15000"/>
+            </a:schemeClr>
+          </a:lnRef>
+          <a:fillRef idx="1">
+            <a:schemeClr val="accent1"/>
+          </a:fillRef>
+          <a:effectRef idx="0">
+            <a:schemeClr val="accent1"/>
+          </a:effectRef>
+          <a:fontRef idx="minor">
+            <a:schemeClr val="lt1"/>
+          </a:fontRef>
+        </p:style>
+        <p:txBody>
+          <a:bodyPr rtlCol="0" anchor="ctr"/>
+          <a:lstStyle/>
+          <a:p>
+            <a:pPr algn="ctr"/>
+            <a:r>
+              <a:rPr lang="en-US" b="1" dirty="0"/>
+              <a:t>ResultExecutedContext</a:t>
+            </a:r>
+          </a:p>
+        </p:txBody>
+      </p:sp>
+      <p:sp>
+        <p:nvSpPr>
+          <p:cNvPr id="35" name="Arrow: Down 34">
+            <a:extLst>
+              <a:ext uri="{FF2B5EF4-FFF2-40B4-BE49-F238E27FC236}">
+                <a16:creationId xmlns:a16="http://schemas.microsoft.com/office/drawing/2014/main" id="{ECE09CCA-9FCD-DE27-10EA-946B444ADC0A}"/>
+              </a:ext>
+            </a:extLst>
+          </p:cNvPr>
+          <p:cNvSpPr/>
+          <p:nvPr/>
+        </p:nvSpPr>
+        <p:spPr>
+          <a:xfrm>
+            <a:off x="9873342" y="2457843"/>
+            <a:ext cx="469641" cy="1125111"/>
+          </a:xfrm>
+          <a:prstGeom prst="downArrow">
+            <a:avLst/>
+          </a:prstGeom>
+        </p:spPr>
+        <p:style>
+          <a:lnRef idx="2">
+            <a:schemeClr val="accent1">
+              <a:shade val="15000"/>
+            </a:schemeClr>
+          </a:lnRef>
+          <a:fillRef idx="1">
+            <a:schemeClr val="accent1"/>
+          </a:fillRef>
+          <a:effectRef idx="0">
+            <a:schemeClr val="accent1"/>
+          </a:effectRef>
+          <a:fontRef idx="minor">
+            <a:schemeClr val="lt1"/>
+          </a:fontRef>
+        </p:style>
+        <p:txBody>
+          <a:bodyPr rtlCol="0" anchor="ctr"/>
+          <a:lstStyle/>
+          <a:p>
+            <a:pPr algn="ctr"/>
+            <a:endParaRPr lang="en-US"/>
+          </a:p>
+        </p:txBody>
+      </p:sp>
+      <p:sp>
+        <p:nvSpPr>
+          <p:cNvPr id="36" name="TextBox 35">
+            <a:extLst>
+              <a:ext uri="{FF2B5EF4-FFF2-40B4-BE49-F238E27FC236}">
+                <a16:creationId xmlns:a16="http://schemas.microsoft.com/office/drawing/2014/main" id="{27B98463-EF61-7EEF-2EB1-D428F1070C61}"/>
+              </a:ext>
+            </a:extLst>
+          </p:cNvPr>
+          <p:cNvSpPr txBox="1"/>
+          <p:nvPr/>
+        </p:nvSpPr>
+        <p:spPr>
+          <a:xfrm>
+            <a:off x="8957388" y="3598089"/>
+            <a:ext cx="2174032" cy="369332"/>
+          </a:xfrm>
+          <a:prstGeom prst="rect">
+            <a:avLst/>
+          </a:prstGeom>
+          <a:noFill/>
+        </p:spPr>
+        <p:txBody>
+          <a:bodyPr wrap="square" rtlCol="0">
+            <a:spAutoFit/>
+          </a:bodyPr>
+          <a:lstStyle/>
+          <a:p>
+            <a:pPr algn="ctr"/>
+            <a:r>
+              <a:rPr lang="en-US" b="1" dirty="0"/>
+              <a:t>HTTP Response</a:t>
+            </a:r>
+          </a:p>
+        </p:txBody>
+      </p:sp>
+    </p:spTree>
+    <p:extLst>
+      <p:ext uri="{BB962C8B-B14F-4D97-AF65-F5344CB8AC3E}">
+        <p14:creationId xmlns:p14="http://schemas.microsoft.com/office/powerpoint/2010/main" val="3661991678"/>
+      </p:ext>
+    </p:extLst>
+  </p:cSld>
+  <p:clrMapOvr>
+    <a:masterClrMapping/>
+  </p:clrMapOvr>
+</p:sld>
+</file>
+
+<file path=ppt/slides/slide52.xml><?xml version="1.0" encoding="utf-8"?>
+<p:sld xmlns:a="http://schemas.openxmlformats.org/drawingml/2006/main" xmlns:r="http://schemas.openxmlformats.org/officeDocument/2006/relationships" xmlns:p="http://schemas.openxmlformats.org/presentationml/2006/main">
+  <p:cSld>
+    <p:spTree>
+      <p:nvGrpSpPr>
+        <p:cNvPr id="1" name=""/>
+        <p:cNvGrpSpPr/>
+        <p:nvPr/>
+      </p:nvGrpSpPr>
+      <p:grpSpPr>
+        <a:xfrm>
+          <a:off x="0" y="0"/>
+          <a:ext cx="0" cy="0"/>
+          <a:chOff x="0" y="0"/>
+          <a:chExt cx="0" cy="0"/>
+        </a:xfrm>
+      </p:grpSpPr>
+      <p:sp>
+        <p:nvSpPr>
+          <p:cNvPr id="2" name="Rectangle 1">
+            <a:extLst>
+              <a:ext uri="{FF2B5EF4-FFF2-40B4-BE49-F238E27FC236}">
+                <a16:creationId xmlns:a16="http://schemas.microsoft.com/office/drawing/2014/main" id="{0F8493DA-BBD8-CF7C-047B-145EF109A0B2}"/>
+              </a:ext>
+            </a:extLst>
+          </p:cNvPr>
+          <p:cNvSpPr/>
+          <p:nvPr/>
+        </p:nvSpPr>
+        <p:spPr>
+          <a:xfrm>
+            <a:off x="8098971" y="905069"/>
+            <a:ext cx="3051111" cy="4534678"/>
+          </a:xfrm>
+          <a:prstGeom prst="rect">
+            <a:avLst/>
+          </a:prstGeom>
+        </p:spPr>
+        <p:style>
+          <a:lnRef idx="2">
+            <a:schemeClr val="accent1">
+              <a:shade val="15000"/>
+            </a:schemeClr>
+          </a:lnRef>
+          <a:fillRef idx="1">
+            <a:schemeClr val="accent1"/>
+          </a:fillRef>
+          <a:effectRef idx="0">
+            <a:schemeClr val="accent1"/>
+          </a:effectRef>
+          <a:fontRef idx="minor">
+            <a:schemeClr val="lt1"/>
+          </a:fontRef>
+        </p:style>
+        <p:txBody>
+          <a:bodyPr rtlCol="0" anchor="ctr"/>
+          <a:lstStyle/>
+          <a:p>
+            <a:pPr algn="ctr"/>
+            <a:r>
+              <a:rPr lang="en-US" dirty="0"/>
+              <a:t>API That Acts as a Data Service</a:t>
+            </a:r>
+          </a:p>
+          <a:p>
+            <a:pPr algn="ctr"/>
+            <a:endParaRPr lang="en-US" dirty="0"/>
+          </a:p>
+          <a:p>
+            <a:pPr algn="ctr"/>
+            <a:r>
+              <a:rPr lang="en-US" dirty="0"/>
+              <a:t>Async Execution</a:t>
+            </a:r>
+          </a:p>
+        </p:txBody>
+      </p:sp>
+      <p:sp>
+        <p:nvSpPr>
+          <p:cNvPr id="3" name="Rectangle 2">
+            <a:extLst>
+              <a:ext uri="{FF2B5EF4-FFF2-40B4-BE49-F238E27FC236}">
+                <a16:creationId xmlns:a16="http://schemas.microsoft.com/office/drawing/2014/main" id="{280FD6C2-8245-9954-75D7-84A6E0D27F44}"/>
+              </a:ext>
+            </a:extLst>
+          </p:cNvPr>
+          <p:cNvSpPr/>
+          <p:nvPr/>
+        </p:nvSpPr>
+        <p:spPr>
+          <a:xfrm>
+            <a:off x="2976465" y="3909527"/>
+            <a:ext cx="4208106" cy="1698171"/>
+          </a:xfrm>
+          <a:prstGeom prst="rect">
+            <a:avLst/>
+          </a:prstGeom>
+        </p:spPr>
+        <p:style>
+          <a:lnRef idx="2">
+            <a:schemeClr val="accent1">
+              <a:shade val="15000"/>
+            </a:schemeClr>
+          </a:lnRef>
+          <a:fillRef idx="1">
+            <a:schemeClr val="accent1"/>
+          </a:fillRef>
+          <a:effectRef idx="0">
+            <a:schemeClr val="accent1"/>
+          </a:effectRef>
+          <a:fontRef idx="minor">
+            <a:schemeClr val="lt1"/>
+          </a:fontRef>
+        </p:style>
+        <p:txBody>
+          <a:bodyPr rtlCol="0" anchor="ctr"/>
+          <a:lstStyle/>
+          <a:p>
+            <a:pPr algn="ctr"/>
+            <a:r>
+              <a:rPr lang="en-US" dirty="0"/>
+              <a:t>Isolated Front-End App</a:t>
+            </a:r>
+          </a:p>
+          <a:p>
+            <a:pPr algn="ctr"/>
+            <a:r>
+              <a:rPr lang="en-US" dirty="0"/>
+              <a:t>jQuery, Angular, React, Vue, etc.</a:t>
+            </a:r>
+          </a:p>
+        </p:txBody>
+      </p:sp>
+      <p:sp>
+        <p:nvSpPr>
+          <p:cNvPr id="4" name="Rectangle 3">
+            <a:extLst>
+              <a:ext uri="{FF2B5EF4-FFF2-40B4-BE49-F238E27FC236}">
+                <a16:creationId xmlns:a16="http://schemas.microsoft.com/office/drawing/2014/main" id="{D25B1E26-14BC-AD5E-F30C-B5E8FD1046D5}"/>
+              </a:ext>
+            </a:extLst>
+          </p:cNvPr>
+          <p:cNvSpPr/>
+          <p:nvPr/>
+        </p:nvSpPr>
+        <p:spPr>
+          <a:xfrm>
+            <a:off x="429208" y="774441"/>
+            <a:ext cx="2043404" cy="1306286"/>
+          </a:xfrm>
+          <a:prstGeom prst="rect">
+            <a:avLst/>
+          </a:prstGeom>
+        </p:spPr>
+        <p:style>
+          <a:lnRef idx="2">
+            <a:schemeClr val="accent1">
+              <a:shade val="15000"/>
+            </a:schemeClr>
+          </a:lnRef>
+          <a:fillRef idx="1">
+            <a:schemeClr val="accent1"/>
+          </a:fillRef>
+          <a:effectRef idx="0">
+            <a:schemeClr val="accent1"/>
+          </a:effectRef>
+          <a:fontRef idx="minor">
+            <a:schemeClr val="lt1"/>
+          </a:fontRef>
+        </p:style>
+        <p:txBody>
+          <a:bodyPr rtlCol="0" anchor="ctr"/>
+          <a:lstStyle/>
+          <a:p>
+            <a:pPr algn="ctr"/>
+            <a:r>
+              <a:rPr lang="en-US" dirty="0"/>
+              <a:t>Browser</a:t>
+            </a:r>
+          </a:p>
+        </p:txBody>
+      </p:sp>
+      <p:cxnSp>
+        <p:nvCxnSpPr>
+          <p:cNvPr id="6" name="Connector: Elbow 5">
+            <a:extLst>
+              <a:ext uri="{FF2B5EF4-FFF2-40B4-BE49-F238E27FC236}">
+                <a16:creationId xmlns:a16="http://schemas.microsoft.com/office/drawing/2014/main" id="{878D2EE6-49F7-3D1E-8966-131126E7A740}"/>
+              </a:ext>
+            </a:extLst>
+          </p:cNvPr>
+          <p:cNvCxnSpPr>
+            <a:stCxn id="4" idx="2"/>
+            <a:endCxn id="3" idx="1"/>
+          </p:cNvCxnSpPr>
+          <p:nvPr/>
+        </p:nvCxnSpPr>
+        <p:spPr>
+          <a:xfrm rot="16200000" flipH="1">
+            <a:off x="874744" y="2656892"/>
+            <a:ext cx="2677886" cy="1525555"/>
+          </a:xfrm>
+          <a:prstGeom prst="bentConnector2">
+            <a:avLst/>
+          </a:prstGeom>
+          <a:ln>
+            <a:tailEnd type="triangle"/>
+          </a:ln>
+        </p:spPr>
+        <p:style>
+          <a:lnRef idx="1">
+            <a:schemeClr val="accent1"/>
+          </a:lnRef>
+          <a:fillRef idx="0">
+            <a:schemeClr val="accent1"/>
+          </a:fillRef>
+          <a:effectRef idx="0">
+            <a:schemeClr val="accent1"/>
+          </a:effectRef>
+          <a:fontRef idx="minor">
+            <a:schemeClr val="tx1"/>
+          </a:fontRef>
+        </p:style>
+      </p:cxnSp>
+      <p:cxnSp>
+        <p:nvCxnSpPr>
+          <p:cNvPr id="8" name="Connector: Elbow 7">
+            <a:extLst>
+              <a:ext uri="{FF2B5EF4-FFF2-40B4-BE49-F238E27FC236}">
+                <a16:creationId xmlns:a16="http://schemas.microsoft.com/office/drawing/2014/main" id="{78B3488E-2C93-2CDF-01AD-3D068D874C25}"/>
+              </a:ext>
+            </a:extLst>
+          </p:cNvPr>
+          <p:cNvCxnSpPr>
+            <a:stCxn id="3" idx="0"/>
+            <a:endCxn id="4" idx="3"/>
+          </p:cNvCxnSpPr>
+          <p:nvPr/>
+        </p:nvCxnSpPr>
+        <p:spPr>
+          <a:xfrm rot="16200000" flipV="1">
+            <a:off x="2535594" y="1364603"/>
+            <a:ext cx="2481943" cy="2607906"/>
+          </a:xfrm>
+          <a:prstGeom prst="bentConnector2">
+            <a:avLst/>
+          </a:prstGeom>
+          <a:ln>
+            <a:tailEnd type="triangle"/>
+          </a:ln>
+        </p:spPr>
+        <p:style>
+          <a:lnRef idx="1">
+            <a:schemeClr val="accent1"/>
+          </a:lnRef>
+          <a:fillRef idx="0">
+            <a:schemeClr val="accent1"/>
+          </a:fillRef>
+          <a:effectRef idx="0">
+            <a:schemeClr val="accent1"/>
+          </a:effectRef>
+          <a:fontRef idx="minor">
+            <a:schemeClr val="tx1"/>
+          </a:fontRef>
+        </p:style>
+      </p:cxnSp>
+      <p:sp>
+        <p:nvSpPr>
+          <p:cNvPr id="9" name="TextBox 8">
+            <a:extLst>
+              <a:ext uri="{FF2B5EF4-FFF2-40B4-BE49-F238E27FC236}">
+                <a16:creationId xmlns:a16="http://schemas.microsoft.com/office/drawing/2014/main" id="{27E05412-DE96-D44A-52EE-13835162382C}"/>
+              </a:ext>
+            </a:extLst>
+          </p:cNvPr>
+          <p:cNvSpPr txBox="1"/>
+          <p:nvPr/>
+        </p:nvSpPr>
+        <p:spPr>
+          <a:xfrm>
+            <a:off x="2677886" y="1539551"/>
+            <a:ext cx="2164702" cy="369332"/>
+          </a:xfrm>
+          <a:prstGeom prst="rect">
+            <a:avLst/>
+          </a:prstGeom>
+          <a:noFill/>
+        </p:spPr>
+        <p:txBody>
+          <a:bodyPr wrap="square" rtlCol="0">
+            <a:spAutoFit/>
+          </a:bodyPr>
+          <a:lstStyle/>
+          <a:p>
+            <a:r>
+              <a:rPr lang="en-US" dirty="0"/>
+              <a:t>HTML UI + JS + CSS</a:t>
+            </a:r>
+          </a:p>
+        </p:txBody>
+      </p:sp>
+      <p:cxnSp>
+        <p:nvCxnSpPr>
+          <p:cNvPr id="11" name="Connector: Elbow 10">
+            <a:extLst>
+              <a:ext uri="{FF2B5EF4-FFF2-40B4-BE49-F238E27FC236}">
+                <a16:creationId xmlns:a16="http://schemas.microsoft.com/office/drawing/2014/main" id="{6A4E74AE-26C2-D823-A349-75CE27819AFD}"/>
+              </a:ext>
+            </a:extLst>
+          </p:cNvPr>
+          <p:cNvCxnSpPr>
+            <a:stCxn id="4" idx="0"/>
+            <a:endCxn id="2" idx="1"/>
+          </p:cNvCxnSpPr>
+          <p:nvPr/>
+        </p:nvCxnSpPr>
+        <p:spPr>
+          <a:xfrm rot="16200000" flipH="1">
+            <a:off x="3575956" y="-1350606"/>
+            <a:ext cx="2397967" cy="6648061"/>
+          </a:xfrm>
+          <a:prstGeom prst="bentConnector4">
+            <a:avLst>
+              <a:gd name="adj1" fmla="val -9533"/>
+              <a:gd name="adj2" fmla="val 57684"/>
+            </a:avLst>
+          </a:prstGeom>
+          <a:ln>
+            <a:tailEnd type="triangle"/>
+          </a:ln>
+        </p:spPr>
+        <p:style>
+          <a:lnRef idx="1">
+            <a:schemeClr val="accent1"/>
+          </a:lnRef>
+          <a:fillRef idx="0">
+            <a:schemeClr val="accent1"/>
+          </a:fillRef>
+          <a:effectRef idx="0">
+            <a:schemeClr val="accent1"/>
+          </a:effectRef>
+          <a:fontRef idx="minor">
+            <a:schemeClr val="tx1"/>
+          </a:fontRef>
+        </p:style>
+      </p:cxnSp>
+      <p:sp>
+        <p:nvSpPr>
+          <p:cNvPr id="12" name="TextBox 11">
+            <a:extLst>
+              <a:ext uri="{FF2B5EF4-FFF2-40B4-BE49-F238E27FC236}">
+                <a16:creationId xmlns:a16="http://schemas.microsoft.com/office/drawing/2014/main" id="{6C15C038-3475-C4D8-4066-943B55D1EC06}"/>
+              </a:ext>
+            </a:extLst>
+          </p:cNvPr>
+          <p:cNvSpPr txBox="1"/>
+          <p:nvPr/>
+        </p:nvSpPr>
+        <p:spPr>
+          <a:xfrm>
+            <a:off x="4502019" y="270588"/>
+            <a:ext cx="2682552" cy="646331"/>
+          </a:xfrm>
+          <a:prstGeom prst="rect">
+            <a:avLst/>
+          </a:prstGeom>
+          <a:noFill/>
+        </p:spPr>
+        <p:txBody>
+          <a:bodyPr wrap="square" rtlCol="0">
+            <a:spAutoFit/>
+          </a:bodyPr>
+          <a:lstStyle/>
+          <a:p>
+            <a:pPr algn="ctr"/>
+            <a:r>
+              <a:rPr lang="en-US" dirty="0"/>
+              <a:t>HTTP Service Calls also Async</a:t>
+            </a:r>
+          </a:p>
+        </p:txBody>
+      </p:sp>
+    </p:spTree>
+    <p:extLst>
+      <p:ext uri="{BB962C8B-B14F-4D97-AF65-F5344CB8AC3E}">
+        <p14:creationId xmlns:p14="http://schemas.microsoft.com/office/powerpoint/2010/main" val="3683983791"/>
+      </p:ext>
+    </p:extLst>
+  </p:cSld>
+  <p:clrMapOvr>
+    <a:masterClrMapping/>
+  </p:clrMapOvr>
+</p:sld>
+</file>
+
+<file path=ppt/slides/slide53.xml><?xml version="1.0" encoding="utf-8"?>
+<p:sld xmlns:a="http://schemas.openxmlformats.org/drawingml/2006/main" xmlns:r="http://schemas.openxmlformats.org/officeDocument/2006/relationships" xmlns:p="http://schemas.openxmlformats.org/presentationml/2006/main">
+  <p:cSld>
+    <p:spTree>
+      <p:nvGrpSpPr>
+        <p:cNvPr id="1" name=""/>
+        <p:cNvGrpSpPr/>
+        <p:nvPr/>
+      </p:nvGrpSpPr>
+      <p:grpSpPr>
+        <a:xfrm>
+          <a:off x="0" y="0"/>
+          <a:ext cx="0" cy="0"/>
+          <a:chOff x="0" y="0"/>
+          <a:chExt cx="0" cy="0"/>
+        </a:xfrm>
+      </p:grpSpPr>
+      <p:sp>
+        <p:nvSpPr>
+          <p:cNvPr id="2" name="Rectangle 1">
+            <a:extLst>
+              <a:ext uri="{FF2B5EF4-FFF2-40B4-BE49-F238E27FC236}">
+                <a16:creationId xmlns:a16="http://schemas.microsoft.com/office/drawing/2014/main" id="{0C4D09EE-4616-1C46-B7FB-F260C4741186}"/>
+              </a:ext>
+            </a:extLst>
+          </p:cNvPr>
+          <p:cNvSpPr/>
+          <p:nvPr/>
+        </p:nvSpPr>
+        <p:spPr>
+          <a:xfrm>
+            <a:off x="345233" y="587829"/>
+            <a:ext cx="11504645" cy="1306285"/>
+          </a:xfrm>
+          <a:prstGeom prst="rect">
+            <a:avLst/>
+          </a:prstGeom>
+        </p:spPr>
+        <p:style>
+          <a:lnRef idx="2">
+            <a:schemeClr val="accent1">
+              <a:shade val="15000"/>
+            </a:schemeClr>
+          </a:lnRef>
+          <a:fillRef idx="1">
+            <a:schemeClr val="accent1"/>
+          </a:fillRef>
+          <a:effectRef idx="0">
+            <a:schemeClr val="accent1"/>
+          </a:effectRef>
+          <a:fontRef idx="minor">
+            <a:schemeClr val="lt1"/>
+          </a:fontRef>
+        </p:style>
+        <p:txBody>
+          <a:bodyPr rtlCol="0" anchor="ctr"/>
+          <a:lstStyle/>
+          <a:p>
+            <a:pPr algn="ctr"/>
+            <a:endParaRPr lang="en-US"/>
+          </a:p>
+        </p:txBody>
+      </p:sp>
+      <p:sp>
+        <p:nvSpPr>
+          <p:cNvPr id="3" name="TextBox 2">
+            <a:extLst>
+              <a:ext uri="{FF2B5EF4-FFF2-40B4-BE49-F238E27FC236}">
+                <a16:creationId xmlns:a16="http://schemas.microsoft.com/office/drawing/2014/main" id="{FD5CB6EF-B6D4-46CF-7015-1B9BB5F6F7E0}"/>
+              </a:ext>
+            </a:extLst>
+          </p:cNvPr>
+          <p:cNvSpPr txBox="1"/>
+          <p:nvPr/>
+        </p:nvSpPr>
+        <p:spPr>
+          <a:xfrm>
+            <a:off x="4254759" y="102637"/>
+            <a:ext cx="3349690" cy="369332"/>
+          </a:xfrm>
+          <a:prstGeom prst="rect">
+            <a:avLst/>
+          </a:prstGeom>
+          <a:noFill/>
+        </p:spPr>
+        <p:txBody>
+          <a:bodyPr wrap="square" rtlCol="0">
+            <a:spAutoFit/>
+          </a:bodyPr>
+          <a:lstStyle/>
+          <a:p>
+            <a:pPr algn="ctr"/>
+            <a:r>
+              <a:rPr lang="en-US" b="1" dirty="0"/>
+              <a:t>HTTP Request</a:t>
+            </a:r>
+          </a:p>
+        </p:txBody>
+      </p:sp>
+      <p:sp>
+        <p:nvSpPr>
+          <p:cNvPr id="4" name="Rectangle 3">
+            <a:extLst>
+              <a:ext uri="{FF2B5EF4-FFF2-40B4-BE49-F238E27FC236}">
+                <a16:creationId xmlns:a16="http://schemas.microsoft.com/office/drawing/2014/main" id="{15B8ADCE-13BD-65C1-5F5E-AAF2075D3C83}"/>
+              </a:ext>
+            </a:extLst>
+          </p:cNvPr>
+          <p:cNvSpPr/>
+          <p:nvPr/>
+        </p:nvSpPr>
+        <p:spPr>
+          <a:xfrm>
+            <a:off x="3461657" y="587829"/>
+            <a:ext cx="522514" cy="1306285"/>
+          </a:xfrm>
+          <a:prstGeom prst="rect">
+            <a:avLst/>
+          </a:prstGeom>
+        </p:spPr>
+        <p:style>
+          <a:lnRef idx="2">
+            <a:schemeClr val="dk1">
+              <a:shade val="15000"/>
+            </a:schemeClr>
+          </a:lnRef>
+          <a:fillRef idx="1">
+            <a:schemeClr val="dk1"/>
+          </a:fillRef>
+          <a:effectRef idx="0">
+            <a:schemeClr val="dk1"/>
+          </a:effectRef>
+          <a:fontRef idx="minor">
+            <a:schemeClr val="lt1"/>
+          </a:fontRef>
+        </p:style>
+        <p:txBody>
+          <a:bodyPr rtlCol="0" anchor="ctr"/>
+          <a:lstStyle/>
+          <a:p>
+            <a:pPr algn="ctr"/>
+            <a:endParaRPr lang="en-US"/>
+          </a:p>
+        </p:txBody>
+      </p:sp>
+      <p:sp>
+        <p:nvSpPr>
+          <p:cNvPr id="5" name="Rectangle 4">
+            <a:extLst>
+              <a:ext uri="{FF2B5EF4-FFF2-40B4-BE49-F238E27FC236}">
+                <a16:creationId xmlns:a16="http://schemas.microsoft.com/office/drawing/2014/main" id="{64C76999-4083-6410-AB74-ABF1D105C5A9}"/>
+              </a:ext>
+            </a:extLst>
+          </p:cNvPr>
+          <p:cNvSpPr/>
+          <p:nvPr/>
+        </p:nvSpPr>
+        <p:spPr>
+          <a:xfrm>
+            <a:off x="7057053" y="587828"/>
+            <a:ext cx="522514" cy="1306285"/>
+          </a:xfrm>
+          <a:prstGeom prst="rect">
+            <a:avLst/>
+          </a:prstGeom>
+        </p:spPr>
+        <p:style>
+          <a:lnRef idx="2">
+            <a:schemeClr val="dk1">
+              <a:shade val="15000"/>
+            </a:schemeClr>
+          </a:lnRef>
+          <a:fillRef idx="1">
+            <a:schemeClr val="dk1"/>
+          </a:fillRef>
+          <a:effectRef idx="0">
+            <a:schemeClr val="dk1"/>
+          </a:effectRef>
+          <a:fontRef idx="minor">
+            <a:schemeClr val="lt1"/>
+          </a:fontRef>
+        </p:style>
+        <p:txBody>
+          <a:bodyPr rtlCol="0" anchor="ctr"/>
+          <a:lstStyle/>
+          <a:p>
+            <a:pPr algn="ctr"/>
+            <a:endParaRPr lang="en-US"/>
+          </a:p>
+        </p:txBody>
+      </p:sp>
+      <p:sp>
+        <p:nvSpPr>
+          <p:cNvPr id="6" name="TextBox 5">
+            <a:extLst>
+              <a:ext uri="{FF2B5EF4-FFF2-40B4-BE49-F238E27FC236}">
+                <a16:creationId xmlns:a16="http://schemas.microsoft.com/office/drawing/2014/main" id="{C6DC2EED-5AA9-AFB2-5EA9-DD8DD4A2F16C}"/>
+              </a:ext>
+            </a:extLst>
+          </p:cNvPr>
+          <p:cNvSpPr txBox="1"/>
+          <p:nvPr/>
+        </p:nvSpPr>
+        <p:spPr>
+          <a:xfrm>
+            <a:off x="513184" y="746449"/>
+            <a:ext cx="2659224" cy="369332"/>
+          </a:xfrm>
+          <a:prstGeom prst="rect">
+            <a:avLst/>
+          </a:prstGeom>
+          <a:noFill/>
+        </p:spPr>
+        <p:txBody>
+          <a:bodyPr wrap="square" rtlCol="0">
+            <a:spAutoFit/>
+          </a:bodyPr>
+          <a:lstStyle/>
+          <a:p>
+            <a:r>
+              <a:rPr lang="en-US" dirty="0"/>
+              <a:t>Header</a:t>
+            </a:r>
+          </a:p>
+        </p:txBody>
+      </p:sp>
+      <p:sp>
+        <p:nvSpPr>
+          <p:cNvPr id="7" name="TextBox 6">
+            <a:extLst>
+              <a:ext uri="{FF2B5EF4-FFF2-40B4-BE49-F238E27FC236}">
+                <a16:creationId xmlns:a16="http://schemas.microsoft.com/office/drawing/2014/main" id="{8C4B07C7-03E3-A918-4107-26F5545AF986}"/>
+              </a:ext>
+            </a:extLst>
+          </p:cNvPr>
+          <p:cNvSpPr txBox="1"/>
+          <p:nvPr/>
+        </p:nvSpPr>
+        <p:spPr>
+          <a:xfrm>
+            <a:off x="4254759" y="746449"/>
+            <a:ext cx="2385526" cy="1200329"/>
+          </a:xfrm>
+          <a:prstGeom prst="rect">
+            <a:avLst/>
+          </a:prstGeom>
+          <a:noFill/>
+        </p:spPr>
+        <p:txBody>
+          <a:bodyPr wrap="square" rtlCol="0">
+            <a:spAutoFit/>
+          </a:bodyPr>
+          <a:lstStyle/>
+          <a:p>
+            <a:r>
+              <a:rPr lang="en-US" dirty="0"/>
+              <a:t>Body</a:t>
+            </a:r>
+          </a:p>
+          <a:p>
+            <a:endParaRPr lang="en-US" dirty="0"/>
+          </a:p>
+          <a:p>
+            <a:r>
+              <a:rPr lang="en-US" dirty="0"/>
+              <a:t>Only in case of POST and PUT</a:t>
+            </a:r>
+          </a:p>
+        </p:txBody>
+      </p:sp>
+      <p:sp>
+        <p:nvSpPr>
+          <p:cNvPr id="8" name="TextBox 7">
+            <a:extLst>
+              <a:ext uri="{FF2B5EF4-FFF2-40B4-BE49-F238E27FC236}">
+                <a16:creationId xmlns:a16="http://schemas.microsoft.com/office/drawing/2014/main" id="{C2D69A4B-2FDF-E9B7-395D-4BBA9FB1D05A}"/>
+              </a:ext>
+            </a:extLst>
+          </p:cNvPr>
+          <p:cNvSpPr txBox="1"/>
+          <p:nvPr/>
+        </p:nvSpPr>
+        <p:spPr>
+          <a:xfrm>
+            <a:off x="7996335" y="746449"/>
+            <a:ext cx="2656114" cy="369332"/>
+          </a:xfrm>
+          <a:prstGeom prst="rect">
+            <a:avLst/>
+          </a:prstGeom>
+          <a:noFill/>
+        </p:spPr>
+        <p:txBody>
+          <a:bodyPr wrap="square" rtlCol="0">
+            <a:spAutoFit/>
+          </a:bodyPr>
+          <a:lstStyle/>
+          <a:p>
+            <a:r>
+              <a:rPr lang="en-US" dirty="0"/>
+              <a:t>Error /  Exception</a:t>
+            </a:r>
+          </a:p>
+        </p:txBody>
+      </p:sp>
+      <p:sp>
+        <p:nvSpPr>
+          <p:cNvPr id="9" name="Rectangle 8">
+            <a:extLst>
+              <a:ext uri="{FF2B5EF4-FFF2-40B4-BE49-F238E27FC236}">
+                <a16:creationId xmlns:a16="http://schemas.microsoft.com/office/drawing/2014/main" id="{60AD8245-E559-E46E-E0BD-57186BE08A51}"/>
+              </a:ext>
+            </a:extLst>
+          </p:cNvPr>
+          <p:cNvSpPr/>
+          <p:nvPr/>
+        </p:nvSpPr>
+        <p:spPr>
+          <a:xfrm>
+            <a:off x="513184" y="3349690"/>
+            <a:ext cx="11140751" cy="2211355"/>
+          </a:xfrm>
+          <a:prstGeom prst="rect">
+            <a:avLst/>
+          </a:prstGeom>
+        </p:spPr>
+        <p:style>
+          <a:lnRef idx="2">
+            <a:schemeClr val="accent1">
+              <a:shade val="15000"/>
+            </a:schemeClr>
+          </a:lnRef>
+          <a:fillRef idx="1">
+            <a:schemeClr val="accent1"/>
+          </a:fillRef>
+          <a:effectRef idx="0">
+            <a:schemeClr val="accent1"/>
+          </a:effectRef>
+          <a:fontRef idx="minor">
+            <a:schemeClr val="lt1"/>
+          </a:fontRef>
+        </p:style>
+        <p:txBody>
+          <a:bodyPr rtlCol="0" anchor="ctr"/>
+          <a:lstStyle/>
+          <a:p>
+            <a:pPr algn="ctr"/>
+            <a:endParaRPr lang="en-US"/>
+          </a:p>
+        </p:txBody>
+      </p:sp>
+      <p:cxnSp>
+        <p:nvCxnSpPr>
+          <p:cNvPr id="11" name="Connector: Elbow 10">
+            <a:extLst>
+              <a:ext uri="{FF2B5EF4-FFF2-40B4-BE49-F238E27FC236}">
+                <a16:creationId xmlns:a16="http://schemas.microsoft.com/office/drawing/2014/main" id="{2C933E52-4EFA-8174-F23F-F6D41CE3517B}"/>
+              </a:ext>
+            </a:extLst>
+          </p:cNvPr>
+          <p:cNvCxnSpPr>
+            <a:cxnSpLocks/>
+            <a:stCxn id="6" idx="2"/>
+            <a:endCxn id="9" idx="0"/>
+          </p:cNvCxnSpPr>
+          <p:nvPr/>
+        </p:nvCxnSpPr>
+        <p:spPr>
+          <a:xfrm rot="16200000" flipH="1">
+            <a:off x="2846224" y="112353"/>
+            <a:ext cx="2233909" cy="4240764"/>
+          </a:xfrm>
+          <a:prstGeom prst="bentConnector3">
+            <a:avLst>
+              <a:gd name="adj1" fmla="val 50000"/>
+            </a:avLst>
+          </a:prstGeom>
+          <a:ln w="76200">
+            <a:solidFill>
+              <a:srgbClr val="002060"/>
+            </a:solidFill>
+            <a:tailEnd type="triangle"/>
+          </a:ln>
+        </p:spPr>
+        <p:style>
+          <a:lnRef idx="1">
+            <a:schemeClr val="accent1"/>
+          </a:lnRef>
+          <a:fillRef idx="0">
+            <a:schemeClr val="accent1"/>
+          </a:fillRef>
+          <a:effectRef idx="0">
+            <a:schemeClr val="accent1"/>
+          </a:effectRef>
+          <a:fontRef idx="minor">
+            <a:schemeClr val="tx1"/>
+          </a:fontRef>
+        </p:style>
+      </p:cxnSp>
+      <p:sp>
+        <p:nvSpPr>
+          <p:cNvPr id="12" name="Rectangle 11">
+            <a:extLst>
+              <a:ext uri="{FF2B5EF4-FFF2-40B4-BE49-F238E27FC236}">
+                <a16:creationId xmlns:a16="http://schemas.microsoft.com/office/drawing/2014/main" id="{5A6D6815-F416-8303-9FCB-5CD4E4BE794A}"/>
+              </a:ext>
+            </a:extLst>
+          </p:cNvPr>
+          <p:cNvSpPr/>
+          <p:nvPr/>
+        </p:nvSpPr>
+        <p:spPr>
+          <a:xfrm>
+            <a:off x="2911151" y="3349690"/>
+            <a:ext cx="261257" cy="2211355"/>
+          </a:xfrm>
+          <a:prstGeom prst="rect">
+            <a:avLst/>
+          </a:prstGeom>
+        </p:spPr>
+        <p:style>
+          <a:lnRef idx="2">
+            <a:schemeClr val="dk1">
+              <a:shade val="15000"/>
+            </a:schemeClr>
+          </a:lnRef>
+          <a:fillRef idx="1">
+            <a:schemeClr val="dk1"/>
+          </a:fillRef>
+          <a:effectRef idx="0">
+            <a:schemeClr val="dk1"/>
+          </a:effectRef>
+          <a:fontRef idx="minor">
+            <a:schemeClr val="lt1"/>
+          </a:fontRef>
+        </p:style>
+        <p:txBody>
+          <a:bodyPr rtlCol="0" anchor="ctr"/>
+          <a:lstStyle/>
+          <a:p>
+            <a:pPr algn="ctr"/>
+            <a:endParaRPr lang="en-US"/>
+          </a:p>
+        </p:txBody>
+      </p:sp>
+      <p:sp>
+        <p:nvSpPr>
+          <p:cNvPr id="13" name="TextBox 12">
+            <a:extLst>
+              <a:ext uri="{FF2B5EF4-FFF2-40B4-BE49-F238E27FC236}">
+                <a16:creationId xmlns:a16="http://schemas.microsoft.com/office/drawing/2014/main" id="{4752FB79-A22A-C5AC-F46B-EBE25AA6B54A}"/>
+              </a:ext>
+            </a:extLst>
+          </p:cNvPr>
+          <p:cNvSpPr txBox="1"/>
+          <p:nvPr/>
+        </p:nvSpPr>
+        <p:spPr>
+          <a:xfrm>
+            <a:off x="671804" y="3429000"/>
+            <a:ext cx="1978090" cy="923330"/>
+          </a:xfrm>
+          <a:prstGeom prst="rect">
+            <a:avLst/>
+          </a:prstGeom>
+          <a:noFill/>
+        </p:spPr>
+        <p:txBody>
+          <a:bodyPr wrap="square" rtlCol="0">
+            <a:spAutoFit/>
+          </a:bodyPr>
+          <a:lstStyle/>
+          <a:p>
+            <a:r>
+              <a:rPr lang="en-US" dirty="0"/>
+              <a:t>URL + URL Parameters if any + QueryString</a:t>
+            </a:r>
+          </a:p>
+        </p:txBody>
+      </p:sp>
+      <p:sp>
+        <p:nvSpPr>
+          <p:cNvPr id="14" name="Rectangle 13">
+            <a:extLst>
+              <a:ext uri="{FF2B5EF4-FFF2-40B4-BE49-F238E27FC236}">
+                <a16:creationId xmlns:a16="http://schemas.microsoft.com/office/drawing/2014/main" id="{B3721B03-FC9F-AAF1-5F52-23AAFBFE086A}"/>
+              </a:ext>
+            </a:extLst>
+          </p:cNvPr>
+          <p:cNvSpPr/>
+          <p:nvPr/>
+        </p:nvSpPr>
+        <p:spPr>
+          <a:xfrm>
+            <a:off x="7473820" y="3344824"/>
+            <a:ext cx="261257" cy="2211355"/>
+          </a:xfrm>
+          <a:prstGeom prst="rect">
+            <a:avLst/>
+          </a:prstGeom>
+        </p:spPr>
+        <p:style>
+          <a:lnRef idx="2">
+            <a:schemeClr val="dk1">
+              <a:shade val="15000"/>
+            </a:schemeClr>
+          </a:lnRef>
+          <a:fillRef idx="1">
+            <a:schemeClr val="dk1"/>
+          </a:fillRef>
+          <a:effectRef idx="0">
+            <a:schemeClr val="dk1"/>
+          </a:effectRef>
+          <a:fontRef idx="minor">
+            <a:schemeClr val="lt1"/>
+          </a:fontRef>
+        </p:style>
+        <p:txBody>
+          <a:bodyPr rtlCol="0" anchor="ctr"/>
+          <a:lstStyle/>
+          <a:p>
+            <a:pPr algn="ctr"/>
+            <a:endParaRPr lang="en-US"/>
+          </a:p>
+        </p:txBody>
+      </p:sp>
+      <p:sp>
+        <p:nvSpPr>
+          <p:cNvPr id="15" name="TextBox 14">
+            <a:extLst>
+              <a:ext uri="{FF2B5EF4-FFF2-40B4-BE49-F238E27FC236}">
+                <a16:creationId xmlns:a16="http://schemas.microsoft.com/office/drawing/2014/main" id="{A715731A-54D8-0C63-3CFB-9E642EB0DB8B}"/>
+              </a:ext>
+            </a:extLst>
+          </p:cNvPr>
+          <p:cNvSpPr txBox="1"/>
+          <p:nvPr/>
+        </p:nvSpPr>
+        <p:spPr>
+          <a:xfrm>
+            <a:off x="3172408" y="3429000"/>
+            <a:ext cx="4245429" cy="1200329"/>
+          </a:xfrm>
+          <a:prstGeom prst="rect">
+            <a:avLst/>
+          </a:prstGeom>
+          <a:noFill/>
+        </p:spPr>
+        <p:txBody>
+          <a:bodyPr wrap="square" rtlCol="0">
+            <a:spAutoFit/>
+          </a:bodyPr>
+          <a:lstStyle/>
+          <a:p>
+            <a:r>
+              <a:rPr lang="en-US" dirty="0"/>
+              <a:t>Headers Configuration</a:t>
+            </a:r>
+          </a:p>
+          <a:p>
+            <a:r>
+              <a:rPr lang="en-US" dirty="0"/>
+              <a:t>Method: Get, Post, </a:t>
+            </a:r>
+            <a:r>
+              <a:rPr lang="en-US" dirty="0" err="1"/>
+              <a:t>Put,Delete</a:t>
+            </a:r>
+            <a:endParaRPr lang="en-US" dirty="0"/>
+          </a:p>
+          <a:p>
+            <a:r>
+              <a:rPr lang="en-US" dirty="0"/>
+              <a:t>Media-Formatter: Content-Type</a:t>
+            </a:r>
+          </a:p>
+          <a:p>
+            <a:r>
+              <a:rPr lang="en-US" dirty="0" err="1"/>
+              <a:t>DataType</a:t>
+            </a:r>
+            <a:r>
+              <a:rPr lang="en-US" dirty="0"/>
+              <a:t>: </a:t>
+            </a:r>
+            <a:r>
+              <a:rPr lang="en-US" dirty="0" err="1"/>
+              <a:t>FormData</a:t>
+            </a:r>
+            <a:endParaRPr lang="en-US" dirty="0"/>
+          </a:p>
+        </p:txBody>
+      </p:sp>
+      <p:sp>
+        <p:nvSpPr>
+          <p:cNvPr id="17" name="TextBox 16">
+            <a:extLst>
+              <a:ext uri="{FF2B5EF4-FFF2-40B4-BE49-F238E27FC236}">
+                <a16:creationId xmlns:a16="http://schemas.microsoft.com/office/drawing/2014/main" id="{51BEAD66-14D6-EF01-F357-0EC2D155962B}"/>
+              </a:ext>
+            </a:extLst>
+          </p:cNvPr>
+          <p:cNvSpPr txBox="1"/>
+          <p:nvPr/>
+        </p:nvSpPr>
+        <p:spPr>
+          <a:xfrm>
+            <a:off x="7800392" y="3508311"/>
+            <a:ext cx="3592286" cy="1200329"/>
+          </a:xfrm>
+          <a:prstGeom prst="rect">
+            <a:avLst/>
+          </a:prstGeom>
+          <a:noFill/>
+        </p:spPr>
+        <p:txBody>
+          <a:bodyPr wrap="square" rtlCol="0">
+            <a:spAutoFit/>
+          </a:bodyPr>
+          <a:lstStyle/>
+          <a:p>
+            <a:r>
+              <a:rPr lang="en-US" dirty="0"/>
+              <a:t>Custom Headers:</a:t>
+            </a:r>
+          </a:p>
+          <a:p>
+            <a:endParaRPr lang="en-US" dirty="0"/>
+          </a:p>
+          <a:p>
+            <a:r>
+              <a:rPr lang="en-US" dirty="0"/>
+              <a:t>X-Version</a:t>
+            </a:r>
+          </a:p>
+          <a:p>
+            <a:endParaRPr lang="en-US" dirty="0"/>
+          </a:p>
+        </p:txBody>
+      </p:sp>
+    </p:spTree>
+    <p:extLst>
+      <p:ext uri="{BB962C8B-B14F-4D97-AF65-F5344CB8AC3E}">
+        <p14:creationId xmlns:p14="http://schemas.microsoft.com/office/powerpoint/2010/main" val="3617769535"/>
       </p:ext>
     </p:extLst>
   </p:cSld>
